--- a/aritra/MouseTracking/images/systemDesign.pptx
+++ b/aritra/MouseTracking/images/systemDesign.pptx
@@ -8,6 +8,7 @@
     <p:sldId id="256" r:id="rId2"/>
     <p:sldId id="257" r:id="rId3"/>
     <p:sldId id="258" r:id="rId4"/>
+    <p:sldId id="259" r:id="rId5"/>
   </p:sldIdLst>
   <p:sldSz cx="12192000" cy="6858000"/>
   <p:notesSz cx="6858000" cy="9144000"/>
@@ -245,7 +246,7 @@
           <a:p>
             <a:fld id="{AAB2D3D3-1E26-436C-8467-9F82561659A6}" type="datetimeFigureOut">
               <a:rPr lang="en-US" smtClean="0"/>
-              <a:t>9/21/2018</a:t>
+              <a:t>9/25/2018</a:t>
             </a:fld>
             <a:endParaRPr lang="en-US"/>
           </a:p>
@@ -415,7 +416,7 @@
           <a:p>
             <a:fld id="{AAB2D3D3-1E26-436C-8467-9F82561659A6}" type="datetimeFigureOut">
               <a:rPr lang="en-US" smtClean="0"/>
-              <a:t>9/21/2018</a:t>
+              <a:t>9/25/2018</a:t>
             </a:fld>
             <a:endParaRPr lang="en-US"/>
           </a:p>
@@ -595,7 +596,7 @@
           <a:p>
             <a:fld id="{AAB2D3D3-1E26-436C-8467-9F82561659A6}" type="datetimeFigureOut">
               <a:rPr lang="en-US" smtClean="0"/>
-              <a:t>9/21/2018</a:t>
+              <a:t>9/25/2018</a:t>
             </a:fld>
             <a:endParaRPr lang="en-US"/>
           </a:p>
@@ -765,7 +766,7 @@
           <a:p>
             <a:fld id="{AAB2D3D3-1E26-436C-8467-9F82561659A6}" type="datetimeFigureOut">
               <a:rPr lang="en-US" smtClean="0"/>
-              <a:t>9/21/2018</a:t>
+              <a:t>9/25/2018</a:t>
             </a:fld>
             <a:endParaRPr lang="en-US"/>
           </a:p>
@@ -1011,7 +1012,7 @@
           <a:p>
             <a:fld id="{AAB2D3D3-1E26-436C-8467-9F82561659A6}" type="datetimeFigureOut">
               <a:rPr lang="en-US" smtClean="0"/>
-              <a:t>9/21/2018</a:t>
+              <a:t>9/25/2018</a:t>
             </a:fld>
             <a:endParaRPr lang="en-US"/>
           </a:p>
@@ -1243,7 +1244,7 @@
           <a:p>
             <a:fld id="{AAB2D3D3-1E26-436C-8467-9F82561659A6}" type="datetimeFigureOut">
               <a:rPr lang="en-US" smtClean="0"/>
-              <a:t>9/21/2018</a:t>
+              <a:t>9/25/2018</a:t>
             </a:fld>
             <a:endParaRPr lang="en-US"/>
           </a:p>
@@ -1610,7 +1611,7 @@
           <a:p>
             <a:fld id="{AAB2D3D3-1E26-436C-8467-9F82561659A6}" type="datetimeFigureOut">
               <a:rPr lang="en-US" smtClean="0"/>
-              <a:t>9/21/2018</a:t>
+              <a:t>9/25/2018</a:t>
             </a:fld>
             <a:endParaRPr lang="en-US"/>
           </a:p>
@@ -1728,7 +1729,7 @@
           <a:p>
             <a:fld id="{AAB2D3D3-1E26-436C-8467-9F82561659A6}" type="datetimeFigureOut">
               <a:rPr lang="en-US" smtClean="0"/>
-              <a:t>9/21/2018</a:t>
+              <a:t>9/25/2018</a:t>
             </a:fld>
             <a:endParaRPr lang="en-US"/>
           </a:p>
@@ -1823,7 +1824,7 @@
           <a:p>
             <a:fld id="{AAB2D3D3-1E26-436C-8467-9F82561659A6}" type="datetimeFigureOut">
               <a:rPr lang="en-US" smtClean="0"/>
-              <a:t>9/21/2018</a:t>
+              <a:t>9/25/2018</a:t>
             </a:fld>
             <a:endParaRPr lang="en-US"/>
           </a:p>
@@ -2100,7 +2101,7 @@
           <a:p>
             <a:fld id="{AAB2D3D3-1E26-436C-8467-9F82561659A6}" type="datetimeFigureOut">
               <a:rPr lang="en-US" smtClean="0"/>
-              <a:t>9/21/2018</a:t>
+              <a:t>9/25/2018</a:t>
             </a:fld>
             <a:endParaRPr lang="en-US"/>
           </a:p>
@@ -2353,7 +2354,7 @@
           <a:p>
             <a:fld id="{AAB2D3D3-1E26-436C-8467-9F82561659A6}" type="datetimeFigureOut">
               <a:rPr lang="en-US" smtClean="0"/>
-              <a:t>9/21/2018</a:t>
+              <a:t>9/25/2018</a:t>
             </a:fld>
             <a:endParaRPr lang="en-US"/>
           </a:p>
@@ -2566,7 +2567,7 @@
           <a:p>
             <a:fld id="{AAB2D3D3-1E26-436C-8467-9F82561659A6}" type="datetimeFigureOut">
               <a:rPr lang="en-US" smtClean="0"/>
-              <a:t>9/21/2018</a:t>
+              <a:t>9/25/2018</a:t>
             </a:fld>
             <a:endParaRPr lang="en-US"/>
           </a:p>
@@ -2980,9 +2981,9 @@
         <p:grpSpPr>
           <a:xfrm>
             <a:off x="3706756" y="2016578"/>
-            <a:ext cx="1441591" cy="1045241"/>
+            <a:ext cx="1666161" cy="1314904"/>
             <a:chOff x="4379856" y="2569028"/>
-            <a:chExt cx="1441591" cy="1045241"/>
+            <a:chExt cx="1666161" cy="1314904"/>
           </a:xfrm>
         </p:grpSpPr>
         <p:pic>
@@ -3016,7 +3017,7 @@
           </p:nvSpPr>
           <p:spPr>
             <a:xfrm>
-              <a:off x="4724067" y="3037173"/>
+              <a:off x="5224510" y="3514600"/>
               <a:ext cx="821507" cy="369332"/>
             </a:xfrm>
             <a:prstGeom prst="rect">
@@ -3030,18 +3031,10 @@
             <a:lstStyle/>
             <a:p>
               <a:r>
-                <a:rPr lang="en-US" b="1" dirty="0" smtClean="0">
-                  <a:solidFill>
-                    <a:srgbClr val="FF0000"/>
-                  </a:solidFill>
-                </a:rPr>
+                <a:rPr lang="en-US" b="1" dirty="0" smtClean="0"/>
                 <a:t>Device</a:t>
               </a:r>
-              <a:endParaRPr lang="en-US" b="1" dirty="0">
-                <a:solidFill>
-                  <a:srgbClr val="FF0000"/>
-                </a:solidFill>
-              </a:endParaRPr>
+              <a:endParaRPr lang="en-US" b="1" dirty="0"/>
             </a:p>
           </p:txBody>
         </p:sp>
@@ -3885,8 +3878,8 @@
               </a:p>
             </p:txBody>
           </p:sp>
-          <mc:AlternateContent xmlns:mc="http://schemas.openxmlformats.org/markup-compatibility/2006">
-            <mc:Choice xmlns:a14="http://schemas.microsoft.com/office/drawing/2010/main" Requires="a14">
+          <mc:AlternateContent xmlns:mc="http://schemas.openxmlformats.org/markup-compatibility/2006" xmlns:a14="http://schemas.microsoft.com/office/drawing/2010/main">
+            <mc:Choice Requires="a14">
               <p:sp>
                 <p:nvSpPr>
                   <p:cNvPr id="41" name="Rectangle 40"/>
@@ -3951,7 +3944,7 @@
                 </p:txBody>
               </p:sp>
             </mc:Choice>
-            <mc:Fallback>
+            <mc:Fallback xmlns="">
               <p:sp>
                 <p:nvSpPr>
                   <p:cNvPr id="41" name="Rectangle 40"/>
@@ -4243,7 +4236,7 @@
           <p:spPr>
             <a:xfrm>
               <a:off x="7762470" y="4065279"/>
-              <a:ext cx="855234" cy="369332"/>
+              <a:ext cx="876202" cy="369332"/>
             </a:xfrm>
             <a:prstGeom prst="rect">
               <a:avLst/>
@@ -4256,10 +4249,10 @@
             <a:lstStyle/>
             <a:p>
               <a:r>
-                <a:rPr lang="en-US" dirty="0" smtClean="0"/>
+                <a:rPr lang="en-US" b="1" dirty="0" smtClean="0"/>
                 <a:t>Display</a:t>
               </a:r>
-              <a:endParaRPr lang="en-US" dirty="0"/>
+              <a:endParaRPr lang="en-US" b="1" dirty="0"/>
             </a:p>
           </p:txBody>
         </p:sp>
@@ -4895,7 +4888,7 @@
           <p:spPr>
             <a:xfrm>
               <a:off x="1769306" y="3703766"/>
-              <a:ext cx="614912" cy="369332"/>
+              <a:ext cx="622927" cy="369332"/>
             </a:xfrm>
             <a:prstGeom prst="rect">
               <a:avLst/>
@@ -4908,10 +4901,10 @@
             <a:lstStyle/>
             <a:p>
               <a:r>
-                <a:rPr lang="en-US" dirty="0" smtClean="0"/>
+                <a:rPr lang="en-US" b="1" dirty="0" smtClean="0"/>
                 <a:t>Host</a:t>
               </a:r>
-              <a:endParaRPr lang="en-US" dirty="0"/>
+              <a:endParaRPr lang="en-US" b="1" dirty="0"/>
             </a:p>
           </p:txBody>
         </p:sp>
@@ -5022,6 +5015,35 @@
           </p:spPr>
         </p:pic>
       </p:grpSp>
+      <p:sp>
+        <p:nvSpPr>
+          <p:cNvPr id="78" name="Rectangle 77"/>
+          <p:cNvSpPr/>
+          <p:nvPr/>
+        </p:nvSpPr>
+        <p:spPr>
+          <a:xfrm>
+            <a:off x="5097216" y="389285"/>
+            <a:ext cx="1577804" cy="369332"/>
+          </a:xfrm>
+          <a:prstGeom prst="rect">
+            <a:avLst/>
+          </a:prstGeom>
+        </p:spPr>
+        <p:txBody>
+          <a:bodyPr wrap="none">
+            <a:spAutoFit/>
+          </a:bodyPr>
+          <a:lstStyle/>
+          <a:p>
+            <a:r>
+              <a:rPr lang="en-US" b="1" dirty="0" smtClean="0"/>
+              <a:t>Remote server</a:t>
+            </a:r>
+            <a:endParaRPr lang="en-US" b="1" dirty="0"/>
+          </a:p>
+        </p:txBody>
+      </p:sp>
     </p:spTree>
     <p:extLst>
       <p:ext uri="{BB962C8B-B14F-4D97-AF65-F5344CB8AC3E}">
@@ -5987,8 +6009,8 @@
           </a:prstGeom>
         </p:spPr>
       </p:pic>
-      <mc:AlternateContent xmlns:mc="http://schemas.openxmlformats.org/markup-compatibility/2006">
-        <mc:Choice xmlns:a14="http://schemas.microsoft.com/office/drawing/2010/main" Requires="a14">
+      <mc:AlternateContent xmlns:mc="http://schemas.openxmlformats.org/markup-compatibility/2006" xmlns:a14="http://schemas.microsoft.com/office/drawing/2010/main">
+        <mc:Choice Requires="a14">
           <p:sp>
             <p:nvSpPr>
               <p:cNvPr id="42" name="TextBox 41"/>
@@ -6011,6 +6033,7 @@
               </a:bodyPr>
               <a:lstStyle/>
               <a:p>
+                <a:pPr/>
                 <a14:m>
                   <m:oMathPara xmlns:m="http://schemas.openxmlformats.org/officeDocument/2006/math">
                     <m:oMathParaPr>
@@ -6093,7 +6116,7 @@
             </p:txBody>
           </p:sp>
         </mc:Choice>
-        <mc:Fallback>
+        <mc:Fallback xmlns="">
           <p:sp>
             <p:nvSpPr>
               <p:cNvPr id="42" name="TextBox 41"/>
@@ -6132,8 +6155,8 @@
           </p:sp>
         </mc:Fallback>
       </mc:AlternateContent>
-      <mc:AlternateContent xmlns:mc="http://schemas.openxmlformats.org/markup-compatibility/2006">
-        <mc:Choice xmlns:a14="http://schemas.microsoft.com/office/drawing/2010/main" Requires="a14">
+      <mc:AlternateContent xmlns:mc="http://schemas.openxmlformats.org/markup-compatibility/2006" xmlns:a14="http://schemas.microsoft.com/office/drawing/2010/main">
+        <mc:Choice Requires="a14">
           <p:sp>
             <p:nvSpPr>
               <p:cNvPr id="43" name="TextBox 42"/>
@@ -6156,6 +6179,7 @@
               </a:bodyPr>
               <a:lstStyle/>
               <a:p>
+                <a:pPr/>
                 <a14:m>
                   <m:oMathPara xmlns:m="http://schemas.openxmlformats.org/officeDocument/2006/math">
                     <m:oMathParaPr>
@@ -6238,7 +6262,7 @@
             </p:txBody>
           </p:sp>
         </mc:Choice>
-        <mc:Fallback>
+        <mc:Fallback xmlns="">
           <p:sp>
             <p:nvSpPr>
               <p:cNvPr id="43" name="TextBox 42"/>
@@ -6277,8 +6301,8 @@
           </p:sp>
         </mc:Fallback>
       </mc:AlternateContent>
-      <mc:AlternateContent xmlns:mc="http://schemas.openxmlformats.org/markup-compatibility/2006">
-        <mc:Choice xmlns:a14="http://schemas.microsoft.com/office/drawing/2010/main" Requires="a14">
+      <mc:AlternateContent xmlns:mc="http://schemas.openxmlformats.org/markup-compatibility/2006" xmlns:a14="http://schemas.microsoft.com/office/drawing/2010/main">
+        <mc:Choice Requires="a14">
           <p:sp>
             <p:nvSpPr>
               <p:cNvPr id="44" name="TextBox 43"/>
@@ -6301,6 +6325,7 @@
               </a:bodyPr>
               <a:lstStyle/>
               <a:p>
+                <a:pPr/>
                 <a14:m>
                   <m:oMathPara xmlns:m="http://schemas.openxmlformats.org/officeDocument/2006/math">
                     <m:oMathParaPr>
@@ -6383,7 +6408,7 @@
             </p:txBody>
           </p:sp>
         </mc:Choice>
-        <mc:Fallback>
+        <mc:Fallback xmlns="">
           <p:sp>
             <p:nvSpPr>
               <p:cNvPr id="44" name="TextBox 43"/>
@@ -6845,8 +6870,8 @@
           </a:p>
         </p:txBody>
       </p:sp>
-      <mc:AlternateContent xmlns:mc="http://schemas.openxmlformats.org/markup-compatibility/2006">
-        <mc:Choice xmlns:a14="http://schemas.microsoft.com/office/drawing/2010/main" Requires="a14">
+      <mc:AlternateContent xmlns:mc="http://schemas.openxmlformats.org/markup-compatibility/2006" xmlns:a14="http://schemas.microsoft.com/office/drawing/2010/main">
+        <mc:Choice Requires="a14">
           <p:sp>
             <p:nvSpPr>
               <p:cNvPr id="56" name="TextBox 55"/>
@@ -6869,6 +6894,7 @@
               </a:bodyPr>
               <a:lstStyle/>
               <a:p>
+                <a:pPr/>
                 <a14:m>
                   <m:oMathPara xmlns:m="http://schemas.openxmlformats.org/officeDocument/2006/math">
                     <m:oMathParaPr>
@@ -6951,7 +6977,7 @@
             </p:txBody>
           </p:sp>
         </mc:Choice>
-        <mc:Fallback>
+        <mc:Fallback xmlns="">
           <p:sp>
             <p:nvSpPr>
               <p:cNvPr id="56" name="TextBox 55"/>
@@ -6990,8 +7016,8 @@
           </p:sp>
         </mc:Fallback>
       </mc:AlternateContent>
-      <mc:AlternateContent xmlns:mc="http://schemas.openxmlformats.org/markup-compatibility/2006">
-        <mc:Choice xmlns:a14="http://schemas.microsoft.com/office/drawing/2010/main" Requires="a14">
+      <mc:AlternateContent xmlns:mc="http://schemas.openxmlformats.org/markup-compatibility/2006" xmlns:a14="http://schemas.microsoft.com/office/drawing/2010/main">
+        <mc:Choice Requires="a14">
           <p:sp>
             <p:nvSpPr>
               <p:cNvPr id="57" name="TextBox 56"/>
@@ -7014,6 +7040,7 @@
               </a:bodyPr>
               <a:lstStyle/>
               <a:p>
+                <a:pPr/>
                 <a14:m>
                   <m:oMathPara xmlns:m="http://schemas.openxmlformats.org/officeDocument/2006/math">
                     <m:oMathParaPr>
@@ -7096,7 +7123,7 @@
             </p:txBody>
           </p:sp>
         </mc:Choice>
-        <mc:Fallback>
+        <mc:Fallback xmlns="">
           <p:sp>
             <p:nvSpPr>
               <p:cNvPr id="57" name="TextBox 56"/>
@@ -7135,8 +7162,8 @@
           </p:sp>
         </mc:Fallback>
       </mc:AlternateContent>
-      <mc:AlternateContent xmlns:mc="http://schemas.openxmlformats.org/markup-compatibility/2006">
-        <mc:Choice xmlns:a14="http://schemas.microsoft.com/office/drawing/2010/main" Requires="a14">
+      <mc:AlternateContent xmlns:mc="http://schemas.openxmlformats.org/markup-compatibility/2006" xmlns:a14="http://schemas.microsoft.com/office/drawing/2010/main">
+        <mc:Choice Requires="a14">
           <p:sp>
             <p:nvSpPr>
               <p:cNvPr id="58" name="TextBox 57"/>
@@ -7159,6 +7186,7 @@
               </a:bodyPr>
               <a:lstStyle/>
               <a:p>
+                <a:pPr/>
                 <a14:m>
                   <m:oMathPara xmlns:m="http://schemas.openxmlformats.org/officeDocument/2006/math">
                     <m:oMathParaPr>
@@ -7241,7 +7269,7 @@
             </p:txBody>
           </p:sp>
         </mc:Choice>
-        <mc:Fallback>
+        <mc:Fallback xmlns="">
           <p:sp>
             <p:nvSpPr>
               <p:cNvPr id="58" name="TextBox 57"/>
@@ -7858,6 +7886,1698 @@
     <p:extLst>
       <p:ext uri="{BB962C8B-B14F-4D97-AF65-F5344CB8AC3E}">
         <p14:creationId xmlns:p14="http://schemas.microsoft.com/office/powerpoint/2010/main" val="1627880502"/>
+      </p:ext>
+    </p:extLst>
+  </p:cSld>
+  <p:clrMapOvr>
+    <a:masterClrMapping/>
+  </p:clrMapOvr>
+</p:sld>
+</file>
+
+<file path=ppt/slides/slide4.xml><?xml version="1.0" encoding="utf-8"?>
+<p:sld xmlns:a="http://schemas.openxmlformats.org/drawingml/2006/main" xmlns:r="http://schemas.openxmlformats.org/officeDocument/2006/relationships" xmlns:p="http://schemas.openxmlformats.org/presentationml/2006/main">
+  <p:cSld>
+    <p:spTree>
+      <p:nvGrpSpPr>
+        <p:cNvPr id="1" name=""/>
+        <p:cNvGrpSpPr/>
+        <p:nvPr/>
+      </p:nvGrpSpPr>
+      <p:grpSpPr>
+        <a:xfrm>
+          <a:off x="0" y="0"/>
+          <a:ext cx="0" cy="0"/>
+          <a:chOff x="0" y="0"/>
+          <a:chExt cx="0" cy="0"/>
+        </a:xfrm>
+      </p:grpSpPr>
+      <p:cxnSp>
+        <p:nvCxnSpPr>
+          <p:cNvPr id="47" name="Straight Arrow Connector 46"/>
+          <p:cNvCxnSpPr/>
+          <p:nvPr/>
+        </p:nvCxnSpPr>
+        <p:spPr>
+          <a:xfrm flipH="1">
+            <a:off x="610583" y="2582597"/>
+            <a:ext cx="2248493" cy="0"/>
+          </a:xfrm>
+          <a:prstGeom prst="straightConnector1">
+            <a:avLst/>
+          </a:prstGeom>
+          <a:ln w="19050">
+            <a:headEnd type="none" w="med" len="med"/>
+            <a:tailEnd type="arrow" w="med" len="med"/>
+          </a:ln>
+        </p:spPr>
+        <p:style>
+          <a:lnRef idx="1">
+            <a:schemeClr val="dk1"/>
+          </a:lnRef>
+          <a:fillRef idx="0">
+            <a:schemeClr val="dk1"/>
+          </a:fillRef>
+          <a:effectRef idx="0">
+            <a:schemeClr val="dk1"/>
+          </a:effectRef>
+          <a:fontRef idx="minor">
+            <a:schemeClr val="tx1"/>
+          </a:fontRef>
+        </p:style>
+      </p:cxnSp>
+      <p:cxnSp>
+        <p:nvCxnSpPr>
+          <p:cNvPr id="41" name="Straight Arrow Connector 40"/>
+          <p:cNvCxnSpPr/>
+          <p:nvPr/>
+        </p:nvCxnSpPr>
+        <p:spPr>
+          <a:xfrm flipH="1">
+            <a:off x="2866713" y="2153384"/>
+            <a:ext cx="2291875" cy="0"/>
+          </a:xfrm>
+          <a:prstGeom prst="straightConnector1">
+            <a:avLst/>
+          </a:prstGeom>
+          <a:ln w="19050">
+            <a:headEnd type="arrow" w="med" len="med"/>
+            <a:tailEnd type="none" w="med" len="med"/>
+          </a:ln>
+        </p:spPr>
+        <p:style>
+          <a:lnRef idx="1">
+            <a:schemeClr val="dk1"/>
+          </a:lnRef>
+          <a:fillRef idx="0">
+            <a:schemeClr val="dk1"/>
+          </a:fillRef>
+          <a:effectRef idx="0">
+            <a:schemeClr val="dk1"/>
+          </a:effectRef>
+          <a:fontRef idx="minor">
+            <a:schemeClr val="tx1"/>
+          </a:fontRef>
+        </p:style>
+      </p:cxnSp>
+      <p:grpSp>
+        <p:nvGrpSpPr>
+          <p:cNvPr id="4" name="Group 3"/>
+          <p:cNvGrpSpPr/>
+          <p:nvPr/>
+        </p:nvGrpSpPr>
+        <p:grpSpPr>
+          <a:xfrm>
+            <a:off x="2298090" y="20667"/>
+            <a:ext cx="1121972" cy="1158332"/>
+            <a:chOff x="4379857" y="2569029"/>
+            <a:chExt cx="1121972" cy="1158332"/>
+          </a:xfrm>
+        </p:grpSpPr>
+        <p:pic>
+          <p:nvPicPr>
+            <p:cNvPr id="5" name="Picture 4"/>
+            <p:cNvPicPr>
+              <a:picLocks noChangeAspect="1"/>
+            </p:cNvPicPr>
+            <p:nvPr/>
+          </p:nvPicPr>
+          <p:blipFill rotWithShape="1">
+            <a:blip r:embed="rId2"/>
+            <a:srcRect l="35542" t="19680" r="35441" b="39379"/>
+            <a:stretch/>
+          </p:blipFill>
+          <p:spPr>
+            <a:xfrm>
+              <a:off x="4379857" y="2569029"/>
+              <a:ext cx="1121972" cy="813498"/>
+            </a:xfrm>
+            <a:prstGeom prst="rect">
+              <a:avLst/>
+            </a:prstGeom>
+          </p:spPr>
+        </p:pic>
+        <p:sp>
+          <p:nvSpPr>
+            <p:cNvPr id="6" name="Rectangle 5"/>
+            <p:cNvSpPr/>
+            <p:nvPr/>
+          </p:nvSpPr>
+          <p:spPr>
+            <a:xfrm>
+              <a:off x="4530089" y="3358029"/>
+              <a:ext cx="821507" cy="369332"/>
+            </a:xfrm>
+            <a:prstGeom prst="rect">
+              <a:avLst/>
+            </a:prstGeom>
+          </p:spPr>
+          <p:txBody>
+            <a:bodyPr wrap="none">
+              <a:spAutoFit/>
+            </a:bodyPr>
+            <a:lstStyle/>
+            <a:p>
+              <a:r>
+                <a:rPr lang="en-US" b="1" dirty="0" smtClean="0"/>
+                <a:t>Device</a:t>
+              </a:r>
+              <a:endParaRPr lang="en-US" b="1" dirty="0"/>
+            </a:p>
+          </p:txBody>
+        </p:sp>
+      </p:grpSp>
+      <p:grpSp>
+        <p:nvGrpSpPr>
+          <p:cNvPr id="8" name="Group 7"/>
+          <p:cNvGrpSpPr/>
+          <p:nvPr/>
+        </p:nvGrpSpPr>
+        <p:grpSpPr>
+          <a:xfrm>
+            <a:off x="4754696" y="-23112"/>
+            <a:ext cx="893699" cy="1178999"/>
+            <a:chOff x="7410680" y="2569028"/>
+            <a:chExt cx="893699" cy="1178999"/>
+          </a:xfrm>
+        </p:grpSpPr>
+        <p:pic>
+          <p:nvPicPr>
+            <p:cNvPr id="9" name="Picture 8"/>
+            <p:cNvPicPr>
+              <a:picLocks noChangeAspect="1"/>
+            </p:cNvPicPr>
+            <p:nvPr/>
+          </p:nvPicPr>
+          <p:blipFill rotWithShape="1">
+            <a:blip r:embed="rId3" cstate="print">
+              <a:extLst>
+                <a:ext uri="{28A0092B-C50C-407E-A947-70E740481C1C}">
+                  <a14:useLocalDpi xmlns:a14="http://schemas.microsoft.com/office/drawing/2010/main" val="0"/>
+                </a:ext>
+              </a:extLst>
+            </a:blip>
+            <a:srcRect t="3275" b="3208"/>
+            <a:stretch/>
+          </p:blipFill>
+          <p:spPr>
+            <a:xfrm>
+              <a:off x="7410680" y="2569028"/>
+              <a:ext cx="890228" cy="832525"/>
+            </a:xfrm>
+            <a:prstGeom prst="rect">
+              <a:avLst/>
+            </a:prstGeom>
+          </p:spPr>
+        </p:pic>
+        <p:sp>
+          <p:nvSpPr>
+            <p:cNvPr id="10" name="Rectangle 9"/>
+            <p:cNvSpPr/>
+            <p:nvPr/>
+          </p:nvSpPr>
+          <p:spPr>
+            <a:xfrm>
+              <a:off x="7428177" y="3378695"/>
+              <a:ext cx="876202" cy="369332"/>
+            </a:xfrm>
+            <a:prstGeom prst="rect">
+              <a:avLst/>
+            </a:prstGeom>
+          </p:spPr>
+          <p:txBody>
+            <a:bodyPr wrap="none">
+              <a:spAutoFit/>
+            </a:bodyPr>
+            <a:lstStyle/>
+            <a:p>
+              <a:r>
+                <a:rPr lang="en-US" b="1" dirty="0" smtClean="0"/>
+                <a:t>Display</a:t>
+              </a:r>
+              <a:endParaRPr lang="en-US" b="1" dirty="0"/>
+            </a:p>
+          </p:txBody>
+        </p:sp>
+      </p:grpSp>
+      <p:grpSp>
+        <p:nvGrpSpPr>
+          <p:cNvPr id="11" name="Group 10"/>
+          <p:cNvGrpSpPr/>
+          <p:nvPr/>
+        </p:nvGrpSpPr>
+        <p:grpSpPr>
+          <a:xfrm>
+            <a:off x="7207" y="0"/>
+            <a:ext cx="1155357" cy="1178999"/>
+            <a:chOff x="1396313" y="2549541"/>
+            <a:chExt cx="1155357" cy="1178999"/>
+          </a:xfrm>
+        </p:grpSpPr>
+        <p:grpSp>
+          <p:nvGrpSpPr>
+            <p:cNvPr id="12" name="Group 11"/>
+            <p:cNvGrpSpPr/>
+            <p:nvPr/>
+          </p:nvGrpSpPr>
+          <p:grpSpPr>
+            <a:xfrm>
+              <a:off x="1396313" y="2549541"/>
+              <a:ext cx="1155357" cy="834164"/>
+              <a:chOff x="1396313" y="2549541"/>
+              <a:chExt cx="1155357" cy="834164"/>
+            </a:xfrm>
+          </p:grpSpPr>
+          <p:pic>
+            <p:nvPicPr>
+              <p:cNvPr id="14" name="Picture 13"/>
+              <p:cNvPicPr>
+                <a:picLocks noChangeAspect="1"/>
+              </p:cNvPicPr>
+              <p:nvPr/>
+            </p:nvPicPr>
+            <p:blipFill rotWithShape="1">
+              <a:blip r:embed="rId4"/>
+              <a:srcRect l="24261" t="14798" r="24188" b="14569"/>
+              <a:stretch/>
+            </p:blipFill>
+            <p:spPr>
+              <a:xfrm>
+                <a:off x="1396313" y="2570207"/>
+                <a:ext cx="1155357" cy="813498"/>
+              </a:xfrm>
+              <a:prstGeom prst="rect">
+                <a:avLst/>
+              </a:prstGeom>
+            </p:spPr>
+          </p:pic>
+          <p:pic>
+            <p:nvPicPr>
+              <p:cNvPr id="15" name="Picture 14"/>
+              <p:cNvPicPr>
+                <a:picLocks noChangeAspect="1"/>
+              </p:cNvPicPr>
+              <p:nvPr/>
+            </p:nvPicPr>
+            <p:blipFill>
+              <a:blip r:embed="rId5" cstate="print">
+                <a:extLst>
+                  <a:ext uri="{28A0092B-C50C-407E-A947-70E740481C1C}">
+                    <a14:useLocalDpi xmlns:a14="http://schemas.microsoft.com/office/drawing/2010/main" val="0"/>
+                  </a:ext>
+                </a:extLst>
+              </a:blip>
+              <a:stretch>
+                <a:fillRect/>
+              </a:stretch>
+            </p:blipFill>
+            <p:spPr>
+              <a:xfrm>
+                <a:off x="1460578" y="2549541"/>
+                <a:ext cx="453610" cy="453610"/>
+              </a:xfrm>
+              <a:prstGeom prst="rect">
+                <a:avLst/>
+              </a:prstGeom>
+            </p:spPr>
+          </p:pic>
+        </p:grpSp>
+        <p:sp>
+          <p:nvSpPr>
+            <p:cNvPr id="13" name="Rectangle 12"/>
+            <p:cNvSpPr/>
+            <p:nvPr/>
+          </p:nvSpPr>
+          <p:spPr>
+            <a:xfrm>
+              <a:off x="1662527" y="3359208"/>
+              <a:ext cx="622927" cy="369332"/>
+            </a:xfrm>
+            <a:prstGeom prst="rect">
+              <a:avLst/>
+            </a:prstGeom>
+          </p:spPr>
+          <p:txBody>
+            <a:bodyPr wrap="none">
+              <a:spAutoFit/>
+            </a:bodyPr>
+            <a:lstStyle/>
+            <a:p>
+              <a:r>
+                <a:rPr lang="en-US" b="1" dirty="0" smtClean="0"/>
+                <a:t>Host</a:t>
+              </a:r>
+              <a:endParaRPr lang="en-US" b="1" dirty="0"/>
+            </a:p>
+          </p:txBody>
+        </p:sp>
+      </p:grpSp>
+      <p:grpSp>
+        <p:nvGrpSpPr>
+          <p:cNvPr id="17" name="Group 16"/>
+          <p:cNvGrpSpPr/>
+          <p:nvPr/>
+        </p:nvGrpSpPr>
+        <p:grpSpPr>
+          <a:xfrm>
+            <a:off x="6292235" y="0"/>
+            <a:ext cx="1139451" cy="1178999"/>
+            <a:chOff x="5065867" y="0"/>
+            <a:chExt cx="1139451" cy="1178999"/>
+          </a:xfrm>
+        </p:grpSpPr>
+        <p:pic>
+          <p:nvPicPr>
+            <p:cNvPr id="7" name="Picture 6"/>
+            <p:cNvPicPr>
+              <a:picLocks noChangeAspect="1"/>
+            </p:cNvPicPr>
+            <p:nvPr/>
+          </p:nvPicPr>
+          <p:blipFill rotWithShape="1">
+            <a:blip r:embed="rId6" cstate="print">
+              <a:extLst>
+                <a:ext uri="{28A0092B-C50C-407E-A947-70E740481C1C}">
+                  <a14:useLocalDpi xmlns:a14="http://schemas.microsoft.com/office/drawing/2010/main" val="0"/>
+                </a:ext>
+              </a:extLst>
+            </a:blip>
+            <a:srcRect l="1487" t="16443" r="6804" b="16551"/>
+            <a:stretch/>
+          </p:blipFill>
+          <p:spPr>
+            <a:xfrm>
+              <a:off x="5065867" y="0"/>
+              <a:ext cx="1139451" cy="832525"/>
+            </a:xfrm>
+            <a:prstGeom prst="rect">
+              <a:avLst/>
+            </a:prstGeom>
+          </p:spPr>
+        </p:pic>
+        <p:sp>
+          <p:nvSpPr>
+            <p:cNvPr id="16" name="Rectangle 15"/>
+            <p:cNvSpPr/>
+            <p:nvPr/>
+          </p:nvSpPr>
+          <p:spPr>
+            <a:xfrm>
+              <a:off x="5237117" y="809667"/>
+              <a:ext cx="796949" cy="369332"/>
+            </a:xfrm>
+            <a:prstGeom prst="rect">
+              <a:avLst/>
+            </a:prstGeom>
+          </p:spPr>
+          <p:txBody>
+            <a:bodyPr wrap="none">
+              <a:spAutoFit/>
+            </a:bodyPr>
+            <a:lstStyle/>
+            <a:p>
+              <a:r>
+                <a:rPr lang="en-US" b="1" dirty="0" smtClean="0"/>
+                <a:t>Server</a:t>
+              </a:r>
+              <a:endParaRPr lang="en-US" b="1" dirty="0"/>
+            </a:p>
+          </p:txBody>
+        </p:sp>
+      </p:grpSp>
+      <p:cxnSp>
+        <p:nvCxnSpPr>
+          <p:cNvPr id="24" name="Straight Arrow Connector 23"/>
+          <p:cNvCxnSpPr/>
+          <p:nvPr/>
+        </p:nvCxnSpPr>
+        <p:spPr>
+          <a:xfrm flipH="1">
+            <a:off x="610583" y="1383957"/>
+            <a:ext cx="2248493" cy="0"/>
+          </a:xfrm>
+          <a:prstGeom prst="straightConnector1">
+            <a:avLst/>
+          </a:prstGeom>
+          <a:ln w="19050">
+            <a:headEnd type="none" w="med" len="med"/>
+            <a:tailEnd type="arrow" w="med" len="med"/>
+          </a:ln>
+        </p:spPr>
+        <p:style>
+          <a:lnRef idx="1">
+            <a:schemeClr val="dk1"/>
+          </a:lnRef>
+          <a:fillRef idx="0">
+            <a:schemeClr val="dk1"/>
+          </a:fillRef>
+          <a:effectRef idx="0">
+            <a:schemeClr val="dk1"/>
+          </a:effectRef>
+          <a:fontRef idx="minor">
+            <a:schemeClr val="tx1"/>
+          </a:fontRef>
+        </p:style>
+      </p:cxnSp>
+      <p:cxnSp>
+        <p:nvCxnSpPr>
+          <p:cNvPr id="25" name="Straight Arrow Connector 24"/>
+          <p:cNvCxnSpPr/>
+          <p:nvPr/>
+        </p:nvCxnSpPr>
+        <p:spPr>
+          <a:xfrm flipH="1">
+            <a:off x="610583" y="1594021"/>
+            <a:ext cx="2227442" cy="0"/>
+          </a:xfrm>
+          <a:prstGeom prst="straightConnector1">
+            <a:avLst/>
+          </a:prstGeom>
+          <a:ln w="19050">
+            <a:headEnd type="arrow" w="med" len="med"/>
+            <a:tailEnd type="none" w="med" len="med"/>
+          </a:ln>
+        </p:spPr>
+        <p:style>
+          <a:lnRef idx="1">
+            <a:schemeClr val="dk1"/>
+          </a:lnRef>
+          <a:fillRef idx="0">
+            <a:schemeClr val="dk1"/>
+          </a:fillRef>
+          <a:effectRef idx="0">
+            <a:schemeClr val="dk1"/>
+          </a:effectRef>
+          <a:fontRef idx="minor">
+            <a:schemeClr val="tx1"/>
+          </a:fontRef>
+        </p:style>
+      </p:cxnSp>
+      <p:sp>
+        <p:nvSpPr>
+          <p:cNvPr id="26" name="Rectangle 25"/>
+          <p:cNvSpPr/>
+          <p:nvPr/>
+        </p:nvSpPr>
+        <p:spPr>
+          <a:xfrm>
+            <a:off x="1015025" y="1064846"/>
+            <a:ext cx="1359731" cy="369332"/>
+          </a:xfrm>
+          <a:prstGeom prst="rect">
+            <a:avLst/>
+          </a:prstGeom>
+        </p:spPr>
+        <p:txBody>
+          <a:bodyPr wrap="none">
+            <a:spAutoFit/>
+          </a:bodyPr>
+          <a:lstStyle/>
+          <a:p>
+            <a:r>
+              <a:rPr lang="en-US" dirty="0" smtClean="0"/>
+              <a:t>Mouse trace</a:t>
+            </a:r>
+            <a:endParaRPr lang="en-US" dirty="0"/>
+          </a:p>
+        </p:txBody>
+      </p:sp>
+      <p:sp>
+        <p:nvSpPr>
+          <p:cNvPr id="27" name="Rectangle 26"/>
+          <p:cNvSpPr/>
+          <p:nvPr/>
+        </p:nvSpPr>
+        <p:spPr>
+          <a:xfrm>
+            <a:off x="1217332" y="1313902"/>
+            <a:ext cx="866006" cy="369332"/>
+          </a:xfrm>
+          <a:prstGeom prst="rect">
+            <a:avLst/>
+          </a:prstGeom>
+        </p:spPr>
+        <p:txBody>
+          <a:bodyPr wrap="none">
+            <a:spAutoFit/>
+          </a:bodyPr>
+          <a:lstStyle/>
+          <a:p>
+            <a:r>
+              <a:rPr lang="en-US" dirty="0" smtClean="0"/>
+              <a:t>Frames</a:t>
+            </a:r>
+            <a:endParaRPr lang="en-US" dirty="0"/>
+          </a:p>
+        </p:txBody>
+      </p:sp>
+      <p:grpSp>
+        <p:nvGrpSpPr>
+          <p:cNvPr id="28" name="Group 27"/>
+          <p:cNvGrpSpPr/>
+          <p:nvPr/>
+        </p:nvGrpSpPr>
+        <p:grpSpPr>
+          <a:xfrm>
+            <a:off x="2908331" y="1623165"/>
+            <a:ext cx="224429" cy="414109"/>
+            <a:chOff x="8417139" y="2234540"/>
+            <a:chExt cx="216788" cy="414109"/>
+          </a:xfrm>
+        </p:grpSpPr>
+        <p:cxnSp>
+          <p:nvCxnSpPr>
+            <p:cNvPr id="29" name="Straight Arrow Connector 28"/>
+            <p:cNvCxnSpPr/>
+            <p:nvPr/>
+          </p:nvCxnSpPr>
+          <p:spPr>
+            <a:xfrm>
+              <a:off x="8417139" y="2242441"/>
+              <a:ext cx="216788" cy="0"/>
+            </a:xfrm>
+            <a:prstGeom prst="straightConnector1">
+              <a:avLst/>
+            </a:prstGeom>
+            <a:ln w="19050">
+              <a:headEnd type="none" w="med" len="med"/>
+              <a:tailEnd type="none" w="med" len="med"/>
+            </a:ln>
+          </p:spPr>
+          <p:style>
+            <a:lnRef idx="1">
+              <a:schemeClr val="dk1"/>
+            </a:lnRef>
+            <a:fillRef idx="0">
+              <a:schemeClr val="dk1"/>
+            </a:fillRef>
+            <a:effectRef idx="0">
+              <a:schemeClr val="dk1"/>
+            </a:effectRef>
+            <a:fontRef idx="minor">
+              <a:schemeClr val="tx1"/>
+            </a:fontRef>
+          </p:style>
+        </p:cxnSp>
+        <p:cxnSp>
+          <p:nvCxnSpPr>
+            <p:cNvPr id="30" name="Straight Connector 29"/>
+            <p:cNvCxnSpPr/>
+            <p:nvPr/>
+          </p:nvCxnSpPr>
+          <p:spPr>
+            <a:xfrm>
+              <a:off x="8630316" y="2234540"/>
+              <a:ext cx="0" cy="414109"/>
+            </a:xfrm>
+            <a:prstGeom prst="line">
+              <a:avLst/>
+            </a:prstGeom>
+            <a:ln w="19050"/>
+          </p:spPr>
+          <p:style>
+            <a:lnRef idx="1">
+              <a:schemeClr val="dk1"/>
+            </a:lnRef>
+            <a:fillRef idx="0">
+              <a:schemeClr val="dk1"/>
+            </a:fillRef>
+            <a:effectRef idx="0">
+              <a:schemeClr val="dk1"/>
+            </a:effectRef>
+            <a:fontRef idx="minor">
+              <a:schemeClr val="tx1"/>
+            </a:fontRef>
+          </p:style>
+        </p:cxnSp>
+        <p:cxnSp>
+          <p:nvCxnSpPr>
+            <p:cNvPr id="31" name="Straight Arrow Connector 30"/>
+            <p:cNvCxnSpPr/>
+            <p:nvPr/>
+          </p:nvCxnSpPr>
+          <p:spPr>
+            <a:xfrm>
+              <a:off x="8417139" y="2645852"/>
+              <a:ext cx="216788" cy="0"/>
+            </a:xfrm>
+            <a:prstGeom prst="straightConnector1">
+              <a:avLst/>
+            </a:prstGeom>
+            <a:ln w="19050">
+              <a:headEnd type="arrow" w="med" len="med"/>
+              <a:tailEnd type="none" w="med" len="med"/>
+            </a:ln>
+          </p:spPr>
+          <p:style>
+            <a:lnRef idx="1">
+              <a:schemeClr val="dk1"/>
+            </a:lnRef>
+            <a:fillRef idx="0">
+              <a:schemeClr val="dk1"/>
+            </a:fillRef>
+            <a:effectRef idx="0">
+              <a:schemeClr val="dk1"/>
+            </a:effectRef>
+            <a:fontRef idx="minor">
+              <a:schemeClr val="tx1"/>
+            </a:fontRef>
+          </p:style>
+        </p:cxnSp>
+      </p:grpSp>
+      <p:sp>
+        <p:nvSpPr>
+          <p:cNvPr id="32" name="Rectangle 31"/>
+          <p:cNvSpPr/>
+          <p:nvPr/>
+        </p:nvSpPr>
+        <p:spPr>
+          <a:xfrm flipH="1">
+            <a:off x="559189" y="1168572"/>
+            <a:ext cx="51394" cy="3543123"/>
+          </a:xfrm>
+          <a:prstGeom prst="rect">
+            <a:avLst/>
+          </a:prstGeom>
+          <a:solidFill>
+            <a:schemeClr val="accent1">
+              <a:lumMod val="60000"/>
+              <a:lumOff val="40000"/>
+            </a:schemeClr>
+          </a:solidFill>
+          <a:ln>
+            <a:solidFill>
+              <a:schemeClr val="accent1">
+                <a:lumMod val="75000"/>
+              </a:schemeClr>
+            </a:solidFill>
+          </a:ln>
+        </p:spPr>
+        <p:style>
+          <a:lnRef idx="2">
+            <a:schemeClr val="accent5"/>
+          </a:lnRef>
+          <a:fillRef idx="1">
+            <a:schemeClr val="lt1"/>
+          </a:fillRef>
+          <a:effectRef idx="0">
+            <a:schemeClr val="accent5"/>
+          </a:effectRef>
+          <a:fontRef idx="minor">
+            <a:schemeClr val="dk1"/>
+          </a:fontRef>
+        </p:style>
+        <p:txBody>
+          <a:bodyPr rtlCol="0" anchor="ctr"/>
+          <a:lstStyle/>
+          <a:p>
+            <a:pPr algn="ctr"/>
+            <a:endParaRPr lang="en-US"/>
+          </a:p>
+        </p:txBody>
+      </p:sp>
+      <p:sp>
+        <p:nvSpPr>
+          <p:cNvPr id="33" name="Rectangle 32"/>
+          <p:cNvSpPr/>
+          <p:nvPr/>
+        </p:nvSpPr>
+        <p:spPr>
+          <a:xfrm flipH="1">
+            <a:off x="2838022" y="1168573"/>
+            <a:ext cx="45719" cy="462493"/>
+          </a:xfrm>
+          <a:prstGeom prst="rect">
+            <a:avLst/>
+          </a:prstGeom>
+          <a:solidFill>
+            <a:schemeClr val="accent1">
+              <a:lumMod val="60000"/>
+              <a:lumOff val="40000"/>
+            </a:schemeClr>
+          </a:solidFill>
+          <a:ln>
+            <a:solidFill>
+              <a:schemeClr val="accent1">
+                <a:lumMod val="75000"/>
+              </a:schemeClr>
+            </a:solidFill>
+          </a:ln>
+        </p:spPr>
+        <p:style>
+          <a:lnRef idx="2">
+            <a:schemeClr val="accent5"/>
+          </a:lnRef>
+          <a:fillRef idx="1">
+            <a:schemeClr val="lt1"/>
+          </a:fillRef>
+          <a:effectRef idx="0">
+            <a:schemeClr val="accent5"/>
+          </a:effectRef>
+          <a:fontRef idx="minor">
+            <a:schemeClr val="dk1"/>
+          </a:fontRef>
+        </p:style>
+        <p:txBody>
+          <a:bodyPr rtlCol="0" anchor="ctr"/>
+          <a:lstStyle/>
+          <a:p>
+            <a:pPr algn="ctr"/>
+            <a:endParaRPr lang="en-US"/>
+          </a:p>
+        </p:txBody>
+      </p:sp>
+      <p:sp>
+        <p:nvSpPr>
+          <p:cNvPr id="34" name="Rectangle 33"/>
+          <p:cNvSpPr/>
+          <p:nvPr/>
+        </p:nvSpPr>
+        <p:spPr>
+          <a:xfrm flipH="1">
+            <a:off x="5158588" y="1168572"/>
+            <a:ext cx="45719" cy="3543124"/>
+          </a:xfrm>
+          <a:prstGeom prst="rect">
+            <a:avLst/>
+          </a:prstGeom>
+          <a:solidFill>
+            <a:schemeClr val="accent1">
+              <a:lumMod val="60000"/>
+              <a:lumOff val="40000"/>
+            </a:schemeClr>
+          </a:solidFill>
+          <a:ln>
+            <a:solidFill>
+              <a:schemeClr val="accent1">
+                <a:lumMod val="75000"/>
+              </a:schemeClr>
+            </a:solidFill>
+          </a:ln>
+        </p:spPr>
+        <p:style>
+          <a:lnRef idx="2">
+            <a:schemeClr val="accent5"/>
+          </a:lnRef>
+          <a:fillRef idx="1">
+            <a:schemeClr val="lt1"/>
+          </a:fillRef>
+          <a:effectRef idx="0">
+            <a:schemeClr val="accent5"/>
+          </a:effectRef>
+          <a:fontRef idx="minor">
+            <a:schemeClr val="dk1"/>
+          </a:fontRef>
+        </p:style>
+        <p:txBody>
+          <a:bodyPr rtlCol="0" anchor="ctr"/>
+          <a:lstStyle/>
+          <a:p>
+            <a:pPr algn="ctr"/>
+            <a:endParaRPr lang="en-US"/>
+          </a:p>
+        </p:txBody>
+      </p:sp>
+      <p:sp>
+        <p:nvSpPr>
+          <p:cNvPr id="35" name="Rectangle 34"/>
+          <p:cNvSpPr/>
+          <p:nvPr/>
+        </p:nvSpPr>
+        <p:spPr>
+          <a:xfrm flipH="1">
+            <a:off x="6755242" y="1168572"/>
+            <a:ext cx="45719" cy="3543123"/>
+          </a:xfrm>
+          <a:prstGeom prst="rect">
+            <a:avLst/>
+          </a:prstGeom>
+          <a:solidFill>
+            <a:schemeClr val="accent1">
+              <a:lumMod val="60000"/>
+              <a:lumOff val="40000"/>
+            </a:schemeClr>
+          </a:solidFill>
+          <a:ln>
+            <a:solidFill>
+              <a:schemeClr val="accent1">
+                <a:lumMod val="75000"/>
+              </a:schemeClr>
+            </a:solidFill>
+          </a:ln>
+        </p:spPr>
+        <p:style>
+          <a:lnRef idx="2">
+            <a:schemeClr val="accent5"/>
+          </a:lnRef>
+          <a:fillRef idx="1">
+            <a:schemeClr val="lt1"/>
+          </a:fillRef>
+          <a:effectRef idx="0">
+            <a:schemeClr val="accent5"/>
+          </a:effectRef>
+          <a:fontRef idx="minor">
+            <a:schemeClr val="dk1"/>
+          </a:fontRef>
+        </p:style>
+        <p:txBody>
+          <a:bodyPr rtlCol="0" anchor="ctr"/>
+          <a:lstStyle/>
+          <a:p>
+            <a:pPr algn="ctr"/>
+            <a:endParaRPr lang="en-US"/>
+          </a:p>
+        </p:txBody>
+      </p:sp>
+      <p:sp>
+        <p:nvSpPr>
+          <p:cNvPr id="38" name="Rectangle 37"/>
+          <p:cNvSpPr/>
+          <p:nvPr/>
+        </p:nvSpPr>
+        <p:spPr>
+          <a:xfrm flipH="1">
+            <a:off x="2838019" y="2034478"/>
+            <a:ext cx="45719" cy="1484562"/>
+          </a:xfrm>
+          <a:prstGeom prst="rect">
+            <a:avLst/>
+          </a:prstGeom>
+          <a:solidFill>
+            <a:schemeClr val="accent1">
+              <a:lumMod val="60000"/>
+              <a:lumOff val="40000"/>
+            </a:schemeClr>
+          </a:solidFill>
+          <a:ln>
+            <a:solidFill>
+              <a:schemeClr val="accent1">
+                <a:lumMod val="75000"/>
+              </a:schemeClr>
+            </a:solidFill>
+          </a:ln>
+        </p:spPr>
+        <p:style>
+          <a:lnRef idx="2">
+            <a:schemeClr val="accent5"/>
+          </a:lnRef>
+          <a:fillRef idx="1">
+            <a:schemeClr val="lt1"/>
+          </a:fillRef>
+          <a:effectRef idx="0">
+            <a:schemeClr val="accent5"/>
+          </a:effectRef>
+          <a:fontRef idx="minor">
+            <a:schemeClr val="dk1"/>
+          </a:fontRef>
+        </p:style>
+        <p:txBody>
+          <a:bodyPr rtlCol="0" anchor="ctr"/>
+          <a:lstStyle/>
+          <a:p>
+            <a:pPr algn="ctr"/>
+            <a:endParaRPr lang="en-US"/>
+          </a:p>
+        </p:txBody>
+      </p:sp>
+      <p:cxnSp>
+        <p:nvCxnSpPr>
+          <p:cNvPr id="39" name="Straight Connector 38"/>
+          <p:cNvCxnSpPr/>
+          <p:nvPr/>
+        </p:nvCxnSpPr>
+        <p:spPr>
+          <a:xfrm flipH="1">
+            <a:off x="2862893" y="1611702"/>
+            <a:ext cx="1" cy="405096"/>
+          </a:xfrm>
+          <a:prstGeom prst="line">
+            <a:avLst/>
+          </a:prstGeom>
+          <a:ln w="19050">
+            <a:solidFill>
+              <a:srgbClr val="4472C4"/>
+            </a:solidFill>
+            <a:prstDash val="sysDash"/>
+          </a:ln>
+        </p:spPr>
+        <p:style>
+          <a:lnRef idx="1">
+            <a:schemeClr val="accent1"/>
+          </a:lnRef>
+          <a:fillRef idx="0">
+            <a:schemeClr val="accent1"/>
+          </a:fillRef>
+          <a:effectRef idx="0">
+            <a:schemeClr val="accent1"/>
+          </a:effectRef>
+          <a:fontRef idx="minor">
+            <a:schemeClr val="tx1"/>
+          </a:fontRef>
+        </p:style>
+      </p:cxnSp>
+      <p:sp>
+        <p:nvSpPr>
+          <p:cNvPr id="40" name="Rectangle 39"/>
+          <p:cNvSpPr/>
+          <p:nvPr/>
+        </p:nvSpPr>
+        <p:spPr>
+          <a:xfrm>
+            <a:off x="2882625" y="1319789"/>
+            <a:ext cx="1555505" cy="369332"/>
+          </a:xfrm>
+          <a:prstGeom prst="rect">
+            <a:avLst/>
+          </a:prstGeom>
+        </p:spPr>
+        <p:txBody>
+          <a:bodyPr wrap="square">
+            <a:spAutoFit/>
+          </a:bodyPr>
+          <a:lstStyle/>
+          <a:p>
+            <a:r>
+              <a:rPr lang="en-US" dirty="0" smtClean="0"/>
+              <a:t>Track + record</a:t>
+            </a:r>
+            <a:endParaRPr lang="en-US" dirty="0"/>
+          </a:p>
+        </p:txBody>
+      </p:sp>
+      <p:sp>
+        <p:nvSpPr>
+          <p:cNvPr id="42" name="Rectangle 41"/>
+          <p:cNvSpPr/>
+          <p:nvPr/>
+        </p:nvSpPr>
+        <p:spPr>
+          <a:xfrm>
+            <a:off x="3629154" y="1814250"/>
+            <a:ext cx="981736" cy="646331"/>
+          </a:xfrm>
+          <a:prstGeom prst="rect">
+            <a:avLst/>
+          </a:prstGeom>
+        </p:spPr>
+        <p:txBody>
+          <a:bodyPr wrap="square">
+            <a:spAutoFit/>
+          </a:bodyPr>
+          <a:lstStyle/>
+          <a:p>
+            <a:pPr algn="ctr"/>
+            <a:r>
+              <a:rPr lang="en-US" dirty="0" smtClean="0"/>
+              <a:t>Frame + overlay</a:t>
+            </a:r>
+            <a:endParaRPr lang="en-US" dirty="0"/>
+          </a:p>
+        </p:txBody>
+      </p:sp>
+      <p:sp>
+        <p:nvSpPr>
+          <p:cNvPr id="43" name="Left Brace 42"/>
+          <p:cNvSpPr/>
+          <p:nvPr/>
+        </p:nvSpPr>
+        <p:spPr>
+          <a:xfrm>
+            <a:off x="335351" y="1356755"/>
+            <a:ext cx="167751" cy="809368"/>
+          </a:xfrm>
+          <a:prstGeom prst="leftBrace">
+            <a:avLst>
+              <a:gd name="adj1" fmla="val 41481"/>
+              <a:gd name="adj2" fmla="val 50000"/>
+            </a:avLst>
+          </a:prstGeom>
+        </p:spPr>
+        <p:style>
+          <a:lnRef idx="2">
+            <a:schemeClr val="dk1"/>
+          </a:lnRef>
+          <a:fillRef idx="0">
+            <a:schemeClr val="dk1"/>
+          </a:fillRef>
+          <a:effectRef idx="1">
+            <a:schemeClr val="dk1"/>
+          </a:effectRef>
+          <a:fontRef idx="minor">
+            <a:schemeClr val="tx1"/>
+          </a:fontRef>
+        </p:style>
+        <p:txBody>
+          <a:bodyPr rtlCol="0" anchor="ctr"/>
+          <a:lstStyle/>
+          <a:p>
+            <a:pPr algn="ctr"/>
+            <a:endParaRPr lang="en-US"/>
+          </a:p>
+        </p:txBody>
+      </p:sp>
+      <p:sp>
+        <p:nvSpPr>
+          <p:cNvPr id="44" name="Rectangle 43"/>
+          <p:cNvSpPr/>
+          <p:nvPr/>
+        </p:nvSpPr>
+        <p:spPr>
+          <a:xfrm rot="16200000">
+            <a:off x="-451581" y="1576772"/>
+            <a:ext cx="1216423" cy="369332"/>
+          </a:xfrm>
+          <a:prstGeom prst="rect">
+            <a:avLst/>
+          </a:prstGeom>
+        </p:spPr>
+        <p:txBody>
+          <a:bodyPr wrap="none">
+            <a:spAutoFit/>
+          </a:bodyPr>
+          <a:lstStyle/>
+          <a:p>
+            <a:r>
+              <a:rPr lang="en-US" dirty="0" smtClean="0"/>
+              <a:t>Movement</a:t>
+            </a:r>
+            <a:endParaRPr lang="en-US" dirty="0"/>
+          </a:p>
+        </p:txBody>
+      </p:sp>
+      <p:sp>
+        <p:nvSpPr>
+          <p:cNvPr id="45" name="Left Brace 44"/>
+          <p:cNvSpPr/>
+          <p:nvPr/>
+        </p:nvSpPr>
+        <p:spPr>
+          <a:xfrm>
+            <a:off x="335351" y="2582597"/>
+            <a:ext cx="167751" cy="2129098"/>
+          </a:xfrm>
+          <a:prstGeom prst="leftBrace">
+            <a:avLst>
+              <a:gd name="adj1" fmla="val 41481"/>
+              <a:gd name="adj2" fmla="val 50000"/>
+            </a:avLst>
+          </a:prstGeom>
+        </p:spPr>
+        <p:style>
+          <a:lnRef idx="2">
+            <a:schemeClr val="dk1"/>
+          </a:lnRef>
+          <a:fillRef idx="0">
+            <a:schemeClr val="dk1"/>
+          </a:fillRef>
+          <a:effectRef idx="1">
+            <a:schemeClr val="dk1"/>
+          </a:effectRef>
+          <a:fontRef idx="minor">
+            <a:schemeClr val="tx1"/>
+          </a:fontRef>
+        </p:style>
+        <p:txBody>
+          <a:bodyPr rtlCol="0" anchor="ctr"/>
+          <a:lstStyle/>
+          <a:p>
+            <a:pPr algn="ctr"/>
+            <a:endParaRPr lang="en-US"/>
+          </a:p>
+        </p:txBody>
+      </p:sp>
+      <p:sp>
+        <p:nvSpPr>
+          <p:cNvPr id="46" name="Rectangle 45"/>
+          <p:cNvSpPr/>
+          <p:nvPr/>
+        </p:nvSpPr>
+        <p:spPr>
+          <a:xfrm rot="16200000">
+            <a:off x="-151306" y="3497665"/>
+            <a:ext cx="615874" cy="369332"/>
+          </a:xfrm>
+          <a:prstGeom prst="rect">
+            <a:avLst/>
+          </a:prstGeom>
+        </p:spPr>
+        <p:txBody>
+          <a:bodyPr wrap="none">
+            <a:spAutoFit/>
+          </a:bodyPr>
+          <a:lstStyle/>
+          <a:p>
+            <a:r>
+              <a:rPr lang="en-US" dirty="0" smtClean="0"/>
+              <a:t>Click</a:t>
+            </a:r>
+            <a:endParaRPr lang="en-US" dirty="0"/>
+          </a:p>
+        </p:txBody>
+      </p:sp>
+      <p:sp>
+        <p:nvSpPr>
+          <p:cNvPr id="48" name="Rectangle 47"/>
+          <p:cNvSpPr/>
+          <p:nvPr/>
+        </p:nvSpPr>
+        <p:spPr>
+          <a:xfrm>
+            <a:off x="1359180" y="2236806"/>
+            <a:ext cx="615874" cy="369332"/>
+          </a:xfrm>
+          <a:prstGeom prst="rect">
+            <a:avLst/>
+          </a:prstGeom>
+        </p:spPr>
+        <p:txBody>
+          <a:bodyPr wrap="none">
+            <a:spAutoFit/>
+          </a:bodyPr>
+          <a:lstStyle/>
+          <a:p>
+            <a:r>
+              <a:rPr lang="en-US" dirty="0" smtClean="0"/>
+              <a:t>Click</a:t>
+            </a:r>
+            <a:endParaRPr lang="en-US" dirty="0"/>
+          </a:p>
+        </p:txBody>
+      </p:sp>
+      <p:cxnSp>
+        <p:nvCxnSpPr>
+          <p:cNvPr id="49" name="Straight Arrow Connector 48"/>
+          <p:cNvCxnSpPr/>
+          <p:nvPr/>
+        </p:nvCxnSpPr>
+        <p:spPr>
+          <a:xfrm flipH="1">
+            <a:off x="610583" y="2803244"/>
+            <a:ext cx="2227442" cy="0"/>
+          </a:xfrm>
+          <a:prstGeom prst="straightConnector1">
+            <a:avLst/>
+          </a:prstGeom>
+          <a:ln w="19050">
+            <a:headEnd type="arrow" w="med" len="med"/>
+            <a:tailEnd type="none" w="med" len="med"/>
+          </a:ln>
+        </p:spPr>
+        <p:style>
+          <a:lnRef idx="1">
+            <a:schemeClr val="dk1"/>
+          </a:lnRef>
+          <a:fillRef idx="0">
+            <a:schemeClr val="dk1"/>
+          </a:fillRef>
+          <a:effectRef idx="0">
+            <a:schemeClr val="dk1"/>
+          </a:effectRef>
+          <a:fontRef idx="minor">
+            <a:schemeClr val="tx1"/>
+          </a:fontRef>
+        </p:style>
+      </p:cxnSp>
+      <p:sp>
+        <p:nvSpPr>
+          <p:cNvPr id="50" name="Rectangle 49"/>
+          <p:cNvSpPr/>
+          <p:nvPr/>
+        </p:nvSpPr>
+        <p:spPr>
+          <a:xfrm>
+            <a:off x="1258742" y="2512511"/>
+            <a:ext cx="866006" cy="369332"/>
+          </a:xfrm>
+          <a:prstGeom prst="rect">
+            <a:avLst/>
+          </a:prstGeom>
+        </p:spPr>
+        <p:txBody>
+          <a:bodyPr wrap="none">
+            <a:spAutoFit/>
+          </a:bodyPr>
+          <a:lstStyle/>
+          <a:p>
+            <a:r>
+              <a:rPr lang="en-US" dirty="0" smtClean="0"/>
+              <a:t>Frames</a:t>
+            </a:r>
+            <a:endParaRPr lang="en-US" dirty="0"/>
+          </a:p>
+        </p:txBody>
+      </p:sp>
+      <p:cxnSp>
+        <p:nvCxnSpPr>
+          <p:cNvPr id="51" name="Straight Arrow Connector 50"/>
+          <p:cNvCxnSpPr/>
+          <p:nvPr/>
+        </p:nvCxnSpPr>
+        <p:spPr>
+          <a:xfrm flipH="1">
+            <a:off x="610583" y="3087449"/>
+            <a:ext cx="6144659" cy="0"/>
+          </a:xfrm>
+          <a:prstGeom prst="straightConnector1">
+            <a:avLst/>
+          </a:prstGeom>
+          <a:ln w="19050">
+            <a:headEnd type="arrow" w="med" len="med"/>
+            <a:tailEnd type="none" w="med" len="med"/>
+          </a:ln>
+        </p:spPr>
+        <p:style>
+          <a:lnRef idx="1">
+            <a:schemeClr val="dk1"/>
+          </a:lnRef>
+          <a:fillRef idx="0">
+            <a:schemeClr val="dk1"/>
+          </a:fillRef>
+          <a:effectRef idx="0">
+            <a:schemeClr val="dk1"/>
+          </a:effectRef>
+          <a:fontRef idx="minor">
+            <a:schemeClr val="tx1"/>
+          </a:fontRef>
+        </p:style>
+      </p:cxnSp>
+      <p:sp>
+        <p:nvSpPr>
+          <p:cNvPr id="52" name="Rectangle 51"/>
+          <p:cNvSpPr/>
+          <p:nvPr/>
+        </p:nvSpPr>
+        <p:spPr>
+          <a:xfrm>
+            <a:off x="1374132" y="2784925"/>
+            <a:ext cx="675121" cy="369332"/>
+          </a:xfrm>
+          <a:prstGeom prst="rect">
+            <a:avLst/>
+          </a:prstGeom>
+        </p:spPr>
+        <p:txBody>
+          <a:bodyPr wrap="none">
+            <a:spAutoFit/>
+          </a:bodyPr>
+          <a:lstStyle/>
+          <a:p>
+            <a:r>
+              <a:rPr lang="en-US" dirty="0" smtClean="0"/>
+              <a:t>HTTP</a:t>
+            </a:r>
+            <a:endParaRPr lang="en-US" dirty="0"/>
+          </a:p>
+        </p:txBody>
+      </p:sp>
+      <p:cxnSp>
+        <p:nvCxnSpPr>
+          <p:cNvPr id="54" name="Straight Arrow Connector 53"/>
+          <p:cNvCxnSpPr/>
+          <p:nvPr/>
+        </p:nvCxnSpPr>
+        <p:spPr>
+          <a:xfrm flipH="1">
+            <a:off x="2889574" y="3374394"/>
+            <a:ext cx="3865668" cy="0"/>
+          </a:xfrm>
+          <a:prstGeom prst="straightConnector1">
+            <a:avLst/>
+          </a:prstGeom>
+          <a:ln w="19050">
+            <a:headEnd type="none" w="med" len="med"/>
+            <a:tailEnd type="arrow" w="med" len="med"/>
+          </a:ln>
+        </p:spPr>
+        <p:style>
+          <a:lnRef idx="1">
+            <a:schemeClr val="dk1"/>
+          </a:lnRef>
+          <a:fillRef idx="0">
+            <a:schemeClr val="dk1"/>
+          </a:fillRef>
+          <a:effectRef idx="0">
+            <a:schemeClr val="dk1"/>
+          </a:effectRef>
+          <a:fontRef idx="minor">
+            <a:schemeClr val="tx1"/>
+          </a:fontRef>
+        </p:style>
+      </p:cxnSp>
+      <p:sp>
+        <p:nvSpPr>
+          <p:cNvPr id="56" name="Rectangle 55"/>
+          <p:cNvSpPr/>
+          <p:nvPr/>
+        </p:nvSpPr>
+        <p:spPr>
+          <a:xfrm>
+            <a:off x="5210142" y="3054430"/>
+            <a:ext cx="1460721" cy="369332"/>
+          </a:xfrm>
+          <a:prstGeom prst="rect">
+            <a:avLst/>
+          </a:prstGeom>
+        </p:spPr>
+        <p:txBody>
+          <a:bodyPr wrap="none">
+            <a:spAutoFit/>
+          </a:bodyPr>
+          <a:lstStyle/>
+          <a:p>
+            <a:r>
+              <a:rPr lang="en-US" dirty="0" smtClean="0"/>
+              <a:t>Data + UI info</a:t>
+            </a:r>
+            <a:endParaRPr lang="en-US" dirty="0"/>
+          </a:p>
+        </p:txBody>
+      </p:sp>
+      <p:sp>
+        <p:nvSpPr>
+          <p:cNvPr id="57" name="Rectangle 56"/>
+          <p:cNvSpPr/>
+          <p:nvPr/>
+        </p:nvSpPr>
+        <p:spPr>
+          <a:xfrm flipH="1">
+            <a:off x="2838018" y="3925248"/>
+            <a:ext cx="45719" cy="786447"/>
+          </a:xfrm>
+          <a:prstGeom prst="rect">
+            <a:avLst/>
+          </a:prstGeom>
+          <a:solidFill>
+            <a:schemeClr val="accent1">
+              <a:lumMod val="60000"/>
+              <a:lumOff val="40000"/>
+            </a:schemeClr>
+          </a:solidFill>
+          <a:ln>
+            <a:solidFill>
+              <a:schemeClr val="accent1">
+                <a:lumMod val="75000"/>
+              </a:schemeClr>
+            </a:solidFill>
+          </a:ln>
+        </p:spPr>
+        <p:style>
+          <a:lnRef idx="2">
+            <a:schemeClr val="accent5"/>
+          </a:lnRef>
+          <a:fillRef idx="1">
+            <a:schemeClr val="lt1"/>
+          </a:fillRef>
+          <a:effectRef idx="0">
+            <a:schemeClr val="accent5"/>
+          </a:effectRef>
+          <a:fontRef idx="minor">
+            <a:schemeClr val="dk1"/>
+          </a:fontRef>
+        </p:style>
+        <p:txBody>
+          <a:bodyPr rtlCol="0" anchor="ctr"/>
+          <a:lstStyle/>
+          <a:p>
+            <a:pPr algn="ctr"/>
+            <a:endParaRPr lang="en-US"/>
+          </a:p>
+        </p:txBody>
+      </p:sp>
+      <p:grpSp>
+        <p:nvGrpSpPr>
+          <p:cNvPr id="58" name="Group 57"/>
+          <p:cNvGrpSpPr/>
+          <p:nvPr/>
+        </p:nvGrpSpPr>
+        <p:grpSpPr>
+          <a:xfrm>
+            <a:off x="2908331" y="3511139"/>
+            <a:ext cx="224429" cy="414109"/>
+            <a:chOff x="8417139" y="2234540"/>
+            <a:chExt cx="216788" cy="414109"/>
+          </a:xfrm>
+        </p:grpSpPr>
+        <p:cxnSp>
+          <p:nvCxnSpPr>
+            <p:cNvPr id="59" name="Straight Arrow Connector 58"/>
+            <p:cNvCxnSpPr/>
+            <p:nvPr/>
+          </p:nvCxnSpPr>
+          <p:spPr>
+            <a:xfrm>
+              <a:off x="8417139" y="2242441"/>
+              <a:ext cx="216788" cy="0"/>
+            </a:xfrm>
+            <a:prstGeom prst="straightConnector1">
+              <a:avLst/>
+            </a:prstGeom>
+            <a:ln w="19050">
+              <a:headEnd type="none" w="med" len="med"/>
+              <a:tailEnd type="none" w="med" len="med"/>
+            </a:ln>
+          </p:spPr>
+          <p:style>
+            <a:lnRef idx="1">
+              <a:schemeClr val="dk1"/>
+            </a:lnRef>
+            <a:fillRef idx="0">
+              <a:schemeClr val="dk1"/>
+            </a:fillRef>
+            <a:effectRef idx="0">
+              <a:schemeClr val="dk1"/>
+            </a:effectRef>
+            <a:fontRef idx="minor">
+              <a:schemeClr val="tx1"/>
+            </a:fontRef>
+          </p:style>
+        </p:cxnSp>
+        <p:cxnSp>
+          <p:nvCxnSpPr>
+            <p:cNvPr id="60" name="Straight Connector 59"/>
+            <p:cNvCxnSpPr/>
+            <p:nvPr/>
+          </p:nvCxnSpPr>
+          <p:spPr>
+            <a:xfrm>
+              <a:off x="8630316" y="2234540"/>
+              <a:ext cx="0" cy="414109"/>
+            </a:xfrm>
+            <a:prstGeom prst="line">
+              <a:avLst/>
+            </a:prstGeom>
+            <a:ln w="19050"/>
+          </p:spPr>
+          <p:style>
+            <a:lnRef idx="1">
+              <a:schemeClr val="dk1"/>
+            </a:lnRef>
+            <a:fillRef idx="0">
+              <a:schemeClr val="dk1"/>
+            </a:fillRef>
+            <a:effectRef idx="0">
+              <a:schemeClr val="dk1"/>
+            </a:effectRef>
+            <a:fontRef idx="minor">
+              <a:schemeClr val="tx1"/>
+            </a:fontRef>
+          </p:style>
+        </p:cxnSp>
+        <p:cxnSp>
+          <p:nvCxnSpPr>
+            <p:cNvPr id="61" name="Straight Arrow Connector 60"/>
+            <p:cNvCxnSpPr/>
+            <p:nvPr/>
+          </p:nvCxnSpPr>
+          <p:spPr>
+            <a:xfrm>
+              <a:off x="8417139" y="2645852"/>
+              <a:ext cx="216788" cy="0"/>
+            </a:xfrm>
+            <a:prstGeom prst="straightConnector1">
+              <a:avLst/>
+            </a:prstGeom>
+            <a:ln w="19050">
+              <a:headEnd type="arrow" w="med" len="med"/>
+              <a:tailEnd type="none" w="med" len="med"/>
+            </a:ln>
+          </p:spPr>
+          <p:style>
+            <a:lnRef idx="1">
+              <a:schemeClr val="dk1"/>
+            </a:lnRef>
+            <a:fillRef idx="0">
+              <a:schemeClr val="dk1"/>
+            </a:fillRef>
+            <a:effectRef idx="0">
+              <a:schemeClr val="dk1"/>
+            </a:effectRef>
+            <a:fontRef idx="minor">
+              <a:schemeClr val="tx1"/>
+            </a:fontRef>
+          </p:style>
+        </p:cxnSp>
+      </p:grpSp>
+      <p:sp>
+        <p:nvSpPr>
+          <p:cNvPr id="62" name="Rectangle 61"/>
+          <p:cNvSpPr/>
+          <p:nvPr/>
+        </p:nvSpPr>
+        <p:spPr>
+          <a:xfrm>
+            <a:off x="3095367" y="3536080"/>
+            <a:ext cx="746529" cy="369332"/>
+          </a:xfrm>
+          <a:prstGeom prst="rect">
+            <a:avLst/>
+          </a:prstGeom>
+        </p:spPr>
+        <p:txBody>
+          <a:bodyPr wrap="square">
+            <a:spAutoFit/>
+          </a:bodyPr>
+          <a:lstStyle/>
+          <a:p>
+            <a:r>
+              <a:rPr lang="en-US" dirty="0" smtClean="0"/>
+              <a:t>Verify</a:t>
+            </a:r>
+            <a:endParaRPr lang="en-US" dirty="0"/>
+          </a:p>
+        </p:txBody>
+      </p:sp>
+      <p:cxnSp>
+        <p:nvCxnSpPr>
+          <p:cNvPr id="63" name="Straight Arrow Connector 62"/>
+          <p:cNvCxnSpPr/>
+          <p:nvPr/>
+        </p:nvCxnSpPr>
+        <p:spPr>
+          <a:xfrm flipH="1">
+            <a:off x="2866714" y="4087216"/>
+            <a:ext cx="3888528" cy="0"/>
+          </a:xfrm>
+          <a:prstGeom prst="straightConnector1">
+            <a:avLst/>
+          </a:prstGeom>
+          <a:ln w="19050">
+            <a:headEnd type="arrow" w="med" len="med"/>
+            <a:tailEnd type="none" w="med" len="med"/>
+          </a:ln>
+        </p:spPr>
+        <p:style>
+          <a:lnRef idx="1">
+            <a:schemeClr val="dk1"/>
+          </a:lnRef>
+          <a:fillRef idx="0">
+            <a:schemeClr val="dk1"/>
+          </a:fillRef>
+          <a:effectRef idx="0">
+            <a:schemeClr val="dk1"/>
+          </a:effectRef>
+          <a:fontRef idx="minor">
+            <a:schemeClr val="tx1"/>
+          </a:fontRef>
+        </p:style>
+      </p:cxnSp>
+      <p:sp>
+        <p:nvSpPr>
+          <p:cNvPr id="65" name="Rectangle 64"/>
+          <p:cNvSpPr/>
+          <p:nvPr/>
+        </p:nvSpPr>
+        <p:spPr>
+          <a:xfrm>
+            <a:off x="3647899" y="3761395"/>
+            <a:ext cx="1081515" cy="369332"/>
+          </a:xfrm>
+          <a:prstGeom prst="rect">
+            <a:avLst/>
+          </a:prstGeom>
+        </p:spPr>
+        <p:txBody>
+          <a:bodyPr wrap="none">
+            <a:spAutoFit/>
+          </a:bodyPr>
+          <a:lstStyle/>
+          <a:p>
+            <a:r>
+              <a:rPr lang="en-US" dirty="0" smtClean="0"/>
+              <a:t>Response</a:t>
+            </a:r>
+            <a:endParaRPr lang="en-US" dirty="0"/>
+          </a:p>
+        </p:txBody>
+      </p:sp>
+      <p:cxnSp>
+        <p:nvCxnSpPr>
+          <p:cNvPr id="66" name="Straight Arrow Connector 65"/>
+          <p:cNvCxnSpPr/>
+          <p:nvPr/>
+        </p:nvCxnSpPr>
+        <p:spPr>
+          <a:xfrm flipH="1">
+            <a:off x="2866713" y="4408309"/>
+            <a:ext cx="2314734" cy="0"/>
+          </a:xfrm>
+          <a:prstGeom prst="straightConnector1">
+            <a:avLst/>
+          </a:prstGeom>
+          <a:ln w="19050">
+            <a:headEnd type="arrow" w="med" len="med"/>
+            <a:tailEnd type="none" w="med" len="med"/>
+          </a:ln>
+        </p:spPr>
+        <p:style>
+          <a:lnRef idx="1">
+            <a:schemeClr val="dk1"/>
+          </a:lnRef>
+          <a:fillRef idx="0">
+            <a:schemeClr val="dk1"/>
+          </a:fillRef>
+          <a:effectRef idx="0">
+            <a:schemeClr val="dk1"/>
+          </a:effectRef>
+          <a:fontRef idx="minor">
+            <a:schemeClr val="tx1"/>
+          </a:fontRef>
+        </p:style>
+      </p:cxnSp>
+      <p:sp>
+        <p:nvSpPr>
+          <p:cNvPr id="67" name="Rectangle 66"/>
+          <p:cNvSpPr/>
+          <p:nvPr/>
+        </p:nvSpPr>
+        <p:spPr>
+          <a:xfrm>
+            <a:off x="3756157" y="4069175"/>
+            <a:ext cx="981736" cy="646331"/>
+          </a:xfrm>
+          <a:prstGeom prst="rect">
+            <a:avLst/>
+          </a:prstGeom>
+        </p:spPr>
+        <p:txBody>
+          <a:bodyPr wrap="square">
+            <a:spAutoFit/>
+          </a:bodyPr>
+          <a:lstStyle/>
+          <a:p>
+            <a:pPr algn="ctr"/>
+            <a:r>
+              <a:rPr lang="en-US" dirty="0" smtClean="0"/>
+              <a:t>Frame + overlay</a:t>
+            </a:r>
+            <a:endParaRPr lang="en-US" dirty="0"/>
+          </a:p>
+        </p:txBody>
+      </p:sp>
+    </p:spTree>
+    <p:extLst>
+      <p:ext uri="{BB962C8B-B14F-4D97-AF65-F5344CB8AC3E}">
+        <p14:creationId xmlns:p14="http://schemas.microsoft.com/office/powerpoint/2010/main" val="3284711473"/>
       </p:ext>
     </p:extLst>
   </p:cSld>

--- a/aritra/MouseTracking/images/systemDesign.pptx
+++ b/aritra/MouseTracking/images/systemDesign.pptx
@@ -9,6 +9,7 @@
     <p:sldId id="257" r:id="rId3"/>
     <p:sldId id="258" r:id="rId4"/>
     <p:sldId id="259" r:id="rId5"/>
+    <p:sldId id="260" r:id="rId6"/>
   </p:sldIdLst>
   <p:sldSz cx="12192000" cy="6858000"/>
   <p:notesSz cx="6858000" cy="9144000"/>
@@ -246,7 +247,7 @@
           <a:p>
             <a:fld id="{AAB2D3D3-1E26-436C-8467-9F82561659A6}" type="datetimeFigureOut">
               <a:rPr lang="en-US" smtClean="0"/>
-              <a:t>9/25/2018</a:t>
+              <a:t>9/28/2018</a:t>
             </a:fld>
             <a:endParaRPr lang="en-US"/>
           </a:p>
@@ -416,7 +417,7 @@
           <a:p>
             <a:fld id="{AAB2D3D3-1E26-436C-8467-9F82561659A6}" type="datetimeFigureOut">
               <a:rPr lang="en-US" smtClean="0"/>
-              <a:t>9/25/2018</a:t>
+              <a:t>9/28/2018</a:t>
             </a:fld>
             <a:endParaRPr lang="en-US"/>
           </a:p>
@@ -596,7 +597,7 @@
           <a:p>
             <a:fld id="{AAB2D3D3-1E26-436C-8467-9F82561659A6}" type="datetimeFigureOut">
               <a:rPr lang="en-US" smtClean="0"/>
-              <a:t>9/25/2018</a:t>
+              <a:t>9/28/2018</a:t>
             </a:fld>
             <a:endParaRPr lang="en-US"/>
           </a:p>
@@ -766,7 +767,7 @@
           <a:p>
             <a:fld id="{AAB2D3D3-1E26-436C-8467-9F82561659A6}" type="datetimeFigureOut">
               <a:rPr lang="en-US" smtClean="0"/>
-              <a:t>9/25/2018</a:t>
+              <a:t>9/28/2018</a:t>
             </a:fld>
             <a:endParaRPr lang="en-US"/>
           </a:p>
@@ -1012,7 +1013,7 @@
           <a:p>
             <a:fld id="{AAB2D3D3-1E26-436C-8467-9F82561659A6}" type="datetimeFigureOut">
               <a:rPr lang="en-US" smtClean="0"/>
-              <a:t>9/25/2018</a:t>
+              <a:t>9/28/2018</a:t>
             </a:fld>
             <a:endParaRPr lang="en-US"/>
           </a:p>
@@ -1244,7 +1245,7 @@
           <a:p>
             <a:fld id="{AAB2D3D3-1E26-436C-8467-9F82561659A6}" type="datetimeFigureOut">
               <a:rPr lang="en-US" smtClean="0"/>
-              <a:t>9/25/2018</a:t>
+              <a:t>9/28/2018</a:t>
             </a:fld>
             <a:endParaRPr lang="en-US"/>
           </a:p>
@@ -1611,7 +1612,7 @@
           <a:p>
             <a:fld id="{AAB2D3D3-1E26-436C-8467-9F82561659A6}" type="datetimeFigureOut">
               <a:rPr lang="en-US" smtClean="0"/>
-              <a:t>9/25/2018</a:t>
+              <a:t>9/28/2018</a:t>
             </a:fld>
             <a:endParaRPr lang="en-US"/>
           </a:p>
@@ -1729,7 +1730,7 @@
           <a:p>
             <a:fld id="{AAB2D3D3-1E26-436C-8467-9F82561659A6}" type="datetimeFigureOut">
               <a:rPr lang="en-US" smtClean="0"/>
-              <a:t>9/25/2018</a:t>
+              <a:t>9/28/2018</a:t>
             </a:fld>
             <a:endParaRPr lang="en-US"/>
           </a:p>
@@ -1824,7 +1825,7 @@
           <a:p>
             <a:fld id="{AAB2D3D3-1E26-436C-8467-9F82561659A6}" type="datetimeFigureOut">
               <a:rPr lang="en-US" smtClean="0"/>
-              <a:t>9/25/2018</a:t>
+              <a:t>9/28/2018</a:t>
             </a:fld>
             <a:endParaRPr lang="en-US"/>
           </a:p>
@@ -2101,7 +2102,7 @@
           <a:p>
             <a:fld id="{AAB2D3D3-1E26-436C-8467-9F82561659A6}" type="datetimeFigureOut">
               <a:rPr lang="en-US" smtClean="0"/>
-              <a:t>9/25/2018</a:t>
+              <a:t>9/28/2018</a:t>
             </a:fld>
             <a:endParaRPr lang="en-US"/>
           </a:p>
@@ -2354,7 +2355,7 @@
           <a:p>
             <a:fld id="{AAB2D3D3-1E26-436C-8467-9F82561659A6}" type="datetimeFigureOut">
               <a:rPr lang="en-US" smtClean="0"/>
-              <a:t>9/25/2018</a:t>
+              <a:t>9/28/2018</a:t>
             </a:fld>
             <a:endParaRPr lang="en-US"/>
           </a:p>
@@ -2567,7 +2568,7 @@
           <a:p>
             <a:fld id="{AAB2D3D3-1E26-436C-8467-9F82561659A6}" type="datetimeFigureOut">
               <a:rPr lang="en-US" smtClean="0"/>
-              <a:t>9/25/2018</a:t>
+              <a:t>9/28/2018</a:t>
             </a:fld>
             <a:endParaRPr lang="en-US"/>
           </a:p>
@@ -2974,16 +2975,89 @@
       </p:grpSpPr>
       <p:grpSp>
         <p:nvGrpSpPr>
+          <p:cNvPr id="96" name="Group 95"/>
+          <p:cNvGrpSpPr/>
+          <p:nvPr/>
+        </p:nvGrpSpPr>
+        <p:grpSpPr>
+          <a:xfrm>
+            <a:off x="6262367" y="1935870"/>
+            <a:ext cx="1406040" cy="1631540"/>
+            <a:chOff x="7410680" y="2587169"/>
+            <a:chExt cx="1406040" cy="1631540"/>
+          </a:xfrm>
+        </p:grpSpPr>
+        <p:pic>
+          <p:nvPicPr>
+            <p:cNvPr id="9" name="Picture 8"/>
+            <p:cNvPicPr>
+              <a:picLocks noChangeAspect="1"/>
+            </p:cNvPicPr>
+            <p:nvPr/>
+          </p:nvPicPr>
+          <p:blipFill rotWithShape="1">
+            <a:blip r:embed="rId2" cstate="print">
+              <a:extLst>
+                <a:ext uri="{28A0092B-C50C-407E-A947-70E740481C1C}">
+                  <a14:useLocalDpi xmlns:a14="http://schemas.microsoft.com/office/drawing/2010/main" val="0"/>
+                </a:ext>
+              </a:extLst>
+            </a:blip>
+            <a:srcRect t="3275" b="3208"/>
+            <a:stretch/>
+          </p:blipFill>
+          <p:spPr>
+            <a:xfrm>
+              <a:off x="7410680" y="2587169"/>
+              <a:ext cx="1406040" cy="1314904"/>
+            </a:xfrm>
+            <a:prstGeom prst="rect">
+              <a:avLst/>
+            </a:prstGeom>
+          </p:spPr>
+        </p:pic>
+        <p:sp>
+          <p:nvSpPr>
+            <p:cNvPr id="64" name="Rectangle 63"/>
+            <p:cNvSpPr/>
+            <p:nvPr/>
+          </p:nvSpPr>
+          <p:spPr>
+            <a:xfrm>
+              <a:off x="7675599" y="3849377"/>
+              <a:ext cx="876202" cy="369332"/>
+            </a:xfrm>
+            <a:prstGeom prst="rect">
+              <a:avLst/>
+            </a:prstGeom>
+          </p:spPr>
+          <p:txBody>
+            <a:bodyPr wrap="none">
+              <a:spAutoFit/>
+            </a:bodyPr>
+            <a:lstStyle/>
+            <a:p>
+              <a:r>
+                <a:rPr lang="en-US" b="1" dirty="0" smtClean="0"/>
+                <a:t>Display</a:t>
+              </a:r>
+              <a:endParaRPr lang="en-US" b="1" dirty="0"/>
+            </a:p>
+          </p:txBody>
+        </p:sp>
+      </p:grpSp>
+      <p:grpSp>
+        <p:nvGrpSpPr>
           <p:cNvPr id="95" name="Group 94"/>
           <p:cNvGrpSpPr/>
           <p:nvPr/>
         </p:nvGrpSpPr>
         <p:grpSpPr>
           <a:xfrm>
-            <a:off x="3706756" y="2016578"/>
-            <a:ext cx="1666161" cy="1314904"/>
+            <a:off x="3298986" y="1917729"/>
+            <a:ext cx="1558568" cy="1315179"/>
             <a:chOff x="4379856" y="2569028"/>
-            <a:chExt cx="1666161" cy="1314904"/>
+            <a:chExt cx="1558568" cy="1315179"/>
           </a:xfrm>
         </p:grpSpPr>
         <p:pic>
@@ -2995,7 +3069,7 @@
             <p:nvPr/>
           </p:nvPicPr>
           <p:blipFill rotWithShape="1">
-            <a:blip r:embed="rId2"/>
+            <a:blip r:embed="rId3"/>
             <a:srcRect l="35542" t="19680" r="35441" b="39379"/>
             <a:stretch/>
           </p:blipFill>
@@ -3017,7 +3091,7 @@
           </p:nvSpPr>
           <p:spPr>
             <a:xfrm>
-              <a:off x="5224510" y="3514600"/>
+              <a:off x="5116917" y="3514875"/>
               <a:ext cx="821507" cy="369332"/>
             </a:xfrm>
             <a:prstGeom prst="rect">
@@ -3048,7 +3122,7 @@
           <p:nvPr/>
         </p:nvPicPr>
         <p:blipFill rotWithShape="1">
-          <a:blip r:embed="rId3" cstate="print">
+          <a:blip r:embed="rId4" cstate="print">
             <a:extLst>
               <a:ext uri="{28A0092B-C50C-407E-A947-70E740481C1C}">
                 <a14:useLocalDpi xmlns:a14="http://schemas.microsoft.com/office/drawing/2010/main" val="0"/>
@@ -3060,7 +3134,7 @@
         </p:blipFill>
         <p:spPr>
           <a:xfrm>
-            <a:off x="3002235" y="4022890"/>
+            <a:off x="2489431" y="3843727"/>
             <a:ext cx="974772" cy="689251"/>
           </a:xfrm>
           <a:prstGeom prst="rect">
@@ -3077,7 +3151,7 @@
           <p:nvPr/>
         </p:nvPicPr>
         <p:blipFill rotWithShape="1">
-          <a:blip r:embed="rId4" cstate="print">
+          <a:blip r:embed="rId5" cstate="print">
             <a:extLst>
               <a:ext uri="{28A0092B-C50C-407E-A947-70E740481C1C}">
                 <a14:useLocalDpi xmlns:a14="http://schemas.microsoft.com/office/drawing/2010/main" val="0"/>
@@ -3089,7 +3163,7 @@
         </p:blipFill>
         <p:spPr>
           <a:xfrm>
-            <a:off x="4943398" y="4022335"/>
+            <a:off x="4430594" y="3843172"/>
             <a:ext cx="859039" cy="689251"/>
           </a:xfrm>
           <a:prstGeom prst="rect">
@@ -3105,10 +3179,10 @@
         </p:nvGrpSpPr>
         <p:grpSpPr>
           <a:xfrm>
-            <a:off x="5147842" y="2341369"/>
-            <a:ext cx="2487602" cy="414204"/>
-            <a:chOff x="2813280" y="2884546"/>
-            <a:chExt cx="2487602" cy="414204"/>
+            <a:off x="4628858" y="2240138"/>
+            <a:ext cx="1690594" cy="416585"/>
+            <a:chOff x="2813280" y="2882164"/>
+            <a:chExt cx="1690594" cy="416585"/>
           </a:xfrm>
         </p:grpSpPr>
         <p:pic>
@@ -3120,7 +3194,7 @@
             <p:nvPr/>
           </p:nvPicPr>
           <p:blipFill>
-            <a:blip r:embed="rId5" cstate="print">
+            <a:blip r:embed="rId6" cstate="print">
               <a:extLst>
                 <a:ext uri="{28A0092B-C50C-407E-A947-70E740481C1C}">
                   <a14:useLocalDpi xmlns:a14="http://schemas.microsoft.com/office/drawing/2010/main" val="0"/>
@@ -3150,7 +3224,7 @@
           <p:spPr>
             <a:xfrm>
               <a:off x="3183731" y="3089266"/>
-              <a:ext cx="1617163" cy="0"/>
+              <a:ext cx="927012" cy="0"/>
             </a:xfrm>
             <a:prstGeom prst="line">
               <a:avLst/>
@@ -3181,7 +3255,7 @@
             <p:nvPr/>
           </p:nvPicPr>
           <p:blipFill>
-            <a:blip r:embed="rId5" cstate="print">
+            <a:blip r:embed="rId6" cstate="print">
               <a:extLst>
                 <a:ext uri="{28A0092B-C50C-407E-A947-70E740481C1C}">
                   <a14:useLocalDpi xmlns:a14="http://schemas.microsoft.com/office/drawing/2010/main" val="0"/>
@@ -3194,7 +3268,7 @@
           </p:blipFill>
           <p:spPr>
             <a:xfrm rot="2700000">
-              <a:off x="4886679" y="2884547"/>
+              <a:off x="4089671" y="2882164"/>
               <a:ext cx="414203" cy="414203"/>
             </a:xfrm>
             <a:prstGeom prst="rect">
@@ -3211,7 +3285,7 @@
         </p:nvGrpSpPr>
         <p:grpSpPr>
           <a:xfrm>
-            <a:off x="4245821" y="3098855"/>
+            <a:off x="3733017" y="2919692"/>
             <a:ext cx="454561" cy="476330"/>
             <a:chOff x="3978976" y="3695894"/>
             <a:chExt cx="454561" cy="476330"/>
@@ -3318,7 +3392,7 @@
             <p:nvPr/>
           </p:nvPicPr>
           <p:blipFill>
-            <a:blip r:embed="rId6" cstate="print">
+            <a:blip r:embed="rId7" cstate="print">
               <a:extLst>
                 <a:ext uri="{28A0092B-C50C-407E-A947-70E740481C1C}">
                   <a14:useLocalDpi xmlns:a14="http://schemas.microsoft.com/office/drawing/2010/main" val="0"/>
@@ -3348,7 +3422,7 @@
         </p:nvGrpSpPr>
         <p:grpSpPr>
           <a:xfrm>
-            <a:off x="3510935" y="3575185"/>
+            <a:off x="2998131" y="3396022"/>
             <a:ext cx="1930253" cy="519167"/>
             <a:chOff x="3510935" y="3575185"/>
             <a:chExt cx="1930253" cy="519167"/>
@@ -3502,7 +3576,7 @@
         </p:nvGrpSpPr>
         <p:grpSpPr>
           <a:xfrm>
-            <a:off x="4374902" y="3580986"/>
+            <a:off x="3862098" y="3401823"/>
             <a:ext cx="828798" cy="369332"/>
             <a:chOff x="7903181" y="3762728"/>
             <a:chExt cx="828798" cy="369332"/>
@@ -3592,7 +3666,7 @@
         </p:nvGrpSpPr>
         <p:grpSpPr>
           <a:xfrm>
-            <a:off x="316887" y="1665387"/>
+            <a:off x="285101" y="1566538"/>
             <a:ext cx="1038279" cy="369332"/>
             <a:chOff x="7903181" y="3762728"/>
             <a:chExt cx="1038279" cy="369332"/>
@@ -3679,7 +3753,7 @@
         </p:nvGrpSpPr>
         <p:grpSpPr>
           <a:xfrm>
-            <a:off x="1954343" y="2171873"/>
+            <a:off x="1738097" y="2073024"/>
             <a:ext cx="1402738" cy="369332"/>
             <a:chOff x="2847767" y="2591680"/>
             <a:chExt cx="1402738" cy="369332"/>
@@ -3815,7 +3889,7 @@
         </p:nvGrpSpPr>
         <p:grpSpPr>
           <a:xfrm>
-            <a:off x="1828263" y="2751539"/>
+            <a:off x="1612017" y="2652690"/>
             <a:ext cx="1702563" cy="369332"/>
             <a:chOff x="2677293" y="3267066"/>
             <a:chExt cx="1702563" cy="369332"/>
@@ -3962,7 +4036,7 @@
                     <a:avLst/>
                   </a:prstGeom>
                   <a:blipFill>
-                    <a:blip r:embed="rId7"/>
+                    <a:blip r:embed="rId8"/>
                     <a:stretch>
                       <a:fillRect l="-3529" t="-8197" r="-784" b="-24590"/>
                     </a:stretch>
@@ -4019,142 +4093,40 @@
           </p:style>
         </p:cxnSp>
       </p:grpSp>
-      <p:grpSp>
-        <p:nvGrpSpPr>
-          <p:cNvPr id="101" name="Group 100"/>
-          <p:cNvGrpSpPr/>
-          <p:nvPr/>
-        </p:nvGrpSpPr>
-        <p:grpSpPr>
-          <a:xfrm>
-            <a:off x="5548666" y="2148598"/>
-            <a:ext cx="1823173" cy="369332"/>
-            <a:chOff x="6221766" y="2701048"/>
-            <a:chExt cx="1823173" cy="369332"/>
-          </a:xfrm>
-        </p:grpSpPr>
-        <p:grpSp>
-          <p:nvGrpSpPr>
-            <p:cNvPr id="59" name="Group 58"/>
-            <p:cNvGrpSpPr/>
-            <p:nvPr/>
-          </p:nvGrpSpPr>
-          <p:grpSpPr>
-            <a:xfrm>
-              <a:off x="6221766" y="2701048"/>
-              <a:ext cx="1823173" cy="369332"/>
-              <a:chOff x="7903181" y="3762728"/>
-              <a:chExt cx="1823173" cy="369332"/>
-            </a:xfrm>
-          </p:grpSpPr>
-          <p:sp>
-            <p:nvSpPr>
-              <p:cNvPr id="60" name="Oval 59"/>
-              <p:cNvSpPr/>
-              <p:nvPr/>
-            </p:nvSpPr>
-            <p:spPr>
-              <a:xfrm>
-                <a:off x="7903181" y="3848001"/>
-                <a:ext cx="202025" cy="198787"/>
-              </a:xfrm>
-              <a:prstGeom prst="ellipse">
-                <a:avLst/>
-              </a:prstGeom>
-              <a:ln w="19050"/>
-            </p:spPr>
-            <p:style>
-              <a:lnRef idx="2">
-                <a:schemeClr val="dk1"/>
-              </a:lnRef>
-              <a:fillRef idx="1">
-                <a:schemeClr val="lt1"/>
-              </a:fillRef>
-              <a:effectRef idx="0">
-                <a:schemeClr val="dk1"/>
-              </a:effectRef>
-              <a:fontRef idx="minor">
-                <a:schemeClr val="dk1"/>
-              </a:fontRef>
-            </p:style>
-            <p:txBody>
-              <a:bodyPr rtlCol="0" anchor="ctr"/>
-              <a:lstStyle/>
-              <a:p>
-                <a:pPr algn="ctr"/>
-                <a:r>
-                  <a:rPr lang="en-US" b="1" dirty="0" smtClean="0"/>
-                  <a:t>6</a:t>
-                </a:r>
-                <a:endParaRPr lang="en-US" b="1" dirty="0"/>
-              </a:p>
-            </p:txBody>
-          </p:sp>
-          <p:sp>
-            <p:nvSpPr>
-              <p:cNvPr id="61" name="Rectangle 60"/>
-              <p:cNvSpPr/>
-              <p:nvPr/>
-            </p:nvSpPr>
-            <p:spPr>
-              <a:xfrm>
-                <a:off x="8047176" y="3762728"/>
-                <a:ext cx="1679178" cy="369332"/>
-              </a:xfrm>
-              <a:prstGeom prst="rect">
-                <a:avLst/>
-              </a:prstGeom>
-            </p:spPr>
-            <p:txBody>
-              <a:bodyPr wrap="none">
-                <a:spAutoFit/>
-              </a:bodyPr>
-              <a:lstStyle/>
-              <a:p>
-                <a:r>
-                  <a:rPr lang="en-US" dirty="0" smtClean="0"/>
-                  <a:t>Frame + overlay</a:t>
-                </a:r>
-                <a:endParaRPr lang="en-US" dirty="0"/>
-              </a:p>
-            </p:txBody>
-          </p:sp>
-        </p:grpSp>
-        <p:cxnSp>
-          <p:nvCxnSpPr>
-            <p:cNvPr id="62" name="Straight Arrow Connector 61"/>
-            <p:cNvCxnSpPr/>
-            <p:nvPr/>
-          </p:nvCxnSpPr>
-          <p:spPr>
-            <a:xfrm>
-              <a:off x="6775880" y="2724323"/>
-              <a:ext cx="718135" cy="0"/>
-            </a:xfrm>
-            <a:prstGeom prst="straightConnector1">
-              <a:avLst/>
-            </a:prstGeom>
-            <a:ln w="12700">
-              <a:headEnd type="none" w="med" len="med"/>
-              <a:tailEnd type="triangle" w="med" len="med"/>
-            </a:ln>
-          </p:spPr>
-          <p:style>
-            <a:lnRef idx="1">
-              <a:schemeClr val="dk1"/>
-            </a:lnRef>
-            <a:fillRef idx="0">
-              <a:schemeClr val="dk1"/>
-            </a:fillRef>
-            <a:effectRef idx="0">
-              <a:schemeClr val="dk1"/>
-            </a:effectRef>
-            <a:fontRef idx="minor">
-              <a:schemeClr val="tx1"/>
-            </a:fontRef>
-          </p:style>
-        </p:cxnSp>
-      </p:grpSp>
+      <p:cxnSp>
+        <p:nvCxnSpPr>
+          <p:cNvPr id="62" name="Straight Arrow Connector 61"/>
+          <p:cNvCxnSpPr/>
+          <p:nvPr/>
+        </p:nvCxnSpPr>
+        <p:spPr>
+          <a:xfrm>
+            <a:off x="5101329" y="2124287"/>
+            <a:ext cx="718135" cy="0"/>
+          </a:xfrm>
+          <a:prstGeom prst="straightConnector1">
+            <a:avLst/>
+          </a:prstGeom>
+          <a:ln w="12700">
+            <a:headEnd type="none" w="med" len="med"/>
+            <a:tailEnd type="triangle" w="med" len="med"/>
+          </a:ln>
+        </p:spPr>
+        <p:style>
+          <a:lnRef idx="1">
+            <a:schemeClr val="dk1"/>
+          </a:lnRef>
+          <a:fillRef idx="0">
+            <a:schemeClr val="dk1"/>
+          </a:fillRef>
+          <a:effectRef idx="0">
+            <a:schemeClr val="dk1"/>
+          </a:effectRef>
+          <a:fontRef idx="minor">
+            <a:schemeClr val="tx1"/>
+          </a:fontRef>
+        </p:style>
+      </p:cxnSp>
       <p:pic>
         <p:nvPicPr>
           <p:cNvPr id="63" name="Picture 62"/>
@@ -4164,7 +4136,7 @@
           <p:nvPr/>
         </p:nvPicPr>
         <p:blipFill rotWithShape="1">
-          <a:blip r:embed="rId8" cstate="print">
+          <a:blip r:embed="rId9" cstate="print">
             <a:extLst>
               <a:ext uri="{28A0092B-C50C-407E-A947-70E740481C1C}">
                 <a14:useLocalDpi xmlns:a14="http://schemas.microsoft.com/office/drawing/2010/main" val="0"/>
@@ -4176,7 +4148,7 @@
         </p:blipFill>
         <p:spPr>
           <a:xfrm>
-            <a:off x="3935224" y="110499"/>
+            <a:off x="3570700" y="11650"/>
             <a:ext cx="1139451" cy="832525"/>
           </a:xfrm>
           <a:prstGeom prst="rect">
@@ -4184,79 +4156,6 @@
           </a:prstGeom>
         </p:spPr>
       </p:pic>
-      <p:grpSp>
-        <p:nvGrpSpPr>
-          <p:cNvPr id="96" name="Group 95"/>
-          <p:cNvGrpSpPr/>
-          <p:nvPr/>
-        </p:nvGrpSpPr>
-        <p:grpSpPr>
-          <a:xfrm>
-            <a:off x="7618843" y="2016578"/>
-            <a:ext cx="1558817" cy="1865583"/>
-            <a:chOff x="7410679" y="2569028"/>
-            <a:chExt cx="1558817" cy="1865583"/>
-          </a:xfrm>
-        </p:grpSpPr>
-        <p:pic>
-          <p:nvPicPr>
-            <p:cNvPr id="9" name="Picture 8"/>
-            <p:cNvPicPr>
-              <a:picLocks noChangeAspect="1"/>
-            </p:cNvPicPr>
-            <p:nvPr/>
-          </p:nvPicPr>
-          <p:blipFill rotWithShape="1">
-            <a:blip r:embed="rId9" cstate="print">
-              <a:extLst>
-                <a:ext uri="{28A0092B-C50C-407E-A947-70E740481C1C}">
-                  <a14:useLocalDpi xmlns:a14="http://schemas.microsoft.com/office/drawing/2010/main" val="0"/>
-                </a:ext>
-              </a:extLst>
-            </a:blip>
-            <a:srcRect t="3275" b="3208"/>
-            <a:stretch/>
-          </p:blipFill>
-          <p:spPr>
-            <a:xfrm>
-              <a:off x="7410679" y="2569028"/>
-              <a:ext cx="1558817" cy="1457778"/>
-            </a:xfrm>
-            <a:prstGeom prst="rect">
-              <a:avLst/>
-            </a:prstGeom>
-          </p:spPr>
-        </p:pic>
-        <p:sp>
-          <p:nvSpPr>
-            <p:cNvPr id="64" name="Rectangle 63"/>
-            <p:cNvSpPr/>
-            <p:nvPr/>
-          </p:nvSpPr>
-          <p:spPr>
-            <a:xfrm>
-              <a:off x="7762470" y="4065279"/>
-              <a:ext cx="876202" cy="369332"/>
-            </a:xfrm>
-            <a:prstGeom prst="rect">
-              <a:avLst/>
-            </a:prstGeom>
-          </p:spPr>
-          <p:txBody>
-            <a:bodyPr wrap="none">
-              <a:spAutoFit/>
-            </a:bodyPr>
-            <a:lstStyle/>
-            <a:p>
-              <a:r>
-                <a:rPr lang="en-US" b="1" dirty="0" smtClean="0"/>
-                <a:t>Display</a:t>
-              </a:r>
-              <a:endParaRPr lang="en-US" b="1" dirty="0"/>
-            </a:p>
-          </p:txBody>
-        </p:sp>
-      </p:grpSp>
       <p:cxnSp>
         <p:nvCxnSpPr>
           <p:cNvPr id="67" name="Straight Arrow Connector 66"/>
@@ -4268,8 +4167,8 @@
         </p:nvCxnSpPr>
         <p:spPr>
           <a:xfrm flipV="1">
-            <a:off x="908024" y="526762"/>
-            <a:ext cx="3027200" cy="1138625"/>
+            <a:off x="876238" y="427913"/>
+            <a:ext cx="2694462" cy="1138625"/>
           </a:xfrm>
           <a:prstGeom prst="straightConnector1">
             <a:avLst/>
@@ -4302,7 +4201,7 @@
         </p:nvGrpSpPr>
         <p:grpSpPr>
           <a:xfrm>
-            <a:off x="2070016" y="474418"/>
+            <a:off x="1705492" y="375569"/>
             <a:ext cx="1287065" cy="369332"/>
             <a:chOff x="7903181" y="3762728"/>
             <a:chExt cx="1287065" cy="369332"/>
@@ -4389,7 +4288,7 @@
         </p:nvGrpSpPr>
         <p:grpSpPr>
           <a:xfrm>
-            <a:off x="3892173" y="1587734"/>
+            <a:off x="3527649" y="1488885"/>
             <a:ext cx="1081559" cy="369332"/>
             <a:chOff x="7903181" y="3762728"/>
             <a:chExt cx="1081559" cy="369332"/>
@@ -4398,6 +4297,127 @@
         <p:sp>
           <p:nvSpPr>
             <p:cNvPr id="74" name="Oval 73"/>
+            <p:cNvSpPr/>
+            <p:nvPr/>
+          </p:nvSpPr>
+          <p:spPr>
+            <a:xfrm>
+              <a:off x="7903181" y="3848001"/>
+              <a:ext cx="202025" cy="198787"/>
+            </a:xfrm>
+            <a:prstGeom prst="ellipse">
+              <a:avLst/>
+            </a:prstGeom>
+            <a:ln w="19050"/>
+          </p:spPr>
+          <p:style>
+            <a:lnRef idx="2">
+              <a:schemeClr val="dk1"/>
+            </a:lnRef>
+            <a:fillRef idx="1">
+              <a:schemeClr val="lt1"/>
+            </a:fillRef>
+            <a:effectRef idx="0">
+              <a:schemeClr val="dk1"/>
+            </a:effectRef>
+            <a:fontRef idx="minor">
+              <a:schemeClr val="dk1"/>
+            </a:fontRef>
+          </p:style>
+          <p:txBody>
+            <a:bodyPr rtlCol="0" anchor="ctr"/>
+            <a:lstStyle/>
+            <a:p>
+              <a:pPr algn="ctr"/>
+              <a:r>
+                <a:rPr lang="en-US" b="1" dirty="0" smtClean="0"/>
+                <a:t>7</a:t>
+              </a:r>
+              <a:endParaRPr lang="en-US" b="1" dirty="0"/>
+            </a:p>
+          </p:txBody>
+        </p:sp>
+        <p:sp>
+          <p:nvSpPr>
+            <p:cNvPr id="75" name="Rectangle 74"/>
+            <p:cNvSpPr/>
+            <p:nvPr/>
+          </p:nvSpPr>
+          <p:spPr>
+            <a:xfrm>
+              <a:off x="8047176" y="3762728"/>
+              <a:ext cx="937564" cy="369332"/>
+            </a:xfrm>
+            <a:prstGeom prst="rect">
+              <a:avLst/>
+            </a:prstGeom>
+          </p:spPr>
+          <p:txBody>
+            <a:bodyPr wrap="none">
+              <a:spAutoFit/>
+            </a:bodyPr>
+            <a:lstStyle/>
+            <a:p>
+              <a:r>
+                <a:rPr lang="en-US" dirty="0" smtClean="0"/>
+                <a:t>Analysis</a:t>
+              </a:r>
+              <a:endParaRPr lang="en-US" dirty="0"/>
+            </a:p>
+          </p:txBody>
+        </p:sp>
+      </p:grpSp>
+      <p:cxnSp>
+        <p:nvCxnSpPr>
+          <p:cNvPr id="87" name="Straight Arrow Connector 86"/>
+          <p:cNvCxnSpPr/>
+          <p:nvPr/>
+        </p:nvCxnSpPr>
+        <p:spPr>
+          <a:xfrm>
+            <a:off x="3965172" y="943422"/>
+            <a:ext cx="0" cy="601242"/>
+          </a:xfrm>
+          <a:prstGeom prst="straightConnector1">
+            <a:avLst/>
+          </a:prstGeom>
+          <a:ln w="12700">
+            <a:headEnd type="none" w="med" len="med"/>
+            <a:tailEnd type="triangle" w="med" len="med"/>
+          </a:ln>
+        </p:spPr>
+        <p:style>
+          <a:lnRef idx="1">
+            <a:schemeClr val="dk1"/>
+          </a:lnRef>
+          <a:fillRef idx="0">
+            <a:schemeClr val="dk1"/>
+          </a:fillRef>
+          <a:effectRef idx="0">
+            <a:schemeClr val="dk1"/>
+          </a:effectRef>
+          <a:fontRef idx="minor">
+            <a:schemeClr val="tx1"/>
+          </a:fontRef>
+        </p:style>
+      </p:cxnSp>
+      <p:grpSp>
+        <p:nvGrpSpPr>
+          <p:cNvPr id="90" name="Group 89"/>
+          <p:cNvGrpSpPr/>
+          <p:nvPr/>
+        </p:nvGrpSpPr>
+        <p:grpSpPr>
+          <a:xfrm>
+            <a:off x="3884700" y="1020422"/>
+            <a:ext cx="2591140" cy="369332"/>
+            <a:chOff x="7903181" y="3762728"/>
+            <a:chExt cx="2591140" cy="369332"/>
+          </a:xfrm>
+        </p:grpSpPr>
+        <p:sp>
+          <p:nvSpPr>
+            <p:cNvPr id="91" name="Oval 90"/>
             <p:cNvSpPr/>
             <p:nvPr/>
           </p:nvSpPr>
@@ -4440,14 +4460,14 @@
         </p:sp>
         <p:sp>
           <p:nvSpPr>
-            <p:cNvPr id="75" name="Rectangle 74"/>
+            <p:cNvPr id="92" name="Rectangle 91"/>
             <p:cNvSpPr/>
             <p:nvPr/>
           </p:nvSpPr>
           <p:spPr>
             <a:xfrm>
               <a:off x="8047176" y="3762728"/>
-              <a:ext cx="937564" cy="369332"/>
+              <a:ext cx="2447145" cy="369332"/>
             </a:xfrm>
             <a:prstGeom prst="rect">
               <a:avLst/>
@@ -4461,336 +4481,15 @@
             <a:p>
               <a:r>
                 <a:rPr lang="en-US" dirty="0" smtClean="0"/>
-                <a:t>Analysis</a:t>
+                <a:t>Response [</a:t>
               </a:r>
-              <a:endParaRPr lang="en-US" dirty="0"/>
-            </a:p>
-          </p:txBody>
-        </p:sp>
-      </p:grpSp>
-      <p:cxnSp>
-        <p:nvCxnSpPr>
-          <p:cNvPr id="76" name="Straight Arrow Connector 75"/>
-          <p:cNvCxnSpPr/>
-          <p:nvPr/>
-        </p:nvCxnSpPr>
-        <p:spPr>
-          <a:xfrm flipV="1">
-            <a:off x="4151678" y="1035922"/>
-            <a:ext cx="0" cy="607591"/>
-          </a:xfrm>
-          <a:prstGeom prst="straightConnector1">
-            <a:avLst/>
-          </a:prstGeom>
-          <a:ln w="12700">
-            <a:headEnd type="none" w="med" len="med"/>
-            <a:tailEnd type="triangle" w="med" len="med"/>
-          </a:ln>
-        </p:spPr>
-        <p:style>
-          <a:lnRef idx="1">
-            <a:schemeClr val="dk1"/>
-          </a:lnRef>
-          <a:fillRef idx="0">
-            <a:schemeClr val="dk1"/>
-          </a:fillRef>
-          <a:effectRef idx="0">
-            <a:schemeClr val="dk1"/>
-          </a:effectRef>
-          <a:fontRef idx="minor">
-            <a:schemeClr val="tx1"/>
-          </a:fontRef>
-        </p:style>
-      </p:cxnSp>
-      <p:grpSp>
-        <p:nvGrpSpPr>
-          <p:cNvPr id="81" name="Group 80"/>
-          <p:cNvGrpSpPr/>
-          <p:nvPr/>
-        </p:nvGrpSpPr>
-        <p:grpSpPr>
-          <a:xfrm>
-            <a:off x="2966899" y="1116292"/>
-            <a:ext cx="1261480" cy="369332"/>
-            <a:chOff x="7903181" y="3762728"/>
-            <a:chExt cx="1261480" cy="369332"/>
-          </a:xfrm>
-        </p:grpSpPr>
-        <p:sp>
-          <p:nvSpPr>
-            <p:cNvPr id="82" name="Oval 81"/>
-            <p:cNvSpPr/>
-            <p:nvPr/>
-          </p:nvSpPr>
-          <p:spPr>
-            <a:xfrm>
-              <a:off x="7903181" y="3848001"/>
-              <a:ext cx="202025" cy="198787"/>
-            </a:xfrm>
-            <a:prstGeom prst="ellipse">
-              <a:avLst/>
-            </a:prstGeom>
-            <a:ln w="19050"/>
-          </p:spPr>
-          <p:style>
-            <a:lnRef idx="2">
-              <a:schemeClr val="dk1"/>
-            </a:lnRef>
-            <a:fillRef idx="1">
-              <a:schemeClr val="lt1"/>
-            </a:fillRef>
-            <a:effectRef idx="0">
-              <a:schemeClr val="dk1"/>
-            </a:effectRef>
-            <a:fontRef idx="minor">
-              <a:schemeClr val="dk1"/>
-            </a:fontRef>
-          </p:style>
-          <p:txBody>
-            <a:bodyPr rtlCol="0" anchor="ctr"/>
-            <a:lstStyle/>
-            <a:p>
-              <a:pPr algn="ctr"/>
               <a:r>
-                <a:rPr lang="en-US" b="1" dirty="0" smtClean="0"/>
-                <a:t>7</a:t>
+                <a:rPr lang="en-US" dirty="0" err="1" smtClean="0"/>
+                <a:t>ui</a:t>
               </a:r>
-              <a:endParaRPr lang="en-US" b="1" dirty="0"/>
-            </a:p>
-          </p:txBody>
-        </p:sp>
-        <p:sp>
-          <p:nvSpPr>
-            <p:cNvPr id="83" name="Rectangle 82"/>
-            <p:cNvSpPr/>
-            <p:nvPr/>
-          </p:nvSpPr>
-          <p:spPr>
-            <a:xfrm>
-              <a:off x="8047176" y="3762728"/>
-              <a:ext cx="1117485" cy="369332"/>
-            </a:xfrm>
-            <a:prstGeom prst="rect">
-              <a:avLst/>
-            </a:prstGeom>
-          </p:spPr>
-          <p:txBody>
-            <a:bodyPr wrap="none">
-              <a:spAutoFit/>
-            </a:bodyPr>
-            <a:lstStyle/>
-            <a:p>
               <a:r>
-                <a:rPr lang="en-US" dirty="0" smtClean="0"/>
-                <a:t>Send data</a:t>
-              </a:r>
-              <a:endParaRPr lang="en-US" dirty="0"/>
-            </a:p>
-          </p:txBody>
-        </p:sp>
-      </p:grpSp>
-      <p:grpSp>
-        <p:nvGrpSpPr>
-          <p:cNvPr id="84" name="Group 83"/>
-          <p:cNvGrpSpPr/>
-          <p:nvPr/>
-        </p:nvGrpSpPr>
-        <p:grpSpPr>
-          <a:xfrm>
-            <a:off x="3764351" y="-77942"/>
-            <a:ext cx="928056" cy="369332"/>
-            <a:chOff x="7903181" y="3762728"/>
-            <a:chExt cx="928056" cy="369332"/>
-          </a:xfrm>
-        </p:grpSpPr>
-        <p:sp>
-          <p:nvSpPr>
-            <p:cNvPr id="85" name="Oval 84"/>
-            <p:cNvSpPr/>
-            <p:nvPr/>
-          </p:nvSpPr>
-          <p:spPr>
-            <a:xfrm>
-              <a:off x="7903181" y="3848001"/>
-              <a:ext cx="202025" cy="198787"/>
-            </a:xfrm>
-            <a:prstGeom prst="ellipse">
-              <a:avLst/>
-            </a:prstGeom>
-            <a:ln w="19050"/>
-          </p:spPr>
-          <p:style>
-            <a:lnRef idx="2">
-              <a:schemeClr val="dk1"/>
-            </a:lnRef>
-            <a:fillRef idx="1">
-              <a:schemeClr val="lt1"/>
-            </a:fillRef>
-            <a:effectRef idx="0">
-              <a:schemeClr val="dk1"/>
-            </a:effectRef>
-            <a:fontRef idx="minor">
-              <a:schemeClr val="dk1"/>
-            </a:fontRef>
-          </p:style>
-          <p:txBody>
-            <a:bodyPr rtlCol="0" anchor="ctr"/>
-            <a:lstStyle/>
-            <a:p>
-              <a:pPr algn="ctr"/>
-              <a:r>
-                <a:rPr lang="en-US" b="1" dirty="0" smtClean="0"/>
-                <a:t>8</a:t>
-              </a:r>
-              <a:endParaRPr lang="en-US" b="1" dirty="0"/>
-            </a:p>
-          </p:txBody>
-        </p:sp>
-        <p:sp>
-          <p:nvSpPr>
-            <p:cNvPr id="86" name="Rectangle 85"/>
-            <p:cNvSpPr/>
-            <p:nvPr/>
-          </p:nvSpPr>
-          <p:spPr>
-            <a:xfrm>
-              <a:off x="8047176" y="3762728"/>
-              <a:ext cx="784061" cy="369332"/>
-            </a:xfrm>
-            <a:prstGeom prst="rect">
-              <a:avLst/>
-            </a:prstGeom>
-          </p:spPr>
-          <p:txBody>
-            <a:bodyPr wrap="none">
-              <a:spAutoFit/>
-            </a:bodyPr>
-            <a:lstStyle/>
-            <a:p>
-              <a:r>
-                <a:rPr lang="en-US" dirty="0" smtClean="0"/>
-                <a:t>Match</a:t>
-              </a:r>
-              <a:endParaRPr lang="en-US" dirty="0"/>
-            </a:p>
-          </p:txBody>
-        </p:sp>
-      </p:grpSp>
-      <p:cxnSp>
-        <p:nvCxnSpPr>
-          <p:cNvPr id="87" name="Straight Arrow Connector 86"/>
-          <p:cNvCxnSpPr/>
-          <p:nvPr/>
-        </p:nvCxnSpPr>
-        <p:spPr>
-          <a:xfrm>
-            <a:off x="4657399" y="1042271"/>
-            <a:ext cx="0" cy="601242"/>
-          </a:xfrm>
-          <a:prstGeom prst="straightConnector1">
-            <a:avLst/>
-          </a:prstGeom>
-          <a:ln w="12700">
-            <a:headEnd type="none" w="med" len="med"/>
-            <a:tailEnd type="triangle" w="med" len="med"/>
-          </a:ln>
-        </p:spPr>
-        <p:style>
-          <a:lnRef idx="1">
-            <a:schemeClr val="dk1"/>
-          </a:lnRef>
-          <a:fillRef idx="0">
-            <a:schemeClr val="dk1"/>
-          </a:fillRef>
-          <a:effectRef idx="0">
-            <a:schemeClr val="dk1"/>
-          </a:effectRef>
-          <a:fontRef idx="minor">
-            <a:schemeClr val="tx1"/>
-          </a:fontRef>
-        </p:style>
-      </p:cxnSp>
-      <p:grpSp>
-        <p:nvGrpSpPr>
-          <p:cNvPr id="90" name="Group 89"/>
-          <p:cNvGrpSpPr/>
-          <p:nvPr/>
-        </p:nvGrpSpPr>
-        <p:grpSpPr>
-          <a:xfrm>
-            <a:off x="4576927" y="1119271"/>
-            <a:ext cx="1225510" cy="369332"/>
-            <a:chOff x="7903181" y="3762728"/>
-            <a:chExt cx="1225510" cy="369332"/>
-          </a:xfrm>
-        </p:grpSpPr>
-        <p:sp>
-          <p:nvSpPr>
-            <p:cNvPr id="91" name="Oval 90"/>
-            <p:cNvSpPr/>
-            <p:nvPr/>
-          </p:nvSpPr>
-          <p:spPr>
-            <a:xfrm>
-              <a:off x="7903181" y="3848001"/>
-              <a:ext cx="202025" cy="198787"/>
-            </a:xfrm>
-            <a:prstGeom prst="ellipse">
-              <a:avLst/>
-            </a:prstGeom>
-            <a:ln w="19050"/>
-          </p:spPr>
-          <p:style>
-            <a:lnRef idx="2">
-              <a:schemeClr val="dk1"/>
-            </a:lnRef>
-            <a:fillRef idx="1">
-              <a:schemeClr val="lt1"/>
-            </a:fillRef>
-            <a:effectRef idx="0">
-              <a:schemeClr val="dk1"/>
-            </a:effectRef>
-            <a:fontRef idx="minor">
-              <a:schemeClr val="dk1"/>
-            </a:fontRef>
-          </p:style>
-          <p:txBody>
-            <a:bodyPr rtlCol="0" anchor="ctr"/>
-            <a:lstStyle/>
-            <a:p>
-              <a:pPr algn="ctr"/>
-              <a:r>
-                <a:rPr lang="en-US" b="1" dirty="0" smtClean="0"/>
-                <a:t>9</a:t>
-              </a:r>
-              <a:endParaRPr lang="en-US" b="1" dirty="0"/>
-            </a:p>
-          </p:txBody>
-        </p:sp>
-        <p:sp>
-          <p:nvSpPr>
-            <p:cNvPr id="92" name="Rectangle 91"/>
-            <p:cNvSpPr/>
-            <p:nvPr/>
-          </p:nvSpPr>
-          <p:spPr>
-            <a:xfrm>
-              <a:off x="8047176" y="3762728"/>
-              <a:ext cx="1081515" cy="369332"/>
-            </a:xfrm>
-            <a:prstGeom prst="rect">
-              <a:avLst/>
-            </a:prstGeom>
-          </p:spPr>
-          <p:txBody>
-            <a:bodyPr wrap="none">
-              <a:spAutoFit/>
-            </a:bodyPr>
-            <a:lstStyle/>
-            <a:p>
-              <a:r>
-                <a:rPr lang="en-US" dirty="0" smtClean="0"/>
-                <a:t>Response</a:t>
+                <a:rPr lang="en-US" smtClean="0"/>
+                <a:t> type, data]</a:t>
               </a:r>
               <a:endParaRPr lang="en-US" dirty="0"/>
             </a:p>
@@ -4805,7 +4504,7 @@
         </p:nvGrpSpPr>
         <p:grpSpPr>
           <a:xfrm>
-            <a:off x="5394" y="1997091"/>
+            <a:off x="3499" y="1898242"/>
             <a:ext cx="1482811" cy="1523557"/>
             <a:chOff x="1396313" y="2549541"/>
             <a:chExt cx="1482811" cy="1523557"/>
@@ -4917,10 +4616,10 @@
         </p:nvGrpSpPr>
         <p:grpSpPr>
           <a:xfrm>
-            <a:off x="1439531" y="2375084"/>
-            <a:ext cx="2298397" cy="414204"/>
-            <a:chOff x="2107356" y="2884546"/>
-            <a:chExt cx="2298397" cy="414204"/>
+            <a:off x="1383226" y="2276234"/>
+            <a:ext cx="1990178" cy="414205"/>
+            <a:chOff x="2415575" y="2884545"/>
+            <a:chExt cx="1990178" cy="414205"/>
           </a:xfrm>
         </p:grpSpPr>
         <p:pic>
@@ -4932,7 +4631,7 @@
             <p:nvPr/>
           </p:nvPicPr>
           <p:blipFill>
-            <a:blip r:embed="rId5" cstate="print">
+            <a:blip r:embed="rId6" cstate="print">
               <a:extLst>
                 <a:ext uri="{28A0092B-C50C-407E-A947-70E740481C1C}">
                   <a14:useLocalDpi xmlns:a14="http://schemas.microsoft.com/office/drawing/2010/main" val="0"/>
@@ -4945,7 +4644,7 @@
           </p:blipFill>
           <p:spPr>
             <a:xfrm rot="13500000">
-              <a:off x="2107356" y="2884546"/>
+              <a:off x="2415575" y="2884545"/>
               <a:ext cx="414203" cy="414203"/>
             </a:xfrm>
             <a:prstGeom prst="rect">
@@ -4961,8 +4660,8 @@
           </p:nvCxnSpPr>
           <p:spPr>
             <a:xfrm>
-              <a:off x="2559705" y="3089266"/>
-              <a:ext cx="1486039" cy="0"/>
+              <a:off x="2838853" y="3089266"/>
+              <a:ext cx="1206891" cy="0"/>
             </a:xfrm>
             <a:prstGeom prst="line">
               <a:avLst/>
@@ -4993,7 +4692,7 @@
             <p:nvPr/>
           </p:nvPicPr>
           <p:blipFill>
-            <a:blip r:embed="rId5" cstate="print">
+            <a:blip r:embed="rId6" cstate="print">
               <a:extLst>
                 <a:ext uri="{28A0092B-C50C-407E-A947-70E740481C1C}">
                   <a14:useLocalDpi xmlns:a14="http://schemas.microsoft.com/office/drawing/2010/main" val="0"/>
@@ -5023,7 +4722,7 @@
         </p:nvSpPr>
         <p:spPr>
           <a:xfrm>
-            <a:off x="5097216" y="389285"/>
+            <a:off x="4732692" y="290436"/>
             <a:ext cx="1577804" cy="369332"/>
           </a:xfrm>
           <a:prstGeom prst="rect">
@@ -5044,6 +4743,136 @@
           </a:p>
         </p:txBody>
       </p:sp>
+      <p:grpSp>
+        <p:nvGrpSpPr>
+          <p:cNvPr id="79" name="Group 78"/>
+          <p:cNvGrpSpPr/>
+          <p:nvPr/>
+        </p:nvGrpSpPr>
+        <p:grpSpPr>
+          <a:xfrm>
+            <a:off x="4875828" y="2124287"/>
+            <a:ext cx="1491282" cy="830997"/>
+            <a:chOff x="6632805" y="5115375"/>
+            <a:chExt cx="1491282" cy="830997"/>
+          </a:xfrm>
+        </p:grpSpPr>
+        <p:sp>
+          <p:nvSpPr>
+            <p:cNvPr id="80" name="Rectangle 79"/>
+            <p:cNvSpPr/>
+            <p:nvPr/>
+          </p:nvSpPr>
+          <p:spPr>
+            <a:xfrm>
+              <a:off x="6903379" y="5115375"/>
+              <a:ext cx="1220708" cy="830997"/>
+            </a:xfrm>
+            <a:prstGeom prst="rect">
+              <a:avLst/>
+            </a:prstGeom>
+          </p:spPr>
+          <p:txBody>
+            <a:bodyPr wrap="square">
+              <a:spAutoFit/>
+            </a:bodyPr>
+            <a:lstStyle/>
+            <a:p>
+              <a:r>
+                <a:rPr lang="en-US" sz="1600" dirty="0"/>
+                <a:t>Frame + overlay</a:t>
+              </a:r>
+            </a:p>
+            <a:p>
+              <a:endParaRPr lang="en-US" sz="1600" dirty="0"/>
+            </a:p>
+          </p:txBody>
+        </p:sp>
+        <p:grpSp>
+          <p:nvGrpSpPr>
+            <p:cNvPr id="88" name="Group 87"/>
+            <p:cNvGrpSpPr/>
+            <p:nvPr/>
+          </p:nvGrpSpPr>
+          <p:grpSpPr>
+            <a:xfrm>
+              <a:off x="6632805" y="5115375"/>
+              <a:ext cx="312344" cy="338554"/>
+              <a:chOff x="5047056" y="4829618"/>
+              <a:chExt cx="312344" cy="338554"/>
+            </a:xfrm>
+          </p:grpSpPr>
+          <p:sp>
+            <p:nvSpPr>
+              <p:cNvPr id="89" name="Oval 88"/>
+              <p:cNvSpPr/>
+              <p:nvPr/>
+            </p:nvSpPr>
+            <p:spPr>
+              <a:xfrm>
+                <a:off x="5127307" y="4888968"/>
+                <a:ext cx="232093" cy="232093"/>
+              </a:xfrm>
+              <a:prstGeom prst="ellipse">
+                <a:avLst/>
+              </a:prstGeom>
+              <a:noFill/>
+              <a:ln w="19050"/>
+            </p:spPr>
+            <p:style>
+              <a:lnRef idx="2">
+                <a:schemeClr val="dk1"/>
+              </a:lnRef>
+              <a:fillRef idx="1">
+                <a:schemeClr val="lt1"/>
+              </a:fillRef>
+              <a:effectRef idx="0">
+                <a:schemeClr val="dk1"/>
+              </a:effectRef>
+              <a:fontRef idx="minor">
+                <a:schemeClr val="dk1"/>
+              </a:fontRef>
+            </p:style>
+            <p:txBody>
+              <a:bodyPr rtlCol="0" anchor="ctr"/>
+              <a:lstStyle/>
+              <a:p>
+                <a:pPr algn="ctr"/>
+                <a:endParaRPr lang="en-US"/>
+              </a:p>
+            </p:txBody>
+          </p:sp>
+          <p:sp>
+            <p:nvSpPr>
+              <p:cNvPr id="97" name="Rectangle 96"/>
+              <p:cNvSpPr/>
+              <p:nvPr/>
+            </p:nvSpPr>
+            <p:spPr>
+              <a:xfrm>
+                <a:off x="5047056" y="4829618"/>
+                <a:ext cx="288862" cy="338554"/>
+              </a:xfrm>
+              <a:prstGeom prst="rect">
+                <a:avLst/>
+              </a:prstGeom>
+            </p:spPr>
+            <p:txBody>
+              <a:bodyPr wrap="none">
+                <a:spAutoFit/>
+              </a:bodyPr>
+              <a:lstStyle/>
+              <a:p>
+                <a:r>
+                  <a:rPr lang="en-US" sz="1600" b="1" dirty="0" smtClean="0"/>
+                  <a:t>8</a:t>
+                </a:r>
+                <a:endParaRPr lang="en-US" sz="1600" b="1" dirty="0"/>
+              </a:p>
+            </p:txBody>
+          </p:sp>
+        </p:grpSp>
+      </p:grpSp>
     </p:spTree>
     <p:extLst>
       <p:ext uri="{BB962C8B-B14F-4D97-AF65-F5344CB8AC3E}">
@@ -9587,6 +9416,1104 @@
 </p:sld>
 </file>
 
+<file path=ppt/slides/slide5.xml><?xml version="1.0" encoding="utf-8"?>
+<p:sld xmlns:a="http://schemas.openxmlformats.org/drawingml/2006/main" xmlns:r="http://schemas.openxmlformats.org/officeDocument/2006/relationships" xmlns:p="http://schemas.openxmlformats.org/presentationml/2006/main">
+  <p:cSld>
+    <p:spTree>
+      <p:nvGrpSpPr>
+        <p:cNvPr id="1" name=""/>
+        <p:cNvGrpSpPr/>
+        <p:nvPr/>
+      </p:nvGrpSpPr>
+      <p:grpSpPr>
+        <a:xfrm>
+          <a:off x="0" y="0"/>
+          <a:ext cx="0" cy="0"/>
+          <a:chOff x="0" y="0"/>
+          <a:chExt cx="0" cy="0"/>
+        </a:xfrm>
+      </p:grpSpPr>
+      <p:grpSp>
+        <p:nvGrpSpPr>
+          <p:cNvPr id="2" name="Group 1"/>
+          <p:cNvGrpSpPr/>
+          <p:nvPr/>
+        </p:nvGrpSpPr>
+        <p:grpSpPr>
+          <a:xfrm>
+            <a:off x="2723370" y="303270"/>
+            <a:ext cx="1121972" cy="1158332"/>
+            <a:chOff x="4379857" y="2569029"/>
+            <a:chExt cx="1121972" cy="1158332"/>
+          </a:xfrm>
+        </p:grpSpPr>
+        <p:pic>
+          <p:nvPicPr>
+            <p:cNvPr id="3" name="Picture 2"/>
+            <p:cNvPicPr>
+              <a:picLocks noChangeAspect="1"/>
+            </p:cNvPicPr>
+            <p:nvPr/>
+          </p:nvPicPr>
+          <p:blipFill rotWithShape="1">
+            <a:blip r:embed="rId2"/>
+            <a:srcRect l="35542" t="19680" r="35441" b="39379"/>
+            <a:stretch/>
+          </p:blipFill>
+          <p:spPr>
+            <a:xfrm>
+              <a:off x="4379857" y="2569029"/>
+              <a:ext cx="1121972" cy="813498"/>
+            </a:xfrm>
+            <a:prstGeom prst="rect">
+              <a:avLst/>
+            </a:prstGeom>
+          </p:spPr>
+        </p:pic>
+        <p:sp>
+          <p:nvSpPr>
+            <p:cNvPr id="4" name="Rectangle 3"/>
+            <p:cNvSpPr/>
+            <p:nvPr/>
+          </p:nvSpPr>
+          <p:spPr>
+            <a:xfrm>
+              <a:off x="4530089" y="3358029"/>
+              <a:ext cx="821507" cy="369332"/>
+            </a:xfrm>
+            <a:prstGeom prst="rect">
+              <a:avLst/>
+            </a:prstGeom>
+          </p:spPr>
+          <p:txBody>
+            <a:bodyPr wrap="none">
+              <a:spAutoFit/>
+            </a:bodyPr>
+            <a:lstStyle/>
+            <a:p>
+              <a:r>
+                <a:rPr lang="en-US" b="1" dirty="0" smtClean="0"/>
+                <a:t>Device</a:t>
+              </a:r>
+              <a:endParaRPr lang="en-US" b="1" dirty="0"/>
+            </a:p>
+          </p:txBody>
+        </p:sp>
+      </p:grpSp>
+      <p:grpSp>
+        <p:nvGrpSpPr>
+          <p:cNvPr id="5" name="Group 4"/>
+          <p:cNvGrpSpPr/>
+          <p:nvPr/>
+        </p:nvGrpSpPr>
+        <p:grpSpPr>
+          <a:xfrm>
+            <a:off x="5232720" y="340821"/>
+            <a:ext cx="893699" cy="1178999"/>
+            <a:chOff x="7410680" y="2569028"/>
+            <a:chExt cx="893699" cy="1178999"/>
+          </a:xfrm>
+        </p:grpSpPr>
+        <p:pic>
+          <p:nvPicPr>
+            <p:cNvPr id="6" name="Picture 5"/>
+            <p:cNvPicPr>
+              <a:picLocks noChangeAspect="1"/>
+            </p:cNvPicPr>
+            <p:nvPr/>
+          </p:nvPicPr>
+          <p:blipFill rotWithShape="1">
+            <a:blip r:embed="rId3" cstate="print">
+              <a:extLst>
+                <a:ext uri="{28A0092B-C50C-407E-A947-70E740481C1C}">
+                  <a14:useLocalDpi xmlns:a14="http://schemas.microsoft.com/office/drawing/2010/main" val="0"/>
+                </a:ext>
+              </a:extLst>
+            </a:blip>
+            <a:srcRect t="3275" b="3208"/>
+            <a:stretch/>
+          </p:blipFill>
+          <p:spPr>
+            <a:xfrm>
+              <a:off x="7410680" y="2569028"/>
+              <a:ext cx="890228" cy="832525"/>
+            </a:xfrm>
+            <a:prstGeom prst="rect">
+              <a:avLst/>
+            </a:prstGeom>
+          </p:spPr>
+        </p:pic>
+        <p:sp>
+          <p:nvSpPr>
+            <p:cNvPr id="7" name="Rectangle 6"/>
+            <p:cNvSpPr/>
+            <p:nvPr/>
+          </p:nvSpPr>
+          <p:spPr>
+            <a:xfrm>
+              <a:off x="7428177" y="3378695"/>
+              <a:ext cx="876202" cy="369332"/>
+            </a:xfrm>
+            <a:prstGeom prst="rect">
+              <a:avLst/>
+            </a:prstGeom>
+          </p:spPr>
+          <p:txBody>
+            <a:bodyPr wrap="none">
+              <a:spAutoFit/>
+            </a:bodyPr>
+            <a:lstStyle/>
+            <a:p>
+              <a:r>
+                <a:rPr lang="en-US" b="1" dirty="0" smtClean="0"/>
+                <a:t>Display</a:t>
+              </a:r>
+              <a:endParaRPr lang="en-US" b="1" dirty="0"/>
+            </a:p>
+          </p:txBody>
+        </p:sp>
+      </p:grpSp>
+      <p:grpSp>
+        <p:nvGrpSpPr>
+          <p:cNvPr id="8" name="Group 7"/>
+          <p:cNvGrpSpPr/>
+          <p:nvPr/>
+        </p:nvGrpSpPr>
+        <p:grpSpPr>
+          <a:xfrm>
+            <a:off x="0" y="303269"/>
+            <a:ext cx="1155357" cy="1178999"/>
+            <a:chOff x="1396313" y="2549541"/>
+            <a:chExt cx="1155357" cy="1178999"/>
+          </a:xfrm>
+        </p:grpSpPr>
+        <p:grpSp>
+          <p:nvGrpSpPr>
+            <p:cNvPr id="9" name="Group 8"/>
+            <p:cNvGrpSpPr/>
+            <p:nvPr/>
+          </p:nvGrpSpPr>
+          <p:grpSpPr>
+            <a:xfrm>
+              <a:off x="1396313" y="2549541"/>
+              <a:ext cx="1155357" cy="834164"/>
+              <a:chOff x="1396313" y="2549541"/>
+              <a:chExt cx="1155357" cy="834164"/>
+            </a:xfrm>
+          </p:grpSpPr>
+          <p:pic>
+            <p:nvPicPr>
+              <p:cNvPr id="11" name="Picture 10"/>
+              <p:cNvPicPr>
+                <a:picLocks noChangeAspect="1"/>
+              </p:cNvPicPr>
+              <p:nvPr/>
+            </p:nvPicPr>
+            <p:blipFill rotWithShape="1">
+              <a:blip r:embed="rId4"/>
+              <a:srcRect l="24261" t="14798" r="24188" b="14569"/>
+              <a:stretch/>
+            </p:blipFill>
+            <p:spPr>
+              <a:xfrm>
+                <a:off x="1396313" y="2570207"/>
+                <a:ext cx="1155357" cy="813498"/>
+              </a:xfrm>
+              <a:prstGeom prst="rect">
+                <a:avLst/>
+              </a:prstGeom>
+            </p:spPr>
+          </p:pic>
+          <p:pic>
+            <p:nvPicPr>
+              <p:cNvPr id="12" name="Picture 11"/>
+              <p:cNvPicPr>
+                <a:picLocks noChangeAspect="1"/>
+              </p:cNvPicPr>
+              <p:nvPr/>
+            </p:nvPicPr>
+            <p:blipFill>
+              <a:blip r:embed="rId5" cstate="print">
+                <a:extLst>
+                  <a:ext uri="{28A0092B-C50C-407E-A947-70E740481C1C}">
+                    <a14:useLocalDpi xmlns:a14="http://schemas.microsoft.com/office/drawing/2010/main" val="0"/>
+                  </a:ext>
+                </a:extLst>
+              </a:blip>
+              <a:stretch>
+                <a:fillRect/>
+              </a:stretch>
+            </p:blipFill>
+            <p:spPr>
+              <a:xfrm>
+                <a:off x="1460578" y="2549541"/>
+                <a:ext cx="453610" cy="453610"/>
+              </a:xfrm>
+              <a:prstGeom prst="rect">
+                <a:avLst/>
+              </a:prstGeom>
+            </p:spPr>
+          </p:pic>
+        </p:grpSp>
+        <p:sp>
+          <p:nvSpPr>
+            <p:cNvPr id="10" name="Rectangle 9"/>
+            <p:cNvSpPr/>
+            <p:nvPr/>
+          </p:nvSpPr>
+          <p:spPr>
+            <a:xfrm>
+              <a:off x="1662527" y="3359208"/>
+              <a:ext cx="622927" cy="369332"/>
+            </a:xfrm>
+            <a:prstGeom prst="rect">
+              <a:avLst/>
+            </a:prstGeom>
+          </p:spPr>
+          <p:txBody>
+            <a:bodyPr wrap="none">
+              <a:spAutoFit/>
+            </a:bodyPr>
+            <a:lstStyle/>
+            <a:p>
+              <a:r>
+                <a:rPr lang="en-US" b="1" dirty="0" smtClean="0"/>
+                <a:t>Host</a:t>
+              </a:r>
+              <a:endParaRPr lang="en-US" b="1" dirty="0"/>
+            </a:p>
+          </p:txBody>
+        </p:sp>
+      </p:grpSp>
+      <p:pic>
+        <p:nvPicPr>
+          <p:cNvPr id="15" name="Picture 14"/>
+          <p:cNvPicPr>
+            <a:picLocks noChangeAspect="1"/>
+          </p:cNvPicPr>
+          <p:nvPr/>
+        </p:nvPicPr>
+        <p:blipFill rotWithShape="1">
+          <a:blip r:embed="rId6" cstate="print">
+            <a:extLst>
+              <a:ext uri="{28A0092B-C50C-407E-A947-70E740481C1C}">
+                <a14:useLocalDpi xmlns:a14="http://schemas.microsoft.com/office/drawing/2010/main" val="0"/>
+              </a:ext>
+            </a:extLst>
+          </a:blip>
+          <a:srcRect t="14679" b="14612"/>
+          <a:stretch/>
+        </p:blipFill>
+        <p:spPr>
+          <a:xfrm>
+            <a:off x="1819423" y="1895276"/>
+            <a:ext cx="974772" cy="689251"/>
+          </a:xfrm>
+          <a:prstGeom prst="rect">
+            <a:avLst/>
+          </a:prstGeom>
+        </p:spPr>
+      </p:pic>
+      <p:pic>
+        <p:nvPicPr>
+          <p:cNvPr id="16" name="Picture 15"/>
+          <p:cNvPicPr>
+            <a:picLocks noChangeAspect="1"/>
+          </p:cNvPicPr>
+          <p:nvPr/>
+        </p:nvPicPr>
+        <p:blipFill rotWithShape="1">
+          <a:blip r:embed="rId7" cstate="print">
+            <a:extLst>
+              <a:ext uri="{28A0092B-C50C-407E-A947-70E740481C1C}">
+                <a14:useLocalDpi xmlns:a14="http://schemas.microsoft.com/office/drawing/2010/main" val="0"/>
+              </a:ext>
+            </a:extLst>
+          </a:blip>
+          <a:srcRect t="9849" b="9916"/>
+          <a:stretch/>
+        </p:blipFill>
+        <p:spPr>
+          <a:xfrm>
+            <a:off x="3863341" y="1925628"/>
+            <a:ext cx="859039" cy="689251"/>
+          </a:xfrm>
+          <a:prstGeom prst="rect">
+            <a:avLst/>
+          </a:prstGeom>
+        </p:spPr>
+      </p:pic>
+      <p:grpSp>
+        <p:nvGrpSpPr>
+          <p:cNvPr id="21" name="Group 20"/>
+          <p:cNvGrpSpPr/>
+          <p:nvPr/>
+        </p:nvGrpSpPr>
+        <p:grpSpPr>
+          <a:xfrm>
+            <a:off x="2293345" y="1461602"/>
+            <a:ext cx="1930253" cy="503521"/>
+            <a:chOff x="3510935" y="3575185"/>
+            <a:chExt cx="1930253" cy="519167"/>
+          </a:xfrm>
+        </p:grpSpPr>
+        <p:cxnSp>
+          <p:nvCxnSpPr>
+            <p:cNvPr id="22" name="Straight Connector 21"/>
+            <p:cNvCxnSpPr/>
+            <p:nvPr/>
+          </p:nvCxnSpPr>
+          <p:spPr>
+            <a:xfrm>
+              <a:off x="4471801" y="3575185"/>
+              <a:ext cx="0" cy="367583"/>
+            </a:xfrm>
+            <a:prstGeom prst="line">
+              <a:avLst/>
+            </a:prstGeom>
+            <a:ln w="28575"/>
+          </p:spPr>
+          <p:style>
+            <a:lnRef idx="1">
+              <a:schemeClr val="dk1"/>
+            </a:lnRef>
+            <a:fillRef idx="0">
+              <a:schemeClr val="dk1"/>
+            </a:fillRef>
+            <a:effectRef idx="0">
+              <a:schemeClr val="dk1"/>
+            </a:effectRef>
+            <a:fontRef idx="minor">
+              <a:schemeClr val="tx1"/>
+            </a:fontRef>
+          </p:style>
+        </p:cxnSp>
+        <p:grpSp>
+          <p:nvGrpSpPr>
+            <p:cNvPr id="23" name="Group 22"/>
+            <p:cNvGrpSpPr/>
+            <p:nvPr/>
+          </p:nvGrpSpPr>
+          <p:grpSpPr>
+            <a:xfrm>
+              <a:off x="3510935" y="3950318"/>
+              <a:ext cx="1930253" cy="144034"/>
+              <a:chOff x="4474242" y="4502768"/>
+              <a:chExt cx="1394552" cy="330546"/>
+            </a:xfrm>
+          </p:grpSpPr>
+          <p:cxnSp>
+            <p:nvCxnSpPr>
+              <p:cNvPr id="24" name="Straight Connector 23"/>
+              <p:cNvCxnSpPr/>
+              <p:nvPr/>
+            </p:nvCxnSpPr>
+            <p:spPr>
+              <a:xfrm>
+                <a:off x="4474242" y="4502768"/>
+                <a:ext cx="1394552" cy="0"/>
+              </a:xfrm>
+              <a:prstGeom prst="line">
+                <a:avLst/>
+              </a:prstGeom>
+              <a:ln w="28575"/>
+            </p:spPr>
+            <p:style>
+              <a:lnRef idx="1">
+                <a:schemeClr val="dk1"/>
+              </a:lnRef>
+              <a:fillRef idx="0">
+                <a:schemeClr val="dk1"/>
+              </a:fillRef>
+              <a:effectRef idx="0">
+                <a:schemeClr val="dk1"/>
+              </a:effectRef>
+              <a:fontRef idx="minor">
+                <a:schemeClr val="tx1"/>
+              </a:fontRef>
+            </p:style>
+          </p:cxnSp>
+          <p:cxnSp>
+            <p:nvCxnSpPr>
+              <p:cNvPr id="25" name="Straight Connector 24"/>
+              <p:cNvCxnSpPr/>
+              <p:nvPr/>
+            </p:nvCxnSpPr>
+            <p:spPr>
+              <a:xfrm>
+                <a:off x="4483969" y="4502768"/>
+                <a:ext cx="0" cy="330546"/>
+              </a:xfrm>
+              <a:prstGeom prst="line">
+                <a:avLst/>
+              </a:prstGeom>
+              <a:ln w="28575"/>
+            </p:spPr>
+            <p:style>
+              <a:lnRef idx="1">
+                <a:schemeClr val="dk1"/>
+              </a:lnRef>
+              <a:fillRef idx="0">
+                <a:schemeClr val="dk1"/>
+              </a:fillRef>
+              <a:effectRef idx="0">
+                <a:schemeClr val="dk1"/>
+              </a:effectRef>
+              <a:fontRef idx="minor">
+                <a:schemeClr val="tx1"/>
+              </a:fontRef>
+            </p:style>
+          </p:cxnSp>
+          <p:cxnSp>
+            <p:nvCxnSpPr>
+              <p:cNvPr id="26" name="Straight Connector 25"/>
+              <p:cNvCxnSpPr/>
+              <p:nvPr/>
+            </p:nvCxnSpPr>
+            <p:spPr>
+              <a:xfrm>
+                <a:off x="5859270" y="4502768"/>
+                <a:ext cx="0" cy="330546"/>
+              </a:xfrm>
+              <a:prstGeom prst="line">
+                <a:avLst/>
+              </a:prstGeom>
+              <a:ln w="28575"/>
+            </p:spPr>
+            <p:style>
+              <a:lnRef idx="1">
+                <a:schemeClr val="dk1"/>
+              </a:lnRef>
+              <a:fillRef idx="0">
+                <a:schemeClr val="dk1"/>
+              </a:fillRef>
+              <a:effectRef idx="0">
+                <a:schemeClr val="dk1"/>
+              </a:effectRef>
+              <a:fontRef idx="minor">
+                <a:schemeClr val="tx1"/>
+              </a:fontRef>
+            </p:style>
+          </p:cxnSp>
+        </p:grpSp>
+      </p:grpSp>
+      <p:grpSp>
+        <p:nvGrpSpPr>
+          <p:cNvPr id="28" name="Group 27"/>
+          <p:cNvGrpSpPr/>
+          <p:nvPr/>
+        </p:nvGrpSpPr>
+        <p:grpSpPr>
+          <a:xfrm>
+            <a:off x="3176356" y="1355901"/>
+            <a:ext cx="828798" cy="369332"/>
+            <a:chOff x="7903181" y="3762728"/>
+            <a:chExt cx="828798" cy="369332"/>
+          </a:xfrm>
+        </p:grpSpPr>
+        <p:sp>
+          <p:nvSpPr>
+            <p:cNvPr id="29" name="Oval 28"/>
+            <p:cNvSpPr/>
+            <p:nvPr/>
+          </p:nvSpPr>
+          <p:spPr>
+            <a:xfrm>
+              <a:off x="7903181" y="3848001"/>
+              <a:ext cx="202025" cy="198787"/>
+            </a:xfrm>
+            <a:prstGeom prst="ellipse">
+              <a:avLst/>
+            </a:prstGeom>
+            <a:ln w="19050"/>
+          </p:spPr>
+          <p:style>
+            <a:lnRef idx="2">
+              <a:schemeClr val="dk1"/>
+            </a:lnRef>
+            <a:fillRef idx="1">
+              <a:schemeClr val="lt1"/>
+            </a:fillRef>
+            <a:effectRef idx="0">
+              <a:schemeClr val="dk1"/>
+            </a:effectRef>
+            <a:fontRef idx="minor">
+              <a:schemeClr val="dk1"/>
+            </a:fontRef>
+          </p:style>
+          <p:txBody>
+            <a:bodyPr rtlCol="0" anchor="ctr"/>
+            <a:lstStyle/>
+            <a:p>
+              <a:pPr algn="ctr"/>
+              <a:r>
+                <a:rPr lang="en-US" b="1" dirty="0"/>
+                <a:t>1</a:t>
+              </a:r>
+            </a:p>
+          </p:txBody>
+        </p:sp>
+        <p:sp>
+          <p:nvSpPr>
+            <p:cNvPr id="30" name="Rectangle 29"/>
+            <p:cNvSpPr/>
+            <p:nvPr/>
+          </p:nvSpPr>
+          <p:spPr>
+            <a:xfrm>
+              <a:off x="8047176" y="3762728"/>
+              <a:ext cx="684803" cy="369332"/>
+            </a:xfrm>
+            <a:prstGeom prst="rect">
+              <a:avLst/>
+            </a:prstGeom>
+          </p:spPr>
+          <p:txBody>
+            <a:bodyPr wrap="none">
+              <a:spAutoFit/>
+            </a:bodyPr>
+            <a:lstStyle/>
+            <a:p>
+              <a:r>
+                <a:rPr lang="en-US" dirty="0"/>
+                <a:t>I</a:t>
+              </a:r>
+              <a:r>
+                <a:rPr lang="en-US" dirty="0" smtClean="0"/>
+                <a:t>nput</a:t>
+              </a:r>
+              <a:endParaRPr lang="en-US" dirty="0"/>
+            </a:p>
+          </p:txBody>
+        </p:sp>
+      </p:grpSp>
+      <p:grpSp>
+        <p:nvGrpSpPr>
+          <p:cNvPr id="31" name="Group 30"/>
+          <p:cNvGrpSpPr/>
+          <p:nvPr/>
+        </p:nvGrpSpPr>
+        <p:grpSpPr>
+          <a:xfrm>
+            <a:off x="2779892" y="-66063"/>
+            <a:ext cx="1043728" cy="369332"/>
+            <a:chOff x="7903181" y="3762728"/>
+            <a:chExt cx="1043728" cy="369332"/>
+          </a:xfrm>
+        </p:grpSpPr>
+        <p:sp>
+          <p:nvSpPr>
+            <p:cNvPr id="32" name="Oval 31"/>
+            <p:cNvSpPr/>
+            <p:nvPr/>
+          </p:nvSpPr>
+          <p:spPr>
+            <a:xfrm>
+              <a:off x="7903181" y="3848001"/>
+              <a:ext cx="202025" cy="198787"/>
+            </a:xfrm>
+            <a:prstGeom prst="ellipse">
+              <a:avLst/>
+            </a:prstGeom>
+            <a:ln w="19050"/>
+          </p:spPr>
+          <p:style>
+            <a:lnRef idx="2">
+              <a:schemeClr val="dk1"/>
+            </a:lnRef>
+            <a:fillRef idx="1">
+              <a:schemeClr val="lt1"/>
+            </a:fillRef>
+            <a:effectRef idx="0">
+              <a:schemeClr val="dk1"/>
+            </a:effectRef>
+            <a:fontRef idx="minor">
+              <a:schemeClr val="dk1"/>
+            </a:fontRef>
+          </p:style>
+          <p:txBody>
+            <a:bodyPr rtlCol="0" anchor="ctr"/>
+            <a:lstStyle/>
+            <a:p>
+              <a:pPr algn="ctr"/>
+              <a:r>
+                <a:rPr lang="en-US" b="1" dirty="0" smtClean="0"/>
+                <a:t>2</a:t>
+              </a:r>
+              <a:endParaRPr lang="en-US" b="1" dirty="0"/>
+            </a:p>
+          </p:txBody>
+        </p:sp>
+        <p:sp>
+          <p:nvSpPr>
+            <p:cNvPr id="33" name="Rectangle 32"/>
+            <p:cNvSpPr/>
+            <p:nvPr/>
+          </p:nvSpPr>
+          <p:spPr>
+            <a:xfrm>
+              <a:off x="8047176" y="3762728"/>
+              <a:ext cx="899733" cy="369332"/>
+            </a:xfrm>
+            <a:prstGeom prst="rect">
+              <a:avLst/>
+            </a:prstGeom>
+          </p:spPr>
+          <p:txBody>
+            <a:bodyPr wrap="none">
+              <a:spAutoFit/>
+            </a:bodyPr>
+            <a:lstStyle/>
+            <a:p>
+              <a:r>
+                <a:rPr lang="en-US" dirty="0" smtClean="0"/>
+                <a:t>Encrypt</a:t>
+              </a:r>
+              <a:endParaRPr lang="en-US" dirty="0"/>
+            </a:p>
+          </p:txBody>
+        </p:sp>
+      </p:grpSp>
+      <p:cxnSp>
+        <p:nvCxnSpPr>
+          <p:cNvPr id="34" name="Straight Arrow Connector 33"/>
+          <p:cNvCxnSpPr/>
+          <p:nvPr/>
+        </p:nvCxnSpPr>
+        <p:spPr>
+          <a:xfrm flipH="1">
+            <a:off x="1198606" y="673443"/>
+            <a:ext cx="1464276" cy="0"/>
+          </a:xfrm>
+          <a:prstGeom prst="straightConnector1">
+            <a:avLst/>
+          </a:prstGeom>
+          <a:ln w="19050">
+            <a:headEnd type="none" w="med" len="med"/>
+            <a:tailEnd type="arrow" w="med" len="med"/>
+          </a:ln>
+        </p:spPr>
+        <p:style>
+          <a:lnRef idx="1">
+            <a:schemeClr val="dk1"/>
+          </a:lnRef>
+          <a:fillRef idx="0">
+            <a:schemeClr val="dk1"/>
+          </a:fillRef>
+          <a:effectRef idx="0">
+            <a:schemeClr val="dk1"/>
+          </a:effectRef>
+          <a:fontRef idx="minor">
+            <a:schemeClr val="tx1"/>
+          </a:fontRef>
+        </p:style>
+      </p:cxnSp>
+      <p:grpSp>
+        <p:nvGrpSpPr>
+          <p:cNvPr id="36" name="Group 35"/>
+          <p:cNvGrpSpPr/>
+          <p:nvPr/>
+        </p:nvGrpSpPr>
+        <p:grpSpPr>
+          <a:xfrm>
+            <a:off x="1076441" y="69118"/>
+            <a:ext cx="1681729" cy="646331"/>
+            <a:chOff x="8047176" y="3762728"/>
+            <a:chExt cx="1681729" cy="646331"/>
+          </a:xfrm>
+        </p:grpSpPr>
+        <p:sp>
+          <p:nvSpPr>
+            <p:cNvPr id="37" name="Oval 36"/>
+            <p:cNvSpPr/>
+            <p:nvPr/>
+          </p:nvSpPr>
+          <p:spPr>
+            <a:xfrm>
+              <a:off x="8359131" y="3835644"/>
+              <a:ext cx="202025" cy="198787"/>
+            </a:xfrm>
+            <a:prstGeom prst="ellipse">
+              <a:avLst/>
+            </a:prstGeom>
+            <a:ln w="19050"/>
+          </p:spPr>
+          <p:style>
+            <a:lnRef idx="2">
+              <a:schemeClr val="dk1"/>
+            </a:lnRef>
+            <a:fillRef idx="1">
+              <a:schemeClr val="lt1"/>
+            </a:fillRef>
+            <a:effectRef idx="0">
+              <a:schemeClr val="dk1"/>
+            </a:effectRef>
+            <a:fontRef idx="minor">
+              <a:schemeClr val="dk1"/>
+            </a:fontRef>
+          </p:style>
+          <p:txBody>
+            <a:bodyPr rtlCol="0" anchor="ctr"/>
+            <a:lstStyle/>
+            <a:p>
+              <a:pPr algn="ctr"/>
+              <a:r>
+                <a:rPr lang="en-US" b="1" dirty="0" smtClean="0"/>
+                <a:t>3</a:t>
+              </a:r>
+              <a:endParaRPr lang="en-US" b="1" dirty="0"/>
+            </a:p>
+          </p:txBody>
+        </p:sp>
+        <p:sp>
+          <p:nvSpPr>
+            <p:cNvPr id="38" name="Rectangle 37"/>
+            <p:cNvSpPr/>
+            <p:nvPr/>
+          </p:nvSpPr>
+          <p:spPr>
+            <a:xfrm>
+              <a:off x="8047176" y="3762728"/>
+              <a:ext cx="1681729" cy="646331"/>
+            </a:xfrm>
+            <a:prstGeom prst="rect">
+              <a:avLst/>
+            </a:prstGeom>
+          </p:spPr>
+          <p:txBody>
+            <a:bodyPr wrap="square">
+              <a:spAutoFit/>
+            </a:bodyPr>
+            <a:lstStyle/>
+            <a:p>
+              <a:pPr algn="ctr"/>
+              <a:r>
+                <a:rPr lang="en-US" dirty="0" smtClean="0"/>
+                <a:t>Send  encrypted input</a:t>
+              </a:r>
+              <a:endParaRPr lang="en-US" dirty="0"/>
+            </a:p>
+          </p:txBody>
+        </p:sp>
+      </p:grpSp>
+      <p:grpSp>
+        <p:nvGrpSpPr>
+          <p:cNvPr id="40" name="Group 39"/>
+          <p:cNvGrpSpPr/>
+          <p:nvPr/>
+        </p:nvGrpSpPr>
+        <p:grpSpPr>
+          <a:xfrm>
+            <a:off x="1520138" y="839235"/>
+            <a:ext cx="920233" cy="369332"/>
+            <a:chOff x="7903181" y="3762728"/>
+            <a:chExt cx="920233" cy="369332"/>
+          </a:xfrm>
+        </p:grpSpPr>
+        <p:sp>
+          <p:nvSpPr>
+            <p:cNvPr id="41" name="Oval 40"/>
+            <p:cNvSpPr/>
+            <p:nvPr/>
+          </p:nvSpPr>
+          <p:spPr>
+            <a:xfrm>
+              <a:off x="7903181" y="3848001"/>
+              <a:ext cx="202025" cy="198787"/>
+            </a:xfrm>
+            <a:prstGeom prst="ellipse">
+              <a:avLst/>
+            </a:prstGeom>
+            <a:ln w="19050"/>
+          </p:spPr>
+          <p:style>
+            <a:lnRef idx="2">
+              <a:schemeClr val="dk1"/>
+            </a:lnRef>
+            <a:fillRef idx="1">
+              <a:schemeClr val="lt1"/>
+            </a:fillRef>
+            <a:effectRef idx="0">
+              <a:schemeClr val="dk1"/>
+            </a:effectRef>
+            <a:fontRef idx="minor">
+              <a:schemeClr val="dk1"/>
+            </a:fontRef>
+          </p:style>
+          <p:txBody>
+            <a:bodyPr rtlCol="0" anchor="ctr"/>
+            <a:lstStyle/>
+            <a:p>
+              <a:pPr algn="ctr"/>
+              <a:r>
+                <a:rPr lang="en-US" b="1" dirty="0" smtClean="0"/>
+                <a:t>4</a:t>
+              </a:r>
+              <a:endParaRPr lang="en-US" b="1" dirty="0"/>
+            </a:p>
+          </p:txBody>
+        </p:sp>
+        <p:sp>
+          <p:nvSpPr>
+            <p:cNvPr id="42" name="Rectangle 41"/>
+            <p:cNvSpPr/>
+            <p:nvPr/>
+          </p:nvSpPr>
+          <p:spPr>
+            <a:xfrm>
+              <a:off x="8047176" y="3762728"/>
+              <a:ext cx="776238" cy="369332"/>
+            </a:xfrm>
+            <a:prstGeom prst="rect">
+              <a:avLst/>
+            </a:prstGeom>
+          </p:spPr>
+          <p:txBody>
+            <a:bodyPr wrap="none">
+              <a:spAutoFit/>
+            </a:bodyPr>
+            <a:lstStyle/>
+            <a:p>
+              <a:r>
+                <a:rPr lang="en-US" dirty="0" smtClean="0"/>
+                <a:t>Frame</a:t>
+              </a:r>
+              <a:endParaRPr lang="en-US" dirty="0"/>
+            </a:p>
+          </p:txBody>
+        </p:sp>
+      </p:grpSp>
+      <p:grpSp>
+        <p:nvGrpSpPr>
+          <p:cNvPr id="43" name="Group 42"/>
+          <p:cNvGrpSpPr/>
+          <p:nvPr/>
+        </p:nvGrpSpPr>
+        <p:grpSpPr>
+          <a:xfrm>
+            <a:off x="3845342" y="331908"/>
+            <a:ext cx="1407079" cy="646331"/>
+            <a:chOff x="8047176" y="3762728"/>
+            <a:chExt cx="1542701" cy="646331"/>
+          </a:xfrm>
+        </p:grpSpPr>
+        <p:sp>
+          <p:nvSpPr>
+            <p:cNvPr id="44" name="Oval 43"/>
+            <p:cNvSpPr/>
+            <p:nvPr/>
+          </p:nvSpPr>
+          <p:spPr>
+            <a:xfrm>
+              <a:off x="8121379" y="3838218"/>
+              <a:ext cx="202025" cy="198787"/>
+            </a:xfrm>
+            <a:prstGeom prst="ellipse">
+              <a:avLst/>
+            </a:prstGeom>
+            <a:ln w="19050"/>
+          </p:spPr>
+          <p:style>
+            <a:lnRef idx="2">
+              <a:schemeClr val="dk1"/>
+            </a:lnRef>
+            <a:fillRef idx="1">
+              <a:schemeClr val="lt1"/>
+            </a:fillRef>
+            <a:effectRef idx="0">
+              <a:schemeClr val="dk1"/>
+            </a:effectRef>
+            <a:fontRef idx="minor">
+              <a:schemeClr val="dk1"/>
+            </a:fontRef>
+          </p:style>
+          <p:txBody>
+            <a:bodyPr rtlCol="0" anchor="ctr"/>
+            <a:lstStyle/>
+            <a:p>
+              <a:pPr algn="ctr"/>
+              <a:r>
+                <a:rPr lang="en-US" b="1" dirty="0" smtClean="0"/>
+                <a:t>4</a:t>
+              </a:r>
+              <a:endParaRPr lang="en-US" b="1" dirty="0"/>
+            </a:p>
+          </p:txBody>
+        </p:sp>
+        <p:sp>
+          <p:nvSpPr>
+            <p:cNvPr id="45" name="Rectangle 44"/>
+            <p:cNvSpPr/>
+            <p:nvPr/>
+          </p:nvSpPr>
+          <p:spPr>
+            <a:xfrm>
+              <a:off x="8047176" y="3762728"/>
+              <a:ext cx="1542701" cy="646331"/>
+            </a:xfrm>
+            <a:prstGeom prst="rect">
+              <a:avLst/>
+            </a:prstGeom>
+          </p:spPr>
+          <p:txBody>
+            <a:bodyPr wrap="square">
+              <a:spAutoFit/>
+            </a:bodyPr>
+            <a:lstStyle/>
+            <a:p>
+              <a:pPr algn="ctr"/>
+              <a:r>
+                <a:rPr lang="en-US" dirty="0" smtClean="0"/>
+                <a:t>Frame + input overlay</a:t>
+              </a:r>
+              <a:endParaRPr lang="en-US" dirty="0"/>
+            </a:p>
+          </p:txBody>
+        </p:sp>
+      </p:grpSp>
+      <p:cxnSp>
+        <p:nvCxnSpPr>
+          <p:cNvPr id="46" name="Straight Arrow Connector 45"/>
+          <p:cNvCxnSpPr/>
+          <p:nvPr/>
+        </p:nvCxnSpPr>
+        <p:spPr>
+          <a:xfrm>
+            <a:off x="3855136" y="673443"/>
+            <a:ext cx="1229670" cy="0"/>
+          </a:xfrm>
+          <a:prstGeom prst="straightConnector1">
+            <a:avLst/>
+          </a:prstGeom>
+          <a:ln w="19050">
+            <a:headEnd type="none" w="med" len="med"/>
+            <a:tailEnd type="arrow" w="med" len="med"/>
+          </a:ln>
+        </p:spPr>
+        <p:style>
+          <a:lnRef idx="1">
+            <a:schemeClr val="dk1"/>
+          </a:lnRef>
+          <a:fillRef idx="0">
+            <a:schemeClr val="dk1"/>
+          </a:fillRef>
+          <a:effectRef idx="0">
+            <a:schemeClr val="dk1"/>
+          </a:effectRef>
+          <a:fontRef idx="minor">
+            <a:schemeClr val="tx1"/>
+          </a:fontRef>
+        </p:style>
+      </p:cxnSp>
+      <p:cxnSp>
+        <p:nvCxnSpPr>
+          <p:cNvPr id="48" name="Straight Arrow Connector 47"/>
+          <p:cNvCxnSpPr/>
+          <p:nvPr/>
+        </p:nvCxnSpPr>
+        <p:spPr>
+          <a:xfrm>
+            <a:off x="1225478" y="853240"/>
+            <a:ext cx="1437404" cy="0"/>
+          </a:xfrm>
+          <a:prstGeom prst="straightConnector1">
+            <a:avLst/>
+          </a:prstGeom>
+          <a:ln w="19050">
+            <a:headEnd type="none" w="med" len="med"/>
+            <a:tailEnd type="arrow" w="med" len="med"/>
+          </a:ln>
+        </p:spPr>
+        <p:style>
+          <a:lnRef idx="1">
+            <a:schemeClr val="dk1"/>
+          </a:lnRef>
+          <a:fillRef idx="0">
+            <a:schemeClr val="dk1"/>
+          </a:fillRef>
+          <a:effectRef idx="0">
+            <a:schemeClr val="dk1"/>
+          </a:effectRef>
+          <a:fontRef idx="minor">
+            <a:schemeClr val="tx1"/>
+          </a:fontRef>
+        </p:style>
+      </p:cxnSp>
+      <p:sp>
+        <p:nvSpPr>
+          <p:cNvPr id="51" name="Rectangle 50"/>
+          <p:cNvSpPr/>
+          <p:nvPr/>
+        </p:nvSpPr>
+        <p:spPr>
+          <a:xfrm>
+            <a:off x="5387573" y="594532"/>
+            <a:ext cx="580521" cy="197829"/>
+          </a:xfrm>
+          <a:prstGeom prst="rect">
+            <a:avLst/>
+          </a:prstGeom>
+          <a:solidFill>
+            <a:schemeClr val="bg1"/>
+          </a:solidFill>
+          <a:ln>
+            <a:solidFill>
+              <a:schemeClr val="tx1"/>
+            </a:solidFill>
+          </a:ln>
+        </p:spPr>
+        <p:style>
+          <a:lnRef idx="2">
+            <a:schemeClr val="accent1">
+              <a:shade val="50000"/>
+            </a:schemeClr>
+          </a:lnRef>
+          <a:fillRef idx="1">
+            <a:schemeClr val="accent1"/>
+          </a:fillRef>
+          <a:effectRef idx="0">
+            <a:schemeClr val="accent1"/>
+          </a:effectRef>
+          <a:fontRef idx="minor">
+            <a:schemeClr val="lt1"/>
+          </a:fontRef>
+        </p:style>
+        <p:txBody>
+          <a:bodyPr rtlCol="0" anchor="ctr"/>
+          <a:lstStyle/>
+          <a:p>
+            <a:pPr algn="ctr"/>
+            <a:r>
+              <a:rPr lang="en-US" dirty="0" smtClean="0">
+                <a:solidFill>
+                  <a:schemeClr val="tx1"/>
+                </a:solidFill>
+                <a:latin typeface="Consolas" panose="020B0609020204030204" pitchFamily="49" charset="0"/>
+              </a:rPr>
+              <a:t>ABC</a:t>
+            </a:r>
+            <a:endParaRPr lang="en-US" dirty="0">
+              <a:solidFill>
+                <a:schemeClr val="tx1"/>
+              </a:solidFill>
+              <a:latin typeface="Consolas" panose="020B0609020204030204" pitchFamily="49" charset="0"/>
+            </a:endParaRPr>
+          </a:p>
+        </p:txBody>
+      </p:sp>
+    </p:spTree>
+    <p:extLst>
+      <p:ext uri="{BB962C8B-B14F-4D97-AF65-F5344CB8AC3E}">
+        <p14:creationId xmlns:p14="http://schemas.microsoft.com/office/powerpoint/2010/main" val="593002046"/>
+      </p:ext>
+    </p:extLst>
+  </p:cSld>
+  <p:clrMapOvr>
+    <a:masterClrMapping/>
+  </p:clrMapOvr>
+</p:sld>
+</file>
+
 <file path=ppt/theme/theme1.xml><?xml version="1.0" encoding="utf-8"?>
 <a:theme xmlns:a="http://schemas.openxmlformats.org/drawingml/2006/main" name="Office Theme">
   <a:themeElements>

--- a/aritra/MouseTracking/images/systemDesign.pptx
+++ b/aritra/MouseTracking/images/systemDesign.pptx
@@ -10,6 +10,7 @@
     <p:sldId id="258" r:id="rId4"/>
     <p:sldId id="259" r:id="rId5"/>
     <p:sldId id="260" r:id="rId6"/>
+    <p:sldId id="261" r:id="rId7"/>
   </p:sldIdLst>
   <p:sldSz cx="12192000" cy="6858000"/>
   <p:notesSz cx="6858000" cy="9144000"/>
@@ -4488,7 +4489,7 @@
                 <a:t>ui</a:t>
               </a:r>
               <a:r>
-                <a:rPr lang="en-US" smtClean="0"/>
+                <a:rPr lang="en-US" dirty="0" smtClean="0"/>
                 <a:t> type, data]</a:t>
               </a:r>
               <a:endParaRPr lang="en-US" dirty="0"/>
@@ -4743,136 +4744,80 @@
           </a:p>
         </p:txBody>
       </p:sp>
-      <p:grpSp>
-        <p:nvGrpSpPr>
-          <p:cNvPr id="79" name="Group 78"/>
-          <p:cNvGrpSpPr/>
-          <p:nvPr/>
-        </p:nvGrpSpPr>
-        <p:grpSpPr>
-          <a:xfrm>
-            <a:off x="4875828" y="2124287"/>
-            <a:ext cx="1491282" cy="830997"/>
-            <a:chOff x="6632805" y="5115375"/>
-            <a:chExt cx="1491282" cy="830997"/>
-          </a:xfrm>
-        </p:grpSpPr>
-        <p:sp>
-          <p:nvSpPr>
-            <p:cNvPr id="80" name="Rectangle 79"/>
-            <p:cNvSpPr/>
-            <p:nvPr/>
-          </p:nvSpPr>
-          <p:spPr>
-            <a:xfrm>
-              <a:off x="6903379" y="5115375"/>
-              <a:ext cx="1220708" cy="830997"/>
-            </a:xfrm>
-            <a:prstGeom prst="rect">
-              <a:avLst/>
-            </a:prstGeom>
-          </p:spPr>
-          <p:txBody>
-            <a:bodyPr wrap="square">
-              <a:spAutoFit/>
-            </a:bodyPr>
-            <a:lstStyle/>
-            <a:p>
-              <a:r>
-                <a:rPr lang="en-US" sz="1600" dirty="0"/>
-                <a:t>Frame + overlay</a:t>
-              </a:r>
-            </a:p>
-            <a:p>
-              <a:endParaRPr lang="en-US" sz="1600" dirty="0"/>
-            </a:p>
-          </p:txBody>
-        </p:sp>
-        <p:grpSp>
-          <p:nvGrpSpPr>
-            <p:cNvPr id="88" name="Group 87"/>
-            <p:cNvGrpSpPr/>
-            <p:nvPr/>
-          </p:nvGrpSpPr>
-          <p:grpSpPr>
-            <a:xfrm>
-              <a:off x="6632805" y="5115375"/>
-              <a:ext cx="312344" cy="338554"/>
-              <a:chOff x="5047056" y="4829618"/>
-              <a:chExt cx="312344" cy="338554"/>
-            </a:xfrm>
-          </p:grpSpPr>
-          <p:sp>
-            <p:nvSpPr>
-              <p:cNvPr id="89" name="Oval 88"/>
-              <p:cNvSpPr/>
-              <p:nvPr/>
-            </p:nvSpPr>
-            <p:spPr>
-              <a:xfrm>
-                <a:off x="5127307" y="4888968"/>
-                <a:ext cx="232093" cy="232093"/>
-              </a:xfrm>
-              <a:prstGeom prst="ellipse">
-                <a:avLst/>
-              </a:prstGeom>
-              <a:noFill/>
-              <a:ln w="19050"/>
-            </p:spPr>
-            <p:style>
-              <a:lnRef idx="2">
-                <a:schemeClr val="dk1"/>
-              </a:lnRef>
-              <a:fillRef idx="1">
-                <a:schemeClr val="lt1"/>
-              </a:fillRef>
-              <a:effectRef idx="0">
-                <a:schemeClr val="dk1"/>
-              </a:effectRef>
-              <a:fontRef idx="minor">
-                <a:schemeClr val="dk1"/>
-              </a:fontRef>
-            </p:style>
-            <p:txBody>
-              <a:bodyPr rtlCol="0" anchor="ctr"/>
-              <a:lstStyle/>
-              <a:p>
-                <a:pPr algn="ctr"/>
-                <a:endParaRPr lang="en-US"/>
-              </a:p>
-            </p:txBody>
-          </p:sp>
-          <p:sp>
-            <p:nvSpPr>
-              <p:cNvPr id="97" name="Rectangle 96"/>
-              <p:cNvSpPr/>
-              <p:nvPr/>
-            </p:nvSpPr>
-            <p:spPr>
-              <a:xfrm>
-                <a:off x="5047056" y="4829618"/>
-                <a:ext cx="288862" cy="338554"/>
-              </a:xfrm>
-              <a:prstGeom prst="rect">
-                <a:avLst/>
-              </a:prstGeom>
-            </p:spPr>
-            <p:txBody>
-              <a:bodyPr wrap="none">
-                <a:spAutoFit/>
-              </a:bodyPr>
-              <a:lstStyle/>
-              <a:p>
-                <a:r>
-                  <a:rPr lang="en-US" sz="1600" b="1" dirty="0" smtClean="0"/>
-                  <a:t>8</a:t>
-                </a:r>
-                <a:endParaRPr lang="en-US" sz="1600" b="1" dirty="0"/>
-              </a:p>
-            </p:txBody>
-          </p:sp>
-        </p:grpSp>
-      </p:grpSp>
+      <p:sp>
+        <p:nvSpPr>
+          <p:cNvPr id="80" name="Rectangle 79"/>
+          <p:cNvSpPr/>
+          <p:nvPr/>
+        </p:nvSpPr>
+        <p:spPr>
+          <a:xfrm>
+            <a:off x="5146402" y="2124287"/>
+            <a:ext cx="1220708" cy="830997"/>
+          </a:xfrm>
+          <a:prstGeom prst="rect">
+            <a:avLst/>
+          </a:prstGeom>
+        </p:spPr>
+        <p:txBody>
+          <a:bodyPr wrap="square">
+            <a:spAutoFit/>
+          </a:bodyPr>
+          <a:lstStyle/>
+          <a:p>
+            <a:r>
+              <a:rPr lang="en-US" sz="1600" dirty="0"/>
+              <a:t>Frame + overlay</a:t>
+            </a:r>
+          </a:p>
+          <a:p>
+            <a:endParaRPr lang="en-US" sz="1600" dirty="0"/>
+          </a:p>
+        </p:txBody>
+      </p:sp>
+      <p:sp>
+        <p:nvSpPr>
+          <p:cNvPr id="100" name="Oval 99"/>
+          <p:cNvSpPr/>
+          <p:nvPr/>
+        </p:nvSpPr>
+        <p:spPr>
+          <a:xfrm>
+            <a:off x="5007262" y="2196304"/>
+            <a:ext cx="202025" cy="198787"/>
+          </a:xfrm>
+          <a:prstGeom prst="ellipse">
+            <a:avLst/>
+          </a:prstGeom>
+          <a:ln w="19050"/>
+        </p:spPr>
+        <p:style>
+          <a:lnRef idx="2">
+            <a:schemeClr val="dk1"/>
+          </a:lnRef>
+          <a:fillRef idx="1">
+            <a:schemeClr val="lt1"/>
+          </a:fillRef>
+          <a:effectRef idx="0">
+            <a:schemeClr val="dk1"/>
+          </a:effectRef>
+          <a:fontRef idx="minor">
+            <a:schemeClr val="dk1"/>
+          </a:fontRef>
+        </p:style>
+        <p:txBody>
+          <a:bodyPr rtlCol="0" anchor="ctr"/>
+          <a:lstStyle/>
+          <a:p>
+            <a:pPr algn="ctr"/>
+            <a:r>
+              <a:rPr lang="en-US" b="1" dirty="0" smtClean="0"/>
+              <a:t>8</a:t>
+            </a:r>
+            <a:endParaRPr lang="en-US" b="1" dirty="0"/>
+          </a:p>
+        </p:txBody>
+      </p:sp>
     </p:spTree>
     <p:extLst>
       <p:ext uri="{BB962C8B-B14F-4D97-AF65-F5344CB8AC3E}">
@@ -10514,6 +10459,874 @@
 </p:sld>
 </file>
 
+<file path=ppt/slides/slide6.xml><?xml version="1.0" encoding="utf-8"?>
+<p:sld xmlns:a="http://schemas.openxmlformats.org/drawingml/2006/main" xmlns:r="http://schemas.openxmlformats.org/officeDocument/2006/relationships" xmlns:p="http://schemas.openxmlformats.org/presentationml/2006/main">
+  <p:cSld>
+    <p:spTree>
+      <p:nvGrpSpPr>
+        <p:cNvPr id="1" name=""/>
+        <p:cNvGrpSpPr/>
+        <p:nvPr/>
+      </p:nvGrpSpPr>
+      <p:grpSpPr>
+        <a:xfrm>
+          <a:off x="0" y="0"/>
+          <a:ext cx="0" cy="0"/>
+          <a:chOff x="0" y="0"/>
+          <a:chExt cx="0" cy="0"/>
+        </a:xfrm>
+      </p:grpSpPr>
+      <p:grpSp>
+        <p:nvGrpSpPr>
+          <p:cNvPr id="2" name="Group 1"/>
+          <p:cNvGrpSpPr/>
+          <p:nvPr/>
+        </p:nvGrpSpPr>
+        <p:grpSpPr>
+          <a:xfrm>
+            <a:off x="2004658" y="1753999"/>
+            <a:ext cx="1121972" cy="1158332"/>
+            <a:chOff x="4379857" y="2569029"/>
+            <a:chExt cx="1121972" cy="1158332"/>
+          </a:xfrm>
+        </p:grpSpPr>
+        <p:pic>
+          <p:nvPicPr>
+            <p:cNvPr id="3" name="Picture 2"/>
+            <p:cNvPicPr>
+              <a:picLocks noChangeAspect="1"/>
+            </p:cNvPicPr>
+            <p:nvPr/>
+          </p:nvPicPr>
+          <p:blipFill rotWithShape="1">
+            <a:blip r:embed="rId2"/>
+            <a:srcRect l="35542" t="19680" r="35441" b="39379"/>
+            <a:stretch/>
+          </p:blipFill>
+          <p:spPr>
+            <a:xfrm>
+              <a:off x="4379857" y="2569029"/>
+              <a:ext cx="1121972" cy="813498"/>
+            </a:xfrm>
+            <a:prstGeom prst="rect">
+              <a:avLst/>
+            </a:prstGeom>
+          </p:spPr>
+        </p:pic>
+        <p:sp>
+          <p:nvSpPr>
+            <p:cNvPr id="4" name="Rectangle 3"/>
+            <p:cNvSpPr/>
+            <p:nvPr/>
+          </p:nvSpPr>
+          <p:spPr>
+            <a:xfrm>
+              <a:off x="4530089" y="3358029"/>
+              <a:ext cx="821507" cy="369332"/>
+            </a:xfrm>
+            <a:prstGeom prst="rect">
+              <a:avLst/>
+            </a:prstGeom>
+          </p:spPr>
+          <p:txBody>
+            <a:bodyPr wrap="none">
+              <a:spAutoFit/>
+            </a:bodyPr>
+            <a:lstStyle/>
+            <a:p>
+              <a:r>
+                <a:rPr lang="en-US" b="1" dirty="0" smtClean="0"/>
+                <a:t>Device</a:t>
+              </a:r>
+              <a:endParaRPr lang="en-US" b="1" dirty="0"/>
+            </a:p>
+          </p:txBody>
+        </p:sp>
+      </p:grpSp>
+      <p:grpSp>
+        <p:nvGrpSpPr>
+          <p:cNvPr id="5" name="Group 4"/>
+          <p:cNvGrpSpPr/>
+          <p:nvPr/>
+        </p:nvGrpSpPr>
+        <p:grpSpPr>
+          <a:xfrm>
+            <a:off x="4313436" y="1791550"/>
+            <a:ext cx="893699" cy="1178999"/>
+            <a:chOff x="7410680" y="2569028"/>
+            <a:chExt cx="893699" cy="1178999"/>
+          </a:xfrm>
+        </p:grpSpPr>
+        <p:pic>
+          <p:nvPicPr>
+            <p:cNvPr id="6" name="Picture 5"/>
+            <p:cNvPicPr>
+              <a:picLocks noChangeAspect="1"/>
+            </p:cNvPicPr>
+            <p:nvPr/>
+          </p:nvPicPr>
+          <p:blipFill rotWithShape="1">
+            <a:blip r:embed="rId3" cstate="print">
+              <a:extLst>
+                <a:ext uri="{28A0092B-C50C-407E-A947-70E740481C1C}">
+                  <a14:useLocalDpi xmlns:a14="http://schemas.microsoft.com/office/drawing/2010/main" val="0"/>
+                </a:ext>
+              </a:extLst>
+            </a:blip>
+            <a:srcRect t="3275" b="3208"/>
+            <a:stretch/>
+          </p:blipFill>
+          <p:spPr>
+            <a:xfrm>
+              <a:off x="7410680" y="2569028"/>
+              <a:ext cx="890228" cy="832525"/>
+            </a:xfrm>
+            <a:prstGeom prst="rect">
+              <a:avLst/>
+            </a:prstGeom>
+          </p:spPr>
+        </p:pic>
+        <p:sp>
+          <p:nvSpPr>
+            <p:cNvPr id="7" name="Rectangle 6"/>
+            <p:cNvSpPr/>
+            <p:nvPr/>
+          </p:nvSpPr>
+          <p:spPr>
+            <a:xfrm>
+              <a:off x="7428177" y="3378695"/>
+              <a:ext cx="876202" cy="369332"/>
+            </a:xfrm>
+            <a:prstGeom prst="rect">
+              <a:avLst/>
+            </a:prstGeom>
+          </p:spPr>
+          <p:txBody>
+            <a:bodyPr wrap="none">
+              <a:spAutoFit/>
+            </a:bodyPr>
+            <a:lstStyle/>
+            <a:p>
+              <a:r>
+                <a:rPr lang="en-US" b="1" dirty="0" smtClean="0"/>
+                <a:t>Display</a:t>
+              </a:r>
+              <a:endParaRPr lang="en-US" b="1" dirty="0"/>
+            </a:p>
+          </p:txBody>
+        </p:sp>
+      </p:grpSp>
+      <p:grpSp>
+        <p:nvGrpSpPr>
+          <p:cNvPr id="8" name="Group 7"/>
+          <p:cNvGrpSpPr/>
+          <p:nvPr/>
+        </p:nvGrpSpPr>
+        <p:grpSpPr>
+          <a:xfrm>
+            <a:off x="0" y="1753998"/>
+            <a:ext cx="1155357" cy="1178999"/>
+            <a:chOff x="1396313" y="2549541"/>
+            <a:chExt cx="1155357" cy="1178999"/>
+          </a:xfrm>
+        </p:grpSpPr>
+        <p:grpSp>
+          <p:nvGrpSpPr>
+            <p:cNvPr id="9" name="Group 8"/>
+            <p:cNvGrpSpPr/>
+            <p:nvPr/>
+          </p:nvGrpSpPr>
+          <p:grpSpPr>
+            <a:xfrm>
+              <a:off x="1396313" y="2549541"/>
+              <a:ext cx="1155357" cy="834164"/>
+              <a:chOff x="1396313" y="2549541"/>
+              <a:chExt cx="1155357" cy="834164"/>
+            </a:xfrm>
+          </p:grpSpPr>
+          <p:pic>
+            <p:nvPicPr>
+              <p:cNvPr id="11" name="Picture 10"/>
+              <p:cNvPicPr>
+                <a:picLocks noChangeAspect="1"/>
+              </p:cNvPicPr>
+              <p:nvPr/>
+            </p:nvPicPr>
+            <p:blipFill rotWithShape="1">
+              <a:blip r:embed="rId4"/>
+              <a:srcRect l="24261" t="14798" r="24188" b="14569"/>
+              <a:stretch/>
+            </p:blipFill>
+            <p:spPr>
+              <a:xfrm>
+                <a:off x="1396313" y="2570207"/>
+                <a:ext cx="1155357" cy="813498"/>
+              </a:xfrm>
+              <a:prstGeom prst="rect">
+                <a:avLst/>
+              </a:prstGeom>
+            </p:spPr>
+          </p:pic>
+          <p:pic>
+            <p:nvPicPr>
+              <p:cNvPr id="12" name="Picture 11"/>
+              <p:cNvPicPr>
+                <a:picLocks noChangeAspect="1"/>
+              </p:cNvPicPr>
+              <p:nvPr/>
+            </p:nvPicPr>
+            <p:blipFill>
+              <a:blip r:embed="rId5" cstate="print">
+                <a:extLst>
+                  <a:ext uri="{28A0092B-C50C-407E-A947-70E740481C1C}">
+                    <a14:useLocalDpi xmlns:a14="http://schemas.microsoft.com/office/drawing/2010/main" val="0"/>
+                  </a:ext>
+                </a:extLst>
+              </a:blip>
+              <a:stretch>
+                <a:fillRect/>
+              </a:stretch>
+            </p:blipFill>
+            <p:spPr>
+              <a:xfrm>
+                <a:off x="1460578" y="2549541"/>
+                <a:ext cx="453610" cy="453610"/>
+              </a:xfrm>
+              <a:prstGeom prst="rect">
+                <a:avLst/>
+              </a:prstGeom>
+            </p:spPr>
+          </p:pic>
+        </p:grpSp>
+        <p:sp>
+          <p:nvSpPr>
+            <p:cNvPr id="10" name="Rectangle 9"/>
+            <p:cNvSpPr/>
+            <p:nvPr/>
+          </p:nvSpPr>
+          <p:spPr>
+            <a:xfrm>
+              <a:off x="1662527" y="3359208"/>
+              <a:ext cx="622927" cy="369332"/>
+            </a:xfrm>
+            <a:prstGeom prst="rect">
+              <a:avLst/>
+            </a:prstGeom>
+          </p:spPr>
+          <p:txBody>
+            <a:bodyPr wrap="none">
+              <a:spAutoFit/>
+            </a:bodyPr>
+            <a:lstStyle/>
+            <a:p>
+              <a:r>
+                <a:rPr lang="en-US" b="1" dirty="0" smtClean="0"/>
+                <a:t>Host</a:t>
+              </a:r>
+              <a:endParaRPr lang="en-US" b="1" dirty="0"/>
+            </a:p>
+          </p:txBody>
+        </p:sp>
+      </p:grpSp>
+      <p:grpSp>
+        <p:nvGrpSpPr>
+          <p:cNvPr id="31" name="Group 30"/>
+          <p:cNvGrpSpPr/>
+          <p:nvPr/>
+        </p:nvGrpSpPr>
+        <p:grpSpPr>
+          <a:xfrm>
+            <a:off x="1994864" y="1384666"/>
+            <a:ext cx="1067774" cy="369332"/>
+            <a:chOff x="7903181" y="3762728"/>
+            <a:chExt cx="1067774" cy="369332"/>
+          </a:xfrm>
+        </p:grpSpPr>
+        <p:sp>
+          <p:nvSpPr>
+            <p:cNvPr id="32" name="Oval 31"/>
+            <p:cNvSpPr/>
+            <p:nvPr/>
+          </p:nvSpPr>
+          <p:spPr>
+            <a:xfrm>
+              <a:off x="7903181" y="3848001"/>
+              <a:ext cx="202025" cy="198787"/>
+            </a:xfrm>
+            <a:prstGeom prst="ellipse">
+              <a:avLst/>
+            </a:prstGeom>
+            <a:ln w="19050"/>
+          </p:spPr>
+          <p:style>
+            <a:lnRef idx="2">
+              <a:schemeClr val="dk1"/>
+            </a:lnRef>
+            <a:fillRef idx="1">
+              <a:schemeClr val="lt1"/>
+            </a:fillRef>
+            <a:effectRef idx="0">
+              <a:schemeClr val="dk1"/>
+            </a:effectRef>
+            <a:fontRef idx="minor">
+              <a:schemeClr val="dk1"/>
+            </a:fontRef>
+          </p:style>
+          <p:txBody>
+            <a:bodyPr rtlCol="0" anchor="ctr"/>
+            <a:lstStyle/>
+            <a:p>
+              <a:pPr algn="ctr"/>
+              <a:r>
+                <a:rPr lang="en-US" b="1" dirty="0" smtClean="0"/>
+                <a:t>3</a:t>
+              </a:r>
+              <a:endParaRPr lang="en-US" b="1" dirty="0"/>
+            </a:p>
+          </p:txBody>
+        </p:sp>
+        <p:sp>
+          <p:nvSpPr>
+            <p:cNvPr id="33" name="Rectangle 32"/>
+            <p:cNvSpPr/>
+            <p:nvPr/>
+          </p:nvSpPr>
+          <p:spPr>
+            <a:xfrm>
+              <a:off x="8047176" y="3762728"/>
+              <a:ext cx="923779" cy="369332"/>
+            </a:xfrm>
+            <a:prstGeom prst="rect">
+              <a:avLst/>
+            </a:prstGeom>
+          </p:spPr>
+          <p:txBody>
+            <a:bodyPr wrap="none">
+              <a:spAutoFit/>
+            </a:bodyPr>
+            <a:lstStyle/>
+            <a:p>
+              <a:r>
+                <a:rPr lang="en-US" dirty="0" smtClean="0"/>
+                <a:t>Decrypt</a:t>
+              </a:r>
+              <a:endParaRPr lang="en-US" dirty="0"/>
+            </a:p>
+          </p:txBody>
+        </p:sp>
+      </p:grpSp>
+      <p:grpSp>
+        <p:nvGrpSpPr>
+          <p:cNvPr id="40" name="Group 39"/>
+          <p:cNvGrpSpPr/>
+          <p:nvPr/>
+        </p:nvGrpSpPr>
+        <p:grpSpPr>
+          <a:xfrm>
+            <a:off x="1129706" y="1697913"/>
+            <a:ext cx="920233" cy="369332"/>
+            <a:chOff x="7903181" y="3762728"/>
+            <a:chExt cx="920233" cy="369332"/>
+          </a:xfrm>
+        </p:grpSpPr>
+        <p:sp>
+          <p:nvSpPr>
+            <p:cNvPr id="41" name="Oval 40"/>
+            <p:cNvSpPr/>
+            <p:nvPr/>
+          </p:nvSpPr>
+          <p:spPr>
+            <a:xfrm>
+              <a:off x="7903181" y="3848001"/>
+              <a:ext cx="202025" cy="198787"/>
+            </a:xfrm>
+            <a:prstGeom prst="ellipse">
+              <a:avLst/>
+            </a:prstGeom>
+            <a:ln w="19050"/>
+          </p:spPr>
+          <p:style>
+            <a:lnRef idx="2">
+              <a:schemeClr val="dk1"/>
+            </a:lnRef>
+            <a:fillRef idx="1">
+              <a:schemeClr val="lt1"/>
+            </a:fillRef>
+            <a:effectRef idx="0">
+              <a:schemeClr val="dk1"/>
+            </a:effectRef>
+            <a:fontRef idx="minor">
+              <a:schemeClr val="dk1"/>
+            </a:fontRef>
+          </p:style>
+          <p:txBody>
+            <a:bodyPr rtlCol="0" anchor="ctr"/>
+            <a:lstStyle/>
+            <a:p>
+              <a:pPr algn="ctr"/>
+              <a:r>
+                <a:rPr lang="en-US" b="1" dirty="0" smtClean="0"/>
+                <a:t>2</a:t>
+              </a:r>
+              <a:endParaRPr lang="en-US" b="1" dirty="0"/>
+            </a:p>
+          </p:txBody>
+        </p:sp>
+        <p:sp>
+          <p:nvSpPr>
+            <p:cNvPr id="42" name="Rectangle 41"/>
+            <p:cNvSpPr/>
+            <p:nvPr/>
+          </p:nvSpPr>
+          <p:spPr>
+            <a:xfrm>
+              <a:off x="8047176" y="3762728"/>
+              <a:ext cx="776238" cy="369332"/>
+            </a:xfrm>
+            <a:prstGeom prst="rect">
+              <a:avLst/>
+            </a:prstGeom>
+          </p:spPr>
+          <p:txBody>
+            <a:bodyPr wrap="none">
+              <a:spAutoFit/>
+            </a:bodyPr>
+            <a:lstStyle/>
+            <a:p>
+              <a:r>
+                <a:rPr lang="en-US" dirty="0" smtClean="0"/>
+                <a:t>Frame</a:t>
+              </a:r>
+              <a:endParaRPr lang="en-US" dirty="0"/>
+            </a:p>
+          </p:txBody>
+        </p:sp>
+      </p:grpSp>
+      <p:grpSp>
+        <p:nvGrpSpPr>
+          <p:cNvPr id="43" name="Group 42"/>
+          <p:cNvGrpSpPr/>
+          <p:nvPr/>
+        </p:nvGrpSpPr>
+        <p:grpSpPr>
+          <a:xfrm>
+            <a:off x="3103458" y="1782637"/>
+            <a:ext cx="1407079" cy="646331"/>
+            <a:chOff x="8047176" y="3762728"/>
+            <a:chExt cx="1542701" cy="646331"/>
+          </a:xfrm>
+        </p:grpSpPr>
+        <p:sp>
+          <p:nvSpPr>
+            <p:cNvPr id="44" name="Oval 43"/>
+            <p:cNvSpPr/>
+            <p:nvPr/>
+          </p:nvSpPr>
+          <p:spPr>
+            <a:xfrm>
+              <a:off x="8121379" y="3838218"/>
+              <a:ext cx="202025" cy="198787"/>
+            </a:xfrm>
+            <a:prstGeom prst="ellipse">
+              <a:avLst/>
+            </a:prstGeom>
+            <a:ln w="19050"/>
+          </p:spPr>
+          <p:style>
+            <a:lnRef idx="2">
+              <a:schemeClr val="dk1"/>
+            </a:lnRef>
+            <a:fillRef idx="1">
+              <a:schemeClr val="lt1"/>
+            </a:fillRef>
+            <a:effectRef idx="0">
+              <a:schemeClr val="dk1"/>
+            </a:effectRef>
+            <a:fontRef idx="minor">
+              <a:schemeClr val="dk1"/>
+            </a:fontRef>
+          </p:style>
+          <p:txBody>
+            <a:bodyPr rtlCol="0" anchor="ctr"/>
+            <a:lstStyle/>
+            <a:p>
+              <a:pPr algn="ctr"/>
+              <a:r>
+                <a:rPr lang="en-US" b="1" dirty="0" smtClean="0"/>
+                <a:t>4</a:t>
+              </a:r>
+              <a:endParaRPr lang="en-US" b="1" dirty="0"/>
+            </a:p>
+          </p:txBody>
+        </p:sp>
+        <p:sp>
+          <p:nvSpPr>
+            <p:cNvPr id="45" name="Rectangle 44"/>
+            <p:cNvSpPr/>
+            <p:nvPr/>
+          </p:nvSpPr>
+          <p:spPr>
+            <a:xfrm>
+              <a:off x="8047176" y="3762728"/>
+              <a:ext cx="1542701" cy="646331"/>
+            </a:xfrm>
+            <a:prstGeom prst="rect">
+              <a:avLst/>
+            </a:prstGeom>
+          </p:spPr>
+          <p:txBody>
+            <a:bodyPr wrap="square">
+              <a:spAutoFit/>
+            </a:bodyPr>
+            <a:lstStyle/>
+            <a:p>
+              <a:pPr algn="ctr"/>
+              <a:r>
+                <a:rPr lang="en-US" dirty="0" smtClean="0"/>
+                <a:t>Frame + overlay</a:t>
+              </a:r>
+              <a:endParaRPr lang="en-US" dirty="0"/>
+            </a:p>
+          </p:txBody>
+        </p:sp>
+      </p:grpSp>
+      <p:cxnSp>
+        <p:nvCxnSpPr>
+          <p:cNvPr id="46" name="Straight Arrow Connector 45"/>
+          <p:cNvCxnSpPr/>
+          <p:nvPr/>
+        </p:nvCxnSpPr>
+        <p:spPr>
+          <a:xfrm>
+            <a:off x="3136424" y="2124172"/>
+            <a:ext cx="1167218" cy="0"/>
+          </a:xfrm>
+          <a:prstGeom prst="straightConnector1">
+            <a:avLst/>
+          </a:prstGeom>
+          <a:ln w="19050">
+            <a:headEnd type="none" w="med" len="med"/>
+            <a:tailEnd type="arrow" w="med" len="med"/>
+          </a:ln>
+        </p:spPr>
+        <p:style>
+          <a:lnRef idx="1">
+            <a:schemeClr val="dk1"/>
+          </a:lnRef>
+          <a:fillRef idx="0">
+            <a:schemeClr val="dk1"/>
+          </a:fillRef>
+          <a:effectRef idx="0">
+            <a:schemeClr val="dk1"/>
+          </a:effectRef>
+          <a:fontRef idx="minor">
+            <a:schemeClr val="tx1"/>
+          </a:fontRef>
+        </p:style>
+      </p:cxnSp>
+      <p:cxnSp>
+        <p:nvCxnSpPr>
+          <p:cNvPr id="48" name="Straight Arrow Connector 47"/>
+          <p:cNvCxnSpPr/>
+          <p:nvPr/>
+        </p:nvCxnSpPr>
+        <p:spPr>
+          <a:xfrm>
+            <a:off x="1145933" y="2132441"/>
+            <a:ext cx="848931" cy="0"/>
+          </a:xfrm>
+          <a:prstGeom prst="straightConnector1">
+            <a:avLst/>
+          </a:prstGeom>
+          <a:ln w="19050">
+            <a:headEnd type="none" w="med" len="med"/>
+            <a:tailEnd type="arrow" w="med" len="med"/>
+          </a:ln>
+        </p:spPr>
+        <p:style>
+          <a:lnRef idx="1">
+            <a:schemeClr val="dk1"/>
+          </a:lnRef>
+          <a:fillRef idx="0">
+            <a:schemeClr val="dk1"/>
+          </a:fillRef>
+          <a:effectRef idx="0">
+            <a:schemeClr val="dk1"/>
+          </a:effectRef>
+          <a:fontRef idx="minor">
+            <a:schemeClr val="tx1"/>
+          </a:fontRef>
+        </p:style>
+      </p:cxnSp>
+      <p:sp>
+        <p:nvSpPr>
+          <p:cNvPr id="51" name="Rectangle 50"/>
+          <p:cNvSpPr/>
+          <p:nvPr/>
+        </p:nvSpPr>
+        <p:spPr>
+          <a:xfrm>
+            <a:off x="4468289" y="2045261"/>
+            <a:ext cx="580521" cy="197829"/>
+          </a:xfrm>
+          <a:prstGeom prst="rect">
+            <a:avLst/>
+          </a:prstGeom>
+          <a:solidFill>
+            <a:schemeClr val="bg1"/>
+          </a:solidFill>
+          <a:ln>
+            <a:solidFill>
+              <a:schemeClr val="tx1"/>
+            </a:solidFill>
+          </a:ln>
+        </p:spPr>
+        <p:style>
+          <a:lnRef idx="2">
+            <a:schemeClr val="accent1">
+              <a:shade val="50000"/>
+            </a:schemeClr>
+          </a:lnRef>
+          <a:fillRef idx="1">
+            <a:schemeClr val="accent1"/>
+          </a:fillRef>
+          <a:effectRef idx="0">
+            <a:schemeClr val="accent1"/>
+          </a:effectRef>
+          <a:fontRef idx="minor">
+            <a:schemeClr val="lt1"/>
+          </a:fontRef>
+        </p:style>
+        <p:txBody>
+          <a:bodyPr rtlCol="0" anchor="ctr"/>
+          <a:lstStyle/>
+          <a:p>
+            <a:pPr algn="ctr"/>
+            <a:r>
+              <a:rPr lang="en-US" dirty="0" smtClean="0">
+                <a:solidFill>
+                  <a:schemeClr val="tx1"/>
+                </a:solidFill>
+                <a:latin typeface="Consolas" panose="020B0609020204030204" pitchFamily="49" charset="0"/>
+              </a:rPr>
+              <a:t>ABC</a:t>
+            </a:r>
+            <a:endParaRPr lang="en-US" dirty="0">
+              <a:solidFill>
+                <a:schemeClr val="tx1"/>
+              </a:solidFill>
+              <a:latin typeface="Consolas" panose="020B0609020204030204" pitchFamily="49" charset="0"/>
+            </a:endParaRPr>
+          </a:p>
+        </p:txBody>
+      </p:sp>
+      <p:grpSp>
+        <p:nvGrpSpPr>
+          <p:cNvPr id="47" name="Group 46"/>
+          <p:cNvGrpSpPr/>
+          <p:nvPr/>
+        </p:nvGrpSpPr>
+        <p:grpSpPr>
+          <a:xfrm>
+            <a:off x="59155" y="7095"/>
+            <a:ext cx="1070551" cy="1128658"/>
+            <a:chOff x="5065867" y="50341"/>
+            <a:chExt cx="1070551" cy="1128658"/>
+          </a:xfrm>
+        </p:grpSpPr>
+        <p:pic>
+          <p:nvPicPr>
+            <p:cNvPr id="49" name="Picture 48"/>
+            <p:cNvPicPr>
+              <a:picLocks noChangeAspect="1"/>
+            </p:cNvPicPr>
+            <p:nvPr/>
+          </p:nvPicPr>
+          <p:blipFill rotWithShape="1">
+            <a:blip r:embed="rId6" cstate="print">
+              <a:extLst>
+                <a:ext uri="{28A0092B-C50C-407E-A947-70E740481C1C}">
+                  <a14:useLocalDpi xmlns:a14="http://schemas.microsoft.com/office/drawing/2010/main" val="0"/>
+                </a:ext>
+              </a:extLst>
+            </a:blip>
+            <a:srcRect l="1487" t="16443" r="6804" b="16551"/>
+            <a:stretch/>
+          </p:blipFill>
+          <p:spPr>
+            <a:xfrm>
+              <a:off x="5065867" y="50341"/>
+              <a:ext cx="1070551" cy="782184"/>
+            </a:xfrm>
+            <a:prstGeom prst="rect">
+              <a:avLst/>
+            </a:prstGeom>
+          </p:spPr>
+        </p:pic>
+        <p:sp>
+          <p:nvSpPr>
+            <p:cNvPr id="50" name="Rectangle 49"/>
+            <p:cNvSpPr/>
+            <p:nvPr/>
+          </p:nvSpPr>
+          <p:spPr>
+            <a:xfrm>
+              <a:off x="5237117" y="809667"/>
+              <a:ext cx="796949" cy="369332"/>
+            </a:xfrm>
+            <a:prstGeom prst="rect">
+              <a:avLst/>
+            </a:prstGeom>
+          </p:spPr>
+          <p:txBody>
+            <a:bodyPr wrap="none">
+              <a:spAutoFit/>
+            </a:bodyPr>
+            <a:lstStyle/>
+            <a:p>
+              <a:r>
+                <a:rPr lang="en-US" b="1" dirty="0" smtClean="0"/>
+                <a:t>Server</a:t>
+              </a:r>
+              <a:endParaRPr lang="en-US" b="1" dirty="0"/>
+            </a:p>
+          </p:txBody>
+        </p:sp>
+      </p:grpSp>
+      <p:cxnSp>
+        <p:nvCxnSpPr>
+          <p:cNvPr id="52" name="Straight Arrow Connector 51"/>
+          <p:cNvCxnSpPr/>
+          <p:nvPr/>
+        </p:nvCxnSpPr>
+        <p:spPr>
+          <a:xfrm>
+            <a:off x="521551" y="1092421"/>
+            <a:ext cx="0" cy="584490"/>
+          </a:xfrm>
+          <a:prstGeom prst="straightConnector1">
+            <a:avLst/>
+          </a:prstGeom>
+          <a:ln w="19050">
+            <a:headEnd type="none" w="med" len="med"/>
+            <a:tailEnd type="arrow" w="med" len="med"/>
+          </a:ln>
+        </p:spPr>
+        <p:style>
+          <a:lnRef idx="1">
+            <a:schemeClr val="dk1"/>
+          </a:lnRef>
+          <a:fillRef idx="0">
+            <a:schemeClr val="dk1"/>
+          </a:fillRef>
+          <a:effectRef idx="0">
+            <a:schemeClr val="dk1"/>
+          </a:effectRef>
+          <a:fontRef idx="minor">
+            <a:schemeClr val="tx1"/>
+          </a:fontRef>
+        </p:style>
+      </p:cxnSp>
+      <p:grpSp>
+        <p:nvGrpSpPr>
+          <p:cNvPr id="53" name="Group 52"/>
+          <p:cNvGrpSpPr/>
+          <p:nvPr/>
+        </p:nvGrpSpPr>
+        <p:grpSpPr>
+          <a:xfrm>
+            <a:off x="424617" y="1024189"/>
+            <a:ext cx="2859738" cy="369332"/>
+            <a:chOff x="7903181" y="3762728"/>
+            <a:chExt cx="2859738" cy="369332"/>
+          </a:xfrm>
+        </p:grpSpPr>
+        <p:sp>
+          <p:nvSpPr>
+            <p:cNvPr id="54" name="Oval 53"/>
+            <p:cNvSpPr/>
+            <p:nvPr/>
+          </p:nvSpPr>
+          <p:spPr>
+            <a:xfrm>
+              <a:off x="7903181" y="3848001"/>
+              <a:ext cx="202025" cy="198787"/>
+            </a:xfrm>
+            <a:prstGeom prst="ellipse">
+              <a:avLst/>
+            </a:prstGeom>
+            <a:ln w="19050"/>
+          </p:spPr>
+          <p:style>
+            <a:lnRef idx="2">
+              <a:schemeClr val="dk1"/>
+            </a:lnRef>
+            <a:fillRef idx="1">
+              <a:schemeClr val="lt1"/>
+            </a:fillRef>
+            <a:effectRef idx="0">
+              <a:schemeClr val="dk1"/>
+            </a:effectRef>
+            <a:fontRef idx="minor">
+              <a:schemeClr val="dk1"/>
+            </a:fontRef>
+          </p:style>
+          <p:txBody>
+            <a:bodyPr rtlCol="0" anchor="ctr"/>
+            <a:lstStyle/>
+            <a:p>
+              <a:pPr algn="ctr"/>
+              <a:r>
+                <a:rPr lang="en-US" b="1" dirty="0" smtClean="0"/>
+                <a:t>1</a:t>
+              </a:r>
+              <a:endParaRPr lang="en-US" b="1" dirty="0"/>
+            </a:p>
+          </p:txBody>
+        </p:sp>
+        <p:sp>
+          <p:nvSpPr>
+            <p:cNvPr id="55" name="Rectangle 54"/>
+            <p:cNvSpPr/>
+            <p:nvPr/>
+          </p:nvSpPr>
+          <p:spPr>
+            <a:xfrm>
+              <a:off x="8047176" y="3762728"/>
+              <a:ext cx="2715743" cy="369332"/>
+            </a:xfrm>
+            <a:prstGeom prst="rect">
+              <a:avLst/>
+            </a:prstGeom>
+          </p:spPr>
+          <p:txBody>
+            <a:bodyPr wrap="none">
+              <a:spAutoFit/>
+            </a:bodyPr>
+            <a:lstStyle/>
+            <a:p>
+              <a:r>
+                <a:rPr lang="en-US" dirty="0" smtClean="0"/>
+                <a:t>Webpage + encrypted data</a:t>
+              </a:r>
+              <a:endParaRPr lang="en-US" dirty="0"/>
+            </a:p>
+          </p:txBody>
+        </p:sp>
+      </p:grpSp>
+    </p:spTree>
+    <p:extLst>
+      <p:ext uri="{BB962C8B-B14F-4D97-AF65-F5344CB8AC3E}">
+        <p14:creationId xmlns:p14="http://schemas.microsoft.com/office/powerpoint/2010/main" val="4101501723"/>
+      </p:ext>
+    </p:extLst>
+  </p:cSld>
+  <p:clrMapOvr>
+    <a:masterClrMapping/>
+  </p:clrMapOvr>
+</p:sld>
+</file>
+
 <file path=ppt/theme/theme1.xml><?xml version="1.0" encoding="utf-8"?>
 <a:theme xmlns:a="http://schemas.openxmlformats.org/drawingml/2006/main" name="Office Theme">
   <a:themeElements>

--- a/aritra/MouseTracking/images/systemDesign.pptx
+++ b/aritra/MouseTracking/images/systemDesign.pptx
@@ -5,12 +5,14 @@
     <p:sldMasterId id="2147483648" r:id="rId1"/>
   </p:sldMasterIdLst>
   <p:sldIdLst>
-    <p:sldId id="256" r:id="rId2"/>
-    <p:sldId id="257" r:id="rId3"/>
-    <p:sldId id="258" r:id="rId4"/>
-    <p:sldId id="259" r:id="rId5"/>
-    <p:sldId id="260" r:id="rId6"/>
-    <p:sldId id="261" r:id="rId7"/>
+    <p:sldId id="262" r:id="rId2"/>
+    <p:sldId id="256" r:id="rId3"/>
+    <p:sldId id="257" r:id="rId4"/>
+    <p:sldId id="258" r:id="rId5"/>
+    <p:sldId id="259" r:id="rId6"/>
+    <p:sldId id="260" r:id="rId7"/>
+    <p:sldId id="261" r:id="rId8"/>
+    <p:sldId id="263" r:id="rId9"/>
   </p:sldIdLst>
   <p:sldSz cx="12192000" cy="6858000"/>
   <p:notesSz cx="6858000" cy="9144000"/>
@@ -248,7 +250,7 @@
           <a:p>
             <a:fld id="{AAB2D3D3-1E26-436C-8467-9F82561659A6}" type="datetimeFigureOut">
               <a:rPr lang="en-US" smtClean="0"/>
-              <a:t>9/28/2018</a:t>
+              <a:t>9/30/2018</a:t>
             </a:fld>
             <a:endParaRPr lang="en-US"/>
           </a:p>
@@ -418,7 +420,7 @@
           <a:p>
             <a:fld id="{AAB2D3D3-1E26-436C-8467-9F82561659A6}" type="datetimeFigureOut">
               <a:rPr lang="en-US" smtClean="0"/>
-              <a:t>9/28/2018</a:t>
+              <a:t>9/30/2018</a:t>
             </a:fld>
             <a:endParaRPr lang="en-US"/>
           </a:p>
@@ -598,7 +600,7 @@
           <a:p>
             <a:fld id="{AAB2D3D3-1E26-436C-8467-9F82561659A6}" type="datetimeFigureOut">
               <a:rPr lang="en-US" smtClean="0"/>
-              <a:t>9/28/2018</a:t>
+              <a:t>9/30/2018</a:t>
             </a:fld>
             <a:endParaRPr lang="en-US"/>
           </a:p>
@@ -768,7 +770,7 @@
           <a:p>
             <a:fld id="{AAB2D3D3-1E26-436C-8467-9F82561659A6}" type="datetimeFigureOut">
               <a:rPr lang="en-US" smtClean="0"/>
-              <a:t>9/28/2018</a:t>
+              <a:t>9/30/2018</a:t>
             </a:fld>
             <a:endParaRPr lang="en-US"/>
           </a:p>
@@ -1014,7 +1016,7 @@
           <a:p>
             <a:fld id="{AAB2D3D3-1E26-436C-8467-9F82561659A6}" type="datetimeFigureOut">
               <a:rPr lang="en-US" smtClean="0"/>
-              <a:t>9/28/2018</a:t>
+              <a:t>9/30/2018</a:t>
             </a:fld>
             <a:endParaRPr lang="en-US"/>
           </a:p>
@@ -1246,7 +1248,7 @@
           <a:p>
             <a:fld id="{AAB2D3D3-1E26-436C-8467-9F82561659A6}" type="datetimeFigureOut">
               <a:rPr lang="en-US" smtClean="0"/>
-              <a:t>9/28/2018</a:t>
+              <a:t>9/30/2018</a:t>
             </a:fld>
             <a:endParaRPr lang="en-US"/>
           </a:p>
@@ -1613,7 +1615,7 @@
           <a:p>
             <a:fld id="{AAB2D3D3-1E26-436C-8467-9F82561659A6}" type="datetimeFigureOut">
               <a:rPr lang="en-US" smtClean="0"/>
-              <a:t>9/28/2018</a:t>
+              <a:t>9/30/2018</a:t>
             </a:fld>
             <a:endParaRPr lang="en-US"/>
           </a:p>
@@ -1731,7 +1733,7 @@
           <a:p>
             <a:fld id="{AAB2D3D3-1E26-436C-8467-9F82561659A6}" type="datetimeFigureOut">
               <a:rPr lang="en-US" smtClean="0"/>
-              <a:t>9/28/2018</a:t>
+              <a:t>9/30/2018</a:t>
             </a:fld>
             <a:endParaRPr lang="en-US"/>
           </a:p>
@@ -1826,7 +1828,7 @@
           <a:p>
             <a:fld id="{AAB2D3D3-1E26-436C-8467-9F82561659A6}" type="datetimeFigureOut">
               <a:rPr lang="en-US" smtClean="0"/>
-              <a:t>9/28/2018</a:t>
+              <a:t>9/30/2018</a:t>
             </a:fld>
             <a:endParaRPr lang="en-US"/>
           </a:p>
@@ -2103,7 +2105,7 @@
           <a:p>
             <a:fld id="{AAB2D3D3-1E26-436C-8467-9F82561659A6}" type="datetimeFigureOut">
               <a:rPr lang="en-US" smtClean="0"/>
-              <a:t>9/28/2018</a:t>
+              <a:t>9/30/2018</a:t>
             </a:fld>
             <a:endParaRPr lang="en-US"/>
           </a:p>
@@ -2356,7 +2358,7 @@
           <a:p>
             <a:fld id="{AAB2D3D3-1E26-436C-8467-9F82561659A6}" type="datetimeFigureOut">
               <a:rPr lang="en-US" smtClean="0"/>
-              <a:t>9/28/2018</a:t>
+              <a:t>9/30/2018</a:t>
             </a:fld>
             <a:endParaRPr lang="en-US"/>
           </a:p>
@@ -2569,7 +2571,7 @@
           <a:p>
             <a:fld id="{AAB2D3D3-1E26-436C-8467-9F82561659A6}" type="datetimeFigureOut">
               <a:rPr lang="en-US" smtClean="0"/>
-              <a:t>9/28/2018</a:t>
+              <a:t>9/30/2018</a:t>
             </a:fld>
             <a:endParaRPr lang="en-US"/>
           </a:p>
@@ -2976,6 +2978,893 @@
       </p:grpSpPr>
       <p:grpSp>
         <p:nvGrpSpPr>
+          <p:cNvPr id="4" name="Group 3"/>
+          <p:cNvGrpSpPr/>
+          <p:nvPr/>
+        </p:nvGrpSpPr>
+        <p:grpSpPr>
+          <a:xfrm>
+            <a:off x="5188663" y="3469904"/>
+            <a:ext cx="870751" cy="1015479"/>
+            <a:chOff x="7483230" y="2896126"/>
+            <a:chExt cx="870751" cy="1015479"/>
+          </a:xfrm>
+        </p:grpSpPr>
+        <p:pic>
+          <p:nvPicPr>
+            <p:cNvPr id="5" name="Picture 4"/>
+            <p:cNvPicPr>
+              <a:picLocks noChangeAspect="1"/>
+            </p:cNvPicPr>
+            <p:nvPr/>
+          </p:nvPicPr>
+          <p:blipFill rotWithShape="1">
+            <a:blip r:embed="rId2" cstate="print">
+              <a:extLst>
+                <a:ext uri="{28A0092B-C50C-407E-A947-70E740481C1C}">
+                  <a14:useLocalDpi xmlns:a14="http://schemas.microsoft.com/office/drawing/2010/main" val="0"/>
+                </a:ext>
+              </a:extLst>
+            </a:blip>
+            <a:srcRect t="3275" b="3208"/>
+            <a:stretch/>
+          </p:blipFill>
+          <p:spPr>
+            <a:xfrm>
+              <a:off x="7559697" y="2896126"/>
+              <a:ext cx="717816" cy="671289"/>
+            </a:xfrm>
+            <a:prstGeom prst="rect">
+              <a:avLst/>
+            </a:prstGeom>
+          </p:spPr>
+        </p:pic>
+        <p:sp>
+          <p:nvSpPr>
+            <p:cNvPr id="6" name="Rectangle 5"/>
+            <p:cNvSpPr/>
+            <p:nvPr/>
+          </p:nvSpPr>
+          <p:spPr>
+            <a:xfrm>
+              <a:off x="7483230" y="3542273"/>
+              <a:ext cx="870751" cy="369332"/>
+            </a:xfrm>
+            <a:prstGeom prst="rect">
+              <a:avLst/>
+            </a:prstGeom>
+          </p:spPr>
+          <p:txBody>
+            <a:bodyPr wrap="none">
+              <a:spAutoFit/>
+            </a:bodyPr>
+            <a:lstStyle/>
+            <a:p>
+              <a:r>
+                <a:rPr lang="en-US" b="1" dirty="0" smtClean="0"/>
+                <a:t>Output</a:t>
+              </a:r>
+              <a:endParaRPr lang="en-US" b="1" dirty="0"/>
+            </a:p>
+          </p:txBody>
+        </p:sp>
+      </p:grpSp>
+      <p:grpSp>
+        <p:nvGrpSpPr>
+          <p:cNvPr id="7" name="Group 6"/>
+          <p:cNvGrpSpPr/>
+          <p:nvPr/>
+        </p:nvGrpSpPr>
+        <p:grpSpPr>
+          <a:xfrm>
+            <a:off x="3633524" y="2018528"/>
+            <a:ext cx="1183286" cy="1227286"/>
+            <a:chOff x="4560745" y="2756315"/>
+            <a:chExt cx="1183286" cy="1227286"/>
+          </a:xfrm>
+        </p:grpSpPr>
+        <p:pic>
+          <p:nvPicPr>
+            <p:cNvPr id="8" name="Picture 7"/>
+            <p:cNvPicPr>
+              <a:picLocks noChangeAspect="1"/>
+            </p:cNvPicPr>
+            <p:nvPr/>
+          </p:nvPicPr>
+          <p:blipFill rotWithShape="1">
+            <a:blip r:embed="rId3"/>
+            <a:srcRect l="35542" t="19680" r="35441" b="39379"/>
+            <a:stretch/>
+          </p:blipFill>
+          <p:spPr>
+            <a:xfrm>
+              <a:off x="4560745" y="2756315"/>
+              <a:ext cx="1183286" cy="857954"/>
+            </a:xfrm>
+            <a:prstGeom prst="rect">
+              <a:avLst/>
+            </a:prstGeom>
+          </p:spPr>
+        </p:pic>
+        <p:sp>
+          <p:nvSpPr>
+            <p:cNvPr id="9" name="Rectangle 8"/>
+            <p:cNvSpPr/>
+            <p:nvPr/>
+          </p:nvSpPr>
+          <p:spPr>
+            <a:xfrm>
+              <a:off x="4741635" y="3614269"/>
+              <a:ext cx="821507" cy="369332"/>
+            </a:xfrm>
+            <a:prstGeom prst="rect">
+              <a:avLst/>
+            </a:prstGeom>
+          </p:spPr>
+          <p:txBody>
+            <a:bodyPr wrap="none">
+              <a:spAutoFit/>
+            </a:bodyPr>
+            <a:lstStyle/>
+            <a:p>
+              <a:r>
+                <a:rPr lang="en-US" b="1" dirty="0" smtClean="0"/>
+                <a:t>Device</a:t>
+              </a:r>
+              <a:endParaRPr lang="en-US" b="1" dirty="0"/>
+            </a:p>
+          </p:txBody>
+        </p:sp>
+      </p:grpSp>
+      <p:pic>
+        <p:nvPicPr>
+          <p:cNvPr id="10" name="Picture 9"/>
+          <p:cNvPicPr>
+            <a:picLocks noChangeAspect="1"/>
+          </p:cNvPicPr>
+          <p:nvPr/>
+        </p:nvPicPr>
+        <p:blipFill rotWithShape="1">
+          <a:blip r:embed="rId4" cstate="print">
+            <a:extLst>
+              <a:ext uri="{28A0092B-C50C-407E-A947-70E740481C1C}">
+                <a14:useLocalDpi xmlns:a14="http://schemas.microsoft.com/office/drawing/2010/main" val="0"/>
+              </a:ext>
+            </a:extLst>
+          </a:blip>
+          <a:srcRect l="1487" t="16443" r="6804" b="16551"/>
+          <a:stretch/>
+        </p:blipFill>
+        <p:spPr>
+          <a:xfrm>
+            <a:off x="2052531" y="3944"/>
+            <a:ext cx="1048281" cy="765913"/>
+          </a:xfrm>
+          <a:prstGeom prst="rect">
+            <a:avLst/>
+          </a:prstGeom>
+        </p:spPr>
+      </p:pic>
+      <p:grpSp>
+        <p:nvGrpSpPr>
+          <p:cNvPr id="11" name="Group 10"/>
+          <p:cNvGrpSpPr/>
+          <p:nvPr/>
+        </p:nvGrpSpPr>
+        <p:grpSpPr>
+          <a:xfrm>
+            <a:off x="19259" y="2018528"/>
+            <a:ext cx="1218495" cy="1258690"/>
+            <a:chOff x="1475140" y="2705424"/>
+            <a:chExt cx="1218495" cy="1258690"/>
+          </a:xfrm>
+        </p:grpSpPr>
+        <p:grpSp>
+          <p:nvGrpSpPr>
+            <p:cNvPr id="12" name="Group 11"/>
+            <p:cNvGrpSpPr/>
+            <p:nvPr/>
+          </p:nvGrpSpPr>
+          <p:grpSpPr>
+            <a:xfrm>
+              <a:off x="1475140" y="2705424"/>
+              <a:ext cx="1218495" cy="889358"/>
+              <a:chOff x="1475140" y="2705424"/>
+              <a:chExt cx="1218495" cy="889358"/>
+            </a:xfrm>
+          </p:grpSpPr>
+          <p:pic>
+            <p:nvPicPr>
+              <p:cNvPr id="14" name="Picture 13"/>
+              <p:cNvPicPr>
+                <a:picLocks noChangeAspect="1"/>
+              </p:cNvPicPr>
+              <p:nvPr/>
+            </p:nvPicPr>
+            <p:blipFill rotWithShape="1">
+              <a:blip r:embed="rId5"/>
+              <a:srcRect l="24261" t="14798" r="24188" b="14569"/>
+              <a:stretch/>
+            </p:blipFill>
+            <p:spPr>
+              <a:xfrm>
+                <a:off x="1475140" y="2736828"/>
+                <a:ext cx="1218495" cy="857954"/>
+              </a:xfrm>
+              <a:prstGeom prst="rect">
+                <a:avLst/>
+              </a:prstGeom>
+            </p:spPr>
+          </p:pic>
+          <p:pic>
+            <p:nvPicPr>
+              <p:cNvPr id="15" name="Picture 14"/>
+              <p:cNvPicPr>
+                <a:picLocks noChangeAspect="1"/>
+              </p:cNvPicPr>
+              <p:nvPr/>
+            </p:nvPicPr>
+            <p:blipFill>
+              <a:blip r:embed="rId6" cstate="print">
+                <a:extLst>
+                  <a:ext uri="{28A0092B-C50C-407E-A947-70E740481C1C}">
+                    <a14:useLocalDpi xmlns:a14="http://schemas.microsoft.com/office/drawing/2010/main" val="0"/>
+                  </a:ext>
+                </a:extLst>
+              </a:blip>
+              <a:stretch>
+                <a:fillRect/>
+              </a:stretch>
+            </p:blipFill>
+            <p:spPr>
+              <a:xfrm>
+                <a:off x="1475140" y="2705424"/>
+                <a:ext cx="460381" cy="460381"/>
+              </a:xfrm>
+              <a:prstGeom prst="rect">
+                <a:avLst/>
+              </a:prstGeom>
+            </p:spPr>
+          </p:pic>
+        </p:grpSp>
+        <p:sp>
+          <p:nvSpPr>
+            <p:cNvPr id="13" name="Rectangle 12"/>
+            <p:cNvSpPr/>
+            <p:nvPr/>
+          </p:nvSpPr>
+          <p:spPr>
+            <a:xfrm>
+              <a:off x="1769306" y="3594782"/>
+              <a:ext cx="622927" cy="369332"/>
+            </a:xfrm>
+            <a:prstGeom prst="rect">
+              <a:avLst/>
+            </a:prstGeom>
+          </p:spPr>
+          <p:txBody>
+            <a:bodyPr wrap="none">
+              <a:spAutoFit/>
+            </a:bodyPr>
+            <a:lstStyle/>
+            <a:p>
+              <a:r>
+                <a:rPr lang="en-US" b="1" dirty="0" smtClean="0"/>
+                <a:t>Host</a:t>
+              </a:r>
+              <a:endParaRPr lang="en-US" b="1" dirty="0"/>
+            </a:p>
+          </p:txBody>
+        </p:sp>
+      </p:grpSp>
+      <p:grpSp>
+        <p:nvGrpSpPr>
+          <p:cNvPr id="21" name="Group 20"/>
+          <p:cNvGrpSpPr/>
+          <p:nvPr/>
+        </p:nvGrpSpPr>
+        <p:grpSpPr>
+          <a:xfrm>
+            <a:off x="1817070" y="3469904"/>
+            <a:ext cx="1615914" cy="980246"/>
+            <a:chOff x="2534406" y="4227129"/>
+            <a:chExt cx="1615914" cy="980246"/>
+          </a:xfrm>
+        </p:grpSpPr>
+        <p:grpSp>
+          <p:nvGrpSpPr>
+            <p:cNvPr id="19" name="Group 18"/>
+            <p:cNvGrpSpPr/>
+            <p:nvPr/>
+          </p:nvGrpSpPr>
+          <p:grpSpPr>
+            <a:xfrm>
+              <a:off x="2534406" y="4227129"/>
+              <a:ext cx="1615914" cy="610914"/>
+              <a:chOff x="3298986" y="4564117"/>
+              <a:chExt cx="1615914" cy="610914"/>
+            </a:xfrm>
+          </p:grpSpPr>
+          <p:sp>
+            <p:nvSpPr>
+              <p:cNvPr id="18" name="Rounded Rectangle 17"/>
+              <p:cNvSpPr/>
+              <p:nvPr/>
+            </p:nvSpPr>
+            <p:spPr>
+              <a:xfrm>
+                <a:off x="3298986" y="4564117"/>
+                <a:ext cx="1615914" cy="610914"/>
+              </a:xfrm>
+              <a:prstGeom prst="roundRect">
+                <a:avLst>
+                  <a:gd name="adj" fmla="val 10215"/>
+                </a:avLst>
+              </a:prstGeom>
+              <a:solidFill>
+                <a:srgbClr val="F7F7F7"/>
+              </a:solidFill>
+              <a:ln>
+                <a:solidFill>
+                  <a:schemeClr val="tx1"/>
+                </a:solidFill>
+              </a:ln>
+            </p:spPr>
+            <p:style>
+              <a:lnRef idx="2">
+                <a:schemeClr val="accent1">
+                  <a:shade val="50000"/>
+                </a:schemeClr>
+              </a:lnRef>
+              <a:fillRef idx="1">
+                <a:schemeClr val="accent1"/>
+              </a:fillRef>
+              <a:effectRef idx="0">
+                <a:schemeClr val="accent1"/>
+              </a:effectRef>
+              <a:fontRef idx="minor">
+                <a:schemeClr val="lt1"/>
+              </a:fontRef>
+            </p:style>
+            <p:txBody>
+              <a:bodyPr rtlCol="0" anchor="ctr"/>
+              <a:lstStyle/>
+              <a:p>
+                <a:pPr algn="ctr"/>
+                <a:endParaRPr lang="en-US"/>
+              </a:p>
+            </p:txBody>
+          </p:sp>
+          <p:pic>
+            <p:nvPicPr>
+              <p:cNvPr id="16" name="Picture 15"/>
+              <p:cNvPicPr>
+                <a:picLocks noChangeAspect="1"/>
+              </p:cNvPicPr>
+              <p:nvPr/>
+            </p:nvPicPr>
+            <p:blipFill rotWithShape="1">
+              <a:blip r:embed="rId7" cstate="print">
+                <a:extLst>
+                  <a:ext uri="{28A0092B-C50C-407E-A947-70E740481C1C}">
+                    <a14:useLocalDpi xmlns:a14="http://schemas.microsoft.com/office/drawing/2010/main" val="0"/>
+                  </a:ext>
+                </a:extLst>
+              </a:blip>
+              <a:srcRect t="14679" b="14612"/>
+              <a:stretch/>
+            </p:blipFill>
+            <p:spPr>
+              <a:xfrm>
+                <a:off x="3369879" y="4637379"/>
+                <a:ext cx="666168" cy="471040"/>
+              </a:xfrm>
+              <a:prstGeom prst="rect">
+                <a:avLst/>
+              </a:prstGeom>
+            </p:spPr>
+          </p:pic>
+          <p:pic>
+            <p:nvPicPr>
+              <p:cNvPr id="17" name="Picture 16"/>
+              <p:cNvPicPr>
+                <a:picLocks noChangeAspect="1"/>
+              </p:cNvPicPr>
+              <p:nvPr/>
+            </p:nvPicPr>
+            <p:blipFill rotWithShape="1">
+              <a:blip r:embed="rId8" cstate="print">
+                <a:extLst>
+                  <a:ext uri="{28A0092B-C50C-407E-A947-70E740481C1C}">
+                    <a14:useLocalDpi xmlns:a14="http://schemas.microsoft.com/office/drawing/2010/main" val="0"/>
+                  </a:ext>
+                </a:extLst>
+              </a:blip>
+              <a:srcRect t="9849" b="9916"/>
+              <a:stretch/>
+            </p:blipFill>
+            <p:spPr>
+              <a:xfrm>
+                <a:off x="4278311" y="4643663"/>
+                <a:ext cx="579243" cy="464756"/>
+              </a:xfrm>
+              <a:prstGeom prst="rect">
+                <a:avLst/>
+              </a:prstGeom>
+            </p:spPr>
+          </p:pic>
+        </p:grpSp>
+        <p:sp>
+          <p:nvSpPr>
+            <p:cNvPr id="20" name="Rectangle 19"/>
+            <p:cNvSpPr/>
+            <p:nvPr/>
+          </p:nvSpPr>
+          <p:spPr>
+            <a:xfrm>
+              <a:off x="2994351" y="4838043"/>
+              <a:ext cx="696024" cy="369332"/>
+            </a:xfrm>
+            <a:prstGeom prst="rect">
+              <a:avLst/>
+            </a:prstGeom>
+          </p:spPr>
+          <p:txBody>
+            <a:bodyPr wrap="none">
+              <a:spAutoFit/>
+            </a:bodyPr>
+            <a:lstStyle/>
+            <a:p>
+              <a:r>
+                <a:rPr lang="en-US" b="1" dirty="0" smtClean="0"/>
+                <a:t>Input</a:t>
+              </a:r>
+              <a:endParaRPr lang="en-US" b="1" dirty="0"/>
+            </a:p>
+          </p:txBody>
+        </p:sp>
+      </p:grpSp>
+      <p:sp>
+        <p:nvSpPr>
+          <p:cNvPr id="22" name="Rectangle 21"/>
+          <p:cNvSpPr/>
+          <p:nvPr/>
+        </p:nvSpPr>
+        <p:spPr>
+          <a:xfrm>
+            <a:off x="2173487" y="836469"/>
+            <a:ext cx="796949" cy="369332"/>
+          </a:xfrm>
+          <a:prstGeom prst="rect">
+            <a:avLst/>
+          </a:prstGeom>
+        </p:spPr>
+        <p:txBody>
+          <a:bodyPr wrap="none">
+            <a:spAutoFit/>
+          </a:bodyPr>
+          <a:lstStyle/>
+          <a:p>
+            <a:r>
+              <a:rPr lang="en-US" b="1" dirty="0"/>
+              <a:t>Server</a:t>
+            </a:r>
+          </a:p>
+        </p:txBody>
+      </p:sp>
+      <p:cxnSp>
+        <p:nvCxnSpPr>
+          <p:cNvPr id="24" name="Straight Arrow Connector 23"/>
+          <p:cNvCxnSpPr>
+            <a:stCxn id="18" idx="0"/>
+            <a:endCxn id="9" idx="1"/>
+          </p:cNvCxnSpPr>
+          <p:nvPr/>
+        </p:nvCxnSpPr>
+        <p:spPr>
+          <a:xfrm flipV="1">
+            <a:off x="2625027" y="3061148"/>
+            <a:ext cx="1189387" cy="408756"/>
+          </a:xfrm>
+          <a:prstGeom prst="straightConnector1">
+            <a:avLst/>
+          </a:prstGeom>
+          <a:ln w="19050">
+            <a:solidFill>
+              <a:schemeClr val="accent6"/>
+            </a:solidFill>
+            <a:headEnd type="none" w="med" len="med"/>
+            <a:tailEnd type="arrow" w="med" len="med"/>
+          </a:ln>
+        </p:spPr>
+        <p:style>
+          <a:lnRef idx="1">
+            <a:schemeClr val="dk1"/>
+          </a:lnRef>
+          <a:fillRef idx="0">
+            <a:schemeClr val="dk1"/>
+          </a:fillRef>
+          <a:effectRef idx="0">
+            <a:schemeClr val="dk1"/>
+          </a:effectRef>
+          <a:fontRef idx="minor">
+            <a:schemeClr val="tx1"/>
+          </a:fontRef>
+        </p:style>
+      </p:cxnSp>
+      <p:cxnSp>
+        <p:nvCxnSpPr>
+          <p:cNvPr id="25" name="Straight Arrow Connector 24"/>
+          <p:cNvCxnSpPr>
+            <a:stCxn id="5" idx="0"/>
+            <a:endCxn id="9" idx="3"/>
+          </p:cNvCxnSpPr>
+          <p:nvPr/>
+        </p:nvCxnSpPr>
+        <p:spPr>
+          <a:xfrm flipH="1" flipV="1">
+            <a:off x="4635921" y="3061148"/>
+            <a:ext cx="988117" cy="408756"/>
+          </a:xfrm>
+          <a:prstGeom prst="straightConnector1">
+            <a:avLst/>
+          </a:prstGeom>
+          <a:ln w="19050">
+            <a:solidFill>
+              <a:schemeClr val="accent6"/>
+            </a:solidFill>
+            <a:headEnd type="arrow" w="med" len="med"/>
+            <a:tailEnd type="none" w="med" len="med"/>
+          </a:ln>
+        </p:spPr>
+        <p:style>
+          <a:lnRef idx="1">
+            <a:schemeClr val="dk1"/>
+          </a:lnRef>
+          <a:fillRef idx="0">
+            <a:schemeClr val="dk1"/>
+          </a:fillRef>
+          <a:effectRef idx="0">
+            <a:schemeClr val="dk1"/>
+          </a:effectRef>
+          <a:fontRef idx="minor">
+            <a:schemeClr val="tx1"/>
+          </a:fontRef>
+        </p:style>
+      </p:cxnSp>
+      <p:cxnSp>
+        <p:nvCxnSpPr>
+          <p:cNvPr id="28" name="Straight Arrow Connector 27"/>
+          <p:cNvCxnSpPr>
+            <a:stCxn id="14" idx="0"/>
+            <a:endCxn id="22" idx="1"/>
+          </p:cNvCxnSpPr>
+          <p:nvPr/>
+        </p:nvCxnSpPr>
+        <p:spPr>
+          <a:xfrm flipV="1">
+            <a:off x="628507" y="1021135"/>
+            <a:ext cx="1544980" cy="1028797"/>
+          </a:xfrm>
+          <a:prstGeom prst="straightConnector1">
+            <a:avLst/>
+          </a:prstGeom>
+          <a:ln w="19050">
+            <a:solidFill>
+              <a:srgbClr val="FF0000"/>
+            </a:solidFill>
+            <a:headEnd type="arrow" w="med" len="med"/>
+            <a:tailEnd type="arrow" w="med" len="med"/>
+          </a:ln>
+        </p:spPr>
+        <p:style>
+          <a:lnRef idx="1">
+            <a:schemeClr val="dk1"/>
+          </a:lnRef>
+          <a:fillRef idx="0">
+            <a:schemeClr val="dk1"/>
+          </a:fillRef>
+          <a:effectRef idx="0">
+            <a:schemeClr val="dk1"/>
+          </a:effectRef>
+          <a:fontRef idx="minor">
+            <a:schemeClr val="tx1"/>
+          </a:fontRef>
+        </p:style>
+      </p:cxnSp>
+      <p:cxnSp>
+        <p:nvCxnSpPr>
+          <p:cNvPr id="31" name="Straight Arrow Connector 30"/>
+          <p:cNvCxnSpPr>
+            <a:stCxn id="8" idx="0"/>
+            <a:endCxn id="22" idx="3"/>
+          </p:cNvCxnSpPr>
+          <p:nvPr/>
+        </p:nvCxnSpPr>
+        <p:spPr>
+          <a:xfrm flipH="1" flipV="1">
+            <a:off x="2970436" y="1021135"/>
+            <a:ext cx="1254731" cy="997393"/>
+          </a:xfrm>
+          <a:prstGeom prst="straightConnector1">
+            <a:avLst/>
+          </a:prstGeom>
+          <a:ln w="19050">
+            <a:solidFill>
+              <a:schemeClr val="accent6"/>
+            </a:solidFill>
+            <a:headEnd type="arrow" w="med" len="med"/>
+            <a:tailEnd type="arrow" w="med" len="med"/>
+          </a:ln>
+        </p:spPr>
+        <p:style>
+          <a:lnRef idx="1">
+            <a:schemeClr val="dk1"/>
+          </a:lnRef>
+          <a:fillRef idx="0">
+            <a:schemeClr val="dk1"/>
+          </a:fillRef>
+          <a:effectRef idx="0">
+            <a:schemeClr val="dk1"/>
+          </a:effectRef>
+          <a:fontRef idx="minor">
+            <a:schemeClr val="tx1"/>
+          </a:fontRef>
+        </p:style>
+      </p:cxnSp>
+      <p:cxnSp>
+        <p:nvCxnSpPr>
+          <p:cNvPr id="34" name="Straight Arrow Connector 33"/>
+          <p:cNvCxnSpPr/>
+          <p:nvPr/>
+        </p:nvCxnSpPr>
+        <p:spPr>
+          <a:xfrm flipV="1">
+            <a:off x="1237754" y="2353740"/>
+            <a:ext cx="2395770" cy="31404"/>
+          </a:xfrm>
+          <a:prstGeom prst="straightConnector1">
+            <a:avLst/>
+          </a:prstGeom>
+          <a:ln w="19050">
+            <a:solidFill>
+              <a:srgbClr val="FF0000"/>
+            </a:solidFill>
+            <a:headEnd type="none" w="med" len="med"/>
+            <a:tailEnd type="arrow" w="med" len="med"/>
+          </a:ln>
+        </p:spPr>
+        <p:style>
+          <a:lnRef idx="1">
+            <a:schemeClr val="dk1"/>
+          </a:lnRef>
+          <a:fillRef idx="0">
+            <a:schemeClr val="dk1"/>
+          </a:fillRef>
+          <a:effectRef idx="0">
+            <a:schemeClr val="dk1"/>
+          </a:effectRef>
+          <a:fontRef idx="minor">
+            <a:schemeClr val="tx1"/>
+          </a:fontRef>
+        </p:style>
+      </p:cxnSp>
+      <p:sp>
+        <p:nvSpPr>
+          <p:cNvPr id="37" name="Rectangle 36"/>
+          <p:cNvSpPr/>
+          <p:nvPr/>
+        </p:nvSpPr>
+        <p:spPr>
+          <a:xfrm rot="2336835">
+            <a:off x="2910193" y="1169535"/>
+            <a:ext cx="1375216" cy="646331"/>
+          </a:xfrm>
+          <a:prstGeom prst="rect">
+            <a:avLst/>
+          </a:prstGeom>
+        </p:spPr>
+        <p:txBody>
+          <a:bodyPr wrap="square">
+            <a:spAutoFit/>
+          </a:bodyPr>
+          <a:lstStyle/>
+          <a:p>
+            <a:pPr algn="ctr"/>
+            <a:r>
+              <a:rPr lang="en-US" dirty="0" smtClean="0"/>
+              <a:t>IO second factor</a:t>
+            </a:r>
+            <a:endParaRPr lang="en-US" dirty="0"/>
+          </a:p>
+        </p:txBody>
+      </p:sp>
+      <p:sp>
+        <p:nvSpPr>
+          <p:cNvPr id="38" name="Rectangle 37"/>
+          <p:cNvSpPr/>
+          <p:nvPr/>
+        </p:nvSpPr>
+        <p:spPr>
+          <a:xfrm rot="19606741">
+            <a:off x="419530" y="1211070"/>
+            <a:ext cx="1904903" cy="646331"/>
+          </a:xfrm>
+          <a:prstGeom prst="rect">
+            <a:avLst/>
+          </a:prstGeom>
+        </p:spPr>
+        <p:txBody>
+          <a:bodyPr wrap="square">
+            <a:spAutoFit/>
+          </a:bodyPr>
+          <a:lstStyle/>
+          <a:p>
+            <a:pPr algn="ctr"/>
+            <a:r>
+              <a:rPr lang="en-US" dirty="0" smtClean="0"/>
+              <a:t>Application level payload</a:t>
+            </a:r>
+            <a:endParaRPr lang="en-US" dirty="0"/>
+          </a:p>
+        </p:txBody>
+      </p:sp>
+      <p:sp>
+        <p:nvSpPr>
+          <p:cNvPr id="39" name="Rectangle 38"/>
+          <p:cNvSpPr/>
+          <p:nvPr/>
+        </p:nvSpPr>
+        <p:spPr>
+          <a:xfrm>
+            <a:off x="2011391" y="2058764"/>
+            <a:ext cx="866006" cy="369332"/>
+          </a:xfrm>
+          <a:prstGeom prst="rect">
+            <a:avLst/>
+          </a:prstGeom>
+        </p:spPr>
+        <p:txBody>
+          <a:bodyPr wrap="none">
+            <a:spAutoFit/>
+          </a:bodyPr>
+          <a:lstStyle/>
+          <a:p>
+            <a:r>
+              <a:rPr lang="en-US" dirty="0" smtClean="0"/>
+              <a:t>Frames</a:t>
+            </a:r>
+            <a:endParaRPr lang="en-US" dirty="0"/>
+          </a:p>
+        </p:txBody>
+      </p:sp>
+      <p:cxnSp>
+        <p:nvCxnSpPr>
+          <p:cNvPr id="40" name="Straight Arrow Connector 39"/>
+          <p:cNvCxnSpPr/>
+          <p:nvPr/>
+        </p:nvCxnSpPr>
+        <p:spPr>
+          <a:xfrm flipV="1">
+            <a:off x="1237754" y="2479666"/>
+            <a:ext cx="2395770" cy="31404"/>
+          </a:xfrm>
+          <a:prstGeom prst="straightConnector1">
+            <a:avLst/>
+          </a:prstGeom>
+          <a:ln w="19050">
+            <a:solidFill>
+              <a:srgbClr val="77B150"/>
+            </a:solidFill>
+            <a:headEnd type="arrow" w="med" len="med"/>
+            <a:tailEnd type="none" w="med" len="med"/>
+          </a:ln>
+        </p:spPr>
+        <p:style>
+          <a:lnRef idx="1">
+            <a:schemeClr val="dk1"/>
+          </a:lnRef>
+          <a:fillRef idx="0">
+            <a:schemeClr val="dk1"/>
+          </a:fillRef>
+          <a:effectRef idx="0">
+            <a:schemeClr val="dk1"/>
+          </a:effectRef>
+          <a:fontRef idx="minor">
+            <a:schemeClr val="tx1"/>
+          </a:fontRef>
+        </p:style>
+      </p:cxnSp>
+      <p:sp>
+        <p:nvSpPr>
+          <p:cNvPr id="41" name="Rectangle 40"/>
+          <p:cNvSpPr/>
+          <p:nvPr/>
+        </p:nvSpPr>
+        <p:spPr>
+          <a:xfrm>
+            <a:off x="1741174" y="2455336"/>
+            <a:ext cx="1478546" cy="369332"/>
+          </a:xfrm>
+          <a:prstGeom prst="rect">
+            <a:avLst/>
+          </a:prstGeom>
+        </p:spPr>
+        <p:txBody>
+          <a:bodyPr wrap="none">
+            <a:spAutoFit/>
+          </a:bodyPr>
+          <a:lstStyle/>
+          <a:p>
+            <a:r>
+              <a:rPr lang="en-US" dirty="0" smtClean="0"/>
+              <a:t>Input forward</a:t>
+            </a:r>
+            <a:endParaRPr lang="en-US" dirty="0"/>
+          </a:p>
+        </p:txBody>
+      </p:sp>
+      <p:sp>
+        <p:nvSpPr>
+          <p:cNvPr id="42" name="Rectangle 41"/>
+          <p:cNvSpPr/>
+          <p:nvPr/>
+        </p:nvSpPr>
+        <p:spPr>
+          <a:xfrm>
+            <a:off x="3717324" y="3245814"/>
+            <a:ext cx="1074333" cy="369332"/>
+          </a:xfrm>
+          <a:prstGeom prst="rect">
+            <a:avLst/>
+          </a:prstGeom>
+        </p:spPr>
+        <p:txBody>
+          <a:bodyPr wrap="none">
+            <a:spAutoFit/>
+          </a:bodyPr>
+          <a:lstStyle/>
+          <a:p>
+            <a:r>
+              <a:rPr lang="en-US" dirty="0" smtClean="0"/>
+              <a:t>IO signals</a:t>
+            </a:r>
+            <a:endParaRPr lang="en-US" dirty="0"/>
+          </a:p>
+        </p:txBody>
+      </p:sp>
+    </p:spTree>
+    <p:extLst>
+      <p:ext uri="{BB962C8B-B14F-4D97-AF65-F5344CB8AC3E}">
+        <p14:creationId xmlns:p14="http://schemas.microsoft.com/office/powerpoint/2010/main" val="3432212236"/>
+      </p:ext>
+    </p:extLst>
+  </p:cSld>
+  <p:clrMapOvr>
+    <a:masterClrMapping/>
+  </p:clrMapOvr>
+</p:sld>
+</file>
+
+<file path=ppt/slides/slide2.xml><?xml version="1.0" encoding="utf-8"?>
+<p:sld xmlns:a="http://schemas.openxmlformats.org/drawingml/2006/main" xmlns:r="http://schemas.openxmlformats.org/officeDocument/2006/relationships" xmlns:p="http://schemas.openxmlformats.org/presentationml/2006/main">
+  <p:cSld>
+    <p:spTree>
+      <p:nvGrpSpPr>
+        <p:cNvPr id="1" name=""/>
+        <p:cNvGrpSpPr/>
+        <p:nvPr/>
+      </p:nvGrpSpPr>
+      <p:grpSpPr>
+        <a:xfrm>
+          <a:off x="0" y="0"/>
+          <a:ext cx="0" cy="0"/>
+          <a:chOff x="0" y="0"/>
+          <a:chExt cx="0" cy="0"/>
+        </a:xfrm>
+      </p:grpSpPr>
+      <p:grpSp>
+        <p:nvGrpSpPr>
           <p:cNvPr id="96" name="Group 95"/>
           <p:cNvGrpSpPr/>
           <p:nvPr/>
@@ -4831,7 +5720,7 @@
 </p:sld>
 </file>
 
-<file path=ppt/slides/slide2.xml><?xml version="1.0" encoding="utf-8"?>
+<file path=ppt/slides/slide3.xml><?xml version="1.0" encoding="utf-8"?>
 <p:sld xmlns:a="http://schemas.openxmlformats.org/drawingml/2006/main" xmlns:r="http://schemas.openxmlformats.org/officeDocument/2006/relationships" xmlns:p="http://schemas.openxmlformats.org/presentationml/2006/main">
   <p:cSld>
     <p:spTree>
@@ -7153,7 +8042,7 @@
 </p:sld>
 </file>
 
-<file path=ppt/slides/slide3.xml><?xml version="1.0" encoding="utf-8"?>
+<file path=ppt/slides/slide4.xml><?xml version="1.0" encoding="utf-8"?>
 <p:sld xmlns:a="http://schemas.openxmlformats.org/drawingml/2006/main" xmlns:r="http://schemas.openxmlformats.org/officeDocument/2006/relationships" xmlns:p="http://schemas.openxmlformats.org/presentationml/2006/main">
   <p:cSld>
     <p:spTree>
@@ -7669,7 +8558,7 @@
 </p:sld>
 </file>
 
-<file path=ppt/slides/slide4.xml><?xml version="1.0" encoding="utf-8"?>
+<file path=ppt/slides/slide5.xml><?xml version="1.0" encoding="utf-8"?>
 <p:sld xmlns:a="http://schemas.openxmlformats.org/drawingml/2006/main" xmlns:r="http://schemas.openxmlformats.org/officeDocument/2006/relationships" xmlns:p="http://schemas.openxmlformats.org/presentationml/2006/main">
   <p:cSld>
     <p:spTree>
@@ -9361,7 +10250,7 @@
 </p:sld>
 </file>
 
-<file path=ppt/slides/slide5.xml><?xml version="1.0" encoding="utf-8"?>
+<file path=ppt/slides/slide6.xml><?xml version="1.0" encoding="utf-8"?>
 <p:sld xmlns:a="http://schemas.openxmlformats.org/drawingml/2006/main" xmlns:r="http://schemas.openxmlformats.org/officeDocument/2006/relationships" xmlns:p="http://schemas.openxmlformats.org/presentationml/2006/main">
   <p:cSld>
     <p:spTree>
@@ -10459,7 +11348,7 @@
 </p:sld>
 </file>
 
-<file path=ppt/slides/slide6.xml><?xml version="1.0" encoding="utf-8"?>
+<file path=ppt/slides/slide7.xml><?xml version="1.0" encoding="utf-8"?>
 <p:sld xmlns:a="http://schemas.openxmlformats.org/drawingml/2006/main" xmlns:r="http://schemas.openxmlformats.org/officeDocument/2006/relationships" xmlns:p="http://schemas.openxmlformats.org/presentationml/2006/main">
   <p:cSld>
     <p:spTree>
@@ -11318,6 +12207,66 @@
     <p:extLst>
       <p:ext uri="{BB962C8B-B14F-4D97-AF65-F5344CB8AC3E}">
         <p14:creationId xmlns:p14="http://schemas.microsoft.com/office/powerpoint/2010/main" val="4101501723"/>
+      </p:ext>
+    </p:extLst>
+  </p:cSld>
+  <p:clrMapOvr>
+    <a:masterClrMapping/>
+  </p:clrMapOvr>
+</p:sld>
+</file>
+
+<file path=ppt/slides/slide8.xml><?xml version="1.0" encoding="utf-8"?>
+<p:sld xmlns:a="http://schemas.openxmlformats.org/drawingml/2006/main" xmlns:r="http://schemas.openxmlformats.org/officeDocument/2006/relationships" xmlns:p="http://schemas.openxmlformats.org/presentationml/2006/main">
+  <p:cSld>
+    <p:spTree>
+      <p:nvGrpSpPr>
+        <p:cNvPr id="1" name=""/>
+        <p:cNvGrpSpPr/>
+        <p:nvPr/>
+      </p:nvGrpSpPr>
+      <p:grpSpPr>
+        <a:xfrm>
+          <a:off x="0" y="0"/>
+          <a:ext cx="0" cy="0"/>
+          <a:chOff x="0" y="0"/>
+          <a:chExt cx="0" cy="0"/>
+        </a:xfrm>
+      </p:grpSpPr>
+      <p:pic>
+        <p:nvPicPr>
+          <p:cNvPr id="7" name="Picture 6"/>
+          <p:cNvPicPr>
+            <a:picLocks noChangeAspect="1"/>
+          </p:cNvPicPr>
+          <p:nvPr/>
+        </p:nvPicPr>
+        <p:blipFill>
+          <a:blip r:embed="rId2">
+            <a:extLst>
+              <a:ext uri="{28A0092B-C50C-407E-A947-70E740481C1C}">
+                <a14:useLocalDpi xmlns:a14="http://schemas.microsoft.com/office/drawing/2010/main" val="0"/>
+              </a:ext>
+            </a:extLst>
+          </a:blip>
+          <a:stretch>
+            <a:fillRect/>
+          </a:stretch>
+        </p:blipFill>
+        <p:spPr>
+          <a:xfrm>
+            <a:off x="2667000" y="0"/>
+            <a:ext cx="6858000" cy="6858000"/>
+          </a:xfrm>
+          <a:prstGeom prst="rect">
+            <a:avLst/>
+          </a:prstGeom>
+        </p:spPr>
+      </p:pic>
+    </p:spTree>
+    <p:extLst>
+      <p:ext uri="{BB962C8B-B14F-4D97-AF65-F5344CB8AC3E}">
+        <p14:creationId xmlns:p14="http://schemas.microsoft.com/office/powerpoint/2010/main" val="1440497518"/>
       </p:ext>
     </p:extLst>
   </p:cSld>

--- a/aritra/MouseTracking/images/systemDesign.pptx
+++ b/aritra/MouseTracking/images/systemDesign.pptx
@@ -12241,28 +12241,421 @@
           </p:cNvPicPr>
           <p:nvPr/>
         </p:nvPicPr>
-        <p:blipFill>
-          <a:blip r:embed="rId2">
+        <p:blipFill rotWithShape="1">
+          <a:blip r:embed="rId2" cstate="print">
             <a:extLst>
               <a:ext uri="{28A0092B-C50C-407E-A947-70E740481C1C}">
                 <a14:useLocalDpi xmlns:a14="http://schemas.microsoft.com/office/drawing/2010/main" val="0"/>
               </a:ext>
             </a:extLst>
           </a:blip>
-          <a:stretch>
-            <a:fillRect/>
-          </a:stretch>
+          <a:srcRect l="12889" t="14222" r="13000" b="28556"/>
+          <a:stretch/>
         </p:blipFill>
         <p:spPr>
           <a:xfrm>
-            <a:off x="2667000" y="0"/>
-            <a:ext cx="6858000" cy="6858000"/>
+            <a:off x="2720340" y="845820"/>
+            <a:ext cx="1997172" cy="1542044"/>
           </a:xfrm>
           <a:prstGeom prst="rect">
             <a:avLst/>
           </a:prstGeom>
         </p:spPr>
       </p:pic>
+      <p:grpSp>
+        <p:nvGrpSpPr>
+          <p:cNvPr id="8" name="Group 7"/>
+          <p:cNvGrpSpPr/>
+          <p:nvPr/>
+        </p:nvGrpSpPr>
+        <p:grpSpPr>
+          <a:xfrm>
+            <a:off x="8223270" y="1051673"/>
+            <a:ext cx="1219100" cy="1466714"/>
+            <a:chOff x="7559697" y="2896126"/>
+            <a:chExt cx="717816" cy="863613"/>
+          </a:xfrm>
+        </p:grpSpPr>
+        <p:pic>
+          <p:nvPicPr>
+            <p:cNvPr id="9" name="Picture 8"/>
+            <p:cNvPicPr>
+              <a:picLocks noChangeAspect="1"/>
+            </p:cNvPicPr>
+            <p:nvPr/>
+          </p:nvPicPr>
+          <p:blipFill rotWithShape="1">
+            <a:blip r:embed="rId3" cstate="print">
+              <a:extLst>
+                <a:ext uri="{28A0092B-C50C-407E-A947-70E740481C1C}">
+                  <a14:useLocalDpi xmlns:a14="http://schemas.microsoft.com/office/drawing/2010/main" val="0"/>
+                </a:ext>
+              </a:extLst>
+            </a:blip>
+            <a:srcRect t="3275" b="3208"/>
+            <a:stretch/>
+          </p:blipFill>
+          <p:spPr>
+            <a:xfrm>
+              <a:off x="7559697" y="2896126"/>
+              <a:ext cx="717816" cy="671289"/>
+            </a:xfrm>
+            <a:prstGeom prst="rect">
+              <a:avLst/>
+            </a:prstGeom>
+          </p:spPr>
+        </p:pic>
+        <p:sp>
+          <p:nvSpPr>
+            <p:cNvPr id="10" name="Rectangle 9"/>
+            <p:cNvSpPr/>
+            <p:nvPr/>
+          </p:nvSpPr>
+          <p:spPr>
+            <a:xfrm>
+              <a:off x="7667185" y="3542273"/>
+              <a:ext cx="511814" cy="217466"/>
+            </a:xfrm>
+            <a:prstGeom prst="rect">
+              <a:avLst/>
+            </a:prstGeom>
+          </p:spPr>
+          <p:txBody>
+            <a:bodyPr wrap="square">
+              <a:spAutoFit/>
+            </a:bodyPr>
+            <a:lstStyle/>
+            <a:p>
+              <a:r>
+                <a:rPr lang="en-US" b="1" dirty="0" smtClean="0"/>
+                <a:t>Output</a:t>
+              </a:r>
+              <a:endParaRPr lang="en-US" b="1" dirty="0"/>
+            </a:p>
+          </p:txBody>
+        </p:sp>
+      </p:grpSp>
+      <p:grpSp>
+        <p:nvGrpSpPr>
+          <p:cNvPr id="11" name="Group 10"/>
+          <p:cNvGrpSpPr/>
+          <p:nvPr/>
+        </p:nvGrpSpPr>
+        <p:grpSpPr>
+          <a:xfrm>
+            <a:off x="3432510" y="4033003"/>
+            <a:ext cx="2785410" cy="1422386"/>
+            <a:chOff x="2534406" y="4227129"/>
+            <a:chExt cx="1615914" cy="825176"/>
+          </a:xfrm>
+        </p:grpSpPr>
+        <p:grpSp>
+          <p:nvGrpSpPr>
+            <p:cNvPr id="12" name="Group 11"/>
+            <p:cNvGrpSpPr/>
+            <p:nvPr/>
+          </p:nvGrpSpPr>
+          <p:grpSpPr>
+            <a:xfrm>
+              <a:off x="2534406" y="4227129"/>
+              <a:ext cx="1615914" cy="610914"/>
+              <a:chOff x="3298986" y="4564117"/>
+              <a:chExt cx="1615914" cy="610914"/>
+            </a:xfrm>
+          </p:grpSpPr>
+          <p:sp>
+            <p:nvSpPr>
+              <p:cNvPr id="14" name="Rounded Rectangle 13"/>
+              <p:cNvSpPr/>
+              <p:nvPr/>
+            </p:nvSpPr>
+            <p:spPr>
+              <a:xfrm>
+                <a:off x="3298986" y="4564117"/>
+                <a:ext cx="1615914" cy="610914"/>
+              </a:xfrm>
+              <a:prstGeom prst="roundRect">
+                <a:avLst>
+                  <a:gd name="adj" fmla="val 10215"/>
+                </a:avLst>
+              </a:prstGeom>
+              <a:solidFill>
+                <a:srgbClr val="F7F7F7"/>
+              </a:solidFill>
+              <a:ln>
+                <a:solidFill>
+                  <a:schemeClr val="tx1"/>
+                </a:solidFill>
+              </a:ln>
+            </p:spPr>
+            <p:style>
+              <a:lnRef idx="2">
+                <a:schemeClr val="accent1">
+                  <a:shade val="50000"/>
+                </a:schemeClr>
+              </a:lnRef>
+              <a:fillRef idx="1">
+                <a:schemeClr val="accent1"/>
+              </a:fillRef>
+              <a:effectRef idx="0">
+                <a:schemeClr val="accent1"/>
+              </a:effectRef>
+              <a:fontRef idx="minor">
+                <a:schemeClr val="lt1"/>
+              </a:fontRef>
+            </p:style>
+            <p:txBody>
+              <a:bodyPr rtlCol="0" anchor="ctr"/>
+              <a:lstStyle/>
+              <a:p>
+                <a:pPr algn="ctr"/>
+                <a:endParaRPr lang="en-US"/>
+              </a:p>
+            </p:txBody>
+          </p:sp>
+          <p:pic>
+            <p:nvPicPr>
+              <p:cNvPr id="15" name="Picture 14"/>
+              <p:cNvPicPr>
+                <a:picLocks noChangeAspect="1"/>
+              </p:cNvPicPr>
+              <p:nvPr/>
+            </p:nvPicPr>
+            <p:blipFill rotWithShape="1">
+              <a:blip r:embed="rId4" cstate="print">
+                <a:extLst>
+                  <a:ext uri="{28A0092B-C50C-407E-A947-70E740481C1C}">
+                    <a14:useLocalDpi xmlns:a14="http://schemas.microsoft.com/office/drawing/2010/main" val="0"/>
+                  </a:ext>
+                </a:extLst>
+              </a:blip>
+              <a:srcRect t="14679" b="14612"/>
+              <a:stretch/>
+            </p:blipFill>
+            <p:spPr>
+              <a:xfrm>
+                <a:off x="3369879" y="4637379"/>
+                <a:ext cx="666168" cy="471040"/>
+              </a:xfrm>
+              <a:prstGeom prst="rect">
+                <a:avLst/>
+              </a:prstGeom>
+            </p:spPr>
+          </p:pic>
+          <p:pic>
+            <p:nvPicPr>
+              <p:cNvPr id="16" name="Picture 15"/>
+              <p:cNvPicPr>
+                <a:picLocks noChangeAspect="1"/>
+              </p:cNvPicPr>
+              <p:nvPr/>
+            </p:nvPicPr>
+            <p:blipFill rotWithShape="1">
+              <a:blip r:embed="rId5" cstate="print">
+                <a:extLst>
+                  <a:ext uri="{28A0092B-C50C-407E-A947-70E740481C1C}">
+                    <a14:useLocalDpi xmlns:a14="http://schemas.microsoft.com/office/drawing/2010/main" val="0"/>
+                  </a:ext>
+                </a:extLst>
+              </a:blip>
+              <a:srcRect t="9849" b="9916"/>
+              <a:stretch/>
+            </p:blipFill>
+            <p:spPr>
+              <a:xfrm>
+                <a:off x="4278311" y="4643663"/>
+                <a:ext cx="579243" cy="464756"/>
+              </a:xfrm>
+              <a:prstGeom prst="rect">
+                <a:avLst/>
+              </a:prstGeom>
+            </p:spPr>
+          </p:pic>
+        </p:grpSp>
+        <p:sp>
+          <p:nvSpPr>
+            <p:cNvPr id="13" name="Rectangle 12"/>
+            <p:cNvSpPr/>
+            <p:nvPr/>
+          </p:nvSpPr>
+          <p:spPr>
+            <a:xfrm>
+              <a:off x="3128465" y="4838043"/>
+              <a:ext cx="420650" cy="214262"/>
+            </a:xfrm>
+            <a:prstGeom prst="rect">
+              <a:avLst/>
+            </a:prstGeom>
+          </p:spPr>
+          <p:txBody>
+            <a:bodyPr wrap="square">
+              <a:spAutoFit/>
+            </a:bodyPr>
+            <a:lstStyle/>
+            <a:p>
+              <a:r>
+                <a:rPr lang="en-US" b="1" dirty="0" smtClean="0"/>
+                <a:t>Input</a:t>
+              </a:r>
+              <a:endParaRPr lang="en-US" b="1" dirty="0"/>
+            </a:p>
+          </p:txBody>
+        </p:sp>
+      </p:grpSp>
+      <p:grpSp>
+        <p:nvGrpSpPr>
+          <p:cNvPr id="23" name="Group 22"/>
+          <p:cNvGrpSpPr/>
+          <p:nvPr/>
+        </p:nvGrpSpPr>
+        <p:grpSpPr>
+          <a:xfrm>
+            <a:off x="5607670" y="572911"/>
+            <a:ext cx="1581958" cy="545818"/>
+            <a:chOff x="5905501" y="2475118"/>
+            <a:chExt cx="1581958" cy="545818"/>
+          </a:xfrm>
+        </p:grpSpPr>
+        <p:grpSp>
+          <p:nvGrpSpPr>
+            <p:cNvPr id="19" name="Group 18"/>
+            <p:cNvGrpSpPr/>
+            <p:nvPr/>
+          </p:nvGrpSpPr>
+          <p:grpSpPr>
+            <a:xfrm>
+              <a:off x="5905501" y="2475118"/>
+              <a:ext cx="1062228" cy="545818"/>
+              <a:chOff x="5935980" y="475630"/>
+              <a:chExt cx="2040255" cy="1048370"/>
+            </a:xfrm>
+          </p:grpSpPr>
+          <p:pic>
+            <p:nvPicPr>
+              <p:cNvPr id="17" name="Picture 16"/>
+              <p:cNvPicPr>
+                <a:picLocks noChangeAspect="1"/>
+              </p:cNvPicPr>
+              <p:nvPr/>
+            </p:nvPicPr>
+            <p:blipFill rotWithShape="1">
+              <a:blip r:embed="rId6" cstate="print">
+                <a:extLst>
+                  <a:ext uri="{28A0092B-C50C-407E-A947-70E740481C1C}">
+                    <a14:useLocalDpi xmlns:a14="http://schemas.microsoft.com/office/drawing/2010/main" val="0"/>
+                  </a:ext>
+                </a:extLst>
+              </a:blip>
+              <a:srcRect l="11333" t="4556" r="11333" b="18999"/>
+              <a:stretch/>
+            </p:blipFill>
+            <p:spPr>
+              <a:xfrm rot="5400000">
+                <a:off x="5929955" y="481655"/>
+                <a:ext cx="1048370" cy="1036320"/>
+              </a:xfrm>
+              <a:prstGeom prst="rect">
+                <a:avLst/>
+              </a:prstGeom>
+            </p:spPr>
+          </p:pic>
+          <p:pic>
+            <p:nvPicPr>
+              <p:cNvPr id="18" name="Picture 17"/>
+              <p:cNvPicPr>
+                <a:picLocks noChangeAspect="1"/>
+              </p:cNvPicPr>
+              <p:nvPr/>
+            </p:nvPicPr>
+            <p:blipFill rotWithShape="1">
+              <a:blip r:embed="rId6" cstate="print">
+                <a:extLst>
+                  <a:ext uri="{28A0092B-C50C-407E-A947-70E740481C1C}">
+                    <a14:useLocalDpi xmlns:a14="http://schemas.microsoft.com/office/drawing/2010/main" val="0"/>
+                  </a:ext>
+                </a:extLst>
+              </a:blip>
+              <a:srcRect l="11333" t="4556" r="11333" b="18999"/>
+              <a:stretch/>
+            </p:blipFill>
+            <p:spPr>
+              <a:xfrm rot="5400000">
+                <a:off x="6933890" y="481655"/>
+                <a:ext cx="1048370" cy="1036320"/>
+              </a:xfrm>
+              <a:prstGeom prst="rect">
+                <a:avLst/>
+              </a:prstGeom>
+            </p:spPr>
+          </p:pic>
+        </p:grpSp>
+        <p:pic>
+          <p:nvPicPr>
+            <p:cNvPr id="21" name="Picture 20"/>
+            <p:cNvPicPr>
+              <a:picLocks noChangeAspect="1"/>
+            </p:cNvPicPr>
+            <p:nvPr/>
+          </p:nvPicPr>
+          <p:blipFill rotWithShape="1">
+            <a:blip r:embed="rId6" cstate="print">
+              <a:extLst>
+                <a:ext uri="{28A0092B-C50C-407E-A947-70E740481C1C}">
+                  <a14:useLocalDpi xmlns:a14="http://schemas.microsoft.com/office/drawing/2010/main" val="0"/>
+                </a:ext>
+              </a:extLst>
+            </a:blip>
+            <a:srcRect l="11333" t="4556" r="11333" b="18999"/>
+            <a:stretch/>
+          </p:blipFill>
+          <p:spPr>
+            <a:xfrm rot="5400000">
+              <a:off x="6944778" y="2478255"/>
+              <a:ext cx="545818" cy="539544"/>
+            </a:xfrm>
+            <a:prstGeom prst="rect">
+              <a:avLst/>
+            </a:prstGeom>
+          </p:spPr>
+        </p:pic>
+      </p:grpSp>
+      <p:cxnSp>
+        <p:nvCxnSpPr>
+          <p:cNvPr id="24" name="Straight Arrow Connector 23"/>
+          <p:cNvCxnSpPr>
+            <a:stCxn id="7" idx="3"/>
+            <a:endCxn id="9" idx="1"/>
+          </p:cNvCxnSpPr>
+          <p:nvPr/>
+        </p:nvCxnSpPr>
+        <p:spPr>
+          <a:xfrm>
+            <a:off x="4717512" y="1616842"/>
+            <a:ext cx="3505758" cy="4872"/>
+          </a:xfrm>
+          <a:prstGeom prst="straightConnector1">
+            <a:avLst/>
+          </a:prstGeom>
+          <a:ln w="19050">
+            <a:headEnd type="none" w="med" len="med"/>
+            <a:tailEnd type="arrow" w="med" len="med"/>
+          </a:ln>
+        </p:spPr>
+        <p:style>
+          <a:lnRef idx="1">
+            <a:schemeClr val="dk1"/>
+          </a:lnRef>
+          <a:fillRef idx="0">
+            <a:schemeClr val="dk1"/>
+          </a:fillRef>
+          <a:effectRef idx="0">
+            <a:schemeClr val="dk1"/>
+          </a:effectRef>
+          <a:fontRef idx="minor">
+            <a:schemeClr val="tx1"/>
+          </a:fontRef>
+        </p:style>
+      </p:cxnSp>
     </p:spTree>
     <p:extLst>
       <p:ext uri="{BB962C8B-B14F-4D97-AF65-F5344CB8AC3E}">

--- a/aritra/MouseTracking/images/systemDesign.pptx
+++ b/aritra/MouseTracking/images/systemDesign.pptx
@@ -250,7 +250,7 @@
           <a:p>
             <a:fld id="{AAB2D3D3-1E26-436C-8467-9F82561659A6}" type="datetimeFigureOut">
               <a:rPr lang="en-US" smtClean="0"/>
-              <a:t>9/30/2018</a:t>
+              <a:t>10/1/2018</a:t>
             </a:fld>
             <a:endParaRPr lang="en-US"/>
           </a:p>
@@ -420,7 +420,7 @@
           <a:p>
             <a:fld id="{AAB2D3D3-1E26-436C-8467-9F82561659A6}" type="datetimeFigureOut">
               <a:rPr lang="en-US" smtClean="0"/>
-              <a:t>9/30/2018</a:t>
+              <a:t>10/1/2018</a:t>
             </a:fld>
             <a:endParaRPr lang="en-US"/>
           </a:p>
@@ -600,7 +600,7 @@
           <a:p>
             <a:fld id="{AAB2D3D3-1E26-436C-8467-9F82561659A6}" type="datetimeFigureOut">
               <a:rPr lang="en-US" smtClean="0"/>
-              <a:t>9/30/2018</a:t>
+              <a:t>10/1/2018</a:t>
             </a:fld>
             <a:endParaRPr lang="en-US"/>
           </a:p>
@@ -770,7 +770,7 @@
           <a:p>
             <a:fld id="{AAB2D3D3-1E26-436C-8467-9F82561659A6}" type="datetimeFigureOut">
               <a:rPr lang="en-US" smtClean="0"/>
-              <a:t>9/30/2018</a:t>
+              <a:t>10/1/2018</a:t>
             </a:fld>
             <a:endParaRPr lang="en-US"/>
           </a:p>
@@ -1016,7 +1016,7 @@
           <a:p>
             <a:fld id="{AAB2D3D3-1E26-436C-8467-9F82561659A6}" type="datetimeFigureOut">
               <a:rPr lang="en-US" smtClean="0"/>
-              <a:t>9/30/2018</a:t>
+              <a:t>10/1/2018</a:t>
             </a:fld>
             <a:endParaRPr lang="en-US"/>
           </a:p>
@@ -1248,7 +1248,7 @@
           <a:p>
             <a:fld id="{AAB2D3D3-1E26-436C-8467-9F82561659A6}" type="datetimeFigureOut">
               <a:rPr lang="en-US" smtClean="0"/>
-              <a:t>9/30/2018</a:t>
+              <a:t>10/1/2018</a:t>
             </a:fld>
             <a:endParaRPr lang="en-US"/>
           </a:p>
@@ -1615,7 +1615,7 @@
           <a:p>
             <a:fld id="{AAB2D3D3-1E26-436C-8467-9F82561659A6}" type="datetimeFigureOut">
               <a:rPr lang="en-US" smtClean="0"/>
-              <a:t>9/30/2018</a:t>
+              <a:t>10/1/2018</a:t>
             </a:fld>
             <a:endParaRPr lang="en-US"/>
           </a:p>
@@ -1733,7 +1733,7 @@
           <a:p>
             <a:fld id="{AAB2D3D3-1E26-436C-8467-9F82561659A6}" type="datetimeFigureOut">
               <a:rPr lang="en-US" smtClean="0"/>
-              <a:t>9/30/2018</a:t>
+              <a:t>10/1/2018</a:t>
             </a:fld>
             <a:endParaRPr lang="en-US"/>
           </a:p>
@@ -1828,7 +1828,7 @@
           <a:p>
             <a:fld id="{AAB2D3D3-1E26-436C-8467-9F82561659A6}" type="datetimeFigureOut">
               <a:rPr lang="en-US" smtClean="0"/>
-              <a:t>9/30/2018</a:t>
+              <a:t>10/1/2018</a:t>
             </a:fld>
             <a:endParaRPr lang="en-US"/>
           </a:p>
@@ -2105,7 +2105,7 @@
           <a:p>
             <a:fld id="{AAB2D3D3-1E26-436C-8467-9F82561659A6}" type="datetimeFigureOut">
               <a:rPr lang="en-US" smtClean="0"/>
-              <a:t>9/30/2018</a:t>
+              <a:t>10/1/2018</a:t>
             </a:fld>
             <a:endParaRPr lang="en-US"/>
           </a:p>
@@ -2358,7 +2358,7 @@
           <a:p>
             <a:fld id="{AAB2D3D3-1E26-436C-8467-9F82561659A6}" type="datetimeFigureOut">
               <a:rPr lang="en-US" smtClean="0"/>
-              <a:t>9/30/2018</a:t>
+              <a:t>10/1/2018</a:t>
             </a:fld>
             <a:endParaRPr lang="en-US"/>
           </a:p>
@@ -2571,7 +2571,7 @@
           <a:p>
             <a:fld id="{AAB2D3D3-1E26-436C-8467-9F82561659A6}" type="datetimeFigureOut">
               <a:rPr lang="en-US" smtClean="0"/>
-              <a:t>9/30/2018</a:t>
+              <a:t>10/1/2018</a:t>
             </a:fld>
             <a:endParaRPr lang="en-US"/>
           </a:p>
@@ -2976,6 +2976,52 @@
           <a:chExt cx="0" cy="0"/>
         </a:xfrm>
       </p:grpSpPr>
+      <p:sp>
+        <p:nvSpPr>
+          <p:cNvPr id="2" name="Rectangle 1"/>
+          <p:cNvSpPr/>
+          <p:nvPr/>
+        </p:nvSpPr>
+        <p:spPr>
+          <a:xfrm>
+            <a:off x="479639" y="926614"/>
+            <a:ext cx="3796757" cy="1089198"/>
+          </a:xfrm>
+          <a:prstGeom prst="rect">
+            <a:avLst/>
+          </a:prstGeom>
+          <a:solidFill>
+            <a:srgbClr val="FEF6F0"/>
+          </a:solidFill>
+          <a:ln>
+            <a:noFill/>
+          </a:ln>
+        </p:spPr>
+        <p:style>
+          <a:lnRef idx="2">
+            <a:schemeClr val="accent1">
+              <a:shade val="50000"/>
+            </a:schemeClr>
+          </a:lnRef>
+          <a:fillRef idx="1">
+            <a:schemeClr val="accent1"/>
+          </a:fillRef>
+          <a:effectRef idx="0">
+            <a:schemeClr val="accent1"/>
+          </a:effectRef>
+          <a:fontRef idx="minor">
+            <a:schemeClr val="lt1"/>
+          </a:fontRef>
+        </p:style>
+        <p:txBody>
+          <a:bodyPr rtlCol="0" anchor="ctr"/>
+          <a:lstStyle/>
+          <a:p>
+            <a:pPr algn="ctr"/>
+            <a:endParaRPr lang="en-US"/>
+          </a:p>
+        </p:txBody>
+      </p:sp>
       <p:grpSp>
         <p:nvGrpSpPr>
           <p:cNvPr id="4" name="Group 3"/>
@@ -3828,6 +3874,65 @@
             <a:r>
               <a:rPr lang="en-US" dirty="0" smtClean="0"/>
               <a:t>IO signals</a:t>
+            </a:r>
+            <a:endParaRPr lang="en-US" dirty="0"/>
+          </a:p>
+        </p:txBody>
+      </p:sp>
+      <p:pic>
+        <p:nvPicPr>
+          <p:cNvPr id="33" name="Picture 32"/>
+          <p:cNvPicPr>
+            <a:picLocks noChangeAspect="1"/>
+          </p:cNvPicPr>
+          <p:nvPr/>
+        </p:nvPicPr>
+        <p:blipFill>
+          <a:blip r:embed="rId6" cstate="print">
+            <a:extLst>
+              <a:ext uri="{28A0092B-C50C-407E-A947-70E740481C1C}">
+                <a14:useLocalDpi xmlns:a14="http://schemas.microsoft.com/office/drawing/2010/main" val="0"/>
+              </a:ext>
+            </a:extLst>
+          </a:blip>
+          <a:stretch>
+            <a:fillRect/>
+          </a:stretch>
+        </p:blipFill>
+        <p:spPr>
+          <a:xfrm>
+            <a:off x="350710" y="763608"/>
+            <a:ext cx="460381" cy="460381"/>
+          </a:xfrm>
+          <a:prstGeom prst="rect">
+            <a:avLst/>
+          </a:prstGeom>
+        </p:spPr>
+      </p:pic>
+      <p:sp>
+        <p:nvSpPr>
+          <p:cNvPr id="3" name="Rectangle 2"/>
+          <p:cNvSpPr/>
+          <p:nvPr/>
+        </p:nvSpPr>
+        <p:spPr>
+          <a:xfrm>
+            <a:off x="772317" y="637147"/>
+            <a:ext cx="1016304" cy="369332"/>
+          </a:xfrm>
+          <a:prstGeom prst="rect">
+            <a:avLst/>
+          </a:prstGeom>
+        </p:spPr>
+        <p:txBody>
+          <a:bodyPr wrap="none">
+            <a:spAutoFit/>
+          </a:bodyPr>
+          <a:lstStyle/>
+          <a:p>
+            <a:r>
+              <a:rPr lang="en-US" b="1" dirty="0" smtClean="0"/>
+              <a:t>Network</a:t>
             </a:r>
             <a:endParaRPr lang="en-US" dirty="0"/>
           </a:p>
@@ -12233,6 +12338,48 @@
           <a:chExt cx="0" cy="0"/>
         </a:xfrm>
       </p:grpSpPr>
+      <p:sp>
+        <p:nvSpPr>
+          <p:cNvPr id="2" name="Rectangle 1"/>
+          <p:cNvSpPr/>
+          <p:nvPr/>
+        </p:nvSpPr>
+        <p:spPr>
+          <a:xfrm>
+            <a:off x="9525" y="9525"/>
+            <a:ext cx="3206641" cy="1245823"/>
+          </a:xfrm>
+          <a:prstGeom prst="rect">
+            <a:avLst/>
+          </a:prstGeom>
+          <a:solidFill>
+            <a:schemeClr val="bg1"/>
+          </a:solidFill>
+          <a:ln w="19050"/>
+        </p:spPr>
+        <p:style>
+          <a:lnRef idx="2">
+            <a:schemeClr val="dk1"/>
+          </a:lnRef>
+          <a:fillRef idx="1">
+            <a:schemeClr val="lt1"/>
+          </a:fillRef>
+          <a:effectRef idx="0">
+            <a:schemeClr val="dk1"/>
+          </a:effectRef>
+          <a:fontRef idx="minor">
+            <a:schemeClr val="dk1"/>
+          </a:fontRef>
+        </p:style>
+        <p:txBody>
+          <a:bodyPr rtlCol="0" anchor="ctr"/>
+          <a:lstStyle/>
+          <a:p>
+            <a:pPr algn="ctr"/>
+            <a:endParaRPr lang="en-US"/>
+          </a:p>
+        </p:txBody>
+      </p:sp>
       <p:pic>
         <p:nvPicPr>
           <p:cNvPr id="7" name="Picture 6"/>
@@ -12254,8 +12401,8 @@
         </p:blipFill>
         <p:spPr>
           <a:xfrm>
-            <a:off x="2720340" y="845820"/>
-            <a:ext cx="1997172" cy="1542044"/>
+            <a:off x="1867679" y="192753"/>
+            <a:ext cx="1283173" cy="990755"/>
           </a:xfrm>
           <a:prstGeom prst="rect">
             <a:avLst/>
@@ -12270,7 +12417,7 @@
         </p:nvGrpSpPr>
         <p:grpSpPr>
           <a:xfrm>
-            <a:off x="8223270" y="1051673"/>
+            <a:off x="4158458" y="115267"/>
             <a:ext cx="1219100" cy="1466714"/>
             <a:chOff x="7559697" y="2896126"/>
             <a:chExt cx="717816" cy="863613"/>
@@ -12343,10 +12490,10 @@
         </p:nvGrpSpPr>
         <p:grpSpPr>
           <a:xfrm>
-            <a:off x="3432510" y="4033003"/>
-            <a:ext cx="2785410" cy="1422386"/>
+            <a:off x="1393635" y="1401949"/>
+            <a:ext cx="2447407" cy="726593"/>
             <a:chOff x="2534406" y="4227129"/>
-            <a:chExt cx="1615914" cy="825176"/>
+            <a:chExt cx="2169949" cy="644221"/>
           </a:xfrm>
         </p:grpSpPr>
         <p:grpSp>
@@ -12382,7 +12529,7 @@
               <a:solidFill>
                 <a:srgbClr val="F7F7F7"/>
               </a:solidFill>
-              <a:ln>
+              <a:ln w="19050">
                 <a:solidFill>
                   <a:schemeClr val="tx1"/>
                 </a:solidFill>
@@ -12480,8 +12627,8 @@
           </p:nvSpPr>
           <p:spPr>
             <a:xfrm>
-              <a:off x="3128465" y="4838043"/>
-              <a:ext cx="420650" cy="214262"/>
+              <a:off x="4092411" y="4543888"/>
+              <a:ext cx="611944" cy="327462"/>
             </a:xfrm>
             <a:prstGeom prst="rect">
               <a:avLst/>
@@ -12510,8 +12657,8 @@
         </p:nvGrpSpPr>
         <p:grpSpPr>
           <a:xfrm>
-            <a:off x="5607670" y="572911"/>
-            <a:ext cx="1581958" cy="545818"/>
+            <a:off x="3291383" y="417976"/>
+            <a:ext cx="726544" cy="192203"/>
             <a:chOff x="5905501" y="2475118"/>
             <a:chExt cx="1581958" cy="545818"/>
           </a:xfrm>
@@ -12629,9 +12776,9 @@
           <p:nvPr/>
         </p:nvCxnSpPr>
         <p:spPr>
-          <a:xfrm>
-            <a:off x="4717512" y="1616842"/>
-            <a:ext cx="3505758" cy="4872"/>
+          <a:xfrm flipV="1">
+            <a:off x="3150852" y="685308"/>
+            <a:ext cx="1007606" cy="2823"/>
           </a:xfrm>
           <a:prstGeom prst="straightConnector1">
             <a:avLst/>
@@ -12656,6 +12803,286 @@
           </a:fontRef>
         </p:style>
       </p:cxnSp>
+      <p:cxnSp>
+        <p:nvCxnSpPr>
+          <p:cNvPr id="20" name="Straight Arrow Connector 19"/>
+          <p:cNvCxnSpPr/>
+          <p:nvPr/>
+        </p:nvCxnSpPr>
+        <p:spPr>
+          <a:xfrm flipV="1">
+            <a:off x="2568337" y="1051476"/>
+            <a:ext cx="0" cy="345838"/>
+          </a:xfrm>
+          <a:prstGeom prst="straightConnector1">
+            <a:avLst/>
+          </a:prstGeom>
+          <a:ln>
+            <a:headEnd type="none" w="med" len="med"/>
+            <a:tailEnd type="arrow" w="med" len="med"/>
+          </a:ln>
+        </p:spPr>
+        <p:style>
+          <a:lnRef idx="3">
+            <a:schemeClr val="dk1"/>
+          </a:lnRef>
+          <a:fillRef idx="0">
+            <a:schemeClr val="dk1"/>
+          </a:fillRef>
+          <a:effectRef idx="2">
+            <a:schemeClr val="dk1"/>
+          </a:effectRef>
+          <a:fontRef idx="minor">
+            <a:schemeClr val="tx1"/>
+          </a:fontRef>
+        </p:style>
+      </p:cxnSp>
+      <p:sp>
+        <p:nvSpPr>
+          <p:cNvPr id="26" name="Rounded Rectangle 25"/>
+          <p:cNvSpPr/>
+          <p:nvPr/>
+        </p:nvSpPr>
+        <p:spPr>
+          <a:xfrm>
+            <a:off x="165645" y="72587"/>
+            <a:ext cx="1519482" cy="394138"/>
+          </a:xfrm>
+          <a:prstGeom prst="roundRect">
+            <a:avLst/>
+          </a:prstGeom>
+          <a:ln w="19050"/>
+        </p:spPr>
+        <p:style>
+          <a:lnRef idx="2">
+            <a:schemeClr val="dk1"/>
+          </a:lnRef>
+          <a:fillRef idx="1">
+            <a:schemeClr val="lt1"/>
+          </a:fillRef>
+          <a:effectRef idx="0">
+            <a:schemeClr val="dk1"/>
+          </a:effectRef>
+          <a:fontRef idx="minor">
+            <a:schemeClr val="dk1"/>
+          </a:fontRef>
+        </p:style>
+        <p:txBody>
+          <a:bodyPr rtlCol="0" anchor="ctr"/>
+          <a:lstStyle/>
+          <a:p>
+            <a:pPr algn="ctr"/>
+            <a:r>
+              <a:rPr lang="en-US" dirty="0" smtClean="0"/>
+              <a:t>OS</a:t>
+            </a:r>
+            <a:endParaRPr lang="en-US" dirty="0"/>
+          </a:p>
+        </p:txBody>
+      </p:sp>
+      <p:sp>
+        <p:nvSpPr>
+          <p:cNvPr id="27" name="Rounded Rectangle 26"/>
+          <p:cNvSpPr/>
+          <p:nvPr/>
+        </p:nvSpPr>
+        <p:spPr>
+          <a:xfrm>
+            <a:off x="165645" y="779188"/>
+            <a:ext cx="1519482" cy="394138"/>
+          </a:xfrm>
+          <a:prstGeom prst="roundRect">
+            <a:avLst/>
+          </a:prstGeom>
+          <a:ln w="19050"/>
+        </p:spPr>
+        <p:style>
+          <a:lnRef idx="2">
+            <a:schemeClr val="dk1"/>
+          </a:lnRef>
+          <a:fillRef idx="1">
+            <a:schemeClr val="lt1"/>
+          </a:fillRef>
+          <a:effectRef idx="0">
+            <a:schemeClr val="dk1"/>
+          </a:effectRef>
+          <a:fontRef idx="minor">
+            <a:schemeClr val="dk1"/>
+          </a:fontRef>
+        </p:style>
+        <p:txBody>
+          <a:bodyPr rtlCol="0" anchor="ctr"/>
+          <a:lstStyle/>
+          <a:p>
+            <a:pPr algn="ctr"/>
+            <a:r>
+              <a:rPr lang="en-US" dirty="0" smtClean="0"/>
+              <a:t>CPU</a:t>
+            </a:r>
+            <a:endParaRPr lang="en-US" dirty="0"/>
+          </a:p>
+        </p:txBody>
+      </p:sp>
+      <p:pic>
+        <p:nvPicPr>
+          <p:cNvPr id="28" name="Picture 27"/>
+          <p:cNvPicPr>
+            <a:picLocks noChangeAspect="1"/>
+          </p:cNvPicPr>
+          <p:nvPr/>
+        </p:nvPicPr>
+        <p:blipFill>
+          <a:blip r:embed="rId7" cstate="print">
+            <a:extLst>
+              <a:ext uri="{28A0092B-C50C-407E-A947-70E740481C1C}">
+                <a14:useLocalDpi xmlns:a14="http://schemas.microsoft.com/office/drawing/2010/main" val="0"/>
+              </a:ext>
+            </a:extLst>
+          </a:blip>
+          <a:stretch>
+            <a:fillRect/>
+          </a:stretch>
+        </p:blipFill>
+        <p:spPr>
+          <a:xfrm>
+            <a:off x="56214" y="62511"/>
+            <a:ext cx="380549" cy="380549"/>
+          </a:xfrm>
+          <a:prstGeom prst="rect">
+            <a:avLst/>
+          </a:prstGeom>
+        </p:spPr>
+      </p:pic>
+      <p:pic>
+        <p:nvPicPr>
+          <p:cNvPr id="29" name="Picture 28"/>
+          <p:cNvPicPr>
+            <a:picLocks noChangeAspect="1"/>
+          </p:cNvPicPr>
+          <p:nvPr/>
+        </p:nvPicPr>
+        <p:blipFill>
+          <a:blip r:embed="rId7" cstate="print">
+            <a:extLst>
+              <a:ext uri="{28A0092B-C50C-407E-A947-70E740481C1C}">
+                <a14:useLocalDpi xmlns:a14="http://schemas.microsoft.com/office/drawing/2010/main" val="0"/>
+              </a:ext>
+            </a:extLst>
+          </a:blip>
+          <a:stretch>
+            <a:fillRect/>
+          </a:stretch>
+        </p:blipFill>
+        <p:spPr>
+          <a:xfrm>
+            <a:off x="63682" y="614173"/>
+            <a:ext cx="380549" cy="380549"/>
+          </a:xfrm>
+          <a:prstGeom prst="rect">
+            <a:avLst/>
+          </a:prstGeom>
+        </p:spPr>
+      </p:pic>
+      <p:cxnSp>
+        <p:nvCxnSpPr>
+          <p:cNvPr id="25" name="Straight Arrow Connector 24"/>
+          <p:cNvCxnSpPr/>
+          <p:nvPr/>
+        </p:nvCxnSpPr>
+        <p:spPr>
+          <a:xfrm flipV="1">
+            <a:off x="1689689" y="962011"/>
+            <a:ext cx="355887" cy="1"/>
+          </a:xfrm>
+          <a:prstGeom prst="straightConnector1">
+            <a:avLst/>
+          </a:prstGeom>
+          <a:ln w="19050">
+            <a:headEnd type="arrow" w="med" len="med"/>
+            <a:tailEnd type="arrow" w="med" len="med"/>
+          </a:ln>
+        </p:spPr>
+        <p:style>
+          <a:lnRef idx="1">
+            <a:schemeClr val="dk1"/>
+          </a:lnRef>
+          <a:fillRef idx="0">
+            <a:schemeClr val="dk1"/>
+          </a:fillRef>
+          <a:effectRef idx="0">
+            <a:schemeClr val="dk1"/>
+          </a:effectRef>
+          <a:fontRef idx="minor">
+            <a:schemeClr val="tx1"/>
+          </a:fontRef>
+        </p:style>
+      </p:cxnSp>
+      <p:cxnSp>
+        <p:nvCxnSpPr>
+          <p:cNvPr id="30" name="Straight Arrow Connector 29"/>
+          <p:cNvCxnSpPr>
+            <a:stCxn id="27" idx="0"/>
+            <a:endCxn id="26" idx="2"/>
+          </p:cNvCxnSpPr>
+          <p:nvPr/>
+        </p:nvCxnSpPr>
+        <p:spPr>
+          <a:xfrm flipV="1">
+            <a:off x="925386" y="466725"/>
+            <a:ext cx="0" cy="312463"/>
+          </a:xfrm>
+          <a:prstGeom prst="straightConnector1">
+            <a:avLst/>
+          </a:prstGeom>
+          <a:ln>
+            <a:headEnd type="arrow" w="med" len="med"/>
+            <a:tailEnd type="arrow" w="med" len="med"/>
+          </a:ln>
+        </p:spPr>
+        <p:style>
+          <a:lnRef idx="3">
+            <a:schemeClr val="dk1"/>
+          </a:lnRef>
+          <a:fillRef idx="0">
+            <a:schemeClr val="dk1"/>
+          </a:fillRef>
+          <a:effectRef idx="2">
+            <a:schemeClr val="dk1"/>
+          </a:effectRef>
+          <a:fontRef idx="minor">
+            <a:schemeClr val="tx1"/>
+          </a:fontRef>
+        </p:style>
+      </p:cxnSp>
+      <p:sp>
+        <p:nvSpPr>
+          <p:cNvPr id="35" name="Rectangle 34"/>
+          <p:cNvSpPr/>
+          <p:nvPr/>
+        </p:nvSpPr>
+        <p:spPr>
+          <a:xfrm>
+            <a:off x="-102933" y="1200995"/>
+            <a:ext cx="690190" cy="369332"/>
+          </a:xfrm>
+          <a:prstGeom prst="rect">
+            <a:avLst/>
+          </a:prstGeom>
+        </p:spPr>
+        <p:txBody>
+          <a:bodyPr wrap="square">
+            <a:spAutoFit/>
+          </a:bodyPr>
+          <a:lstStyle/>
+          <a:p>
+            <a:r>
+              <a:rPr lang="en-US" b="1" dirty="0" smtClean="0"/>
+              <a:t>Host</a:t>
+            </a:r>
+            <a:endParaRPr lang="en-US" b="1" dirty="0"/>
+          </a:p>
+        </p:txBody>
+      </p:sp>
     </p:spTree>
     <p:extLst>
       <p:ext uri="{BB962C8B-B14F-4D97-AF65-F5344CB8AC3E}">

--- a/aritra/MouseTracking/images/systemDesign.pptx
+++ b/aritra/MouseTracking/images/systemDesign.pptx
@@ -5,14 +5,15 @@
     <p:sldMasterId id="2147483648" r:id="rId1"/>
   </p:sldMasterIdLst>
   <p:sldIdLst>
-    <p:sldId id="262" r:id="rId2"/>
-    <p:sldId id="256" r:id="rId3"/>
-    <p:sldId id="257" r:id="rId4"/>
-    <p:sldId id="258" r:id="rId5"/>
-    <p:sldId id="259" r:id="rId6"/>
-    <p:sldId id="260" r:id="rId7"/>
-    <p:sldId id="261" r:id="rId8"/>
-    <p:sldId id="263" r:id="rId9"/>
+    <p:sldId id="264" r:id="rId2"/>
+    <p:sldId id="262" r:id="rId3"/>
+    <p:sldId id="256" r:id="rId4"/>
+    <p:sldId id="257" r:id="rId5"/>
+    <p:sldId id="258" r:id="rId6"/>
+    <p:sldId id="259" r:id="rId7"/>
+    <p:sldId id="260" r:id="rId8"/>
+    <p:sldId id="261" r:id="rId9"/>
+    <p:sldId id="263" r:id="rId10"/>
   </p:sldIdLst>
   <p:sldSz cx="12192000" cy="6858000"/>
   <p:notesSz cx="6858000" cy="9144000"/>
@@ -250,7 +251,7 @@
           <a:p>
             <a:fld id="{AAB2D3D3-1E26-436C-8467-9F82561659A6}" type="datetimeFigureOut">
               <a:rPr lang="en-US" smtClean="0"/>
-              <a:t>10/1/2018</a:t>
+              <a:t>10/30/2018</a:t>
             </a:fld>
             <a:endParaRPr lang="en-US"/>
           </a:p>
@@ -420,7 +421,7 @@
           <a:p>
             <a:fld id="{AAB2D3D3-1E26-436C-8467-9F82561659A6}" type="datetimeFigureOut">
               <a:rPr lang="en-US" smtClean="0"/>
-              <a:t>10/1/2018</a:t>
+              <a:t>10/30/2018</a:t>
             </a:fld>
             <a:endParaRPr lang="en-US"/>
           </a:p>
@@ -600,7 +601,7 @@
           <a:p>
             <a:fld id="{AAB2D3D3-1E26-436C-8467-9F82561659A6}" type="datetimeFigureOut">
               <a:rPr lang="en-US" smtClean="0"/>
-              <a:t>10/1/2018</a:t>
+              <a:t>10/30/2018</a:t>
             </a:fld>
             <a:endParaRPr lang="en-US"/>
           </a:p>
@@ -770,7 +771,7 @@
           <a:p>
             <a:fld id="{AAB2D3D3-1E26-436C-8467-9F82561659A6}" type="datetimeFigureOut">
               <a:rPr lang="en-US" smtClean="0"/>
-              <a:t>10/1/2018</a:t>
+              <a:t>10/30/2018</a:t>
             </a:fld>
             <a:endParaRPr lang="en-US"/>
           </a:p>
@@ -1016,7 +1017,7 @@
           <a:p>
             <a:fld id="{AAB2D3D3-1E26-436C-8467-9F82561659A6}" type="datetimeFigureOut">
               <a:rPr lang="en-US" smtClean="0"/>
-              <a:t>10/1/2018</a:t>
+              <a:t>10/30/2018</a:t>
             </a:fld>
             <a:endParaRPr lang="en-US"/>
           </a:p>
@@ -1248,7 +1249,7 @@
           <a:p>
             <a:fld id="{AAB2D3D3-1E26-436C-8467-9F82561659A6}" type="datetimeFigureOut">
               <a:rPr lang="en-US" smtClean="0"/>
-              <a:t>10/1/2018</a:t>
+              <a:t>10/30/2018</a:t>
             </a:fld>
             <a:endParaRPr lang="en-US"/>
           </a:p>
@@ -1615,7 +1616,7 @@
           <a:p>
             <a:fld id="{AAB2D3D3-1E26-436C-8467-9F82561659A6}" type="datetimeFigureOut">
               <a:rPr lang="en-US" smtClean="0"/>
-              <a:t>10/1/2018</a:t>
+              <a:t>10/30/2018</a:t>
             </a:fld>
             <a:endParaRPr lang="en-US"/>
           </a:p>
@@ -1733,7 +1734,7 @@
           <a:p>
             <a:fld id="{AAB2D3D3-1E26-436C-8467-9F82561659A6}" type="datetimeFigureOut">
               <a:rPr lang="en-US" smtClean="0"/>
-              <a:t>10/1/2018</a:t>
+              <a:t>10/30/2018</a:t>
             </a:fld>
             <a:endParaRPr lang="en-US"/>
           </a:p>
@@ -1828,7 +1829,7 @@
           <a:p>
             <a:fld id="{AAB2D3D3-1E26-436C-8467-9F82561659A6}" type="datetimeFigureOut">
               <a:rPr lang="en-US" smtClean="0"/>
-              <a:t>10/1/2018</a:t>
+              <a:t>10/30/2018</a:t>
             </a:fld>
             <a:endParaRPr lang="en-US"/>
           </a:p>
@@ -2105,7 +2106,7 @@
           <a:p>
             <a:fld id="{AAB2D3D3-1E26-436C-8467-9F82561659A6}" type="datetimeFigureOut">
               <a:rPr lang="en-US" smtClean="0"/>
-              <a:t>10/1/2018</a:t>
+              <a:t>10/30/2018</a:t>
             </a:fld>
             <a:endParaRPr lang="en-US"/>
           </a:p>
@@ -2358,7 +2359,7 @@
           <a:p>
             <a:fld id="{AAB2D3D3-1E26-436C-8467-9F82561659A6}" type="datetimeFigureOut">
               <a:rPr lang="en-US" smtClean="0"/>
-              <a:t>10/1/2018</a:t>
+              <a:t>10/30/2018</a:t>
             </a:fld>
             <a:endParaRPr lang="en-US"/>
           </a:p>
@@ -2571,7 +2572,7 @@
           <a:p>
             <a:fld id="{AAB2D3D3-1E26-436C-8467-9F82561659A6}" type="datetimeFigureOut">
               <a:rPr lang="en-US" smtClean="0"/>
-              <a:t>10/1/2018</a:t>
+              <a:t>10/30/2018</a:t>
             </a:fld>
             <a:endParaRPr lang="en-US"/>
           </a:p>
@@ -2976,6 +2977,316 @@
           <a:chExt cx="0" cy="0"/>
         </a:xfrm>
       </p:grpSpPr>
+      <p:pic>
+        <p:nvPicPr>
+          <p:cNvPr id="4" name="Picture 3"/>
+          <p:cNvPicPr>
+            <a:picLocks noChangeAspect="1"/>
+          </p:cNvPicPr>
+          <p:nvPr/>
+        </p:nvPicPr>
+        <p:blipFill rotWithShape="1">
+          <a:blip r:embed="rId2">
+            <a:extLst>
+              <a:ext uri="{28A0092B-C50C-407E-A947-70E740481C1C}">
+                <a14:useLocalDpi xmlns:a14="http://schemas.microsoft.com/office/drawing/2010/main" val="0"/>
+              </a:ext>
+            </a:extLst>
+          </a:blip>
+          <a:srcRect l="13309" t="7622" r="11787" b="8054"/>
+          <a:stretch/>
+        </p:blipFill>
+        <p:spPr>
+          <a:xfrm>
+            <a:off x="633691" y="0"/>
+            <a:ext cx="3768811" cy="2708158"/>
+          </a:xfrm>
+          <a:prstGeom prst="rect">
+            <a:avLst/>
+          </a:prstGeom>
+        </p:spPr>
+      </p:pic>
+      <p:sp>
+        <p:nvSpPr>
+          <p:cNvPr id="6" name="TextBox 5"/>
+          <p:cNvSpPr txBox="1"/>
+          <p:nvPr/>
+        </p:nvSpPr>
+        <p:spPr>
+          <a:xfrm>
+            <a:off x="1997762" y="2679716"/>
+            <a:ext cx="1040670" cy="400110"/>
+          </a:xfrm>
+          <a:prstGeom prst="rect">
+            <a:avLst/>
+          </a:prstGeom>
+          <a:noFill/>
+        </p:spPr>
+        <p:txBody>
+          <a:bodyPr wrap="none" rtlCol="0">
+            <a:spAutoFit/>
+          </a:bodyPr>
+          <a:lstStyle/>
+          <a:p>
+            <a:r>
+              <a:rPr lang="en-US" sz="2000" dirty="0" smtClean="0"/>
+              <a:t>1) Slider</a:t>
+            </a:r>
+            <a:endParaRPr lang="en-US" sz="2000" dirty="0"/>
+          </a:p>
+        </p:txBody>
+      </p:sp>
+      <p:pic>
+        <p:nvPicPr>
+          <p:cNvPr id="7" name="Picture 6"/>
+          <p:cNvPicPr>
+            <a:picLocks noChangeAspect="1"/>
+          </p:cNvPicPr>
+          <p:nvPr/>
+        </p:nvPicPr>
+        <p:blipFill>
+          <a:blip r:embed="rId3">
+            <a:extLst>
+              <a:ext uri="{28A0092B-C50C-407E-A947-70E740481C1C}">
+                <a14:useLocalDpi xmlns:a14="http://schemas.microsoft.com/office/drawing/2010/main" val="0"/>
+              </a:ext>
+            </a:extLst>
+          </a:blip>
+          <a:stretch>
+            <a:fillRect/>
+          </a:stretch>
+        </p:blipFill>
+        <p:spPr>
+          <a:xfrm>
+            <a:off x="-21216" y="3171708"/>
+            <a:ext cx="5078628" cy="2917985"/>
+          </a:xfrm>
+          <a:prstGeom prst="rect">
+            <a:avLst/>
+          </a:prstGeom>
+        </p:spPr>
+      </p:pic>
+      <p:sp>
+        <p:nvSpPr>
+          <p:cNvPr id="8" name="TextBox 7"/>
+          <p:cNvSpPr txBox="1"/>
+          <p:nvPr/>
+        </p:nvSpPr>
+        <p:spPr>
+          <a:xfrm>
+            <a:off x="1587330" y="6153133"/>
+            <a:ext cx="1861535" cy="400110"/>
+          </a:xfrm>
+          <a:prstGeom prst="rect">
+            <a:avLst/>
+          </a:prstGeom>
+          <a:noFill/>
+        </p:spPr>
+        <p:txBody>
+          <a:bodyPr wrap="none" rtlCol="0">
+            <a:spAutoFit/>
+          </a:bodyPr>
+          <a:lstStyle/>
+          <a:p>
+            <a:r>
+              <a:rPr lang="en-US" sz="2000" dirty="0" smtClean="0"/>
+              <a:t>3) Bitcoin wallet</a:t>
+            </a:r>
+            <a:endParaRPr lang="en-US" sz="2000" dirty="0"/>
+          </a:p>
+        </p:txBody>
+      </p:sp>
+      <p:pic>
+        <p:nvPicPr>
+          <p:cNvPr id="17" name="Picture 16"/>
+          <p:cNvPicPr>
+            <a:picLocks noChangeAspect="1"/>
+          </p:cNvPicPr>
+          <p:nvPr/>
+        </p:nvPicPr>
+        <p:blipFill>
+          <a:blip r:embed="rId4" cstate="print">
+            <a:extLst>
+              <a:ext uri="{28A0092B-C50C-407E-A947-70E740481C1C}">
+                <a14:useLocalDpi xmlns:a14="http://schemas.microsoft.com/office/drawing/2010/main" val="0"/>
+              </a:ext>
+            </a:extLst>
+          </a:blip>
+          <a:stretch>
+            <a:fillRect/>
+          </a:stretch>
+        </p:blipFill>
+        <p:spPr>
+          <a:xfrm>
+            <a:off x="2649494" y="814924"/>
+            <a:ext cx="186381" cy="266258"/>
+          </a:xfrm>
+          <a:prstGeom prst="rect">
+            <a:avLst/>
+          </a:prstGeom>
+        </p:spPr>
+      </p:pic>
+      <p:pic>
+        <p:nvPicPr>
+          <p:cNvPr id="18" name="Picture 17"/>
+          <p:cNvPicPr>
+            <a:picLocks noChangeAspect="1"/>
+          </p:cNvPicPr>
+          <p:nvPr/>
+        </p:nvPicPr>
+        <p:blipFill>
+          <a:blip r:embed="rId5">
+            <a:extLst>
+              <a:ext uri="{28A0092B-C50C-407E-A947-70E740481C1C}">
+                <a14:useLocalDpi xmlns:a14="http://schemas.microsoft.com/office/drawing/2010/main" val="0"/>
+              </a:ext>
+            </a:extLst>
+          </a:blip>
+          <a:stretch>
+            <a:fillRect/>
+          </a:stretch>
+        </p:blipFill>
+        <p:spPr>
+          <a:xfrm>
+            <a:off x="5027798" y="-66134"/>
+            <a:ext cx="3267450" cy="2708158"/>
+          </a:xfrm>
+          <a:prstGeom prst="rect">
+            <a:avLst/>
+          </a:prstGeom>
+        </p:spPr>
+      </p:pic>
+      <p:sp>
+        <p:nvSpPr>
+          <p:cNvPr id="19" name="TextBox 18"/>
+          <p:cNvSpPr txBox="1"/>
+          <p:nvPr/>
+        </p:nvSpPr>
+        <p:spPr>
+          <a:xfrm>
+            <a:off x="6010126" y="2642024"/>
+            <a:ext cx="1302793" cy="400110"/>
+          </a:xfrm>
+          <a:prstGeom prst="rect">
+            <a:avLst/>
+          </a:prstGeom>
+          <a:noFill/>
+        </p:spPr>
+        <p:txBody>
+          <a:bodyPr wrap="none" rtlCol="0">
+            <a:spAutoFit/>
+          </a:bodyPr>
+          <a:lstStyle/>
+          <a:p>
+            <a:r>
+              <a:rPr lang="en-US" sz="2000" dirty="0" smtClean="0"/>
+              <a:t>2) E-voting</a:t>
+            </a:r>
+            <a:endParaRPr lang="en-US" sz="2000" dirty="0"/>
+          </a:p>
+        </p:txBody>
+      </p:sp>
+      <p:pic>
+        <p:nvPicPr>
+          <p:cNvPr id="1032" name="Picture 8" descr="Image result for password reveal"/>
+          <p:cNvPicPr>
+            <a:picLocks noChangeAspect="1" noChangeArrowheads="1"/>
+          </p:cNvPicPr>
+          <p:nvPr/>
+        </p:nvPicPr>
+        <p:blipFill>
+          <a:blip r:embed="rId6">
+            <a:extLst>
+              <a:ext uri="{28A0092B-C50C-407E-A947-70E740481C1C}">
+                <a14:useLocalDpi xmlns:a14="http://schemas.microsoft.com/office/drawing/2010/main" val="0"/>
+              </a:ext>
+            </a:extLst>
+          </a:blip>
+          <a:srcRect/>
+          <a:stretch>
+            <a:fillRect/>
+          </a:stretch>
+        </p:blipFill>
+        <p:spPr bwMode="auto">
+          <a:xfrm>
+            <a:off x="5278701" y="3171708"/>
+            <a:ext cx="3309436" cy="2801990"/>
+          </a:xfrm>
+          <a:prstGeom prst="rect">
+            <a:avLst/>
+          </a:prstGeom>
+          <a:noFill/>
+          <a:extLst>
+            <a:ext uri="{909E8E84-426E-40DD-AFC4-6F175D3DCCD1}">
+              <a14:hiddenFill xmlns:a14="http://schemas.microsoft.com/office/drawing/2010/main">
+                <a:solidFill>
+                  <a:srgbClr val="FFFFFF"/>
+                </a:solidFill>
+              </a14:hiddenFill>
+            </a:ext>
+          </a:extLst>
+        </p:spPr>
+      </p:pic>
+      <p:sp>
+        <p:nvSpPr>
+          <p:cNvPr id="22" name="TextBox 21"/>
+          <p:cNvSpPr txBox="1"/>
+          <p:nvPr/>
+        </p:nvSpPr>
+        <p:spPr>
+          <a:xfrm>
+            <a:off x="5914902" y="6153133"/>
+            <a:ext cx="2037033" cy="400110"/>
+          </a:xfrm>
+          <a:prstGeom prst="rect">
+            <a:avLst/>
+          </a:prstGeom>
+          <a:noFill/>
+        </p:spPr>
+        <p:txBody>
+          <a:bodyPr wrap="none" rtlCol="0">
+            <a:spAutoFit/>
+          </a:bodyPr>
+          <a:lstStyle/>
+          <a:p>
+            <a:r>
+              <a:rPr lang="en-US" sz="2000" dirty="0" smtClean="0"/>
+              <a:t>4) Web credential</a:t>
+            </a:r>
+            <a:endParaRPr lang="en-US" sz="2000" dirty="0"/>
+          </a:p>
+        </p:txBody>
+      </p:sp>
+    </p:spTree>
+    <p:extLst>
+      <p:ext uri="{BB962C8B-B14F-4D97-AF65-F5344CB8AC3E}">
+        <p14:creationId xmlns:p14="http://schemas.microsoft.com/office/powerpoint/2010/main" val="4238103389"/>
+      </p:ext>
+    </p:extLst>
+  </p:cSld>
+  <p:clrMapOvr>
+    <a:masterClrMapping/>
+  </p:clrMapOvr>
+</p:sld>
+</file>
+
+<file path=ppt/slides/slide2.xml><?xml version="1.0" encoding="utf-8"?>
+<p:sld xmlns:a="http://schemas.openxmlformats.org/drawingml/2006/main" xmlns:r="http://schemas.openxmlformats.org/officeDocument/2006/relationships" xmlns:p="http://schemas.openxmlformats.org/presentationml/2006/main">
+  <p:cSld>
+    <p:spTree>
+      <p:nvGrpSpPr>
+        <p:cNvPr id="1" name=""/>
+        <p:cNvGrpSpPr/>
+        <p:nvPr/>
+      </p:nvGrpSpPr>
+      <p:grpSpPr>
+        <a:xfrm>
+          <a:off x="0" y="0"/>
+          <a:ext cx="0" cy="0"/>
+          <a:chOff x="0" y="0"/>
+          <a:chExt cx="0" cy="0"/>
+        </a:xfrm>
+      </p:grpSpPr>
       <p:sp>
         <p:nvSpPr>
           <p:cNvPr id="2" name="Rectangle 1"/>
@@ -3951,7 +4262,7 @@
 </p:sld>
 </file>
 
-<file path=ppt/slides/slide2.xml><?xml version="1.0" encoding="utf-8"?>
+<file path=ppt/slides/slide3.xml><?xml version="1.0" encoding="utf-8"?>
 <p:sld xmlns:a="http://schemas.openxmlformats.org/drawingml/2006/main" xmlns:r="http://schemas.openxmlformats.org/officeDocument/2006/relationships" xmlns:p="http://schemas.openxmlformats.org/presentationml/2006/main">
   <p:cSld>
     <p:spTree>
@@ -5825,7 +6136,7 @@
 </p:sld>
 </file>
 
-<file path=ppt/slides/slide3.xml><?xml version="1.0" encoding="utf-8"?>
+<file path=ppt/slides/slide4.xml><?xml version="1.0" encoding="utf-8"?>
 <p:sld xmlns:a="http://schemas.openxmlformats.org/drawingml/2006/main" xmlns:r="http://schemas.openxmlformats.org/officeDocument/2006/relationships" xmlns:p="http://schemas.openxmlformats.org/presentationml/2006/main">
   <p:cSld>
     <p:spTree>
@@ -8147,7 +8458,7 @@
 </p:sld>
 </file>
 
-<file path=ppt/slides/slide4.xml><?xml version="1.0" encoding="utf-8"?>
+<file path=ppt/slides/slide5.xml><?xml version="1.0" encoding="utf-8"?>
 <p:sld xmlns:a="http://schemas.openxmlformats.org/drawingml/2006/main" xmlns:r="http://schemas.openxmlformats.org/officeDocument/2006/relationships" xmlns:p="http://schemas.openxmlformats.org/presentationml/2006/main">
   <p:cSld>
     <p:spTree>
@@ -8663,7 +8974,7 @@
 </p:sld>
 </file>
 
-<file path=ppt/slides/slide5.xml><?xml version="1.0" encoding="utf-8"?>
+<file path=ppt/slides/slide6.xml><?xml version="1.0" encoding="utf-8"?>
 <p:sld xmlns:a="http://schemas.openxmlformats.org/drawingml/2006/main" xmlns:r="http://schemas.openxmlformats.org/officeDocument/2006/relationships" xmlns:p="http://schemas.openxmlformats.org/presentationml/2006/main">
   <p:cSld>
     <p:spTree>
@@ -10355,7 +10666,7 @@
 </p:sld>
 </file>
 
-<file path=ppt/slides/slide6.xml><?xml version="1.0" encoding="utf-8"?>
+<file path=ppt/slides/slide7.xml><?xml version="1.0" encoding="utf-8"?>
 <p:sld xmlns:a="http://schemas.openxmlformats.org/drawingml/2006/main" xmlns:r="http://schemas.openxmlformats.org/officeDocument/2006/relationships" xmlns:p="http://schemas.openxmlformats.org/presentationml/2006/main">
   <p:cSld>
     <p:spTree>
@@ -11453,7 +11764,7 @@
 </p:sld>
 </file>
 
-<file path=ppt/slides/slide7.xml><?xml version="1.0" encoding="utf-8"?>
+<file path=ppt/slides/slide8.xml><?xml version="1.0" encoding="utf-8"?>
 <p:sld xmlns:a="http://schemas.openxmlformats.org/drawingml/2006/main" xmlns:r="http://schemas.openxmlformats.org/officeDocument/2006/relationships" xmlns:p="http://schemas.openxmlformats.org/presentationml/2006/main">
   <p:cSld>
     <p:spTree>
@@ -12321,7 +12632,7 @@
 </p:sld>
 </file>
 
-<file path=ppt/slides/slide8.xml><?xml version="1.0" encoding="utf-8"?>
+<file path=ppt/slides/slide9.xml><?xml version="1.0" encoding="utf-8"?>
 <p:sld xmlns:a="http://schemas.openxmlformats.org/drawingml/2006/main" xmlns:r="http://schemas.openxmlformats.org/officeDocument/2006/relationships" xmlns:p="http://schemas.openxmlformats.org/presentationml/2006/main">
   <p:cSld>
     <p:spTree>

--- a/aritra/MouseTracking/images/systemDesign.pptx
+++ b/aritra/MouseTracking/images/systemDesign.pptx
@@ -14,6 +14,7 @@
     <p:sldId id="260" r:id="rId8"/>
     <p:sldId id="261" r:id="rId9"/>
     <p:sldId id="263" r:id="rId10"/>
+    <p:sldId id="265" r:id="rId11"/>
   </p:sldIdLst>
   <p:sldSz cx="12192000" cy="6858000"/>
   <p:notesSz cx="6858000" cy="9144000"/>
@@ -251,7 +252,7 @@
           <a:p>
             <a:fld id="{AAB2D3D3-1E26-436C-8467-9F82561659A6}" type="datetimeFigureOut">
               <a:rPr lang="en-US" smtClean="0"/>
-              <a:t>10/30/2018</a:t>
+              <a:t>11/5/2018</a:t>
             </a:fld>
             <a:endParaRPr lang="en-US"/>
           </a:p>
@@ -421,7 +422,7 @@
           <a:p>
             <a:fld id="{AAB2D3D3-1E26-436C-8467-9F82561659A6}" type="datetimeFigureOut">
               <a:rPr lang="en-US" smtClean="0"/>
-              <a:t>10/30/2018</a:t>
+              <a:t>11/5/2018</a:t>
             </a:fld>
             <a:endParaRPr lang="en-US"/>
           </a:p>
@@ -601,7 +602,7 @@
           <a:p>
             <a:fld id="{AAB2D3D3-1E26-436C-8467-9F82561659A6}" type="datetimeFigureOut">
               <a:rPr lang="en-US" smtClean="0"/>
-              <a:t>10/30/2018</a:t>
+              <a:t>11/5/2018</a:t>
             </a:fld>
             <a:endParaRPr lang="en-US"/>
           </a:p>
@@ -771,7 +772,7 @@
           <a:p>
             <a:fld id="{AAB2D3D3-1E26-436C-8467-9F82561659A6}" type="datetimeFigureOut">
               <a:rPr lang="en-US" smtClean="0"/>
-              <a:t>10/30/2018</a:t>
+              <a:t>11/5/2018</a:t>
             </a:fld>
             <a:endParaRPr lang="en-US"/>
           </a:p>
@@ -1017,7 +1018,7 @@
           <a:p>
             <a:fld id="{AAB2D3D3-1E26-436C-8467-9F82561659A6}" type="datetimeFigureOut">
               <a:rPr lang="en-US" smtClean="0"/>
-              <a:t>10/30/2018</a:t>
+              <a:t>11/5/2018</a:t>
             </a:fld>
             <a:endParaRPr lang="en-US"/>
           </a:p>
@@ -1249,7 +1250,7 @@
           <a:p>
             <a:fld id="{AAB2D3D3-1E26-436C-8467-9F82561659A6}" type="datetimeFigureOut">
               <a:rPr lang="en-US" smtClean="0"/>
-              <a:t>10/30/2018</a:t>
+              <a:t>11/5/2018</a:t>
             </a:fld>
             <a:endParaRPr lang="en-US"/>
           </a:p>
@@ -1616,7 +1617,7 @@
           <a:p>
             <a:fld id="{AAB2D3D3-1E26-436C-8467-9F82561659A6}" type="datetimeFigureOut">
               <a:rPr lang="en-US" smtClean="0"/>
-              <a:t>10/30/2018</a:t>
+              <a:t>11/5/2018</a:t>
             </a:fld>
             <a:endParaRPr lang="en-US"/>
           </a:p>
@@ -1734,7 +1735,7 @@
           <a:p>
             <a:fld id="{AAB2D3D3-1E26-436C-8467-9F82561659A6}" type="datetimeFigureOut">
               <a:rPr lang="en-US" smtClean="0"/>
-              <a:t>10/30/2018</a:t>
+              <a:t>11/5/2018</a:t>
             </a:fld>
             <a:endParaRPr lang="en-US"/>
           </a:p>
@@ -1829,7 +1830,7 @@
           <a:p>
             <a:fld id="{AAB2D3D3-1E26-436C-8467-9F82561659A6}" type="datetimeFigureOut">
               <a:rPr lang="en-US" smtClean="0"/>
-              <a:t>10/30/2018</a:t>
+              <a:t>11/5/2018</a:t>
             </a:fld>
             <a:endParaRPr lang="en-US"/>
           </a:p>
@@ -2106,7 +2107,7 @@
           <a:p>
             <a:fld id="{AAB2D3D3-1E26-436C-8467-9F82561659A6}" type="datetimeFigureOut">
               <a:rPr lang="en-US" smtClean="0"/>
-              <a:t>10/30/2018</a:t>
+              <a:t>11/5/2018</a:t>
             </a:fld>
             <a:endParaRPr lang="en-US"/>
           </a:p>
@@ -2359,7 +2360,7 @@
           <a:p>
             <a:fld id="{AAB2D3D3-1E26-436C-8467-9F82561659A6}" type="datetimeFigureOut">
               <a:rPr lang="en-US" smtClean="0"/>
-              <a:t>10/30/2018</a:t>
+              <a:t>11/5/2018</a:t>
             </a:fld>
             <a:endParaRPr lang="en-US"/>
           </a:p>
@@ -2572,7 +2573,7 @@
           <a:p>
             <a:fld id="{AAB2D3D3-1E26-436C-8467-9F82561659A6}" type="datetimeFigureOut">
               <a:rPr lang="en-US" smtClean="0"/>
-              <a:t>10/30/2018</a:t>
+              <a:t>11/5/2018</a:t>
             </a:fld>
             <a:endParaRPr lang="en-US"/>
           </a:p>
@@ -3261,6 +3262,1331 @@
     <p:extLst>
       <p:ext uri="{BB962C8B-B14F-4D97-AF65-F5344CB8AC3E}">
         <p14:creationId xmlns:p14="http://schemas.microsoft.com/office/powerpoint/2010/main" val="4238103389"/>
+      </p:ext>
+    </p:extLst>
+  </p:cSld>
+  <p:clrMapOvr>
+    <a:masterClrMapping/>
+  </p:clrMapOvr>
+</p:sld>
+</file>
+
+<file path=ppt/slides/slide10.xml><?xml version="1.0" encoding="utf-8"?>
+<p:sld xmlns:a="http://schemas.openxmlformats.org/drawingml/2006/main" xmlns:r="http://schemas.openxmlformats.org/officeDocument/2006/relationships" xmlns:p="http://schemas.openxmlformats.org/presentationml/2006/main">
+  <p:cSld>
+    <p:spTree>
+      <p:nvGrpSpPr>
+        <p:cNvPr id="1" name=""/>
+        <p:cNvGrpSpPr/>
+        <p:nvPr/>
+      </p:nvGrpSpPr>
+      <p:grpSpPr>
+        <a:xfrm>
+          <a:off x="0" y="0"/>
+          <a:ext cx="0" cy="0"/>
+          <a:chOff x="0" y="0"/>
+          <a:chExt cx="0" cy="0"/>
+        </a:xfrm>
+      </p:grpSpPr>
+      <p:grpSp>
+        <p:nvGrpSpPr>
+          <p:cNvPr id="25" name="Group 24"/>
+          <p:cNvGrpSpPr/>
+          <p:nvPr/>
+        </p:nvGrpSpPr>
+        <p:grpSpPr>
+          <a:xfrm>
+            <a:off x="12356" y="0"/>
+            <a:ext cx="2644346" cy="1490531"/>
+            <a:chOff x="0" y="0"/>
+            <a:chExt cx="2644346" cy="1490531"/>
+          </a:xfrm>
+        </p:grpSpPr>
+        <p:sp>
+          <p:nvSpPr>
+            <p:cNvPr id="4" name="Rectangle 3"/>
+            <p:cNvSpPr/>
+            <p:nvPr/>
+          </p:nvSpPr>
+          <p:spPr>
+            <a:xfrm>
+              <a:off x="0" y="0"/>
+              <a:ext cx="2644346" cy="1490531"/>
+            </a:xfrm>
+            <a:prstGeom prst="rect">
+              <a:avLst/>
+            </a:prstGeom>
+          </p:spPr>
+          <p:style>
+            <a:lnRef idx="2">
+              <a:schemeClr val="dk1"/>
+            </a:lnRef>
+            <a:fillRef idx="1">
+              <a:schemeClr val="lt1"/>
+            </a:fillRef>
+            <a:effectRef idx="0">
+              <a:schemeClr val="dk1"/>
+            </a:effectRef>
+            <a:fontRef idx="minor">
+              <a:schemeClr val="dk1"/>
+            </a:fontRef>
+          </p:style>
+          <p:txBody>
+            <a:bodyPr rtlCol="0" anchor="ctr"/>
+            <a:lstStyle/>
+            <a:p>
+              <a:pPr algn="ctr"/>
+              <a:endParaRPr lang="en-US" dirty="0"/>
+            </a:p>
+          </p:txBody>
+        </p:sp>
+        <p:grpSp>
+          <p:nvGrpSpPr>
+            <p:cNvPr id="24" name="Group 23"/>
+            <p:cNvGrpSpPr/>
+            <p:nvPr/>
+          </p:nvGrpSpPr>
+          <p:grpSpPr>
+            <a:xfrm>
+              <a:off x="162743" y="24926"/>
+              <a:ext cx="2168611" cy="789462"/>
+              <a:chOff x="123567" y="148281"/>
+              <a:chExt cx="2168611" cy="789462"/>
+            </a:xfrm>
+          </p:grpSpPr>
+          <p:sp>
+            <p:nvSpPr>
+              <p:cNvPr id="5" name="TextBox 4"/>
+              <p:cNvSpPr txBox="1"/>
+              <p:nvPr/>
+            </p:nvSpPr>
+            <p:spPr>
+              <a:xfrm>
+                <a:off x="123567" y="148281"/>
+                <a:ext cx="1126719" cy="369332"/>
+              </a:xfrm>
+              <a:prstGeom prst="rect">
+                <a:avLst/>
+              </a:prstGeom>
+              <a:noFill/>
+            </p:spPr>
+            <p:txBody>
+              <a:bodyPr wrap="none" rtlCol="0">
+                <a:spAutoFit/>
+              </a:bodyPr>
+              <a:lstStyle/>
+              <a:p>
+                <a:r>
+                  <a:rPr lang="en-US" dirty="0" smtClean="0"/>
+                  <a:t>Text box 1</a:t>
+                </a:r>
+                <a:endParaRPr lang="en-US" dirty="0"/>
+              </a:p>
+            </p:txBody>
+          </p:sp>
+          <p:sp>
+            <p:nvSpPr>
+              <p:cNvPr id="6" name="Rectangle 5"/>
+              <p:cNvSpPr/>
+              <p:nvPr/>
+            </p:nvSpPr>
+            <p:spPr>
+              <a:xfrm>
+                <a:off x="1322173" y="220534"/>
+                <a:ext cx="970005" cy="224825"/>
+              </a:xfrm>
+              <a:prstGeom prst="rect">
+                <a:avLst/>
+              </a:prstGeom>
+            </p:spPr>
+            <p:style>
+              <a:lnRef idx="2">
+                <a:schemeClr val="dk1"/>
+              </a:lnRef>
+              <a:fillRef idx="1">
+                <a:schemeClr val="lt1"/>
+              </a:fillRef>
+              <a:effectRef idx="0">
+                <a:schemeClr val="dk1"/>
+              </a:effectRef>
+              <a:fontRef idx="minor">
+                <a:schemeClr val="dk1"/>
+              </a:fontRef>
+            </p:style>
+            <p:txBody>
+              <a:bodyPr rtlCol="0" anchor="ctr"/>
+              <a:lstStyle/>
+              <a:p>
+                <a:pPr algn="ctr"/>
+                <a:endParaRPr lang="en-US" dirty="0"/>
+              </a:p>
+            </p:txBody>
+          </p:sp>
+          <p:sp>
+            <p:nvSpPr>
+              <p:cNvPr id="7" name="TextBox 6"/>
+              <p:cNvSpPr txBox="1"/>
+              <p:nvPr/>
+            </p:nvSpPr>
+            <p:spPr>
+              <a:xfrm>
+                <a:off x="123567" y="568411"/>
+                <a:ext cx="1126719" cy="369332"/>
+              </a:xfrm>
+              <a:prstGeom prst="rect">
+                <a:avLst/>
+              </a:prstGeom>
+              <a:noFill/>
+            </p:spPr>
+            <p:txBody>
+              <a:bodyPr wrap="none" rtlCol="0">
+                <a:spAutoFit/>
+              </a:bodyPr>
+              <a:lstStyle/>
+              <a:p>
+                <a:r>
+                  <a:rPr lang="en-US" dirty="0" smtClean="0"/>
+                  <a:t>Text box 2</a:t>
+                </a:r>
+                <a:endParaRPr lang="en-US" dirty="0"/>
+              </a:p>
+            </p:txBody>
+          </p:sp>
+          <p:sp>
+            <p:nvSpPr>
+              <p:cNvPr id="8" name="Rectangle 7"/>
+              <p:cNvSpPr/>
+              <p:nvPr/>
+            </p:nvSpPr>
+            <p:spPr>
+              <a:xfrm>
+                <a:off x="1322173" y="640664"/>
+                <a:ext cx="970005" cy="224825"/>
+              </a:xfrm>
+              <a:prstGeom prst="rect">
+                <a:avLst/>
+              </a:prstGeom>
+            </p:spPr>
+            <p:style>
+              <a:lnRef idx="2">
+                <a:schemeClr val="dk1"/>
+              </a:lnRef>
+              <a:fillRef idx="1">
+                <a:schemeClr val="lt1"/>
+              </a:fillRef>
+              <a:effectRef idx="0">
+                <a:schemeClr val="dk1"/>
+              </a:effectRef>
+              <a:fontRef idx="minor">
+                <a:schemeClr val="dk1"/>
+              </a:fontRef>
+            </p:style>
+            <p:txBody>
+              <a:bodyPr rtlCol="0" anchor="ctr"/>
+              <a:lstStyle/>
+              <a:p>
+                <a:pPr algn="ctr"/>
+                <a:endParaRPr lang="en-US" dirty="0"/>
+              </a:p>
+            </p:txBody>
+          </p:sp>
+        </p:grpSp>
+        <p:sp>
+          <p:nvSpPr>
+            <p:cNvPr id="9" name="Rectangle 8"/>
+            <p:cNvSpPr/>
+            <p:nvPr/>
+          </p:nvSpPr>
+          <p:spPr>
+            <a:xfrm>
+              <a:off x="201923" y="865187"/>
+              <a:ext cx="2090255" cy="503064"/>
+            </a:xfrm>
+            <a:prstGeom prst="rect">
+              <a:avLst/>
+            </a:prstGeom>
+          </p:spPr>
+          <p:style>
+            <a:lnRef idx="2">
+              <a:schemeClr val="dk1"/>
+            </a:lnRef>
+            <a:fillRef idx="1">
+              <a:schemeClr val="lt1"/>
+            </a:fillRef>
+            <a:effectRef idx="0">
+              <a:schemeClr val="dk1"/>
+            </a:effectRef>
+            <a:fontRef idx="minor">
+              <a:schemeClr val="dk1"/>
+            </a:fontRef>
+          </p:style>
+          <p:txBody>
+            <a:bodyPr rtlCol="0" anchor="ctr"/>
+            <a:lstStyle/>
+            <a:p>
+              <a:pPr algn="ctr"/>
+              <a:endParaRPr lang="en-US" dirty="0"/>
+            </a:p>
+          </p:txBody>
+        </p:sp>
+        <p:sp>
+          <p:nvSpPr>
+            <p:cNvPr id="10" name="TextBox 9"/>
+            <p:cNvSpPr txBox="1"/>
+            <p:nvPr/>
+          </p:nvSpPr>
+          <p:spPr>
+            <a:xfrm>
+              <a:off x="310383" y="932053"/>
+              <a:ext cx="1873333" cy="369332"/>
+            </a:xfrm>
+            <a:prstGeom prst="rect">
+              <a:avLst/>
+            </a:prstGeom>
+            <a:noFill/>
+          </p:spPr>
+          <p:txBody>
+            <a:bodyPr wrap="none" rtlCol="0">
+              <a:spAutoFit/>
+            </a:bodyPr>
+            <a:lstStyle/>
+            <a:p>
+              <a:r>
+                <a:rPr lang="en-US" dirty="0" smtClean="0"/>
+                <a:t>Oblivious window</a:t>
+              </a:r>
+              <a:endParaRPr lang="en-US" dirty="0"/>
+            </a:p>
+          </p:txBody>
+        </p:sp>
+      </p:grpSp>
+      <p:sp>
+        <p:nvSpPr>
+          <p:cNvPr id="11" name="Rectangle 10"/>
+          <p:cNvSpPr/>
+          <p:nvPr/>
+        </p:nvSpPr>
+        <p:spPr>
+          <a:xfrm>
+            <a:off x="2888316" y="411203"/>
+            <a:ext cx="2054386" cy="1076926"/>
+          </a:xfrm>
+          <a:prstGeom prst="rect">
+            <a:avLst/>
+          </a:prstGeom>
+        </p:spPr>
+        <p:style>
+          <a:lnRef idx="2">
+            <a:schemeClr val="dk1"/>
+          </a:lnRef>
+          <a:fillRef idx="1">
+            <a:schemeClr val="lt1"/>
+          </a:fillRef>
+          <a:effectRef idx="0">
+            <a:schemeClr val="dk1"/>
+          </a:effectRef>
+          <a:fontRef idx="minor">
+            <a:schemeClr val="dk1"/>
+          </a:fontRef>
+        </p:style>
+        <p:txBody>
+          <a:bodyPr rtlCol="0" anchor="ctr"/>
+          <a:lstStyle/>
+          <a:p>
+            <a:pPr algn="ctr"/>
+            <a:endParaRPr lang="en-US" dirty="0"/>
+          </a:p>
+        </p:txBody>
+      </p:sp>
+      <p:grpSp>
+        <p:nvGrpSpPr>
+          <p:cNvPr id="18" name="Group 17"/>
+          <p:cNvGrpSpPr/>
+          <p:nvPr/>
+        </p:nvGrpSpPr>
+        <p:grpSpPr>
+          <a:xfrm>
+            <a:off x="3206577" y="465948"/>
+            <a:ext cx="1318400" cy="677050"/>
+            <a:chOff x="6833286" y="148281"/>
+            <a:chExt cx="1318400" cy="677050"/>
+          </a:xfrm>
+        </p:grpSpPr>
+        <p:sp>
+          <p:nvSpPr>
+            <p:cNvPr id="12" name="TextBox 11"/>
+            <p:cNvSpPr txBox="1"/>
+            <p:nvPr/>
+          </p:nvSpPr>
+          <p:spPr>
+            <a:xfrm>
+              <a:off x="6833286" y="148281"/>
+              <a:ext cx="1001172" cy="369332"/>
+            </a:xfrm>
+            <a:prstGeom prst="rect">
+              <a:avLst/>
+            </a:prstGeom>
+            <a:noFill/>
+          </p:spPr>
+          <p:txBody>
+            <a:bodyPr wrap="none" rtlCol="0">
+              <a:spAutoFit/>
+            </a:bodyPr>
+            <a:lstStyle/>
+            <a:p>
+              <a:r>
+                <a:rPr lang="en-US" dirty="0" smtClean="0"/>
+                <a:t>Option 1</a:t>
+              </a:r>
+              <a:endParaRPr lang="en-US" dirty="0"/>
+            </a:p>
+          </p:txBody>
+        </p:sp>
+        <p:sp>
+          <p:nvSpPr>
+            <p:cNvPr id="13" name="Oval 12"/>
+            <p:cNvSpPr/>
+            <p:nvPr/>
+          </p:nvSpPr>
+          <p:spPr>
+            <a:xfrm>
+              <a:off x="7926860" y="220533"/>
+              <a:ext cx="224826" cy="224826"/>
+            </a:xfrm>
+            <a:prstGeom prst="ellipse">
+              <a:avLst/>
+            </a:prstGeom>
+          </p:spPr>
+          <p:style>
+            <a:lnRef idx="2">
+              <a:schemeClr val="dk1"/>
+            </a:lnRef>
+            <a:fillRef idx="1">
+              <a:schemeClr val="lt1"/>
+            </a:fillRef>
+            <a:effectRef idx="0">
+              <a:schemeClr val="dk1"/>
+            </a:effectRef>
+            <a:fontRef idx="minor">
+              <a:schemeClr val="dk1"/>
+            </a:fontRef>
+          </p:style>
+          <p:txBody>
+            <a:bodyPr rtlCol="0" anchor="ctr"/>
+            <a:lstStyle/>
+            <a:p>
+              <a:pPr algn="ctr"/>
+              <a:endParaRPr lang="en-US"/>
+            </a:p>
+          </p:txBody>
+        </p:sp>
+        <p:sp>
+          <p:nvSpPr>
+            <p:cNvPr id="14" name="Oval 13"/>
+            <p:cNvSpPr/>
+            <p:nvPr/>
+          </p:nvSpPr>
+          <p:spPr>
+            <a:xfrm flipV="1">
+              <a:off x="7983668" y="277341"/>
+              <a:ext cx="111210" cy="111210"/>
+            </a:xfrm>
+            <a:prstGeom prst="ellipse">
+              <a:avLst/>
+            </a:prstGeom>
+            <a:solidFill>
+              <a:srgbClr val="92D050"/>
+            </a:solidFill>
+            <a:ln>
+              <a:solidFill>
+                <a:srgbClr val="92D050"/>
+              </a:solidFill>
+            </a:ln>
+          </p:spPr>
+          <p:style>
+            <a:lnRef idx="2">
+              <a:schemeClr val="dk1"/>
+            </a:lnRef>
+            <a:fillRef idx="1">
+              <a:schemeClr val="lt1"/>
+            </a:fillRef>
+            <a:effectRef idx="0">
+              <a:schemeClr val="dk1"/>
+            </a:effectRef>
+            <a:fontRef idx="minor">
+              <a:schemeClr val="dk1"/>
+            </a:fontRef>
+          </p:style>
+          <p:txBody>
+            <a:bodyPr rtlCol="0" anchor="ctr"/>
+            <a:lstStyle/>
+            <a:p>
+              <a:pPr algn="ctr"/>
+              <a:endParaRPr lang="en-US"/>
+            </a:p>
+          </p:txBody>
+        </p:sp>
+        <p:sp>
+          <p:nvSpPr>
+            <p:cNvPr id="15" name="TextBox 14"/>
+            <p:cNvSpPr txBox="1"/>
+            <p:nvPr/>
+          </p:nvSpPr>
+          <p:spPr>
+            <a:xfrm>
+              <a:off x="6833286" y="455999"/>
+              <a:ext cx="1001172" cy="369332"/>
+            </a:xfrm>
+            <a:prstGeom prst="rect">
+              <a:avLst/>
+            </a:prstGeom>
+            <a:noFill/>
+          </p:spPr>
+          <p:txBody>
+            <a:bodyPr wrap="none" rtlCol="0">
+              <a:spAutoFit/>
+            </a:bodyPr>
+            <a:lstStyle/>
+            <a:p>
+              <a:r>
+                <a:rPr lang="en-US" dirty="0" smtClean="0"/>
+                <a:t>Option 2</a:t>
+              </a:r>
+              <a:endParaRPr lang="en-US" dirty="0"/>
+            </a:p>
+          </p:txBody>
+        </p:sp>
+        <p:sp>
+          <p:nvSpPr>
+            <p:cNvPr id="16" name="Oval 15"/>
+            <p:cNvSpPr/>
+            <p:nvPr/>
+          </p:nvSpPr>
+          <p:spPr>
+            <a:xfrm>
+              <a:off x="7926860" y="528251"/>
+              <a:ext cx="224826" cy="224826"/>
+            </a:xfrm>
+            <a:prstGeom prst="ellipse">
+              <a:avLst/>
+            </a:prstGeom>
+          </p:spPr>
+          <p:style>
+            <a:lnRef idx="2">
+              <a:schemeClr val="dk1"/>
+            </a:lnRef>
+            <a:fillRef idx="1">
+              <a:schemeClr val="lt1"/>
+            </a:fillRef>
+            <a:effectRef idx="0">
+              <a:schemeClr val="dk1"/>
+            </a:effectRef>
+            <a:fontRef idx="minor">
+              <a:schemeClr val="dk1"/>
+            </a:fontRef>
+          </p:style>
+          <p:txBody>
+            <a:bodyPr rtlCol="0" anchor="ctr"/>
+            <a:lstStyle/>
+            <a:p>
+              <a:pPr algn="ctr"/>
+              <a:endParaRPr lang="en-US"/>
+            </a:p>
+          </p:txBody>
+        </p:sp>
+        <p:sp>
+          <p:nvSpPr>
+            <p:cNvPr id="17" name="Oval 16"/>
+            <p:cNvSpPr/>
+            <p:nvPr/>
+          </p:nvSpPr>
+          <p:spPr>
+            <a:xfrm flipV="1">
+              <a:off x="7983668" y="585059"/>
+              <a:ext cx="111210" cy="111210"/>
+            </a:xfrm>
+            <a:prstGeom prst="ellipse">
+              <a:avLst/>
+            </a:prstGeom>
+            <a:solidFill>
+              <a:srgbClr val="92D050"/>
+            </a:solidFill>
+            <a:ln>
+              <a:solidFill>
+                <a:srgbClr val="92D050"/>
+              </a:solidFill>
+            </a:ln>
+          </p:spPr>
+          <p:style>
+            <a:lnRef idx="2">
+              <a:schemeClr val="dk1"/>
+            </a:lnRef>
+            <a:fillRef idx="1">
+              <a:schemeClr val="lt1"/>
+            </a:fillRef>
+            <a:effectRef idx="0">
+              <a:schemeClr val="dk1"/>
+            </a:effectRef>
+            <a:fontRef idx="minor">
+              <a:schemeClr val="dk1"/>
+            </a:fontRef>
+          </p:style>
+          <p:txBody>
+            <a:bodyPr rtlCol="0" anchor="ctr"/>
+            <a:lstStyle/>
+            <a:p>
+              <a:pPr algn="ctr"/>
+              <a:endParaRPr lang="en-US"/>
+            </a:p>
+          </p:txBody>
+        </p:sp>
+      </p:grpSp>
+      <p:sp>
+        <p:nvSpPr>
+          <p:cNvPr id="20" name="Rounded Rectangle 19"/>
+          <p:cNvSpPr/>
+          <p:nvPr/>
+        </p:nvSpPr>
+        <p:spPr>
+          <a:xfrm>
+            <a:off x="3030006" y="1142998"/>
+            <a:ext cx="860681" cy="253314"/>
+          </a:xfrm>
+          <a:prstGeom prst="roundRect">
+            <a:avLst/>
+          </a:prstGeom>
+          <a:ln w="12700"/>
+        </p:spPr>
+        <p:style>
+          <a:lnRef idx="2">
+            <a:schemeClr val="dk1"/>
+          </a:lnRef>
+          <a:fillRef idx="1">
+            <a:schemeClr val="lt1"/>
+          </a:fillRef>
+          <a:effectRef idx="0">
+            <a:schemeClr val="dk1"/>
+          </a:effectRef>
+          <a:fontRef idx="minor">
+            <a:schemeClr val="dk1"/>
+          </a:fontRef>
+        </p:style>
+        <p:txBody>
+          <a:bodyPr rtlCol="0" anchor="ctr"/>
+          <a:lstStyle/>
+          <a:p>
+            <a:pPr algn="ctr"/>
+            <a:r>
+              <a:rPr lang="en-US" dirty="0"/>
+              <a:t>OK</a:t>
+            </a:r>
+          </a:p>
+        </p:txBody>
+      </p:sp>
+      <p:sp>
+        <p:nvSpPr>
+          <p:cNvPr id="21" name="Rounded Rectangle 20"/>
+          <p:cNvSpPr/>
+          <p:nvPr/>
+        </p:nvSpPr>
+        <p:spPr>
+          <a:xfrm>
+            <a:off x="3983089" y="1142998"/>
+            <a:ext cx="860681" cy="253314"/>
+          </a:xfrm>
+          <a:prstGeom prst="roundRect">
+            <a:avLst/>
+          </a:prstGeom>
+          <a:ln w="12700"/>
+        </p:spPr>
+        <p:style>
+          <a:lnRef idx="2">
+            <a:schemeClr val="dk1"/>
+          </a:lnRef>
+          <a:fillRef idx="1">
+            <a:schemeClr val="lt1"/>
+          </a:fillRef>
+          <a:effectRef idx="0">
+            <a:schemeClr val="dk1"/>
+          </a:effectRef>
+          <a:fontRef idx="minor">
+            <a:schemeClr val="dk1"/>
+          </a:fontRef>
+        </p:style>
+        <p:txBody>
+          <a:bodyPr rtlCol="0" anchor="ctr"/>
+          <a:lstStyle/>
+          <a:p>
+            <a:pPr algn="ctr"/>
+            <a:r>
+              <a:rPr lang="en-US" dirty="0" smtClean="0"/>
+              <a:t>Cancel</a:t>
+            </a:r>
+            <a:endParaRPr lang="en-US" dirty="0"/>
+          </a:p>
+        </p:txBody>
+      </p:sp>
+      <p:sp>
+        <p:nvSpPr>
+          <p:cNvPr id="22" name="Rectangle 21"/>
+          <p:cNvSpPr/>
+          <p:nvPr/>
+        </p:nvSpPr>
+        <p:spPr>
+          <a:xfrm>
+            <a:off x="192638" y="1488129"/>
+            <a:ext cx="2133533" cy="369332"/>
+          </a:xfrm>
+          <a:prstGeom prst="rect">
+            <a:avLst/>
+          </a:prstGeom>
+        </p:spPr>
+        <p:txBody>
+          <a:bodyPr wrap="none">
+            <a:spAutoFit/>
+          </a:bodyPr>
+          <a:lstStyle/>
+          <a:p>
+            <a:r>
+              <a:rPr lang="en-US" dirty="0" smtClean="0"/>
+              <a:t>Render at host’s side</a:t>
+            </a:r>
+            <a:endParaRPr lang="en-US" dirty="0"/>
+          </a:p>
+        </p:txBody>
+      </p:sp>
+      <p:sp>
+        <p:nvSpPr>
+          <p:cNvPr id="23" name="Rectangle 22"/>
+          <p:cNvSpPr/>
+          <p:nvPr/>
+        </p:nvSpPr>
+        <p:spPr>
+          <a:xfrm>
+            <a:off x="2695721" y="1512067"/>
+            <a:ext cx="2389932" cy="369332"/>
+          </a:xfrm>
+          <a:prstGeom prst="rect">
+            <a:avLst/>
+          </a:prstGeom>
+        </p:spPr>
+        <p:txBody>
+          <a:bodyPr wrap="square">
+            <a:spAutoFit/>
+          </a:bodyPr>
+          <a:lstStyle/>
+          <a:p>
+            <a:r>
+              <a:rPr lang="en-US" dirty="0" smtClean="0"/>
+              <a:t>Server side static image</a:t>
+            </a:r>
+            <a:endParaRPr lang="en-US" dirty="0"/>
+          </a:p>
+        </p:txBody>
+      </p:sp>
+      <p:grpSp>
+        <p:nvGrpSpPr>
+          <p:cNvPr id="26" name="Group 25"/>
+          <p:cNvGrpSpPr/>
+          <p:nvPr/>
+        </p:nvGrpSpPr>
+        <p:grpSpPr>
+          <a:xfrm>
+            <a:off x="12356" y="2033715"/>
+            <a:ext cx="2644346" cy="2118156"/>
+            <a:chOff x="0" y="1"/>
+            <a:chExt cx="2644346" cy="2118156"/>
+          </a:xfrm>
+        </p:grpSpPr>
+        <p:sp>
+          <p:nvSpPr>
+            <p:cNvPr id="27" name="Rectangle 26"/>
+            <p:cNvSpPr/>
+            <p:nvPr/>
+          </p:nvSpPr>
+          <p:spPr>
+            <a:xfrm>
+              <a:off x="0" y="1"/>
+              <a:ext cx="2644346" cy="2118156"/>
+            </a:xfrm>
+            <a:prstGeom prst="rect">
+              <a:avLst/>
+            </a:prstGeom>
+          </p:spPr>
+          <p:style>
+            <a:lnRef idx="2">
+              <a:schemeClr val="dk1"/>
+            </a:lnRef>
+            <a:fillRef idx="1">
+              <a:schemeClr val="lt1"/>
+            </a:fillRef>
+            <a:effectRef idx="0">
+              <a:schemeClr val="dk1"/>
+            </a:effectRef>
+            <a:fontRef idx="minor">
+              <a:schemeClr val="dk1"/>
+            </a:fontRef>
+          </p:style>
+          <p:txBody>
+            <a:bodyPr rtlCol="0" anchor="ctr"/>
+            <a:lstStyle/>
+            <a:p>
+              <a:pPr algn="ctr"/>
+              <a:endParaRPr lang="en-US" dirty="0"/>
+            </a:p>
+          </p:txBody>
+        </p:sp>
+        <p:grpSp>
+          <p:nvGrpSpPr>
+            <p:cNvPr id="28" name="Group 27"/>
+            <p:cNvGrpSpPr/>
+            <p:nvPr/>
+          </p:nvGrpSpPr>
+          <p:grpSpPr>
+            <a:xfrm>
+              <a:off x="162743" y="24926"/>
+              <a:ext cx="2168611" cy="789462"/>
+              <a:chOff x="123567" y="148281"/>
+              <a:chExt cx="2168611" cy="789462"/>
+            </a:xfrm>
+          </p:grpSpPr>
+          <p:sp>
+            <p:nvSpPr>
+              <p:cNvPr id="31" name="TextBox 30"/>
+              <p:cNvSpPr txBox="1"/>
+              <p:nvPr/>
+            </p:nvSpPr>
+            <p:spPr>
+              <a:xfrm>
+                <a:off x="123567" y="148281"/>
+                <a:ext cx="1126719" cy="369332"/>
+              </a:xfrm>
+              <a:prstGeom prst="rect">
+                <a:avLst/>
+              </a:prstGeom>
+              <a:noFill/>
+            </p:spPr>
+            <p:txBody>
+              <a:bodyPr wrap="none" rtlCol="0">
+                <a:spAutoFit/>
+              </a:bodyPr>
+              <a:lstStyle/>
+              <a:p>
+                <a:r>
+                  <a:rPr lang="en-US" dirty="0" smtClean="0"/>
+                  <a:t>Text box 1</a:t>
+                </a:r>
+                <a:endParaRPr lang="en-US" dirty="0"/>
+              </a:p>
+            </p:txBody>
+          </p:sp>
+          <p:sp>
+            <p:nvSpPr>
+              <p:cNvPr id="32" name="Rectangle 31"/>
+              <p:cNvSpPr/>
+              <p:nvPr/>
+            </p:nvSpPr>
+            <p:spPr>
+              <a:xfrm>
+                <a:off x="1322173" y="220534"/>
+                <a:ext cx="970005" cy="224825"/>
+              </a:xfrm>
+              <a:prstGeom prst="rect">
+                <a:avLst/>
+              </a:prstGeom>
+            </p:spPr>
+            <p:style>
+              <a:lnRef idx="2">
+                <a:schemeClr val="dk1"/>
+              </a:lnRef>
+              <a:fillRef idx="1">
+                <a:schemeClr val="lt1"/>
+              </a:fillRef>
+              <a:effectRef idx="0">
+                <a:schemeClr val="dk1"/>
+              </a:effectRef>
+              <a:fontRef idx="minor">
+                <a:schemeClr val="dk1"/>
+              </a:fontRef>
+            </p:style>
+            <p:txBody>
+              <a:bodyPr rtlCol="0" anchor="ctr"/>
+              <a:lstStyle/>
+              <a:p>
+                <a:pPr algn="ctr"/>
+                <a:endParaRPr lang="en-US" dirty="0"/>
+              </a:p>
+            </p:txBody>
+          </p:sp>
+          <p:sp>
+            <p:nvSpPr>
+              <p:cNvPr id="33" name="TextBox 32"/>
+              <p:cNvSpPr txBox="1"/>
+              <p:nvPr/>
+            </p:nvSpPr>
+            <p:spPr>
+              <a:xfrm>
+                <a:off x="123567" y="568411"/>
+                <a:ext cx="1126719" cy="369332"/>
+              </a:xfrm>
+              <a:prstGeom prst="rect">
+                <a:avLst/>
+              </a:prstGeom>
+              <a:noFill/>
+            </p:spPr>
+            <p:txBody>
+              <a:bodyPr wrap="none" rtlCol="0">
+                <a:spAutoFit/>
+              </a:bodyPr>
+              <a:lstStyle/>
+              <a:p>
+                <a:r>
+                  <a:rPr lang="en-US" dirty="0" smtClean="0"/>
+                  <a:t>Text box 2</a:t>
+                </a:r>
+                <a:endParaRPr lang="en-US" dirty="0"/>
+              </a:p>
+            </p:txBody>
+          </p:sp>
+          <p:sp>
+            <p:nvSpPr>
+              <p:cNvPr id="34" name="Rectangle 33"/>
+              <p:cNvSpPr/>
+              <p:nvPr/>
+            </p:nvSpPr>
+            <p:spPr>
+              <a:xfrm>
+                <a:off x="1322173" y="640664"/>
+                <a:ext cx="970005" cy="224825"/>
+              </a:xfrm>
+              <a:prstGeom prst="rect">
+                <a:avLst/>
+              </a:prstGeom>
+            </p:spPr>
+            <p:style>
+              <a:lnRef idx="2">
+                <a:schemeClr val="dk1"/>
+              </a:lnRef>
+              <a:fillRef idx="1">
+                <a:schemeClr val="lt1"/>
+              </a:fillRef>
+              <a:effectRef idx="0">
+                <a:schemeClr val="dk1"/>
+              </a:effectRef>
+              <a:fontRef idx="minor">
+                <a:schemeClr val="dk1"/>
+              </a:fontRef>
+            </p:style>
+            <p:txBody>
+              <a:bodyPr rtlCol="0" anchor="ctr"/>
+              <a:lstStyle/>
+              <a:p>
+                <a:pPr algn="ctr"/>
+                <a:endParaRPr lang="en-US" dirty="0"/>
+              </a:p>
+            </p:txBody>
+          </p:sp>
+        </p:grpSp>
+      </p:grpSp>
+      <p:sp>
+        <p:nvSpPr>
+          <p:cNvPr id="35" name="Rectangle 34"/>
+          <p:cNvSpPr/>
+          <p:nvPr/>
+        </p:nvSpPr>
+        <p:spPr>
+          <a:xfrm>
+            <a:off x="281178" y="2956743"/>
+            <a:ext cx="2062531" cy="1076926"/>
+          </a:xfrm>
+          <a:prstGeom prst="rect">
+            <a:avLst/>
+          </a:prstGeom>
+        </p:spPr>
+        <p:style>
+          <a:lnRef idx="2">
+            <a:schemeClr val="dk1"/>
+          </a:lnRef>
+          <a:fillRef idx="1">
+            <a:schemeClr val="lt1"/>
+          </a:fillRef>
+          <a:effectRef idx="0">
+            <a:schemeClr val="dk1"/>
+          </a:effectRef>
+          <a:fontRef idx="minor">
+            <a:schemeClr val="dk1"/>
+          </a:fontRef>
+        </p:style>
+        <p:txBody>
+          <a:bodyPr rtlCol="0" anchor="ctr"/>
+          <a:lstStyle/>
+          <a:p>
+            <a:pPr algn="ctr"/>
+            <a:endParaRPr lang="en-US" dirty="0"/>
+          </a:p>
+        </p:txBody>
+      </p:sp>
+      <p:grpSp>
+        <p:nvGrpSpPr>
+          <p:cNvPr id="36" name="Group 35"/>
+          <p:cNvGrpSpPr/>
+          <p:nvPr/>
+        </p:nvGrpSpPr>
+        <p:grpSpPr>
+          <a:xfrm>
+            <a:off x="599440" y="3011488"/>
+            <a:ext cx="1318400" cy="677050"/>
+            <a:chOff x="6833286" y="148281"/>
+            <a:chExt cx="1318400" cy="677050"/>
+          </a:xfrm>
+        </p:grpSpPr>
+        <p:sp>
+          <p:nvSpPr>
+            <p:cNvPr id="37" name="TextBox 36"/>
+            <p:cNvSpPr txBox="1"/>
+            <p:nvPr/>
+          </p:nvSpPr>
+          <p:spPr>
+            <a:xfrm>
+              <a:off x="6833286" y="148281"/>
+              <a:ext cx="1001172" cy="369332"/>
+            </a:xfrm>
+            <a:prstGeom prst="rect">
+              <a:avLst/>
+            </a:prstGeom>
+            <a:noFill/>
+          </p:spPr>
+          <p:txBody>
+            <a:bodyPr wrap="none" rtlCol="0">
+              <a:spAutoFit/>
+            </a:bodyPr>
+            <a:lstStyle/>
+            <a:p>
+              <a:r>
+                <a:rPr lang="en-US" dirty="0" smtClean="0"/>
+                <a:t>Option 1</a:t>
+              </a:r>
+              <a:endParaRPr lang="en-US" dirty="0"/>
+            </a:p>
+          </p:txBody>
+        </p:sp>
+        <p:sp>
+          <p:nvSpPr>
+            <p:cNvPr id="38" name="Oval 37"/>
+            <p:cNvSpPr/>
+            <p:nvPr/>
+          </p:nvSpPr>
+          <p:spPr>
+            <a:xfrm>
+              <a:off x="7926860" y="220533"/>
+              <a:ext cx="224826" cy="224826"/>
+            </a:xfrm>
+            <a:prstGeom prst="ellipse">
+              <a:avLst/>
+            </a:prstGeom>
+          </p:spPr>
+          <p:style>
+            <a:lnRef idx="2">
+              <a:schemeClr val="dk1"/>
+            </a:lnRef>
+            <a:fillRef idx="1">
+              <a:schemeClr val="lt1"/>
+            </a:fillRef>
+            <a:effectRef idx="0">
+              <a:schemeClr val="dk1"/>
+            </a:effectRef>
+            <a:fontRef idx="minor">
+              <a:schemeClr val="dk1"/>
+            </a:fontRef>
+          </p:style>
+          <p:txBody>
+            <a:bodyPr rtlCol="0" anchor="ctr"/>
+            <a:lstStyle/>
+            <a:p>
+              <a:pPr algn="ctr"/>
+              <a:endParaRPr lang="en-US"/>
+            </a:p>
+          </p:txBody>
+        </p:sp>
+        <p:sp>
+          <p:nvSpPr>
+            <p:cNvPr id="39" name="Oval 38"/>
+            <p:cNvSpPr/>
+            <p:nvPr/>
+          </p:nvSpPr>
+          <p:spPr>
+            <a:xfrm flipV="1">
+              <a:off x="7983668" y="277341"/>
+              <a:ext cx="111210" cy="111210"/>
+            </a:xfrm>
+            <a:prstGeom prst="ellipse">
+              <a:avLst/>
+            </a:prstGeom>
+            <a:solidFill>
+              <a:srgbClr val="92D050"/>
+            </a:solidFill>
+            <a:ln>
+              <a:solidFill>
+                <a:srgbClr val="92D050"/>
+              </a:solidFill>
+            </a:ln>
+          </p:spPr>
+          <p:style>
+            <a:lnRef idx="2">
+              <a:schemeClr val="dk1"/>
+            </a:lnRef>
+            <a:fillRef idx="1">
+              <a:schemeClr val="lt1"/>
+            </a:fillRef>
+            <a:effectRef idx="0">
+              <a:schemeClr val="dk1"/>
+            </a:effectRef>
+            <a:fontRef idx="minor">
+              <a:schemeClr val="dk1"/>
+            </a:fontRef>
+          </p:style>
+          <p:txBody>
+            <a:bodyPr rtlCol="0" anchor="ctr"/>
+            <a:lstStyle/>
+            <a:p>
+              <a:pPr algn="ctr"/>
+              <a:endParaRPr lang="en-US"/>
+            </a:p>
+          </p:txBody>
+        </p:sp>
+        <p:sp>
+          <p:nvSpPr>
+            <p:cNvPr id="40" name="TextBox 39"/>
+            <p:cNvSpPr txBox="1"/>
+            <p:nvPr/>
+          </p:nvSpPr>
+          <p:spPr>
+            <a:xfrm>
+              <a:off x="6833286" y="455999"/>
+              <a:ext cx="1001172" cy="369332"/>
+            </a:xfrm>
+            <a:prstGeom prst="rect">
+              <a:avLst/>
+            </a:prstGeom>
+            <a:noFill/>
+          </p:spPr>
+          <p:txBody>
+            <a:bodyPr wrap="none" rtlCol="0">
+              <a:spAutoFit/>
+            </a:bodyPr>
+            <a:lstStyle/>
+            <a:p>
+              <a:r>
+                <a:rPr lang="en-US" dirty="0" smtClean="0"/>
+                <a:t>Option 2</a:t>
+              </a:r>
+              <a:endParaRPr lang="en-US" dirty="0"/>
+            </a:p>
+          </p:txBody>
+        </p:sp>
+        <p:sp>
+          <p:nvSpPr>
+            <p:cNvPr id="41" name="Oval 40"/>
+            <p:cNvSpPr/>
+            <p:nvPr/>
+          </p:nvSpPr>
+          <p:spPr>
+            <a:xfrm>
+              <a:off x="7926860" y="528251"/>
+              <a:ext cx="224826" cy="224826"/>
+            </a:xfrm>
+            <a:prstGeom prst="ellipse">
+              <a:avLst/>
+            </a:prstGeom>
+          </p:spPr>
+          <p:style>
+            <a:lnRef idx="2">
+              <a:schemeClr val="dk1"/>
+            </a:lnRef>
+            <a:fillRef idx="1">
+              <a:schemeClr val="lt1"/>
+            </a:fillRef>
+            <a:effectRef idx="0">
+              <a:schemeClr val="dk1"/>
+            </a:effectRef>
+            <a:fontRef idx="minor">
+              <a:schemeClr val="dk1"/>
+            </a:fontRef>
+          </p:style>
+          <p:txBody>
+            <a:bodyPr rtlCol="0" anchor="ctr"/>
+            <a:lstStyle/>
+            <a:p>
+              <a:pPr algn="ctr"/>
+              <a:endParaRPr lang="en-US"/>
+            </a:p>
+          </p:txBody>
+        </p:sp>
+        <p:sp>
+          <p:nvSpPr>
+            <p:cNvPr id="42" name="Oval 41"/>
+            <p:cNvSpPr/>
+            <p:nvPr/>
+          </p:nvSpPr>
+          <p:spPr>
+            <a:xfrm flipV="1">
+              <a:off x="7983668" y="585059"/>
+              <a:ext cx="111210" cy="111210"/>
+            </a:xfrm>
+            <a:prstGeom prst="ellipse">
+              <a:avLst/>
+            </a:prstGeom>
+            <a:solidFill>
+              <a:srgbClr val="92D050"/>
+            </a:solidFill>
+            <a:ln>
+              <a:solidFill>
+                <a:srgbClr val="92D050"/>
+              </a:solidFill>
+            </a:ln>
+          </p:spPr>
+          <p:style>
+            <a:lnRef idx="2">
+              <a:schemeClr val="dk1"/>
+            </a:lnRef>
+            <a:fillRef idx="1">
+              <a:schemeClr val="lt1"/>
+            </a:fillRef>
+            <a:effectRef idx="0">
+              <a:schemeClr val="dk1"/>
+            </a:effectRef>
+            <a:fontRef idx="minor">
+              <a:schemeClr val="dk1"/>
+            </a:fontRef>
+          </p:style>
+          <p:txBody>
+            <a:bodyPr rtlCol="0" anchor="ctr"/>
+            <a:lstStyle/>
+            <a:p>
+              <a:pPr algn="ctr"/>
+              <a:endParaRPr lang="en-US"/>
+            </a:p>
+          </p:txBody>
+        </p:sp>
+      </p:grpSp>
+      <p:sp>
+        <p:nvSpPr>
+          <p:cNvPr id="43" name="Rounded Rectangle 42"/>
+          <p:cNvSpPr/>
+          <p:nvPr/>
+        </p:nvSpPr>
+        <p:spPr>
+          <a:xfrm>
+            <a:off x="422869" y="3688538"/>
+            <a:ext cx="860681" cy="253314"/>
+          </a:xfrm>
+          <a:prstGeom prst="roundRect">
+            <a:avLst/>
+          </a:prstGeom>
+          <a:ln w="12700"/>
+        </p:spPr>
+        <p:style>
+          <a:lnRef idx="2">
+            <a:schemeClr val="dk1"/>
+          </a:lnRef>
+          <a:fillRef idx="1">
+            <a:schemeClr val="lt1"/>
+          </a:fillRef>
+          <a:effectRef idx="0">
+            <a:schemeClr val="dk1"/>
+          </a:effectRef>
+          <a:fontRef idx="minor">
+            <a:schemeClr val="dk1"/>
+          </a:fontRef>
+        </p:style>
+        <p:txBody>
+          <a:bodyPr rtlCol="0" anchor="ctr"/>
+          <a:lstStyle/>
+          <a:p>
+            <a:pPr algn="ctr"/>
+            <a:r>
+              <a:rPr lang="en-US" dirty="0"/>
+              <a:t>OK</a:t>
+            </a:r>
+          </a:p>
+        </p:txBody>
+      </p:sp>
+      <p:sp>
+        <p:nvSpPr>
+          <p:cNvPr id="44" name="Rounded Rectangle 43"/>
+          <p:cNvSpPr/>
+          <p:nvPr/>
+        </p:nvSpPr>
+        <p:spPr>
+          <a:xfrm>
+            <a:off x="1375952" y="3688538"/>
+            <a:ext cx="860681" cy="253314"/>
+          </a:xfrm>
+          <a:prstGeom prst="roundRect">
+            <a:avLst/>
+          </a:prstGeom>
+          <a:ln w="12700"/>
+        </p:spPr>
+        <p:style>
+          <a:lnRef idx="2">
+            <a:schemeClr val="dk1"/>
+          </a:lnRef>
+          <a:fillRef idx="1">
+            <a:schemeClr val="lt1"/>
+          </a:fillRef>
+          <a:effectRef idx="0">
+            <a:schemeClr val="dk1"/>
+          </a:effectRef>
+          <a:fontRef idx="minor">
+            <a:schemeClr val="dk1"/>
+          </a:fontRef>
+        </p:style>
+        <p:txBody>
+          <a:bodyPr rtlCol="0" anchor="ctr"/>
+          <a:lstStyle/>
+          <a:p>
+            <a:pPr algn="ctr"/>
+            <a:r>
+              <a:rPr lang="en-US" dirty="0" smtClean="0"/>
+              <a:t>Cancel</a:t>
+            </a:r>
+            <a:endParaRPr lang="en-US" dirty="0"/>
+          </a:p>
+        </p:txBody>
+      </p:sp>
+      <p:sp>
+        <p:nvSpPr>
+          <p:cNvPr id="45" name="Rectangle 44"/>
+          <p:cNvSpPr/>
+          <p:nvPr/>
+        </p:nvSpPr>
+        <p:spPr>
+          <a:xfrm>
+            <a:off x="2856281" y="2406516"/>
+            <a:ext cx="1987489" cy="646331"/>
+          </a:xfrm>
+          <a:prstGeom prst="rect">
+            <a:avLst/>
+          </a:prstGeom>
+        </p:spPr>
+        <p:txBody>
+          <a:bodyPr wrap="square">
+            <a:spAutoFit/>
+          </a:bodyPr>
+          <a:lstStyle/>
+          <a:p>
+            <a:r>
+              <a:rPr lang="en-US" dirty="0" smtClean="0"/>
+              <a:t>HTML + overlay on device </a:t>
+            </a:r>
+            <a:endParaRPr lang="en-US" dirty="0"/>
+          </a:p>
+        </p:txBody>
+      </p:sp>
+    </p:spTree>
+    <p:extLst>
+      <p:ext uri="{BB962C8B-B14F-4D97-AF65-F5344CB8AC3E}">
+        <p14:creationId xmlns:p14="http://schemas.microsoft.com/office/powerpoint/2010/main" val="2778382210"/>
       </p:ext>
     </p:extLst>
   </p:cSld>

--- a/aritra/MouseTracking/images/systemDesign.pptx
+++ b/aritra/MouseTracking/images/systemDesign.pptx
@@ -6,15 +6,16 @@
   </p:sldMasterIdLst>
   <p:sldIdLst>
     <p:sldId id="264" r:id="rId2"/>
-    <p:sldId id="262" r:id="rId3"/>
-    <p:sldId id="256" r:id="rId4"/>
-    <p:sldId id="257" r:id="rId5"/>
-    <p:sldId id="258" r:id="rId6"/>
-    <p:sldId id="259" r:id="rId7"/>
-    <p:sldId id="260" r:id="rId8"/>
-    <p:sldId id="261" r:id="rId9"/>
-    <p:sldId id="263" r:id="rId10"/>
-    <p:sldId id="265" r:id="rId11"/>
+    <p:sldId id="266" r:id="rId3"/>
+    <p:sldId id="262" r:id="rId4"/>
+    <p:sldId id="256" r:id="rId5"/>
+    <p:sldId id="257" r:id="rId6"/>
+    <p:sldId id="258" r:id="rId7"/>
+    <p:sldId id="259" r:id="rId8"/>
+    <p:sldId id="260" r:id="rId9"/>
+    <p:sldId id="261" r:id="rId10"/>
+    <p:sldId id="263" r:id="rId11"/>
+    <p:sldId id="265" r:id="rId12"/>
   </p:sldIdLst>
   <p:sldSz cx="12192000" cy="6858000"/>
   <p:notesSz cx="6858000" cy="9144000"/>
@@ -252,7 +253,7 @@
           <a:p>
             <a:fld id="{AAB2D3D3-1E26-436C-8467-9F82561659A6}" type="datetimeFigureOut">
               <a:rPr lang="en-US" smtClean="0"/>
-              <a:t>11/5/2018</a:t>
+              <a:t>12/19/2018</a:t>
             </a:fld>
             <a:endParaRPr lang="en-US"/>
           </a:p>
@@ -422,7 +423,7 @@
           <a:p>
             <a:fld id="{AAB2D3D3-1E26-436C-8467-9F82561659A6}" type="datetimeFigureOut">
               <a:rPr lang="en-US" smtClean="0"/>
-              <a:t>11/5/2018</a:t>
+              <a:t>12/19/2018</a:t>
             </a:fld>
             <a:endParaRPr lang="en-US"/>
           </a:p>
@@ -602,7 +603,7 @@
           <a:p>
             <a:fld id="{AAB2D3D3-1E26-436C-8467-9F82561659A6}" type="datetimeFigureOut">
               <a:rPr lang="en-US" smtClean="0"/>
-              <a:t>11/5/2018</a:t>
+              <a:t>12/19/2018</a:t>
             </a:fld>
             <a:endParaRPr lang="en-US"/>
           </a:p>
@@ -772,7 +773,7 @@
           <a:p>
             <a:fld id="{AAB2D3D3-1E26-436C-8467-9F82561659A6}" type="datetimeFigureOut">
               <a:rPr lang="en-US" smtClean="0"/>
-              <a:t>11/5/2018</a:t>
+              <a:t>12/19/2018</a:t>
             </a:fld>
             <a:endParaRPr lang="en-US"/>
           </a:p>
@@ -1018,7 +1019,7 @@
           <a:p>
             <a:fld id="{AAB2D3D3-1E26-436C-8467-9F82561659A6}" type="datetimeFigureOut">
               <a:rPr lang="en-US" smtClean="0"/>
-              <a:t>11/5/2018</a:t>
+              <a:t>12/19/2018</a:t>
             </a:fld>
             <a:endParaRPr lang="en-US"/>
           </a:p>
@@ -1250,7 +1251,7 @@
           <a:p>
             <a:fld id="{AAB2D3D3-1E26-436C-8467-9F82561659A6}" type="datetimeFigureOut">
               <a:rPr lang="en-US" smtClean="0"/>
-              <a:t>11/5/2018</a:t>
+              <a:t>12/19/2018</a:t>
             </a:fld>
             <a:endParaRPr lang="en-US"/>
           </a:p>
@@ -1617,7 +1618,7 @@
           <a:p>
             <a:fld id="{AAB2D3D3-1E26-436C-8467-9F82561659A6}" type="datetimeFigureOut">
               <a:rPr lang="en-US" smtClean="0"/>
-              <a:t>11/5/2018</a:t>
+              <a:t>12/19/2018</a:t>
             </a:fld>
             <a:endParaRPr lang="en-US"/>
           </a:p>
@@ -1735,7 +1736,7 @@
           <a:p>
             <a:fld id="{AAB2D3D3-1E26-436C-8467-9F82561659A6}" type="datetimeFigureOut">
               <a:rPr lang="en-US" smtClean="0"/>
-              <a:t>11/5/2018</a:t>
+              <a:t>12/19/2018</a:t>
             </a:fld>
             <a:endParaRPr lang="en-US"/>
           </a:p>
@@ -1830,7 +1831,7 @@
           <a:p>
             <a:fld id="{AAB2D3D3-1E26-436C-8467-9F82561659A6}" type="datetimeFigureOut">
               <a:rPr lang="en-US" smtClean="0"/>
-              <a:t>11/5/2018</a:t>
+              <a:t>12/19/2018</a:t>
             </a:fld>
             <a:endParaRPr lang="en-US"/>
           </a:p>
@@ -2107,7 +2108,7 @@
           <a:p>
             <a:fld id="{AAB2D3D3-1E26-436C-8467-9F82561659A6}" type="datetimeFigureOut">
               <a:rPr lang="en-US" smtClean="0"/>
-              <a:t>11/5/2018</a:t>
+              <a:t>12/19/2018</a:t>
             </a:fld>
             <a:endParaRPr lang="en-US"/>
           </a:p>
@@ -2360,7 +2361,7 @@
           <a:p>
             <a:fld id="{AAB2D3D3-1E26-436C-8467-9F82561659A6}" type="datetimeFigureOut">
               <a:rPr lang="en-US" smtClean="0"/>
-              <a:t>11/5/2018</a:t>
+              <a:t>12/19/2018</a:t>
             </a:fld>
             <a:endParaRPr lang="en-US"/>
           </a:p>
@@ -2573,7 +2574,7 @@
           <a:p>
             <a:fld id="{AAB2D3D3-1E26-436C-8467-9F82561659A6}" type="datetimeFigureOut">
               <a:rPr lang="en-US" smtClean="0"/>
-              <a:t>11/5/2018</a:t>
+              <a:t>12/19/2018</a:t>
             </a:fld>
             <a:endParaRPr lang="en-US"/>
           </a:p>
@@ -3288,6 +3289,781 @@
           <a:chExt cx="0" cy="0"/>
         </a:xfrm>
       </p:grpSpPr>
+      <p:sp>
+        <p:nvSpPr>
+          <p:cNvPr id="2" name="Rectangle 1"/>
+          <p:cNvSpPr/>
+          <p:nvPr/>
+        </p:nvSpPr>
+        <p:spPr>
+          <a:xfrm>
+            <a:off x="9525" y="9525"/>
+            <a:ext cx="3206641" cy="1245823"/>
+          </a:xfrm>
+          <a:prstGeom prst="rect">
+            <a:avLst/>
+          </a:prstGeom>
+          <a:solidFill>
+            <a:schemeClr val="bg1"/>
+          </a:solidFill>
+          <a:ln w="19050"/>
+        </p:spPr>
+        <p:style>
+          <a:lnRef idx="2">
+            <a:schemeClr val="dk1"/>
+          </a:lnRef>
+          <a:fillRef idx="1">
+            <a:schemeClr val="lt1"/>
+          </a:fillRef>
+          <a:effectRef idx="0">
+            <a:schemeClr val="dk1"/>
+          </a:effectRef>
+          <a:fontRef idx="minor">
+            <a:schemeClr val="dk1"/>
+          </a:fontRef>
+        </p:style>
+        <p:txBody>
+          <a:bodyPr rtlCol="0" anchor="ctr"/>
+          <a:lstStyle/>
+          <a:p>
+            <a:pPr algn="ctr"/>
+            <a:endParaRPr lang="en-US"/>
+          </a:p>
+        </p:txBody>
+      </p:sp>
+      <p:pic>
+        <p:nvPicPr>
+          <p:cNvPr id="7" name="Picture 6"/>
+          <p:cNvPicPr>
+            <a:picLocks noChangeAspect="1"/>
+          </p:cNvPicPr>
+          <p:nvPr/>
+        </p:nvPicPr>
+        <p:blipFill rotWithShape="1">
+          <a:blip r:embed="rId2" cstate="print">
+            <a:extLst>
+              <a:ext uri="{28A0092B-C50C-407E-A947-70E740481C1C}">
+                <a14:useLocalDpi xmlns:a14="http://schemas.microsoft.com/office/drawing/2010/main" val="0"/>
+              </a:ext>
+            </a:extLst>
+          </a:blip>
+          <a:srcRect l="12889" t="14222" r="13000" b="28556"/>
+          <a:stretch/>
+        </p:blipFill>
+        <p:spPr>
+          <a:xfrm>
+            <a:off x="1867679" y="192753"/>
+            <a:ext cx="1283173" cy="990755"/>
+          </a:xfrm>
+          <a:prstGeom prst="rect">
+            <a:avLst/>
+          </a:prstGeom>
+        </p:spPr>
+      </p:pic>
+      <p:grpSp>
+        <p:nvGrpSpPr>
+          <p:cNvPr id="8" name="Group 7"/>
+          <p:cNvGrpSpPr/>
+          <p:nvPr/>
+        </p:nvGrpSpPr>
+        <p:grpSpPr>
+          <a:xfrm>
+            <a:off x="4158458" y="115267"/>
+            <a:ext cx="1219100" cy="1466714"/>
+            <a:chOff x="7559697" y="2896126"/>
+            <a:chExt cx="717816" cy="863613"/>
+          </a:xfrm>
+        </p:grpSpPr>
+        <p:pic>
+          <p:nvPicPr>
+            <p:cNvPr id="9" name="Picture 8"/>
+            <p:cNvPicPr>
+              <a:picLocks noChangeAspect="1"/>
+            </p:cNvPicPr>
+            <p:nvPr/>
+          </p:nvPicPr>
+          <p:blipFill rotWithShape="1">
+            <a:blip r:embed="rId3" cstate="print">
+              <a:extLst>
+                <a:ext uri="{28A0092B-C50C-407E-A947-70E740481C1C}">
+                  <a14:useLocalDpi xmlns:a14="http://schemas.microsoft.com/office/drawing/2010/main" val="0"/>
+                </a:ext>
+              </a:extLst>
+            </a:blip>
+            <a:srcRect t="3275" b="3208"/>
+            <a:stretch/>
+          </p:blipFill>
+          <p:spPr>
+            <a:xfrm>
+              <a:off x="7559697" y="2896126"/>
+              <a:ext cx="717816" cy="671289"/>
+            </a:xfrm>
+            <a:prstGeom prst="rect">
+              <a:avLst/>
+            </a:prstGeom>
+          </p:spPr>
+        </p:pic>
+        <p:sp>
+          <p:nvSpPr>
+            <p:cNvPr id="10" name="Rectangle 9"/>
+            <p:cNvSpPr/>
+            <p:nvPr/>
+          </p:nvSpPr>
+          <p:spPr>
+            <a:xfrm>
+              <a:off x="7667185" y="3542273"/>
+              <a:ext cx="511814" cy="217466"/>
+            </a:xfrm>
+            <a:prstGeom prst="rect">
+              <a:avLst/>
+            </a:prstGeom>
+          </p:spPr>
+          <p:txBody>
+            <a:bodyPr wrap="square">
+              <a:spAutoFit/>
+            </a:bodyPr>
+            <a:lstStyle/>
+            <a:p>
+              <a:r>
+                <a:rPr lang="en-US" b="1" dirty="0" smtClean="0"/>
+                <a:t>Output</a:t>
+              </a:r>
+              <a:endParaRPr lang="en-US" b="1" dirty="0"/>
+            </a:p>
+          </p:txBody>
+        </p:sp>
+      </p:grpSp>
+      <p:grpSp>
+        <p:nvGrpSpPr>
+          <p:cNvPr id="11" name="Group 10"/>
+          <p:cNvGrpSpPr/>
+          <p:nvPr/>
+        </p:nvGrpSpPr>
+        <p:grpSpPr>
+          <a:xfrm>
+            <a:off x="1393635" y="1401949"/>
+            <a:ext cx="2447407" cy="726593"/>
+            <a:chOff x="2534406" y="4227129"/>
+            <a:chExt cx="2169949" cy="644221"/>
+          </a:xfrm>
+        </p:grpSpPr>
+        <p:grpSp>
+          <p:nvGrpSpPr>
+            <p:cNvPr id="12" name="Group 11"/>
+            <p:cNvGrpSpPr/>
+            <p:nvPr/>
+          </p:nvGrpSpPr>
+          <p:grpSpPr>
+            <a:xfrm>
+              <a:off x="2534406" y="4227129"/>
+              <a:ext cx="1615914" cy="610914"/>
+              <a:chOff x="3298986" y="4564117"/>
+              <a:chExt cx="1615914" cy="610914"/>
+            </a:xfrm>
+          </p:grpSpPr>
+          <p:sp>
+            <p:nvSpPr>
+              <p:cNvPr id="14" name="Rounded Rectangle 13"/>
+              <p:cNvSpPr/>
+              <p:nvPr/>
+            </p:nvSpPr>
+            <p:spPr>
+              <a:xfrm>
+                <a:off x="3298986" y="4564117"/>
+                <a:ext cx="1615914" cy="610914"/>
+              </a:xfrm>
+              <a:prstGeom prst="roundRect">
+                <a:avLst>
+                  <a:gd name="adj" fmla="val 10215"/>
+                </a:avLst>
+              </a:prstGeom>
+              <a:solidFill>
+                <a:srgbClr val="F7F7F7"/>
+              </a:solidFill>
+              <a:ln w="19050">
+                <a:solidFill>
+                  <a:schemeClr val="tx1"/>
+                </a:solidFill>
+              </a:ln>
+            </p:spPr>
+            <p:style>
+              <a:lnRef idx="2">
+                <a:schemeClr val="accent1">
+                  <a:shade val="50000"/>
+                </a:schemeClr>
+              </a:lnRef>
+              <a:fillRef idx="1">
+                <a:schemeClr val="accent1"/>
+              </a:fillRef>
+              <a:effectRef idx="0">
+                <a:schemeClr val="accent1"/>
+              </a:effectRef>
+              <a:fontRef idx="minor">
+                <a:schemeClr val="lt1"/>
+              </a:fontRef>
+            </p:style>
+            <p:txBody>
+              <a:bodyPr rtlCol="0" anchor="ctr"/>
+              <a:lstStyle/>
+              <a:p>
+                <a:pPr algn="ctr"/>
+                <a:endParaRPr lang="en-US"/>
+              </a:p>
+            </p:txBody>
+          </p:sp>
+          <p:pic>
+            <p:nvPicPr>
+              <p:cNvPr id="15" name="Picture 14"/>
+              <p:cNvPicPr>
+                <a:picLocks noChangeAspect="1"/>
+              </p:cNvPicPr>
+              <p:nvPr/>
+            </p:nvPicPr>
+            <p:blipFill rotWithShape="1">
+              <a:blip r:embed="rId4" cstate="print">
+                <a:extLst>
+                  <a:ext uri="{28A0092B-C50C-407E-A947-70E740481C1C}">
+                    <a14:useLocalDpi xmlns:a14="http://schemas.microsoft.com/office/drawing/2010/main" val="0"/>
+                  </a:ext>
+                </a:extLst>
+              </a:blip>
+              <a:srcRect t="14679" b="14612"/>
+              <a:stretch/>
+            </p:blipFill>
+            <p:spPr>
+              <a:xfrm>
+                <a:off x="3369879" y="4637379"/>
+                <a:ext cx="666168" cy="471040"/>
+              </a:xfrm>
+              <a:prstGeom prst="rect">
+                <a:avLst/>
+              </a:prstGeom>
+            </p:spPr>
+          </p:pic>
+          <p:pic>
+            <p:nvPicPr>
+              <p:cNvPr id="16" name="Picture 15"/>
+              <p:cNvPicPr>
+                <a:picLocks noChangeAspect="1"/>
+              </p:cNvPicPr>
+              <p:nvPr/>
+            </p:nvPicPr>
+            <p:blipFill rotWithShape="1">
+              <a:blip r:embed="rId5" cstate="print">
+                <a:extLst>
+                  <a:ext uri="{28A0092B-C50C-407E-A947-70E740481C1C}">
+                    <a14:useLocalDpi xmlns:a14="http://schemas.microsoft.com/office/drawing/2010/main" val="0"/>
+                  </a:ext>
+                </a:extLst>
+              </a:blip>
+              <a:srcRect t="9849" b="9916"/>
+              <a:stretch/>
+            </p:blipFill>
+            <p:spPr>
+              <a:xfrm>
+                <a:off x="4278311" y="4643663"/>
+                <a:ext cx="579243" cy="464756"/>
+              </a:xfrm>
+              <a:prstGeom prst="rect">
+                <a:avLst/>
+              </a:prstGeom>
+            </p:spPr>
+          </p:pic>
+        </p:grpSp>
+        <p:sp>
+          <p:nvSpPr>
+            <p:cNvPr id="13" name="Rectangle 12"/>
+            <p:cNvSpPr/>
+            <p:nvPr/>
+          </p:nvSpPr>
+          <p:spPr>
+            <a:xfrm>
+              <a:off x="4092411" y="4543888"/>
+              <a:ext cx="611944" cy="327462"/>
+            </a:xfrm>
+            <a:prstGeom prst="rect">
+              <a:avLst/>
+            </a:prstGeom>
+          </p:spPr>
+          <p:txBody>
+            <a:bodyPr wrap="square">
+              <a:spAutoFit/>
+            </a:bodyPr>
+            <a:lstStyle/>
+            <a:p>
+              <a:r>
+                <a:rPr lang="en-US" b="1" dirty="0" smtClean="0"/>
+                <a:t>Input</a:t>
+              </a:r>
+              <a:endParaRPr lang="en-US" b="1" dirty="0"/>
+            </a:p>
+          </p:txBody>
+        </p:sp>
+      </p:grpSp>
+      <p:grpSp>
+        <p:nvGrpSpPr>
+          <p:cNvPr id="23" name="Group 22"/>
+          <p:cNvGrpSpPr/>
+          <p:nvPr/>
+        </p:nvGrpSpPr>
+        <p:grpSpPr>
+          <a:xfrm>
+            <a:off x="3291383" y="417976"/>
+            <a:ext cx="726544" cy="192203"/>
+            <a:chOff x="5905501" y="2475118"/>
+            <a:chExt cx="1581958" cy="545818"/>
+          </a:xfrm>
+        </p:grpSpPr>
+        <p:grpSp>
+          <p:nvGrpSpPr>
+            <p:cNvPr id="19" name="Group 18"/>
+            <p:cNvGrpSpPr/>
+            <p:nvPr/>
+          </p:nvGrpSpPr>
+          <p:grpSpPr>
+            <a:xfrm>
+              <a:off x="5905501" y="2475118"/>
+              <a:ext cx="1062228" cy="545818"/>
+              <a:chOff x="5935980" y="475630"/>
+              <a:chExt cx="2040255" cy="1048370"/>
+            </a:xfrm>
+          </p:grpSpPr>
+          <p:pic>
+            <p:nvPicPr>
+              <p:cNvPr id="17" name="Picture 16"/>
+              <p:cNvPicPr>
+                <a:picLocks noChangeAspect="1"/>
+              </p:cNvPicPr>
+              <p:nvPr/>
+            </p:nvPicPr>
+            <p:blipFill rotWithShape="1">
+              <a:blip r:embed="rId6" cstate="print">
+                <a:extLst>
+                  <a:ext uri="{28A0092B-C50C-407E-A947-70E740481C1C}">
+                    <a14:useLocalDpi xmlns:a14="http://schemas.microsoft.com/office/drawing/2010/main" val="0"/>
+                  </a:ext>
+                </a:extLst>
+              </a:blip>
+              <a:srcRect l="11333" t="4556" r="11333" b="18999"/>
+              <a:stretch/>
+            </p:blipFill>
+            <p:spPr>
+              <a:xfrm rot="5400000">
+                <a:off x="5929955" y="481655"/>
+                <a:ext cx="1048370" cy="1036320"/>
+              </a:xfrm>
+              <a:prstGeom prst="rect">
+                <a:avLst/>
+              </a:prstGeom>
+            </p:spPr>
+          </p:pic>
+          <p:pic>
+            <p:nvPicPr>
+              <p:cNvPr id="18" name="Picture 17"/>
+              <p:cNvPicPr>
+                <a:picLocks noChangeAspect="1"/>
+              </p:cNvPicPr>
+              <p:nvPr/>
+            </p:nvPicPr>
+            <p:blipFill rotWithShape="1">
+              <a:blip r:embed="rId6" cstate="print">
+                <a:extLst>
+                  <a:ext uri="{28A0092B-C50C-407E-A947-70E740481C1C}">
+                    <a14:useLocalDpi xmlns:a14="http://schemas.microsoft.com/office/drawing/2010/main" val="0"/>
+                  </a:ext>
+                </a:extLst>
+              </a:blip>
+              <a:srcRect l="11333" t="4556" r="11333" b="18999"/>
+              <a:stretch/>
+            </p:blipFill>
+            <p:spPr>
+              <a:xfrm rot="5400000">
+                <a:off x="6933890" y="481655"/>
+                <a:ext cx="1048370" cy="1036320"/>
+              </a:xfrm>
+              <a:prstGeom prst="rect">
+                <a:avLst/>
+              </a:prstGeom>
+            </p:spPr>
+          </p:pic>
+        </p:grpSp>
+        <p:pic>
+          <p:nvPicPr>
+            <p:cNvPr id="21" name="Picture 20"/>
+            <p:cNvPicPr>
+              <a:picLocks noChangeAspect="1"/>
+            </p:cNvPicPr>
+            <p:nvPr/>
+          </p:nvPicPr>
+          <p:blipFill rotWithShape="1">
+            <a:blip r:embed="rId6" cstate="print">
+              <a:extLst>
+                <a:ext uri="{28A0092B-C50C-407E-A947-70E740481C1C}">
+                  <a14:useLocalDpi xmlns:a14="http://schemas.microsoft.com/office/drawing/2010/main" val="0"/>
+                </a:ext>
+              </a:extLst>
+            </a:blip>
+            <a:srcRect l="11333" t="4556" r="11333" b="18999"/>
+            <a:stretch/>
+          </p:blipFill>
+          <p:spPr>
+            <a:xfrm rot="5400000">
+              <a:off x="6944778" y="2478255"/>
+              <a:ext cx="545818" cy="539544"/>
+            </a:xfrm>
+            <a:prstGeom prst="rect">
+              <a:avLst/>
+            </a:prstGeom>
+          </p:spPr>
+        </p:pic>
+      </p:grpSp>
+      <p:cxnSp>
+        <p:nvCxnSpPr>
+          <p:cNvPr id="24" name="Straight Arrow Connector 23"/>
+          <p:cNvCxnSpPr>
+            <a:stCxn id="7" idx="3"/>
+            <a:endCxn id="9" idx="1"/>
+          </p:cNvCxnSpPr>
+          <p:nvPr/>
+        </p:nvCxnSpPr>
+        <p:spPr>
+          <a:xfrm flipV="1">
+            <a:off x="3150852" y="685308"/>
+            <a:ext cx="1007606" cy="2823"/>
+          </a:xfrm>
+          <a:prstGeom prst="straightConnector1">
+            <a:avLst/>
+          </a:prstGeom>
+          <a:ln w="19050">
+            <a:headEnd type="none" w="med" len="med"/>
+            <a:tailEnd type="arrow" w="med" len="med"/>
+          </a:ln>
+        </p:spPr>
+        <p:style>
+          <a:lnRef idx="1">
+            <a:schemeClr val="dk1"/>
+          </a:lnRef>
+          <a:fillRef idx="0">
+            <a:schemeClr val="dk1"/>
+          </a:fillRef>
+          <a:effectRef idx="0">
+            <a:schemeClr val="dk1"/>
+          </a:effectRef>
+          <a:fontRef idx="minor">
+            <a:schemeClr val="tx1"/>
+          </a:fontRef>
+        </p:style>
+      </p:cxnSp>
+      <p:cxnSp>
+        <p:nvCxnSpPr>
+          <p:cNvPr id="20" name="Straight Arrow Connector 19"/>
+          <p:cNvCxnSpPr/>
+          <p:nvPr/>
+        </p:nvCxnSpPr>
+        <p:spPr>
+          <a:xfrm flipV="1">
+            <a:off x="2568337" y="1051476"/>
+            <a:ext cx="0" cy="345838"/>
+          </a:xfrm>
+          <a:prstGeom prst="straightConnector1">
+            <a:avLst/>
+          </a:prstGeom>
+          <a:ln>
+            <a:headEnd type="none" w="med" len="med"/>
+            <a:tailEnd type="arrow" w="med" len="med"/>
+          </a:ln>
+        </p:spPr>
+        <p:style>
+          <a:lnRef idx="3">
+            <a:schemeClr val="dk1"/>
+          </a:lnRef>
+          <a:fillRef idx="0">
+            <a:schemeClr val="dk1"/>
+          </a:fillRef>
+          <a:effectRef idx="2">
+            <a:schemeClr val="dk1"/>
+          </a:effectRef>
+          <a:fontRef idx="minor">
+            <a:schemeClr val="tx1"/>
+          </a:fontRef>
+        </p:style>
+      </p:cxnSp>
+      <p:sp>
+        <p:nvSpPr>
+          <p:cNvPr id="26" name="Rounded Rectangle 25"/>
+          <p:cNvSpPr/>
+          <p:nvPr/>
+        </p:nvSpPr>
+        <p:spPr>
+          <a:xfrm>
+            <a:off x="165645" y="72587"/>
+            <a:ext cx="1519482" cy="394138"/>
+          </a:xfrm>
+          <a:prstGeom prst="roundRect">
+            <a:avLst/>
+          </a:prstGeom>
+          <a:ln w="19050"/>
+        </p:spPr>
+        <p:style>
+          <a:lnRef idx="2">
+            <a:schemeClr val="dk1"/>
+          </a:lnRef>
+          <a:fillRef idx="1">
+            <a:schemeClr val="lt1"/>
+          </a:fillRef>
+          <a:effectRef idx="0">
+            <a:schemeClr val="dk1"/>
+          </a:effectRef>
+          <a:fontRef idx="minor">
+            <a:schemeClr val="dk1"/>
+          </a:fontRef>
+        </p:style>
+        <p:txBody>
+          <a:bodyPr rtlCol="0" anchor="ctr"/>
+          <a:lstStyle/>
+          <a:p>
+            <a:pPr algn="ctr"/>
+            <a:r>
+              <a:rPr lang="en-US" dirty="0" smtClean="0"/>
+              <a:t>OS</a:t>
+            </a:r>
+            <a:endParaRPr lang="en-US" dirty="0"/>
+          </a:p>
+        </p:txBody>
+      </p:sp>
+      <p:sp>
+        <p:nvSpPr>
+          <p:cNvPr id="27" name="Rounded Rectangle 26"/>
+          <p:cNvSpPr/>
+          <p:nvPr/>
+        </p:nvSpPr>
+        <p:spPr>
+          <a:xfrm>
+            <a:off x="165645" y="779188"/>
+            <a:ext cx="1519482" cy="394138"/>
+          </a:xfrm>
+          <a:prstGeom prst="roundRect">
+            <a:avLst/>
+          </a:prstGeom>
+          <a:ln w="19050"/>
+        </p:spPr>
+        <p:style>
+          <a:lnRef idx="2">
+            <a:schemeClr val="dk1"/>
+          </a:lnRef>
+          <a:fillRef idx="1">
+            <a:schemeClr val="lt1"/>
+          </a:fillRef>
+          <a:effectRef idx="0">
+            <a:schemeClr val="dk1"/>
+          </a:effectRef>
+          <a:fontRef idx="minor">
+            <a:schemeClr val="dk1"/>
+          </a:fontRef>
+        </p:style>
+        <p:txBody>
+          <a:bodyPr rtlCol="0" anchor="ctr"/>
+          <a:lstStyle/>
+          <a:p>
+            <a:pPr algn="ctr"/>
+            <a:r>
+              <a:rPr lang="en-US" dirty="0" smtClean="0"/>
+              <a:t>CPU</a:t>
+            </a:r>
+            <a:endParaRPr lang="en-US" dirty="0"/>
+          </a:p>
+        </p:txBody>
+      </p:sp>
+      <p:pic>
+        <p:nvPicPr>
+          <p:cNvPr id="28" name="Picture 27"/>
+          <p:cNvPicPr>
+            <a:picLocks noChangeAspect="1"/>
+          </p:cNvPicPr>
+          <p:nvPr/>
+        </p:nvPicPr>
+        <p:blipFill>
+          <a:blip r:embed="rId7" cstate="print">
+            <a:extLst>
+              <a:ext uri="{28A0092B-C50C-407E-A947-70E740481C1C}">
+                <a14:useLocalDpi xmlns:a14="http://schemas.microsoft.com/office/drawing/2010/main" val="0"/>
+              </a:ext>
+            </a:extLst>
+          </a:blip>
+          <a:stretch>
+            <a:fillRect/>
+          </a:stretch>
+        </p:blipFill>
+        <p:spPr>
+          <a:xfrm>
+            <a:off x="56214" y="62511"/>
+            <a:ext cx="380549" cy="380549"/>
+          </a:xfrm>
+          <a:prstGeom prst="rect">
+            <a:avLst/>
+          </a:prstGeom>
+        </p:spPr>
+      </p:pic>
+      <p:pic>
+        <p:nvPicPr>
+          <p:cNvPr id="29" name="Picture 28"/>
+          <p:cNvPicPr>
+            <a:picLocks noChangeAspect="1"/>
+          </p:cNvPicPr>
+          <p:nvPr/>
+        </p:nvPicPr>
+        <p:blipFill>
+          <a:blip r:embed="rId7" cstate="print">
+            <a:extLst>
+              <a:ext uri="{28A0092B-C50C-407E-A947-70E740481C1C}">
+                <a14:useLocalDpi xmlns:a14="http://schemas.microsoft.com/office/drawing/2010/main" val="0"/>
+              </a:ext>
+            </a:extLst>
+          </a:blip>
+          <a:stretch>
+            <a:fillRect/>
+          </a:stretch>
+        </p:blipFill>
+        <p:spPr>
+          <a:xfrm>
+            <a:off x="63682" y="614173"/>
+            <a:ext cx="380549" cy="380549"/>
+          </a:xfrm>
+          <a:prstGeom prst="rect">
+            <a:avLst/>
+          </a:prstGeom>
+        </p:spPr>
+      </p:pic>
+      <p:cxnSp>
+        <p:nvCxnSpPr>
+          <p:cNvPr id="25" name="Straight Arrow Connector 24"/>
+          <p:cNvCxnSpPr/>
+          <p:nvPr/>
+        </p:nvCxnSpPr>
+        <p:spPr>
+          <a:xfrm flipV="1">
+            <a:off x="1689689" y="962011"/>
+            <a:ext cx="355887" cy="1"/>
+          </a:xfrm>
+          <a:prstGeom prst="straightConnector1">
+            <a:avLst/>
+          </a:prstGeom>
+          <a:ln w="19050">
+            <a:headEnd type="arrow" w="med" len="med"/>
+            <a:tailEnd type="arrow" w="med" len="med"/>
+          </a:ln>
+        </p:spPr>
+        <p:style>
+          <a:lnRef idx="1">
+            <a:schemeClr val="dk1"/>
+          </a:lnRef>
+          <a:fillRef idx="0">
+            <a:schemeClr val="dk1"/>
+          </a:fillRef>
+          <a:effectRef idx="0">
+            <a:schemeClr val="dk1"/>
+          </a:effectRef>
+          <a:fontRef idx="minor">
+            <a:schemeClr val="tx1"/>
+          </a:fontRef>
+        </p:style>
+      </p:cxnSp>
+      <p:cxnSp>
+        <p:nvCxnSpPr>
+          <p:cNvPr id="30" name="Straight Arrow Connector 29"/>
+          <p:cNvCxnSpPr>
+            <a:stCxn id="27" idx="0"/>
+            <a:endCxn id="26" idx="2"/>
+          </p:cNvCxnSpPr>
+          <p:nvPr/>
+        </p:nvCxnSpPr>
+        <p:spPr>
+          <a:xfrm flipV="1">
+            <a:off x="925386" y="466725"/>
+            <a:ext cx="0" cy="312463"/>
+          </a:xfrm>
+          <a:prstGeom prst="straightConnector1">
+            <a:avLst/>
+          </a:prstGeom>
+          <a:ln>
+            <a:headEnd type="arrow" w="med" len="med"/>
+            <a:tailEnd type="arrow" w="med" len="med"/>
+          </a:ln>
+        </p:spPr>
+        <p:style>
+          <a:lnRef idx="3">
+            <a:schemeClr val="dk1"/>
+          </a:lnRef>
+          <a:fillRef idx="0">
+            <a:schemeClr val="dk1"/>
+          </a:fillRef>
+          <a:effectRef idx="2">
+            <a:schemeClr val="dk1"/>
+          </a:effectRef>
+          <a:fontRef idx="minor">
+            <a:schemeClr val="tx1"/>
+          </a:fontRef>
+        </p:style>
+      </p:cxnSp>
+      <p:sp>
+        <p:nvSpPr>
+          <p:cNvPr id="35" name="Rectangle 34"/>
+          <p:cNvSpPr/>
+          <p:nvPr/>
+        </p:nvSpPr>
+        <p:spPr>
+          <a:xfrm>
+            <a:off x="-102933" y="1200995"/>
+            <a:ext cx="690190" cy="369332"/>
+          </a:xfrm>
+          <a:prstGeom prst="rect">
+            <a:avLst/>
+          </a:prstGeom>
+        </p:spPr>
+        <p:txBody>
+          <a:bodyPr wrap="square">
+            <a:spAutoFit/>
+          </a:bodyPr>
+          <a:lstStyle/>
+          <a:p>
+            <a:r>
+              <a:rPr lang="en-US" b="1" dirty="0" smtClean="0"/>
+              <a:t>Host</a:t>
+            </a:r>
+            <a:endParaRPr lang="en-US" b="1" dirty="0"/>
+          </a:p>
+        </p:txBody>
+      </p:sp>
+    </p:spTree>
+    <p:extLst>
+      <p:ext uri="{BB962C8B-B14F-4D97-AF65-F5344CB8AC3E}">
+        <p14:creationId xmlns:p14="http://schemas.microsoft.com/office/powerpoint/2010/main" val="1440497518"/>
+      </p:ext>
+    </p:extLst>
+  </p:cSld>
+  <p:clrMapOvr>
+    <a:masterClrMapping/>
+  </p:clrMapOvr>
+</p:sld>
+</file>
+
+<file path=ppt/slides/slide11.xml><?xml version="1.0" encoding="utf-8"?>
+<p:sld xmlns:a="http://schemas.openxmlformats.org/drawingml/2006/main" xmlns:r="http://schemas.openxmlformats.org/officeDocument/2006/relationships" xmlns:p="http://schemas.openxmlformats.org/presentationml/2006/main">
+  <p:cSld>
+    <p:spTree>
+      <p:nvGrpSpPr>
+        <p:cNvPr id="1" name=""/>
+        <p:cNvGrpSpPr/>
+        <p:nvPr/>
+      </p:nvGrpSpPr>
+      <p:grpSpPr>
+        <a:xfrm>
+          <a:off x="0" y="0"/>
+          <a:ext cx="0" cy="0"/>
+          <a:chOff x="0" y="0"/>
+          <a:chExt cx="0" cy="0"/>
+        </a:xfrm>
+      </p:grpSpPr>
       <p:grpSp>
         <p:nvGrpSpPr>
           <p:cNvPr id="25" name="Group 24"/>
@@ -4615,6 +5391,611 @@
       </p:grpSpPr>
       <p:sp>
         <p:nvSpPr>
+          <p:cNvPr id="10" name="Rounded Rectangle 9"/>
+          <p:cNvSpPr/>
+          <p:nvPr/>
+        </p:nvSpPr>
+        <p:spPr>
+          <a:xfrm>
+            <a:off x="933230" y="331926"/>
+            <a:ext cx="1704096" cy="1130643"/>
+          </a:xfrm>
+          <a:prstGeom prst="roundRect">
+            <a:avLst>
+              <a:gd name="adj" fmla="val 10215"/>
+            </a:avLst>
+          </a:prstGeom>
+          <a:solidFill>
+            <a:srgbClr val="F7F7F7"/>
+          </a:solidFill>
+          <a:ln w="9525">
+            <a:solidFill>
+              <a:schemeClr val="tx1"/>
+            </a:solidFill>
+          </a:ln>
+        </p:spPr>
+        <p:style>
+          <a:lnRef idx="2">
+            <a:schemeClr val="accent1">
+              <a:shade val="50000"/>
+            </a:schemeClr>
+          </a:lnRef>
+          <a:fillRef idx="1">
+            <a:schemeClr val="accent1"/>
+          </a:fillRef>
+          <a:effectRef idx="0">
+            <a:schemeClr val="accent1"/>
+          </a:effectRef>
+          <a:fontRef idx="minor">
+            <a:schemeClr val="lt1"/>
+          </a:fontRef>
+        </p:style>
+        <p:txBody>
+          <a:bodyPr rtlCol="0" anchor="ctr"/>
+          <a:lstStyle/>
+          <a:p>
+            <a:pPr algn="ctr"/>
+            <a:endParaRPr lang="en-US"/>
+          </a:p>
+        </p:txBody>
+      </p:sp>
+      <p:pic>
+        <p:nvPicPr>
+          <p:cNvPr id="4" name="Picture 3"/>
+          <p:cNvPicPr>
+            <a:picLocks noChangeAspect="1"/>
+          </p:cNvPicPr>
+          <p:nvPr/>
+        </p:nvPicPr>
+        <p:blipFill rotWithShape="1">
+          <a:blip r:embed="rId2"/>
+          <a:srcRect l="24261" t="14798" r="24188" b="14569"/>
+          <a:stretch/>
+        </p:blipFill>
+        <p:spPr>
+          <a:xfrm>
+            <a:off x="3089913" y="468271"/>
+            <a:ext cx="1218495" cy="857954"/>
+          </a:xfrm>
+          <a:prstGeom prst="rect">
+            <a:avLst/>
+          </a:prstGeom>
+        </p:spPr>
+      </p:pic>
+      <p:pic>
+        <p:nvPicPr>
+          <p:cNvPr id="5" name="Picture 4"/>
+          <p:cNvPicPr>
+            <a:picLocks noChangeAspect="1"/>
+          </p:cNvPicPr>
+          <p:nvPr/>
+        </p:nvPicPr>
+        <p:blipFill rotWithShape="1">
+          <a:blip r:embed="rId3" cstate="print">
+            <a:extLst>
+              <a:ext uri="{28A0092B-C50C-407E-A947-70E740481C1C}">
+                <a14:useLocalDpi xmlns:a14="http://schemas.microsoft.com/office/drawing/2010/main" val="0"/>
+              </a:ext>
+            </a:extLst>
+          </a:blip>
+          <a:srcRect t="12685" b="12552"/>
+          <a:stretch/>
+        </p:blipFill>
+        <p:spPr>
+          <a:xfrm flipH="1">
+            <a:off x="1106252" y="436893"/>
+            <a:ext cx="581657" cy="443554"/>
+          </a:xfrm>
+          <a:prstGeom prst="rect">
+            <a:avLst/>
+          </a:prstGeom>
+        </p:spPr>
+      </p:pic>
+      <p:pic>
+        <p:nvPicPr>
+          <p:cNvPr id="6" name="Picture 5"/>
+          <p:cNvPicPr>
+            <a:picLocks noChangeAspect="1"/>
+          </p:cNvPicPr>
+          <p:nvPr/>
+        </p:nvPicPr>
+        <p:blipFill rotWithShape="1">
+          <a:blip r:embed="rId4" cstate="print">
+            <a:grayscl/>
+            <a:extLst>
+              <a:ext uri="{28A0092B-C50C-407E-A947-70E740481C1C}">
+                <a14:useLocalDpi xmlns:a14="http://schemas.microsoft.com/office/drawing/2010/main" val="0"/>
+              </a:ext>
+            </a:extLst>
+          </a:blip>
+          <a:srcRect t="9232" b="8798"/>
+          <a:stretch/>
+        </p:blipFill>
+        <p:spPr>
+          <a:xfrm>
+            <a:off x="1935324" y="441832"/>
+            <a:ext cx="535093" cy="438616"/>
+          </a:xfrm>
+          <a:prstGeom prst="rect">
+            <a:avLst/>
+          </a:prstGeom>
+        </p:spPr>
+      </p:pic>
+      <p:pic>
+        <p:nvPicPr>
+          <p:cNvPr id="7" name="Picture 6"/>
+          <p:cNvPicPr>
+            <a:picLocks noChangeAspect="1"/>
+          </p:cNvPicPr>
+          <p:nvPr/>
+        </p:nvPicPr>
+        <p:blipFill rotWithShape="1">
+          <a:blip r:embed="rId5" cstate="print">
+            <a:extLst>
+              <a:ext uri="{28A0092B-C50C-407E-A947-70E740481C1C}">
+                <a14:useLocalDpi xmlns:a14="http://schemas.microsoft.com/office/drawing/2010/main" val="0"/>
+              </a:ext>
+            </a:extLst>
+          </a:blip>
+          <a:srcRect t="3275" b="3208"/>
+          <a:stretch/>
+        </p:blipFill>
+        <p:spPr>
+          <a:xfrm>
+            <a:off x="1547736" y="983947"/>
+            <a:ext cx="469016" cy="438616"/>
+          </a:xfrm>
+          <a:prstGeom prst="rect">
+            <a:avLst/>
+          </a:prstGeom>
+        </p:spPr>
+      </p:pic>
+      <p:pic>
+        <p:nvPicPr>
+          <p:cNvPr id="9" name="Picture 8"/>
+          <p:cNvPicPr>
+            <a:picLocks noChangeAspect="1"/>
+          </p:cNvPicPr>
+          <p:nvPr/>
+        </p:nvPicPr>
+        <p:blipFill rotWithShape="1">
+          <a:blip r:embed="rId6" cstate="print">
+            <a:extLst>
+              <a:ext uri="{28A0092B-C50C-407E-A947-70E740481C1C}">
+                <a14:useLocalDpi xmlns:a14="http://schemas.microsoft.com/office/drawing/2010/main" val="0"/>
+              </a:ext>
+            </a:extLst>
+          </a:blip>
+          <a:srcRect l="28761" r="28549"/>
+          <a:stretch/>
+        </p:blipFill>
+        <p:spPr>
+          <a:xfrm>
+            <a:off x="18712" y="436893"/>
+            <a:ext cx="389573" cy="912552"/>
+          </a:xfrm>
+          <a:prstGeom prst="rect">
+            <a:avLst/>
+          </a:prstGeom>
+        </p:spPr>
+      </p:pic>
+      <p:pic>
+        <p:nvPicPr>
+          <p:cNvPr id="11" name="Picture 10"/>
+          <p:cNvPicPr>
+            <a:picLocks noChangeAspect="1"/>
+          </p:cNvPicPr>
+          <p:nvPr/>
+        </p:nvPicPr>
+        <p:blipFill rotWithShape="1">
+          <a:blip r:embed="rId7" cstate="print">
+            <a:extLst>
+              <a:ext uri="{28A0092B-C50C-407E-A947-70E740481C1C}">
+                <a14:useLocalDpi xmlns:a14="http://schemas.microsoft.com/office/drawing/2010/main" val="0"/>
+              </a:ext>
+            </a:extLst>
+          </a:blip>
+          <a:srcRect l="1487" t="16443" r="6804" b="16551"/>
+          <a:stretch/>
+        </p:blipFill>
+        <p:spPr>
+          <a:xfrm>
+            <a:off x="4794009" y="479852"/>
+            <a:ext cx="1139451" cy="832525"/>
+          </a:xfrm>
+          <a:prstGeom prst="rect">
+            <a:avLst/>
+          </a:prstGeom>
+        </p:spPr>
+      </p:pic>
+      <p:cxnSp>
+        <p:nvCxnSpPr>
+          <p:cNvPr id="12" name="Straight Arrow Connector 11"/>
+          <p:cNvCxnSpPr>
+            <a:stCxn id="10" idx="1"/>
+            <a:endCxn id="9" idx="3"/>
+          </p:cNvCxnSpPr>
+          <p:nvPr/>
+        </p:nvCxnSpPr>
+        <p:spPr>
+          <a:xfrm flipH="1" flipV="1">
+            <a:off x="408285" y="893169"/>
+            <a:ext cx="524945" cy="4079"/>
+          </a:xfrm>
+          <a:prstGeom prst="straightConnector1">
+            <a:avLst/>
+          </a:prstGeom>
+          <a:ln w="19050">
+            <a:headEnd type="arrow" w="med" len="med"/>
+            <a:tailEnd type="arrow" w="med" len="med"/>
+          </a:ln>
+        </p:spPr>
+        <p:style>
+          <a:lnRef idx="1">
+            <a:schemeClr val="dk1"/>
+          </a:lnRef>
+          <a:fillRef idx="0">
+            <a:schemeClr val="dk1"/>
+          </a:fillRef>
+          <a:effectRef idx="0">
+            <a:schemeClr val="dk1"/>
+          </a:effectRef>
+          <a:fontRef idx="minor">
+            <a:schemeClr val="tx1"/>
+          </a:fontRef>
+        </p:style>
+      </p:cxnSp>
+      <p:cxnSp>
+        <p:nvCxnSpPr>
+          <p:cNvPr id="16" name="Straight Arrow Connector 15"/>
+          <p:cNvCxnSpPr>
+            <a:stCxn id="4" idx="1"/>
+            <a:endCxn id="10" idx="3"/>
+          </p:cNvCxnSpPr>
+          <p:nvPr/>
+        </p:nvCxnSpPr>
+        <p:spPr>
+          <a:xfrm flipH="1">
+            <a:off x="2637326" y="897248"/>
+            <a:ext cx="452587" cy="0"/>
+          </a:xfrm>
+          <a:prstGeom prst="straightConnector1">
+            <a:avLst/>
+          </a:prstGeom>
+          <a:ln w="19050">
+            <a:headEnd type="arrow" w="med" len="med"/>
+            <a:tailEnd type="arrow" w="med" len="med"/>
+          </a:ln>
+        </p:spPr>
+        <p:style>
+          <a:lnRef idx="1">
+            <a:schemeClr val="dk1"/>
+          </a:lnRef>
+          <a:fillRef idx="0">
+            <a:schemeClr val="dk1"/>
+          </a:fillRef>
+          <a:effectRef idx="0">
+            <a:schemeClr val="dk1"/>
+          </a:effectRef>
+          <a:fontRef idx="minor">
+            <a:schemeClr val="tx1"/>
+          </a:fontRef>
+        </p:style>
+      </p:cxnSp>
+      <p:cxnSp>
+        <p:nvCxnSpPr>
+          <p:cNvPr id="18" name="Straight Arrow Connector 17"/>
+          <p:cNvCxnSpPr>
+            <a:stCxn id="11" idx="1"/>
+            <a:endCxn id="4" idx="3"/>
+          </p:cNvCxnSpPr>
+          <p:nvPr/>
+        </p:nvCxnSpPr>
+        <p:spPr>
+          <a:xfrm flipH="1">
+            <a:off x="4308408" y="896115"/>
+            <a:ext cx="485601" cy="1133"/>
+          </a:xfrm>
+          <a:prstGeom prst="straightConnector1">
+            <a:avLst/>
+          </a:prstGeom>
+          <a:ln w="19050">
+            <a:headEnd type="arrow" w="med" len="med"/>
+            <a:tailEnd type="arrow" w="med" len="med"/>
+          </a:ln>
+        </p:spPr>
+        <p:style>
+          <a:lnRef idx="1">
+            <a:schemeClr val="dk1"/>
+          </a:lnRef>
+          <a:fillRef idx="0">
+            <a:schemeClr val="dk1"/>
+          </a:fillRef>
+          <a:effectRef idx="0">
+            <a:schemeClr val="dk1"/>
+          </a:effectRef>
+          <a:fontRef idx="minor">
+            <a:schemeClr val="tx1"/>
+          </a:fontRef>
+        </p:style>
+      </p:cxnSp>
+      <p:pic>
+        <p:nvPicPr>
+          <p:cNvPr id="29" name="Picture 28"/>
+          <p:cNvPicPr>
+            <a:picLocks noChangeAspect="1"/>
+          </p:cNvPicPr>
+          <p:nvPr/>
+        </p:nvPicPr>
+        <p:blipFill>
+          <a:blip r:embed="rId8" cstate="print">
+            <a:extLst>
+              <a:ext uri="{28A0092B-C50C-407E-A947-70E740481C1C}">
+                <a14:useLocalDpi xmlns:a14="http://schemas.microsoft.com/office/drawing/2010/main" val="0"/>
+              </a:ext>
+            </a:extLst>
+          </a:blip>
+          <a:stretch>
+            <a:fillRect/>
+          </a:stretch>
+        </p:blipFill>
+        <p:spPr>
+          <a:xfrm>
+            <a:off x="3162271" y="468271"/>
+            <a:ext cx="460381" cy="460381"/>
+          </a:xfrm>
+          <a:prstGeom prst="rect">
+            <a:avLst/>
+          </a:prstGeom>
+        </p:spPr>
+      </p:pic>
+      <p:pic>
+        <p:nvPicPr>
+          <p:cNvPr id="30" name="Picture 29"/>
+          <p:cNvPicPr>
+            <a:picLocks noChangeAspect="1"/>
+          </p:cNvPicPr>
+          <p:nvPr/>
+        </p:nvPicPr>
+        <p:blipFill>
+          <a:blip r:embed="rId9" cstate="print">
+            <a:extLst>
+              <a:ext uri="{28A0092B-C50C-407E-A947-70E740481C1C}">
+                <a14:useLocalDpi xmlns:a14="http://schemas.microsoft.com/office/drawing/2010/main" val="0"/>
+              </a:ext>
+            </a:extLst>
+          </a:blip>
+          <a:stretch>
+            <a:fillRect/>
+          </a:stretch>
+        </p:blipFill>
+        <p:spPr>
+          <a:xfrm>
+            <a:off x="4441903" y="765337"/>
+            <a:ext cx="218610" cy="218610"/>
+          </a:xfrm>
+          <a:prstGeom prst="rect">
+            <a:avLst/>
+          </a:prstGeom>
+        </p:spPr>
+      </p:pic>
+      <p:sp>
+        <p:nvSpPr>
+          <p:cNvPr id="31" name="Rectangle 30"/>
+          <p:cNvSpPr/>
+          <p:nvPr/>
+        </p:nvSpPr>
+        <p:spPr>
+          <a:xfrm>
+            <a:off x="3387696" y="1407205"/>
+            <a:ext cx="622927" cy="369332"/>
+          </a:xfrm>
+          <a:prstGeom prst="rect">
+            <a:avLst/>
+          </a:prstGeom>
+        </p:spPr>
+        <p:txBody>
+          <a:bodyPr wrap="none">
+            <a:spAutoFit/>
+          </a:bodyPr>
+          <a:lstStyle/>
+          <a:p>
+            <a:r>
+              <a:rPr lang="en-US" b="1" dirty="0" smtClean="0"/>
+              <a:t>Host</a:t>
+            </a:r>
+            <a:endParaRPr lang="en-US" b="1" dirty="0"/>
+          </a:p>
+        </p:txBody>
+      </p:sp>
+      <p:sp>
+        <p:nvSpPr>
+          <p:cNvPr id="32" name="Rectangle 31"/>
+          <p:cNvSpPr/>
+          <p:nvPr/>
+        </p:nvSpPr>
+        <p:spPr>
+          <a:xfrm>
+            <a:off x="4574832" y="1407205"/>
+            <a:ext cx="1577804" cy="369332"/>
+          </a:xfrm>
+          <a:prstGeom prst="rect">
+            <a:avLst/>
+          </a:prstGeom>
+        </p:spPr>
+        <p:txBody>
+          <a:bodyPr wrap="none">
+            <a:spAutoFit/>
+          </a:bodyPr>
+          <a:lstStyle/>
+          <a:p>
+            <a:r>
+              <a:rPr lang="en-US" b="1" dirty="0" smtClean="0"/>
+              <a:t>Remote server</a:t>
+            </a:r>
+            <a:endParaRPr lang="en-US" b="1" dirty="0"/>
+          </a:p>
+        </p:txBody>
+      </p:sp>
+      <p:sp>
+        <p:nvSpPr>
+          <p:cNvPr id="33" name="Rectangle 32"/>
+          <p:cNvSpPr/>
+          <p:nvPr/>
+        </p:nvSpPr>
+        <p:spPr>
+          <a:xfrm>
+            <a:off x="1467895" y="1407205"/>
+            <a:ext cx="628698" cy="369332"/>
+          </a:xfrm>
+          <a:prstGeom prst="rect">
+            <a:avLst/>
+          </a:prstGeom>
+        </p:spPr>
+        <p:txBody>
+          <a:bodyPr wrap="none">
+            <a:spAutoFit/>
+          </a:bodyPr>
+          <a:lstStyle/>
+          <a:p>
+            <a:r>
+              <a:rPr lang="en-US" b="1" dirty="0" smtClean="0"/>
+              <a:t>HIDs</a:t>
+            </a:r>
+            <a:endParaRPr lang="en-US" b="1" dirty="0"/>
+          </a:p>
+        </p:txBody>
+      </p:sp>
+      <p:sp>
+        <p:nvSpPr>
+          <p:cNvPr id="34" name="Rectangle 33"/>
+          <p:cNvSpPr/>
+          <p:nvPr/>
+        </p:nvSpPr>
+        <p:spPr>
+          <a:xfrm>
+            <a:off x="-98447" y="1407205"/>
+            <a:ext cx="623889" cy="369332"/>
+          </a:xfrm>
+          <a:prstGeom prst="rect">
+            <a:avLst/>
+          </a:prstGeom>
+        </p:spPr>
+        <p:txBody>
+          <a:bodyPr wrap="none">
+            <a:spAutoFit/>
+          </a:bodyPr>
+          <a:lstStyle/>
+          <a:p>
+            <a:r>
+              <a:rPr lang="en-US" b="1" dirty="0" smtClean="0"/>
+              <a:t>User</a:t>
+            </a:r>
+            <a:endParaRPr lang="en-US" b="1" dirty="0"/>
+          </a:p>
+        </p:txBody>
+      </p:sp>
+      <p:cxnSp>
+        <p:nvCxnSpPr>
+          <p:cNvPr id="36" name="Straight Arrow Connector 35"/>
+          <p:cNvCxnSpPr/>
+          <p:nvPr/>
+        </p:nvCxnSpPr>
+        <p:spPr>
+          <a:xfrm flipH="1">
+            <a:off x="-9990" y="149663"/>
+            <a:ext cx="5943450" cy="0"/>
+          </a:xfrm>
+          <a:prstGeom prst="straightConnector1">
+            <a:avLst/>
+          </a:prstGeom>
+          <a:ln w="19050">
+            <a:solidFill>
+              <a:schemeClr val="accent6"/>
+            </a:solidFill>
+            <a:headEnd type="arrow" w="med" len="med"/>
+            <a:tailEnd type="arrow" w="med" len="med"/>
+          </a:ln>
+        </p:spPr>
+        <p:style>
+          <a:lnRef idx="1">
+            <a:schemeClr val="dk1"/>
+          </a:lnRef>
+          <a:fillRef idx="0">
+            <a:schemeClr val="dk1"/>
+          </a:fillRef>
+          <a:effectRef idx="0">
+            <a:schemeClr val="dk1"/>
+          </a:effectRef>
+          <a:fontRef idx="minor">
+            <a:schemeClr val="tx1"/>
+          </a:fontRef>
+        </p:style>
+      </p:cxnSp>
+      <p:sp>
+        <p:nvSpPr>
+          <p:cNvPr id="35" name="Rectangle 34"/>
+          <p:cNvSpPr/>
+          <p:nvPr/>
+        </p:nvSpPr>
+        <p:spPr>
+          <a:xfrm>
+            <a:off x="2310766" y="-55604"/>
+            <a:ext cx="1388393" cy="369332"/>
+          </a:xfrm>
+          <a:prstGeom prst="rect">
+            <a:avLst/>
+          </a:prstGeom>
+          <a:solidFill>
+            <a:schemeClr val="bg1"/>
+          </a:solidFill>
+        </p:spPr>
+        <p:txBody>
+          <a:bodyPr wrap="none">
+            <a:spAutoFit/>
+          </a:bodyPr>
+          <a:lstStyle/>
+          <a:p>
+            <a:r>
+              <a:rPr lang="en-US" dirty="0" smtClean="0"/>
+              <a:t>Trusted path</a:t>
+            </a:r>
+            <a:endParaRPr lang="en-US" dirty="0"/>
+          </a:p>
+        </p:txBody>
+      </p:sp>
+    </p:spTree>
+    <p:extLst>
+      <p:ext uri="{BB962C8B-B14F-4D97-AF65-F5344CB8AC3E}">
+        <p14:creationId xmlns:p14="http://schemas.microsoft.com/office/powerpoint/2010/main" val="672093585"/>
+      </p:ext>
+    </p:extLst>
+  </p:cSld>
+  <p:clrMapOvr>
+    <a:masterClrMapping/>
+  </p:clrMapOvr>
+</p:sld>
+</file>
+
+<file path=ppt/slides/slide3.xml><?xml version="1.0" encoding="utf-8"?>
+<p:sld xmlns:a="http://schemas.openxmlformats.org/drawingml/2006/main" xmlns:r="http://schemas.openxmlformats.org/officeDocument/2006/relationships" xmlns:p="http://schemas.openxmlformats.org/presentationml/2006/main">
+  <p:cSld>
+    <p:spTree>
+      <p:nvGrpSpPr>
+        <p:cNvPr id="1" name=""/>
+        <p:cNvGrpSpPr/>
+        <p:nvPr/>
+      </p:nvGrpSpPr>
+      <p:grpSpPr>
+        <a:xfrm>
+          <a:off x="0" y="0"/>
+          <a:ext cx="0" cy="0"/>
+          <a:chOff x="0" y="0"/>
+          <a:chExt cx="0" cy="0"/>
+        </a:xfrm>
+      </p:grpSpPr>
+      <p:sp>
+        <p:nvSpPr>
           <p:cNvPr id="2" name="Rectangle 1"/>
           <p:cNvSpPr/>
           <p:nvPr/>
@@ -5588,7 +6969,7 @@
 </p:sld>
 </file>
 
-<file path=ppt/slides/slide3.xml><?xml version="1.0" encoding="utf-8"?>
+<file path=ppt/slides/slide4.xml><?xml version="1.0" encoding="utf-8"?>
 <p:sld xmlns:a="http://schemas.openxmlformats.org/drawingml/2006/main" xmlns:r="http://schemas.openxmlformats.org/officeDocument/2006/relationships" xmlns:p="http://schemas.openxmlformats.org/presentationml/2006/main">
   <p:cSld>
     <p:spTree>
@@ -7462,7 +8843,7 @@
 </p:sld>
 </file>
 
-<file path=ppt/slides/slide4.xml><?xml version="1.0" encoding="utf-8"?>
+<file path=ppt/slides/slide5.xml><?xml version="1.0" encoding="utf-8"?>
 <p:sld xmlns:a="http://schemas.openxmlformats.org/drawingml/2006/main" xmlns:r="http://schemas.openxmlformats.org/officeDocument/2006/relationships" xmlns:p="http://schemas.openxmlformats.org/presentationml/2006/main">
   <p:cSld>
     <p:spTree>
@@ -9784,7 +11165,7 @@
 </p:sld>
 </file>
 
-<file path=ppt/slides/slide5.xml><?xml version="1.0" encoding="utf-8"?>
+<file path=ppt/slides/slide6.xml><?xml version="1.0" encoding="utf-8"?>
 <p:sld xmlns:a="http://schemas.openxmlformats.org/drawingml/2006/main" xmlns:r="http://schemas.openxmlformats.org/officeDocument/2006/relationships" xmlns:p="http://schemas.openxmlformats.org/presentationml/2006/main">
   <p:cSld>
     <p:spTree>
@@ -10300,7 +11681,7 @@
 </p:sld>
 </file>
 
-<file path=ppt/slides/slide6.xml><?xml version="1.0" encoding="utf-8"?>
+<file path=ppt/slides/slide7.xml><?xml version="1.0" encoding="utf-8"?>
 <p:sld xmlns:a="http://schemas.openxmlformats.org/drawingml/2006/main" xmlns:r="http://schemas.openxmlformats.org/officeDocument/2006/relationships" xmlns:p="http://schemas.openxmlformats.org/presentationml/2006/main">
   <p:cSld>
     <p:spTree>
@@ -11992,7 +13373,7 @@
 </p:sld>
 </file>
 
-<file path=ppt/slides/slide7.xml><?xml version="1.0" encoding="utf-8"?>
+<file path=ppt/slides/slide8.xml><?xml version="1.0" encoding="utf-8"?>
 <p:sld xmlns:a="http://schemas.openxmlformats.org/drawingml/2006/main" xmlns:r="http://schemas.openxmlformats.org/officeDocument/2006/relationships" xmlns:p="http://schemas.openxmlformats.org/presentationml/2006/main">
   <p:cSld>
     <p:spTree>
@@ -13090,7 +14471,7 @@
 </p:sld>
 </file>
 
-<file path=ppt/slides/slide8.xml><?xml version="1.0" encoding="utf-8"?>
+<file path=ppt/slides/slide9.xml><?xml version="1.0" encoding="utf-8"?>
 <p:sld xmlns:a="http://schemas.openxmlformats.org/drawingml/2006/main" xmlns:r="http://schemas.openxmlformats.org/officeDocument/2006/relationships" xmlns:p="http://schemas.openxmlformats.org/presentationml/2006/main">
   <p:cSld>
     <p:spTree>
@@ -13949,781 +15330,6 @@
     <p:extLst>
       <p:ext uri="{BB962C8B-B14F-4D97-AF65-F5344CB8AC3E}">
         <p14:creationId xmlns:p14="http://schemas.microsoft.com/office/powerpoint/2010/main" val="4101501723"/>
-      </p:ext>
-    </p:extLst>
-  </p:cSld>
-  <p:clrMapOvr>
-    <a:masterClrMapping/>
-  </p:clrMapOvr>
-</p:sld>
-</file>
-
-<file path=ppt/slides/slide9.xml><?xml version="1.0" encoding="utf-8"?>
-<p:sld xmlns:a="http://schemas.openxmlformats.org/drawingml/2006/main" xmlns:r="http://schemas.openxmlformats.org/officeDocument/2006/relationships" xmlns:p="http://schemas.openxmlformats.org/presentationml/2006/main">
-  <p:cSld>
-    <p:spTree>
-      <p:nvGrpSpPr>
-        <p:cNvPr id="1" name=""/>
-        <p:cNvGrpSpPr/>
-        <p:nvPr/>
-      </p:nvGrpSpPr>
-      <p:grpSpPr>
-        <a:xfrm>
-          <a:off x="0" y="0"/>
-          <a:ext cx="0" cy="0"/>
-          <a:chOff x="0" y="0"/>
-          <a:chExt cx="0" cy="0"/>
-        </a:xfrm>
-      </p:grpSpPr>
-      <p:sp>
-        <p:nvSpPr>
-          <p:cNvPr id="2" name="Rectangle 1"/>
-          <p:cNvSpPr/>
-          <p:nvPr/>
-        </p:nvSpPr>
-        <p:spPr>
-          <a:xfrm>
-            <a:off x="9525" y="9525"/>
-            <a:ext cx="3206641" cy="1245823"/>
-          </a:xfrm>
-          <a:prstGeom prst="rect">
-            <a:avLst/>
-          </a:prstGeom>
-          <a:solidFill>
-            <a:schemeClr val="bg1"/>
-          </a:solidFill>
-          <a:ln w="19050"/>
-        </p:spPr>
-        <p:style>
-          <a:lnRef idx="2">
-            <a:schemeClr val="dk1"/>
-          </a:lnRef>
-          <a:fillRef idx="1">
-            <a:schemeClr val="lt1"/>
-          </a:fillRef>
-          <a:effectRef idx="0">
-            <a:schemeClr val="dk1"/>
-          </a:effectRef>
-          <a:fontRef idx="minor">
-            <a:schemeClr val="dk1"/>
-          </a:fontRef>
-        </p:style>
-        <p:txBody>
-          <a:bodyPr rtlCol="0" anchor="ctr"/>
-          <a:lstStyle/>
-          <a:p>
-            <a:pPr algn="ctr"/>
-            <a:endParaRPr lang="en-US"/>
-          </a:p>
-        </p:txBody>
-      </p:sp>
-      <p:pic>
-        <p:nvPicPr>
-          <p:cNvPr id="7" name="Picture 6"/>
-          <p:cNvPicPr>
-            <a:picLocks noChangeAspect="1"/>
-          </p:cNvPicPr>
-          <p:nvPr/>
-        </p:nvPicPr>
-        <p:blipFill rotWithShape="1">
-          <a:blip r:embed="rId2" cstate="print">
-            <a:extLst>
-              <a:ext uri="{28A0092B-C50C-407E-A947-70E740481C1C}">
-                <a14:useLocalDpi xmlns:a14="http://schemas.microsoft.com/office/drawing/2010/main" val="0"/>
-              </a:ext>
-            </a:extLst>
-          </a:blip>
-          <a:srcRect l="12889" t="14222" r="13000" b="28556"/>
-          <a:stretch/>
-        </p:blipFill>
-        <p:spPr>
-          <a:xfrm>
-            <a:off x="1867679" y="192753"/>
-            <a:ext cx="1283173" cy="990755"/>
-          </a:xfrm>
-          <a:prstGeom prst="rect">
-            <a:avLst/>
-          </a:prstGeom>
-        </p:spPr>
-      </p:pic>
-      <p:grpSp>
-        <p:nvGrpSpPr>
-          <p:cNvPr id="8" name="Group 7"/>
-          <p:cNvGrpSpPr/>
-          <p:nvPr/>
-        </p:nvGrpSpPr>
-        <p:grpSpPr>
-          <a:xfrm>
-            <a:off x="4158458" y="115267"/>
-            <a:ext cx="1219100" cy="1466714"/>
-            <a:chOff x="7559697" y="2896126"/>
-            <a:chExt cx="717816" cy="863613"/>
-          </a:xfrm>
-        </p:grpSpPr>
-        <p:pic>
-          <p:nvPicPr>
-            <p:cNvPr id="9" name="Picture 8"/>
-            <p:cNvPicPr>
-              <a:picLocks noChangeAspect="1"/>
-            </p:cNvPicPr>
-            <p:nvPr/>
-          </p:nvPicPr>
-          <p:blipFill rotWithShape="1">
-            <a:blip r:embed="rId3" cstate="print">
-              <a:extLst>
-                <a:ext uri="{28A0092B-C50C-407E-A947-70E740481C1C}">
-                  <a14:useLocalDpi xmlns:a14="http://schemas.microsoft.com/office/drawing/2010/main" val="0"/>
-                </a:ext>
-              </a:extLst>
-            </a:blip>
-            <a:srcRect t="3275" b="3208"/>
-            <a:stretch/>
-          </p:blipFill>
-          <p:spPr>
-            <a:xfrm>
-              <a:off x="7559697" y="2896126"/>
-              <a:ext cx="717816" cy="671289"/>
-            </a:xfrm>
-            <a:prstGeom prst="rect">
-              <a:avLst/>
-            </a:prstGeom>
-          </p:spPr>
-        </p:pic>
-        <p:sp>
-          <p:nvSpPr>
-            <p:cNvPr id="10" name="Rectangle 9"/>
-            <p:cNvSpPr/>
-            <p:nvPr/>
-          </p:nvSpPr>
-          <p:spPr>
-            <a:xfrm>
-              <a:off x="7667185" y="3542273"/>
-              <a:ext cx="511814" cy="217466"/>
-            </a:xfrm>
-            <a:prstGeom prst="rect">
-              <a:avLst/>
-            </a:prstGeom>
-          </p:spPr>
-          <p:txBody>
-            <a:bodyPr wrap="square">
-              <a:spAutoFit/>
-            </a:bodyPr>
-            <a:lstStyle/>
-            <a:p>
-              <a:r>
-                <a:rPr lang="en-US" b="1" dirty="0" smtClean="0"/>
-                <a:t>Output</a:t>
-              </a:r>
-              <a:endParaRPr lang="en-US" b="1" dirty="0"/>
-            </a:p>
-          </p:txBody>
-        </p:sp>
-      </p:grpSp>
-      <p:grpSp>
-        <p:nvGrpSpPr>
-          <p:cNvPr id="11" name="Group 10"/>
-          <p:cNvGrpSpPr/>
-          <p:nvPr/>
-        </p:nvGrpSpPr>
-        <p:grpSpPr>
-          <a:xfrm>
-            <a:off x="1393635" y="1401949"/>
-            <a:ext cx="2447407" cy="726593"/>
-            <a:chOff x="2534406" y="4227129"/>
-            <a:chExt cx="2169949" cy="644221"/>
-          </a:xfrm>
-        </p:grpSpPr>
-        <p:grpSp>
-          <p:nvGrpSpPr>
-            <p:cNvPr id="12" name="Group 11"/>
-            <p:cNvGrpSpPr/>
-            <p:nvPr/>
-          </p:nvGrpSpPr>
-          <p:grpSpPr>
-            <a:xfrm>
-              <a:off x="2534406" y="4227129"/>
-              <a:ext cx="1615914" cy="610914"/>
-              <a:chOff x="3298986" y="4564117"/>
-              <a:chExt cx="1615914" cy="610914"/>
-            </a:xfrm>
-          </p:grpSpPr>
-          <p:sp>
-            <p:nvSpPr>
-              <p:cNvPr id="14" name="Rounded Rectangle 13"/>
-              <p:cNvSpPr/>
-              <p:nvPr/>
-            </p:nvSpPr>
-            <p:spPr>
-              <a:xfrm>
-                <a:off x="3298986" y="4564117"/>
-                <a:ext cx="1615914" cy="610914"/>
-              </a:xfrm>
-              <a:prstGeom prst="roundRect">
-                <a:avLst>
-                  <a:gd name="adj" fmla="val 10215"/>
-                </a:avLst>
-              </a:prstGeom>
-              <a:solidFill>
-                <a:srgbClr val="F7F7F7"/>
-              </a:solidFill>
-              <a:ln w="19050">
-                <a:solidFill>
-                  <a:schemeClr val="tx1"/>
-                </a:solidFill>
-              </a:ln>
-            </p:spPr>
-            <p:style>
-              <a:lnRef idx="2">
-                <a:schemeClr val="accent1">
-                  <a:shade val="50000"/>
-                </a:schemeClr>
-              </a:lnRef>
-              <a:fillRef idx="1">
-                <a:schemeClr val="accent1"/>
-              </a:fillRef>
-              <a:effectRef idx="0">
-                <a:schemeClr val="accent1"/>
-              </a:effectRef>
-              <a:fontRef idx="minor">
-                <a:schemeClr val="lt1"/>
-              </a:fontRef>
-            </p:style>
-            <p:txBody>
-              <a:bodyPr rtlCol="0" anchor="ctr"/>
-              <a:lstStyle/>
-              <a:p>
-                <a:pPr algn="ctr"/>
-                <a:endParaRPr lang="en-US"/>
-              </a:p>
-            </p:txBody>
-          </p:sp>
-          <p:pic>
-            <p:nvPicPr>
-              <p:cNvPr id="15" name="Picture 14"/>
-              <p:cNvPicPr>
-                <a:picLocks noChangeAspect="1"/>
-              </p:cNvPicPr>
-              <p:nvPr/>
-            </p:nvPicPr>
-            <p:blipFill rotWithShape="1">
-              <a:blip r:embed="rId4" cstate="print">
-                <a:extLst>
-                  <a:ext uri="{28A0092B-C50C-407E-A947-70E740481C1C}">
-                    <a14:useLocalDpi xmlns:a14="http://schemas.microsoft.com/office/drawing/2010/main" val="0"/>
-                  </a:ext>
-                </a:extLst>
-              </a:blip>
-              <a:srcRect t="14679" b="14612"/>
-              <a:stretch/>
-            </p:blipFill>
-            <p:spPr>
-              <a:xfrm>
-                <a:off x="3369879" y="4637379"/>
-                <a:ext cx="666168" cy="471040"/>
-              </a:xfrm>
-              <a:prstGeom prst="rect">
-                <a:avLst/>
-              </a:prstGeom>
-            </p:spPr>
-          </p:pic>
-          <p:pic>
-            <p:nvPicPr>
-              <p:cNvPr id="16" name="Picture 15"/>
-              <p:cNvPicPr>
-                <a:picLocks noChangeAspect="1"/>
-              </p:cNvPicPr>
-              <p:nvPr/>
-            </p:nvPicPr>
-            <p:blipFill rotWithShape="1">
-              <a:blip r:embed="rId5" cstate="print">
-                <a:extLst>
-                  <a:ext uri="{28A0092B-C50C-407E-A947-70E740481C1C}">
-                    <a14:useLocalDpi xmlns:a14="http://schemas.microsoft.com/office/drawing/2010/main" val="0"/>
-                  </a:ext>
-                </a:extLst>
-              </a:blip>
-              <a:srcRect t="9849" b="9916"/>
-              <a:stretch/>
-            </p:blipFill>
-            <p:spPr>
-              <a:xfrm>
-                <a:off x="4278311" y="4643663"/>
-                <a:ext cx="579243" cy="464756"/>
-              </a:xfrm>
-              <a:prstGeom prst="rect">
-                <a:avLst/>
-              </a:prstGeom>
-            </p:spPr>
-          </p:pic>
-        </p:grpSp>
-        <p:sp>
-          <p:nvSpPr>
-            <p:cNvPr id="13" name="Rectangle 12"/>
-            <p:cNvSpPr/>
-            <p:nvPr/>
-          </p:nvSpPr>
-          <p:spPr>
-            <a:xfrm>
-              <a:off x="4092411" y="4543888"/>
-              <a:ext cx="611944" cy="327462"/>
-            </a:xfrm>
-            <a:prstGeom prst="rect">
-              <a:avLst/>
-            </a:prstGeom>
-          </p:spPr>
-          <p:txBody>
-            <a:bodyPr wrap="square">
-              <a:spAutoFit/>
-            </a:bodyPr>
-            <a:lstStyle/>
-            <a:p>
-              <a:r>
-                <a:rPr lang="en-US" b="1" dirty="0" smtClean="0"/>
-                <a:t>Input</a:t>
-              </a:r>
-              <a:endParaRPr lang="en-US" b="1" dirty="0"/>
-            </a:p>
-          </p:txBody>
-        </p:sp>
-      </p:grpSp>
-      <p:grpSp>
-        <p:nvGrpSpPr>
-          <p:cNvPr id="23" name="Group 22"/>
-          <p:cNvGrpSpPr/>
-          <p:nvPr/>
-        </p:nvGrpSpPr>
-        <p:grpSpPr>
-          <a:xfrm>
-            <a:off x="3291383" y="417976"/>
-            <a:ext cx="726544" cy="192203"/>
-            <a:chOff x="5905501" y="2475118"/>
-            <a:chExt cx="1581958" cy="545818"/>
-          </a:xfrm>
-        </p:grpSpPr>
-        <p:grpSp>
-          <p:nvGrpSpPr>
-            <p:cNvPr id="19" name="Group 18"/>
-            <p:cNvGrpSpPr/>
-            <p:nvPr/>
-          </p:nvGrpSpPr>
-          <p:grpSpPr>
-            <a:xfrm>
-              <a:off x="5905501" y="2475118"/>
-              <a:ext cx="1062228" cy="545818"/>
-              <a:chOff x="5935980" y="475630"/>
-              <a:chExt cx="2040255" cy="1048370"/>
-            </a:xfrm>
-          </p:grpSpPr>
-          <p:pic>
-            <p:nvPicPr>
-              <p:cNvPr id="17" name="Picture 16"/>
-              <p:cNvPicPr>
-                <a:picLocks noChangeAspect="1"/>
-              </p:cNvPicPr>
-              <p:nvPr/>
-            </p:nvPicPr>
-            <p:blipFill rotWithShape="1">
-              <a:blip r:embed="rId6" cstate="print">
-                <a:extLst>
-                  <a:ext uri="{28A0092B-C50C-407E-A947-70E740481C1C}">
-                    <a14:useLocalDpi xmlns:a14="http://schemas.microsoft.com/office/drawing/2010/main" val="0"/>
-                  </a:ext>
-                </a:extLst>
-              </a:blip>
-              <a:srcRect l="11333" t="4556" r="11333" b="18999"/>
-              <a:stretch/>
-            </p:blipFill>
-            <p:spPr>
-              <a:xfrm rot="5400000">
-                <a:off x="5929955" y="481655"/>
-                <a:ext cx="1048370" cy="1036320"/>
-              </a:xfrm>
-              <a:prstGeom prst="rect">
-                <a:avLst/>
-              </a:prstGeom>
-            </p:spPr>
-          </p:pic>
-          <p:pic>
-            <p:nvPicPr>
-              <p:cNvPr id="18" name="Picture 17"/>
-              <p:cNvPicPr>
-                <a:picLocks noChangeAspect="1"/>
-              </p:cNvPicPr>
-              <p:nvPr/>
-            </p:nvPicPr>
-            <p:blipFill rotWithShape="1">
-              <a:blip r:embed="rId6" cstate="print">
-                <a:extLst>
-                  <a:ext uri="{28A0092B-C50C-407E-A947-70E740481C1C}">
-                    <a14:useLocalDpi xmlns:a14="http://schemas.microsoft.com/office/drawing/2010/main" val="0"/>
-                  </a:ext>
-                </a:extLst>
-              </a:blip>
-              <a:srcRect l="11333" t="4556" r="11333" b="18999"/>
-              <a:stretch/>
-            </p:blipFill>
-            <p:spPr>
-              <a:xfrm rot="5400000">
-                <a:off x="6933890" y="481655"/>
-                <a:ext cx="1048370" cy="1036320"/>
-              </a:xfrm>
-              <a:prstGeom prst="rect">
-                <a:avLst/>
-              </a:prstGeom>
-            </p:spPr>
-          </p:pic>
-        </p:grpSp>
-        <p:pic>
-          <p:nvPicPr>
-            <p:cNvPr id="21" name="Picture 20"/>
-            <p:cNvPicPr>
-              <a:picLocks noChangeAspect="1"/>
-            </p:cNvPicPr>
-            <p:nvPr/>
-          </p:nvPicPr>
-          <p:blipFill rotWithShape="1">
-            <a:blip r:embed="rId6" cstate="print">
-              <a:extLst>
-                <a:ext uri="{28A0092B-C50C-407E-A947-70E740481C1C}">
-                  <a14:useLocalDpi xmlns:a14="http://schemas.microsoft.com/office/drawing/2010/main" val="0"/>
-                </a:ext>
-              </a:extLst>
-            </a:blip>
-            <a:srcRect l="11333" t="4556" r="11333" b="18999"/>
-            <a:stretch/>
-          </p:blipFill>
-          <p:spPr>
-            <a:xfrm rot="5400000">
-              <a:off x="6944778" y="2478255"/>
-              <a:ext cx="545818" cy="539544"/>
-            </a:xfrm>
-            <a:prstGeom prst="rect">
-              <a:avLst/>
-            </a:prstGeom>
-          </p:spPr>
-        </p:pic>
-      </p:grpSp>
-      <p:cxnSp>
-        <p:nvCxnSpPr>
-          <p:cNvPr id="24" name="Straight Arrow Connector 23"/>
-          <p:cNvCxnSpPr>
-            <a:stCxn id="7" idx="3"/>
-            <a:endCxn id="9" idx="1"/>
-          </p:cNvCxnSpPr>
-          <p:nvPr/>
-        </p:nvCxnSpPr>
-        <p:spPr>
-          <a:xfrm flipV="1">
-            <a:off x="3150852" y="685308"/>
-            <a:ext cx="1007606" cy="2823"/>
-          </a:xfrm>
-          <a:prstGeom prst="straightConnector1">
-            <a:avLst/>
-          </a:prstGeom>
-          <a:ln w="19050">
-            <a:headEnd type="none" w="med" len="med"/>
-            <a:tailEnd type="arrow" w="med" len="med"/>
-          </a:ln>
-        </p:spPr>
-        <p:style>
-          <a:lnRef idx="1">
-            <a:schemeClr val="dk1"/>
-          </a:lnRef>
-          <a:fillRef idx="0">
-            <a:schemeClr val="dk1"/>
-          </a:fillRef>
-          <a:effectRef idx="0">
-            <a:schemeClr val="dk1"/>
-          </a:effectRef>
-          <a:fontRef idx="minor">
-            <a:schemeClr val="tx1"/>
-          </a:fontRef>
-        </p:style>
-      </p:cxnSp>
-      <p:cxnSp>
-        <p:nvCxnSpPr>
-          <p:cNvPr id="20" name="Straight Arrow Connector 19"/>
-          <p:cNvCxnSpPr/>
-          <p:nvPr/>
-        </p:nvCxnSpPr>
-        <p:spPr>
-          <a:xfrm flipV="1">
-            <a:off x="2568337" y="1051476"/>
-            <a:ext cx="0" cy="345838"/>
-          </a:xfrm>
-          <a:prstGeom prst="straightConnector1">
-            <a:avLst/>
-          </a:prstGeom>
-          <a:ln>
-            <a:headEnd type="none" w="med" len="med"/>
-            <a:tailEnd type="arrow" w="med" len="med"/>
-          </a:ln>
-        </p:spPr>
-        <p:style>
-          <a:lnRef idx="3">
-            <a:schemeClr val="dk1"/>
-          </a:lnRef>
-          <a:fillRef idx="0">
-            <a:schemeClr val="dk1"/>
-          </a:fillRef>
-          <a:effectRef idx="2">
-            <a:schemeClr val="dk1"/>
-          </a:effectRef>
-          <a:fontRef idx="minor">
-            <a:schemeClr val="tx1"/>
-          </a:fontRef>
-        </p:style>
-      </p:cxnSp>
-      <p:sp>
-        <p:nvSpPr>
-          <p:cNvPr id="26" name="Rounded Rectangle 25"/>
-          <p:cNvSpPr/>
-          <p:nvPr/>
-        </p:nvSpPr>
-        <p:spPr>
-          <a:xfrm>
-            <a:off x="165645" y="72587"/>
-            <a:ext cx="1519482" cy="394138"/>
-          </a:xfrm>
-          <a:prstGeom prst="roundRect">
-            <a:avLst/>
-          </a:prstGeom>
-          <a:ln w="19050"/>
-        </p:spPr>
-        <p:style>
-          <a:lnRef idx="2">
-            <a:schemeClr val="dk1"/>
-          </a:lnRef>
-          <a:fillRef idx="1">
-            <a:schemeClr val="lt1"/>
-          </a:fillRef>
-          <a:effectRef idx="0">
-            <a:schemeClr val="dk1"/>
-          </a:effectRef>
-          <a:fontRef idx="minor">
-            <a:schemeClr val="dk1"/>
-          </a:fontRef>
-        </p:style>
-        <p:txBody>
-          <a:bodyPr rtlCol="0" anchor="ctr"/>
-          <a:lstStyle/>
-          <a:p>
-            <a:pPr algn="ctr"/>
-            <a:r>
-              <a:rPr lang="en-US" dirty="0" smtClean="0"/>
-              <a:t>OS</a:t>
-            </a:r>
-            <a:endParaRPr lang="en-US" dirty="0"/>
-          </a:p>
-        </p:txBody>
-      </p:sp>
-      <p:sp>
-        <p:nvSpPr>
-          <p:cNvPr id="27" name="Rounded Rectangle 26"/>
-          <p:cNvSpPr/>
-          <p:nvPr/>
-        </p:nvSpPr>
-        <p:spPr>
-          <a:xfrm>
-            <a:off x="165645" y="779188"/>
-            <a:ext cx="1519482" cy="394138"/>
-          </a:xfrm>
-          <a:prstGeom prst="roundRect">
-            <a:avLst/>
-          </a:prstGeom>
-          <a:ln w="19050"/>
-        </p:spPr>
-        <p:style>
-          <a:lnRef idx="2">
-            <a:schemeClr val="dk1"/>
-          </a:lnRef>
-          <a:fillRef idx="1">
-            <a:schemeClr val="lt1"/>
-          </a:fillRef>
-          <a:effectRef idx="0">
-            <a:schemeClr val="dk1"/>
-          </a:effectRef>
-          <a:fontRef idx="minor">
-            <a:schemeClr val="dk1"/>
-          </a:fontRef>
-        </p:style>
-        <p:txBody>
-          <a:bodyPr rtlCol="0" anchor="ctr"/>
-          <a:lstStyle/>
-          <a:p>
-            <a:pPr algn="ctr"/>
-            <a:r>
-              <a:rPr lang="en-US" dirty="0" smtClean="0"/>
-              <a:t>CPU</a:t>
-            </a:r>
-            <a:endParaRPr lang="en-US" dirty="0"/>
-          </a:p>
-        </p:txBody>
-      </p:sp>
-      <p:pic>
-        <p:nvPicPr>
-          <p:cNvPr id="28" name="Picture 27"/>
-          <p:cNvPicPr>
-            <a:picLocks noChangeAspect="1"/>
-          </p:cNvPicPr>
-          <p:nvPr/>
-        </p:nvPicPr>
-        <p:blipFill>
-          <a:blip r:embed="rId7" cstate="print">
-            <a:extLst>
-              <a:ext uri="{28A0092B-C50C-407E-A947-70E740481C1C}">
-                <a14:useLocalDpi xmlns:a14="http://schemas.microsoft.com/office/drawing/2010/main" val="0"/>
-              </a:ext>
-            </a:extLst>
-          </a:blip>
-          <a:stretch>
-            <a:fillRect/>
-          </a:stretch>
-        </p:blipFill>
-        <p:spPr>
-          <a:xfrm>
-            <a:off x="56214" y="62511"/>
-            <a:ext cx="380549" cy="380549"/>
-          </a:xfrm>
-          <a:prstGeom prst="rect">
-            <a:avLst/>
-          </a:prstGeom>
-        </p:spPr>
-      </p:pic>
-      <p:pic>
-        <p:nvPicPr>
-          <p:cNvPr id="29" name="Picture 28"/>
-          <p:cNvPicPr>
-            <a:picLocks noChangeAspect="1"/>
-          </p:cNvPicPr>
-          <p:nvPr/>
-        </p:nvPicPr>
-        <p:blipFill>
-          <a:blip r:embed="rId7" cstate="print">
-            <a:extLst>
-              <a:ext uri="{28A0092B-C50C-407E-A947-70E740481C1C}">
-                <a14:useLocalDpi xmlns:a14="http://schemas.microsoft.com/office/drawing/2010/main" val="0"/>
-              </a:ext>
-            </a:extLst>
-          </a:blip>
-          <a:stretch>
-            <a:fillRect/>
-          </a:stretch>
-        </p:blipFill>
-        <p:spPr>
-          <a:xfrm>
-            <a:off x="63682" y="614173"/>
-            <a:ext cx="380549" cy="380549"/>
-          </a:xfrm>
-          <a:prstGeom prst="rect">
-            <a:avLst/>
-          </a:prstGeom>
-        </p:spPr>
-      </p:pic>
-      <p:cxnSp>
-        <p:nvCxnSpPr>
-          <p:cNvPr id="25" name="Straight Arrow Connector 24"/>
-          <p:cNvCxnSpPr/>
-          <p:nvPr/>
-        </p:nvCxnSpPr>
-        <p:spPr>
-          <a:xfrm flipV="1">
-            <a:off x="1689689" y="962011"/>
-            <a:ext cx="355887" cy="1"/>
-          </a:xfrm>
-          <a:prstGeom prst="straightConnector1">
-            <a:avLst/>
-          </a:prstGeom>
-          <a:ln w="19050">
-            <a:headEnd type="arrow" w="med" len="med"/>
-            <a:tailEnd type="arrow" w="med" len="med"/>
-          </a:ln>
-        </p:spPr>
-        <p:style>
-          <a:lnRef idx="1">
-            <a:schemeClr val="dk1"/>
-          </a:lnRef>
-          <a:fillRef idx="0">
-            <a:schemeClr val="dk1"/>
-          </a:fillRef>
-          <a:effectRef idx="0">
-            <a:schemeClr val="dk1"/>
-          </a:effectRef>
-          <a:fontRef idx="minor">
-            <a:schemeClr val="tx1"/>
-          </a:fontRef>
-        </p:style>
-      </p:cxnSp>
-      <p:cxnSp>
-        <p:nvCxnSpPr>
-          <p:cNvPr id="30" name="Straight Arrow Connector 29"/>
-          <p:cNvCxnSpPr>
-            <a:stCxn id="27" idx="0"/>
-            <a:endCxn id="26" idx="2"/>
-          </p:cNvCxnSpPr>
-          <p:nvPr/>
-        </p:nvCxnSpPr>
-        <p:spPr>
-          <a:xfrm flipV="1">
-            <a:off x="925386" y="466725"/>
-            <a:ext cx="0" cy="312463"/>
-          </a:xfrm>
-          <a:prstGeom prst="straightConnector1">
-            <a:avLst/>
-          </a:prstGeom>
-          <a:ln>
-            <a:headEnd type="arrow" w="med" len="med"/>
-            <a:tailEnd type="arrow" w="med" len="med"/>
-          </a:ln>
-        </p:spPr>
-        <p:style>
-          <a:lnRef idx="3">
-            <a:schemeClr val="dk1"/>
-          </a:lnRef>
-          <a:fillRef idx="0">
-            <a:schemeClr val="dk1"/>
-          </a:fillRef>
-          <a:effectRef idx="2">
-            <a:schemeClr val="dk1"/>
-          </a:effectRef>
-          <a:fontRef idx="minor">
-            <a:schemeClr val="tx1"/>
-          </a:fontRef>
-        </p:style>
-      </p:cxnSp>
-      <p:sp>
-        <p:nvSpPr>
-          <p:cNvPr id="35" name="Rectangle 34"/>
-          <p:cNvSpPr/>
-          <p:nvPr/>
-        </p:nvSpPr>
-        <p:spPr>
-          <a:xfrm>
-            <a:off x="-102933" y="1200995"/>
-            <a:ext cx="690190" cy="369332"/>
-          </a:xfrm>
-          <a:prstGeom prst="rect">
-            <a:avLst/>
-          </a:prstGeom>
-        </p:spPr>
-        <p:txBody>
-          <a:bodyPr wrap="square">
-            <a:spAutoFit/>
-          </a:bodyPr>
-          <a:lstStyle/>
-          <a:p>
-            <a:r>
-              <a:rPr lang="en-US" b="1" dirty="0" smtClean="0"/>
-              <a:t>Host</a:t>
-            </a:r>
-            <a:endParaRPr lang="en-US" b="1" dirty="0"/>
-          </a:p>
-        </p:txBody>
-      </p:sp>
-    </p:spTree>
-    <p:extLst>
-      <p:ext uri="{BB962C8B-B14F-4D97-AF65-F5344CB8AC3E}">
-        <p14:creationId xmlns:p14="http://schemas.microsoft.com/office/powerpoint/2010/main" val="1440497518"/>
       </p:ext>
     </p:extLst>
   </p:cSld>

--- a/aritra/MouseTracking/images/systemDesign.pptx
+++ b/aritra/MouseTracking/images/systemDesign.pptx
@@ -11,11 +11,12 @@
     <p:sldId id="256" r:id="rId5"/>
     <p:sldId id="257" r:id="rId6"/>
     <p:sldId id="258" r:id="rId7"/>
-    <p:sldId id="259" r:id="rId8"/>
-    <p:sldId id="260" r:id="rId9"/>
-    <p:sldId id="261" r:id="rId10"/>
-    <p:sldId id="263" r:id="rId11"/>
-    <p:sldId id="265" r:id="rId12"/>
+    <p:sldId id="267" r:id="rId8"/>
+    <p:sldId id="259" r:id="rId9"/>
+    <p:sldId id="260" r:id="rId10"/>
+    <p:sldId id="261" r:id="rId11"/>
+    <p:sldId id="263" r:id="rId12"/>
+    <p:sldId id="265" r:id="rId13"/>
   </p:sldIdLst>
   <p:sldSz cx="12192000" cy="6858000"/>
   <p:notesSz cx="6858000" cy="9144000"/>
@@ -253,7 +254,7 @@
           <a:p>
             <a:fld id="{AAB2D3D3-1E26-436C-8467-9F82561659A6}" type="datetimeFigureOut">
               <a:rPr lang="en-US" smtClean="0"/>
-              <a:t>12/19/2018</a:t>
+              <a:t>1/16/2019</a:t>
             </a:fld>
             <a:endParaRPr lang="en-US"/>
           </a:p>
@@ -423,7 +424,7 @@
           <a:p>
             <a:fld id="{AAB2D3D3-1E26-436C-8467-9F82561659A6}" type="datetimeFigureOut">
               <a:rPr lang="en-US" smtClean="0"/>
-              <a:t>12/19/2018</a:t>
+              <a:t>1/16/2019</a:t>
             </a:fld>
             <a:endParaRPr lang="en-US"/>
           </a:p>
@@ -603,7 +604,7 @@
           <a:p>
             <a:fld id="{AAB2D3D3-1E26-436C-8467-9F82561659A6}" type="datetimeFigureOut">
               <a:rPr lang="en-US" smtClean="0"/>
-              <a:t>12/19/2018</a:t>
+              <a:t>1/16/2019</a:t>
             </a:fld>
             <a:endParaRPr lang="en-US"/>
           </a:p>
@@ -773,7 +774,7 @@
           <a:p>
             <a:fld id="{AAB2D3D3-1E26-436C-8467-9F82561659A6}" type="datetimeFigureOut">
               <a:rPr lang="en-US" smtClean="0"/>
-              <a:t>12/19/2018</a:t>
+              <a:t>1/16/2019</a:t>
             </a:fld>
             <a:endParaRPr lang="en-US"/>
           </a:p>
@@ -1019,7 +1020,7 @@
           <a:p>
             <a:fld id="{AAB2D3D3-1E26-436C-8467-9F82561659A6}" type="datetimeFigureOut">
               <a:rPr lang="en-US" smtClean="0"/>
-              <a:t>12/19/2018</a:t>
+              <a:t>1/16/2019</a:t>
             </a:fld>
             <a:endParaRPr lang="en-US"/>
           </a:p>
@@ -1251,7 +1252,7 @@
           <a:p>
             <a:fld id="{AAB2D3D3-1E26-436C-8467-9F82561659A6}" type="datetimeFigureOut">
               <a:rPr lang="en-US" smtClean="0"/>
-              <a:t>12/19/2018</a:t>
+              <a:t>1/16/2019</a:t>
             </a:fld>
             <a:endParaRPr lang="en-US"/>
           </a:p>
@@ -1618,7 +1619,7 @@
           <a:p>
             <a:fld id="{AAB2D3D3-1E26-436C-8467-9F82561659A6}" type="datetimeFigureOut">
               <a:rPr lang="en-US" smtClean="0"/>
-              <a:t>12/19/2018</a:t>
+              <a:t>1/16/2019</a:t>
             </a:fld>
             <a:endParaRPr lang="en-US"/>
           </a:p>
@@ -1736,7 +1737,7 @@
           <a:p>
             <a:fld id="{AAB2D3D3-1E26-436C-8467-9F82561659A6}" type="datetimeFigureOut">
               <a:rPr lang="en-US" smtClean="0"/>
-              <a:t>12/19/2018</a:t>
+              <a:t>1/16/2019</a:t>
             </a:fld>
             <a:endParaRPr lang="en-US"/>
           </a:p>
@@ -1831,7 +1832,7 @@
           <a:p>
             <a:fld id="{AAB2D3D3-1E26-436C-8467-9F82561659A6}" type="datetimeFigureOut">
               <a:rPr lang="en-US" smtClean="0"/>
-              <a:t>12/19/2018</a:t>
+              <a:t>1/16/2019</a:t>
             </a:fld>
             <a:endParaRPr lang="en-US"/>
           </a:p>
@@ -2108,7 +2109,7 @@
           <a:p>
             <a:fld id="{AAB2D3D3-1E26-436C-8467-9F82561659A6}" type="datetimeFigureOut">
               <a:rPr lang="en-US" smtClean="0"/>
-              <a:t>12/19/2018</a:t>
+              <a:t>1/16/2019</a:t>
             </a:fld>
             <a:endParaRPr lang="en-US"/>
           </a:p>
@@ -2361,7 +2362,7 @@
           <a:p>
             <a:fld id="{AAB2D3D3-1E26-436C-8467-9F82561659A6}" type="datetimeFigureOut">
               <a:rPr lang="en-US" smtClean="0"/>
-              <a:t>12/19/2018</a:t>
+              <a:t>1/16/2019</a:t>
             </a:fld>
             <a:endParaRPr lang="en-US"/>
           </a:p>
@@ -2574,7 +2575,7 @@
           <a:p>
             <a:fld id="{AAB2D3D3-1E26-436C-8467-9F82561659A6}" type="datetimeFigureOut">
               <a:rPr lang="en-US" smtClean="0"/>
-              <a:t>12/19/2018</a:t>
+              <a:t>1/16/2019</a:t>
             </a:fld>
             <a:endParaRPr lang="en-US"/>
           </a:p>
@@ -3289,6 +3290,874 @@
           <a:chExt cx="0" cy="0"/>
         </a:xfrm>
       </p:grpSpPr>
+      <p:grpSp>
+        <p:nvGrpSpPr>
+          <p:cNvPr id="2" name="Group 1"/>
+          <p:cNvGrpSpPr/>
+          <p:nvPr/>
+        </p:nvGrpSpPr>
+        <p:grpSpPr>
+          <a:xfrm>
+            <a:off x="2004658" y="1753999"/>
+            <a:ext cx="1121972" cy="1158332"/>
+            <a:chOff x="4379857" y="2569029"/>
+            <a:chExt cx="1121972" cy="1158332"/>
+          </a:xfrm>
+        </p:grpSpPr>
+        <p:pic>
+          <p:nvPicPr>
+            <p:cNvPr id="3" name="Picture 2"/>
+            <p:cNvPicPr>
+              <a:picLocks noChangeAspect="1"/>
+            </p:cNvPicPr>
+            <p:nvPr/>
+          </p:nvPicPr>
+          <p:blipFill rotWithShape="1">
+            <a:blip r:embed="rId2"/>
+            <a:srcRect l="35542" t="19680" r="35441" b="39379"/>
+            <a:stretch/>
+          </p:blipFill>
+          <p:spPr>
+            <a:xfrm>
+              <a:off x="4379857" y="2569029"/>
+              <a:ext cx="1121972" cy="813498"/>
+            </a:xfrm>
+            <a:prstGeom prst="rect">
+              <a:avLst/>
+            </a:prstGeom>
+          </p:spPr>
+        </p:pic>
+        <p:sp>
+          <p:nvSpPr>
+            <p:cNvPr id="4" name="Rectangle 3"/>
+            <p:cNvSpPr/>
+            <p:nvPr/>
+          </p:nvSpPr>
+          <p:spPr>
+            <a:xfrm>
+              <a:off x="4530089" y="3358029"/>
+              <a:ext cx="821507" cy="369332"/>
+            </a:xfrm>
+            <a:prstGeom prst="rect">
+              <a:avLst/>
+            </a:prstGeom>
+          </p:spPr>
+          <p:txBody>
+            <a:bodyPr wrap="none">
+              <a:spAutoFit/>
+            </a:bodyPr>
+            <a:lstStyle/>
+            <a:p>
+              <a:r>
+                <a:rPr lang="en-US" b="1" dirty="0" smtClean="0"/>
+                <a:t>Device</a:t>
+              </a:r>
+              <a:endParaRPr lang="en-US" b="1" dirty="0"/>
+            </a:p>
+          </p:txBody>
+        </p:sp>
+      </p:grpSp>
+      <p:grpSp>
+        <p:nvGrpSpPr>
+          <p:cNvPr id="5" name="Group 4"/>
+          <p:cNvGrpSpPr/>
+          <p:nvPr/>
+        </p:nvGrpSpPr>
+        <p:grpSpPr>
+          <a:xfrm>
+            <a:off x="4313436" y="1791550"/>
+            <a:ext cx="893699" cy="1178999"/>
+            <a:chOff x="7410680" y="2569028"/>
+            <a:chExt cx="893699" cy="1178999"/>
+          </a:xfrm>
+        </p:grpSpPr>
+        <p:pic>
+          <p:nvPicPr>
+            <p:cNvPr id="6" name="Picture 5"/>
+            <p:cNvPicPr>
+              <a:picLocks noChangeAspect="1"/>
+            </p:cNvPicPr>
+            <p:nvPr/>
+          </p:nvPicPr>
+          <p:blipFill rotWithShape="1">
+            <a:blip r:embed="rId3" cstate="print">
+              <a:extLst>
+                <a:ext uri="{28A0092B-C50C-407E-A947-70E740481C1C}">
+                  <a14:useLocalDpi xmlns:a14="http://schemas.microsoft.com/office/drawing/2010/main" val="0"/>
+                </a:ext>
+              </a:extLst>
+            </a:blip>
+            <a:srcRect t="3275" b="3208"/>
+            <a:stretch/>
+          </p:blipFill>
+          <p:spPr>
+            <a:xfrm>
+              <a:off x="7410680" y="2569028"/>
+              <a:ext cx="890228" cy="832525"/>
+            </a:xfrm>
+            <a:prstGeom prst="rect">
+              <a:avLst/>
+            </a:prstGeom>
+          </p:spPr>
+        </p:pic>
+        <p:sp>
+          <p:nvSpPr>
+            <p:cNvPr id="7" name="Rectangle 6"/>
+            <p:cNvSpPr/>
+            <p:nvPr/>
+          </p:nvSpPr>
+          <p:spPr>
+            <a:xfrm>
+              <a:off x="7428177" y="3378695"/>
+              <a:ext cx="876202" cy="369332"/>
+            </a:xfrm>
+            <a:prstGeom prst="rect">
+              <a:avLst/>
+            </a:prstGeom>
+          </p:spPr>
+          <p:txBody>
+            <a:bodyPr wrap="none">
+              <a:spAutoFit/>
+            </a:bodyPr>
+            <a:lstStyle/>
+            <a:p>
+              <a:r>
+                <a:rPr lang="en-US" b="1" dirty="0" smtClean="0"/>
+                <a:t>Display</a:t>
+              </a:r>
+              <a:endParaRPr lang="en-US" b="1" dirty="0"/>
+            </a:p>
+          </p:txBody>
+        </p:sp>
+      </p:grpSp>
+      <p:grpSp>
+        <p:nvGrpSpPr>
+          <p:cNvPr id="8" name="Group 7"/>
+          <p:cNvGrpSpPr/>
+          <p:nvPr/>
+        </p:nvGrpSpPr>
+        <p:grpSpPr>
+          <a:xfrm>
+            <a:off x="0" y="1753998"/>
+            <a:ext cx="1155357" cy="1178999"/>
+            <a:chOff x="1396313" y="2549541"/>
+            <a:chExt cx="1155357" cy="1178999"/>
+          </a:xfrm>
+        </p:grpSpPr>
+        <p:grpSp>
+          <p:nvGrpSpPr>
+            <p:cNvPr id="9" name="Group 8"/>
+            <p:cNvGrpSpPr/>
+            <p:nvPr/>
+          </p:nvGrpSpPr>
+          <p:grpSpPr>
+            <a:xfrm>
+              <a:off x="1396313" y="2549541"/>
+              <a:ext cx="1155357" cy="834164"/>
+              <a:chOff x="1396313" y="2549541"/>
+              <a:chExt cx="1155357" cy="834164"/>
+            </a:xfrm>
+          </p:grpSpPr>
+          <p:pic>
+            <p:nvPicPr>
+              <p:cNvPr id="11" name="Picture 10"/>
+              <p:cNvPicPr>
+                <a:picLocks noChangeAspect="1"/>
+              </p:cNvPicPr>
+              <p:nvPr/>
+            </p:nvPicPr>
+            <p:blipFill rotWithShape="1">
+              <a:blip r:embed="rId4"/>
+              <a:srcRect l="24261" t="14798" r="24188" b="14569"/>
+              <a:stretch/>
+            </p:blipFill>
+            <p:spPr>
+              <a:xfrm>
+                <a:off x="1396313" y="2570207"/>
+                <a:ext cx="1155357" cy="813498"/>
+              </a:xfrm>
+              <a:prstGeom prst="rect">
+                <a:avLst/>
+              </a:prstGeom>
+            </p:spPr>
+          </p:pic>
+          <p:pic>
+            <p:nvPicPr>
+              <p:cNvPr id="12" name="Picture 11"/>
+              <p:cNvPicPr>
+                <a:picLocks noChangeAspect="1"/>
+              </p:cNvPicPr>
+              <p:nvPr/>
+            </p:nvPicPr>
+            <p:blipFill>
+              <a:blip r:embed="rId5" cstate="print">
+                <a:extLst>
+                  <a:ext uri="{28A0092B-C50C-407E-A947-70E740481C1C}">
+                    <a14:useLocalDpi xmlns:a14="http://schemas.microsoft.com/office/drawing/2010/main" val="0"/>
+                  </a:ext>
+                </a:extLst>
+              </a:blip>
+              <a:stretch>
+                <a:fillRect/>
+              </a:stretch>
+            </p:blipFill>
+            <p:spPr>
+              <a:xfrm>
+                <a:off x="1460578" y="2549541"/>
+                <a:ext cx="453610" cy="453610"/>
+              </a:xfrm>
+              <a:prstGeom prst="rect">
+                <a:avLst/>
+              </a:prstGeom>
+            </p:spPr>
+          </p:pic>
+        </p:grpSp>
+        <p:sp>
+          <p:nvSpPr>
+            <p:cNvPr id="10" name="Rectangle 9"/>
+            <p:cNvSpPr/>
+            <p:nvPr/>
+          </p:nvSpPr>
+          <p:spPr>
+            <a:xfrm>
+              <a:off x="1662527" y="3359208"/>
+              <a:ext cx="622927" cy="369332"/>
+            </a:xfrm>
+            <a:prstGeom prst="rect">
+              <a:avLst/>
+            </a:prstGeom>
+          </p:spPr>
+          <p:txBody>
+            <a:bodyPr wrap="none">
+              <a:spAutoFit/>
+            </a:bodyPr>
+            <a:lstStyle/>
+            <a:p>
+              <a:r>
+                <a:rPr lang="en-US" b="1" dirty="0" smtClean="0"/>
+                <a:t>Host</a:t>
+              </a:r>
+              <a:endParaRPr lang="en-US" b="1" dirty="0"/>
+            </a:p>
+          </p:txBody>
+        </p:sp>
+      </p:grpSp>
+      <p:grpSp>
+        <p:nvGrpSpPr>
+          <p:cNvPr id="31" name="Group 30"/>
+          <p:cNvGrpSpPr/>
+          <p:nvPr/>
+        </p:nvGrpSpPr>
+        <p:grpSpPr>
+          <a:xfrm>
+            <a:off x="1994864" y="1384666"/>
+            <a:ext cx="1067774" cy="369332"/>
+            <a:chOff x="7903181" y="3762728"/>
+            <a:chExt cx="1067774" cy="369332"/>
+          </a:xfrm>
+        </p:grpSpPr>
+        <p:sp>
+          <p:nvSpPr>
+            <p:cNvPr id="32" name="Oval 31"/>
+            <p:cNvSpPr/>
+            <p:nvPr/>
+          </p:nvSpPr>
+          <p:spPr>
+            <a:xfrm>
+              <a:off x="7903181" y="3848001"/>
+              <a:ext cx="202025" cy="198787"/>
+            </a:xfrm>
+            <a:prstGeom prst="ellipse">
+              <a:avLst/>
+            </a:prstGeom>
+            <a:ln w="19050"/>
+          </p:spPr>
+          <p:style>
+            <a:lnRef idx="2">
+              <a:schemeClr val="dk1"/>
+            </a:lnRef>
+            <a:fillRef idx="1">
+              <a:schemeClr val="lt1"/>
+            </a:fillRef>
+            <a:effectRef idx="0">
+              <a:schemeClr val="dk1"/>
+            </a:effectRef>
+            <a:fontRef idx="minor">
+              <a:schemeClr val="dk1"/>
+            </a:fontRef>
+          </p:style>
+          <p:txBody>
+            <a:bodyPr rtlCol="0" anchor="ctr"/>
+            <a:lstStyle/>
+            <a:p>
+              <a:pPr algn="ctr"/>
+              <a:r>
+                <a:rPr lang="en-US" b="1" dirty="0" smtClean="0"/>
+                <a:t>3</a:t>
+              </a:r>
+              <a:endParaRPr lang="en-US" b="1" dirty="0"/>
+            </a:p>
+          </p:txBody>
+        </p:sp>
+        <p:sp>
+          <p:nvSpPr>
+            <p:cNvPr id="33" name="Rectangle 32"/>
+            <p:cNvSpPr/>
+            <p:nvPr/>
+          </p:nvSpPr>
+          <p:spPr>
+            <a:xfrm>
+              <a:off x="8047176" y="3762728"/>
+              <a:ext cx="923779" cy="369332"/>
+            </a:xfrm>
+            <a:prstGeom prst="rect">
+              <a:avLst/>
+            </a:prstGeom>
+          </p:spPr>
+          <p:txBody>
+            <a:bodyPr wrap="none">
+              <a:spAutoFit/>
+            </a:bodyPr>
+            <a:lstStyle/>
+            <a:p>
+              <a:r>
+                <a:rPr lang="en-US" dirty="0" smtClean="0"/>
+                <a:t>Decrypt</a:t>
+              </a:r>
+              <a:endParaRPr lang="en-US" dirty="0"/>
+            </a:p>
+          </p:txBody>
+        </p:sp>
+      </p:grpSp>
+      <p:grpSp>
+        <p:nvGrpSpPr>
+          <p:cNvPr id="40" name="Group 39"/>
+          <p:cNvGrpSpPr/>
+          <p:nvPr/>
+        </p:nvGrpSpPr>
+        <p:grpSpPr>
+          <a:xfrm>
+            <a:off x="1129706" y="1697913"/>
+            <a:ext cx="920233" cy="369332"/>
+            <a:chOff x="7903181" y="3762728"/>
+            <a:chExt cx="920233" cy="369332"/>
+          </a:xfrm>
+        </p:grpSpPr>
+        <p:sp>
+          <p:nvSpPr>
+            <p:cNvPr id="41" name="Oval 40"/>
+            <p:cNvSpPr/>
+            <p:nvPr/>
+          </p:nvSpPr>
+          <p:spPr>
+            <a:xfrm>
+              <a:off x="7903181" y="3848001"/>
+              <a:ext cx="202025" cy="198787"/>
+            </a:xfrm>
+            <a:prstGeom prst="ellipse">
+              <a:avLst/>
+            </a:prstGeom>
+            <a:ln w="19050"/>
+          </p:spPr>
+          <p:style>
+            <a:lnRef idx="2">
+              <a:schemeClr val="dk1"/>
+            </a:lnRef>
+            <a:fillRef idx="1">
+              <a:schemeClr val="lt1"/>
+            </a:fillRef>
+            <a:effectRef idx="0">
+              <a:schemeClr val="dk1"/>
+            </a:effectRef>
+            <a:fontRef idx="minor">
+              <a:schemeClr val="dk1"/>
+            </a:fontRef>
+          </p:style>
+          <p:txBody>
+            <a:bodyPr rtlCol="0" anchor="ctr"/>
+            <a:lstStyle/>
+            <a:p>
+              <a:pPr algn="ctr"/>
+              <a:r>
+                <a:rPr lang="en-US" b="1" dirty="0" smtClean="0"/>
+                <a:t>2</a:t>
+              </a:r>
+              <a:endParaRPr lang="en-US" b="1" dirty="0"/>
+            </a:p>
+          </p:txBody>
+        </p:sp>
+        <p:sp>
+          <p:nvSpPr>
+            <p:cNvPr id="42" name="Rectangle 41"/>
+            <p:cNvSpPr/>
+            <p:nvPr/>
+          </p:nvSpPr>
+          <p:spPr>
+            <a:xfrm>
+              <a:off x="8047176" y="3762728"/>
+              <a:ext cx="776238" cy="369332"/>
+            </a:xfrm>
+            <a:prstGeom prst="rect">
+              <a:avLst/>
+            </a:prstGeom>
+          </p:spPr>
+          <p:txBody>
+            <a:bodyPr wrap="none">
+              <a:spAutoFit/>
+            </a:bodyPr>
+            <a:lstStyle/>
+            <a:p>
+              <a:r>
+                <a:rPr lang="en-US" dirty="0" smtClean="0"/>
+                <a:t>Frame</a:t>
+              </a:r>
+              <a:endParaRPr lang="en-US" dirty="0"/>
+            </a:p>
+          </p:txBody>
+        </p:sp>
+      </p:grpSp>
+      <p:grpSp>
+        <p:nvGrpSpPr>
+          <p:cNvPr id="43" name="Group 42"/>
+          <p:cNvGrpSpPr/>
+          <p:nvPr/>
+        </p:nvGrpSpPr>
+        <p:grpSpPr>
+          <a:xfrm>
+            <a:off x="3103458" y="1782637"/>
+            <a:ext cx="1407079" cy="646331"/>
+            <a:chOff x="8047176" y="3762728"/>
+            <a:chExt cx="1542701" cy="646331"/>
+          </a:xfrm>
+        </p:grpSpPr>
+        <p:sp>
+          <p:nvSpPr>
+            <p:cNvPr id="44" name="Oval 43"/>
+            <p:cNvSpPr/>
+            <p:nvPr/>
+          </p:nvSpPr>
+          <p:spPr>
+            <a:xfrm>
+              <a:off x="8121379" y="3838218"/>
+              <a:ext cx="202025" cy="198787"/>
+            </a:xfrm>
+            <a:prstGeom prst="ellipse">
+              <a:avLst/>
+            </a:prstGeom>
+            <a:ln w="19050"/>
+          </p:spPr>
+          <p:style>
+            <a:lnRef idx="2">
+              <a:schemeClr val="dk1"/>
+            </a:lnRef>
+            <a:fillRef idx="1">
+              <a:schemeClr val="lt1"/>
+            </a:fillRef>
+            <a:effectRef idx="0">
+              <a:schemeClr val="dk1"/>
+            </a:effectRef>
+            <a:fontRef idx="minor">
+              <a:schemeClr val="dk1"/>
+            </a:fontRef>
+          </p:style>
+          <p:txBody>
+            <a:bodyPr rtlCol="0" anchor="ctr"/>
+            <a:lstStyle/>
+            <a:p>
+              <a:pPr algn="ctr"/>
+              <a:r>
+                <a:rPr lang="en-US" b="1" dirty="0" smtClean="0"/>
+                <a:t>4</a:t>
+              </a:r>
+              <a:endParaRPr lang="en-US" b="1" dirty="0"/>
+            </a:p>
+          </p:txBody>
+        </p:sp>
+        <p:sp>
+          <p:nvSpPr>
+            <p:cNvPr id="45" name="Rectangle 44"/>
+            <p:cNvSpPr/>
+            <p:nvPr/>
+          </p:nvSpPr>
+          <p:spPr>
+            <a:xfrm>
+              <a:off x="8047176" y="3762728"/>
+              <a:ext cx="1542701" cy="646331"/>
+            </a:xfrm>
+            <a:prstGeom prst="rect">
+              <a:avLst/>
+            </a:prstGeom>
+          </p:spPr>
+          <p:txBody>
+            <a:bodyPr wrap="square">
+              <a:spAutoFit/>
+            </a:bodyPr>
+            <a:lstStyle/>
+            <a:p>
+              <a:pPr algn="ctr"/>
+              <a:r>
+                <a:rPr lang="en-US" dirty="0" smtClean="0"/>
+                <a:t>Frame + overlay</a:t>
+              </a:r>
+              <a:endParaRPr lang="en-US" dirty="0"/>
+            </a:p>
+          </p:txBody>
+        </p:sp>
+      </p:grpSp>
+      <p:cxnSp>
+        <p:nvCxnSpPr>
+          <p:cNvPr id="46" name="Straight Arrow Connector 45"/>
+          <p:cNvCxnSpPr/>
+          <p:nvPr/>
+        </p:nvCxnSpPr>
+        <p:spPr>
+          <a:xfrm>
+            <a:off x="3136424" y="2124172"/>
+            <a:ext cx="1167218" cy="0"/>
+          </a:xfrm>
+          <a:prstGeom prst="straightConnector1">
+            <a:avLst/>
+          </a:prstGeom>
+          <a:ln w="19050">
+            <a:headEnd type="none" w="med" len="med"/>
+            <a:tailEnd type="arrow" w="med" len="med"/>
+          </a:ln>
+        </p:spPr>
+        <p:style>
+          <a:lnRef idx="1">
+            <a:schemeClr val="dk1"/>
+          </a:lnRef>
+          <a:fillRef idx="0">
+            <a:schemeClr val="dk1"/>
+          </a:fillRef>
+          <a:effectRef idx="0">
+            <a:schemeClr val="dk1"/>
+          </a:effectRef>
+          <a:fontRef idx="minor">
+            <a:schemeClr val="tx1"/>
+          </a:fontRef>
+        </p:style>
+      </p:cxnSp>
+      <p:cxnSp>
+        <p:nvCxnSpPr>
+          <p:cNvPr id="48" name="Straight Arrow Connector 47"/>
+          <p:cNvCxnSpPr/>
+          <p:nvPr/>
+        </p:nvCxnSpPr>
+        <p:spPr>
+          <a:xfrm>
+            <a:off x="1145933" y="2132441"/>
+            <a:ext cx="848931" cy="0"/>
+          </a:xfrm>
+          <a:prstGeom prst="straightConnector1">
+            <a:avLst/>
+          </a:prstGeom>
+          <a:ln w="19050">
+            <a:headEnd type="none" w="med" len="med"/>
+            <a:tailEnd type="arrow" w="med" len="med"/>
+          </a:ln>
+        </p:spPr>
+        <p:style>
+          <a:lnRef idx="1">
+            <a:schemeClr val="dk1"/>
+          </a:lnRef>
+          <a:fillRef idx="0">
+            <a:schemeClr val="dk1"/>
+          </a:fillRef>
+          <a:effectRef idx="0">
+            <a:schemeClr val="dk1"/>
+          </a:effectRef>
+          <a:fontRef idx="minor">
+            <a:schemeClr val="tx1"/>
+          </a:fontRef>
+        </p:style>
+      </p:cxnSp>
+      <p:sp>
+        <p:nvSpPr>
+          <p:cNvPr id="51" name="Rectangle 50"/>
+          <p:cNvSpPr/>
+          <p:nvPr/>
+        </p:nvSpPr>
+        <p:spPr>
+          <a:xfrm>
+            <a:off x="4468289" y="2045261"/>
+            <a:ext cx="580521" cy="197829"/>
+          </a:xfrm>
+          <a:prstGeom prst="rect">
+            <a:avLst/>
+          </a:prstGeom>
+          <a:solidFill>
+            <a:schemeClr val="bg1"/>
+          </a:solidFill>
+          <a:ln>
+            <a:solidFill>
+              <a:schemeClr val="tx1"/>
+            </a:solidFill>
+          </a:ln>
+        </p:spPr>
+        <p:style>
+          <a:lnRef idx="2">
+            <a:schemeClr val="accent1">
+              <a:shade val="50000"/>
+            </a:schemeClr>
+          </a:lnRef>
+          <a:fillRef idx="1">
+            <a:schemeClr val="accent1"/>
+          </a:fillRef>
+          <a:effectRef idx="0">
+            <a:schemeClr val="accent1"/>
+          </a:effectRef>
+          <a:fontRef idx="minor">
+            <a:schemeClr val="lt1"/>
+          </a:fontRef>
+        </p:style>
+        <p:txBody>
+          <a:bodyPr rtlCol="0" anchor="ctr"/>
+          <a:lstStyle/>
+          <a:p>
+            <a:pPr algn="ctr"/>
+            <a:r>
+              <a:rPr lang="en-US" dirty="0" smtClean="0">
+                <a:solidFill>
+                  <a:schemeClr val="tx1"/>
+                </a:solidFill>
+                <a:latin typeface="Consolas" panose="020B0609020204030204" pitchFamily="49" charset="0"/>
+              </a:rPr>
+              <a:t>ABC</a:t>
+            </a:r>
+            <a:endParaRPr lang="en-US" dirty="0">
+              <a:solidFill>
+                <a:schemeClr val="tx1"/>
+              </a:solidFill>
+              <a:latin typeface="Consolas" panose="020B0609020204030204" pitchFamily="49" charset="0"/>
+            </a:endParaRPr>
+          </a:p>
+        </p:txBody>
+      </p:sp>
+      <p:grpSp>
+        <p:nvGrpSpPr>
+          <p:cNvPr id="47" name="Group 46"/>
+          <p:cNvGrpSpPr/>
+          <p:nvPr/>
+        </p:nvGrpSpPr>
+        <p:grpSpPr>
+          <a:xfrm>
+            <a:off x="59155" y="7095"/>
+            <a:ext cx="1070551" cy="1128658"/>
+            <a:chOff x="5065867" y="50341"/>
+            <a:chExt cx="1070551" cy="1128658"/>
+          </a:xfrm>
+        </p:grpSpPr>
+        <p:pic>
+          <p:nvPicPr>
+            <p:cNvPr id="49" name="Picture 48"/>
+            <p:cNvPicPr>
+              <a:picLocks noChangeAspect="1"/>
+            </p:cNvPicPr>
+            <p:nvPr/>
+          </p:nvPicPr>
+          <p:blipFill rotWithShape="1">
+            <a:blip r:embed="rId6" cstate="print">
+              <a:extLst>
+                <a:ext uri="{28A0092B-C50C-407E-A947-70E740481C1C}">
+                  <a14:useLocalDpi xmlns:a14="http://schemas.microsoft.com/office/drawing/2010/main" val="0"/>
+                </a:ext>
+              </a:extLst>
+            </a:blip>
+            <a:srcRect l="1487" t="16443" r="6804" b="16551"/>
+            <a:stretch/>
+          </p:blipFill>
+          <p:spPr>
+            <a:xfrm>
+              <a:off x="5065867" y="50341"/>
+              <a:ext cx="1070551" cy="782184"/>
+            </a:xfrm>
+            <a:prstGeom prst="rect">
+              <a:avLst/>
+            </a:prstGeom>
+          </p:spPr>
+        </p:pic>
+        <p:sp>
+          <p:nvSpPr>
+            <p:cNvPr id="50" name="Rectangle 49"/>
+            <p:cNvSpPr/>
+            <p:nvPr/>
+          </p:nvSpPr>
+          <p:spPr>
+            <a:xfrm>
+              <a:off x="5237117" y="809667"/>
+              <a:ext cx="796949" cy="369332"/>
+            </a:xfrm>
+            <a:prstGeom prst="rect">
+              <a:avLst/>
+            </a:prstGeom>
+          </p:spPr>
+          <p:txBody>
+            <a:bodyPr wrap="none">
+              <a:spAutoFit/>
+            </a:bodyPr>
+            <a:lstStyle/>
+            <a:p>
+              <a:r>
+                <a:rPr lang="en-US" b="1" dirty="0" smtClean="0"/>
+                <a:t>Server</a:t>
+              </a:r>
+              <a:endParaRPr lang="en-US" b="1" dirty="0"/>
+            </a:p>
+          </p:txBody>
+        </p:sp>
+      </p:grpSp>
+      <p:cxnSp>
+        <p:nvCxnSpPr>
+          <p:cNvPr id="52" name="Straight Arrow Connector 51"/>
+          <p:cNvCxnSpPr/>
+          <p:nvPr/>
+        </p:nvCxnSpPr>
+        <p:spPr>
+          <a:xfrm>
+            <a:off x="521551" y="1092421"/>
+            <a:ext cx="0" cy="584490"/>
+          </a:xfrm>
+          <a:prstGeom prst="straightConnector1">
+            <a:avLst/>
+          </a:prstGeom>
+          <a:ln w="19050">
+            <a:headEnd type="none" w="med" len="med"/>
+            <a:tailEnd type="arrow" w="med" len="med"/>
+          </a:ln>
+        </p:spPr>
+        <p:style>
+          <a:lnRef idx="1">
+            <a:schemeClr val="dk1"/>
+          </a:lnRef>
+          <a:fillRef idx="0">
+            <a:schemeClr val="dk1"/>
+          </a:fillRef>
+          <a:effectRef idx="0">
+            <a:schemeClr val="dk1"/>
+          </a:effectRef>
+          <a:fontRef idx="minor">
+            <a:schemeClr val="tx1"/>
+          </a:fontRef>
+        </p:style>
+      </p:cxnSp>
+      <p:grpSp>
+        <p:nvGrpSpPr>
+          <p:cNvPr id="53" name="Group 52"/>
+          <p:cNvGrpSpPr/>
+          <p:nvPr/>
+        </p:nvGrpSpPr>
+        <p:grpSpPr>
+          <a:xfrm>
+            <a:off x="424617" y="1024189"/>
+            <a:ext cx="2859738" cy="369332"/>
+            <a:chOff x="7903181" y="3762728"/>
+            <a:chExt cx="2859738" cy="369332"/>
+          </a:xfrm>
+        </p:grpSpPr>
+        <p:sp>
+          <p:nvSpPr>
+            <p:cNvPr id="54" name="Oval 53"/>
+            <p:cNvSpPr/>
+            <p:nvPr/>
+          </p:nvSpPr>
+          <p:spPr>
+            <a:xfrm>
+              <a:off x="7903181" y="3848001"/>
+              <a:ext cx="202025" cy="198787"/>
+            </a:xfrm>
+            <a:prstGeom prst="ellipse">
+              <a:avLst/>
+            </a:prstGeom>
+            <a:ln w="19050"/>
+          </p:spPr>
+          <p:style>
+            <a:lnRef idx="2">
+              <a:schemeClr val="dk1"/>
+            </a:lnRef>
+            <a:fillRef idx="1">
+              <a:schemeClr val="lt1"/>
+            </a:fillRef>
+            <a:effectRef idx="0">
+              <a:schemeClr val="dk1"/>
+            </a:effectRef>
+            <a:fontRef idx="minor">
+              <a:schemeClr val="dk1"/>
+            </a:fontRef>
+          </p:style>
+          <p:txBody>
+            <a:bodyPr rtlCol="0" anchor="ctr"/>
+            <a:lstStyle/>
+            <a:p>
+              <a:pPr algn="ctr"/>
+              <a:r>
+                <a:rPr lang="en-US" b="1" dirty="0" smtClean="0"/>
+                <a:t>1</a:t>
+              </a:r>
+              <a:endParaRPr lang="en-US" b="1" dirty="0"/>
+            </a:p>
+          </p:txBody>
+        </p:sp>
+        <p:sp>
+          <p:nvSpPr>
+            <p:cNvPr id="55" name="Rectangle 54"/>
+            <p:cNvSpPr/>
+            <p:nvPr/>
+          </p:nvSpPr>
+          <p:spPr>
+            <a:xfrm>
+              <a:off x="8047176" y="3762728"/>
+              <a:ext cx="2715743" cy="369332"/>
+            </a:xfrm>
+            <a:prstGeom prst="rect">
+              <a:avLst/>
+            </a:prstGeom>
+          </p:spPr>
+          <p:txBody>
+            <a:bodyPr wrap="none">
+              <a:spAutoFit/>
+            </a:bodyPr>
+            <a:lstStyle/>
+            <a:p>
+              <a:r>
+                <a:rPr lang="en-US" dirty="0" smtClean="0"/>
+                <a:t>Webpage + encrypted data</a:t>
+              </a:r>
+              <a:endParaRPr lang="en-US" dirty="0"/>
+            </a:p>
+          </p:txBody>
+        </p:sp>
+      </p:grpSp>
+    </p:spTree>
+    <p:extLst>
+      <p:ext uri="{BB962C8B-B14F-4D97-AF65-F5344CB8AC3E}">
+        <p14:creationId xmlns:p14="http://schemas.microsoft.com/office/powerpoint/2010/main" val="4101501723"/>
+      </p:ext>
+    </p:extLst>
+  </p:cSld>
+  <p:clrMapOvr>
+    <a:masterClrMapping/>
+  </p:clrMapOvr>
+</p:sld>
+</file>
+
+<file path=ppt/slides/slide11.xml><?xml version="1.0" encoding="utf-8"?>
+<p:sld xmlns:a="http://schemas.openxmlformats.org/drawingml/2006/main" xmlns:r="http://schemas.openxmlformats.org/officeDocument/2006/relationships" xmlns:p="http://schemas.openxmlformats.org/presentationml/2006/main">
+  <p:cSld>
+    <p:spTree>
+      <p:nvGrpSpPr>
+        <p:cNvPr id="1" name=""/>
+        <p:cNvGrpSpPr/>
+        <p:nvPr/>
+      </p:nvGrpSpPr>
+      <p:grpSpPr>
+        <a:xfrm>
+          <a:off x="0" y="0"/>
+          <a:ext cx="0" cy="0"/>
+          <a:chOff x="0" y="0"/>
+          <a:chExt cx="0" cy="0"/>
+        </a:xfrm>
+      </p:grpSpPr>
       <p:sp>
         <p:nvSpPr>
           <p:cNvPr id="2" name="Rectangle 1"/>
@@ -4047,7 +4916,7 @@
 </p:sld>
 </file>
 
-<file path=ppt/slides/slide11.xml><?xml version="1.0" encoding="utf-8"?>
+<file path=ppt/slides/slide12.xml><?xml version="1.0" encoding="utf-8"?>
 <p:sld xmlns:a="http://schemas.openxmlformats.org/drawingml/2006/main" xmlns:r="http://schemas.openxmlformats.org/officeDocument/2006/relationships" xmlns:p="http://schemas.openxmlformats.org/presentationml/2006/main">
   <p:cSld>
     <p:spTree>
@@ -11698,6 +12567,1811 @@
           <a:chExt cx="0" cy="0"/>
         </a:xfrm>
       </p:grpSpPr>
+      <p:grpSp>
+        <p:nvGrpSpPr>
+          <p:cNvPr id="52" name="Group 51"/>
+          <p:cNvGrpSpPr/>
+          <p:nvPr/>
+        </p:nvGrpSpPr>
+        <p:grpSpPr>
+          <a:xfrm>
+            <a:off x="15368" y="-100501"/>
+            <a:ext cx="3439915" cy="2627458"/>
+            <a:chOff x="0" y="-100501"/>
+            <a:chExt cx="3439915" cy="2627458"/>
+          </a:xfrm>
+        </p:grpSpPr>
+        <p:sp>
+          <p:nvSpPr>
+            <p:cNvPr id="4" name="Rounded Rectangle 3"/>
+            <p:cNvSpPr/>
+            <p:nvPr/>
+          </p:nvSpPr>
+          <p:spPr>
+            <a:xfrm>
+              <a:off x="0" y="96520"/>
+              <a:ext cx="3439915" cy="2430437"/>
+            </a:xfrm>
+            <a:prstGeom prst="roundRect">
+              <a:avLst>
+                <a:gd name="adj" fmla="val 4686"/>
+              </a:avLst>
+            </a:prstGeom>
+            <a:solidFill>
+              <a:schemeClr val="bg1"/>
+            </a:solidFill>
+            <a:ln w="19050">
+              <a:solidFill>
+                <a:schemeClr val="accent5"/>
+              </a:solidFill>
+            </a:ln>
+          </p:spPr>
+          <p:style>
+            <a:lnRef idx="2">
+              <a:schemeClr val="accent1">
+                <a:shade val="50000"/>
+              </a:schemeClr>
+            </a:lnRef>
+            <a:fillRef idx="1">
+              <a:schemeClr val="accent1"/>
+            </a:fillRef>
+            <a:effectRef idx="0">
+              <a:schemeClr val="accent1"/>
+            </a:effectRef>
+            <a:fontRef idx="minor">
+              <a:schemeClr val="lt1"/>
+            </a:fontRef>
+          </p:style>
+          <p:txBody>
+            <a:bodyPr rtlCol="0" anchor="ctr"/>
+            <a:lstStyle/>
+            <a:p>
+              <a:pPr algn="ctr"/>
+              <a:endParaRPr lang="en-US"/>
+            </a:p>
+          </p:txBody>
+        </p:sp>
+        <p:sp>
+          <p:nvSpPr>
+            <p:cNvPr id="8" name="Rectangle 7"/>
+            <p:cNvSpPr/>
+            <p:nvPr/>
+          </p:nvSpPr>
+          <p:spPr>
+            <a:xfrm>
+              <a:off x="471783" y="1432694"/>
+              <a:ext cx="819150" cy="411480"/>
+            </a:xfrm>
+            <a:prstGeom prst="rect">
+              <a:avLst/>
+            </a:prstGeom>
+            <a:solidFill>
+              <a:schemeClr val="bg2"/>
+            </a:solidFill>
+            <a:ln w="12700">
+              <a:solidFill>
+                <a:schemeClr val="tx1"/>
+              </a:solidFill>
+            </a:ln>
+          </p:spPr>
+          <p:style>
+            <a:lnRef idx="2">
+              <a:schemeClr val="accent1">
+                <a:shade val="50000"/>
+              </a:schemeClr>
+            </a:lnRef>
+            <a:fillRef idx="1">
+              <a:schemeClr val="accent1"/>
+            </a:fillRef>
+            <a:effectRef idx="0">
+              <a:schemeClr val="accent1"/>
+            </a:effectRef>
+            <a:fontRef idx="minor">
+              <a:schemeClr val="lt1"/>
+            </a:fontRef>
+          </p:style>
+          <p:txBody>
+            <a:bodyPr rtlCol="0" anchor="ctr"/>
+            <a:lstStyle/>
+            <a:p>
+              <a:pPr algn="ctr"/>
+              <a:r>
+                <a:rPr lang="en-US" b="1" dirty="0" smtClean="0">
+                  <a:solidFill>
+                    <a:schemeClr val="tx1"/>
+                  </a:solidFill>
+                </a:rPr>
+                <a:t>OK</a:t>
+              </a:r>
+              <a:endParaRPr lang="en-US" b="1" dirty="0">
+                <a:solidFill>
+                  <a:schemeClr val="tx1"/>
+                </a:solidFill>
+              </a:endParaRPr>
+            </a:p>
+          </p:txBody>
+        </p:sp>
+        <p:sp>
+          <p:nvSpPr>
+            <p:cNvPr id="9" name="Rectangle 8"/>
+            <p:cNvSpPr/>
+            <p:nvPr/>
+          </p:nvSpPr>
+          <p:spPr>
+            <a:xfrm>
+              <a:off x="1902438" y="1432694"/>
+              <a:ext cx="819150" cy="411480"/>
+            </a:xfrm>
+            <a:prstGeom prst="rect">
+              <a:avLst/>
+            </a:prstGeom>
+            <a:solidFill>
+              <a:schemeClr val="bg2"/>
+            </a:solidFill>
+            <a:ln w="12700">
+              <a:solidFill>
+                <a:schemeClr val="tx1"/>
+              </a:solidFill>
+            </a:ln>
+          </p:spPr>
+          <p:style>
+            <a:lnRef idx="2">
+              <a:schemeClr val="accent1">
+                <a:shade val="50000"/>
+              </a:schemeClr>
+            </a:lnRef>
+            <a:fillRef idx="1">
+              <a:schemeClr val="accent1"/>
+            </a:fillRef>
+            <a:effectRef idx="0">
+              <a:schemeClr val="accent1"/>
+            </a:effectRef>
+            <a:fontRef idx="minor">
+              <a:schemeClr val="lt1"/>
+            </a:fontRef>
+          </p:style>
+          <p:txBody>
+            <a:bodyPr rtlCol="0" anchor="ctr"/>
+            <a:lstStyle/>
+            <a:p>
+              <a:pPr algn="ctr"/>
+              <a:r>
+                <a:rPr lang="en-US" b="1" dirty="0" smtClean="0">
+                  <a:solidFill>
+                    <a:schemeClr val="tx1"/>
+                  </a:solidFill>
+                </a:rPr>
+                <a:t>Cancel</a:t>
+              </a:r>
+              <a:endParaRPr lang="en-US" b="1" dirty="0">
+                <a:solidFill>
+                  <a:schemeClr val="tx1"/>
+                </a:solidFill>
+              </a:endParaRPr>
+            </a:p>
+          </p:txBody>
+        </p:sp>
+        <p:sp>
+          <p:nvSpPr>
+            <p:cNvPr id="10" name="Rectangle 9"/>
+            <p:cNvSpPr/>
+            <p:nvPr/>
+          </p:nvSpPr>
+          <p:spPr>
+            <a:xfrm>
+              <a:off x="1756410" y="312078"/>
+              <a:ext cx="1442548" cy="379214"/>
+            </a:xfrm>
+            <a:prstGeom prst="rect">
+              <a:avLst/>
+            </a:prstGeom>
+            <a:solidFill>
+              <a:schemeClr val="bg1"/>
+            </a:solidFill>
+            <a:ln w="19050">
+              <a:solidFill>
+                <a:schemeClr val="tx1"/>
+              </a:solidFill>
+            </a:ln>
+          </p:spPr>
+          <p:style>
+            <a:lnRef idx="2">
+              <a:schemeClr val="accent1">
+                <a:shade val="50000"/>
+              </a:schemeClr>
+            </a:lnRef>
+            <a:fillRef idx="1">
+              <a:schemeClr val="accent1"/>
+            </a:fillRef>
+            <a:effectRef idx="0">
+              <a:schemeClr val="accent1"/>
+            </a:effectRef>
+            <a:fontRef idx="minor">
+              <a:schemeClr val="lt1"/>
+            </a:fontRef>
+          </p:style>
+          <p:txBody>
+            <a:bodyPr rtlCol="0" anchor="ctr"/>
+            <a:lstStyle/>
+            <a:p>
+              <a:pPr algn="ctr"/>
+              <a:endParaRPr lang="en-US"/>
+            </a:p>
+          </p:txBody>
+        </p:sp>
+        <p:sp>
+          <p:nvSpPr>
+            <p:cNvPr id="11" name="TextBox 10"/>
+            <p:cNvSpPr txBox="1"/>
+            <p:nvPr/>
+          </p:nvSpPr>
+          <p:spPr>
+            <a:xfrm>
+              <a:off x="102431" y="329580"/>
+              <a:ext cx="1653979" cy="369332"/>
+            </a:xfrm>
+            <a:prstGeom prst="rect">
+              <a:avLst/>
+            </a:prstGeom>
+            <a:solidFill>
+              <a:schemeClr val="bg1"/>
+            </a:solidFill>
+          </p:spPr>
+          <p:txBody>
+            <a:bodyPr wrap="none" rtlCol="0">
+              <a:spAutoFit/>
+            </a:bodyPr>
+            <a:lstStyle/>
+            <a:p>
+              <a:r>
+                <a:rPr lang="en-US" dirty="0" smtClean="0"/>
+                <a:t>Sensitive field 1</a:t>
+              </a:r>
+              <a:endParaRPr lang="en-US" dirty="0"/>
+            </a:p>
+          </p:txBody>
+        </p:sp>
+        <p:sp>
+          <p:nvSpPr>
+            <p:cNvPr id="12" name="Rectangle 11"/>
+            <p:cNvSpPr/>
+            <p:nvPr/>
+          </p:nvSpPr>
+          <p:spPr>
+            <a:xfrm>
+              <a:off x="1756410" y="863635"/>
+              <a:ext cx="1442548" cy="379214"/>
+            </a:xfrm>
+            <a:prstGeom prst="rect">
+              <a:avLst/>
+            </a:prstGeom>
+            <a:solidFill>
+              <a:schemeClr val="bg1"/>
+            </a:solidFill>
+            <a:ln w="19050">
+              <a:solidFill>
+                <a:schemeClr val="tx1"/>
+              </a:solidFill>
+            </a:ln>
+          </p:spPr>
+          <p:style>
+            <a:lnRef idx="2">
+              <a:schemeClr val="accent1">
+                <a:shade val="50000"/>
+              </a:schemeClr>
+            </a:lnRef>
+            <a:fillRef idx="1">
+              <a:schemeClr val="accent1"/>
+            </a:fillRef>
+            <a:effectRef idx="0">
+              <a:schemeClr val="accent1"/>
+            </a:effectRef>
+            <a:fontRef idx="minor">
+              <a:schemeClr val="lt1"/>
+            </a:fontRef>
+          </p:style>
+          <p:txBody>
+            <a:bodyPr rtlCol="0" anchor="ctr"/>
+            <a:lstStyle/>
+            <a:p>
+              <a:pPr algn="ctr"/>
+              <a:endParaRPr lang="en-US"/>
+            </a:p>
+          </p:txBody>
+        </p:sp>
+        <p:sp>
+          <p:nvSpPr>
+            <p:cNvPr id="13" name="TextBox 12"/>
+            <p:cNvSpPr txBox="1"/>
+            <p:nvPr/>
+          </p:nvSpPr>
+          <p:spPr>
+            <a:xfrm>
+              <a:off x="102431" y="881137"/>
+              <a:ext cx="1653979" cy="369332"/>
+            </a:xfrm>
+            <a:prstGeom prst="rect">
+              <a:avLst/>
+            </a:prstGeom>
+            <a:solidFill>
+              <a:schemeClr val="bg1"/>
+            </a:solidFill>
+          </p:spPr>
+          <p:txBody>
+            <a:bodyPr wrap="none" rtlCol="0">
+              <a:spAutoFit/>
+            </a:bodyPr>
+            <a:lstStyle/>
+            <a:p>
+              <a:r>
+                <a:rPr lang="en-US" dirty="0" smtClean="0"/>
+                <a:t>Sensitive field 2</a:t>
+              </a:r>
+              <a:endParaRPr lang="en-US" dirty="0"/>
+            </a:p>
+          </p:txBody>
+        </p:sp>
+        <p:sp>
+          <p:nvSpPr>
+            <p:cNvPr id="2" name="Rectangle 1"/>
+            <p:cNvSpPr/>
+            <p:nvPr/>
+          </p:nvSpPr>
+          <p:spPr>
+            <a:xfrm>
+              <a:off x="116972" y="53274"/>
+              <a:ext cx="1483228" cy="169149"/>
+            </a:xfrm>
+            <a:prstGeom prst="rect">
+              <a:avLst/>
+            </a:prstGeom>
+            <a:solidFill>
+              <a:schemeClr val="bg1"/>
+            </a:solidFill>
+            <a:ln>
+              <a:solidFill>
+                <a:schemeClr val="bg1"/>
+              </a:solidFill>
+            </a:ln>
+          </p:spPr>
+          <p:style>
+            <a:lnRef idx="2">
+              <a:schemeClr val="accent1">
+                <a:shade val="50000"/>
+              </a:schemeClr>
+            </a:lnRef>
+            <a:fillRef idx="1">
+              <a:schemeClr val="accent1"/>
+            </a:fillRef>
+            <a:effectRef idx="0">
+              <a:schemeClr val="accent1"/>
+            </a:effectRef>
+            <a:fontRef idx="minor">
+              <a:schemeClr val="lt1"/>
+            </a:fontRef>
+          </p:style>
+          <p:txBody>
+            <a:bodyPr rtlCol="0" anchor="ctr"/>
+            <a:lstStyle/>
+            <a:p>
+              <a:pPr algn="ctr"/>
+              <a:endParaRPr lang="en-US"/>
+            </a:p>
+          </p:txBody>
+        </p:sp>
+        <p:sp>
+          <p:nvSpPr>
+            <p:cNvPr id="7" name="TextBox 6"/>
+            <p:cNvSpPr txBox="1"/>
+            <p:nvPr/>
+          </p:nvSpPr>
+          <p:spPr>
+            <a:xfrm>
+              <a:off x="80319" y="-100501"/>
+              <a:ext cx="1522468" cy="369332"/>
+            </a:xfrm>
+            <a:prstGeom prst="rect">
+              <a:avLst/>
+            </a:prstGeom>
+            <a:noFill/>
+          </p:spPr>
+          <p:txBody>
+            <a:bodyPr wrap="none" rtlCol="0">
+              <a:spAutoFit/>
+            </a:bodyPr>
+            <a:lstStyle/>
+            <a:p>
+              <a:r>
+                <a:rPr lang="en-US" dirty="0" smtClean="0"/>
+                <a:t>Sensitive form</a:t>
+              </a:r>
+              <a:endParaRPr lang="en-US" dirty="0"/>
+            </a:p>
+          </p:txBody>
+        </p:sp>
+        <p:sp>
+          <p:nvSpPr>
+            <p:cNvPr id="26" name="Rectangle 25"/>
+            <p:cNvSpPr/>
+            <p:nvPr/>
+          </p:nvSpPr>
+          <p:spPr>
+            <a:xfrm>
+              <a:off x="1756410" y="2019531"/>
+              <a:ext cx="1442548" cy="379214"/>
+            </a:xfrm>
+            <a:prstGeom prst="rect">
+              <a:avLst/>
+            </a:prstGeom>
+            <a:solidFill>
+              <a:schemeClr val="bg1"/>
+            </a:solidFill>
+            <a:ln w="19050">
+              <a:solidFill>
+                <a:schemeClr val="tx1"/>
+              </a:solidFill>
+            </a:ln>
+          </p:spPr>
+          <p:style>
+            <a:lnRef idx="2">
+              <a:schemeClr val="accent1">
+                <a:shade val="50000"/>
+              </a:schemeClr>
+            </a:lnRef>
+            <a:fillRef idx="1">
+              <a:schemeClr val="accent1"/>
+            </a:fillRef>
+            <a:effectRef idx="0">
+              <a:schemeClr val="accent1"/>
+            </a:effectRef>
+            <a:fontRef idx="minor">
+              <a:schemeClr val="lt1"/>
+            </a:fontRef>
+          </p:style>
+          <p:txBody>
+            <a:bodyPr rtlCol="0" anchor="ctr"/>
+            <a:lstStyle/>
+            <a:p>
+              <a:pPr algn="ctr"/>
+              <a:endParaRPr lang="en-US"/>
+            </a:p>
+          </p:txBody>
+        </p:sp>
+        <p:sp>
+          <p:nvSpPr>
+            <p:cNvPr id="27" name="TextBox 26"/>
+            <p:cNvSpPr txBox="1"/>
+            <p:nvPr/>
+          </p:nvSpPr>
+          <p:spPr>
+            <a:xfrm>
+              <a:off x="102431" y="2037033"/>
+              <a:ext cx="1402948" cy="369332"/>
+            </a:xfrm>
+            <a:prstGeom prst="rect">
+              <a:avLst/>
+            </a:prstGeom>
+            <a:solidFill>
+              <a:schemeClr val="bg1"/>
+            </a:solidFill>
+          </p:spPr>
+          <p:txBody>
+            <a:bodyPr wrap="none" rtlCol="0">
+              <a:spAutoFit/>
+            </a:bodyPr>
+            <a:lstStyle/>
+            <a:p>
+              <a:r>
+                <a:rPr lang="en-US" dirty="0" smtClean="0"/>
+                <a:t>Normal </a:t>
+              </a:r>
+              <a:r>
+                <a:rPr lang="en-US" dirty="0" smtClean="0"/>
+                <a:t>field </a:t>
+              </a:r>
+              <a:endParaRPr lang="en-US" dirty="0"/>
+            </a:p>
+          </p:txBody>
+        </p:sp>
+      </p:grpSp>
+      <p:grpSp>
+        <p:nvGrpSpPr>
+          <p:cNvPr id="43" name="Group 42"/>
+          <p:cNvGrpSpPr/>
+          <p:nvPr/>
+        </p:nvGrpSpPr>
+        <p:grpSpPr>
+          <a:xfrm>
+            <a:off x="4319457" y="-100501"/>
+            <a:ext cx="3439915" cy="2627458"/>
+            <a:chOff x="4292377" y="-100501"/>
+            <a:chExt cx="3439915" cy="2627458"/>
+          </a:xfrm>
+        </p:grpSpPr>
+        <p:sp>
+          <p:nvSpPr>
+            <p:cNvPr id="17" name="Rounded Rectangle 16"/>
+            <p:cNvSpPr/>
+            <p:nvPr/>
+          </p:nvSpPr>
+          <p:spPr>
+            <a:xfrm>
+              <a:off x="4292377" y="96521"/>
+              <a:ext cx="3439915" cy="2430436"/>
+            </a:xfrm>
+            <a:prstGeom prst="roundRect">
+              <a:avLst>
+                <a:gd name="adj" fmla="val 4686"/>
+              </a:avLst>
+            </a:prstGeom>
+            <a:solidFill>
+              <a:schemeClr val="bg1"/>
+            </a:solidFill>
+            <a:ln w="19050">
+              <a:solidFill>
+                <a:schemeClr val="accent5"/>
+              </a:solidFill>
+            </a:ln>
+          </p:spPr>
+          <p:style>
+            <a:lnRef idx="2">
+              <a:schemeClr val="accent1">
+                <a:shade val="50000"/>
+              </a:schemeClr>
+            </a:lnRef>
+            <a:fillRef idx="1">
+              <a:schemeClr val="accent1"/>
+            </a:fillRef>
+            <a:effectRef idx="0">
+              <a:schemeClr val="accent1"/>
+            </a:effectRef>
+            <a:fontRef idx="minor">
+              <a:schemeClr val="lt1"/>
+            </a:fontRef>
+          </p:style>
+          <p:txBody>
+            <a:bodyPr rtlCol="0" anchor="ctr"/>
+            <a:lstStyle/>
+            <a:p>
+              <a:pPr algn="ctr"/>
+              <a:endParaRPr lang="en-US"/>
+            </a:p>
+          </p:txBody>
+        </p:sp>
+        <p:sp>
+          <p:nvSpPr>
+            <p:cNvPr id="24" name="Rectangle 23"/>
+            <p:cNvSpPr/>
+            <p:nvPr/>
+          </p:nvSpPr>
+          <p:spPr>
+            <a:xfrm>
+              <a:off x="4409349" y="53274"/>
+              <a:ext cx="1483228" cy="169149"/>
+            </a:xfrm>
+            <a:prstGeom prst="rect">
+              <a:avLst/>
+            </a:prstGeom>
+            <a:solidFill>
+              <a:schemeClr val="bg1"/>
+            </a:solidFill>
+            <a:ln>
+              <a:solidFill>
+                <a:schemeClr val="bg1"/>
+              </a:solidFill>
+            </a:ln>
+          </p:spPr>
+          <p:style>
+            <a:lnRef idx="2">
+              <a:schemeClr val="accent1">
+                <a:shade val="50000"/>
+              </a:schemeClr>
+            </a:lnRef>
+            <a:fillRef idx="1">
+              <a:schemeClr val="accent1"/>
+            </a:fillRef>
+            <a:effectRef idx="0">
+              <a:schemeClr val="accent1"/>
+            </a:effectRef>
+            <a:fontRef idx="minor">
+              <a:schemeClr val="lt1"/>
+            </a:fontRef>
+          </p:style>
+          <p:txBody>
+            <a:bodyPr rtlCol="0" anchor="ctr"/>
+            <a:lstStyle/>
+            <a:p>
+              <a:pPr algn="ctr"/>
+              <a:endParaRPr lang="en-US"/>
+            </a:p>
+          </p:txBody>
+        </p:sp>
+        <p:sp>
+          <p:nvSpPr>
+            <p:cNvPr id="25" name="TextBox 24"/>
+            <p:cNvSpPr txBox="1"/>
+            <p:nvPr/>
+          </p:nvSpPr>
+          <p:spPr>
+            <a:xfrm>
+              <a:off x="4372696" y="-100501"/>
+              <a:ext cx="1522468" cy="369332"/>
+            </a:xfrm>
+            <a:prstGeom prst="rect">
+              <a:avLst/>
+            </a:prstGeom>
+            <a:noFill/>
+          </p:spPr>
+          <p:txBody>
+            <a:bodyPr wrap="none" rtlCol="0">
+              <a:spAutoFit/>
+            </a:bodyPr>
+            <a:lstStyle/>
+            <a:p>
+              <a:r>
+                <a:rPr lang="en-US" dirty="0" smtClean="0"/>
+                <a:t>Sensitive form</a:t>
+              </a:r>
+              <a:endParaRPr lang="en-US" dirty="0"/>
+            </a:p>
+          </p:txBody>
+        </p:sp>
+        <p:pic>
+          <p:nvPicPr>
+            <p:cNvPr id="3" name="Picture 2"/>
+            <p:cNvPicPr>
+              <a:picLocks noChangeAspect="1"/>
+            </p:cNvPicPr>
+            <p:nvPr/>
+          </p:nvPicPr>
+          <p:blipFill rotWithShape="1">
+            <a:blip r:embed="rId2">
+              <a:extLst>
+                <a:ext uri="{28A0092B-C50C-407E-A947-70E740481C1C}">
+                  <a14:useLocalDpi xmlns:a14="http://schemas.microsoft.com/office/drawing/2010/main" val="0"/>
+                </a:ext>
+              </a:extLst>
+            </a:blip>
+            <a:srcRect l="10457" t="10535" r="9572" b="10820"/>
+            <a:stretch/>
+          </p:blipFill>
+          <p:spPr>
+            <a:xfrm>
+              <a:off x="5233616" y="234090"/>
+              <a:ext cx="1721404" cy="1692874"/>
+            </a:xfrm>
+            <a:prstGeom prst="rect">
+              <a:avLst/>
+            </a:prstGeom>
+          </p:spPr>
+        </p:pic>
+        <p:sp>
+          <p:nvSpPr>
+            <p:cNvPr id="30" name="Rectangle 29"/>
+            <p:cNvSpPr/>
+            <p:nvPr/>
+          </p:nvSpPr>
+          <p:spPr>
+            <a:xfrm>
+              <a:off x="6026675" y="2019531"/>
+              <a:ext cx="1442548" cy="379214"/>
+            </a:xfrm>
+            <a:prstGeom prst="rect">
+              <a:avLst/>
+            </a:prstGeom>
+            <a:solidFill>
+              <a:schemeClr val="bg1"/>
+            </a:solidFill>
+            <a:ln w="19050">
+              <a:solidFill>
+                <a:schemeClr val="tx1"/>
+              </a:solidFill>
+            </a:ln>
+          </p:spPr>
+          <p:style>
+            <a:lnRef idx="2">
+              <a:schemeClr val="accent1">
+                <a:shade val="50000"/>
+              </a:schemeClr>
+            </a:lnRef>
+            <a:fillRef idx="1">
+              <a:schemeClr val="accent1"/>
+            </a:fillRef>
+            <a:effectRef idx="0">
+              <a:schemeClr val="accent1"/>
+            </a:effectRef>
+            <a:fontRef idx="minor">
+              <a:schemeClr val="lt1"/>
+            </a:fontRef>
+          </p:style>
+          <p:txBody>
+            <a:bodyPr rtlCol="0" anchor="ctr"/>
+            <a:lstStyle/>
+            <a:p>
+              <a:pPr algn="ctr"/>
+              <a:endParaRPr lang="en-US"/>
+            </a:p>
+          </p:txBody>
+        </p:sp>
+        <p:sp>
+          <p:nvSpPr>
+            <p:cNvPr id="31" name="TextBox 30"/>
+            <p:cNvSpPr txBox="1"/>
+            <p:nvPr/>
+          </p:nvSpPr>
+          <p:spPr>
+            <a:xfrm>
+              <a:off x="4372696" y="2037033"/>
+              <a:ext cx="1402948" cy="369332"/>
+            </a:xfrm>
+            <a:prstGeom prst="rect">
+              <a:avLst/>
+            </a:prstGeom>
+            <a:solidFill>
+              <a:schemeClr val="bg1"/>
+            </a:solidFill>
+          </p:spPr>
+          <p:txBody>
+            <a:bodyPr wrap="none" rtlCol="0">
+              <a:spAutoFit/>
+            </a:bodyPr>
+            <a:lstStyle/>
+            <a:p>
+              <a:r>
+                <a:rPr lang="en-US" dirty="0" smtClean="0"/>
+                <a:t>Normal </a:t>
+              </a:r>
+              <a:r>
+                <a:rPr lang="en-US" dirty="0" smtClean="0"/>
+                <a:t>field </a:t>
+              </a:r>
+              <a:endParaRPr lang="en-US" dirty="0"/>
+            </a:p>
+          </p:txBody>
+        </p:sp>
+      </p:grpSp>
+      <p:sp>
+        <p:nvSpPr>
+          <p:cNvPr id="6" name="Rectangle 5"/>
+          <p:cNvSpPr/>
+          <p:nvPr/>
+        </p:nvSpPr>
+        <p:spPr>
+          <a:xfrm>
+            <a:off x="1999865" y="2626348"/>
+            <a:ext cx="8717692" cy="1569660"/>
+          </a:xfrm>
+          <a:prstGeom prst="rect">
+            <a:avLst/>
+          </a:prstGeom>
+        </p:spPr>
+        <p:txBody>
+          <a:bodyPr wrap="square">
+            <a:spAutoFit/>
+          </a:bodyPr>
+          <a:lstStyle/>
+          <a:p>
+            <a:r>
+              <a:rPr lang="en-US" sz="1600" dirty="0" smtClean="0">
+                <a:latin typeface="Consolas" panose="020B0609020204030204" pitchFamily="49" charset="0"/>
+              </a:rPr>
+              <a:t>&lt;</a:t>
+            </a:r>
+            <a:r>
+              <a:rPr lang="en-US" sz="1600" dirty="0">
+                <a:latin typeface="Consolas" panose="020B0609020204030204" pitchFamily="49" charset="0"/>
+              </a:rPr>
+              <a:t>form action="/</a:t>
+            </a:r>
+            <a:r>
+              <a:rPr lang="en-US" sz="1600" dirty="0" err="1">
+                <a:latin typeface="Consolas" panose="020B0609020204030204" pitchFamily="49" charset="0"/>
+              </a:rPr>
+              <a:t>some_action</a:t>
+            </a:r>
+            <a:r>
+              <a:rPr lang="en-US" sz="1600" dirty="0">
+                <a:latin typeface="Consolas" panose="020B0609020204030204" pitchFamily="49" charset="0"/>
+              </a:rPr>
+              <a:t>"&gt;</a:t>
+            </a:r>
+          </a:p>
+          <a:p>
+            <a:r>
+              <a:rPr lang="en-US" sz="1600" dirty="0" smtClean="0">
+                <a:latin typeface="Consolas" panose="020B0609020204030204" pitchFamily="49" charset="0"/>
+              </a:rPr>
+              <a:t> Sensitive field 1: &lt;</a:t>
+            </a:r>
+            <a:r>
+              <a:rPr lang="en-US" sz="1600" dirty="0">
+                <a:latin typeface="Consolas" panose="020B0609020204030204" pitchFamily="49" charset="0"/>
+              </a:rPr>
+              <a:t>input type="text" name</a:t>
+            </a:r>
+            <a:r>
+              <a:rPr lang="en-US" sz="1600" dirty="0" smtClean="0">
+                <a:latin typeface="Consolas" panose="020B0609020204030204" pitchFamily="49" charset="0"/>
+              </a:rPr>
+              <a:t>=“tb_1” </a:t>
+            </a:r>
+            <a:r>
+              <a:rPr lang="en-US" sz="1600" dirty="0" smtClean="0">
+                <a:solidFill>
+                  <a:srgbClr val="FF0000"/>
+                </a:solidFill>
+                <a:latin typeface="Consolas" panose="020B0609020204030204" pitchFamily="49" charset="0"/>
+              </a:rPr>
+              <a:t>protect=“true”</a:t>
+            </a:r>
+            <a:r>
+              <a:rPr lang="en-US" sz="1600" dirty="0" smtClean="0">
+                <a:latin typeface="Consolas" panose="020B0609020204030204" pitchFamily="49" charset="0"/>
+              </a:rPr>
+              <a:t>&gt;&lt;</a:t>
+            </a:r>
+            <a:r>
+              <a:rPr lang="en-US" sz="1600" dirty="0" err="1" smtClean="0">
+                <a:latin typeface="Consolas" panose="020B0609020204030204" pitchFamily="49" charset="0"/>
+              </a:rPr>
+              <a:t>br</a:t>
+            </a:r>
+            <a:r>
+              <a:rPr lang="en-US" sz="1600" dirty="0" smtClean="0">
+                <a:latin typeface="Consolas" panose="020B0609020204030204" pitchFamily="49" charset="0"/>
+              </a:rPr>
+              <a:t>&gt;</a:t>
+            </a:r>
+          </a:p>
+          <a:p>
+            <a:r>
+              <a:rPr lang="en-US" sz="1600" dirty="0" smtClean="0">
+                <a:latin typeface="Consolas" panose="020B0609020204030204" pitchFamily="49" charset="0"/>
+              </a:rPr>
+              <a:t> Sensitive </a:t>
+            </a:r>
+            <a:r>
+              <a:rPr lang="en-US" sz="1600" dirty="0">
+                <a:latin typeface="Consolas" panose="020B0609020204030204" pitchFamily="49" charset="0"/>
+              </a:rPr>
+              <a:t>field </a:t>
+            </a:r>
+            <a:r>
+              <a:rPr lang="en-US" sz="1600" dirty="0" smtClean="0">
+                <a:latin typeface="Consolas" panose="020B0609020204030204" pitchFamily="49" charset="0"/>
+              </a:rPr>
+              <a:t>2: </a:t>
+            </a:r>
+            <a:r>
+              <a:rPr lang="en-US" sz="1600" dirty="0">
+                <a:latin typeface="Consolas" panose="020B0609020204030204" pitchFamily="49" charset="0"/>
+              </a:rPr>
+              <a:t>&lt;input type="text" name</a:t>
+            </a:r>
+            <a:r>
+              <a:rPr lang="en-US" sz="1600" dirty="0" smtClean="0">
+                <a:latin typeface="Consolas" panose="020B0609020204030204" pitchFamily="49" charset="0"/>
+              </a:rPr>
+              <a:t>=“tb_2” </a:t>
+            </a:r>
+            <a:r>
+              <a:rPr lang="en-US" sz="1600" dirty="0" smtClean="0">
+                <a:solidFill>
+                  <a:srgbClr val="FF0000"/>
+                </a:solidFill>
+                <a:latin typeface="Consolas" panose="020B0609020204030204" pitchFamily="49" charset="0"/>
+              </a:rPr>
+              <a:t>protect=“true”</a:t>
+            </a:r>
+            <a:r>
+              <a:rPr lang="en-US" sz="1600" dirty="0" smtClean="0">
+                <a:latin typeface="Consolas" panose="020B0609020204030204" pitchFamily="49" charset="0"/>
+              </a:rPr>
+              <a:t>&gt;&lt;</a:t>
+            </a:r>
+            <a:r>
+              <a:rPr lang="en-US" sz="1600" dirty="0" err="1">
+                <a:latin typeface="Consolas" panose="020B0609020204030204" pitchFamily="49" charset="0"/>
+              </a:rPr>
+              <a:t>br</a:t>
+            </a:r>
+            <a:r>
+              <a:rPr lang="en-US" sz="1600" dirty="0">
+                <a:latin typeface="Consolas" panose="020B0609020204030204" pitchFamily="49" charset="0"/>
+              </a:rPr>
+              <a:t>&gt;</a:t>
+            </a:r>
+          </a:p>
+          <a:p>
+            <a:r>
+              <a:rPr lang="en-US" sz="1600" dirty="0" smtClean="0">
+                <a:latin typeface="Consolas" panose="020B0609020204030204" pitchFamily="49" charset="0"/>
+              </a:rPr>
+              <a:t> &lt;</a:t>
+            </a:r>
+            <a:r>
+              <a:rPr lang="en-US" sz="1600" dirty="0">
+                <a:latin typeface="Consolas" panose="020B0609020204030204" pitchFamily="49" charset="0"/>
+              </a:rPr>
+              <a:t>input type="submit" value</a:t>
+            </a:r>
+            <a:r>
+              <a:rPr lang="en-US" sz="1600" dirty="0" smtClean="0">
+                <a:latin typeface="Consolas" panose="020B0609020204030204" pitchFamily="49" charset="0"/>
+              </a:rPr>
+              <a:t>=“Ok"&gt;</a:t>
+            </a:r>
+          </a:p>
+          <a:p>
+            <a:r>
+              <a:rPr lang="en-US" sz="1600" dirty="0" smtClean="0">
+                <a:latin typeface="Consolas" panose="020B0609020204030204" pitchFamily="49" charset="0"/>
+              </a:rPr>
+              <a:t> Normal field: </a:t>
+            </a:r>
+            <a:r>
+              <a:rPr lang="en-US" sz="1600" dirty="0">
+                <a:latin typeface="Consolas" panose="020B0609020204030204" pitchFamily="49" charset="0"/>
+              </a:rPr>
+              <a:t>&lt;input type="text" name=“</a:t>
+            </a:r>
+            <a:r>
+              <a:rPr lang="en-US" sz="1600" dirty="0" smtClean="0">
+                <a:latin typeface="Consolas" panose="020B0609020204030204" pitchFamily="49" charset="0"/>
+              </a:rPr>
+              <a:t>textbox_3"&gt;&lt;</a:t>
+            </a:r>
+            <a:r>
+              <a:rPr lang="en-US" sz="1600" dirty="0" err="1">
+                <a:latin typeface="Consolas" panose="020B0609020204030204" pitchFamily="49" charset="0"/>
+              </a:rPr>
+              <a:t>br</a:t>
+            </a:r>
+            <a:r>
+              <a:rPr lang="en-US" sz="1600" dirty="0" smtClean="0">
+                <a:latin typeface="Consolas" panose="020B0609020204030204" pitchFamily="49" charset="0"/>
+              </a:rPr>
+              <a:t>&gt;</a:t>
+            </a:r>
+            <a:endParaRPr lang="en-US" sz="1600" dirty="0">
+              <a:latin typeface="Consolas" panose="020B0609020204030204" pitchFamily="49" charset="0"/>
+            </a:endParaRPr>
+          </a:p>
+          <a:p>
+            <a:r>
+              <a:rPr lang="en-US" sz="1600" dirty="0">
+                <a:latin typeface="Consolas" panose="020B0609020204030204" pitchFamily="49" charset="0"/>
+              </a:rPr>
+              <a:t>&lt;/form</a:t>
+            </a:r>
+            <a:r>
+              <a:rPr lang="en-US" sz="1600" dirty="0" smtClean="0">
+                <a:latin typeface="Consolas" panose="020B0609020204030204" pitchFamily="49" charset="0"/>
+              </a:rPr>
+              <a:t>&gt;</a:t>
+            </a:r>
+            <a:endParaRPr lang="en-US" sz="1600" dirty="0"/>
+          </a:p>
+        </p:txBody>
+      </p:sp>
+      <p:grpSp>
+        <p:nvGrpSpPr>
+          <p:cNvPr id="51" name="Group 50"/>
+          <p:cNvGrpSpPr/>
+          <p:nvPr/>
+        </p:nvGrpSpPr>
+        <p:grpSpPr>
+          <a:xfrm>
+            <a:off x="8515676" y="-100501"/>
+            <a:ext cx="3439915" cy="2627458"/>
+            <a:chOff x="8726386" y="-100501"/>
+            <a:chExt cx="3439915" cy="2627458"/>
+          </a:xfrm>
+        </p:grpSpPr>
+        <p:sp>
+          <p:nvSpPr>
+            <p:cNvPr id="37" name="Rounded Rectangle 36"/>
+            <p:cNvSpPr/>
+            <p:nvPr/>
+          </p:nvSpPr>
+          <p:spPr>
+            <a:xfrm>
+              <a:off x="8726386" y="96521"/>
+              <a:ext cx="3439915" cy="2430436"/>
+            </a:xfrm>
+            <a:prstGeom prst="roundRect">
+              <a:avLst>
+                <a:gd name="adj" fmla="val 4686"/>
+              </a:avLst>
+            </a:prstGeom>
+            <a:solidFill>
+              <a:schemeClr val="bg1"/>
+            </a:solidFill>
+            <a:ln w="19050">
+              <a:solidFill>
+                <a:schemeClr val="accent5"/>
+              </a:solidFill>
+            </a:ln>
+          </p:spPr>
+          <p:style>
+            <a:lnRef idx="2">
+              <a:schemeClr val="accent1">
+                <a:shade val="50000"/>
+              </a:schemeClr>
+            </a:lnRef>
+            <a:fillRef idx="1">
+              <a:schemeClr val="accent1"/>
+            </a:fillRef>
+            <a:effectRef idx="0">
+              <a:schemeClr val="accent1"/>
+            </a:effectRef>
+            <a:fontRef idx="minor">
+              <a:schemeClr val="lt1"/>
+            </a:fontRef>
+          </p:style>
+          <p:txBody>
+            <a:bodyPr rtlCol="0" anchor="ctr"/>
+            <a:lstStyle/>
+            <a:p>
+              <a:pPr algn="ctr"/>
+              <a:endParaRPr lang="en-US"/>
+            </a:p>
+          </p:txBody>
+        </p:sp>
+        <p:sp>
+          <p:nvSpPr>
+            <p:cNvPr id="38" name="Rectangle 37"/>
+            <p:cNvSpPr/>
+            <p:nvPr/>
+          </p:nvSpPr>
+          <p:spPr>
+            <a:xfrm>
+              <a:off x="8843358" y="53274"/>
+              <a:ext cx="1483228" cy="169149"/>
+            </a:xfrm>
+            <a:prstGeom prst="rect">
+              <a:avLst/>
+            </a:prstGeom>
+            <a:solidFill>
+              <a:schemeClr val="bg1"/>
+            </a:solidFill>
+            <a:ln>
+              <a:solidFill>
+                <a:schemeClr val="bg1"/>
+              </a:solidFill>
+            </a:ln>
+          </p:spPr>
+          <p:style>
+            <a:lnRef idx="2">
+              <a:schemeClr val="accent1">
+                <a:shade val="50000"/>
+              </a:schemeClr>
+            </a:lnRef>
+            <a:fillRef idx="1">
+              <a:schemeClr val="accent1"/>
+            </a:fillRef>
+            <a:effectRef idx="0">
+              <a:schemeClr val="accent1"/>
+            </a:effectRef>
+            <a:fontRef idx="minor">
+              <a:schemeClr val="lt1"/>
+            </a:fontRef>
+          </p:style>
+          <p:txBody>
+            <a:bodyPr rtlCol="0" anchor="ctr"/>
+            <a:lstStyle/>
+            <a:p>
+              <a:pPr algn="ctr"/>
+              <a:endParaRPr lang="en-US"/>
+            </a:p>
+          </p:txBody>
+        </p:sp>
+        <p:sp>
+          <p:nvSpPr>
+            <p:cNvPr id="39" name="TextBox 38"/>
+            <p:cNvSpPr txBox="1"/>
+            <p:nvPr/>
+          </p:nvSpPr>
+          <p:spPr>
+            <a:xfrm>
+              <a:off x="8806705" y="-100501"/>
+              <a:ext cx="1522468" cy="369332"/>
+            </a:xfrm>
+            <a:prstGeom prst="rect">
+              <a:avLst/>
+            </a:prstGeom>
+            <a:noFill/>
+          </p:spPr>
+          <p:txBody>
+            <a:bodyPr wrap="none" rtlCol="0">
+              <a:spAutoFit/>
+            </a:bodyPr>
+            <a:lstStyle/>
+            <a:p>
+              <a:r>
+                <a:rPr lang="en-US" dirty="0" smtClean="0"/>
+                <a:t>Sensitive form</a:t>
+              </a:r>
+              <a:endParaRPr lang="en-US" dirty="0"/>
+            </a:p>
+          </p:txBody>
+        </p:sp>
+        <p:sp>
+          <p:nvSpPr>
+            <p:cNvPr id="41" name="Rectangle 40"/>
+            <p:cNvSpPr/>
+            <p:nvPr/>
+          </p:nvSpPr>
+          <p:spPr>
+            <a:xfrm>
+              <a:off x="10460684" y="2019531"/>
+              <a:ext cx="1442548" cy="379214"/>
+            </a:xfrm>
+            <a:prstGeom prst="rect">
+              <a:avLst/>
+            </a:prstGeom>
+            <a:solidFill>
+              <a:schemeClr val="bg1"/>
+            </a:solidFill>
+            <a:ln w="19050">
+              <a:solidFill>
+                <a:schemeClr val="tx1"/>
+              </a:solidFill>
+            </a:ln>
+          </p:spPr>
+          <p:style>
+            <a:lnRef idx="2">
+              <a:schemeClr val="accent1">
+                <a:shade val="50000"/>
+              </a:schemeClr>
+            </a:lnRef>
+            <a:fillRef idx="1">
+              <a:schemeClr val="accent1"/>
+            </a:fillRef>
+            <a:effectRef idx="0">
+              <a:schemeClr val="accent1"/>
+            </a:effectRef>
+            <a:fontRef idx="minor">
+              <a:schemeClr val="lt1"/>
+            </a:fontRef>
+          </p:style>
+          <p:txBody>
+            <a:bodyPr rtlCol="0" anchor="ctr"/>
+            <a:lstStyle/>
+            <a:p>
+              <a:pPr algn="ctr"/>
+              <a:endParaRPr lang="en-US"/>
+            </a:p>
+          </p:txBody>
+        </p:sp>
+        <p:sp>
+          <p:nvSpPr>
+            <p:cNvPr id="42" name="TextBox 41"/>
+            <p:cNvSpPr txBox="1"/>
+            <p:nvPr/>
+          </p:nvSpPr>
+          <p:spPr>
+            <a:xfrm>
+              <a:off x="8806705" y="2037033"/>
+              <a:ext cx="1402948" cy="369332"/>
+            </a:xfrm>
+            <a:prstGeom prst="rect">
+              <a:avLst/>
+            </a:prstGeom>
+            <a:solidFill>
+              <a:schemeClr val="bg1"/>
+            </a:solidFill>
+          </p:spPr>
+          <p:txBody>
+            <a:bodyPr wrap="none" rtlCol="0">
+              <a:spAutoFit/>
+            </a:bodyPr>
+            <a:lstStyle/>
+            <a:p>
+              <a:r>
+                <a:rPr lang="en-US" dirty="0" smtClean="0"/>
+                <a:t>Normal </a:t>
+              </a:r>
+              <a:r>
+                <a:rPr lang="en-US" dirty="0" smtClean="0"/>
+                <a:t>field </a:t>
+              </a:r>
+              <a:endParaRPr lang="en-US" dirty="0"/>
+            </a:p>
+          </p:txBody>
+        </p:sp>
+        <p:sp>
+          <p:nvSpPr>
+            <p:cNvPr id="44" name="Rectangle 43"/>
+            <p:cNvSpPr/>
+            <p:nvPr/>
+          </p:nvSpPr>
+          <p:spPr>
+            <a:xfrm>
+              <a:off x="10497337" y="312078"/>
+              <a:ext cx="1442548" cy="379214"/>
+            </a:xfrm>
+            <a:prstGeom prst="rect">
+              <a:avLst/>
+            </a:prstGeom>
+            <a:solidFill>
+              <a:schemeClr val="bg1"/>
+            </a:solidFill>
+            <a:ln w="19050">
+              <a:solidFill>
+                <a:schemeClr val="tx1"/>
+              </a:solidFill>
+            </a:ln>
+          </p:spPr>
+          <p:style>
+            <a:lnRef idx="2">
+              <a:schemeClr val="accent1">
+                <a:shade val="50000"/>
+              </a:schemeClr>
+            </a:lnRef>
+            <a:fillRef idx="1">
+              <a:schemeClr val="accent1"/>
+            </a:fillRef>
+            <a:effectRef idx="0">
+              <a:schemeClr val="accent1"/>
+            </a:effectRef>
+            <a:fontRef idx="minor">
+              <a:schemeClr val="lt1"/>
+            </a:fontRef>
+          </p:style>
+          <p:txBody>
+            <a:bodyPr rtlCol="0" anchor="ctr"/>
+            <a:lstStyle/>
+            <a:p>
+              <a:pPr algn="ctr"/>
+              <a:endParaRPr lang="en-US"/>
+            </a:p>
+          </p:txBody>
+        </p:sp>
+        <p:sp>
+          <p:nvSpPr>
+            <p:cNvPr id="45" name="TextBox 44"/>
+            <p:cNvSpPr txBox="1"/>
+            <p:nvPr/>
+          </p:nvSpPr>
+          <p:spPr>
+            <a:xfrm>
+              <a:off x="8843358" y="329580"/>
+              <a:ext cx="1653979" cy="369332"/>
+            </a:xfrm>
+            <a:prstGeom prst="rect">
+              <a:avLst/>
+            </a:prstGeom>
+            <a:solidFill>
+              <a:schemeClr val="bg1"/>
+            </a:solidFill>
+          </p:spPr>
+          <p:txBody>
+            <a:bodyPr wrap="none" rtlCol="0">
+              <a:spAutoFit/>
+            </a:bodyPr>
+            <a:lstStyle/>
+            <a:p>
+              <a:r>
+                <a:rPr lang="en-US" dirty="0" smtClean="0"/>
+                <a:t>Sensitive field 1</a:t>
+              </a:r>
+              <a:endParaRPr lang="en-US" dirty="0"/>
+            </a:p>
+          </p:txBody>
+        </p:sp>
+        <p:sp>
+          <p:nvSpPr>
+            <p:cNvPr id="46" name="Rectangle 45"/>
+            <p:cNvSpPr/>
+            <p:nvPr/>
+          </p:nvSpPr>
+          <p:spPr>
+            <a:xfrm>
+              <a:off x="10497337" y="863635"/>
+              <a:ext cx="1442548" cy="379214"/>
+            </a:xfrm>
+            <a:prstGeom prst="rect">
+              <a:avLst/>
+            </a:prstGeom>
+            <a:solidFill>
+              <a:schemeClr val="bg1"/>
+            </a:solidFill>
+            <a:ln w="19050">
+              <a:solidFill>
+                <a:schemeClr val="tx1"/>
+              </a:solidFill>
+            </a:ln>
+          </p:spPr>
+          <p:style>
+            <a:lnRef idx="2">
+              <a:schemeClr val="accent1">
+                <a:shade val="50000"/>
+              </a:schemeClr>
+            </a:lnRef>
+            <a:fillRef idx="1">
+              <a:schemeClr val="accent1"/>
+            </a:fillRef>
+            <a:effectRef idx="0">
+              <a:schemeClr val="accent1"/>
+            </a:effectRef>
+            <a:fontRef idx="minor">
+              <a:schemeClr val="lt1"/>
+            </a:fontRef>
+          </p:style>
+          <p:txBody>
+            <a:bodyPr rtlCol="0" anchor="ctr"/>
+            <a:lstStyle/>
+            <a:p>
+              <a:pPr algn="ctr"/>
+              <a:endParaRPr lang="en-US"/>
+            </a:p>
+          </p:txBody>
+        </p:sp>
+        <p:sp>
+          <p:nvSpPr>
+            <p:cNvPr id="48" name="Rectangle 47"/>
+            <p:cNvSpPr/>
+            <p:nvPr/>
+          </p:nvSpPr>
+          <p:spPr>
+            <a:xfrm>
+              <a:off x="9441803" y="1432694"/>
+              <a:ext cx="819150" cy="411480"/>
+            </a:xfrm>
+            <a:prstGeom prst="rect">
+              <a:avLst/>
+            </a:prstGeom>
+            <a:solidFill>
+              <a:schemeClr val="bg2"/>
+            </a:solidFill>
+            <a:ln w="12700">
+              <a:solidFill>
+                <a:schemeClr val="tx1"/>
+              </a:solidFill>
+            </a:ln>
+          </p:spPr>
+          <p:style>
+            <a:lnRef idx="2">
+              <a:schemeClr val="accent1">
+                <a:shade val="50000"/>
+              </a:schemeClr>
+            </a:lnRef>
+            <a:fillRef idx="1">
+              <a:schemeClr val="accent1"/>
+            </a:fillRef>
+            <a:effectRef idx="0">
+              <a:schemeClr val="accent1"/>
+            </a:effectRef>
+            <a:fontRef idx="minor">
+              <a:schemeClr val="lt1"/>
+            </a:fontRef>
+          </p:style>
+          <p:txBody>
+            <a:bodyPr rtlCol="0" anchor="ctr"/>
+            <a:lstStyle/>
+            <a:p>
+              <a:pPr algn="ctr"/>
+              <a:r>
+                <a:rPr lang="en-US" b="1" dirty="0" smtClean="0">
+                  <a:solidFill>
+                    <a:schemeClr val="tx1"/>
+                  </a:solidFill>
+                </a:rPr>
+                <a:t>OK</a:t>
+              </a:r>
+              <a:endParaRPr lang="en-US" b="1" dirty="0">
+                <a:solidFill>
+                  <a:schemeClr val="tx1"/>
+                </a:solidFill>
+              </a:endParaRPr>
+            </a:p>
+          </p:txBody>
+        </p:sp>
+        <p:sp>
+          <p:nvSpPr>
+            <p:cNvPr id="49" name="Rectangle 48"/>
+            <p:cNvSpPr/>
+            <p:nvPr/>
+          </p:nvSpPr>
+          <p:spPr>
+            <a:xfrm>
+              <a:off x="10872458" y="1432694"/>
+              <a:ext cx="819150" cy="411480"/>
+            </a:xfrm>
+            <a:prstGeom prst="rect">
+              <a:avLst/>
+            </a:prstGeom>
+            <a:solidFill>
+              <a:schemeClr val="bg2"/>
+            </a:solidFill>
+            <a:ln w="12700">
+              <a:solidFill>
+                <a:schemeClr val="tx1"/>
+              </a:solidFill>
+            </a:ln>
+          </p:spPr>
+          <p:style>
+            <a:lnRef idx="2">
+              <a:schemeClr val="accent1">
+                <a:shade val="50000"/>
+              </a:schemeClr>
+            </a:lnRef>
+            <a:fillRef idx="1">
+              <a:schemeClr val="accent1"/>
+            </a:fillRef>
+            <a:effectRef idx="0">
+              <a:schemeClr val="accent1"/>
+            </a:effectRef>
+            <a:fontRef idx="minor">
+              <a:schemeClr val="lt1"/>
+            </a:fontRef>
+          </p:style>
+          <p:txBody>
+            <a:bodyPr rtlCol="0" anchor="ctr"/>
+            <a:lstStyle/>
+            <a:p>
+              <a:pPr algn="ctr"/>
+              <a:r>
+                <a:rPr lang="en-US" b="1" dirty="0" smtClean="0">
+                  <a:solidFill>
+                    <a:schemeClr val="tx1"/>
+                  </a:solidFill>
+                </a:rPr>
+                <a:t>Cancel</a:t>
+              </a:r>
+              <a:endParaRPr lang="en-US" b="1" dirty="0">
+                <a:solidFill>
+                  <a:schemeClr val="tx1"/>
+                </a:solidFill>
+              </a:endParaRPr>
+            </a:p>
+          </p:txBody>
+        </p:sp>
+        <p:sp>
+          <p:nvSpPr>
+            <p:cNvPr id="47" name="TextBox 46"/>
+            <p:cNvSpPr txBox="1"/>
+            <p:nvPr/>
+          </p:nvSpPr>
+          <p:spPr>
+            <a:xfrm>
+              <a:off x="8843358" y="881137"/>
+              <a:ext cx="1653979" cy="369332"/>
+            </a:xfrm>
+            <a:prstGeom prst="rect">
+              <a:avLst/>
+            </a:prstGeom>
+            <a:solidFill>
+              <a:schemeClr val="bg1"/>
+            </a:solidFill>
+          </p:spPr>
+          <p:txBody>
+            <a:bodyPr wrap="none" rtlCol="0">
+              <a:spAutoFit/>
+            </a:bodyPr>
+            <a:lstStyle/>
+            <a:p>
+              <a:r>
+                <a:rPr lang="en-US" dirty="0" smtClean="0"/>
+                <a:t>Sensitive field 2</a:t>
+              </a:r>
+              <a:endParaRPr lang="en-US" dirty="0"/>
+            </a:p>
+          </p:txBody>
+        </p:sp>
+      </p:grpSp>
+      <p:sp>
+        <p:nvSpPr>
+          <p:cNvPr id="50" name="Right Arrow 49"/>
+          <p:cNvSpPr/>
+          <p:nvPr/>
+        </p:nvSpPr>
+        <p:spPr>
+          <a:xfrm>
+            <a:off x="7801150" y="1191174"/>
+            <a:ext cx="673640" cy="241128"/>
+          </a:xfrm>
+          <a:prstGeom prst="rightArrow">
+            <a:avLst>
+              <a:gd name="adj1" fmla="val 39751"/>
+              <a:gd name="adj2" fmla="val 65374"/>
+            </a:avLst>
+          </a:prstGeom>
+          <a:solidFill>
+            <a:schemeClr val="tx1"/>
+          </a:solidFill>
+          <a:ln w="19050"/>
+        </p:spPr>
+        <p:style>
+          <a:lnRef idx="2">
+            <a:schemeClr val="dk1"/>
+          </a:lnRef>
+          <a:fillRef idx="1">
+            <a:schemeClr val="lt1"/>
+          </a:fillRef>
+          <a:effectRef idx="0">
+            <a:schemeClr val="dk1"/>
+          </a:effectRef>
+          <a:fontRef idx="minor">
+            <a:schemeClr val="dk1"/>
+          </a:fontRef>
+        </p:style>
+        <p:txBody>
+          <a:bodyPr rtlCol="0" anchor="ctr"/>
+          <a:lstStyle/>
+          <a:p>
+            <a:pPr algn="ctr"/>
+            <a:endParaRPr lang="en-US"/>
+          </a:p>
+        </p:txBody>
+      </p:sp>
+      <p:sp>
+        <p:nvSpPr>
+          <p:cNvPr id="53" name="Right Arrow 52"/>
+          <p:cNvSpPr/>
+          <p:nvPr/>
+        </p:nvSpPr>
+        <p:spPr>
+          <a:xfrm>
+            <a:off x="3557714" y="1191174"/>
+            <a:ext cx="723187" cy="241128"/>
+          </a:xfrm>
+          <a:prstGeom prst="rightArrow">
+            <a:avLst>
+              <a:gd name="adj1" fmla="val 39751"/>
+              <a:gd name="adj2" fmla="val 65374"/>
+            </a:avLst>
+          </a:prstGeom>
+          <a:solidFill>
+            <a:schemeClr val="tx1"/>
+          </a:solidFill>
+          <a:ln w="19050"/>
+        </p:spPr>
+        <p:style>
+          <a:lnRef idx="2">
+            <a:schemeClr val="dk1"/>
+          </a:lnRef>
+          <a:fillRef idx="1">
+            <a:schemeClr val="lt1"/>
+          </a:fillRef>
+          <a:effectRef idx="0">
+            <a:schemeClr val="dk1"/>
+          </a:effectRef>
+          <a:fontRef idx="minor">
+            <a:schemeClr val="dk1"/>
+          </a:fontRef>
+        </p:style>
+        <p:txBody>
+          <a:bodyPr rtlCol="0" anchor="ctr"/>
+          <a:lstStyle/>
+          <a:p>
+            <a:pPr algn="ctr"/>
+            <a:endParaRPr lang="en-US"/>
+          </a:p>
+        </p:txBody>
+      </p:sp>
+      <p:sp>
+        <p:nvSpPr>
+          <p:cNvPr id="54" name="Rectangle 53"/>
+          <p:cNvSpPr/>
+          <p:nvPr/>
+        </p:nvSpPr>
+        <p:spPr>
+          <a:xfrm rot="16200000">
+            <a:off x="2996278" y="1152750"/>
+            <a:ext cx="1735728" cy="369332"/>
+          </a:xfrm>
+          <a:prstGeom prst="rect">
+            <a:avLst/>
+          </a:prstGeom>
+          <a:solidFill>
+            <a:schemeClr val="bg1"/>
+          </a:solidFill>
+        </p:spPr>
+        <p:txBody>
+          <a:bodyPr wrap="square">
+            <a:spAutoFit/>
+          </a:bodyPr>
+          <a:lstStyle/>
+          <a:p>
+            <a:r>
+              <a:rPr lang="en-US" dirty="0" smtClean="0"/>
+              <a:t>Transformation</a:t>
+            </a:r>
+            <a:endParaRPr lang="en-US" dirty="0"/>
+          </a:p>
+        </p:txBody>
+      </p:sp>
+      <p:sp>
+        <p:nvSpPr>
+          <p:cNvPr id="55" name="Rectangle 54"/>
+          <p:cNvSpPr/>
+          <p:nvPr/>
+        </p:nvSpPr>
+        <p:spPr>
+          <a:xfrm rot="16200000">
+            <a:off x="7612073" y="1152750"/>
+            <a:ext cx="897875" cy="369332"/>
+          </a:xfrm>
+          <a:prstGeom prst="rect">
+            <a:avLst/>
+          </a:prstGeom>
+          <a:solidFill>
+            <a:schemeClr val="bg1"/>
+          </a:solidFill>
+        </p:spPr>
+        <p:txBody>
+          <a:bodyPr wrap="none">
+            <a:spAutoFit/>
+          </a:bodyPr>
+          <a:lstStyle/>
+          <a:p>
+            <a:r>
+              <a:rPr lang="en-US" dirty="0" smtClean="0"/>
+              <a:t>Overlay</a:t>
+            </a:r>
+            <a:endParaRPr lang="en-US" dirty="0"/>
+          </a:p>
+        </p:txBody>
+      </p:sp>
+      <p:sp>
+        <p:nvSpPr>
+          <p:cNvPr id="56" name="Rectangle 55"/>
+          <p:cNvSpPr/>
+          <p:nvPr/>
+        </p:nvSpPr>
+        <p:spPr>
+          <a:xfrm>
+            <a:off x="8602526" y="247529"/>
+            <a:ext cx="3253781" cy="1085773"/>
+          </a:xfrm>
+          <a:prstGeom prst="rect">
+            <a:avLst/>
+          </a:prstGeom>
+          <a:noFill/>
+          <a:ln w="28575">
+            <a:solidFill>
+              <a:srgbClr val="FF0000"/>
+            </a:solidFill>
+          </a:ln>
+        </p:spPr>
+        <p:style>
+          <a:lnRef idx="2">
+            <a:schemeClr val="dk1"/>
+          </a:lnRef>
+          <a:fillRef idx="1">
+            <a:schemeClr val="lt1"/>
+          </a:fillRef>
+          <a:effectRef idx="0">
+            <a:schemeClr val="dk1"/>
+          </a:effectRef>
+          <a:fontRef idx="minor">
+            <a:schemeClr val="dk1"/>
+          </a:fontRef>
+        </p:style>
+        <p:txBody>
+          <a:bodyPr rtlCol="0" anchor="ctr"/>
+          <a:lstStyle/>
+          <a:p>
+            <a:pPr algn="ctr"/>
+            <a:endParaRPr lang="en-US"/>
+          </a:p>
+        </p:txBody>
+      </p:sp>
+      <p:sp>
+        <p:nvSpPr>
+          <p:cNvPr id="58" name="Rectangle 57"/>
+          <p:cNvSpPr/>
+          <p:nvPr/>
+        </p:nvSpPr>
+        <p:spPr>
+          <a:xfrm>
+            <a:off x="8561640" y="1191173"/>
+            <a:ext cx="1724987" cy="217111"/>
+          </a:xfrm>
+          <a:prstGeom prst="rect">
+            <a:avLst/>
+          </a:prstGeom>
+          <a:solidFill>
+            <a:schemeClr val="bg1"/>
+          </a:solidFill>
+          <a:ln>
+            <a:solidFill>
+              <a:schemeClr val="bg1"/>
+            </a:solidFill>
+          </a:ln>
+        </p:spPr>
+        <p:style>
+          <a:lnRef idx="2">
+            <a:schemeClr val="dk1"/>
+          </a:lnRef>
+          <a:fillRef idx="1">
+            <a:schemeClr val="lt1"/>
+          </a:fillRef>
+          <a:effectRef idx="0">
+            <a:schemeClr val="dk1"/>
+          </a:effectRef>
+          <a:fontRef idx="minor">
+            <a:schemeClr val="dk1"/>
+          </a:fontRef>
+        </p:style>
+        <p:txBody>
+          <a:bodyPr rtlCol="0" anchor="ctr"/>
+          <a:lstStyle/>
+          <a:p>
+            <a:pPr algn="ctr"/>
+            <a:endParaRPr lang="en-US"/>
+          </a:p>
+        </p:txBody>
+      </p:sp>
+      <p:sp>
+        <p:nvSpPr>
+          <p:cNvPr id="57" name="Rectangle 56"/>
+          <p:cNvSpPr/>
+          <p:nvPr/>
+        </p:nvSpPr>
+        <p:spPr>
+          <a:xfrm>
+            <a:off x="8444399" y="1116111"/>
+            <a:ext cx="2000356" cy="369332"/>
+          </a:xfrm>
+          <a:prstGeom prst="rect">
+            <a:avLst/>
+          </a:prstGeom>
+        </p:spPr>
+        <p:txBody>
+          <a:bodyPr wrap="none">
+            <a:spAutoFit/>
+          </a:bodyPr>
+          <a:lstStyle/>
+          <a:p>
+            <a:r>
+              <a:rPr lang="en-US" dirty="0" smtClean="0">
+                <a:solidFill>
+                  <a:srgbClr val="FF0000"/>
+                </a:solidFill>
+              </a:rPr>
+              <a:t>Integrity protected</a:t>
+            </a:r>
+            <a:endParaRPr lang="en-US" dirty="0">
+              <a:solidFill>
+                <a:srgbClr val="FF0000"/>
+              </a:solidFill>
+            </a:endParaRPr>
+          </a:p>
+        </p:txBody>
+      </p:sp>
+    </p:spTree>
+    <p:extLst>
+      <p:ext uri="{BB962C8B-B14F-4D97-AF65-F5344CB8AC3E}">
+        <p14:creationId xmlns:p14="http://schemas.microsoft.com/office/powerpoint/2010/main" val="2346957572"/>
+      </p:ext>
+    </p:extLst>
+  </p:cSld>
+  <p:clrMapOvr>
+    <a:masterClrMapping/>
+  </p:clrMapOvr>
+</p:sld>
+</file>
+
+<file path=ppt/slides/slide8.xml><?xml version="1.0" encoding="utf-8"?>
+<p:sld xmlns:a="http://schemas.openxmlformats.org/drawingml/2006/main" xmlns:r="http://schemas.openxmlformats.org/officeDocument/2006/relationships" xmlns:p="http://schemas.openxmlformats.org/presentationml/2006/main">
+  <p:cSld>
+    <p:spTree>
+      <p:nvGrpSpPr>
+        <p:cNvPr id="1" name=""/>
+        <p:cNvGrpSpPr/>
+        <p:nvPr/>
+      </p:nvGrpSpPr>
+      <p:grpSpPr>
+        <a:xfrm>
+          <a:off x="0" y="0"/>
+          <a:ext cx="0" cy="0"/>
+          <a:chOff x="0" y="0"/>
+          <a:chExt cx="0" cy="0"/>
+        </a:xfrm>
+      </p:grpSpPr>
       <p:cxnSp>
         <p:nvCxnSpPr>
           <p:cNvPr id="47" name="Straight Arrow Connector 46"/>
@@ -13373,7 +16047,7 @@
 </p:sld>
 </file>
 
-<file path=ppt/slides/slide8.xml><?xml version="1.0" encoding="utf-8"?>
+<file path=ppt/slides/slide9.xml><?xml version="1.0" encoding="utf-8"?>
 <p:sld xmlns:a="http://schemas.openxmlformats.org/drawingml/2006/main" xmlns:r="http://schemas.openxmlformats.org/officeDocument/2006/relationships" xmlns:p="http://schemas.openxmlformats.org/presentationml/2006/main">
   <p:cSld>
     <p:spTree>
@@ -14462,874 +17136,6 @@
     <p:extLst>
       <p:ext uri="{BB962C8B-B14F-4D97-AF65-F5344CB8AC3E}">
         <p14:creationId xmlns:p14="http://schemas.microsoft.com/office/powerpoint/2010/main" val="593002046"/>
-      </p:ext>
-    </p:extLst>
-  </p:cSld>
-  <p:clrMapOvr>
-    <a:masterClrMapping/>
-  </p:clrMapOvr>
-</p:sld>
-</file>
-
-<file path=ppt/slides/slide9.xml><?xml version="1.0" encoding="utf-8"?>
-<p:sld xmlns:a="http://schemas.openxmlformats.org/drawingml/2006/main" xmlns:r="http://schemas.openxmlformats.org/officeDocument/2006/relationships" xmlns:p="http://schemas.openxmlformats.org/presentationml/2006/main">
-  <p:cSld>
-    <p:spTree>
-      <p:nvGrpSpPr>
-        <p:cNvPr id="1" name=""/>
-        <p:cNvGrpSpPr/>
-        <p:nvPr/>
-      </p:nvGrpSpPr>
-      <p:grpSpPr>
-        <a:xfrm>
-          <a:off x="0" y="0"/>
-          <a:ext cx="0" cy="0"/>
-          <a:chOff x="0" y="0"/>
-          <a:chExt cx="0" cy="0"/>
-        </a:xfrm>
-      </p:grpSpPr>
-      <p:grpSp>
-        <p:nvGrpSpPr>
-          <p:cNvPr id="2" name="Group 1"/>
-          <p:cNvGrpSpPr/>
-          <p:nvPr/>
-        </p:nvGrpSpPr>
-        <p:grpSpPr>
-          <a:xfrm>
-            <a:off x="2004658" y="1753999"/>
-            <a:ext cx="1121972" cy="1158332"/>
-            <a:chOff x="4379857" y="2569029"/>
-            <a:chExt cx="1121972" cy="1158332"/>
-          </a:xfrm>
-        </p:grpSpPr>
-        <p:pic>
-          <p:nvPicPr>
-            <p:cNvPr id="3" name="Picture 2"/>
-            <p:cNvPicPr>
-              <a:picLocks noChangeAspect="1"/>
-            </p:cNvPicPr>
-            <p:nvPr/>
-          </p:nvPicPr>
-          <p:blipFill rotWithShape="1">
-            <a:blip r:embed="rId2"/>
-            <a:srcRect l="35542" t="19680" r="35441" b="39379"/>
-            <a:stretch/>
-          </p:blipFill>
-          <p:spPr>
-            <a:xfrm>
-              <a:off x="4379857" y="2569029"/>
-              <a:ext cx="1121972" cy="813498"/>
-            </a:xfrm>
-            <a:prstGeom prst="rect">
-              <a:avLst/>
-            </a:prstGeom>
-          </p:spPr>
-        </p:pic>
-        <p:sp>
-          <p:nvSpPr>
-            <p:cNvPr id="4" name="Rectangle 3"/>
-            <p:cNvSpPr/>
-            <p:nvPr/>
-          </p:nvSpPr>
-          <p:spPr>
-            <a:xfrm>
-              <a:off x="4530089" y="3358029"/>
-              <a:ext cx="821507" cy="369332"/>
-            </a:xfrm>
-            <a:prstGeom prst="rect">
-              <a:avLst/>
-            </a:prstGeom>
-          </p:spPr>
-          <p:txBody>
-            <a:bodyPr wrap="none">
-              <a:spAutoFit/>
-            </a:bodyPr>
-            <a:lstStyle/>
-            <a:p>
-              <a:r>
-                <a:rPr lang="en-US" b="1" dirty="0" smtClean="0"/>
-                <a:t>Device</a:t>
-              </a:r>
-              <a:endParaRPr lang="en-US" b="1" dirty="0"/>
-            </a:p>
-          </p:txBody>
-        </p:sp>
-      </p:grpSp>
-      <p:grpSp>
-        <p:nvGrpSpPr>
-          <p:cNvPr id="5" name="Group 4"/>
-          <p:cNvGrpSpPr/>
-          <p:nvPr/>
-        </p:nvGrpSpPr>
-        <p:grpSpPr>
-          <a:xfrm>
-            <a:off x="4313436" y="1791550"/>
-            <a:ext cx="893699" cy="1178999"/>
-            <a:chOff x="7410680" y="2569028"/>
-            <a:chExt cx="893699" cy="1178999"/>
-          </a:xfrm>
-        </p:grpSpPr>
-        <p:pic>
-          <p:nvPicPr>
-            <p:cNvPr id="6" name="Picture 5"/>
-            <p:cNvPicPr>
-              <a:picLocks noChangeAspect="1"/>
-            </p:cNvPicPr>
-            <p:nvPr/>
-          </p:nvPicPr>
-          <p:blipFill rotWithShape="1">
-            <a:blip r:embed="rId3" cstate="print">
-              <a:extLst>
-                <a:ext uri="{28A0092B-C50C-407E-A947-70E740481C1C}">
-                  <a14:useLocalDpi xmlns:a14="http://schemas.microsoft.com/office/drawing/2010/main" val="0"/>
-                </a:ext>
-              </a:extLst>
-            </a:blip>
-            <a:srcRect t="3275" b="3208"/>
-            <a:stretch/>
-          </p:blipFill>
-          <p:spPr>
-            <a:xfrm>
-              <a:off x="7410680" y="2569028"/>
-              <a:ext cx="890228" cy="832525"/>
-            </a:xfrm>
-            <a:prstGeom prst="rect">
-              <a:avLst/>
-            </a:prstGeom>
-          </p:spPr>
-        </p:pic>
-        <p:sp>
-          <p:nvSpPr>
-            <p:cNvPr id="7" name="Rectangle 6"/>
-            <p:cNvSpPr/>
-            <p:nvPr/>
-          </p:nvSpPr>
-          <p:spPr>
-            <a:xfrm>
-              <a:off x="7428177" y="3378695"/>
-              <a:ext cx="876202" cy="369332"/>
-            </a:xfrm>
-            <a:prstGeom prst="rect">
-              <a:avLst/>
-            </a:prstGeom>
-          </p:spPr>
-          <p:txBody>
-            <a:bodyPr wrap="none">
-              <a:spAutoFit/>
-            </a:bodyPr>
-            <a:lstStyle/>
-            <a:p>
-              <a:r>
-                <a:rPr lang="en-US" b="1" dirty="0" smtClean="0"/>
-                <a:t>Display</a:t>
-              </a:r>
-              <a:endParaRPr lang="en-US" b="1" dirty="0"/>
-            </a:p>
-          </p:txBody>
-        </p:sp>
-      </p:grpSp>
-      <p:grpSp>
-        <p:nvGrpSpPr>
-          <p:cNvPr id="8" name="Group 7"/>
-          <p:cNvGrpSpPr/>
-          <p:nvPr/>
-        </p:nvGrpSpPr>
-        <p:grpSpPr>
-          <a:xfrm>
-            <a:off x="0" y="1753998"/>
-            <a:ext cx="1155357" cy="1178999"/>
-            <a:chOff x="1396313" y="2549541"/>
-            <a:chExt cx="1155357" cy="1178999"/>
-          </a:xfrm>
-        </p:grpSpPr>
-        <p:grpSp>
-          <p:nvGrpSpPr>
-            <p:cNvPr id="9" name="Group 8"/>
-            <p:cNvGrpSpPr/>
-            <p:nvPr/>
-          </p:nvGrpSpPr>
-          <p:grpSpPr>
-            <a:xfrm>
-              <a:off x="1396313" y="2549541"/>
-              <a:ext cx="1155357" cy="834164"/>
-              <a:chOff x="1396313" y="2549541"/>
-              <a:chExt cx="1155357" cy="834164"/>
-            </a:xfrm>
-          </p:grpSpPr>
-          <p:pic>
-            <p:nvPicPr>
-              <p:cNvPr id="11" name="Picture 10"/>
-              <p:cNvPicPr>
-                <a:picLocks noChangeAspect="1"/>
-              </p:cNvPicPr>
-              <p:nvPr/>
-            </p:nvPicPr>
-            <p:blipFill rotWithShape="1">
-              <a:blip r:embed="rId4"/>
-              <a:srcRect l="24261" t="14798" r="24188" b="14569"/>
-              <a:stretch/>
-            </p:blipFill>
-            <p:spPr>
-              <a:xfrm>
-                <a:off x="1396313" y="2570207"/>
-                <a:ext cx="1155357" cy="813498"/>
-              </a:xfrm>
-              <a:prstGeom prst="rect">
-                <a:avLst/>
-              </a:prstGeom>
-            </p:spPr>
-          </p:pic>
-          <p:pic>
-            <p:nvPicPr>
-              <p:cNvPr id="12" name="Picture 11"/>
-              <p:cNvPicPr>
-                <a:picLocks noChangeAspect="1"/>
-              </p:cNvPicPr>
-              <p:nvPr/>
-            </p:nvPicPr>
-            <p:blipFill>
-              <a:blip r:embed="rId5" cstate="print">
-                <a:extLst>
-                  <a:ext uri="{28A0092B-C50C-407E-A947-70E740481C1C}">
-                    <a14:useLocalDpi xmlns:a14="http://schemas.microsoft.com/office/drawing/2010/main" val="0"/>
-                  </a:ext>
-                </a:extLst>
-              </a:blip>
-              <a:stretch>
-                <a:fillRect/>
-              </a:stretch>
-            </p:blipFill>
-            <p:spPr>
-              <a:xfrm>
-                <a:off x="1460578" y="2549541"/>
-                <a:ext cx="453610" cy="453610"/>
-              </a:xfrm>
-              <a:prstGeom prst="rect">
-                <a:avLst/>
-              </a:prstGeom>
-            </p:spPr>
-          </p:pic>
-        </p:grpSp>
-        <p:sp>
-          <p:nvSpPr>
-            <p:cNvPr id="10" name="Rectangle 9"/>
-            <p:cNvSpPr/>
-            <p:nvPr/>
-          </p:nvSpPr>
-          <p:spPr>
-            <a:xfrm>
-              <a:off x="1662527" y="3359208"/>
-              <a:ext cx="622927" cy="369332"/>
-            </a:xfrm>
-            <a:prstGeom prst="rect">
-              <a:avLst/>
-            </a:prstGeom>
-          </p:spPr>
-          <p:txBody>
-            <a:bodyPr wrap="none">
-              <a:spAutoFit/>
-            </a:bodyPr>
-            <a:lstStyle/>
-            <a:p>
-              <a:r>
-                <a:rPr lang="en-US" b="1" dirty="0" smtClean="0"/>
-                <a:t>Host</a:t>
-              </a:r>
-              <a:endParaRPr lang="en-US" b="1" dirty="0"/>
-            </a:p>
-          </p:txBody>
-        </p:sp>
-      </p:grpSp>
-      <p:grpSp>
-        <p:nvGrpSpPr>
-          <p:cNvPr id="31" name="Group 30"/>
-          <p:cNvGrpSpPr/>
-          <p:nvPr/>
-        </p:nvGrpSpPr>
-        <p:grpSpPr>
-          <a:xfrm>
-            <a:off x="1994864" y="1384666"/>
-            <a:ext cx="1067774" cy="369332"/>
-            <a:chOff x="7903181" y="3762728"/>
-            <a:chExt cx="1067774" cy="369332"/>
-          </a:xfrm>
-        </p:grpSpPr>
-        <p:sp>
-          <p:nvSpPr>
-            <p:cNvPr id="32" name="Oval 31"/>
-            <p:cNvSpPr/>
-            <p:nvPr/>
-          </p:nvSpPr>
-          <p:spPr>
-            <a:xfrm>
-              <a:off x="7903181" y="3848001"/>
-              <a:ext cx="202025" cy="198787"/>
-            </a:xfrm>
-            <a:prstGeom prst="ellipse">
-              <a:avLst/>
-            </a:prstGeom>
-            <a:ln w="19050"/>
-          </p:spPr>
-          <p:style>
-            <a:lnRef idx="2">
-              <a:schemeClr val="dk1"/>
-            </a:lnRef>
-            <a:fillRef idx="1">
-              <a:schemeClr val="lt1"/>
-            </a:fillRef>
-            <a:effectRef idx="0">
-              <a:schemeClr val="dk1"/>
-            </a:effectRef>
-            <a:fontRef idx="minor">
-              <a:schemeClr val="dk1"/>
-            </a:fontRef>
-          </p:style>
-          <p:txBody>
-            <a:bodyPr rtlCol="0" anchor="ctr"/>
-            <a:lstStyle/>
-            <a:p>
-              <a:pPr algn="ctr"/>
-              <a:r>
-                <a:rPr lang="en-US" b="1" dirty="0" smtClean="0"/>
-                <a:t>3</a:t>
-              </a:r>
-              <a:endParaRPr lang="en-US" b="1" dirty="0"/>
-            </a:p>
-          </p:txBody>
-        </p:sp>
-        <p:sp>
-          <p:nvSpPr>
-            <p:cNvPr id="33" name="Rectangle 32"/>
-            <p:cNvSpPr/>
-            <p:nvPr/>
-          </p:nvSpPr>
-          <p:spPr>
-            <a:xfrm>
-              <a:off x="8047176" y="3762728"/>
-              <a:ext cx="923779" cy="369332"/>
-            </a:xfrm>
-            <a:prstGeom prst="rect">
-              <a:avLst/>
-            </a:prstGeom>
-          </p:spPr>
-          <p:txBody>
-            <a:bodyPr wrap="none">
-              <a:spAutoFit/>
-            </a:bodyPr>
-            <a:lstStyle/>
-            <a:p>
-              <a:r>
-                <a:rPr lang="en-US" dirty="0" smtClean="0"/>
-                <a:t>Decrypt</a:t>
-              </a:r>
-              <a:endParaRPr lang="en-US" dirty="0"/>
-            </a:p>
-          </p:txBody>
-        </p:sp>
-      </p:grpSp>
-      <p:grpSp>
-        <p:nvGrpSpPr>
-          <p:cNvPr id="40" name="Group 39"/>
-          <p:cNvGrpSpPr/>
-          <p:nvPr/>
-        </p:nvGrpSpPr>
-        <p:grpSpPr>
-          <a:xfrm>
-            <a:off x="1129706" y="1697913"/>
-            <a:ext cx="920233" cy="369332"/>
-            <a:chOff x="7903181" y="3762728"/>
-            <a:chExt cx="920233" cy="369332"/>
-          </a:xfrm>
-        </p:grpSpPr>
-        <p:sp>
-          <p:nvSpPr>
-            <p:cNvPr id="41" name="Oval 40"/>
-            <p:cNvSpPr/>
-            <p:nvPr/>
-          </p:nvSpPr>
-          <p:spPr>
-            <a:xfrm>
-              <a:off x="7903181" y="3848001"/>
-              <a:ext cx="202025" cy="198787"/>
-            </a:xfrm>
-            <a:prstGeom prst="ellipse">
-              <a:avLst/>
-            </a:prstGeom>
-            <a:ln w="19050"/>
-          </p:spPr>
-          <p:style>
-            <a:lnRef idx="2">
-              <a:schemeClr val="dk1"/>
-            </a:lnRef>
-            <a:fillRef idx="1">
-              <a:schemeClr val="lt1"/>
-            </a:fillRef>
-            <a:effectRef idx="0">
-              <a:schemeClr val="dk1"/>
-            </a:effectRef>
-            <a:fontRef idx="minor">
-              <a:schemeClr val="dk1"/>
-            </a:fontRef>
-          </p:style>
-          <p:txBody>
-            <a:bodyPr rtlCol="0" anchor="ctr"/>
-            <a:lstStyle/>
-            <a:p>
-              <a:pPr algn="ctr"/>
-              <a:r>
-                <a:rPr lang="en-US" b="1" dirty="0" smtClean="0"/>
-                <a:t>2</a:t>
-              </a:r>
-              <a:endParaRPr lang="en-US" b="1" dirty="0"/>
-            </a:p>
-          </p:txBody>
-        </p:sp>
-        <p:sp>
-          <p:nvSpPr>
-            <p:cNvPr id="42" name="Rectangle 41"/>
-            <p:cNvSpPr/>
-            <p:nvPr/>
-          </p:nvSpPr>
-          <p:spPr>
-            <a:xfrm>
-              <a:off x="8047176" y="3762728"/>
-              <a:ext cx="776238" cy="369332"/>
-            </a:xfrm>
-            <a:prstGeom prst="rect">
-              <a:avLst/>
-            </a:prstGeom>
-          </p:spPr>
-          <p:txBody>
-            <a:bodyPr wrap="none">
-              <a:spAutoFit/>
-            </a:bodyPr>
-            <a:lstStyle/>
-            <a:p>
-              <a:r>
-                <a:rPr lang="en-US" dirty="0" smtClean="0"/>
-                <a:t>Frame</a:t>
-              </a:r>
-              <a:endParaRPr lang="en-US" dirty="0"/>
-            </a:p>
-          </p:txBody>
-        </p:sp>
-      </p:grpSp>
-      <p:grpSp>
-        <p:nvGrpSpPr>
-          <p:cNvPr id="43" name="Group 42"/>
-          <p:cNvGrpSpPr/>
-          <p:nvPr/>
-        </p:nvGrpSpPr>
-        <p:grpSpPr>
-          <a:xfrm>
-            <a:off x="3103458" y="1782637"/>
-            <a:ext cx="1407079" cy="646331"/>
-            <a:chOff x="8047176" y="3762728"/>
-            <a:chExt cx="1542701" cy="646331"/>
-          </a:xfrm>
-        </p:grpSpPr>
-        <p:sp>
-          <p:nvSpPr>
-            <p:cNvPr id="44" name="Oval 43"/>
-            <p:cNvSpPr/>
-            <p:nvPr/>
-          </p:nvSpPr>
-          <p:spPr>
-            <a:xfrm>
-              <a:off x="8121379" y="3838218"/>
-              <a:ext cx="202025" cy="198787"/>
-            </a:xfrm>
-            <a:prstGeom prst="ellipse">
-              <a:avLst/>
-            </a:prstGeom>
-            <a:ln w="19050"/>
-          </p:spPr>
-          <p:style>
-            <a:lnRef idx="2">
-              <a:schemeClr val="dk1"/>
-            </a:lnRef>
-            <a:fillRef idx="1">
-              <a:schemeClr val="lt1"/>
-            </a:fillRef>
-            <a:effectRef idx="0">
-              <a:schemeClr val="dk1"/>
-            </a:effectRef>
-            <a:fontRef idx="minor">
-              <a:schemeClr val="dk1"/>
-            </a:fontRef>
-          </p:style>
-          <p:txBody>
-            <a:bodyPr rtlCol="0" anchor="ctr"/>
-            <a:lstStyle/>
-            <a:p>
-              <a:pPr algn="ctr"/>
-              <a:r>
-                <a:rPr lang="en-US" b="1" dirty="0" smtClean="0"/>
-                <a:t>4</a:t>
-              </a:r>
-              <a:endParaRPr lang="en-US" b="1" dirty="0"/>
-            </a:p>
-          </p:txBody>
-        </p:sp>
-        <p:sp>
-          <p:nvSpPr>
-            <p:cNvPr id="45" name="Rectangle 44"/>
-            <p:cNvSpPr/>
-            <p:nvPr/>
-          </p:nvSpPr>
-          <p:spPr>
-            <a:xfrm>
-              <a:off x="8047176" y="3762728"/>
-              <a:ext cx="1542701" cy="646331"/>
-            </a:xfrm>
-            <a:prstGeom prst="rect">
-              <a:avLst/>
-            </a:prstGeom>
-          </p:spPr>
-          <p:txBody>
-            <a:bodyPr wrap="square">
-              <a:spAutoFit/>
-            </a:bodyPr>
-            <a:lstStyle/>
-            <a:p>
-              <a:pPr algn="ctr"/>
-              <a:r>
-                <a:rPr lang="en-US" dirty="0" smtClean="0"/>
-                <a:t>Frame + overlay</a:t>
-              </a:r>
-              <a:endParaRPr lang="en-US" dirty="0"/>
-            </a:p>
-          </p:txBody>
-        </p:sp>
-      </p:grpSp>
-      <p:cxnSp>
-        <p:nvCxnSpPr>
-          <p:cNvPr id="46" name="Straight Arrow Connector 45"/>
-          <p:cNvCxnSpPr/>
-          <p:nvPr/>
-        </p:nvCxnSpPr>
-        <p:spPr>
-          <a:xfrm>
-            <a:off x="3136424" y="2124172"/>
-            <a:ext cx="1167218" cy="0"/>
-          </a:xfrm>
-          <a:prstGeom prst="straightConnector1">
-            <a:avLst/>
-          </a:prstGeom>
-          <a:ln w="19050">
-            <a:headEnd type="none" w="med" len="med"/>
-            <a:tailEnd type="arrow" w="med" len="med"/>
-          </a:ln>
-        </p:spPr>
-        <p:style>
-          <a:lnRef idx="1">
-            <a:schemeClr val="dk1"/>
-          </a:lnRef>
-          <a:fillRef idx="0">
-            <a:schemeClr val="dk1"/>
-          </a:fillRef>
-          <a:effectRef idx="0">
-            <a:schemeClr val="dk1"/>
-          </a:effectRef>
-          <a:fontRef idx="minor">
-            <a:schemeClr val="tx1"/>
-          </a:fontRef>
-        </p:style>
-      </p:cxnSp>
-      <p:cxnSp>
-        <p:nvCxnSpPr>
-          <p:cNvPr id="48" name="Straight Arrow Connector 47"/>
-          <p:cNvCxnSpPr/>
-          <p:nvPr/>
-        </p:nvCxnSpPr>
-        <p:spPr>
-          <a:xfrm>
-            <a:off x="1145933" y="2132441"/>
-            <a:ext cx="848931" cy="0"/>
-          </a:xfrm>
-          <a:prstGeom prst="straightConnector1">
-            <a:avLst/>
-          </a:prstGeom>
-          <a:ln w="19050">
-            <a:headEnd type="none" w="med" len="med"/>
-            <a:tailEnd type="arrow" w="med" len="med"/>
-          </a:ln>
-        </p:spPr>
-        <p:style>
-          <a:lnRef idx="1">
-            <a:schemeClr val="dk1"/>
-          </a:lnRef>
-          <a:fillRef idx="0">
-            <a:schemeClr val="dk1"/>
-          </a:fillRef>
-          <a:effectRef idx="0">
-            <a:schemeClr val="dk1"/>
-          </a:effectRef>
-          <a:fontRef idx="minor">
-            <a:schemeClr val="tx1"/>
-          </a:fontRef>
-        </p:style>
-      </p:cxnSp>
-      <p:sp>
-        <p:nvSpPr>
-          <p:cNvPr id="51" name="Rectangle 50"/>
-          <p:cNvSpPr/>
-          <p:nvPr/>
-        </p:nvSpPr>
-        <p:spPr>
-          <a:xfrm>
-            <a:off x="4468289" y="2045261"/>
-            <a:ext cx="580521" cy="197829"/>
-          </a:xfrm>
-          <a:prstGeom prst="rect">
-            <a:avLst/>
-          </a:prstGeom>
-          <a:solidFill>
-            <a:schemeClr val="bg1"/>
-          </a:solidFill>
-          <a:ln>
-            <a:solidFill>
-              <a:schemeClr val="tx1"/>
-            </a:solidFill>
-          </a:ln>
-        </p:spPr>
-        <p:style>
-          <a:lnRef idx="2">
-            <a:schemeClr val="accent1">
-              <a:shade val="50000"/>
-            </a:schemeClr>
-          </a:lnRef>
-          <a:fillRef idx="1">
-            <a:schemeClr val="accent1"/>
-          </a:fillRef>
-          <a:effectRef idx="0">
-            <a:schemeClr val="accent1"/>
-          </a:effectRef>
-          <a:fontRef idx="minor">
-            <a:schemeClr val="lt1"/>
-          </a:fontRef>
-        </p:style>
-        <p:txBody>
-          <a:bodyPr rtlCol="0" anchor="ctr"/>
-          <a:lstStyle/>
-          <a:p>
-            <a:pPr algn="ctr"/>
-            <a:r>
-              <a:rPr lang="en-US" dirty="0" smtClean="0">
-                <a:solidFill>
-                  <a:schemeClr val="tx1"/>
-                </a:solidFill>
-                <a:latin typeface="Consolas" panose="020B0609020204030204" pitchFamily="49" charset="0"/>
-              </a:rPr>
-              <a:t>ABC</a:t>
-            </a:r>
-            <a:endParaRPr lang="en-US" dirty="0">
-              <a:solidFill>
-                <a:schemeClr val="tx1"/>
-              </a:solidFill>
-              <a:latin typeface="Consolas" panose="020B0609020204030204" pitchFamily="49" charset="0"/>
-            </a:endParaRPr>
-          </a:p>
-        </p:txBody>
-      </p:sp>
-      <p:grpSp>
-        <p:nvGrpSpPr>
-          <p:cNvPr id="47" name="Group 46"/>
-          <p:cNvGrpSpPr/>
-          <p:nvPr/>
-        </p:nvGrpSpPr>
-        <p:grpSpPr>
-          <a:xfrm>
-            <a:off x="59155" y="7095"/>
-            <a:ext cx="1070551" cy="1128658"/>
-            <a:chOff x="5065867" y="50341"/>
-            <a:chExt cx="1070551" cy="1128658"/>
-          </a:xfrm>
-        </p:grpSpPr>
-        <p:pic>
-          <p:nvPicPr>
-            <p:cNvPr id="49" name="Picture 48"/>
-            <p:cNvPicPr>
-              <a:picLocks noChangeAspect="1"/>
-            </p:cNvPicPr>
-            <p:nvPr/>
-          </p:nvPicPr>
-          <p:blipFill rotWithShape="1">
-            <a:blip r:embed="rId6" cstate="print">
-              <a:extLst>
-                <a:ext uri="{28A0092B-C50C-407E-A947-70E740481C1C}">
-                  <a14:useLocalDpi xmlns:a14="http://schemas.microsoft.com/office/drawing/2010/main" val="0"/>
-                </a:ext>
-              </a:extLst>
-            </a:blip>
-            <a:srcRect l="1487" t="16443" r="6804" b="16551"/>
-            <a:stretch/>
-          </p:blipFill>
-          <p:spPr>
-            <a:xfrm>
-              <a:off x="5065867" y="50341"/>
-              <a:ext cx="1070551" cy="782184"/>
-            </a:xfrm>
-            <a:prstGeom prst="rect">
-              <a:avLst/>
-            </a:prstGeom>
-          </p:spPr>
-        </p:pic>
-        <p:sp>
-          <p:nvSpPr>
-            <p:cNvPr id="50" name="Rectangle 49"/>
-            <p:cNvSpPr/>
-            <p:nvPr/>
-          </p:nvSpPr>
-          <p:spPr>
-            <a:xfrm>
-              <a:off x="5237117" y="809667"/>
-              <a:ext cx="796949" cy="369332"/>
-            </a:xfrm>
-            <a:prstGeom prst="rect">
-              <a:avLst/>
-            </a:prstGeom>
-          </p:spPr>
-          <p:txBody>
-            <a:bodyPr wrap="none">
-              <a:spAutoFit/>
-            </a:bodyPr>
-            <a:lstStyle/>
-            <a:p>
-              <a:r>
-                <a:rPr lang="en-US" b="1" dirty="0" smtClean="0"/>
-                <a:t>Server</a:t>
-              </a:r>
-              <a:endParaRPr lang="en-US" b="1" dirty="0"/>
-            </a:p>
-          </p:txBody>
-        </p:sp>
-      </p:grpSp>
-      <p:cxnSp>
-        <p:nvCxnSpPr>
-          <p:cNvPr id="52" name="Straight Arrow Connector 51"/>
-          <p:cNvCxnSpPr/>
-          <p:nvPr/>
-        </p:nvCxnSpPr>
-        <p:spPr>
-          <a:xfrm>
-            <a:off x="521551" y="1092421"/>
-            <a:ext cx="0" cy="584490"/>
-          </a:xfrm>
-          <a:prstGeom prst="straightConnector1">
-            <a:avLst/>
-          </a:prstGeom>
-          <a:ln w="19050">
-            <a:headEnd type="none" w="med" len="med"/>
-            <a:tailEnd type="arrow" w="med" len="med"/>
-          </a:ln>
-        </p:spPr>
-        <p:style>
-          <a:lnRef idx="1">
-            <a:schemeClr val="dk1"/>
-          </a:lnRef>
-          <a:fillRef idx="0">
-            <a:schemeClr val="dk1"/>
-          </a:fillRef>
-          <a:effectRef idx="0">
-            <a:schemeClr val="dk1"/>
-          </a:effectRef>
-          <a:fontRef idx="minor">
-            <a:schemeClr val="tx1"/>
-          </a:fontRef>
-        </p:style>
-      </p:cxnSp>
-      <p:grpSp>
-        <p:nvGrpSpPr>
-          <p:cNvPr id="53" name="Group 52"/>
-          <p:cNvGrpSpPr/>
-          <p:nvPr/>
-        </p:nvGrpSpPr>
-        <p:grpSpPr>
-          <a:xfrm>
-            <a:off x="424617" y="1024189"/>
-            <a:ext cx="2859738" cy="369332"/>
-            <a:chOff x="7903181" y="3762728"/>
-            <a:chExt cx="2859738" cy="369332"/>
-          </a:xfrm>
-        </p:grpSpPr>
-        <p:sp>
-          <p:nvSpPr>
-            <p:cNvPr id="54" name="Oval 53"/>
-            <p:cNvSpPr/>
-            <p:nvPr/>
-          </p:nvSpPr>
-          <p:spPr>
-            <a:xfrm>
-              <a:off x="7903181" y="3848001"/>
-              <a:ext cx="202025" cy="198787"/>
-            </a:xfrm>
-            <a:prstGeom prst="ellipse">
-              <a:avLst/>
-            </a:prstGeom>
-            <a:ln w="19050"/>
-          </p:spPr>
-          <p:style>
-            <a:lnRef idx="2">
-              <a:schemeClr val="dk1"/>
-            </a:lnRef>
-            <a:fillRef idx="1">
-              <a:schemeClr val="lt1"/>
-            </a:fillRef>
-            <a:effectRef idx="0">
-              <a:schemeClr val="dk1"/>
-            </a:effectRef>
-            <a:fontRef idx="minor">
-              <a:schemeClr val="dk1"/>
-            </a:fontRef>
-          </p:style>
-          <p:txBody>
-            <a:bodyPr rtlCol="0" anchor="ctr"/>
-            <a:lstStyle/>
-            <a:p>
-              <a:pPr algn="ctr"/>
-              <a:r>
-                <a:rPr lang="en-US" b="1" dirty="0" smtClean="0"/>
-                <a:t>1</a:t>
-              </a:r>
-              <a:endParaRPr lang="en-US" b="1" dirty="0"/>
-            </a:p>
-          </p:txBody>
-        </p:sp>
-        <p:sp>
-          <p:nvSpPr>
-            <p:cNvPr id="55" name="Rectangle 54"/>
-            <p:cNvSpPr/>
-            <p:nvPr/>
-          </p:nvSpPr>
-          <p:spPr>
-            <a:xfrm>
-              <a:off x="8047176" y="3762728"/>
-              <a:ext cx="2715743" cy="369332"/>
-            </a:xfrm>
-            <a:prstGeom prst="rect">
-              <a:avLst/>
-            </a:prstGeom>
-          </p:spPr>
-          <p:txBody>
-            <a:bodyPr wrap="none">
-              <a:spAutoFit/>
-            </a:bodyPr>
-            <a:lstStyle/>
-            <a:p>
-              <a:r>
-                <a:rPr lang="en-US" dirty="0" smtClean="0"/>
-                <a:t>Webpage + encrypted data</a:t>
-              </a:r>
-              <a:endParaRPr lang="en-US" dirty="0"/>
-            </a:p>
-          </p:txBody>
-        </p:sp>
-      </p:grpSp>
-    </p:spTree>
-    <p:extLst>
-      <p:ext uri="{BB962C8B-B14F-4D97-AF65-F5344CB8AC3E}">
-        <p14:creationId xmlns:p14="http://schemas.microsoft.com/office/powerpoint/2010/main" val="4101501723"/>
       </p:ext>
     </p:extLst>
   </p:cSld>

--- a/aritra/MouseTracking/images/systemDesign.pptx
+++ b/aritra/MouseTracking/images/systemDesign.pptx
@@ -254,7 +254,7 @@
           <a:p>
             <a:fld id="{AAB2D3D3-1E26-436C-8467-9F82561659A6}" type="datetimeFigureOut">
               <a:rPr lang="en-US" smtClean="0"/>
-              <a:t>1/16/2019</a:t>
+              <a:t>1/17/2019</a:t>
             </a:fld>
             <a:endParaRPr lang="en-US"/>
           </a:p>
@@ -424,7 +424,7 @@
           <a:p>
             <a:fld id="{AAB2D3D3-1E26-436C-8467-9F82561659A6}" type="datetimeFigureOut">
               <a:rPr lang="en-US" smtClean="0"/>
-              <a:t>1/16/2019</a:t>
+              <a:t>1/17/2019</a:t>
             </a:fld>
             <a:endParaRPr lang="en-US"/>
           </a:p>
@@ -604,7 +604,7 @@
           <a:p>
             <a:fld id="{AAB2D3D3-1E26-436C-8467-9F82561659A6}" type="datetimeFigureOut">
               <a:rPr lang="en-US" smtClean="0"/>
-              <a:t>1/16/2019</a:t>
+              <a:t>1/17/2019</a:t>
             </a:fld>
             <a:endParaRPr lang="en-US"/>
           </a:p>
@@ -774,7 +774,7 @@
           <a:p>
             <a:fld id="{AAB2D3D3-1E26-436C-8467-9F82561659A6}" type="datetimeFigureOut">
               <a:rPr lang="en-US" smtClean="0"/>
-              <a:t>1/16/2019</a:t>
+              <a:t>1/17/2019</a:t>
             </a:fld>
             <a:endParaRPr lang="en-US"/>
           </a:p>
@@ -1020,7 +1020,7 @@
           <a:p>
             <a:fld id="{AAB2D3D3-1E26-436C-8467-9F82561659A6}" type="datetimeFigureOut">
               <a:rPr lang="en-US" smtClean="0"/>
-              <a:t>1/16/2019</a:t>
+              <a:t>1/17/2019</a:t>
             </a:fld>
             <a:endParaRPr lang="en-US"/>
           </a:p>
@@ -1252,7 +1252,7 @@
           <a:p>
             <a:fld id="{AAB2D3D3-1E26-436C-8467-9F82561659A6}" type="datetimeFigureOut">
               <a:rPr lang="en-US" smtClean="0"/>
-              <a:t>1/16/2019</a:t>
+              <a:t>1/17/2019</a:t>
             </a:fld>
             <a:endParaRPr lang="en-US"/>
           </a:p>
@@ -1619,7 +1619,7 @@
           <a:p>
             <a:fld id="{AAB2D3D3-1E26-436C-8467-9F82561659A6}" type="datetimeFigureOut">
               <a:rPr lang="en-US" smtClean="0"/>
-              <a:t>1/16/2019</a:t>
+              <a:t>1/17/2019</a:t>
             </a:fld>
             <a:endParaRPr lang="en-US"/>
           </a:p>
@@ -1737,7 +1737,7 @@
           <a:p>
             <a:fld id="{AAB2D3D3-1E26-436C-8467-9F82561659A6}" type="datetimeFigureOut">
               <a:rPr lang="en-US" smtClean="0"/>
-              <a:t>1/16/2019</a:t>
+              <a:t>1/17/2019</a:t>
             </a:fld>
             <a:endParaRPr lang="en-US"/>
           </a:p>
@@ -1832,7 +1832,7 @@
           <a:p>
             <a:fld id="{AAB2D3D3-1E26-436C-8467-9F82561659A6}" type="datetimeFigureOut">
               <a:rPr lang="en-US" smtClean="0"/>
-              <a:t>1/16/2019</a:t>
+              <a:t>1/17/2019</a:t>
             </a:fld>
             <a:endParaRPr lang="en-US"/>
           </a:p>
@@ -2109,7 +2109,7 @@
           <a:p>
             <a:fld id="{AAB2D3D3-1E26-436C-8467-9F82561659A6}" type="datetimeFigureOut">
               <a:rPr lang="en-US" smtClean="0"/>
-              <a:t>1/16/2019</a:t>
+              <a:t>1/17/2019</a:t>
             </a:fld>
             <a:endParaRPr lang="en-US"/>
           </a:p>
@@ -2362,7 +2362,7 @@
           <a:p>
             <a:fld id="{AAB2D3D3-1E26-436C-8467-9F82561659A6}" type="datetimeFigureOut">
               <a:rPr lang="en-US" smtClean="0"/>
-              <a:t>1/16/2019</a:t>
+              <a:t>1/17/2019</a:t>
             </a:fld>
             <a:endParaRPr lang="en-US"/>
           </a:p>
@@ -2575,7 +2575,7 @@
           <a:p>
             <a:fld id="{AAB2D3D3-1E26-436C-8467-9F82561659A6}" type="datetimeFigureOut">
               <a:rPr lang="en-US" smtClean="0"/>
-              <a:t>1/16/2019</a:t>
+              <a:t>1/17/2019</a:t>
             </a:fld>
             <a:endParaRPr lang="en-US"/>
           </a:p>
@@ -13063,11 +13063,7 @@
             <a:p>
               <a:r>
                 <a:rPr lang="en-US" dirty="0" smtClean="0"/>
-                <a:t>Normal </a:t>
-              </a:r>
-              <a:r>
-                <a:rPr lang="en-US" dirty="0" smtClean="0"/>
-                <a:t>field </a:t>
+                <a:t>Normal field </a:t>
               </a:r>
               <a:endParaRPr lang="en-US" dirty="0"/>
             </a:p>
@@ -13319,11 +13315,7 @@
             <a:p>
               <a:r>
                 <a:rPr lang="en-US" dirty="0" smtClean="0"/>
-                <a:t>Normal </a:t>
-              </a:r>
-              <a:r>
-                <a:rPr lang="en-US" dirty="0" smtClean="0"/>
-                <a:t>field </a:t>
+                <a:t>Normal field </a:t>
               </a:r>
               <a:endParaRPr lang="en-US" dirty="0"/>
             </a:p>
@@ -13770,11 +13762,7 @@
             <a:p>
               <a:r>
                 <a:rPr lang="en-US" dirty="0" smtClean="0"/>
-                <a:t>Normal </a:t>
-              </a:r>
-              <a:r>
-                <a:rPr lang="en-US" dirty="0" smtClean="0"/>
-                <a:t>field </a:t>
+                <a:t>Normal field </a:t>
               </a:r>
               <a:endParaRPr lang="en-US" dirty="0"/>
             </a:p>
@@ -14342,6 +14330,639 @@
           </a:p>
         </p:txBody>
       </p:sp>
+      <p:sp>
+        <p:nvSpPr>
+          <p:cNvPr id="5" name="Rectangle 4"/>
+          <p:cNvSpPr/>
+          <p:nvPr/>
+        </p:nvSpPr>
+        <p:spPr>
+          <a:xfrm>
+            <a:off x="10373477" y="319307"/>
+            <a:ext cx="852990" cy="369332"/>
+          </a:xfrm>
+          <a:prstGeom prst="rect">
+            <a:avLst/>
+          </a:prstGeom>
+        </p:spPr>
+        <p:txBody>
+          <a:bodyPr wrap="none">
+            <a:spAutoFit/>
+          </a:bodyPr>
+          <a:lstStyle/>
+          <a:p>
+            <a:r>
+              <a:rPr lang="en-US" dirty="0" smtClean="0"/>
+              <a:t>Data_1</a:t>
+            </a:r>
+            <a:endParaRPr lang="en-US" dirty="0"/>
+          </a:p>
+        </p:txBody>
+      </p:sp>
+      <p:sp>
+        <p:nvSpPr>
+          <p:cNvPr id="72" name="Rectangle 71"/>
+          <p:cNvSpPr/>
+          <p:nvPr/>
+        </p:nvSpPr>
+        <p:spPr>
+          <a:xfrm>
+            <a:off x="10373477" y="873517"/>
+            <a:ext cx="852990" cy="369332"/>
+          </a:xfrm>
+          <a:prstGeom prst="rect">
+            <a:avLst/>
+          </a:prstGeom>
+        </p:spPr>
+        <p:txBody>
+          <a:bodyPr wrap="none">
+            <a:spAutoFit/>
+          </a:bodyPr>
+          <a:lstStyle/>
+          <a:p>
+            <a:r>
+              <a:rPr lang="en-US" dirty="0" smtClean="0"/>
+              <a:t>Data_2</a:t>
+            </a:r>
+            <a:endParaRPr lang="en-US" dirty="0"/>
+          </a:p>
+        </p:txBody>
+      </p:sp>
+      <p:pic>
+        <p:nvPicPr>
+          <p:cNvPr id="73" name="Picture 72"/>
+          <p:cNvPicPr>
+            <a:picLocks noChangeAspect="1"/>
+          </p:cNvPicPr>
+          <p:nvPr/>
+        </p:nvPicPr>
+        <p:blipFill>
+          <a:blip r:embed="rId3" cstate="print">
+            <a:extLst>
+              <a:ext uri="{28A0092B-C50C-407E-A947-70E740481C1C}">
+                <a14:useLocalDpi xmlns:a14="http://schemas.microsoft.com/office/drawing/2010/main" val="0"/>
+              </a:ext>
+            </a:extLst>
+          </a:blip>
+          <a:stretch>
+            <a:fillRect/>
+          </a:stretch>
+        </p:blipFill>
+        <p:spPr>
+          <a:xfrm>
+            <a:off x="9424133" y="1712581"/>
+            <a:ext cx="172311" cy="172311"/>
+          </a:xfrm>
+          <a:prstGeom prst="rect">
+            <a:avLst/>
+          </a:prstGeom>
+        </p:spPr>
+      </p:pic>
+      <p:grpSp>
+        <p:nvGrpSpPr>
+          <p:cNvPr id="19" name="Group 18"/>
+          <p:cNvGrpSpPr/>
+          <p:nvPr/>
+        </p:nvGrpSpPr>
+        <p:grpSpPr>
+          <a:xfrm>
+            <a:off x="2545315" y="4427469"/>
+            <a:ext cx="7133631" cy="379214"/>
+            <a:chOff x="2341783" y="4498483"/>
+            <a:chExt cx="7133631" cy="379214"/>
+          </a:xfrm>
+        </p:grpSpPr>
+        <p:grpSp>
+          <p:nvGrpSpPr>
+            <p:cNvPr id="16" name="Group 15"/>
+            <p:cNvGrpSpPr/>
+            <p:nvPr/>
+          </p:nvGrpSpPr>
+          <p:grpSpPr>
+            <a:xfrm>
+              <a:off x="2341783" y="4498483"/>
+              <a:ext cx="7069994" cy="379214"/>
+              <a:chOff x="4353074" y="5036002"/>
+              <a:chExt cx="7069994" cy="379214"/>
+            </a:xfrm>
+          </p:grpSpPr>
+          <p:sp>
+            <p:nvSpPr>
+              <p:cNvPr id="74" name="Rectangle 73"/>
+              <p:cNvSpPr/>
+              <p:nvPr/>
+            </p:nvSpPr>
+            <p:spPr>
+              <a:xfrm>
+                <a:off x="4379975" y="5036002"/>
+                <a:ext cx="2292673" cy="379214"/>
+              </a:xfrm>
+              <a:prstGeom prst="rect">
+                <a:avLst/>
+              </a:prstGeom>
+              <a:solidFill>
+                <a:schemeClr val="bg1"/>
+              </a:solidFill>
+              <a:ln w="19050">
+                <a:solidFill>
+                  <a:schemeClr val="tx1"/>
+                </a:solidFill>
+              </a:ln>
+            </p:spPr>
+            <p:style>
+              <a:lnRef idx="2">
+                <a:schemeClr val="accent1">
+                  <a:shade val="50000"/>
+                </a:schemeClr>
+              </a:lnRef>
+              <a:fillRef idx="1">
+                <a:schemeClr val="accent1"/>
+              </a:fillRef>
+              <a:effectRef idx="0">
+                <a:schemeClr val="accent1"/>
+              </a:effectRef>
+              <a:fontRef idx="minor">
+                <a:schemeClr val="lt1"/>
+              </a:fontRef>
+            </p:style>
+            <p:txBody>
+              <a:bodyPr rtlCol="0" anchor="ctr"/>
+              <a:lstStyle/>
+              <a:p>
+                <a:pPr algn="ctr"/>
+                <a:endParaRPr lang="en-US"/>
+              </a:p>
+            </p:txBody>
+          </p:sp>
+          <p:sp>
+            <p:nvSpPr>
+              <p:cNvPr id="14" name="Rectangle 13"/>
+              <p:cNvSpPr/>
+              <p:nvPr/>
+            </p:nvSpPr>
+            <p:spPr>
+              <a:xfrm>
+                <a:off x="4353074" y="5045884"/>
+                <a:ext cx="2384820" cy="369332"/>
+              </a:xfrm>
+              <a:prstGeom prst="rect">
+                <a:avLst/>
+              </a:prstGeom>
+            </p:spPr>
+            <p:txBody>
+              <a:bodyPr wrap="none">
+                <a:spAutoFit/>
+              </a:bodyPr>
+              <a:lstStyle/>
+              <a:p>
+                <a:r>
+                  <a:rPr lang="en-US" dirty="0"/>
+                  <a:t>Sensitive field </a:t>
+                </a:r>
+                <a:r>
+                  <a:rPr lang="en-US" dirty="0" smtClean="0"/>
+                  <a:t>1:Data_1</a:t>
+                </a:r>
+                <a:endParaRPr lang="en-US" dirty="0"/>
+              </a:p>
+            </p:txBody>
+          </p:sp>
+          <p:sp>
+            <p:nvSpPr>
+              <p:cNvPr id="75" name="Rectangle 74"/>
+              <p:cNvSpPr/>
+              <p:nvPr/>
+            </p:nvSpPr>
+            <p:spPr>
+              <a:xfrm>
+                <a:off x="6668659" y="5036002"/>
+                <a:ext cx="2292673" cy="379214"/>
+              </a:xfrm>
+              <a:prstGeom prst="rect">
+                <a:avLst/>
+              </a:prstGeom>
+              <a:solidFill>
+                <a:schemeClr val="bg1"/>
+              </a:solidFill>
+              <a:ln w="19050">
+                <a:solidFill>
+                  <a:schemeClr val="tx1"/>
+                </a:solidFill>
+              </a:ln>
+            </p:spPr>
+            <p:style>
+              <a:lnRef idx="2">
+                <a:schemeClr val="accent1">
+                  <a:shade val="50000"/>
+                </a:schemeClr>
+              </a:lnRef>
+              <a:fillRef idx="1">
+                <a:schemeClr val="accent1"/>
+              </a:fillRef>
+              <a:effectRef idx="0">
+                <a:schemeClr val="accent1"/>
+              </a:effectRef>
+              <a:fontRef idx="minor">
+                <a:schemeClr val="lt1"/>
+              </a:fontRef>
+            </p:style>
+            <p:txBody>
+              <a:bodyPr rtlCol="0" anchor="ctr"/>
+              <a:lstStyle/>
+              <a:p>
+                <a:pPr algn="ctr"/>
+                <a:endParaRPr lang="en-US"/>
+              </a:p>
+            </p:txBody>
+          </p:sp>
+          <p:sp>
+            <p:nvSpPr>
+              <p:cNvPr id="76" name="Rectangle 75"/>
+              <p:cNvSpPr/>
+              <p:nvPr/>
+            </p:nvSpPr>
+            <p:spPr>
+              <a:xfrm>
+                <a:off x="6660292" y="5045884"/>
+                <a:ext cx="2384820" cy="369332"/>
+              </a:xfrm>
+              <a:prstGeom prst="rect">
+                <a:avLst/>
+              </a:prstGeom>
+            </p:spPr>
+            <p:txBody>
+              <a:bodyPr wrap="none">
+                <a:spAutoFit/>
+              </a:bodyPr>
+              <a:lstStyle/>
+              <a:p>
+                <a:r>
+                  <a:rPr lang="en-US" dirty="0"/>
+                  <a:t>Sensitive field 2</a:t>
+                </a:r>
+                <a:r>
+                  <a:rPr lang="en-US" dirty="0" smtClean="0"/>
+                  <a:t>:Data_2</a:t>
+                </a:r>
+                <a:endParaRPr lang="en-US" dirty="0"/>
+              </a:p>
+            </p:txBody>
+          </p:sp>
+          <p:sp>
+            <p:nvSpPr>
+              <p:cNvPr id="77" name="Rectangle 76"/>
+              <p:cNvSpPr/>
+              <p:nvPr/>
+            </p:nvSpPr>
+            <p:spPr>
+              <a:xfrm>
+                <a:off x="8961332" y="5036002"/>
+                <a:ext cx="1076555" cy="379214"/>
+              </a:xfrm>
+              <a:prstGeom prst="rect">
+                <a:avLst/>
+              </a:prstGeom>
+              <a:solidFill>
+                <a:schemeClr val="bg1"/>
+              </a:solidFill>
+              <a:ln w="19050">
+                <a:solidFill>
+                  <a:schemeClr val="tx1"/>
+                </a:solidFill>
+              </a:ln>
+            </p:spPr>
+            <p:style>
+              <a:lnRef idx="2">
+                <a:schemeClr val="accent1">
+                  <a:shade val="50000"/>
+                </a:schemeClr>
+              </a:lnRef>
+              <a:fillRef idx="1">
+                <a:schemeClr val="accent1"/>
+              </a:fillRef>
+              <a:effectRef idx="0">
+                <a:schemeClr val="accent1"/>
+              </a:effectRef>
+              <a:fontRef idx="minor">
+                <a:schemeClr val="lt1"/>
+              </a:fontRef>
+            </p:style>
+            <p:txBody>
+              <a:bodyPr rtlCol="0" anchor="ctr"/>
+              <a:lstStyle/>
+              <a:p>
+                <a:pPr algn="ctr"/>
+                <a:endParaRPr lang="en-US"/>
+              </a:p>
+            </p:txBody>
+          </p:sp>
+          <p:sp>
+            <p:nvSpPr>
+              <p:cNvPr id="15" name="Rectangle 14"/>
+              <p:cNvSpPr/>
+              <p:nvPr/>
+            </p:nvSpPr>
+            <p:spPr>
+              <a:xfrm>
+                <a:off x="8948275" y="5045884"/>
+                <a:ext cx="1124026" cy="369332"/>
+              </a:xfrm>
+              <a:prstGeom prst="rect">
+                <a:avLst/>
+              </a:prstGeom>
+            </p:spPr>
+            <p:txBody>
+              <a:bodyPr wrap="none">
+                <a:spAutoFit/>
+              </a:bodyPr>
+              <a:lstStyle/>
+              <a:p>
+                <a:r>
+                  <a:rPr lang="en-US" dirty="0" err="1" smtClean="0"/>
+                  <a:t>Action:OK</a:t>
+                </a:r>
+                <a:endParaRPr lang="en-US" dirty="0"/>
+              </a:p>
+            </p:txBody>
+          </p:sp>
+          <p:sp>
+            <p:nvSpPr>
+              <p:cNvPr id="78" name="Rectangle 77"/>
+              <p:cNvSpPr/>
+              <p:nvPr/>
+            </p:nvSpPr>
+            <p:spPr>
+              <a:xfrm>
+                <a:off x="10038118" y="5036002"/>
+                <a:ext cx="1384950" cy="379214"/>
+              </a:xfrm>
+              <a:prstGeom prst="rect">
+                <a:avLst/>
+              </a:prstGeom>
+              <a:solidFill>
+                <a:schemeClr val="bg1"/>
+              </a:solidFill>
+              <a:ln w="19050">
+                <a:solidFill>
+                  <a:schemeClr val="tx1"/>
+                </a:solidFill>
+              </a:ln>
+            </p:spPr>
+            <p:style>
+              <a:lnRef idx="2">
+                <a:schemeClr val="accent1">
+                  <a:shade val="50000"/>
+                </a:schemeClr>
+              </a:lnRef>
+              <a:fillRef idx="1">
+                <a:schemeClr val="accent1"/>
+              </a:fillRef>
+              <a:effectRef idx="0">
+                <a:schemeClr val="accent1"/>
+              </a:effectRef>
+              <a:fontRef idx="minor">
+                <a:schemeClr val="lt1"/>
+              </a:fontRef>
+            </p:style>
+            <p:txBody>
+              <a:bodyPr rtlCol="0" anchor="ctr"/>
+              <a:lstStyle/>
+              <a:p>
+                <a:pPr algn="ctr"/>
+                <a:endParaRPr lang="en-US"/>
+              </a:p>
+            </p:txBody>
+          </p:sp>
+        </p:grpSp>
+        <p:sp>
+          <p:nvSpPr>
+            <p:cNvPr id="18" name="Rectangle 17"/>
+            <p:cNvSpPr/>
+            <p:nvPr/>
+          </p:nvSpPr>
+          <p:spPr>
+            <a:xfrm>
+              <a:off x="8020657" y="4508365"/>
+              <a:ext cx="1454757" cy="369332"/>
+            </a:xfrm>
+            <a:prstGeom prst="rect">
+              <a:avLst/>
+            </a:prstGeom>
+          </p:spPr>
+          <p:txBody>
+            <a:bodyPr wrap="none">
+              <a:spAutoFit/>
+            </a:bodyPr>
+            <a:lstStyle/>
+            <a:p>
+              <a:r>
+                <a:rPr lang="en-US" dirty="0" smtClean="0"/>
+                <a:t>Sign(payload)</a:t>
+              </a:r>
+              <a:endParaRPr lang="en-US" dirty="0"/>
+            </a:p>
+          </p:txBody>
+        </p:sp>
+      </p:grpSp>
+      <p:sp>
+        <p:nvSpPr>
+          <p:cNvPr id="20" name="Right Brace 19"/>
+          <p:cNvSpPr/>
+          <p:nvPr/>
+        </p:nvSpPr>
+        <p:spPr>
+          <a:xfrm rot="5400000">
+            <a:off x="5319612" y="2113130"/>
+            <a:ext cx="167107" cy="5678637"/>
+          </a:xfrm>
+          <a:prstGeom prst="rightBrace">
+            <a:avLst>
+              <a:gd name="adj1" fmla="val 88326"/>
+              <a:gd name="adj2" fmla="val 50000"/>
+            </a:avLst>
+          </a:prstGeom>
+          <a:ln w="12700"/>
+        </p:spPr>
+        <p:style>
+          <a:lnRef idx="1">
+            <a:schemeClr val="dk1"/>
+          </a:lnRef>
+          <a:fillRef idx="0">
+            <a:schemeClr val="dk1"/>
+          </a:fillRef>
+          <a:effectRef idx="0">
+            <a:schemeClr val="dk1"/>
+          </a:effectRef>
+          <a:fontRef idx="minor">
+            <a:schemeClr val="tx1"/>
+          </a:fontRef>
+        </p:style>
+        <p:txBody>
+          <a:bodyPr rtlCol="0" anchor="ctr"/>
+          <a:lstStyle/>
+          <a:p>
+            <a:pPr algn="ctr"/>
+            <a:endParaRPr lang="en-US"/>
+          </a:p>
+        </p:txBody>
+      </p:sp>
+      <p:sp>
+        <p:nvSpPr>
+          <p:cNvPr id="21" name="Rectangle 20"/>
+          <p:cNvSpPr/>
+          <p:nvPr/>
+        </p:nvSpPr>
+        <p:spPr>
+          <a:xfrm>
+            <a:off x="4948669" y="5020722"/>
+            <a:ext cx="916020" cy="369332"/>
+          </a:xfrm>
+          <a:prstGeom prst="rect">
+            <a:avLst/>
+          </a:prstGeom>
+        </p:spPr>
+        <p:txBody>
+          <a:bodyPr wrap="none">
+            <a:spAutoFit/>
+          </a:bodyPr>
+          <a:lstStyle/>
+          <a:p>
+            <a:r>
+              <a:rPr lang="en-US" dirty="0" smtClean="0"/>
+              <a:t>Payload</a:t>
+            </a:r>
+            <a:endParaRPr lang="en-US" dirty="0"/>
+          </a:p>
+        </p:txBody>
+      </p:sp>
+      <p:sp>
+        <p:nvSpPr>
+          <p:cNvPr id="79" name="Oval 78"/>
+          <p:cNvSpPr/>
+          <p:nvPr/>
+        </p:nvSpPr>
+        <p:spPr>
+          <a:xfrm>
+            <a:off x="3289911" y="48742"/>
+            <a:ext cx="202025" cy="198787"/>
+          </a:xfrm>
+          <a:prstGeom prst="ellipse">
+            <a:avLst/>
+          </a:prstGeom>
+          <a:ln w="19050"/>
+        </p:spPr>
+        <p:style>
+          <a:lnRef idx="2">
+            <a:schemeClr val="dk1"/>
+          </a:lnRef>
+          <a:fillRef idx="1">
+            <a:schemeClr val="lt1"/>
+          </a:fillRef>
+          <a:effectRef idx="0">
+            <a:schemeClr val="dk1"/>
+          </a:effectRef>
+          <a:fontRef idx="minor">
+            <a:schemeClr val="dk1"/>
+          </a:fontRef>
+        </p:style>
+        <p:txBody>
+          <a:bodyPr rtlCol="0" anchor="ctr"/>
+          <a:lstStyle/>
+          <a:p>
+            <a:pPr algn="ctr"/>
+            <a:r>
+              <a:rPr lang="en-US" b="1" dirty="0"/>
+              <a:t>1</a:t>
+            </a:r>
+          </a:p>
+        </p:txBody>
+      </p:sp>
+      <p:sp>
+        <p:nvSpPr>
+          <p:cNvPr id="80" name="Oval 79"/>
+          <p:cNvSpPr/>
+          <p:nvPr/>
+        </p:nvSpPr>
+        <p:spPr>
+          <a:xfrm>
+            <a:off x="7632234" y="48742"/>
+            <a:ext cx="202025" cy="198787"/>
+          </a:xfrm>
+          <a:prstGeom prst="ellipse">
+            <a:avLst/>
+          </a:prstGeom>
+          <a:ln w="19050"/>
+        </p:spPr>
+        <p:style>
+          <a:lnRef idx="2">
+            <a:schemeClr val="dk1"/>
+          </a:lnRef>
+          <a:fillRef idx="1">
+            <a:schemeClr val="lt1"/>
+          </a:fillRef>
+          <a:effectRef idx="0">
+            <a:schemeClr val="dk1"/>
+          </a:effectRef>
+          <a:fontRef idx="minor">
+            <a:schemeClr val="dk1"/>
+          </a:fontRef>
+        </p:style>
+        <p:txBody>
+          <a:bodyPr rtlCol="0" anchor="ctr"/>
+          <a:lstStyle/>
+          <a:p>
+            <a:pPr algn="ctr"/>
+            <a:r>
+              <a:rPr lang="en-US" b="1" dirty="0" smtClean="0"/>
+              <a:t>2</a:t>
+            </a:r>
+            <a:endParaRPr lang="en-US" b="1" dirty="0"/>
+          </a:p>
+        </p:txBody>
+      </p:sp>
+      <p:sp>
+        <p:nvSpPr>
+          <p:cNvPr id="81" name="Oval 80"/>
+          <p:cNvSpPr/>
+          <p:nvPr/>
+        </p:nvSpPr>
+        <p:spPr>
+          <a:xfrm>
+            <a:off x="11855872" y="48742"/>
+            <a:ext cx="202025" cy="198787"/>
+          </a:xfrm>
+          <a:prstGeom prst="ellipse">
+            <a:avLst/>
+          </a:prstGeom>
+          <a:ln w="19050"/>
+        </p:spPr>
+        <p:style>
+          <a:lnRef idx="2">
+            <a:schemeClr val="dk1"/>
+          </a:lnRef>
+          <a:fillRef idx="1">
+            <a:schemeClr val="lt1"/>
+          </a:fillRef>
+          <a:effectRef idx="0">
+            <a:schemeClr val="dk1"/>
+          </a:effectRef>
+          <a:fontRef idx="minor">
+            <a:schemeClr val="dk1"/>
+          </a:fontRef>
+        </p:style>
+        <p:txBody>
+          <a:bodyPr rtlCol="0" anchor="ctr"/>
+          <a:lstStyle/>
+          <a:p>
+            <a:pPr algn="ctr"/>
+            <a:r>
+              <a:rPr lang="en-US" b="1" dirty="0"/>
+              <a:t>3</a:t>
+            </a:r>
+            <a:endParaRPr lang="en-US" b="1" dirty="0"/>
+          </a:p>
+        </p:txBody>
+      </p:sp>
     </p:spTree>
     <p:extLst>
       <p:ext uri="{BB962C8B-B14F-4D97-AF65-F5344CB8AC3E}">

--- a/aritra/MouseTracking/images/systemDesign.pptx
+++ b/aritra/MouseTracking/images/systemDesign.pptx
@@ -13331,7 +13331,7 @@
         <p:spPr>
           <a:xfrm>
             <a:off x="1999865" y="2626348"/>
-            <a:ext cx="8717692" cy="1569660"/>
+            <a:ext cx="8717692" cy="1708160"/>
           </a:xfrm>
           <a:prstGeom prst="rect">
             <a:avLst/>
@@ -13344,25 +13344,25 @@
           <a:lstStyle/>
           <a:p>
             <a:r>
-              <a:rPr lang="en-US" sz="1600" dirty="0" smtClean="0">
+              <a:rPr lang="en-US" sz="1500" dirty="0" smtClean="0">
                 <a:latin typeface="Consolas" panose="020B0609020204030204" pitchFamily="49" charset="0"/>
               </a:rPr>
               <a:t>&lt;</a:t>
             </a:r>
             <a:r>
-              <a:rPr lang="en-US" sz="1600" dirty="0">
+              <a:rPr lang="en-US" sz="1500" dirty="0">
                 <a:latin typeface="Consolas" panose="020B0609020204030204" pitchFamily="49" charset="0"/>
               </a:rPr>
               <a:t>form action="/</a:t>
             </a:r>
             <a:r>
-              <a:rPr lang="en-US" sz="1600" dirty="0" err="1">
+              <a:rPr lang="en-US" sz="1500" dirty="0" err="1">
                 <a:latin typeface="Consolas" panose="020B0609020204030204" pitchFamily="49" charset="0"/>
               </a:rPr>
               <a:t>some_action</a:t>
             </a:r>
             <a:r>
-              <a:rPr lang="en-US" sz="1600" dirty="0">
+              <a:rPr lang="en-US" sz="1500" dirty="0">
                 <a:latin typeface="Consolas" panose="020B0609020204030204" pitchFamily="49" charset="0"/>
               </a:rPr>
               <a:t>"&gt;</a:t>
@@ -13370,25 +13370,25 @@
           </a:p>
           <a:p>
             <a:r>
-              <a:rPr lang="en-US" sz="1600" dirty="0" smtClean="0">
+              <a:rPr lang="en-US" sz="1500" dirty="0" smtClean="0">
                 <a:latin typeface="Consolas" panose="020B0609020204030204" pitchFamily="49" charset="0"/>
               </a:rPr>
               <a:t> Sensitive field 1: &lt;</a:t>
             </a:r>
             <a:r>
-              <a:rPr lang="en-US" sz="1600" dirty="0">
+              <a:rPr lang="en-US" sz="1500" dirty="0">
                 <a:latin typeface="Consolas" panose="020B0609020204030204" pitchFamily="49" charset="0"/>
               </a:rPr>
               <a:t>input type="text" name</a:t>
             </a:r>
             <a:r>
-              <a:rPr lang="en-US" sz="1600" dirty="0" smtClean="0">
+              <a:rPr lang="en-US" sz="1500" dirty="0" smtClean="0">
                 <a:latin typeface="Consolas" panose="020B0609020204030204" pitchFamily="49" charset="0"/>
               </a:rPr>
               <a:t>=“tb_1” </a:t>
             </a:r>
             <a:r>
-              <a:rPr lang="en-US" sz="1600" dirty="0" smtClean="0">
+              <a:rPr lang="en-US" sz="1500" dirty="0" smtClean="0">
                 <a:solidFill>
                   <a:srgbClr val="FF0000"/>
                 </a:solidFill>
@@ -13397,19 +13397,19 @@
               <a:t>protect=“true”</a:t>
             </a:r>
             <a:r>
-              <a:rPr lang="en-US" sz="1600" dirty="0" smtClean="0">
+              <a:rPr lang="en-US" sz="1500" dirty="0" smtClean="0">
                 <a:latin typeface="Consolas" panose="020B0609020204030204" pitchFamily="49" charset="0"/>
               </a:rPr>
               <a:t>&gt;&lt;</a:t>
             </a:r>
             <a:r>
-              <a:rPr lang="en-US" sz="1600" dirty="0" err="1" smtClean="0">
+              <a:rPr lang="en-US" sz="1500" dirty="0" err="1" smtClean="0">
                 <a:latin typeface="Consolas" panose="020B0609020204030204" pitchFamily="49" charset="0"/>
               </a:rPr>
               <a:t>br</a:t>
             </a:r>
             <a:r>
-              <a:rPr lang="en-US" sz="1600" dirty="0" smtClean="0">
+              <a:rPr lang="en-US" sz="1500" dirty="0" smtClean="0">
                 <a:latin typeface="Consolas" panose="020B0609020204030204" pitchFamily="49" charset="0"/>
               </a:rPr>
               <a:t>&gt;</a:t>
@@ -13417,37 +13417,37 @@
           </a:p>
           <a:p>
             <a:r>
-              <a:rPr lang="en-US" sz="1600" dirty="0" smtClean="0">
+              <a:rPr lang="en-US" sz="1500" dirty="0" smtClean="0">
                 <a:latin typeface="Consolas" panose="020B0609020204030204" pitchFamily="49" charset="0"/>
               </a:rPr>
               <a:t> Sensitive </a:t>
             </a:r>
             <a:r>
-              <a:rPr lang="en-US" sz="1600" dirty="0">
+              <a:rPr lang="en-US" sz="1500" dirty="0">
                 <a:latin typeface="Consolas" panose="020B0609020204030204" pitchFamily="49" charset="0"/>
               </a:rPr>
               <a:t>field </a:t>
             </a:r>
             <a:r>
-              <a:rPr lang="en-US" sz="1600" dirty="0" smtClean="0">
+              <a:rPr lang="en-US" sz="1500" dirty="0" smtClean="0">
                 <a:latin typeface="Consolas" panose="020B0609020204030204" pitchFamily="49" charset="0"/>
               </a:rPr>
               <a:t>2: </a:t>
             </a:r>
             <a:r>
-              <a:rPr lang="en-US" sz="1600" dirty="0">
+              <a:rPr lang="en-US" sz="1500" dirty="0">
                 <a:latin typeface="Consolas" panose="020B0609020204030204" pitchFamily="49" charset="0"/>
               </a:rPr>
               <a:t>&lt;input type="text" name</a:t>
             </a:r>
             <a:r>
-              <a:rPr lang="en-US" sz="1600" dirty="0" smtClean="0">
+              <a:rPr lang="en-US" sz="1500" dirty="0" smtClean="0">
                 <a:latin typeface="Consolas" panose="020B0609020204030204" pitchFamily="49" charset="0"/>
               </a:rPr>
               <a:t>=“tb_2” </a:t>
             </a:r>
             <a:r>
-              <a:rPr lang="en-US" sz="1600" dirty="0" smtClean="0">
+              <a:rPr lang="en-US" sz="1500" dirty="0" smtClean="0">
                 <a:solidFill>
                   <a:srgbClr val="FF0000"/>
                 </a:solidFill>
@@ -13456,19 +13456,19 @@
               <a:t>protect=“true”</a:t>
             </a:r>
             <a:r>
-              <a:rPr lang="en-US" sz="1600" dirty="0" smtClean="0">
+              <a:rPr lang="en-US" sz="1500" dirty="0" smtClean="0">
                 <a:latin typeface="Consolas" panose="020B0609020204030204" pitchFamily="49" charset="0"/>
               </a:rPr>
               <a:t>&gt;&lt;</a:t>
             </a:r>
             <a:r>
-              <a:rPr lang="en-US" sz="1600" dirty="0" err="1">
+              <a:rPr lang="en-US" sz="1500" dirty="0" err="1">
                 <a:latin typeface="Consolas" panose="020B0609020204030204" pitchFamily="49" charset="0"/>
               </a:rPr>
               <a:t>br</a:t>
             </a:r>
             <a:r>
-              <a:rPr lang="en-US" sz="1600" dirty="0">
+              <a:rPr lang="en-US" sz="1500" dirty="0">
                 <a:latin typeface="Consolas" panose="020B0609020204030204" pitchFamily="49" charset="0"/>
               </a:rPr>
               <a:t>&gt;</a:t>
@@ -13476,73 +13476,155 @@
           </a:p>
           <a:p>
             <a:r>
-              <a:rPr lang="en-US" sz="1600" dirty="0" smtClean="0">
+              <a:rPr lang="en-US" sz="1500" dirty="0" smtClean="0">
                 <a:latin typeface="Consolas" panose="020B0609020204030204" pitchFamily="49" charset="0"/>
               </a:rPr>
-              <a:t> &lt;</a:t>
+              <a:t> </a:t>
             </a:r>
             <a:r>
-              <a:rPr lang="en-US" sz="1600" dirty="0">
+              <a:rPr lang="en-US" sz="1500" dirty="0">
                 <a:latin typeface="Consolas" panose="020B0609020204030204" pitchFamily="49" charset="0"/>
               </a:rPr>
-              <a:t>input type="submit" value</a:t>
+              <a:t> &lt;button type="submit" value="</a:t>
             </a:r>
             <a:r>
-              <a:rPr lang="en-US" sz="1600" dirty="0" smtClean="0">
+              <a:rPr lang="en-US" sz="1500" dirty="0" smtClean="0">
                 <a:latin typeface="Consolas" panose="020B0609020204030204" pitchFamily="49" charset="0"/>
               </a:rPr>
-              <a:t>=“Ok"&gt;</a:t>
+              <a:t>Submit” </a:t>
             </a:r>
-          </a:p>
-          <a:p>
             <a:r>
-              <a:rPr lang="en-US" sz="1600" dirty="0" smtClean="0">
+              <a:rPr lang="en-US" sz="1500" dirty="0" smtClean="0">
+                <a:solidFill>
+                  <a:srgbClr val="FF0000"/>
+                </a:solidFill>
                 <a:latin typeface="Consolas" panose="020B0609020204030204" pitchFamily="49" charset="0"/>
               </a:rPr>
-              <a:t> Normal field: </a:t>
+              <a:t>protect</a:t>
             </a:r>
             <a:r>
-              <a:rPr lang="en-US" sz="1600" dirty="0">
+              <a:rPr lang="en-US" sz="1500" dirty="0">
+                <a:solidFill>
+                  <a:srgbClr val="FF0000"/>
+                </a:solidFill>
                 <a:latin typeface="Consolas" panose="020B0609020204030204" pitchFamily="49" charset="0"/>
               </a:rPr>
-              <a:t>&lt;input type="text" name=“</a:t>
+              <a:t>=“true”</a:t>
             </a:r>
             <a:r>
-              <a:rPr lang="en-US" sz="1600" dirty="0" smtClean="0">
+              <a:rPr lang="en-US" sz="1500" dirty="0" smtClean="0">
                 <a:latin typeface="Consolas" panose="020B0609020204030204" pitchFamily="49" charset="0"/>
               </a:rPr>
-              <a:t>textbox_3"&gt;&lt;</a:t>
+              <a:t>&gt;</a:t>
             </a:r>
             <a:r>
-              <a:rPr lang="en-US" sz="1600" dirty="0" err="1">
+              <a:rPr lang="en-US" sz="1500" dirty="0">
+                <a:latin typeface="Consolas" panose="020B0609020204030204" pitchFamily="49" charset="0"/>
+              </a:rPr>
+              <a:t>Submit&lt;/button&gt;</a:t>
+            </a:r>
+            <a:r>
+              <a:rPr lang="en-US" sz="1500" dirty="0">
+                <a:latin typeface="Consolas" panose="020B0609020204030204" pitchFamily="49" charset="0"/>
+              </a:rPr>
+              <a:t/>
+            </a:r>
+            <a:br>
+              <a:rPr lang="en-US" sz="1500" dirty="0">
+                <a:latin typeface="Consolas" panose="020B0609020204030204" pitchFamily="49" charset="0"/>
+              </a:rPr>
+            </a:br>
+            <a:r>
+              <a:rPr lang="en-US" sz="1500" dirty="0">
+                <a:latin typeface="Consolas" panose="020B0609020204030204" pitchFamily="49" charset="0"/>
+              </a:rPr>
+              <a:t>  &lt;button type="reset" value="</a:t>
+            </a:r>
+            <a:r>
+              <a:rPr lang="en-US" sz="1500" dirty="0" smtClean="0">
+                <a:latin typeface="Consolas" panose="020B0609020204030204" pitchFamily="49" charset="0"/>
+              </a:rPr>
+              <a:t>Reset” </a:t>
+            </a:r>
+            <a:r>
+              <a:rPr lang="en-US" sz="1500" dirty="0" smtClean="0">
+                <a:solidFill>
+                  <a:srgbClr val="FF0000"/>
+                </a:solidFill>
+                <a:latin typeface="Consolas" panose="020B0609020204030204" pitchFamily="49" charset="0"/>
+              </a:rPr>
+              <a:t>protect</a:t>
+            </a:r>
+            <a:r>
+              <a:rPr lang="en-US" sz="1500" dirty="0">
+                <a:solidFill>
+                  <a:srgbClr val="FF0000"/>
+                </a:solidFill>
+                <a:latin typeface="Consolas" panose="020B0609020204030204" pitchFamily="49" charset="0"/>
+              </a:rPr>
+              <a:t>=“true”</a:t>
+            </a:r>
+            <a:r>
+              <a:rPr lang="en-US" sz="1500" dirty="0" smtClean="0">
+                <a:latin typeface="Consolas" panose="020B0609020204030204" pitchFamily="49" charset="0"/>
+              </a:rPr>
+              <a:t>&gt;</a:t>
+            </a:r>
+            <a:r>
+              <a:rPr lang="en-US" sz="1500" dirty="0">
+                <a:latin typeface="Consolas" panose="020B0609020204030204" pitchFamily="49" charset="0"/>
+              </a:rPr>
+              <a:t>Reset&lt;/button&gt;</a:t>
+            </a:r>
+            <a:r>
+              <a:rPr lang="en-US" sz="1500" dirty="0" smtClean="0">
+                <a:latin typeface="Consolas" panose="020B0609020204030204" pitchFamily="49" charset="0"/>
+              </a:rPr>
+              <a:t> </a:t>
+            </a:r>
+          </a:p>
+          <a:p>
+            <a:r>
+              <a:rPr lang="en-US" sz="1500" dirty="0" smtClean="0">
+                <a:latin typeface="Consolas" panose="020B0609020204030204" pitchFamily="49" charset="0"/>
+              </a:rPr>
+              <a:t>Normal field: &lt;input type="text" name=“textbox_3"&gt;&lt;</a:t>
+            </a:r>
+            <a:r>
+              <a:rPr lang="en-US" sz="1500" dirty="0" err="1" smtClean="0">
                 <a:latin typeface="Consolas" panose="020B0609020204030204" pitchFamily="49" charset="0"/>
               </a:rPr>
               <a:t>br</a:t>
             </a:r>
             <a:r>
-              <a:rPr lang="en-US" sz="1600" dirty="0" smtClean="0">
+              <a:rPr lang="en-US" sz="1500" dirty="0" smtClean="0">
                 <a:latin typeface="Consolas" panose="020B0609020204030204" pitchFamily="49" charset="0"/>
               </a:rPr>
               <a:t>&gt;</a:t>
             </a:r>
-            <a:endParaRPr lang="en-US" sz="1600" dirty="0">
-              <a:latin typeface="Consolas" panose="020B0609020204030204" pitchFamily="49" charset="0"/>
-            </a:endParaRPr>
           </a:p>
           <a:p>
             <a:r>
-              <a:rPr lang="en-US" sz="1600" dirty="0">
+              <a:rPr lang="en-US" sz="1500" dirty="0" smtClean="0">
                 <a:latin typeface="Consolas" panose="020B0609020204030204" pitchFamily="49" charset="0"/>
               </a:rPr>
-              <a:t>&lt;/form</a:t>
+              <a:t>&lt;/</a:t>
             </a:r>
             <a:r>
-              <a:rPr lang="en-US" sz="1600" dirty="0" smtClean="0">
+              <a:rPr lang="en-US" sz="1500" dirty="0">
+                <a:latin typeface="Consolas" panose="020B0609020204030204" pitchFamily="49" charset="0"/>
+              </a:rPr>
+              <a:t>form</a:t>
+            </a:r>
+            <a:r>
+              <a:rPr lang="en-US" sz="1500" dirty="0" smtClean="0">
                 <a:latin typeface="Consolas" panose="020B0609020204030204" pitchFamily="49" charset="0"/>
               </a:rPr>
               <a:t>&gt;</a:t>
             </a:r>
-            <a:endParaRPr lang="en-US" sz="1600" dirty="0"/>
+            <a:endParaRPr lang="en-US" sz="1500" dirty="0">
+              <a:latin typeface="Consolas" panose="020B0609020204030204" pitchFamily="49" charset="0"/>
+            </a:endParaRPr>
           </a:p>
         </p:txBody>
       </p:sp>
@@ -13696,8 +13778,8 @@
           </p:nvSpPr>
           <p:spPr>
             <a:xfrm>
-              <a:off x="10460684" y="2019531"/>
-              <a:ext cx="1442548" cy="379214"/>
+              <a:off x="10460684" y="2090463"/>
+              <a:ext cx="1442548" cy="308282"/>
             </a:xfrm>
             <a:prstGeom prst="rect">
               <a:avLst/>
@@ -14212,7 +14294,7 @@
         <p:spPr>
           <a:xfrm>
             <a:off x="8602526" y="247529"/>
-            <a:ext cx="3253781" cy="1085773"/>
+            <a:ext cx="3253781" cy="1727292"/>
           </a:xfrm>
           <a:prstGeom prst="rect">
             <a:avLst/>
@@ -14255,7 +14337,7 @@
         </p:nvSpPr>
         <p:spPr>
           <a:xfrm>
-            <a:off x="8561640" y="1191173"/>
+            <a:off x="8561639" y="1863573"/>
             <a:ext cx="1724987" cy="217111"/>
           </a:xfrm>
           <a:prstGeom prst="rect">
@@ -14301,7 +14383,7 @@
         </p:nvSpPr>
         <p:spPr>
           <a:xfrm>
-            <a:off x="8444399" y="1116111"/>
+            <a:off x="8505726" y="1770212"/>
             <a:ext cx="2000356" cy="369332"/>
           </a:xfrm>
           <a:prstGeom prst="rect">

--- a/aritra/MouseTracking/images/systemDesign.pptx
+++ b/aritra/MouseTracking/images/systemDesign.pptx
@@ -10,13 +10,14 @@
     <p:sldId id="262" r:id="rId4"/>
     <p:sldId id="256" r:id="rId5"/>
     <p:sldId id="257" r:id="rId6"/>
-    <p:sldId id="258" r:id="rId7"/>
-    <p:sldId id="267" r:id="rId8"/>
-    <p:sldId id="259" r:id="rId9"/>
-    <p:sldId id="260" r:id="rId10"/>
-    <p:sldId id="261" r:id="rId11"/>
-    <p:sldId id="263" r:id="rId12"/>
-    <p:sldId id="265" r:id="rId13"/>
+    <p:sldId id="268" r:id="rId7"/>
+    <p:sldId id="258" r:id="rId8"/>
+    <p:sldId id="267" r:id="rId9"/>
+    <p:sldId id="259" r:id="rId10"/>
+    <p:sldId id="260" r:id="rId11"/>
+    <p:sldId id="261" r:id="rId12"/>
+    <p:sldId id="263" r:id="rId13"/>
+    <p:sldId id="265" r:id="rId14"/>
   </p:sldIdLst>
   <p:sldSz cx="12192000" cy="6858000"/>
   <p:notesSz cx="6858000" cy="9144000"/>
@@ -3298,6 +3299,1104 @@
         </p:nvGrpSpPr>
         <p:grpSpPr>
           <a:xfrm>
+            <a:off x="2723370" y="303270"/>
+            <a:ext cx="1121972" cy="1158332"/>
+            <a:chOff x="4379857" y="2569029"/>
+            <a:chExt cx="1121972" cy="1158332"/>
+          </a:xfrm>
+        </p:grpSpPr>
+        <p:pic>
+          <p:nvPicPr>
+            <p:cNvPr id="3" name="Picture 2"/>
+            <p:cNvPicPr>
+              <a:picLocks noChangeAspect="1"/>
+            </p:cNvPicPr>
+            <p:nvPr/>
+          </p:nvPicPr>
+          <p:blipFill rotWithShape="1">
+            <a:blip r:embed="rId2"/>
+            <a:srcRect l="35542" t="19680" r="35441" b="39379"/>
+            <a:stretch/>
+          </p:blipFill>
+          <p:spPr>
+            <a:xfrm>
+              <a:off x="4379857" y="2569029"/>
+              <a:ext cx="1121972" cy="813498"/>
+            </a:xfrm>
+            <a:prstGeom prst="rect">
+              <a:avLst/>
+            </a:prstGeom>
+          </p:spPr>
+        </p:pic>
+        <p:sp>
+          <p:nvSpPr>
+            <p:cNvPr id="4" name="Rectangle 3"/>
+            <p:cNvSpPr/>
+            <p:nvPr/>
+          </p:nvSpPr>
+          <p:spPr>
+            <a:xfrm>
+              <a:off x="4530089" y="3358029"/>
+              <a:ext cx="821507" cy="369332"/>
+            </a:xfrm>
+            <a:prstGeom prst="rect">
+              <a:avLst/>
+            </a:prstGeom>
+          </p:spPr>
+          <p:txBody>
+            <a:bodyPr wrap="none">
+              <a:spAutoFit/>
+            </a:bodyPr>
+            <a:lstStyle/>
+            <a:p>
+              <a:r>
+                <a:rPr lang="en-US" b="1" dirty="0" smtClean="0"/>
+                <a:t>Device</a:t>
+              </a:r>
+              <a:endParaRPr lang="en-US" b="1" dirty="0"/>
+            </a:p>
+          </p:txBody>
+        </p:sp>
+      </p:grpSp>
+      <p:grpSp>
+        <p:nvGrpSpPr>
+          <p:cNvPr id="5" name="Group 4"/>
+          <p:cNvGrpSpPr/>
+          <p:nvPr/>
+        </p:nvGrpSpPr>
+        <p:grpSpPr>
+          <a:xfrm>
+            <a:off x="5232720" y="340821"/>
+            <a:ext cx="893699" cy="1178999"/>
+            <a:chOff x="7410680" y="2569028"/>
+            <a:chExt cx="893699" cy="1178999"/>
+          </a:xfrm>
+        </p:grpSpPr>
+        <p:pic>
+          <p:nvPicPr>
+            <p:cNvPr id="6" name="Picture 5"/>
+            <p:cNvPicPr>
+              <a:picLocks noChangeAspect="1"/>
+            </p:cNvPicPr>
+            <p:nvPr/>
+          </p:nvPicPr>
+          <p:blipFill rotWithShape="1">
+            <a:blip r:embed="rId3" cstate="print">
+              <a:extLst>
+                <a:ext uri="{28A0092B-C50C-407E-A947-70E740481C1C}">
+                  <a14:useLocalDpi xmlns:a14="http://schemas.microsoft.com/office/drawing/2010/main" val="0"/>
+                </a:ext>
+              </a:extLst>
+            </a:blip>
+            <a:srcRect t="3275" b="3208"/>
+            <a:stretch/>
+          </p:blipFill>
+          <p:spPr>
+            <a:xfrm>
+              <a:off x="7410680" y="2569028"/>
+              <a:ext cx="890228" cy="832525"/>
+            </a:xfrm>
+            <a:prstGeom prst="rect">
+              <a:avLst/>
+            </a:prstGeom>
+          </p:spPr>
+        </p:pic>
+        <p:sp>
+          <p:nvSpPr>
+            <p:cNvPr id="7" name="Rectangle 6"/>
+            <p:cNvSpPr/>
+            <p:nvPr/>
+          </p:nvSpPr>
+          <p:spPr>
+            <a:xfrm>
+              <a:off x="7428177" y="3378695"/>
+              <a:ext cx="876202" cy="369332"/>
+            </a:xfrm>
+            <a:prstGeom prst="rect">
+              <a:avLst/>
+            </a:prstGeom>
+          </p:spPr>
+          <p:txBody>
+            <a:bodyPr wrap="none">
+              <a:spAutoFit/>
+            </a:bodyPr>
+            <a:lstStyle/>
+            <a:p>
+              <a:r>
+                <a:rPr lang="en-US" b="1" dirty="0" smtClean="0"/>
+                <a:t>Display</a:t>
+              </a:r>
+              <a:endParaRPr lang="en-US" b="1" dirty="0"/>
+            </a:p>
+          </p:txBody>
+        </p:sp>
+      </p:grpSp>
+      <p:grpSp>
+        <p:nvGrpSpPr>
+          <p:cNvPr id="8" name="Group 7"/>
+          <p:cNvGrpSpPr/>
+          <p:nvPr/>
+        </p:nvGrpSpPr>
+        <p:grpSpPr>
+          <a:xfrm>
+            <a:off x="0" y="303269"/>
+            <a:ext cx="1155357" cy="1178999"/>
+            <a:chOff x="1396313" y="2549541"/>
+            <a:chExt cx="1155357" cy="1178999"/>
+          </a:xfrm>
+        </p:grpSpPr>
+        <p:grpSp>
+          <p:nvGrpSpPr>
+            <p:cNvPr id="9" name="Group 8"/>
+            <p:cNvGrpSpPr/>
+            <p:nvPr/>
+          </p:nvGrpSpPr>
+          <p:grpSpPr>
+            <a:xfrm>
+              <a:off x="1396313" y="2549541"/>
+              <a:ext cx="1155357" cy="834164"/>
+              <a:chOff x="1396313" y="2549541"/>
+              <a:chExt cx="1155357" cy="834164"/>
+            </a:xfrm>
+          </p:grpSpPr>
+          <p:pic>
+            <p:nvPicPr>
+              <p:cNvPr id="11" name="Picture 10"/>
+              <p:cNvPicPr>
+                <a:picLocks noChangeAspect="1"/>
+              </p:cNvPicPr>
+              <p:nvPr/>
+            </p:nvPicPr>
+            <p:blipFill rotWithShape="1">
+              <a:blip r:embed="rId4"/>
+              <a:srcRect l="24261" t="14798" r="24188" b="14569"/>
+              <a:stretch/>
+            </p:blipFill>
+            <p:spPr>
+              <a:xfrm>
+                <a:off x="1396313" y="2570207"/>
+                <a:ext cx="1155357" cy="813498"/>
+              </a:xfrm>
+              <a:prstGeom prst="rect">
+                <a:avLst/>
+              </a:prstGeom>
+            </p:spPr>
+          </p:pic>
+          <p:pic>
+            <p:nvPicPr>
+              <p:cNvPr id="12" name="Picture 11"/>
+              <p:cNvPicPr>
+                <a:picLocks noChangeAspect="1"/>
+              </p:cNvPicPr>
+              <p:nvPr/>
+            </p:nvPicPr>
+            <p:blipFill>
+              <a:blip r:embed="rId5" cstate="print">
+                <a:extLst>
+                  <a:ext uri="{28A0092B-C50C-407E-A947-70E740481C1C}">
+                    <a14:useLocalDpi xmlns:a14="http://schemas.microsoft.com/office/drawing/2010/main" val="0"/>
+                  </a:ext>
+                </a:extLst>
+              </a:blip>
+              <a:stretch>
+                <a:fillRect/>
+              </a:stretch>
+            </p:blipFill>
+            <p:spPr>
+              <a:xfrm>
+                <a:off x="1460578" y="2549541"/>
+                <a:ext cx="453610" cy="453610"/>
+              </a:xfrm>
+              <a:prstGeom prst="rect">
+                <a:avLst/>
+              </a:prstGeom>
+            </p:spPr>
+          </p:pic>
+        </p:grpSp>
+        <p:sp>
+          <p:nvSpPr>
+            <p:cNvPr id="10" name="Rectangle 9"/>
+            <p:cNvSpPr/>
+            <p:nvPr/>
+          </p:nvSpPr>
+          <p:spPr>
+            <a:xfrm>
+              <a:off x="1662527" y="3359208"/>
+              <a:ext cx="622927" cy="369332"/>
+            </a:xfrm>
+            <a:prstGeom prst="rect">
+              <a:avLst/>
+            </a:prstGeom>
+          </p:spPr>
+          <p:txBody>
+            <a:bodyPr wrap="none">
+              <a:spAutoFit/>
+            </a:bodyPr>
+            <a:lstStyle/>
+            <a:p>
+              <a:r>
+                <a:rPr lang="en-US" b="1" dirty="0" smtClean="0"/>
+                <a:t>Host</a:t>
+              </a:r>
+              <a:endParaRPr lang="en-US" b="1" dirty="0"/>
+            </a:p>
+          </p:txBody>
+        </p:sp>
+      </p:grpSp>
+      <p:pic>
+        <p:nvPicPr>
+          <p:cNvPr id="15" name="Picture 14"/>
+          <p:cNvPicPr>
+            <a:picLocks noChangeAspect="1"/>
+          </p:cNvPicPr>
+          <p:nvPr/>
+        </p:nvPicPr>
+        <p:blipFill rotWithShape="1">
+          <a:blip r:embed="rId6" cstate="print">
+            <a:extLst>
+              <a:ext uri="{28A0092B-C50C-407E-A947-70E740481C1C}">
+                <a14:useLocalDpi xmlns:a14="http://schemas.microsoft.com/office/drawing/2010/main" val="0"/>
+              </a:ext>
+            </a:extLst>
+          </a:blip>
+          <a:srcRect t="14679" b="14612"/>
+          <a:stretch/>
+        </p:blipFill>
+        <p:spPr>
+          <a:xfrm>
+            <a:off x="1819423" y="1895276"/>
+            <a:ext cx="974772" cy="689251"/>
+          </a:xfrm>
+          <a:prstGeom prst="rect">
+            <a:avLst/>
+          </a:prstGeom>
+        </p:spPr>
+      </p:pic>
+      <p:pic>
+        <p:nvPicPr>
+          <p:cNvPr id="16" name="Picture 15"/>
+          <p:cNvPicPr>
+            <a:picLocks noChangeAspect="1"/>
+          </p:cNvPicPr>
+          <p:nvPr/>
+        </p:nvPicPr>
+        <p:blipFill rotWithShape="1">
+          <a:blip r:embed="rId7" cstate="print">
+            <a:extLst>
+              <a:ext uri="{28A0092B-C50C-407E-A947-70E740481C1C}">
+                <a14:useLocalDpi xmlns:a14="http://schemas.microsoft.com/office/drawing/2010/main" val="0"/>
+              </a:ext>
+            </a:extLst>
+          </a:blip>
+          <a:srcRect t="9849" b="9916"/>
+          <a:stretch/>
+        </p:blipFill>
+        <p:spPr>
+          <a:xfrm>
+            <a:off x="3863341" y="1925628"/>
+            <a:ext cx="859039" cy="689251"/>
+          </a:xfrm>
+          <a:prstGeom prst="rect">
+            <a:avLst/>
+          </a:prstGeom>
+        </p:spPr>
+      </p:pic>
+      <p:grpSp>
+        <p:nvGrpSpPr>
+          <p:cNvPr id="21" name="Group 20"/>
+          <p:cNvGrpSpPr/>
+          <p:nvPr/>
+        </p:nvGrpSpPr>
+        <p:grpSpPr>
+          <a:xfrm>
+            <a:off x="2293345" y="1461602"/>
+            <a:ext cx="1930253" cy="503521"/>
+            <a:chOff x="3510935" y="3575185"/>
+            <a:chExt cx="1930253" cy="519167"/>
+          </a:xfrm>
+        </p:grpSpPr>
+        <p:cxnSp>
+          <p:nvCxnSpPr>
+            <p:cNvPr id="22" name="Straight Connector 21"/>
+            <p:cNvCxnSpPr/>
+            <p:nvPr/>
+          </p:nvCxnSpPr>
+          <p:spPr>
+            <a:xfrm>
+              <a:off x="4471801" y="3575185"/>
+              <a:ext cx="0" cy="367583"/>
+            </a:xfrm>
+            <a:prstGeom prst="line">
+              <a:avLst/>
+            </a:prstGeom>
+            <a:ln w="28575"/>
+          </p:spPr>
+          <p:style>
+            <a:lnRef idx="1">
+              <a:schemeClr val="dk1"/>
+            </a:lnRef>
+            <a:fillRef idx="0">
+              <a:schemeClr val="dk1"/>
+            </a:fillRef>
+            <a:effectRef idx="0">
+              <a:schemeClr val="dk1"/>
+            </a:effectRef>
+            <a:fontRef idx="minor">
+              <a:schemeClr val="tx1"/>
+            </a:fontRef>
+          </p:style>
+        </p:cxnSp>
+        <p:grpSp>
+          <p:nvGrpSpPr>
+            <p:cNvPr id="23" name="Group 22"/>
+            <p:cNvGrpSpPr/>
+            <p:nvPr/>
+          </p:nvGrpSpPr>
+          <p:grpSpPr>
+            <a:xfrm>
+              <a:off x="3510935" y="3950318"/>
+              <a:ext cx="1930253" cy="144034"/>
+              <a:chOff x="4474242" y="4502768"/>
+              <a:chExt cx="1394552" cy="330546"/>
+            </a:xfrm>
+          </p:grpSpPr>
+          <p:cxnSp>
+            <p:nvCxnSpPr>
+              <p:cNvPr id="24" name="Straight Connector 23"/>
+              <p:cNvCxnSpPr/>
+              <p:nvPr/>
+            </p:nvCxnSpPr>
+            <p:spPr>
+              <a:xfrm>
+                <a:off x="4474242" y="4502768"/>
+                <a:ext cx="1394552" cy="0"/>
+              </a:xfrm>
+              <a:prstGeom prst="line">
+                <a:avLst/>
+              </a:prstGeom>
+              <a:ln w="28575"/>
+            </p:spPr>
+            <p:style>
+              <a:lnRef idx="1">
+                <a:schemeClr val="dk1"/>
+              </a:lnRef>
+              <a:fillRef idx="0">
+                <a:schemeClr val="dk1"/>
+              </a:fillRef>
+              <a:effectRef idx="0">
+                <a:schemeClr val="dk1"/>
+              </a:effectRef>
+              <a:fontRef idx="minor">
+                <a:schemeClr val="tx1"/>
+              </a:fontRef>
+            </p:style>
+          </p:cxnSp>
+          <p:cxnSp>
+            <p:nvCxnSpPr>
+              <p:cNvPr id="25" name="Straight Connector 24"/>
+              <p:cNvCxnSpPr/>
+              <p:nvPr/>
+            </p:nvCxnSpPr>
+            <p:spPr>
+              <a:xfrm>
+                <a:off x="4483969" y="4502768"/>
+                <a:ext cx="0" cy="330546"/>
+              </a:xfrm>
+              <a:prstGeom prst="line">
+                <a:avLst/>
+              </a:prstGeom>
+              <a:ln w="28575"/>
+            </p:spPr>
+            <p:style>
+              <a:lnRef idx="1">
+                <a:schemeClr val="dk1"/>
+              </a:lnRef>
+              <a:fillRef idx="0">
+                <a:schemeClr val="dk1"/>
+              </a:fillRef>
+              <a:effectRef idx="0">
+                <a:schemeClr val="dk1"/>
+              </a:effectRef>
+              <a:fontRef idx="minor">
+                <a:schemeClr val="tx1"/>
+              </a:fontRef>
+            </p:style>
+          </p:cxnSp>
+          <p:cxnSp>
+            <p:nvCxnSpPr>
+              <p:cNvPr id="26" name="Straight Connector 25"/>
+              <p:cNvCxnSpPr/>
+              <p:nvPr/>
+            </p:nvCxnSpPr>
+            <p:spPr>
+              <a:xfrm>
+                <a:off x="5859270" y="4502768"/>
+                <a:ext cx="0" cy="330546"/>
+              </a:xfrm>
+              <a:prstGeom prst="line">
+                <a:avLst/>
+              </a:prstGeom>
+              <a:ln w="28575"/>
+            </p:spPr>
+            <p:style>
+              <a:lnRef idx="1">
+                <a:schemeClr val="dk1"/>
+              </a:lnRef>
+              <a:fillRef idx="0">
+                <a:schemeClr val="dk1"/>
+              </a:fillRef>
+              <a:effectRef idx="0">
+                <a:schemeClr val="dk1"/>
+              </a:effectRef>
+              <a:fontRef idx="minor">
+                <a:schemeClr val="tx1"/>
+              </a:fontRef>
+            </p:style>
+          </p:cxnSp>
+        </p:grpSp>
+      </p:grpSp>
+      <p:grpSp>
+        <p:nvGrpSpPr>
+          <p:cNvPr id="28" name="Group 27"/>
+          <p:cNvGrpSpPr/>
+          <p:nvPr/>
+        </p:nvGrpSpPr>
+        <p:grpSpPr>
+          <a:xfrm>
+            <a:off x="3176356" y="1355901"/>
+            <a:ext cx="828798" cy="369332"/>
+            <a:chOff x="7903181" y="3762728"/>
+            <a:chExt cx="828798" cy="369332"/>
+          </a:xfrm>
+        </p:grpSpPr>
+        <p:sp>
+          <p:nvSpPr>
+            <p:cNvPr id="29" name="Oval 28"/>
+            <p:cNvSpPr/>
+            <p:nvPr/>
+          </p:nvSpPr>
+          <p:spPr>
+            <a:xfrm>
+              <a:off x="7903181" y="3848001"/>
+              <a:ext cx="202025" cy="198787"/>
+            </a:xfrm>
+            <a:prstGeom prst="ellipse">
+              <a:avLst/>
+            </a:prstGeom>
+            <a:ln w="19050"/>
+          </p:spPr>
+          <p:style>
+            <a:lnRef idx="2">
+              <a:schemeClr val="dk1"/>
+            </a:lnRef>
+            <a:fillRef idx="1">
+              <a:schemeClr val="lt1"/>
+            </a:fillRef>
+            <a:effectRef idx="0">
+              <a:schemeClr val="dk1"/>
+            </a:effectRef>
+            <a:fontRef idx="minor">
+              <a:schemeClr val="dk1"/>
+            </a:fontRef>
+          </p:style>
+          <p:txBody>
+            <a:bodyPr rtlCol="0" anchor="ctr"/>
+            <a:lstStyle/>
+            <a:p>
+              <a:pPr algn="ctr"/>
+              <a:r>
+                <a:rPr lang="en-US" b="1" dirty="0"/>
+                <a:t>1</a:t>
+              </a:r>
+            </a:p>
+          </p:txBody>
+        </p:sp>
+        <p:sp>
+          <p:nvSpPr>
+            <p:cNvPr id="30" name="Rectangle 29"/>
+            <p:cNvSpPr/>
+            <p:nvPr/>
+          </p:nvSpPr>
+          <p:spPr>
+            <a:xfrm>
+              <a:off x="8047176" y="3762728"/>
+              <a:ext cx="684803" cy="369332"/>
+            </a:xfrm>
+            <a:prstGeom prst="rect">
+              <a:avLst/>
+            </a:prstGeom>
+          </p:spPr>
+          <p:txBody>
+            <a:bodyPr wrap="none">
+              <a:spAutoFit/>
+            </a:bodyPr>
+            <a:lstStyle/>
+            <a:p>
+              <a:r>
+                <a:rPr lang="en-US" dirty="0"/>
+                <a:t>I</a:t>
+              </a:r>
+              <a:r>
+                <a:rPr lang="en-US" dirty="0" smtClean="0"/>
+                <a:t>nput</a:t>
+              </a:r>
+              <a:endParaRPr lang="en-US" dirty="0"/>
+            </a:p>
+          </p:txBody>
+        </p:sp>
+      </p:grpSp>
+      <p:grpSp>
+        <p:nvGrpSpPr>
+          <p:cNvPr id="31" name="Group 30"/>
+          <p:cNvGrpSpPr/>
+          <p:nvPr/>
+        </p:nvGrpSpPr>
+        <p:grpSpPr>
+          <a:xfrm>
+            <a:off x="2779892" y="-66063"/>
+            <a:ext cx="1043728" cy="369332"/>
+            <a:chOff x="7903181" y="3762728"/>
+            <a:chExt cx="1043728" cy="369332"/>
+          </a:xfrm>
+        </p:grpSpPr>
+        <p:sp>
+          <p:nvSpPr>
+            <p:cNvPr id="32" name="Oval 31"/>
+            <p:cNvSpPr/>
+            <p:nvPr/>
+          </p:nvSpPr>
+          <p:spPr>
+            <a:xfrm>
+              <a:off x="7903181" y="3848001"/>
+              <a:ext cx="202025" cy="198787"/>
+            </a:xfrm>
+            <a:prstGeom prst="ellipse">
+              <a:avLst/>
+            </a:prstGeom>
+            <a:ln w="19050"/>
+          </p:spPr>
+          <p:style>
+            <a:lnRef idx="2">
+              <a:schemeClr val="dk1"/>
+            </a:lnRef>
+            <a:fillRef idx="1">
+              <a:schemeClr val="lt1"/>
+            </a:fillRef>
+            <a:effectRef idx="0">
+              <a:schemeClr val="dk1"/>
+            </a:effectRef>
+            <a:fontRef idx="minor">
+              <a:schemeClr val="dk1"/>
+            </a:fontRef>
+          </p:style>
+          <p:txBody>
+            <a:bodyPr rtlCol="0" anchor="ctr"/>
+            <a:lstStyle/>
+            <a:p>
+              <a:pPr algn="ctr"/>
+              <a:r>
+                <a:rPr lang="en-US" b="1" dirty="0" smtClean="0"/>
+                <a:t>2</a:t>
+              </a:r>
+              <a:endParaRPr lang="en-US" b="1" dirty="0"/>
+            </a:p>
+          </p:txBody>
+        </p:sp>
+        <p:sp>
+          <p:nvSpPr>
+            <p:cNvPr id="33" name="Rectangle 32"/>
+            <p:cNvSpPr/>
+            <p:nvPr/>
+          </p:nvSpPr>
+          <p:spPr>
+            <a:xfrm>
+              <a:off x="8047176" y="3762728"/>
+              <a:ext cx="899733" cy="369332"/>
+            </a:xfrm>
+            <a:prstGeom prst="rect">
+              <a:avLst/>
+            </a:prstGeom>
+          </p:spPr>
+          <p:txBody>
+            <a:bodyPr wrap="none">
+              <a:spAutoFit/>
+            </a:bodyPr>
+            <a:lstStyle/>
+            <a:p>
+              <a:r>
+                <a:rPr lang="en-US" dirty="0" smtClean="0"/>
+                <a:t>Encrypt</a:t>
+              </a:r>
+              <a:endParaRPr lang="en-US" dirty="0"/>
+            </a:p>
+          </p:txBody>
+        </p:sp>
+      </p:grpSp>
+      <p:cxnSp>
+        <p:nvCxnSpPr>
+          <p:cNvPr id="34" name="Straight Arrow Connector 33"/>
+          <p:cNvCxnSpPr/>
+          <p:nvPr/>
+        </p:nvCxnSpPr>
+        <p:spPr>
+          <a:xfrm flipH="1">
+            <a:off x="1198606" y="673443"/>
+            <a:ext cx="1464276" cy="0"/>
+          </a:xfrm>
+          <a:prstGeom prst="straightConnector1">
+            <a:avLst/>
+          </a:prstGeom>
+          <a:ln w="19050">
+            <a:headEnd type="none" w="med" len="med"/>
+            <a:tailEnd type="arrow" w="med" len="med"/>
+          </a:ln>
+        </p:spPr>
+        <p:style>
+          <a:lnRef idx="1">
+            <a:schemeClr val="dk1"/>
+          </a:lnRef>
+          <a:fillRef idx="0">
+            <a:schemeClr val="dk1"/>
+          </a:fillRef>
+          <a:effectRef idx="0">
+            <a:schemeClr val="dk1"/>
+          </a:effectRef>
+          <a:fontRef idx="minor">
+            <a:schemeClr val="tx1"/>
+          </a:fontRef>
+        </p:style>
+      </p:cxnSp>
+      <p:grpSp>
+        <p:nvGrpSpPr>
+          <p:cNvPr id="36" name="Group 35"/>
+          <p:cNvGrpSpPr/>
+          <p:nvPr/>
+        </p:nvGrpSpPr>
+        <p:grpSpPr>
+          <a:xfrm>
+            <a:off x="1076441" y="69118"/>
+            <a:ext cx="1681729" cy="646331"/>
+            <a:chOff x="8047176" y="3762728"/>
+            <a:chExt cx="1681729" cy="646331"/>
+          </a:xfrm>
+        </p:grpSpPr>
+        <p:sp>
+          <p:nvSpPr>
+            <p:cNvPr id="37" name="Oval 36"/>
+            <p:cNvSpPr/>
+            <p:nvPr/>
+          </p:nvSpPr>
+          <p:spPr>
+            <a:xfrm>
+              <a:off x="8359131" y="3835644"/>
+              <a:ext cx="202025" cy="198787"/>
+            </a:xfrm>
+            <a:prstGeom prst="ellipse">
+              <a:avLst/>
+            </a:prstGeom>
+            <a:ln w="19050"/>
+          </p:spPr>
+          <p:style>
+            <a:lnRef idx="2">
+              <a:schemeClr val="dk1"/>
+            </a:lnRef>
+            <a:fillRef idx="1">
+              <a:schemeClr val="lt1"/>
+            </a:fillRef>
+            <a:effectRef idx="0">
+              <a:schemeClr val="dk1"/>
+            </a:effectRef>
+            <a:fontRef idx="minor">
+              <a:schemeClr val="dk1"/>
+            </a:fontRef>
+          </p:style>
+          <p:txBody>
+            <a:bodyPr rtlCol="0" anchor="ctr"/>
+            <a:lstStyle/>
+            <a:p>
+              <a:pPr algn="ctr"/>
+              <a:r>
+                <a:rPr lang="en-US" b="1" dirty="0" smtClean="0"/>
+                <a:t>3</a:t>
+              </a:r>
+              <a:endParaRPr lang="en-US" b="1" dirty="0"/>
+            </a:p>
+          </p:txBody>
+        </p:sp>
+        <p:sp>
+          <p:nvSpPr>
+            <p:cNvPr id="38" name="Rectangle 37"/>
+            <p:cNvSpPr/>
+            <p:nvPr/>
+          </p:nvSpPr>
+          <p:spPr>
+            <a:xfrm>
+              <a:off x="8047176" y="3762728"/>
+              <a:ext cx="1681729" cy="646331"/>
+            </a:xfrm>
+            <a:prstGeom prst="rect">
+              <a:avLst/>
+            </a:prstGeom>
+          </p:spPr>
+          <p:txBody>
+            <a:bodyPr wrap="square">
+              <a:spAutoFit/>
+            </a:bodyPr>
+            <a:lstStyle/>
+            <a:p>
+              <a:pPr algn="ctr"/>
+              <a:r>
+                <a:rPr lang="en-US" dirty="0" smtClean="0"/>
+                <a:t>Send  encrypted input</a:t>
+              </a:r>
+              <a:endParaRPr lang="en-US" dirty="0"/>
+            </a:p>
+          </p:txBody>
+        </p:sp>
+      </p:grpSp>
+      <p:grpSp>
+        <p:nvGrpSpPr>
+          <p:cNvPr id="40" name="Group 39"/>
+          <p:cNvGrpSpPr/>
+          <p:nvPr/>
+        </p:nvGrpSpPr>
+        <p:grpSpPr>
+          <a:xfrm>
+            <a:off x="1520138" y="839235"/>
+            <a:ext cx="920233" cy="369332"/>
+            <a:chOff x="7903181" y="3762728"/>
+            <a:chExt cx="920233" cy="369332"/>
+          </a:xfrm>
+        </p:grpSpPr>
+        <p:sp>
+          <p:nvSpPr>
+            <p:cNvPr id="41" name="Oval 40"/>
+            <p:cNvSpPr/>
+            <p:nvPr/>
+          </p:nvSpPr>
+          <p:spPr>
+            <a:xfrm>
+              <a:off x="7903181" y="3848001"/>
+              <a:ext cx="202025" cy="198787"/>
+            </a:xfrm>
+            <a:prstGeom prst="ellipse">
+              <a:avLst/>
+            </a:prstGeom>
+            <a:ln w="19050"/>
+          </p:spPr>
+          <p:style>
+            <a:lnRef idx="2">
+              <a:schemeClr val="dk1"/>
+            </a:lnRef>
+            <a:fillRef idx="1">
+              <a:schemeClr val="lt1"/>
+            </a:fillRef>
+            <a:effectRef idx="0">
+              <a:schemeClr val="dk1"/>
+            </a:effectRef>
+            <a:fontRef idx="minor">
+              <a:schemeClr val="dk1"/>
+            </a:fontRef>
+          </p:style>
+          <p:txBody>
+            <a:bodyPr rtlCol="0" anchor="ctr"/>
+            <a:lstStyle/>
+            <a:p>
+              <a:pPr algn="ctr"/>
+              <a:r>
+                <a:rPr lang="en-US" b="1" dirty="0" smtClean="0"/>
+                <a:t>4</a:t>
+              </a:r>
+              <a:endParaRPr lang="en-US" b="1" dirty="0"/>
+            </a:p>
+          </p:txBody>
+        </p:sp>
+        <p:sp>
+          <p:nvSpPr>
+            <p:cNvPr id="42" name="Rectangle 41"/>
+            <p:cNvSpPr/>
+            <p:nvPr/>
+          </p:nvSpPr>
+          <p:spPr>
+            <a:xfrm>
+              <a:off x="8047176" y="3762728"/>
+              <a:ext cx="776238" cy="369332"/>
+            </a:xfrm>
+            <a:prstGeom prst="rect">
+              <a:avLst/>
+            </a:prstGeom>
+          </p:spPr>
+          <p:txBody>
+            <a:bodyPr wrap="none">
+              <a:spAutoFit/>
+            </a:bodyPr>
+            <a:lstStyle/>
+            <a:p>
+              <a:r>
+                <a:rPr lang="en-US" dirty="0" smtClean="0"/>
+                <a:t>Frame</a:t>
+              </a:r>
+              <a:endParaRPr lang="en-US" dirty="0"/>
+            </a:p>
+          </p:txBody>
+        </p:sp>
+      </p:grpSp>
+      <p:grpSp>
+        <p:nvGrpSpPr>
+          <p:cNvPr id="43" name="Group 42"/>
+          <p:cNvGrpSpPr/>
+          <p:nvPr/>
+        </p:nvGrpSpPr>
+        <p:grpSpPr>
+          <a:xfrm>
+            <a:off x="3845342" y="331908"/>
+            <a:ext cx="1407079" cy="646331"/>
+            <a:chOff x="8047176" y="3762728"/>
+            <a:chExt cx="1542701" cy="646331"/>
+          </a:xfrm>
+        </p:grpSpPr>
+        <p:sp>
+          <p:nvSpPr>
+            <p:cNvPr id="44" name="Oval 43"/>
+            <p:cNvSpPr/>
+            <p:nvPr/>
+          </p:nvSpPr>
+          <p:spPr>
+            <a:xfrm>
+              <a:off x="8121379" y="3838218"/>
+              <a:ext cx="202025" cy="198787"/>
+            </a:xfrm>
+            <a:prstGeom prst="ellipse">
+              <a:avLst/>
+            </a:prstGeom>
+            <a:ln w="19050"/>
+          </p:spPr>
+          <p:style>
+            <a:lnRef idx="2">
+              <a:schemeClr val="dk1"/>
+            </a:lnRef>
+            <a:fillRef idx="1">
+              <a:schemeClr val="lt1"/>
+            </a:fillRef>
+            <a:effectRef idx="0">
+              <a:schemeClr val="dk1"/>
+            </a:effectRef>
+            <a:fontRef idx="minor">
+              <a:schemeClr val="dk1"/>
+            </a:fontRef>
+          </p:style>
+          <p:txBody>
+            <a:bodyPr rtlCol="0" anchor="ctr"/>
+            <a:lstStyle/>
+            <a:p>
+              <a:pPr algn="ctr"/>
+              <a:r>
+                <a:rPr lang="en-US" b="1" dirty="0" smtClean="0"/>
+                <a:t>4</a:t>
+              </a:r>
+              <a:endParaRPr lang="en-US" b="1" dirty="0"/>
+            </a:p>
+          </p:txBody>
+        </p:sp>
+        <p:sp>
+          <p:nvSpPr>
+            <p:cNvPr id="45" name="Rectangle 44"/>
+            <p:cNvSpPr/>
+            <p:nvPr/>
+          </p:nvSpPr>
+          <p:spPr>
+            <a:xfrm>
+              <a:off x="8047176" y="3762728"/>
+              <a:ext cx="1542701" cy="646331"/>
+            </a:xfrm>
+            <a:prstGeom prst="rect">
+              <a:avLst/>
+            </a:prstGeom>
+          </p:spPr>
+          <p:txBody>
+            <a:bodyPr wrap="square">
+              <a:spAutoFit/>
+            </a:bodyPr>
+            <a:lstStyle/>
+            <a:p>
+              <a:pPr algn="ctr"/>
+              <a:r>
+                <a:rPr lang="en-US" dirty="0" smtClean="0"/>
+                <a:t>Frame + input overlay</a:t>
+              </a:r>
+              <a:endParaRPr lang="en-US" dirty="0"/>
+            </a:p>
+          </p:txBody>
+        </p:sp>
+      </p:grpSp>
+      <p:cxnSp>
+        <p:nvCxnSpPr>
+          <p:cNvPr id="46" name="Straight Arrow Connector 45"/>
+          <p:cNvCxnSpPr/>
+          <p:nvPr/>
+        </p:nvCxnSpPr>
+        <p:spPr>
+          <a:xfrm>
+            <a:off x="3855136" y="673443"/>
+            <a:ext cx="1229670" cy="0"/>
+          </a:xfrm>
+          <a:prstGeom prst="straightConnector1">
+            <a:avLst/>
+          </a:prstGeom>
+          <a:ln w="19050">
+            <a:headEnd type="none" w="med" len="med"/>
+            <a:tailEnd type="arrow" w="med" len="med"/>
+          </a:ln>
+        </p:spPr>
+        <p:style>
+          <a:lnRef idx="1">
+            <a:schemeClr val="dk1"/>
+          </a:lnRef>
+          <a:fillRef idx="0">
+            <a:schemeClr val="dk1"/>
+          </a:fillRef>
+          <a:effectRef idx="0">
+            <a:schemeClr val="dk1"/>
+          </a:effectRef>
+          <a:fontRef idx="minor">
+            <a:schemeClr val="tx1"/>
+          </a:fontRef>
+        </p:style>
+      </p:cxnSp>
+      <p:cxnSp>
+        <p:nvCxnSpPr>
+          <p:cNvPr id="48" name="Straight Arrow Connector 47"/>
+          <p:cNvCxnSpPr/>
+          <p:nvPr/>
+        </p:nvCxnSpPr>
+        <p:spPr>
+          <a:xfrm>
+            <a:off x="1225478" y="853240"/>
+            <a:ext cx="1437404" cy="0"/>
+          </a:xfrm>
+          <a:prstGeom prst="straightConnector1">
+            <a:avLst/>
+          </a:prstGeom>
+          <a:ln w="19050">
+            <a:headEnd type="none" w="med" len="med"/>
+            <a:tailEnd type="arrow" w="med" len="med"/>
+          </a:ln>
+        </p:spPr>
+        <p:style>
+          <a:lnRef idx="1">
+            <a:schemeClr val="dk1"/>
+          </a:lnRef>
+          <a:fillRef idx="0">
+            <a:schemeClr val="dk1"/>
+          </a:fillRef>
+          <a:effectRef idx="0">
+            <a:schemeClr val="dk1"/>
+          </a:effectRef>
+          <a:fontRef idx="minor">
+            <a:schemeClr val="tx1"/>
+          </a:fontRef>
+        </p:style>
+      </p:cxnSp>
+      <p:sp>
+        <p:nvSpPr>
+          <p:cNvPr id="51" name="Rectangle 50"/>
+          <p:cNvSpPr/>
+          <p:nvPr/>
+        </p:nvSpPr>
+        <p:spPr>
+          <a:xfrm>
+            <a:off x="5387573" y="594532"/>
+            <a:ext cx="580521" cy="197829"/>
+          </a:xfrm>
+          <a:prstGeom prst="rect">
+            <a:avLst/>
+          </a:prstGeom>
+          <a:solidFill>
+            <a:schemeClr val="bg1"/>
+          </a:solidFill>
+          <a:ln>
+            <a:solidFill>
+              <a:schemeClr val="tx1"/>
+            </a:solidFill>
+          </a:ln>
+        </p:spPr>
+        <p:style>
+          <a:lnRef idx="2">
+            <a:schemeClr val="accent1">
+              <a:shade val="50000"/>
+            </a:schemeClr>
+          </a:lnRef>
+          <a:fillRef idx="1">
+            <a:schemeClr val="accent1"/>
+          </a:fillRef>
+          <a:effectRef idx="0">
+            <a:schemeClr val="accent1"/>
+          </a:effectRef>
+          <a:fontRef idx="minor">
+            <a:schemeClr val="lt1"/>
+          </a:fontRef>
+        </p:style>
+        <p:txBody>
+          <a:bodyPr rtlCol="0" anchor="ctr"/>
+          <a:lstStyle/>
+          <a:p>
+            <a:pPr algn="ctr"/>
+            <a:r>
+              <a:rPr lang="en-US" dirty="0" smtClean="0">
+                <a:solidFill>
+                  <a:schemeClr val="tx1"/>
+                </a:solidFill>
+                <a:latin typeface="Consolas" panose="020B0609020204030204" pitchFamily="49" charset="0"/>
+              </a:rPr>
+              <a:t>ABC</a:t>
+            </a:r>
+            <a:endParaRPr lang="en-US" dirty="0">
+              <a:solidFill>
+                <a:schemeClr val="tx1"/>
+              </a:solidFill>
+              <a:latin typeface="Consolas" panose="020B0609020204030204" pitchFamily="49" charset="0"/>
+            </a:endParaRPr>
+          </a:p>
+        </p:txBody>
+      </p:sp>
+    </p:spTree>
+    <p:extLst>
+      <p:ext uri="{BB962C8B-B14F-4D97-AF65-F5344CB8AC3E}">
+        <p14:creationId xmlns:p14="http://schemas.microsoft.com/office/powerpoint/2010/main" val="593002046"/>
+      </p:ext>
+    </p:extLst>
+  </p:cSld>
+  <p:clrMapOvr>
+    <a:masterClrMapping/>
+  </p:clrMapOvr>
+</p:sld>
+</file>
+
+<file path=ppt/slides/slide11.xml><?xml version="1.0" encoding="utf-8"?>
+<p:sld xmlns:a="http://schemas.openxmlformats.org/drawingml/2006/main" xmlns:r="http://schemas.openxmlformats.org/officeDocument/2006/relationships" xmlns:p="http://schemas.openxmlformats.org/presentationml/2006/main">
+  <p:cSld>
+    <p:spTree>
+      <p:nvGrpSpPr>
+        <p:cNvPr id="1" name=""/>
+        <p:cNvGrpSpPr/>
+        <p:nvPr/>
+      </p:nvGrpSpPr>
+      <p:grpSpPr>
+        <a:xfrm>
+          <a:off x="0" y="0"/>
+          <a:ext cx="0" cy="0"/>
+          <a:chOff x="0" y="0"/>
+          <a:chExt cx="0" cy="0"/>
+        </a:xfrm>
+      </p:grpSpPr>
+      <p:grpSp>
+        <p:nvGrpSpPr>
+          <p:cNvPr id="2" name="Group 1"/>
+          <p:cNvGrpSpPr/>
+          <p:nvPr/>
+        </p:nvGrpSpPr>
+        <p:grpSpPr>
+          <a:xfrm>
             <a:off x="2004658" y="1753999"/>
             <a:ext cx="1121972" cy="1158332"/>
             <a:chOff x="4379857" y="2569029"/>
@@ -4141,7 +5240,7 @@
 </p:sld>
 </file>
 
-<file path=ppt/slides/slide11.xml><?xml version="1.0" encoding="utf-8"?>
+<file path=ppt/slides/slide12.xml><?xml version="1.0" encoding="utf-8"?>
 <p:sld xmlns:a="http://schemas.openxmlformats.org/drawingml/2006/main" xmlns:r="http://schemas.openxmlformats.org/officeDocument/2006/relationships" xmlns:p="http://schemas.openxmlformats.org/presentationml/2006/main">
   <p:cSld>
     <p:spTree>
@@ -4916,7 +6015,7 @@
 </p:sld>
 </file>
 
-<file path=ppt/slides/slide12.xml><?xml version="1.0" encoding="utf-8"?>
+<file path=ppt/slides/slide13.xml><?xml version="1.0" encoding="utf-8"?>
 <p:sld xmlns:a="http://schemas.openxmlformats.org/drawingml/2006/main" xmlns:r="http://schemas.openxmlformats.org/officeDocument/2006/relationships" xmlns:p="http://schemas.openxmlformats.org/presentationml/2006/main">
   <p:cSld>
     <p:spTree>
@@ -12053,26 +13152,202 @@
       </p:grpSpPr>
       <p:sp>
         <p:nvSpPr>
-          <p:cNvPr id="4" name="Rounded Rectangle 3"/>
+          <p:cNvPr id="20" name="Freeform 19"/>
           <p:cNvSpPr/>
           <p:nvPr/>
         </p:nvSpPr>
         <p:spPr>
           <a:xfrm>
-            <a:off x="7620" y="77986"/>
-            <a:ext cx="5722620" cy="2103120"/>
-          </a:xfrm>
-          <a:prstGeom prst="roundRect">
-            <a:avLst>
-              <a:gd name="adj" fmla="val 4686"/>
-            </a:avLst>
+            <a:off x="4913505" y="256540"/>
+            <a:ext cx="3582529" cy="3632200"/>
+          </a:xfrm>
+          <a:custGeom>
+            <a:avLst/>
+            <a:gdLst>
+              <a:gd name="connsiteX0" fmla="*/ 3682 w 3582529"/>
+              <a:gd name="connsiteY0" fmla="*/ 0 h 3632200"/>
+              <a:gd name="connsiteX1" fmla="*/ 498982 w 3582529"/>
+              <a:gd name="connsiteY1" fmla="*/ 1714500 h 3632200"/>
+              <a:gd name="connsiteX2" fmla="*/ 3121532 w 3582529"/>
+              <a:gd name="connsiteY2" fmla="*/ 2590800 h 3632200"/>
+              <a:gd name="connsiteX3" fmla="*/ 3566032 w 3582529"/>
+              <a:gd name="connsiteY3" fmla="*/ 3632200 h 3632200"/>
+            </a:gdLst>
+            <a:ahLst/>
+            <a:cxnLst>
+              <a:cxn ang="0">
+                <a:pos x="connsiteX0" y="connsiteY0"/>
+              </a:cxn>
+              <a:cxn ang="0">
+                <a:pos x="connsiteX1" y="connsiteY1"/>
+              </a:cxn>
+              <a:cxn ang="0">
+                <a:pos x="connsiteX2" y="connsiteY2"/>
+              </a:cxn>
+              <a:cxn ang="0">
+                <a:pos x="connsiteX3" y="connsiteY3"/>
+              </a:cxn>
+            </a:cxnLst>
+            <a:rect l="l" t="t" r="r" b="b"/>
+            <a:pathLst>
+              <a:path w="3582529" h="3632200">
+                <a:moveTo>
+                  <a:pt x="3682" y="0"/>
+                </a:moveTo>
+                <a:cubicBezTo>
+                  <a:pt x="-8489" y="641350"/>
+                  <a:pt x="-20660" y="1282700"/>
+                  <a:pt x="498982" y="1714500"/>
+                </a:cubicBezTo>
+                <a:cubicBezTo>
+                  <a:pt x="1018624" y="2146300"/>
+                  <a:pt x="2610357" y="2271183"/>
+                  <a:pt x="3121532" y="2590800"/>
+                </a:cubicBezTo>
+                <a:cubicBezTo>
+                  <a:pt x="3632707" y="2910417"/>
+                  <a:pt x="3599369" y="3271308"/>
+                  <a:pt x="3566032" y="3632200"/>
+                </a:cubicBezTo>
+              </a:path>
+            </a:pathLst>
+          </a:custGeom>
+          <a:ln w="19050">
+            <a:prstDash val="dash"/>
+          </a:ln>
+        </p:spPr>
+        <p:style>
+          <a:lnRef idx="1">
+            <a:schemeClr val="dk1"/>
+          </a:lnRef>
+          <a:fillRef idx="0">
+            <a:schemeClr val="dk1"/>
+          </a:fillRef>
+          <a:effectRef idx="0">
+            <a:schemeClr val="dk1"/>
+          </a:effectRef>
+          <a:fontRef idx="minor">
+            <a:schemeClr val="tx1"/>
+          </a:fontRef>
+        </p:style>
+        <p:txBody>
+          <a:bodyPr rtlCol="0" anchor="ctr"/>
+          <a:lstStyle/>
+          <a:p>
+            <a:pPr algn="ctr"/>
+            <a:endParaRPr lang="en-US"/>
+          </a:p>
+        </p:txBody>
+      </p:sp>
+      <p:sp>
+        <p:nvSpPr>
+          <p:cNvPr id="8" name="Freeform 7"/>
+          <p:cNvSpPr/>
+          <p:nvPr/>
+        </p:nvSpPr>
+        <p:spPr>
+          <a:xfrm>
+            <a:off x="317628" y="256540"/>
+            <a:ext cx="3582529" cy="3632200"/>
+          </a:xfrm>
+          <a:custGeom>
+            <a:avLst/>
+            <a:gdLst>
+              <a:gd name="connsiteX0" fmla="*/ 3682 w 3582529"/>
+              <a:gd name="connsiteY0" fmla="*/ 0 h 3632200"/>
+              <a:gd name="connsiteX1" fmla="*/ 498982 w 3582529"/>
+              <a:gd name="connsiteY1" fmla="*/ 1714500 h 3632200"/>
+              <a:gd name="connsiteX2" fmla="*/ 3121532 w 3582529"/>
+              <a:gd name="connsiteY2" fmla="*/ 2590800 h 3632200"/>
+              <a:gd name="connsiteX3" fmla="*/ 3566032 w 3582529"/>
+              <a:gd name="connsiteY3" fmla="*/ 3632200 h 3632200"/>
+            </a:gdLst>
+            <a:ahLst/>
+            <a:cxnLst>
+              <a:cxn ang="0">
+                <a:pos x="connsiteX0" y="connsiteY0"/>
+              </a:cxn>
+              <a:cxn ang="0">
+                <a:pos x="connsiteX1" y="connsiteY1"/>
+              </a:cxn>
+              <a:cxn ang="0">
+                <a:pos x="connsiteX2" y="connsiteY2"/>
+              </a:cxn>
+              <a:cxn ang="0">
+                <a:pos x="connsiteX3" y="connsiteY3"/>
+              </a:cxn>
+            </a:cxnLst>
+            <a:rect l="l" t="t" r="r" b="b"/>
+            <a:pathLst>
+              <a:path w="3582529" h="3632200">
+                <a:moveTo>
+                  <a:pt x="3682" y="0"/>
+                </a:moveTo>
+                <a:cubicBezTo>
+                  <a:pt x="-8489" y="641350"/>
+                  <a:pt x="-20660" y="1282700"/>
+                  <a:pt x="498982" y="1714500"/>
+                </a:cubicBezTo>
+                <a:cubicBezTo>
+                  <a:pt x="1018624" y="2146300"/>
+                  <a:pt x="2610357" y="2271183"/>
+                  <a:pt x="3121532" y="2590800"/>
+                </a:cubicBezTo>
+                <a:cubicBezTo>
+                  <a:pt x="3632707" y="2910417"/>
+                  <a:pt x="3599369" y="3271308"/>
+                  <a:pt x="3566032" y="3632200"/>
+                </a:cubicBezTo>
+              </a:path>
+            </a:pathLst>
+          </a:custGeom>
+          <a:ln w="19050">
+            <a:prstDash val="dash"/>
+          </a:ln>
+        </p:spPr>
+        <p:style>
+          <a:lnRef idx="1">
+            <a:schemeClr val="dk1"/>
+          </a:lnRef>
+          <a:fillRef idx="0">
+            <a:schemeClr val="dk1"/>
+          </a:fillRef>
+          <a:effectRef idx="0">
+            <a:schemeClr val="dk1"/>
+          </a:effectRef>
+          <a:fontRef idx="minor">
+            <a:schemeClr val="tx1"/>
+          </a:fontRef>
+        </p:style>
+        <p:txBody>
+          <a:bodyPr rtlCol="0" anchor="ctr"/>
+          <a:lstStyle/>
+          <a:p>
+            <a:pPr algn="ctr"/>
+            <a:endParaRPr lang="en-US"/>
+          </a:p>
+        </p:txBody>
+      </p:sp>
+      <p:sp>
+        <p:nvSpPr>
+          <p:cNvPr id="61" name="Rectangle 60"/>
+          <p:cNvSpPr/>
+          <p:nvPr/>
+        </p:nvSpPr>
+        <p:spPr>
+          <a:xfrm>
+            <a:off x="3601085" y="3553720"/>
+            <a:ext cx="592758" cy="411480"/>
+          </a:xfrm>
+          <a:prstGeom prst="rect">
+            <a:avLst/>
           </a:prstGeom>
           <a:solidFill>
-            <a:schemeClr val="bg1"/>
+            <a:schemeClr val="bg2"/>
           </a:solidFill>
-          <a:ln w="19050">
+          <a:ln w="12700">
             <a:solidFill>
-              <a:schemeClr val="accent5"/>
+              <a:schemeClr val="tx1"/>
             </a:solidFill>
           </a:ln>
         </p:spPr>
@@ -12097,52 +13372,32 @@
           <a:lstStyle/>
           <a:p>
             <a:pPr algn="ctr"/>
-            <a:endParaRPr lang="en-US"/>
+            <a:r>
+              <a:rPr lang="en-US" b="1" dirty="0" smtClean="0">
+                <a:solidFill>
+                  <a:schemeClr val="tx1"/>
+                </a:solidFill>
+              </a:rPr>
+              <a:t>OK</a:t>
+            </a:r>
+            <a:endParaRPr lang="en-US" b="1" dirty="0">
+              <a:solidFill>
+                <a:schemeClr val="tx1"/>
+              </a:solidFill>
+            </a:endParaRPr>
           </a:p>
         </p:txBody>
       </p:sp>
       <p:sp>
         <p:nvSpPr>
-          <p:cNvPr id="7" name="TextBox 6"/>
-          <p:cNvSpPr txBox="1"/>
+          <p:cNvPr id="52" name="Rectangle 51"/>
+          <p:cNvSpPr/>
           <p:nvPr/>
         </p:nvSpPr>
         <p:spPr>
           <a:xfrm>
-            <a:off x="121920" y="-106680"/>
-            <a:ext cx="1522468" cy="369332"/>
-          </a:xfrm>
-          <a:prstGeom prst="rect">
-            <a:avLst/>
-          </a:prstGeom>
-          <a:solidFill>
-            <a:schemeClr val="bg1"/>
-          </a:solidFill>
-        </p:spPr>
-        <p:txBody>
-          <a:bodyPr wrap="none" rtlCol="0">
-            <a:spAutoFit/>
-          </a:bodyPr>
-          <a:lstStyle/>
-          <a:p>
-            <a:r>
-              <a:rPr lang="en-US" dirty="0" smtClean="0"/>
-              <a:t>Sensitive form</a:t>
-            </a:r>
-            <a:endParaRPr lang="en-US" dirty="0"/>
-          </a:p>
-        </p:txBody>
-      </p:sp>
-      <p:sp>
-        <p:nvSpPr>
-          <p:cNvPr id="8" name="Rectangle 7"/>
-          <p:cNvSpPr/>
-          <p:nvPr/>
-        </p:nvSpPr>
-        <p:spPr>
-          <a:xfrm>
-            <a:off x="2868930" y="1624846"/>
-            <a:ext cx="819150" cy="411480"/>
+            <a:off x="8198044" y="3553155"/>
+            <a:ext cx="592758" cy="411480"/>
           </a:xfrm>
           <a:prstGeom prst="rect">
             <a:avLst/>
@@ -12195,22 +13450,22 @@
       </p:sp>
       <p:sp>
         <p:nvSpPr>
-          <p:cNvPr id="9" name="Rectangle 8"/>
+          <p:cNvPr id="4" name="Rounded Rectangle 3"/>
           <p:cNvSpPr/>
           <p:nvPr/>
         </p:nvSpPr>
         <p:spPr>
           <a:xfrm>
-            <a:off x="4299585" y="1624846"/>
-            <a:ext cx="819150" cy="411480"/>
-          </a:xfrm>
-          <a:prstGeom prst="rect">
-            <a:avLst/>
-          </a:prstGeom>
-          <a:solidFill>
-            <a:schemeClr val="bg2"/>
-          </a:solidFill>
-          <a:ln w="12700">
+            <a:off x="22860" y="15240"/>
+            <a:ext cx="4222750" cy="4171950"/>
+          </a:xfrm>
+          <a:prstGeom prst="roundRect">
+            <a:avLst>
+              <a:gd name="adj" fmla="val 2512"/>
+            </a:avLst>
+          </a:prstGeom>
+          <a:noFill/>
+          <a:ln w="19050">
             <a:solidFill>
               <a:schemeClr val="tx1"/>
             </a:solidFill>
@@ -12237,39 +13492,414 @@
           <a:lstStyle/>
           <a:p>
             <a:pPr algn="ctr"/>
-            <a:r>
-              <a:rPr lang="en-US" b="1" dirty="0" smtClean="0">
-                <a:solidFill>
-                  <a:schemeClr val="tx1"/>
-                </a:solidFill>
-              </a:rPr>
-              <a:t>Cancel</a:t>
-            </a:r>
-            <a:endParaRPr lang="en-US" b="1" dirty="0">
-              <a:solidFill>
-                <a:schemeClr val="tx1"/>
-              </a:solidFill>
-            </a:endParaRPr>
+            <a:endParaRPr lang="en-US"/>
           </a:p>
         </p:txBody>
       </p:sp>
       <p:sp>
         <p:nvSpPr>
-          <p:cNvPr id="10" name="Rectangle 9"/>
+          <p:cNvPr id="5" name="Oval 4"/>
           <p:cNvSpPr/>
           <p:nvPr/>
         </p:nvSpPr>
         <p:spPr>
           <a:xfrm>
-            <a:off x="1764030" y="472202"/>
-            <a:ext cx="2324100" cy="379214"/>
-          </a:xfrm>
-          <a:prstGeom prst="rect">
+            <a:off x="257810" y="224790"/>
+            <a:ext cx="114300" cy="114300"/>
+          </a:xfrm>
+          <a:prstGeom prst="ellipse">
             <a:avLst/>
           </a:prstGeom>
           <a:solidFill>
-            <a:schemeClr val="bg1"/>
+            <a:schemeClr val="accent1"/>
           </a:solidFill>
+        </p:spPr>
+        <p:style>
+          <a:lnRef idx="2">
+            <a:schemeClr val="dk1">
+              <a:shade val="50000"/>
+            </a:schemeClr>
+          </a:lnRef>
+          <a:fillRef idx="1">
+            <a:schemeClr val="dk1"/>
+          </a:fillRef>
+          <a:effectRef idx="0">
+            <a:schemeClr val="dk1"/>
+          </a:effectRef>
+          <a:fontRef idx="minor">
+            <a:schemeClr val="lt1"/>
+          </a:fontRef>
+        </p:style>
+        <p:txBody>
+          <a:bodyPr rtlCol="0" anchor="ctr"/>
+          <a:lstStyle/>
+          <a:p>
+            <a:pPr algn="ctr"/>
+            <a:endParaRPr lang="en-US"/>
+          </a:p>
+        </p:txBody>
+      </p:sp>
+      <p:sp>
+        <p:nvSpPr>
+          <p:cNvPr id="11" name="Oval 10"/>
+          <p:cNvSpPr/>
+          <p:nvPr/>
+        </p:nvSpPr>
+        <p:spPr>
+          <a:xfrm>
+            <a:off x="262573" y="726440"/>
+            <a:ext cx="114300" cy="114300"/>
+          </a:xfrm>
+          <a:prstGeom prst="ellipse">
+            <a:avLst/>
+          </a:prstGeom>
+          <a:solidFill>
+            <a:schemeClr val="accent1"/>
+          </a:solidFill>
+        </p:spPr>
+        <p:style>
+          <a:lnRef idx="2">
+            <a:schemeClr val="dk1">
+              <a:shade val="50000"/>
+            </a:schemeClr>
+          </a:lnRef>
+          <a:fillRef idx="1">
+            <a:schemeClr val="dk1"/>
+          </a:fillRef>
+          <a:effectRef idx="0">
+            <a:schemeClr val="dk1"/>
+          </a:effectRef>
+          <a:fontRef idx="minor">
+            <a:schemeClr val="lt1"/>
+          </a:fontRef>
+        </p:style>
+        <p:txBody>
+          <a:bodyPr rtlCol="0" anchor="ctr"/>
+          <a:lstStyle/>
+          <a:p>
+            <a:pPr algn="ctr"/>
+            <a:endParaRPr lang="en-US"/>
+          </a:p>
+        </p:txBody>
+      </p:sp>
+      <p:sp>
+        <p:nvSpPr>
+          <p:cNvPr id="12" name="Oval 11"/>
+          <p:cNvSpPr/>
+          <p:nvPr/>
+        </p:nvSpPr>
+        <p:spPr>
+          <a:xfrm>
+            <a:off x="324486" y="1196340"/>
+            <a:ext cx="114300" cy="114300"/>
+          </a:xfrm>
+          <a:prstGeom prst="ellipse">
+            <a:avLst/>
+          </a:prstGeom>
+          <a:solidFill>
+            <a:schemeClr val="accent1"/>
+          </a:solidFill>
+        </p:spPr>
+        <p:style>
+          <a:lnRef idx="2">
+            <a:schemeClr val="dk1">
+              <a:shade val="50000"/>
+            </a:schemeClr>
+          </a:lnRef>
+          <a:fillRef idx="1">
+            <a:schemeClr val="dk1"/>
+          </a:fillRef>
+          <a:effectRef idx="0">
+            <a:schemeClr val="dk1"/>
+          </a:effectRef>
+          <a:fontRef idx="minor">
+            <a:schemeClr val="lt1"/>
+          </a:fontRef>
+        </p:style>
+        <p:txBody>
+          <a:bodyPr rtlCol="0" anchor="ctr"/>
+          <a:lstStyle/>
+          <a:p>
+            <a:pPr algn="ctr"/>
+            <a:endParaRPr lang="en-US"/>
+          </a:p>
+        </p:txBody>
+      </p:sp>
+      <p:sp>
+        <p:nvSpPr>
+          <p:cNvPr id="13" name="Oval 12"/>
+          <p:cNvSpPr/>
+          <p:nvPr/>
+        </p:nvSpPr>
+        <p:spPr>
+          <a:xfrm>
+            <a:off x="662624" y="1844040"/>
+            <a:ext cx="114300" cy="114300"/>
+          </a:xfrm>
+          <a:prstGeom prst="ellipse">
+            <a:avLst/>
+          </a:prstGeom>
+          <a:solidFill>
+            <a:schemeClr val="accent1"/>
+          </a:solidFill>
+        </p:spPr>
+        <p:style>
+          <a:lnRef idx="2">
+            <a:schemeClr val="dk1">
+              <a:shade val="50000"/>
+            </a:schemeClr>
+          </a:lnRef>
+          <a:fillRef idx="1">
+            <a:schemeClr val="dk1"/>
+          </a:fillRef>
+          <a:effectRef idx="0">
+            <a:schemeClr val="dk1"/>
+          </a:effectRef>
+          <a:fontRef idx="minor">
+            <a:schemeClr val="lt1"/>
+          </a:fontRef>
+        </p:style>
+        <p:txBody>
+          <a:bodyPr rtlCol="0" anchor="ctr"/>
+          <a:lstStyle/>
+          <a:p>
+            <a:pPr algn="ctr"/>
+            <a:endParaRPr lang="en-US"/>
+          </a:p>
+        </p:txBody>
+      </p:sp>
+      <p:sp>
+        <p:nvSpPr>
+          <p:cNvPr id="14" name="Oval 13"/>
+          <p:cNvSpPr/>
+          <p:nvPr/>
+        </p:nvSpPr>
+        <p:spPr>
+          <a:xfrm>
+            <a:off x="1434149" y="2220277"/>
+            <a:ext cx="114300" cy="114300"/>
+          </a:xfrm>
+          <a:prstGeom prst="ellipse">
+            <a:avLst/>
+          </a:prstGeom>
+          <a:solidFill>
+            <a:schemeClr val="accent1"/>
+          </a:solidFill>
+        </p:spPr>
+        <p:style>
+          <a:lnRef idx="2">
+            <a:schemeClr val="dk1">
+              <a:shade val="50000"/>
+            </a:schemeClr>
+          </a:lnRef>
+          <a:fillRef idx="1">
+            <a:schemeClr val="dk1"/>
+          </a:fillRef>
+          <a:effectRef idx="0">
+            <a:schemeClr val="dk1"/>
+          </a:effectRef>
+          <a:fontRef idx="minor">
+            <a:schemeClr val="lt1"/>
+          </a:fontRef>
+        </p:style>
+        <p:txBody>
+          <a:bodyPr rtlCol="0" anchor="ctr"/>
+          <a:lstStyle/>
+          <a:p>
+            <a:pPr algn="ctr"/>
+            <a:endParaRPr lang="en-US"/>
+          </a:p>
+        </p:txBody>
+      </p:sp>
+      <p:sp>
+        <p:nvSpPr>
+          <p:cNvPr id="15" name="Oval 14"/>
+          <p:cNvSpPr/>
+          <p:nvPr/>
+        </p:nvSpPr>
+        <p:spPr>
+          <a:xfrm>
+            <a:off x="2134235" y="2415539"/>
+            <a:ext cx="114300" cy="114300"/>
+          </a:xfrm>
+          <a:prstGeom prst="ellipse">
+            <a:avLst/>
+          </a:prstGeom>
+          <a:solidFill>
+            <a:schemeClr val="accent1"/>
+          </a:solidFill>
+        </p:spPr>
+        <p:style>
+          <a:lnRef idx="2">
+            <a:schemeClr val="dk1">
+              <a:shade val="50000"/>
+            </a:schemeClr>
+          </a:lnRef>
+          <a:fillRef idx="1">
+            <a:schemeClr val="dk1"/>
+          </a:fillRef>
+          <a:effectRef idx="0">
+            <a:schemeClr val="dk1"/>
+          </a:effectRef>
+          <a:fontRef idx="minor">
+            <a:schemeClr val="lt1"/>
+          </a:fontRef>
+        </p:style>
+        <p:txBody>
+          <a:bodyPr rtlCol="0" anchor="ctr"/>
+          <a:lstStyle/>
+          <a:p>
+            <a:pPr algn="ctr"/>
+            <a:endParaRPr lang="en-US"/>
+          </a:p>
+        </p:txBody>
+      </p:sp>
+      <p:sp>
+        <p:nvSpPr>
+          <p:cNvPr id="16" name="Oval 15"/>
+          <p:cNvSpPr/>
+          <p:nvPr/>
+        </p:nvSpPr>
+        <p:spPr>
+          <a:xfrm>
+            <a:off x="2934335" y="2615564"/>
+            <a:ext cx="114300" cy="114300"/>
+          </a:xfrm>
+          <a:prstGeom prst="ellipse">
+            <a:avLst/>
+          </a:prstGeom>
+          <a:solidFill>
+            <a:schemeClr val="accent1"/>
+          </a:solidFill>
+        </p:spPr>
+        <p:style>
+          <a:lnRef idx="2">
+            <a:schemeClr val="dk1">
+              <a:shade val="50000"/>
+            </a:schemeClr>
+          </a:lnRef>
+          <a:fillRef idx="1">
+            <a:schemeClr val="dk1"/>
+          </a:fillRef>
+          <a:effectRef idx="0">
+            <a:schemeClr val="dk1"/>
+          </a:effectRef>
+          <a:fontRef idx="minor">
+            <a:schemeClr val="lt1"/>
+          </a:fontRef>
+        </p:style>
+        <p:txBody>
+          <a:bodyPr rtlCol="0" anchor="ctr"/>
+          <a:lstStyle/>
+          <a:p>
+            <a:pPr algn="ctr"/>
+            <a:endParaRPr lang="en-US"/>
+          </a:p>
+        </p:txBody>
+      </p:sp>
+      <p:sp>
+        <p:nvSpPr>
+          <p:cNvPr id="17" name="Oval 16"/>
+          <p:cNvSpPr/>
+          <p:nvPr/>
+        </p:nvSpPr>
+        <p:spPr>
+          <a:xfrm>
+            <a:off x="3634422" y="2996564"/>
+            <a:ext cx="114300" cy="114300"/>
+          </a:xfrm>
+          <a:prstGeom prst="ellipse">
+            <a:avLst/>
+          </a:prstGeom>
+          <a:solidFill>
+            <a:schemeClr val="accent1"/>
+          </a:solidFill>
+        </p:spPr>
+        <p:style>
+          <a:lnRef idx="2">
+            <a:schemeClr val="dk1">
+              <a:shade val="50000"/>
+            </a:schemeClr>
+          </a:lnRef>
+          <a:fillRef idx="1">
+            <a:schemeClr val="dk1"/>
+          </a:fillRef>
+          <a:effectRef idx="0">
+            <a:schemeClr val="dk1"/>
+          </a:effectRef>
+          <a:fontRef idx="minor">
+            <a:schemeClr val="lt1"/>
+          </a:fontRef>
+        </p:style>
+        <p:txBody>
+          <a:bodyPr rtlCol="0" anchor="ctr"/>
+          <a:lstStyle/>
+          <a:p>
+            <a:pPr algn="ctr"/>
+            <a:endParaRPr lang="en-US"/>
+          </a:p>
+        </p:txBody>
+      </p:sp>
+      <p:sp>
+        <p:nvSpPr>
+          <p:cNvPr id="18" name="Oval 17"/>
+          <p:cNvSpPr/>
+          <p:nvPr/>
+        </p:nvSpPr>
+        <p:spPr>
+          <a:xfrm>
+            <a:off x="3843007" y="3587114"/>
+            <a:ext cx="114300" cy="114300"/>
+          </a:xfrm>
+          <a:prstGeom prst="ellipse">
+            <a:avLst/>
+          </a:prstGeom>
+          <a:solidFill>
+            <a:schemeClr val="accent1"/>
+          </a:solidFill>
+        </p:spPr>
+        <p:style>
+          <a:lnRef idx="2">
+            <a:schemeClr val="dk1">
+              <a:shade val="50000"/>
+            </a:schemeClr>
+          </a:lnRef>
+          <a:fillRef idx="1">
+            <a:schemeClr val="dk1"/>
+          </a:fillRef>
+          <a:effectRef idx="0">
+            <a:schemeClr val="dk1"/>
+          </a:effectRef>
+          <a:fontRef idx="minor">
+            <a:schemeClr val="lt1"/>
+          </a:fontRef>
+        </p:style>
+        <p:txBody>
+          <a:bodyPr rtlCol="0" anchor="ctr"/>
+          <a:lstStyle/>
+          <a:p>
+            <a:pPr algn="ctr"/>
+            <a:endParaRPr lang="en-US"/>
+          </a:p>
+        </p:txBody>
+      </p:sp>
+      <p:sp>
+        <p:nvSpPr>
+          <p:cNvPr id="19" name="Rounded Rectangle 18"/>
+          <p:cNvSpPr/>
+          <p:nvPr/>
+        </p:nvSpPr>
+        <p:spPr>
+          <a:xfrm>
+            <a:off x="4618737" y="15240"/>
+            <a:ext cx="4222750" cy="4171950"/>
+          </a:xfrm>
+          <a:prstGeom prst="roundRect">
+            <a:avLst>
+              <a:gd name="adj" fmla="val 2512"/>
+            </a:avLst>
+          </a:prstGeom>
+          <a:noFill/>
           <a:ln w="19050">
             <a:solidFill>
               <a:schemeClr val="tx1"/>
@@ -12301,59 +13931,734 @@
           </a:p>
         </p:txBody>
       </p:sp>
+      <p:pic>
+        <p:nvPicPr>
+          <p:cNvPr id="30" name="Picture 29"/>
+          <p:cNvPicPr>
+            <a:picLocks noChangeAspect="1"/>
+          </p:cNvPicPr>
+          <p:nvPr/>
+        </p:nvPicPr>
+        <p:blipFill>
+          <a:blip r:embed="rId2" cstate="print">
+            <a:extLst>
+              <a:ext uri="{28A0092B-C50C-407E-A947-70E740481C1C}">
+                <a14:useLocalDpi xmlns:a14="http://schemas.microsoft.com/office/drawing/2010/main" val="0"/>
+              </a:ext>
+            </a:extLst>
+          </a:blip>
+          <a:stretch>
+            <a:fillRect/>
+          </a:stretch>
+        </p:blipFill>
+        <p:spPr>
+          <a:xfrm>
+            <a:off x="4834207" y="198529"/>
+            <a:ext cx="172311" cy="172311"/>
+          </a:xfrm>
+          <a:prstGeom prst="rect">
+            <a:avLst/>
+          </a:prstGeom>
+        </p:spPr>
+      </p:pic>
+      <p:pic>
+        <p:nvPicPr>
+          <p:cNvPr id="31" name="Picture 30"/>
+          <p:cNvPicPr>
+            <a:picLocks noChangeAspect="1"/>
+          </p:cNvPicPr>
+          <p:nvPr/>
+        </p:nvPicPr>
+        <p:blipFill>
+          <a:blip r:embed="rId2" cstate="print">
+            <a:extLst>
+              <a:ext uri="{28A0092B-C50C-407E-A947-70E740481C1C}">
+                <a14:useLocalDpi xmlns:a14="http://schemas.microsoft.com/office/drawing/2010/main" val="0"/>
+              </a:ext>
+            </a:extLst>
+          </a:blip>
+          <a:stretch>
+            <a:fillRect/>
+          </a:stretch>
+        </p:blipFill>
+        <p:spPr>
+          <a:xfrm>
+            <a:off x="4862352" y="697434"/>
+            <a:ext cx="172311" cy="172311"/>
+          </a:xfrm>
+          <a:prstGeom prst="rect">
+            <a:avLst/>
+          </a:prstGeom>
+        </p:spPr>
+      </p:pic>
+      <p:pic>
+        <p:nvPicPr>
+          <p:cNvPr id="32" name="Picture 31"/>
+          <p:cNvPicPr>
+            <a:picLocks noChangeAspect="1"/>
+          </p:cNvPicPr>
+          <p:nvPr/>
+        </p:nvPicPr>
+        <p:blipFill>
+          <a:blip r:embed="rId2" cstate="print">
+            <a:extLst>
+              <a:ext uri="{28A0092B-C50C-407E-A947-70E740481C1C}">
+                <a14:useLocalDpi xmlns:a14="http://schemas.microsoft.com/office/drawing/2010/main" val="0"/>
+              </a:ext>
+            </a:extLst>
+          </a:blip>
+          <a:stretch>
+            <a:fillRect/>
+          </a:stretch>
+        </p:blipFill>
+        <p:spPr>
+          <a:xfrm>
+            <a:off x="4906669" y="1167334"/>
+            <a:ext cx="172311" cy="172311"/>
+          </a:xfrm>
+          <a:prstGeom prst="rect">
+            <a:avLst/>
+          </a:prstGeom>
+        </p:spPr>
+      </p:pic>
+      <p:pic>
+        <p:nvPicPr>
+          <p:cNvPr id="33" name="Picture 32"/>
+          <p:cNvPicPr>
+            <a:picLocks noChangeAspect="1"/>
+          </p:cNvPicPr>
+          <p:nvPr/>
+        </p:nvPicPr>
+        <p:blipFill>
+          <a:blip r:embed="rId2" cstate="print">
+            <a:extLst>
+              <a:ext uri="{28A0092B-C50C-407E-A947-70E740481C1C}">
+                <a14:useLocalDpi xmlns:a14="http://schemas.microsoft.com/office/drawing/2010/main" val="0"/>
+              </a:ext>
+            </a:extLst>
+          </a:blip>
+          <a:stretch>
+            <a:fillRect/>
+          </a:stretch>
+        </p:blipFill>
+        <p:spPr>
+          <a:xfrm>
+            <a:off x="5240044" y="1815034"/>
+            <a:ext cx="172311" cy="172311"/>
+          </a:xfrm>
+          <a:prstGeom prst="rect">
+            <a:avLst/>
+          </a:prstGeom>
+        </p:spPr>
+      </p:pic>
+      <p:pic>
+        <p:nvPicPr>
+          <p:cNvPr id="34" name="Picture 33"/>
+          <p:cNvPicPr>
+            <a:picLocks noChangeAspect="1"/>
+          </p:cNvPicPr>
+          <p:nvPr/>
+        </p:nvPicPr>
+        <p:blipFill>
+          <a:blip r:embed="rId2" cstate="print">
+            <a:extLst>
+              <a:ext uri="{28A0092B-C50C-407E-A947-70E740481C1C}">
+                <a14:useLocalDpi xmlns:a14="http://schemas.microsoft.com/office/drawing/2010/main" val="0"/>
+              </a:ext>
+            </a:extLst>
+          </a:blip>
+          <a:stretch>
+            <a:fillRect/>
+          </a:stretch>
+        </p:blipFill>
+        <p:spPr>
+          <a:xfrm>
+            <a:off x="6730112" y="2386533"/>
+            <a:ext cx="172311" cy="172311"/>
+          </a:xfrm>
+          <a:prstGeom prst="rect">
+            <a:avLst/>
+          </a:prstGeom>
+        </p:spPr>
+      </p:pic>
+      <p:pic>
+        <p:nvPicPr>
+          <p:cNvPr id="36" name="Picture 35"/>
+          <p:cNvPicPr>
+            <a:picLocks noChangeAspect="1"/>
+          </p:cNvPicPr>
+          <p:nvPr/>
+        </p:nvPicPr>
+        <p:blipFill>
+          <a:blip r:embed="rId2" cstate="print">
+            <a:extLst>
+              <a:ext uri="{28A0092B-C50C-407E-A947-70E740481C1C}">
+                <a14:useLocalDpi xmlns:a14="http://schemas.microsoft.com/office/drawing/2010/main" val="0"/>
+              </a:ext>
+            </a:extLst>
+          </a:blip>
+          <a:stretch>
+            <a:fillRect/>
+          </a:stretch>
+        </p:blipFill>
+        <p:spPr>
+          <a:xfrm>
+            <a:off x="5933675" y="2191271"/>
+            <a:ext cx="172311" cy="172311"/>
+          </a:xfrm>
+          <a:prstGeom prst="rect">
+            <a:avLst/>
+          </a:prstGeom>
+        </p:spPr>
+      </p:pic>
+      <p:pic>
+        <p:nvPicPr>
+          <p:cNvPr id="39" name="Picture 38"/>
+          <p:cNvPicPr>
+            <a:picLocks noChangeAspect="1"/>
+          </p:cNvPicPr>
+          <p:nvPr/>
+        </p:nvPicPr>
+        <p:blipFill>
+          <a:blip r:embed="rId2" cstate="print">
+            <a:extLst>
+              <a:ext uri="{28A0092B-C50C-407E-A947-70E740481C1C}">
+                <a14:useLocalDpi xmlns:a14="http://schemas.microsoft.com/office/drawing/2010/main" val="0"/>
+              </a:ext>
+            </a:extLst>
+          </a:blip>
+          <a:stretch>
+            <a:fillRect/>
+          </a:stretch>
+        </p:blipFill>
+        <p:spPr>
+          <a:xfrm>
+            <a:off x="8207686" y="2967557"/>
+            <a:ext cx="172311" cy="172311"/>
+          </a:xfrm>
+          <a:prstGeom prst="rect">
+            <a:avLst/>
+          </a:prstGeom>
+        </p:spPr>
+      </p:pic>
+      <p:pic>
+        <p:nvPicPr>
+          <p:cNvPr id="40" name="Picture 39"/>
+          <p:cNvPicPr>
+            <a:picLocks noChangeAspect="1"/>
+          </p:cNvPicPr>
+          <p:nvPr/>
+        </p:nvPicPr>
+        <p:blipFill>
+          <a:blip r:embed="rId2" cstate="print">
+            <a:extLst>
+              <a:ext uri="{28A0092B-C50C-407E-A947-70E740481C1C}">
+                <a14:useLocalDpi xmlns:a14="http://schemas.microsoft.com/office/drawing/2010/main" val="0"/>
+              </a:ext>
+            </a:extLst>
+          </a:blip>
+          <a:stretch>
+            <a:fillRect/>
+          </a:stretch>
+        </p:blipFill>
+        <p:spPr>
+          <a:xfrm>
+            <a:off x="7440762" y="2557553"/>
+            <a:ext cx="172311" cy="172311"/>
+          </a:xfrm>
+          <a:prstGeom prst="rect">
+            <a:avLst/>
+          </a:prstGeom>
+        </p:spPr>
+      </p:pic>
+      <p:pic>
+        <p:nvPicPr>
+          <p:cNvPr id="41" name="Picture 40"/>
+          <p:cNvPicPr>
+            <a:picLocks noChangeAspect="1"/>
+          </p:cNvPicPr>
+          <p:nvPr/>
+        </p:nvPicPr>
+        <p:blipFill>
+          <a:blip r:embed="rId2" cstate="print">
+            <a:extLst>
+              <a:ext uri="{28A0092B-C50C-407E-A947-70E740481C1C}">
+                <a14:useLocalDpi xmlns:a14="http://schemas.microsoft.com/office/drawing/2010/main" val="0"/>
+              </a:ext>
+            </a:extLst>
+          </a:blip>
+          <a:stretch>
+            <a:fillRect/>
+          </a:stretch>
+        </p:blipFill>
+        <p:spPr>
+          <a:xfrm>
+            <a:off x="8410294" y="3558108"/>
+            <a:ext cx="172311" cy="172311"/>
+          </a:xfrm>
+          <a:prstGeom prst="rect">
+            <a:avLst/>
+          </a:prstGeom>
+        </p:spPr>
+      </p:pic>
+      <mc:AlternateContent xmlns:mc="http://schemas.openxmlformats.org/markup-compatibility/2006" xmlns:a14="http://schemas.microsoft.com/office/drawing/2010/main">
+        <mc:Choice Requires="a14">
+          <p:sp>
+            <p:nvSpPr>
+              <p:cNvPr id="42" name="TextBox 41"/>
+              <p:cNvSpPr txBox="1"/>
+              <p:nvPr/>
+            </p:nvSpPr>
+            <p:spPr>
+              <a:xfrm>
+                <a:off x="451408" y="118040"/>
+                <a:ext cx="779892" cy="276999"/>
+              </a:xfrm>
+              <a:prstGeom prst="rect">
+                <a:avLst/>
+              </a:prstGeom>
+              <a:noFill/>
+            </p:spPr>
+            <p:txBody>
+              <a:bodyPr wrap="none" lIns="0" tIns="0" rIns="0" bIns="0" rtlCol="0">
+                <a:spAutoFit/>
+              </a:bodyPr>
+              <a:lstStyle/>
+              <a:p>
+                <a:pPr/>
+                <a14:m>
+                  <m:oMathPara xmlns:m="http://schemas.openxmlformats.org/officeDocument/2006/math">
+                    <m:oMathParaPr>
+                      <m:jc m:val="centerGroup"/>
+                    </m:oMathParaPr>
+                    <m:oMath xmlns:m="http://schemas.openxmlformats.org/officeDocument/2006/math">
+                      <m:r>
+                        <a:rPr lang="en-US" b="0" i="1" smtClean="0">
+                          <a:latin typeface="Cambria Math" panose="02040503050406030204" pitchFamily="18" charset="0"/>
+                        </a:rPr>
+                        <m:t>(</m:t>
+                      </m:r>
+                      <m:sSub>
+                        <m:sSubPr>
+                          <m:ctrlPr>
+                            <a:rPr lang="en-US" b="0" i="1" smtClean="0">
+                              <a:latin typeface="Cambria Math" panose="02040503050406030204" pitchFamily="18" charset="0"/>
+                            </a:rPr>
+                          </m:ctrlPr>
+                        </m:sSubPr>
+                        <m:e>
+                          <m:r>
+                            <a:rPr lang="en-US" b="0" i="1" smtClean="0">
+                              <a:latin typeface="Cambria Math" panose="02040503050406030204" pitchFamily="18" charset="0"/>
+                            </a:rPr>
+                            <m:t>𝑥</m:t>
+                          </m:r>
+                        </m:e>
+                        <m:sub>
+                          <m:r>
+                            <a:rPr lang="en-US" b="0" i="1" smtClean="0">
+                              <a:latin typeface="Cambria Math" panose="02040503050406030204" pitchFamily="18" charset="0"/>
+                            </a:rPr>
+                            <m:t>1</m:t>
+                          </m:r>
+                        </m:sub>
+                      </m:sSub>
+                      <m:r>
+                        <a:rPr lang="en-US" b="0" i="1" smtClean="0">
+                          <a:latin typeface="Cambria Math" panose="02040503050406030204" pitchFamily="18" charset="0"/>
+                        </a:rPr>
+                        <m:t>,</m:t>
+                      </m:r>
+                      <m:sSub>
+                        <m:sSubPr>
+                          <m:ctrlPr>
+                            <a:rPr lang="en-US" b="0" i="1" smtClean="0">
+                              <a:latin typeface="Cambria Math" panose="02040503050406030204" pitchFamily="18" charset="0"/>
+                            </a:rPr>
+                          </m:ctrlPr>
+                        </m:sSubPr>
+                        <m:e>
+                          <m:r>
+                            <a:rPr lang="en-US" b="0" i="1" smtClean="0">
+                              <a:latin typeface="Cambria Math" panose="02040503050406030204" pitchFamily="18" charset="0"/>
+                            </a:rPr>
+                            <m:t>𝑦</m:t>
+                          </m:r>
+                        </m:e>
+                        <m:sub>
+                          <m:r>
+                            <a:rPr lang="en-US" b="0" i="1" smtClean="0">
+                              <a:latin typeface="Cambria Math" panose="02040503050406030204" pitchFamily="18" charset="0"/>
+                            </a:rPr>
+                            <m:t>1</m:t>
+                          </m:r>
+                        </m:sub>
+                      </m:sSub>
+                      <m:r>
+                        <a:rPr lang="en-US" b="0" i="1" smtClean="0">
+                          <a:latin typeface="Cambria Math" panose="02040503050406030204" pitchFamily="18" charset="0"/>
+                        </a:rPr>
+                        <m:t>)</m:t>
+                      </m:r>
+                    </m:oMath>
+                  </m:oMathPara>
+                </a14:m>
+                <a:endParaRPr lang="en-US" dirty="0"/>
+              </a:p>
+            </p:txBody>
+          </p:sp>
+        </mc:Choice>
+        <mc:Fallback xmlns="">
+          <p:sp>
+            <p:nvSpPr>
+              <p:cNvPr id="42" name="TextBox 41"/>
+              <p:cNvSpPr txBox="1">
+                <a:spLocks noRot="1" noChangeAspect="1" noMove="1" noResize="1" noEditPoints="1" noAdjustHandles="1" noChangeArrowheads="1" noChangeShapeType="1" noTextEdit="1"/>
+              </p:cNvSpPr>
+              <p:nvPr/>
+            </p:nvSpPr>
+            <p:spPr>
+              <a:xfrm>
+                <a:off x="451408" y="118040"/>
+                <a:ext cx="779892" cy="276999"/>
+              </a:xfrm>
+              <a:prstGeom prst="rect">
+                <a:avLst/>
+              </a:prstGeom>
+              <a:blipFill>
+                <a:blip r:embed="rId3"/>
+                <a:stretch>
+                  <a:fillRect l="-10156" t="-2174" r="-10938" b="-32609"/>
+                </a:stretch>
+              </a:blipFill>
+            </p:spPr>
+            <p:txBody>
+              <a:bodyPr/>
+              <a:lstStyle/>
+              <a:p>
+                <a:r>
+                  <a:rPr lang="en-US">
+                    <a:noFill/>
+                  </a:rPr>
+                  <a:t> </a:t>
+                </a:r>
+              </a:p>
+            </p:txBody>
+          </p:sp>
+        </mc:Fallback>
+      </mc:AlternateContent>
+      <mc:AlternateContent xmlns:mc="http://schemas.openxmlformats.org/markup-compatibility/2006" xmlns:a14="http://schemas.microsoft.com/office/drawing/2010/main">
+        <mc:Choice Requires="a14">
+          <p:sp>
+            <p:nvSpPr>
+              <p:cNvPr id="43" name="TextBox 42"/>
+              <p:cNvSpPr txBox="1"/>
+              <p:nvPr/>
+            </p:nvSpPr>
+            <p:spPr>
+              <a:xfrm>
+                <a:off x="451408" y="645089"/>
+                <a:ext cx="790536" cy="276999"/>
+              </a:xfrm>
+              <a:prstGeom prst="rect">
+                <a:avLst/>
+              </a:prstGeom>
+              <a:noFill/>
+            </p:spPr>
+            <p:txBody>
+              <a:bodyPr wrap="none" lIns="0" tIns="0" rIns="0" bIns="0" rtlCol="0">
+                <a:spAutoFit/>
+              </a:bodyPr>
+              <a:lstStyle/>
+              <a:p>
+                <a:pPr/>
+                <a14:m>
+                  <m:oMathPara xmlns:m="http://schemas.openxmlformats.org/officeDocument/2006/math">
+                    <m:oMathParaPr>
+                      <m:jc m:val="centerGroup"/>
+                    </m:oMathParaPr>
+                    <m:oMath xmlns:m="http://schemas.openxmlformats.org/officeDocument/2006/math">
+                      <m:r>
+                        <a:rPr lang="en-US" b="0" i="1" smtClean="0">
+                          <a:latin typeface="Cambria Math" panose="02040503050406030204" pitchFamily="18" charset="0"/>
+                        </a:rPr>
+                        <m:t>(</m:t>
+                      </m:r>
+                      <m:sSub>
+                        <m:sSubPr>
+                          <m:ctrlPr>
+                            <a:rPr lang="en-US" b="0" i="1" smtClean="0">
+                              <a:latin typeface="Cambria Math" panose="02040503050406030204" pitchFamily="18" charset="0"/>
+                            </a:rPr>
+                          </m:ctrlPr>
+                        </m:sSubPr>
+                        <m:e>
+                          <m:r>
+                            <a:rPr lang="en-US" b="0" i="1" smtClean="0">
+                              <a:latin typeface="Cambria Math" panose="02040503050406030204" pitchFamily="18" charset="0"/>
+                            </a:rPr>
+                            <m:t>𝑥</m:t>
+                          </m:r>
+                        </m:e>
+                        <m:sub>
+                          <m:r>
+                            <a:rPr lang="en-US" b="0" i="1" smtClean="0">
+                              <a:latin typeface="Cambria Math" panose="02040503050406030204" pitchFamily="18" charset="0"/>
+                            </a:rPr>
+                            <m:t>2</m:t>
+                          </m:r>
+                        </m:sub>
+                      </m:sSub>
+                      <m:r>
+                        <a:rPr lang="en-US" b="0" i="1" smtClean="0">
+                          <a:latin typeface="Cambria Math" panose="02040503050406030204" pitchFamily="18" charset="0"/>
+                        </a:rPr>
+                        <m:t>,</m:t>
+                      </m:r>
+                      <m:sSub>
+                        <m:sSubPr>
+                          <m:ctrlPr>
+                            <a:rPr lang="en-US" b="0" i="1" smtClean="0">
+                              <a:latin typeface="Cambria Math" panose="02040503050406030204" pitchFamily="18" charset="0"/>
+                            </a:rPr>
+                          </m:ctrlPr>
+                        </m:sSubPr>
+                        <m:e>
+                          <m:r>
+                            <a:rPr lang="en-US" b="0" i="1" smtClean="0">
+                              <a:latin typeface="Cambria Math" panose="02040503050406030204" pitchFamily="18" charset="0"/>
+                            </a:rPr>
+                            <m:t>𝑦</m:t>
+                          </m:r>
+                        </m:e>
+                        <m:sub>
+                          <m:r>
+                            <a:rPr lang="en-US" b="0" i="1" smtClean="0">
+                              <a:latin typeface="Cambria Math" panose="02040503050406030204" pitchFamily="18" charset="0"/>
+                            </a:rPr>
+                            <m:t>2</m:t>
+                          </m:r>
+                        </m:sub>
+                      </m:sSub>
+                      <m:r>
+                        <a:rPr lang="en-US" b="0" i="1" smtClean="0">
+                          <a:latin typeface="Cambria Math" panose="02040503050406030204" pitchFamily="18" charset="0"/>
+                        </a:rPr>
+                        <m:t>)</m:t>
+                      </m:r>
+                    </m:oMath>
+                  </m:oMathPara>
+                </a14:m>
+                <a:endParaRPr lang="en-US" dirty="0"/>
+              </a:p>
+            </p:txBody>
+          </p:sp>
+        </mc:Choice>
+        <mc:Fallback xmlns="">
+          <p:sp>
+            <p:nvSpPr>
+              <p:cNvPr id="43" name="TextBox 42"/>
+              <p:cNvSpPr txBox="1">
+                <a:spLocks noRot="1" noChangeAspect="1" noMove="1" noResize="1" noEditPoints="1" noAdjustHandles="1" noChangeArrowheads="1" noChangeShapeType="1" noTextEdit="1"/>
+              </p:cNvSpPr>
+              <p:nvPr/>
+            </p:nvSpPr>
+            <p:spPr>
+              <a:xfrm>
+                <a:off x="451408" y="645089"/>
+                <a:ext cx="790536" cy="276999"/>
+              </a:xfrm>
+              <a:prstGeom prst="rect">
+                <a:avLst/>
+              </a:prstGeom>
+              <a:blipFill>
+                <a:blip r:embed="rId4"/>
+                <a:stretch>
+                  <a:fillRect l="-10000" t="-2222" r="-10769" b="-35556"/>
+                </a:stretch>
+              </a:blipFill>
+            </p:spPr>
+            <p:txBody>
+              <a:bodyPr/>
+              <a:lstStyle/>
+              <a:p>
+                <a:r>
+                  <a:rPr lang="en-US">
+                    <a:noFill/>
+                  </a:rPr>
+                  <a:t> </a:t>
+                </a:r>
+              </a:p>
+            </p:txBody>
+          </p:sp>
+        </mc:Fallback>
+      </mc:AlternateContent>
+      <mc:AlternateContent xmlns:mc="http://schemas.openxmlformats.org/markup-compatibility/2006">
+        <mc:Choice xmlns:a14="http://schemas.microsoft.com/office/drawing/2010/main" Requires="a14">
+          <p:sp>
+            <p:nvSpPr>
+              <p:cNvPr id="44" name="TextBox 43"/>
+              <p:cNvSpPr txBox="1"/>
+              <p:nvPr/>
+            </p:nvSpPr>
+            <p:spPr>
+              <a:xfrm>
+                <a:off x="2816082" y="3505763"/>
+                <a:ext cx="804644" cy="276999"/>
+              </a:xfrm>
+              <a:prstGeom prst="rect">
+                <a:avLst/>
+              </a:prstGeom>
+              <a:noFill/>
+            </p:spPr>
+            <p:txBody>
+              <a:bodyPr wrap="none" lIns="0" tIns="0" rIns="0" bIns="0" rtlCol="0">
+                <a:spAutoFit/>
+              </a:bodyPr>
+              <a:lstStyle/>
+              <a:p>
+                <a:pPr/>
+                <a14:m>
+                  <m:oMathPara xmlns:m="http://schemas.openxmlformats.org/officeDocument/2006/math">
+                    <m:oMathParaPr>
+                      <m:jc m:val="centerGroup"/>
+                    </m:oMathParaPr>
+                    <m:oMath xmlns:m="http://schemas.openxmlformats.org/officeDocument/2006/math">
+                      <m:r>
+                        <a:rPr lang="en-US" b="0" i="1" smtClean="0">
+                          <a:latin typeface="Cambria Math" panose="02040503050406030204" pitchFamily="18" charset="0"/>
+                        </a:rPr>
+                        <m:t>(</m:t>
+                      </m:r>
+                      <m:sSub>
+                        <m:sSubPr>
+                          <m:ctrlPr>
+                            <a:rPr lang="en-US" b="0" i="1" smtClean="0">
+                              <a:latin typeface="Cambria Math" panose="02040503050406030204" pitchFamily="18" charset="0"/>
+                            </a:rPr>
+                          </m:ctrlPr>
+                        </m:sSubPr>
+                        <m:e>
+                          <m:r>
+                            <a:rPr lang="en-US" b="0" i="1" smtClean="0">
+                              <a:latin typeface="Cambria Math" panose="02040503050406030204" pitchFamily="18" charset="0"/>
+                            </a:rPr>
+                            <m:t>𝑥</m:t>
+                          </m:r>
+                        </m:e>
+                        <m:sub>
+                          <m:r>
+                            <a:rPr lang="en-US" b="0" i="1" smtClean="0">
+                              <a:latin typeface="Cambria Math" panose="02040503050406030204" pitchFamily="18" charset="0"/>
+                            </a:rPr>
+                            <m:t>𝑛</m:t>
+                          </m:r>
+                        </m:sub>
+                      </m:sSub>
+                      <m:r>
+                        <a:rPr lang="en-US" b="0" i="1" smtClean="0">
+                          <a:latin typeface="Cambria Math" panose="02040503050406030204" pitchFamily="18" charset="0"/>
+                        </a:rPr>
+                        <m:t>,</m:t>
+                      </m:r>
+                      <m:sSub>
+                        <m:sSubPr>
+                          <m:ctrlPr>
+                            <a:rPr lang="en-US" b="0" i="1" smtClean="0">
+                              <a:latin typeface="Cambria Math" panose="02040503050406030204" pitchFamily="18" charset="0"/>
+                            </a:rPr>
+                          </m:ctrlPr>
+                        </m:sSubPr>
+                        <m:e>
+                          <m:r>
+                            <a:rPr lang="en-US" b="0" i="1" smtClean="0">
+                              <a:latin typeface="Cambria Math" panose="02040503050406030204" pitchFamily="18" charset="0"/>
+                            </a:rPr>
+                            <m:t>𝑦</m:t>
+                          </m:r>
+                        </m:e>
+                        <m:sub>
+                          <m:r>
+                            <a:rPr lang="en-US" b="0" i="1" smtClean="0">
+                              <a:latin typeface="Cambria Math" panose="02040503050406030204" pitchFamily="18" charset="0"/>
+                            </a:rPr>
+                            <m:t>𝑛</m:t>
+                          </m:r>
+                        </m:sub>
+                      </m:sSub>
+                      <m:r>
+                        <a:rPr lang="en-US" b="0" i="1" smtClean="0">
+                          <a:latin typeface="Cambria Math" panose="02040503050406030204" pitchFamily="18" charset="0"/>
+                        </a:rPr>
+                        <m:t>)</m:t>
+                      </m:r>
+                    </m:oMath>
+                  </m:oMathPara>
+                </a14:m>
+                <a:endParaRPr lang="en-US" dirty="0"/>
+              </a:p>
+            </p:txBody>
+          </p:sp>
+        </mc:Choice>
+        <mc:Fallback>
+          <p:sp>
+            <p:nvSpPr>
+              <p:cNvPr id="44" name="TextBox 43"/>
+              <p:cNvSpPr txBox="1">
+                <a:spLocks noRot="1" noChangeAspect="1" noMove="1" noResize="1" noEditPoints="1" noAdjustHandles="1" noChangeArrowheads="1" noChangeShapeType="1" noTextEdit="1"/>
+              </p:cNvSpPr>
+              <p:nvPr/>
+            </p:nvSpPr>
+            <p:spPr>
+              <a:xfrm>
+                <a:off x="2816082" y="3505763"/>
+                <a:ext cx="804644" cy="276999"/>
+              </a:xfrm>
+              <a:prstGeom prst="rect">
+                <a:avLst/>
+              </a:prstGeom>
+              <a:blipFill>
+                <a:blip r:embed="rId5"/>
+                <a:stretch>
+                  <a:fillRect l="-9848" t="-2174" r="-10606" b="-32609"/>
+                </a:stretch>
+              </a:blipFill>
+            </p:spPr>
+            <p:txBody>
+              <a:bodyPr/>
+              <a:lstStyle/>
+              <a:p>
+                <a:r>
+                  <a:rPr lang="en-US">
+                    <a:noFill/>
+                  </a:rPr>
+                  <a:t> </a:t>
+                </a:r>
+              </a:p>
+            </p:txBody>
+          </p:sp>
+        </mc:Fallback>
+      </mc:AlternateContent>
       <p:sp>
         <p:nvSpPr>
-          <p:cNvPr id="11" name="TextBox 10"/>
-          <p:cNvSpPr txBox="1"/>
+          <p:cNvPr id="45" name="Rectangle 44"/>
+          <p:cNvSpPr/>
           <p:nvPr/>
         </p:nvSpPr>
         <p:spPr>
           <a:xfrm>
-            <a:off x="110051" y="489704"/>
-            <a:ext cx="1653979" cy="369332"/>
+            <a:off x="4802230" y="169883"/>
+            <a:ext cx="241959" cy="241959"/>
           </a:xfrm>
           <a:prstGeom prst="rect">
             <a:avLst/>
           </a:prstGeom>
-          <a:solidFill>
-            <a:schemeClr val="bg1"/>
-          </a:solidFill>
-        </p:spPr>
-        <p:txBody>
-          <a:bodyPr wrap="none" rtlCol="0">
-            <a:spAutoFit/>
-          </a:bodyPr>
-          <a:lstStyle/>
-          <a:p>
-            <a:r>
-              <a:rPr lang="en-US" dirty="0" smtClean="0"/>
-              <a:t>Sensitive field 1</a:t>
-            </a:r>
-            <a:endParaRPr lang="en-US" dirty="0"/>
-          </a:p>
-        </p:txBody>
-      </p:sp>
-      <p:sp>
-        <p:nvSpPr>
-          <p:cNvPr id="12" name="Rectangle 11"/>
-          <p:cNvSpPr/>
-          <p:nvPr/>
-        </p:nvSpPr>
-        <p:spPr>
-          <a:xfrm>
-            <a:off x="1764030" y="1023759"/>
-            <a:ext cx="2324100" cy="379214"/>
-          </a:xfrm>
-          <a:prstGeom prst="rect">
-            <a:avLst/>
-          </a:prstGeom>
-          <a:solidFill>
-            <a:schemeClr val="bg1"/>
-          </a:solidFill>
-          <a:ln w="19050">
+          <a:noFill/>
+          <a:ln>
             <a:solidFill>
-              <a:schemeClr val="tx1"/>
+              <a:srgbClr val="FF0000"/>
             </a:solidFill>
+            <a:prstDash val="sysDot"/>
           </a:ln>
         </p:spPr>
         <p:style>
@@ -12383,82 +14688,20 @@
       </p:sp>
       <p:sp>
         <p:nvSpPr>
-          <p:cNvPr id="13" name="TextBox 12"/>
-          <p:cNvSpPr txBox="1"/>
+          <p:cNvPr id="46" name="Rectangle 45"/>
+          <p:cNvSpPr/>
           <p:nvPr/>
         </p:nvSpPr>
         <p:spPr>
           <a:xfrm>
-            <a:off x="110051" y="1041261"/>
-            <a:ext cx="1653979" cy="369332"/>
+            <a:off x="4827527" y="644862"/>
+            <a:ext cx="241959" cy="241959"/>
           </a:xfrm>
           <a:prstGeom prst="rect">
             <a:avLst/>
           </a:prstGeom>
-          <a:solidFill>
-            <a:schemeClr val="bg1"/>
-          </a:solidFill>
-        </p:spPr>
-        <p:txBody>
-          <a:bodyPr wrap="none" rtlCol="0">
-            <a:spAutoFit/>
-          </a:bodyPr>
-          <a:lstStyle/>
-          <a:p>
-            <a:r>
-              <a:rPr lang="en-US" dirty="0" smtClean="0"/>
-              <a:t>Sensitive field 2</a:t>
-            </a:r>
-            <a:endParaRPr lang="en-US" dirty="0"/>
-          </a:p>
-        </p:txBody>
-      </p:sp>
-      <p:pic>
-        <p:nvPicPr>
-          <p:cNvPr id="14" name="Picture 13"/>
-          <p:cNvPicPr>
-            <a:picLocks noChangeAspect="1"/>
-          </p:cNvPicPr>
-          <p:nvPr/>
-        </p:nvPicPr>
-        <p:blipFill>
-          <a:blip r:embed="rId2" cstate="print">
-            <a:extLst>
-              <a:ext uri="{28A0092B-C50C-407E-A947-70E740481C1C}">
-                <a14:useLocalDpi xmlns:a14="http://schemas.microsoft.com/office/drawing/2010/main" val="0"/>
-              </a:ext>
-            </a:extLst>
-          </a:blip>
-          <a:stretch>
-            <a:fillRect/>
-          </a:stretch>
-        </p:blipFill>
-        <p:spPr>
-          <a:xfrm>
-            <a:off x="3003932" y="1799213"/>
-            <a:ext cx="172311" cy="172311"/>
-          </a:xfrm>
-          <a:prstGeom prst="rect">
-            <a:avLst/>
-          </a:prstGeom>
-        </p:spPr>
-      </p:pic>
-      <p:sp>
-        <p:nvSpPr>
-          <p:cNvPr id="15" name="Rectangle 14"/>
-          <p:cNvSpPr/>
-          <p:nvPr/>
-        </p:nvSpPr>
-        <p:spPr>
-          <a:xfrm>
-            <a:off x="2969107" y="1761113"/>
-            <a:ext cx="241959" cy="241959"/>
-          </a:xfrm>
-          <a:prstGeom prst="rect">
-            <a:avLst/>
-          </a:prstGeom>
           <a:noFill/>
-          <a:ln w="28575">
+          <a:ln>
             <a:solidFill>
               <a:srgbClr val="FF0000"/>
             </a:solidFill>
@@ -12492,20 +14735,20 @@
       </p:sp>
       <p:sp>
         <p:nvSpPr>
-          <p:cNvPr id="16" name="Rectangle 15"/>
+          <p:cNvPr id="47" name="Rectangle 46"/>
           <p:cNvSpPr/>
           <p:nvPr/>
         </p:nvSpPr>
         <p:spPr>
           <a:xfrm>
-            <a:off x="2812211" y="1567696"/>
-            <a:ext cx="959689" cy="521970"/>
+            <a:off x="4864851" y="1112993"/>
+            <a:ext cx="241959" cy="241959"/>
           </a:xfrm>
           <a:prstGeom prst="rect">
             <a:avLst/>
           </a:prstGeom>
           <a:noFill/>
-          <a:ln w="28575">
+          <a:ln>
             <a:solidFill>
               <a:srgbClr val="FF0000"/>
             </a:solidFill>
@@ -12537,6 +14780,1692 @@
           </a:p>
         </p:txBody>
       </p:sp>
+      <p:sp>
+        <p:nvSpPr>
+          <p:cNvPr id="48" name="Rectangle 47"/>
+          <p:cNvSpPr/>
+          <p:nvPr/>
+        </p:nvSpPr>
+        <p:spPr>
+          <a:xfrm>
+            <a:off x="5205219" y="1780209"/>
+            <a:ext cx="241959" cy="241959"/>
+          </a:xfrm>
+          <a:prstGeom prst="rect">
+            <a:avLst/>
+          </a:prstGeom>
+          <a:noFill/>
+          <a:ln>
+            <a:solidFill>
+              <a:srgbClr val="FF0000"/>
+            </a:solidFill>
+            <a:prstDash val="sysDot"/>
+          </a:ln>
+        </p:spPr>
+        <p:style>
+          <a:lnRef idx="2">
+            <a:schemeClr val="accent1">
+              <a:shade val="50000"/>
+            </a:schemeClr>
+          </a:lnRef>
+          <a:fillRef idx="1">
+            <a:schemeClr val="accent1"/>
+          </a:fillRef>
+          <a:effectRef idx="0">
+            <a:schemeClr val="accent1"/>
+          </a:effectRef>
+          <a:fontRef idx="minor">
+            <a:schemeClr val="lt1"/>
+          </a:fontRef>
+        </p:style>
+        <p:txBody>
+          <a:bodyPr rtlCol="0" anchor="ctr"/>
+          <a:lstStyle/>
+          <a:p>
+            <a:pPr algn="ctr"/>
+            <a:endParaRPr lang="en-US"/>
+          </a:p>
+        </p:txBody>
+      </p:sp>
+      <p:sp>
+        <p:nvSpPr>
+          <p:cNvPr id="49" name="Rectangle 48"/>
+          <p:cNvSpPr/>
+          <p:nvPr/>
+        </p:nvSpPr>
+        <p:spPr>
+          <a:xfrm>
+            <a:off x="5898850" y="2144574"/>
+            <a:ext cx="241959" cy="241959"/>
+          </a:xfrm>
+          <a:prstGeom prst="rect">
+            <a:avLst/>
+          </a:prstGeom>
+          <a:noFill/>
+          <a:ln>
+            <a:solidFill>
+              <a:srgbClr val="FF0000"/>
+            </a:solidFill>
+            <a:prstDash val="sysDot"/>
+          </a:ln>
+        </p:spPr>
+        <p:style>
+          <a:lnRef idx="2">
+            <a:schemeClr val="accent1">
+              <a:shade val="50000"/>
+            </a:schemeClr>
+          </a:lnRef>
+          <a:fillRef idx="1">
+            <a:schemeClr val="accent1"/>
+          </a:fillRef>
+          <a:effectRef idx="0">
+            <a:schemeClr val="accent1"/>
+          </a:effectRef>
+          <a:fontRef idx="minor">
+            <a:schemeClr val="lt1"/>
+          </a:fontRef>
+        </p:style>
+        <p:txBody>
+          <a:bodyPr rtlCol="0" anchor="ctr"/>
+          <a:lstStyle/>
+          <a:p>
+            <a:pPr algn="ctr"/>
+            <a:endParaRPr lang="en-US"/>
+          </a:p>
+        </p:txBody>
+      </p:sp>
+      <p:sp>
+        <p:nvSpPr>
+          <p:cNvPr id="50" name="Rectangle 49"/>
+          <p:cNvSpPr/>
+          <p:nvPr/>
+        </p:nvSpPr>
+        <p:spPr>
+          <a:xfrm>
+            <a:off x="6695287" y="2334577"/>
+            <a:ext cx="241959" cy="241959"/>
+          </a:xfrm>
+          <a:prstGeom prst="rect">
+            <a:avLst/>
+          </a:prstGeom>
+          <a:noFill/>
+          <a:ln>
+            <a:solidFill>
+              <a:srgbClr val="FF0000"/>
+            </a:solidFill>
+            <a:prstDash val="sysDot"/>
+          </a:ln>
+        </p:spPr>
+        <p:style>
+          <a:lnRef idx="2">
+            <a:schemeClr val="accent1">
+              <a:shade val="50000"/>
+            </a:schemeClr>
+          </a:lnRef>
+          <a:fillRef idx="1">
+            <a:schemeClr val="accent1"/>
+          </a:fillRef>
+          <a:effectRef idx="0">
+            <a:schemeClr val="accent1"/>
+          </a:effectRef>
+          <a:fontRef idx="minor">
+            <a:schemeClr val="lt1"/>
+          </a:fontRef>
+        </p:style>
+        <p:txBody>
+          <a:bodyPr rtlCol="0" anchor="ctr"/>
+          <a:lstStyle/>
+          <a:p>
+            <a:pPr algn="ctr"/>
+            <a:endParaRPr lang="en-US"/>
+          </a:p>
+        </p:txBody>
+      </p:sp>
+      <p:sp>
+        <p:nvSpPr>
+          <p:cNvPr id="51" name="Rectangle 50"/>
+          <p:cNvSpPr/>
+          <p:nvPr/>
+        </p:nvSpPr>
+        <p:spPr>
+          <a:xfrm>
+            <a:off x="7405937" y="2522728"/>
+            <a:ext cx="241959" cy="241959"/>
+          </a:xfrm>
+          <a:prstGeom prst="rect">
+            <a:avLst/>
+          </a:prstGeom>
+          <a:noFill/>
+          <a:ln>
+            <a:solidFill>
+              <a:srgbClr val="FF0000"/>
+            </a:solidFill>
+            <a:prstDash val="sysDot"/>
+          </a:ln>
+        </p:spPr>
+        <p:style>
+          <a:lnRef idx="2">
+            <a:schemeClr val="accent1">
+              <a:shade val="50000"/>
+            </a:schemeClr>
+          </a:lnRef>
+          <a:fillRef idx="1">
+            <a:schemeClr val="accent1"/>
+          </a:fillRef>
+          <a:effectRef idx="0">
+            <a:schemeClr val="accent1"/>
+          </a:effectRef>
+          <a:fontRef idx="minor">
+            <a:schemeClr val="lt1"/>
+          </a:fontRef>
+        </p:style>
+        <p:txBody>
+          <a:bodyPr rtlCol="0" anchor="ctr"/>
+          <a:lstStyle/>
+          <a:p>
+            <a:pPr algn="ctr"/>
+            <a:endParaRPr lang="en-US"/>
+          </a:p>
+        </p:txBody>
+      </p:sp>
+      <p:sp>
+        <p:nvSpPr>
+          <p:cNvPr id="54" name="Rectangle 53"/>
+          <p:cNvSpPr/>
+          <p:nvPr/>
+        </p:nvSpPr>
+        <p:spPr>
+          <a:xfrm>
+            <a:off x="8176381" y="2932732"/>
+            <a:ext cx="241959" cy="241959"/>
+          </a:xfrm>
+          <a:prstGeom prst="rect">
+            <a:avLst/>
+          </a:prstGeom>
+          <a:noFill/>
+          <a:ln>
+            <a:solidFill>
+              <a:srgbClr val="FF0000"/>
+            </a:solidFill>
+            <a:prstDash val="sysDot"/>
+          </a:ln>
+        </p:spPr>
+        <p:style>
+          <a:lnRef idx="2">
+            <a:schemeClr val="accent1">
+              <a:shade val="50000"/>
+            </a:schemeClr>
+          </a:lnRef>
+          <a:fillRef idx="1">
+            <a:schemeClr val="accent1"/>
+          </a:fillRef>
+          <a:effectRef idx="0">
+            <a:schemeClr val="accent1"/>
+          </a:effectRef>
+          <a:fontRef idx="minor">
+            <a:schemeClr val="lt1"/>
+          </a:fontRef>
+        </p:style>
+        <p:txBody>
+          <a:bodyPr rtlCol="0" anchor="ctr"/>
+          <a:lstStyle/>
+          <a:p>
+            <a:pPr algn="ctr"/>
+            <a:endParaRPr lang="en-US"/>
+          </a:p>
+        </p:txBody>
+      </p:sp>
+      <p:sp>
+        <p:nvSpPr>
+          <p:cNvPr id="55" name="Rectangle 54"/>
+          <p:cNvSpPr/>
+          <p:nvPr/>
+        </p:nvSpPr>
+        <p:spPr>
+          <a:xfrm>
+            <a:off x="8381890" y="3505763"/>
+            <a:ext cx="241959" cy="241959"/>
+          </a:xfrm>
+          <a:prstGeom prst="rect">
+            <a:avLst/>
+          </a:prstGeom>
+          <a:noFill/>
+          <a:ln>
+            <a:solidFill>
+              <a:srgbClr val="FF0000"/>
+            </a:solidFill>
+            <a:prstDash val="sysDot"/>
+          </a:ln>
+        </p:spPr>
+        <p:style>
+          <a:lnRef idx="2">
+            <a:schemeClr val="accent1">
+              <a:shade val="50000"/>
+            </a:schemeClr>
+          </a:lnRef>
+          <a:fillRef idx="1">
+            <a:schemeClr val="accent1"/>
+          </a:fillRef>
+          <a:effectRef idx="0">
+            <a:schemeClr val="accent1"/>
+          </a:effectRef>
+          <a:fontRef idx="minor">
+            <a:schemeClr val="lt1"/>
+          </a:fontRef>
+        </p:style>
+        <p:txBody>
+          <a:bodyPr rtlCol="0" anchor="ctr"/>
+          <a:lstStyle/>
+          <a:p>
+            <a:pPr algn="ctr"/>
+            <a:endParaRPr lang="en-US"/>
+          </a:p>
+        </p:txBody>
+      </p:sp>
+      <mc:AlternateContent xmlns:mc="http://schemas.openxmlformats.org/markup-compatibility/2006" xmlns:a14="http://schemas.microsoft.com/office/drawing/2010/main">
+        <mc:Choice Requires="a14">
+          <p:sp>
+            <p:nvSpPr>
+              <p:cNvPr id="56" name="TextBox 55"/>
+              <p:cNvSpPr txBox="1"/>
+              <p:nvPr/>
+            </p:nvSpPr>
+            <p:spPr>
+              <a:xfrm>
+                <a:off x="5153783" y="169883"/>
+                <a:ext cx="779892" cy="276999"/>
+              </a:xfrm>
+              <a:prstGeom prst="rect">
+                <a:avLst/>
+              </a:prstGeom>
+              <a:noFill/>
+            </p:spPr>
+            <p:txBody>
+              <a:bodyPr wrap="none" lIns="0" tIns="0" rIns="0" bIns="0" rtlCol="0">
+                <a:spAutoFit/>
+              </a:bodyPr>
+              <a:lstStyle/>
+              <a:p>
+                <a:pPr/>
+                <a14:m>
+                  <m:oMathPara xmlns:m="http://schemas.openxmlformats.org/officeDocument/2006/math">
+                    <m:oMathParaPr>
+                      <m:jc m:val="centerGroup"/>
+                    </m:oMathParaPr>
+                    <m:oMath xmlns:m="http://schemas.openxmlformats.org/officeDocument/2006/math">
+                      <m:r>
+                        <a:rPr lang="en-US" b="0" i="1" smtClean="0">
+                          <a:latin typeface="Cambria Math" panose="02040503050406030204" pitchFamily="18" charset="0"/>
+                        </a:rPr>
+                        <m:t>(</m:t>
+                      </m:r>
+                      <m:sSub>
+                        <m:sSubPr>
+                          <m:ctrlPr>
+                            <a:rPr lang="en-US" b="0" i="1" smtClean="0">
+                              <a:latin typeface="Cambria Math" panose="02040503050406030204" pitchFamily="18" charset="0"/>
+                            </a:rPr>
+                          </m:ctrlPr>
+                        </m:sSubPr>
+                        <m:e>
+                          <m:r>
+                            <a:rPr lang="en-US" b="0" i="1" smtClean="0">
+                              <a:latin typeface="Cambria Math" panose="02040503050406030204" pitchFamily="18" charset="0"/>
+                            </a:rPr>
+                            <m:t>𝑥</m:t>
+                          </m:r>
+                        </m:e>
+                        <m:sub>
+                          <m:r>
+                            <a:rPr lang="en-US" b="0" i="1" smtClean="0">
+                              <a:latin typeface="Cambria Math" panose="02040503050406030204" pitchFamily="18" charset="0"/>
+                            </a:rPr>
+                            <m:t>1</m:t>
+                          </m:r>
+                        </m:sub>
+                      </m:sSub>
+                      <m:r>
+                        <a:rPr lang="en-US" b="0" i="1" smtClean="0">
+                          <a:latin typeface="Cambria Math" panose="02040503050406030204" pitchFamily="18" charset="0"/>
+                        </a:rPr>
+                        <m:t>,</m:t>
+                      </m:r>
+                      <m:sSub>
+                        <m:sSubPr>
+                          <m:ctrlPr>
+                            <a:rPr lang="en-US" b="0" i="1" smtClean="0">
+                              <a:latin typeface="Cambria Math" panose="02040503050406030204" pitchFamily="18" charset="0"/>
+                            </a:rPr>
+                          </m:ctrlPr>
+                        </m:sSubPr>
+                        <m:e>
+                          <m:r>
+                            <a:rPr lang="en-US" b="0" i="1" smtClean="0">
+                              <a:latin typeface="Cambria Math" panose="02040503050406030204" pitchFamily="18" charset="0"/>
+                            </a:rPr>
+                            <m:t>𝑦</m:t>
+                          </m:r>
+                        </m:e>
+                        <m:sub>
+                          <m:r>
+                            <a:rPr lang="en-US" b="0" i="1" smtClean="0">
+                              <a:latin typeface="Cambria Math" panose="02040503050406030204" pitchFamily="18" charset="0"/>
+                            </a:rPr>
+                            <m:t>1</m:t>
+                          </m:r>
+                        </m:sub>
+                      </m:sSub>
+                      <m:r>
+                        <a:rPr lang="en-US" b="0" i="1" smtClean="0">
+                          <a:latin typeface="Cambria Math" panose="02040503050406030204" pitchFamily="18" charset="0"/>
+                        </a:rPr>
+                        <m:t>)</m:t>
+                      </m:r>
+                    </m:oMath>
+                  </m:oMathPara>
+                </a14:m>
+                <a:endParaRPr lang="en-US" dirty="0"/>
+              </a:p>
+            </p:txBody>
+          </p:sp>
+        </mc:Choice>
+        <mc:Fallback xmlns="">
+          <p:sp>
+            <p:nvSpPr>
+              <p:cNvPr id="56" name="TextBox 55"/>
+              <p:cNvSpPr txBox="1">
+                <a:spLocks noRot="1" noChangeAspect="1" noMove="1" noResize="1" noEditPoints="1" noAdjustHandles="1" noChangeArrowheads="1" noChangeShapeType="1" noTextEdit="1"/>
+              </p:cNvSpPr>
+              <p:nvPr/>
+            </p:nvSpPr>
+            <p:spPr>
+              <a:xfrm>
+                <a:off x="5153783" y="169883"/>
+                <a:ext cx="779892" cy="276999"/>
+              </a:xfrm>
+              <a:prstGeom prst="rect">
+                <a:avLst/>
+              </a:prstGeom>
+              <a:blipFill>
+                <a:blip r:embed="rId6"/>
+                <a:stretch>
+                  <a:fillRect l="-10156" t="-2222" r="-10938" b="-35556"/>
+                </a:stretch>
+              </a:blipFill>
+            </p:spPr>
+            <p:txBody>
+              <a:bodyPr/>
+              <a:lstStyle/>
+              <a:p>
+                <a:r>
+                  <a:rPr lang="en-US">
+                    <a:noFill/>
+                  </a:rPr>
+                  <a:t> </a:t>
+                </a:r>
+              </a:p>
+            </p:txBody>
+          </p:sp>
+        </mc:Fallback>
+      </mc:AlternateContent>
+      <mc:AlternateContent xmlns:mc="http://schemas.openxmlformats.org/markup-compatibility/2006" xmlns:a14="http://schemas.microsoft.com/office/drawing/2010/main">
+        <mc:Choice Requires="a14">
+          <p:sp>
+            <p:nvSpPr>
+              <p:cNvPr id="57" name="TextBox 56"/>
+              <p:cNvSpPr txBox="1"/>
+              <p:nvPr/>
+            </p:nvSpPr>
+            <p:spPr>
+              <a:xfrm>
+                <a:off x="5180761" y="587940"/>
+                <a:ext cx="790536" cy="276999"/>
+              </a:xfrm>
+              <a:prstGeom prst="rect">
+                <a:avLst/>
+              </a:prstGeom>
+              <a:noFill/>
+            </p:spPr>
+            <p:txBody>
+              <a:bodyPr wrap="none" lIns="0" tIns="0" rIns="0" bIns="0" rtlCol="0">
+                <a:spAutoFit/>
+              </a:bodyPr>
+              <a:lstStyle/>
+              <a:p>
+                <a:pPr/>
+                <a14:m>
+                  <m:oMathPara xmlns:m="http://schemas.openxmlformats.org/officeDocument/2006/math">
+                    <m:oMathParaPr>
+                      <m:jc m:val="centerGroup"/>
+                    </m:oMathParaPr>
+                    <m:oMath xmlns:m="http://schemas.openxmlformats.org/officeDocument/2006/math">
+                      <m:r>
+                        <a:rPr lang="en-US" b="0" i="1" smtClean="0">
+                          <a:latin typeface="Cambria Math" panose="02040503050406030204" pitchFamily="18" charset="0"/>
+                        </a:rPr>
+                        <m:t>(</m:t>
+                      </m:r>
+                      <m:sSub>
+                        <m:sSubPr>
+                          <m:ctrlPr>
+                            <a:rPr lang="en-US" b="0" i="1" smtClean="0">
+                              <a:latin typeface="Cambria Math" panose="02040503050406030204" pitchFamily="18" charset="0"/>
+                            </a:rPr>
+                          </m:ctrlPr>
+                        </m:sSubPr>
+                        <m:e>
+                          <m:r>
+                            <a:rPr lang="en-US" b="0" i="1" smtClean="0">
+                              <a:latin typeface="Cambria Math" panose="02040503050406030204" pitchFamily="18" charset="0"/>
+                            </a:rPr>
+                            <m:t>𝑥</m:t>
+                          </m:r>
+                        </m:e>
+                        <m:sub>
+                          <m:r>
+                            <a:rPr lang="en-US" b="0" i="1" smtClean="0">
+                              <a:latin typeface="Cambria Math" panose="02040503050406030204" pitchFamily="18" charset="0"/>
+                            </a:rPr>
+                            <m:t>2</m:t>
+                          </m:r>
+                        </m:sub>
+                      </m:sSub>
+                      <m:r>
+                        <a:rPr lang="en-US" b="0" i="1" smtClean="0">
+                          <a:latin typeface="Cambria Math" panose="02040503050406030204" pitchFamily="18" charset="0"/>
+                        </a:rPr>
+                        <m:t>,</m:t>
+                      </m:r>
+                      <m:sSub>
+                        <m:sSubPr>
+                          <m:ctrlPr>
+                            <a:rPr lang="en-US" b="0" i="1" smtClean="0">
+                              <a:latin typeface="Cambria Math" panose="02040503050406030204" pitchFamily="18" charset="0"/>
+                            </a:rPr>
+                          </m:ctrlPr>
+                        </m:sSubPr>
+                        <m:e>
+                          <m:r>
+                            <a:rPr lang="en-US" b="0" i="1" smtClean="0">
+                              <a:latin typeface="Cambria Math" panose="02040503050406030204" pitchFamily="18" charset="0"/>
+                            </a:rPr>
+                            <m:t>𝑦</m:t>
+                          </m:r>
+                        </m:e>
+                        <m:sub>
+                          <m:r>
+                            <a:rPr lang="en-US" b="0" i="1" smtClean="0">
+                              <a:latin typeface="Cambria Math" panose="02040503050406030204" pitchFamily="18" charset="0"/>
+                            </a:rPr>
+                            <m:t>2</m:t>
+                          </m:r>
+                        </m:sub>
+                      </m:sSub>
+                      <m:r>
+                        <a:rPr lang="en-US" b="0" i="1" smtClean="0">
+                          <a:latin typeface="Cambria Math" panose="02040503050406030204" pitchFamily="18" charset="0"/>
+                        </a:rPr>
+                        <m:t>)</m:t>
+                      </m:r>
+                    </m:oMath>
+                  </m:oMathPara>
+                </a14:m>
+                <a:endParaRPr lang="en-US" dirty="0"/>
+              </a:p>
+            </p:txBody>
+          </p:sp>
+        </mc:Choice>
+        <mc:Fallback xmlns="">
+          <p:sp>
+            <p:nvSpPr>
+              <p:cNvPr id="57" name="TextBox 56"/>
+              <p:cNvSpPr txBox="1">
+                <a:spLocks noRot="1" noChangeAspect="1" noMove="1" noResize="1" noEditPoints="1" noAdjustHandles="1" noChangeArrowheads="1" noChangeShapeType="1" noTextEdit="1"/>
+              </p:cNvSpPr>
+              <p:nvPr/>
+            </p:nvSpPr>
+            <p:spPr>
+              <a:xfrm>
+                <a:off x="5180761" y="587940"/>
+                <a:ext cx="790536" cy="276999"/>
+              </a:xfrm>
+              <a:prstGeom prst="rect">
+                <a:avLst/>
+              </a:prstGeom>
+              <a:blipFill>
+                <a:blip r:embed="rId7"/>
+                <a:stretch>
+                  <a:fillRect l="-10000" t="-2174" r="-10769" b="-32609"/>
+                </a:stretch>
+              </a:blipFill>
+            </p:spPr>
+            <p:txBody>
+              <a:bodyPr/>
+              <a:lstStyle/>
+              <a:p>
+                <a:r>
+                  <a:rPr lang="en-US">
+                    <a:noFill/>
+                  </a:rPr>
+                  <a:t> </a:t>
+                </a:r>
+              </a:p>
+            </p:txBody>
+          </p:sp>
+        </mc:Fallback>
+      </mc:AlternateContent>
+      <mc:AlternateContent xmlns:mc="http://schemas.openxmlformats.org/markup-compatibility/2006" xmlns:a14="http://schemas.microsoft.com/office/drawing/2010/main">
+        <mc:Choice Requires="a14">
+          <p:sp>
+            <p:nvSpPr>
+              <p:cNvPr id="58" name="TextBox 57"/>
+              <p:cNvSpPr txBox="1"/>
+              <p:nvPr/>
+            </p:nvSpPr>
+            <p:spPr>
+              <a:xfrm>
+                <a:off x="7418016" y="3488242"/>
+                <a:ext cx="804644" cy="276999"/>
+              </a:xfrm>
+              <a:prstGeom prst="rect">
+                <a:avLst/>
+              </a:prstGeom>
+              <a:noFill/>
+            </p:spPr>
+            <p:txBody>
+              <a:bodyPr wrap="none" lIns="0" tIns="0" rIns="0" bIns="0" rtlCol="0">
+                <a:spAutoFit/>
+              </a:bodyPr>
+              <a:lstStyle/>
+              <a:p>
+                <a:pPr/>
+                <a14:m>
+                  <m:oMathPara xmlns:m="http://schemas.openxmlformats.org/officeDocument/2006/math">
+                    <m:oMathParaPr>
+                      <m:jc m:val="centerGroup"/>
+                    </m:oMathParaPr>
+                    <m:oMath xmlns:m="http://schemas.openxmlformats.org/officeDocument/2006/math">
+                      <m:r>
+                        <a:rPr lang="en-US" b="0" i="1" smtClean="0">
+                          <a:latin typeface="Cambria Math" panose="02040503050406030204" pitchFamily="18" charset="0"/>
+                        </a:rPr>
+                        <m:t>(</m:t>
+                      </m:r>
+                      <m:sSub>
+                        <m:sSubPr>
+                          <m:ctrlPr>
+                            <a:rPr lang="en-US" b="0" i="1" smtClean="0">
+                              <a:latin typeface="Cambria Math" panose="02040503050406030204" pitchFamily="18" charset="0"/>
+                            </a:rPr>
+                          </m:ctrlPr>
+                        </m:sSubPr>
+                        <m:e>
+                          <m:r>
+                            <a:rPr lang="en-US" b="0" i="1" smtClean="0">
+                              <a:latin typeface="Cambria Math" panose="02040503050406030204" pitchFamily="18" charset="0"/>
+                            </a:rPr>
+                            <m:t>𝑥</m:t>
+                          </m:r>
+                        </m:e>
+                        <m:sub>
+                          <m:r>
+                            <a:rPr lang="en-US" b="0" i="1" smtClean="0">
+                              <a:latin typeface="Cambria Math" panose="02040503050406030204" pitchFamily="18" charset="0"/>
+                            </a:rPr>
+                            <m:t>𝑛</m:t>
+                          </m:r>
+                        </m:sub>
+                      </m:sSub>
+                      <m:r>
+                        <a:rPr lang="en-US" b="0" i="1" smtClean="0">
+                          <a:latin typeface="Cambria Math" panose="02040503050406030204" pitchFamily="18" charset="0"/>
+                        </a:rPr>
+                        <m:t>,</m:t>
+                      </m:r>
+                      <m:sSub>
+                        <m:sSubPr>
+                          <m:ctrlPr>
+                            <a:rPr lang="en-US" b="0" i="1" smtClean="0">
+                              <a:latin typeface="Cambria Math" panose="02040503050406030204" pitchFamily="18" charset="0"/>
+                            </a:rPr>
+                          </m:ctrlPr>
+                        </m:sSubPr>
+                        <m:e>
+                          <m:r>
+                            <a:rPr lang="en-US" b="0" i="1" smtClean="0">
+                              <a:latin typeface="Cambria Math" panose="02040503050406030204" pitchFamily="18" charset="0"/>
+                            </a:rPr>
+                            <m:t>𝑦</m:t>
+                          </m:r>
+                        </m:e>
+                        <m:sub>
+                          <m:r>
+                            <a:rPr lang="en-US" b="0" i="1" smtClean="0">
+                              <a:latin typeface="Cambria Math" panose="02040503050406030204" pitchFamily="18" charset="0"/>
+                            </a:rPr>
+                            <m:t>𝑛</m:t>
+                          </m:r>
+                        </m:sub>
+                      </m:sSub>
+                      <m:r>
+                        <a:rPr lang="en-US" b="0" i="1" smtClean="0">
+                          <a:latin typeface="Cambria Math" panose="02040503050406030204" pitchFamily="18" charset="0"/>
+                        </a:rPr>
+                        <m:t>)</m:t>
+                      </m:r>
+                    </m:oMath>
+                  </m:oMathPara>
+                </a14:m>
+                <a:endParaRPr lang="en-US" dirty="0"/>
+              </a:p>
+            </p:txBody>
+          </p:sp>
+        </mc:Choice>
+        <mc:Fallback xmlns="">
+          <p:sp>
+            <p:nvSpPr>
+              <p:cNvPr id="58" name="TextBox 57"/>
+              <p:cNvSpPr txBox="1">
+                <a:spLocks noRot="1" noChangeAspect="1" noMove="1" noResize="1" noEditPoints="1" noAdjustHandles="1" noChangeArrowheads="1" noChangeShapeType="1" noTextEdit="1"/>
+              </p:cNvSpPr>
+              <p:nvPr/>
+            </p:nvSpPr>
+            <p:spPr>
+              <a:xfrm>
+                <a:off x="7418016" y="3488242"/>
+                <a:ext cx="804644" cy="276999"/>
+              </a:xfrm>
+              <a:prstGeom prst="rect">
+                <a:avLst/>
+              </a:prstGeom>
+              <a:blipFill>
+                <a:blip r:embed="rId8"/>
+                <a:stretch>
+                  <a:fillRect l="-9848" t="-2174" r="-10606" b="-32609"/>
+                </a:stretch>
+              </a:blipFill>
+            </p:spPr>
+            <p:txBody>
+              <a:bodyPr/>
+              <a:lstStyle/>
+              <a:p>
+                <a:r>
+                  <a:rPr lang="en-US">
+                    <a:noFill/>
+                  </a:rPr>
+                  <a:t> </a:t>
+                </a:r>
+              </a:p>
+            </p:txBody>
+          </p:sp>
+        </mc:Fallback>
+      </mc:AlternateContent>
+      <p:sp>
+        <p:nvSpPr>
+          <p:cNvPr id="59" name="Rectangle 58"/>
+          <p:cNvSpPr/>
+          <p:nvPr/>
+        </p:nvSpPr>
+        <p:spPr>
+          <a:xfrm>
+            <a:off x="503196" y="4174882"/>
+            <a:ext cx="3178242" cy="461665"/>
+          </a:xfrm>
+          <a:prstGeom prst="rect">
+            <a:avLst/>
+          </a:prstGeom>
+        </p:spPr>
+        <p:txBody>
+          <a:bodyPr wrap="none">
+            <a:spAutoFit/>
+          </a:bodyPr>
+          <a:lstStyle/>
+          <a:p>
+            <a:r>
+              <a:rPr lang="en-US" sz="2400" dirty="0" smtClean="0"/>
+              <a:t>Bridge </a:t>
+            </a:r>
+            <a:r>
+              <a:rPr lang="en-US" sz="2400" dirty="0" smtClean="0"/>
+              <a:t>side mouse trace</a:t>
+            </a:r>
+            <a:endParaRPr lang="en-US" sz="2400" dirty="0"/>
+          </a:p>
+        </p:txBody>
+      </p:sp>
+      <p:sp>
+        <p:nvSpPr>
+          <p:cNvPr id="60" name="Rectangle 59"/>
+          <p:cNvSpPr/>
+          <p:nvPr/>
+        </p:nvSpPr>
+        <p:spPr>
+          <a:xfrm>
+            <a:off x="4484249" y="4174882"/>
+            <a:ext cx="4664034" cy="461665"/>
+          </a:xfrm>
+          <a:prstGeom prst="rect">
+            <a:avLst/>
+          </a:prstGeom>
+        </p:spPr>
+        <p:txBody>
+          <a:bodyPr wrap="none">
+            <a:spAutoFit/>
+          </a:bodyPr>
+          <a:lstStyle/>
+          <a:p>
+            <a:r>
+              <a:rPr lang="en-US" sz="2400" dirty="0" smtClean="0"/>
+              <a:t>Incoming frames + mouse detection</a:t>
+            </a:r>
+            <a:endParaRPr lang="en-US" sz="2400" dirty="0"/>
+          </a:p>
+        </p:txBody>
+      </p:sp>
+      <p:sp>
+        <p:nvSpPr>
+          <p:cNvPr id="62" name="Oval 61"/>
+          <p:cNvSpPr/>
+          <p:nvPr/>
+        </p:nvSpPr>
+        <p:spPr>
+          <a:xfrm>
+            <a:off x="7417" y="4081618"/>
+            <a:ext cx="202025" cy="198787"/>
+          </a:xfrm>
+          <a:prstGeom prst="ellipse">
+            <a:avLst/>
+          </a:prstGeom>
+          <a:ln w="19050"/>
+        </p:spPr>
+        <p:style>
+          <a:lnRef idx="2">
+            <a:schemeClr val="dk1"/>
+          </a:lnRef>
+          <a:fillRef idx="1">
+            <a:schemeClr val="lt1"/>
+          </a:fillRef>
+          <a:effectRef idx="0">
+            <a:schemeClr val="dk1"/>
+          </a:effectRef>
+          <a:fontRef idx="minor">
+            <a:schemeClr val="dk1"/>
+          </a:fontRef>
+        </p:style>
+        <p:txBody>
+          <a:bodyPr rtlCol="0" anchor="ctr"/>
+          <a:lstStyle/>
+          <a:p>
+            <a:pPr algn="ctr"/>
+            <a:r>
+              <a:rPr lang="en-US" b="1" dirty="0"/>
+              <a:t>1</a:t>
+            </a:r>
+          </a:p>
+        </p:txBody>
+      </p:sp>
+      <p:sp>
+        <p:nvSpPr>
+          <p:cNvPr id="63" name="Oval 62"/>
+          <p:cNvSpPr/>
+          <p:nvPr/>
+        </p:nvSpPr>
+        <p:spPr>
+          <a:xfrm>
+            <a:off x="4546003" y="4075488"/>
+            <a:ext cx="202025" cy="198787"/>
+          </a:xfrm>
+          <a:prstGeom prst="ellipse">
+            <a:avLst/>
+          </a:prstGeom>
+          <a:ln w="19050"/>
+        </p:spPr>
+        <p:style>
+          <a:lnRef idx="2">
+            <a:schemeClr val="dk1"/>
+          </a:lnRef>
+          <a:fillRef idx="1">
+            <a:schemeClr val="lt1"/>
+          </a:fillRef>
+          <a:effectRef idx="0">
+            <a:schemeClr val="dk1"/>
+          </a:effectRef>
+          <a:fontRef idx="minor">
+            <a:schemeClr val="dk1"/>
+          </a:fontRef>
+        </p:style>
+        <p:txBody>
+          <a:bodyPr rtlCol="0" anchor="ctr"/>
+          <a:lstStyle/>
+          <a:p>
+            <a:pPr algn="ctr"/>
+            <a:r>
+              <a:rPr lang="en-US" b="1" dirty="0" smtClean="0"/>
+              <a:t>2</a:t>
+            </a:r>
+            <a:endParaRPr lang="en-US" b="1" dirty="0"/>
+          </a:p>
+        </p:txBody>
+      </p:sp>
+      <p:cxnSp>
+        <p:nvCxnSpPr>
+          <p:cNvPr id="3" name="Curved Connector 2"/>
+          <p:cNvCxnSpPr>
+            <a:stCxn id="42" idx="3"/>
+            <a:endCxn id="43" idx="3"/>
+          </p:cNvCxnSpPr>
+          <p:nvPr/>
+        </p:nvCxnSpPr>
+        <p:spPr>
+          <a:xfrm>
+            <a:off x="1231300" y="256540"/>
+            <a:ext cx="10644" cy="527049"/>
+          </a:xfrm>
+          <a:prstGeom prst="curvedConnector3">
+            <a:avLst>
+              <a:gd name="adj1" fmla="val 2537909"/>
+            </a:avLst>
+          </a:prstGeom>
+          <a:ln w="19050">
+            <a:solidFill>
+              <a:srgbClr val="FF0000"/>
+            </a:solidFill>
+            <a:headEnd type="none" w="med" len="med"/>
+            <a:tailEnd type="triangle" w="med" len="med"/>
+          </a:ln>
+        </p:spPr>
+        <p:style>
+          <a:lnRef idx="1">
+            <a:schemeClr val="accent6"/>
+          </a:lnRef>
+          <a:fillRef idx="0">
+            <a:schemeClr val="accent6"/>
+          </a:fillRef>
+          <a:effectRef idx="0">
+            <a:schemeClr val="accent6"/>
+          </a:effectRef>
+          <a:fontRef idx="minor">
+            <a:schemeClr val="tx1"/>
+          </a:fontRef>
+        </p:style>
+      </p:cxnSp>
+      <mc:AlternateContent xmlns:mc="http://schemas.openxmlformats.org/markup-compatibility/2006">
+        <mc:Choice xmlns:a14="http://schemas.microsoft.com/office/drawing/2010/main" Requires="a14">
+          <p:sp>
+            <p:nvSpPr>
+              <p:cNvPr id="64" name="TextBox 63"/>
+              <p:cNvSpPr txBox="1"/>
+              <p:nvPr/>
+            </p:nvSpPr>
+            <p:spPr>
+              <a:xfrm>
+                <a:off x="1600463" y="243278"/>
+                <a:ext cx="2354491" cy="547650"/>
+              </a:xfrm>
+              <a:prstGeom prst="rect">
+                <a:avLst/>
+              </a:prstGeom>
+              <a:noFill/>
+            </p:spPr>
+            <p:txBody>
+              <a:bodyPr wrap="square" lIns="0" tIns="0" rIns="0" bIns="0" rtlCol="0">
+                <a:spAutoFit/>
+              </a:bodyPr>
+              <a:lstStyle/>
+              <a:p>
+                <a:pPr/>
+                <a14:m>
+                  <m:oMathPara xmlns:m="http://schemas.openxmlformats.org/officeDocument/2006/math">
+                    <m:oMathParaPr>
+                      <m:jc m:val="centerGroup"/>
+                    </m:oMathParaPr>
+                    <m:oMath xmlns:m="http://schemas.openxmlformats.org/officeDocument/2006/math">
+                      <m:d>
+                        <m:dPr>
+                          <m:ctrlPr>
+                            <a:rPr lang="en-US" b="1" i="1" smtClean="0">
+                              <a:latin typeface="Cambria Math" panose="02040503050406030204" pitchFamily="18" charset="0"/>
+                            </a:rPr>
+                          </m:ctrlPr>
+                        </m:dPr>
+                        <m:e>
+                          <m:r>
+                            <a:rPr lang="en-US" b="1" i="0" smtClean="0">
+                              <a:latin typeface="Cambria Math" panose="02040503050406030204" pitchFamily="18" charset="0"/>
+                            </a:rPr>
+                            <m:t>𝚫</m:t>
+                          </m:r>
+                          <m:r>
+                            <a:rPr lang="en-US" b="1" i="1" smtClean="0">
+                              <a:latin typeface="Cambria Math" panose="02040503050406030204" pitchFamily="18" charset="0"/>
+                            </a:rPr>
+                            <m:t>𝒙</m:t>
+                          </m:r>
+                          <m:r>
+                            <a:rPr lang="en-US" b="1" i="1" smtClean="0">
+                              <a:latin typeface="Cambria Math" panose="02040503050406030204" pitchFamily="18" charset="0"/>
+                            </a:rPr>
+                            <m:t>, </m:t>
+                          </m:r>
+                          <m:r>
+                            <a:rPr lang="en-US" b="1" i="0" smtClean="0">
+                              <a:latin typeface="Cambria Math" panose="02040503050406030204" pitchFamily="18" charset="0"/>
+                            </a:rPr>
+                            <m:t>𝚫</m:t>
+                          </m:r>
+                          <m:r>
+                            <a:rPr lang="en-US" b="1" i="1" smtClean="0">
+                              <a:latin typeface="Cambria Math" panose="02040503050406030204" pitchFamily="18" charset="0"/>
+                            </a:rPr>
+                            <m:t>𝒚</m:t>
+                          </m:r>
+                        </m:e>
+                      </m:d>
+                      <m:r>
+                        <a:rPr lang="en-US" b="0" i="1" smtClean="0">
+                          <a:latin typeface="Cambria Math" panose="02040503050406030204" pitchFamily="18" charset="0"/>
+                        </a:rPr>
+                        <m:t>=(</m:t>
+                      </m:r>
+                      <m:sSub>
+                        <m:sSubPr>
+                          <m:ctrlPr>
+                            <a:rPr lang="en-US" b="0" i="1" smtClean="0">
+                              <a:latin typeface="Cambria Math" panose="02040503050406030204" pitchFamily="18" charset="0"/>
+                            </a:rPr>
+                          </m:ctrlPr>
+                        </m:sSubPr>
+                        <m:e>
+                          <m:r>
+                            <a:rPr lang="en-US" b="0" i="1" smtClean="0">
+                              <a:latin typeface="Cambria Math" panose="02040503050406030204" pitchFamily="18" charset="0"/>
+                            </a:rPr>
+                            <m:t>𝑥</m:t>
+                          </m:r>
+                        </m:e>
+                        <m:sub>
+                          <m:r>
+                            <a:rPr lang="en-US" b="0" i="1" smtClean="0">
+                              <a:latin typeface="Cambria Math" panose="02040503050406030204" pitchFamily="18" charset="0"/>
+                            </a:rPr>
+                            <m:t>𝑖</m:t>
+                          </m:r>
+                        </m:sub>
+                      </m:sSub>
+                      <m:r>
+                        <a:rPr lang="en-US" b="0" i="1" smtClean="0">
+                          <a:latin typeface="Cambria Math" panose="02040503050406030204" pitchFamily="18" charset="0"/>
+                        </a:rPr>
+                        <m:t>−</m:t>
+                      </m:r>
+                      <m:sSub>
+                        <m:sSubPr>
+                          <m:ctrlPr>
+                            <a:rPr lang="en-US" b="0" i="1" smtClean="0">
+                              <a:latin typeface="Cambria Math" panose="02040503050406030204" pitchFamily="18" charset="0"/>
+                            </a:rPr>
+                          </m:ctrlPr>
+                        </m:sSubPr>
+                        <m:e>
+                          <m:r>
+                            <a:rPr lang="en-US" b="0" i="1" smtClean="0">
+                              <a:latin typeface="Cambria Math" panose="02040503050406030204" pitchFamily="18" charset="0"/>
+                            </a:rPr>
+                            <m:t>𝑥</m:t>
+                          </m:r>
+                        </m:e>
+                        <m:sub>
+                          <m:r>
+                            <a:rPr lang="en-US" b="0" i="1" smtClean="0">
+                              <a:latin typeface="Cambria Math" panose="02040503050406030204" pitchFamily="18" charset="0"/>
+                            </a:rPr>
+                            <m:t>𝑖</m:t>
+                          </m:r>
+                          <m:r>
+                            <a:rPr lang="en-US" b="0" i="1" smtClean="0">
+                              <a:latin typeface="Cambria Math" panose="02040503050406030204" pitchFamily="18" charset="0"/>
+                            </a:rPr>
+                            <m:t>−1</m:t>
+                          </m:r>
+                        </m:sub>
+                      </m:sSub>
+                      <m:r>
+                        <a:rPr lang="en-US" b="0" i="1" smtClean="0">
+                          <a:latin typeface="Cambria Math" panose="02040503050406030204" pitchFamily="18" charset="0"/>
+                        </a:rPr>
+                        <m:t>, </m:t>
+                      </m:r>
+                      <m:sSub>
+                        <m:sSubPr>
+                          <m:ctrlPr>
+                            <a:rPr lang="en-US" b="0" i="1" smtClean="0">
+                              <a:latin typeface="Cambria Math" panose="02040503050406030204" pitchFamily="18" charset="0"/>
+                            </a:rPr>
+                          </m:ctrlPr>
+                        </m:sSubPr>
+                        <m:e>
+                          <m:r>
+                            <a:rPr lang="en-US" b="0" i="1" smtClean="0">
+                              <a:latin typeface="Cambria Math" panose="02040503050406030204" pitchFamily="18" charset="0"/>
+                            </a:rPr>
+                            <m:t>𝑦</m:t>
+                          </m:r>
+                        </m:e>
+                        <m:sub>
+                          <m:r>
+                            <a:rPr lang="en-US" b="0" i="1" smtClean="0">
+                              <a:latin typeface="Cambria Math" panose="02040503050406030204" pitchFamily="18" charset="0"/>
+                            </a:rPr>
+                            <m:t>𝑖</m:t>
+                          </m:r>
+                        </m:sub>
+                      </m:sSub>
+                      <m:r>
+                        <a:rPr lang="en-US" b="0" i="1" smtClean="0">
+                          <a:latin typeface="Cambria Math" panose="02040503050406030204" pitchFamily="18" charset="0"/>
+                        </a:rPr>
+                        <m:t>−</m:t>
+                      </m:r>
+                      <m:sSub>
+                        <m:sSubPr>
+                          <m:ctrlPr>
+                            <a:rPr lang="en-US" b="0" i="1" smtClean="0">
+                              <a:latin typeface="Cambria Math" panose="02040503050406030204" pitchFamily="18" charset="0"/>
+                            </a:rPr>
+                          </m:ctrlPr>
+                        </m:sSubPr>
+                        <m:e>
+                          <m:r>
+                            <a:rPr lang="en-US" b="0" i="1" smtClean="0">
+                              <a:latin typeface="Cambria Math" panose="02040503050406030204" pitchFamily="18" charset="0"/>
+                            </a:rPr>
+                            <m:t>𝑦</m:t>
+                          </m:r>
+                        </m:e>
+                        <m:sub>
+                          <m:r>
+                            <a:rPr lang="en-US" b="0" i="1" smtClean="0">
+                              <a:latin typeface="Cambria Math" panose="02040503050406030204" pitchFamily="18" charset="0"/>
+                            </a:rPr>
+                            <m:t>𝑖</m:t>
+                          </m:r>
+                          <m:r>
+                            <a:rPr lang="en-US" b="0" i="1" smtClean="0">
+                              <a:latin typeface="Cambria Math" panose="02040503050406030204" pitchFamily="18" charset="0"/>
+                            </a:rPr>
+                            <m:t>−1</m:t>
+                          </m:r>
+                        </m:sub>
+                      </m:sSub>
+                      <m:r>
+                        <a:rPr lang="en-US" b="0" i="1" smtClean="0">
+                          <a:latin typeface="Cambria Math" panose="02040503050406030204" pitchFamily="18" charset="0"/>
+                        </a:rPr>
+                        <m:t>)</m:t>
+                      </m:r>
+                    </m:oMath>
+                  </m:oMathPara>
+                </a14:m>
+                <a:endParaRPr lang="en-US" dirty="0"/>
+              </a:p>
+            </p:txBody>
+          </p:sp>
+        </mc:Choice>
+        <mc:Fallback>
+          <p:sp>
+            <p:nvSpPr>
+              <p:cNvPr id="64" name="TextBox 63"/>
+              <p:cNvSpPr txBox="1">
+                <a:spLocks noRot="1" noChangeAspect="1" noMove="1" noResize="1" noEditPoints="1" noAdjustHandles="1" noChangeArrowheads="1" noChangeShapeType="1" noTextEdit="1"/>
+              </p:cNvSpPr>
+              <p:nvPr/>
+            </p:nvSpPr>
+            <p:spPr>
+              <a:xfrm>
+                <a:off x="1600463" y="243278"/>
+                <a:ext cx="2354491" cy="547650"/>
+              </a:xfrm>
+              <a:prstGeom prst="rect">
+                <a:avLst/>
+              </a:prstGeom>
+              <a:blipFill>
+                <a:blip r:embed="rId9"/>
+                <a:stretch>
+                  <a:fillRect l="-518" r="-3109" b="-16667"/>
+                </a:stretch>
+              </a:blipFill>
+            </p:spPr>
+            <p:txBody>
+              <a:bodyPr/>
+              <a:lstStyle/>
+              <a:p>
+                <a:r>
+                  <a:rPr lang="en-US">
+                    <a:noFill/>
+                  </a:rPr>
+                  <a:t> </a:t>
+                </a:r>
+              </a:p>
+            </p:txBody>
+          </p:sp>
+        </mc:Fallback>
+      </mc:AlternateContent>
+    </p:spTree>
+    <p:extLst>
+      <p:ext uri="{BB962C8B-B14F-4D97-AF65-F5344CB8AC3E}">
+        <p14:creationId xmlns:p14="http://schemas.microsoft.com/office/powerpoint/2010/main" val="469201392"/>
+      </p:ext>
+    </p:extLst>
+  </p:cSld>
+  <p:clrMapOvr>
+    <a:masterClrMapping/>
+  </p:clrMapOvr>
+</p:sld>
+</file>
+
+<file path=ppt/slides/slide7.xml><?xml version="1.0" encoding="utf-8"?>
+<p:sld xmlns:a="http://schemas.openxmlformats.org/drawingml/2006/main" xmlns:r="http://schemas.openxmlformats.org/officeDocument/2006/relationships" xmlns:p="http://schemas.openxmlformats.org/presentationml/2006/main">
+  <p:cSld>
+    <p:spTree>
+      <p:nvGrpSpPr>
+        <p:cNvPr id="1" name=""/>
+        <p:cNvGrpSpPr/>
+        <p:nvPr/>
+      </p:nvGrpSpPr>
+      <p:grpSpPr>
+        <a:xfrm>
+          <a:off x="0" y="0"/>
+          <a:ext cx="0" cy="0"/>
+          <a:chOff x="0" y="0"/>
+          <a:chExt cx="0" cy="0"/>
+        </a:xfrm>
+      </p:grpSpPr>
+      <p:sp>
+        <p:nvSpPr>
+          <p:cNvPr id="4" name="Rounded Rectangle 3"/>
+          <p:cNvSpPr/>
+          <p:nvPr/>
+        </p:nvSpPr>
+        <p:spPr>
+          <a:xfrm>
+            <a:off x="7620" y="77986"/>
+            <a:ext cx="5722620" cy="2103120"/>
+          </a:xfrm>
+          <a:prstGeom prst="roundRect">
+            <a:avLst>
+              <a:gd name="adj" fmla="val 4686"/>
+            </a:avLst>
+          </a:prstGeom>
+          <a:solidFill>
+            <a:schemeClr val="bg1"/>
+          </a:solidFill>
+          <a:ln w="19050">
+            <a:solidFill>
+              <a:schemeClr val="accent5"/>
+            </a:solidFill>
+          </a:ln>
+        </p:spPr>
+        <p:style>
+          <a:lnRef idx="2">
+            <a:schemeClr val="accent1">
+              <a:shade val="50000"/>
+            </a:schemeClr>
+          </a:lnRef>
+          <a:fillRef idx="1">
+            <a:schemeClr val="accent1"/>
+          </a:fillRef>
+          <a:effectRef idx="0">
+            <a:schemeClr val="accent1"/>
+          </a:effectRef>
+          <a:fontRef idx="minor">
+            <a:schemeClr val="lt1"/>
+          </a:fontRef>
+        </p:style>
+        <p:txBody>
+          <a:bodyPr rtlCol="0" anchor="ctr"/>
+          <a:lstStyle/>
+          <a:p>
+            <a:pPr algn="ctr"/>
+            <a:endParaRPr lang="en-US"/>
+          </a:p>
+        </p:txBody>
+      </p:sp>
+      <p:sp>
+        <p:nvSpPr>
+          <p:cNvPr id="7" name="TextBox 6"/>
+          <p:cNvSpPr txBox="1"/>
+          <p:nvPr/>
+        </p:nvSpPr>
+        <p:spPr>
+          <a:xfrm>
+            <a:off x="121920" y="-106680"/>
+            <a:ext cx="1522468" cy="369332"/>
+          </a:xfrm>
+          <a:prstGeom prst="rect">
+            <a:avLst/>
+          </a:prstGeom>
+          <a:solidFill>
+            <a:schemeClr val="bg1"/>
+          </a:solidFill>
+        </p:spPr>
+        <p:txBody>
+          <a:bodyPr wrap="none" rtlCol="0">
+            <a:spAutoFit/>
+          </a:bodyPr>
+          <a:lstStyle/>
+          <a:p>
+            <a:r>
+              <a:rPr lang="en-US" dirty="0" smtClean="0"/>
+              <a:t>Sensitive form</a:t>
+            </a:r>
+            <a:endParaRPr lang="en-US" dirty="0"/>
+          </a:p>
+        </p:txBody>
+      </p:sp>
+      <p:sp>
+        <p:nvSpPr>
+          <p:cNvPr id="8" name="Rectangle 7"/>
+          <p:cNvSpPr/>
+          <p:nvPr/>
+        </p:nvSpPr>
+        <p:spPr>
+          <a:xfrm>
+            <a:off x="2868930" y="1624846"/>
+            <a:ext cx="819150" cy="411480"/>
+          </a:xfrm>
+          <a:prstGeom prst="rect">
+            <a:avLst/>
+          </a:prstGeom>
+          <a:solidFill>
+            <a:schemeClr val="bg2"/>
+          </a:solidFill>
+          <a:ln w="12700">
+            <a:solidFill>
+              <a:schemeClr val="tx1"/>
+            </a:solidFill>
+          </a:ln>
+        </p:spPr>
+        <p:style>
+          <a:lnRef idx="2">
+            <a:schemeClr val="accent1">
+              <a:shade val="50000"/>
+            </a:schemeClr>
+          </a:lnRef>
+          <a:fillRef idx="1">
+            <a:schemeClr val="accent1"/>
+          </a:fillRef>
+          <a:effectRef idx="0">
+            <a:schemeClr val="accent1"/>
+          </a:effectRef>
+          <a:fontRef idx="minor">
+            <a:schemeClr val="lt1"/>
+          </a:fontRef>
+        </p:style>
+        <p:txBody>
+          <a:bodyPr rtlCol="0" anchor="ctr"/>
+          <a:lstStyle/>
+          <a:p>
+            <a:pPr algn="ctr"/>
+            <a:r>
+              <a:rPr lang="en-US" b="1" dirty="0" smtClean="0">
+                <a:solidFill>
+                  <a:schemeClr val="tx1"/>
+                </a:solidFill>
+              </a:rPr>
+              <a:t>OK</a:t>
+            </a:r>
+            <a:endParaRPr lang="en-US" b="1" dirty="0">
+              <a:solidFill>
+                <a:schemeClr val="tx1"/>
+              </a:solidFill>
+            </a:endParaRPr>
+          </a:p>
+        </p:txBody>
+      </p:sp>
+      <p:sp>
+        <p:nvSpPr>
+          <p:cNvPr id="9" name="Rectangle 8"/>
+          <p:cNvSpPr/>
+          <p:nvPr/>
+        </p:nvSpPr>
+        <p:spPr>
+          <a:xfrm>
+            <a:off x="4299585" y="1624846"/>
+            <a:ext cx="819150" cy="411480"/>
+          </a:xfrm>
+          <a:prstGeom prst="rect">
+            <a:avLst/>
+          </a:prstGeom>
+          <a:solidFill>
+            <a:schemeClr val="bg2"/>
+          </a:solidFill>
+          <a:ln w="12700">
+            <a:solidFill>
+              <a:schemeClr val="tx1"/>
+            </a:solidFill>
+          </a:ln>
+        </p:spPr>
+        <p:style>
+          <a:lnRef idx="2">
+            <a:schemeClr val="accent1">
+              <a:shade val="50000"/>
+            </a:schemeClr>
+          </a:lnRef>
+          <a:fillRef idx="1">
+            <a:schemeClr val="accent1"/>
+          </a:fillRef>
+          <a:effectRef idx="0">
+            <a:schemeClr val="accent1"/>
+          </a:effectRef>
+          <a:fontRef idx="minor">
+            <a:schemeClr val="lt1"/>
+          </a:fontRef>
+        </p:style>
+        <p:txBody>
+          <a:bodyPr rtlCol="0" anchor="ctr"/>
+          <a:lstStyle/>
+          <a:p>
+            <a:pPr algn="ctr"/>
+            <a:r>
+              <a:rPr lang="en-US" b="1" dirty="0" smtClean="0">
+                <a:solidFill>
+                  <a:schemeClr val="tx1"/>
+                </a:solidFill>
+              </a:rPr>
+              <a:t>Cancel</a:t>
+            </a:r>
+            <a:endParaRPr lang="en-US" b="1" dirty="0">
+              <a:solidFill>
+                <a:schemeClr val="tx1"/>
+              </a:solidFill>
+            </a:endParaRPr>
+          </a:p>
+        </p:txBody>
+      </p:sp>
+      <p:sp>
+        <p:nvSpPr>
+          <p:cNvPr id="10" name="Rectangle 9"/>
+          <p:cNvSpPr/>
+          <p:nvPr/>
+        </p:nvSpPr>
+        <p:spPr>
+          <a:xfrm>
+            <a:off x="1764030" y="472202"/>
+            <a:ext cx="2324100" cy="379214"/>
+          </a:xfrm>
+          <a:prstGeom prst="rect">
+            <a:avLst/>
+          </a:prstGeom>
+          <a:solidFill>
+            <a:schemeClr val="bg1"/>
+          </a:solidFill>
+          <a:ln w="19050">
+            <a:solidFill>
+              <a:schemeClr val="tx1"/>
+            </a:solidFill>
+          </a:ln>
+        </p:spPr>
+        <p:style>
+          <a:lnRef idx="2">
+            <a:schemeClr val="accent1">
+              <a:shade val="50000"/>
+            </a:schemeClr>
+          </a:lnRef>
+          <a:fillRef idx="1">
+            <a:schemeClr val="accent1"/>
+          </a:fillRef>
+          <a:effectRef idx="0">
+            <a:schemeClr val="accent1"/>
+          </a:effectRef>
+          <a:fontRef idx="minor">
+            <a:schemeClr val="lt1"/>
+          </a:fontRef>
+        </p:style>
+        <p:txBody>
+          <a:bodyPr rtlCol="0" anchor="ctr"/>
+          <a:lstStyle/>
+          <a:p>
+            <a:pPr algn="ctr"/>
+            <a:endParaRPr lang="en-US"/>
+          </a:p>
+        </p:txBody>
+      </p:sp>
+      <p:sp>
+        <p:nvSpPr>
+          <p:cNvPr id="11" name="TextBox 10"/>
+          <p:cNvSpPr txBox="1"/>
+          <p:nvPr/>
+        </p:nvSpPr>
+        <p:spPr>
+          <a:xfrm>
+            <a:off x="110051" y="489704"/>
+            <a:ext cx="1653979" cy="369332"/>
+          </a:xfrm>
+          <a:prstGeom prst="rect">
+            <a:avLst/>
+          </a:prstGeom>
+          <a:solidFill>
+            <a:schemeClr val="bg1"/>
+          </a:solidFill>
+        </p:spPr>
+        <p:txBody>
+          <a:bodyPr wrap="none" rtlCol="0">
+            <a:spAutoFit/>
+          </a:bodyPr>
+          <a:lstStyle/>
+          <a:p>
+            <a:r>
+              <a:rPr lang="en-US" dirty="0" smtClean="0"/>
+              <a:t>Sensitive field 1</a:t>
+            </a:r>
+            <a:endParaRPr lang="en-US" dirty="0"/>
+          </a:p>
+        </p:txBody>
+      </p:sp>
+      <p:sp>
+        <p:nvSpPr>
+          <p:cNvPr id="12" name="Rectangle 11"/>
+          <p:cNvSpPr/>
+          <p:nvPr/>
+        </p:nvSpPr>
+        <p:spPr>
+          <a:xfrm>
+            <a:off x="1764030" y="1023759"/>
+            <a:ext cx="2324100" cy="379214"/>
+          </a:xfrm>
+          <a:prstGeom prst="rect">
+            <a:avLst/>
+          </a:prstGeom>
+          <a:solidFill>
+            <a:schemeClr val="bg1"/>
+          </a:solidFill>
+          <a:ln w="19050">
+            <a:solidFill>
+              <a:schemeClr val="tx1"/>
+            </a:solidFill>
+          </a:ln>
+        </p:spPr>
+        <p:style>
+          <a:lnRef idx="2">
+            <a:schemeClr val="accent1">
+              <a:shade val="50000"/>
+            </a:schemeClr>
+          </a:lnRef>
+          <a:fillRef idx="1">
+            <a:schemeClr val="accent1"/>
+          </a:fillRef>
+          <a:effectRef idx="0">
+            <a:schemeClr val="accent1"/>
+          </a:effectRef>
+          <a:fontRef idx="minor">
+            <a:schemeClr val="lt1"/>
+          </a:fontRef>
+        </p:style>
+        <p:txBody>
+          <a:bodyPr rtlCol="0" anchor="ctr"/>
+          <a:lstStyle/>
+          <a:p>
+            <a:pPr algn="ctr"/>
+            <a:endParaRPr lang="en-US"/>
+          </a:p>
+        </p:txBody>
+      </p:sp>
+      <p:sp>
+        <p:nvSpPr>
+          <p:cNvPr id="13" name="TextBox 12"/>
+          <p:cNvSpPr txBox="1"/>
+          <p:nvPr/>
+        </p:nvSpPr>
+        <p:spPr>
+          <a:xfrm>
+            <a:off x="110051" y="1041261"/>
+            <a:ext cx="1653979" cy="369332"/>
+          </a:xfrm>
+          <a:prstGeom prst="rect">
+            <a:avLst/>
+          </a:prstGeom>
+          <a:solidFill>
+            <a:schemeClr val="bg1"/>
+          </a:solidFill>
+        </p:spPr>
+        <p:txBody>
+          <a:bodyPr wrap="none" rtlCol="0">
+            <a:spAutoFit/>
+          </a:bodyPr>
+          <a:lstStyle/>
+          <a:p>
+            <a:r>
+              <a:rPr lang="en-US" dirty="0" smtClean="0"/>
+              <a:t>Sensitive field 2</a:t>
+            </a:r>
+            <a:endParaRPr lang="en-US" dirty="0"/>
+          </a:p>
+        </p:txBody>
+      </p:sp>
+      <p:pic>
+        <p:nvPicPr>
+          <p:cNvPr id="14" name="Picture 13"/>
+          <p:cNvPicPr>
+            <a:picLocks noChangeAspect="1"/>
+          </p:cNvPicPr>
+          <p:nvPr/>
+        </p:nvPicPr>
+        <p:blipFill>
+          <a:blip r:embed="rId2" cstate="print">
+            <a:extLst>
+              <a:ext uri="{28A0092B-C50C-407E-A947-70E740481C1C}">
+                <a14:useLocalDpi xmlns:a14="http://schemas.microsoft.com/office/drawing/2010/main" val="0"/>
+              </a:ext>
+            </a:extLst>
+          </a:blip>
+          <a:stretch>
+            <a:fillRect/>
+          </a:stretch>
+        </p:blipFill>
+        <p:spPr>
+          <a:xfrm>
+            <a:off x="3003932" y="1799213"/>
+            <a:ext cx="172311" cy="172311"/>
+          </a:xfrm>
+          <a:prstGeom prst="rect">
+            <a:avLst/>
+          </a:prstGeom>
+        </p:spPr>
+      </p:pic>
+      <p:sp>
+        <p:nvSpPr>
+          <p:cNvPr id="15" name="Rectangle 14"/>
+          <p:cNvSpPr/>
+          <p:nvPr/>
+        </p:nvSpPr>
+        <p:spPr>
+          <a:xfrm>
+            <a:off x="2969107" y="1761113"/>
+            <a:ext cx="241959" cy="241959"/>
+          </a:xfrm>
+          <a:prstGeom prst="rect">
+            <a:avLst/>
+          </a:prstGeom>
+          <a:noFill/>
+          <a:ln w="28575">
+            <a:solidFill>
+              <a:srgbClr val="FF0000"/>
+            </a:solidFill>
+            <a:prstDash val="sysDot"/>
+          </a:ln>
+        </p:spPr>
+        <p:style>
+          <a:lnRef idx="2">
+            <a:schemeClr val="accent1">
+              <a:shade val="50000"/>
+            </a:schemeClr>
+          </a:lnRef>
+          <a:fillRef idx="1">
+            <a:schemeClr val="accent1"/>
+          </a:fillRef>
+          <a:effectRef idx="0">
+            <a:schemeClr val="accent1"/>
+          </a:effectRef>
+          <a:fontRef idx="minor">
+            <a:schemeClr val="lt1"/>
+          </a:fontRef>
+        </p:style>
+        <p:txBody>
+          <a:bodyPr rtlCol="0" anchor="ctr"/>
+          <a:lstStyle/>
+          <a:p>
+            <a:pPr algn="ctr"/>
+            <a:endParaRPr lang="en-US"/>
+          </a:p>
+        </p:txBody>
+      </p:sp>
+      <p:sp>
+        <p:nvSpPr>
+          <p:cNvPr id="16" name="Rectangle 15"/>
+          <p:cNvSpPr/>
+          <p:nvPr/>
+        </p:nvSpPr>
+        <p:spPr>
+          <a:xfrm>
+            <a:off x="2812211" y="1567696"/>
+            <a:ext cx="959689" cy="521970"/>
+          </a:xfrm>
+          <a:prstGeom prst="rect">
+            <a:avLst/>
+          </a:prstGeom>
+          <a:noFill/>
+          <a:ln w="28575">
+            <a:solidFill>
+              <a:srgbClr val="FF0000"/>
+            </a:solidFill>
+            <a:prstDash val="sysDot"/>
+          </a:ln>
+        </p:spPr>
+        <p:style>
+          <a:lnRef idx="2">
+            <a:schemeClr val="accent1">
+              <a:shade val="50000"/>
+            </a:schemeClr>
+          </a:lnRef>
+          <a:fillRef idx="1">
+            <a:schemeClr val="accent1"/>
+          </a:fillRef>
+          <a:effectRef idx="0">
+            <a:schemeClr val="accent1"/>
+          </a:effectRef>
+          <a:fontRef idx="minor">
+            <a:schemeClr val="lt1"/>
+          </a:fontRef>
+        </p:style>
+        <p:txBody>
+          <a:bodyPr rtlCol="0" anchor="ctr"/>
+          <a:lstStyle/>
+          <a:p>
+            <a:pPr algn="ctr"/>
+            <a:endParaRPr lang="en-US"/>
+          </a:p>
+        </p:txBody>
+      </p:sp>
     </p:spTree>
     <p:extLst>
       <p:ext uri="{BB962C8B-B14F-4D97-AF65-F5344CB8AC3E}">
@@ -12550,7 +16479,7 @@
 </p:sld>
 </file>
 
-<file path=ppt/slides/slide7.xml><?xml version="1.0" encoding="utf-8"?>
+<file path=ppt/slides/slide8.xml><?xml version="1.0" encoding="utf-8"?>
 <p:sld xmlns:a="http://schemas.openxmlformats.org/drawingml/2006/main" xmlns:r="http://schemas.openxmlformats.org/officeDocument/2006/relationships" xmlns:p="http://schemas.openxmlformats.org/presentationml/2006/main">
   <p:cSld>
     <p:spTree>
@@ -14338,7 +18267,7 @@
         <p:spPr>
           <a:xfrm>
             <a:off x="8561639" y="1863573"/>
-            <a:ext cx="1724987" cy="217111"/>
+            <a:ext cx="1811838" cy="217111"/>
           </a:xfrm>
           <a:prstGeom prst="rect">
             <a:avLst/>
@@ -14493,7 +18422,7 @@
         <p:spPr>
           <a:xfrm>
             <a:off x="9424133" y="1712581"/>
-            <a:ext cx="172311" cy="172311"/>
+            <a:ext cx="180987" cy="172311"/>
           </a:xfrm>
           <a:prstGeom prst="rect">
             <a:avLst/>
@@ -15045,6 +18974,45 @@
           </a:p>
         </p:txBody>
       </p:sp>
+      <p:cxnSp>
+        <p:nvCxnSpPr>
+          <p:cNvPr id="29" name="Elbow Connector 28"/>
+          <p:cNvCxnSpPr>
+            <a:endCxn id="78" idx="3"/>
+          </p:cNvCxnSpPr>
+          <p:nvPr/>
+        </p:nvCxnSpPr>
+        <p:spPr>
+          <a:xfrm rot="5400000">
+            <a:off x="9374522" y="2215608"/>
+            <a:ext cx="2642255" cy="2160680"/>
+          </a:xfrm>
+          <a:prstGeom prst="bentConnector2">
+            <a:avLst/>
+          </a:prstGeom>
+          <a:ln w="28575">
+            <a:solidFill>
+              <a:srgbClr val="FF0000"/>
+            </a:solidFill>
+            <a:headEnd type="none" w="med" len="med"/>
+            <a:tailEnd type="arrow" w="med" len="med"/>
+          </a:ln>
+        </p:spPr>
+        <p:style>
+          <a:lnRef idx="1">
+            <a:schemeClr val="accent1"/>
+          </a:lnRef>
+          <a:fillRef idx="0">
+            <a:schemeClr val="accent1"/>
+          </a:fillRef>
+          <a:effectRef idx="0">
+            <a:schemeClr val="accent1"/>
+          </a:effectRef>
+          <a:fontRef idx="minor">
+            <a:schemeClr val="tx1"/>
+          </a:fontRef>
+        </p:style>
+      </p:cxnSp>
     </p:spTree>
     <p:extLst>
       <p:ext uri="{BB962C8B-B14F-4D97-AF65-F5344CB8AC3E}">
@@ -15058,7 +19026,7 @@
 </p:sld>
 </file>
 
-<file path=ppt/slides/slide8.xml><?xml version="1.0" encoding="utf-8"?>
+<file path=ppt/slides/slide9.xml><?xml version="1.0" encoding="utf-8"?>
 <p:sld xmlns:a="http://schemas.openxmlformats.org/drawingml/2006/main" xmlns:r="http://schemas.openxmlformats.org/officeDocument/2006/relationships" xmlns:p="http://schemas.openxmlformats.org/presentationml/2006/main">
   <p:cSld>
     <p:spTree>
@@ -16741,1104 +20709,6 @@
     <p:extLst>
       <p:ext uri="{BB962C8B-B14F-4D97-AF65-F5344CB8AC3E}">
         <p14:creationId xmlns:p14="http://schemas.microsoft.com/office/powerpoint/2010/main" val="3284711473"/>
-      </p:ext>
-    </p:extLst>
-  </p:cSld>
-  <p:clrMapOvr>
-    <a:masterClrMapping/>
-  </p:clrMapOvr>
-</p:sld>
-</file>
-
-<file path=ppt/slides/slide9.xml><?xml version="1.0" encoding="utf-8"?>
-<p:sld xmlns:a="http://schemas.openxmlformats.org/drawingml/2006/main" xmlns:r="http://schemas.openxmlformats.org/officeDocument/2006/relationships" xmlns:p="http://schemas.openxmlformats.org/presentationml/2006/main">
-  <p:cSld>
-    <p:spTree>
-      <p:nvGrpSpPr>
-        <p:cNvPr id="1" name=""/>
-        <p:cNvGrpSpPr/>
-        <p:nvPr/>
-      </p:nvGrpSpPr>
-      <p:grpSpPr>
-        <a:xfrm>
-          <a:off x="0" y="0"/>
-          <a:ext cx="0" cy="0"/>
-          <a:chOff x="0" y="0"/>
-          <a:chExt cx="0" cy="0"/>
-        </a:xfrm>
-      </p:grpSpPr>
-      <p:grpSp>
-        <p:nvGrpSpPr>
-          <p:cNvPr id="2" name="Group 1"/>
-          <p:cNvGrpSpPr/>
-          <p:nvPr/>
-        </p:nvGrpSpPr>
-        <p:grpSpPr>
-          <a:xfrm>
-            <a:off x="2723370" y="303270"/>
-            <a:ext cx="1121972" cy="1158332"/>
-            <a:chOff x="4379857" y="2569029"/>
-            <a:chExt cx="1121972" cy="1158332"/>
-          </a:xfrm>
-        </p:grpSpPr>
-        <p:pic>
-          <p:nvPicPr>
-            <p:cNvPr id="3" name="Picture 2"/>
-            <p:cNvPicPr>
-              <a:picLocks noChangeAspect="1"/>
-            </p:cNvPicPr>
-            <p:nvPr/>
-          </p:nvPicPr>
-          <p:blipFill rotWithShape="1">
-            <a:blip r:embed="rId2"/>
-            <a:srcRect l="35542" t="19680" r="35441" b="39379"/>
-            <a:stretch/>
-          </p:blipFill>
-          <p:spPr>
-            <a:xfrm>
-              <a:off x="4379857" y="2569029"/>
-              <a:ext cx="1121972" cy="813498"/>
-            </a:xfrm>
-            <a:prstGeom prst="rect">
-              <a:avLst/>
-            </a:prstGeom>
-          </p:spPr>
-        </p:pic>
-        <p:sp>
-          <p:nvSpPr>
-            <p:cNvPr id="4" name="Rectangle 3"/>
-            <p:cNvSpPr/>
-            <p:nvPr/>
-          </p:nvSpPr>
-          <p:spPr>
-            <a:xfrm>
-              <a:off x="4530089" y="3358029"/>
-              <a:ext cx="821507" cy="369332"/>
-            </a:xfrm>
-            <a:prstGeom prst="rect">
-              <a:avLst/>
-            </a:prstGeom>
-          </p:spPr>
-          <p:txBody>
-            <a:bodyPr wrap="none">
-              <a:spAutoFit/>
-            </a:bodyPr>
-            <a:lstStyle/>
-            <a:p>
-              <a:r>
-                <a:rPr lang="en-US" b="1" dirty="0" smtClean="0"/>
-                <a:t>Device</a:t>
-              </a:r>
-              <a:endParaRPr lang="en-US" b="1" dirty="0"/>
-            </a:p>
-          </p:txBody>
-        </p:sp>
-      </p:grpSp>
-      <p:grpSp>
-        <p:nvGrpSpPr>
-          <p:cNvPr id="5" name="Group 4"/>
-          <p:cNvGrpSpPr/>
-          <p:nvPr/>
-        </p:nvGrpSpPr>
-        <p:grpSpPr>
-          <a:xfrm>
-            <a:off x="5232720" y="340821"/>
-            <a:ext cx="893699" cy="1178999"/>
-            <a:chOff x="7410680" y="2569028"/>
-            <a:chExt cx="893699" cy="1178999"/>
-          </a:xfrm>
-        </p:grpSpPr>
-        <p:pic>
-          <p:nvPicPr>
-            <p:cNvPr id="6" name="Picture 5"/>
-            <p:cNvPicPr>
-              <a:picLocks noChangeAspect="1"/>
-            </p:cNvPicPr>
-            <p:nvPr/>
-          </p:nvPicPr>
-          <p:blipFill rotWithShape="1">
-            <a:blip r:embed="rId3" cstate="print">
-              <a:extLst>
-                <a:ext uri="{28A0092B-C50C-407E-A947-70E740481C1C}">
-                  <a14:useLocalDpi xmlns:a14="http://schemas.microsoft.com/office/drawing/2010/main" val="0"/>
-                </a:ext>
-              </a:extLst>
-            </a:blip>
-            <a:srcRect t="3275" b="3208"/>
-            <a:stretch/>
-          </p:blipFill>
-          <p:spPr>
-            <a:xfrm>
-              <a:off x="7410680" y="2569028"/>
-              <a:ext cx="890228" cy="832525"/>
-            </a:xfrm>
-            <a:prstGeom prst="rect">
-              <a:avLst/>
-            </a:prstGeom>
-          </p:spPr>
-        </p:pic>
-        <p:sp>
-          <p:nvSpPr>
-            <p:cNvPr id="7" name="Rectangle 6"/>
-            <p:cNvSpPr/>
-            <p:nvPr/>
-          </p:nvSpPr>
-          <p:spPr>
-            <a:xfrm>
-              <a:off x="7428177" y="3378695"/>
-              <a:ext cx="876202" cy="369332"/>
-            </a:xfrm>
-            <a:prstGeom prst="rect">
-              <a:avLst/>
-            </a:prstGeom>
-          </p:spPr>
-          <p:txBody>
-            <a:bodyPr wrap="none">
-              <a:spAutoFit/>
-            </a:bodyPr>
-            <a:lstStyle/>
-            <a:p>
-              <a:r>
-                <a:rPr lang="en-US" b="1" dirty="0" smtClean="0"/>
-                <a:t>Display</a:t>
-              </a:r>
-              <a:endParaRPr lang="en-US" b="1" dirty="0"/>
-            </a:p>
-          </p:txBody>
-        </p:sp>
-      </p:grpSp>
-      <p:grpSp>
-        <p:nvGrpSpPr>
-          <p:cNvPr id="8" name="Group 7"/>
-          <p:cNvGrpSpPr/>
-          <p:nvPr/>
-        </p:nvGrpSpPr>
-        <p:grpSpPr>
-          <a:xfrm>
-            <a:off x="0" y="303269"/>
-            <a:ext cx="1155357" cy="1178999"/>
-            <a:chOff x="1396313" y="2549541"/>
-            <a:chExt cx="1155357" cy="1178999"/>
-          </a:xfrm>
-        </p:grpSpPr>
-        <p:grpSp>
-          <p:nvGrpSpPr>
-            <p:cNvPr id="9" name="Group 8"/>
-            <p:cNvGrpSpPr/>
-            <p:nvPr/>
-          </p:nvGrpSpPr>
-          <p:grpSpPr>
-            <a:xfrm>
-              <a:off x="1396313" y="2549541"/>
-              <a:ext cx="1155357" cy="834164"/>
-              <a:chOff x="1396313" y="2549541"/>
-              <a:chExt cx="1155357" cy="834164"/>
-            </a:xfrm>
-          </p:grpSpPr>
-          <p:pic>
-            <p:nvPicPr>
-              <p:cNvPr id="11" name="Picture 10"/>
-              <p:cNvPicPr>
-                <a:picLocks noChangeAspect="1"/>
-              </p:cNvPicPr>
-              <p:nvPr/>
-            </p:nvPicPr>
-            <p:blipFill rotWithShape="1">
-              <a:blip r:embed="rId4"/>
-              <a:srcRect l="24261" t="14798" r="24188" b="14569"/>
-              <a:stretch/>
-            </p:blipFill>
-            <p:spPr>
-              <a:xfrm>
-                <a:off x="1396313" y="2570207"/>
-                <a:ext cx="1155357" cy="813498"/>
-              </a:xfrm>
-              <a:prstGeom prst="rect">
-                <a:avLst/>
-              </a:prstGeom>
-            </p:spPr>
-          </p:pic>
-          <p:pic>
-            <p:nvPicPr>
-              <p:cNvPr id="12" name="Picture 11"/>
-              <p:cNvPicPr>
-                <a:picLocks noChangeAspect="1"/>
-              </p:cNvPicPr>
-              <p:nvPr/>
-            </p:nvPicPr>
-            <p:blipFill>
-              <a:blip r:embed="rId5" cstate="print">
-                <a:extLst>
-                  <a:ext uri="{28A0092B-C50C-407E-A947-70E740481C1C}">
-                    <a14:useLocalDpi xmlns:a14="http://schemas.microsoft.com/office/drawing/2010/main" val="0"/>
-                  </a:ext>
-                </a:extLst>
-              </a:blip>
-              <a:stretch>
-                <a:fillRect/>
-              </a:stretch>
-            </p:blipFill>
-            <p:spPr>
-              <a:xfrm>
-                <a:off x="1460578" y="2549541"/>
-                <a:ext cx="453610" cy="453610"/>
-              </a:xfrm>
-              <a:prstGeom prst="rect">
-                <a:avLst/>
-              </a:prstGeom>
-            </p:spPr>
-          </p:pic>
-        </p:grpSp>
-        <p:sp>
-          <p:nvSpPr>
-            <p:cNvPr id="10" name="Rectangle 9"/>
-            <p:cNvSpPr/>
-            <p:nvPr/>
-          </p:nvSpPr>
-          <p:spPr>
-            <a:xfrm>
-              <a:off x="1662527" y="3359208"/>
-              <a:ext cx="622927" cy="369332"/>
-            </a:xfrm>
-            <a:prstGeom prst="rect">
-              <a:avLst/>
-            </a:prstGeom>
-          </p:spPr>
-          <p:txBody>
-            <a:bodyPr wrap="none">
-              <a:spAutoFit/>
-            </a:bodyPr>
-            <a:lstStyle/>
-            <a:p>
-              <a:r>
-                <a:rPr lang="en-US" b="1" dirty="0" smtClean="0"/>
-                <a:t>Host</a:t>
-              </a:r>
-              <a:endParaRPr lang="en-US" b="1" dirty="0"/>
-            </a:p>
-          </p:txBody>
-        </p:sp>
-      </p:grpSp>
-      <p:pic>
-        <p:nvPicPr>
-          <p:cNvPr id="15" name="Picture 14"/>
-          <p:cNvPicPr>
-            <a:picLocks noChangeAspect="1"/>
-          </p:cNvPicPr>
-          <p:nvPr/>
-        </p:nvPicPr>
-        <p:blipFill rotWithShape="1">
-          <a:blip r:embed="rId6" cstate="print">
-            <a:extLst>
-              <a:ext uri="{28A0092B-C50C-407E-A947-70E740481C1C}">
-                <a14:useLocalDpi xmlns:a14="http://schemas.microsoft.com/office/drawing/2010/main" val="0"/>
-              </a:ext>
-            </a:extLst>
-          </a:blip>
-          <a:srcRect t="14679" b="14612"/>
-          <a:stretch/>
-        </p:blipFill>
-        <p:spPr>
-          <a:xfrm>
-            <a:off x="1819423" y="1895276"/>
-            <a:ext cx="974772" cy="689251"/>
-          </a:xfrm>
-          <a:prstGeom prst="rect">
-            <a:avLst/>
-          </a:prstGeom>
-        </p:spPr>
-      </p:pic>
-      <p:pic>
-        <p:nvPicPr>
-          <p:cNvPr id="16" name="Picture 15"/>
-          <p:cNvPicPr>
-            <a:picLocks noChangeAspect="1"/>
-          </p:cNvPicPr>
-          <p:nvPr/>
-        </p:nvPicPr>
-        <p:blipFill rotWithShape="1">
-          <a:blip r:embed="rId7" cstate="print">
-            <a:extLst>
-              <a:ext uri="{28A0092B-C50C-407E-A947-70E740481C1C}">
-                <a14:useLocalDpi xmlns:a14="http://schemas.microsoft.com/office/drawing/2010/main" val="0"/>
-              </a:ext>
-            </a:extLst>
-          </a:blip>
-          <a:srcRect t="9849" b="9916"/>
-          <a:stretch/>
-        </p:blipFill>
-        <p:spPr>
-          <a:xfrm>
-            <a:off x="3863341" y="1925628"/>
-            <a:ext cx="859039" cy="689251"/>
-          </a:xfrm>
-          <a:prstGeom prst="rect">
-            <a:avLst/>
-          </a:prstGeom>
-        </p:spPr>
-      </p:pic>
-      <p:grpSp>
-        <p:nvGrpSpPr>
-          <p:cNvPr id="21" name="Group 20"/>
-          <p:cNvGrpSpPr/>
-          <p:nvPr/>
-        </p:nvGrpSpPr>
-        <p:grpSpPr>
-          <a:xfrm>
-            <a:off x="2293345" y="1461602"/>
-            <a:ext cx="1930253" cy="503521"/>
-            <a:chOff x="3510935" y="3575185"/>
-            <a:chExt cx="1930253" cy="519167"/>
-          </a:xfrm>
-        </p:grpSpPr>
-        <p:cxnSp>
-          <p:nvCxnSpPr>
-            <p:cNvPr id="22" name="Straight Connector 21"/>
-            <p:cNvCxnSpPr/>
-            <p:nvPr/>
-          </p:nvCxnSpPr>
-          <p:spPr>
-            <a:xfrm>
-              <a:off x="4471801" y="3575185"/>
-              <a:ext cx="0" cy="367583"/>
-            </a:xfrm>
-            <a:prstGeom prst="line">
-              <a:avLst/>
-            </a:prstGeom>
-            <a:ln w="28575"/>
-          </p:spPr>
-          <p:style>
-            <a:lnRef idx="1">
-              <a:schemeClr val="dk1"/>
-            </a:lnRef>
-            <a:fillRef idx="0">
-              <a:schemeClr val="dk1"/>
-            </a:fillRef>
-            <a:effectRef idx="0">
-              <a:schemeClr val="dk1"/>
-            </a:effectRef>
-            <a:fontRef idx="minor">
-              <a:schemeClr val="tx1"/>
-            </a:fontRef>
-          </p:style>
-        </p:cxnSp>
-        <p:grpSp>
-          <p:nvGrpSpPr>
-            <p:cNvPr id="23" name="Group 22"/>
-            <p:cNvGrpSpPr/>
-            <p:nvPr/>
-          </p:nvGrpSpPr>
-          <p:grpSpPr>
-            <a:xfrm>
-              <a:off x="3510935" y="3950318"/>
-              <a:ext cx="1930253" cy="144034"/>
-              <a:chOff x="4474242" y="4502768"/>
-              <a:chExt cx="1394552" cy="330546"/>
-            </a:xfrm>
-          </p:grpSpPr>
-          <p:cxnSp>
-            <p:nvCxnSpPr>
-              <p:cNvPr id="24" name="Straight Connector 23"/>
-              <p:cNvCxnSpPr/>
-              <p:nvPr/>
-            </p:nvCxnSpPr>
-            <p:spPr>
-              <a:xfrm>
-                <a:off x="4474242" y="4502768"/>
-                <a:ext cx="1394552" cy="0"/>
-              </a:xfrm>
-              <a:prstGeom prst="line">
-                <a:avLst/>
-              </a:prstGeom>
-              <a:ln w="28575"/>
-            </p:spPr>
-            <p:style>
-              <a:lnRef idx="1">
-                <a:schemeClr val="dk1"/>
-              </a:lnRef>
-              <a:fillRef idx="0">
-                <a:schemeClr val="dk1"/>
-              </a:fillRef>
-              <a:effectRef idx="0">
-                <a:schemeClr val="dk1"/>
-              </a:effectRef>
-              <a:fontRef idx="minor">
-                <a:schemeClr val="tx1"/>
-              </a:fontRef>
-            </p:style>
-          </p:cxnSp>
-          <p:cxnSp>
-            <p:nvCxnSpPr>
-              <p:cNvPr id="25" name="Straight Connector 24"/>
-              <p:cNvCxnSpPr/>
-              <p:nvPr/>
-            </p:nvCxnSpPr>
-            <p:spPr>
-              <a:xfrm>
-                <a:off x="4483969" y="4502768"/>
-                <a:ext cx="0" cy="330546"/>
-              </a:xfrm>
-              <a:prstGeom prst="line">
-                <a:avLst/>
-              </a:prstGeom>
-              <a:ln w="28575"/>
-            </p:spPr>
-            <p:style>
-              <a:lnRef idx="1">
-                <a:schemeClr val="dk1"/>
-              </a:lnRef>
-              <a:fillRef idx="0">
-                <a:schemeClr val="dk1"/>
-              </a:fillRef>
-              <a:effectRef idx="0">
-                <a:schemeClr val="dk1"/>
-              </a:effectRef>
-              <a:fontRef idx="minor">
-                <a:schemeClr val="tx1"/>
-              </a:fontRef>
-            </p:style>
-          </p:cxnSp>
-          <p:cxnSp>
-            <p:nvCxnSpPr>
-              <p:cNvPr id="26" name="Straight Connector 25"/>
-              <p:cNvCxnSpPr/>
-              <p:nvPr/>
-            </p:nvCxnSpPr>
-            <p:spPr>
-              <a:xfrm>
-                <a:off x="5859270" y="4502768"/>
-                <a:ext cx="0" cy="330546"/>
-              </a:xfrm>
-              <a:prstGeom prst="line">
-                <a:avLst/>
-              </a:prstGeom>
-              <a:ln w="28575"/>
-            </p:spPr>
-            <p:style>
-              <a:lnRef idx="1">
-                <a:schemeClr val="dk1"/>
-              </a:lnRef>
-              <a:fillRef idx="0">
-                <a:schemeClr val="dk1"/>
-              </a:fillRef>
-              <a:effectRef idx="0">
-                <a:schemeClr val="dk1"/>
-              </a:effectRef>
-              <a:fontRef idx="minor">
-                <a:schemeClr val="tx1"/>
-              </a:fontRef>
-            </p:style>
-          </p:cxnSp>
-        </p:grpSp>
-      </p:grpSp>
-      <p:grpSp>
-        <p:nvGrpSpPr>
-          <p:cNvPr id="28" name="Group 27"/>
-          <p:cNvGrpSpPr/>
-          <p:nvPr/>
-        </p:nvGrpSpPr>
-        <p:grpSpPr>
-          <a:xfrm>
-            <a:off x="3176356" y="1355901"/>
-            <a:ext cx="828798" cy="369332"/>
-            <a:chOff x="7903181" y="3762728"/>
-            <a:chExt cx="828798" cy="369332"/>
-          </a:xfrm>
-        </p:grpSpPr>
-        <p:sp>
-          <p:nvSpPr>
-            <p:cNvPr id="29" name="Oval 28"/>
-            <p:cNvSpPr/>
-            <p:nvPr/>
-          </p:nvSpPr>
-          <p:spPr>
-            <a:xfrm>
-              <a:off x="7903181" y="3848001"/>
-              <a:ext cx="202025" cy="198787"/>
-            </a:xfrm>
-            <a:prstGeom prst="ellipse">
-              <a:avLst/>
-            </a:prstGeom>
-            <a:ln w="19050"/>
-          </p:spPr>
-          <p:style>
-            <a:lnRef idx="2">
-              <a:schemeClr val="dk1"/>
-            </a:lnRef>
-            <a:fillRef idx="1">
-              <a:schemeClr val="lt1"/>
-            </a:fillRef>
-            <a:effectRef idx="0">
-              <a:schemeClr val="dk1"/>
-            </a:effectRef>
-            <a:fontRef idx="minor">
-              <a:schemeClr val="dk1"/>
-            </a:fontRef>
-          </p:style>
-          <p:txBody>
-            <a:bodyPr rtlCol="0" anchor="ctr"/>
-            <a:lstStyle/>
-            <a:p>
-              <a:pPr algn="ctr"/>
-              <a:r>
-                <a:rPr lang="en-US" b="1" dirty="0"/>
-                <a:t>1</a:t>
-              </a:r>
-            </a:p>
-          </p:txBody>
-        </p:sp>
-        <p:sp>
-          <p:nvSpPr>
-            <p:cNvPr id="30" name="Rectangle 29"/>
-            <p:cNvSpPr/>
-            <p:nvPr/>
-          </p:nvSpPr>
-          <p:spPr>
-            <a:xfrm>
-              <a:off x="8047176" y="3762728"/>
-              <a:ext cx="684803" cy="369332"/>
-            </a:xfrm>
-            <a:prstGeom prst="rect">
-              <a:avLst/>
-            </a:prstGeom>
-          </p:spPr>
-          <p:txBody>
-            <a:bodyPr wrap="none">
-              <a:spAutoFit/>
-            </a:bodyPr>
-            <a:lstStyle/>
-            <a:p>
-              <a:r>
-                <a:rPr lang="en-US" dirty="0"/>
-                <a:t>I</a:t>
-              </a:r>
-              <a:r>
-                <a:rPr lang="en-US" dirty="0" smtClean="0"/>
-                <a:t>nput</a:t>
-              </a:r>
-              <a:endParaRPr lang="en-US" dirty="0"/>
-            </a:p>
-          </p:txBody>
-        </p:sp>
-      </p:grpSp>
-      <p:grpSp>
-        <p:nvGrpSpPr>
-          <p:cNvPr id="31" name="Group 30"/>
-          <p:cNvGrpSpPr/>
-          <p:nvPr/>
-        </p:nvGrpSpPr>
-        <p:grpSpPr>
-          <a:xfrm>
-            <a:off x="2779892" y="-66063"/>
-            <a:ext cx="1043728" cy="369332"/>
-            <a:chOff x="7903181" y="3762728"/>
-            <a:chExt cx="1043728" cy="369332"/>
-          </a:xfrm>
-        </p:grpSpPr>
-        <p:sp>
-          <p:nvSpPr>
-            <p:cNvPr id="32" name="Oval 31"/>
-            <p:cNvSpPr/>
-            <p:nvPr/>
-          </p:nvSpPr>
-          <p:spPr>
-            <a:xfrm>
-              <a:off x="7903181" y="3848001"/>
-              <a:ext cx="202025" cy="198787"/>
-            </a:xfrm>
-            <a:prstGeom prst="ellipse">
-              <a:avLst/>
-            </a:prstGeom>
-            <a:ln w="19050"/>
-          </p:spPr>
-          <p:style>
-            <a:lnRef idx="2">
-              <a:schemeClr val="dk1"/>
-            </a:lnRef>
-            <a:fillRef idx="1">
-              <a:schemeClr val="lt1"/>
-            </a:fillRef>
-            <a:effectRef idx="0">
-              <a:schemeClr val="dk1"/>
-            </a:effectRef>
-            <a:fontRef idx="minor">
-              <a:schemeClr val="dk1"/>
-            </a:fontRef>
-          </p:style>
-          <p:txBody>
-            <a:bodyPr rtlCol="0" anchor="ctr"/>
-            <a:lstStyle/>
-            <a:p>
-              <a:pPr algn="ctr"/>
-              <a:r>
-                <a:rPr lang="en-US" b="1" dirty="0" smtClean="0"/>
-                <a:t>2</a:t>
-              </a:r>
-              <a:endParaRPr lang="en-US" b="1" dirty="0"/>
-            </a:p>
-          </p:txBody>
-        </p:sp>
-        <p:sp>
-          <p:nvSpPr>
-            <p:cNvPr id="33" name="Rectangle 32"/>
-            <p:cNvSpPr/>
-            <p:nvPr/>
-          </p:nvSpPr>
-          <p:spPr>
-            <a:xfrm>
-              <a:off x="8047176" y="3762728"/>
-              <a:ext cx="899733" cy="369332"/>
-            </a:xfrm>
-            <a:prstGeom prst="rect">
-              <a:avLst/>
-            </a:prstGeom>
-          </p:spPr>
-          <p:txBody>
-            <a:bodyPr wrap="none">
-              <a:spAutoFit/>
-            </a:bodyPr>
-            <a:lstStyle/>
-            <a:p>
-              <a:r>
-                <a:rPr lang="en-US" dirty="0" smtClean="0"/>
-                <a:t>Encrypt</a:t>
-              </a:r>
-              <a:endParaRPr lang="en-US" dirty="0"/>
-            </a:p>
-          </p:txBody>
-        </p:sp>
-      </p:grpSp>
-      <p:cxnSp>
-        <p:nvCxnSpPr>
-          <p:cNvPr id="34" name="Straight Arrow Connector 33"/>
-          <p:cNvCxnSpPr/>
-          <p:nvPr/>
-        </p:nvCxnSpPr>
-        <p:spPr>
-          <a:xfrm flipH="1">
-            <a:off x="1198606" y="673443"/>
-            <a:ext cx="1464276" cy="0"/>
-          </a:xfrm>
-          <a:prstGeom prst="straightConnector1">
-            <a:avLst/>
-          </a:prstGeom>
-          <a:ln w="19050">
-            <a:headEnd type="none" w="med" len="med"/>
-            <a:tailEnd type="arrow" w="med" len="med"/>
-          </a:ln>
-        </p:spPr>
-        <p:style>
-          <a:lnRef idx="1">
-            <a:schemeClr val="dk1"/>
-          </a:lnRef>
-          <a:fillRef idx="0">
-            <a:schemeClr val="dk1"/>
-          </a:fillRef>
-          <a:effectRef idx="0">
-            <a:schemeClr val="dk1"/>
-          </a:effectRef>
-          <a:fontRef idx="minor">
-            <a:schemeClr val="tx1"/>
-          </a:fontRef>
-        </p:style>
-      </p:cxnSp>
-      <p:grpSp>
-        <p:nvGrpSpPr>
-          <p:cNvPr id="36" name="Group 35"/>
-          <p:cNvGrpSpPr/>
-          <p:nvPr/>
-        </p:nvGrpSpPr>
-        <p:grpSpPr>
-          <a:xfrm>
-            <a:off x="1076441" y="69118"/>
-            <a:ext cx="1681729" cy="646331"/>
-            <a:chOff x="8047176" y="3762728"/>
-            <a:chExt cx="1681729" cy="646331"/>
-          </a:xfrm>
-        </p:grpSpPr>
-        <p:sp>
-          <p:nvSpPr>
-            <p:cNvPr id="37" name="Oval 36"/>
-            <p:cNvSpPr/>
-            <p:nvPr/>
-          </p:nvSpPr>
-          <p:spPr>
-            <a:xfrm>
-              <a:off x="8359131" y="3835644"/>
-              <a:ext cx="202025" cy="198787"/>
-            </a:xfrm>
-            <a:prstGeom prst="ellipse">
-              <a:avLst/>
-            </a:prstGeom>
-            <a:ln w="19050"/>
-          </p:spPr>
-          <p:style>
-            <a:lnRef idx="2">
-              <a:schemeClr val="dk1"/>
-            </a:lnRef>
-            <a:fillRef idx="1">
-              <a:schemeClr val="lt1"/>
-            </a:fillRef>
-            <a:effectRef idx="0">
-              <a:schemeClr val="dk1"/>
-            </a:effectRef>
-            <a:fontRef idx="minor">
-              <a:schemeClr val="dk1"/>
-            </a:fontRef>
-          </p:style>
-          <p:txBody>
-            <a:bodyPr rtlCol="0" anchor="ctr"/>
-            <a:lstStyle/>
-            <a:p>
-              <a:pPr algn="ctr"/>
-              <a:r>
-                <a:rPr lang="en-US" b="1" dirty="0" smtClean="0"/>
-                <a:t>3</a:t>
-              </a:r>
-              <a:endParaRPr lang="en-US" b="1" dirty="0"/>
-            </a:p>
-          </p:txBody>
-        </p:sp>
-        <p:sp>
-          <p:nvSpPr>
-            <p:cNvPr id="38" name="Rectangle 37"/>
-            <p:cNvSpPr/>
-            <p:nvPr/>
-          </p:nvSpPr>
-          <p:spPr>
-            <a:xfrm>
-              <a:off x="8047176" y="3762728"/>
-              <a:ext cx="1681729" cy="646331"/>
-            </a:xfrm>
-            <a:prstGeom prst="rect">
-              <a:avLst/>
-            </a:prstGeom>
-          </p:spPr>
-          <p:txBody>
-            <a:bodyPr wrap="square">
-              <a:spAutoFit/>
-            </a:bodyPr>
-            <a:lstStyle/>
-            <a:p>
-              <a:pPr algn="ctr"/>
-              <a:r>
-                <a:rPr lang="en-US" dirty="0" smtClean="0"/>
-                <a:t>Send  encrypted input</a:t>
-              </a:r>
-              <a:endParaRPr lang="en-US" dirty="0"/>
-            </a:p>
-          </p:txBody>
-        </p:sp>
-      </p:grpSp>
-      <p:grpSp>
-        <p:nvGrpSpPr>
-          <p:cNvPr id="40" name="Group 39"/>
-          <p:cNvGrpSpPr/>
-          <p:nvPr/>
-        </p:nvGrpSpPr>
-        <p:grpSpPr>
-          <a:xfrm>
-            <a:off x="1520138" y="839235"/>
-            <a:ext cx="920233" cy="369332"/>
-            <a:chOff x="7903181" y="3762728"/>
-            <a:chExt cx="920233" cy="369332"/>
-          </a:xfrm>
-        </p:grpSpPr>
-        <p:sp>
-          <p:nvSpPr>
-            <p:cNvPr id="41" name="Oval 40"/>
-            <p:cNvSpPr/>
-            <p:nvPr/>
-          </p:nvSpPr>
-          <p:spPr>
-            <a:xfrm>
-              <a:off x="7903181" y="3848001"/>
-              <a:ext cx="202025" cy="198787"/>
-            </a:xfrm>
-            <a:prstGeom prst="ellipse">
-              <a:avLst/>
-            </a:prstGeom>
-            <a:ln w="19050"/>
-          </p:spPr>
-          <p:style>
-            <a:lnRef idx="2">
-              <a:schemeClr val="dk1"/>
-            </a:lnRef>
-            <a:fillRef idx="1">
-              <a:schemeClr val="lt1"/>
-            </a:fillRef>
-            <a:effectRef idx="0">
-              <a:schemeClr val="dk1"/>
-            </a:effectRef>
-            <a:fontRef idx="minor">
-              <a:schemeClr val="dk1"/>
-            </a:fontRef>
-          </p:style>
-          <p:txBody>
-            <a:bodyPr rtlCol="0" anchor="ctr"/>
-            <a:lstStyle/>
-            <a:p>
-              <a:pPr algn="ctr"/>
-              <a:r>
-                <a:rPr lang="en-US" b="1" dirty="0" smtClean="0"/>
-                <a:t>4</a:t>
-              </a:r>
-              <a:endParaRPr lang="en-US" b="1" dirty="0"/>
-            </a:p>
-          </p:txBody>
-        </p:sp>
-        <p:sp>
-          <p:nvSpPr>
-            <p:cNvPr id="42" name="Rectangle 41"/>
-            <p:cNvSpPr/>
-            <p:nvPr/>
-          </p:nvSpPr>
-          <p:spPr>
-            <a:xfrm>
-              <a:off x="8047176" y="3762728"/>
-              <a:ext cx="776238" cy="369332"/>
-            </a:xfrm>
-            <a:prstGeom prst="rect">
-              <a:avLst/>
-            </a:prstGeom>
-          </p:spPr>
-          <p:txBody>
-            <a:bodyPr wrap="none">
-              <a:spAutoFit/>
-            </a:bodyPr>
-            <a:lstStyle/>
-            <a:p>
-              <a:r>
-                <a:rPr lang="en-US" dirty="0" smtClean="0"/>
-                <a:t>Frame</a:t>
-              </a:r>
-              <a:endParaRPr lang="en-US" dirty="0"/>
-            </a:p>
-          </p:txBody>
-        </p:sp>
-      </p:grpSp>
-      <p:grpSp>
-        <p:nvGrpSpPr>
-          <p:cNvPr id="43" name="Group 42"/>
-          <p:cNvGrpSpPr/>
-          <p:nvPr/>
-        </p:nvGrpSpPr>
-        <p:grpSpPr>
-          <a:xfrm>
-            <a:off x="3845342" y="331908"/>
-            <a:ext cx="1407079" cy="646331"/>
-            <a:chOff x="8047176" y="3762728"/>
-            <a:chExt cx="1542701" cy="646331"/>
-          </a:xfrm>
-        </p:grpSpPr>
-        <p:sp>
-          <p:nvSpPr>
-            <p:cNvPr id="44" name="Oval 43"/>
-            <p:cNvSpPr/>
-            <p:nvPr/>
-          </p:nvSpPr>
-          <p:spPr>
-            <a:xfrm>
-              <a:off x="8121379" y="3838218"/>
-              <a:ext cx="202025" cy="198787"/>
-            </a:xfrm>
-            <a:prstGeom prst="ellipse">
-              <a:avLst/>
-            </a:prstGeom>
-            <a:ln w="19050"/>
-          </p:spPr>
-          <p:style>
-            <a:lnRef idx="2">
-              <a:schemeClr val="dk1"/>
-            </a:lnRef>
-            <a:fillRef idx="1">
-              <a:schemeClr val="lt1"/>
-            </a:fillRef>
-            <a:effectRef idx="0">
-              <a:schemeClr val="dk1"/>
-            </a:effectRef>
-            <a:fontRef idx="minor">
-              <a:schemeClr val="dk1"/>
-            </a:fontRef>
-          </p:style>
-          <p:txBody>
-            <a:bodyPr rtlCol="0" anchor="ctr"/>
-            <a:lstStyle/>
-            <a:p>
-              <a:pPr algn="ctr"/>
-              <a:r>
-                <a:rPr lang="en-US" b="1" dirty="0" smtClean="0"/>
-                <a:t>4</a:t>
-              </a:r>
-              <a:endParaRPr lang="en-US" b="1" dirty="0"/>
-            </a:p>
-          </p:txBody>
-        </p:sp>
-        <p:sp>
-          <p:nvSpPr>
-            <p:cNvPr id="45" name="Rectangle 44"/>
-            <p:cNvSpPr/>
-            <p:nvPr/>
-          </p:nvSpPr>
-          <p:spPr>
-            <a:xfrm>
-              <a:off x="8047176" y="3762728"/>
-              <a:ext cx="1542701" cy="646331"/>
-            </a:xfrm>
-            <a:prstGeom prst="rect">
-              <a:avLst/>
-            </a:prstGeom>
-          </p:spPr>
-          <p:txBody>
-            <a:bodyPr wrap="square">
-              <a:spAutoFit/>
-            </a:bodyPr>
-            <a:lstStyle/>
-            <a:p>
-              <a:pPr algn="ctr"/>
-              <a:r>
-                <a:rPr lang="en-US" dirty="0" smtClean="0"/>
-                <a:t>Frame + input overlay</a:t>
-              </a:r>
-              <a:endParaRPr lang="en-US" dirty="0"/>
-            </a:p>
-          </p:txBody>
-        </p:sp>
-      </p:grpSp>
-      <p:cxnSp>
-        <p:nvCxnSpPr>
-          <p:cNvPr id="46" name="Straight Arrow Connector 45"/>
-          <p:cNvCxnSpPr/>
-          <p:nvPr/>
-        </p:nvCxnSpPr>
-        <p:spPr>
-          <a:xfrm>
-            <a:off x="3855136" y="673443"/>
-            <a:ext cx="1229670" cy="0"/>
-          </a:xfrm>
-          <a:prstGeom prst="straightConnector1">
-            <a:avLst/>
-          </a:prstGeom>
-          <a:ln w="19050">
-            <a:headEnd type="none" w="med" len="med"/>
-            <a:tailEnd type="arrow" w="med" len="med"/>
-          </a:ln>
-        </p:spPr>
-        <p:style>
-          <a:lnRef idx="1">
-            <a:schemeClr val="dk1"/>
-          </a:lnRef>
-          <a:fillRef idx="0">
-            <a:schemeClr val="dk1"/>
-          </a:fillRef>
-          <a:effectRef idx="0">
-            <a:schemeClr val="dk1"/>
-          </a:effectRef>
-          <a:fontRef idx="minor">
-            <a:schemeClr val="tx1"/>
-          </a:fontRef>
-        </p:style>
-      </p:cxnSp>
-      <p:cxnSp>
-        <p:nvCxnSpPr>
-          <p:cNvPr id="48" name="Straight Arrow Connector 47"/>
-          <p:cNvCxnSpPr/>
-          <p:nvPr/>
-        </p:nvCxnSpPr>
-        <p:spPr>
-          <a:xfrm>
-            <a:off x="1225478" y="853240"/>
-            <a:ext cx="1437404" cy="0"/>
-          </a:xfrm>
-          <a:prstGeom prst="straightConnector1">
-            <a:avLst/>
-          </a:prstGeom>
-          <a:ln w="19050">
-            <a:headEnd type="none" w="med" len="med"/>
-            <a:tailEnd type="arrow" w="med" len="med"/>
-          </a:ln>
-        </p:spPr>
-        <p:style>
-          <a:lnRef idx="1">
-            <a:schemeClr val="dk1"/>
-          </a:lnRef>
-          <a:fillRef idx="0">
-            <a:schemeClr val="dk1"/>
-          </a:fillRef>
-          <a:effectRef idx="0">
-            <a:schemeClr val="dk1"/>
-          </a:effectRef>
-          <a:fontRef idx="minor">
-            <a:schemeClr val="tx1"/>
-          </a:fontRef>
-        </p:style>
-      </p:cxnSp>
-      <p:sp>
-        <p:nvSpPr>
-          <p:cNvPr id="51" name="Rectangle 50"/>
-          <p:cNvSpPr/>
-          <p:nvPr/>
-        </p:nvSpPr>
-        <p:spPr>
-          <a:xfrm>
-            <a:off x="5387573" y="594532"/>
-            <a:ext cx="580521" cy="197829"/>
-          </a:xfrm>
-          <a:prstGeom prst="rect">
-            <a:avLst/>
-          </a:prstGeom>
-          <a:solidFill>
-            <a:schemeClr val="bg1"/>
-          </a:solidFill>
-          <a:ln>
-            <a:solidFill>
-              <a:schemeClr val="tx1"/>
-            </a:solidFill>
-          </a:ln>
-        </p:spPr>
-        <p:style>
-          <a:lnRef idx="2">
-            <a:schemeClr val="accent1">
-              <a:shade val="50000"/>
-            </a:schemeClr>
-          </a:lnRef>
-          <a:fillRef idx="1">
-            <a:schemeClr val="accent1"/>
-          </a:fillRef>
-          <a:effectRef idx="0">
-            <a:schemeClr val="accent1"/>
-          </a:effectRef>
-          <a:fontRef idx="minor">
-            <a:schemeClr val="lt1"/>
-          </a:fontRef>
-        </p:style>
-        <p:txBody>
-          <a:bodyPr rtlCol="0" anchor="ctr"/>
-          <a:lstStyle/>
-          <a:p>
-            <a:pPr algn="ctr"/>
-            <a:r>
-              <a:rPr lang="en-US" dirty="0" smtClean="0">
-                <a:solidFill>
-                  <a:schemeClr val="tx1"/>
-                </a:solidFill>
-                <a:latin typeface="Consolas" panose="020B0609020204030204" pitchFamily="49" charset="0"/>
-              </a:rPr>
-              <a:t>ABC</a:t>
-            </a:r>
-            <a:endParaRPr lang="en-US" dirty="0">
-              <a:solidFill>
-                <a:schemeClr val="tx1"/>
-              </a:solidFill>
-              <a:latin typeface="Consolas" panose="020B0609020204030204" pitchFamily="49" charset="0"/>
-            </a:endParaRPr>
-          </a:p>
-        </p:txBody>
-      </p:sp>
-    </p:spTree>
-    <p:extLst>
-      <p:ext uri="{BB962C8B-B14F-4D97-AF65-F5344CB8AC3E}">
-        <p14:creationId xmlns:p14="http://schemas.microsoft.com/office/powerpoint/2010/main" val="593002046"/>
       </p:ext>
     </p:extLst>
   </p:cSld>

--- a/aritra/MouseTracking/images/systemDesign.pptx
+++ b/aritra/MouseTracking/images/systemDesign.pptx
@@ -18,6 +18,7 @@
     <p:sldId id="261" r:id="rId12"/>
     <p:sldId id="263" r:id="rId13"/>
     <p:sldId id="265" r:id="rId14"/>
+    <p:sldId id="269" r:id="rId15"/>
   </p:sldIdLst>
   <p:sldSz cx="12192000" cy="6858000"/>
   <p:notesSz cx="6858000" cy="9144000"/>
@@ -255,7 +256,7 @@
           <a:p>
             <a:fld id="{AAB2D3D3-1E26-436C-8467-9F82561659A6}" type="datetimeFigureOut">
               <a:rPr lang="en-US" smtClean="0"/>
-              <a:t>1/17/2019</a:t>
+              <a:t>1/19/2019</a:t>
             </a:fld>
             <a:endParaRPr lang="en-US"/>
           </a:p>
@@ -425,7 +426,7 @@
           <a:p>
             <a:fld id="{AAB2D3D3-1E26-436C-8467-9F82561659A6}" type="datetimeFigureOut">
               <a:rPr lang="en-US" smtClean="0"/>
-              <a:t>1/17/2019</a:t>
+              <a:t>1/19/2019</a:t>
             </a:fld>
             <a:endParaRPr lang="en-US"/>
           </a:p>
@@ -605,7 +606,7 @@
           <a:p>
             <a:fld id="{AAB2D3D3-1E26-436C-8467-9F82561659A6}" type="datetimeFigureOut">
               <a:rPr lang="en-US" smtClean="0"/>
-              <a:t>1/17/2019</a:t>
+              <a:t>1/19/2019</a:t>
             </a:fld>
             <a:endParaRPr lang="en-US"/>
           </a:p>
@@ -775,7 +776,7 @@
           <a:p>
             <a:fld id="{AAB2D3D3-1E26-436C-8467-9F82561659A6}" type="datetimeFigureOut">
               <a:rPr lang="en-US" smtClean="0"/>
-              <a:t>1/17/2019</a:t>
+              <a:t>1/19/2019</a:t>
             </a:fld>
             <a:endParaRPr lang="en-US"/>
           </a:p>
@@ -1021,7 +1022,7 @@
           <a:p>
             <a:fld id="{AAB2D3D3-1E26-436C-8467-9F82561659A6}" type="datetimeFigureOut">
               <a:rPr lang="en-US" smtClean="0"/>
-              <a:t>1/17/2019</a:t>
+              <a:t>1/19/2019</a:t>
             </a:fld>
             <a:endParaRPr lang="en-US"/>
           </a:p>
@@ -1253,7 +1254,7 @@
           <a:p>
             <a:fld id="{AAB2D3D3-1E26-436C-8467-9F82561659A6}" type="datetimeFigureOut">
               <a:rPr lang="en-US" smtClean="0"/>
-              <a:t>1/17/2019</a:t>
+              <a:t>1/19/2019</a:t>
             </a:fld>
             <a:endParaRPr lang="en-US"/>
           </a:p>
@@ -1620,7 +1621,7 @@
           <a:p>
             <a:fld id="{AAB2D3D3-1E26-436C-8467-9F82561659A6}" type="datetimeFigureOut">
               <a:rPr lang="en-US" smtClean="0"/>
-              <a:t>1/17/2019</a:t>
+              <a:t>1/19/2019</a:t>
             </a:fld>
             <a:endParaRPr lang="en-US"/>
           </a:p>
@@ -1738,7 +1739,7 @@
           <a:p>
             <a:fld id="{AAB2D3D3-1E26-436C-8467-9F82561659A6}" type="datetimeFigureOut">
               <a:rPr lang="en-US" smtClean="0"/>
-              <a:t>1/17/2019</a:t>
+              <a:t>1/19/2019</a:t>
             </a:fld>
             <a:endParaRPr lang="en-US"/>
           </a:p>
@@ -1833,7 +1834,7 @@
           <a:p>
             <a:fld id="{AAB2D3D3-1E26-436C-8467-9F82561659A6}" type="datetimeFigureOut">
               <a:rPr lang="en-US" smtClean="0"/>
-              <a:t>1/17/2019</a:t>
+              <a:t>1/19/2019</a:t>
             </a:fld>
             <a:endParaRPr lang="en-US"/>
           </a:p>
@@ -2110,7 +2111,7 @@
           <a:p>
             <a:fld id="{AAB2D3D3-1E26-436C-8467-9F82561659A6}" type="datetimeFigureOut">
               <a:rPr lang="en-US" smtClean="0"/>
-              <a:t>1/17/2019</a:t>
+              <a:t>1/19/2019</a:t>
             </a:fld>
             <a:endParaRPr lang="en-US"/>
           </a:p>
@@ -2363,7 +2364,7 @@
           <a:p>
             <a:fld id="{AAB2D3D3-1E26-436C-8467-9F82561659A6}" type="datetimeFigureOut">
               <a:rPr lang="en-US" smtClean="0"/>
-              <a:t>1/17/2019</a:t>
+              <a:t>1/19/2019</a:t>
             </a:fld>
             <a:endParaRPr lang="en-US"/>
           </a:p>
@@ -2576,7 +2577,7 @@
           <a:p>
             <a:fld id="{AAB2D3D3-1E26-436C-8467-9F82561659A6}" type="datetimeFigureOut">
               <a:rPr lang="en-US" smtClean="0"/>
-              <a:t>1/17/2019</a:t>
+              <a:t>1/19/2019</a:t>
             </a:fld>
             <a:endParaRPr lang="en-US"/>
           </a:p>
@@ -7331,6 +7332,232 @@
     <p:extLst>
       <p:ext uri="{BB962C8B-B14F-4D97-AF65-F5344CB8AC3E}">
         <p14:creationId xmlns:p14="http://schemas.microsoft.com/office/powerpoint/2010/main" val="2778382210"/>
+      </p:ext>
+    </p:extLst>
+  </p:cSld>
+  <p:clrMapOvr>
+    <a:masterClrMapping/>
+  </p:clrMapOvr>
+</p:sld>
+</file>
+
+<file path=ppt/slides/slide14.xml><?xml version="1.0" encoding="utf-8"?>
+<p:sld xmlns:a="http://schemas.openxmlformats.org/drawingml/2006/main" xmlns:r="http://schemas.openxmlformats.org/officeDocument/2006/relationships" xmlns:p="http://schemas.openxmlformats.org/presentationml/2006/main">
+  <p:cSld>
+    <p:spTree>
+      <p:nvGrpSpPr>
+        <p:cNvPr id="1" name=""/>
+        <p:cNvGrpSpPr/>
+        <p:nvPr/>
+      </p:nvGrpSpPr>
+      <p:grpSpPr>
+        <a:xfrm>
+          <a:off x="0" y="0"/>
+          <a:ext cx="0" cy="0"/>
+          <a:chOff x="0" y="0"/>
+          <a:chExt cx="0" cy="0"/>
+        </a:xfrm>
+      </p:grpSpPr>
+      <p:pic>
+        <p:nvPicPr>
+          <p:cNvPr id="4" name="Picture 3"/>
+          <p:cNvPicPr>
+            <a:picLocks noChangeAspect="1"/>
+          </p:cNvPicPr>
+          <p:nvPr/>
+        </p:nvPicPr>
+        <p:blipFill>
+          <a:blip r:embed="rId2">
+            <a:extLst>
+              <a:ext uri="{28A0092B-C50C-407E-A947-70E740481C1C}">
+                <a14:useLocalDpi xmlns:a14="http://schemas.microsoft.com/office/drawing/2010/main" val="0"/>
+              </a:ext>
+            </a:extLst>
+          </a:blip>
+          <a:stretch>
+            <a:fillRect/>
+          </a:stretch>
+        </p:blipFill>
+        <p:spPr>
+          <a:xfrm>
+            <a:off x="0" y="0"/>
+            <a:ext cx="5067300" cy="3562350"/>
+          </a:xfrm>
+          <a:prstGeom prst="rect">
+            <a:avLst/>
+          </a:prstGeom>
+        </p:spPr>
+      </p:pic>
+      <p:sp>
+        <p:nvSpPr>
+          <p:cNvPr id="5" name="Rectangle 4"/>
+          <p:cNvSpPr/>
+          <p:nvPr/>
+        </p:nvSpPr>
+        <p:spPr>
+          <a:xfrm>
+            <a:off x="268014" y="1005052"/>
+            <a:ext cx="1608083" cy="1580493"/>
+          </a:xfrm>
+          <a:prstGeom prst="rect">
+            <a:avLst/>
+          </a:prstGeom>
+          <a:noFill/>
+          <a:ln w="38100">
+            <a:solidFill>
+              <a:srgbClr val="FF0000"/>
+            </a:solidFill>
+          </a:ln>
+        </p:spPr>
+        <p:style>
+          <a:lnRef idx="2">
+            <a:schemeClr val="accent1">
+              <a:shade val="50000"/>
+            </a:schemeClr>
+          </a:lnRef>
+          <a:fillRef idx="1">
+            <a:schemeClr val="accent1"/>
+          </a:fillRef>
+          <a:effectRef idx="0">
+            <a:schemeClr val="accent1"/>
+          </a:effectRef>
+          <a:fontRef idx="minor">
+            <a:schemeClr val="lt1"/>
+          </a:fontRef>
+        </p:style>
+        <p:txBody>
+          <a:bodyPr rtlCol="0" anchor="ctr"/>
+          <a:lstStyle/>
+          <a:p>
+            <a:pPr algn="ctr"/>
+            <a:endParaRPr lang="en-US"/>
+          </a:p>
+        </p:txBody>
+      </p:sp>
+      <p:sp>
+        <p:nvSpPr>
+          <p:cNvPr id="6" name="Rectangle 5"/>
+          <p:cNvSpPr/>
+          <p:nvPr/>
+        </p:nvSpPr>
+        <p:spPr>
+          <a:xfrm>
+            <a:off x="74886" y="3256236"/>
+            <a:ext cx="5052848" cy="334361"/>
+          </a:xfrm>
+          <a:prstGeom prst="rect">
+            <a:avLst/>
+          </a:prstGeom>
+          <a:noFill/>
+          <a:ln w="38100">
+            <a:solidFill>
+              <a:srgbClr val="FF0000"/>
+            </a:solidFill>
+          </a:ln>
+        </p:spPr>
+        <p:style>
+          <a:lnRef idx="2">
+            <a:schemeClr val="accent1">
+              <a:shade val="50000"/>
+            </a:schemeClr>
+          </a:lnRef>
+          <a:fillRef idx="1">
+            <a:schemeClr val="accent1"/>
+          </a:fillRef>
+          <a:effectRef idx="0">
+            <a:schemeClr val="accent1"/>
+          </a:effectRef>
+          <a:fontRef idx="minor">
+            <a:schemeClr val="lt1"/>
+          </a:fontRef>
+        </p:style>
+        <p:txBody>
+          <a:bodyPr rtlCol="0" anchor="ctr"/>
+          <a:lstStyle/>
+          <a:p>
+            <a:pPr algn="ctr"/>
+            <a:endParaRPr lang="en-US"/>
+          </a:p>
+        </p:txBody>
+      </p:sp>
+      <p:sp>
+        <p:nvSpPr>
+          <p:cNvPr id="7" name="Rectangle 6"/>
+          <p:cNvSpPr/>
+          <p:nvPr/>
+        </p:nvSpPr>
+        <p:spPr>
+          <a:xfrm>
+            <a:off x="1833868" y="879507"/>
+            <a:ext cx="2735621" cy="369332"/>
+          </a:xfrm>
+          <a:prstGeom prst="rect">
+            <a:avLst/>
+          </a:prstGeom>
+        </p:spPr>
+        <p:txBody>
+          <a:bodyPr wrap="none">
+            <a:spAutoFit/>
+          </a:bodyPr>
+          <a:lstStyle/>
+          <a:p>
+            <a:r>
+              <a:rPr lang="en-US" b="1" dirty="0" smtClean="0">
+                <a:solidFill>
+                  <a:srgbClr val="FF0000"/>
+                </a:solidFill>
+              </a:rPr>
+              <a:t>Remote server’s certificate</a:t>
+            </a:r>
+            <a:endParaRPr lang="en-US" b="1" dirty="0">
+              <a:solidFill>
+                <a:srgbClr val="FF0000"/>
+              </a:solidFill>
+            </a:endParaRPr>
+          </a:p>
+        </p:txBody>
+      </p:sp>
+      <p:sp>
+        <p:nvSpPr>
+          <p:cNvPr id="10" name="Rectangle 9"/>
+          <p:cNvSpPr/>
+          <p:nvPr/>
+        </p:nvSpPr>
+        <p:spPr>
+          <a:xfrm>
+            <a:off x="2764034" y="2858657"/>
+            <a:ext cx="2456955" cy="369332"/>
+          </a:xfrm>
+          <a:prstGeom prst="rect">
+            <a:avLst/>
+          </a:prstGeom>
+        </p:spPr>
+        <p:txBody>
+          <a:bodyPr wrap="none">
+            <a:spAutoFit/>
+          </a:bodyPr>
+          <a:lstStyle/>
+          <a:p>
+            <a:r>
+              <a:rPr lang="en-US" b="1" dirty="0" smtClean="0">
+                <a:solidFill>
+                  <a:srgbClr val="FF0000"/>
+                </a:solidFill>
+              </a:rPr>
+              <a:t>Certificate of the Bridge</a:t>
+            </a:r>
+            <a:endParaRPr lang="en-US" b="1" dirty="0">
+              <a:solidFill>
+                <a:srgbClr val="FF0000"/>
+              </a:solidFill>
+            </a:endParaRPr>
+          </a:p>
+        </p:txBody>
+      </p:sp>
+    </p:spTree>
+    <p:extLst>
+      <p:ext uri="{BB962C8B-B14F-4D97-AF65-F5344CB8AC3E}">
+        <p14:creationId xmlns:p14="http://schemas.microsoft.com/office/powerpoint/2010/main" val="1280400003"/>
       </p:ext>
     </p:extLst>
   </p:cSld>
@@ -14493,8 +14720,8 @@
           </p:sp>
         </mc:Fallback>
       </mc:AlternateContent>
-      <mc:AlternateContent xmlns:mc="http://schemas.openxmlformats.org/markup-compatibility/2006">
-        <mc:Choice xmlns:a14="http://schemas.microsoft.com/office/drawing/2010/main" Requires="a14">
+      <mc:AlternateContent xmlns:mc="http://schemas.openxmlformats.org/markup-compatibility/2006" xmlns:a14="http://schemas.microsoft.com/office/drawing/2010/main">
+        <mc:Choice Requires="a14">
           <p:sp>
             <p:nvSpPr>
               <p:cNvPr id="44" name="TextBox 43"/>
@@ -14600,7 +14827,7 @@
             </p:txBody>
           </p:sp>
         </mc:Choice>
-        <mc:Fallback>
+        <mc:Fallback xmlns="">
           <p:sp>
             <p:nvSpPr>
               <p:cNvPr id="44" name="TextBox 43"/>
@@ -15523,11 +15750,7 @@
           <a:p>
             <a:r>
               <a:rPr lang="en-US" sz="2400" dirty="0" smtClean="0"/>
-              <a:t>Bridge </a:t>
-            </a:r>
-            <a:r>
-              <a:rPr lang="en-US" sz="2400" dirty="0" smtClean="0"/>
-              <a:t>side mouse trace</a:t>
+              <a:t>Bridge side mouse trace</a:t>
             </a:r>
             <a:endParaRPr lang="en-US" sz="2400" dirty="0"/>
           </a:p>
@@ -15689,8 +15912,8 @@
           </a:fontRef>
         </p:style>
       </p:cxnSp>
-      <mc:AlternateContent xmlns:mc="http://schemas.openxmlformats.org/markup-compatibility/2006">
-        <mc:Choice xmlns:a14="http://schemas.microsoft.com/office/drawing/2010/main" Requires="a14">
+      <mc:AlternateContent xmlns:mc="http://schemas.openxmlformats.org/markup-compatibility/2006" xmlns:a14="http://schemas.microsoft.com/office/drawing/2010/main">
+        <mc:Choice Requires="a14">
           <p:sp>
             <p:nvSpPr>
               <p:cNvPr id="64" name="TextBox 63"/>
@@ -15911,7 +16134,7 @@
             </p:txBody>
           </p:sp>
         </mc:Choice>
-        <mc:Fallback>
+        <mc:Fallback xmlns="">
           <p:sp>
             <p:nvSpPr>
               <p:cNvPr id="64" name="TextBox 63"/>
@@ -17452,12 +17675,6 @@
               </a:rPr>
               <a:t>Submit&lt;/button&gt;</a:t>
             </a:r>
-            <a:r>
-              <a:rPr lang="en-US" sz="1500" dirty="0">
-                <a:latin typeface="Consolas" panose="020B0609020204030204" pitchFamily="49" charset="0"/>
-              </a:rPr>
-              <a:t/>
-            </a:r>
             <a:br>
               <a:rPr lang="en-US" sz="1500" dirty="0">
                 <a:latin typeface="Consolas" panose="020B0609020204030204" pitchFamily="49" charset="0"/>
@@ -18970,7 +19187,6 @@
               <a:rPr lang="en-US" b="1" dirty="0"/>
               <a:t>3</a:t>
             </a:r>
-            <a:endParaRPr lang="en-US" b="1" dirty="0"/>
           </a:p>
         </p:txBody>
       </p:sp>

--- a/aritra/MouseTracking/images/systemDesign.pptx
+++ b/aritra/MouseTracking/images/systemDesign.pptx
@@ -18,7 +18,8 @@
     <p:sldId id="261" r:id="rId12"/>
     <p:sldId id="263" r:id="rId13"/>
     <p:sldId id="265" r:id="rId14"/>
-    <p:sldId id="269" r:id="rId15"/>
+    <p:sldId id="270" r:id="rId15"/>
+    <p:sldId id="269" r:id="rId16"/>
   </p:sldIdLst>
   <p:sldSz cx="12192000" cy="6858000"/>
   <p:notesSz cx="6858000" cy="9144000"/>
@@ -256,7 +257,7 @@
           <a:p>
             <a:fld id="{AAB2D3D3-1E26-436C-8467-9F82561659A6}" type="datetimeFigureOut">
               <a:rPr lang="en-US" smtClean="0"/>
-              <a:t>1/19/2019</a:t>
+              <a:t>1/20/2019</a:t>
             </a:fld>
             <a:endParaRPr lang="en-US"/>
           </a:p>
@@ -426,7 +427,7 @@
           <a:p>
             <a:fld id="{AAB2D3D3-1E26-436C-8467-9F82561659A6}" type="datetimeFigureOut">
               <a:rPr lang="en-US" smtClean="0"/>
-              <a:t>1/19/2019</a:t>
+              <a:t>1/20/2019</a:t>
             </a:fld>
             <a:endParaRPr lang="en-US"/>
           </a:p>
@@ -606,7 +607,7 @@
           <a:p>
             <a:fld id="{AAB2D3D3-1E26-436C-8467-9F82561659A6}" type="datetimeFigureOut">
               <a:rPr lang="en-US" smtClean="0"/>
-              <a:t>1/19/2019</a:t>
+              <a:t>1/20/2019</a:t>
             </a:fld>
             <a:endParaRPr lang="en-US"/>
           </a:p>
@@ -776,7 +777,7 @@
           <a:p>
             <a:fld id="{AAB2D3D3-1E26-436C-8467-9F82561659A6}" type="datetimeFigureOut">
               <a:rPr lang="en-US" smtClean="0"/>
-              <a:t>1/19/2019</a:t>
+              <a:t>1/20/2019</a:t>
             </a:fld>
             <a:endParaRPr lang="en-US"/>
           </a:p>
@@ -1022,7 +1023,7 @@
           <a:p>
             <a:fld id="{AAB2D3D3-1E26-436C-8467-9F82561659A6}" type="datetimeFigureOut">
               <a:rPr lang="en-US" smtClean="0"/>
-              <a:t>1/19/2019</a:t>
+              <a:t>1/20/2019</a:t>
             </a:fld>
             <a:endParaRPr lang="en-US"/>
           </a:p>
@@ -1254,7 +1255,7 @@
           <a:p>
             <a:fld id="{AAB2D3D3-1E26-436C-8467-9F82561659A6}" type="datetimeFigureOut">
               <a:rPr lang="en-US" smtClean="0"/>
-              <a:t>1/19/2019</a:t>
+              <a:t>1/20/2019</a:t>
             </a:fld>
             <a:endParaRPr lang="en-US"/>
           </a:p>
@@ -1621,7 +1622,7 @@
           <a:p>
             <a:fld id="{AAB2D3D3-1E26-436C-8467-9F82561659A6}" type="datetimeFigureOut">
               <a:rPr lang="en-US" smtClean="0"/>
-              <a:t>1/19/2019</a:t>
+              <a:t>1/20/2019</a:t>
             </a:fld>
             <a:endParaRPr lang="en-US"/>
           </a:p>
@@ -1739,7 +1740,7 @@
           <a:p>
             <a:fld id="{AAB2D3D3-1E26-436C-8467-9F82561659A6}" type="datetimeFigureOut">
               <a:rPr lang="en-US" smtClean="0"/>
-              <a:t>1/19/2019</a:t>
+              <a:t>1/20/2019</a:t>
             </a:fld>
             <a:endParaRPr lang="en-US"/>
           </a:p>
@@ -1834,7 +1835,7 @@
           <a:p>
             <a:fld id="{AAB2D3D3-1E26-436C-8467-9F82561659A6}" type="datetimeFigureOut">
               <a:rPr lang="en-US" smtClean="0"/>
-              <a:t>1/19/2019</a:t>
+              <a:t>1/20/2019</a:t>
             </a:fld>
             <a:endParaRPr lang="en-US"/>
           </a:p>
@@ -2111,7 +2112,7 @@
           <a:p>
             <a:fld id="{AAB2D3D3-1E26-436C-8467-9F82561659A6}" type="datetimeFigureOut">
               <a:rPr lang="en-US" smtClean="0"/>
-              <a:t>1/19/2019</a:t>
+              <a:t>1/20/2019</a:t>
             </a:fld>
             <a:endParaRPr lang="en-US"/>
           </a:p>
@@ -2364,7 +2365,7 @@
           <a:p>
             <a:fld id="{AAB2D3D3-1E26-436C-8467-9F82561659A6}" type="datetimeFigureOut">
               <a:rPr lang="en-US" smtClean="0"/>
-              <a:t>1/19/2019</a:t>
+              <a:t>1/20/2019</a:t>
             </a:fld>
             <a:endParaRPr lang="en-US"/>
           </a:p>
@@ -2577,7 +2578,7 @@
           <a:p>
             <a:fld id="{AAB2D3D3-1E26-436C-8467-9F82561659A6}" type="datetimeFigureOut">
               <a:rPr lang="en-US" smtClean="0"/>
-              <a:t>1/19/2019</a:t>
+              <a:t>1/20/2019</a:t>
             </a:fld>
             <a:endParaRPr lang="en-US"/>
           </a:p>
@@ -7342,6 +7343,1396 @@
 </file>
 
 <file path=ppt/slides/slide14.xml><?xml version="1.0" encoding="utf-8"?>
+<p:sld xmlns:a="http://schemas.openxmlformats.org/drawingml/2006/main" xmlns:r="http://schemas.openxmlformats.org/officeDocument/2006/relationships" xmlns:p="http://schemas.openxmlformats.org/presentationml/2006/main">
+  <p:cSld>
+    <p:spTree>
+      <p:nvGrpSpPr>
+        <p:cNvPr id="1" name=""/>
+        <p:cNvGrpSpPr/>
+        <p:nvPr/>
+      </p:nvGrpSpPr>
+      <p:grpSpPr>
+        <a:xfrm>
+          <a:off x="0" y="0"/>
+          <a:ext cx="0" cy="0"/>
+          <a:chOff x="0" y="0"/>
+          <a:chExt cx="0" cy="0"/>
+        </a:xfrm>
+      </p:grpSpPr>
+      <p:sp>
+        <p:nvSpPr>
+          <p:cNvPr id="4" name="Rectangle 3"/>
+          <p:cNvSpPr/>
+          <p:nvPr/>
+        </p:nvSpPr>
+        <p:spPr>
+          <a:xfrm>
+            <a:off x="12356" y="0"/>
+            <a:ext cx="2644346" cy="2188396"/>
+          </a:xfrm>
+          <a:prstGeom prst="rect">
+            <a:avLst/>
+          </a:prstGeom>
+        </p:spPr>
+        <p:style>
+          <a:lnRef idx="2">
+            <a:schemeClr val="dk1"/>
+          </a:lnRef>
+          <a:fillRef idx="1">
+            <a:schemeClr val="lt1"/>
+          </a:fillRef>
+          <a:effectRef idx="0">
+            <a:schemeClr val="dk1"/>
+          </a:effectRef>
+          <a:fontRef idx="minor">
+            <a:schemeClr val="dk1"/>
+          </a:fontRef>
+        </p:style>
+        <p:txBody>
+          <a:bodyPr rtlCol="0" anchor="ctr"/>
+          <a:lstStyle/>
+          <a:p>
+            <a:pPr algn="ctr"/>
+            <a:endParaRPr lang="en-US" dirty="0"/>
+          </a:p>
+        </p:txBody>
+      </p:sp>
+      <p:grpSp>
+        <p:nvGrpSpPr>
+          <p:cNvPr id="24" name="Group 23"/>
+          <p:cNvGrpSpPr/>
+          <p:nvPr/>
+        </p:nvGrpSpPr>
+        <p:grpSpPr>
+          <a:xfrm>
+            <a:off x="175099" y="24926"/>
+            <a:ext cx="2168611" cy="789462"/>
+            <a:chOff x="123567" y="148281"/>
+            <a:chExt cx="2168611" cy="789462"/>
+          </a:xfrm>
+        </p:grpSpPr>
+        <p:sp>
+          <p:nvSpPr>
+            <p:cNvPr id="5" name="TextBox 4"/>
+            <p:cNvSpPr txBox="1"/>
+            <p:nvPr/>
+          </p:nvSpPr>
+          <p:spPr>
+            <a:xfrm>
+              <a:off x="123567" y="148281"/>
+              <a:ext cx="1126719" cy="369332"/>
+            </a:xfrm>
+            <a:prstGeom prst="rect">
+              <a:avLst/>
+            </a:prstGeom>
+            <a:noFill/>
+          </p:spPr>
+          <p:txBody>
+            <a:bodyPr wrap="none" rtlCol="0">
+              <a:spAutoFit/>
+            </a:bodyPr>
+            <a:lstStyle/>
+            <a:p>
+              <a:r>
+                <a:rPr lang="en-US" dirty="0" smtClean="0"/>
+                <a:t>Text box 1</a:t>
+              </a:r>
+              <a:endParaRPr lang="en-US" dirty="0"/>
+            </a:p>
+          </p:txBody>
+        </p:sp>
+        <p:sp>
+          <p:nvSpPr>
+            <p:cNvPr id="6" name="Rectangle 5"/>
+            <p:cNvSpPr/>
+            <p:nvPr/>
+          </p:nvSpPr>
+          <p:spPr>
+            <a:xfrm>
+              <a:off x="1322173" y="220534"/>
+              <a:ext cx="970005" cy="224825"/>
+            </a:xfrm>
+            <a:prstGeom prst="rect">
+              <a:avLst/>
+            </a:prstGeom>
+          </p:spPr>
+          <p:style>
+            <a:lnRef idx="2">
+              <a:schemeClr val="dk1"/>
+            </a:lnRef>
+            <a:fillRef idx="1">
+              <a:schemeClr val="lt1"/>
+            </a:fillRef>
+            <a:effectRef idx="0">
+              <a:schemeClr val="dk1"/>
+            </a:effectRef>
+            <a:fontRef idx="minor">
+              <a:schemeClr val="dk1"/>
+            </a:fontRef>
+          </p:style>
+          <p:txBody>
+            <a:bodyPr rtlCol="0" anchor="ctr"/>
+            <a:lstStyle/>
+            <a:p>
+              <a:pPr algn="ctr"/>
+              <a:endParaRPr lang="en-US" dirty="0"/>
+            </a:p>
+          </p:txBody>
+        </p:sp>
+        <p:sp>
+          <p:nvSpPr>
+            <p:cNvPr id="7" name="TextBox 6"/>
+            <p:cNvSpPr txBox="1"/>
+            <p:nvPr/>
+          </p:nvSpPr>
+          <p:spPr>
+            <a:xfrm>
+              <a:off x="123567" y="568411"/>
+              <a:ext cx="1126719" cy="369332"/>
+            </a:xfrm>
+            <a:prstGeom prst="rect">
+              <a:avLst/>
+            </a:prstGeom>
+            <a:noFill/>
+          </p:spPr>
+          <p:txBody>
+            <a:bodyPr wrap="none" rtlCol="0">
+              <a:spAutoFit/>
+            </a:bodyPr>
+            <a:lstStyle/>
+            <a:p>
+              <a:r>
+                <a:rPr lang="en-US" dirty="0" smtClean="0"/>
+                <a:t>Text box 2</a:t>
+              </a:r>
+              <a:endParaRPr lang="en-US" dirty="0"/>
+            </a:p>
+          </p:txBody>
+        </p:sp>
+        <p:sp>
+          <p:nvSpPr>
+            <p:cNvPr id="8" name="Rectangle 7"/>
+            <p:cNvSpPr/>
+            <p:nvPr/>
+          </p:nvSpPr>
+          <p:spPr>
+            <a:xfrm>
+              <a:off x="1322173" y="640664"/>
+              <a:ext cx="970005" cy="224825"/>
+            </a:xfrm>
+            <a:prstGeom prst="rect">
+              <a:avLst/>
+            </a:prstGeom>
+          </p:spPr>
+          <p:style>
+            <a:lnRef idx="2">
+              <a:schemeClr val="dk1"/>
+            </a:lnRef>
+            <a:fillRef idx="1">
+              <a:schemeClr val="lt1"/>
+            </a:fillRef>
+            <a:effectRef idx="0">
+              <a:schemeClr val="dk1"/>
+            </a:effectRef>
+            <a:fontRef idx="minor">
+              <a:schemeClr val="dk1"/>
+            </a:fontRef>
+          </p:style>
+          <p:txBody>
+            <a:bodyPr rtlCol="0" anchor="ctr"/>
+            <a:lstStyle/>
+            <a:p>
+              <a:pPr algn="ctr"/>
+              <a:endParaRPr lang="en-US" dirty="0"/>
+            </a:p>
+          </p:txBody>
+        </p:sp>
+      </p:grpSp>
+      <p:sp>
+        <p:nvSpPr>
+          <p:cNvPr id="9" name="Rectangle 8"/>
+          <p:cNvSpPr/>
+          <p:nvPr/>
+        </p:nvSpPr>
+        <p:spPr>
+          <a:xfrm>
+            <a:off x="214279" y="865186"/>
+            <a:ext cx="2111891" cy="1268205"/>
+          </a:xfrm>
+          <a:prstGeom prst="rect">
+            <a:avLst/>
+          </a:prstGeom>
+        </p:spPr>
+        <p:style>
+          <a:lnRef idx="2">
+            <a:schemeClr val="dk1"/>
+          </a:lnRef>
+          <a:fillRef idx="1">
+            <a:schemeClr val="lt1"/>
+          </a:fillRef>
+          <a:effectRef idx="0">
+            <a:schemeClr val="dk1"/>
+          </a:effectRef>
+          <a:fontRef idx="minor">
+            <a:schemeClr val="dk1"/>
+          </a:fontRef>
+        </p:style>
+        <p:txBody>
+          <a:bodyPr rtlCol="0" anchor="ctr"/>
+          <a:lstStyle/>
+          <a:p>
+            <a:pPr algn="ctr"/>
+            <a:endParaRPr lang="en-US" dirty="0"/>
+          </a:p>
+        </p:txBody>
+      </p:sp>
+      <p:sp>
+        <p:nvSpPr>
+          <p:cNvPr id="22" name="Rectangle 21"/>
+          <p:cNvSpPr/>
+          <p:nvPr/>
+        </p:nvSpPr>
+        <p:spPr>
+          <a:xfrm>
+            <a:off x="-103971" y="2174185"/>
+            <a:ext cx="3880999" cy="369332"/>
+          </a:xfrm>
+          <a:prstGeom prst="rect">
+            <a:avLst/>
+          </a:prstGeom>
+        </p:spPr>
+        <p:txBody>
+          <a:bodyPr wrap="none">
+            <a:spAutoFit/>
+          </a:bodyPr>
+          <a:lstStyle/>
+          <a:p>
+            <a:r>
+              <a:rPr lang="en-US" dirty="0" smtClean="0"/>
+              <a:t>Render at host’s </a:t>
+            </a:r>
+            <a:r>
+              <a:rPr lang="en-US" dirty="0" smtClean="0"/>
+              <a:t>side + disabled pointer</a:t>
+            </a:r>
+            <a:endParaRPr lang="en-US" dirty="0"/>
+          </a:p>
+        </p:txBody>
+      </p:sp>
+      <p:grpSp>
+        <p:nvGrpSpPr>
+          <p:cNvPr id="3" name="Group 2"/>
+          <p:cNvGrpSpPr/>
+          <p:nvPr/>
+        </p:nvGrpSpPr>
+        <p:grpSpPr>
+          <a:xfrm>
+            <a:off x="2790221" y="209591"/>
+            <a:ext cx="2054386" cy="1470196"/>
+            <a:chOff x="2888316" y="998162"/>
+            <a:chExt cx="2054386" cy="1470196"/>
+          </a:xfrm>
+        </p:grpSpPr>
+        <p:sp>
+          <p:nvSpPr>
+            <p:cNvPr id="11" name="Rectangle 10"/>
+            <p:cNvSpPr/>
+            <p:nvPr/>
+          </p:nvSpPr>
+          <p:spPr>
+            <a:xfrm>
+              <a:off x="2888316" y="998162"/>
+              <a:ext cx="2054386" cy="1076926"/>
+            </a:xfrm>
+            <a:prstGeom prst="rect">
+              <a:avLst/>
+            </a:prstGeom>
+          </p:spPr>
+          <p:style>
+            <a:lnRef idx="2">
+              <a:schemeClr val="dk1"/>
+            </a:lnRef>
+            <a:fillRef idx="1">
+              <a:schemeClr val="lt1"/>
+            </a:fillRef>
+            <a:effectRef idx="0">
+              <a:schemeClr val="dk1"/>
+            </a:effectRef>
+            <a:fontRef idx="minor">
+              <a:schemeClr val="dk1"/>
+            </a:fontRef>
+          </p:style>
+          <p:txBody>
+            <a:bodyPr rtlCol="0" anchor="ctr"/>
+            <a:lstStyle/>
+            <a:p>
+              <a:pPr algn="ctr"/>
+              <a:endParaRPr lang="en-US" dirty="0"/>
+            </a:p>
+          </p:txBody>
+        </p:sp>
+        <p:grpSp>
+          <p:nvGrpSpPr>
+            <p:cNvPr id="18" name="Group 17"/>
+            <p:cNvGrpSpPr/>
+            <p:nvPr/>
+          </p:nvGrpSpPr>
+          <p:grpSpPr>
+            <a:xfrm>
+              <a:off x="3206577" y="1052907"/>
+              <a:ext cx="1318400" cy="677050"/>
+              <a:chOff x="6833286" y="148281"/>
+              <a:chExt cx="1318400" cy="677050"/>
+            </a:xfrm>
+          </p:grpSpPr>
+          <p:sp>
+            <p:nvSpPr>
+              <p:cNvPr id="12" name="TextBox 11"/>
+              <p:cNvSpPr txBox="1"/>
+              <p:nvPr/>
+            </p:nvSpPr>
+            <p:spPr>
+              <a:xfrm>
+                <a:off x="6833286" y="148281"/>
+                <a:ext cx="1001172" cy="369332"/>
+              </a:xfrm>
+              <a:prstGeom prst="rect">
+                <a:avLst/>
+              </a:prstGeom>
+              <a:noFill/>
+            </p:spPr>
+            <p:txBody>
+              <a:bodyPr wrap="none" rtlCol="0">
+                <a:spAutoFit/>
+              </a:bodyPr>
+              <a:lstStyle/>
+              <a:p>
+                <a:r>
+                  <a:rPr lang="en-US" dirty="0" smtClean="0"/>
+                  <a:t>Option 1</a:t>
+                </a:r>
+                <a:endParaRPr lang="en-US" dirty="0"/>
+              </a:p>
+            </p:txBody>
+          </p:sp>
+          <p:sp>
+            <p:nvSpPr>
+              <p:cNvPr id="13" name="Oval 12"/>
+              <p:cNvSpPr/>
+              <p:nvPr/>
+            </p:nvSpPr>
+            <p:spPr>
+              <a:xfrm>
+                <a:off x="7926860" y="220533"/>
+                <a:ext cx="224826" cy="224826"/>
+              </a:xfrm>
+              <a:prstGeom prst="ellipse">
+                <a:avLst/>
+              </a:prstGeom>
+            </p:spPr>
+            <p:style>
+              <a:lnRef idx="2">
+                <a:schemeClr val="dk1"/>
+              </a:lnRef>
+              <a:fillRef idx="1">
+                <a:schemeClr val="lt1"/>
+              </a:fillRef>
+              <a:effectRef idx="0">
+                <a:schemeClr val="dk1"/>
+              </a:effectRef>
+              <a:fontRef idx="minor">
+                <a:schemeClr val="dk1"/>
+              </a:fontRef>
+            </p:style>
+            <p:txBody>
+              <a:bodyPr rtlCol="0" anchor="ctr"/>
+              <a:lstStyle/>
+              <a:p>
+                <a:pPr algn="ctr"/>
+                <a:endParaRPr lang="en-US"/>
+              </a:p>
+            </p:txBody>
+          </p:sp>
+          <p:sp>
+            <p:nvSpPr>
+              <p:cNvPr id="14" name="Oval 13"/>
+              <p:cNvSpPr/>
+              <p:nvPr/>
+            </p:nvSpPr>
+            <p:spPr>
+              <a:xfrm flipV="1">
+                <a:off x="7983668" y="277341"/>
+                <a:ext cx="111210" cy="111210"/>
+              </a:xfrm>
+              <a:prstGeom prst="ellipse">
+                <a:avLst/>
+              </a:prstGeom>
+              <a:solidFill>
+                <a:srgbClr val="92D050"/>
+              </a:solidFill>
+              <a:ln>
+                <a:solidFill>
+                  <a:srgbClr val="92D050"/>
+                </a:solidFill>
+              </a:ln>
+            </p:spPr>
+            <p:style>
+              <a:lnRef idx="2">
+                <a:schemeClr val="dk1"/>
+              </a:lnRef>
+              <a:fillRef idx="1">
+                <a:schemeClr val="lt1"/>
+              </a:fillRef>
+              <a:effectRef idx="0">
+                <a:schemeClr val="dk1"/>
+              </a:effectRef>
+              <a:fontRef idx="minor">
+                <a:schemeClr val="dk1"/>
+              </a:fontRef>
+            </p:style>
+            <p:txBody>
+              <a:bodyPr rtlCol="0" anchor="ctr"/>
+              <a:lstStyle/>
+              <a:p>
+                <a:pPr algn="ctr"/>
+                <a:endParaRPr lang="en-US"/>
+              </a:p>
+            </p:txBody>
+          </p:sp>
+          <p:sp>
+            <p:nvSpPr>
+              <p:cNvPr id="15" name="TextBox 14"/>
+              <p:cNvSpPr txBox="1"/>
+              <p:nvPr/>
+            </p:nvSpPr>
+            <p:spPr>
+              <a:xfrm>
+                <a:off x="6833286" y="455999"/>
+                <a:ext cx="1001172" cy="369332"/>
+              </a:xfrm>
+              <a:prstGeom prst="rect">
+                <a:avLst/>
+              </a:prstGeom>
+              <a:noFill/>
+            </p:spPr>
+            <p:txBody>
+              <a:bodyPr wrap="none" rtlCol="0">
+                <a:spAutoFit/>
+              </a:bodyPr>
+              <a:lstStyle/>
+              <a:p>
+                <a:r>
+                  <a:rPr lang="en-US" dirty="0" smtClean="0"/>
+                  <a:t>Option 2</a:t>
+                </a:r>
+                <a:endParaRPr lang="en-US" dirty="0"/>
+              </a:p>
+            </p:txBody>
+          </p:sp>
+          <p:sp>
+            <p:nvSpPr>
+              <p:cNvPr id="16" name="Oval 15"/>
+              <p:cNvSpPr/>
+              <p:nvPr/>
+            </p:nvSpPr>
+            <p:spPr>
+              <a:xfrm>
+                <a:off x="7926860" y="528251"/>
+                <a:ext cx="224826" cy="224826"/>
+              </a:xfrm>
+              <a:prstGeom prst="ellipse">
+                <a:avLst/>
+              </a:prstGeom>
+            </p:spPr>
+            <p:style>
+              <a:lnRef idx="2">
+                <a:schemeClr val="dk1"/>
+              </a:lnRef>
+              <a:fillRef idx="1">
+                <a:schemeClr val="lt1"/>
+              </a:fillRef>
+              <a:effectRef idx="0">
+                <a:schemeClr val="dk1"/>
+              </a:effectRef>
+              <a:fontRef idx="minor">
+                <a:schemeClr val="dk1"/>
+              </a:fontRef>
+            </p:style>
+            <p:txBody>
+              <a:bodyPr rtlCol="0" anchor="ctr"/>
+              <a:lstStyle/>
+              <a:p>
+                <a:pPr algn="ctr"/>
+                <a:endParaRPr lang="en-US"/>
+              </a:p>
+            </p:txBody>
+          </p:sp>
+        </p:grpSp>
+        <p:sp>
+          <p:nvSpPr>
+            <p:cNvPr id="20" name="Rounded Rectangle 19"/>
+            <p:cNvSpPr/>
+            <p:nvPr/>
+          </p:nvSpPr>
+          <p:spPr>
+            <a:xfrm>
+              <a:off x="3030006" y="1729957"/>
+              <a:ext cx="860681" cy="253314"/>
+            </a:xfrm>
+            <a:prstGeom prst="roundRect">
+              <a:avLst/>
+            </a:prstGeom>
+            <a:ln w="12700"/>
+          </p:spPr>
+          <p:style>
+            <a:lnRef idx="2">
+              <a:schemeClr val="dk1"/>
+            </a:lnRef>
+            <a:fillRef idx="1">
+              <a:schemeClr val="lt1"/>
+            </a:fillRef>
+            <a:effectRef idx="0">
+              <a:schemeClr val="dk1"/>
+            </a:effectRef>
+            <a:fontRef idx="minor">
+              <a:schemeClr val="dk1"/>
+            </a:fontRef>
+          </p:style>
+          <p:txBody>
+            <a:bodyPr rtlCol="0" anchor="ctr"/>
+            <a:lstStyle/>
+            <a:p>
+              <a:pPr algn="ctr"/>
+              <a:r>
+                <a:rPr lang="en-US" dirty="0"/>
+                <a:t>OK</a:t>
+              </a:r>
+            </a:p>
+          </p:txBody>
+        </p:sp>
+        <p:sp>
+          <p:nvSpPr>
+            <p:cNvPr id="21" name="Rounded Rectangle 20"/>
+            <p:cNvSpPr/>
+            <p:nvPr/>
+          </p:nvSpPr>
+          <p:spPr>
+            <a:xfrm>
+              <a:off x="3983089" y="1729957"/>
+              <a:ext cx="860681" cy="253314"/>
+            </a:xfrm>
+            <a:prstGeom prst="roundRect">
+              <a:avLst/>
+            </a:prstGeom>
+            <a:ln w="12700"/>
+          </p:spPr>
+          <p:style>
+            <a:lnRef idx="2">
+              <a:schemeClr val="dk1"/>
+            </a:lnRef>
+            <a:fillRef idx="1">
+              <a:schemeClr val="lt1"/>
+            </a:fillRef>
+            <a:effectRef idx="0">
+              <a:schemeClr val="dk1"/>
+            </a:effectRef>
+            <a:fontRef idx="minor">
+              <a:schemeClr val="dk1"/>
+            </a:fontRef>
+          </p:style>
+          <p:txBody>
+            <a:bodyPr rtlCol="0" anchor="ctr"/>
+            <a:lstStyle/>
+            <a:p>
+              <a:pPr algn="ctr"/>
+              <a:r>
+                <a:rPr lang="en-US" dirty="0" smtClean="0"/>
+                <a:t>Cancel</a:t>
+              </a:r>
+              <a:endParaRPr lang="en-US" dirty="0"/>
+            </a:p>
+          </p:txBody>
+        </p:sp>
+        <p:sp>
+          <p:nvSpPr>
+            <p:cNvPr id="23" name="Rectangle 22"/>
+            <p:cNvSpPr/>
+            <p:nvPr/>
+          </p:nvSpPr>
+          <p:spPr>
+            <a:xfrm>
+              <a:off x="3167252" y="2099026"/>
+              <a:ext cx="1446869" cy="369332"/>
+            </a:xfrm>
+            <a:prstGeom prst="rect">
+              <a:avLst/>
+            </a:prstGeom>
+          </p:spPr>
+          <p:txBody>
+            <a:bodyPr wrap="square">
+              <a:spAutoFit/>
+            </a:bodyPr>
+            <a:lstStyle/>
+            <a:p>
+              <a:r>
+                <a:rPr lang="en-US" dirty="0" smtClean="0"/>
+                <a:t>Decrypted UI</a:t>
+              </a:r>
+              <a:endParaRPr lang="en-US" dirty="0"/>
+            </a:p>
+          </p:txBody>
+        </p:sp>
+      </p:grpSp>
+      <p:grpSp>
+        <p:nvGrpSpPr>
+          <p:cNvPr id="26" name="Group 25"/>
+          <p:cNvGrpSpPr/>
+          <p:nvPr/>
+        </p:nvGrpSpPr>
+        <p:grpSpPr>
+          <a:xfrm>
+            <a:off x="10804" y="2752821"/>
+            <a:ext cx="2644346" cy="2118156"/>
+            <a:chOff x="0" y="1"/>
+            <a:chExt cx="2644346" cy="2118156"/>
+          </a:xfrm>
+        </p:grpSpPr>
+        <p:sp>
+          <p:nvSpPr>
+            <p:cNvPr id="27" name="Rectangle 26"/>
+            <p:cNvSpPr/>
+            <p:nvPr/>
+          </p:nvSpPr>
+          <p:spPr>
+            <a:xfrm>
+              <a:off x="0" y="1"/>
+              <a:ext cx="2644346" cy="2118156"/>
+            </a:xfrm>
+            <a:prstGeom prst="rect">
+              <a:avLst/>
+            </a:prstGeom>
+          </p:spPr>
+          <p:style>
+            <a:lnRef idx="2">
+              <a:schemeClr val="dk1"/>
+            </a:lnRef>
+            <a:fillRef idx="1">
+              <a:schemeClr val="lt1"/>
+            </a:fillRef>
+            <a:effectRef idx="0">
+              <a:schemeClr val="dk1"/>
+            </a:effectRef>
+            <a:fontRef idx="minor">
+              <a:schemeClr val="dk1"/>
+            </a:fontRef>
+          </p:style>
+          <p:txBody>
+            <a:bodyPr rtlCol="0" anchor="ctr"/>
+            <a:lstStyle/>
+            <a:p>
+              <a:pPr algn="ctr"/>
+              <a:endParaRPr lang="en-US" dirty="0"/>
+            </a:p>
+          </p:txBody>
+        </p:sp>
+        <p:grpSp>
+          <p:nvGrpSpPr>
+            <p:cNvPr id="28" name="Group 27"/>
+            <p:cNvGrpSpPr/>
+            <p:nvPr/>
+          </p:nvGrpSpPr>
+          <p:grpSpPr>
+            <a:xfrm>
+              <a:off x="162743" y="24926"/>
+              <a:ext cx="2168611" cy="789462"/>
+              <a:chOff x="123567" y="148281"/>
+              <a:chExt cx="2168611" cy="789462"/>
+            </a:xfrm>
+          </p:grpSpPr>
+          <p:sp>
+            <p:nvSpPr>
+              <p:cNvPr id="31" name="TextBox 30"/>
+              <p:cNvSpPr txBox="1"/>
+              <p:nvPr/>
+            </p:nvSpPr>
+            <p:spPr>
+              <a:xfrm>
+                <a:off x="123567" y="148281"/>
+                <a:ext cx="1126719" cy="369332"/>
+              </a:xfrm>
+              <a:prstGeom prst="rect">
+                <a:avLst/>
+              </a:prstGeom>
+              <a:noFill/>
+            </p:spPr>
+            <p:txBody>
+              <a:bodyPr wrap="none" rtlCol="0">
+                <a:spAutoFit/>
+              </a:bodyPr>
+              <a:lstStyle/>
+              <a:p>
+                <a:r>
+                  <a:rPr lang="en-US" dirty="0" smtClean="0"/>
+                  <a:t>Text box 1</a:t>
+                </a:r>
+                <a:endParaRPr lang="en-US" dirty="0"/>
+              </a:p>
+            </p:txBody>
+          </p:sp>
+          <p:sp>
+            <p:nvSpPr>
+              <p:cNvPr id="32" name="Rectangle 31"/>
+              <p:cNvSpPr/>
+              <p:nvPr/>
+            </p:nvSpPr>
+            <p:spPr>
+              <a:xfrm>
+                <a:off x="1322173" y="220534"/>
+                <a:ext cx="970005" cy="224825"/>
+              </a:xfrm>
+              <a:prstGeom prst="rect">
+                <a:avLst/>
+              </a:prstGeom>
+            </p:spPr>
+            <p:style>
+              <a:lnRef idx="2">
+                <a:schemeClr val="dk1"/>
+              </a:lnRef>
+              <a:fillRef idx="1">
+                <a:schemeClr val="lt1"/>
+              </a:fillRef>
+              <a:effectRef idx="0">
+                <a:schemeClr val="dk1"/>
+              </a:effectRef>
+              <a:fontRef idx="minor">
+                <a:schemeClr val="dk1"/>
+              </a:fontRef>
+            </p:style>
+            <p:txBody>
+              <a:bodyPr rtlCol="0" anchor="ctr"/>
+              <a:lstStyle/>
+              <a:p>
+                <a:pPr algn="ctr"/>
+                <a:endParaRPr lang="en-US" dirty="0"/>
+              </a:p>
+            </p:txBody>
+          </p:sp>
+          <p:sp>
+            <p:nvSpPr>
+              <p:cNvPr id="33" name="TextBox 32"/>
+              <p:cNvSpPr txBox="1"/>
+              <p:nvPr/>
+            </p:nvSpPr>
+            <p:spPr>
+              <a:xfrm>
+                <a:off x="123567" y="568411"/>
+                <a:ext cx="1126719" cy="369332"/>
+              </a:xfrm>
+              <a:prstGeom prst="rect">
+                <a:avLst/>
+              </a:prstGeom>
+              <a:noFill/>
+            </p:spPr>
+            <p:txBody>
+              <a:bodyPr wrap="none" rtlCol="0">
+                <a:spAutoFit/>
+              </a:bodyPr>
+              <a:lstStyle/>
+              <a:p>
+                <a:r>
+                  <a:rPr lang="en-US" dirty="0" smtClean="0"/>
+                  <a:t>Text box 2</a:t>
+                </a:r>
+                <a:endParaRPr lang="en-US" dirty="0"/>
+              </a:p>
+            </p:txBody>
+          </p:sp>
+          <p:sp>
+            <p:nvSpPr>
+              <p:cNvPr id="34" name="Rectangle 33"/>
+              <p:cNvSpPr/>
+              <p:nvPr/>
+            </p:nvSpPr>
+            <p:spPr>
+              <a:xfrm>
+                <a:off x="1322173" y="640664"/>
+                <a:ext cx="970005" cy="224825"/>
+              </a:xfrm>
+              <a:prstGeom prst="rect">
+                <a:avLst/>
+              </a:prstGeom>
+            </p:spPr>
+            <p:style>
+              <a:lnRef idx="2">
+                <a:schemeClr val="dk1"/>
+              </a:lnRef>
+              <a:fillRef idx="1">
+                <a:schemeClr val="lt1"/>
+              </a:fillRef>
+              <a:effectRef idx="0">
+                <a:schemeClr val="dk1"/>
+              </a:effectRef>
+              <a:fontRef idx="minor">
+                <a:schemeClr val="dk1"/>
+              </a:fontRef>
+            </p:style>
+            <p:txBody>
+              <a:bodyPr rtlCol="0" anchor="ctr"/>
+              <a:lstStyle/>
+              <a:p>
+                <a:pPr algn="ctr"/>
+                <a:endParaRPr lang="en-US" dirty="0"/>
+              </a:p>
+            </p:txBody>
+          </p:sp>
+        </p:grpSp>
+      </p:grpSp>
+      <p:sp>
+        <p:nvSpPr>
+          <p:cNvPr id="35" name="Rectangle 34"/>
+          <p:cNvSpPr/>
+          <p:nvPr/>
+        </p:nvSpPr>
+        <p:spPr>
+          <a:xfrm>
+            <a:off x="279626" y="3675849"/>
+            <a:ext cx="2062531" cy="1076926"/>
+          </a:xfrm>
+          <a:prstGeom prst="rect">
+            <a:avLst/>
+          </a:prstGeom>
+        </p:spPr>
+        <p:style>
+          <a:lnRef idx="2">
+            <a:schemeClr val="dk1"/>
+          </a:lnRef>
+          <a:fillRef idx="1">
+            <a:schemeClr val="lt1"/>
+          </a:fillRef>
+          <a:effectRef idx="0">
+            <a:schemeClr val="dk1"/>
+          </a:effectRef>
+          <a:fontRef idx="minor">
+            <a:schemeClr val="dk1"/>
+          </a:fontRef>
+        </p:style>
+        <p:txBody>
+          <a:bodyPr rtlCol="0" anchor="ctr"/>
+          <a:lstStyle/>
+          <a:p>
+            <a:pPr algn="ctr"/>
+            <a:endParaRPr lang="en-US" dirty="0"/>
+          </a:p>
+        </p:txBody>
+      </p:sp>
+      <p:grpSp>
+        <p:nvGrpSpPr>
+          <p:cNvPr id="36" name="Group 35"/>
+          <p:cNvGrpSpPr/>
+          <p:nvPr/>
+        </p:nvGrpSpPr>
+        <p:grpSpPr>
+          <a:xfrm>
+            <a:off x="597888" y="3730594"/>
+            <a:ext cx="1318400" cy="677050"/>
+            <a:chOff x="6833286" y="148281"/>
+            <a:chExt cx="1318400" cy="677050"/>
+          </a:xfrm>
+        </p:grpSpPr>
+        <p:sp>
+          <p:nvSpPr>
+            <p:cNvPr id="37" name="TextBox 36"/>
+            <p:cNvSpPr txBox="1"/>
+            <p:nvPr/>
+          </p:nvSpPr>
+          <p:spPr>
+            <a:xfrm>
+              <a:off x="6833286" y="148281"/>
+              <a:ext cx="1001172" cy="369332"/>
+            </a:xfrm>
+            <a:prstGeom prst="rect">
+              <a:avLst/>
+            </a:prstGeom>
+            <a:noFill/>
+          </p:spPr>
+          <p:txBody>
+            <a:bodyPr wrap="none" rtlCol="0">
+              <a:spAutoFit/>
+            </a:bodyPr>
+            <a:lstStyle/>
+            <a:p>
+              <a:r>
+                <a:rPr lang="en-US" dirty="0" smtClean="0"/>
+                <a:t>Option 1</a:t>
+              </a:r>
+              <a:endParaRPr lang="en-US" dirty="0"/>
+            </a:p>
+          </p:txBody>
+        </p:sp>
+        <p:sp>
+          <p:nvSpPr>
+            <p:cNvPr id="38" name="Oval 37"/>
+            <p:cNvSpPr/>
+            <p:nvPr/>
+          </p:nvSpPr>
+          <p:spPr>
+            <a:xfrm>
+              <a:off x="7926860" y="220533"/>
+              <a:ext cx="224826" cy="224826"/>
+            </a:xfrm>
+            <a:prstGeom prst="ellipse">
+              <a:avLst/>
+            </a:prstGeom>
+          </p:spPr>
+          <p:style>
+            <a:lnRef idx="2">
+              <a:schemeClr val="dk1"/>
+            </a:lnRef>
+            <a:fillRef idx="1">
+              <a:schemeClr val="lt1"/>
+            </a:fillRef>
+            <a:effectRef idx="0">
+              <a:schemeClr val="dk1"/>
+            </a:effectRef>
+            <a:fontRef idx="minor">
+              <a:schemeClr val="dk1"/>
+            </a:fontRef>
+          </p:style>
+          <p:txBody>
+            <a:bodyPr rtlCol="0" anchor="ctr"/>
+            <a:lstStyle/>
+            <a:p>
+              <a:pPr algn="ctr"/>
+              <a:endParaRPr lang="en-US"/>
+            </a:p>
+          </p:txBody>
+        </p:sp>
+        <p:sp>
+          <p:nvSpPr>
+            <p:cNvPr id="39" name="Oval 38"/>
+            <p:cNvSpPr/>
+            <p:nvPr/>
+          </p:nvSpPr>
+          <p:spPr>
+            <a:xfrm flipV="1">
+              <a:off x="7983668" y="277341"/>
+              <a:ext cx="111210" cy="111210"/>
+            </a:xfrm>
+            <a:prstGeom prst="ellipse">
+              <a:avLst/>
+            </a:prstGeom>
+            <a:solidFill>
+              <a:srgbClr val="92D050"/>
+            </a:solidFill>
+            <a:ln>
+              <a:solidFill>
+                <a:srgbClr val="92D050"/>
+              </a:solidFill>
+            </a:ln>
+          </p:spPr>
+          <p:style>
+            <a:lnRef idx="2">
+              <a:schemeClr val="dk1"/>
+            </a:lnRef>
+            <a:fillRef idx="1">
+              <a:schemeClr val="lt1"/>
+            </a:fillRef>
+            <a:effectRef idx="0">
+              <a:schemeClr val="dk1"/>
+            </a:effectRef>
+            <a:fontRef idx="minor">
+              <a:schemeClr val="dk1"/>
+            </a:fontRef>
+          </p:style>
+          <p:txBody>
+            <a:bodyPr rtlCol="0" anchor="ctr"/>
+            <a:lstStyle/>
+            <a:p>
+              <a:pPr algn="ctr"/>
+              <a:endParaRPr lang="en-US"/>
+            </a:p>
+          </p:txBody>
+        </p:sp>
+        <p:sp>
+          <p:nvSpPr>
+            <p:cNvPr id="40" name="TextBox 39"/>
+            <p:cNvSpPr txBox="1"/>
+            <p:nvPr/>
+          </p:nvSpPr>
+          <p:spPr>
+            <a:xfrm>
+              <a:off x="6833286" y="455999"/>
+              <a:ext cx="1001172" cy="369332"/>
+            </a:xfrm>
+            <a:prstGeom prst="rect">
+              <a:avLst/>
+            </a:prstGeom>
+            <a:noFill/>
+          </p:spPr>
+          <p:txBody>
+            <a:bodyPr wrap="none" rtlCol="0">
+              <a:spAutoFit/>
+            </a:bodyPr>
+            <a:lstStyle/>
+            <a:p>
+              <a:r>
+                <a:rPr lang="en-US" dirty="0" smtClean="0"/>
+                <a:t>Option 2</a:t>
+              </a:r>
+              <a:endParaRPr lang="en-US" dirty="0"/>
+            </a:p>
+          </p:txBody>
+        </p:sp>
+        <p:sp>
+          <p:nvSpPr>
+            <p:cNvPr id="41" name="Oval 40"/>
+            <p:cNvSpPr/>
+            <p:nvPr/>
+          </p:nvSpPr>
+          <p:spPr>
+            <a:xfrm>
+              <a:off x="7926860" y="528251"/>
+              <a:ext cx="224826" cy="224826"/>
+            </a:xfrm>
+            <a:prstGeom prst="ellipse">
+              <a:avLst/>
+            </a:prstGeom>
+          </p:spPr>
+          <p:style>
+            <a:lnRef idx="2">
+              <a:schemeClr val="dk1"/>
+            </a:lnRef>
+            <a:fillRef idx="1">
+              <a:schemeClr val="lt1"/>
+            </a:fillRef>
+            <a:effectRef idx="0">
+              <a:schemeClr val="dk1"/>
+            </a:effectRef>
+            <a:fontRef idx="minor">
+              <a:schemeClr val="dk1"/>
+            </a:fontRef>
+          </p:style>
+          <p:txBody>
+            <a:bodyPr rtlCol="0" anchor="ctr"/>
+            <a:lstStyle/>
+            <a:p>
+              <a:pPr algn="ctr"/>
+              <a:endParaRPr lang="en-US"/>
+            </a:p>
+          </p:txBody>
+        </p:sp>
+      </p:grpSp>
+      <p:sp>
+        <p:nvSpPr>
+          <p:cNvPr id="43" name="Rounded Rectangle 42"/>
+          <p:cNvSpPr/>
+          <p:nvPr/>
+        </p:nvSpPr>
+        <p:spPr>
+          <a:xfrm>
+            <a:off x="421317" y="4407644"/>
+            <a:ext cx="860681" cy="253314"/>
+          </a:xfrm>
+          <a:prstGeom prst="roundRect">
+            <a:avLst/>
+          </a:prstGeom>
+          <a:ln w="12700"/>
+        </p:spPr>
+        <p:style>
+          <a:lnRef idx="2">
+            <a:schemeClr val="dk1"/>
+          </a:lnRef>
+          <a:fillRef idx="1">
+            <a:schemeClr val="lt1"/>
+          </a:fillRef>
+          <a:effectRef idx="0">
+            <a:schemeClr val="dk1"/>
+          </a:effectRef>
+          <a:fontRef idx="minor">
+            <a:schemeClr val="dk1"/>
+          </a:fontRef>
+        </p:style>
+        <p:txBody>
+          <a:bodyPr rtlCol="0" anchor="ctr"/>
+          <a:lstStyle/>
+          <a:p>
+            <a:pPr algn="ctr"/>
+            <a:r>
+              <a:rPr lang="en-US" dirty="0"/>
+              <a:t>OK</a:t>
+            </a:r>
+          </a:p>
+        </p:txBody>
+      </p:sp>
+      <p:sp>
+        <p:nvSpPr>
+          <p:cNvPr id="44" name="Rounded Rectangle 43"/>
+          <p:cNvSpPr/>
+          <p:nvPr/>
+        </p:nvSpPr>
+        <p:spPr>
+          <a:xfrm>
+            <a:off x="1374400" y="4407644"/>
+            <a:ext cx="860681" cy="253314"/>
+          </a:xfrm>
+          <a:prstGeom prst="roundRect">
+            <a:avLst/>
+          </a:prstGeom>
+          <a:ln w="12700"/>
+        </p:spPr>
+        <p:style>
+          <a:lnRef idx="2">
+            <a:schemeClr val="dk1"/>
+          </a:lnRef>
+          <a:fillRef idx="1">
+            <a:schemeClr val="lt1"/>
+          </a:fillRef>
+          <a:effectRef idx="0">
+            <a:schemeClr val="dk1"/>
+          </a:effectRef>
+          <a:fontRef idx="minor">
+            <a:schemeClr val="dk1"/>
+          </a:fontRef>
+        </p:style>
+        <p:txBody>
+          <a:bodyPr rtlCol="0" anchor="ctr"/>
+          <a:lstStyle/>
+          <a:p>
+            <a:pPr algn="ctr"/>
+            <a:r>
+              <a:rPr lang="en-US" dirty="0" smtClean="0"/>
+              <a:t>Cancel</a:t>
+            </a:r>
+            <a:endParaRPr lang="en-US" dirty="0"/>
+          </a:p>
+        </p:txBody>
+      </p:sp>
+      <p:sp>
+        <p:nvSpPr>
+          <p:cNvPr id="45" name="Rectangle 44"/>
+          <p:cNvSpPr/>
+          <p:nvPr/>
+        </p:nvSpPr>
+        <p:spPr>
+          <a:xfrm>
+            <a:off x="2854729" y="3125622"/>
+            <a:ext cx="1987489" cy="923330"/>
+          </a:xfrm>
+          <a:prstGeom prst="rect">
+            <a:avLst/>
+          </a:prstGeom>
+        </p:spPr>
+        <p:txBody>
+          <a:bodyPr wrap="square">
+            <a:spAutoFit/>
+          </a:bodyPr>
+          <a:lstStyle/>
+          <a:p>
+            <a:r>
+              <a:rPr lang="en-US" dirty="0" smtClean="0"/>
+              <a:t>HTML + overlay on </a:t>
+            </a:r>
+            <a:r>
+              <a:rPr lang="en-US" dirty="0" smtClean="0"/>
+              <a:t>Bridge + rendered pointer </a:t>
+            </a:r>
+            <a:endParaRPr lang="en-US" dirty="0"/>
+          </a:p>
+        </p:txBody>
+      </p:sp>
+      <p:pic>
+        <p:nvPicPr>
+          <p:cNvPr id="2" name="Picture 1"/>
+          <p:cNvPicPr>
+            <a:picLocks noChangeAspect="1"/>
+          </p:cNvPicPr>
+          <p:nvPr/>
+        </p:nvPicPr>
+        <p:blipFill rotWithShape="1">
+          <a:blip r:embed="rId2" cstate="print">
+            <a:extLst>
+              <a:ext uri="{28A0092B-C50C-407E-A947-70E740481C1C}">
+                <a14:useLocalDpi xmlns:a14="http://schemas.microsoft.com/office/drawing/2010/main" val="0"/>
+              </a:ext>
+            </a:extLst>
+          </a:blip>
+          <a:srcRect l="11483" t="11144" r="10990" b="11192"/>
+          <a:stretch/>
+        </p:blipFill>
+        <p:spPr>
+          <a:xfrm>
+            <a:off x="678331" y="897280"/>
+            <a:ext cx="1175764" cy="1177808"/>
+          </a:xfrm>
+          <a:prstGeom prst="rect">
+            <a:avLst/>
+          </a:prstGeom>
+        </p:spPr>
+      </p:pic>
+      <p:pic>
+        <p:nvPicPr>
+          <p:cNvPr id="46" name="Picture 45"/>
+          <p:cNvPicPr>
+            <a:picLocks noChangeAspect="1"/>
+          </p:cNvPicPr>
+          <p:nvPr/>
+        </p:nvPicPr>
+        <p:blipFill>
+          <a:blip r:embed="rId3" cstate="print">
+            <a:extLst>
+              <a:ext uri="{28A0092B-C50C-407E-A947-70E740481C1C}">
+                <a14:useLocalDpi xmlns:a14="http://schemas.microsoft.com/office/drawing/2010/main" val="0"/>
+              </a:ext>
+            </a:extLst>
+          </a:blip>
+          <a:stretch>
+            <a:fillRect/>
+          </a:stretch>
+        </p:blipFill>
+        <p:spPr>
+          <a:xfrm>
+            <a:off x="77585" y="851284"/>
+            <a:ext cx="180987" cy="172311"/>
+          </a:xfrm>
+          <a:prstGeom prst="rect">
+            <a:avLst/>
+          </a:prstGeom>
+        </p:spPr>
+      </p:pic>
+      <p:sp>
+        <p:nvSpPr>
+          <p:cNvPr id="47" name="Rectangle 46"/>
+          <p:cNvSpPr/>
+          <p:nvPr/>
+        </p:nvSpPr>
+        <p:spPr>
+          <a:xfrm>
+            <a:off x="544812" y="890585"/>
+            <a:ext cx="1432964" cy="1184503"/>
+          </a:xfrm>
+          <a:prstGeom prst="rect">
+            <a:avLst/>
+          </a:prstGeom>
+          <a:noFill/>
+          <a:ln w="19050">
+            <a:solidFill>
+              <a:srgbClr val="FF0000"/>
+            </a:solidFill>
+          </a:ln>
+        </p:spPr>
+        <p:style>
+          <a:lnRef idx="2">
+            <a:schemeClr val="dk1"/>
+          </a:lnRef>
+          <a:fillRef idx="1">
+            <a:schemeClr val="lt1"/>
+          </a:fillRef>
+          <a:effectRef idx="0">
+            <a:schemeClr val="dk1"/>
+          </a:effectRef>
+          <a:fontRef idx="minor">
+            <a:schemeClr val="dk1"/>
+          </a:fontRef>
+        </p:style>
+        <p:txBody>
+          <a:bodyPr rtlCol="0" anchor="ctr"/>
+          <a:lstStyle/>
+          <a:p>
+            <a:pPr algn="ctr"/>
+            <a:endParaRPr lang="en-US" dirty="0"/>
+          </a:p>
+        </p:txBody>
+      </p:sp>
+      <p:cxnSp>
+        <p:nvCxnSpPr>
+          <p:cNvPr id="29" name="Curved Connector 28"/>
+          <p:cNvCxnSpPr>
+            <a:stCxn id="47" idx="3"/>
+            <a:endCxn id="11" idx="1"/>
+          </p:cNvCxnSpPr>
+          <p:nvPr/>
+        </p:nvCxnSpPr>
+        <p:spPr>
+          <a:xfrm flipV="1">
+            <a:off x="1977776" y="748054"/>
+            <a:ext cx="812445" cy="734783"/>
+          </a:xfrm>
+          <a:prstGeom prst="curvedConnector3">
+            <a:avLst/>
+          </a:prstGeom>
+          <a:ln w="19050">
+            <a:solidFill>
+              <a:srgbClr val="FF0000"/>
+            </a:solidFill>
+            <a:tailEnd type="triangle"/>
+          </a:ln>
+        </p:spPr>
+        <p:style>
+          <a:lnRef idx="1">
+            <a:schemeClr val="accent1"/>
+          </a:lnRef>
+          <a:fillRef idx="0">
+            <a:schemeClr val="accent1"/>
+          </a:fillRef>
+          <a:effectRef idx="0">
+            <a:schemeClr val="accent1"/>
+          </a:effectRef>
+          <a:fontRef idx="minor">
+            <a:schemeClr val="tx1"/>
+          </a:fontRef>
+        </p:style>
+      </p:cxnSp>
+      <p:pic>
+        <p:nvPicPr>
+          <p:cNvPr id="48" name="Picture 47"/>
+          <p:cNvPicPr>
+            <a:picLocks noChangeAspect="1"/>
+          </p:cNvPicPr>
+          <p:nvPr/>
+        </p:nvPicPr>
+        <p:blipFill>
+          <a:blip r:embed="rId3" cstate="print">
+            <a:duotone>
+              <a:schemeClr val="accent2">
+                <a:shade val="45000"/>
+                <a:satMod val="135000"/>
+              </a:schemeClr>
+              <a:prstClr val="white"/>
+            </a:duotone>
+            <a:extLst>
+              <a:ext uri="{28A0092B-C50C-407E-A947-70E740481C1C}">
+                <a14:useLocalDpi xmlns:a14="http://schemas.microsoft.com/office/drawing/2010/main" val="0"/>
+              </a:ext>
+            </a:extLst>
+          </a:blip>
+          <a:stretch>
+            <a:fillRect/>
+          </a:stretch>
+        </p:blipFill>
+        <p:spPr>
+          <a:xfrm>
+            <a:off x="1775253" y="3881445"/>
+            <a:ext cx="180987" cy="172311"/>
+          </a:xfrm>
+          <a:prstGeom prst="rect">
+            <a:avLst/>
+          </a:prstGeom>
+        </p:spPr>
+      </p:pic>
+    </p:spTree>
+    <p:extLst>
+      <p:ext uri="{BB962C8B-B14F-4D97-AF65-F5344CB8AC3E}">
+        <p14:creationId xmlns:p14="http://schemas.microsoft.com/office/powerpoint/2010/main" val="3581893795"/>
+      </p:ext>
+    </p:extLst>
+  </p:cSld>
+  <p:clrMapOvr>
+    <a:masterClrMapping/>
+  </p:clrMapOvr>
+</p:sld>
+</file>
+
+<file path=ppt/slides/slide15.xml><?xml version="1.0" encoding="utf-8"?>
 <p:sld xmlns:a="http://schemas.openxmlformats.org/drawingml/2006/main" xmlns:r="http://schemas.openxmlformats.org/officeDocument/2006/relationships" xmlns:p="http://schemas.openxmlformats.org/presentationml/2006/main">
   <p:cSld>
     <p:spTree>

--- a/aritra/MouseTracking/images/systemDesign.pptx
+++ b/aritra/MouseTracking/images/systemDesign.pptx
@@ -257,7 +257,7 @@
           <a:p>
             <a:fld id="{AAB2D3D3-1E26-436C-8467-9F82561659A6}" type="datetimeFigureOut">
               <a:rPr lang="en-US" smtClean="0"/>
-              <a:t>1/20/2019</a:t>
+              <a:t>1/22/2019</a:t>
             </a:fld>
             <a:endParaRPr lang="en-US"/>
           </a:p>
@@ -427,7 +427,7 @@
           <a:p>
             <a:fld id="{AAB2D3D3-1E26-436C-8467-9F82561659A6}" type="datetimeFigureOut">
               <a:rPr lang="en-US" smtClean="0"/>
-              <a:t>1/20/2019</a:t>
+              <a:t>1/22/2019</a:t>
             </a:fld>
             <a:endParaRPr lang="en-US"/>
           </a:p>
@@ -607,7 +607,7 @@
           <a:p>
             <a:fld id="{AAB2D3D3-1E26-436C-8467-9F82561659A6}" type="datetimeFigureOut">
               <a:rPr lang="en-US" smtClean="0"/>
-              <a:t>1/20/2019</a:t>
+              <a:t>1/22/2019</a:t>
             </a:fld>
             <a:endParaRPr lang="en-US"/>
           </a:p>
@@ -777,7 +777,7 @@
           <a:p>
             <a:fld id="{AAB2D3D3-1E26-436C-8467-9F82561659A6}" type="datetimeFigureOut">
               <a:rPr lang="en-US" smtClean="0"/>
-              <a:t>1/20/2019</a:t>
+              <a:t>1/22/2019</a:t>
             </a:fld>
             <a:endParaRPr lang="en-US"/>
           </a:p>
@@ -1023,7 +1023,7 @@
           <a:p>
             <a:fld id="{AAB2D3D3-1E26-436C-8467-9F82561659A6}" type="datetimeFigureOut">
               <a:rPr lang="en-US" smtClean="0"/>
-              <a:t>1/20/2019</a:t>
+              <a:t>1/22/2019</a:t>
             </a:fld>
             <a:endParaRPr lang="en-US"/>
           </a:p>
@@ -1255,7 +1255,7 @@
           <a:p>
             <a:fld id="{AAB2D3D3-1E26-436C-8467-9F82561659A6}" type="datetimeFigureOut">
               <a:rPr lang="en-US" smtClean="0"/>
-              <a:t>1/20/2019</a:t>
+              <a:t>1/22/2019</a:t>
             </a:fld>
             <a:endParaRPr lang="en-US"/>
           </a:p>
@@ -1622,7 +1622,7 @@
           <a:p>
             <a:fld id="{AAB2D3D3-1E26-436C-8467-9F82561659A6}" type="datetimeFigureOut">
               <a:rPr lang="en-US" smtClean="0"/>
-              <a:t>1/20/2019</a:t>
+              <a:t>1/22/2019</a:t>
             </a:fld>
             <a:endParaRPr lang="en-US"/>
           </a:p>
@@ -1740,7 +1740,7 @@
           <a:p>
             <a:fld id="{AAB2D3D3-1E26-436C-8467-9F82561659A6}" type="datetimeFigureOut">
               <a:rPr lang="en-US" smtClean="0"/>
-              <a:t>1/20/2019</a:t>
+              <a:t>1/22/2019</a:t>
             </a:fld>
             <a:endParaRPr lang="en-US"/>
           </a:p>
@@ -1835,7 +1835,7 @@
           <a:p>
             <a:fld id="{AAB2D3D3-1E26-436C-8467-9F82561659A6}" type="datetimeFigureOut">
               <a:rPr lang="en-US" smtClean="0"/>
-              <a:t>1/20/2019</a:t>
+              <a:t>1/22/2019</a:t>
             </a:fld>
             <a:endParaRPr lang="en-US"/>
           </a:p>
@@ -2112,7 +2112,7 @@
           <a:p>
             <a:fld id="{AAB2D3D3-1E26-436C-8467-9F82561659A6}" type="datetimeFigureOut">
               <a:rPr lang="en-US" smtClean="0"/>
-              <a:t>1/20/2019</a:t>
+              <a:t>1/22/2019</a:t>
             </a:fld>
             <a:endParaRPr lang="en-US"/>
           </a:p>
@@ -2365,7 +2365,7 @@
           <a:p>
             <a:fld id="{AAB2D3D3-1E26-436C-8467-9F82561659A6}" type="datetimeFigureOut">
               <a:rPr lang="en-US" smtClean="0"/>
-              <a:t>1/20/2019</a:t>
+              <a:t>1/22/2019</a:t>
             </a:fld>
             <a:endParaRPr lang="en-US"/>
           </a:p>
@@ -2578,7 +2578,7 @@
           <a:p>
             <a:fld id="{AAB2D3D3-1E26-436C-8467-9F82561659A6}" type="datetimeFigureOut">
               <a:rPr lang="en-US" smtClean="0"/>
-              <a:t>1/20/2019</a:t>
+              <a:t>1/22/2019</a:t>
             </a:fld>
             <a:endParaRPr lang="en-US"/>
           </a:p>
@@ -7367,7 +7367,7 @@
         </p:nvSpPr>
         <p:spPr>
           <a:xfrm>
-            <a:off x="12356" y="0"/>
+            <a:off x="1167713" y="0"/>
             <a:ext cx="2644346" cy="2188396"/>
           </a:xfrm>
           <a:prstGeom prst="rect">
@@ -7405,7 +7405,7 @@
         </p:nvGrpSpPr>
         <p:grpSpPr>
           <a:xfrm>
-            <a:off x="175099" y="24926"/>
+            <a:off x="1330456" y="24926"/>
             <a:ext cx="2168611" cy="789462"/>
             <a:chOff x="123567" y="148281"/>
             <a:chExt cx="2168611" cy="789462"/>
@@ -7550,51 +7550,13 @@
       </p:grpSp>
       <p:sp>
         <p:nvSpPr>
-          <p:cNvPr id="9" name="Rectangle 8"/>
-          <p:cNvSpPr/>
-          <p:nvPr/>
-        </p:nvSpPr>
-        <p:spPr>
-          <a:xfrm>
-            <a:off x="214279" y="865186"/>
-            <a:ext cx="2111891" cy="1268205"/>
-          </a:xfrm>
-          <a:prstGeom prst="rect">
-            <a:avLst/>
-          </a:prstGeom>
-        </p:spPr>
-        <p:style>
-          <a:lnRef idx="2">
-            <a:schemeClr val="dk1"/>
-          </a:lnRef>
-          <a:fillRef idx="1">
-            <a:schemeClr val="lt1"/>
-          </a:fillRef>
-          <a:effectRef idx="0">
-            <a:schemeClr val="dk1"/>
-          </a:effectRef>
-          <a:fontRef idx="minor">
-            <a:schemeClr val="dk1"/>
-          </a:fontRef>
-        </p:style>
-        <p:txBody>
-          <a:bodyPr rtlCol="0" anchor="ctr"/>
-          <a:lstStyle/>
-          <a:p>
-            <a:pPr algn="ctr"/>
-            <a:endParaRPr lang="en-US" dirty="0"/>
-          </a:p>
-        </p:txBody>
-      </p:sp>
-      <p:sp>
-        <p:nvSpPr>
           <p:cNvPr id="22" name="Rectangle 21"/>
           <p:cNvSpPr/>
           <p:nvPr/>
         </p:nvSpPr>
         <p:spPr>
           <a:xfrm>
-            <a:off x="-103971" y="2174185"/>
+            <a:off x="588562" y="2105754"/>
             <a:ext cx="3880999" cy="369332"/>
           </a:xfrm>
           <a:prstGeom prst="rect">
@@ -7609,11 +7571,7 @@
           <a:p>
             <a:r>
               <a:rPr lang="en-US" dirty="0" smtClean="0"/>
-              <a:t>Render at host’s </a:t>
-            </a:r>
-            <a:r>
-              <a:rPr lang="en-US" dirty="0" smtClean="0"/>
-              <a:t>side + disabled pointer</a:t>
+              <a:t>Render at host’s side + disabled pointer</a:t>
             </a:r>
             <a:endParaRPr lang="en-US" dirty="0"/>
           </a:p>
@@ -7627,7 +7585,7 @@
         </p:nvGrpSpPr>
         <p:grpSpPr>
           <a:xfrm>
-            <a:off x="2790221" y="209591"/>
+            <a:off x="3945578" y="209591"/>
             <a:ext cx="2054386" cy="1470196"/>
             <a:chOff x="2888316" y="998162"/>
             <a:chExt cx="2054386" cy="1470196"/>
@@ -7983,30 +7941,434 @@
           </p:txBody>
         </p:sp>
       </p:grpSp>
+      <p:sp>
+        <p:nvSpPr>
+          <p:cNvPr id="45" name="Rectangle 44"/>
+          <p:cNvSpPr/>
+          <p:nvPr/>
+        </p:nvSpPr>
+        <p:spPr>
+          <a:xfrm>
+            <a:off x="316034" y="4801251"/>
+            <a:ext cx="4798069" cy="369332"/>
+          </a:xfrm>
+          <a:prstGeom prst="rect">
+            <a:avLst/>
+          </a:prstGeom>
+        </p:spPr>
+        <p:txBody>
+          <a:bodyPr wrap="square">
+            <a:spAutoFit/>
+          </a:bodyPr>
+          <a:lstStyle/>
+          <a:p>
+            <a:r>
+              <a:rPr lang="en-US" dirty="0" smtClean="0"/>
+              <a:t>HTML + overlay on Bridge + rendered pointer </a:t>
+            </a:r>
+            <a:endParaRPr lang="en-US" dirty="0"/>
+          </a:p>
+        </p:txBody>
+      </p:sp>
+      <p:pic>
+        <p:nvPicPr>
+          <p:cNvPr id="2" name="Picture 1"/>
+          <p:cNvPicPr>
+            <a:picLocks noChangeAspect="1"/>
+          </p:cNvPicPr>
+          <p:nvPr/>
+        </p:nvPicPr>
+        <p:blipFill rotWithShape="1">
+          <a:blip r:embed="rId2" cstate="print">
+            <a:extLst>
+              <a:ext uri="{28A0092B-C50C-407E-A947-70E740481C1C}">
+                <a14:useLocalDpi xmlns:a14="http://schemas.microsoft.com/office/drawing/2010/main" val="0"/>
+              </a:ext>
+            </a:extLst>
+          </a:blip>
+          <a:srcRect l="11483" t="11144" r="10990" b="11192"/>
+          <a:stretch/>
+        </p:blipFill>
+        <p:spPr>
+          <a:xfrm>
+            <a:off x="1833688" y="897280"/>
+            <a:ext cx="1175764" cy="1177808"/>
+          </a:xfrm>
+          <a:prstGeom prst="rect">
+            <a:avLst/>
+          </a:prstGeom>
+        </p:spPr>
+      </p:pic>
+      <p:pic>
+        <p:nvPicPr>
+          <p:cNvPr id="46" name="Picture 45"/>
+          <p:cNvPicPr>
+            <a:picLocks noChangeAspect="1"/>
+          </p:cNvPicPr>
+          <p:nvPr/>
+        </p:nvPicPr>
+        <p:blipFill>
+          <a:blip r:embed="rId3" cstate="print">
+            <a:extLst>
+              <a:ext uri="{28A0092B-C50C-407E-A947-70E740481C1C}">
+                <a14:useLocalDpi xmlns:a14="http://schemas.microsoft.com/office/drawing/2010/main" val="0"/>
+              </a:ext>
+            </a:extLst>
+          </a:blip>
+          <a:stretch>
+            <a:fillRect/>
+          </a:stretch>
+        </p:blipFill>
+        <p:spPr>
+          <a:xfrm>
+            <a:off x="1232942" y="851284"/>
+            <a:ext cx="180987" cy="172311"/>
+          </a:xfrm>
+          <a:prstGeom prst="rect">
+            <a:avLst/>
+          </a:prstGeom>
+        </p:spPr>
+      </p:pic>
+      <p:sp>
+        <p:nvSpPr>
+          <p:cNvPr id="47" name="Rectangle 46"/>
+          <p:cNvSpPr/>
+          <p:nvPr/>
+        </p:nvSpPr>
+        <p:spPr>
+          <a:xfrm>
+            <a:off x="1700169" y="890585"/>
+            <a:ext cx="1432964" cy="1184503"/>
+          </a:xfrm>
+          <a:prstGeom prst="rect">
+            <a:avLst/>
+          </a:prstGeom>
+          <a:noFill/>
+          <a:ln w="19050">
+            <a:solidFill>
+              <a:srgbClr val="FF0000"/>
+            </a:solidFill>
+          </a:ln>
+        </p:spPr>
+        <p:style>
+          <a:lnRef idx="2">
+            <a:schemeClr val="dk1"/>
+          </a:lnRef>
+          <a:fillRef idx="1">
+            <a:schemeClr val="lt1"/>
+          </a:fillRef>
+          <a:effectRef idx="0">
+            <a:schemeClr val="dk1"/>
+          </a:effectRef>
+          <a:fontRef idx="minor">
+            <a:schemeClr val="dk1"/>
+          </a:fontRef>
+        </p:style>
+        <p:txBody>
+          <a:bodyPr rtlCol="0" anchor="ctr"/>
+          <a:lstStyle/>
+          <a:p>
+            <a:pPr algn="ctr"/>
+            <a:endParaRPr lang="en-US" dirty="0"/>
+          </a:p>
+        </p:txBody>
+      </p:sp>
+      <p:cxnSp>
+        <p:nvCxnSpPr>
+          <p:cNvPr id="29" name="Curved Connector 28"/>
+          <p:cNvCxnSpPr>
+            <a:stCxn id="47" idx="3"/>
+            <a:endCxn id="11" idx="1"/>
+          </p:cNvCxnSpPr>
+          <p:nvPr/>
+        </p:nvCxnSpPr>
+        <p:spPr>
+          <a:xfrm flipV="1">
+            <a:off x="3133133" y="748054"/>
+            <a:ext cx="812445" cy="734783"/>
+          </a:xfrm>
+          <a:prstGeom prst="curvedConnector3">
+            <a:avLst/>
+          </a:prstGeom>
+          <a:ln w="19050">
+            <a:solidFill>
+              <a:srgbClr val="FF0000"/>
+            </a:solidFill>
+            <a:tailEnd type="triangle"/>
+          </a:ln>
+        </p:spPr>
+        <p:style>
+          <a:lnRef idx="1">
+            <a:schemeClr val="accent1"/>
+          </a:lnRef>
+          <a:fillRef idx="0">
+            <a:schemeClr val="accent1"/>
+          </a:fillRef>
+          <a:effectRef idx="0">
+            <a:schemeClr val="accent1"/>
+          </a:effectRef>
+          <a:fontRef idx="minor">
+            <a:schemeClr val="tx1"/>
+          </a:fontRef>
+        </p:style>
+      </p:cxnSp>
+      <p:sp>
+        <p:nvSpPr>
+          <p:cNvPr id="49" name="Rectangle 48"/>
+          <p:cNvSpPr/>
+          <p:nvPr/>
+        </p:nvSpPr>
+        <p:spPr>
+          <a:xfrm>
+            <a:off x="1203240" y="824392"/>
+            <a:ext cx="231743" cy="261214"/>
+          </a:xfrm>
+          <a:prstGeom prst="rect">
+            <a:avLst/>
+          </a:prstGeom>
+          <a:noFill/>
+          <a:ln w="19050">
+            <a:solidFill>
+              <a:srgbClr val="FF0000"/>
+            </a:solidFill>
+          </a:ln>
+        </p:spPr>
+        <p:style>
+          <a:lnRef idx="2">
+            <a:schemeClr val="dk1"/>
+          </a:lnRef>
+          <a:fillRef idx="1">
+            <a:schemeClr val="lt1"/>
+          </a:fillRef>
+          <a:effectRef idx="0">
+            <a:schemeClr val="dk1"/>
+          </a:effectRef>
+          <a:fontRef idx="minor">
+            <a:schemeClr val="dk1"/>
+          </a:fontRef>
+        </p:style>
+        <p:txBody>
+          <a:bodyPr rtlCol="0" anchor="ctr"/>
+          <a:lstStyle/>
+          <a:p>
+            <a:pPr algn="ctr"/>
+            <a:endParaRPr lang="en-US" dirty="0"/>
+          </a:p>
+        </p:txBody>
+      </p:sp>
+      <p:sp>
+        <p:nvSpPr>
+          <p:cNvPr id="52" name="Rectangle 51"/>
+          <p:cNvSpPr/>
+          <p:nvPr/>
+        </p:nvSpPr>
+        <p:spPr>
+          <a:xfrm>
+            <a:off x="1167713" y="2615458"/>
+            <a:ext cx="2644346" cy="2188396"/>
+          </a:xfrm>
+          <a:prstGeom prst="rect">
+            <a:avLst/>
+          </a:prstGeom>
+        </p:spPr>
+        <p:style>
+          <a:lnRef idx="2">
+            <a:schemeClr val="dk1"/>
+          </a:lnRef>
+          <a:fillRef idx="1">
+            <a:schemeClr val="lt1"/>
+          </a:fillRef>
+          <a:effectRef idx="0">
+            <a:schemeClr val="dk1"/>
+          </a:effectRef>
+          <a:fontRef idx="minor">
+            <a:schemeClr val="dk1"/>
+          </a:fontRef>
+        </p:style>
+        <p:txBody>
+          <a:bodyPr rtlCol="0" anchor="ctr"/>
+          <a:lstStyle/>
+          <a:p>
+            <a:pPr algn="ctr"/>
+            <a:endParaRPr lang="en-US" dirty="0"/>
+          </a:p>
+        </p:txBody>
+      </p:sp>
       <p:grpSp>
         <p:nvGrpSpPr>
-          <p:cNvPr id="26" name="Group 25"/>
+          <p:cNvPr id="53" name="Group 52"/>
           <p:cNvGrpSpPr/>
           <p:nvPr/>
         </p:nvGrpSpPr>
         <p:grpSpPr>
           <a:xfrm>
-            <a:off x="10804" y="2752821"/>
-            <a:ext cx="2644346" cy="2118156"/>
-            <a:chOff x="0" y="1"/>
-            <a:chExt cx="2644346" cy="2118156"/>
+            <a:off x="1330456" y="2640384"/>
+            <a:ext cx="2168611" cy="789462"/>
+            <a:chOff x="123567" y="148281"/>
+            <a:chExt cx="2168611" cy="789462"/>
           </a:xfrm>
         </p:grpSpPr>
         <p:sp>
           <p:nvSpPr>
-            <p:cNvPr id="27" name="Rectangle 26"/>
+            <p:cNvPr id="54" name="TextBox 53"/>
+            <p:cNvSpPr txBox="1"/>
+            <p:nvPr/>
+          </p:nvSpPr>
+          <p:spPr>
+            <a:xfrm>
+              <a:off x="123567" y="148281"/>
+              <a:ext cx="1126719" cy="369332"/>
+            </a:xfrm>
+            <a:prstGeom prst="rect">
+              <a:avLst/>
+            </a:prstGeom>
+            <a:noFill/>
+          </p:spPr>
+          <p:txBody>
+            <a:bodyPr wrap="none" rtlCol="0">
+              <a:spAutoFit/>
+            </a:bodyPr>
+            <a:lstStyle/>
+            <a:p>
+              <a:r>
+                <a:rPr lang="en-US" dirty="0" smtClean="0"/>
+                <a:t>Text box 1</a:t>
+              </a:r>
+              <a:endParaRPr lang="en-US" dirty="0"/>
+            </a:p>
+          </p:txBody>
+        </p:sp>
+        <p:sp>
+          <p:nvSpPr>
+            <p:cNvPr id="55" name="Rectangle 54"/>
             <p:cNvSpPr/>
             <p:nvPr/>
           </p:nvSpPr>
           <p:spPr>
             <a:xfrm>
-              <a:off x="0" y="1"/>
-              <a:ext cx="2644346" cy="2118156"/>
+              <a:off x="1322173" y="220534"/>
+              <a:ext cx="970005" cy="224825"/>
+            </a:xfrm>
+            <a:prstGeom prst="rect">
+              <a:avLst/>
+            </a:prstGeom>
+          </p:spPr>
+          <p:style>
+            <a:lnRef idx="2">
+              <a:schemeClr val="dk1"/>
+            </a:lnRef>
+            <a:fillRef idx="1">
+              <a:schemeClr val="lt1"/>
+            </a:fillRef>
+            <a:effectRef idx="0">
+              <a:schemeClr val="dk1"/>
+            </a:effectRef>
+            <a:fontRef idx="minor">
+              <a:schemeClr val="dk1"/>
+            </a:fontRef>
+          </p:style>
+          <p:txBody>
+            <a:bodyPr rtlCol="0" anchor="ctr"/>
+            <a:lstStyle/>
+            <a:p>
+              <a:pPr algn="ctr"/>
+              <a:endParaRPr lang="en-US" dirty="0"/>
+            </a:p>
+          </p:txBody>
+        </p:sp>
+        <p:sp>
+          <p:nvSpPr>
+            <p:cNvPr id="56" name="TextBox 55"/>
+            <p:cNvSpPr txBox="1"/>
+            <p:nvPr/>
+          </p:nvSpPr>
+          <p:spPr>
+            <a:xfrm>
+              <a:off x="123567" y="568411"/>
+              <a:ext cx="1126719" cy="369332"/>
+            </a:xfrm>
+            <a:prstGeom prst="rect">
+              <a:avLst/>
+            </a:prstGeom>
+            <a:noFill/>
+          </p:spPr>
+          <p:txBody>
+            <a:bodyPr wrap="none" rtlCol="0">
+              <a:spAutoFit/>
+            </a:bodyPr>
+            <a:lstStyle/>
+            <a:p>
+              <a:r>
+                <a:rPr lang="en-US" dirty="0" smtClean="0"/>
+                <a:t>Text box 2</a:t>
+              </a:r>
+              <a:endParaRPr lang="en-US" dirty="0"/>
+            </a:p>
+          </p:txBody>
+        </p:sp>
+        <p:sp>
+          <p:nvSpPr>
+            <p:cNvPr id="57" name="Rectangle 56"/>
+            <p:cNvSpPr/>
+            <p:nvPr/>
+          </p:nvSpPr>
+          <p:spPr>
+            <a:xfrm>
+              <a:off x="1322173" y="640664"/>
+              <a:ext cx="970005" cy="224825"/>
+            </a:xfrm>
+            <a:prstGeom prst="rect">
+              <a:avLst/>
+            </a:prstGeom>
+          </p:spPr>
+          <p:style>
+            <a:lnRef idx="2">
+              <a:schemeClr val="dk1"/>
+            </a:lnRef>
+            <a:fillRef idx="1">
+              <a:schemeClr val="lt1"/>
+            </a:fillRef>
+            <a:effectRef idx="0">
+              <a:schemeClr val="dk1"/>
+            </a:effectRef>
+            <a:fontRef idx="minor">
+              <a:schemeClr val="dk1"/>
+            </a:fontRef>
+          </p:style>
+          <p:txBody>
+            <a:bodyPr rtlCol="0" anchor="ctr"/>
+            <a:lstStyle/>
+            <a:p>
+              <a:pPr algn="ctr"/>
+              <a:endParaRPr lang="en-US" dirty="0"/>
+            </a:p>
+          </p:txBody>
+        </p:sp>
+      </p:grpSp>
+      <p:grpSp>
+        <p:nvGrpSpPr>
+          <p:cNvPr id="64" name="Group 63"/>
+          <p:cNvGrpSpPr/>
+          <p:nvPr/>
+        </p:nvGrpSpPr>
+        <p:grpSpPr>
+          <a:xfrm>
+            <a:off x="1395636" y="3574931"/>
+            <a:ext cx="2054386" cy="1076926"/>
+            <a:chOff x="2888316" y="998162"/>
+            <a:chExt cx="2054386" cy="1076926"/>
+          </a:xfrm>
+        </p:grpSpPr>
+        <p:sp>
+          <p:nvSpPr>
+            <p:cNvPr id="65" name="Rectangle 64"/>
+            <p:cNvSpPr/>
+            <p:nvPr/>
+          </p:nvSpPr>
+          <p:spPr>
+            <a:xfrm>
+              <a:off x="2888316" y="998162"/>
+              <a:ext cx="2054386" cy="1076926"/>
             </a:xfrm>
             <a:prstGeom prst="rect">
               <a:avLst/>
@@ -8037,28 +8399,28 @@
         </p:sp>
         <p:grpSp>
           <p:nvGrpSpPr>
-            <p:cNvPr id="28" name="Group 27"/>
+            <p:cNvPr id="66" name="Group 65"/>
             <p:cNvGrpSpPr/>
             <p:nvPr/>
           </p:nvGrpSpPr>
           <p:grpSpPr>
             <a:xfrm>
-              <a:off x="162743" y="24926"/>
-              <a:ext cx="2168611" cy="789462"/>
-              <a:chOff x="123567" y="148281"/>
-              <a:chExt cx="2168611" cy="789462"/>
+              <a:off x="3206577" y="1052907"/>
+              <a:ext cx="1318400" cy="677050"/>
+              <a:chOff x="6833286" y="148281"/>
+              <a:chExt cx="1318400" cy="677050"/>
             </a:xfrm>
           </p:grpSpPr>
           <p:sp>
             <p:nvSpPr>
-              <p:cNvPr id="31" name="TextBox 30"/>
+              <p:cNvPr id="70" name="TextBox 69"/>
               <p:cNvSpPr txBox="1"/>
               <p:nvPr/>
             </p:nvSpPr>
             <p:spPr>
               <a:xfrm>
-                <a:off x="123567" y="148281"/>
-                <a:ext cx="1126719" cy="369332"/>
+                <a:off x="6833286" y="148281"/>
+                <a:ext cx="1001172" cy="369332"/>
               </a:xfrm>
               <a:prstGeom prst="rect">
                 <a:avLst/>
@@ -8073,7 +8435,7 @@
               <a:p>
                 <a:r>
                   <a:rPr lang="en-US" dirty="0" smtClean="0"/>
-                  <a:t>Text box 1</a:t>
+                  <a:t>Option 1</a:t>
                 </a:r>
                 <a:endParaRPr lang="en-US" dirty="0"/>
               </a:p>
@@ -8081,16 +8443,16 @@
           </p:sp>
           <p:sp>
             <p:nvSpPr>
-              <p:cNvPr id="32" name="Rectangle 31"/>
+              <p:cNvPr id="71" name="Oval 70"/>
               <p:cNvSpPr/>
               <p:nvPr/>
             </p:nvSpPr>
             <p:spPr>
               <a:xfrm>
-                <a:off x="1322173" y="220534"/>
-                <a:ext cx="970005" cy="224825"/>
+                <a:off x="7926860" y="220533"/>
+                <a:ext cx="224826" cy="224826"/>
               </a:xfrm>
-              <a:prstGeom prst="rect">
+              <a:prstGeom prst="ellipse">
                 <a:avLst/>
               </a:prstGeom>
             </p:spPr>
@@ -8113,20 +8475,66 @@
               <a:lstStyle/>
               <a:p>
                 <a:pPr algn="ctr"/>
-                <a:endParaRPr lang="en-US" dirty="0"/>
+                <a:endParaRPr lang="en-US"/>
               </a:p>
             </p:txBody>
           </p:sp>
           <p:sp>
             <p:nvSpPr>
-              <p:cNvPr id="33" name="TextBox 32"/>
+              <p:cNvPr id="72" name="Oval 71"/>
+              <p:cNvSpPr/>
+              <p:nvPr/>
+            </p:nvSpPr>
+            <p:spPr>
+              <a:xfrm flipV="1">
+                <a:off x="7983668" y="277341"/>
+                <a:ext cx="111210" cy="111210"/>
+              </a:xfrm>
+              <a:prstGeom prst="ellipse">
+                <a:avLst/>
+              </a:prstGeom>
+              <a:solidFill>
+                <a:srgbClr val="92D050"/>
+              </a:solidFill>
+              <a:ln>
+                <a:solidFill>
+                  <a:srgbClr val="92D050"/>
+                </a:solidFill>
+              </a:ln>
+            </p:spPr>
+            <p:style>
+              <a:lnRef idx="2">
+                <a:schemeClr val="dk1"/>
+              </a:lnRef>
+              <a:fillRef idx="1">
+                <a:schemeClr val="lt1"/>
+              </a:fillRef>
+              <a:effectRef idx="0">
+                <a:schemeClr val="dk1"/>
+              </a:effectRef>
+              <a:fontRef idx="minor">
+                <a:schemeClr val="dk1"/>
+              </a:fontRef>
+            </p:style>
+            <p:txBody>
+              <a:bodyPr rtlCol="0" anchor="ctr"/>
+              <a:lstStyle/>
+              <a:p>
+                <a:pPr algn="ctr"/>
+                <a:endParaRPr lang="en-US"/>
+              </a:p>
+            </p:txBody>
+          </p:sp>
+          <p:sp>
+            <p:nvSpPr>
+              <p:cNvPr id="73" name="TextBox 72"/>
               <p:cNvSpPr txBox="1"/>
               <p:nvPr/>
             </p:nvSpPr>
             <p:spPr>
               <a:xfrm>
-                <a:off x="123567" y="568411"/>
-                <a:ext cx="1126719" cy="369332"/>
+                <a:off x="6833286" y="455999"/>
+                <a:ext cx="1001172" cy="369332"/>
               </a:xfrm>
               <a:prstGeom prst="rect">
                 <a:avLst/>
@@ -8141,7 +8549,7 @@
               <a:p>
                 <a:r>
                   <a:rPr lang="en-US" dirty="0" smtClean="0"/>
-                  <a:t>Text box 2</a:t>
+                  <a:t>Option 2</a:t>
                 </a:r>
                 <a:endParaRPr lang="en-US" dirty="0"/>
               </a:p>
@@ -8149,16 +8557,16 @@
           </p:sp>
           <p:sp>
             <p:nvSpPr>
-              <p:cNvPr id="34" name="Rectangle 33"/>
+              <p:cNvPr id="74" name="Oval 73"/>
               <p:cNvSpPr/>
               <p:nvPr/>
             </p:nvSpPr>
             <p:spPr>
               <a:xfrm>
-                <a:off x="1322173" y="640664"/>
-                <a:ext cx="970005" cy="224825"/>
+                <a:off x="7926860" y="528251"/>
+                <a:ext cx="224826" cy="224826"/>
               </a:xfrm>
-              <a:prstGeom prst="rect">
+              <a:prstGeom prst="ellipse">
                 <a:avLst/>
               </a:prstGeom>
             </p:spPr>
@@ -8181,108 +8589,26 @@
               <a:lstStyle/>
               <a:p>
                 <a:pPr algn="ctr"/>
-                <a:endParaRPr lang="en-US" dirty="0"/>
+                <a:endParaRPr lang="en-US"/>
               </a:p>
             </p:txBody>
           </p:sp>
         </p:grpSp>
-      </p:grpSp>
-      <p:sp>
-        <p:nvSpPr>
-          <p:cNvPr id="35" name="Rectangle 34"/>
-          <p:cNvSpPr/>
-          <p:nvPr/>
-        </p:nvSpPr>
-        <p:spPr>
-          <a:xfrm>
-            <a:off x="279626" y="3675849"/>
-            <a:ext cx="2062531" cy="1076926"/>
-          </a:xfrm>
-          <a:prstGeom prst="rect">
-            <a:avLst/>
-          </a:prstGeom>
-        </p:spPr>
-        <p:style>
-          <a:lnRef idx="2">
-            <a:schemeClr val="dk1"/>
-          </a:lnRef>
-          <a:fillRef idx="1">
-            <a:schemeClr val="lt1"/>
-          </a:fillRef>
-          <a:effectRef idx="0">
-            <a:schemeClr val="dk1"/>
-          </a:effectRef>
-          <a:fontRef idx="minor">
-            <a:schemeClr val="dk1"/>
-          </a:fontRef>
-        </p:style>
-        <p:txBody>
-          <a:bodyPr rtlCol="0" anchor="ctr"/>
-          <a:lstStyle/>
-          <a:p>
-            <a:pPr algn="ctr"/>
-            <a:endParaRPr lang="en-US" dirty="0"/>
-          </a:p>
-        </p:txBody>
-      </p:sp>
-      <p:grpSp>
-        <p:nvGrpSpPr>
-          <p:cNvPr id="36" name="Group 35"/>
-          <p:cNvGrpSpPr/>
-          <p:nvPr/>
-        </p:nvGrpSpPr>
-        <p:grpSpPr>
-          <a:xfrm>
-            <a:off x="597888" y="3730594"/>
-            <a:ext cx="1318400" cy="677050"/>
-            <a:chOff x="6833286" y="148281"/>
-            <a:chExt cx="1318400" cy="677050"/>
-          </a:xfrm>
-        </p:grpSpPr>
         <p:sp>
           <p:nvSpPr>
-            <p:cNvPr id="37" name="TextBox 36"/>
-            <p:cNvSpPr txBox="1"/>
-            <p:nvPr/>
-          </p:nvSpPr>
-          <p:spPr>
-            <a:xfrm>
-              <a:off x="6833286" y="148281"/>
-              <a:ext cx="1001172" cy="369332"/>
-            </a:xfrm>
-            <a:prstGeom prst="rect">
-              <a:avLst/>
-            </a:prstGeom>
-            <a:noFill/>
-          </p:spPr>
-          <p:txBody>
-            <a:bodyPr wrap="none" rtlCol="0">
-              <a:spAutoFit/>
-            </a:bodyPr>
-            <a:lstStyle/>
-            <a:p>
-              <a:r>
-                <a:rPr lang="en-US" dirty="0" smtClean="0"/>
-                <a:t>Option 1</a:t>
-              </a:r>
-              <a:endParaRPr lang="en-US" dirty="0"/>
-            </a:p>
-          </p:txBody>
-        </p:sp>
-        <p:sp>
-          <p:nvSpPr>
-            <p:cNvPr id="38" name="Oval 37"/>
+            <p:cNvPr id="67" name="Rounded Rectangle 66"/>
             <p:cNvSpPr/>
             <p:nvPr/>
           </p:nvSpPr>
           <p:spPr>
             <a:xfrm>
-              <a:off x="7926860" y="220533"/>
-              <a:ext cx="224826" cy="224826"/>
+              <a:off x="3030006" y="1729957"/>
+              <a:ext cx="860681" cy="253314"/>
             </a:xfrm>
-            <a:prstGeom prst="ellipse">
+            <a:prstGeom prst="roundRect">
               <a:avLst/>
             </a:prstGeom>
+            <a:ln w="12700"/>
           </p:spPr>
           <p:style>
             <a:lnRef idx="2">
@@ -8303,32 +8629,28 @@
             <a:lstStyle/>
             <a:p>
               <a:pPr algn="ctr"/>
-              <a:endParaRPr lang="en-US"/>
+              <a:r>
+                <a:rPr lang="en-US" dirty="0"/>
+                <a:t>OK</a:t>
+              </a:r>
             </a:p>
           </p:txBody>
         </p:sp>
         <p:sp>
           <p:nvSpPr>
-            <p:cNvPr id="39" name="Oval 38"/>
+            <p:cNvPr id="68" name="Rounded Rectangle 67"/>
             <p:cNvSpPr/>
             <p:nvPr/>
           </p:nvSpPr>
           <p:spPr>
-            <a:xfrm flipV="1">
-              <a:off x="7983668" y="277341"/>
-              <a:ext cx="111210" cy="111210"/>
+            <a:xfrm>
+              <a:off x="3983089" y="1729957"/>
+              <a:ext cx="860681" cy="253314"/>
             </a:xfrm>
-            <a:prstGeom prst="ellipse">
+            <a:prstGeom prst="roundRect">
               <a:avLst/>
             </a:prstGeom>
-            <a:solidFill>
-              <a:srgbClr val="92D050"/>
-            </a:solidFill>
-            <a:ln>
-              <a:solidFill>
-                <a:srgbClr val="92D050"/>
-              </a:solidFill>
-            </a:ln>
+            <a:ln w="12700"/>
           </p:spPr>
           <p:style>
             <a:lnRef idx="2">
@@ -8349,229 +8671,18 @@
             <a:lstStyle/>
             <a:p>
               <a:pPr algn="ctr"/>
-              <a:endParaRPr lang="en-US"/>
-            </a:p>
-          </p:txBody>
-        </p:sp>
-        <p:sp>
-          <p:nvSpPr>
-            <p:cNvPr id="40" name="TextBox 39"/>
-            <p:cNvSpPr txBox="1"/>
-            <p:nvPr/>
-          </p:nvSpPr>
-          <p:spPr>
-            <a:xfrm>
-              <a:off x="6833286" y="455999"/>
-              <a:ext cx="1001172" cy="369332"/>
-            </a:xfrm>
-            <a:prstGeom prst="rect">
-              <a:avLst/>
-            </a:prstGeom>
-            <a:noFill/>
-          </p:spPr>
-          <p:txBody>
-            <a:bodyPr wrap="none" rtlCol="0">
-              <a:spAutoFit/>
-            </a:bodyPr>
-            <a:lstStyle/>
-            <a:p>
               <a:r>
                 <a:rPr lang="en-US" dirty="0" smtClean="0"/>
-                <a:t>Option 2</a:t>
+                <a:t>Cancel</a:t>
               </a:r>
               <a:endParaRPr lang="en-US" dirty="0"/>
             </a:p>
           </p:txBody>
         </p:sp>
-        <p:sp>
-          <p:nvSpPr>
-            <p:cNvPr id="41" name="Oval 40"/>
-            <p:cNvSpPr/>
-            <p:nvPr/>
-          </p:nvSpPr>
-          <p:spPr>
-            <a:xfrm>
-              <a:off x="7926860" y="528251"/>
-              <a:ext cx="224826" cy="224826"/>
-            </a:xfrm>
-            <a:prstGeom prst="ellipse">
-              <a:avLst/>
-            </a:prstGeom>
-          </p:spPr>
-          <p:style>
-            <a:lnRef idx="2">
-              <a:schemeClr val="dk1"/>
-            </a:lnRef>
-            <a:fillRef idx="1">
-              <a:schemeClr val="lt1"/>
-            </a:fillRef>
-            <a:effectRef idx="0">
-              <a:schemeClr val="dk1"/>
-            </a:effectRef>
-            <a:fontRef idx="minor">
-              <a:schemeClr val="dk1"/>
-            </a:fontRef>
-          </p:style>
-          <p:txBody>
-            <a:bodyPr rtlCol="0" anchor="ctr"/>
-            <a:lstStyle/>
-            <a:p>
-              <a:pPr algn="ctr"/>
-              <a:endParaRPr lang="en-US"/>
-            </a:p>
-          </p:txBody>
-        </p:sp>
       </p:grpSp>
-      <p:sp>
-        <p:nvSpPr>
-          <p:cNvPr id="43" name="Rounded Rectangle 42"/>
-          <p:cNvSpPr/>
-          <p:nvPr/>
-        </p:nvSpPr>
-        <p:spPr>
-          <a:xfrm>
-            <a:off x="421317" y="4407644"/>
-            <a:ext cx="860681" cy="253314"/>
-          </a:xfrm>
-          <a:prstGeom prst="roundRect">
-            <a:avLst/>
-          </a:prstGeom>
-          <a:ln w="12700"/>
-        </p:spPr>
-        <p:style>
-          <a:lnRef idx="2">
-            <a:schemeClr val="dk1"/>
-          </a:lnRef>
-          <a:fillRef idx="1">
-            <a:schemeClr val="lt1"/>
-          </a:fillRef>
-          <a:effectRef idx="0">
-            <a:schemeClr val="dk1"/>
-          </a:effectRef>
-          <a:fontRef idx="minor">
-            <a:schemeClr val="dk1"/>
-          </a:fontRef>
-        </p:style>
-        <p:txBody>
-          <a:bodyPr rtlCol="0" anchor="ctr"/>
-          <a:lstStyle/>
-          <a:p>
-            <a:pPr algn="ctr"/>
-            <a:r>
-              <a:rPr lang="en-US" dirty="0"/>
-              <a:t>OK</a:t>
-            </a:r>
-          </a:p>
-        </p:txBody>
-      </p:sp>
-      <p:sp>
-        <p:nvSpPr>
-          <p:cNvPr id="44" name="Rounded Rectangle 43"/>
-          <p:cNvSpPr/>
-          <p:nvPr/>
-        </p:nvSpPr>
-        <p:spPr>
-          <a:xfrm>
-            <a:off x="1374400" y="4407644"/>
-            <a:ext cx="860681" cy="253314"/>
-          </a:xfrm>
-          <a:prstGeom prst="roundRect">
-            <a:avLst/>
-          </a:prstGeom>
-          <a:ln w="12700"/>
-        </p:spPr>
-        <p:style>
-          <a:lnRef idx="2">
-            <a:schemeClr val="dk1"/>
-          </a:lnRef>
-          <a:fillRef idx="1">
-            <a:schemeClr val="lt1"/>
-          </a:fillRef>
-          <a:effectRef idx="0">
-            <a:schemeClr val="dk1"/>
-          </a:effectRef>
-          <a:fontRef idx="minor">
-            <a:schemeClr val="dk1"/>
-          </a:fontRef>
-        </p:style>
-        <p:txBody>
-          <a:bodyPr rtlCol="0" anchor="ctr"/>
-          <a:lstStyle/>
-          <a:p>
-            <a:pPr algn="ctr"/>
-            <a:r>
-              <a:rPr lang="en-US" dirty="0" smtClean="0"/>
-              <a:t>Cancel</a:t>
-            </a:r>
-            <a:endParaRPr lang="en-US" dirty="0"/>
-          </a:p>
-        </p:txBody>
-      </p:sp>
-      <p:sp>
-        <p:nvSpPr>
-          <p:cNvPr id="45" name="Rectangle 44"/>
-          <p:cNvSpPr/>
-          <p:nvPr/>
-        </p:nvSpPr>
-        <p:spPr>
-          <a:xfrm>
-            <a:off x="2854729" y="3125622"/>
-            <a:ext cx="1987489" cy="923330"/>
-          </a:xfrm>
-          <a:prstGeom prst="rect">
-            <a:avLst/>
-          </a:prstGeom>
-        </p:spPr>
-        <p:txBody>
-          <a:bodyPr wrap="square">
-            <a:spAutoFit/>
-          </a:bodyPr>
-          <a:lstStyle/>
-          <a:p>
-            <a:r>
-              <a:rPr lang="en-US" dirty="0" smtClean="0"/>
-              <a:t>HTML + overlay on </a:t>
-            </a:r>
-            <a:r>
-              <a:rPr lang="en-US" dirty="0" smtClean="0"/>
-              <a:t>Bridge + rendered pointer </a:t>
-            </a:r>
-            <a:endParaRPr lang="en-US" dirty="0"/>
-          </a:p>
-        </p:txBody>
-      </p:sp>
       <p:pic>
         <p:nvPicPr>
-          <p:cNvPr id="2" name="Picture 1"/>
-          <p:cNvPicPr>
-            <a:picLocks noChangeAspect="1"/>
-          </p:cNvPicPr>
-          <p:nvPr/>
-        </p:nvPicPr>
-        <p:blipFill rotWithShape="1">
-          <a:blip r:embed="rId2" cstate="print">
-            <a:extLst>
-              <a:ext uri="{28A0092B-C50C-407E-A947-70E740481C1C}">
-                <a14:useLocalDpi xmlns:a14="http://schemas.microsoft.com/office/drawing/2010/main" val="0"/>
-              </a:ext>
-            </a:extLst>
-          </a:blip>
-          <a:srcRect l="11483" t="11144" r="10990" b="11192"/>
-          <a:stretch/>
-        </p:blipFill>
-        <p:spPr>
-          <a:xfrm>
-            <a:off x="678331" y="897280"/>
-            <a:ext cx="1175764" cy="1177808"/>
-          </a:xfrm>
-          <a:prstGeom prst="rect">
-            <a:avLst/>
-          </a:prstGeom>
-        </p:spPr>
-      </p:pic>
-      <p:pic>
-        <p:nvPicPr>
-          <p:cNvPr id="46" name="Picture 45"/>
+          <p:cNvPr id="60" name="Picture 59"/>
           <p:cNvPicPr>
             <a:picLocks noChangeAspect="1"/>
           </p:cNvPicPr>
@@ -8591,7 +8702,7 @@
         </p:blipFill>
         <p:spPr>
           <a:xfrm>
-            <a:off x="77585" y="851284"/>
+            <a:off x="1232942" y="3466742"/>
             <a:ext cx="180987" cy="172311"/>
           </a:xfrm>
           <a:prstGeom prst="rect">
@@ -8601,14 +8712,14 @@
       </p:pic>
       <p:sp>
         <p:nvSpPr>
-          <p:cNvPr id="47" name="Rectangle 46"/>
+          <p:cNvPr id="63" name="Rectangle 62"/>
           <p:cNvSpPr/>
           <p:nvPr/>
         </p:nvSpPr>
         <p:spPr>
           <a:xfrm>
-            <a:off x="544812" y="890585"/>
-            <a:ext cx="1432964" cy="1184503"/>
+            <a:off x="1203240" y="3439850"/>
+            <a:ext cx="231743" cy="261214"/>
           </a:xfrm>
           <a:prstGeom prst="rect">
             <a:avLst/>
@@ -8643,48 +8754,9 @@
           </a:p>
         </p:txBody>
       </p:sp>
-      <p:cxnSp>
-        <p:nvCxnSpPr>
-          <p:cNvPr id="29" name="Curved Connector 28"/>
-          <p:cNvCxnSpPr>
-            <a:stCxn id="47" idx="3"/>
-            <a:endCxn id="11" idx="1"/>
-          </p:cNvCxnSpPr>
-          <p:nvPr/>
-        </p:nvCxnSpPr>
-        <p:spPr>
-          <a:xfrm flipV="1">
-            <a:off x="1977776" y="748054"/>
-            <a:ext cx="812445" cy="734783"/>
-          </a:xfrm>
-          <a:prstGeom prst="curvedConnector3">
-            <a:avLst/>
-          </a:prstGeom>
-          <a:ln w="19050">
-            <a:solidFill>
-              <a:srgbClr val="FF0000"/>
-            </a:solidFill>
-            <a:tailEnd type="triangle"/>
-          </a:ln>
-        </p:spPr>
-        <p:style>
-          <a:lnRef idx="1">
-            <a:schemeClr val="accent1"/>
-          </a:lnRef>
-          <a:fillRef idx="0">
-            <a:schemeClr val="accent1"/>
-          </a:fillRef>
-          <a:effectRef idx="0">
-            <a:schemeClr val="accent1"/>
-          </a:effectRef>
-          <a:fontRef idx="minor">
-            <a:schemeClr val="tx1"/>
-          </a:fontRef>
-        </p:style>
-      </p:cxnSp>
       <p:pic>
         <p:nvPicPr>
-          <p:cNvPr id="48" name="Picture 47"/>
+          <p:cNvPr id="75" name="Picture 74"/>
           <p:cNvPicPr>
             <a:picLocks noChangeAspect="1"/>
           </p:cNvPicPr>
@@ -8711,7 +8783,7 @@
         </p:blipFill>
         <p:spPr>
           <a:xfrm>
-            <a:off x="1775253" y="3881445"/>
+            <a:off x="2916457" y="3791077"/>
             <a:ext cx="180987" cy="172311"/>
           </a:xfrm>
           <a:prstGeom prst="rect">
@@ -8719,6 +8791,191 @@
           </a:prstGeom>
         </p:spPr>
       </p:pic>
+      <p:sp>
+        <p:nvSpPr>
+          <p:cNvPr id="76" name="Rectangle 75"/>
+          <p:cNvSpPr/>
+          <p:nvPr/>
+        </p:nvSpPr>
+        <p:spPr>
+          <a:xfrm>
+            <a:off x="2886755" y="3764185"/>
+            <a:ext cx="231743" cy="261214"/>
+          </a:xfrm>
+          <a:prstGeom prst="rect">
+            <a:avLst/>
+          </a:prstGeom>
+          <a:noFill/>
+          <a:ln w="19050">
+            <a:solidFill>
+              <a:srgbClr val="FF0000"/>
+            </a:solidFill>
+          </a:ln>
+        </p:spPr>
+        <p:style>
+          <a:lnRef idx="2">
+            <a:schemeClr val="dk1"/>
+          </a:lnRef>
+          <a:fillRef idx="1">
+            <a:schemeClr val="lt1"/>
+          </a:fillRef>
+          <a:effectRef idx="0">
+            <a:schemeClr val="dk1"/>
+          </a:effectRef>
+          <a:fontRef idx="minor">
+            <a:schemeClr val="dk1"/>
+          </a:fontRef>
+        </p:style>
+        <p:txBody>
+          <a:bodyPr rtlCol="0" anchor="ctr"/>
+          <a:lstStyle/>
+          <a:p>
+            <a:pPr algn="ctr"/>
+            <a:endParaRPr lang="en-US" dirty="0"/>
+          </a:p>
+        </p:txBody>
+      </p:sp>
+      <p:sp>
+        <p:nvSpPr>
+          <p:cNvPr id="17" name="Rectangle 16"/>
+          <p:cNvSpPr/>
+          <p:nvPr/>
+        </p:nvSpPr>
+        <p:spPr>
+          <a:xfrm>
+            <a:off x="-304964" y="-98854"/>
+            <a:ext cx="1493205" cy="923330"/>
+          </a:xfrm>
+          <a:prstGeom prst="rect">
+            <a:avLst/>
+          </a:prstGeom>
+        </p:spPr>
+        <p:txBody>
+          <a:bodyPr wrap="square">
+            <a:spAutoFit/>
+          </a:bodyPr>
+          <a:lstStyle/>
+          <a:p>
+            <a:pPr algn="r"/>
+            <a:r>
+              <a:rPr lang="en-US" dirty="0" smtClean="0"/>
+              <a:t>Pointer information to the host</a:t>
+            </a:r>
+            <a:endParaRPr lang="en-US" dirty="0"/>
+          </a:p>
+        </p:txBody>
+      </p:sp>
+      <p:cxnSp>
+        <p:nvCxnSpPr>
+          <p:cNvPr id="77" name="Curved Connector 76"/>
+          <p:cNvCxnSpPr>
+            <a:stCxn id="49" idx="1"/>
+            <a:endCxn id="17" idx="2"/>
+          </p:cNvCxnSpPr>
+          <p:nvPr/>
+        </p:nvCxnSpPr>
+        <p:spPr>
+          <a:xfrm rot="10800000">
+            <a:off x="441640" y="824477"/>
+            <a:ext cx="761601" cy="130523"/>
+          </a:xfrm>
+          <a:prstGeom prst="curvedConnector2">
+            <a:avLst/>
+          </a:prstGeom>
+          <a:ln w="19050">
+            <a:solidFill>
+              <a:srgbClr val="FF0000"/>
+            </a:solidFill>
+            <a:tailEnd type="triangle"/>
+          </a:ln>
+        </p:spPr>
+        <p:style>
+          <a:lnRef idx="1">
+            <a:schemeClr val="accent1"/>
+          </a:lnRef>
+          <a:fillRef idx="0">
+            <a:schemeClr val="accent1"/>
+          </a:fillRef>
+          <a:effectRef idx="0">
+            <a:schemeClr val="accent1"/>
+          </a:effectRef>
+          <a:fontRef idx="minor">
+            <a:schemeClr val="tx1"/>
+          </a:fontRef>
+        </p:style>
+      </p:cxnSp>
+      <p:cxnSp>
+        <p:nvCxnSpPr>
+          <p:cNvPr id="80" name="Curved Connector 79"/>
+          <p:cNvCxnSpPr>
+            <a:stCxn id="76" idx="3"/>
+            <a:endCxn id="81" idx="2"/>
+          </p:cNvCxnSpPr>
+          <p:nvPr/>
+        </p:nvCxnSpPr>
+        <p:spPr>
+          <a:xfrm flipV="1">
+            <a:off x="3118498" y="3192202"/>
+            <a:ext cx="1569538" cy="702590"/>
+          </a:xfrm>
+          <a:prstGeom prst="curvedConnector2">
+            <a:avLst/>
+          </a:prstGeom>
+          <a:ln w="19050">
+            <a:solidFill>
+              <a:srgbClr val="FF0000"/>
+            </a:solidFill>
+            <a:tailEnd type="triangle"/>
+          </a:ln>
+        </p:spPr>
+        <p:style>
+          <a:lnRef idx="1">
+            <a:schemeClr val="accent1"/>
+          </a:lnRef>
+          <a:fillRef idx="0">
+            <a:schemeClr val="accent1"/>
+          </a:fillRef>
+          <a:effectRef idx="0">
+            <a:schemeClr val="accent1"/>
+          </a:effectRef>
+          <a:fontRef idx="minor">
+            <a:schemeClr val="tx1"/>
+          </a:fontRef>
+        </p:style>
+      </p:cxnSp>
+      <p:sp>
+        <p:nvSpPr>
+          <p:cNvPr id="81" name="Rectangle 80"/>
+          <p:cNvSpPr/>
+          <p:nvPr/>
+        </p:nvSpPr>
+        <p:spPr>
+          <a:xfrm>
+            <a:off x="3793832" y="2545871"/>
+            <a:ext cx="1788407" cy="646331"/>
+          </a:xfrm>
+          <a:prstGeom prst="rect">
+            <a:avLst/>
+          </a:prstGeom>
+        </p:spPr>
+        <p:txBody>
+          <a:bodyPr wrap="square">
+            <a:spAutoFit/>
+          </a:bodyPr>
+          <a:lstStyle/>
+          <a:p>
+            <a:r>
+              <a:rPr lang="en-US" dirty="0"/>
+              <a:t>rendered pointer </a:t>
+            </a:r>
+            <a:r>
+              <a:rPr lang="en-US" dirty="0" smtClean="0"/>
+              <a:t>by the Bridge</a:t>
+            </a:r>
+            <a:endParaRPr lang="en-US" dirty="0"/>
+          </a:p>
+        </p:txBody>
+      </p:sp>
     </p:spTree>
     <p:extLst>
       <p:ext uri="{BB962C8B-B14F-4D97-AF65-F5344CB8AC3E}">

--- a/aritra/MouseTracking/images/systemDesign.pptx
+++ b/aritra/MouseTracking/images/systemDesign.pptx
@@ -20,6 +20,7 @@
     <p:sldId id="265" r:id="rId14"/>
     <p:sldId id="270" r:id="rId15"/>
     <p:sldId id="269" r:id="rId16"/>
+    <p:sldId id="271" r:id="rId17"/>
   </p:sldIdLst>
   <p:sldSz cx="12192000" cy="6858000"/>
   <p:notesSz cx="6858000" cy="9144000"/>
@@ -257,7 +258,7 @@
           <a:p>
             <a:fld id="{AAB2D3D3-1E26-436C-8467-9F82561659A6}" type="datetimeFigureOut">
               <a:rPr lang="en-US" smtClean="0"/>
-              <a:t>1/22/2019</a:t>
+              <a:t>1/23/2019</a:t>
             </a:fld>
             <a:endParaRPr lang="en-US"/>
           </a:p>
@@ -427,7 +428,7 @@
           <a:p>
             <a:fld id="{AAB2D3D3-1E26-436C-8467-9F82561659A6}" type="datetimeFigureOut">
               <a:rPr lang="en-US" smtClean="0"/>
-              <a:t>1/22/2019</a:t>
+              <a:t>1/23/2019</a:t>
             </a:fld>
             <a:endParaRPr lang="en-US"/>
           </a:p>
@@ -607,7 +608,7 @@
           <a:p>
             <a:fld id="{AAB2D3D3-1E26-436C-8467-9F82561659A6}" type="datetimeFigureOut">
               <a:rPr lang="en-US" smtClean="0"/>
-              <a:t>1/22/2019</a:t>
+              <a:t>1/23/2019</a:t>
             </a:fld>
             <a:endParaRPr lang="en-US"/>
           </a:p>
@@ -777,7 +778,7 @@
           <a:p>
             <a:fld id="{AAB2D3D3-1E26-436C-8467-9F82561659A6}" type="datetimeFigureOut">
               <a:rPr lang="en-US" smtClean="0"/>
-              <a:t>1/22/2019</a:t>
+              <a:t>1/23/2019</a:t>
             </a:fld>
             <a:endParaRPr lang="en-US"/>
           </a:p>
@@ -1023,7 +1024,7 @@
           <a:p>
             <a:fld id="{AAB2D3D3-1E26-436C-8467-9F82561659A6}" type="datetimeFigureOut">
               <a:rPr lang="en-US" smtClean="0"/>
-              <a:t>1/22/2019</a:t>
+              <a:t>1/23/2019</a:t>
             </a:fld>
             <a:endParaRPr lang="en-US"/>
           </a:p>
@@ -1255,7 +1256,7 @@
           <a:p>
             <a:fld id="{AAB2D3D3-1E26-436C-8467-9F82561659A6}" type="datetimeFigureOut">
               <a:rPr lang="en-US" smtClean="0"/>
-              <a:t>1/22/2019</a:t>
+              <a:t>1/23/2019</a:t>
             </a:fld>
             <a:endParaRPr lang="en-US"/>
           </a:p>
@@ -1622,7 +1623,7 @@
           <a:p>
             <a:fld id="{AAB2D3D3-1E26-436C-8467-9F82561659A6}" type="datetimeFigureOut">
               <a:rPr lang="en-US" smtClean="0"/>
-              <a:t>1/22/2019</a:t>
+              <a:t>1/23/2019</a:t>
             </a:fld>
             <a:endParaRPr lang="en-US"/>
           </a:p>
@@ -1740,7 +1741,7 @@
           <a:p>
             <a:fld id="{AAB2D3D3-1E26-436C-8467-9F82561659A6}" type="datetimeFigureOut">
               <a:rPr lang="en-US" smtClean="0"/>
-              <a:t>1/22/2019</a:t>
+              <a:t>1/23/2019</a:t>
             </a:fld>
             <a:endParaRPr lang="en-US"/>
           </a:p>
@@ -1835,7 +1836,7 @@
           <a:p>
             <a:fld id="{AAB2D3D3-1E26-436C-8467-9F82561659A6}" type="datetimeFigureOut">
               <a:rPr lang="en-US" smtClean="0"/>
-              <a:t>1/22/2019</a:t>
+              <a:t>1/23/2019</a:t>
             </a:fld>
             <a:endParaRPr lang="en-US"/>
           </a:p>
@@ -2112,7 +2113,7 @@
           <a:p>
             <a:fld id="{AAB2D3D3-1E26-436C-8467-9F82561659A6}" type="datetimeFigureOut">
               <a:rPr lang="en-US" smtClean="0"/>
-              <a:t>1/22/2019</a:t>
+              <a:t>1/23/2019</a:t>
             </a:fld>
             <a:endParaRPr lang="en-US"/>
           </a:p>
@@ -2365,7 +2366,7 @@
           <a:p>
             <a:fld id="{AAB2D3D3-1E26-436C-8467-9F82561659A6}" type="datetimeFigureOut">
               <a:rPr lang="en-US" smtClean="0"/>
-              <a:t>1/22/2019</a:t>
+              <a:t>1/23/2019</a:t>
             </a:fld>
             <a:endParaRPr lang="en-US"/>
           </a:p>
@@ -2578,7 +2579,7 @@
           <a:p>
             <a:fld id="{AAB2D3D3-1E26-436C-8467-9F82561659A6}" type="datetimeFigureOut">
               <a:rPr lang="en-US" smtClean="0"/>
-              <a:t>1/22/2019</a:t>
+              <a:t>1/23/2019</a:t>
             </a:fld>
             <a:endParaRPr lang="en-US"/>
           </a:p>
@@ -9206,6 +9207,352 @@
     <p:extLst>
       <p:ext uri="{BB962C8B-B14F-4D97-AF65-F5344CB8AC3E}">
         <p14:creationId xmlns:p14="http://schemas.microsoft.com/office/powerpoint/2010/main" val="1280400003"/>
+      </p:ext>
+    </p:extLst>
+  </p:cSld>
+  <p:clrMapOvr>
+    <a:masterClrMapping/>
+  </p:clrMapOvr>
+</p:sld>
+</file>
+
+<file path=ppt/slides/slide16.xml><?xml version="1.0" encoding="utf-8"?>
+<p:sld xmlns:a="http://schemas.openxmlformats.org/drawingml/2006/main" xmlns:r="http://schemas.openxmlformats.org/officeDocument/2006/relationships" xmlns:p="http://schemas.openxmlformats.org/presentationml/2006/main">
+  <p:cSld>
+    <p:spTree>
+      <p:nvGrpSpPr>
+        <p:cNvPr id="1" name=""/>
+        <p:cNvGrpSpPr/>
+        <p:nvPr/>
+      </p:nvGrpSpPr>
+      <p:grpSpPr>
+        <a:xfrm>
+          <a:off x="0" y="0"/>
+          <a:ext cx="0" cy="0"/>
+          <a:chOff x="0" y="0"/>
+          <a:chExt cx="0" cy="0"/>
+        </a:xfrm>
+      </p:grpSpPr>
+      <p:grpSp>
+        <p:nvGrpSpPr>
+          <p:cNvPr id="4" name="Group 3"/>
+          <p:cNvGrpSpPr/>
+          <p:nvPr/>
+        </p:nvGrpSpPr>
+        <p:grpSpPr>
+          <a:xfrm>
+            <a:off x="8217881" y="492468"/>
+            <a:ext cx="1183286" cy="1227286"/>
+            <a:chOff x="4560745" y="2756315"/>
+            <a:chExt cx="1183286" cy="1227286"/>
+          </a:xfrm>
+        </p:grpSpPr>
+        <p:pic>
+          <p:nvPicPr>
+            <p:cNvPr id="5" name="Picture 4"/>
+            <p:cNvPicPr>
+              <a:picLocks noChangeAspect="1"/>
+            </p:cNvPicPr>
+            <p:nvPr/>
+          </p:nvPicPr>
+          <p:blipFill rotWithShape="1">
+            <a:blip r:embed="rId2"/>
+            <a:srcRect l="35542" t="19680" r="35441" b="39379"/>
+            <a:stretch/>
+          </p:blipFill>
+          <p:spPr>
+            <a:xfrm>
+              <a:off x="4560745" y="2756315"/>
+              <a:ext cx="1183286" cy="857954"/>
+            </a:xfrm>
+            <a:prstGeom prst="rect">
+              <a:avLst/>
+            </a:prstGeom>
+          </p:spPr>
+        </p:pic>
+        <p:sp>
+          <p:nvSpPr>
+            <p:cNvPr id="6" name="Rectangle 5"/>
+            <p:cNvSpPr/>
+            <p:nvPr/>
+          </p:nvSpPr>
+          <p:spPr>
+            <a:xfrm>
+              <a:off x="4741635" y="3614269"/>
+              <a:ext cx="821507" cy="369332"/>
+            </a:xfrm>
+            <a:prstGeom prst="rect">
+              <a:avLst/>
+            </a:prstGeom>
+          </p:spPr>
+          <p:txBody>
+            <a:bodyPr wrap="none">
+              <a:spAutoFit/>
+            </a:bodyPr>
+            <a:lstStyle/>
+            <a:p>
+              <a:r>
+                <a:rPr lang="en-US" b="1" dirty="0" smtClean="0"/>
+                <a:t>Device</a:t>
+              </a:r>
+              <a:endParaRPr lang="en-US" b="1" dirty="0"/>
+            </a:p>
+          </p:txBody>
+        </p:sp>
+      </p:grpSp>
+      <p:grpSp>
+        <p:nvGrpSpPr>
+          <p:cNvPr id="15" name="Group 14"/>
+          <p:cNvGrpSpPr/>
+          <p:nvPr/>
+        </p:nvGrpSpPr>
+        <p:grpSpPr>
+          <a:xfrm>
+            <a:off x="2922381" y="530113"/>
+            <a:ext cx="1047075" cy="1134364"/>
+            <a:chOff x="5112053" y="44635"/>
+            <a:chExt cx="1047075" cy="1134364"/>
+          </a:xfrm>
+        </p:grpSpPr>
+        <p:pic>
+          <p:nvPicPr>
+            <p:cNvPr id="16" name="Picture 15"/>
+            <p:cNvPicPr>
+              <a:picLocks noChangeAspect="1"/>
+            </p:cNvPicPr>
+            <p:nvPr/>
+          </p:nvPicPr>
+          <p:blipFill rotWithShape="1">
+            <a:blip r:embed="rId3" cstate="print">
+              <a:extLst>
+                <a:ext uri="{28A0092B-C50C-407E-A947-70E740481C1C}">
+                  <a14:useLocalDpi xmlns:a14="http://schemas.microsoft.com/office/drawing/2010/main" val="0"/>
+                </a:ext>
+              </a:extLst>
+            </a:blip>
+            <a:srcRect l="1487" t="16443" r="6804" b="16551"/>
+            <a:stretch/>
+          </p:blipFill>
+          <p:spPr>
+            <a:xfrm>
+              <a:off x="5112053" y="44635"/>
+              <a:ext cx="1047075" cy="765032"/>
+            </a:xfrm>
+            <a:prstGeom prst="rect">
+              <a:avLst/>
+            </a:prstGeom>
+          </p:spPr>
+        </p:pic>
+        <p:sp>
+          <p:nvSpPr>
+            <p:cNvPr id="17" name="Rectangle 16"/>
+            <p:cNvSpPr/>
+            <p:nvPr/>
+          </p:nvSpPr>
+          <p:spPr>
+            <a:xfrm>
+              <a:off x="5237117" y="809667"/>
+              <a:ext cx="796949" cy="369332"/>
+            </a:xfrm>
+            <a:prstGeom prst="rect">
+              <a:avLst/>
+            </a:prstGeom>
+          </p:spPr>
+          <p:txBody>
+            <a:bodyPr wrap="none">
+              <a:spAutoFit/>
+            </a:bodyPr>
+            <a:lstStyle/>
+            <a:p>
+              <a:r>
+                <a:rPr lang="en-US" b="1" dirty="0" smtClean="0"/>
+                <a:t>Server</a:t>
+              </a:r>
+              <a:endParaRPr lang="en-US" b="1" dirty="0"/>
+            </a:p>
+          </p:txBody>
+        </p:sp>
+      </p:grpSp>
+      <p:grpSp>
+        <p:nvGrpSpPr>
+          <p:cNvPr id="21" name="Group 20"/>
+          <p:cNvGrpSpPr/>
+          <p:nvPr/>
+        </p:nvGrpSpPr>
+        <p:grpSpPr>
+          <a:xfrm>
+            <a:off x="5454817" y="369500"/>
+            <a:ext cx="1330071" cy="1350254"/>
+            <a:chOff x="5454817" y="369500"/>
+            <a:chExt cx="1330071" cy="1350254"/>
+          </a:xfrm>
+        </p:grpSpPr>
+        <p:pic>
+          <p:nvPicPr>
+            <p:cNvPr id="10" name="Picture 9"/>
+            <p:cNvPicPr>
+              <a:picLocks noChangeAspect="1"/>
+            </p:cNvPicPr>
+            <p:nvPr/>
+          </p:nvPicPr>
+          <p:blipFill rotWithShape="1">
+            <a:blip r:embed="rId4"/>
+            <a:srcRect l="24261" t="14798" r="24188" b="14569"/>
+            <a:stretch/>
+          </p:blipFill>
+          <p:spPr>
+            <a:xfrm>
+              <a:off x="5629531" y="561421"/>
+              <a:ext cx="1155357" cy="813498"/>
+            </a:xfrm>
+            <a:prstGeom prst="rect">
+              <a:avLst/>
+            </a:prstGeom>
+          </p:spPr>
+        </p:pic>
+        <p:sp>
+          <p:nvSpPr>
+            <p:cNvPr id="9" name="Rectangle 8"/>
+            <p:cNvSpPr/>
+            <p:nvPr/>
+          </p:nvSpPr>
+          <p:spPr>
+            <a:xfrm>
+              <a:off x="5895745" y="1350422"/>
+              <a:ext cx="622927" cy="369332"/>
+            </a:xfrm>
+            <a:prstGeom prst="rect">
+              <a:avLst/>
+            </a:prstGeom>
+          </p:spPr>
+          <p:txBody>
+            <a:bodyPr wrap="none">
+              <a:spAutoFit/>
+            </a:bodyPr>
+            <a:lstStyle/>
+            <a:p>
+              <a:r>
+                <a:rPr lang="en-US" b="1" dirty="0" smtClean="0"/>
+                <a:t>Host</a:t>
+              </a:r>
+              <a:endParaRPr lang="en-US" b="1" dirty="0"/>
+            </a:p>
+          </p:txBody>
+        </p:sp>
+        <p:sp>
+          <p:nvSpPr>
+            <p:cNvPr id="12" name="Rounded Rectangle 11"/>
+            <p:cNvSpPr/>
+            <p:nvPr/>
+          </p:nvSpPr>
+          <p:spPr>
+            <a:xfrm>
+              <a:off x="5728321" y="631611"/>
+              <a:ext cx="951085" cy="575683"/>
+            </a:xfrm>
+            <a:prstGeom prst="roundRect">
+              <a:avLst>
+                <a:gd name="adj" fmla="val 6007"/>
+              </a:avLst>
+            </a:prstGeom>
+            <a:solidFill>
+              <a:schemeClr val="bg1"/>
+            </a:solidFill>
+            <a:ln>
+              <a:solidFill>
+                <a:srgbClr val="5C546A"/>
+              </a:solidFill>
+            </a:ln>
+          </p:spPr>
+          <p:style>
+            <a:lnRef idx="2">
+              <a:schemeClr val="accent1">
+                <a:shade val="50000"/>
+              </a:schemeClr>
+            </a:lnRef>
+            <a:fillRef idx="1">
+              <a:schemeClr val="accent1"/>
+            </a:fillRef>
+            <a:effectRef idx="0">
+              <a:schemeClr val="accent1"/>
+            </a:effectRef>
+            <a:fontRef idx="minor">
+              <a:schemeClr val="lt1"/>
+            </a:fontRef>
+          </p:style>
+          <p:txBody>
+            <a:bodyPr rtlCol="0" anchor="ctr"/>
+            <a:lstStyle/>
+            <a:p>
+              <a:pPr algn="ctr"/>
+              <a:endParaRPr lang="en-US"/>
+            </a:p>
+          </p:txBody>
+        </p:sp>
+        <p:pic>
+          <p:nvPicPr>
+            <p:cNvPr id="14" name="Picture 13"/>
+            <p:cNvPicPr>
+              <a:picLocks noChangeAspect="1"/>
+            </p:cNvPicPr>
+            <p:nvPr/>
+          </p:nvPicPr>
+          <p:blipFill rotWithShape="1">
+            <a:blip r:embed="rId5" cstate="print">
+              <a:extLst>
+                <a:ext uri="{28A0092B-C50C-407E-A947-70E740481C1C}">
+                  <a14:useLocalDpi xmlns:a14="http://schemas.microsoft.com/office/drawing/2010/main" val="0"/>
+                </a:ext>
+              </a:extLst>
+            </a:blip>
+            <a:srcRect l="6381" t="29888" r="64723" b="29528"/>
+            <a:stretch/>
+          </p:blipFill>
+          <p:spPr>
+            <a:xfrm>
+              <a:off x="5931825" y="656842"/>
+              <a:ext cx="488092" cy="481913"/>
+            </a:xfrm>
+            <a:prstGeom prst="rect">
+              <a:avLst/>
+            </a:prstGeom>
+          </p:spPr>
+        </p:pic>
+        <p:pic>
+          <p:nvPicPr>
+            <p:cNvPr id="11" name="Picture 10"/>
+            <p:cNvPicPr>
+              <a:picLocks noChangeAspect="1"/>
+            </p:cNvPicPr>
+            <p:nvPr/>
+          </p:nvPicPr>
+          <p:blipFill>
+            <a:blip r:embed="rId6" cstate="print">
+              <a:extLst>
+                <a:ext uri="{28A0092B-C50C-407E-A947-70E740481C1C}">
+                  <a14:useLocalDpi xmlns:a14="http://schemas.microsoft.com/office/drawing/2010/main" val="0"/>
+                </a:ext>
+              </a:extLst>
+            </a:blip>
+            <a:stretch>
+              <a:fillRect/>
+            </a:stretch>
+          </p:blipFill>
+          <p:spPr>
+            <a:xfrm>
+              <a:off x="5454817" y="369500"/>
+              <a:ext cx="453610" cy="453610"/>
+            </a:xfrm>
+            <a:prstGeom prst="rect">
+              <a:avLst/>
+            </a:prstGeom>
+          </p:spPr>
+        </p:pic>
+      </p:grpSp>
+    </p:spTree>
+    <p:extLst>
+      <p:ext uri="{BB962C8B-B14F-4D97-AF65-F5344CB8AC3E}">
+        <p14:creationId xmlns:p14="http://schemas.microsoft.com/office/powerpoint/2010/main" val="2616027161"/>
       </p:ext>
     </p:extLst>
   </p:cSld>

--- a/aritra/MouseTracking/images/systemDesign.pptx
+++ b/aritra/MouseTracking/images/systemDesign.pptx
@@ -3274,6 +3274,13 @@
   <p:clrMapOvr>
     <a:masterClrMapping/>
   </p:clrMapOvr>
+  <p:timing>
+    <p:tnLst>
+      <p:par>
+        <p:cTn id="1" dur="indefinite" restart="never" nodeType="tmRoot"/>
+      </p:par>
+    </p:tnLst>
+  </p:timing>
 </p:sld>
 </file>
 
@@ -9233,322 +9240,6 @@
           <a:chExt cx="0" cy="0"/>
         </a:xfrm>
       </p:grpSpPr>
-      <p:grpSp>
-        <p:nvGrpSpPr>
-          <p:cNvPr id="4" name="Group 3"/>
-          <p:cNvGrpSpPr/>
-          <p:nvPr/>
-        </p:nvGrpSpPr>
-        <p:grpSpPr>
-          <a:xfrm>
-            <a:off x="8217881" y="492468"/>
-            <a:ext cx="1183286" cy="1227286"/>
-            <a:chOff x="4560745" y="2756315"/>
-            <a:chExt cx="1183286" cy="1227286"/>
-          </a:xfrm>
-        </p:grpSpPr>
-        <p:pic>
-          <p:nvPicPr>
-            <p:cNvPr id="5" name="Picture 4"/>
-            <p:cNvPicPr>
-              <a:picLocks noChangeAspect="1"/>
-            </p:cNvPicPr>
-            <p:nvPr/>
-          </p:nvPicPr>
-          <p:blipFill rotWithShape="1">
-            <a:blip r:embed="rId2"/>
-            <a:srcRect l="35542" t="19680" r="35441" b="39379"/>
-            <a:stretch/>
-          </p:blipFill>
-          <p:spPr>
-            <a:xfrm>
-              <a:off x="4560745" y="2756315"/>
-              <a:ext cx="1183286" cy="857954"/>
-            </a:xfrm>
-            <a:prstGeom prst="rect">
-              <a:avLst/>
-            </a:prstGeom>
-          </p:spPr>
-        </p:pic>
-        <p:sp>
-          <p:nvSpPr>
-            <p:cNvPr id="6" name="Rectangle 5"/>
-            <p:cNvSpPr/>
-            <p:nvPr/>
-          </p:nvSpPr>
-          <p:spPr>
-            <a:xfrm>
-              <a:off x="4741635" y="3614269"/>
-              <a:ext cx="821507" cy="369332"/>
-            </a:xfrm>
-            <a:prstGeom prst="rect">
-              <a:avLst/>
-            </a:prstGeom>
-          </p:spPr>
-          <p:txBody>
-            <a:bodyPr wrap="none">
-              <a:spAutoFit/>
-            </a:bodyPr>
-            <a:lstStyle/>
-            <a:p>
-              <a:r>
-                <a:rPr lang="en-US" b="1" dirty="0" smtClean="0"/>
-                <a:t>Device</a:t>
-              </a:r>
-              <a:endParaRPr lang="en-US" b="1" dirty="0"/>
-            </a:p>
-          </p:txBody>
-        </p:sp>
-      </p:grpSp>
-      <p:grpSp>
-        <p:nvGrpSpPr>
-          <p:cNvPr id="15" name="Group 14"/>
-          <p:cNvGrpSpPr/>
-          <p:nvPr/>
-        </p:nvGrpSpPr>
-        <p:grpSpPr>
-          <a:xfrm>
-            <a:off x="2922381" y="530113"/>
-            <a:ext cx="1047075" cy="1134364"/>
-            <a:chOff x="5112053" y="44635"/>
-            <a:chExt cx="1047075" cy="1134364"/>
-          </a:xfrm>
-        </p:grpSpPr>
-        <p:pic>
-          <p:nvPicPr>
-            <p:cNvPr id="16" name="Picture 15"/>
-            <p:cNvPicPr>
-              <a:picLocks noChangeAspect="1"/>
-            </p:cNvPicPr>
-            <p:nvPr/>
-          </p:nvPicPr>
-          <p:blipFill rotWithShape="1">
-            <a:blip r:embed="rId3" cstate="print">
-              <a:extLst>
-                <a:ext uri="{28A0092B-C50C-407E-A947-70E740481C1C}">
-                  <a14:useLocalDpi xmlns:a14="http://schemas.microsoft.com/office/drawing/2010/main" val="0"/>
-                </a:ext>
-              </a:extLst>
-            </a:blip>
-            <a:srcRect l="1487" t="16443" r="6804" b="16551"/>
-            <a:stretch/>
-          </p:blipFill>
-          <p:spPr>
-            <a:xfrm>
-              <a:off x="5112053" y="44635"/>
-              <a:ext cx="1047075" cy="765032"/>
-            </a:xfrm>
-            <a:prstGeom prst="rect">
-              <a:avLst/>
-            </a:prstGeom>
-          </p:spPr>
-        </p:pic>
-        <p:sp>
-          <p:nvSpPr>
-            <p:cNvPr id="17" name="Rectangle 16"/>
-            <p:cNvSpPr/>
-            <p:nvPr/>
-          </p:nvSpPr>
-          <p:spPr>
-            <a:xfrm>
-              <a:off x="5237117" y="809667"/>
-              <a:ext cx="796949" cy="369332"/>
-            </a:xfrm>
-            <a:prstGeom prst="rect">
-              <a:avLst/>
-            </a:prstGeom>
-          </p:spPr>
-          <p:txBody>
-            <a:bodyPr wrap="none">
-              <a:spAutoFit/>
-            </a:bodyPr>
-            <a:lstStyle/>
-            <a:p>
-              <a:r>
-                <a:rPr lang="en-US" b="1" dirty="0" smtClean="0"/>
-                <a:t>Server</a:t>
-              </a:r>
-              <a:endParaRPr lang="en-US" b="1" dirty="0"/>
-            </a:p>
-          </p:txBody>
-        </p:sp>
-      </p:grpSp>
-      <p:grpSp>
-        <p:nvGrpSpPr>
-          <p:cNvPr id="21" name="Group 20"/>
-          <p:cNvGrpSpPr/>
-          <p:nvPr/>
-        </p:nvGrpSpPr>
-        <p:grpSpPr>
-          <a:xfrm>
-            <a:off x="5454817" y="369500"/>
-            <a:ext cx="1330071" cy="1350254"/>
-            <a:chOff x="5454817" y="369500"/>
-            <a:chExt cx="1330071" cy="1350254"/>
-          </a:xfrm>
-        </p:grpSpPr>
-        <p:pic>
-          <p:nvPicPr>
-            <p:cNvPr id="10" name="Picture 9"/>
-            <p:cNvPicPr>
-              <a:picLocks noChangeAspect="1"/>
-            </p:cNvPicPr>
-            <p:nvPr/>
-          </p:nvPicPr>
-          <p:blipFill rotWithShape="1">
-            <a:blip r:embed="rId4"/>
-            <a:srcRect l="24261" t="14798" r="24188" b="14569"/>
-            <a:stretch/>
-          </p:blipFill>
-          <p:spPr>
-            <a:xfrm>
-              <a:off x="5629531" y="561421"/>
-              <a:ext cx="1155357" cy="813498"/>
-            </a:xfrm>
-            <a:prstGeom prst="rect">
-              <a:avLst/>
-            </a:prstGeom>
-          </p:spPr>
-        </p:pic>
-        <p:sp>
-          <p:nvSpPr>
-            <p:cNvPr id="9" name="Rectangle 8"/>
-            <p:cNvSpPr/>
-            <p:nvPr/>
-          </p:nvSpPr>
-          <p:spPr>
-            <a:xfrm>
-              <a:off x="5895745" y="1350422"/>
-              <a:ext cx="622927" cy="369332"/>
-            </a:xfrm>
-            <a:prstGeom prst="rect">
-              <a:avLst/>
-            </a:prstGeom>
-          </p:spPr>
-          <p:txBody>
-            <a:bodyPr wrap="none">
-              <a:spAutoFit/>
-            </a:bodyPr>
-            <a:lstStyle/>
-            <a:p>
-              <a:r>
-                <a:rPr lang="en-US" b="1" dirty="0" smtClean="0"/>
-                <a:t>Host</a:t>
-              </a:r>
-              <a:endParaRPr lang="en-US" b="1" dirty="0"/>
-            </a:p>
-          </p:txBody>
-        </p:sp>
-        <p:sp>
-          <p:nvSpPr>
-            <p:cNvPr id="12" name="Rounded Rectangle 11"/>
-            <p:cNvSpPr/>
-            <p:nvPr/>
-          </p:nvSpPr>
-          <p:spPr>
-            <a:xfrm>
-              <a:off x="5728321" y="631611"/>
-              <a:ext cx="951085" cy="575683"/>
-            </a:xfrm>
-            <a:prstGeom prst="roundRect">
-              <a:avLst>
-                <a:gd name="adj" fmla="val 6007"/>
-              </a:avLst>
-            </a:prstGeom>
-            <a:solidFill>
-              <a:schemeClr val="bg1"/>
-            </a:solidFill>
-            <a:ln>
-              <a:solidFill>
-                <a:srgbClr val="5C546A"/>
-              </a:solidFill>
-            </a:ln>
-          </p:spPr>
-          <p:style>
-            <a:lnRef idx="2">
-              <a:schemeClr val="accent1">
-                <a:shade val="50000"/>
-              </a:schemeClr>
-            </a:lnRef>
-            <a:fillRef idx="1">
-              <a:schemeClr val="accent1"/>
-            </a:fillRef>
-            <a:effectRef idx="0">
-              <a:schemeClr val="accent1"/>
-            </a:effectRef>
-            <a:fontRef idx="minor">
-              <a:schemeClr val="lt1"/>
-            </a:fontRef>
-          </p:style>
-          <p:txBody>
-            <a:bodyPr rtlCol="0" anchor="ctr"/>
-            <a:lstStyle/>
-            <a:p>
-              <a:pPr algn="ctr"/>
-              <a:endParaRPr lang="en-US"/>
-            </a:p>
-          </p:txBody>
-        </p:sp>
-        <p:pic>
-          <p:nvPicPr>
-            <p:cNvPr id="14" name="Picture 13"/>
-            <p:cNvPicPr>
-              <a:picLocks noChangeAspect="1"/>
-            </p:cNvPicPr>
-            <p:nvPr/>
-          </p:nvPicPr>
-          <p:blipFill rotWithShape="1">
-            <a:blip r:embed="rId5" cstate="print">
-              <a:extLst>
-                <a:ext uri="{28A0092B-C50C-407E-A947-70E740481C1C}">
-                  <a14:useLocalDpi xmlns:a14="http://schemas.microsoft.com/office/drawing/2010/main" val="0"/>
-                </a:ext>
-              </a:extLst>
-            </a:blip>
-            <a:srcRect l="6381" t="29888" r="64723" b="29528"/>
-            <a:stretch/>
-          </p:blipFill>
-          <p:spPr>
-            <a:xfrm>
-              <a:off x="5931825" y="656842"/>
-              <a:ext cx="488092" cy="481913"/>
-            </a:xfrm>
-            <a:prstGeom prst="rect">
-              <a:avLst/>
-            </a:prstGeom>
-          </p:spPr>
-        </p:pic>
-        <p:pic>
-          <p:nvPicPr>
-            <p:cNvPr id="11" name="Picture 10"/>
-            <p:cNvPicPr>
-              <a:picLocks noChangeAspect="1"/>
-            </p:cNvPicPr>
-            <p:nvPr/>
-          </p:nvPicPr>
-          <p:blipFill>
-            <a:blip r:embed="rId6" cstate="print">
-              <a:extLst>
-                <a:ext uri="{28A0092B-C50C-407E-A947-70E740481C1C}">
-                  <a14:useLocalDpi xmlns:a14="http://schemas.microsoft.com/office/drawing/2010/main" val="0"/>
-                </a:ext>
-              </a:extLst>
-            </a:blip>
-            <a:stretch>
-              <a:fillRect/>
-            </a:stretch>
-          </p:blipFill>
-          <p:spPr>
-            <a:xfrm>
-              <a:off x="5454817" y="369500"/>
-              <a:ext cx="453610" cy="453610"/>
-            </a:xfrm>
-            <a:prstGeom prst="rect">
-              <a:avLst/>
-            </a:prstGeom>
-          </p:spPr>
-        </p:pic>
-      </p:grpSp>
     </p:spTree>
     <p:extLst>
       <p:ext uri="{BB962C8B-B14F-4D97-AF65-F5344CB8AC3E}">
@@ -10164,6 +9855,13 @@
   <p:clrMapOvr>
     <a:masterClrMapping/>
   </p:clrMapOvr>
+  <p:timing>
+    <p:tnLst>
+      <p:par>
+        <p:cTn id="1" dur="indefinite" restart="never" nodeType="tmRoot"/>
+      </p:par>
+    </p:tnLst>
+  </p:timing>
 </p:sld>
 </file>
 

--- a/aritra/MouseTracking/images/systemDesign.pptx
+++ b/aritra/MouseTracking/images/systemDesign.pptx
@@ -258,7 +258,7 @@
           <a:p>
             <a:fld id="{AAB2D3D3-1E26-436C-8467-9F82561659A6}" type="datetimeFigureOut">
               <a:rPr lang="en-US" smtClean="0"/>
-              <a:t>1/23/2019</a:t>
+              <a:t>1/24/2019</a:t>
             </a:fld>
             <a:endParaRPr lang="en-US"/>
           </a:p>
@@ -428,7 +428,7 @@
           <a:p>
             <a:fld id="{AAB2D3D3-1E26-436C-8467-9F82561659A6}" type="datetimeFigureOut">
               <a:rPr lang="en-US" smtClean="0"/>
-              <a:t>1/23/2019</a:t>
+              <a:t>1/24/2019</a:t>
             </a:fld>
             <a:endParaRPr lang="en-US"/>
           </a:p>
@@ -608,7 +608,7 @@
           <a:p>
             <a:fld id="{AAB2D3D3-1E26-436C-8467-9F82561659A6}" type="datetimeFigureOut">
               <a:rPr lang="en-US" smtClean="0"/>
-              <a:t>1/23/2019</a:t>
+              <a:t>1/24/2019</a:t>
             </a:fld>
             <a:endParaRPr lang="en-US"/>
           </a:p>
@@ -778,7 +778,7 @@
           <a:p>
             <a:fld id="{AAB2D3D3-1E26-436C-8467-9F82561659A6}" type="datetimeFigureOut">
               <a:rPr lang="en-US" smtClean="0"/>
-              <a:t>1/23/2019</a:t>
+              <a:t>1/24/2019</a:t>
             </a:fld>
             <a:endParaRPr lang="en-US"/>
           </a:p>
@@ -1024,7 +1024,7 @@
           <a:p>
             <a:fld id="{AAB2D3D3-1E26-436C-8467-9F82561659A6}" type="datetimeFigureOut">
               <a:rPr lang="en-US" smtClean="0"/>
-              <a:t>1/23/2019</a:t>
+              <a:t>1/24/2019</a:t>
             </a:fld>
             <a:endParaRPr lang="en-US"/>
           </a:p>
@@ -1256,7 +1256,7 @@
           <a:p>
             <a:fld id="{AAB2D3D3-1E26-436C-8467-9F82561659A6}" type="datetimeFigureOut">
               <a:rPr lang="en-US" smtClean="0"/>
-              <a:t>1/23/2019</a:t>
+              <a:t>1/24/2019</a:t>
             </a:fld>
             <a:endParaRPr lang="en-US"/>
           </a:p>
@@ -1623,7 +1623,7 @@
           <a:p>
             <a:fld id="{AAB2D3D3-1E26-436C-8467-9F82561659A6}" type="datetimeFigureOut">
               <a:rPr lang="en-US" smtClean="0"/>
-              <a:t>1/23/2019</a:t>
+              <a:t>1/24/2019</a:t>
             </a:fld>
             <a:endParaRPr lang="en-US"/>
           </a:p>
@@ -1741,7 +1741,7 @@
           <a:p>
             <a:fld id="{AAB2D3D3-1E26-436C-8467-9F82561659A6}" type="datetimeFigureOut">
               <a:rPr lang="en-US" smtClean="0"/>
-              <a:t>1/23/2019</a:t>
+              <a:t>1/24/2019</a:t>
             </a:fld>
             <a:endParaRPr lang="en-US"/>
           </a:p>
@@ -1836,7 +1836,7 @@
           <a:p>
             <a:fld id="{AAB2D3D3-1E26-436C-8467-9F82561659A6}" type="datetimeFigureOut">
               <a:rPr lang="en-US" smtClean="0"/>
-              <a:t>1/23/2019</a:t>
+              <a:t>1/24/2019</a:t>
             </a:fld>
             <a:endParaRPr lang="en-US"/>
           </a:p>
@@ -2113,7 +2113,7 @@
           <a:p>
             <a:fld id="{AAB2D3D3-1E26-436C-8467-9F82561659A6}" type="datetimeFigureOut">
               <a:rPr lang="en-US" smtClean="0"/>
-              <a:t>1/23/2019</a:t>
+              <a:t>1/24/2019</a:t>
             </a:fld>
             <a:endParaRPr lang="en-US"/>
           </a:p>
@@ -2366,7 +2366,7 @@
           <a:p>
             <a:fld id="{AAB2D3D3-1E26-436C-8467-9F82561659A6}" type="datetimeFigureOut">
               <a:rPr lang="en-US" smtClean="0"/>
-              <a:t>1/23/2019</a:t>
+              <a:t>1/24/2019</a:t>
             </a:fld>
             <a:endParaRPr lang="en-US"/>
           </a:p>
@@ -2579,7 +2579,7 @@
           <a:p>
             <a:fld id="{AAB2D3D3-1E26-436C-8467-9F82561659A6}" type="datetimeFigureOut">
               <a:rPr lang="en-US" smtClean="0"/>
-              <a:t>1/23/2019</a:t>
+              <a:t>1/24/2019</a:t>
             </a:fld>
             <a:endParaRPr lang="en-US"/>
           </a:p>
@@ -9890,14 +9890,17 @@
         </p:nvSpPr>
         <p:spPr>
           <a:xfrm>
-            <a:off x="479639" y="926614"/>
+            <a:off x="467283" y="815404"/>
             <a:ext cx="3796757" cy="1089198"/>
           </a:xfrm>
           <a:prstGeom prst="rect">
             <a:avLst/>
           </a:prstGeom>
           <a:solidFill>
-            <a:srgbClr val="FEF6F0"/>
+            <a:schemeClr val="accent2">
+              <a:lumMod val="20000"/>
+              <a:lumOff val="80000"/>
+            </a:schemeClr>
           </a:solidFill>
           <a:ln>
             <a:noFill/>
@@ -9936,7 +9939,7 @@
         </p:nvGrpSpPr>
         <p:grpSpPr>
           <a:xfrm>
-            <a:off x="5188663" y="3469904"/>
+            <a:off x="5176307" y="3358694"/>
             <a:ext cx="870751" cy="1015479"/>
             <a:chOff x="7483230" y="2896126"/>
             <a:chExt cx="870751" cy="1015479"/>
@@ -10009,7 +10012,7 @@
         </p:nvGrpSpPr>
         <p:grpSpPr>
           <a:xfrm>
-            <a:off x="3633524" y="2018528"/>
+            <a:off x="3621168" y="1907318"/>
             <a:ext cx="1183286" cy="1227286"/>
             <a:chOff x="4560745" y="2756315"/>
             <a:chExt cx="1183286" cy="1227286"/>
@@ -10089,7 +10092,7 @@
         </p:blipFill>
         <p:spPr>
           <a:xfrm>
-            <a:off x="2052531" y="3944"/>
+            <a:off x="2087925" y="16185"/>
             <a:ext cx="1048281" cy="765913"/>
           </a:xfrm>
           <a:prstGeom prst="rect">
@@ -10105,7 +10108,7 @@
         </p:nvGrpSpPr>
         <p:grpSpPr>
           <a:xfrm>
-            <a:off x="19259" y="2018528"/>
+            <a:off x="6903" y="1907318"/>
             <a:ext cx="1218495" cy="1258690"/>
             <a:chOff x="1475140" y="2705424"/>
             <a:chExt cx="1218495" cy="1258690"/>
@@ -10217,7 +10220,7 @@
         </p:nvGrpSpPr>
         <p:grpSpPr>
           <a:xfrm>
-            <a:off x="1817070" y="3469904"/>
+            <a:off x="1804714" y="3358694"/>
             <a:ext cx="1615914" cy="980246"/>
             <a:chOff x="2534406" y="4227129"/>
             <a:chExt cx="1615914" cy="980246"/>
@@ -10384,7 +10387,7 @@
         </p:nvSpPr>
         <p:spPr>
           <a:xfrm>
-            <a:off x="2173487" y="836469"/>
+            <a:off x="2161131" y="725259"/>
             <a:ext cx="796949" cy="369332"/>
           </a:xfrm>
           <a:prstGeom prst="rect">
@@ -10415,7 +10418,7 @@
         </p:nvCxnSpPr>
         <p:spPr>
           <a:xfrm flipV="1">
-            <a:off x="2625027" y="3061148"/>
+            <a:off x="2612671" y="2949938"/>
             <a:ext cx="1189387" cy="408756"/>
           </a:xfrm>
           <a:prstGeom prst="straightConnector1">
@@ -10455,7 +10458,7 @@
         </p:nvCxnSpPr>
         <p:spPr>
           <a:xfrm flipH="1" flipV="1">
-            <a:off x="4635921" y="3061148"/>
+            <a:off x="4623565" y="2949938"/>
             <a:ext cx="988117" cy="408756"/>
           </a:xfrm>
           <a:prstGeom prst="straightConnector1">
@@ -10495,7 +10498,7 @@
         </p:nvCxnSpPr>
         <p:spPr>
           <a:xfrm flipV="1">
-            <a:off x="628507" y="1021135"/>
+            <a:off x="616151" y="909925"/>
             <a:ext cx="1544980" cy="1028797"/>
           </a:xfrm>
           <a:prstGeom prst="straightConnector1">
@@ -10535,7 +10538,7 @@
         </p:nvCxnSpPr>
         <p:spPr>
           <a:xfrm flipH="1" flipV="1">
-            <a:off x="2970436" y="1021135"/>
+            <a:off x="2958080" y="909925"/>
             <a:ext cx="1254731" cy="997393"/>
           </a:xfrm>
           <a:prstGeom prst="straightConnector1">
@@ -10572,7 +10575,7 @@
         </p:nvCxnSpPr>
         <p:spPr>
           <a:xfrm flipV="1">
-            <a:off x="1237754" y="2353740"/>
+            <a:off x="1225398" y="2242530"/>
             <a:ext cx="2395770" cy="31404"/>
           </a:xfrm>
           <a:prstGeom prst="straightConnector1">
@@ -10609,7 +10612,7 @@
         </p:nvSpPr>
         <p:spPr>
           <a:xfrm rot="2336835">
-            <a:off x="2910193" y="1169535"/>
+            <a:off x="2897837" y="1058325"/>
             <a:ext cx="1375216" cy="646331"/>
           </a:xfrm>
           <a:prstGeom prst="rect">
@@ -10639,7 +10642,7 @@
         </p:nvSpPr>
         <p:spPr>
           <a:xfrm rot="19606741">
-            <a:off x="419530" y="1211070"/>
+            <a:off x="407174" y="1099860"/>
             <a:ext cx="1904903" cy="646331"/>
           </a:xfrm>
           <a:prstGeom prst="rect">
@@ -10669,7 +10672,7 @@
         </p:nvSpPr>
         <p:spPr>
           <a:xfrm>
-            <a:off x="2011391" y="2058764"/>
+            <a:off x="1999035" y="1947554"/>
             <a:ext cx="866006" cy="369332"/>
           </a:xfrm>
           <a:prstGeom prst="rect">
@@ -10698,7 +10701,7 @@
         </p:nvCxnSpPr>
         <p:spPr>
           <a:xfrm flipV="1">
-            <a:off x="1237754" y="2479666"/>
+            <a:off x="1225398" y="2368456"/>
             <a:ext cx="2395770" cy="31404"/>
           </a:xfrm>
           <a:prstGeom prst="straightConnector1">
@@ -10735,7 +10738,7 @@
         </p:nvSpPr>
         <p:spPr>
           <a:xfrm>
-            <a:off x="1741174" y="2455336"/>
+            <a:off x="1728818" y="2344126"/>
             <a:ext cx="1478546" cy="369332"/>
           </a:xfrm>
           <a:prstGeom prst="rect">
@@ -10764,7 +10767,7 @@
         </p:nvSpPr>
         <p:spPr>
           <a:xfrm>
-            <a:off x="3717324" y="3245814"/>
+            <a:off x="3704968" y="3134604"/>
             <a:ext cx="1074333" cy="369332"/>
           </a:xfrm>
           <a:prstGeom prst="rect">
@@ -10807,7 +10810,7 @@
         </p:blipFill>
         <p:spPr>
           <a:xfrm>
-            <a:off x="350710" y="763608"/>
+            <a:off x="338354" y="652398"/>
             <a:ext cx="460381" cy="460381"/>
           </a:xfrm>
           <a:prstGeom prst="rect">
@@ -10823,7 +10826,7 @@
         </p:nvSpPr>
         <p:spPr>
           <a:xfrm>
-            <a:off x="772317" y="637147"/>
+            <a:off x="759961" y="525937"/>
             <a:ext cx="1016304" cy="369332"/>
           </a:xfrm>
           <a:prstGeom prst="rect">
@@ -10882,10 +10885,10 @@
         </p:nvGrpSpPr>
         <p:grpSpPr>
           <a:xfrm>
-            <a:off x="6262367" y="1935870"/>
-            <a:ext cx="1406040" cy="1631540"/>
-            <a:chOff x="7410680" y="2587169"/>
-            <a:chExt cx="1406040" cy="1631540"/>
+            <a:off x="6385400" y="1778975"/>
+            <a:ext cx="1272895" cy="1547480"/>
+            <a:chOff x="7533713" y="2671229"/>
+            <a:chExt cx="1272895" cy="1547480"/>
           </a:xfrm>
         </p:grpSpPr>
         <p:pic>
@@ -10909,8 +10912,8 @@
           </p:blipFill>
           <p:spPr>
             <a:xfrm>
-              <a:off x="7410680" y="2587169"/>
-              <a:ext cx="1406040" cy="1314904"/>
+              <a:off x="7533713" y="2671229"/>
+              <a:ext cx="1272895" cy="1190389"/>
             </a:xfrm>
             <a:prstGeom prst="rect">
               <a:avLst/>
@@ -10955,10 +10958,10 @@
         </p:nvGrpSpPr>
         <p:grpSpPr>
           <a:xfrm>
-            <a:off x="3298986" y="1917729"/>
-            <a:ext cx="1558568" cy="1315179"/>
+            <a:off x="3298986" y="1676774"/>
+            <a:ext cx="1534780" cy="1376983"/>
             <a:chOff x="4379856" y="2569028"/>
-            <a:chExt cx="1558568" cy="1315179"/>
+            <a:chExt cx="1534780" cy="1376983"/>
           </a:xfrm>
         </p:grpSpPr>
         <p:pic>
@@ -10992,8 +10995,8 @@
           </p:nvSpPr>
           <p:spPr>
             <a:xfrm>
-              <a:off x="5116917" y="3514875"/>
-              <a:ext cx="821507" cy="369332"/>
+              <a:off x="5116917" y="3576679"/>
+              <a:ext cx="797719" cy="369332"/>
             </a:xfrm>
             <a:prstGeom prst="rect">
               <a:avLst/>
@@ -11007,7 +11010,7 @@
             <a:p>
               <a:r>
                 <a:rPr lang="en-US" b="1" dirty="0" smtClean="0"/>
-                <a:t>Device</a:t>
+                <a:t>Bridge</a:t>
               </a:r>
               <a:endParaRPr lang="en-US" b="1" dirty="0"/>
             </a:p>
@@ -11035,7 +11038,7 @@
         </p:blipFill>
         <p:spPr>
           <a:xfrm>
-            <a:off x="2489431" y="3843727"/>
+            <a:off x="2489431" y="3602772"/>
             <a:ext cx="974772" cy="689251"/>
           </a:xfrm>
           <a:prstGeom prst="rect">
@@ -11064,7 +11067,7 @@
         </p:blipFill>
         <p:spPr>
           <a:xfrm>
-            <a:off x="4430594" y="3843172"/>
+            <a:off x="4430594" y="3602217"/>
             <a:ext cx="859039" cy="689251"/>
           </a:xfrm>
           <a:prstGeom prst="rect">
@@ -11080,7 +11083,7 @@
         </p:nvGrpSpPr>
         <p:grpSpPr>
           <a:xfrm>
-            <a:off x="4628858" y="2240138"/>
+            <a:off x="4628858" y="1999183"/>
             <a:ext cx="1690594" cy="416585"/>
             <a:chOff x="2813280" y="2882164"/>
             <a:chExt cx="1690594" cy="416585"/>
@@ -11186,7 +11189,7 @@
         </p:nvGrpSpPr>
         <p:grpSpPr>
           <a:xfrm>
-            <a:off x="3733017" y="2919692"/>
+            <a:off x="3733017" y="2678737"/>
             <a:ext cx="454561" cy="476330"/>
             <a:chOff x="3978976" y="3695894"/>
             <a:chExt cx="454561" cy="476330"/>
@@ -11323,7 +11326,7 @@
         </p:nvGrpSpPr>
         <p:grpSpPr>
           <a:xfrm>
-            <a:off x="2998131" y="3396022"/>
+            <a:off x="2998131" y="3155067"/>
             <a:ext cx="1930253" cy="519167"/>
             <a:chOff x="3510935" y="3575185"/>
             <a:chExt cx="1930253" cy="519167"/>
@@ -11477,7 +11480,7 @@
         </p:nvGrpSpPr>
         <p:grpSpPr>
           <a:xfrm>
-            <a:off x="3862098" y="3401823"/>
+            <a:off x="3862098" y="3160868"/>
             <a:ext cx="828798" cy="369332"/>
             <a:chOff x="7903181" y="3762728"/>
             <a:chExt cx="828798" cy="369332"/>
@@ -11519,9 +11522,10 @@
             <a:p>
               <a:pPr algn="ctr"/>
               <a:r>
-                <a:rPr lang="en-US" b="1" dirty="0"/>
-                <a:t>1</a:t>
+                <a:rPr lang="en-US" b="1" dirty="0" smtClean="0"/>
+                <a:t>5</a:t>
               </a:r>
+              <a:endParaRPr lang="en-US" b="1" dirty="0"/>
             </a:p>
           </p:txBody>
         </p:sp>
@@ -11567,10 +11571,10 @@
         </p:nvGrpSpPr>
         <p:grpSpPr>
           <a:xfrm>
-            <a:off x="285101" y="1566538"/>
-            <a:ext cx="1038279" cy="369332"/>
+            <a:off x="22380" y="1325583"/>
+            <a:ext cx="1784124" cy="369332"/>
             <a:chOff x="7903181" y="3762728"/>
-            <a:chExt cx="1038279" cy="369332"/>
+            <a:chExt cx="1784124" cy="369332"/>
           </a:xfrm>
         </p:grpSpPr>
         <p:sp>
@@ -11610,7 +11614,7 @@
               <a:pPr algn="ctr"/>
               <a:r>
                 <a:rPr lang="en-US" b="1" dirty="0" smtClean="0"/>
-                <a:t>3</a:t>
+                <a:t>1</a:t>
               </a:r>
               <a:endParaRPr lang="en-US" b="1" dirty="0"/>
             </a:p>
@@ -11625,7 +11629,7 @@
           <p:spPr>
             <a:xfrm>
               <a:off x="8047176" y="3762728"/>
-              <a:ext cx="894284" cy="369332"/>
+              <a:ext cx="1640129" cy="369332"/>
             </a:xfrm>
             <a:prstGeom prst="rect">
               <a:avLst/>
@@ -11639,7 +11643,7 @@
             <a:p>
               <a:r>
                 <a:rPr lang="en-US" dirty="0" smtClean="0"/>
-                <a:t>Process</a:t>
+                <a:t>Browser render</a:t>
               </a:r>
               <a:endParaRPr lang="en-US" dirty="0"/>
             </a:p>
@@ -11654,7 +11658,7 @@
         </p:nvGrpSpPr>
         <p:grpSpPr>
           <a:xfrm>
-            <a:off x="1738097" y="2073024"/>
+            <a:off x="1738097" y="1832069"/>
             <a:ext cx="1402738" cy="369332"/>
             <a:chOff x="2847767" y="2591680"/>
             <a:chExt cx="1402738" cy="369332"/>
@@ -11711,7 +11715,7 @@
                 <a:pPr algn="ctr"/>
                 <a:r>
                   <a:rPr lang="en-US" b="1" dirty="0" smtClean="0"/>
-                  <a:t>4</a:t>
+                  <a:t>2</a:t>
                 </a:r>
                 <a:endParaRPr lang="en-US" b="1" dirty="0"/>
               </a:p>
@@ -11790,7 +11794,7 @@
         </p:nvGrpSpPr>
         <p:grpSpPr>
           <a:xfrm>
-            <a:off x="1612017" y="2652690"/>
+            <a:off x="1612017" y="2411735"/>
             <a:ext cx="1702563" cy="369332"/>
             <a:chOff x="2677293" y="3267066"/>
             <a:chExt cx="1702563" cy="369332"/>
@@ -11847,7 +11851,7 @@
                 <a:pPr algn="ctr"/>
                 <a:r>
                   <a:rPr lang="en-US" b="1" dirty="0" smtClean="0"/>
-                  <a:t>2</a:t>
+                  <a:t>6</a:t>
                 </a:r>
                 <a:endParaRPr lang="en-US" b="1" dirty="0"/>
               </a:p>
@@ -12002,7 +12006,7 @@
         </p:nvCxnSpPr>
         <p:spPr>
           <a:xfrm>
-            <a:off x="5101329" y="2124287"/>
+            <a:off x="5101329" y="1657287"/>
             <a:ext cx="718135" cy="0"/>
           </a:xfrm>
           <a:prstGeom prst="straightConnector1">
@@ -12049,7 +12053,7 @@
         </p:blipFill>
         <p:spPr>
           <a:xfrm>
-            <a:off x="3570700" y="11650"/>
+            <a:off x="3450055" y="14094"/>
             <a:ext cx="1139451" cy="832525"/>
           </a:xfrm>
           <a:prstGeom prst="rect">
@@ -12060,16 +12064,13 @@
       <p:cxnSp>
         <p:nvCxnSpPr>
           <p:cNvPr id="67" name="Straight Arrow Connector 66"/>
-          <p:cNvCxnSpPr>
-            <a:stCxn id="51" idx="0"/>
-            <a:endCxn id="63" idx="1"/>
-          </p:cNvCxnSpPr>
+          <p:cNvCxnSpPr/>
           <p:nvPr/>
         </p:nvCxnSpPr>
         <p:spPr>
           <a:xfrm flipV="1">
-            <a:off x="876238" y="427913"/>
-            <a:ext cx="2694462" cy="1138625"/>
+            <a:off x="1057590" y="550301"/>
+            <a:ext cx="2083245" cy="880336"/>
           </a:xfrm>
           <a:prstGeom prst="straightConnector1">
             <a:avLst/>
@@ -12101,8 +12102,8 @@
           <p:nvPr/>
         </p:nvGrpSpPr>
         <p:grpSpPr>
-          <a:xfrm>
-            <a:off x="1705492" y="375569"/>
+          <a:xfrm rot="20251076">
+            <a:off x="1402459" y="669164"/>
             <a:ext cx="1287065" cy="369332"/>
             <a:chOff x="7903181" y="3762728"/>
             <a:chExt cx="1287065" cy="369332"/>
@@ -12111,93 +12112,6 @@
         <p:sp>
           <p:nvSpPr>
             <p:cNvPr id="71" name="Oval 70"/>
-            <p:cNvSpPr/>
-            <p:nvPr/>
-          </p:nvSpPr>
-          <p:spPr>
-            <a:xfrm>
-              <a:off x="7903181" y="3848001"/>
-              <a:ext cx="202025" cy="198787"/>
-            </a:xfrm>
-            <a:prstGeom prst="ellipse">
-              <a:avLst/>
-            </a:prstGeom>
-            <a:ln w="19050"/>
-          </p:spPr>
-          <p:style>
-            <a:lnRef idx="2">
-              <a:schemeClr val="dk1"/>
-            </a:lnRef>
-            <a:fillRef idx="1">
-              <a:schemeClr val="lt1"/>
-            </a:fillRef>
-            <a:effectRef idx="0">
-              <a:schemeClr val="dk1"/>
-            </a:effectRef>
-            <a:fontRef idx="minor">
-              <a:schemeClr val="dk1"/>
-            </a:fontRef>
-          </p:style>
-          <p:txBody>
-            <a:bodyPr rtlCol="0" anchor="ctr"/>
-            <a:lstStyle/>
-            <a:p>
-              <a:pPr algn="ctr"/>
-              <a:r>
-                <a:rPr lang="en-US" b="1" dirty="0" smtClean="0"/>
-                <a:t>5</a:t>
-              </a:r>
-              <a:endParaRPr lang="en-US" b="1" dirty="0"/>
-            </a:p>
-          </p:txBody>
-        </p:sp>
-        <p:sp>
-          <p:nvSpPr>
-            <p:cNvPr id="72" name="Rectangle 71"/>
-            <p:cNvSpPr/>
-            <p:nvPr/>
-          </p:nvSpPr>
-          <p:spPr>
-            <a:xfrm>
-              <a:off x="8047176" y="3762728"/>
-              <a:ext cx="1143070" cy="369332"/>
-            </a:xfrm>
-            <a:prstGeom prst="rect">
-              <a:avLst/>
-            </a:prstGeom>
-          </p:spPr>
-          <p:txBody>
-            <a:bodyPr wrap="none">
-              <a:spAutoFit/>
-            </a:bodyPr>
-            <a:lstStyle/>
-            <a:p>
-              <a:r>
-                <a:rPr lang="en-US" dirty="0" smtClean="0"/>
-                <a:t>HTTP data</a:t>
-              </a:r>
-              <a:endParaRPr lang="en-US" dirty="0"/>
-            </a:p>
-          </p:txBody>
-        </p:sp>
-      </p:grpSp>
-      <p:grpSp>
-        <p:nvGrpSpPr>
-          <p:cNvPr id="73" name="Group 72"/>
-          <p:cNvGrpSpPr/>
-          <p:nvPr/>
-        </p:nvGrpSpPr>
-        <p:grpSpPr>
-          <a:xfrm>
-            <a:off x="3527649" y="1488885"/>
-            <a:ext cx="1081559" cy="369332"/>
-            <a:chOff x="7903181" y="3762728"/>
-            <a:chExt cx="1081559" cy="369332"/>
-          </a:xfrm>
-        </p:grpSpPr>
-        <p:sp>
-          <p:nvSpPr>
-            <p:cNvPr id="74" name="Oval 73"/>
             <p:cNvSpPr/>
             <p:nvPr/>
           </p:nvSpPr>
@@ -12240,14 +12154,14 @@
         </p:sp>
         <p:sp>
           <p:nvSpPr>
-            <p:cNvPr id="75" name="Rectangle 74"/>
+            <p:cNvPr id="72" name="Rectangle 71"/>
             <p:cNvSpPr/>
             <p:nvPr/>
           </p:nvSpPr>
           <p:spPr>
             <a:xfrm>
               <a:off x="8047176" y="3762728"/>
-              <a:ext cx="937564" cy="369332"/>
+              <a:ext cx="1143070" cy="369332"/>
             </a:xfrm>
             <a:prstGeom prst="rect">
               <a:avLst/>
@@ -12261,64 +12175,30 @@
             <a:p>
               <a:r>
                 <a:rPr lang="en-US" dirty="0" smtClean="0"/>
-                <a:t>Analysis</a:t>
+                <a:t>HTTP data</a:t>
               </a:r>
               <a:endParaRPr lang="en-US" dirty="0"/>
             </a:p>
           </p:txBody>
         </p:sp>
       </p:grpSp>
-      <p:cxnSp>
-        <p:nvCxnSpPr>
-          <p:cNvPr id="87" name="Straight Arrow Connector 86"/>
-          <p:cNvCxnSpPr/>
-          <p:nvPr/>
-        </p:nvCxnSpPr>
-        <p:spPr>
-          <a:xfrm>
-            <a:off x="3965172" y="943422"/>
-            <a:ext cx="0" cy="601242"/>
-          </a:xfrm>
-          <a:prstGeom prst="straightConnector1">
-            <a:avLst/>
-          </a:prstGeom>
-          <a:ln w="12700">
-            <a:headEnd type="none" w="med" len="med"/>
-            <a:tailEnd type="triangle" w="med" len="med"/>
-          </a:ln>
-        </p:spPr>
-        <p:style>
-          <a:lnRef idx="1">
-            <a:schemeClr val="dk1"/>
-          </a:lnRef>
-          <a:fillRef idx="0">
-            <a:schemeClr val="dk1"/>
-          </a:fillRef>
-          <a:effectRef idx="0">
-            <a:schemeClr val="dk1"/>
-          </a:effectRef>
-          <a:fontRef idx="minor">
-            <a:schemeClr val="tx1"/>
-          </a:fontRef>
-        </p:style>
-      </p:cxnSp>
       <p:grpSp>
         <p:nvGrpSpPr>
-          <p:cNvPr id="90" name="Group 89"/>
+          <p:cNvPr id="73" name="Group 72"/>
           <p:cNvGrpSpPr/>
           <p:nvPr/>
         </p:nvGrpSpPr>
         <p:grpSpPr>
           <a:xfrm>
-            <a:off x="3884700" y="1020422"/>
-            <a:ext cx="2591140" cy="369332"/>
+            <a:off x="2965890" y="1365312"/>
+            <a:ext cx="1976100" cy="369332"/>
             <a:chOff x="7903181" y="3762728"/>
-            <a:chExt cx="2591140" cy="369332"/>
+            <a:chExt cx="1976100" cy="369332"/>
           </a:xfrm>
         </p:grpSpPr>
         <p:sp>
           <p:nvSpPr>
-            <p:cNvPr id="91" name="Oval 90"/>
+            <p:cNvPr id="74" name="Oval 73"/>
             <p:cNvSpPr/>
             <p:nvPr/>
           </p:nvSpPr>
@@ -12353,7 +12233,7 @@
               <a:pPr algn="ctr"/>
               <a:r>
                 <a:rPr lang="en-US" b="1" dirty="0" smtClean="0"/>
-                <a:t>6</a:t>
+                <a:t>3</a:t>
               </a:r>
               <a:endParaRPr lang="en-US" b="1" dirty="0"/>
             </a:p>
@@ -12361,14 +12241,14 @@
         </p:sp>
         <p:sp>
           <p:nvSpPr>
-            <p:cNvPr id="92" name="Rectangle 91"/>
+            <p:cNvPr id="75" name="Rectangle 74"/>
             <p:cNvSpPr/>
             <p:nvPr/>
           </p:nvSpPr>
           <p:spPr>
             <a:xfrm>
               <a:off x="8047176" y="3762728"/>
-              <a:ext cx="2447145" cy="369332"/>
+              <a:ext cx="1832105" cy="369332"/>
             </a:xfrm>
             <a:prstGeom prst="rect">
               <a:avLst/>
@@ -12382,15 +12262,7 @@
             <a:p>
               <a:r>
                 <a:rPr lang="en-US" dirty="0" smtClean="0"/>
-                <a:t>Response [</a:t>
-              </a:r>
-              <a:r>
-                <a:rPr lang="en-US" dirty="0" err="1" smtClean="0"/>
-                <a:t>ui</a:t>
-              </a:r>
-              <a:r>
-                <a:rPr lang="en-US" dirty="0" smtClean="0"/>
-                <a:t> type, data]</a:t>
+                <a:t>Decode + Overlay</a:t>
               </a:r>
               <a:endParaRPr lang="en-US" dirty="0"/>
             </a:p>
@@ -12405,7 +12277,7 @@
         </p:nvGrpSpPr>
         <p:grpSpPr>
           <a:xfrm>
-            <a:off x="3499" y="1898242"/>
+            <a:off x="3499" y="1657287"/>
             <a:ext cx="1482811" cy="1523557"/>
             <a:chOff x="1396313" y="2549541"/>
             <a:chExt cx="1482811" cy="1523557"/>
@@ -12517,7 +12389,7 @@
         </p:nvGrpSpPr>
         <p:grpSpPr>
           <a:xfrm>
-            <a:off x="1383226" y="2276234"/>
+            <a:off x="1383226" y="2035279"/>
             <a:ext cx="1990178" cy="414205"/>
             <a:chOff x="2415575" y="2884545"/>
             <a:chExt cx="1990178" cy="414205"/>
@@ -12623,7 +12495,7 @@
         </p:nvSpPr>
         <p:spPr>
           <a:xfrm>
-            <a:off x="4732692" y="290436"/>
+            <a:off x="4589506" y="296844"/>
             <a:ext cx="1577804" cy="369332"/>
           </a:xfrm>
           <a:prstGeom prst="rect">
@@ -12644,80 +12516,536 @@
           </a:p>
         </p:txBody>
       </p:sp>
-      <p:sp>
-        <p:nvSpPr>
-          <p:cNvPr id="80" name="Rectangle 79"/>
-          <p:cNvSpPr/>
-          <p:nvPr/>
-        </p:nvSpPr>
-        <p:spPr>
-          <a:xfrm>
-            <a:off x="5146402" y="2124287"/>
+      <p:grpSp>
+        <p:nvGrpSpPr>
+          <p:cNvPr id="14" name="Group 13"/>
+          <p:cNvGrpSpPr/>
+          <p:nvPr/>
+        </p:nvGrpSpPr>
+        <p:grpSpPr>
+          <a:xfrm>
+            <a:off x="4891118" y="1689125"/>
             <a:ext cx="1220708" cy="830997"/>
-          </a:xfrm>
-          <a:prstGeom prst="rect">
+            <a:chOff x="4903566" y="1741727"/>
+            <a:chExt cx="1220708" cy="830997"/>
+          </a:xfrm>
+        </p:grpSpPr>
+        <p:sp>
+          <p:nvSpPr>
+            <p:cNvPr id="80" name="Rectangle 79"/>
+            <p:cNvSpPr/>
+            <p:nvPr/>
+          </p:nvSpPr>
+          <p:spPr>
+            <a:xfrm>
+              <a:off x="4903566" y="1741727"/>
+              <a:ext cx="1220708" cy="830997"/>
+            </a:xfrm>
+            <a:prstGeom prst="rect">
+              <a:avLst/>
+            </a:prstGeom>
+          </p:spPr>
+          <p:txBody>
+            <a:bodyPr wrap="square">
+              <a:spAutoFit/>
+            </a:bodyPr>
+            <a:lstStyle/>
+            <a:p>
+              <a:pPr algn="ctr"/>
+              <a:r>
+                <a:rPr lang="en-US" sz="1600" dirty="0"/>
+                <a:t>Frame + </a:t>
+              </a:r>
+              <a:r>
+                <a:rPr lang="en-US" sz="1600" dirty="0" smtClean="0"/>
+                <a:t>overlay UI</a:t>
+              </a:r>
+              <a:endParaRPr lang="en-US" sz="1600" dirty="0"/>
+            </a:p>
+            <a:p>
+              <a:endParaRPr lang="en-US" sz="1600" dirty="0"/>
+            </a:p>
+          </p:txBody>
+        </p:sp>
+        <p:sp>
+          <p:nvSpPr>
+            <p:cNvPr id="100" name="Oval 99"/>
+            <p:cNvSpPr/>
+            <p:nvPr/>
+          </p:nvSpPr>
+          <p:spPr>
+            <a:xfrm>
+              <a:off x="4933126" y="1831783"/>
+              <a:ext cx="202025" cy="198787"/>
+            </a:xfrm>
+            <a:prstGeom prst="ellipse">
+              <a:avLst/>
+            </a:prstGeom>
+            <a:ln w="19050"/>
+          </p:spPr>
+          <p:style>
+            <a:lnRef idx="2">
+              <a:schemeClr val="dk1"/>
+            </a:lnRef>
+            <a:fillRef idx="1">
+              <a:schemeClr val="lt1"/>
+            </a:fillRef>
+            <a:effectRef idx="0">
+              <a:schemeClr val="dk1"/>
+            </a:effectRef>
+            <a:fontRef idx="minor">
+              <a:schemeClr val="dk1"/>
+            </a:fontRef>
+          </p:style>
+          <p:txBody>
+            <a:bodyPr rtlCol="0" anchor="ctr"/>
+            <a:lstStyle/>
+            <a:p>
+              <a:pPr algn="ctr"/>
+              <a:r>
+                <a:rPr lang="en-US" b="1" dirty="0" smtClean="0"/>
+                <a:t>4</a:t>
+              </a:r>
+              <a:endParaRPr lang="en-US" b="1" dirty="0"/>
+            </a:p>
+          </p:txBody>
+        </p:sp>
+      </p:grpSp>
+      <p:grpSp>
+        <p:nvGrpSpPr>
+          <p:cNvPr id="81" name="Group 80"/>
+          <p:cNvGrpSpPr/>
+          <p:nvPr/>
+        </p:nvGrpSpPr>
+        <p:grpSpPr>
+          <a:xfrm>
+            <a:off x="4777737" y="2302115"/>
+            <a:ext cx="1749549" cy="646331"/>
+            <a:chOff x="2640223" y="3128566"/>
+            <a:chExt cx="1749549" cy="646331"/>
+          </a:xfrm>
+        </p:grpSpPr>
+        <p:grpSp>
+          <p:nvGrpSpPr>
+            <p:cNvPr id="82" name="Group 81"/>
+            <p:cNvGrpSpPr/>
+            <p:nvPr/>
+          </p:nvGrpSpPr>
+          <p:grpSpPr>
+            <a:xfrm>
+              <a:off x="2640223" y="3128566"/>
+              <a:ext cx="1749549" cy="646331"/>
+              <a:chOff x="7866111" y="3624228"/>
+              <a:chExt cx="1749549" cy="646331"/>
+            </a:xfrm>
+          </p:grpSpPr>
+          <p:sp>
+            <p:nvSpPr>
+              <p:cNvPr id="84" name="Oval 83"/>
+              <p:cNvSpPr/>
+              <p:nvPr/>
+            </p:nvSpPr>
+            <p:spPr>
+              <a:xfrm>
+                <a:off x="7866111" y="3736250"/>
+                <a:ext cx="202025" cy="198787"/>
+              </a:xfrm>
+              <a:prstGeom prst="ellipse">
+                <a:avLst/>
+              </a:prstGeom>
+              <a:ln w="19050"/>
+            </p:spPr>
+            <p:style>
+              <a:lnRef idx="2">
+                <a:schemeClr val="dk1"/>
+              </a:lnRef>
+              <a:fillRef idx="1">
+                <a:schemeClr val="lt1"/>
+              </a:fillRef>
+              <a:effectRef idx="0">
+                <a:schemeClr val="dk1"/>
+              </a:effectRef>
+              <a:fontRef idx="minor">
+                <a:schemeClr val="dk1"/>
+              </a:fontRef>
+            </p:style>
+            <p:txBody>
+              <a:bodyPr rtlCol="0" anchor="ctr"/>
+              <a:lstStyle/>
+              <a:p>
+                <a:pPr algn="ctr"/>
+                <a:r>
+                  <a:rPr lang="en-US" b="1" dirty="0" smtClean="0"/>
+                  <a:t>6</a:t>
+                </a:r>
+                <a:endParaRPr lang="en-US" b="1" dirty="0"/>
+              </a:p>
+            </p:txBody>
+          </p:sp>
+          <mc:AlternateContent xmlns:mc="http://schemas.openxmlformats.org/markup-compatibility/2006">
+            <mc:Choice xmlns:a14="http://schemas.microsoft.com/office/drawing/2010/main" Requires="a14">
+              <p:sp>
+                <p:nvSpPr>
+                  <p:cNvPr id="85" name="Rectangle 84"/>
+                  <p:cNvSpPr/>
+                  <p:nvPr/>
+                </p:nvSpPr>
+                <p:spPr>
+                  <a:xfrm>
+                    <a:off x="8004193" y="3624228"/>
+                    <a:ext cx="1611467" cy="646331"/>
+                  </a:xfrm>
+                  <a:prstGeom prst="rect">
+                    <a:avLst/>
+                  </a:prstGeom>
+                </p:spPr>
+                <p:txBody>
+                  <a:bodyPr wrap="none">
+                    <a:spAutoFit/>
+                  </a:bodyPr>
+                  <a:lstStyle/>
+                  <a:p>
+                    <a:r>
+                      <a:rPr lang="en-US" dirty="0" smtClean="0"/>
+                      <a:t>Forward </a:t>
+                    </a:r>
+                    <a14:m>
+                      <m:oMath xmlns:m="http://schemas.openxmlformats.org/officeDocument/2006/math">
+                        <m:r>
+                          <a:rPr lang="en-US" b="0" i="1" smtClean="0">
+                            <a:latin typeface="Cambria Math" panose="02040503050406030204" pitchFamily="18" charset="0"/>
+                          </a:rPr>
+                          <m:t>(</m:t>
+                        </m:r>
+                        <m:r>
+                          <a:rPr lang="en-US" b="0" i="1" smtClean="0">
+                            <a:latin typeface="Cambria Math" panose="02040503050406030204" pitchFamily="18" charset="0"/>
+                          </a:rPr>
+                          <m:t>𝑥</m:t>
+                        </m:r>
+                        <m:r>
+                          <a:rPr lang="en-US" b="0" i="1" smtClean="0">
+                            <a:latin typeface="Cambria Math" panose="02040503050406030204" pitchFamily="18" charset="0"/>
+                          </a:rPr>
+                          <m:t>,</m:t>
+                        </m:r>
+                        <m:r>
+                          <a:rPr lang="en-US" b="0" i="1" smtClean="0">
+                            <a:latin typeface="Cambria Math" panose="02040503050406030204" pitchFamily="18" charset="0"/>
+                          </a:rPr>
+                          <m:t>𝑦</m:t>
+                        </m:r>
+                        <m:r>
+                          <a:rPr lang="en-US" b="0" i="1" smtClean="0">
+                            <a:latin typeface="Cambria Math" panose="02040503050406030204" pitchFamily="18" charset="0"/>
+                          </a:rPr>
+                          <m:t>)</m:t>
+                        </m:r>
+                      </m:oMath>
+                    </a14:m>
+                    <a:r>
+                      <a:rPr lang="en-US" dirty="0" smtClean="0"/>
+                      <a:t> </a:t>
+                    </a:r>
+                  </a:p>
+                  <a:p>
+                    <a:r>
+                      <a:rPr lang="en-US" dirty="0" smtClean="0"/>
+                      <a:t>on overlay</a:t>
+                    </a:r>
+                    <a:endParaRPr lang="en-US" dirty="0"/>
+                  </a:p>
+                </p:txBody>
+              </p:sp>
+            </mc:Choice>
+            <mc:Fallback>
+              <p:sp>
+                <p:nvSpPr>
+                  <p:cNvPr id="85" name="Rectangle 84"/>
+                  <p:cNvSpPr>
+                    <a:spLocks noRot="1" noChangeAspect="1" noMove="1" noResize="1" noEditPoints="1" noAdjustHandles="1" noChangeArrowheads="1" noChangeShapeType="1" noTextEdit="1"/>
+                  </p:cNvSpPr>
+                  <p:nvPr/>
+                </p:nvSpPr>
+                <p:spPr>
+                  <a:xfrm>
+                    <a:off x="8004193" y="3624228"/>
+                    <a:ext cx="1611467" cy="646331"/>
+                  </a:xfrm>
+                  <a:prstGeom prst="rect">
+                    <a:avLst/>
+                  </a:prstGeom>
+                  <a:blipFill>
+                    <a:blip r:embed="rId12"/>
+                    <a:stretch>
+                      <a:fillRect l="-3019" t="-5660" b="-14151"/>
+                    </a:stretch>
+                  </a:blipFill>
+                </p:spPr>
+                <p:txBody>
+                  <a:bodyPr/>
+                  <a:lstStyle/>
+                  <a:p>
+                    <a:r>
+                      <a:rPr lang="en-US">
+                        <a:noFill/>
+                      </a:rPr>
+                      <a:t> </a:t>
+                    </a:r>
+                  </a:p>
+                </p:txBody>
+              </p:sp>
+            </mc:Fallback>
+          </mc:AlternateContent>
+        </p:grpSp>
+        <p:cxnSp>
+          <p:nvCxnSpPr>
+            <p:cNvPr id="83" name="Straight Arrow Connector 82"/>
+            <p:cNvCxnSpPr/>
+            <p:nvPr/>
+          </p:nvCxnSpPr>
+          <p:spPr>
+            <a:xfrm>
+              <a:off x="2987706" y="3165050"/>
+              <a:ext cx="771112" cy="0"/>
+            </a:xfrm>
+            <a:prstGeom prst="straightConnector1">
+              <a:avLst/>
+            </a:prstGeom>
+            <a:ln w="12700">
+              <a:headEnd type="none" w="med" len="med"/>
+              <a:tailEnd type="triangle" w="med" len="med"/>
+            </a:ln>
+          </p:spPr>
+          <p:style>
+            <a:lnRef idx="1">
+              <a:schemeClr val="dk1"/>
+            </a:lnRef>
+            <a:fillRef idx="0">
+              <a:schemeClr val="dk1"/>
+            </a:fillRef>
+            <a:effectRef idx="0">
+              <a:schemeClr val="dk1"/>
+            </a:effectRef>
+            <a:fontRef idx="minor">
+              <a:schemeClr val="tx1"/>
+            </a:fontRef>
+          </p:style>
+        </p:cxnSp>
+      </p:grpSp>
+      <p:cxnSp>
+        <p:nvCxnSpPr>
+          <p:cNvPr id="16" name="Straight Arrow Connector 15"/>
+          <p:cNvCxnSpPr>
+            <a:stCxn id="75" idx="0"/>
+            <a:endCxn id="63" idx="2"/>
+          </p:cNvCxnSpPr>
+          <p:nvPr/>
+        </p:nvCxnSpPr>
+        <p:spPr>
+          <a:xfrm flipH="1" flipV="1">
+            <a:off x="4019781" y="846619"/>
+            <a:ext cx="6157" cy="603965"/>
+          </a:xfrm>
+          <a:prstGeom prst="straightConnector1">
             <a:avLst/>
           </a:prstGeom>
-        </p:spPr>
-        <p:txBody>
-          <a:bodyPr wrap="square">
-            <a:spAutoFit/>
-          </a:bodyPr>
-          <a:lstStyle/>
-          <a:p>
-            <a:r>
-              <a:rPr lang="en-US" sz="1600" dirty="0"/>
-              <a:t>Frame + overlay</a:t>
-            </a:r>
-          </a:p>
-          <a:p>
-            <a:endParaRPr lang="en-US" sz="1600" dirty="0"/>
-          </a:p>
-        </p:txBody>
-      </p:sp>
-      <p:sp>
-        <p:nvSpPr>
-          <p:cNvPr id="100" name="Oval 99"/>
-          <p:cNvSpPr/>
-          <p:nvPr/>
-        </p:nvSpPr>
-        <p:spPr>
-          <a:xfrm>
-            <a:off x="5007262" y="2196304"/>
-            <a:ext cx="202025" cy="198787"/>
-          </a:xfrm>
-          <a:prstGeom prst="ellipse">
-            <a:avLst/>
-          </a:prstGeom>
-          <a:ln w="19050"/>
+          <a:ln w="12700">
+            <a:solidFill>
+              <a:schemeClr val="tx1"/>
+            </a:solidFill>
+            <a:tailEnd type="triangle"/>
+          </a:ln>
         </p:spPr>
         <p:style>
-          <a:lnRef idx="2">
-            <a:schemeClr val="dk1"/>
+          <a:lnRef idx="1">
+            <a:schemeClr val="accent1"/>
           </a:lnRef>
-          <a:fillRef idx="1">
-            <a:schemeClr val="lt1"/>
+          <a:fillRef idx="0">
+            <a:schemeClr val="accent1"/>
           </a:fillRef>
           <a:effectRef idx="0">
-            <a:schemeClr val="dk1"/>
+            <a:schemeClr val="accent1"/>
           </a:effectRef>
           <a:fontRef idx="minor">
-            <a:schemeClr val="dk1"/>
+            <a:schemeClr val="tx1"/>
           </a:fontRef>
         </p:style>
-        <p:txBody>
-          <a:bodyPr rtlCol="0" anchor="ctr"/>
-          <a:lstStyle/>
-          <a:p>
-            <a:pPr algn="ctr"/>
-            <a:r>
-              <a:rPr lang="en-US" b="1" dirty="0" smtClean="0"/>
-              <a:t>8</a:t>
-            </a:r>
-            <a:endParaRPr lang="en-US" b="1" dirty="0"/>
-          </a:p>
-        </p:txBody>
-      </p:sp>
+      </p:cxnSp>
+      <p:grpSp>
+        <p:nvGrpSpPr>
+          <p:cNvPr id="86" name="Group 85"/>
+          <p:cNvGrpSpPr/>
+          <p:nvPr/>
+        </p:nvGrpSpPr>
+        <p:grpSpPr>
+          <a:xfrm>
+            <a:off x="3939407" y="950952"/>
+            <a:ext cx="1676659" cy="369332"/>
+            <a:chOff x="7903181" y="3762728"/>
+            <a:chExt cx="1676659" cy="369332"/>
+          </a:xfrm>
+        </p:grpSpPr>
+        <p:sp>
+          <p:nvSpPr>
+            <p:cNvPr id="88" name="Oval 87"/>
+            <p:cNvSpPr/>
+            <p:nvPr/>
+          </p:nvSpPr>
+          <p:spPr>
+            <a:xfrm>
+              <a:off x="7903181" y="3848001"/>
+              <a:ext cx="202025" cy="198787"/>
+            </a:xfrm>
+            <a:prstGeom prst="ellipse">
+              <a:avLst/>
+            </a:prstGeom>
+            <a:ln w="19050"/>
+          </p:spPr>
+          <p:style>
+            <a:lnRef idx="2">
+              <a:schemeClr val="dk1"/>
+            </a:lnRef>
+            <a:fillRef idx="1">
+              <a:schemeClr val="lt1"/>
+            </a:fillRef>
+            <a:effectRef idx="0">
+              <a:schemeClr val="dk1"/>
+            </a:effectRef>
+            <a:fontRef idx="minor">
+              <a:schemeClr val="dk1"/>
+            </a:fontRef>
+          </p:style>
+          <p:txBody>
+            <a:bodyPr rtlCol="0" anchor="ctr"/>
+            <a:lstStyle/>
+            <a:p>
+              <a:pPr algn="ctr"/>
+              <a:r>
+                <a:rPr lang="en-US" b="1" dirty="0" smtClean="0"/>
+                <a:t>8</a:t>
+              </a:r>
+              <a:endParaRPr lang="en-US" b="1" dirty="0"/>
+            </a:p>
+          </p:txBody>
+        </p:sp>
+        <p:sp>
+          <p:nvSpPr>
+            <p:cNvPr id="89" name="Rectangle 88"/>
+            <p:cNvSpPr/>
+            <p:nvPr/>
+          </p:nvSpPr>
+          <p:spPr>
+            <a:xfrm>
+              <a:off x="8047176" y="3762728"/>
+              <a:ext cx="1532664" cy="369332"/>
+            </a:xfrm>
+            <a:prstGeom prst="rect">
+              <a:avLst/>
+            </a:prstGeom>
+          </p:spPr>
+          <p:txBody>
+            <a:bodyPr wrap="none">
+              <a:spAutoFit/>
+            </a:bodyPr>
+            <a:lstStyle/>
+            <a:p>
+              <a:r>
+                <a:rPr lang="en-US" dirty="0" smtClean="0"/>
+                <a:t>Overlay action</a:t>
+              </a:r>
+              <a:endParaRPr lang="en-US" dirty="0"/>
+            </a:p>
+          </p:txBody>
+        </p:sp>
+      </p:grpSp>
+      <p:grpSp>
+        <p:nvGrpSpPr>
+          <p:cNvPr id="97" name="Group 96"/>
+          <p:cNvGrpSpPr/>
+          <p:nvPr/>
+        </p:nvGrpSpPr>
+        <p:grpSpPr>
+          <a:xfrm>
+            <a:off x="4690896" y="-10551"/>
+            <a:ext cx="872977" cy="369332"/>
+            <a:chOff x="7903181" y="3762728"/>
+            <a:chExt cx="872977" cy="369332"/>
+          </a:xfrm>
+        </p:grpSpPr>
+        <p:sp>
+          <p:nvSpPr>
+            <p:cNvPr id="101" name="Oval 100"/>
+            <p:cNvSpPr/>
+            <p:nvPr/>
+          </p:nvSpPr>
+          <p:spPr>
+            <a:xfrm>
+              <a:off x="7903181" y="3848001"/>
+              <a:ext cx="202025" cy="198787"/>
+            </a:xfrm>
+            <a:prstGeom prst="ellipse">
+              <a:avLst/>
+            </a:prstGeom>
+            <a:ln w="19050"/>
+          </p:spPr>
+          <p:style>
+            <a:lnRef idx="2">
+              <a:schemeClr val="dk1"/>
+            </a:lnRef>
+            <a:fillRef idx="1">
+              <a:schemeClr val="lt1"/>
+            </a:fillRef>
+            <a:effectRef idx="0">
+              <a:schemeClr val="dk1"/>
+            </a:effectRef>
+            <a:fontRef idx="minor">
+              <a:schemeClr val="dk1"/>
+            </a:fontRef>
+          </p:style>
+          <p:txBody>
+            <a:bodyPr rtlCol="0" anchor="ctr"/>
+            <a:lstStyle/>
+            <a:p>
+              <a:pPr algn="ctr"/>
+              <a:r>
+                <a:rPr lang="en-US" b="1" dirty="0"/>
+                <a:t>9</a:t>
+              </a:r>
+              <a:endParaRPr lang="en-US" b="1" dirty="0"/>
+            </a:p>
+          </p:txBody>
+        </p:sp>
+        <p:sp>
+          <p:nvSpPr>
+            <p:cNvPr id="102" name="Rectangle 101"/>
+            <p:cNvSpPr/>
+            <p:nvPr/>
+          </p:nvSpPr>
+          <p:spPr>
+            <a:xfrm>
+              <a:off x="8047176" y="3762728"/>
+              <a:ext cx="728982" cy="369332"/>
+            </a:xfrm>
+            <a:prstGeom prst="rect">
+              <a:avLst/>
+            </a:prstGeom>
+          </p:spPr>
+          <p:txBody>
+            <a:bodyPr wrap="none">
+              <a:spAutoFit/>
+            </a:bodyPr>
+            <a:lstStyle/>
+            <a:p>
+              <a:r>
+                <a:rPr lang="en-US" dirty="0" smtClean="0"/>
+                <a:t>Verify</a:t>
+              </a:r>
+              <a:endParaRPr lang="en-US" dirty="0"/>
+            </a:p>
+          </p:txBody>
+        </p:sp>
+      </p:grpSp>
     </p:spTree>
     <p:extLst>
       <p:ext uri="{BB962C8B-B14F-4D97-AF65-F5344CB8AC3E}">

--- a/aritra/MouseTracking/images/systemDesign.pptx
+++ b/aritra/MouseTracking/images/systemDesign.pptx
@@ -258,7 +258,7 @@
           <a:p>
             <a:fld id="{AAB2D3D3-1E26-436C-8467-9F82561659A6}" type="datetimeFigureOut">
               <a:rPr lang="en-US" smtClean="0"/>
-              <a:t>1/24/2019</a:t>
+              <a:t>2/2/2019</a:t>
             </a:fld>
             <a:endParaRPr lang="en-US"/>
           </a:p>
@@ -428,7 +428,7 @@
           <a:p>
             <a:fld id="{AAB2D3D3-1E26-436C-8467-9F82561659A6}" type="datetimeFigureOut">
               <a:rPr lang="en-US" smtClean="0"/>
-              <a:t>1/24/2019</a:t>
+              <a:t>2/2/2019</a:t>
             </a:fld>
             <a:endParaRPr lang="en-US"/>
           </a:p>
@@ -608,7 +608,7 @@
           <a:p>
             <a:fld id="{AAB2D3D3-1E26-436C-8467-9F82561659A6}" type="datetimeFigureOut">
               <a:rPr lang="en-US" smtClean="0"/>
-              <a:t>1/24/2019</a:t>
+              <a:t>2/2/2019</a:t>
             </a:fld>
             <a:endParaRPr lang="en-US"/>
           </a:p>
@@ -778,7 +778,7 @@
           <a:p>
             <a:fld id="{AAB2D3D3-1E26-436C-8467-9F82561659A6}" type="datetimeFigureOut">
               <a:rPr lang="en-US" smtClean="0"/>
-              <a:t>1/24/2019</a:t>
+              <a:t>2/2/2019</a:t>
             </a:fld>
             <a:endParaRPr lang="en-US"/>
           </a:p>
@@ -1024,7 +1024,7 @@
           <a:p>
             <a:fld id="{AAB2D3D3-1E26-436C-8467-9F82561659A6}" type="datetimeFigureOut">
               <a:rPr lang="en-US" smtClean="0"/>
-              <a:t>1/24/2019</a:t>
+              <a:t>2/2/2019</a:t>
             </a:fld>
             <a:endParaRPr lang="en-US"/>
           </a:p>
@@ -1256,7 +1256,7 @@
           <a:p>
             <a:fld id="{AAB2D3D3-1E26-436C-8467-9F82561659A6}" type="datetimeFigureOut">
               <a:rPr lang="en-US" smtClean="0"/>
-              <a:t>1/24/2019</a:t>
+              <a:t>2/2/2019</a:t>
             </a:fld>
             <a:endParaRPr lang="en-US"/>
           </a:p>
@@ -1623,7 +1623,7 @@
           <a:p>
             <a:fld id="{AAB2D3D3-1E26-436C-8467-9F82561659A6}" type="datetimeFigureOut">
               <a:rPr lang="en-US" smtClean="0"/>
-              <a:t>1/24/2019</a:t>
+              <a:t>2/2/2019</a:t>
             </a:fld>
             <a:endParaRPr lang="en-US"/>
           </a:p>
@@ -1741,7 +1741,7 @@
           <a:p>
             <a:fld id="{AAB2D3D3-1E26-436C-8467-9F82561659A6}" type="datetimeFigureOut">
               <a:rPr lang="en-US" smtClean="0"/>
-              <a:t>1/24/2019</a:t>
+              <a:t>2/2/2019</a:t>
             </a:fld>
             <a:endParaRPr lang="en-US"/>
           </a:p>
@@ -1836,7 +1836,7 @@
           <a:p>
             <a:fld id="{AAB2D3D3-1E26-436C-8467-9F82561659A6}" type="datetimeFigureOut">
               <a:rPr lang="en-US" smtClean="0"/>
-              <a:t>1/24/2019</a:t>
+              <a:t>2/2/2019</a:t>
             </a:fld>
             <a:endParaRPr lang="en-US"/>
           </a:p>
@@ -2113,7 +2113,7 @@
           <a:p>
             <a:fld id="{AAB2D3D3-1E26-436C-8467-9F82561659A6}" type="datetimeFigureOut">
               <a:rPr lang="en-US" smtClean="0"/>
-              <a:t>1/24/2019</a:t>
+              <a:t>2/2/2019</a:t>
             </a:fld>
             <a:endParaRPr lang="en-US"/>
           </a:p>
@@ -2366,7 +2366,7 @@
           <a:p>
             <a:fld id="{AAB2D3D3-1E26-436C-8467-9F82561659A6}" type="datetimeFigureOut">
               <a:rPr lang="en-US" smtClean="0"/>
-              <a:t>1/24/2019</a:t>
+              <a:t>2/2/2019</a:t>
             </a:fld>
             <a:endParaRPr lang="en-US"/>
           </a:p>
@@ -2579,7 +2579,7 @@
           <a:p>
             <a:fld id="{AAB2D3D3-1E26-436C-8467-9F82561659A6}" type="datetimeFigureOut">
               <a:rPr lang="en-US" smtClean="0"/>
-              <a:t>1/24/2019</a:t>
+              <a:t>2/2/2019</a:t>
             </a:fld>
             <a:endParaRPr lang="en-US"/>
           </a:p>
@@ -9240,6 +9240,128 @@
           <a:chExt cx="0" cy="0"/>
         </a:xfrm>
       </p:grpSpPr>
+      <p:pic>
+        <p:nvPicPr>
+          <p:cNvPr id="2" name="Picture 1"/>
+          <p:cNvPicPr>
+            <a:picLocks noChangeAspect="1"/>
+          </p:cNvPicPr>
+          <p:nvPr/>
+        </p:nvPicPr>
+        <p:blipFill>
+          <a:blip r:embed="rId2">
+            <a:extLst>
+              <a:ext uri="{28A0092B-C50C-407E-A947-70E740481C1C}">
+                <a14:useLocalDpi xmlns:a14="http://schemas.microsoft.com/office/drawing/2010/main" val="0"/>
+              </a:ext>
+            </a:extLst>
+          </a:blip>
+          <a:stretch>
+            <a:fillRect/>
+          </a:stretch>
+        </p:blipFill>
+        <p:spPr>
+          <a:xfrm>
+            <a:off x="67320" y="0"/>
+            <a:ext cx="2222298" cy="2619632"/>
+          </a:xfrm>
+          <a:prstGeom prst="rect">
+            <a:avLst/>
+          </a:prstGeom>
+        </p:spPr>
+      </p:pic>
+      <p:pic>
+        <p:nvPicPr>
+          <p:cNvPr id="3" name="Picture 2"/>
+          <p:cNvPicPr>
+            <a:picLocks noChangeAspect="1"/>
+          </p:cNvPicPr>
+          <p:nvPr/>
+        </p:nvPicPr>
+        <p:blipFill>
+          <a:blip r:embed="rId3">
+            <a:extLst>
+              <a:ext uri="{28A0092B-C50C-407E-A947-70E740481C1C}">
+                <a14:useLocalDpi xmlns:a14="http://schemas.microsoft.com/office/drawing/2010/main" val="0"/>
+              </a:ext>
+            </a:extLst>
+          </a:blip>
+          <a:stretch>
+            <a:fillRect/>
+          </a:stretch>
+        </p:blipFill>
+        <p:spPr>
+          <a:xfrm>
+            <a:off x="2561582" y="0"/>
+            <a:ext cx="2368228" cy="2619632"/>
+          </a:xfrm>
+          <a:prstGeom prst="rect">
+            <a:avLst/>
+          </a:prstGeom>
+        </p:spPr>
+      </p:pic>
+      <p:sp>
+        <p:nvSpPr>
+          <p:cNvPr id="4" name="Rectangle 3"/>
+          <p:cNvSpPr/>
+          <p:nvPr/>
+        </p:nvSpPr>
+        <p:spPr>
+          <a:xfrm>
+            <a:off x="156085" y="2619632"/>
+            <a:ext cx="2133533" cy="369332"/>
+          </a:xfrm>
+          <a:prstGeom prst="rect">
+            <a:avLst/>
+          </a:prstGeom>
+        </p:spPr>
+        <p:txBody>
+          <a:bodyPr wrap="none">
+            <a:spAutoFit/>
+          </a:bodyPr>
+          <a:lstStyle/>
+          <a:p>
+            <a:r>
+              <a:rPr lang="en-US" dirty="0"/>
+              <a:t>Render at host’s </a:t>
+            </a:r>
+            <a:r>
+              <a:rPr lang="en-US" dirty="0" smtClean="0"/>
+              <a:t>side</a:t>
+            </a:r>
+            <a:endParaRPr lang="en-US" dirty="0"/>
+          </a:p>
+        </p:txBody>
+      </p:sp>
+      <p:sp>
+        <p:nvSpPr>
+          <p:cNvPr id="5" name="Rectangle 4"/>
+          <p:cNvSpPr/>
+          <p:nvPr/>
+        </p:nvSpPr>
+        <p:spPr>
+          <a:xfrm>
+            <a:off x="2581499" y="2619632"/>
+            <a:ext cx="2328394" cy="369332"/>
+          </a:xfrm>
+          <a:prstGeom prst="rect">
+            <a:avLst/>
+          </a:prstGeom>
+        </p:spPr>
+        <p:txBody>
+          <a:bodyPr wrap="none">
+            <a:spAutoFit/>
+          </a:bodyPr>
+          <a:lstStyle/>
+          <a:p>
+            <a:r>
+              <a:rPr lang="en-US" dirty="0" smtClean="0"/>
+              <a:t>HDMI frames + overlay</a:t>
+            </a:r>
+            <a:endParaRPr lang="en-US" dirty="0"/>
+          </a:p>
+        </p:txBody>
+      </p:sp>
     </p:spTree>
     <p:extLst>
       <p:ext uri="{BB962C8B-B14F-4D97-AF65-F5344CB8AC3E}">
@@ -12682,8 +12804,8 @@
               </a:p>
             </p:txBody>
           </p:sp>
-          <mc:AlternateContent xmlns:mc="http://schemas.openxmlformats.org/markup-compatibility/2006">
-            <mc:Choice xmlns:a14="http://schemas.microsoft.com/office/drawing/2010/main" Requires="a14">
+          <mc:AlternateContent xmlns:mc="http://schemas.openxmlformats.org/markup-compatibility/2006" xmlns:a14="http://schemas.microsoft.com/office/drawing/2010/main">
+            <mc:Choice Requires="a14">
               <p:sp>
                 <p:nvSpPr>
                   <p:cNvPr id="85" name="Rectangle 84"/>
@@ -12758,7 +12880,7 @@
                 </p:txBody>
               </p:sp>
             </mc:Choice>
-            <mc:Fallback>
+            <mc:Fallback xmlns="">
               <p:sp>
                 <p:nvSpPr>
                   <p:cNvPr id="85" name="Rectangle 84"/>
@@ -13012,7 +13134,6 @@
                 <a:rPr lang="en-US" b="1" dirty="0"/>
                 <a:t>9</a:t>
               </a:r>
-              <a:endParaRPr lang="en-US" b="1" dirty="0"/>
             </a:p>
           </p:txBody>
         </p:sp>

--- a/aritra/MouseTracking/images/systemDesign.pptx
+++ b/aritra/MouseTracking/images/systemDesign.pptx
@@ -258,7 +258,7 @@
           <a:p>
             <a:fld id="{AAB2D3D3-1E26-436C-8467-9F82561659A6}" type="datetimeFigureOut">
               <a:rPr lang="en-US" smtClean="0"/>
-              <a:t>2/2/2019</a:t>
+              <a:t>2/8/2019</a:t>
             </a:fld>
             <a:endParaRPr lang="en-US"/>
           </a:p>
@@ -428,7 +428,7 @@
           <a:p>
             <a:fld id="{AAB2D3D3-1E26-436C-8467-9F82561659A6}" type="datetimeFigureOut">
               <a:rPr lang="en-US" smtClean="0"/>
-              <a:t>2/2/2019</a:t>
+              <a:t>2/8/2019</a:t>
             </a:fld>
             <a:endParaRPr lang="en-US"/>
           </a:p>
@@ -608,7 +608,7 @@
           <a:p>
             <a:fld id="{AAB2D3D3-1E26-436C-8467-9F82561659A6}" type="datetimeFigureOut">
               <a:rPr lang="en-US" smtClean="0"/>
-              <a:t>2/2/2019</a:t>
+              <a:t>2/8/2019</a:t>
             </a:fld>
             <a:endParaRPr lang="en-US"/>
           </a:p>
@@ -778,7 +778,7 @@
           <a:p>
             <a:fld id="{AAB2D3D3-1E26-436C-8467-9F82561659A6}" type="datetimeFigureOut">
               <a:rPr lang="en-US" smtClean="0"/>
-              <a:t>2/2/2019</a:t>
+              <a:t>2/8/2019</a:t>
             </a:fld>
             <a:endParaRPr lang="en-US"/>
           </a:p>
@@ -1024,7 +1024,7 @@
           <a:p>
             <a:fld id="{AAB2D3D3-1E26-436C-8467-9F82561659A6}" type="datetimeFigureOut">
               <a:rPr lang="en-US" smtClean="0"/>
-              <a:t>2/2/2019</a:t>
+              <a:t>2/8/2019</a:t>
             </a:fld>
             <a:endParaRPr lang="en-US"/>
           </a:p>
@@ -1256,7 +1256,7 @@
           <a:p>
             <a:fld id="{AAB2D3D3-1E26-436C-8467-9F82561659A6}" type="datetimeFigureOut">
               <a:rPr lang="en-US" smtClean="0"/>
-              <a:t>2/2/2019</a:t>
+              <a:t>2/8/2019</a:t>
             </a:fld>
             <a:endParaRPr lang="en-US"/>
           </a:p>
@@ -1623,7 +1623,7 @@
           <a:p>
             <a:fld id="{AAB2D3D3-1E26-436C-8467-9F82561659A6}" type="datetimeFigureOut">
               <a:rPr lang="en-US" smtClean="0"/>
-              <a:t>2/2/2019</a:t>
+              <a:t>2/8/2019</a:t>
             </a:fld>
             <a:endParaRPr lang="en-US"/>
           </a:p>
@@ -1741,7 +1741,7 @@
           <a:p>
             <a:fld id="{AAB2D3D3-1E26-436C-8467-9F82561659A6}" type="datetimeFigureOut">
               <a:rPr lang="en-US" smtClean="0"/>
-              <a:t>2/2/2019</a:t>
+              <a:t>2/8/2019</a:t>
             </a:fld>
             <a:endParaRPr lang="en-US"/>
           </a:p>
@@ -1836,7 +1836,7 @@
           <a:p>
             <a:fld id="{AAB2D3D3-1E26-436C-8467-9F82561659A6}" type="datetimeFigureOut">
               <a:rPr lang="en-US" smtClean="0"/>
-              <a:t>2/2/2019</a:t>
+              <a:t>2/8/2019</a:t>
             </a:fld>
             <a:endParaRPr lang="en-US"/>
           </a:p>
@@ -2113,7 +2113,7 @@
           <a:p>
             <a:fld id="{AAB2D3D3-1E26-436C-8467-9F82561659A6}" type="datetimeFigureOut">
               <a:rPr lang="en-US" smtClean="0"/>
-              <a:t>2/2/2019</a:t>
+              <a:t>2/8/2019</a:t>
             </a:fld>
             <a:endParaRPr lang="en-US"/>
           </a:p>
@@ -2366,7 +2366,7 @@
           <a:p>
             <a:fld id="{AAB2D3D3-1E26-436C-8467-9F82561659A6}" type="datetimeFigureOut">
               <a:rPr lang="en-US" smtClean="0"/>
-              <a:t>2/2/2019</a:t>
+              <a:t>2/8/2019</a:t>
             </a:fld>
             <a:endParaRPr lang="en-US"/>
           </a:p>
@@ -2579,7 +2579,7 @@
           <a:p>
             <a:fld id="{AAB2D3D3-1E26-436C-8467-9F82561659A6}" type="datetimeFigureOut">
               <a:rPr lang="en-US" smtClean="0"/>
-              <a:t>2/2/2019</a:t>
+              <a:t>2/8/2019</a:t>
             </a:fld>
             <a:endParaRPr lang="en-US"/>
           </a:p>
@@ -9262,7 +9262,7 @@
         </p:blipFill>
         <p:spPr>
           <a:xfrm>
-            <a:off x="67320" y="0"/>
+            <a:off x="5540" y="0"/>
             <a:ext cx="2222298" cy="2619632"/>
           </a:xfrm>
           <a:prstGeom prst="rect">
@@ -9292,7 +9292,7 @@
         </p:blipFill>
         <p:spPr>
           <a:xfrm>
-            <a:off x="2561582" y="0"/>
+            <a:off x="2499802" y="0"/>
             <a:ext cx="2368228" cy="2619632"/>
           </a:xfrm>
           <a:prstGeom prst="rect">
@@ -9308,7 +9308,7 @@
         </p:nvSpPr>
         <p:spPr>
           <a:xfrm>
-            <a:off x="156085" y="2619632"/>
+            <a:off x="94305" y="2619632"/>
             <a:ext cx="2133533" cy="369332"/>
           </a:xfrm>
           <a:prstGeom prst="rect">
@@ -9341,7 +9341,7 @@
         </p:nvSpPr>
         <p:spPr>
           <a:xfrm>
-            <a:off x="2581499" y="2619632"/>
+            <a:off x="2519719" y="2619632"/>
             <a:ext cx="2328394" cy="369332"/>
           </a:xfrm>
           <a:prstGeom prst="rect">
@@ -10135,9 +10135,9 @@
         <p:grpSpPr>
           <a:xfrm>
             <a:off x="3621168" y="1907318"/>
-            <a:ext cx="1183286" cy="1227286"/>
+            <a:ext cx="1183286" cy="1175472"/>
             <a:chOff x="4560745" y="2756315"/>
-            <a:chExt cx="1183286" cy="1227286"/>
+            <a:chExt cx="1183286" cy="1175472"/>
           </a:xfrm>
         </p:grpSpPr>
         <p:pic>
@@ -10171,8 +10171,8 @@
           </p:nvSpPr>
           <p:spPr>
             <a:xfrm>
-              <a:off x="4741635" y="3614269"/>
-              <a:ext cx="821507" cy="369332"/>
+              <a:off x="4782851" y="3562455"/>
+              <a:ext cx="797719" cy="369332"/>
             </a:xfrm>
             <a:prstGeom prst="rect">
               <a:avLst/>
@@ -10186,7 +10186,7 @@
             <a:p>
               <a:r>
                 <a:rPr lang="en-US" b="1" dirty="0" smtClean="0"/>
-                <a:t>Device</a:t>
+                <a:t>Bridge</a:t>
               </a:r>
               <a:endParaRPr lang="en-US" b="1" dirty="0"/>
             </a:p>
@@ -10540,8 +10540,8 @@
         </p:nvCxnSpPr>
         <p:spPr>
           <a:xfrm flipV="1">
-            <a:off x="2612671" y="2949938"/>
-            <a:ext cx="1189387" cy="408756"/>
+            <a:off x="2612671" y="2898124"/>
+            <a:ext cx="1230603" cy="460570"/>
           </a:xfrm>
           <a:prstGeom prst="straightConnector1">
             <a:avLst/>
@@ -10580,8 +10580,8 @@
         </p:nvCxnSpPr>
         <p:spPr>
           <a:xfrm flipH="1" flipV="1">
-            <a:off x="4623565" y="2949938"/>
-            <a:ext cx="988117" cy="408756"/>
+            <a:off x="4640993" y="2898124"/>
+            <a:ext cx="970689" cy="460570"/>
           </a:xfrm>
           <a:prstGeom prst="straightConnector1">
             <a:avLst/>

--- a/aritra/MouseTracking/images/systemDesign.pptx
+++ b/aritra/MouseTracking/images/systemDesign.pptx
@@ -258,7 +258,7 @@
           <a:p>
             <a:fld id="{AAB2D3D3-1E26-436C-8467-9F82561659A6}" type="datetimeFigureOut">
               <a:rPr lang="en-US" smtClean="0"/>
-              <a:t>2/8/2019</a:t>
+              <a:t>2/11/2019</a:t>
             </a:fld>
             <a:endParaRPr lang="en-US"/>
           </a:p>
@@ -428,7 +428,7 @@
           <a:p>
             <a:fld id="{AAB2D3D3-1E26-436C-8467-9F82561659A6}" type="datetimeFigureOut">
               <a:rPr lang="en-US" smtClean="0"/>
-              <a:t>2/8/2019</a:t>
+              <a:t>2/11/2019</a:t>
             </a:fld>
             <a:endParaRPr lang="en-US"/>
           </a:p>
@@ -608,7 +608,7 @@
           <a:p>
             <a:fld id="{AAB2D3D3-1E26-436C-8467-9F82561659A6}" type="datetimeFigureOut">
               <a:rPr lang="en-US" smtClean="0"/>
-              <a:t>2/8/2019</a:t>
+              <a:t>2/11/2019</a:t>
             </a:fld>
             <a:endParaRPr lang="en-US"/>
           </a:p>
@@ -778,7 +778,7 @@
           <a:p>
             <a:fld id="{AAB2D3D3-1E26-436C-8467-9F82561659A6}" type="datetimeFigureOut">
               <a:rPr lang="en-US" smtClean="0"/>
-              <a:t>2/8/2019</a:t>
+              <a:t>2/11/2019</a:t>
             </a:fld>
             <a:endParaRPr lang="en-US"/>
           </a:p>
@@ -1024,7 +1024,7 @@
           <a:p>
             <a:fld id="{AAB2D3D3-1E26-436C-8467-9F82561659A6}" type="datetimeFigureOut">
               <a:rPr lang="en-US" smtClean="0"/>
-              <a:t>2/8/2019</a:t>
+              <a:t>2/11/2019</a:t>
             </a:fld>
             <a:endParaRPr lang="en-US"/>
           </a:p>
@@ -1256,7 +1256,7 @@
           <a:p>
             <a:fld id="{AAB2D3D3-1E26-436C-8467-9F82561659A6}" type="datetimeFigureOut">
               <a:rPr lang="en-US" smtClean="0"/>
-              <a:t>2/8/2019</a:t>
+              <a:t>2/11/2019</a:t>
             </a:fld>
             <a:endParaRPr lang="en-US"/>
           </a:p>
@@ -1623,7 +1623,7 @@
           <a:p>
             <a:fld id="{AAB2D3D3-1E26-436C-8467-9F82561659A6}" type="datetimeFigureOut">
               <a:rPr lang="en-US" smtClean="0"/>
-              <a:t>2/8/2019</a:t>
+              <a:t>2/11/2019</a:t>
             </a:fld>
             <a:endParaRPr lang="en-US"/>
           </a:p>
@@ -1741,7 +1741,7 @@
           <a:p>
             <a:fld id="{AAB2D3D3-1E26-436C-8467-9F82561659A6}" type="datetimeFigureOut">
               <a:rPr lang="en-US" smtClean="0"/>
-              <a:t>2/8/2019</a:t>
+              <a:t>2/11/2019</a:t>
             </a:fld>
             <a:endParaRPr lang="en-US"/>
           </a:p>
@@ -1836,7 +1836,7 @@
           <a:p>
             <a:fld id="{AAB2D3D3-1E26-436C-8467-9F82561659A6}" type="datetimeFigureOut">
               <a:rPr lang="en-US" smtClean="0"/>
-              <a:t>2/8/2019</a:t>
+              <a:t>2/11/2019</a:t>
             </a:fld>
             <a:endParaRPr lang="en-US"/>
           </a:p>
@@ -2113,7 +2113,7 @@
           <a:p>
             <a:fld id="{AAB2D3D3-1E26-436C-8467-9F82561659A6}" type="datetimeFigureOut">
               <a:rPr lang="en-US" smtClean="0"/>
-              <a:t>2/8/2019</a:t>
+              <a:t>2/11/2019</a:t>
             </a:fld>
             <a:endParaRPr lang="en-US"/>
           </a:p>
@@ -2366,7 +2366,7 @@
           <a:p>
             <a:fld id="{AAB2D3D3-1E26-436C-8467-9F82561659A6}" type="datetimeFigureOut">
               <a:rPr lang="en-US" smtClean="0"/>
-              <a:t>2/8/2019</a:t>
+              <a:t>2/11/2019</a:t>
             </a:fld>
             <a:endParaRPr lang="en-US"/>
           </a:p>
@@ -2579,7 +2579,7 @@
           <a:p>
             <a:fld id="{AAB2D3D3-1E26-436C-8467-9F82561659A6}" type="datetimeFigureOut">
               <a:rPr lang="en-US" smtClean="0"/>
-              <a:t>2/8/2019</a:t>
+              <a:t>2/11/2019</a:t>
             </a:fld>
             <a:endParaRPr lang="en-US"/>
           </a:p>
@@ -20796,8 +20796,8 @@
         </p:nvGrpSpPr>
         <p:grpSpPr>
           <a:xfrm>
-            <a:off x="2545315" y="4427469"/>
-            <a:ext cx="7133631" cy="379214"/>
+            <a:off x="1999865" y="4427469"/>
+            <a:ext cx="7679081" cy="379214"/>
             <a:chOff x="2341783" y="4498483"/>
             <a:chExt cx="7133631" cy="379214"/>
           </a:xfrm>
@@ -21142,8 +21142,8 @@
         </p:nvSpPr>
         <p:spPr>
           <a:xfrm rot="5400000">
-            <a:off x="5319612" y="2113130"/>
-            <a:ext cx="167107" cy="5678637"/>
+            <a:off x="5021149" y="1867459"/>
+            <a:ext cx="99479" cy="6084134"/>
           </a:xfrm>
           <a:prstGeom prst="rightBrace">
             <a:avLst>
@@ -21184,7 +21184,7 @@
         </p:nvSpPr>
         <p:spPr>
           <a:xfrm>
-            <a:off x="4948669" y="5020722"/>
+            <a:off x="4612878" y="4944937"/>
             <a:ext cx="916020" cy="369332"/>
           </a:xfrm>
           <a:prstGeom prst="rect">
@@ -21342,8 +21342,8 @@
         </p:nvCxnSpPr>
         <p:spPr>
           <a:xfrm rot="5400000">
-            <a:off x="9374522" y="2215608"/>
-            <a:ext cx="2642255" cy="2160680"/>
+            <a:off x="9372089" y="2213175"/>
+            <a:ext cx="2642256" cy="2165547"/>
           </a:xfrm>
           <a:prstGeom prst="bentConnector2">
             <a:avLst/>

--- a/aritra/MouseTracking/images/systemDesign.pptx
+++ b/aritra/MouseTracking/images/systemDesign.pptx
@@ -11,18 +11,19 @@
     <p:sldId id="272" r:id="rId5"/>
     <p:sldId id="262" r:id="rId6"/>
     <p:sldId id="256" r:id="rId7"/>
-    <p:sldId id="257" r:id="rId8"/>
-    <p:sldId id="268" r:id="rId9"/>
-    <p:sldId id="258" r:id="rId10"/>
-    <p:sldId id="267" r:id="rId11"/>
-    <p:sldId id="259" r:id="rId12"/>
-    <p:sldId id="260" r:id="rId13"/>
-    <p:sldId id="261" r:id="rId14"/>
-    <p:sldId id="263" r:id="rId15"/>
-    <p:sldId id="265" r:id="rId16"/>
-    <p:sldId id="270" r:id="rId17"/>
-    <p:sldId id="269" r:id="rId18"/>
-    <p:sldId id="271" r:id="rId19"/>
+    <p:sldId id="274" r:id="rId8"/>
+    <p:sldId id="257" r:id="rId9"/>
+    <p:sldId id="268" r:id="rId10"/>
+    <p:sldId id="258" r:id="rId11"/>
+    <p:sldId id="267" r:id="rId12"/>
+    <p:sldId id="259" r:id="rId13"/>
+    <p:sldId id="260" r:id="rId14"/>
+    <p:sldId id="261" r:id="rId15"/>
+    <p:sldId id="263" r:id="rId16"/>
+    <p:sldId id="265" r:id="rId17"/>
+    <p:sldId id="270" r:id="rId18"/>
+    <p:sldId id="269" r:id="rId19"/>
+    <p:sldId id="271" r:id="rId20"/>
   </p:sldIdLst>
   <p:sldSz cx="12192000" cy="6858000"/>
   <p:notesSz cx="6858000" cy="9144000"/>
@@ -260,7 +261,7 @@
           <a:p>
             <a:fld id="{AAB2D3D3-1E26-436C-8467-9F82561659A6}" type="datetimeFigureOut">
               <a:rPr lang="en-US" smtClean="0"/>
-              <a:t>2/14/2019</a:t>
+              <a:t>2/15/2019</a:t>
             </a:fld>
             <a:endParaRPr lang="en-US"/>
           </a:p>
@@ -430,7 +431,7 @@
           <a:p>
             <a:fld id="{AAB2D3D3-1E26-436C-8467-9F82561659A6}" type="datetimeFigureOut">
               <a:rPr lang="en-US" smtClean="0"/>
-              <a:t>2/14/2019</a:t>
+              <a:t>2/15/2019</a:t>
             </a:fld>
             <a:endParaRPr lang="en-US"/>
           </a:p>
@@ -610,7 +611,7 @@
           <a:p>
             <a:fld id="{AAB2D3D3-1E26-436C-8467-9F82561659A6}" type="datetimeFigureOut">
               <a:rPr lang="en-US" smtClean="0"/>
-              <a:t>2/14/2019</a:t>
+              <a:t>2/15/2019</a:t>
             </a:fld>
             <a:endParaRPr lang="en-US"/>
           </a:p>
@@ -780,7 +781,7 @@
           <a:p>
             <a:fld id="{AAB2D3D3-1E26-436C-8467-9F82561659A6}" type="datetimeFigureOut">
               <a:rPr lang="en-US" smtClean="0"/>
-              <a:t>2/14/2019</a:t>
+              <a:t>2/15/2019</a:t>
             </a:fld>
             <a:endParaRPr lang="en-US"/>
           </a:p>
@@ -1026,7 +1027,7 @@
           <a:p>
             <a:fld id="{AAB2D3D3-1E26-436C-8467-9F82561659A6}" type="datetimeFigureOut">
               <a:rPr lang="en-US" smtClean="0"/>
-              <a:t>2/14/2019</a:t>
+              <a:t>2/15/2019</a:t>
             </a:fld>
             <a:endParaRPr lang="en-US"/>
           </a:p>
@@ -1258,7 +1259,7 @@
           <a:p>
             <a:fld id="{AAB2D3D3-1E26-436C-8467-9F82561659A6}" type="datetimeFigureOut">
               <a:rPr lang="en-US" smtClean="0"/>
-              <a:t>2/14/2019</a:t>
+              <a:t>2/15/2019</a:t>
             </a:fld>
             <a:endParaRPr lang="en-US"/>
           </a:p>
@@ -1625,7 +1626,7 @@
           <a:p>
             <a:fld id="{AAB2D3D3-1E26-436C-8467-9F82561659A6}" type="datetimeFigureOut">
               <a:rPr lang="en-US" smtClean="0"/>
-              <a:t>2/14/2019</a:t>
+              <a:t>2/15/2019</a:t>
             </a:fld>
             <a:endParaRPr lang="en-US"/>
           </a:p>
@@ -1743,7 +1744,7 @@
           <a:p>
             <a:fld id="{AAB2D3D3-1E26-436C-8467-9F82561659A6}" type="datetimeFigureOut">
               <a:rPr lang="en-US" smtClean="0"/>
-              <a:t>2/14/2019</a:t>
+              <a:t>2/15/2019</a:t>
             </a:fld>
             <a:endParaRPr lang="en-US"/>
           </a:p>
@@ -1838,7 +1839,7 @@
           <a:p>
             <a:fld id="{AAB2D3D3-1E26-436C-8467-9F82561659A6}" type="datetimeFigureOut">
               <a:rPr lang="en-US" smtClean="0"/>
-              <a:t>2/14/2019</a:t>
+              <a:t>2/15/2019</a:t>
             </a:fld>
             <a:endParaRPr lang="en-US"/>
           </a:p>
@@ -2115,7 +2116,7 @@
           <a:p>
             <a:fld id="{AAB2D3D3-1E26-436C-8467-9F82561659A6}" type="datetimeFigureOut">
               <a:rPr lang="en-US" smtClean="0"/>
-              <a:t>2/14/2019</a:t>
+              <a:t>2/15/2019</a:t>
             </a:fld>
             <a:endParaRPr lang="en-US"/>
           </a:p>
@@ -2368,7 +2369,7 @@
           <a:p>
             <a:fld id="{AAB2D3D3-1E26-436C-8467-9F82561659A6}" type="datetimeFigureOut">
               <a:rPr lang="en-US" smtClean="0"/>
-              <a:t>2/14/2019</a:t>
+              <a:t>2/15/2019</a:t>
             </a:fld>
             <a:endParaRPr lang="en-US"/>
           </a:p>
@@ -2581,7 +2582,7 @@
           <a:p>
             <a:fld id="{AAB2D3D3-1E26-436C-8467-9F82561659A6}" type="datetimeFigureOut">
               <a:rPr lang="en-US" smtClean="0"/>
-              <a:t>2/14/2019</a:t>
+              <a:t>2/15/2019</a:t>
             </a:fld>
             <a:endParaRPr lang="en-US"/>
           </a:p>
@@ -3287,6 +3288,522 @@
 </file>
 
 <file path=ppt/slides/slide10.xml><?xml version="1.0" encoding="utf-8"?>
+<p:sld xmlns:a="http://schemas.openxmlformats.org/drawingml/2006/main" xmlns:r="http://schemas.openxmlformats.org/officeDocument/2006/relationships" xmlns:p="http://schemas.openxmlformats.org/presentationml/2006/main">
+  <p:cSld>
+    <p:spTree>
+      <p:nvGrpSpPr>
+        <p:cNvPr id="1" name=""/>
+        <p:cNvGrpSpPr/>
+        <p:nvPr/>
+      </p:nvGrpSpPr>
+      <p:grpSpPr>
+        <a:xfrm>
+          <a:off x="0" y="0"/>
+          <a:ext cx="0" cy="0"/>
+          <a:chOff x="0" y="0"/>
+          <a:chExt cx="0" cy="0"/>
+        </a:xfrm>
+      </p:grpSpPr>
+      <p:sp>
+        <p:nvSpPr>
+          <p:cNvPr id="4" name="Rounded Rectangle 3"/>
+          <p:cNvSpPr/>
+          <p:nvPr/>
+        </p:nvSpPr>
+        <p:spPr>
+          <a:xfrm>
+            <a:off x="7620" y="77986"/>
+            <a:ext cx="5722620" cy="2103120"/>
+          </a:xfrm>
+          <a:prstGeom prst="roundRect">
+            <a:avLst>
+              <a:gd name="adj" fmla="val 4686"/>
+            </a:avLst>
+          </a:prstGeom>
+          <a:solidFill>
+            <a:schemeClr val="bg1"/>
+          </a:solidFill>
+          <a:ln w="19050">
+            <a:solidFill>
+              <a:schemeClr val="accent5"/>
+            </a:solidFill>
+          </a:ln>
+        </p:spPr>
+        <p:style>
+          <a:lnRef idx="2">
+            <a:schemeClr val="accent1">
+              <a:shade val="50000"/>
+            </a:schemeClr>
+          </a:lnRef>
+          <a:fillRef idx="1">
+            <a:schemeClr val="accent1"/>
+          </a:fillRef>
+          <a:effectRef idx="0">
+            <a:schemeClr val="accent1"/>
+          </a:effectRef>
+          <a:fontRef idx="minor">
+            <a:schemeClr val="lt1"/>
+          </a:fontRef>
+        </p:style>
+        <p:txBody>
+          <a:bodyPr rtlCol="0" anchor="ctr"/>
+          <a:lstStyle/>
+          <a:p>
+            <a:pPr algn="ctr"/>
+            <a:endParaRPr lang="en-US"/>
+          </a:p>
+        </p:txBody>
+      </p:sp>
+      <p:sp>
+        <p:nvSpPr>
+          <p:cNvPr id="7" name="TextBox 6"/>
+          <p:cNvSpPr txBox="1"/>
+          <p:nvPr/>
+        </p:nvSpPr>
+        <p:spPr>
+          <a:xfrm>
+            <a:off x="121920" y="-106680"/>
+            <a:ext cx="1522468" cy="369332"/>
+          </a:xfrm>
+          <a:prstGeom prst="rect">
+            <a:avLst/>
+          </a:prstGeom>
+          <a:solidFill>
+            <a:schemeClr val="bg1"/>
+          </a:solidFill>
+        </p:spPr>
+        <p:txBody>
+          <a:bodyPr wrap="none" rtlCol="0">
+            <a:spAutoFit/>
+          </a:bodyPr>
+          <a:lstStyle/>
+          <a:p>
+            <a:r>
+              <a:rPr lang="en-US" dirty="0" smtClean="0"/>
+              <a:t>Sensitive form</a:t>
+            </a:r>
+            <a:endParaRPr lang="en-US" dirty="0"/>
+          </a:p>
+        </p:txBody>
+      </p:sp>
+      <p:sp>
+        <p:nvSpPr>
+          <p:cNvPr id="8" name="Rectangle 7"/>
+          <p:cNvSpPr/>
+          <p:nvPr/>
+        </p:nvSpPr>
+        <p:spPr>
+          <a:xfrm>
+            <a:off x="2868930" y="1624846"/>
+            <a:ext cx="819150" cy="411480"/>
+          </a:xfrm>
+          <a:prstGeom prst="rect">
+            <a:avLst/>
+          </a:prstGeom>
+          <a:solidFill>
+            <a:schemeClr val="bg2"/>
+          </a:solidFill>
+          <a:ln w="12700">
+            <a:solidFill>
+              <a:schemeClr val="tx1"/>
+            </a:solidFill>
+          </a:ln>
+        </p:spPr>
+        <p:style>
+          <a:lnRef idx="2">
+            <a:schemeClr val="accent1">
+              <a:shade val="50000"/>
+            </a:schemeClr>
+          </a:lnRef>
+          <a:fillRef idx="1">
+            <a:schemeClr val="accent1"/>
+          </a:fillRef>
+          <a:effectRef idx="0">
+            <a:schemeClr val="accent1"/>
+          </a:effectRef>
+          <a:fontRef idx="minor">
+            <a:schemeClr val="lt1"/>
+          </a:fontRef>
+        </p:style>
+        <p:txBody>
+          <a:bodyPr rtlCol="0" anchor="ctr"/>
+          <a:lstStyle/>
+          <a:p>
+            <a:pPr algn="ctr"/>
+            <a:r>
+              <a:rPr lang="en-US" b="1" dirty="0" smtClean="0">
+                <a:solidFill>
+                  <a:schemeClr val="tx1"/>
+                </a:solidFill>
+              </a:rPr>
+              <a:t>OK</a:t>
+            </a:r>
+            <a:endParaRPr lang="en-US" b="1" dirty="0">
+              <a:solidFill>
+                <a:schemeClr val="tx1"/>
+              </a:solidFill>
+            </a:endParaRPr>
+          </a:p>
+        </p:txBody>
+      </p:sp>
+      <p:sp>
+        <p:nvSpPr>
+          <p:cNvPr id="9" name="Rectangle 8"/>
+          <p:cNvSpPr/>
+          <p:nvPr/>
+        </p:nvSpPr>
+        <p:spPr>
+          <a:xfrm>
+            <a:off x="4299585" y="1624846"/>
+            <a:ext cx="819150" cy="411480"/>
+          </a:xfrm>
+          <a:prstGeom prst="rect">
+            <a:avLst/>
+          </a:prstGeom>
+          <a:solidFill>
+            <a:schemeClr val="bg2"/>
+          </a:solidFill>
+          <a:ln w="12700">
+            <a:solidFill>
+              <a:schemeClr val="tx1"/>
+            </a:solidFill>
+          </a:ln>
+        </p:spPr>
+        <p:style>
+          <a:lnRef idx="2">
+            <a:schemeClr val="accent1">
+              <a:shade val="50000"/>
+            </a:schemeClr>
+          </a:lnRef>
+          <a:fillRef idx="1">
+            <a:schemeClr val="accent1"/>
+          </a:fillRef>
+          <a:effectRef idx="0">
+            <a:schemeClr val="accent1"/>
+          </a:effectRef>
+          <a:fontRef idx="minor">
+            <a:schemeClr val="lt1"/>
+          </a:fontRef>
+        </p:style>
+        <p:txBody>
+          <a:bodyPr rtlCol="0" anchor="ctr"/>
+          <a:lstStyle/>
+          <a:p>
+            <a:pPr algn="ctr"/>
+            <a:r>
+              <a:rPr lang="en-US" b="1" dirty="0" smtClean="0">
+                <a:solidFill>
+                  <a:schemeClr val="tx1"/>
+                </a:solidFill>
+              </a:rPr>
+              <a:t>Cancel</a:t>
+            </a:r>
+            <a:endParaRPr lang="en-US" b="1" dirty="0">
+              <a:solidFill>
+                <a:schemeClr val="tx1"/>
+              </a:solidFill>
+            </a:endParaRPr>
+          </a:p>
+        </p:txBody>
+      </p:sp>
+      <p:sp>
+        <p:nvSpPr>
+          <p:cNvPr id="10" name="Rectangle 9"/>
+          <p:cNvSpPr/>
+          <p:nvPr/>
+        </p:nvSpPr>
+        <p:spPr>
+          <a:xfrm>
+            <a:off x="1764030" y="472202"/>
+            <a:ext cx="2324100" cy="379214"/>
+          </a:xfrm>
+          <a:prstGeom prst="rect">
+            <a:avLst/>
+          </a:prstGeom>
+          <a:solidFill>
+            <a:schemeClr val="bg1"/>
+          </a:solidFill>
+          <a:ln w="19050">
+            <a:solidFill>
+              <a:schemeClr val="tx1"/>
+            </a:solidFill>
+          </a:ln>
+        </p:spPr>
+        <p:style>
+          <a:lnRef idx="2">
+            <a:schemeClr val="accent1">
+              <a:shade val="50000"/>
+            </a:schemeClr>
+          </a:lnRef>
+          <a:fillRef idx="1">
+            <a:schemeClr val="accent1"/>
+          </a:fillRef>
+          <a:effectRef idx="0">
+            <a:schemeClr val="accent1"/>
+          </a:effectRef>
+          <a:fontRef idx="minor">
+            <a:schemeClr val="lt1"/>
+          </a:fontRef>
+        </p:style>
+        <p:txBody>
+          <a:bodyPr rtlCol="0" anchor="ctr"/>
+          <a:lstStyle/>
+          <a:p>
+            <a:pPr algn="ctr"/>
+            <a:endParaRPr lang="en-US"/>
+          </a:p>
+        </p:txBody>
+      </p:sp>
+      <p:sp>
+        <p:nvSpPr>
+          <p:cNvPr id="11" name="TextBox 10"/>
+          <p:cNvSpPr txBox="1"/>
+          <p:nvPr/>
+        </p:nvSpPr>
+        <p:spPr>
+          <a:xfrm>
+            <a:off x="110051" y="489704"/>
+            <a:ext cx="1653979" cy="369332"/>
+          </a:xfrm>
+          <a:prstGeom prst="rect">
+            <a:avLst/>
+          </a:prstGeom>
+          <a:solidFill>
+            <a:schemeClr val="bg1"/>
+          </a:solidFill>
+        </p:spPr>
+        <p:txBody>
+          <a:bodyPr wrap="none" rtlCol="0">
+            <a:spAutoFit/>
+          </a:bodyPr>
+          <a:lstStyle/>
+          <a:p>
+            <a:r>
+              <a:rPr lang="en-US" dirty="0" smtClean="0"/>
+              <a:t>Sensitive field 1</a:t>
+            </a:r>
+            <a:endParaRPr lang="en-US" dirty="0"/>
+          </a:p>
+        </p:txBody>
+      </p:sp>
+      <p:sp>
+        <p:nvSpPr>
+          <p:cNvPr id="12" name="Rectangle 11"/>
+          <p:cNvSpPr/>
+          <p:nvPr/>
+        </p:nvSpPr>
+        <p:spPr>
+          <a:xfrm>
+            <a:off x="1764030" y="1023759"/>
+            <a:ext cx="2324100" cy="379214"/>
+          </a:xfrm>
+          <a:prstGeom prst="rect">
+            <a:avLst/>
+          </a:prstGeom>
+          <a:solidFill>
+            <a:schemeClr val="bg1"/>
+          </a:solidFill>
+          <a:ln w="19050">
+            <a:solidFill>
+              <a:schemeClr val="tx1"/>
+            </a:solidFill>
+          </a:ln>
+        </p:spPr>
+        <p:style>
+          <a:lnRef idx="2">
+            <a:schemeClr val="accent1">
+              <a:shade val="50000"/>
+            </a:schemeClr>
+          </a:lnRef>
+          <a:fillRef idx="1">
+            <a:schemeClr val="accent1"/>
+          </a:fillRef>
+          <a:effectRef idx="0">
+            <a:schemeClr val="accent1"/>
+          </a:effectRef>
+          <a:fontRef idx="minor">
+            <a:schemeClr val="lt1"/>
+          </a:fontRef>
+        </p:style>
+        <p:txBody>
+          <a:bodyPr rtlCol="0" anchor="ctr"/>
+          <a:lstStyle/>
+          <a:p>
+            <a:pPr algn="ctr"/>
+            <a:endParaRPr lang="en-US"/>
+          </a:p>
+        </p:txBody>
+      </p:sp>
+      <p:sp>
+        <p:nvSpPr>
+          <p:cNvPr id="13" name="TextBox 12"/>
+          <p:cNvSpPr txBox="1"/>
+          <p:nvPr/>
+        </p:nvSpPr>
+        <p:spPr>
+          <a:xfrm>
+            <a:off x="110051" y="1041261"/>
+            <a:ext cx="1653979" cy="369332"/>
+          </a:xfrm>
+          <a:prstGeom prst="rect">
+            <a:avLst/>
+          </a:prstGeom>
+          <a:solidFill>
+            <a:schemeClr val="bg1"/>
+          </a:solidFill>
+        </p:spPr>
+        <p:txBody>
+          <a:bodyPr wrap="none" rtlCol="0">
+            <a:spAutoFit/>
+          </a:bodyPr>
+          <a:lstStyle/>
+          <a:p>
+            <a:r>
+              <a:rPr lang="en-US" dirty="0" smtClean="0"/>
+              <a:t>Sensitive field 2</a:t>
+            </a:r>
+            <a:endParaRPr lang="en-US" dirty="0"/>
+          </a:p>
+        </p:txBody>
+      </p:sp>
+      <p:pic>
+        <p:nvPicPr>
+          <p:cNvPr id="14" name="Picture 13"/>
+          <p:cNvPicPr>
+            <a:picLocks noChangeAspect="1"/>
+          </p:cNvPicPr>
+          <p:nvPr/>
+        </p:nvPicPr>
+        <p:blipFill>
+          <a:blip r:embed="rId2" cstate="print">
+            <a:extLst>
+              <a:ext uri="{28A0092B-C50C-407E-A947-70E740481C1C}">
+                <a14:useLocalDpi xmlns:a14="http://schemas.microsoft.com/office/drawing/2010/main" val="0"/>
+              </a:ext>
+            </a:extLst>
+          </a:blip>
+          <a:stretch>
+            <a:fillRect/>
+          </a:stretch>
+        </p:blipFill>
+        <p:spPr>
+          <a:xfrm>
+            <a:off x="3003932" y="1799213"/>
+            <a:ext cx="172311" cy="172311"/>
+          </a:xfrm>
+          <a:prstGeom prst="rect">
+            <a:avLst/>
+          </a:prstGeom>
+        </p:spPr>
+      </p:pic>
+      <p:sp>
+        <p:nvSpPr>
+          <p:cNvPr id="15" name="Rectangle 14"/>
+          <p:cNvSpPr/>
+          <p:nvPr/>
+        </p:nvSpPr>
+        <p:spPr>
+          <a:xfrm>
+            <a:off x="2969107" y="1761113"/>
+            <a:ext cx="241959" cy="241959"/>
+          </a:xfrm>
+          <a:prstGeom prst="rect">
+            <a:avLst/>
+          </a:prstGeom>
+          <a:noFill/>
+          <a:ln w="28575">
+            <a:solidFill>
+              <a:srgbClr val="FF0000"/>
+            </a:solidFill>
+            <a:prstDash val="sysDot"/>
+          </a:ln>
+        </p:spPr>
+        <p:style>
+          <a:lnRef idx="2">
+            <a:schemeClr val="accent1">
+              <a:shade val="50000"/>
+            </a:schemeClr>
+          </a:lnRef>
+          <a:fillRef idx="1">
+            <a:schemeClr val="accent1"/>
+          </a:fillRef>
+          <a:effectRef idx="0">
+            <a:schemeClr val="accent1"/>
+          </a:effectRef>
+          <a:fontRef idx="minor">
+            <a:schemeClr val="lt1"/>
+          </a:fontRef>
+        </p:style>
+        <p:txBody>
+          <a:bodyPr rtlCol="0" anchor="ctr"/>
+          <a:lstStyle/>
+          <a:p>
+            <a:pPr algn="ctr"/>
+            <a:endParaRPr lang="en-US"/>
+          </a:p>
+        </p:txBody>
+      </p:sp>
+      <p:sp>
+        <p:nvSpPr>
+          <p:cNvPr id="16" name="Rectangle 15"/>
+          <p:cNvSpPr/>
+          <p:nvPr/>
+        </p:nvSpPr>
+        <p:spPr>
+          <a:xfrm>
+            <a:off x="2812211" y="1567696"/>
+            <a:ext cx="959689" cy="521970"/>
+          </a:xfrm>
+          <a:prstGeom prst="rect">
+            <a:avLst/>
+          </a:prstGeom>
+          <a:noFill/>
+          <a:ln w="28575">
+            <a:solidFill>
+              <a:srgbClr val="FF0000"/>
+            </a:solidFill>
+            <a:prstDash val="sysDot"/>
+          </a:ln>
+        </p:spPr>
+        <p:style>
+          <a:lnRef idx="2">
+            <a:schemeClr val="accent1">
+              <a:shade val="50000"/>
+            </a:schemeClr>
+          </a:lnRef>
+          <a:fillRef idx="1">
+            <a:schemeClr val="accent1"/>
+          </a:fillRef>
+          <a:effectRef idx="0">
+            <a:schemeClr val="accent1"/>
+          </a:effectRef>
+          <a:fontRef idx="minor">
+            <a:schemeClr val="lt1"/>
+          </a:fontRef>
+        </p:style>
+        <p:txBody>
+          <a:bodyPr rtlCol="0" anchor="ctr"/>
+          <a:lstStyle/>
+          <a:p>
+            <a:pPr algn="ctr"/>
+            <a:endParaRPr lang="en-US"/>
+          </a:p>
+        </p:txBody>
+      </p:sp>
+    </p:spTree>
+    <p:extLst>
+      <p:ext uri="{BB962C8B-B14F-4D97-AF65-F5344CB8AC3E}">
+        <p14:creationId xmlns:p14="http://schemas.microsoft.com/office/powerpoint/2010/main" val="1627880502"/>
+      </p:ext>
+    </p:extLst>
+  </p:cSld>
+  <p:clrMapOvr>
+    <a:masterClrMapping/>
+  </p:clrMapOvr>
+</p:sld>
+</file>
+
+<file path=ppt/slides/slide11.xml><?xml version="1.0" encoding="utf-8"?>
 <p:sld xmlns:a="http://schemas.openxmlformats.org/drawingml/2006/main" xmlns:r="http://schemas.openxmlformats.org/officeDocument/2006/relationships" xmlns:p="http://schemas.openxmlformats.org/presentationml/2006/main">
   <p:cSld>
     <p:spTree>
@@ -5826,7 +6343,7 @@
 </p:sld>
 </file>
 
-<file path=ppt/slides/slide11.xml><?xml version="1.0" encoding="utf-8"?>
+<file path=ppt/slides/slide12.xml><?xml version="1.0" encoding="utf-8"?>
 <p:sld xmlns:a="http://schemas.openxmlformats.org/drawingml/2006/main" xmlns:r="http://schemas.openxmlformats.org/officeDocument/2006/relationships" xmlns:p="http://schemas.openxmlformats.org/presentationml/2006/main">
   <p:cSld>
     <p:spTree>
@@ -7518,7 +8035,7 @@
 </p:sld>
 </file>
 
-<file path=ppt/slides/slide12.xml><?xml version="1.0" encoding="utf-8"?>
+<file path=ppt/slides/slide13.xml><?xml version="1.0" encoding="utf-8"?>
 <p:sld xmlns:a="http://schemas.openxmlformats.org/drawingml/2006/main" xmlns:r="http://schemas.openxmlformats.org/officeDocument/2006/relationships" xmlns:p="http://schemas.openxmlformats.org/presentationml/2006/main">
   <p:cSld>
     <p:spTree>
@@ -8616,7 +9133,7 @@
 </p:sld>
 </file>
 
-<file path=ppt/slides/slide13.xml><?xml version="1.0" encoding="utf-8"?>
+<file path=ppt/slides/slide14.xml><?xml version="1.0" encoding="utf-8"?>
 <p:sld xmlns:a="http://schemas.openxmlformats.org/drawingml/2006/main" xmlns:r="http://schemas.openxmlformats.org/officeDocument/2006/relationships" xmlns:p="http://schemas.openxmlformats.org/presentationml/2006/main">
   <p:cSld>
     <p:spTree>
@@ -9484,7 +10001,7 @@
 </p:sld>
 </file>
 
-<file path=ppt/slides/slide14.xml><?xml version="1.0" encoding="utf-8"?>
+<file path=ppt/slides/slide15.xml><?xml version="1.0" encoding="utf-8"?>
 <p:sld xmlns:a="http://schemas.openxmlformats.org/drawingml/2006/main" xmlns:r="http://schemas.openxmlformats.org/officeDocument/2006/relationships" xmlns:p="http://schemas.openxmlformats.org/presentationml/2006/main">
   <p:cSld>
     <p:spTree>
@@ -10259,7 +10776,7 @@
 </p:sld>
 </file>
 
-<file path=ppt/slides/slide15.xml><?xml version="1.0" encoding="utf-8"?>
+<file path=ppt/slides/slide16.xml><?xml version="1.0" encoding="utf-8"?>
 <p:sld xmlns:a="http://schemas.openxmlformats.org/drawingml/2006/main" xmlns:r="http://schemas.openxmlformats.org/officeDocument/2006/relationships" xmlns:p="http://schemas.openxmlformats.org/presentationml/2006/main">
   <p:cSld>
     <p:spTree>
@@ -11584,7 +12101,7 @@
 </p:sld>
 </file>
 
-<file path=ppt/slides/slide16.xml><?xml version="1.0" encoding="utf-8"?>
+<file path=ppt/slides/slide17.xml><?xml version="1.0" encoding="utf-8"?>
 <p:sld xmlns:a="http://schemas.openxmlformats.org/drawingml/2006/main" xmlns:r="http://schemas.openxmlformats.org/officeDocument/2006/relationships" xmlns:p="http://schemas.openxmlformats.org/presentationml/2006/main">
   <p:cSld>
     <p:spTree>
@@ -13231,7 +13748,7 @@
 </p:sld>
 </file>
 
-<file path=ppt/slides/slide17.xml><?xml version="1.0" encoding="utf-8"?>
+<file path=ppt/slides/slide18.xml><?xml version="1.0" encoding="utf-8"?>
 <p:sld xmlns:a="http://schemas.openxmlformats.org/drawingml/2006/main" xmlns:r="http://schemas.openxmlformats.org/officeDocument/2006/relationships" xmlns:p="http://schemas.openxmlformats.org/presentationml/2006/main">
   <p:cSld>
     <p:spTree>
@@ -13457,7 +13974,7 @@
 </p:sld>
 </file>
 
-<file path=ppt/slides/slide18.xml><?xml version="1.0" encoding="utf-8"?>
+<file path=ppt/slides/slide19.xml><?xml version="1.0" encoding="utf-8"?>
 <p:sld xmlns:a="http://schemas.openxmlformats.org/drawingml/2006/main" xmlns:r="http://schemas.openxmlformats.org/officeDocument/2006/relationships" xmlns:p="http://schemas.openxmlformats.org/presentationml/2006/main">
   <p:cSld>
     <p:spTree>
@@ -18356,6 +18873,305 @@
 </file>
 
 <file path=ppt/slides/slide7.xml><?xml version="1.0" encoding="utf-8"?>
+<p:sld xmlns:a="http://schemas.openxmlformats.org/drawingml/2006/main" xmlns:r="http://schemas.openxmlformats.org/officeDocument/2006/relationships" xmlns:p="http://schemas.openxmlformats.org/presentationml/2006/main">
+  <p:cSld>
+    <p:spTree>
+      <p:nvGrpSpPr>
+        <p:cNvPr id="1" name=""/>
+        <p:cNvGrpSpPr/>
+        <p:nvPr/>
+      </p:nvGrpSpPr>
+      <p:grpSpPr>
+        <a:xfrm>
+          <a:off x="0" y="0"/>
+          <a:ext cx="0" cy="0"/>
+          <a:chOff x="0" y="0"/>
+          <a:chExt cx="0" cy="0"/>
+        </a:xfrm>
+      </p:grpSpPr>
+      <p:sp>
+        <p:nvSpPr>
+          <p:cNvPr id="4" name="Rectangle 3"/>
+          <p:cNvSpPr/>
+          <p:nvPr/>
+        </p:nvSpPr>
+        <p:spPr>
+          <a:xfrm>
+            <a:off x="0" y="1"/>
+            <a:ext cx="3435178" cy="1254210"/>
+          </a:xfrm>
+          <a:prstGeom prst="rect">
+            <a:avLst/>
+          </a:prstGeom>
+          <a:solidFill>
+            <a:schemeClr val="bg1">
+              <a:lumMod val="85000"/>
+            </a:schemeClr>
+          </a:solidFill>
+          <a:ln>
+            <a:solidFill>
+              <a:schemeClr val="tx1"/>
+            </a:solidFill>
+          </a:ln>
+        </p:spPr>
+        <p:style>
+          <a:lnRef idx="2">
+            <a:schemeClr val="accent1">
+              <a:shade val="50000"/>
+            </a:schemeClr>
+          </a:lnRef>
+          <a:fillRef idx="1">
+            <a:schemeClr val="accent1"/>
+          </a:fillRef>
+          <a:effectRef idx="0">
+            <a:schemeClr val="accent1"/>
+          </a:effectRef>
+          <a:fontRef idx="minor">
+            <a:schemeClr val="lt1"/>
+          </a:fontRef>
+        </p:style>
+        <p:txBody>
+          <a:bodyPr rtlCol="0" anchor="ctr"/>
+          <a:lstStyle/>
+          <a:p>
+            <a:pPr algn="ctr"/>
+            <a:endParaRPr lang="en-US"/>
+          </a:p>
+        </p:txBody>
+      </p:sp>
+      <p:sp>
+        <p:nvSpPr>
+          <p:cNvPr id="6" name="TextBox 5"/>
+          <p:cNvSpPr txBox="1"/>
+          <p:nvPr/>
+        </p:nvSpPr>
+        <p:spPr>
+          <a:xfrm>
+            <a:off x="0" y="0"/>
+            <a:ext cx="3053593" cy="369332"/>
+          </a:xfrm>
+          <a:prstGeom prst="rect">
+            <a:avLst/>
+          </a:prstGeom>
+          <a:noFill/>
+        </p:spPr>
+        <p:txBody>
+          <a:bodyPr wrap="none" rtlCol="0">
+            <a:spAutoFit/>
+          </a:bodyPr>
+          <a:lstStyle/>
+          <a:p>
+            <a:r>
+              <a:rPr lang="en-US" dirty="0" smtClean="0"/>
+              <a:t>Integrity for mouse movement</a:t>
+            </a:r>
+            <a:endParaRPr lang="en-US" dirty="0"/>
+          </a:p>
+        </p:txBody>
+      </p:sp>
+      <p:grpSp>
+        <p:nvGrpSpPr>
+          <p:cNvPr id="8" name="Group 7"/>
+          <p:cNvGrpSpPr/>
+          <p:nvPr/>
+        </p:nvGrpSpPr>
+        <p:grpSpPr>
+          <a:xfrm>
+            <a:off x="602961" y="478140"/>
+            <a:ext cx="2717347" cy="667263"/>
+            <a:chOff x="1350546" y="1075040"/>
+            <a:chExt cx="2717347" cy="667263"/>
+          </a:xfrm>
+        </p:grpSpPr>
+        <p:sp>
+          <p:nvSpPr>
+            <p:cNvPr id="5" name="Rectangle 4"/>
+            <p:cNvSpPr/>
+            <p:nvPr/>
+          </p:nvSpPr>
+          <p:spPr>
+            <a:xfrm>
+              <a:off x="1396314" y="1075040"/>
+              <a:ext cx="2625812" cy="667263"/>
+            </a:xfrm>
+            <a:prstGeom prst="rect">
+              <a:avLst/>
+            </a:prstGeom>
+            <a:solidFill>
+              <a:schemeClr val="accent6">
+                <a:lumMod val="20000"/>
+                <a:lumOff val="80000"/>
+              </a:schemeClr>
+            </a:solidFill>
+            <a:ln>
+              <a:solidFill>
+                <a:schemeClr val="tx1"/>
+              </a:solidFill>
+            </a:ln>
+          </p:spPr>
+          <p:style>
+            <a:lnRef idx="2">
+              <a:schemeClr val="accent6">
+                <a:shade val="50000"/>
+              </a:schemeClr>
+            </a:lnRef>
+            <a:fillRef idx="1">
+              <a:schemeClr val="accent6"/>
+            </a:fillRef>
+            <a:effectRef idx="0">
+              <a:schemeClr val="accent6"/>
+            </a:effectRef>
+            <a:fontRef idx="minor">
+              <a:schemeClr val="lt1"/>
+            </a:fontRef>
+          </p:style>
+          <p:txBody>
+            <a:bodyPr rtlCol="0" anchor="ctr"/>
+            <a:lstStyle/>
+            <a:p>
+              <a:pPr algn="ctr"/>
+              <a:endParaRPr lang="en-US"/>
+            </a:p>
+          </p:txBody>
+        </p:sp>
+        <p:sp>
+          <p:nvSpPr>
+            <p:cNvPr id="7" name="TextBox 6"/>
+            <p:cNvSpPr txBox="1"/>
+            <p:nvPr/>
+          </p:nvSpPr>
+          <p:spPr>
+            <a:xfrm>
+              <a:off x="1350546" y="1075040"/>
+              <a:ext cx="2717347" cy="369332"/>
+            </a:xfrm>
+            <a:prstGeom prst="rect">
+              <a:avLst/>
+            </a:prstGeom>
+            <a:noFill/>
+          </p:spPr>
+          <p:txBody>
+            <a:bodyPr wrap="none" rtlCol="0">
+              <a:spAutoFit/>
+            </a:bodyPr>
+            <a:lstStyle/>
+            <a:p>
+              <a:r>
+                <a:rPr lang="en-US" dirty="0" smtClean="0"/>
+                <a:t>Integrity + privacy for all IO</a:t>
+              </a:r>
+            </a:p>
+          </p:txBody>
+        </p:sp>
+      </p:grpSp>
+      <p:sp>
+        <p:nvSpPr>
+          <p:cNvPr id="9" name="Rectangle 8"/>
+          <p:cNvSpPr/>
+          <p:nvPr/>
+        </p:nvSpPr>
+        <p:spPr>
+          <a:xfrm>
+            <a:off x="1289972" y="1178353"/>
+            <a:ext cx="855234" cy="369332"/>
+          </a:xfrm>
+          <a:prstGeom prst="rect">
+            <a:avLst/>
+          </a:prstGeom>
+        </p:spPr>
+        <p:txBody>
+          <a:bodyPr wrap="none">
+            <a:spAutoFit/>
+          </a:bodyPr>
+          <a:lstStyle/>
+          <a:p>
+            <a:r>
+              <a:rPr lang="en-US" dirty="0" smtClean="0"/>
+              <a:t>Display</a:t>
+            </a:r>
+            <a:endParaRPr lang="en-US" dirty="0"/>
+          </a:p>
+        </p:txBody>
+      </p:sp>
+      <p:sp>
+        <p:nvSpPr>
+          <p:cNvPr id="10" name="Rectangle 9"/>
+          <p:cNvSpPr/>
+          <p:nvPr/>
+        </p:nvSpPr>
+        <p:spPr>
+          <a:xfrm>
+            <a:off x="3435178" y="0"/>
+            <a:ext cx="897875" cy="369332"/>
+          </a:xfrm>
+          <a:prstGeom prst="rect">
+            <a:avLst/>
+          </a:prstGeom>
+        </p:spPr>
+        <p:txBody>
+          <a:bodyPr wrap="none">
+            <a:spAutoFit/>
+          </a:bodyPr>
+          <a:lstStyle/>
+          <a:p>
+            <a:r>
+              <a:rPr lang="en-US" dirty="0" smtClean="0"/>
+              <a:t>Overlay</a:t>
+            </a:r>
+            <a:endParaRPr lang="en-US" dirty="0"/>
+          </a:p>
+        </p:txBody>
+      </p:sp>
+      <p:cxnSp>
+        <p:nvCxnSpPr>
+          <p:cNvPr id="14" name="Curved Connector 13"/>
+          <p:cNvCxnSpPr>
+            <a:stCxn id="10" idx="2"/>
+            <a:endCxn id="5" idx="3"/>
+          </p:cNvCxnSpPr>
+          <p:nvPr/>
+        </p:nvCxnSpPr>
+        <p:spPr>
+          <a:xfrm rot="5400000">
+            <a:off x="3358109" y="285765"/>
+            <a:ext cx="442440" cy="609575"/>
+          </a:xfrm>
+          <a:prstGeom prst="curvedConnector2">
+            <a:avLst/>
+          </a:prstGeom>
+          <a:ln w="19050">
+            <a:tailEnd type="triangle"/>
+          </a:ln>
+        </p:spPr>
+        <p:style>
+          <a:lnRef idx="1">
+            <a:schemeClr val="dk1"/>
+          </a:lnRef>
+          <a:fillRef idx="0">
+            <a:schemeClr val="dk1"/>
+          </a:fillRef>
+          <a:effectRef idx="0">
+            <a:schemeClr val="dk1"/>
+          </a:effectRef>
+          <a:fontRef idx="minor">
+            <a:schemeClr val="tx1"/>
+          </a:fontRef>
+        </p:style>
+      </p:cxnSp>
+    </p:spTree>
+    <p:extLst>
+      <p:ext uri="{BB962C8B-B14F-4D97-AF65-F5344CB8AC3E}">
+        <p14:creationId xmlns:p14="http://schemas.microsoft.com/office/powerpoint/2010/main" val="2836276874"/>
+      </p:ext>
+    </p:extLst>
+  </p:cSld>
+  <p:clrMapOvr>
+    <a:masterClrMapping/>
+  </p:clrMapOvr>
+</p:sld>
+</file>
+
+<file path=ppt/slides/slide8.xml><?xml version="1.0" encoding="utf-8"?>
 <p:sld xmlns:a="http://schemas.openxmlformats.org/drawingml/2006/main" xmlns:r="http://schemas.openxmlformats.org/officeDocument/2006/relationships" xmlns:p="http://schemas.openxmlformats.org/presentationml/2006/main">
   <p:cSld>
     <p:spTree>
@@ -20677,7 +21493,7 @@
 </p:sld>
 </file>
 
-<file path=ppt/slides/slide8.xml><?xml version="1.0" encoding="utf-8"?>
+<file path=ppt/slides/slide9.xml><?xml version="1.0" encoding="utf-8"?>
 <p:sld xmlns:a="http://schemas.openxmlformats.org/drawingml/2006/main" xmlns:r="http://schemas.openxmlformats.org/officeDocument/2006/relationships" xmlns:p="http://schemas.openxmlformats.org/presentationml/2006/main">
   <p:cSld>
     <p:spTree>
@@ -23503,522 +24319,6 @@
 </p:sld>
 </file>
 
-<file path=ppt/slides/slide9.xml><?xml version="1.0" encoding="utf-8"?>
-<p:sld xmlns:a="http://schemas.openxmlformats.org/drawingml/2006/main" xmlns:r="http://schemas.openxmlformats.org/officeDocument/2006/relationships" xmlns:p="http://schemas.openxmlformats.org/presentationml/2006/main">
-  <p:cSld>
-    <p:spTree>
-      <p:nvGrpSpPr>
-        <p:cNvPr id="1" name=""/>
-        <p:cNvGrpSpPr/>
-        <p:nvPr/>
-      </p:nvGrpSpPr>
-      <p:grpSpPr>
-        <a:xfrm>
-          <a:off x="0" y="0"/>
-          <a:ext cx="0" cy="0"/>
-          <a:chOff x="0" y="0"/>
-          <a:chExt cx="0" cy="0"/>
-        </a:xfrm>
-      </p:grpSpPr>
-      <p:sp>
-        <p:nvSpPr>
-          <p:cNvPr id="4" name="Rounded Rectangle 3"/>
-          <p:cNvSpPr/>
-          <p:nvPr/>
-        </p:nvSpPr>
-        <p:spPr>
-          <a:xfrm>
-            <a:off x="7620" y="77986"/>
-            <a:ext cx="5722620" cy="2103120"/>
-          </a:xfrm>
-          <a:prstGeom prst="roundRect">
-            <a:avLst>
-              <a:gd name="adj" fmla="val 4686"/>
-            </a:avLst>
-          </a:prstGeom>
-          <a:solidFill>
-            <a:schemeClr val="bg1"/>
-          </a:solidFill>
-          <a:ln w="19050">
-            <a:solidFill>
-              <a:schemeClr val="accent5"/>
-            </a:solidFill>
-          </a:ln>
-        </p:spPr>
-        <p:style>
-          <a:lnRef idx="2">
-            <a:schemeClr val="accent1">
-              <a:shade val="50000"/>
-            </a:schemeClr>
-          </a:lnRef>
-          <a:fillRef idx="1">
-            <a:schemeClr val="accent1"/>
-          </a:fillRef>
-          <a:effectRef idx="0">
-            <a:schemeClr val="accent1"/>
-          </a:effectRef>
-          <a:fontRef idx="minor">
-            <a:schemeClr val="lt1"/>
-          </a:fontRef>
-        </p:style>
-        <p:txBody>
-          <a:bodyPr rtlCol="0" anchor="ctr"/>
-          <a:lstStyle/>
-          <a:p>
-            <a:pPr algn="ctr"/>
-            <a:endParaRPr lang="en-US"/>
-          </a:p>
-        </p:txBody>
-      </p:sp>
-      <p:sp>
-        <p:nvSpPr>
-          <p:cNvPr id="7" name="TextBox 6"/>
-          <p:cNvSpPr txBox="1"/>
-          <p:nvPr/>
-        </p:nvSpPr>
-        <p:spPr>
-          <a:xfrm>
-            <a:off x="121920" y="-106680"/>
-            <a:ext cx="1522468" cy="369332"/>
-          </a:xfrm>
-          <a:prstGeom prst="rect">
-            <a:avLst/>
-          </a:prstGeom>
-          <a:solidFill>
-            <a:schemeClr val="bg1"/>
-          </a:solidFill>
-        </p:spPr>
-        <p:txBody>
-          <a:bodyPr wrap="none" rtlCol="0">
-            <a:spAutoFit/>
-          </a:bodyPr>
-          <a:lstStyle/>
-          <a:p>
-            <a:r>
-              <a:rPr lang="en-US" dirty="0" smtClean="0"/>
-              <a:t>Sensitive form</a:t>
-            </a:r>
-            <a:endParaRPr lang="en-US" dirty="0"/>
-          </a:p>
-        </p:txBody>
-      </p:sp>
-      <p:sp>
-        <p:nvSpPr>
-          <p:cNvPr id="8" name="Rectangle 7"/>
-          <p:cNvSpPr/>
-          <p:nvPr/>
-        </p:nvSpPr>
-        <p:spPr>
-          <a:xfrm>
-            <a:off x="2868930" y="1624846"/>
-            <a:ext cx="819150" cy="411480"/>
-          </a:xfrm>
-          <a:prstGeom prst="rect">
-            <a:avLst/>
-          </a:prstGeom>
-          <a:solidFill>
-            <a:schemeClr val="bg2"/>
-          </a:solidFill>
-          <a:ln w="12700">
-            <a:solidFill>
-              <a:schemeClr val="tx1"/>
-            </a:solidFill>
-          </a:ln>
-        </p:spPr>
-        <p:style>
-          <a:lnRef idx="2">
-            <a:schemeClr val="accent1">
-              <a:shade val="50000"/>
-            </a:schemeClr>
-          </a:lnRef>
-          <a:fillRef idx="1">
-            <a:schemeClr val="accent1"/>
-          </a:fillRef>
-          <a:effectRef idx="0">
-            <a:schemeClr val="accent1"/>
-          </a:effectRef>
-          <a:fontRef idx="minor">
-            <a:schemeClr val="lt1"/>
-          </a:fontRef>
-        </p:style>
-        <p:txBody>
-          <a:bodyPr rtlCol="0" anchor="ctr"/>
-          <a:lstStyle/>
-          <a:p>
-            <a:pPr algn="ctr"/>
-            <a:r>
-              <a:rPr lang="en-US" b="1" dirty="0" smtClean="0">
-                <a:solidFill>
-                  <a:schemeClr val="tx1"/>
-                </a:solidFill>
-              </a:rPr>
-              <a:t>OK</a:t>
-            </a:r>
-            <a:endParaRPr lang="en-US" b="1" dirty="0">
-              <a:solidFill>
-                <a:schemeClr val="tx1"/>
-              </a:solidFill>
-            </a:endParaRPr>
-          </a:p>
-        </p:txBody>
-      </p:sp>
-      <p:sp>
-        <p:nvSpPr>
-          <p:cNvPr id="9" name="Rectangle 8"/>
-          <p:cNvSpPr/>
-          <p:nvPr/>
-        </p:nvSpPr>
-        <p:spPr>
-          <a:xfrm>
-            <a:off x="4299585" y="1624846"/>
-            <a:ext cx="819150" cy="411480"/>
-          </a:xfrm>
-          <a:prstGeom prst="rect">
-            <a:avLst/>
-          </a:prstGeom>
-          <a:solidFill>
-            <a:schemeClr val="bg2"/>
-          </a:solidFill>
-          <a:ln w="12700">
-            <a:solidFill>
-              <a:schemeClr val="tx1"/>
-            </a:solidFill>
-          </a:ln>
-        </p:spPr>
-        <p:style>
-          <a:lnRef idx="2">
-            <a:schemeClr val="accent1">
-              <a:shade val="50000"/>
-            </a:schemeClr>
-          </a:lnRef>
-          <a:fillRef idx="1">
-            <a:schemeClr val="accent1"/>
-          </a:fillRef>
-          <a:effectRef idx="0">
-            <a:schemeClr val="accent1"/>
-          </a:effectRef>
-          <a:fontRef idx="minor">
-            <a:schemeClr val="lt1"/>
-          </a:fontRef>
-        </p:style>
-        <p:txBody>
-          <a:bodyPr rtlCol="0" anchor="ctr"/>
-          <a:lstStyle/>
-          <a:p>
-            <a:pPr algn="ctr"/>
-            <a:r>
-              <a:rPr lang="en-US" b="1" dirty="0" smtClean="0">
-                <a:solidFill>
-                  <a:schemeClr val="tx1"/>
-                </a:solidFill>
-              </a:rPr>
-              <a:t>Cancel</a:t>
-            </a:r>
-            <a:endParaRPr lang="en-US" b="1" dirty="0">
-              <a:solidFill>
-                <a:schemeClr val="tx1"/>
-              </a:solidFill>
-            </a:endParaRPr>
-          </a:p>
-        </p:txBody>
-      </p:sp>
-      <p:sp>
-        <p:nvSpPr>
-          <p:cNvPr id="10" name="Rectangle 9"/>
-          <p:cNvSpPr/>
-          <p:nvPr/>
-        </p:nvSpPr>
-        <p:spPr>
-          <a:xfrm>
-            <a:off x="1764030" y="472202"/>
-            <a:ext cx="2324100" cy="379214"/>
-          </a:xfrm>
-          <a:prstGeom prst="rect">
-            <a:avLst/>
-          </a:prstGeom>
-          <a:solidFill>
-            <a:schemeClr val="bg1"/>
-          </a:solidFill>
-          <a:ln w="19050">
-            <a:solidFill>
-              <a:schemeClr val="tx1"/>
-            </a:solidFill>
-          </a:ln>
-        </p:spPr>
-        <p:style>
-          <a:lnRef idx="2">
-            <a:schemeClr val="accent1">
-              <a:shade val="50000"/>
-            </a:schemeClr>
-          </a:lnRef>
-          <a:fillRef idx="1">
-            <a:schemeClr val="accent1"/>
-          </a:fillRef>
-          <a:effectRef idx="0">
-            <a:schemeClr val="accent1"/>
-          </a:effectRef>
-          <a:fontRef idx="minor">
-            <a:schemeClr val="lt1"/>
-          </a:fontRef>
-        </p:style>
-        <p:txBody>
-          <a:bodyPr rtlCol="0" anchor="ctr"/>
-          <a:lstStyle/>
-          <a:p>
-            <a:pPr algn="ctr"/>
-            <a:endParaRPr lang="en-US"/>
-          </a:p>
-        </p:txBody>
-      </p:sp>
-      <p:sp>
-        <p:nvSpPr>
-          <p:cNvPr id="11" name="TextBox 10"/>
-          <p:cNvSpPr txBox="1"/>
-          <p:nvPr/>
-        </p:nvSpPr>
-        <p:spPr>
-          <a:xfrm>
-            <a:off x="110051" y="489704"/>
-            <a:ext cx="1653979" cy="369332"/>
-          </a:xfrm>
-          <a:prstGeom prst="rect">
-            <a:avLst/>
-          </a:prstGeom>
-          <a:solidFill>
-            <a:schemeClr val="bg1"/>
-          </a:solidFill>
-        </p:spPr>
-        <p:txBody>
-          <a:bodyPr wrap="none" rtlCol="0">
-            <a:spAutoFit/>
-          </a:bodyPr>
-          <a:lstStyle/>
-          <a:p>
-            <a:r>
-              <a:rPr lang="en-US" dirty="0" smtClean="0"/>
-              <a:t>Sensitive field 1</a:t>
-            </a:r>
-            <a:endParaRPr lang="en-US" dirty="0"/>
-          </a:p>
-        </p:txBody>
-      </p:sp>
-      <p:sp>
-        <p:nvSpPr>
-          <p:cNvPr id="12" name="Rectangle 11"/>
-          <p:cNvSpPr/>
-          <p:nvPr/>
-        </p:nvSpPr>
-        <p:spPr>
-          <a:xfrm>
-            <a:off x="1764030" y="1023759"/>
-            <a:ext cx="2324100" cy="379214"/>
-          </a:xfrm>
-          <a:prstGeom prst="rect">
-            <a:avLst/>
-          </a:prstGeom>
-          <a:solidFill>
-            <a:schemeClr val="bg1"/>
-          </a:solidFill>
-          <a:ln w="19050">
-            <a:solidFill>
-              <a:schemeClr val="tx1"/>
-            </a:solidFill>
-          </a:ln>
-        </p:spPr>
-        <p:style>
-          <a:lnRef idx="2">
-            <a:schemeClr val="accent1">
-              <a:shade val="50000"/>
-            </a:schemeClr>
-          </a:lnRef>
-          <a:fillRef idx="1">
-            <a:schemeClr val="accent1"/>
-          </a:fillRef>
-          <a:effectRef idx="0">
-            <a:schemeClr val="accent1"/>
-          </a:effectRef>
-          <a:fontRef idx="minor">
-            <a:schemeClr val="lt1"/>
-          </a:fontRef>
-        </p:style>
-        <p:txBody>
-          <a:bodyPr rtlCol="0" anchor="ctr"/>
-          <a:lstStyle/>
-          <a:p>
-            <a:pPr algn="ctr"/>
-            <a:endParaRPr lang="en-US"/>
-          </a:p>
-        </p:txBody>
-      </p:sp>
-      <p:sp>
-        <p:nvSpPr>
-          <p:cNvPr id="13" name="TextBox 12"/>
-          <p:cNvSpPr txBox="1"/>
-          <p:nvPr/>
-        </p:nvSpPr>
-        <p:spPr>
-          <a:xfrm>
-            <a:off x="110051" y="1041261"/>
-            <a:ext cx="1653979" cy="369332"/>
-          </a:xfrm>
-          <a:prstGeom prst="rect">
-            <a:avLst/>
-          </a:prstGeom>
-          <a:solidFill>
-            <a:schemeClr val="bg1"/>
-          </a:solidFill>
-        </p:spPr>
-        <p:txBody>
-          <a:bodyPr wrap="none" rtlCol="0">
-            <a:spAutoFit/>
-          </a:bodyPr>
-          <a:lstStyle/>
-          <a:p>
-            <a:r>
-              <a:rPr lang="en-US" dirty="0" smtClean="0"/>
-              <a:t>Sensitive field 2</a:t>
-            </a:r>
-            <a:endParaRPr lang="en-US" dirty="0"/>
-          </a:p>
-        </p:txBody>
-      </p:sp>
-      <p:pic>
-        <p:nvPicPr>
-          <p:cNvPr id="14" name="Picture 13"/>
-          <p:cNvPicPr>
-            <a:picLocks noChangeAspect="1"/>
-          </p:cNvPicPr>
-          <p:nvPr/>
-        </p:nvPicPr>
-        <p:blipFill>
-          <a:blip r:embed="rId2" cstate="print">
-            <a:extLst>
-              <a:ext uri="{28A0092B-C50C-407E-A947-70E740481C1C}">
-                <a14:useLocalDpi xmlns:a14="http://schemas.microsoft.com/office/drawing/2010/main" val="0"/>
-              </a:ext>
-            </a:extLst>
-          </a:blip>
-          <a:stretch>
-            <a:fillRect/>
-          </a:stretch>
-        </p:blipFill>
-        <p:spPr>
-          <a:xfrm>
-            <a:off x="3003932" y="1799213"/>
-            <a:ext cx="172311" cy="172311"/>
-          </a:xfrm>
-          <a:prstGeom prst="rect">
-            <a:avLst/>
-          </a:prstGeom>
-        </p:spPr>
-      </p:pic>
-      <p:sp>
-        <p:nvSpPr>
-          <p:cNvPr id="15" name="Rectangle 14"/>
-          <p:cNvSpPr/>
-          <p:nvPr/>
-        </p:nvSpPr>
-        <p:spPr>
-          <a:xfrm>
-            <a:off x="2969107" y="1761113"/>
-            <a:ext cx="241959" cy="241959"/>
-          </a:xfrm>
-          <a:prstGeom prst="rect">
-            <a:avLst/>
-          </a:prstGeom>
-          <a:noFill/>
-          <a:ln w="28575">
-            <a:solidFill>
-              <a:srgbClr val="FF0000"/>
-            </a:solidFill>
-            <a:prstDash val="sysDot"/>
-          </a:ln>
-        </p:spPr>
-        <p:style>
-          <a:lnRef idx="2">
-            <a:schemeClr val="accent1">
-              <a:shade val="50000"/>
-            </a:schemeClr>
-          </a:lnRef>
-          <a:fillRef idx="1">
-            <a:schemeClr val="accent1"/>
-          </a:fillRef>
-          <a:effectRef idx="0">
-            <a:schemeClr val="accent1"/>
-          </a:effectRef>
-          <a:fontRef idx="minor">
-            <a:schemeClr val="lt1"/>
-          </a:fontRef>
-        </p:style>
-        <p:txBody>
-          <a:bodyPr rtlCol="0" anchor="ctr"/>
-          <a:lstStyle/>
-          <a:p>
-            <a:pPr algn="ctr"/>
-            <a:endParaRPr lang="en-US"/>
-          </a:p>
-        </p:txBody>
-      </p:sp>
-      <p:sp>
-        <p:nvSpPr>
-          <p:cNvPr id="16" name="Rectangle 15"/>
-          <p:cNvSpPr/>
-          <p:nvPr/>
-        </p:nvSpPr>
-        <p:spPr>
-          <a:xfrm>
-            <a:off x="2812211" y="1567696"/>
-            <a:ext cx="959689" cy="521970"/>
-          </a:xfrm>
-          <a:prstGeom prst="rect">
-            <a:avLst/>
-          </a:prstGeom>
-          <a:noFill/>
-          <a:ln w="28575">
-            <a:solidFill>
-              <a:srgbClr val="FF0000"/>
-            </a:solidFill>
-            <a:prstDash val="sysDot"/>
-          </a:ln>
-        </p:spPr>
-        <p:style>
-          <a:lnRef idx="2">
-            <a:schemeClr val="accent1">
-              <a:shade val="50000"/>
-            </a:schemeClr>
-          </a:lnRef>
-          <a:fillRef idx="1">
-            <a:schemeClr val="accent1"/>
-          </a:fillRef>
-          <a:effectRef idx="0">
-            <a:schemeClr val="accent1"/>
-          </a:effectRef>
-          <a:fontRef idx="minor">
-            <a:schemeClr val="lt1"/>
-          </a:fontRef>
-        </p:style>
-        <p:txBody>
-          <a:bodyPr rtlCol="0" anchor="ctr"/>
-          <a:lstStyle/>
-          <a:p>
-            <a:pPr algn="ctr"/>
-            <a:endParaRPr lang="en-US"/>
-          </a:p>
-        </p:txBody>
-      </p:sp>
-    </p:spTree>
-    <p:extLst>
-      <p:ext uri="{BB962C8B-B14F-4D97-AF65-F5344CB8AC3E}">
-        <p14:creationId xmlns:p14="http://schemas.microsoft.com/office/powerpoint/2010/main" val="1627880502"/>
-      </p:ext>
-    </p:extLst>
-  </p:cSld>
-  <p:clrMapOvr>
-    <a:masterClrMapping/>
-  </p:clrMapOvr>
-</p:sld>
-</file>
-
 <file path=ppt/theme/theme1.xml><?xml version="1.0" encoding="utf-8"?>
 <a:theme xmlns:a="http://schemas.openxmlformats.org/drawingml/2006/main" name="Office Theme">
   <a:themeElements>

--- a/aritra/MouseTracking/images/systemDesign.pptx
+++ b/aritra/MouseTracking/images/systemDesign.pptx
@@ -261,7 +261,7 @@
           <a:p>
             <a:fld id="{AAB2D3D3-1E26-436C-8467-9F82561659A6}" type="datetimeFigureOut">
               <a:rPr lang="en-US" smtClean="0"/>
-              <a:t>2/15/2019</a:t>
+              <a:t>2/18/2019</a:t>
             </a:fld>
             <a:endParaRPr lang="en-US"/>
           </a:p>
@@ -431,7 +431,7 @@
           <a:p>
             <a:fld id="{AAB2D3D3-1E26-436C-8467-9F82561659A6}" type="datetimeFigureOut">
               <a:rPr lang="en-US" smtClean="0"/>
-              <a:t>2/15/2019</a:t>
+              <a:t>2/18/2019</a:t>
             </a:fld>
             <a:endParaRPr lang="en-US"/>
           </a:p>
@@ -611,7 +611,7 @@
           <a:p>
             <a:fld id="{AAB2D3D3-1E26-436C-8467-9F82561659A6}" type="datetimeFigureOut">
               <a:rPr lang="en-US" smtClean="0"/>
-              <a:t>2/15/2019</a:t>
+              <a:t>2/18/2019</a:t>
             </a:fld>
             <a:endParaRPr lang="en-US"/>
           </a:p>
@@ -781,7 +781,7 @@
           <a:p>
             <a:fld id="{AAB2D3D3-1E26-436C-8467-9F82561659A6}" type="datetimeFigureOut">
               <a:rPr lang="en-US" smtClean="0"/>
-              <a:t>2/15/2019</a:t>
+              <a:t>2/18/2019</a:t>
             </a:fld>
             <a:endParaRPr lang="en-US"/>
           </a:p>
@@ -1027,7 +1027,7 @@
           <a:p>
             <a:fld id="{AAB2D3D3-1E26-436C-8467-9F82561659A6}" type="datetimeFigureOut">
               <a:rPr lang="en-US" smtClean="0"/>
-              <a:t>2/15/2019</a:t>
+              <a:t>2/18/2019</a:t>
             </a:fld>
             <a:endParaRPr lang="en-US"/>
           </a:p>
@@ -1259,7 +1259,7 @@
           <a:p>
             <a:fld id="{AAB2D3D3-1E26-436C-8467-9F82561659A6}" type="datetimeFigureOut">
               <a:rPr lang="en-US" smtClean="0"/>
-              <a:t>2/15/2019</a:t>
+              <a:t>2/18/2019</a:t>
             </a:fld>
             <a:endParaRPr lang="en-US"/>
           </a:p>
@@ -1626,7 +1626,7 @@
           <a:p>
             <a:fld id="{AAB2D3D3-1E26-436C-8467-9F82561659A6}" type="datetimeFigureOut">
               <a:rPr lang="en-US" smtClean="0"/>
-              <a:t>2/15/2019</a:t>
+              <a:t>2/18/2019</a:t>
             </a:fld>
             <a:endParaRPr lang="en-US"/>
           </a:p>
@@ -1744,7 +1744,7 @@
           <a:p>
             <a:fld id="{AAB2D3D3-1E26-436C-8467-9F82561659A6}" type="datetimeFigureOut">
               <a:rPr lang="en-US" smtClean="0"/>
-              <a:t>2/15/2019</a:t>
+              <a:t>2/18/2019</a:t>
             </a:fld>
             <a:endParaRPr lang="en-US"/>
           </a:p>
@@ -1839,7 +1839,7 @@
           <a:p>
             <a:fld id="{AAB2D3D3-1E26-436C-8467-9F82561659A6}" type="datetimeFigureOut">
               <a:rPr lang="en-US" smtClean="0"/>
-              <a:t>2/15/2019</a:t>
+              <a:t>2/18/2019</a:t>
             </a:fld>
             <a:endParaRPr lang="en-US"/>
           </a:p>
@@ -2116,7 +2116,7 @@
           <a:p>
             <a:fld id="{AAB2D3D3-1E26-436C-8467-9F82561659A6}" type="datetimeFigureOut">
               <a:rPr lang="en-US" smtClean="0"/>
-              <a:t>2/15/2019</a:t>
+              <a:t>2/18/2019</a:t>
             </a:fld>
             <a:endParaRPr lang="en-US"/>
           </a:p>
@@ -2369,7 +2369,7 @@
           <a:p>
             <a:fld id="{AAB2D3D3-1E26-436C-8467-9F82561659A6}" type="datetimeFigureOut">
               <a:rPr lang="en-US" smtClean="0"/>
-              <a:t>2/15/2019</a:t>
+              <a:t>2/18/2019</a:t>
             </a:fld>
             <a:endParaRPr lang="en-US"/>
           </a:p>
@@ -2582,7 +2582,7 @@
           <a:p>
             <a:fld id="{AAB2D3D3-1E26-436C-8467-9F82561659A6}" type="datetimeFigureOut">
               <a:rPr lang="en-US" smtClean="0"/>
-              <a:t>2/15/2019</a:t>
+              <a:t>2/18/2019</a:t>
             </a:fld>
             <a:endParaRPr lang="en-US"/>
           </a:p>
@@ -15906,8 +15906,8 @@
         </p:blipFill>
         <p:spPr>
           <a:xfrm>
-            <a:off x="2087925" y="16185"/>
-            <a:ext cx="1048281" cy="765913"/>
+            <a:off x="2119880" y="106163"/>
+            <a:ext cx="933302" cy="681905"/>
           </a:xfrm>
           <a:prstGeom prst="rect">
             <a:avLst/>
@@ -16656,6 +16656,66 @@
             <a:r>
               <a:rPr lang="en-US" b="1" dirty="0" smtClean="0"/>
               <a:t>Network</a:t>
+            </a:r>
+            <a:endParaRPr lang="en-US" dirty="0"/>
+          </a:p>
+        </p:txBody>
+      </p:sp>
+      <p:sp>
+        <p:nvSpPr>
+          <p:cNvPr id="35" name="Rectangle 34"/>
+          <p:cNvSpPr/>
+          <p:nvPr/>
+        </p:nvSpPr>
+        <p:spPr>
+          <a:xfrm rot="1545567">
+            <a:off x="4524507" y="2782145"/>
+            <a:ext cx="1375216" cy="369332"/>
+          </a:xfrm>
+          <a:prstGeom prst="rect">
+            <a:avLst/>
+          </a:prstGeom>
+        </p:spPr>
+        <p:txBody>
+          <a:bodyPr wrap="square">
+            <a:spAutoFit/>
+          </a:bodyPr>
+          <a:lstStyle/>
+          <a:p>
+            <a:pPr algn="ctr"/>
+            <a:r>
+              <a:rPr lang="en-US" dirty="0" smtClean="0"/>
+              <a:t>Overlay</a:t>
+            </a:r>
+            <a:endParaRPr lang="en-US" dirty="0"/>
+          </a:p>
+        </p:txBody>
+      </p:sp>
+      <p:sp>
+        <p:nvSpPr>
+          <p:cNvPr id="36" name="Rectangle 35"/>
+          <p:cNvSpPr/>
+          <p:nvPr/>
+        </p:nvSpPr>
+        <p:spPr>
+          <a:xfrm rot="20347495">
+            <a:off x="2412728" y="2826108"/>
+            <a:ext cx="1375216" cy="369332"/>
+          </a:xfrm>
+          <a:prstGeom prst="rect">
+            <a:avLst/>
+          </a:prstGeom>
+        </p:spPr>
+        <p:txBody>
+          <a:bodyPr wrap="square">
+            <a:spAutoFit/>
+          </a:bodyPr>
+          <a:lstStyle/>
+          <a:p>
+            <a:pPr algn="ctr"/>
+            <a:r>
+              <a:rPr lang="en-US" dirty="0" smtClean="0"/>
+              <a:t>Input</a:t>
             </a:r>
             <a:endParaRPr lang="en-US" dirty="0"/>
           </a:p>

--- a/aritra/MouseTracking/images/systemDesign.pptx
+++ b/aritra/MouseTracking/images/systemDesign.pptx
@@ -15,15 +15,16 @@
     <p:sldId id="257" r:id="rId9"/>
     <p:sldId id="268" r:id="rId10"/>
     <p:sldId id="258" r:id="rId11"/>
-    <p:sldId id="267" r:id="rId12"/>
-    <p:sldId id="259" r:id="rId13"/>
-    <p:sldId id="260" r:id="rId14"/>
-    <p:sldId id="261" r:id="rId15"/>
-    <p:sldId id="263" r:id="rId16"/>
-    <p:sldId id="265" r:id="rId17"/>
-    <p:sldId id="270" r:id="rId18"/>
-    <p:sldId id="269" r:id="rId19"/>
-    <p:sldId id="271" r:id="rId20"/>
+    <p:sldId id="275" r:id="rId12"/>
+    <p:sldId id="267" r:id="rId13"/>
+    <p:sldId id="259" r:id="rId14"/>
+    <p:sldId id="260" r:id="rId15"/>
+    <p:sldId id="261" r:id="rId16"/>
+    <p:sldId id="263" r:id="rId17"/>
+    <p:sldId id="265" r:id="rId18"/>
+    <p:sldId id="270" r:id="rId19"/>
+    <p:sldId id="269" r:id="rId20"/>
+    <p:sldId id="271" r:id="rId21"/>
   </p:sldIdLst>
   <p:sldSz cx="12192000" cy="6858000"/>
   <p:notesSz cx="6858000" cy="9144000"/>
@@ -3313,7 +3314,7 @@
         <p:spPr>
           <a:xfrm>
             <a:off x="7620" y="77986"/>
-            <a:ext cx="5722620" cy="2103120"/>
+            <a:ext cx="4273996" cy="1985592"/>
           </a:xfrm>
           <a:prstGeom prst="roundRect">
             <a:avLst>
@@ -3394,7 +3395,7 @@
         </p:nvSpPr>
         <p:spPr>
           <a:xfrm>
-            <a:off x="2868930" y="1624846"/>
+            <a:off x="854779" y="1519813"/>
             <a:ext cx="819150" cy="411480"/>
           </a:xfrm>
           <a:prstGeom prst="rect">
@@ -3454,7 +3455,7 @@
         </p:nvSpPr>
         <p:spPr>
           <a:xfrm>
-            <a:off x="4299585" y="1624846"/>
+            <a:off x="2285434" y="1519813"/>
             <a:ext cx="819150" cy="411480"/>
           </a:xfrm>
           <a:prstGeom prst="rect">
@@ -3514,7 +3515,7 @@
         </p:nvSpPr>
         <p:spPr>
           <a:xfrm>
-            <a:off x="1764030" y="472202"/>
+            <a:off x="1764030" y="367169"/>
             <a:ext cx="2324100" cy="379214"/>
           </a:xfrm>
           <a:prstGeom prst="rect">
@@ -3562,7 +3563,7 @@
         </p:nvSpPr>
         <p:spPr>
           <a:xfrm>
-            <a:off x="110051" y="489704"/>
+            <a:off x="110051" y="384671"/>
             <a:ext cx="1653979" cy="369332"/>
           </a:xfrm>
           <a:prstGeom prst="rect">
@@ -3594,7 +3595,7 @@
         </p:nvSpPr>
         <p:spPr>
           <a:xfrm>
-            <a:off x="1764030" y="1023759"/>
+            <a:off x="1764030" y="918726"/>
             <a:ext cx="2324100" cy="379214"/>
           </a:xfrm>
           <a:prstGeom prst="rect">
@@ -3642,7 +3643,7 @@
         </p:nvSpPr>
         <p:spPr>
           <a:xfrm>
-            <a:off x="110051" y="1041261"/>
+            <a:off x="110051" y="936228"/>
             <a:ext cx="1653979" cy="369332"/>
           </a:xfrm>
           <a:prstGeom prst="rect">
@@ -3688,7 +3689,7 @@
         </p:blipFill>
         <p:spPr>
           <a:xfrm>
-            <a:off x="3003932" y="1799213"/>
+            <a:off x="989781" y="1694180"/>
             <a:ext cx="172311" cy="172311"/>
           </a:xfrm>
           <a:prstGeom prst="rect">
@@ -3704,7 +3705,7 @@
         </p:nvSpPr>
         <p:spPr>
           <a:xfrm>
-            <a:off x="2969107" y="1761113"/>
+            <a:off x="954956" y="1656080"/>
             <a:ext cx="241959" cy="241959"/>
           </a:xfrm>
           <a:prstGeom prst="rect">
@@ -3751,7 +3752,7 @@
         </p:nvSpPr>
         <p:spPr>
           <a:xfrm>
-            <a:off x="2812211" y="1567696"/>
+            <a:off x="798060" y="1462663"/>
             <a:ext cx="959689" cy="521970"/>
           </a:xfrm>
           <a:prstGeom prst="rect">
@@ -3804,6 +3805,729 @@
 </file>
 
 <file path=ppt/slides/slide11.xml><?xml version="1.0" encoding="utf-8"?>
+<p:sld xmlns:a="http://schemas.openxmlformats.org/drawingml/2006/main" xmlns:r="http://schemas.openxmlformats.org/officeDocument/2006/relationships" xmlns:p="http://schemas.openxmlformats.org/presentationml/2006/main">
+  <p:cSld>
+    <p:spTree>
+      <p:nvGrpSpPr>
+        <p:cNvPr id="1" name=""/>
+        <p:cNvGrpSpPr/>
+        <p:nvPr/>
+      </p:nvGrpSpPr>
+      <p:grpSpPr>
+        <a:xfrm>
+          <a:off x="0" y="0"/>
+          <a:ext cx="0" cy="0"/>
+          <a:chOff x="0" y="0"/>
+          <a:chExt cx="0" cy="0"/>
+        </a:xfrm>
+      </p:grpSpPr>
+      <p:sp>
+        <p:nvSpPr>
+          <p:cNvPr id="4" name="Rounded Rectangle 3"/>
+          <p:cNvSpPr/>
+          <p:nvPr/>
+        </p:nvSpPr>
+        <p:spPr>
+          <a:xfrm>
+            <a:off x="7620" y="77986"/>
+            <a:ext cx="5722620" cy="2103120"/>
+          </a:xfrm>
+          <a:prstGeom prst="roundRect">
+            <a:avLst>
+              <a:gd name="adj" fmla="val 4686"/>
+            </a:avLst>
+          </a:prstGeom>
+          <a:solidFill>
+            <a:schemeClr val="bg1"/>
+          </a:solidFill>
+          <a:ln w="19050">
+            <a:solidFill>
+              <a:schemeClr val="accent5"/>
+            </a:solidFill>
+          </a:ln>
+        </p:spPr>
+        <p:style>
+          <a:lnRef idx="2">
+            <a:schemeClr val="accent1">
+              <a:shade val="50000"/>
+            </a:schemeClr>
+          </a:lnRef>
+          <a:fillRef idx="1">
+            <a:schemeClr val="accent1"/>
+          </a:fillRef>
+          <a:effectRef idx="0">
+            <a:schemeClr val="accent1"/>
+          </a:effectRef>
+          <a:fontRef idx="minor">
+            <a:schemeClr val="lt1"/>
+          </a:fontRef>
+        </p:style>
+        <p:txBody>
+          <a:bodyPr rtlCol="0" anchor="ctr"/>
+          <a:lstStyle/>
+          <a:p>
+            <a:pPr algn="ctr"/>
+            <a:endParaRPr lang="en-US"/>
+          </a:p>
+        </p:txBody>
+      </p:sp>
+      <p:sp>
+        <p:nvSpPr>
+          <p:cNvPr id="7" name="TextBox 6"/>
+          <p:cNvSpPr txBox="1"/>
+          <p:nvPr/>
+        </p:nvSpPr>
+        <p:spPr>
+          <a:xfrm>
+            <a:off x="121920" y="-106680"/>
+            <a:ext cx="1522468" cy="369332"/>
+          </a:xfrm>
+          <a:prstGeom prst="rect">
+            <a:avLst/>
+          </a:prstGeom>
+          <a:solidFill>
+            <a:schemeClr val="bg1"/>
+          </a:solidFill>
+        </p:spPr>
+        <p:txBody>
+          <a:bodyPr wrap="none" rtlCol="0">
+            <a:spAutoFit/>
+          </a:bodyPr>
+          <a:lstStyle/>
+          <a:p>
+            <a:r>
+              <a:rPr lang="en-US" dirty="0" smtClean="0"/>
+              <a:t>Sensitive form</a:t>
+            </a:r>
+            <a:endParaRPr lang="en-US" dirty="0"/>
+          </a:p>
+        </p:txBody>
+      </p:sp>
+      <p:sp>
+        <p:nvSpPr>
+          <p:cNvPr id="8" name="Rectangle 7"/>
+          <p:cNvSpPr/>
+          <p:nvPr/>
+        </p:nvSpPr>
+        <p:spPr>
+          <a:xfrm>
+            <a:off x="2868930" y="1624846"/>
+            <a:ext cx="819150" cy="411480"/>
+          </a:xfrm>
+          <a:prstGeom prst="rect">
+            <a:avLst/>
+          </a:prstGeom>
+          <a:solidFill>
+            <a:schemeClr val="bg2"/>
+          </a:solidFill>
+          <a:ln w="12700">
+            <a:solidFill>
+              <a:schemeClr val="tx1"/>
+            </a:solidFill>
+          </a:ln>
+        </p:spPr>
+        <p:style>
+          <a:lnRef idx="2">
+            <a:schemeClr val="accent1">
+              <a:shade val="50000"/>
+            </a:schemeClr>
+          </a:lnRef>
+          <a:fillRef idx="1">
+            <a:schemeClr val="accent1"/>
+          </a:fillRef>
+          <a:effectRef idx="0">
+            <a:schemeClr val="accent1"/>
+          </a:effectRef>
+          <a:fontRef idx="minor">
+            <a:schemeClr val="lt1"/>
+          </a:fontRef>
+        </p:style>
+        <p:txBody>
+          <a:bodyPr rtlCol="0" anchor="ctr"/>
+          <a:lstStyle/>
+          <a:p>
+            <a:pPr algn="ctr"/>
+            <a:r>
+              <a:rPr lang="en-US" b="1" dirty="0" smtClean="0">
+                <a:solidFill>
+                  <a:schemeClr val="tx1"/>
+                </a:solidFill>
+              </a:rPr>
+              <a:t>OK</a:t>
+            </a:r>
+            <a:endParaRPr lang="en-US" b="1" dirty="0">
+              <a:solidFill>
+                <a:schemeClr val="tx1"/>
+              </a:solidFill>
+            </a:endParaRPr>
+          </a:p>
+        </p:txBody>
+      </p:sp>
+      <p:sp>
+        <p:nvSpPr>
+          <p:cNvPr id="9" name="Rectangle 8"/>
+          <p:cNvSpPr/>
+          <p:nvPr/>
+        </p:nvSpPr>
+        <p:spPr>
+          <a:xfrm>
+            <a:off x="4299585" y="1624846"/>
+            <a:ext cx="819150" cy="411480"/>
+          </a:xfrm>
+          <a:prstGeom prst="rect">
+            <a:avLst/>
+          </a:prstGeom>
+          <a:solidFill>
+            <a:schemeClr val="bg2"/>
+          </a:solidFill>
+          <a:ln w="12700">
+            <a:solidFill>
+              <a:schemeClr val="tx1"/>
+            </a:solidFill>
+          </a:ln>
+        </p:spPr>
+        <p:style>
+          <a:lnRef idx="2">
+            <a:schemeClr val="accent1">
+              <a:shade val="50000"/>
+            </a:schemeClr>
+          </a:lnRef>
+          <a:fillRef idx="1">
+            <a:schemeClr val="accent1"/>
+          </a:fillRef>
+          <a:effectRef idx="0">
+            <a:schemeClr val="accent1"/>
+          </a:effectRef>
+          <a:fontRef idx="minor">
+            <a:schemeClr val="lt1"/>
+          </a:fontRef>
+        </p:style>
+        <p:txBody>
+          <a:bodyPr rtlCol="0" anchor="ctr"/>
+          <a:lstStyle/>
+          <a:p>
+            <a:pPr algn="ctr"/>
+            <a:r>
+              <a:rPr lang="en-US" b="1" dirty="0" smtClean="0">
+                <a:solidFill>
+                  <a:schemeClr val="tx1"/>
+                </a:solidFill>
+              </a:rPr>
+              <a:t>Cancel</a:t>
+            </a:r>
+            <a:endParaRPr lang="en-US" b="1" dirty="0">
+              <a:solidFill>
+                <a:schemeClr val="tx1"/>
+              </a:solidFill>
+            </a:endParaRPr>
+          </a:p>
+        </p:txBody>
+      </p:sp>
+      <p:sp>
+        <p:nvSpPr>
+          <p:cNvPr id="10" name="Rectangle 9"/>
+          <p:cNvSpPr/>
+          <p:nvPr/>
+        </p:nvSpPr>
+        <p:spPr>
+          <a:xfrm>
+            <a:off x="1764030" y="472202"/>
+            <a:ext cx="2324100" cy="379214"/>
+          </a:xfrm>
+          <a:prstGeom prst="rect">
+            <a:avLst/>
+          </a:prstGeom>
+          <a:solidFill>
+            <a:schemeClr val="bg1"/>
+          </a:solidFill>
+          <a:ln w="19050">
+            <a:solidFill>
+              <a:schemeClr val="tx1"/>
+            </a:solidFill>
+          </a:ln>
+        </p:spPr>
+        <p:style>
+          <a:lnRef idx="2">
+            <a:schemeClr val="accent1">
+              <a:shade val="50000"/>
+            </a:schemeClr>
+          </a:lnRef>
+          <a:fillRef idx="1">
+            <a:schemeClr val="accent1"/>
+          </a:fillRef>
+          <a:effectRef idx="0">
+            <a:schemeClr val="accent1"/>
+          </a:effectRef>
+          <a:fontRef idx="minor">
+            <a:schemeClr val="lt1"/>
+          </a:fontRef>
+        </p:style>
+        <p:txBody>
+          <a:bodyPr rtlCol="0" anchor="ctr"/>
+          <a:lstStyle/>
+          <a:p>
+            <a:pPr algn="ctr"/>
+            <a:endParaRPr lang="en-US"/>
+          </a:p>
+        </p:txBody>
+      </p:sp>
+      <p:sp>
+        <p:nvSpPr>
+          <p:cNvPr id="11" name="TextBox 10"/>
+          <p:cNvSpPr txBox="1"/>
+          <p:nvPr/>
+        </p:nvSpPr>
+        <p:spPr>
+          <a:xfrm>
+            <a:off x="110051" y="489704"/>
+            <a:ext cx="1653979" cy="369332"/>
+          </a:xfrm>
+          <a:prstGeom prst="rect">
+            <a:avLst/>
+          </a:prstGeom>
+          <a:solidFill>
+            <a:schemeClr val="bg1"/>
+          </a:solidFill>
+        </p:spPr>
+        <p:txBody>
+          <a:bodyPr wrap="none" rtlCol="0">
+            <a:spAutoFit/>
+          </a:bodyPr>
+          <a:lstStyle/>
+          <a:p>
+            <a:r>
+              <a:rPr lang="en-US" dirty="0" smtClean="0"/>
+              <a:t>Sensitive field 1</a:t>
+            </a:r>
+            <a:endParaRPr lang="en-US" dirty="0"/>
+          </a:p>
+        </p:txBody>
+      </p:sp>
+      <p:sp>
+        <p:nvSpPr>
+          <p:cNvPr id="12" name="Rectangle 11"/>
+          <p:cNvSpPr/>
+          <p:nvPr/>
+        </p:nvSpPr>
+        <p:spPr>
+          <a:xfrm>
+            <a:off x="1764030" y="1023759"/>
+            <a:ext cx="2324100" cy="379214"/>
+          </a:xfrm>
+          <a:prstGeom prst="rect">
+            <a:avLst/>
+          </a:prstGeom>
+          <a:solidFill>
+            <a:schemeClr val="bg1"/>
+          </a:solidFill>
+          <a:ln w="19050">
+            <a:solidFill>
+              <a:schemeClr val="tx1"/>
+            </a:solidFill>
+          </a:ln>
+        </p:spPr>
+        <p:style>
+          <a:lnRef idx="2">
+            <a:schemeClr val="accent1">
+              <a:shade val="50000"/>
+            </a:schemeClr>
+          </a:lnRef>
+          <a:fillRef idx="1">
+            <a:schemeClr val="accent1"/>
+          </a:fillRef>
+          <a:effectRef idx="0">
+            <a:schemeClr val="accent1"/>
+          </a:effectRef>
+          <a:fontRef idx="minor">
+            <a:schemeClr val="lt1"/>
+          </a:fontRef>
+        </p:style>
+        <p:txBody>
+          <a:bodyPr rtlCol="0" anchor="ctr"/>
+          <a:lstStyle/>
+          <a:p>
+            <a:pPr algn="ctr"/>
+            <a:endParaRPr lang="en-US"/>
+          </a:p>
+        </p:txBody>
+      </p:sp>
+      <p:sp>
+        <p:nvSpPr>
+          <p:cNvPr id="13" name="TextBox 12"/>
+          <p:cNvSpPr txBox="1"/>
+          <p:nvPr/>
+        </p:nvSpPr>
+        <p:spPr>
+          <a:xfrm>
+            <a:off x="110051" y="1041261"/>
+            <a:ext cx="1653979" cy="369332"/>
+          </a:xfrm>
+          <a:prstGeom prst="rect">
+            <a:avLst/>
+          </a:prstGeom>
+          <a:solidFill>
+            <a:schemeClr val="bg1"/>
+          </a:solidFill>
+        </p:spPr>
+        <p:txBody>
+          <a:bodyPr wrap="none" rtlCol="0">
+            <a:spAutoFit/>
+          </a:bodyPr>
+          <a:lstStyle/>
+          <a:p>
+            <a:r>
+              <a:rPr lang="en-US" dirty="0" smtClean="0"/>
+              <a:t>Sensitive field 2</a:t>
+            </a:r>
+            <a:endParaRPr lang="en-US" dirty="0"/>
+          </a:p>
+        </p:txBody>
+      </p:sp>
+      <p:pic>
+        <p:nvPicPr>
+          <p:cNvPr id="14" name="Picture 13"/>
+          <p:cNvPicPr>
+            <a:picLocks noChangeAspect="1"/>
+          </p:cNvPicPr>
+          <p:nvPr/>
+        </p:nvPicPr>
+        <p:blipFill>
+          <a:blip r:embed="rId2" cstate="print">
+            <a:extLst>
+              <a:ext uri="{28A0092B-C50C-407E-A947-70E740481C1C}">
+                <a14:useLocalDpi xmlns:a14="http://schemas.microsoft.com/office/drawing/2010/main" val="0"/>
+              </a:ext>
+            </a:extLst>
+          </a:blip>
+          <a:stretch>
+            <a:fillRect/>
+          </a:stretch>
+        </p:blipFill>
+        <p:spPr>
+          <a:xfrm>
+            <a:off x="3003932" y="1799213"/>
+            <a:ext cx="172311" cy="172311"/>
+          </a:xfrm>
+          <a:prstGeom prst="rect">
+            <a:avLst/>
+          </a:prstGeom>
+        </p:spPr>
+      </p:pic>
+      <p:sp>
+        <p:nvSpPr>
+          <p:cNvPr id="15" name="Rectangle 14"/>
+          <p:cNvSpPr/>
+          <p:nvPr/>
+        </p:nvSpPr>
+        <p:spPr>
+          <a:xfrm>
+            <a:off x="2969107" y="1761113"/>
+            <a:ext cx="241959" cy="241959"/>
+          </a:xfrm>
+          <a:prstGeom prst="rect">
+            <a:avLst/>
+          </a:prstGeom>
+          <a:noFill/>
+          <a:ln w="28575">
+            <a:solidFill>
+              <a:srgbClr val="FF0000"/>
+            </a:solidFill>
+            <a:prstDash val="sysDot"/>
+          </a:ln>
+        </p:spPr>
+        <p:style>
+          <a:lnRef idx="2">
+            <a:schemeClr val="accent1">
+              <a:shade val="50000"/>
+            </a:schemeClr>
+          </a:lnRef>
+          <a:fillRef idx="1">
+            <a:schemeClr val="accent1"/>
+          </a:fillRef>
+          <a:effectRef idx="0">
+            <a:schemeClr val="accent1"/>
+          </a:effectRef>
+          <a:fontRef idx="minor">
+            <a:schemeClr val="lt1"/>
+          </a:fontRef>
+        </p:style>
+        <p:txBody>
+          <a:bodyPr rtlCol="0" anchor="ctr"/>
+          <a:lstStyle/>
+          <a:p>
+            <a:pPr algn="ctr"/>
+            <a:endParaRPr lang="en-US"/>
+          </a:p>
+        </p:txBody>
+      </p:sp>
+      <p:sp>
+        <p:nvSpPr>
+          <p:cNvPr id="16" name="Rectangle 15"/>
+          <p:cNvSpPr/>
+          <p:nvPr/>
+        </p:nvSpPr>
+        <p:spPr>
+          <a:xfrm>
+            <a:off x="2812211" y="1567696"/>
+            <a:ext cx="959689" cy="521970"/>
+          </a:xfrm>
+          <a:prstGeom prst="rect">
+            <a:avLst/>
+          </a:prstGeom>
+          <a:noFill/>
+          <a:ln w="28575">
+            <a:solidFill>
+              <a:srgbClr val="FF0000"/>
+            </a:solidFill>
+            <a:prstDash val="sysDot"/>
+          </a:ln>
+        </p:spPr>
+        <p:style>
+          <a:lnRef idx="2">
+            <a:schemeClr val="accent1">
+              <a:shade val="50000"/>
+            </a:schemeClr>
+          </a:lnRef>
+          <a:fillRef idx="1">
+            <a:schemeClr val="accent1"/>
+          </a:fillRef>
+          <a:effectRef idx="0">
+            <a:schemeClr val="accent1"/>
+          </a:effectRef>
+          <a:fontRef idx="minor">
+            <a:schemeClr val="lt1"/>
+          </a:fontRef>
+        </p:style>
+        <p:txBody>
+          <a:bodyPr rtlCol="0" anchor="ctr"/>
+          <a:lstStyle/>
+          <a:p>
+            <a:pPr algn="ctr"/>
+            <a:endParaRPr lang="en-US"/>
+          </a:p>
+        </p:txBody>
+      </p:sp>
+      <p:sp>
+        <p:nvSpPr>
+          <p:cNvPr id="5" name="Freeform 4"/>
+          <p:cNvSpPr/>
+          <p:nvPr/>
+        </p:nvSpPr>
+        <p:spPr>
+          <a:xfrm>
+            <a:off x="815385" y="262652"/>
+            <a:ext cx="2153721" cy="1637271"/>
+          </a:xfrm>
+          <a:custGeom>
+            <a:avLst/>
+            <a:gdLst>
+              <a:gd name="connsiteX0" fmla="*/ 0 w 2125362"/>
+              <a:gd name="connsiteY0" fmla="*/ 0 h 1637271"/>
+              <a:gd name="connsiteX1" fmla="*/ 345989 w 2125362"/>
+              <a:gd name="connsiteY1" fmla="*/ 895865 h 1637271"/>
+              <a:gd name="connsiteX2" fmla="*/ 883508 w 2125362"/>
+              <a:gd name="connsiteY2" fmla="*/ 1439562 h 1637271"/>
+              <a:gd name="connsiteX3" fmla="*/ 2125362 w 2125362"/>
+              <a:gd name="connsiteY3" fmla="*/ 1637271 h 1637271"/>
+            </a:gdLst>
+            <a:ahLst/>
+            <a:cxnLst>
+              <a:cxn ang="0">
+                <a:pos x="connsiteX0" y="connsiteY0"/>
+              </a:cxn>
+              <a:cxn ang="0">
+                <a:pos x="connsiteX1" y="connsiteY1"/>
+              </a:cxn>
+              <a:cxn ang="0">
+                <a:pos x="connsiteX2" y="connsiteY2"/>
+              </a:cxn>
+              <a:cxn ang="0">
+                <a:pos x="connsiteX3" y="connsiteY3"/>
+              </a:cxn>
+            </a:cxnLst>
+            <a:rect l="l" t="t" r="r" b="b"/>
+            <a:pathLst>
+              <a:path w="2125362" h="1637271">
+                <a:moveTo>
+                  <a:pt x="0" y="0"/>
+                </a:moveTo>
+                <a:cubicBezTo>
+                  <a:pt x="99369" y="327969"/>
+                  <a:pt x="198738" y="655938"/>
+                  <a:pt x="345989" y="895865"/>
+                </a:cubicBezTo>
+                <a:cubicBezTo>
+                  <a:pt x="493240" y="1135792"/>
+                  <a:pt x="586946" y="1315994"/>
+                  <a:pt x="883508" y="1439562"/>
+                </a:cubicBezTo>
+                <a:cubicBezTo>
+                  <a:pt x="1180070" y="1563130"/>
+                  <a:pt x="1652716" y="1600200"/>
+                  <a:pt x="2125362" y="1637271"/>
+                </a:cubicBezTo>
+              </a:path>
+            </a:pathLst>
+          </a:custGeom>
+          <a:ln>
+            <a:solidFill>
+              <a:srgbClr val="FF0000"/>
+            </a:solidFill>
+          </a:ln>
+        </p:spPr>
+        <p:style>
+          <a:lnRef idx="3">
+            <a:schemeClr val="accent2"/>
+          </a:lnRef>
+          <a:fillRef idx="0">
+            <a:schemeClr val="accent2"/>
+          </a:fillRef>
+          <a:effectRef idx="2">
+            <a:schemeClr val="accent2"/>
+          </a:effectRef>
+          <a:fontRef idx="minor">
+            <a:schemeClr val="tx1"/>
+          </a:fontRef>
+        </p:style>
+        <p:txBody>
+          <a:bodyPr rtlCol="0" anchor="ctr"/>
+          <a:lstStyle/>
+          <a:p>
+            <a:pPr algn="ctr"/>
+            <a:endParaRPr lang="en-US"/>
+          </a:p>
+        </p:txBody>
+      </p:sp>
+      <p:sp>
+        <p:nvSpPr>
+          <p:cNvPr id="6" name="TextBox 5"/>
+          <p:cNvSpPr txBox="1"/>
+          <p:nvPr/>
+        </p:nvSpPr>
+        <p:spPr>
+          <a:xfrm>
+            <a:off x="-16809" y="1697426"/>
+            <a:ext cx="2325637" cy="369332"/>
+          </a:xfrm>
+          <a:prstGeom prst="rect">
+            <a:avLst/>
+          </a:prstGeom>
+          <a:noFill/>
+        </p:spPr>
+        <p:txBody>
+          <a:bodyPr wrap="none" rtlCol="0">
+            <a:spAutoFit/>
+          </a:bodyPr>
+          <a:lstStyle/>
+          <a:p>
+            <a:r>
+              <a:rPr lang="en-US" dirty="0" smtClean="0">
+                <a:solidFill>
+                  <a:srgbClr val="FF0000"/>
+                </a:solidFill>
+              </a:rPr>
+              <a:t>Tracked mouse pointer</a:t>
+            </a:r>
+            <a:endParaRPr lang="en-US" dirty="0">
+              <a:solidFill>
+                <a:srgbClr val="FF0000"/>
+              </a:solidFill>
+            </a:endParaRPr>
+          </a:p>
+        </p:txBody>
+      </p:sp>
+      <p:sp>
+        <p:nvSpPr>
+          <p:cNvPr id="52" name="TextBox 51"/>
+          <p:cNvSpPr txBox="1"/>
+          <p:nvPr/>
+        </p:nvSpPr>
+        <p:spPr>
+          <a:xfrm>
+            <a:off x="4484384" y="1163181"/>
+            <a:ext cx="1070229" cy="369332"/>
+          </a:xfrm>
+          <a:prstGeom prst="rect">
+            <a:avLst/>
+          </a:prstGeom>
+          <a:noFill/>
+        </p:spPr>
+        <p:txBody>
+          <a:bodyPr wrap="none" rtlCol="0">
+            <a:spAutoFit/>
+          </a:bodyPr>
+          <a:lstStyle/>
+          <a:p>
+            <a:r>
+              <a:rPr lang="en-US" dirty="0" smtClean="0">
+                <a:solidFill>
+                  <a:srgbClr val="FF0000"/>
+                </a:solidFill>
+              </a:rPr>
+              <a:t>Parsed UI</a:t>
+            </a:r>
+            <a:endParaRPr lang="en-US" dirty="0">
+              <a:solidFill>
+                <a:srgbClr val="FF0000"/>
+              </a:solidFill>
+            </a:endParaRPr>
+          </a:p>
+        </p:txBody>
+      </p:sp>
+      <p:cxnSp>
+        <p:nvCxnSpPr>
+          <p:cNvPr id="54" name="Curved Connector 53"/>
+          <p:cNvCxnSpPr>
+            <a:stCxn id="8" idx="3"/>
+            <a:endCxn id="52" idx="1"/>
+          </p:cNvCxnSpPr>
+          <p:nvPr/>
+        </p:nvCxnSpPr>
+        <p:spPr>
+          <a:xfrm flipV="1">
+            <a:off x="3688080" y="1347847"/>
+            <a:ext cx="796304" cy="482739"/>
+          </a:xfrm>
+          <a:prstGeom prst="curvedConnector3">
+            <a:avLst/>
+          </a:prstGeom>
+          <a:ln w="19050">
+            <a:solidFill>
+              <a:srgbClr val="FF0000"/>
+            </a:solidFill>
+            <a:headEnd type="none" w="med" len="med"/>
+            <a:tailEnd type="arrow" w="med" len="med"/>
+          </a:ln>
+        </p:spPr>
+        <p:style>
+          <a:lnRef idx="1">
+            <a:schemeClr val="accent1"/>
+          </a:lnRef>
+          <a:fillRef idx="0">
+            <a:schemeClr val="accent1"/>
+          </a:fillRef>
+          <a:effectRef idx="0">
+            <a:schemeClr val="accent1"/>
+          </a:effectRef>
+          <a:fontRef idx="minor">
+            <a:schemeClr val="tx1"/>
+          </a:fontRef>
+        </p:style>
+      </p:cxnSp>
+    </p:spTree>
+    <p:extLst>
+      <p:ext uri="{BB962C8B-B14F-4D97-AF65-F5344CB8AC3E}">
+        <p14:creationId xmlns:p14="http://schemas.microsoft.com/office/powerpoint/2010/main" val="3687011009"/>
+      </p:ext>
+    </p:extLst>
+  </p:cSld>
+  <p:clrMapOvr>
+    <a:masterClrMapping/>
+  </p:clrMapOvr>
+</p:sld>
+</file>
+
+<file path=ppt/slides/slide12.xml><?xml version="1.0" encoding="utf-8"?>
 <p:sld xmlns:a="http://schemas.openxmlformats.org/drawingml/2006/main" xmlns:r="http://schemas.openxmlformats.org/officeDocument/2006/relationships" xmlns:p="http://schemas.openxmlformats.org/presentationml/2006/main">
   <p:cSld>
     <p:spTree>
@@ -5845,12 +6569,8 @@
               <a:lstStyle/>
               <a:p>
                 <a:r>
-                  <a:rPr lang="en-US" dirty="0"/>
-                  <a:t>Sensitive field </a:t>
-                </a:r>
-                <a:r>
                   <a:rPr lang="en-US" dirty="0" smtClean="0"/>
-                  <a:t>1:Data_1</a:t>
+                  <a:t>Sensitive field 1:Data_1</a:t>
                 </a:r>
                 <a:endParaRPr lang="en-US" dirty="0"/>
               </a:p>
@@ -6330,6 +7050,47 @@
           </a:fontRef>
         </p:style>
       </p:cxnSp>
+      <p:cxnSp>
+        <p:nvCxnSpPr>
+          <p:cNvPr id="23" name="Elbow Connector 22"/>
+          <p:cNvCxnSpPr>
+            <a:endCxn id="6" idx="1"/>
+          </p:cNvCxnSpPr>
+          <p:nvPr/>
+        </p:nvCxnSpPr>
+        <p:spPr>
+          <a:xfrm>
+            <a:off x="809161" y="2526957"/>
+            <a:ext cx="1190704" cy="953471"/>
+          </a:xfrm>
+          <a:prstGeom prst="bentConnector3">
+            <a:avLst>
+              <a:gd name="adj1" fmla="val -28870"/>
+            </a:avLst>
+          </a:prstGeom>
+          <a:ln w="19050">
+            <a:solidFill>
+              <a:srgbClr val="4472C4"/>
+            </a:solidFill>
+            <a:headEnd type="none" w="med" len="med"/>
+            <a:tailEnd type="arrow" w="med" len="med"/>
+          </a:ln>
+        </p:spPr>
+        <p:style>
+          <a:lnRef idx="1">
+            <a:schemeClr val="accent1"/>
+          </a:lnRef>
+          <a:fillRef idx="0">
+            <a:schemeClr val="accent1"/>
+          </a:fillRef>
+          <a:effectRef idx="0">
+            <a:schemeClr val="accent1"/>
+          </a:effectRef>
+          <a:fontRef idx="minor">
+            <a:schemeClr val="tx1"/>
+          </a:fontRef>
+        </p:style>
+      </p:cxnSp>
     </p:spTree>
     <p:extLst>
       <p:ext uri="{BB962C8B-B14F-4D97-AF65-F5344CB8AC3E}">
@@ -6343,7 +7104,7 @@
 </p:sld>
 </file>
 
-<file path=ppt/slides/slide12.xml><?xml version="1.0" encoding="utf-8"?>
+<file path=ppt/slides/slide13.xml><?xml version="1.0" encoding="utf-8"?>
 <p:sld xmlns:a="http://schemas.openxmlformats.org/drawingml/2006/main" xmlns:r="http://schemas.openxmlformats.org/officeDocument/2006/relationships" xmlns:p="http://schemas.openxmlformats.org/presentationml/2006/main">
   <p:cSld>
     <p:spTree>
@@ -8035,7 +8796,7 @@
 </p:sld>
 </file>
 
-<file path=ppt/slides/slide13.xml><?xml version="1.0" encoding="utf-8"?>
+<file path=ppt/slides/slide14.xml><?xml version="1.0" encoding="utf-8"?>
 <p:sld xmlns:a="http://schemas.openxmlformats.org/drawingml/2006/main" xmlns:r="http://schemas.openxmlformats.org/officeDocument/2006/relationships" xmlns:p="http://schemas.openxmlformats.org/presentationml/2006/main">
   <p:cSld>
     <p:spTree>
@@ -9133,7 +9894,7 @@
 </p:sld>
 </file>
 
-<file path=ppt/slides/slide14.xml><?xml version="1.0" encoding="utf-8"?>
+<file path=ppt/slides/slide15.xml><?xml version="1.0" encoding="utf-8"?>
 <p:sld xmlns:a="http://schemas.openxmlformats.org/drawingml/2006/main" xmlns:r="http://schemas.openxmlformats.org/officeDocument/2006/relationships" xmlns:p="http://schemas.openxmlformats.org/presentationml/2006/main">
   <p:cSld>
     <p:spTree>
@@ -10001,7 +10762,7 @@
 </p:sld>
 </file>
 
-<file path=ppt/slides/slide15.xml><?xml version="1.0" encoding="utf-8"?>
+<file path=ppt/slides/slide16.xml><?xml version="1.0" encoding="utf-8"?>
 <p:sld xmlns:a="http://schemas.openxmlformats.org/drawingml/2006/main" xmlns:r="http://schemas.openxmlformats.org/officeDocument/2006/relationships" xmlns:p="http://schemas.openxmlformats.org/presentationml/2006/main">
   <p:cSld>
     <p:spTree>
@@ -10776,7 +11537,7 @@
 </p:sld>
 </file>
 
-<file path=ppt/slides/slide16.xml><?xml version="1.0" encoding="utf-8"?>
+<file path=ppt/slides/slide17.xml><?xml version="1.0" encoding="utf-8"?>
 <p:sld xmlns:a="http://schemas.openxmlformats.org/drawingml/2006/main" xmlns:r="http://schemas.openxmlformats.org/officeDocument/2006/relationships" xmlns:p="http://schemas.openxmlformats.org/presentationml/2006/main">
   <p:cSld>
     <p:spTree>
@@ -12101,7 +12862,7 @@
 </p:sld>
 </file>
 
-<file path=ppt/slides/slide17.xml><?xml version="1.0" encoding="utf-8"?>
+<file path=ppt/slides/slide18.xml><?xml version="1.0" encoding="utf-8"?>
 <p:sld xmlns:a="http://schemas.openxmlformats.org/drawingml/2006/main" xmlns:r="http://schemas.openxmlformats.org/officeDocument/2006/relationships" xmlns:p="http://schemas.openxmlformats.org/presentationml/2006/main">
   <p:cSld>
     <p:spTree>
@@ -13748,7 +14509,7 @@
 </p:sld>
 </file>
 
-<file path=ppt/slides/slide18.xml><?xml version="1.0" encoding="utf-8"?>
+<file path=ppt/slides/slide19.xml><?xml version="1.0" encoding="utf-8"?>
 <p:sld xmlns:a="http://schemas.openxmlformats.org/drawingml/2006/main" xmlns:r="http://schemas.openxmlformats.org/officeDocument/2006/relationships" xmlns:p="http://schemas.openxmlformats.org/presentationml/2006/main">
   <p:cSld>
     <p:spTree>
@@ -13965,158 +14726,6 @@
     <p:extLst>
       <p:ext uri="{BB962C8B-B14F-4D97-AF65-F5344CB8AC3E}">
         <p14:creationId xmlns:p14="http://schemas.microsoft.com/office/powerpoint/2010/main" val="1280400003"/>
-      </p:ext>
-    </p:extLst>
-  </p:cSld>
-  <p:clrMapOvr>
-    <a:masterClrMapping/>
-  </p:clrMapOvr>
-</p:sld>
-</file>
-
-<file path=ppt/slides/slide19.xml><?xml version="1.0" encoding="utf-8"?>
-<p:sld xmlns:a="http://schemas.openxmlformats.org/drawingml/2006/main" xmlns:r="http://schemas.openxmlformats.org/officeDocument/2006/relationships" xmlns:p="http://schemas.openxmlformats.org/presentationml/2006/main">
-  <p:cSld>
-    <p:spTree>
-      <p:nvGrpSpPr>
-        <p:cNvPr id="1" name=""/>
-        <p:cNvGrpSpPr/>
-        <p:nvPr/>
-      </p:nvGrpSpPr>
-      <p:grpSpPr>
-        <a:xfrm>
-          <a:off x="0" y="0"/>
-          <a:ext cx="0" cy="0"/>
-          <a:chOff x="0" y="0"/>
-          <a:chExt cx="0" cy="0"/>
-        </a:xfrm>
-      </p:grpSpPr>
-      <p:pic>
-        <p:nvPicPr>
-          <p:cNvPr id="2" name="Picture 1"/>
-          <p:cNvPicPr>
-            <a:picLocks noChangeAspect="1"/>
-          </p:cNvPicPr>
-          <p:nvPr/>
-        </p:nvPicPr>
-        <p:blipFill>
-          <a:blip r:embed="rId2">
-            <a:extLst>
-              <a:ext uri="{28A0092B-C50C-407E-A947-70E740481C1C}">
-                <a14:useLocalDpi xmlns:a14="http://schemas.microsoft.com/office/drawing/2010/main" val="0"/>
-              </a:ext>
-            </a:extLst>
-          </a:blip>
-          <a:stretch>
-            <a:fillRect/>
-          </a:stretch>
-        </p:blipFill>
-        <p:spPr>
-          <a:xfrm>
-            <a:off x="5540" y="0"/>
-            <a:ext cx="2222298" cy="2619632"/>
-          </a:xfrm>
-          <a:prstGeom prst="rect">
-            <a:avLst/>
-          </a:prstGeom>
-        </p:spPr>
-      </p:pic>
-      <p:pic>
-        <p:nvPicPr>
-          <p:cNvPr id="3" name="Picture 2"/>
-          <p:cNvPicPr>
-            <a:picLocks noChangeAspect="1"/>
-          </p:cNvPicPr>
-          <p:nvPr/>
-        </p:nvPicPr>
-        <p:blipFill>
-          <a:blip r:embed="rId3">
-            <a:extLst>
-              <a:ext uri="{28A0092B-C50C-407E-A947-70E740481C1C}">
-                <a14:useLocalDpi xmlns:a14="http://schemas.microsoft.com/office/drawing/2010/main" val="0"/>
-              </a:ext>
-            </a:extLst>
-          </a:blip>
-          <a:stretch>
-            <a:fillRect/>
-          </a:stretch>
-        </p:blipFill>
-        <p:spPr>
-          <a:xfrm>
-            <a:off x="2499802" y="0"/>
-            <a:ext cx="2368228" cy="2619632"/>
-          </a:xfrm>
-          <a:prstGeom prst="rect">
-            <a:avLst/>
-          </a:prstGeom>
-        </p:spPr>
-      </p:pic>
-      <p:sp>
-        <p:nvSpPr>
-          <p:cNvPr id="4" name="Rectangle 3"/>
-          <p:cNvSpPr/>
-          <p:nvPr/>
-        </p:nvSpPr>
-        <p:spPr>
-          <a:xfrm>
-            <a:off x="94305" y="2619632"/>
-            <a:ext cx="2133533" cy="369332"/>
-          </a:xfrm>
-          <a:prstGeom prst="rect">
-            <a:avLst/>
-          </a:prstGeom>
-        </p:spPr>
-        <p:txBody>
-          <a:bodyPr wrap="none">
-            <a:spAutoFit/>
-          </a:bodyPr>
-          <a:lstStyle/>
-          <a:p>
-            <a:r>
-              <a:rPr lang="en-US" dirty="0"/>
-              <a:t>Render at host’s </a:t>
-            </a:r>
-            <a:r>
-              <a:rPr lang="en-US" dirty="0" smtClean="0"/>
-              <a:t>side</a:t>
-            </a:r>
-            <a:endParaRPr lang="en-US" dirty="0"/>
-          </a:p>
-        </p:txBody>
-      </p:sp>
-      <p:sp>
-        <p:nvSpPr>
-          <p:cNvPr id="5" name="Rectangle 4"/>
-          <p:cNvSpPr/>
-          <p:nvPr/>
-        </p:nvSpPr>
-        <p:spPr>
-          <a:xfrm>
-            <a:off x="2519719" y="2619632"/>
-            <a:ext cx="2328394" cy="369332"/>
-          </a:xfrm>
-          <a:prstGeom prst="rect">
-            <a:avLst/>
-          </a:prstGeom>
-        </p:spPr>
-        <p:txBody>
-          <a:bodyPr wrap="none">
-            <a:spAutoFit/>
-          </a:bodyPr>
-          <a:lstStyle/>
-          <a:p>
-            <a:r>
-              <a:rPr lang="en-US" dirty="0" smtClean="0"/>
-              <a:t>HDMI frames + overlay</a:t>
-            </a:r>
-            <a:endParaRPr lang="en-US" dirty="0"/>
-          </a:p>
-        </p:txBody>
-      </p:sp>
-    </p:spTree>
-    <p:extLst>
-      <p:ext uri="{BB962C8B-B14F-4D97-AF65-F5344CB8AC3E}">
-        <p14:creationId xmlns:p14="http://schemas.microsoft.com/office/powerpoint/2010/main" val="2616027161"/>
       </p:ext>
     </p:extLst>
   </p:cSld>
@@ -14485,6 +15094,158 @@
       </p:par>
     </p:tnLst>
   </p:timing>
+</p:sld>
+</file>
+
+<file path=ppt/slides/slide20.xml><?xml version="1.0" encoding="utf-8"?>
+<p:sld xmlns:a="http://schemas.openxmlformats.org/drawingml/2006/main" xmlns:r="http://schemas.openxmlformats.org/officeDocument/2006/relationships" xmlns:p="http://schemas.openxmlformats.org/presentationml/2006/main">
+  <p:cSld>
+    <p:spTree>
+      <p:nvGrpSpPr>
+        <p:cNvPr id="1" name=""/>
+        <p:cNvGrpSpPr/>
+        <p:nvPr/>
+      </p:nvGrpSpPr>
+      <p:grpSpPr>
+        <a:xfrm>
+          <a:off x="0" y="0"/>
+          <a:ext cx="0" cy="0"/>
+          <a:chOff x="0" y="0"/>
+          <a:chExt cx="0" cy="0"/>
+        </a:xfrm>
+      </p:grpSpPr>
+      <p:pic>
+        <p:nvPicPr>
+          <p:cNvPr id="2" name="Picture 1"/>
+          <p:cNvPicPr>
+            <a:picLocks noChangeAspect="1"/>
+          </p:cNvPicPr>
+          <p:nvPr/>
+        </p:nvPicPr>
+        <p:blipFill>
+          <a:blip r:embed="rId2">
+            <a:extLst>
+              <a:ext uri="{28A0092B-C50C-407E-A947-70E740481C1C}">
+                <a14:useLocalDpi xmlns:a14="http://schemas.microsoft.com/office/drawing/2010/main" val="0"/>
+              </a:ext>
+            </a:extLst>
+          </a:blip>
+          <a:stretch>
+            <a:fillRect/>
+          </a:stretch>
+        </p:blipFill>
+        <p:spPr>
+          <a:xfrm>
+            <a:off x="5540" y="0"/>
+            <a:ext cx="2222298" cy="2619632"/>
+          </a:xfrm>
+          <a:prstGeom prst="rect">
+            <a:avLst/>
+          </a:prstGeom>
+        </p:spPr>
+      </p:pic>
+      <p:pic>
+        <p:nvPicPr>
+          <p:cNvPr id="3" name="Picture 2"/>
+          <p:cNvPicPr>
+            <a:picLocks noChangeAspect="1"/>
+          </p:cNvPicPr>
+          <p:nvPr/>
+        </p:nvPicPr>
+        <p:blipFill>
+          <a:blip r:embed="rId3">
+            <a:extLst>
+              <a:ext uri="{28A0092B-C50C-407E-A947-70E740481C1C}">
+                <a14:useLocalDpi xmlns:a14="http://schemas.microsoft.com/office/drawing/2010/main" val="0"/>
+              </a:ext>
+            </a:extLst>
+          </a:blip>
+          <a:stretch>
+            <a:fillRect/>
+          </a:stretch>
+        </p:blipFill>
+        <p:spPr>
+          <a:xfrm>
+            <a:off x="2499802" y="0"/>
+            <a:ext cx="2368228" cy="2619632"/>
+          </a:xfrm>
+          <a:prstGeom prst="rect">
+            <a:avLst/>
+          </a:prstGeom>
+        </p:spPr>
+      </p:pic>
+      <p:sp>
+        <p:nvSpPr>
+          <p:cNvPr id="4" name="Rectangle 3"/>
+          <p:cNvSpPr/>
+          <p:nvPr/>
+        </p:nvSpPr>
+        <p:spPr>
+          <a:xfrm>
+            <a:off x="94305" y="2619632"/>
+            <a:ext cx="2133533" cy="369332"/>
+          </a:xfrm>
+          <a:prstGeom prst="rect">
+            <a:avLst/>
+          </a:prstGeom>
+        </p:spPr>
+        <p:txBody>
+          <a:bodyPr wrap="none">
+            <a:spAutoFit/>
+          </a:bodyPr>
+          <a:lstStyle/>
+          <a:p>
+            <a:r>
+              <a:rPr lang="en-US" dirty="0"/>
+              <a:t>Render at host’s </a:t>
+            </a:r>
+            <a:r>
+              <a:rPr lang="en-US" dirty="0" smtClean="0"/>
+              <a:t>side</a:t>
+            </a:r>
+            <a:endParaRPr lang="en-US" dirty="0"/>
+          </a:p>
+        </p:txBody>
+      </p:sp>
+      <p:sp>
+        <p:nvSpPr>
+          <p:cNvPr id="5" name="Rectangle 4"/>
+          <p:cNvSpPr/>
+          <p:nvPr/>
+        </p:nvSpPr>
+        <p:spPr>
+          <a:xfrm>
+            <a:off x="2519719" y="2619632"/>
+            <a:ext cx="2328394" cy="369332"/>
+          </a:xfrm>
+          <a:prstGeom prst="rect">
+            <a:avLst/>
+          </a:prstGeom>
+        </p:spPr>
+        <p:txBody>
+          <a:bodyPr wrap="none">
+            <a:spAutoFit/>
+          </a:bodyPr>
+          <a:lstStyle/>
+          <a:p>
+            <a:r>
+              <a:rPr lang="en-US" dirty="0" smtClean="0"/>
+              <a:t>HDMI frames + overlay</a:t>
+            </a:r>
+            <a:endParaRPr lang="en-US" dirty="0"/>
+          </a:p>
+        </p:txBody>
+      </p:sp>
+    </p:spTree>
+    <p:extLst>
+      <p:ext uri="{BB962C8B-B14F-4D97-AF65-F5344CB8AC3E}">
+        <p14:creationId xmlns:p14="http://schemas.microsoft.com/office/powerpoint/2010/main" val="2616027161"/>
+      </p:ext>
+    </p:extLst>
+  </p:cSld>
+  <p:clrMapOvr>
+    <a:masterClrMapping/>
+  </p:clrMapOvr>
 </p:sld>
 </file>
 
@@ -16306,14 +17067,13 @@
           <p:cNvPr id="28" name="Straight Arrow Connector 27"/>
           <p:cNvCxnSpPr>
             <a:stCxn id="14" idx="0"/>
-            <a:endCxn id="22" idx="1"/>
           </p:cNvCxnSpPr>
           <p:nvPr/>
         </p:nvCxnSpPr>
         <p:spPr>
           <a:xfrm flipV="1">
-            <a:off x="616151" y="909925"/>
-            <a:ext cx="1544980" cy="1028797"/>
+            <a:off x="616151" y="870934"/>
+            <a:ext cx="1544980" cy="1067788"/>
           </a:xfrm>
           <a:prstGeom prst="straightConnector1">
             <a:avLst/>

--- a/aritra/MouseTracking/images/systemDesign.pptx
+++ b/aritra/MouseTracking/images/systemDesign.pptx
@@ -12887,7 +12887,7 @@
         </p:nvSpPr>
         <p:spPr>
           <a:xfrm>
-            <a:off x="1167713" y="0"/>
+            <a:off x="1272739" y="0"/>
             <a:ext cx="2644346" cy="2188396"/>
           </a:xfrm>
           <a:prstGeom prst="rect">
@@ -12925,7 +12925,7 @@
         </p:nvGrpSpPr>
         <p:grpSpPr>
           <a:xfrm>
-            <a:off x="1330456" y="24926"/>
+            <a:off x="1435482" y="24926"/>
             <a:ext cx="2168611" cy="789462"/>
             <a:chOff x="123567" y="148281"/>
             <a:chExt cx="2168611" cy="789462"/>
@@ -13076,7 +13076,7 @@
         </p:nvSpPr>
         <p:spPr>
           <a:xfrm>
-            <a:off x="588562" y="2105754"/>
+            <a:off x="693588" y="2105754"/>
             <a:ext cx="3880999" cy="369332"/>
           </a:xfrm>
           <a:prstGeom prst="rect">
@@ -13105,10 +13105,10 @@
         </p:nvGrpSpPr>
         <p:grpSpPr>
           <a:xfrm>
-            <a:off x="3945578" y="209591"/>
-            <a:ext cx="2054386" cy="1470196"/>
+            <a:off x="4050604" y="209591"/>
+            <a:ext cx="2054386" cy="1747195"/>
             <a:chOff x="2888316" y="998162"/>
-            <a:chExt cx="2054386" cy="1470196"/>
+            <a:chExt cx="2054386" cy="1747195"/>
           </a:xfrm>
         </p:grpSpPr>
         <p:sp>
@@ -13440,7 +13440,7 @@
           <p:spPr>
             <a:xfrm>
               <a:off x="3167252" y="2099026"/>
-              <a:ext cx="1446869" cy="369332"/>
+              <a:ext cx="1446869" cy="646331"/>
             </a:xfrm>
             <a:prstGeom prst="rect">
               <a:avLst/>
@@ -13454,7 +13454,11 @@
             <a:p>
               <a:r>
                 <a:rPr lang="en-US" dirty="0" smtClean="0"/>
-                <a:t>Decrypted UI</a:t>
+                <a:t>Decoded and Decrypted </a:t>
+              </a:r>
+              <a:r>
+                <a:rPr lang="en-US" dirty="0" smtClean="0"/>
+                <a:t>UI</a:t>
               </a:r>
               <a:endParaRPr lang="en-US" dirty="0"/>
             </a:p>
@@ -13469,7 +13473,7 @@
         </p:nvSpPr>
         <p:spPr>
           <a:xfrm>
-            <a:off x="316034" y="4801251"/>
+            <a:off x="421060" y="4801251"/>
             <a:ext cx="4798069" cy="369332"/>
           </a:xfrm>
           <a:prstGeom prst="rect">
@@ -13511,7 +13515,7 @@
         </p:blipFill>
         <p:spPr>
           <a:xfrm>
-            <a:off x="1833688" y="897280"/>
+            <a:off x="1938714" y="897280"/>
             <a:ext cx="1175764" cy="1177808"/>
           </a:xfrm>
           <a:prstGeom prst="rect">
@@ -13541,7 +13545,7 @@
         </p:blipFill>
         <p:spPr>
           <a:xfrm>
-            <a:off x="1232942" y="851284"/>
+            <a:off x="1337968" y="851284"/>
             <a:ext cx="180987" cy="172311"/>
           </a:xfrm>
           <a:prstGeom prst="rect">
@@ -13557,7 +13561,7 @@
         </p:nvSpPr>
         <p:spPr>
           <a:xfrm>
-            <a:off x="1700169" y="890585"/>
+            <a:off x="1805195" y="890585"/>
             <a:ext cx="1432964" cy="1184503"/>
           </a:xfrm>
           <a:prstGeom prst="rect">
@@ -13604,7 +13608,7 @@
         </p:nvCxnSpPr>
         <p:spPr>
           <a:xfrm flipV="1">
-            <a:off x="3133133" y="748054"/>
+            <a:off x="3238159" y="748054"/>
             <a:ext cx="812445" cy="734783"/>
           </a:xfrm>
           <a:prstGeom prst="curvedConnector3">
@@ -13640,7 +13644,7 @@
         </p:nvSpPr>
         <p:spPr>
           <a:xfrm>
-            <a:off x="1203240" y="824392"/>
+            <a:off x="1308266" y="824392"/>
             <a:ext cx="231743" cy="261214"/>
           </a:xfrm>
           <a:prstGeom prst="rect">
@@ -13684,7 +13688,7 @@
         </p:nvSpPr>
         <p:spPr>
           <a:xfrm>
-            <a:off x="1167713" y="2615458"/>
+            <a:off x="1272739" y="2615458"/>
             <a:ext cx="2644346" cy="2188396"/>
           </a:xfrm>
           <a:prstGeom prst="rect">
@@ -13722,7 +13726,7 @@
         </p:nvGrpSpPr>
         <p:grpSpPr>
           <a:xfrm>
-            <a:off x="1330456" y="2640384"/>
+            <a:off x="1435482" y="2640384"/>
             <a:ext cx="2168611" cy="789462"/>
             <a:chOff x="123567" y="148281"/>
             <a:chExt cx="2168611" cy="789462"/>
@@ -13873,7 +13877,7 @@
         </p:nvGrpSpPr>
         <p:grpSpPr>
           <a:xfrm>
-            <a:off x="1395636" y="3574931"/>
+            <a:off x="1500662" y="3574931"/>
             <a:ext cx="2054386" cy="1076926"/>
             <a:chOff x="2888316" y="998162"/>
             <a:chExt cx="2054386" cy="1076926"/>
@@ -14222,7 +14226,7 @@
         </p:blipFill>
         <p:spPr>
           <a:xfrm>
-            <a:off x="1232942" y="3466742"/>
+            <a:off x="1337968" y="3466742"/>
             <a:ext cx="180987" cy="172311"/>
           </a:xfrm>
           <a:prstGeom prst="rect">
@@ -14238,7 +14242,7 @@
         </p:nvSpPr>
         <p:spPr>
           <a:xfrm>
-            <a:off x="1203240" y="3439850"/>
+            <a:off x="1308266" y="3439850"/>
             <a:ext cx="231743" cy="261214"/>
           </a:xfrm>
           <a:prstGeom prst="rect">
@@ -14303,7 +14307,7 @@
         </p:blipFill>
         <p:spPr>
           <a:xfrm>
-            <a:off x="2916457" y="3791077"/>
+            <a:off x="3021483" y="3791077"/>
             <a:ext cx="180987" cy="172311"/>
           </a:xfrm>
           <a:prstGeom prst="rect">
@@ -14319,7 +14323,7 @@
         </p:nvSpPr>
         <p:spPr>
           <a:xfrm>
-            <a:off x="2886755" y="3764185"/>
+            <a:off x="2991781" y="3764185"/>
             <a:ext cx="231743" cy="261214"/>
           </a:xfrm>
           <a:prstGeom prst="rect">
@@ -14363,7 +14367,7 @@
         </p:nvSpPr>
         <p:spPr>
           <a:xfrm>
-            <a:off x="-304964" y="-98854"/>
+            <a:off x="-199938" y="-98854"/>
             <a:ext cx="1493205" cy="923330"/>
           </a:xfrm>
           <a:prstGeom prst="rect">
@@ -14396,7 +14400,7 @@
         </p:nvCxnSpPr>
         <p:spPr>
           <a:xfrm rot="10800000">
-            <a:off x="441640" y="824477"/>
+            <a:off x="546666" y="824477"/>
             <a:ext cx="761601" cy="130523"/>
           </a:xfrm>
           <a:prstGeom prst="curvedConnector2">
@@ -14435,7 +14439,7 @@
         </p:nvCxnSpPr>
         <p:spPr>
           <a:xfrm flipV="1">
-            <a:off x="3118498" y="3192202"/>
+            <a:off x="3223524" y="3192202"/>
             <a:ext cx="1569538" cy="702590"/>
           </a:xfrm>
           <a:prstGeom prst="curvedConnector2">
@@ -14471,7 +14475,7 @@
         </p:nvSpPr>
         <p:spPr>
           <a:xfrm>
-            <a:off x="3793832" y="2545871"/>
+            <a:off x="3898858" y="2545871"/>
             <a:ext cx="1788407" cy="646331"/>
           </a:xfrm>
           <a:prstGeom prst="rect">
@@ -14491,6 +14495,143 @@
             <a:r>
               <a:rPr lang="en-US" dirty="0" smtClean="0"/>
               <a:t>by the Bridge</a:t>
+            </a:r>
+            <a:endParaRPr lang="en-US" dirty="0"/>
+          </a:p>
+        </p:txBody>
+      </p:sp>
+      <p:sp>
+        <p:nvSpPr>
+          <p:cNvPr id="9" name="Rectangle 8"/>
+          <p:cNvSpPr/>
+          <p:nvPr/>
+        </p:nvSpPr>
+        <p:spPr>
+          <a:xfrm>
+            <a:off x="-76109" y="1168680"/>
+            <a:ext cx="1468849" cy="923330"/>
+          </a:xfrm>
+          <a:prstGeom prst="rect">
+            <a:avLst/>
+          </a:prstGeom>
+        </p:spPr>
+        <p:txBody>
+          <a:bodyPr wrap="square">
+            <a:spAutoFit/>
+          </a:bodyPr>
+          <a:lstStyle/>
+          <a:p>
+            <a:r>
+              <a:rPr lang="en-US" dirty="0" smtClean="0"/>
+              <a:t>QR code with encrypted UI specification</a:t>
+            </a:r>
+            <a:endParaRPr lang="en-US" dirty="0"/>
+          </a:p>
+        </p:txBody>
+      </p:sp>
+      <p:cxnSp>
+        <p:nvCxnSpPr>
+          <p:cNvPr id="58" name="Curved Connector 57"/>
+          <p:cNvCxnSpPr>
+            <a:endCxn id="2" idx="1"/>
+          </p:cNvCxnSpPr>
+          <p:nvPr/>
+        </p:nvCxnSpPr>
+        <p:spPr>
+          <a:xfrm flipV="1">
+            <a:off x="1056503" y="1486184"/>
+            <a:ext cx="882211" cy="271218"/>
+          </a:xfrm>
+          <a:prstGeom prst="curvedConnector3">
+            <a:avLst>
+              <a:gd name="adj1" fmla="val 50000"/>
+            </a:avLst>
+          </a:prstGeom>
+          <a:ln w="19050">
+            <a:solidFill>
+              <a:srgbClr val="FF0000"/>
+            </a:solidFill>
+            <a:tailEnd type="triangle"/>
+          </a:ln>
+        </p:spPr>
+        <p:style>
+          <a:lnRef idx="1">
+            <a:schemeClr val="accent1"/>
+          </a:lnRef>
+          <a:fillRef idx="0">
+            <a:schemeClr val="accent1"/>
+          </a:fillRef>
+          <a:effectRef idx="0">
+            <a:schemeClr val="accent1"/>
+          </a:effectRef>
+          <a:fontRef idx="minor">
+            <a:schemeClr val="tx1"/>
+          </a:fontRef>
+        </p:style>
+      </p:cxnSp>
+      <p:cxnSp>
+        <p:nvCxnSpPr>
+          <p:cNvPr id="59" name="Curved Connector 58"/>
+          <p:cNvCxnSpPr>
+            <a:stCxn id="65" idx="3"/>
+            <a:endCxn id="61" idx="0"/>
+          </p:cNvCxnSpPr>
+          <p:nvPr/>
+        </p:nvCxnSpPr>
+        <p:spPr>
+          <a:xfrm>
+            <a:off x="3555048" y="4113394"/>
+            <a:ext cx="993703" cy="318525"/>
+          </a:xfrm>
+          <a:prstGeom prst="curvedConnector2">
+            <a:avLst/>
+          </a:prstGeom>
+          <a:ln w="19050">
+            <a:solidFill>
+              <a:srgbClr val="FF0000"/>
+            </a:solidFill>
+            <a:tailEnd type="triangle"/>
+          </a:ln>
+        </p:spPr>
+        <p:style>
+          <a:lnRef idx="1">
+            <a:schemeClr val="accent1"/>
+          </a:lnRef>
+          <a:fillRef idx="0">
+            <a:schemeClr val="accent1"/>
+          </a:fillRef>
+          <a:effectRef idx="0">
+            <a:schemeClr val="accent1"/>
+          </a:effectRef>
+          <a:fontRef idx="minor">
+            <a:schemeClr val="tx1"/>
+          </a:fontRef>
+        </p:style>
+      </p:cxnSp>
+      <p:sp>
+        <p:nvSpPr>
+          <p:cNvPr id="61" name="Rectangle 60"/>
+          <p:cNvSpPr/>
+          <p:nvPr/>
+        </p:nvSpPr>
+        <p:spPr>
+          <a:xfrm>
+            <a:off x="4008293" y="4431919"/>
+            <a:ext cx="1080915" cy="369332"/>
+          </a:xfrm>
+          <a:prstGeom prst="rect">
+            <a:avLst/>
+          </a:prstGeom>
+        </p:spPr>
+        <p:txBody>
+          <a:bodyPr wrap="square">
+            <a:spAutoFit/>
+          </a:bodyPr>
+          <a:lstStyle/>
+          <a:p>
+            <a:r>
+              <a:rPr lang="en-US" dirty="0" smtClean="0"/>
+              <a:t>Overlay</a:t>
             </a:r>
             <a:endParaRPr lang="en-US" dirty="0"/>
           </a:p>

--- a/aritra/MouseTracking/images/systemDesign.pptx
+++ b/aritra/MouseTracking/images/systemDesign.pptx
@@ -12887,7 +12887,7 @@
         </p:nvSpPr>
         <p:spPr>
           <a:xfrm>
-            <a:off x="1272739" y="0"/>
+            <a:off x="1346875" y="0"/>
             <a:ext cx="2644346" cy="2188396"/>
           </a:xfrm>
           <a:prstGeom prst="rect">
@@ -12925,7 +12925,7 @@
         </p:nvGrpSpPr>
         <p:grpSpPr>
           <a:xfrm>
-            <a:off x="1435482" y="24926"/>
+            <a:off x="1509618" y="24926"/>
             <a:ext cx="2168611" cy="789462"/>
             <a:chOff x="123567" y="148281"/>
             <a:chExt cx="2168611" cy="789462"/>
@@ -13076,7 +13076,7 @@
         </p:nvSpPr>
         <p:spPr>
           <a:xfrm>
-            <a:off x="693588" y="2105754"/>
+            <a:off x="767724" y="2105754"/>
             <a:ext cx="3880999" cy="369332"/>
           </a:xfrm>
           <a:prstGeom prst="rect">
@@ -13105,7 +13105,7 @@
         </p:nvGrpSpPr>
         <p:grpSpPr>
           <a:xfrm>
-            <a:off x="4050604" y="209591"/>
+            <a:off x="4124740" y="209591"/>
             <a:ext cx="2054386" cy="1747195"/>
             <a:chOff x="2888316" y="998162"/>
             <a:chExt cx="2054386" cy="1747195"/>
@@ -13473,7 +13473,7 @@
         </p:nvSpPr>
         <p:spPr>
           <a:xfrm>
-            <a:off x="421060" y="4801251"/>
+            <a:off x="495196" y="5087225"/>
             <a:ext cx="4798069" cy="369332"/>
           </a:xfrm>
           <a:prstGeom prst="rect">
@@ -13515,7 +13515,7 @@
         </p:blipFill>
         <p:spPr>
           <a:xfrm>
-            <a:off x="1938714" y="897280"/>
+            <a:off x="2012850" y="897280"/>
             <a:ext cx="1175764" cy="1177808"/>
           </a:xfrm>
           <a:prstGeom prst="rect">
@@ -13545,7 +13545,7 @@
         </p:blipFill>
         <p:spPr>
           <a:xfrm>
-            <a:off x="1337968" y="851284"/>
+            <a:off x="1412104" y="851284"/>
             <a:ext cx="180987" cy="172311"/>
           </a:xfrm>
           <a:prstGeom prst="rect">
@@ -13561,7 +13561,7 @@
         </p:nvSpPr>
         <p:spPr>
           <a:xfrm>
-            <a:off x="1805195" y="890585"/>
+            <a:off x="1879331" y="890585"/>
             <a:ext cx="1432964" cy="1184503"/>
           </a:xfrm>
           <a:prstGeom prst="rect">
@@ -13608,7 +13608,7 @@
         </p:nvCxnSpPr>
         <p:spPr>
           <a:xfrm flipV="1">
-            <a:off x="3238159" y="748054"/>
+            <a:off x="3312295" y="748054"/>
             <a:ext cx="812445" cy="734783"/>
           </a:xfrm>
           <a:prstGeom prst="curvedConnector3">
@@ -13644,7 +13644,7 @@
         </p:nvSpPr>
         <p:spPr>
           <a:xfrm>
-            <a:off x="1308266" y="824392"/>
+            <a:off x="1382402" y="824392"/>
             <a:ext cx="231743" cy="261214"/>
           </a:xfrm>
           <a:prstGeom prst="rect">
@@ -13688,7 +13688,7 @@
         </p:nvSpPr>
         <p:spPr>
           <a:xfrm>
-            <a:off x="1272739" y="2615458"/>
+            <a:off x="1346875" y="2901432"/>
             <a:ext cx="2644346" cy="2188396"/>
           </a:xfrm>
           <a:prstGeom prst="rect">
@@ -13726,7 +13726,7 @@
         </p:nvGrpSpPr>
         <p:grpSpPr>
           <a:xfrm>
-            <a:off x="1435482" y="2640384"/>
+            <a:off x="1509618" y="2926358"/>
             <a:ext cx="2168611" cy="789462"/>
             <a:chOff x="123567" y="148281"/>
             <a:chExt cx="2168611" cy="789462"/>
@@ -13877,7 +13877,7 @@
         </p:nvGrpSpPr>
         <p:grpSpPr>
           <a:xfrm>
-            <a:off x="1500662" y="3574931"/>
+            <a:off x="1574798" y="3860905"/>
             <a:ext cx="2054386" cy="1076926"/>
             <a:chOff x="2888316" y="998162"/>
             <a:chExt cx="2054386" cy="1076926"/>
@@ -14226,7 +14226,7 @@
         </p:blipFill>
         <p:spPr>
           <a:xfrm>
-            <a:off x="1337968" y="3466742"/>
+            <a:off x="1412104" y="3752716"/>
             <a:ext cx="180987" cy="172311"/>
           </a:xfrm>
           <a:prstGeom prst="rect">
@@ -14242,7 +14242,7 @@
         </p:nvSpPr>
         <p:spPr>
           <a:xfrm>
-            <a:off x="1308266" y="3439850"/>
+            <a:off x="1382402" y="3725824"/>
             <a:ext cx="231743" cy="261214"/>
           </a:xfrm>
           <a:prstGeom prst="rect">
@@ -14307,7 +14307,7 @@
         </p:blipFill>
         <p:spPr>
           <a:xfrm>
-            <a:off x="3021483" y="3791077"/>
+            <a:off x="3095619" y="4077051"/>
             <a:ext cx="180987" cy="172311"/>
           </a:xfrm>
           <a:prstGeom prst="rect">
@@ -14323,7 +14323,7 @@
         </p:nvSpPr>
         <p:spPr>
           <a:xfrm>
-            <a:off x="2991781" y="3764185"/>
+            <a:off x="3065917" y="4050159"/>
             <a:ext cx="231743" cy="261214"/>
           </a:xfrm>
           <a:prstGeom prst="rect">
@@ -14367,7 +14367,7 @@
         </p:nvSpPr>
         <p:spPr>
           <a:xfrm>
-            <a:off x="-199938" y="-98854"/>
+            <a:off x="-125802" y="-98854"/>
             <a:ext cx="1493205" cy="923330"/>
           </a:xfrm>
           <a:prstGeom prst="rect">
@@ -14400,7 +14400,7 @@
         </p:nvCxnSpPr>
         <p:spPr>
           <a:xfrm rot="10800000">
-            <a:off x="546666" y="824477"/>
+            <a:off x="620802" y="824477"/>
             <a:ext cx="761601" cy="130523"/>
           </a:xfrm>
           <a:prstGeom prst="curvedConnector2">
@@ -14439,8 +14439,8 @@
         </p:nvCxnSpPr>
         <p:spPr>
           <a:xfrm flipV="1">
-            <a:off x="3223524" y="3192202"/>
-            <a:ext cx="1569538" cy="702590"/>
+            <a:off x="3297660" y="3755175"/>
+            <a:ext cx="1569538" cy="425591"/>
           </a:xfrm>
           <a:prstGeom prst="curvedConnector2">
             <a:avLst/>
@@ -14475,8 +14475,8 @@
         </p:nvSpPr>
         <p:spPr>
           <a:xfrm>
-            <a:off x="3898858" y="2545871"/>
-            <a:ext cx="1788407" cy="646331"/>
+            <a:off x="3972994" y="2831845"/>
+            <a:ext cx="1788407" cy="923330"/>
           </a:xfrm>
           <a:prstGeom prst="rect">
             <a:avLst/>
@@ -14493,8 +14493,16 @@
               <a:t>rendered pointer </a:t>
             </a:r>
             <a:r>
+              <a:rPr lang="en-US" dirty="0" err="1" smtClean="0"/>
+              <a:t>overby</a:t>
+            </a:r>
+            <a:r>
               <a:rPr lang="en-US" dirty="0" smtClean="0"/>
-              <a:t>by the Bridge</a:t>
+              <a:t> </a:t>
+            </a:r>
+            <a:r>
+              <a:rPr lang="en-US" dirty="0" smtClean="0"/>
+              <a:t>the Bridge</a:t>
             </a:r>
             <a:endParaRPr lang="en-US" dirty="0"/>
           </a:p>
@@ -14508,7 +14516,7 @@
         </p:nvSpPr>
         <p:spPr>
           <a:xfrm>
-            <a:off x="-76109" y="1168680"/>
+            <a:off x="-104827" y="1172828"/>
             <a:ext cx="1468849" cy="923330"/>
           </a:xfrm>
           <a:prstGeom prst="rect">
@@ -14521,6 +14529,7 @@
           </a:bodyPr>
           <a:lstStyle/>
           <a:p>
+            <a:pPr algn="r"/>
             <a:r>
               <a:rPr lang="en-US" dirty="0" smtClean="0"/>
               <a:t>QR code with encrypted UI specification</a:t>
@@ -14539,7 +14548,7 @@
         </p:nvCxnSpPr>
         <p:spPr>
           <a:xfrm flipV="1">
-            <a:off x="1056503" y="1486184"/>
+            <a:off x="1130639" y="1486184"/>
             <a:ext cx="882211" cy="271218"/>
           </a:xfrm>
           <a:prstGeom prst="curvedConnector3">
@@ -14580,7 +14589,7 @@
         </p:nvCxnSpPr>
         <p:spPr>
           <a:xfrm>
-            <a:off x="3555048" y="4113394"/>
+            <a:off x="3629184" y="4399368"/>
             <a:ext cx="993703" cy="318525"/>
           </a:xfrm>
           <a:prstGeom prst="curvedConnector2">
@@ -14616,7 +14625,7 @@
         </p:nvSpPr>
         <p:spPr>
           <a:xfrm>
-            <a:off x="4008293" y="4431919"/>
+            <a:off x="4082429" y="4717893"/>
             <a:ext cx="1080915" cy="369332"/>
           </a:xfrm>
           <a:prstGeom prst="rect">
@@ -14634,6 +14643,121 @@
               <a:t>Overlay</a:t>
             </a:r>
             <a:endParaRPr lang="en-US" dirty="0"/>
+          </a:p>
+        </p:txBody>
+      </p:sp>
+      <p:sp>
+        <p:nvSpPr>
+          <p:cNvPr id="69" name="Rectangle 68"/>
+          <p:cNvSpPr/>
+          <p:nvPr/>
+        </p:nvSpPr>
+        <p:spPr>
+          <a:xfrm>
+            <a:off x="-125802" y="3130392"/>
+            <a:ext cx="1493205" cy="369332"/>
+          </a:xfrm>
+          <a:prstGeom prst="rect">
+            <a:avLst/>
+          </a:prstGeom>
+        </p:spPr>
+        <p:txBody>
+          <a:bodyPr wrap="square">
+            <a:spAutoFit/>
+          </a:bodyPr>
+          <a:lstStyle/>
+          <a:p>
+            <a:pPr algn="r"/>
+            <a:r>
+              <a:rPr lang="en-US" dirty="0" smtClean="0"/>
+              <a:t>Static pointer</a:t>
+            </a:r>
+            <a:endParaRPr lang="en-US" dirty="0"/>
+          </a:p>
+        </p:txBody>
+      </p:sp>
+      <p:cxnSp>
+        <p:nvCxnSpPr>
+          <p:cNvPr id="78" name="Curved Connector 77"/>
+          <p:cNvCxnSpPr>
+            <a:stCxn id="69" idx="2"/>
+            <a:endCxn id="63" idx="1"/>
+          </p:cNvCxnSpPr>
+          <p:nvPr/>
+        </p:nvCxnSpPr>
+        <p:spPr>
+          <a:xfrm rot="16200000" flipH="1">
+            <a:off x="823248" y="3297276"/>
+            <a:ext cx="356707" cy="761601"/>
+          </a:xfrm>
+          <a:prstGeom prst="curvedConnector2">
+            <a:avLst/>
+          </a:prstGeom>
+          <a:ln w="19050">
+            <a:solidFill>
+              <a:srgbClr val="FF0000"/>
+            </a:solidFill>
+            <a:tailEnd type="triangle"/>
+          </a:ln>
+        </p:spPr>
+        <p:style>
+          <a:lnRef idx="1">
+            <a:schemeClr val="accent1"/>
+          </a:lnRef>
+          <a:fillRef idx="0">
+            <a:schemeClr val="accent1"/>
+          </a:fillRef>
+          <a:effectRef idx="0">
+            <a:schemeClr val="accent1"/>
+          </a:effectRef>
+          <a:fontRef idx="minor">
+            <a:schemeClr val="tx1"/>
+          </a:fontRef>
+        </p:style>
+      </p:cxnSp>
+      <p:sp>
+        <p:nvSpPr>
+          <p:cNvPr id="42" name="Down Arrow 41"/>
+          <p:cNvSpPr/>
+          <p:nvPr/>
+        </p:nvSpPr>
+        <p:spPr>
+          <a:xfrm>
+            <a:off x="2462978" y="2507111"/>
+            <a:ext cx="265670" cy="286304"/>
+          </a:xfrm>
+          <a:prstGeom prst="downArrow">
+            <a:avLst/>
+          </a:prstGeom>
+          <a:noFill/>
+          <a:ln w="28575">
+            <a:solidFill>
+              <a:schemeClr val="tx1"/>
+            </a:solidFill>
+          </a:ln>
+        </p:spPr>
+        <p:style>
+          <a:lnRef idx="2">
+            <a:schemeClr val="accent1">
+              <a:shade val="50000"/>
+            </a:schemeClr>
+          </a:lnRef>
+          <a:fillRef idx="1">
+            <a:schemeClr val="accent1"/>
+          </a:fillRef>
+          <a:effectRef idx="0">
+            <a:schemeClr val="accent1"/>
+          </a:effectRef>
+          <a:fontRef idx="minor">
+            <a:schemeClr val="lt1"/>
+          </a:fontRef>
+        </p:style>
+        <p:txBody>
+          <a:bodyPr rtlCol="0" anchor="ctr"/>
+          <a:lstStyle/>
+          <a:p>
+            <a:pPr algn="ctr"/>
+            <a:endParaRPr lang="en-US"/>
           </a:p>
         </p:txBody>
       </p:sp>

--- a/aritra/MouseTracking/images/systemDesign.pptx
+++ b/aritra/MouseTracking/images/systemDesign.pptx
@@ -262,7 +262,7 @@
           <a:p>
             <a:fld id="{AAB2D3D3-1E26-436C-8467-9F82561659A6}" type="datetimeFigureOut">
               <a:rPr lang="en-US" smtClean="0"/>
-              <a:t>2/18/2019</a:t>
+              <a:t>3/11/2019</a:t>
             </a:fld>
             <a:endParaRPr lang="en-US"/>
           </a:p>
@@ -432,7 +432,7 @@
           <a:p>
             <a:fld id="{AAB2D3D3-1E26-436C-8467-9F82561659A6}" type="datetimeFigureOut">
               <a:rPr lang="en-US" smtClean="0"/>
-              <a:t>2/18/2019</a:t>
+              <a:t>3/11/2019</a:t>
             </a:fld>
             <a:endParaRPr lang="en-US"/>
           </a:p>
@@ -612,7 +612,7 @@
           <a:p>
             <a:fld id="{AAB2D3D3-1E26-436C-8467-9F82561659A6}" type="datetimeFigureOut">
               <a:rPr lang="en-US" smtClean="0"/>
-              <a:t>2/18/2019</a:t>
+              <a:t>3/11/2019</a:t>
             </a:fld>
             <a:endParaRPr lang="en-US"/>
           </a:p>
@@ -782,7 +782,7 @@
           <a:p>
             <a:fld id="{AAB2D3D3-1E26-436C-8467-9F82561659A6}" type="datetimeFigureOut">
               <a:rPr lang="en-US" smtClean="0"/>
-              <a:t>2/18/2019</a:t>
+              <a:t>3/11/2019</a:t>
             </a:fld>
             <a:endParaRPr lang="en-US"/>
           </a:p>
@@ -1028,7 +1028,7 @@
           <a:p>
             <a:fld id="{AAB2D3D3-1E26-436C-8467-9F82561659A6}" type="datetimeFigureOut">
               <a:rPr lang="en-US" smtClean="0"/>
-              <a:t>2/18/2019</a:t>
+              <a:t>3/11/2019</a:t>
             </a:fld>
             <a:endParaRPr lang="en-US"/>
           </a:p>
@@ -1260,7 +1260,7 @@
           <a:p>
             <a:fld id="{AAB2D3D3-1E26-436C-8467-9F82561659A6}" type="datetimeFigureOut">
               <a:rPr lang="en-US" smtClean="0"/>
-              <a:t>2/18/2019</a:t>
+              <a:t>3/11/2019</a:t>
             </a:fld>
             <a:endParaRPr lang="en-US"/>
           </a:p>
@@ -1627,7 +1627,7 @@
           <a:p>
             <a:fld id="{AAB2D3D3-1E26-436C-8467-9F82561659A6}" type="datetimeFigureOut">
               <a:rPr lang="en-US" smtClean="0"/>
-              <a:t>2/18/2019</a:t>
+              <a:t>3/11/2019</a:t>
             </a:fld>
             <a:endParaRPr lang="en-US"/>
           </a:p>
@@ -1745,7 +1745,7 @@
           <a:p>
             <a:fld id="{AAB2D3D3-1E26-436C-8467-9F82561659A6}" type="datetimeFigureOut">
               <a:rPr lang="en-US" smtClean="0"/>
-              <a:t>2/18/2019</a:t>
+              <a:t>3/11/2019</a:t>
             </a:fld>
             <a:endParaRPr lang="en-US"/>
           </a:p>
@@ -1840,7 +1840,7 @@
           <a:p>
             <a:fld id="{AAB2D3D3-1E26-436C-8467-9F82561659A6}" type="datetimeFigureOut">
               <a:rPr lang="en-US" smtClean="0"/>
-              <a:t>2/18/2019</a:t>
+              <a:t>3/11/2019</a:t>
             </a:fld>
             <a:endParaRPr lang="en-US"/>
           </a:p>
@@ -2117,7 +2117,7 @@
           <a:p>
             <a:fld id="{AAB2D3D3-1E26-436C-8467-9F82561659A6}" type="datetimeFigureOut">
               <a:rPr lang="en-US" smtClean="0"/>
-              <a:t>2/18/2019</a:t>
+              <a:t>3/11/2019</a:t>
             </a:fld>
             <a:endParaRPr lang="en-US"/>
           </a:p>
@@ -2370,7 +2370,7 @@
           <a:p>
             <a:fld id="{AAB2D3D3-1E26-436C-8467-9F82561659A6}" type="datetimeFigureOut">
               <a:rPr lang="en-US" smtClean="0"/>
-              <a:t>2/18/2019</a:t>
+              <a:t>3/11/2019</a:t>
             </a:fld>
             <a:endParaRPr lang="en-US"/>
           </a:p>
@@ -2583,7 +2583,7 @@
           <a:p>
             <a:fld id="{AAB2D3D3-1E26-436C-8467-9F82561659A6}" type="datetimeFigureOut">
               <a:rPr lang="en-US" smtClean="0"/>
-              <a:t>2/18/2019</a:t>
+              <a:t>3/11/2019</a:t>
             </a:fld>
             <a:endParaRPr lang="en-US"/>
           </a:p>
@@ -13454,11 +13454,7 @@
             <a:p>
               <a:r>
                 <a:rPr lang="en-US" dirty="0" smtClean="0"/>
-                <a:t>Decoded and Decrypted </a:t>
-              </a:r>
-              <a:r>
-                <a:rPr lang="en-US" dirty="0" smtClean="0"/>
-                <a:t>UI</a:t>
+                <a:t>Decoded and Decrypted UI</a:t>
               </a:r>
               <a:endParaRPr lang="en-US" dirty="0"/>
             </a:p>
@@ -14498,11 +14494,7 @@
             </a:r>
             <a:r>
               <a:rPr lang="en-US" dirty="0" smtClean="0"/>
-              <a:t> </a:t>
-            </a:r>
-            <a:r>
-              <a:rPr lang="en-US" dirty="0" smtClean="0"/>
-              <a:t>the Bridge</a:t>
+              <a:t> the Bridge</a:t>
             </a:r>
             <a:endParaRPr lang="en-US" dirty="0"/>
           </a:p>
@@ -19983,7 +19975,7 @@
         <p:spPr>
           <a:xfrm>
             <a:off x="0" y="1"/>
-            <a:ext cx="3435178" cy="1254210"/>
+            <a:ext cx="3435178" cy="1623541"/>
           </a:xfrm>
           <a:prstGeom prst="rect">
             <a:avLst/>
@@ -20157,7 +20149,7 @@
         </p:nvSpPr>
         <p:spPr>
           <a:xfrm>
-            <a:off x="1289972" y="1178353"/>
+            <a:off x="1289972" y="1623542"/>
             <a:ext cx="855234" cy="369332"/>
           </a:xfrm>
           <a:prstGeom prst="rect">
@@ -20223,6 +20215,214 @@
           </a:xfrm>
           <a:prstGeom prst="curvedConnector2">
             <a:avLst/>
+          </a:prstGeom>
+          <a:ln w="19050">
+            <a:tailEnd type="triangle"/>
+          </a:ln>
+        </p:spPr>
+        <p:style>
+          <a:lnRef idx="1">
+            <a:schemeClr val="dk1"/>
+          </a:lnRef>
+          <a:fillRef idx="0">
+            <a:schemeClr val="dk1"/>
+          </a:fillRef>
+          <a:effectRef idx="0">
+            <a:schemeClr val="dk1"/>
+          </a:effectRef>
+          <a:fontRef idx="minor">
+            <a:schemeClr val="tx1"/>
+          </a:fontRef>
+        </p:style>
+      </p:cxnSp>
+      <p:pic>
+        <p:nvPicPr>
+          <p:cNvPr id="11" name="Picture 10"/>
+          <p:cNvPicPr>
+            <a:picLocks noChangeAspect="1"/>
+          </p:cNvPicPr>
+          <p:nvPr/>
+        </p:nvPicPr>
+        <p:blipFill>
+          <a:blip r:embed="rId2" cstate="print">
+            <a:extLst>
+              <a:ext uri="{28A0092B-C50C-407E-A947-70E740481C1C}">
+                <a14:useLocalDpi xmlns:a14="http://schemas.microsoft.com/office/drawing/2010/main" val="0"/>
+              </a:ext>
+            </a:extLst>
+          </a:blip>
+          <a:stretch>
+            <a:fillRect/>
+          </a:stretch>
+        </p:blipFill>
+        <p:spPr>
+          <a:xfrm>
+            <a:off x="2737399" y="1321673"/>
+            <a:ext cx="172311" cy="172311"/>
+          </a:xfrm>
+          <a:prstGeom prst="rect">
+            <a:avLst/>
+          </a:prstGeom>
+        </p:spPr>
+      </p:pic>
+      <p:pic>
+        <p:nvPicPr>
+          <p:cNvPr id="2" name="Picture 1"/>
+          <p:cNvPicPr>
+            <a:picLocks noChangeAspect="1"/>
+          </p:cNvPicPr>
+          <p:nvPr/>
+        </p:nvPicPr>
+        <p:blipFill rotWithShape="1">
+          <a:blip r:embed="rId3" cstate="print">
+            <a:duotone>
+              <a:schemeClr val="accent2">
+                <a:shade val="45000"/>
+                <a:satMod val="135000"/>
+              </a:schemeClr>
+              <a:prstClr val="white"/>
+            </a:duotone>
+            <a:extLst>
+              <a:ext uri="{28A0092B-C50C-407E-A947-70E740481C1C}">
+                <a14:useLocalDpi xmlns:a14="http://schemas.microsoft.com/office/drawing/2010/main" val="0"/>
+              </a:ext>
+            </a:extLst>
+          </a:blip>
+          <a:srcRect l="30743" t="30973"/>
+          <a:stretch/>
+        </p:blipFill>
+        <p:spPr>
+          <a:xfrm>
+            <a:off x="2692095" y="1282510"/>
+            <a:ext cx="292765" cy="291793"/>
+          </a:xfrm>
+          <a:prstGeom prst="rect">
+            <a:avLst/>
+          </a:prstGeom>
+        </p:spPr>
+      </p:pic>
+      <p:sp>
+        <p:nvSpPr>
+          <p:cNvPr id="15" name="Rectangle 14"/>
+          <p:cNvSpPr/>
+          <p:nvPr/>
+        </p:nvSpPr>
+        <p:spPr>
+          <a:xfrm>
+            <a:off x="3352775" y="717039"/>
+            <a:ext cx="1062681" cy="646331"/>
+          </a:xfrm>
+          <a:prstGeom prst="rect">
+            <a:avLst/>
+          </a:prstGeom>
+        </p:spPr>
+        <p:txBody>
+          <a:bodyPr wrap="square">
+            <a:spAutoFit/>
+          </a:bodyPr>
+          <a:lstStyle/>
+          <a:p>
+            <a:pPr algn="ctr"/>
+            <a:r>
+              <a:rPr lang="en-US" dirty="0" smtClean="0">
+                <a:solidFill>
+                  <a:srgbClr val="C36729"/>
+                </a:solidFill>
+              </a:rPr>
+              <a:t>Overlaid cursor</a:t>
+            </a:r>
+            <a:endParaRPr lang="en-US" dirty="0">
+              <a:solidFill>
+                <a:srgbClr val="C36729"/>
+              </a:solidFill>
+            </a:endParaRPr>
+          </a:p>
+        </p:txBody>
+      </p:sp>
+      <p:cxnSp>
+        <p:nvCxnSpPr>
+          <p:cNvPr id="16" name="Curved Connector 15"/>
+          <p:cNvCxnSpPr>
+            <a:stCxn id="15" idx="2"/>
+            <a:endCxn id="2" idx="3"/>
+          </p:cNvCxnSpPr>
+          <p:nvPr/>
+        </p:nvCxnSpPr>
+        <p:spPr>
+          <a:xfrm rot="5400000">
+            <a:off x="3401970" y="946260"/>
+            <a:ext cx="65037" cy="899256"/>
+          </a:xfrm>
+          <a:prstGeom prst="curvedConnector2">
+            <a:avLst/>
+          </a:prstGeom>
+          <a:ln w="19050">
+            <a:solidFill>
+              <a:srgbClr val="C66E33"/>
+            </a:solidFill>
+            <a:tailEnd type="triangle"/>
+          </a:ln>
+        </p:spPr>
+        <p:style>
+          <a:lnRef idx="1">
+            <a:schemeClr val="dk1"/>
+          </a:lnRef>
+          <a:fillRef idx="0">
+            <a:schemeClr val="dk1"/>
+          </a:fillRef>
+          <a:effectRef idx="0">
+            <a:schemeClr val="dk1"/>
+          </a:effectRef>
+          <a:fontRef idx="minor">
+            <a:schemeClr val="tx1"/>
+          </a:fontRef>
+        </p:style>
+      </p:cxnSp>
+      <p:sp>
+        <p:nvSpPr>
+          <p:cNvPr id="21" name="Rectangle 20"/>
+          <p:cNvSpPr/>
+          <p:nvPr/>
+        </p:nvSpPr>
+        <p:spPr>
+          <a:xfrm>
+            <a:off x="972930" y="1225967"/>
+            <a:ext cx="1406313" cy="369332"/>
+          </a:xfrm>
+          <a:prstGeom prst="rect">
+            <a:avLst/>
+          </a:prstGeom>
+        </p:spPr>
+        <p:txBody>
+          <a:bodyPr wrap="square">
+            <a:spAutoFit/>
+          </a:bodyPr>
+          <a:lstStyle/>
+          <a:p>
+            <a:pPr algn="ctr"/>
+            <a:r>
+              <a:rPr lang="en-US" dirty="0" smtClean="0"/>
+              <a:t>Actual cursor</a:t>
+            </a:r>
+            <a:endParaRPr lang="en-US" dirty="0"/>
+          </a:p>
+        </p:txBody>
+      </p:sp>
+      <p:cxnSp>
+        <p:nvCxnSpPr>
+          <p:cNvPr id="22" name="Curved Connector 21"/>
+          <p:cNvCxnSpPr/>
+          <p:nvPr/>
+        </p:nvCxnSpPr>
+        <p:spPr>
+          <a:xfrm flipV="1">
+            <a:off x="2369718" y="1407828"/>
+            <a:ext cx="398882" cy="20581"/>
+          </a:xfrm>
+          <a:prstGeom prst="curvedConnector3">
+            <a:avLst>
+              <a:gd name="adj1" fmla="val 50000"/>
+            </a:avLst>
           </a:prstGeom>
           <a:ln w="19050">
             <a:tailEnd type="triangle"/>

--- a/aritra/MouseTracking/images/systemDesign.pptx
+++ b/aritra/MouseTracking/images/systemDesign.pptx
@@ -15,16 +15,17 @@
     <p:sldId id="257" r:id="rId9"/>
     <p:sldId id="268" r:id="rId10"/>
     <p:sldId id="258" r:id="rId11"/>
-    <p:sldId id="275" r:id="rId12"/>
-    <p:sldId id="267" r:id="rId13"/>
-    <p:sldId id="259" r:id="rId14"/>
-    <p:sldId id="260" r:id="rId15"/>
-    <p:sldId id="261" r:id="rId16"/>
-    <p:sldId id="263" r:id="rId17"/>
-    <p:sldId id="265" r:id="rId18"/>
-    <p:sldId id="270" r:id="rId19"/>
-    <p:sldId id="269" r:id="rId20"/>
-    <p:sldId id="271" r:id="rId21"/>
+    <p:sldId id="276" r:id="rId12"/>
+    <p:sldId id="275" r:id="rId13"/>
+    <p:sldId id="267" r:id="rId14"/>
+    <p:sldId id="259" r:id="rId15"/>
+    <p:sldId id="260" r:id="rId16"/>
+    <p:sldId id="261" r:id="rId17"/>
+    <p:sldId id="263" r:id="rId18"/>
+    <p:sldId id="265" r:id="rId19"/>
+    <p:sldId id="270" r:id="rId20"/>
+    <p:sldId id="269" r:id="rId21"/>
+    <p:sldId id="271" r:id="rId22"/>
   </p:sldIdLst>
   <p:sldSz cx="12192000" cy="6858000"/>
   <p:notesSz cx="6858000" cy="9144000"/>
@@ -262,7 +263,7 @@
           <a:p>
             <a:fld id="{AAB2D3D3-1E26-436C-8467-9F82561659A6}" type="datetimeFigureOut">
               <a:rPr lang="en-US" smtClean="0"/>
-              <a:t>3/11/2019</a:t>
+              <a:t>3/13/2019</a:t>
             </a:fld>
             <a:endParaRPr lang="en-US"/>
           </a:p>
@@ -432,7 +433,7 @@
           <a:p>
             <a:fld id="{AAB2D3D3-1E26-436C-8467-9F82561659A6}" type="datetimeFigureOut">
               <a:rPr lang="en-US" smtClean="0"/>
-              <a:t>3/11/2019</a:t>
+              <a:t>3/13/2019</a:t>
             </a:fld>
             <a:endParaRPr lang="en-US"/>
           </a:p>
@@ -612,7 +613,7 @@
           <a:p>
             <a:fld id="{AAB2D3D3-1E26-436C-8467-9F82561659A6}" type="datetimeFigureOut">
               <a:rPr lang="en-US" smtClean="0"/>
-              <a:t>3/11/2019</a:t>
+              <a:t>3/13/2019</a:t>
             </a:fld>
             <a:endParaRPr lang="en-US"/>
           </a:p>
@@ -782,7 +783,7 @@
           <a:p>
             <a:fld id="{AAB2D3D3-1E26-436C-8467-9F82561659A6}" type="datetimeFigureOut">
               <a:rPr lang="en-US" smtClean="0"/>
-              <a:t>3/11/2019</a:t>
+              <a:t>3/13/2019</a:t>
             </a:fld>
             <a:endParaRPr lang="en-US"/>
           </a:p>
@@ -1028,7 +1029,7 @@
           <a:p>
             <a:fld id="{AAB2D3D3-1E26-436C-8467-9F82561659A6}" type="datetimeFigureOut">
               <a:rPr lang="en-US" smtClean="0"/>
-              <a:t>3/11/2019</a:t>
+              <a:t>3/13/2019</a:t>
             </a:fld>
             <a:endParaRPr lang="en-US"/>
           </a:p>
@@ -1260,7 +1261,7 @@
           <a:p>
             <a:fld id="{AAB2D3D3-1E26-436C-8467-9F82561659A6}" type="datetimeFigureOut">
               <a:rPr lang="en-US" smtClean="0"/>
-              <a:t>3/11/2019</a:t>
+              <a:t>3/13/2019</a:t>
             </a:fld>
             <a:endParaRPr lang="en-US"/>
           </a:p>
@@ -1627,7 +1628,7 @@
           <a:p>
             <a:fld id="{AAB2D3D3-1E26-436C-8467-9F82561659A6}" type="datetimeFigureOut">
               <a:rPr lang="en-US" smtClean="0"/>
-              <a:t>3/11/2019</a:t>
+              <a:t>3/13/2019</a:t>
             </a:fld>
             <a:endParaRPr lang="en-US"/>
           </a:p>
@@ -1745,7 +1746,7 @@
           <a:p>
             <a:fld id="{AAB2D3D3-1E26-436C-8467-9F82561659A6}" type="datetimeFigureOut">
               <a:rPr lang="en-US" smtClean="0"/>
-              <a:t>3/11/2019</a:t>
+              <a:t>3/13/2019</a:t>
             </a:fld>
             <a:endParaRPr lang="en-US"/>
           </a:p>
@@ -1840,7 +1841,7 @@
           <a:p>
             <a:fld id="{AAB2D3D3-1E26-436C-8467-9F82561659A6}" type="datetimeFigureOut">
               <a:rPr lang="en-US" smtClean="0"/>
-              <a:t>3/11/2019</a:t>
+              <a:t>3/13/2019</a:t>
             </a:fld>
             <a:endParaRPr lang="en-US"/>
           </a:p>
@@ -2117,7 +2118,7 @@
           <a:p>
             <a:fld id="{AAB2D3D3-1E26-436C-8467-9F82561659A6}" type="datetimeFigureOut">
               <a:rPr lang="en-US" smtClean="0"/>
-              <a:t>3/11/2019</a:t>
+              <a:t>3/13/2019</a:t>
             </a:fld>
             <a:endParaRPr lang="en-US"/>
           </a:p>
@@ -2370,7 +2371,7 @@
           <a:p>
             <a:fld id="{AAB2D3D3-1E26-436C-8467-9F82561659A6}" type="datetimeFigureOut">
               <a:rPr lang="en-US" smtClean="0"/>
-              <a:t>3/11/2019</a:t>
+              <a:t>3/13/2019</a:t>
             </a:fld>
             <a:endParaRPr lang="en-US"/>
           </a:p>
@@ -2583,7 +2584,7 @@
           <a:p>
             <a:fld id="{AAB2D3D3-1E26-436C-8467-9F82561659A6}" type="datetimeFigureOut">
               <a:rPr lang="en-US" smtClean="0"/>
-              <a:t>3/11/2019</a:t>
+              <a:t>3/13/2019</a:t>
             </a:fld>
             <a:endParaRPr lang="en-US"/>
           </a:p>
@@ -3829,6 +3830,675 @@
         </p:nvSpPr>
         <p:spPr>
           <a:xfrm>
+            <a:off x="21196" y="115537"/>
+            <a:ext cx="4273996" cy="1985592"/>
+          </a:xfrm>
+          <a:prstGeom prst="roundRect">
+            <a:avLst>
+              <a:gd name="adj" fmla="val 4686"/>
+            </a:avLst>
+          </a:prstGeom>
+          <a:solidFill>
+            <a:schemeClr val="bg1"/>
+          </a:solidFill>
+          <a:ln w="19050">
+            <a:solidFill>
+              <a:schemeClr val="accent5"/>
+            </a:solidFill>
+          </a:ln>
+        </p:spPr>
+        <p:style>
+          <a:lnRef idx="2">
+            <a:schemeClr val="accent1">
+              <a:shade val="50000"/>
+            </a:schemeClr>
+          </a:lnRef>
+          <a:fillRef idx="1">
+            <a:schemeClr val="accent1"/>
+          </a:fillRef>
+          <a:effectRef idx="0">
+            <a:schemeClr val="accent1"/>
+          </a:effectRef>
+          <a:fontRef idx="minor">
+            <a:schemeClr val="lt1"/>
+          </a:fontRef>
+        </p:style>
+        <p:txBody>
+          <a:bodyPr rtlCol="0" anchor="ctr"/>
+          <a:lstStyle/>
+          <a:p>
+            <a:pPr algn="ctr"/>
+            <a:endParaRPr lang="en-US"/>
+          </a:p>
+        </p:txBody>
+      </p:sp>
+      <p:sp>
+        <p:nvSpPr>
+          <p:cNvPr id="7" name="TextBox 6"/>
+          <p:cNvSpPr txBox="1"/>
+          <p:nvPr/>
+        </p:nvSpPr>
+        <p:spPr>
+          <a:xfrm>
+            <a:off x="121920" y="-106680"/>
+            <a:ext cx="1522468" cy="369332"/>
+          </a:xfrm>
+          <a:prstGeom prst="rect">
+            <a:avLst/>
+          </a:prstGeom>
+          <a:solidFill>
+            <a:schemeClr val="bg1"/>
+          </a:solidFill>
+        </p:spPr>
+        <p:txBody>
+          <a:bodyPr wrap="none" rtlCol="0">
+            <a:spAutoFit/>
+          </a:bodyPr>
+          <a:lstStyle/>
+          <a:p>
+            <a:r>
+              <a:rPr lang="en-US" dirty="0" smtClean="0"/>
+              <a:t>Sensitive form</a:t>
+            </a:r>
+            <a:endParaRPr lang="en-US" dirty="0"/>
+          </a:p>
+        </p:txBody>
+      </p:sp>
+      <p:sp>
+        <p:nvSpPr>
+          <p:cNvPr id="8" name="Rectangle 7"/>
+          <p:cNvSpPr/>
+          <p:nvPr/>
+        </p:nvSpPr>
+        <p:spPr>
+          <a:xfrm>
+            <a:off x="854779" y="1519813"/>
+            <a:ext cx="819150" cy="411480"/>
+          </a:xfrm>
+          <a:prstGeom prst="rect">
+            <a:avLst/>
+          </a:prstGeom>
+          <a:solidFill>
+            <a:schemeClr val="bg2"/>
+          </a:solidFill>
+          <a:ln w="12700">
+            <a:solidFill>
+              <a:schemeClr val="tx1"/>
+            </a:solidFill>
+          </a:ln>
+        </p:spPr>
+        <p:style>
+          <a:lnRef idx="2">
+            <a:schemeClr val="accent1">
+              <a:shade val="50000"/>
+            </a:schemeClr>
+          </a:lnRef>
+          <a:fillRef idx="1">
+            <a:schemeClr val="accent1"/>
+          </a:fillRef>
+          <a:effectRef idx="0">
+            <a:schemeClr val="accent1"/>
+          </a:effectRef>
+          <a:fontRef idx="minor">
+            <a:schemeClr val="lt1"/>
+          </a:fontRef>
+        </p:style>
+        <p:txBody>
+          <a:bodyPr rtlCol="0" anchor="ctr"/>
+          <a:lstStyle/>
+          <a:p>
+            <a:pPr algn="ctr"/>
+            <a:r>
+              <a:rPr lang="en-US" b="1" dirty="0" smtClean="0">
+                <a:solidFill>
+                  <a:schemeClr val="tx1"/>
+                </a:solidFill>
+              </a:rPr>
+              <a:t>OK</a:t>
+            </a:r>
+            <a:endParaRPr lang="en-US" b="1" dirty="0">
+              <a:solidFill>
+                <a:schemeClr val="tx1"/>
+              </a:solidFill>
+            </a:endParaRPr>
+          </a:p>
+        </p:txBody>
+      </p:sp>
+      <p:sp>
+        <p:nvSpPr>
+          <p:cNvPr id="10" name="Rectangle 9"/>
+          <p:cNvSpPr/>
+          <p:nvPr/>
+        </p:nvSpPr>
+        <p:spPr>
+          <a:xfrm>
+            <a:off x="1764030" y="367169"/>
+            <a:ext cx="2324100" cy="379214"/>
+          </a:xfrm>
+          <a:prstGeom prst="rect">
+            <a:avLst/>
+          </a:prstGeom>
+          <a:solidFill>
+            <a:schemeClr val="bg1"/>
+          </a:solidFill>
+          <a:ln w="19050">
+            <a:solidFill>
+              <a:schemeClr val="tx1"/>
+            </a:solidFill>
+          </a:ln>
+        </p:spPr>
+        <p:style>
+          <a:lnRef idx="2">
+            <a:schemeClr val="accent1">
+              <a:shade val="50000"/>
+            </a:schemeClr>
+          </a:lnRef>
+          <a:fillRef idx="1">
+            <a:schemeClr val="accent1"/>
+          </a:fillRef>
+          <a:effectRef idx="0">
+            <a:schemeClr val="accent1"/>
+          </a:effectRef>
+          <a:fontRef idx="minor">
+            <a:schemeClr val="lt1"/>
+          </a:fontRef>
+        </p:style>
+        <p:txBody>
+          <a:bodyPr rtlCol="0" anchor="ctr"/>
+          <a:lstStyle/>
+          <a:p>
+            <a:pPr algn="ctr"/>
+            <a:endParaRPr lang="en-US"/>
+          </a:p>
+        </p:txBody>
+      </p:sp>
+      <p:sp>
+        <p:nvSpPr>
+          <p:cNvPr id="11" name="TextBox 10"/>
+          <p:cNvSpPr txBox="1"/>
+          <p:nvPr/>
+        </p:nvSpPr>
+        <p:spPr>
+          <a:xfrm>
+            <a:off x="110051" y="384671"/>
+            <a:ext cx="1653979" cy="369332"/>
+          </a:xfrm>
+          <a:prstGeom prst="rect">
+            <a:avLst/>
+          </a:prstGeom>
+          <a:solidFill>
+            <a:schemeClr val="bg1"/>
+          </a:solidFill>
+        </p:spPr>
+        <p:txBody>
+          <a:bodyPr wrap="none" rtlCol="0">
+            <a:spAutoFit/>
+          </a:bodyPr>
+          <a:lstStyle/>
+          <a:p>
+            <a:r>
+              <a:rPr lang="en-US" dirty="0" smtClean="0"/>
+              <a:t>Sensitive field 1</a:t>
+            </a:r>
+            <a:endParaRPr lang="en-US" dirty="0"/>
+          </a:p>
+        </p:txBody>
+      </p:sp>
+      <p:sp>
+        <p:nvSpPr>
+          <p:cNvPr id="12" name="Rectangle 11"/>
+          <p:cNvSpPr/>
+          <p:nvPr/>
+        </p:nvSpPr>
+        <p:spPr>
+          <a:xfrm>
+            <a:off x="1764030" y="918726"/>
+            <a:ext cx="2324100" cy="379214"/>
+          </a:xfrm>
+          <a:prstGeom prst="rect">
+            <a:avLst/>
+          </a:prstGeom>
+          <a:solidFill>
+            <a:schemeClr val="bg1"/>
+          </a:solidFill>
+          <a:ln w="19050">
+            <a:solidFill>
+              <a:schemeClr val="tx1"/>
+            </a:solidFill>
+          </a:ln>
+        </p:spPr>
+        <p:style>
+          <a:lnRef idx="2">
+            <a:schemeClr val="accent1">
+              <a:shade val="50000"/>
+            </a:schemeClr>
+          </a:lnRef>
+          <a:fillRef idx="1">
+            <a:schemeClr val="accent1"/>
+          </a:fillRef>
+          <a:effectRef idx="0">
+            <a:schemeClr val="accent1"/>
+          </a:effectRef>
+          <a:fontRef idx="minor">
+            <a:schemeClr val="lt1"/>
+          </a:fontRef>
+        </p:style>
+        <p:txBody>
+          <a:bodyPr rtlCol="0" anchor="ctr"/>
+          <a:lstStyle/>
+          <a:p>
+            <a:pPr algn="ctr"/>
+            <a:endParaRPr lang="en-US"/>
+          </a:p>
+        </p:txBody>
+      </p:sp>
+      <p:sp>
+        <p:nvSpPr>
+          <p:cNvPr id="13" name="TextBox 12"/>
+          <p:cNvSpPr txBox="1"/>
+          <p:nvPr/>
+        </p:nvSpPr>
+        <p:spPr>
+          <a:xfrm>
+            <a:off x="110051" y="936228"/>
+            <a:ext cx="1653979" cy="369332"/>
+          </a:xfrm>
+          <a:prstGeom prst="rect">
+            <a:avLst/>
+          </a:prstGeom>
+          <a:solidFill>
+            <a:schemeClr val="bg1"/>
+          </a:solidFill>
+        </p:spPr>
+        <p:txBody>
+          <a:bodyPr wrap="none" rtlCol="0">
+            <a:spAutoFit/>
+          </a:bodyPr>
+          <a:lstStyle/>
+          <a:p>
+            <a:r>
+              <a:rPr lang="en-US" dirty="0" smtClean="0"/>
+              <a:t>Sensitive field 2</a:t>
+            </a:r>
+            <a:endParaRPr lang="en-US" dirty="0"/>
+          </a:p>
+        </p:txBody>
+      </p:sp>
+      <p:pic>
+        <p:nvPicPr>
+          <p:cNvPr id="14" name="Picture 13"/>
+          <p:cNvPicPr>
+            <a:picLocks noChangeAspect="1"/>
+          </p:cNvPicPr>
+          <p:nvPr/>
+        </p:nvPicPr>
+        <p:blipFill>
+          <a:blip r:embed="rId2" cstate="print">
+            <a:extLst>
+              <a:ext uri="{28A0092B-C50C-407E-A947-70E740481C1C}">
+                <a14:useLocalDpi xmlns:a14="http://schemas.microsoft.com/office/drawing/2010/main" val="0"/>
+              </a:ext>
+            </a:extLst>
+          </a:blip>
+          <a:stretch>
+            <a:fillRect/>
+          </a:stretch>
+        </p:blipFill>
+        <p:spPr>
+          <a:xfrm>
+            <a:off x="989781" y="1694180"/>
+            <a:ext cx="172311" cy="172311"/>
+          </a:xfrm>
+          <a:prstGeom prst="rect">
+            <a:avLst/>
+          </a:prstGeom>
+        </p:spPr>
+      </p:pic>
+      <p:sp>
+        <p:nvSpPr>
+          <p:cNvPr id="15" name="Rectangle 14"/>
+          <p:cNvSpPr/>
+          <p:nvPr/>
+        </p:nvSpPr>
+        <p:spPr>
+          <a:xfrm>
+            <a:off x="954956" y="1656080"/>
+            <a:ext cx="241959" cy="241959"/>
+          </a:xfrm>
+          <a:prstGeom prst="rect">
+            <a:avLst/>
+          </a:prstGeom>
+          <a:noFill/>
+          <a:ln w="28575">
+            <a:solidFill>
+              <a:srgbClr val="FF0000"/>
+            </a:solidFill>
+            <a:prstDash val="solid"/>
+          </a:ln>
+        </p:spPr>
+        <p:style>
+          <a:lnRef idx="2">
+            <a:schemeClr val="accent1">
+              <a:shade val="50000"/>
+            </a:schemeClr>
+          </a:lnRef>
+          <a:fillRef idx="1">
+            <a:schemeClr val="accent1"/>
+          </a:fillRef>
+          <a:effectRef idx="0">
+            <a:schemeClr val="accent1"/>
+          </a:effectRef>
+          <a:fontRef idx="minor">
+            <a:schemeClr val="lt1"/>
+          </a:fontRef>
+        </p:style>
+        <p:txBody>
+          <a:bodyPr rtlCol="0" anchor="ctr"/>
+          <a:lstStyle/>
+          <a:p>
+            <a:pPr algn="ctr"/>
+            <a:endParaRPr lang="en-US"/>
+          </a:p>
+        </p:txBody>
+      </p:sp>
+      <p:sp>
+        <p:nvSpPr>
+          <p:cNvPr id="16" name="Rectangle 15"/>
+          <p:cNvSpPr/>
+          <p:nvPr/>
+        </p:nvSpPr>
+        <p:spPr>
+          <a:xfrm>
+            <a:off x="798061" y="1462663"/>
+            <a:ext cx="925626" cy="521970"/>
+          </a:xfrm>
+          <a:prstGeom prst="rect">
+            <a:avLst/>
+          </a:prstGeom>
+          <a:noFill/>
+          <a:ln w="28575">
+            <a:solidFill>
+              <a:srgbClr val="FF0000"/>
+            </a:solidFill>
+            <a:prstDash val="solid"/>
+          </a:ln>
+        </p:spPr>
+        <p:style>
+          <a:lnRef idx="2">
+            <a:schemeClr val="accent1">
+              <a:shade val="50000"/>
+            </a:schemeClr>
+          </a:lnRef>
+          <a:fillRef idx="1">
+            <a:schemeClr val="accent1"/>
+          </a:fillRef>
+          <a:effectRef idx="0">
+            <a:schemeClr val="accent1"/>
+          </a:effectRef>
+          <a:fontRef idx="minor">
+            <a:schemeClr val="lt1"/>
+          </a:fontRef>
+        </p:style>
+        <p:txBody>
+          <a:bodyPr rtlCol="0" anchor="ctr"/>
+          <a:lstStyle/>
+          <a:p>
+            <a:pPr algn="ctr"/>
+            <a:endParaRPr lang="en-US"/>
+          </a:p>
+        </p:txBody>
+      </p:sp>
+      <p:sp>
+        <p:nvSpPr>
+          <p:cNvPr id="2" name="Rectangle 1"/>
+          <p:cNvSpPr/>
+          <p:nvPr/>
+        </p:nvSpPr>
+        <p:spPr>
+          <a:xfrm>
+            <a:off x="-49883" y="1205677"/>
+            <a:ext cx="989907" cy="646331"/>
+          </a:xfrm>
+          <a:prstGeom prst="rect">
+            <a:avLst/>
+          </a:prstGeom>
+        </p:spPr>
+        <p:txBody>
+          <a:bodyPr wrap="square">
+            <a:spAutoFit/>
+          </a:bodyPr>
+          <a:lstStyle/>
+          <a:p>
+            <a:r>
+              <a:rPr lang="en-US" dirty="0" smtClean="0">
+                <a:solidFill>
+                  <a:srgbClr val="FF0000"/>
+                </a:solidFill>
+              </a:rPr>
+              <a:t>Mouse pointer</a:t>
+            </a:r>
+            <a:endParaRPr lang="en-US" dirty="0">
+              <a:solidFill>
+                <a:srgbClr val="FF0000"/>
+              </a:solidFill>
+            </a:endParaRPr>
+          </a:p>
+        </p:txBody>
+      </p:sp>
+      <p:sp>
+        <p:nvSpPr>
+          <p:cNvPr id="17" name="Rectangle 16"/>
+          <p:cNvSpPr/>
+          <p:nvPr/>
+        </p:nvSpPr>
+        <p:spPr>
+          <a:xfrm>
+            <a:off x="1723636" y="1251395"/>
+            <a:ext cx="1295996" cy="369332"/>
+          </a:xfrm>
+          <a:prstGeom prst="rect">
+            <a:avLst/>
+          </a:prstGeom>
+        </p:spPr>
+        <p:txBody>
+          <a:bodyPr wrap="none">
+            <a:spAutoFit/>
+          </a:bodyPr>
+          <a:lstStyle/>
+          <a:p>
+            <a:r>
+              <a:rPr lang="en-US" dirty="0" smtClean="0">
+                <a:solidFill>
+                  <a:srgbClr val="FF0000"/>
+                </a:solidFill>
+              </a:rPr>
+              <a:t>UI snapshot</a:t>
+            </a:r>
+            <a:endParaRPr lang="en-US" dirty="0">
+              <a:solidFill>
+                <a:srgbClr val="FF0000"/>
+              </a:solidFill>
+            </a:endParaRPr>
+          </a:p>
+        </p:txBody>
+      </p:sp>
+      <p:cxnSp>
+        <p:nvCxnSpPr>
+          <p:cNvPr id="18" name="Curved Connector 17"/>
+          <p:cNvCxnSpPr>
+            <a:endCxn id="15" idx="1"/>
+          </p:cNvCxnSpPr>
+          <p:nvPr/>
+        </p:nvCxnSpPr>
+        <p:spPr>
+          <a:xfrm flipV="1">
+            <a:off x="451022" y="1777060"/>
+            <a:ext cx="503934" cy="74949"/>
+          </a:xfrm>
+          <a:prstGeom prst="curvedConnector3">
+            <a:avLst/>
+          </a:prstGeom>
+          <a:ln w="19050">
+            <a:solidFill>
+              <a:srgbClr val="FF0000"/>
+            </a:solidFill>
+            <a:headEnd type="none" w="med" len="med"/>
+            <a:tailEnd type="arrow" w="med" len="med"/>
+          </a:ln>
+        </p:spPr>
+        <p:style>
+          <a:lnRef idx="1">
+            <a:schemeClr val="accent1"/>
+          </a:lnRef>
+          <a:fillRef idx="0">
+            <a:schemeClr val="accent1"/>
+          </a:fillRef>
+          <a:effectRef idx="0">
+            <a:schemeClr val="accent1"/>
+          </a:effectRef>
+          <a:fontRef idx="minor">
+            <a:schemeClr val="tx1"/>
+          </a:fontRef>
+        </p:style>
+      </p:cxnSp>
+      <p:cxnSp>
+        <p:nvCxnSpPr>
+          <p:cNvPr id="20" name="Curved Connector 19"/>
+          <p:cNvCxnSpPr>
+            <a:stCxn id="17" idx="2"/>
+            <a:endCxn id="16" idx="3"/>
+          </p:cNvCxnSpPr>
+          <p:nvPr/>
+        </p:nvCxnSpPr>
+        <p:spPr>
+          <a:xfrm rot="5400000">
+            <a:off x="1996201" y="1348214"/>
+            <a:ext cx="102921" cy="647947"/>
+          </a:xfrm>
+          <a:prstGeom prst="curvedConnector2">
+            <a:avLst/>
+          </a:prstGeom>
+          <a:ln w="19050">
+            <a:solidFill>
+              <a:srgbClr val="FF0000"/>
+            </a:solidFill>
+            <a:headEnd type="none" w="med" len="med"/>
+            <a:tailEnd type="arrow" w="med" len="med"/>
+          </a:ln>
+        </p:spPr>
+        <p:style>
+          <a:lnRef idx="1">
+            <a:schemeClr val="accent1"/>
+          </a:lnRef>
+          <a:fillRef idx="0">
+            <a:schemeClr val="accent1"/>
+          </a:fillRef>
+          <a:effectRef idx="0">
+            <a:schemeClr val="accent1"/>
+          </a:effectRef>
+          <a:fontRef idx="minor">
+            <a:schemeClr val="tx1"/>
+          </a:fontRef>
+        </p:style>
+      </p:cxnSp>
+      <p:sp>
+        <p:nvSpPr>
+          <p:cNvPr id="27" name="Rectangle 26"/>
+          <p:cNvSpPr/>
+          <p:nvPr/>
+        </p:nvSpPr>
+        <p:spPr>
+          <a:xfrm>
+            <a:off x="3019632" y="1519813"/>
+            <a:ext cx="819150" cy="411480"/>
+          </a:xfrm>
+          <a:prstGeom prst="rect">
+            <a:avLst/>
+          </a:prstGeom>
+          <a:solidFill>
+            <a:schemeClr val="bg2"/>
+          </a:solidFill>
+          <a:ln w="12700">
+            <a:solidFill>
+              <a:schemeClr val="tx1"/>
+            </a:solidFill>
+          </a:ln>
+        </p:spPr>
+        <p:style>
+          <a:lnRef idx="2">
+            <a:schemeClr val="accent1">
+              <a:shade val="50000"/>
+            </a:schemeClr>
+          </a:lnRef>
+          <a:fillRef idx="1">
+            <a:schemeClr val="accent1"/>
+          </a:fillRef>
+          <a:effectRef idx="0">
+            <a:schemeClr val="accent1"/>
+          </a:effectRef>
+          <a:fontRef idx="minor">
+            <a:schemeClr val="lt1"/>
+          </a:fontRef>
+        </p:style>
+        <p:txBody>
+          <a:bodyPr rtlCol="0" anchor="ctr"/>
+          <a:lstStyle/>
+          <a:p>
+            <a:pPr algn="ctr"/>
+            <a:r>
+              <a:rPr lang="en-US" b="1" dirty="0" smtClean="0">
+                <a:solidFill>
+                  <a:schemeClr val="tx1"/>
+                </a:solidFill>
+              </a:rPr>
+              <a:t>Cancel</a:t>
+            </a:r>
+            <a:endParaRPr lang="en-US" b="1" dirty="0">
+              <a:solidFill>
+                <a:schemeClr val="tx1"/>
+              </a:solidFill>
+            </a:endParaRPr>
+          </a:p>
+        </p:txBody>
+      </p:sp>
+    </p:spTree>
+    <p:extLst>
+      <p:ext uri="{BB962C8B-B14F-4D97-AF65-F5344CB8AC3E}">
+        <p14:creationId xmlns:p14="http://schemas.microsoft.com/office/powerpoint/2010/main" val="3570193376"/>
+      </p:ext>
+    </p:extLst>
+  </p:cSld>
+  <p:clrMapOvr>
+    <a:masterClrMapping/>
+  </p:clrMapOvr>
+</p:sld>
+</file>
+
+<file path=ppt/slides/slide12.xml><?xml version="1.0" encoding="utf-8"?>
+<p:sld xmlns:a="http://schemas.openxmlformats.org/drawingml/2006/main" xmlns:r="http://schemas.openxmlformats.org/officeDocument/2006/relationships" xmlns:p="http://schemas.openxmlformats.org/presentationml/2006/main">
+  <p:cSld>
+    <p:spTree>
+      <p:nvGrpSpPr>
+        <p:cNvPr id="1" name=""/>
+        <p:cNvGrpSpPr/>
+        <p:nvPr/>
+      </p:nvGrpSpPr>
+      <p:grpSpPr>
+        <a:xfrm>
+          <a:off x="0" y="0"/>
+          <a:ext cx="0" cy="0"/>
+          <a:chOff x="0" y="0"/>
+          <a:chExt cx="0" cy="0"/>
+        </a:xfrm>
+      </p:grpSpPr>
+      <p:sp>
+        <p:nvSpPr>
+          <p:cNvPr id="4" name="Rounded Rectangle 3"/>
+          <p:cNvSpPr/>
+          <p:nvPr/>
+        </p:nvSpPr>
+        <p:spPr>
+          <a:xfrm>
             <a:off x="7620" y="77986"/>
             <a:ext cx="5722620" cy="2103120"/>
           </a:xfrm>
@@ -4527,7 +5197,7 @@
 </p:sld>
 </file>
 
-<file path=ppt/slides/slide12.xml><?xml version="1.0" encoding="utf-8"?>
+<file path=ppt/slides/slide13.xml><?xml version="1.0" encoding="utf-8"?>
 <p:sld xmlns:a="http://schemas.openxmlformats.org/drawingml/2006/main" xmlns:r="http://schemas.openxmlformats.org/officeDocument/2006/relationships" xmlns:p="http://schemas.openxmlformats.org/presentationml/2006/main">
   <p:cSld>
     <p:spTree>
@@ -7104,7 +7774,7 @@
 </p:sld>
 </file>
 
-<file path=ppt/slides/slide13.xml><?xml version="1.0" encoding="utf-8"?>
+<file path=ppt/slides/slide14.xml><?xml version="1.0" encoding="utf-8"?>
 <p:sld xmlns:a="http://schemas.openxmlformats.org/drawingml/2006/main" xmlns:r="http://schemas.openxmlformats.org/officeDocument/2006/relationships" xmlns:p="http://schemas.openxmlformats.org/presentationml/2006/main">
   <p:cSld>
     <p:spTree>
@@ -8796,7 +9466,7 @@
 </p:sld>
 </file>
 
-<file path=ppt/slides/slide14.xml><?xml version="1.0" encoding="utf-8"?>
+<file path=ppt/slides/slide15.xml><?xml version="1.0" encoding="utf-8"?>
 <p:sld xmlns:a="http://schemas.openxmlformats.org/drawingml/2006/main" xmlns:r="http://schemas.openxmlformats.org/officeDocument/2006/relationships" xmlns:p="http://schemas.openxmlformats.org/presentationml/2006/main">
   <p:cSld>
     <p:spTree>
@@ -9894,7 +10564,7 @@
 </p:sld>
 </file>
 
-<file path=ppt/slides/slide15.xml><?xml version="1.0" encoding="utf-8"?>
+<file path=ppt/slides/slide16.xml><?xml version="1.0" encoding="utf-8"?>
 <p:sld xmlns:a="http://schemas.openxmlformats.org/drawingml/2006/main" xmlns:r="http://schemas.openxmlformats.org/officeDocument/2006/relationships" xmlns:p="http://schemas.openxmlformats.org/presentationml/2006/main">
   <p:cSld>
     <p:spTree>
@@ -10762,7 +11432,7 @@
 </p:sld>
 </file>
 
-<file path=ppt/slides/slide16.xml><?xml version="1.0" encoding="utf-8"?>
+<file path=ppt/slides/slide17.xml><?xml version="1.0" encoding="utf-8"?>
 <p:sld xmlns:a="http://schemas.openxmlformats.org/drawingml/2006/main" xmlns:r="http://schemas.openxmlformats.org/officeDocument/2006/relationships" xmlns:p="http://schemas.openxmlformats.org/presentationml/2006/main">
   <p:cSld>
     <p:spTree>
@@ -11537,7 +12207,7 @@
 </p:sld>
 </file>
 
-<file path=ppt/slides/slide17.xml><?xml version="1.0" encoding="utf-8"?>
+<file path=ppt/slides/slide18.xml><?xml version="1.0" encoding="utf-8"?>
 <p:sld xmlns:a="http://schemas.openxmlformats.org/drawingml/2006/main" xmlns:r="http://schemas.openxmlformats.org/officeDocument/2006/relationships" xmlns:p="http://schemas.openxmlformats.org/presentationml/2006/main">
   <p:cSld>
     <p:spTree>
@@ -12862,7 +13532,7 @@
 </p:sld>
 </file>
 
-<file path=ppt/slides/slide18.xml><?xml version="1.0" encoding="utf-8"?>
+<file path=ppt/slides/slide19.xml><?xml version="1.0" encoding="utf-8"?>
 <p:sld xmlns:a="http://schemas.openxmlformats.org/drawingml/2006/main" xmlns:r="http://schemas.openxmlformats.org/officeDocument/2006/relationships" xmlns:p="http://schemas.openxmlformats.org/presentationml/2006/main">
   <p:cSld>
     <p:spTree>
@@ -14766,232 +15436,6 @@
 </p:sld>
 </file>
 
-<file path=ppt/slides/slide19.xml><?xml version="1.0" encoding="utf-8"?>
-<p:sld xmlns:a="http://schemas.openxmlformats.org/drawingml/2006/main" xmlns:r="http://schemas.openxmlformats.org/officeDocument/2006/relationships" xmlns:p="http://schemas.openxmlformats.org/presentationml/2006/main">
-  <p:cSld>
-    <p:spTree>
-      <p:nvGrpSpPr>
-        <p:cNvPr id="1" name=""/>
-        <p:cNvGrpSpPr/>
-        <p:nvPr/>
-      </p:nvGrpSpPr>
-      <p:grpSpPr>
-        <a:xfrm>
-          <a:off x="0" y="0"/>
-          <a:ext cx="0" cy="0"/>
-          <a:chOff x="0" y="0"/>
-          <a:chExt cx="0" cy="0"/>
-        </a:xfrm>
-      </p:grpSpPr>
-      <p:pic>
-        <p:nvPicPr>
-          <p:cNvPr id="4" name="Picture 3"/>
-          <p:cNvPicPr>
-            <a:picLocks noChangeAspect="1"/>
-          </p:cNvPicPr>
-          <p:nvPr/>
-        </p:nvPicPr>
-        <p:blipFill>
-          <a:blip r:embed="rId2">
-            <a:extLst>
-              <a:ext uri="{28A0092B-C50C-407E-A947-70E740481C1C}">
-                <a14:useLocalDpi xmlns:a14="http://schemas.microsoft.com/office/drawing/2010/main" val="0"/>
-              </a:ext>
-            </a:extLst>
-          </a:blip>
-          <a:stretch>
-            <a:fillRect/>
-          </a:stretch>
-        </p:blipFill>
-        <p:spPr>
-          <a:xfrm>
-            <a:off x="0" y="0"/>
-            <a:ext cx="5067300" cy="3562350"/>
-          </a:xfrm>
-          <a:prstGeom prst="rect">
-            <a:avLst/>
-          </a:prstGeom>
-        </p:spPr>
-      </p:pic>
-      <p:sp>
-        <p:nvSpPr>
-          <p:cNvPr id="5" name="Rectangle 4"/>
-          <p:cNvSpPr/>
-          <p:nvPr/>
-        </p:nvSpPr>
-        <p:spPr>
-          <a:xfrm>
-            <a:off x="268014" y="1005052"/>
-            <a:ext cx="1608083" cy="1580493"/>
-          </a:xfrm>
-          <a:prstGeom prst="rect">
-            <a:avLst/>
-          </a:prstGeom>
-          <a:noFill/>
-          <a:ln w="38100">
-            <a:solidFill>
-              <a:srgbClr val="FF0000"/>
-            </a:solidFill>
-          </a:ln>
-        </p:spPr>
-        <p:style>
-          <a:lnRef idx="2">
-            <a:schemeClr val="accent1">
-              <a:shade val="50000"/>
-            </a:schemeClr>
-          </a:lnRef>
-          <a:fillRef idx="1">
-            <a:schemeClr val="accent1"/>
-          </a:fillRef>
-          <a:effectRef idx="0">
-            <a:schemeClr val="accent1"/>
-          </a:effectRef>
-          <a:fontRef idx="minor">
-            <a:schemeClr val="lt1"/>
-          </a:fontRef>
-        </p:style>
-        <p:txBody>
-          <a:bodyPr rtlCol="0" anchor="ctr"/>
-          <a:lstStyle/>
-          <a:p>
-            <a:pPr algn="ctr"/>
-            <a:endParaRPr lang="en-US"/>
-          </a:p>
-        </p:txBody>
-      </p:sp>
-      <p:sp>
-        <p:nvSpPr>
-          <p:cNvPr id="6" name="Rectangle 5"/>
-          <p:cNvSpPr/>
-          <p:nvPr/>
-        </p:nvSpPr>
-        <p:spPr>
-          <a:xfrm>
-            <a:off x="74886" y="3256236"/>
-            <a:ext cx="5052848" cy="334361"/>
-          </a:xfrm>
-          <a:prstGeom prst="rect">
-            <a:avLst/>
-          </a:prstGeom>
-          <a:noFill/>
-          <a:ln w="38100">
-            <a:solidFill>
-              <a:srgbClr val="FF0000"/>
-            </a:solidFill>
-          </a:ln>
-        </p:spPr>
-        <p:style>
-          <a:lnRef idx="2">
-            <a:schemeClr val="accent1">
-              <a:shade val="50000"/>
-            </a:schemeClr>
-          </a:lnRef>
-          <a:fillRef idx="1">
-            <a:schemeClr val="accent1"/>
-          </a:fillRef>
-          <a:effectRef idx="0">
-            <a:schemeClr val="accent1"/>
-          </a:effectRef>
-          <a:fontRef idx="minor">
-            <a:schemeClr val="lt1"/>
-          </a:fontRef>
-        </p:style>
-        <p:txBody>
-          <a:bodyPr rtlCol="0" anchor="ctr"/>
-          <a:lstStyle/>
-          <a:p>
-            <a:pPr algn="ctr"/>
-            <a:endParaRPr lang="en-US"/>
-          </a:p>
-        </p:txBody>
-      </p:sp>
-      <p:sp>
-        <p:nvSpPr>
-          <p:cNvPr id="7" name="Rectangle 6"/>
-          <p:cNvSpPr/>
-          <p:nvPr/>
-        </p:nvSpPr>
-        <p:spPr>
-          <a:xfrm>
-            <a:off x="1833868" y="879507"/>
-            <a:ext cx="2735621" cy="369332"/>
-          </a:xfrm>
-          <a:prstGeom prst="rect">
-            <a:avLst/>
-          </a:prstGeom>
-        </p:spPr>
-        <p:txBody>
-          <a:bodyPr wrap="none">
-            <a:spAutoFit/>
-          </a:bodyPr>
-          <a:lstStyle/>
-          <a:p>
-            <a:r>
-              <a:rPr lang="en-US" b="1" dirty="0" smtClean="0">
-                <a:solidFill>
-                  <a:srgbClr val="FF0000"/>
-                </a:solidFill>
-              </a:rPr>
-              <a:t>Remote server’s certificate</a:t>
-            </a:r>
-            <a:endParaRPr lang="en-US" b="1" dirty="0">
-              <a:solidFill>
-                <a:srgbClr val="FF0000"/>
-              </a:solidFill>
-            </a:endParaRPr>
-          </a:p>
-        </p:txBody>
-      </p:sp>
-      <p:sp>
-        <p:nvSpPr>
-          <p:cNvPr id="10" name="Rectangle 9"/>
-          <p:cNvSpPr/>
-          <p:nvPr/>
-        </p:nvSpPr>
-        <p:spPr>
-          <a:xfrm>
-            <a:off x="2764034" y="2858657"/>
-            <a:ext cx="2456955" cy="369332"/>
-          </a:xfrm>
-          <a:prstGeom prst="rect">
-            <a:avLst/>
-          </a:prstGeom>
-        </p:spPr>
-        <p:txBody>
-          <a:bodyPr wrap="none">
-            <a:spAutoFit/>
-          </a:bodyPr>
-          <a:lstStyle/>
-          <a:p>
-            <a:r>
-              <a:rPr lang="en-US" b="1" dirty="0" smtClean="0">
-                <a:solidFill>
-                  <a:srgbClr val="FF0000"/>
-                </a:solidFill>
-              </a:rPr>
-              <a:t>Certificate of the Bridge</a:t>
-            </a:r>
-            <a:endParaRPr lang="en-US" b="1" dirty="0">
-              <a:solidFill>
-                <a:srgbClr val="FF0000"/>
-              </a:solidFill>
-            </a:endParaRPr>
-          </a:p>
-        </p:txBody>
-      </p:sp>
-    </p:spTree>
-    <p:extLst>
-      <p:ext uri="{BB962C8B-B14F-4D97-AF65-F5344CB8AC3E}">
-        <p14:creationId xmlns:p14="http://schemas.microsoft.com/office/powerpoint/2010/main" val="1280400003"/>
-      </p:ext>
-    </p:extLst>
-  </p:cSld>
-  <p:clrMapOvr>
-    <a:masterClrMapping/>
-  </p:clrMapOvr>
-</p:sld>
-</file>
-
 <file path=ppt/slides/slide2.xml><?xml version="1.0" encoding="utf-8"?>
 <p:sld xmlns:a="http://schemas.openxmlformats.org/drawingml/2006/main" xmlns:r="http://schemas.openxmlformats.org/officeDocument/2006/relationships" xmlns:p="http://schemas.openxmlformats.org/presentationml/2006/main">
   <p:cSld>
@@ -15355,6 +15799,252 @@
 </file>
 
 <file path=ppt/slides/slide20.xml><?xml version="1.0" encoding="utf-8"?>
+<p:sld xmlns:a="http://schemas.openxmlformats.org/drawingml/2006/main" xmlns:r="http://schemas.openxmlformats.org/officeDocument/2006/relationships" xmlns:p="http://schemas.openxmlformats.org/presentationml/2006/main">
+  <p:cSld>
+    <p:spTree>
+      <p:nvGrpSpPr>
+        <p:cNvPr id="1" name=""/>
+        <p:cNvGrpSpPr/>
+        <p:nvPr/>
+      </p:nvGrpSpPr>
+      <p:grpSpPr>
+        <a:xfrm>
+          <a:off x="0" y="0"/>
+          <a:ext cx="0" cy="0"/>
+          <a:chOff x="0" y="0"/>
+          <a:chExt cx="0" cy="0"/>
+        </a:xfrm>
+      </p:grpSpPr>
+      <p:pic>
+        <p:nvPicPr>
+          <p:cNvPr id="4" name="Picture 3"/>
+          <p:cNvPicPr>
+            <a:picLocks noChangeAspect="1"/>
+          </p:cNvPicPr>
+          <p:nvPr/>
+        </p:nvPicPr>
+        <p:blipFill>
+          <a:blip r:embed="rId2">
+            <a:extLst>
+              <a:ext uri="{28A0092B-C50C-407E-A947-70E740481C1C}">
+                <a14:useLocalDpi xmlns:a14="http://schemas.microsoft.com/office/drawing/2010/main" val="0"/>
+              </a:ext>
+            </a:extLst>
+          </a:blip>
+          <a:stretch>
+            <a:fillRect/>
+          </a:stretch>
+        </p:blipFill>
+        <p:spPr>
+          <a:xfrm>
+            <a:off x="0" y="0"/>
+            <a:ext cx="5067300" cy="3562350"/>
+          </a:xfrm>
+          <a:prstGeom prst="rect">
+            <a:avLst/>
+          </a:prstGeom>
+        </p:spPr>
+      </p:pic>
+      <p:sp>
+        <p:nvSpPr>
+          <p:cNvPr id="5" name="Rectangle 4"/>
+          <p:cNvSpPr/>
+          <p:nvPr/>
+        </p:nvSpPr>
+        <p:spPr>
+          <a:xfrm>
+            <a:off x="268014" y="1005052"/>
+            <a:ext cx="1608083" cy="1580493"/>
+          </a:xfrm>
+          <a:prstGeom prst="rect">
+            <a:avLst/>
+          </a:prstGeom>
+          <a:noFill/>
+          <a:ln w="38100">
+            <a:solidFill>
+              <a:srgbClr val="FF0000"/>
+            </a:solidFill>
+          </a:ln>
+        </p:spPr>
+        <p:style>
+          <a:lnRef idx="2">
+            <a:schemeClr val="accent1">
+              <a:shade val="50000"/>
+            </a:schemeClr>
+          </a:lnRef>
+          <a:fillRef idx="1">
+            <a:schemeClr val="accent1"/>
+          </a:fillRef>
+          <a:effectRef idx="0">
+            <a:schemeClr val="accent1"/>
+          </a:effectRef>
+          <a:fontRef idx="minor">
+            <a:schemeClr val="lt1"/>
+          </a:fontRef>
+        </p:style>
+        <p:txBody>
+          <a:bodyPr rtlCol="0" anchor="ctr"/>
+          <a:lstStyle/>
+          <a:p>
+            <a:pPr algn="ctr"/>
+            <a:endParaRPr lang="en-US"/>
+          </a:p>
+        </p:txBody>
+      </p:sp>
+      <p:sp>
+        <p:nvSpPr>
+          <p:cNvPr id="6" name="Rectangle 5"/>
+          <p:cNvSpPr/>
+          <p:nvPr/>
+        </p:nvSpPr>
+        <p:spPr>
+          <a:xfrm>
+            <a:off x="74886" y="3256236"/>
+            <a:ext cx="5052848" cy="334361"/>
+          </a:xfrm>
+          <a:prstGeom prst="rect">
+            <a:avLst/>
+          </a:prstGeom>
+          <a:noFill/>
+          <a:ln w="38100">
+            <a:solidFill>
+              <a:srgbClr val="FF0000"/>
+            </a:solidFill>
+          </a:ln>
+        </p:spPr>
+        <p:style>
+          <a:lnRef idx="2">
+            <a:schemeClr val="accent1">
+              <a:shade val="50000"/>
+            </a:schemeClr>
+          </a:lnRef>
+          <a:fillRef idx="1">
+            <a:schemeClr val="accent1"/>
+          </a:fillRef>
+          <a:effectRef idx="0">
+            <a:schemeClr val="accent1"/>
+          </a:effectRef>
+          <a:fontRef idx="minor">
+            <a:schemeClr val="lt1"/>
+          </a:fontRef>
+        </p:style>
+        <p:txBody>
+          <a:bodyPr rtlCol="0" anchor="ctr"/>
+          <a:lstStyle/>
+          <a:p>
+            <a:pPr algn="ctr"/>
+            <a:endParaRPr lang="en-US"/>
+          </a:p>
+        </p:txBody>
+      </p:sp>
+      <p:sp>
+        <p:nvSpPr>
+          <p:cNvPr id="7" name="Rectangle 6"/>
+          <p:cNvSpPr/>
+          <p:nvPr/>
+        </p:nvSpPr>
+        <p:spPr>
+          <a:xfrm>
+            <a:off x="1876097" y="879507"/>
+            <a:ext cx="2735621" cy="646331"/>
+          </a:xfrm>
+          <a:prstGeom prst="rect">
+            <a:avLst/>
+          </a:prstGeom>
+        </p:spPr>
+        <p:txBody>
+          <a:bodyPr wrap="none">
+            <a:spAutoFit/>
+          </a:bodyPr>
+          <a:lstStyle/>
+          <a:p>
+            <a:r>
+              <a:rPr lang="en-US" b="1" dirty="0" smtClean="0">
+                <a:solidFill>
+                  <a:srgbClr val="FF0000"/>
+                </a:solidFill>
+              </a:rPr>
+              <a:t>Remote server’s certificate</a:t>
+            </a:r>
+          </a:p>
+          <a:p>
+            <a:r>
+              <a:rPr lang="en-US" b="1" dirty="0" smtClean="0">
+                <a:solidFill>
+                  <a:srgbClr val="FF0000"/>
+                </a:solidFill>
+              </a:rPr>
+              <a:t>(Downstream channel)</a:t>
+            </a:r>
+            <a:endParaRPr lang="en-US" b="1" dirty="0">
+              <a:solidFill>
+                <a:srgbClr val="FF0000"/>
+              </a:solidFill>
+            </a:endParaRPr>
+          </a:p>
+        </p:txBody>
+      </p:sp>
+      <p:sp>
+        <p:nvSpPr>
+          <p:cNvPr id="10" name="Rectangle 9"/>
+          <p:cNvSpPr/>
+          <p:nvPr/>
+        </p:nvSpPr>
+        <p:spPr>
+          <a:xfrm>
+            <a:off x="2749679" y="2581658"/>
+            <a:ext cx="2456954" cy="646331"/>
+          </a:xfrm>
+          <a:prstGeom prst="rect">
+            <a:avLst/>
+          </a:prstGeom>
+        </p:spPr>
+        <p:txBody>
+          <a:bodyPr wrap="square">
+            <a:spAutoFit/>
+          </a:bodyPr>
+          <a:lstStyle/>
+          <a:p>
+            <a:r>
+              <a:rPr lang="en-US" b="1" dirty="0" smtClean="0">
+                <a:solidFill>
+                  <a:srgbClr val="FF0000"/>
+                </a:solidFill>
+              </a:rPr>
+              <a:t>Certificate of the Bridge</a:t>
+            </a:r>
+          </a:p>
+          <a:p>
+            <a:r>
+              <a:rPr lang="en-US" b="1" dirty="0" smtClean="0">
+                <a:solidFill>
+                  <a:srgbClr val="FF0000"/>
+                </a:solidFill>
+              </a:rPr>
+              <a:t>(Upstream channel)</a:t>
+            </a:r>
+            <a:endParaRPr lang="en-US" b="1" dirty="0">
+              <a:solidFill>
+                <a:srgbClr val="FF0000"/>
+              </a:solidFill>
+            </a:endParaRPr>
+          </a:p>
+        </p:txBody>
+      </p:sp>
+    </p:spTree>
+    <p:extLst>
+      <p:ext uri="{BB962C8B-B14F-4D97-AF65-F5344CB8AC3E}">
+        <p14:creationId xmlns:p14="http://schemas.microsoft.com/office/powerpoint/2010/main" val="1280400003"/>
+      </p:ext>
+    </p:extLst>
+  </p:cSld>
+  <p:clrMapOvr>
+    <a:masterClrMapping/>
+  </p:clrMapOvr>
+</p:sld>
+</file>
+
+<file path=ppt/slides/slide21.xml><?xml version="1.0" encoding="utf-8"?>
 <p:sld xmlns:a="http://schemas.openxmlformats.org/drawingml/2006/main" xmlns:r="http://schemas.openxmlformats.org/officeDocument/2006/relationships" xmlns:p="http://schemas.openxmlformats.org/presentationml/2006/main">
   <p:cSld>
     <p:spTree>

--- a/aritra/MouseTracking/images/systemDesign.pptx
+++ b/aritra/MouseTracking/images/systemDesign.pptx
@@ -4209,8 +4209,8 @@
         </p:nvSpPr>
         <p:spPr>
           <a:xfrm>
-            <a:off x="798061" y="1462663"/>
-            <a:ext cx="925626" cy="521970"/>
+            <a:off x="798061" y="1475429"/>
+            <a:ext cx="925575" cy="496848"/>
           </a:xfrm>
           <a:prstGeom prst="rect">
             <a:avLst/>
@@ -4372,8 +4372,8 @@
         </p:nvCxnSpPr>
         <p:spPr>
           <a:xfrm rot="5400000">
-            <a:off x="1996201" y="1348214"/>
-            <a:ext cx="102921" cy="647947"/>
+            <a:off x="1996072" y="1348291"/>
+            <a:ext cx="103126" cy="647998"/>
           </a:xfrm>
           <a:prstGeom prst="curvedConnector2">
             <a:avLst/>

--- a/aritra/MouseTracking/images/systemDesign.pptx
+++ b/aritra/MouseTracking/images/systemDesign.pptx
@@ -263,7 +263,7 @@
           <a:p>
             <a:fld id="{AAB2D3D3-1E26-436C-8467-9F82561659A6}" type="datetimeFigureOut">
               <a:rPr lang="en-US" smtClean="0"/>
-              <a:t>3/13/2019</a:t>
+              <a:t>3/14/2019</a:t>
             </a:fld>
             <a:endParaRPr lang="en-US"/>
           </a:p>
@@ -433,7 +433,7 @@
           <a:p>
             <a:fld id="{AAB2D3D3-1E26-436C-8467-9F82561659A6}" type="datetimeFigureOut">
               <a:rPr lang="en-US" smtClean="0"/>
-              <a:t>3/13/2019</a:t>
+              <a:t>3/14/2019</a:t>
             </a:fld>
             <a:endParaRPr lang="en-US"/>
           </a:p>
@@ -613,7 +613,7 @@
           <a:p>
             <a:fld id="{AAB2D3D3-1E26-436C-8467-9F82561659A6}" type="datetimeFigureOut">
               <a:rPr lang="en-US" smtClean="0"/>
-              <a:t>3/13/2019</a:t>
+              <a:t>3/14/2019</a:t>
             </a:fld>
             <a:endParaRPr lang="en-US"/>
           </a:p>
@@ -783,7 +783,7 @@
           <a:p>
             <a:fld id="{AAB2D3D3-1E26-436C-8467-9F82561659A6}" type="datetimeFigureOut">
               <a:rPr lang="en-US" smtClean="0"/>
-              <a:t>3/13/2019</a:t>
+              <a:t>3/14/2019</a:t>
             </a:fld>
             <a:endParaRPr lang="en-US"/>
           </a:p>
@@ -1029,7 +1029,7 @@
           <a:p>
             <a:fld id="{AAB2D3D3-1E26-436C-8467-9F82561659A6}" type="datetimeFigureOut">
               <a:rPr lang="en-US" smtClean="0"/>
-              <a:t>3/13/2019</a:t>
+              <a:t>3/14/2019</a:t>
             </a:fld>
             <a:endParaRPr lang="en-US"/>
           </a:p>
@@ -1261,7 +1261,7 @@
           <a:p>
             <a:fld id="{AAB2D3D3-1E26-436C-8467-9F82561659A6}" type="datetimeFigureOut">
               <a:rPr lang="en-US" smtClean="0"/>
-              <a:t>3/13/2019</a:t>
+              <a:t>3/14/2019</a:t>
             </a:fld>
             <a:endParaRPr lang="en-US"/>
           </a:p>
@@ -1628,7 +1628,7 @@
           <a:p>
             <a:fld id="{AAB2D3D3-1E26-436C-8467-9F82561659A6}" type="datetimeFigureOut">
               <a:rPr lang="en-US" smtClean="0"/>
-              <a:t>3/13/2019</a:t>
+              <a:t>3/14/2019</a:t>
             </a:fld>
             <a:endParaRPr lang="en-US"/>
           </a:p>
@@ -1746,7 +1746,7 @@
           <a:p>
             <a:fld id="{AAB2D3D3-1E26-436C-8467-9F82561659A6}" type="datetimeFigureOut">
               <a:rPr lang="en-US" smtClean="0"/>
-              <a:t>3/13/2019</a:t>
+              <a:t>3/14/2019</a:t>
             </a:fld>
             <a:endParaRPr lang="en-US"/>
           </a:p>
@@ -1841,7 +1841,7 @@
           <a:p>
             <a:fld id="{AAB2D3D3-1E26-436C-8467-9F82561659A6}" type="datetimeFigureOut">
               <a:rPr lang="en-US" smtClean="0"/>
-              <a:t>3/13/2019</a:t>
+              <a:t>3/14/2019</a:t>
             </a:fld>
             <a:endParaRPr lang="en-US"/>
           </a:p>
@@ -2118,7 +2118,7 @@
           <a:p>
             <a:fld id="{AAB2D3D3-1E26-436C-8467-9F82561659A6}" type="datetimeFigureOut">
               <a:rPr lang="en-US" smtClean="0"/>
-              <a:t>3/13/2019</a:t>
+              <a:t>3/14/2019</a:t>
             </a:fld>
             <a:endParaRPr lang="en-US"/>
           </a:p>
@@ -2371,7 +2371,7 @@
           <a:p>
             <a:fld id="{AAB2D3D3-1E26-436C-8467-9F82561659A6}" type="datetimeFigureOut">
               <a:rPr lang="en-US" smtClean="0"/>
-              <a:t>3/13/2019</a:t>
+              <a:t>3/14/2019</a:t>
             </a:fld>
             <a:endParaRPr lang="en-US"/>
           </a:p>
@@ -2584,7 +2584,7 @@
           <a:p>
             <a:fld id="{AAB2D3D3-1E26-436C-8467-9F82561659A6}" type="datetimeFigureOut">
               <a:rPr lang="en-US" smtClean="0"/>
-              <a:t>3/13/2019</a:t>
+              <a:t>3/14/2019</a:t>
             </a:fld>
             <a:endParaRPr lang="en-US"/>
           </a:p>
@@ -5859,35 +5859,6 @@
             </a:p>
           </p:txBody>
         </p:sp>
-        <p:pic>
-          <p:nvPicPr>
-            <p:cNvPr id="3" name="Picture 2"/>
-            <p:cNvPicPr>
-              <a:picLocks noChangeAspect="1"/>
-            </p:cNvPicPr>
-            <p:nvPr/>
-          </p:nvPicPr>
-          <p:blipFill rotWithShape="1">
-            <a:blip r:embed="rId2">
-              <a:extLst>
-                <a:ext uri="{28A0092B-C50C-407E-A947-70E740481C1C}">
-                  <a14:useLocalDpi xmlns:a14="http://schemas.microsoft.com/office/drawing/2010/main" val="0"/>
-                </a:ext>
-              </a:extLst>
-            </a:blip>
-            <a:srcRect l="10457" t="10535" r="9572" b="10820"/>
-            <a:stretch/>
-          </p:blipFill>
-          <p:spPr>
-            <a:xfrm>
-              <a:off x="5233616" y="234090"/>
-              <a:ext cx="1721404" cy="1692874"/>
-            </a:xfrm>
-            <a:prstGeom prst="rect">
-              <a:avLst/>
-            </a:prstGeom>
-          </p:spPr>
-        </p:pic>
         <p:sp>
           <p:nvSpPr>
             <p:cNvPr id="30" name="Rectangle 29"/>
@@ -7120,7 +7091,7 @@
           <p:nvPr/>
         </p:nvPicPr>
         <p:blipFill>
-          <a:blip r:embed="rId3" cstate="print">
+          <a:blip r:embed="rId2" cstate="print">
             <a:extLst>
               <a:ext uri="{28A0092B-C50C-407E-A947-70E740481C1C}">
                 <a14:useLocalDpi xmlns:a14="http://schemas.microsoft.com/office/drawing/2010/main" val="0"/>
@@ -7761,6 +7732,35 @@
           </a:fontRef>
         </p:style>
       </p:cxnSp>
+      <p:pic>
+        <p:nvPicPr>
+          <p:cNvPr id="28" name="Picture 27"/>
+          <p:cNvPicPr>
+            <a:picLocks noChangeAspect="1"/>
+          </p:cNvPicPr>
+          <p:nvPr/>
+        </p:nvPicPr>
+        <p:blipFill rotWithShape="1">
+          <a:blip r:embed="rId3">
+            <a:extLst>
+              <a:ext uri="{28A0092B-C50C-407E-A947-70E740481C1C}">
+                <a14:useLocalDpi xmlns:a14="http://schemas.microsoft.com/office/drawing/2010/main" val="0"/>
+              </a:ext>
+            </a:extLst>
+          </a:blip>
+          <a:srcRect l="3802" t="4161" r="3658" b="4379"/>
+          <a:stretch/>
+        </p:blipFill>
+        <p:spPr>
+          <a:xfrm>
+            <a:off x="5210692" y="247529"/>
+            <a:ext cx="1674481" cy="1654919"/>
+          </a:xfrm>
+          <a:prstGeom prst="rect">
+            <a:avLst/>
+          </a:prstGeom>
+        </p:spPr>
+      </p:pic>
     </p:spTree>
     <p:extLst>
       <p:ext uri="{BB962C8B-B14F-4D97-AF65-F5344CB8AC3E}">

--- a/aritra/MouseTracking/images/systemDesign.pptx
+++ b/aritra/MouseTracking/images/systemDesign.pptx
@@ -5948,8 +5948,8 @@
         </p:nvSpPr>
         <p:spPr>
           <a:xfrm>
-            <a:off x="1999865" y="2626348"/>
-            <a:ext cx="8717692" cy="1708160"/>
+            <a:off x="2055469" y="2558390"/>
+            <a:ext cx="8717692" cy="1877437"/>
           </a:xfrm>
           <a:prstGeom prst="rect">
             <a:avLst/>
@@ -5962,25 +5962,25 @@
           <a:lstStyle/>
           <a:p>
             <a:r>
-              <a:rPr lang="en-US" sz="1500" dirty="0" smtClean="0">
+              <a:rPr lang="en-US" sz="1600" dirty="0" smtClean="0">
                 <a:latin typeface="Consolas" panose="020B0609020204030204" pitchFamily="49" charset="0"/>
               </a:rPr>
               <a:t>&lt;</a:t>
             </a:r>
             <a:r>
-              <a:rPr lang="en-US" sz="1500" dirty="0">
+              <a:rPr lang="en-US" sz="1600" dirty="0">
                 <a:latin typeface="Consolas" panose="020B0609020204030204" pitchFamily="49" charset="0"/>
               </a:rPr>
               <a:t>form action="/</a:t>
             </a:r>
             <a:r>
-              <a:rPr lang="en-US" sz="1500" dirty="0" err="1">
+              <a:rPr lang="en-US" sz="1600" dirty="0" err="1">
                 <a:latin typeface="Consolas" panose="020B0609020204030204" pitchFamily="49" charset="0"/>
               </a:rPr>
               <a:t>some_action</a:t>
             </a:r>
             <a:r>
-              <a:rPr lang="en-US" sz="1500" dirty="0">
+              <a:rPr lang="en-US" sz="1600" dirty="0">
                 <a:latin typeface="Consolas" panose="020B0609020204030204" pitchFamily="49" charset="0"/>
               </a:rPr>
               <a:t>"&gt;</a:t>
@@ -5988,25 +5988,25 @@
           </a:p>
           <a:p>
             <a:r>
-              <a:rPr lang="en-US" sz="1500" dirty="0" smtClean="0">
+              <a:rPr lang="en-US" sz="1600" dirty="0" smtClean="0">
                 <a:latin typeface="Consolas" panose="020B0609020204030204" pitchFamily="49" charset="0"/>
               </a:rPr>
               <a:t> Sensitive field 1: &lt;</a:t>
             </a:r>
             <a:r>
-              <a:rPr lang="en-US" sz="1500" dirty="0">
+              <a:rPr lang="en-US" sz="1600" dirty="0">
                 <a:latin typeface="Consolas" panose="020B0609020204030204" pitchFamily="49" charset="0"/>
               </a:rPr>
               <a:t>input type="text" name</a:t>
             </a:r>
             <a:r>
-              <a:rPr lang="en-US" sz="1500" dirty="0" smtClean="0">
+              <a:rPr lang="en-US" sz="1600" dirty="0" smtClean="0">
                 <a:latin typeface="Consolas" panose="020B0609020204030204" pitchFamily="49" charset="0"/>
               </a:rPr>
               <a:t>=“tb_1” </a:t>
             </a:r>
             <a:r>
-              <a:rPr lang="en-US" sz="1500" dirty="0" smtClean="0">
+              <a:rPr lang="en-US" sz="1600" dirty="0" smtClean="0">
                 <a:solidFill>
                   <a:srgbClr val="FF0000"/>
                 </a:solidFill>
@@ -6015,19 +6015,19 @@
               <a:t>protect=“true”</a:t>
             </a:r>
             <a:r>
-              <a:rPr lang="en-US" sz="1500" dirty="0" smtClean="0">
+              <a:rPr lang="en-US" sz="1600" dirty="0" smtClean="0">
                 <a:latin typeface="Consolas" panose="020B0609020204030204" pitchFamily="49" charset="0"/>
               </a:rPr>
               <a:t>&gt;&lt;</a:t>
             </a:r>
             <a:r>
-              <a:rPr lang="en-US" sz="1500" dirty="0" err="1" smtClean="0">
+              <a:rPr lang="en-US" sz="1600" dirty="0" err="1" smtClean="0">
                 <a:latin typeface="Consolas" panose="020B0609020204030204" pitchFamily="49" charset="0"/>
               </a:rPr>
               <a:t>br</a:t>
             </a:r>
             <a:r>
-              <a:rPr lang="en-US" sz="1500" dirty="0" smtClean="0">
+              <a:rPr lang="en-US" sz="1600" dirty="0" smtClean="0">
                 <a:latin typeface="Consolas" panose="020B0609020204030204" pitchFamily="49" charset="0"/>
               </a:rPr>
               <a:t>&gt;</a:t>
@@ -6035,37 +6035,37 @@
           </a:p>
           <a:p>
             <a:r>
-              <a:rPr lang="en-US" sz="1500" dirty="0" smtClean="0">
+              <a:rPr lang="en-US" sz="1600" dirty="0" smtClean="0">
                 <a:latin typeface="Consolas" panose="020B0609020204030204" pitchFamily="49" charset="0"/>
               </a:rPr>
               <a:t> Sensitive </a:t>
             </a:r>
             <a:r>
-              <a:rPr lang="en-US" sz="1500" dirty="0">
+              <a:rPr lang="en-US" sz="1600" dirty="0">
                 <a:latin typeface="Consolas" panose="020B0609020204030204" pitchFamily="49" charset="0"/>
               </a:rPr>
               <a:t>field </a:t>
             </a:r>
             <a:r>
-              <a:rPr lang="en-US" sz="1500" dirty="0" smtClean="0">
+              <a:rPr lang="en-US" sz="1600" dirty="0" smtClean="0">
                 <a:latin typeface="Consolas" panose="020B0609020204030204" pitchFamily="49" charset="0"/>
               </a:rPr>
               <a:t>2: </a:t>
             </a:r>
             <a:r>
-              <a:rPr lang="en-US" sz="1500" dirty="0">
+              <a:rPr lang="en-US" sz="1600" dirty="0">
                 <a:latin typeface="Consolas" panose="020B0609020204030204" pitchFamily="49" charset="0"/>
               </a:rPr>
               <a:t>&lt;input type="text" name</a:t>
             </a:r>
             <a:r>
-              <a:rPr lang="en-US" sz="1500" dirty="0" smtClean="0">
+              <a:rPr lang="en-US" sz="1600" dirty="0" smtClean="0">
                 <a:latin typeface="Consolas" panose="020B0609020204030204" pitchFamily="49" charset="0"/>
               </a:rPr>
               <a:t>=“tb_2” </a:t>
             </a:r>
             <a:r>
-              <a:rPr lang="en-US" sz="1500" dirty="0" smtClean="0">
+              <a:rPr lang="en-US" sz="1600" dirty="0" smtClean="0">
                 <a:solidFill>
                   <a:srgbClr val="FF0000"/>
                 </a:solidFill>
@@ -6074,19 +6074,19 @@
               <a:t>protect=“true”</a:t>
             </a:r>
             <a:r>
-              <a:rPr lang="en-US" sz="1500" dirty="0" smtClean="0">
+              <a:rPr lang="en-US" sz="1600" dirty="0" smtClean="0">
                 <a:latin typeface="Consolas" panose="020B0609020204030204" pitchFamily="49" charset="0"/>
               </a:rPr>
               <a:t>&gt;&lt;</a:t>
             </a:r>
             <a:r>
-              <a:rPr lang="en-US" sz="1500" dirty="0" err="1">
+              <a:rPr lang="en-US" sz="1600" dirty="0" err="1">
                 <a:latin typeface="Consolas" panose="020B0609020204030204" pitchFamily="49" charset="0"/>
               </a:rPr>
               <a:t>br</a:t>
             </a:r>
             <a:r>
-              <a:rPr lang="en-US" sz="1500" dirty="0">
+              <a:rPr lang="en-US" sz="1600" dirty="0">
                 <a:latin typeface="Consolas" panose="020B0609020204030204" pitchFamily="49" charset="0"/>
               </a:rPr>
               <a:t>&gt;</a:t>
@@ -6094,25 +6094,25 @@
           </a:p>
           <a:p>
             <a:r>
-              <a:rPr lang="en-US" sz="1500" dirty="0" smtClean="0">
+              <a:rPr lang="en-US" sz="1600" dirty="0" smtClean="0">
                 <a:latin typeface="Consolas" panose="020B0609020204030204" pitchFamily="49" charset="0"/>
               </a:rPr>
               <a:t> </a:t>
             </a:r>
             <a:r>
-              <a:rPr lang="en-US" sz="1500" dirty="0">
+              <a:rPr lang="en-US" sz="1600" dirty="0">
                 <a:latin typeface="Consolas" panose="020B0609020204030204" pitchFamily="49" charset="0"/>
               </a:rPr>
               <a:t> &lt;button type="submit" value="</a:t>
             </a:r>
             <a:r>
-              <a:rPr lang="en-US" sz="1500" dirty="0" smtClean="0">
+              <a:rPr lang="en-US" sz="1600" dirty="0" smtClean="0">
                 <a:latin typeface="Consolas" panose="020B0609020204030204" pitchFamily="49" charset="0"/>
               </a:rPr>
               <a:t>Submit” </a:t>
             </a:r>
             <a:r>
-              <a:rPr lang="en-US" sz="1500" dirty="0" smtClean="0">
+              <a:rPr lang="en-US" sz="1600" dirty="0" smtClean="0">
                 <a:solidFill>
                   <a:srgbClr val="FF0000"/>
                 </a:solidFill>
@@ -6121,7 +6121,7 @@
               <a:t>protect</a:t>
             </a:r>
             <a:r>
-              <a:rPr lang="en-US" sz="1500" dirty="0">
+              <a:rPr lang="en-US" sz="1600" dirty="0">
                 <a:solidFill>
                   <a:srgbClr val="FF0000"/>
                 </a:solidFill>
@@ -6130,36 +6130,36 @@
               <a:t>=“true”</a:t>
             </a:r>
             <a:r>
-              <a:rPr lang="en-US" sz="1500" dirty="0" smtClean="0">
+              <a:rPr lang="en-US" sz="1600" dirty="0" smtClean="0">
                 <a:latin typeface="Consolas" panose="020B0609020204030204" pitchFamily="49" charset="0"/>
               </a:rPr>
               <a:t>&gt;</a:t>
             </a:r>
             <a:r>
-              <a:rPr lang="en-US" sz="1500" dirty="0">
+              <a:rPr lang="en-US" sz="1600" dirty="0">
                 <a:latin typeface="Consolas" panose="020B0609020204030204" pitchFamily="49" charset="0"/>
               </a:rPr>
               <a:t>Submit&lt;/button&gt;</a:t>
             </a:r>
             <a:br>
-              <a:rPr lang="en-US" sz="1500" dirty="0">
+              <a:rPr lang="en-US" sz="1600" dirty="0">
                 <a:latin typeface="Consolas" panose="020B0609020204030204" pitchFamily="49" charset="0"/>
               </a:rPr>
             </a:br>
             <a:r>
-              <a:rPr lang="en-US" sz="1500" dirty="0">
+              <a:rPr lang="en-US" sz="1600" dirty="0">
                 <a:latin typeface="Consolas" panose="020B0609020204030204" pitchFamily="49" charset="0"/>
               </a:rPr>
               <a:t>  &lt;button type="reset" value="</a:t>
             </a:r>
             <a:r>
-              <a:rPr lang="en-US" sz="1500" dirty="0" smtClean="0">
+              <a:rPr lang="en-US" sz="1600" dirty="0" smtClean="0">
                 <a:latin typeface="Consolas" panose="020B0609020204030204" pitchFamily="49" charset="0"/>
               </a:rPr>
               <a:t>Reset” </a:t>
             </a:r>
             <a:r>
-              <a:rPr lang="en-US" sz="1500" dirty="0" smtClean="0">
+              <a:rPr lang="en-US" sz="1600" dirty="0" smtClean="0">
                 <a:solidFill>
                   <a:srgbClr val="FF0000"/>
                 </a:solidFill>
@@ -6168,7 +6168,7 @@
               <a:t>protect</a:t>
             </a:r>
             <a:r>
-              <a:rPr lang="en-US" sz="1500" dirty="0">
+              <a:rPr lang="en-US" sz="1600" dirty="0">
                 <a:solidFill>
                   <a:srgbClr val="FF0000"/>
                 </a:solidFill>
@@ -6177,19 +6177,19 @@
               <a:t>=“true”</a:t>
             </a:r>
             <a:r>
-              <a:rPr lang="en-US" sz="1500" dirty="0" smtClean="0">
+              <a:rPr lang="en-US" sz="1600" dirty="0" smtClean="0">
                 <a:latin typeface="Consolas" panose="020B0609020204030204" pitchFamily="49" charset="0"/>
               </a:rPr>
               <a:t>&gt;</a:t>
             </a:r>
             <a:r>
-              <a:rPr lang="en-US" sz="1500" dirty="0">
+              <a:rPr lang="en-US" sz="1600" dirty="0">
                 <a:latin typeface="Consolas" panose="020B0609020204030204" pitchFamily="49" charset="0"/>
               </a:rPr>
               <a:t>Reset&lt;/button&gt;</a:t>
             </a:r>
             <a:r>
-              <a:rPr lang="en-US" sz="1500" dirty="0" smtClean="0">
+              <a:rPr lang="en-US" sz="1600" dirty="0" smtClean="0">
                 <a:latin typeface="Consolas" panose="020B0609020204030204" pitchFamily="49" charset="0"/>
               </a:rPr>
               <a:t> </a:t>
@@ -6197,19 +6197,19 @@
           </a:p>
           <a:p>
             <a:r>
-              <a:rPr lang="en-US" sz="1500" dirty="0" smtClean="0">
+              <a:rPr lang="en-US" sz="1600" dirty="0" smtClean="0">
                 <a:latin typeface="Consolas" panose="020B0609020204030204" pitchFamily="49" charset="0"/>
               </a:rPr>
               <a:t>Normal field: &lt;input type="text" name=“textbox_3"&gt;&lt;</a:t>
             </a:r>
             <a:r>
-              <a:rPr lang="en-US" sz="1500" dirty="0" err="1" smtClean="0">
+              <a:rPr lang="en-US" sz="1600" dirty="0" err="1" smtClean="0">
                 <a:latin typeface="Consolas" panose="020B0609020204030204" pitchFamily="49" charset="0"/>
               </a:rPr>
               <a:t>br</a:t>
             </a:r>
             <a:r>
-              <a:rPr lang="en-US" sz="1500" dirty="0" smtClean="0">
+              <a:rPr lang="en-US" sz="1600" dirty="0" smtClean="0">
                 <a:latin typeface="Consolas" panose="020B0609020204030204" pitchFamily="49" charset="0"/>
               </a:rPr>
               <a:t>&gt;</a:t>
@@ -6217,24 +6217,24 @@
           </a:p>
           <a:p>
             <a:r>
-              <a:rPr lang="en-US" sz="1500" dirty="0" smtClean="0">
+              <a:rPr lang="en-US" sz="1600" dirty="0" smtClean="0">
                 <a:latin typeface="Consolas" panose="020B0609020204030204" pitchFamily="49" charset="0"/>
               </a:rPr>
               <a:t>&lt;/</a:t>
             </a:r>
             <a:r>
-              <a:rPr lang="en-US" sz="1500" dirty="0">
+              <a:rPr lang="en-US" sz="1600" dirty="0">
                 <a:latin typeface="Consolas" panose="020B0609020204030204" pitchFamily="49" charset="0"/>
               </a:rPr>
               <a:t>form</a:t>
             </a:r>
             <a:r>
-              <a:rPr lang="en-US" sz="1500" dirty="0" smtClean="0">
+              <a:rPr lang="en-US" sz="1600" dirty="0" smtClean="0">
                 <a:latin typeface="Consolas" panose="020B0609020204030204" pitchFamily="49" charset="0"/>
               </a:rPr>
               <a:t>&gt;</a:t>
             </a:r>
-            <a:endParaRPr lang="en-US" sz="1500" dirty="0">
+            <a:endParaRPr lang="en-US" sz="1600" dirty="0">
               <a:latin typeface="Consolas" panose="020B0609020204030204" pitchFamily="49" charset="0"/>
             </a:endParaRPr>
           </a:p>
@@ -7695,19 +7695,18 @@
         <p:nvCxnSpPr>
           <p:cNvPr id="23" name="Elbow Connector 22"/>
           <p:cNvCxnSpPr>
+            <a:stCxn id="4" idx="2"/>
             <a:endCxn id="6" idx="1"/>
           </p:cNvCxnSpPr>
           <p:nvPr/>
         </p:nvCxnSpPr>
         <p:spPr>
-          <a:xfrm>
-            <a:off x="809161" y="2526957"/>
-            <a:ext cx="1190704" cy="953471"/>
-          </a:xfrm>
-          <a:prstGeom prst="bentConnector3">
-            <a:avLst>
-              <a:gd name="adj1" fmla="val -28870"/>
-            </a:avLst>
+          <a:xfrm rot="16200000" flipH="1">
+            <a:off x="1410321" y="2851961"/>
+            <a:ext cx="970152" cy="320143"/>
+          </a:xfrm>
+          <a:prstGeom prst="bentConnector2">
+            <a:avLst/>
           </a:prstGeom>
           <a:ln w="19050">
             <a:solidFill>
@@ -7753,8 +7752,8 @@
         </p:blipFill>
         <p:spPr>
           <a:xfrm>
-            <a:off x="5210692" y="247529"/>
-            <a:ext cx="1674481" cy="1654919"/>
+            <a:off x="5139384" y="247529"/>
+            <a:ext cx="1745789" cy="1725394"/>
           </a:xfrm>
           <a:prstGeom prst="rect">
             <a:avLst/>

--- a/aritra/MouseTracking/images/systemDesign.pptx
+++ b/aritra/MouseTracking/images/systemDesign.pptx
@@ -263,7 +263,7 @@
           <a:p>
             <a:fld id="{AAB2D3D3-1E26-436C-8467-9F82561659A6}" type="datetimeFigureOut">
               <a:rPr lang="en-US" smtClean="0"/>
-              <a:t>3/14/2019</a:t>
+              <a:t>3/29/2019</a:t>
             </a:fld>
             <a:endParaRPr lang="en-US"/>
           </a:p>
@@ -433,7 +433,7 @@
           <a:p>
             <a:fld id="{AAB2D3D3-1E26-436C-8467-9F82561659A6}" type="datetimeFigureOut">
               <a:rPr lang="en-US" smtClean="0"/>
-              <a:t>3/14/2019</a:t>
+              <a:t>3/29/2019</a:t>
             </a:fld>
             <a:endParaRPr lang="en-US"/>
           </a:p>
@@ -613,7 +613,7 @@
           <a:p>
             <a:fld id="{AAB2D3D3-1E26-436C-8467-9F82561659A6}" type="datetimeFigureOut">
               <a:rPr lang="en-US" smtClean="0"/>
-              <a:t>3/14/2019</a:t>
+              <a:t>3/29/2019</a:t>
             </a:fld>
             <a:endParaRPr lang="en-US"/>
           </a:p>
@@ -783,7 +783,7 @@
           <a:p>
             <a:fld id="{AAB2D3D3-1E26-436C-8467-9F82561659A6}" type="datetimeFigureOut">
               <a:rPr lang="en-US" smtClean="0"/>
-              <a:t>3/14/2019</a:t>
+              <a:t>3/29/2019</a:t>
             </a:fld>
             <a:endParaRPr lang="en-US"/>
           </a:p>
@@ -1029,7 +1029,7 @@
           <a:p>
             <a:fld id="{AAB2D3D3-1E26-436C-8467-9F82561659A6}" type="datetimeFigureOut">
               <a:rPr lang="en-US" smtClean="0"/>
-              <a:t>3/14/2019</a:t>
+              <a:t>3/29/2019</a:t>
             </a:fld>
             <a:endParaRPr lang="en-US"/>
           </a:p>
@@ -1261,7 +1261,7 @@
           <a:p>
             <a:fld id="{AAB2D3D3-1E26-436C-8467-9F82561659A6}" type="datetimeFigureOut">
               <a:rPr lang="en-US" smtClean="0"/>
-              <a:t>3/14/2019</a:t>
+              <a:t>3/29/2019</a:t>
             </a:fld>
             <a:endParaRPr lang="en-US"/>
           </a:p>
@@ -1628,7 +1628,7 @@
           <a:p>
             <a:fld id="{AAB2D3D3-1E26-436C-8467-9F82561659A6}" type="datetimeFigureOut">
               <a:rPr lang="en-US" smtClean="0"/>
-              <a:t>3/14/2019</a:t>
+              <a:t>3/29/2019</a:t>
             </a:fld>
             <a:endParaRPr lang="en-US"/>
           </a:p>
@@ -1746,7 +1746,7 @@
           <a:p>
             <a:fld id="{AAB2D3D3-1E26-436C-8467-9F82561659A6}" type="datetimeFigureOut">
               <a:rPr lang="en-US" smtClean="0"/>
-              <a:t>3/14/2019</a:t>
+              <a:t>3/29/2019</a:t>
             </a:fld>
             <a:endParaRPr lang="en-US"/>
           </a:p>
@@ -1841,7 +1841,7 @@
           <a:p>
             <a:fld id="{AAB2D3D3-1E26-436C-8467-9F82561659A6}" type="datetimeFigureOut">
               <a:rPr lang="en-US" smtClean="0"/>
-              <a:t>3/14/2019</a:t>
+              <a:t>3/29/2019</a:t>
             </a:fld>
             <a:endParaRPr lang="en-US"/>
           </a:p>
@@ -2118,7 +2118,7 @@
           <a:p>
             <a:fld id="{AAB2D3D3-1E26-436C-8467-9F82561659A6}" type="datetimeFigureOut">
               <a:rPr lang="en-US" smtClean="0"/>
-              <a:t>3/14/2019</a:t>
+              <a:t>3/29/2019</a:t>
             </a:fld>
             <a:endParaRPr lang="en-US"/>
           </a:p>
@@ -2371,7 +2371,7 @@
           <a:p>
             <a:fld id="{AAB2D3D3-1E26-436C-8467-9F82561659A6}" type="datetimeFigureOut">
               <a:rPr lang="en-US" smtClean="0"/>
-              <a:t>3/14/2019</a:t>
+              <a:t>3/29/2019</a:t>
             </a:fld>
             <a:endParaRPr lang="en-US"/>
           </a:p>
@@ -2584,7 +2584,7 @@
           <a:p>
             <a:fld id="{AAB2D3D3-1E26-436C-8467-9F82561659A6}" type="datetimeFigureOut">
               <a:rPr lang="en-US" smtClean="0"/>
-              <a:t>3/14/2019</a:t>
+              <a:t>3/29/2019</a:t>
             </a:fld>
             <a:endParaRPr lang="en-US"/>
           </a:p>
@@ -6240,509 +6240,350 @@
           </a:p>
         </p:txBody>
       </p:sp>
-      <p:grpSp>
-        <p:nvGrpSpPr>
-          <p:cNvPr id="51" name="Group 50"/>
-          <p:cNvGrpSpPr/>
-          <p:nvPr/>
-        </p:nvGrpSpPr>
-        <p:grpSpPr>
-          <a:xfrm>
-            <a:off x="8515676" y="-100501"/>
-            <a:ext cx="3439915" cy="2627458"/>
-            <a:chOff x="8726386" y="-100501"/>
-            <a:chExt cx="3439915" cy="2627458"/>
-          </a:xfrm>
-        </p:grpSpPr>
-        <p:sp>
-          <p:nvSpPr>
-            <p:cNvPr id="37" name="Rounded Rectangle 36"/>
-            <p:cNvSpPr/>
-            <p:nvPr/>
-          </p:nvSpPr>
-          <p:spPr>
-            <a:xfrm>
-              <a:off x="8726386" y="96521"/>
-              <a:ext cx="3439915" cy="2430436"/>
-            </a:xfrm>
-            <a:prstGeom prst="roundRect">
-              <a:avLst>
-                <a:gd name="adj" fmla="val 4686"/>
-              </a:avLst>
-            </a:prstGeom>
+      <p:sp>
+        <p:nvSpPr>
+          <p:cNvPr id="37" name="Rounded Rectangle 36"/>
+          <p:cNvSpPr/>
+          <p:nvPr/>
+        </p:nvSpPr>
+        <p:spPr>
+          <a:xfrm>
+            <a:off x="8515676" y="96521"/>
+            <a:ext cx="3439915" cy="2430436"/>
+          </a:xfrm>
+          <a:prstGeom prst="roundRect">
+            <a:avLst>
+              <a:gd name="adj" fmla="val 4686"/>
+            </a:avLst>
+          </a:prstGeom>
+          <a:solidFill>
+            <a:schemeClr val="bg1"/>
+          </a:solidFill>
+          <a:ln w="19050">
+            <a:solidFill>
+              <a:schemeClr val="accent5"/>
+            </a:solidFill>
+          </a:ln>
+        </p:spPr>
+        <p:style>
+          <a:lnRef idx="2">
+            <a:schemeClr val="accent1">
+              <a:shade val="50000"/>
+            </a:schemeClr>
+          </a:lnRef>
+          <a:fillRef idx="1">
+            <a:schemeClr val="accent1"/>
+          </a:fillRef>
+          <a:effectRef idx="0">
+            <a:schemeClr val="accent1"/>
+          </a:effectRef>
+          <a:fontRef idx="minor">
+            <a:schemeClr val="lt1"/>
+          </a:fontRef>
+        </p:style>
+        <p:txBody>
+          <a:bodyPr rtlCol="0" anchor="ctr"/>
+          <a:lstStyle/>
+          <a:p>
+            <a:pPr algn="ctr"/>
+            <a:endParaRPr lang="en-US"/>
+          </a:p>
+        </p:txBody>
+      </p:sp>
+      <p:sp>
+        <p:nvSpPr>
+          <p:cNvPr id="38" name="Rectangle 37"/>
+          <p:cNvSpPr/>
+          <p:nvPr/>
+        </p:nvSpPr>
+        <p:spPr>
+          <a:xfrm>
+            <a:off x="8632648" y="53274"/>
+            <a:ext cx="1483228" cy="169149"/>
+          </a:xfrm>
+          <a:prstGeom prst="rect">
+            <a:avLst/>
+          </a:prstGeom>
+          <a:solidFill>
+            <a:schemeClr val="bg1"/>
+          </a:solidFill>
+          <a:ln>
             <a:solidFill>
               <a:schemeClr val="bg1"/>
             </a:solidFill>
-            <a:ln w="19050">
-              <a:solidFill>
-                <a:schemeClr val="accent5"/>
-              </a:solidFill>
-            </a:ln>
-          </p:spPr>
-          <p:style>
-            <a:lnRef idx="2">
-              <a:schemeClr val="accent1">
-                <a:shade val="50000"/>
-              </a:schemeClr>
-            </a:lnRef>
-            <a:fillRef idx="1">
-              <a:schemeClr val="accent1"/>
-            </a:fillRef>
-            <a:effectRef idx="0">
-              <a:schemeClr val="accent1"/>
-            </a:effectRef>
-            <a:fontRef idx="minor">
-              <a:schemeClr val="lt1"/>
-            </a:fontRef>
-          </p:style>
-          <p:txBody>
-            <a:bodyPr rtlCol="0" anchor="ctr"/>
-            <a:lstStyle/>
-            <a:p>
-              <a:pPr algn="ctr"/>
-              <a:endParaRPr lang="en-US"/>
-            </a:p>
-          </p:txBody>
-        </p:sp>
-        <p:sp>
-          <p:nvSpPr>
-            <p:cNvPr id="38" name="Rectangle 37"/>
-            <p:cNvSpPr/>
-            <p:nvPr/>
-          </p:nvSpPr>
-          <p:spPr>
-            <a:xfrm>
-              <a:off x="8843358" y="53274"/>
-              <a:ext cx="1483228" cy="169149"/>
-            </a:xfrm>
-            <a:prstGeom prst="rect">
-              <a:avLst/>
-            </a:prstGeom>
+          </a:ln>
+        </p:spPr>
+        <p:style>
+          <a:lnRef idx="2">
+            <a:schemeClr val="accent1">
+              <a:shade val="50000"/>
+            </a:schemeClr>
+          </a:lnRef>
+          <a:fillRef idx="1">
+            <a:schemeClr val="accent1"/>
+          </a:fillRef>
+          <a:effectRef idx="0">
+            <a:schemeClr val="accent1"/>
+          </a:effectRef>
+          <a:fontRef idx="minor">
+            <a:schemeClr val="lt1"/>
+          </a:fontRef>
+        </p:style>
+        <p:txBody>
+          <a:bodyPr rtlCol="0" anchor="ctr"/>
+          <a:lstStyle/>
+          <a:p>
+            <a:pPr algn="ctr"/>
+            <a:endParaRPr lang="en-US"/>
+          </a:p>
+        </p:txBody>
+      </p:sp>
+      <p:sp>
+        <p:nvSpPr>
+          <p:cNvPr id="39" name="TextBox 38"/>
+          <p:cNvSpPr txBox="1"/>
+          <p:nvPr/>
+        </p:nvSpPr>
+        <p:spPr>
+          <a:xfrm>
+            <a:off x="8595995" y="-100501"/>
+            <a:ext cx="1522468" cy="369332"/>
+          </a:xfrm>
+          <a:prstGeom prst="rect">
+            <a:avLst/>
+          </a:prstGeom>
+          <a:noFill/>
+        </p:spPr>
+        <p:txBody>
+          <a:bodyPr wrap="none" rtlCol="0">
+            <a:spAutoFit/>
+          </a:bodyPr>
+          <a:lstStyle/>
+          <a:p>
+            <a:r>
+              <a:rPr lang="en-US" dirty="0" smtClean="0"/>
+              <a:t>Sensitive form</a:t>
+            </a:r>
+            <a:endParaRPr lang="en-US" dirty="0"/>
+          </a:p>
+        </p:txBody>
+      </p:sp>
+      <p:sp>
+        <p:nvSpPr>
+          <p:cNvPr id="42" name="TextBox 41"/>
+          <p:cNvSpPr txBox="1"/>
+          <p:nvPr/>
+        </p:nvSpPr>
+        <p:spPr>
+          <a:xfrm>
+            <a:off x="8595995" y="2037033"/>
+            <a:ext cx="1402948" cy="369332"/>
+          </a:xfrm>
+          <a:prstGeom prst="rect">
+            <a:avLst/>
+          </a:prstGeom>
+          <a:solidFill>
+            <a:schemeClr val="bg1"/>
+          </a:solidFill>
+        </p:spPr>
+        <p:txBody>
+          <a:bodyPr wrap="none" rtlCol="0">
+            <a:spAutoFit/>
+          </a:bodyPr>
+          <a:lstStyle/>
+          <a:p>
+            <a:r>
+              <a:rPr lang="en-US" dirty="0" smtClean="0"/>
+              <a:t>Normal field </a:t>
+            </a:r>
+            <a:endParaRPr lang="en-US" dirty="0"/>
+          </a:p>
+        </p:txBody>
+      </p:sp>
+      <p:sp>
+        <p:nvSpPr>
+          <p:cNvPr id="45" name="TextBox 44"/>
+          <p:cNvSpPr txBox="1"/>
+          <p:nvPr/>
+        </p:nvSpPr>
+        <p:spPr>
+          <a:xfrm>
+            <a:off x="8669716" y="545816"/>
+            <a:ext cx="1653979" cy="369332"/>
+          </a:xfrm>
+          <a:prstGeom prst="rect">
+            <a:avLst/>
+          </a:prstGeom>
+          <a:solidFill>
+            <a:schemeClr val="bg1"/>
+          </a:solidFill>
+        </p:spPr>
+        <p:txBody>
+          <a:bodyPr wrap="none" rtlCol="0">
+            <a:spAutoFit/>
+          </a:bodyPr>
+          <a:lstStyle/>
+          <a:p>
+            <a:r>
+              <a:rPr lang="en-US" dirty="0" smtClean="0"/>
+              <a:t>Sensitive field 1</a:t>
+            </a:r>
+            <a:endParaRPr lang="en-US" dirty="0"/>
+          </a:p>
+        </p:txBody>
+      </p:sp>
+      <p:sp>
+        <p:nvSpPr>
+          <p:cNvPr id="48" name="Rectangle 47"/>
+          <p:cNvSpPr/>
+          <p:nvPr/>
+        </p:nvSpPr>
+        <p:spPr>
+          <a:xfrm>
+            <a:off x="9231093" y="1432694"/>
+            <a:ext cx="819150" cy="411480"/>
+          </a:xfrm>
+          <a:prstGeom prst="rect">
+            <a:avLst/>
+          </a:prstGeom>
+          <a:solidFill>
+            <a:schemeClr val="bg2"/>
+          </a:solidFill>
+          <a:ln w="12700">
             <a:solidFill>
-              <a:schemeClr val="bg1"/>
+              <a:schemeClr val="tx1"/>
             </a:solidFill>
-            <a:ln>
-              <a:solidFill>
-                <a:schemeClr val="bg1"/>
-              </a:solidFill>
-            </a:ln>
-          </p:spPr>
-          <p:style>
-            <a:lnRef idx="2">
-              <a:schemeClr val="accent1">
-                <a:shade val="50000"/>
-              </a:schemeClr>
-            </a:lnRef>
-            <a:fillRef idx="1">
-              <a:schemeClr val="accent1"/>
-            </a:fillRef>
-            <a:effectRef idx="0">
-              <a:schemeClr val="accent1"/>
-            </a:effectRef>
-            <a:fontRef idx="minor">
-              <a:schemeClr val="lt1"/>
-            </a:fontRef>
-          </p:style>
-          <p:txBody>
-            <a:bodyPr rtlCol="0" anchor="ctr"/>
-            <a:lstStyle/>
-            <a:p>
-              <a:pPr algn="ctr"/>
-              <a:endParaRPr lang="en-US"/>
-            </a:p>
-          </p:txBody>
-        </p:sp>
-        <p:sp>
-          <p:nvSpPr>
-            <p:cNvPr id="39" name="TextBox 38"/>
-            <p:cNvSpPr txBox="1"/>
-            <p:nvPr/>
-          </p:nvSpPr>
-          <p:spPr>
-            <a:xfrm>
-              <a:off x="8806705" y="-100501"/>
-              <a:ext cx="1522468" cy="369332"/>
-            </a:xfrm>
-            <a:prstGeom prst="rect">
-              <a:avLst/>
-            </a:prstGeom>
-            <a:noFill/>
-          </p:spPr>
-          <p:txBody>
-            <a:bodyPr wrap="none" rtlCol="0">
-              <a:spAutoFit/>
-            </a:bodyPr>
-            <a:lstStyle/>
-            <a:p>
-              <a:r>
-                <a:rPr lang="en-US" dirty="0" smtClean="0"/>
-                <a:t>Sensitive form</a:t>
-              </a:r>
-              <a:endParaRPr lang="en-US" dirty="0"/>
-            </a:p>
-          </p:txBody>
-        </p:sp>
-        <p:sp>
-          <p:nvSpPr>
-            <p:cNvPr id="41" name="Rectangle 40"/>
-            <p:cNvSpPr/>
-            <p:nvPr/>
-          </p:nvSpPr>
-          <p:spPr>
-            <a:xfrm>
-              <a:off x="10460684" y="2090463"/>
-              <a:ext cx="1442548" cy="308282"/>
-            </a:xfrm>
-            <a:prstGeom prst="rect">
-              <a:avLst/>
-            </a:prstGeom>
-            <a:solidFill>
-              <a:schemeClr val="bg1"/>
-            </a:solidFill>
-            <a:ln w="19050">
+          </a:ln>
+        </p:spPr>
+        <p:style>
+          <a:lnRef idx="2">
+            <a:schemeClr val="accent1">
+              <a:shade val="50000"/>
+            </a:schemeClr>
+          </a:lnRef>
+          <a:fillRef idx="1">
+            <a:schemeClr val="accent1"/>
+          </a:fillRef>
+          <a:effectRef idx="0">
+            <a:schemeClr val="accent1"/>
+          </a:effectRef>
+          <a:fontRef idx="minor">
+            <a:schemeClr val="lt1"/>
+          </a:fontRef>
+        </p:style>
+        <p:txBody>
+          <a:bodyPr rtlCol="0" anchor="ctr"/>
+          <a:lstStyle/>
+          <a:p>
+            <a:pPr algn="ctr"/>
+            <a:r>
+              <a:rPr lang="en-US" b="1" dirty="0" smtClean="0">
+                <a:solidFill>
+                  <a:schemeClr val="tx1"/>
+                </a:solidFill>
+              </a:rPr>
+              <a:t>OK</a:t>
+            </a:r>
+            <a:endParaRPr lang="en-US" b="1" dirty="0">
               <a:solidFill>
                 <a:schemeClr val="tx1"/>
               </a:solidFill>
-            </a:ln>
-          </p:spPr>
-          <p:style>
-            <a:lnRef idx="2">
-              <a:schemeClr val="accent1">
-                <a:shade val="50000"/>
-              </a:schemeClr>
-            </a:lnRef>
-            <a:fillRef idx="1">
-              <a:schemeClr val="accent1"/>
-            </a:fillRef>
-            <a:effectRef idx="0">
-              <a:schemeClr val="accent1"/>
-            </a:effectRef>
-            <a:fontRef idx="minor">
-              <a:schemeClr val="lt1"/>
-            </a:fontRef>
-          </p:style>
-          <p:txBody>
-            <a:bodyPr rtlCol="0" anchor="ctr"/>
-            <a:lstStyle/>
-            <a:p>
-              <a:pPr algn="ctr"/>
-              <a:endParaRPr lang="en-US"/>
-            </a:p>
-          </p:txBody>
-        </p:sp>
-        <p:sp>
-          <p:nvSpPr>
-            <p:cNvPr id="42" name="TextBox 41"/>
-            <p:cNvSpPr txBox="1"/>
-            <p:nvPr/>
-          </p:nvSpPr>
-          <p:spPr>
-            <a:xfrm>
-              <a:off x="8806705" y="2037033"/>
-              <a:ext cx="1402948" cy="369332"/>
-            </a:xfrm>
-            <a:prstGeom prst="rect">
-              <a:avLst/>
-            </a:prstGeom>
+            </a:endParaRPr>
+          </a:p>
+        </p:txBody>
+      </p:sp>
+      <p:sp>
+        <p:nvSpPr>
+          <p:cNvPr id="49" name="Rectangle 48"/>
+          <p:cNvSpPr/>
+          <p:nvPr/>
+        </p:nvSpPr>
+        <p:spPr>
+          <a:xfrm>
+            <a:off x="10661748" y="1432694"/>
+            <a:ext cx="819150" cy="411480"/>
+          </a:xfrm>
+          <a:prstGeom prst="rect">
+            <a:avLst/>
+          </a:prstGeom>
+          <a:solidFill>
+            <a:schemeClr val="bg2"/>
+          </a:solidFill>
+          <a:ln w="12700">
             <a:solidFill>
-              <a:schemeClr val="bg1"/>
+              <a:schemeClr val="tx1"/>
             </a:solidFill>
-          </p:spPr>
-          <p:txBody>
-            <a:bodyPr wrap="none" rtlCol="0">
-              <a:spAutoFit/>
-            </a:bodyPr>
-            <a:lstStyle/>
-            <a:p>
-              <a:r>
-                <a:rPr lang="en-US" dirty="0" smtClean="0"/>
-                <a:t>Normal field </a:t>
-              </a:r>
-              <a:endParaRPr lang="en-US" dirty="0"/>
-            </a:p>
-          </p:txBody>
-        </p:sp>
-        <p:sp>
-          <p:nvSpPr>
-            <p:cNvPr id="44" name="Rectangle 43"/>
-            <p:cNvSpPr/>
-            <p:nvPr/>
-          </p:nvSpPr>
-          <p:spPr>
-            <a:xfrm>
-              <a:off x="10497337" y="312078"/>
-              <a:ext cx="1442548" cy="379214"/>
-            </a:xfrm>
-            <a:prstGeom prst="rect">
-              <a:avLst/>
-            </a:prstGeom>
-            <a:solidFill>
-              <a:schemeClr val="bg1"/>
-            </a:solidFill>
-            <a:ln w="19050">
+          </a:ln>
+        </p:spPr>
+        <p:style>
+          <a:lnRef idx="2">
+            <a:schemeClr val="accent1">
+              <a:shade val="50000"/>
+            </a:schemeClr>
+          </a:lnRef>
+          <a:fillRef idx="1">
+            <a:schemeClr val="accent1"/>
+          </a:fillRef>
+          <a:effectRef idx="0">
+            <a:schemeClr val="accent1"/>
+          </a:effectRef>
+          <a:fontRef idx="minor">
+            <a:schemeClr val="lt1"/>
+          </a:fontRef>
+        </p:style>
+        <p:txBody>
+          <a:bodyPr rtlCol="0" anchor="ctr"/>
+          <a:lstStyle/>
+          <a:p>
+            <a:pPr algn="ctr"/>
+            <a:r>
+              <a:rPr lang="en-US" b="1" dirty="0" smtClean="0">
+                <a:solidFill>
+                  <a:schemeClr val="tx1"/>
+                </a:solidFill>
+              </a:rPr>
+              <a:t>Cancel</a:t>
+            </a:r>
+            <a:endParaRPr lang="en-US" b="1" dirty="0">
               <a:solidFill>
                 <a:schemeClr val="tx1"/>
               </a:solidFill>
-            </a:ln>
-          </p:spPr>
-          <p:style>
-            <a:lnRef idx="2">
-              <a:schemeClr val="accent1">
-                <a:shade val="50000"/>
-              </a:schemeClr>
-            </a:lnRef>
-            <a:fillRef idx="1">
-              <a:schemeClr val="accent1"/>
-            </a:fillRef>
-            <a:effectRef idx="0">
-              <a:schemeClr val="accent1"/>
-            </a:effectRef>
-            <a:fontRef idx="minor">
-              <a:schemeClr val="lt1"/>
-            </a:fontRef>
-          </p:style>
-          <p:txBody>
-            <a:bodyPr rtlCol="0" anchor="ctr"/>
-            <a:lstStyle/>
-            <a:p>
-              <a:pPr algn="ctr"/>
-              <a:endParaRPr lang="en-US"/>
-            </a:p>
-          </p:txBody>
-        </p:sp>
-        <p:sp>
-          <p:nvSpPr>
-            <p:cNvPr id="45" name="TextBox 44"/>
-            <p:cNvSpPr txBox="1"/>
-            <p:nvPr/>
-          </p:nvSpPr>
-          <p:spPr>
-            <a:xfrm>
-              <a:off x="8843358" y="329580"/>
-              <a:ext cx="1653979" cy="369332"/>
-            </a:xfrm>
-            <a:prstGeom prst="rect">
-              <a:avLst/>
-            </a:prstGeom>
-            <a:solidFill>
-              <a:schemeClr val="bg1"/>
-            </a:solidFill>
-          </p:spPr>
-          <p:txBody>
-            <a:bodyPr wrap="none" rtlCol="0">
-              <a:spAutoFit/>
-            </a:bodyPr>
-            <a:lstStyle/>
-            <a:p>
-              <a:r>
-                <a:rPr lang="en-US" dirty="0" smtClean="0"/>
-                <a:t>Sensitive field 1</a:t>
-              </a:r>
-              <a:endParaRPr lang="en-US" dirty="0"/>
-            </a:p>
-          </p:txBody>
-        </p:sp>
-        <p:sp>
-          <p:nvSpPr>
-            <p:cNvPr id="46" name="Rectangle 45"/>
-            <p:cNvSpPr/>
-            <p:nvPr/>
-          </p:nvSpPr>
-          <p:spPr>
-            <a:xfrm>
-              <a:off x="10497337" y="863635"/>
-              <a:ext cx="1442548" cy="379214"/>
-            </a:xfrm>
-            <a:prstGeom prst="rect">
-              <a:avLst/>
-            </a:prstGeom>
-            <a:solidFill>
-              <a:schemeClr val="bg1"/>
-            </a:solidFill>
-            <a:ln w="19050">
-              <a:solidFill>
-                <a:schemeClr val="tx1"/>
-              </a:solidFill>
-            </a:ln>
-          </p:spPr>
-          <p:style>
-            <a:lnRef idx="2">
-              <a:schemeClr val="accent1">
-                <a:shade val="50000"/>
-              </a:schemeClr>
-            </a:lnRef>
-            <a:fillRef idx="1">
-              <a:schemeClr val="accent1"/>
-            </a:fillRef>
-            <a:effectRef idx="0">
-              <a:schemeClr val="accent1"/>
-            </a:effectRef>
-            <a:fontRef idx="minor">
-              <a:schemeClr val="lt1"/>
-            </a:fontRef>
-          </p:style>
-          <p:txBody>
-            <a:bodyPr rtlCol="0" anchor="ctr"/>
-            <a:lstStyle/>
-            <a:p>
-              <a:pPr algn="ctr"/>
-              <a:endParaRPr lang="en-US"/>
-            </a:p>
-          </p:txBody>
-        </p:sp>
-        <p:sp>
-          <p:nvSpPr>
-            <p:cNvPr id="48" name="Rectangle 47"/>
-            <p:cNvSpPr/>
-            <p:nvPr/>
-          </p:nvSpPr>
-          <p:spPr>
-            <a:xfrm>
-              <a:off x="9441803" y="1432694"/>
-              <a:ext cx="819150" cy="411480"/>
-            </a:xfrm>
-            <a:prstGeom prst="rect">
-              <a:avLst/>
-            </a:prstGeom>
-            <a:solidFill>
-              <a:schemeClr val="bg2"/>
-            </a:solidFill>
-            <a:ln w="12700">
-              <a:solidFill>
-                <a:schemeClr val="tx1"/>
-              </a:solidFill>
-            </a:ln>
-          </p:spPr>
-          <p:style>
-            <a:lnRef idx="2">
-              <a:schemeClr val="accent1">
-                <a:shade val="50000"/>
-              </a:schemeClr>
-            </a:lnRef>
-            <a:fillRef idx="1">
-              <a:schemeClr val="accent1"/>
-            </a:fillRef>
-            <a:effectRef idx="0">
-              <a:schemeClr val="accent1"/>
-            </a:effectRef>
-            <a:fontRef idx="minor">
-              <a:schemeClr val="lt1"/>
-            </a:fontRef>
-          </p:style>
-          <p:txBody>
-            <a:bodyPr rtlCol="0" anchor="ctr"/>
-            <a:lstStyle/>
-            <a:p>
-              <a:pPr algn="ctr"/>
-              <a:r>
-                <a:rPr lang="en-US" b="1" dirty="0" smtClean="0">
-                  <a:solidFill>
-                    <a:schemeClr val="tx1"/>
-                  </a:solidFill>
-                </a:rPr>
-                <a:t>OK</a:t>
-              </a:r>
-              <a:endParaRPr lang="en-US" b="1" dirty="0">
-                <a:solidFill>
-                  <a:schemeClr val="tx1"/>
-                </a:solidFill>
-              </a:endParaRPr>
-            </a:p>
-          </p:txBody>
-        </p:sp>
-        <p:sp>
-          <p:nvSpPr>
-            <p:cNvPr id="49" name="Rectangle 48"/>
-            <p:cNvSpPr/>
-            <p:nvPr/>
-          </p:nvSpPr>
-          <p:spPr>
-            <a:xfrm>
-              <a:off x="10872458" y="1432694"/>
-              <a:ext cx="819150" cy="411480"/>
-            </a:xfrm>
-            <a:prstGeom prst="rect">
-              <a:avLst/>
-            </a:prstGeom>
-            <a:solidFill>
-              <a:schemeClr val="bg2"/>
-            </a:solidFill>
-            <a:ln w="12700">
-              <a:solidFill>
-                <a:schemeClr val="tx1"/>
-              </a:solidFill>
-            </a:ln>
-          </p:spPr>
-          <p:style>
-            <a:lnRef idx="2">
-              <a:schemeClr val="accent1">
-                <a:shade val="50000"/>
-              </a:schemeClr>
-            </a:lnRef>
-            <a:fillRef idx="1">
-              <a:schemeClr val="accent1"/>
-            </a:fillRef>
-            <a:effectRef idx="0">
-              <a:schemeClr val="accent1"/>
-            </a:effectRef>
-            <a:fontRef idx="minor">
-              <a:schemeClr val="lt1"/>
-            </a:fontRef>
-          </p:style>
-          <p:txBody>
-            <a:bodyPr rtlCol="0" anchor="ctr"/>
-            <a:lstStyle/>
-            <a:p>
-              <a:pPr algn="ctr"/>
-              <a:r>
-                <a:rPr lang="en-US" b="1" dirty="0" smtClean="0">
-                  <a:solidFill>
-                    <a:schemeClr val="tx1"/>
-                  </a:solidFill>
-                </a:rPr>
-                <a:t>Cancel</a:t>
-              </a:r>
-              <a:endParaRPr lang="en-US" b="1" dirty="0">
-                <a:solidFill>
-                  <a:schemeClr val="tx1"/>
-                </a:solidFill>
-              </a:endParaRPr>
-            </a:p>
-          </p:txBody>
-        </p:sp>
-        <p:sp>
-          <p:nvSpPr>
-            <p:cNvPr id="47" name="TextBox 46"/>
-            <p:cNvSpPr txBox="1"/>
-            <p:nvPr/>
-          </p:nvSpPr>
-          <p:spPr>
-            <a:xfrm>
-              <a:off x="8843358" y="881137"/>
-              <a:ext cx="1653979" cy="369332"/>
-            </a:xfrm>
-            <a:prstGeom prst="rect">
-              <a:avLst/>
-            </a:prstGeom>
-            <a:solidFill>
-              <a:schemeClr val="bg1"/>
-            </a:solidFill>
-          </p:spPr>
-          <p:txBody>
-            <a:bodyPr wrap="none" rtlCol="0">
-              <a:spAutoFit/>
-            </a:bodyPr>
-            <a:lstStyle/>
-            <a:p>
-              <a:r>
-                <a:rPr lang="en-US" dirty="0" smtClean="0"/>
-                <a:t>Sensitive field 2</a:t>
-              </a:r>
-              <a:endParaRPr lang="en-US" dirty="0"/>
-            </a:p>
-          </p:txBody>
-        </p:sp>
-      </p:grpSp>
+            </a:endParaRPr>
+          </a:p>
+        </p:txBody>
+      </p:sp>
+      <p:sp>
+        <p:nvSpPr>
+          <p:cNvPr id="47" name="TextBox 46"/>
+          <p:cNvSpPr txBox="1"/>
+          <p:nvPr/>
+        </p:nvSpPr>
+        <p:spPr>
+          <a:xfrm>
+            <a:off x="8669716" y="1041771"/>
+            <a:ext cx="1653979" cy="369332"/>
+          </a:xfrm>
+          <a:prstGeom prst="rect">
+            <a:avLst/>
+          </a:prstGeom>
+          <a:solidFill>
+            <a:schemeClr val="bg1"/>
+          </a:solidFill>
+        </p:spPr>
+        <p:txBody>
+          <a:bodyPr wrap="none" rtlCol="0">
+            <a:spAutoFit/>
+          </a:bodyPr>
+          <a:lstStyle/>
+          <a:p>
+            <a:r>
+              <a:rPr lang="en-US" dirty="0" smtClean="0"/>
+              <a:t>Sensitive field 2</a:t>
+            </a:r>
+            <a:endParaRPr lang="en-US" dirty="0"/>
+          </a:p>
+        </p:txBody>
+      </p:sp>
       <p:sp>
         <p:nvSpPr>
           <p:cNvPr id="50" name="Right Arrow 49"/>
@@ -7021,64 +6862,6 @@
                 <a:srgbClr val="FF0000"/>
               </a:solidFill>
             </a:endParaRPr>
-          </a:p>
-        </p:txBody>
-      </p:sp>
-      <p:sp>
-        <p:nvSpPr>
-          <p:cNvPr id="5" name="Rectangle 4"/>
-          <p:cNvSpPr/>
-          <p:nvPr/>
-        </p:nvSpPr>
-        <p:spPr>
-          <a:xfrm>
-            <a:off x="10373477" y="319307"/>
-            <a:ext cx="852990" cy="369332"/>
-          </a:xfrm>
-          <a:prstGeom prst="rect">
-            <a:avLst/>
-          </a:prstGeom>
-        </p:spPr>
-        <p:txBody>
-          <a:bodyPr wrap="none">
-            <a:spAutoFit/>
-          </a:bodyPr>
-          <a:lstStyle/>
-          <a:p>
-            <a:r>
-              <a:rPr lang="en-US" dirty="0" smtClean="0"/>
-              <a:t>Data_1</a:t>
-            </a:r>
-            <a:endParaRPr lang="en-US" dirty="0"/>
-          </a:p>
-        </p:txBody>
-      </p:sp>
-      <p:sp>
-        <p:nvSpPr>
-          <p:cNvPr id="72" name="Rectangle 71"/>
-          <p:cNvSpPr/>
-          <p:nvPr/>
-        </p:nvSpPr>
-        <p:spPr>
-          <a:xfrm>
-            <a:off x="10373477" y="873517"/>
-            <a:ext cx="852990" cy="369332"/>
-          </a:xfrm>
-          <a:prstGeom prst="rect">
-            <a:avLst/>
-          </a:prstGeom>
-        </p:spPr>
-        <p:txBody>
-          <a:bodyPr wrap="none">
-            <a:spAutoFit/>
-          </a:bodyPr>
-          <a:lstStyle/>
-          <a:p>
-            <a:r>
-              <a:rPr lang="en-US" dirty="0" smtClean="0"/>
-              <a:t>Data_2</a:t>
-            </a:r>
-            <a:endParaRPr lang="en-US" dirty="0"/>
           </a:p>
         </p:txBody>
       </p:sp>
@@ -7760,6 +7543,298 @@
           </a:prstGeom>
         </p:spPr>
       </p:pic>
+      <p:grpSp>
+        <p:nvGrpSpPr>
+          <p:cNvPr id="61" name="Group 60"/>
+          <p:cNvGrpSpPr/>
+          <p:nvPr/>
+        </p:nvGrpSpPr>
+        <p:grpSpPr>
+          <a:xfrm>
+            <a:off x="8667210" y="202616"/>
+            <a:ext cx="3108780" cy="338555"/>
+            <a:chOff x="9551696" y="-4357705"/>
+            <a:chExt cx="2284494" cy="248788"/>
+          </a:xfrm>
+        </p:grpSpPr>
+        <p:sp>
+          <p:nvSpPr>
+            <p:cNvPr id="62" name="Rectangle 61"/>
+            <p:cNvSpPr/>
+            <p:nvPr/>
+          </p:nvSpPr>
+          <p:spPr>
+            <a:xfrm>
+              <a:off x="9551696" y="-4311139"/>
+              <a:ext cx="2284494" cy="182461"/>
+            </a:xfrm>
+            <a:prstGeom prst="rect">
+              <a:avLst/>
+            </a:prstGeom>
+            <a:solidFill>
+              <a:srgbClr val="B8DBA1"/>
+            </a:solidFill>
+            <a:ln>
+              <a:noFill/>
+            </a:ln>
+          </p:spPr>
+          <p:style>
+            <a:lnRef idx="2">
+              <a:schemeClr val="accent6">
+                <a:shade val="50000"/>
+              </a:schemeClr>
+            </a:lnRef>
+            <a:fillRef idx="1">
+              <a:schemeClr val="accent6"/>
+            </a:fillRef>
+            <a:effectRef idx="0">
+              <a:schemeClr val="accent6"/>
+            </a:effectRef>
+            <a:fontRef idx="minor">
+              <a:schemeClr val="lt1"/>
+            </a:fontRef>
+          </p:style>
+          <p:txBody>
+            <a:bodyPr rtlCol="0" anchor="ctr"/>
+            <a:lstStyle/>
+            <a:p>
+              <a:pPr algn="ctr"/>
+              <a:endParaRPr lang="en-US"/>
+            </a:p>
+          </p:txBody>
+        </p:sp>
+        <p:sp>
+          <p:nvSpPr>
+            <p:cNvPr id="63" name="Rectangle 62"/>
+            <p:cNvSpPr/>
+            <p:nvPr/>
+          </p:nvSpPr>
+          <p:spPr>
+            <a:xfrm>
+              <a:off x="9757220" y="-4357705"/>
+              <a:ext cx="1992797" cy="248788"/>
+            </a:xfrm>
+            <a:prstGeom prst="rect">
+              <a:avLst/>
+            </a:prstGeom>
+          </p:spPr>
+          <p:txBody>
+            <a:bodyPr wrap="none">
+              <a:spAutoFit/>
+            </a:bodyPr>
+            <a:lstStyle/>
+            <a:p>
+              <a:r>
+                <a:rPr lang="en-US" sz="1600" dirty="0" smtClean="0"/>
+                <a:t>Verified UI from secure_site.io</a:t>
+              </a:r>
+              <a:endParaRPr lang="en-US" sz="1600" dirty="0"/>
+            </a:p>
+          </p:txBody>
+        </p:sp>
+      </p:grpSp>
+      <p:sp>
+        <p:nvSpPr>
+          <p:cNvPr id="41" name="Rectangle 40"/>
+          <p:cNvSpPr/>
+          <p:nvPr/>
+        </p:nvSpPr>
+        <p:spPr>
+          <a:xfrm>
+            <a:off x="10249974" y="2090463"/>
+            <a:ext cx="1442548" cy="308282"/>
+          </a:xfrm>
+          <a:prstGeom prst="rect">
+            <a:avLst/>
+          </a:prstGeom>
+          <a:solidFill>
+            <a:schemeClr val="bg1"/>
+          </a:solidFill>
+          <a:ln w="19050">
+            <a:solidFill>
+              <a:schemeClr val="tx1"/>
+            </a:solidFill>
+          </a:ln>
+        </p:spPr>
+        <p:style>
+          <a:lnRef idx="2">
+            <a:schemeClr val="accent1">
+              <a:shade val="50000"/>
+            </a:schemeClr>
+          </a:lnRef>
+          <a:fillRef idx="1">
+            <a:schemeClr val="accent1"/>
+          </a:fillRef>
+          <a:effectRef idx="0">
+            <a:schemeClr val="accent1"/>
+          </a:effectRef>
+          <a:fontRef idx="minor">
+            <a:schemeClr val="lt1"/>
+          </a:fontRef>
+        </p:style>
+        <p:txBody>
+          <a:bodyPr rtlCol="0" anchor="ctr"/>
+          <a:lstStyle/>
+          <a:p>
+            <a:pPr algn="ctr"/>
+            <a:endParaRPr lang="en-US"/>
+          </a:p>
+        </p:txBody>
+      </p:sp>
+      <p:sp>
+        <p:nvSpPr>
+          <p:cNvPr id="44" name="Rectangle 43"/>
+          <p:cNvSpPr/>
+          <p:nvPr/>
+        </p:nvSpPr>
+        <p:spPr>
+          <a:xfrm>
+            <a:off x="10323695" y="528314"/>
+            <a:ext cx="1442548" cy="379214"/>
+          </a:xfrm>
+          <a:prstGeom prst="rect">
+            <a:avLst/>
+          </a:prstGeom>
+          <a:solidFill>
+            <a:schemeClr val="bg1"/>
+          </a:solidFill>
+          <a:ln w="19050">
+            <a:solidFill>
+              <a:schemeClr val="tx1"/>
+            </a:solidFill>
+          </a:ln>
+        </p:spPr>
+        <p:style>
+          <a:lnRef idx="2">
+            <a:schemeClr val="accent1">
+              <a:shade val="50000"/>
+            </a:schemeClr>
+          </a:lnRef>
+          <a:fillRef idx="1">
+            <a:schemeClr val="accent1"/>
+          </a:fillRef>
+          <a:effectRef idx="0">
+            <a:schemeClr val="accent1"/>
+          </a:effectRef>
+          <a:fontRef idx="minor">
+            <a:schemeClr val="lt1"/>
+          </a:fontRef>
+        </p:style>
+        <p:txBody>
+          <a:bodyPr rtlCol="0" anchor="ctr"/>
+          <a:lstStyle/>
+          <a:p>
+            <a:pPr algn="ctr"/>
+            <a:endParaRPr lang="en-US"/>
+          </a:p>
+        </p:txBody>
+      </p:sp>
+      <p:sp>
+        <p:nvSpPr>
+          <p:cNvPr id="46" name="Rectangle 45"/>
+          <p:cNvSpPr/>
+          <p:nvPr/>
+        </p:nvSpPr>
+        <p:spPr>
+          <a:xfrm>
+            <a:off x="10323695" y="1024269"/>
+            <a:ext cx="1442548" cy="379214"/>
+          </a:xfrm>
+          <a:prstGeom prst="rect">
+            <a:avLst/>
+          </a:prstGeom>
+          <a:solidFill>
+            <a:schemeClr val="bg1"/>
+          </a:solidFill>
+          <a:ln w="19050">
+            <a:solidFill>
+              <a:schemeClr val="tx1"/>
+            </a:solidFill>
+          </a:ln>
+        </p:spPr>
+        <p:style>
+          <a:lnRef idx="2">
+            <a:schemeClr val="accent1">
+              <a:shade val="50000"/>
+            </a:schemeClr>
+          </a:lnRef>
+          <a:fillRef idx="1">
+            <a:schemeClr val="accent1"/>
+          </a:fillRef>
+          <a:effectRef idx="0">
+            <a:schemeClr val="accent1"/>
+          </a:effectRef>
+          <a:fontRef idx="minor">
+            <a:schemeClr val="lt1"/>
+          </a:fontRef>
+        </p:style>
+        <p:txBody>
+          <a:bodyPr rtlCol="0" anchor="ctr"/>
+          <a:lstStyle/>
+          <a:p>
+            <a:pPr algn="ctr"/>
+            <a:endParaRPr lang="en-US"/>
+          </a:p>
+        </p:txBody>
+      </p:sp>
+      <p:sp>
+        <p:nvSpPr>
+          <p:cNvPr id="5" name="Rectangle 4"/>
+          <p:cNvSpPr/>
+          <p:nvPr/>
+        </p:nvSpPr>
+        <p:spPr>
+          <a:xfrm>
+            <a:off x="10410545" y="535543"/>
+            <a:ext cx="852990" cy="369332"/>
+          </a:xfrm>
+          <a:prstGeom prst="rect">
+            <a:avLst/>
+          </a:prstGeom>
+        </p:spPr>
+        <p:txBody>
+          <a:bodyPr wrap="none">
+            <a:spAutoFit/>
+          </a:bodyPr>
+          <a:lstStyle/>
+          <a:p>
+            <a:r>
+              <a:rPr lang="en-US" dirty="0" smtClean="0"/>
+              <a:t>Data_1</a:t>
+            </a:r>
+            <a:endParaRPr lang="en-US" dirty="0"/>
+          </a:p>
+        </p:txBody>
+      </p:sp>
+      <p:sp>
+        <p:nvSpPr>
+          <p:cNvPr id="72" name="Rectangle 71"/>
+          <p:cNvSpPr/>
+          <p:nvPr/>
+        </p:nvSpPr>
+        <p:spPr>
+          <a:xfrm>
+            <a:off x="10410545" y="1034151"/>
+            <a:ext cx="852990" cy="369332"/>
+          </a:xfrm>
+          <a:prstGeom prst="rect">
+            <a:avLst/>
+          </a:prstGeom>
+        </p:spPr>
+        <p:txBody>
+          <a:bodyPr wrap="none">
+            <a:spAutoFit/>
+          </a:bodyPr>
+          <a:lstStyle/>
+          <a:p>
+            <a:r>
+              <a:rPr lang="en-US" dirty="0" smtClean="0"/>
+              <a:t>Data_2</a:t>
+            </a:r>
+            <a:endParaRPr lang="en-US" dirty="0"/>
+          </a:p>
+        </p:txBody>
+      </p:sp>
     </p:spTree>
     <p:extLst>
       <p:ext uri="{BB962C8B-B14F-4D97-AF65-F5344CB8AC3E}">
@@ -13774,10 +13849,10 @@
         </p:nvGrpSpPr>
         <p:grpSpPr>
           <a:xfrm>
-            <a:off x="4124740" y="209591"/>
-            <a:ext cx="2054386" cy="1747195"/>
-            <a:chOff x="2888316" y="998162"/>
-            <a:chExt cx="2054386" cy="1747195"/>
+            <a:off x="4124740" y="97179"/>
+            <a:ext cx="2054386" cy="1859607"/>
+            <a:chOff x="2888316" y="885750"/>
+            <a:chExt cx="2054386" cy="1859607"/>
           </a:xfrm>
         </p:grpSpPr>
         <p:sp>
@@ -13788,8 +13863,8 @@
           </p:nvSpPr>
           <p:spPr>
             <a:xfrm>
-              <a:off x="2888316" y="998162"/>
-              <a:ext cx="2054386" cy="1076926"/>
+              <a:off x="2888316" y="885750"/>
+              <a:ext cx="2054386" cy="1189338"/>
             </a:xfrm>
             <a:prstGeom prst="rect">
               <a:avLst/>
@@ -14273,8 +14348,8 @@
         </p:nvCxnSpPr>
         <p:spPr>
           <a:xfrm flipV="1">
-            <a:off x="3312295" y="748054"/>
-            <a:ext cx="812445" cy="734783"/>
+            <a:off x="3312295" y="691848"/>
+            <a:ext cx="812445" cy="790989"/>
           </a:xfrm>
           <a:prstGeom prst="curvedConnector3">
             <a:avLst/>
@@ -14542,10 +14617,10 @@
         </p:nvGrpSpPr>
         <p:grpSpPr>
           <a:xfrm>
-            <a:off x="1574798" y="3860905"/>
-            <a:ext cx="2054386" cy="1076926"/>
-            <a:chOff x="2888316" y="998162"/>
-            <a:chExt cx="2054386" cy="1076926"/>
+            <a:off x="1574798" y="3785407"/>
+            <a:ext cx="2054386" cy="1152424"/>
+            <a:chOff x="2888316" y="922664"/>
+            <a:chExt cx="2054386" cy="1152424"/>
           </a:xfrm>
         </p:grpSpPr>
         <p:sp>
@@ -14556,8 +14631,8 @@
           </p:nvSpPr>
           <p:spPr>
             <a:xfrm>
-              <a:off x="2888316" y="998162"/>
-              <a:ext cx="2054386" cy="1076926"/>
+              <a:off x="2888316" y="922664"/>
+              <a:ext cx="2054386" cy="1152424"/>
             </a:xfrm>
             <a:prstGeom prst="rect">
               <a:avLst/>
@@ -14899,50 +14974,6 @@
           </a:prstGeom>
         </p:spPr>
       </p:pic>
-      <p:sp>
-        <p:nvSpPr>
-          <p:cNvPr id="63" name="Rectangle 62"/>
-          <p:cNvSpPr/>
-          <p:nvPr/>
-        </p:nvSpPr>
-        <p:spPr>
-          <a:xfrm>
-            <a:off x="1382402" y="3725824"/>
-            <a:ext cx="231743" cy="261214"/>
-          </a:xfrm>
-          <a:prstGeom prst="rect">
-            <a:avLst/>
-          </a:prstGeom>
-          <a:noFill/>
-          <a:ln w="19050">
-            <a:solidFill>
-              <a:srgbClr val="FF0000"/>
-            </a:solidFill>
-          </a:ln>
-        </p:spPr>
-        <p:style>
-          <a:lnRef idx="2">
-            <a:schemeClr val="dk1"/>
-          </a:lnRef>
-          <a:fillRef idx="1">
-            <a:schemeClr val="lt1"/>
-          </a:fillRef>
-          <a:effectRef idx="0">
-            <a:schemeClr val="dk1"/>
-          </a:effectRef>
-          <a:fontRef idx="minor">
-            <a:schemeClr val="dk1"/>
-          </a:fontRef>
-        </p:style>
-        <p:txBody>
-          <a:bodyPr rtlCol="0" anchor="ctr"/>
-          <a:lstStyle/>
-          <a:p>
-            <a:pPr algn="ctr"/>
-            <a:endParaRPr lang="en-US" dirty="0"/>
-          </a:p>
-        </p:txBody>
-      </p:sp>
       <p:pic>
         <p:nvPicPr>
           <p:cNvPr id="75" name="Picture 74"/>
@@ -15158,12 +15189,8 @@
               <a:t>rendered pointer </a:t>
             </a:r>
             <a:r>
-              <a:rPr lang="en-US" dirty="0" err="1" smtClean="0"/>
-              <a:t>overby</a:t>
-            </a:r>
-            <a:r>
               <a:rPr lang="en-US" dirty="0" smtClean="0"/>
-              <a:t> the Bridge</a:t>
+              <a:t>overlaid by the Bridge</a:t>
             </a:r>
             <a:endParaRPr lang="en-US" dirty="0"/>
           </a:p>
@@ -15250,8 +15277,8 @@
         </p:nvCxnSpPr>
         <p:spPr>
           <a:xfrm>
-            <a:off x="3629184" y="4399368"/>
-            <a:ext cx="993703" cy="318525"/>
+            <a:off x="3629184" y="4361619"/>
+            <a:ext cx="993703" cy="356274"/>
           </a:xfrm>
           <a:prstGeom prst="curvedConnector2">
             <a:avLst/>
@@ -15422,6 +15449,214 @@
           </a:p>
         </p:txBody>
       </p:sp>
+      <p:sp>
+        <p:nvSpPr>
+          <p:cNvPr id="27" name="Rectangle 26"/>
+          <p:cNvSpPr/>
+          <p:nvPr/>
+        </p:nvSpPr>
+        <p:spPr>
+          <a:xfrm>
+            <a:off x="1596456" y="3807328"/>
+            <a:ext cx="2014152" cy="140494"/>
+          </a:xfrm>
+          <a:prstGeom prst="rect">
+            <a:avLst/>
+          </a:prstGeom>
+          <a:solidFill>
+            <a:srgbClr val="B8DBA1"/>
+          </a:solidFill>
+          <a:ln>
+            <a:noFill/>
+          </a:ln>
+        </p:spPr>
+        <p:style>
+          <a:lnRef idx="2">
+            <a:schemeClr val="accent6">
+              <a:shade val="50000"/>
+            </a:schemeClr>
+          </a:lnRef>
+          <a:fillRef idx="1">
+            <a:schemeClr val="accent6"/>
+          </a:fillRef>
+          <a:effectRef idx="0">
+            <a:schemeClr val="accent6"/>
+          </a:effectRef>
+          <a:fontRef idx="minor">
+            <a:schemeClr val="lt1"/>
+          </a:fontRef>
+        </p:style>
+        <p:txBody>
+          <a:bodyPr rtlCol="0" anchor="ctr"/>
+          <a:lstStyle/>
+          <a:p>
+            <a:pPr algn="ctr"/>
+            <a:endParaRPr lang="en-US"/>
+          </a:p>
+        </p:txBody>
+      </p:sp>
+      <p:sp>
+        <p:nvSpPr>
+          <p:cNvPr id="63" name="Rectangle 62"/>
+          <p:cNvSpPr/>
+          <p:nvPr/>
+        </p:nvSpPr>
+        <p:spPr>
+          <a:xfrm>
+            <a:off x="1382402" y="3725824"/>
+            <a:ext cx="231743" cy="261214"/>
+          </a:xfrm>
+          <a:prstGeom prst="rect">
+            <a:avLst/>
+          </a:prstGeom>
+          <a:noFill/>
+          <a:ln w="19050">
+            <a:solidFill>
+              <a:srgbClr val="FF0000"/>
+            </a:solidFill>
+          </a:ln>
+        </p:spPr>
+        <p:style>
+          <a:lnRef idx="2">
+            <a:schemeClr val="dk1"/>
+          </a:lnRef>
+          <a:fillRef idx="1">
+            <a:schemeClr val="lt1"/>
+          </a:fillRef>
+          <a:effectRef idx="0">
+            <a:schemeClr val="dk1"/>
+          </a:effectRef>
+          <a:fontRef idx="minor">
+            <a:schemeClr val="dk1"/>
+          </a:fontRef>
+        </p:style>
+        <p:txBody>
+          <a:bodyPr rtlCol="0" anchor="ctr"/>
+          <a:lstStyle/>
+          <a:p>
+            <a:pPr algn="ctr"/>
+            <a:endParaRPr lang="en-US" dirty="0"/>
+          </a:p>
+        </p:txBody>
+      </p:sp>
+      <p:sp>
+        <p:nvSpPr>
+          <p:cNvPr id="25" name="Rectangle 24"/>
+          <p:cNvSpPr/>
+          <p:nvPr/>
+        </p:nvSpPr>
+        <p:spPr>
+          <a:xfrm>
+            <a:off x="1571744" y="3727605"/>
+            <a:ext cx="2079928" cy="276999"/>
+          </a:xfrm>
+          <a:prstGeom prst="rect">
+            <a:avLst/>
+          </a:prstGeom>
+        </p:spPr>
+        <p:txBody>
+          <a:bodyPr wrap="none">
+            <a:spAutoFit/>
+          </a:bodyPr>
+          <a:lstStyle/>
+          <a:p>
+            <a:r>
+              <a:rPr lang="en-US" sz="1200" dirty="0"/>
+              <a:t>Verified UI from secure_site.io</a:t>
+            </a:r>
+          </a:p>
+        </p:txBody>
+      </p:sp>
+      <p:grpSp>
+        <p:nvGrpSpPr>
+          <p:cNvPr id="28" name="Group 27"/>
+          <p:cNvGrpSpPr/>
+          <p:nvPr/>
+        </p:nvGrpSpPr>
+        <p:grpSpPr>
+          <a:xfrm>
+            <a:off x="4133436" y="50925"/>
+            <a:ext cx="2079928" cy="276999"/>
+            <a:chOff x="4133436" y="-11850"/>
+            <a:chExt cx="2079928" cy="276999"/>
+          </a:xfrm>
+        </p:grpSpPr>
+        <p:sp>
+          <p:nvSpPr>
+            <p:cNvPr id="62" name="Rectangle 61"/>
+            <p:cNvSpPr/>
+            <p:nvPr/>
+          </p:nvSpPr>
+          <p:spPr>
+            <a:xfrm>
+              <a:off x="4146440" y="56582"/>
+              <a:ext cx="2014152" cy="140494"/>
+            </a:xfrm>
+            <a:prstGeom prst="rect">
+              <a:avLst/>
+            </a:prstGeom>
+            <a:solidFill>
+              <a:srgbClr val="B8DBA1"/>
+            </a:solidFill>
+            <a:ln>
+              <a:noFill/>
+            </a:ln>
+          </p:spPr>
+          <p:style>
+            <a:lnRef idx="2">
+              <a:schemeClr val="accent6">
+                <a:shade val="50000"/>
+              </a:schemeClr>
+            </a:lnRef>
+            <a:fillRef idx="1">
+              <a:schemeClr val="accent6"/>
+            </a:fillRef>
+            <a:effectRef idx="0">
+              <a:schemeClr val="accent6"/>
+            </a:effectRef>
+            <a:fontRef idx="minor">
+              <a:schemeClr val="lt1"/>
+            </a:fontRef>
+          </p:style>
+          <p:txBody>
+            <a:bodyPr rtlCol="0" anchor="ctr"/>
+            <a:lstStyle/>
+            <a:p>
+              <a:pPr algn="ctr"/>
+              <a:endParaRPr lang="en-US"/>
+            </a:p>
+          </p:txBody>
+        </p:sp>
+        <p:sp>
+          <p:nvSpPr>
+            <p:cNvPr id="19" name="Rectangle 18"/>
+            <p:cNvSpPr/>
+            <p:nvPr/>
+          </p:nvSpPr>
+          <p:spPr>
+            <a:xfrm>
+              <a:off x="4133436" y="-11850"/>
+              <a:ext cx="2079928" cy="276999"/>
+            </a:xfrm>
+            <a:prstGeom prst="rect">
+              <a:avLst/>
+            </a:prstGeom>
+          </p:spPr>
+          <p:txBody>
+            <a:bodyPr wrap="none">
+              <a:spAutoFit/>
+            </a:bodyPr>
+            <a:lstStyle/>
+            <a:p>
+              <a:r>
+                <a:rPr lang="en-US" sz="1200" dirty="0" smtClean="0"/>
+                <a:t>Verified UI from secure_site.io</a:t>
+              </a:r>
+              <a:endParaRPr lang="en-US" sz="1200" dirty="0"/>
+            </a:p>
+          </p:txBody>
+        </p:sp>
+      </p:grpSp>
     </p:spTree>
     <p:extLst>
       <p:ext uri="{BB962C8B-B14F-4D97-AF65-F5344CB8AC3E}">

--- a/aritra/MouseTracking/images/systemDesign.pptx
+++ b/aritra/MouseTracking/images/systemDesign.pptx
@@ -9,23 +9,24 @@
     <p:sldId id="273" r:id="rId3"/>
     <p:sldId id="266" r:id="rId4"/>
     <p:sldId id="272" r:id="rId5"/>
-    <p:sldId id="262" r:id="rId6"/>
-    <p:sldId id="256" r:id="rId7"/>
-    <p:sldId id="274" r:id="rId8"/>
-    <p:sldId id="257" r:id="rId9"/>
-    <p:sldId id="268" r:id="rId10"/>
-    <p:sldId id="258" r:id="rId11"/>
-    <p:sldId id="276" r:id="rId12"/>
-    <p:sldId id="275" r:id="rId13"/>
-    <p:sldId id="267" r:id="rId14"/>
-    <p:sldId id="259" r:id="rId15"/>
-    <p:sldId id="260" r:id="rId16"/>
-    <p:sldId id="261" r:id="rId17"/>
-    <p:sldId id="263" r:id="rId18"/>
-    <p:sldId id="265" r:id="rId19"/>
-    <p:sldId id="270" r:id="rId20"/>
-    <p:sldId id="269" r:id="rId21"/>
-    <p:sldId id="271" r:id="rId22"/>
+    <p:sldId id="277" r:id="rId6"/>
+    <p:sldId id="262" r:id="rId7"/>
+    <p:sldId id="256" r:id="rId8"/>
+    <p:sldId id="274" r:id="rId9"/>
+    <p:sldId id="257" r:id="rId10"/>
+    <p:sldId id="268" r:id="rId11"/>
+    <p:sldId id="258" r:id="rId12"/>
+    <p:sldId id="276" r:id="rId13"/>
+    <p:sldId id="275" r:id="rId14"/>
+    <p:sldId id="267" r:id="rId15"/>
+    <p:sldId id="259" r:id="rId16"/>
+    <p:sldId id="260" r:id="rId17"/>
+    <p:sldId id="261" r:id="rId18"/>
+    <p:sldId id="263" r:id="rId19"/>
+    <p:sldId id="265" r:id="rId20"/>
+    <p:sldId id="270" r:id="rId21"/>
+    <p:sldId id="269" r:id="rId22"/>
+    <p:sldId id="271" r:id="rId23"/>
   </p:sldIdLst>
   <p:sldSz cx="12192000" cy="6858000"/>
   <p:notesSz cx="6858000" cy="9144000"/>
@@ -263,7 +264,7 @@
           <a:p>
             <a:fld id="{AAB2D3D3-1E26-436C-8467-9F82561659A6}" type="datetimeFigureOut">
               <a:rPr lang="en-US" smtClean="0"/>
-              <a:t>3/29/2019</a:t>
+              <a:t>4/15/2019</a:t>
             </a:fld>
             <a:endParaRPr lang="en-US"/>
           </a:p>
@@ -433,7 +434,7 @@
           <a:p>
             <a:fld id="{AAB2D3D3-1E26-436C-8467-9F82561659A6}" type="datetimeFigureOut">
               <a:rPr lang="en-US" smtClean="0"/>
-              <a:t>3/29/2019</a:t>
+              <a:t>4/15/2019</a:t>
             </a:fld>
             <a:endParaRPr lang="en-US"/>
           </a:p>
@@ -613,7 +614,7 @@
           <a:p>
             <a:fld id="{AAB2D3D3-1E26-436C-8467-9F82561659A6}" type="datetimeFigureOut">
               <a:rPr lang="en-US" smtClean="0"/>
-              <a:t>3/29/2019</a:t>
+              <a:t>4/15/2019</a:t>
             </a:fld>
             <a:endParaRPr lang="en-US"/>
           </a:p>
@@ -783,7 +784,7 @@
           <a:p>
             <a:fld id="{AAB2D3D3-1E26-436C-8467-9F82561659A6}" type="datetimeFigureOut">
               <a:rPr lang="en-US" smtClean="0"/>
-              <a:t>3/29/2019</a:t>
+              <a:t>4/15/2019</a:t>
             </a:fld>
             <a:endParaRPr lang="en-US"/>
           </a:p>
@@ -1029,7 +1030,7 @@
           <a:p>
             <a:fld id="{AAB2D3D3-1E26-436C-8467-9F82561659A6}" type="datetimeFigureOut">
               <a:rPr lang="en-US" smtClean="0"/>
-              <a:t>3/29/2019</a:t>
+              <a:t>4/15/2019</a:t>
             </a:fld>
             <a:endParaRPr lang="en-US"/>
           </a:p>
@@ -1261,7 +1262,7 @@
           <a:p>
             <a:fld id="{AAB2D3D3-1E26-436C-8467-9F82561659A6}" type="datetimeFigureOut">
               <a:rPr lang="en-US" smtClean="0"/>
-              <a:t>3/29/2019</a:t>
+              <a:t>4/15/2019</a:t>
             </a:fld>
             <a:endParaRPr lang="en-US"/>
           </a:p>
@@ -1628,7 +1629,7 @@
           <a:p>
             <a:fld id="{AAB2D3D3-1E26-436C-8467-9F82561659A6}" type="datetimeFigureOut">
               <a:rPr lang="en-US" smtClean="0"/>
-              <a:t>3/29/2019</a:t>
+              <a:t>4/15/2019</a:t>
             </a:fld>
             <a:endParaRPr lang="en-US"/>
           </a:p>
@@ -1746,7 +1747,7 @@
           <a:p>
             <a:fld id="{AAB2D3D3-1E26-436C-8467-9F82561659A6}" type="datetimeFigureOut">
               <a:rPr lang="en-US" smtClean="0"/>
-              <a:t>3/29/2019</a:t>
+              <a:t>4/15/2019</a:t>
             </a:fld>
             <a:endParaRPr lang="en-US"/>
           </a:p>
@@ -1841,7 +1842,7 @@
           <a:p>
             <a:fld id="{AAB2D3D3-1E26-436C-8467-9F82561659A6}" type="datetimeFigureOut">
               <a:rPr lang="en-US" smtClean="0"/>
-              <a:t>3/29/2019</a:t>
+              <a:t>4/15/2019</a:t>
             </a:fld>
             <a:endParaRPr lang="en-US"/>
           </a:p>
@@ -2118,7 +2119,7 @@
           <a:p>
             <a:fld id="{AAB2D3D3-1E26-436C-8467-9F82561659A6}" type="datetimeFigureOut">
               <a:rPr lang="en-US" smtClean="0"/>
-              <a:t>3/29/2019</a:t>
+              <a:t>4/15/2019</a:t>
             </a:fld>
             <a:endParaRPr lang="en-US"/>
           </a:p>
@@ -2371,7 +2372,7 @@
           <a:p>
             <a:fld id="{AAB2D3D3-1E26-436C-8467-9F82561659A6}" type="datetimeFigureOut">
               <a:rPr lang="en-US" smtClean="0"/>
-              <a:t>3/29/2019</a:t>
+              <a:t>4/15/2019</a:t>
             </a:fld>
             <a:endParaRPr lang="en-US"/>
           </a:p>
@@ -2584,7 +2585,7 @@
           <a:p>
             <a:fld id="{AAB2D3D3-1E26-436C-8467-9F82561659A6}" type="datetimeFigureOut">
               <a:rPr lang="en-US" smtClean="0"/>
-              <a:t>3/29/2019</a:t>
+              <a:t>4/15/2019</a:t>
             </a:fld>
             <a:endParaRPr lang="en-US"/>
           </a:p>
@@ -3308,26 +3309,202 @@
       </p:grpSpPr>
       <p:sp>
         <p:nvSpPr>
-          <p:cNvPr id="4" name="Rounded Rectangle 3"/>
+          <p:cNvPr id="20" name="Freeform 19"/>
           <p:cNvSpPr/>
           <p:nvPr/>
         </p:nvSpPr>
         <p:spPr>
           <a:xfrm>
-            <a:off x="7620" y="77986"/>
-            <a:ext cx="4273996" cy="1985592"/>
-          </a:xfrm>
-          <a:prstGeom prst="roundRect">
-            <a:avLst>
-              <a:gd name="adj" fmla="val 4686"/>
-            </a:avLst>
+            <a:off x="4913505" y="256540"/>
+            <a:ext cx="3582529" cy="3632200"/>
+          </a:xfrm>
+          <a:custGeom>
+            <a:avLst/>
+            <a:gdLst>
+              <a:gd name="connsiteX0" fmla="*/ 3682 w 3582529"/>
+              <a:gd name="connsiteY0" fmla="*/ 0 h 3632200"/>
+              <a:gd name="connsiteX1" fmla="*/ 498982 w 3582529"/>
+              <a:gd name="connsiteY1" fmla="*/ 1714500 h 3632200"/>
+              <a:gd name="connsiteX2" fmla="*/ 3121532 w 3582529"/>
+              <a:gd name="connsiteY2" fmla="*/ 2590800 h 3632200"/>
+              <a:gd name="connsiteX3" fmla="*/ 3566032 w 3582529"/>
+              <a:gd name="connsiteY3" fmla="*/ 3632200 h 3632200"/>
+            </a:gdLst>
+            <a:ahLst/>
+            <a:cxnLst>
+              <a:cxn ang="0">
+                <a:pos x="connsiteX0" y="connsiteY0"/>
+              </a:cxn>
+              <a:cxn ang="0">
+                <a:pos x="connsiteX1" y="connsiteY1"/>
+              </a:cxn>
+              <a:cxn ang="0">
+                <a:pos x="connsiteX2" y="connsiteY2"/>
+              </a:cxn>
+              <a:cxn ang="0">
+                <a:pos x="connsiteX3" y="connsiteY3"/>
+              </a:cxn>
+            </a:cxnLst>
+            <a:rect l="l" t="t" r="r" b="b"/>
+            <a:pathLst>
+              <a:path w="3582529" h="3632200">
+                <a:moveTo>
+                  <a:pt x="3682" y="0"/>
+                </a:moveTo>
+                <a:cubicBezTo>
+                  <a:pt x="-8489" y="641350"/>
+                  <a:pt x="-20660" y="1282700"/>
+                  <a:pt x="498982" y="1714500"/>
+                </a:cubicBezTo>
+                <a:cubicBezTo>
+                  <a:pt x="1018624" y="2146300"/>
+                  <a:pt x="2610357" y="2271183"/>
+                  <a:pt x="3121532" y="2590800"/>
+                </a:cubicBezTo>
+                <a:cubicBezTo>
+                  <a:pt x="3632707" y="2910417"/>
+                  <a:pt x="3599369" y="3271308"/>
+                  <a:pt x="3566032" y="3632200"/>
+                </a:cubicBezTo>
+              </a:path>
+            </a:pathLst>
+          </a:custGeom>
+          <a:ln w="19050">
+            <a:prstDash val="dash"/>
+          </a:ln>
+        </p:spPr>
+        <p:style>
+          <a:lnRef idx="1">
+            <a:schemeClr val="dk1"/>
+          </a:lnRef>
+          <a:fillRef idx="0">
+            <a:schemeClr val="dk1"/>
+          </a:fillRef>
+          <a:effectRef idx="0">
+            <a:schemeClr val="dk1"/>
+          </a:effectRef>
+          <a:fontRef idx="minor">
+            <a:schemeClr val="tx1"/>
+          </a:fontRef>
+        </p:style>
+        <p:txBody>
+          <a:bodyPr rtlCol="0" anchor="ctr"/>
+          <a:lstStyle/>
+          <a:p>
+            <a:pPr algn="ctr"/>
+            <a:endParaRPr lang="en-US"/>
+          </a:p>
+        </p:txBody>
+      </p:sp>
+      <p:sp>
+        <p:nvSpPr>
+          <p:cNvPr id="8" name="Freeform 7"/>
+          <p:cNvSpPr/>
+          <p:nvPr/>
+        </p:nvSpPr>
+        <p:spPr>
+          <a:xfrm>
+            <a:off x="317628" y="256540"/>
+            <a:ext cx="3582529" cy="3632200"/>
+          </a:xfrm>
+          <a:custGeom>
+            <a:avLst/>
+            <a:gdLst>
+              <a:gd name="connsiteX0" fmla="*/ 3682 w 3582529"/>
+              <a:gd name="connsiteY0" fmla="*/ 0 h 3632200"/>
+              <a:gd name="connsiteX1" fmla="*/ 498982 w 3582529"/>
+              <a:gd name="connsiteY1" fmla="*/ 1714500 h 3632200"/>
+              <a:gd name="connsiteX2" fmla="*/ 3121532 w 3582529"/>
+              <a:gd name="connsiteY2" fmla="*/ 2590800 h 3632200"/>
+              <a:gd name="connsiteX3" fmla="*/ 3566032 w 3582529"/>
+              <a:gd name="connsiteY3" fmla="*/ 3632200 h 3632200"/>
+            </a:gdLst>
+            <a:ahLst/>
+            <a:cxnLst>
+              <a:cxn ang="0">
+                <a:pos x="connsiteX0" y="connsiteY0"/>
+              </a:cxn>
+              <a:cxn ang="0">
+                <a:pos x="connsiteX1" y="connsiteY1"/>
+              </a:cxn>
+              <a:cxn ang="0">
+                <a:pos x="connsiteX2" y="connsiteY2"/>
+              </a:cxn>
+              <a:cxn ang="0">
+                <a:pos x="connsiteX3" y="connsiteY3"/>
+              </a:cxn>
+            </a:cxnLst>
+            <a:rect l="l" t="t" r="r" b="b"/>
+            <a:pathLst>
+              <a:path w="3582529" h="3632200">
+                <a:moveTo>
+                  <a:pt x="3682" y="0"/>
+                </a:moveTo>
+                <a:cubicBezTo>
+                  <a:pt x="-8489" y="641350"/>
+                  <a:pt x="-20660" y="1282700"/>
+                  <a:pt x="498982" y="1714500"/>
+                </a:cubicBezTo>
+                <a:cubicBezTo>
+                  <a:pt x="1018624" y="2146300"/>
+                  <a:pt x="2610357" y="2271183"/>
+                  <a:pt x="3121532" y="2590800"/>
+                </a:cubicBezTo>
+                <a:cubicBezTo>
+                  <a:pt x="3632707" y="2910417"/>
+                  <a:pt x="3599369" y="3271308"/>
+                  <a:pt x="3566032" y="3632200"/>
+                </a:cubicBezTo>
+              </a:path>
+            </a:pathLst>
+          </a:custGeom>
+          <a:ln w="19050">
+            <a:prstDash val="dash"/>
+          </a:ln>
+        </p:spPr>
+        <p:style>
+          <a:lnRef idx="1">
+            <a:schemeClr val="dk1"/>
+          </a:lnRef>
+          <a:fillRef idx="0">
+            <a:schemeClr val="dk1"/>
+          </a:fillRef>
+          <a:effectRef idx="0">
+            <a:schemeClr val="dk1"/>
+          </a:effectRef>
+          <a:fontRef idx="minor">
+            <a:schemeClr val="tx1"/>
+          </a:fontRef>
+        </p:style>
+        <p:txBody>
+          <a:bodyPr rtlCol="0" anchor="ctr"/>
+          <a:lstStyle/>
+          <a:p>
+            <a:pPr algn="ctr"/>
+            <a:endParaRPr lang="en-US"/>
+          </a:p>
+        </p:txBody>
+      </p:sp>
+      <p:sp>
+        <p:nvSpPr>
+          <p:cNvPr id="61" name="Rectangle 60"/>
+          <p:cNvSpPr/>
+          <p:nvPr/>
+        </p:nvSpPr>
+        <p:spPr>
+          <a:xfrm>
+            <a:off x="3601085" y="3553720"/>
+            <a:ext cx="592758" cy="411480"/>
+          </a:xfrm>
+          <a:prstGeom prst="rect">
+            <a:avLst/>
           </a:prstGeom>
           <a:solidFill>
-            <a:schemeClr val="bg1"/>
+            <a:schemeClr val="bg2"/>
           </a:solidFill>
-          <a:ln w="19050">
+          <a:ln w="12700">
             <a:solidFill>
-              <a:schemeClr val="accent5"/>
+              <a:schemeClr val="tx1"/>
             </a:solidFill>
           </a:ln>
         </p:spPr>
@@ -3352,52 +3529,32 @@
           <a:lstStyle/>
           <a:p>
             <a:pPr algn="ctr"/>
-            <a:endParaRPr lang="en-US"/>
-          </a:p>
-        </p:txBody>
-      </p:sp>
-      <p:sp>
-        <p:nvSpPr>
-          <p:cNvPr id="7" name="TextBox 6"/>
-          <p:cNvSpPr txBox="1"/>
-          <p:nvPr/>
-        </p:nvSpPr>
-        <p:spPr>
-          <a:xfrm>
-            <a:off x="121920" y="-106680"/>
-            <a:ext cx="1522468" cy="369332"/>
-          </a:xfrm>
-          <a:prstGeom prst="rect">
-            <a:avLst/>
-          </a:prstGeom>
-          <a:solidFill>
-            <a:schemeClr val="bg1"/>
-          </a:solidFill>
-        </p:spPr>
-        <p:txBody>
-          <a:bodyPr wrap="none" rtlCol="0">
-            <a:spAutoFit/>
-          </a:bodyPr>
-          <a:lstStyle/>
-          <a:p>
             <a:r>
-              <a:rPr lang="en-US" dirty="0" smtClean="0"/>
-              <a:t>Sensitive form</a:t>
+              <a:rPr lang="en-US" b="1" dirty="0" smtClean="0">
+                <a:solidFill>
+                  <a:schemeClr val="tx1"/>
+                </a:solidFill>
+              </a:rPr>
+              <a:t>OK</a:t>
             </a:r>
-            <a:endParaRPr lang="en-US" dirty="0"/>
-          </a:p>
-        </p:txBody>
-      </p:sp>
-      <p:sp>
-        <p:nvSpPr>
-          <p:cNvPr id="8" name="Rectangle 7"/>
+            <a:endParaRPr lang="en-US" b="1" dirty="0">
+              <a:solidFill>
+                <a:schemeClr val="tx1"/>
+              </a:solidFill>
+            </a:endParaRPr>
+          </a:p>
+        </p:txBody>
+      </p:sp>
+      <p:sp>
+        <p:nvSpPr>
+          <p:cNvPr id="52" name="Rectangle 51"/>
           <p:cNvSpPr/>
           <p:nvPr/>
         </p:nvSpPr>
         <p:spPr>
           <a:xfrm>
-            <a:off x="854779" y="1519813"/>
-            <a:ext cx="819150" cy="411480"/>
+            <a:off x="8198044" y="3553155"/>
+            <a:ext cx="592758" cy="411480"/>
           </a:xfrm>
           <a:prstGeom prst="rect">
             <a:avLst/>
@@ -3450,22 +3607,22 @@
       </p:sp>
       <p:sp>
         <p:nvSpPr>
-          <p:cNvPr id="9" name="Rectangle 8"/>
+          <p:cNvPr id="4" name="Rounded Rectangle 3"/>
           <p:cNvSpPr/>
           <p:nvPr/>
         </p:nvSpPr>
         <p:spPr>
           <a:xfrm>
-            <a:off x="2285434" y="1519813"/>
-            <a:ext cx="819150" cy="411480"/>
-          </a:xfrm>
-          <a:prstGeom prst="rect">
-            <a:avLst/>
-          </a:prstGeom>
-          <a:solidFill>
-            <a:schemeClr val="bg2"/>
-          </a:solidFill>
-          <a:ln w="12700">
+            <a:off x="22860" y="15240"/>
+            <a:ext cx="4222750" cy="4171950"/>
+          </a:xfrm>
+          <a:prstGeom prst="roundRect">
+            <a:avLst>
+              <a:gd name="adj" fmla="val 2512"/>
+            </a:avLst>
+          </a:prstGeom>
+          <a:noFill/>
+          <a:ln w="19050">
             <a:solidFill>
               <a:schemeClr val="tx1"/>
             </a:solidFill>
@@ -3492,39 +3649,414 @@
           <a:lstStyle/>
           <a:p>
             <a:pPr algn="ctr"/>
-            <a:r>
-              <a:rPr lang="en-US" b="1" dirty="0" smtClean="0">
-                <a:solidFill>
-                  <a:schemeClr val="tx1"/>
-                </a:solidFill>
-              </a:rPr>
-              <a:t>Cancel</a:t>
-            </a:r>
-            <a:endParaRPr lang="en-US" b="1" dirty="0">
-              <a:solidFill>
-                <a:schemeClr val="tx1"/>
-              </a:solidFill>
-            </a:endParaRPr>
-          </a:p>
-        </p:txBody>
-      </p:sp>
-      <p:sp>
-        <p:nvSpPr>
-          <p:cNvPr id="10" name="Rectangle 9"/>
+            <a:endParaRPr lang="en-US"/>
+          </a:p>
+        </p:txBody>
+      </p:sp>
+      <p:sp>
+        <p:nvSpPr>
+          <p:cNvPr id="5" name="Oval 4"/>
           <p:cNvSpPr/>
           <p:nvPr/>
         </p:nvSpPr>
         <p:spPr>
           <a:xfrm>
-            <a:off x="1764030" y="367169"/>
-            <a:ext cx="2324100" cy="379214"/>
-          </a:xfrm>
-          <a:prstGeom prst="rect">
+            <a:off x="257810" y="224790"/>
+            <a:ext cx="114300" cy="114300"/>
+          </a:xfrm>
+          <a:prstGeom prst="ellipse">
             <a:avLst/>
           </a:prstGeom>
           <a:solidFill>
-            <a:schemeClr val="bg1"/>
+            <a:schemeClr val="accent1"/>
           </a:solidFill>
+        </p:spPr>
+        <p:style>
+          <a:lnRef idx="2">
+            <a:schemeClr val="dk1">
+              <a:shade val="50000"/>
+            </a:schemeClr>
+          </a:lnRef>
+          <a:fillRef idx="1">
+            <a:schemeClr val="dk1"/>
+          </a:fillRef>
+          <a:effectRef idx="0">
+            <a:schemeClr val="dk1"/>
+          </a:effectRef>
+          <a:fontRef idx="minor">
+            <a:schemeClr val="lt1"/>
+          </a:fontRef>
+        </p:style>
+        <p:txBody>
+          <a:bodyPr rtlCol="0" anchor="ctr"/>
+          <a:lstStyle/>
+          <a:p>
+            <a:pPr algn="ctr"/>
+            <a:endParaRPr lang="en-US"/>
+          </a:p>
+        </p:txBody>
+      </p:sp>
+      <p:sp>
+        <p:nvSpPr>
+          <p:cNvPr id="11" name="Oval 10"/>
+          <p:cNvSpPr/>
+          <p:nvPr/>
+        </p:nvSpPr>
+        <p:spPr>
+          <a:xfrm>
+            <a:off x="262573" y="726440"/>
+            <a:ext cx="114300" cy="114300"/>
+          </a:xfrm>
+          <a:prstGeom prst="ellipse">
+            <a:avLst/>
+          </a:prstGeom>
+          <a:solidFill>
+            <a:schemeClr val="accent1"/>
+          </a:solidFill>
+        </p:spPr>
+        <p:style>
+          <a:lnRef idx="2">
+            <a:schemeClr val="dk1">
+              <a:shade val="50000"/>
+            </a:schemeClr>
+          </a:lnRef>
+          <a:fillRef idx="1">
+            <a:schemeClr val="dk1"/>
+          </a:fillRef>
+          <a:effectRef idx="0">
+            <a:schemeClr val="dk1"/>
+          </a:effectRef>
+          <a:fontRef idx="minor">
+            <a:schemeClr val="lt1"/>
+          </a:fontRef>
+        </p:style>
+        <p:txBody>
+          <a:bodyPr rtlCol="0" anchor="ctr"/>
+          <a:lstStyle/>
+          <a:p>
+            <a:pPr algn="ctr"/>
+            <a:endParaRPr lang="en-US"/>
+          </a:p>
+        </p:txBody>
+      </p:sp>
+      <p:sp>
+        <p:nvSpPr>
+          <p:cNvPr id="12" name="Oval 11"/>
+          <p:cNvSpPr/>
+          <p:nvPr/>
+        </p:nvSpPr>
+        <p:spPr>
+          <a:xfrm>
+            <a:off x="324486" y="1196340"/>
+            <a:ext cx="114300" cy="114300"/>
+          </a:xfrm>
+          <a:prstGeom prst="ellipse">
+            <a:avLst/>
+          </a:prstGeom>
+          <a:solidFill>
+            <a:schemeClr val="accent1"/>
+          </a:solidFill>
+        </p:spPr>
+        <p:style>
+          <a:lnRef idx="2">
+            <a:schemeClr val="dk1">
+              <a:shade val="50000"/>
+            </a:schemeClr>
+          </a:lnRef>
+          <a:fillRef idx="1">
+            <a:schemeClr val="dk1"/>
+          </a:fillRef>
+          <a:effectRef idx="0">
+            <a:schemeClr val="dk1"/>
+          </a:effectRef>
+          <a:fontRef idx="minor">
+            <a:schemeClr val="lt1"/>
+          </a:fontRef>
+        </p:style>
+        <p:txBody>
+          <a:bodyPr rtlCol="0" anchor="ctr"/>
+          <a:lstStyle/>
+          <a:p>
+            <a:pPr algn="ctr"/>
+            <a:endParaRPr lang="en-US"/>
+          </a:p>
+        </p:txBody>
+      </p:sp>
+      <p:sp>
+        <p:nvSpPr>
+          <p:cNvPr id="13" name="Oval 12"/>
+          <p:cNvSpPr/>
+          <p:nvPr/>
+        </p:nvSpPr>
+        <p:spPr>
+          <a:xfrm>
+            <a:off x="662624" y="1844040"/>
+            <a:ext cx="114300" cy="114300"/>
+          </a:xfrm>
+          <a:prstGeom prst="ellipse">
+            <a:avLst/>
+          </a:prstGeom>
+          <a:solidFill>
+            <a:schemeClr val="accent1"/>
+          </a:solidFill>
+        </p:spPr>
+        <p:style>
+          <a:lnRef idx="2">
+            <a:schemeClr val="dk1">
+              <a:shade val="50000"/>
+            </a:schemeClr>
+          </a:lnRef>
+          <a:fillRef idx="1">
+            <a:schemeClr val="dk1"/>
+          </a:fillRef>
+          <a:effectRef idx="0">
+            <a:schemeClr val="dk1"/>
+          </a:effectRef>
+          <a:fontRef idx="minor">
+            <a:schemeClr val="lt1"/>
+          </a:fontRef>
+        </p:style>
+        <p:txBody>
+          <a:bodyPr rtlCol="0" anchor="ctr"/>
+          <a:lstStyle/>
+          <a:p>
+            <a:pPr algn="ctr"/>
+            <a:endParaRPr lang="en-US"/>
+          </a:p>
+        </p:txBody>
+      </p:sp>
+      <p:sp>
+        <p:nvSpPr>
+          <p:cNvPr id="14" name="Oval 13"/>
+          <p:cNvSpPr/>
+          <p:nvPr/>
+        </p:nvSpPr>
+        <p:spPr>
+          <a:xfrm>
+            <a:off x="1434149" y="2220277"/>
+            <a:ext cx="114300" cy="114300"/>
+          </a:xfrm>
+          <a:prstGeom prst="ellipse">
+            <a:avLst/>
+          </a:prstGeom>
+          <a:solidFill>
+            <a:schemeClr val="accent1"/>
+          </a:solidFill>
+        </p:spPr>
+        <p:style>
+          <a:lnRef idx="2">
+            <a:schemeClr val="dk1">
+              <a:shade val="50000"/>
+            </a:schemeClr>
+          </a:lnRef>
+          <a:fillRef idx="1">
+            <a:schemeClr val="dk1"/>
+          </a:fillRef>
+          <a:effectRef idx="0">
+            <a:schemeClr val="dk1"/>
+          </a:effectRef>
+          <a:fontRef idx="minor">
+            <a:schemeClr val="lt1"/>
+          </a:fontRef>
+        </p:style>
+        <p:txBody>
+          <a:bodyPr rtlCol="0" anchor="ctr"/>
+          <a:lstStyle/>
+          <a:p>
+            <a:pPr algn="ctr"/>
+            <a:endParaRPr lang="en-US"/>
+          </a:p>
+        </p:txBody>
+      </p:sp>
+      <p:sp>
+        <p:nvSpPr>
+          <p:cNvPr id="15" name="Oval 14"/>
+          <p:cNvSpPr/>
+          <p:nvPr/>
+        </p:nvSpPr>
+        <p:spPr>
+          <a:xfrm>
+            <a:off x="2134235" y="2415539"/>
+            <a:ext cx="114300" cy="114300"/>
+          </a:xfrm>
+          <a:prstGeom prst="ellipse">
+            <a:avLst/>
+          </a:prstGeom>
+          <a:solidFill>
+            <a:schemeClr val="accent1"/>
+          </a:solidFill>
+        </p:spPr>
+        <p:style>
+          <a:lnRef idx="2">
+            <a:schemeClr val="dk1">
+              <a:shade val="50000"/>
+            </a:schemeClr>
+          </a:lnRef>
+          <a:fillRef idx="1">
+            <a:schemeClr val="dk1"/>
+          </a:fillRef>
+          <a:effectRef idx="0">
+            <a:schemeClr val="dk1"/>
+          </a:effectRef>
+          <a:fontRef idx="minor">
+            <a:schemeClr val="lt1"/>
+          </a:fontRef>
+        </p:style>
+        <p:txBody>
+          <a:bodyPr rtlCol="0" anchor="ctr"/>
+          <a:lstStyle/>
+          <a:p>
+            <a:pPr algn="ctr"/>
+            <a:endParaRPr lang="en-US"/>
+          </a:p>
+        </p:txBody>
+      </p:sp>
+      <p:sp>
+        <p:nvSpPr>
+          <p:cNvPr id="16" name="Oval 15"/>
+          <p:cNvSpPr/>
+          <p:nvPr/>
+        </p:nvSpPr>
+        <p:spPr>
+          <a:xfrm>
+            <a:off x="2934335" y="2615564"/>
+            <a:ext cx="114300" cy="114300"/>
+          </a:xfrm>
+          <a:prstGeom prst="ellipse">
+            <a:avLst/>
+          </a:prstGeom>
+          <a:solidFill>
+            <a:schemeClr val="accent1"/>
+          </a:solidFill>
+        </p:spPr>
+        <p:style>
+          <a:lnRef idx="2">
+            <a:schemeClr val="dk1">
+              <a:shade val="50000"/>
+            </a:schemeClr>
+          </a:lnRef>
+          <a:fillRef idx="1">
+            <a:schemeClr val="dk1"/>
+          </a:fillRef>
+          <a:effectRef idx="0">
+            <a:schemeClr val="dk1"/>
+          </a:effectRef>
+          <a:fontRef idx="minor">
+            <a:schemeClr val="lt1"/>
+          </a:fontRef>
+        </p:style>
+        <p:txBody>
+          <a:bodyPr rtlCol="0" anchor="ctr"/>
+          <a:lstStyle/>
+          <a:p>
+            <a:pPr algn="ctr"/>
+            <a:endParaRPr lang="en-US"/>
+          </a:p>
+        </p:txBody>
+      </p:sp>
+      <p:sp>
+        <p:nvSpPr>
+          <p:cNvPr id="17" name="Oval 16"/>
+          <p:cNvSpPr/>
+          <p:nvPr/>
+        </p:nvSpPr>
+        <p:spPr>
+          <a:xfrm>
+            <a:off x="3634422" y="2996564"/>
+            <a:ext cx="114300" cy="114300"/>
+          </a:xfrm>
+          <a:prstGeom prst="ellipse">
+            <a:avLst/>
+          </a:prstGeom>
+          <a:solidFill>
+            <a:schemeClr val="accent1"/>
+          </a:solidFill>
+        </p:spPr>
+        <p:style>
+          <a:lnRef idx="2">
+            <a:schemeClr val="dk1">
+              <a:shade val="50000"/>
+            </a:schemeClr>
+          </a:lnRef>
+          <a:fillRef idx="1">
+            <a:schemeClr val="dk1"/>
+          </a:fillRef>
+          <a:effectRef idx="0">
+            <a:schemeClr val="dk1"/>
+          </a:effectRef>
+          <a:fontRef idx="minor">
+            <a:schemeClr val="lt1"/>
+          </a:fontRef>
+        </p:style>
+        <p:txBody>
+          <a:bodyPr rtlCol="0" anchor="ctr"/>
+          <a:lstStyle/>
+          <a:p>
+            <a:pPr algn="ctr"/>
+            <a:endParaRPr lang="en-US"/>
+          </a:p>
+        </p:txBody>
+      </p:sp>
+      <p:sp>
+        <p:nvSpPr>
+          <p:cNvPr id="18" name="Oval 17"/>
+          <p:cNvSpPr/>
+          <p:nvPr/>
+        </p:nvSpPr>
+        <p:spPr>
+          <a:xfrm>
+            <a:off x="3843007" y="3587114"/>
+            <a:ext cx="114300" cy="114300"/>
+          </a:xfrm>
+          <a:prstGeom prst="ellipse">
+            <a:avLst/>
+          </a:prstGeom>
+          <a:solidFill>
+            <a:schemeClr val="accent1"/>
+          </a:solidFill>
+        </p:spPr>
+        <p:style>
+          <a:lnRef idx="2">
+            <a:schemeClr val="dk1">
+              <a:shade val="50000"/>
+            </a:schemeClr>
+          </a:lnRef>
+          <a:fillRef idx="1">
+            <a:schemeClr val="dk1"/>
+          </a:fillRef>
+          <a:effectRef idx="0">
+            <a:schemeClr val="dk1"/>
+          </a:effectRef>
+          <a:fontRef idx="minor">
+            <a:schemeClr val="lt1"/>
+          </a:fontRef>
+        </p:style>
+        <p:txBody>
+          <a:bodyPr rtlCol="0" anchor="ctr"/>
+          <a:lstStyle/>
+          <a:p>
+            <a:pPr algn="ctr"/>
+            <a:endParaRPr lang="en-US"/>
+          </a:p>
+        </p:txBody>
+      </p:sp>
+      <p:sp>
+        <p:nvSpPr>
+          <p:cNvPr id="19" name="Rounded Rectangle 18"/>
+          <p:cNvSpPr/>
+          <p:nvPr/>
+        </p:nvSpPr>
+        <p:spPr>
+          <a:xfrm>
+            <a:off x="4618737" y="15240"/>
+            <a:ext cx="4222750" cy="4171950"/>
+          </a:xfrm>
+          <a:prstGeom prst="roundRect">
+            <a:avLst>
+              <a:gd name="adj" fmla="val 2512"/>
+            </a:avLst>
+          </a:prstGeom>
+          <a:noFill/>
           <a:ln w="19050">
             <a:solidFill>
               <a:schemeClr val="tx1"/>
@@ -3556,59 +4088,734 @@
           </a:p>
         </p:txBody>
       </p:sp>
-      <p:sp>
-        <p:nvSpPr>
-          <p:cNvPr id="11" name="TextBox 10"/>
-          <p:cNvSpPr txBox="1"/>
-          <p:nvPr/>
-        </p:nvSpPr>
-        <p:spPr>
-          <a:xfrm>
-            <a:off x="110051" y="384671"/>
-            <a:ext cx="1653979" cy="369332"/>
+      <p:pic>
+        <p:nvPicPr>
+          <p:cNvPr id="30" name="Picture 29"/>
+          <p:cNvPicPr>
+            <a:picLocks noChangeAspect="1"/>
+          </p:cNvPicPr>
+          <p:nvPr/>
+        </p:nvPicPr>
+        <p:blipFill>
+          <a:blip r:embed="rId2" cstate="print">
+            <a:extLst>
+              <a:ext uri="{28A0092B-C50C-407E-A947-70E740481C1C}">
+                <a14:useLocalDpi xmlns:a14="http://schemas.microsoft.com/office/drawing/2010/main" val="0"/>
+              </a:ext>
+            </a:extLst>
+          </a:blip>
+          <a:stretch>
+            <a:fillRect/>
+          </a:stretch>
+        </p:blipFill>
+        <p:spPr>
+          <a:xfrm>
+            <a:off x="4834207" y="198529"/>
+            <a:ext cx="172311" cy="172311"/>
           </a:xfrm>
           <a:prstGeom prst="rect">
             <a:avLst/>
           </a:prstGeom>
-          <a:solidFill>
-            <a:schemeClr val="bg1"/>
-          </a:solidFill>
-        </p:spPr>
-        <p:txBody>
-          <a:bodyPr wrap="none" rtlCol="0">
-            <a:spAutoFit/>
-          </a:bodyPr>
-          <a:lstStyle/>
-          <a:p>
-            <a:r>
-              <a:rPr lang="en-US" dirty="0" smtClean="0"/>
-              <a:t>Sensitive field 1</a:t>
-            </a:r>
-            <a:endParaRPr lang="en-US" dirty="0"/>
-          </a:p>
-        </p:txBody>
-      </p:sp>
-      <p:sp>
-        <p:nvSpPr>
-          <p:cNvPr id="12" name="Rectangle 11"/>
+        </p:spPr>
+      </p:pic>
+      <p:pic>
+        <p:nvPicPr>
+          <p:cNvPr id="31" name="Picture 30"/>
+          <p:cNvPicPr>
+            <a:picLocks noChangeAspect="1"/>
+          </p:cNvPicPr>
+          <p:nvPr/>
+        </p:nvPicPr>
+        <p:blipFill>
+          <a:blip r:embed="rId2" cstate="print">
+            <a:extLst>
+              <a:ext uri="{28A0092B-C50C-407E-A947-70E740481C1C}">
+                <a14:useLocalDpi xmlns:a14="http://schemas.microsoft.com/office/drawing/2010/main" val="0"/>
+              </a:ext>
+            </a:extLst>
+          </a:blip>
+          <a:stretch>
+            <a:fillRect/>
+          </a:stretch>
+        </p:blipFill>
+        <p:spPr>
+          <a:xfrm>
+            <a:off x="4862352" y="697434"/>
+            <a:ext cx="172311" cy="172311"/>
+          </a:xfrm>
+          <a:prstGeom prst="rect">
+            <a:avLst/>
+          </a:prstGeom>
+        </p:spPr>
+      </p:pic>
+      <p:pic>
+        <p:nvPicPr>
+          <p:cNvPr id="32" name="Picture 31"/>
+          <p:cNvPicPr>
+            <a:picLocks noChangeAspect="1"/>
+          </p:cNvPicPr>
+          <p:nvPr/>
+        </p:nvPicPr>
+        <p:blipFill>
+          <a:blip r:embed="rId2" cstate="print">
+            <a:extLst>
+              <a:ext uri="{28A0092B-C50C-407E-A947-70E740481C1C}">
+                <a14:useLocalDpi xmlns:a14="http://schemas.microsoft.com/office/drawing/2010/main" val="0"/>
+              </a:ext>
+            </a:extLst>
+          </a:blip>
+          <a:stretch>
+            <a:fillRect/>
+          </a:stretch>
+        </p:blipFill>
+        <p:spPr>
+          <a:xfrm>
+            <a:off x="4906669" y="1167334"/>
+            <a:ext cx="172311" cy="172311"/>
+          </a:xfrm>
+          <a:prstGeom prst="rect">
+            <a:avLst/>
+          </a:prstGeom>
+        </p:spPr>
+      </p:pic>
+      <p:pic>
+        <p:nvPicPr>
+          <p:cNvPr id="33" name="Picture 32"/>
+          <p:cNvPicPr>
+            <a:picLocks noChangeAspect="1"/>
+          </p:cNvPicPr>
+          <p:nvPr/>
+        </p:nvPicPr>
+        <p:blipFill>
+          <a:blip r:embed="rId2" cstate="print">
+            <a:extLst>
+              <a:ext uri="{28A0092B-C50C-407E-A947-70E740481C1C}">
+                <a14:useLocalDpi xmlns:a14="http://schemas.microsoft.com/office/drawing/2010/main" val="0"/>
+              </a:ext>
+            </a:extLst>
+          </a:blip>
+          <a:stretch>
+            <a:fillRect/>
+          </a:stretch>
+        </p:blipFill>
+        <p:spPr>
+          <a:xfrm>
+            <a:off x="5240044" y="1815034"/>
+            <a:ext cx="172311" cy="172311"/>
+          </a:xfrm>
+          <a:prstGeom prst="rect">
+            <a:avLst/>
+          </a:prstGeom>
+        </p:spPr>
+      </p:pic>
+      <p:pic>
+        <p:nvPicPr>
+          <p:cNvPr id="34" name="Picture 33"/>
+          <p:cNvPicPr>
+            <a:picLocks noChangeAspect="1"/>
+          </p:cNvPicPr>
+          <p:nvPr/>
+        </p:nvPicPr>
+        <p:blipFill>
+          <a:blip r:embed="rId2" cstate="print">
+            <a:extLst>
+              <a:ext uri="{28A0092B-C50C-407E-A947-70E740481C1C}">
+                <a14:useLocalDpi xmlns:a14="http://schemas.microsoft.com/office/drawing/2010/main" val="0"/>
+              </a:ext>
+            </a:extLst>
+          </a:blip>
+          <a:stretch>
+            <a:fillRect/>
+          </a:stretch>
+        </p:blipFill>
+        <p:spPr>
+          <a:xfrm>
+            <a:off x="6730112" y="2386533"/>
+            <a:ext cx="172311" cy="172311"/>
+          </a:xfrm>
+          <a:prstGeom prst="rect">
+            <a:avLst/>
+          </a:prstGeom>
+        </p:spPr>
+      </p:pic>
+      <p:pic>
+        <p:nvPicPr>
+          <p:cNvPr id="36" name="Picture 35"/>
+          <p:cNvPicPr>
+            <a:picLocks noChangeAspect="1"/>
+          </p:cNvPicPr>
+          <p:nvPr/>
+        </p:nvPicPr>
+        <p:blipFill>
+          <a:blip r:embed="rId2" cstate="print">
+            <a:extLst>
+              <a:ext uri="{28A0092B-C50C-407E-A947-70E740481C1C}">
+                <a14:useLocalDpi xmlns:a14="http://schemas.microsoft.com/office/drawing/2010/main" val="0"/>
+              </a:ext>
+            </a:extLst>
+          </a:blip>
+          <a:stretch>
+            <a:fillRect/>
+          </a:stretch>
+        </p:blipFill>
+        <p:spPr>
+          <a:xfrm>
+            <a:off x="5933675" y="2191271"/>
+            <a:ext cx="172311" cy="172311"/>
+          </a:xfrm>
+          <a:prstGeom prst="rect">
+            <a:avLst/>
+          </a:prstGeom>
+        </p:spPr>
+      </p:pic>
+      <p:pic>
+        <p:nvPicPr>
+          <p:cNvPr id="39" name="Picture 38"/>
+          <p:cNvPicPr>
+            <a:picLocks noChangeAspect="1"/>
+          </p:cNvPicPr>
+          <p:nvPr/>
+        </p:nvPicPr>
+        <p:blipFill>
+          <a:blip r:embed="rId2" cstate="print">
+            <a:extLst>
+              <a:ext uri="{28A0092B-C50C-407E-A947-70E740481C1C}">
+                <a14:useLocalDpi xmlns:a14="http://schemas.microsoft.com/office/drawing/2010/main" val="0"/>
+              </a:ext>
+            </a:extLst>
+          </a:blip>
+          <a:stretch>
+            <a:fillRect/>
+          </a:stretch>
+        </p:blipFill>
+        <p:spPr>
+          <a:xfrm>
+            <a:off x="8207686" y="2967557"/>
+            <a:ext cx="172311" cy="172311"/>
+          </a:xfrm>
+          <a:prstGeom prst="rect">
+            <a:avLst/>
+          </a:prstGeom>
+        </p:spPr>
+      </p:pic>
+      <p:pic>
+        <p:nvPicPr>
+          <p:cNvPr id="40" name="Picture 39"/>
+          <p:cNvPicPr>
+            <a:picLocks noChangeAspect="1"/>
+          </p:cNvPicPr>
+          <p:nvPr/>
+        </p:nvPicPr>
+        <p:blipFill>
+          <a:blip r:embed="rId2" cstate="print">
+            <a:extLst>
+              <a:ext uri="{28A0092B-C50C-407E-A947-70E740481C1C}">
+                <a14:useLocalDpi xmlns:a14="http://schemas.microsoft.com/office/drawing/2010/main" val="0"/>
+              </a:ext>
+            </a:extLst>
+          </a:blip>
+          <a:stretch>
+            <a:fillRect/>
+          </a:stretch>
+        </p:blipFill>
+        <p:spPr>
+          <a:xfrm>
+            <a:off x="7440762" y="2557553"/>
+            <a:ext cx="172311" cy="172311"/>
+          </a:xfrm>
+          <a:prstGeom prst="rect">
+            <a:avLst/>
+          </a:prstGeom>
+        </p:spPr>
+      </p:pic>
+      <p:pic>
+        <p:nvPicPr>
+          <p:cNvPr id="41" name="Picture 40"/>
+          <p:cNvPicPr>
+            <a:picLocks noChangeAspect="1"/>
+          </p:cNvPicPr>
+          <p:nvPr/>
+        </p:nvPicPr>
+        <p:blipFill>
+          <a:blip r:embed="rId2" cstate="print">
+            <a:extLst>
+              <a:ext uri="{28A0092B-C50C-407E-A947-70E740481C1C}">
+                <a14:useLocalDpi xmlns:a14="http://schemas.microsoft.com/office/drawing/2010/main" val="0"/>
+              </a:ext>
+            </a:extLst>
+          </a:blip>
+          <a:stretch>
+            <a:fillRect/>
+          </a:stretch>
+        </p:blipFill>
+        <p:spPr>
+          <a:xfrm>
+            <a:off x="8410294" y="3558108"/>
+            <a:ext cx="172311" cy="172311"/>
+          </a:xfrm>
+          <a:prstGeom prst="rect">
+            <a:avLst/>
+          </a:prstGeom>
+        </p:spPr>
+      </p:pic>
+      <mc:AlternateContent xmlns:mc="http://schemas.openxmlformats.org/markup-compatibility/2006" xmlns:a14="http://schemas.microsoft.com/office/drawing/2010/main">
+        <mc:Choice Requires="a14">
+          <p:sp>
+            <p:nvSpPr>
+              <p:cNvPr id="42" name="TextBox 41"/>
+              <p:cNvSpPr txBox="1"/>
+              <p:nvPr/>
+            </p:nvSpPr>
+            <p:spPr>
+              <a:xfrm>
+                <a:off x="451408" y="118040"/>
+                <a:ext cx="779892" cy="276999"/>
+              </a:xfrm>
+              <a:prstGeom prst="rect">
+                <a:avLst/>
+              </a:prstGeom>
+              <a:noFill/>
+            </p:spPr>
+            <p:txBody>
+              <a:bodyPr wrap="none" lIns="0" tIns="0" rIns="0" bIns="0" rtlCol="0">
+                <a:spAutoFit/>
+              </a:bodyPr>
+              <a:lstStyle/>
+              <a:p>
+                <a:pPr/>
+                <a14:m>
+                  <m:oMathPara xmlns:m="http://schemas.openxmlformats.org/officeDocument/2006/math">
+                    <m:oMathParaPr>
+                      <m:jc m:val="centerGroup"/>
+                    </m:oMathParaPr>
+                    <m:oMath xmlns:m="http://schemas.openxmlformats.org/officeDocument/2006/math">
+                      <m:r>
+                        <a:rPr lang="en-US" b="0" i="1" smtClean="0">
+                          <a:latin typeface="Cambria Math" panose="02040503050406030204" pitchFamily="18" charset="0"/>
+                        </a:rPr>
+                        <m:t>(</m:t>
+                      </m:r>
+                      <m:sSub>
+                        <m:sSubPr>
+                          <m:ctrlPr>
+                            <a:rPr lang="en-US" b="0" i="1" smtClean="0">
+                              <a:latin typeface="Cambria Math" panose="02040503050406030204" pitchFamily="18" charset="0"/>
+                            </a:rPr>
+                          </m:ctrlPr>
+                        </m:sSubPr>
+                        <m:e>
+                          <m:r>
+                            <a:rPr lang="en-US" b="0" i="1" smtClean="0">
+                              <a:latin typeface="Cambria Math" panose="02040503050406030204" pitchFamily="18" charset="0"/>
+                            </a:rPr>
+                            <m:t>𝑥</m:t>
+                          </m:r>
+                        </m:e>
+                        <m:sub>
+                          <m:r>
+                            <a:rPr lang="en-US" b="0" i="1" smtClean="0">
+                              <a:latin typeface="Cambria Math" panose="02040503050406030204" pitchFamily="18" charset="0"/>
+                            </a:rPr>
+                            <m:t>1</m:t>
+                          </m:r>
+                        </m:sub>
+                      </m:sSub>
+                      <m:r>
+                        <a:rPr lang="en-US" b="0" i="1" smtClean="0">
+                          <a:latin typeface="Cambria Math" panose="02040503050406030204" pitchFamily="18" charset="0"/>
+                        </a:rPr>
+                        <m:t>,</m:t>
+                      </m:r>
+                      <m:sSub>
+                        <m:sSubPr>
+                          <m:ctrlPr>
+                            <a:rPr lang="en-US" b="0" i="1" smtClean="0">
+                              <a:latin typeface="Cambria Math" panose="02040503050406030204" pitchFamily="18" charset="0"/>
+                            </a:rPr>
+                          </m:ctrlPr>
+                        </m:sSubPr>
+                        <m:e>
+                          <m:r>
+                            <a:rPr lang="en-US" b="0" i="1" smtClean="0">
+                              <a:latin typeface="Cambria Math" panose="02040503050406030204" pitchFamily="18" charset="0"/>
+                            </a:rPr>
+                            <m:t>𝑦</m:t>
+                          </m:r>
+                        </m:e>
+                        <m:sub>
+                          <m:r>
+                            <a:rPr lang="en-US" b="0" i="1" smtClean="0">
+                              <a:latin typeface="Cambria Math" panose="02040503050406030204" pitchFamily="18" charset="0"/>
+                            </a:rPr>
+                            <m:t>1</m:t>
+                          </m:r>
+                        </m:sub>
+                      </m:sSub>
+                      <m:r>
+                        <a:rPr lang="en-US" b="0" i="1" smtClean="0">
+                          <a:latin typeface="Cambria Math" panose="02040503050406030204" pitchFamily="18" charset="0"/>
+                        </a:rPr>
+                        <m:t>)</m:t>
+                      </m:r>
+                    </m:oMath>
+                  </m:oMathPara>
+                </a14:m>
+                <a:endParaRPr lang="en-US" dirty="0"/>
+              </a:p>
+            </p:txBody>
+          </p:sp>
+        </mc:Choice>
+        <mc:Fallback xmlns="">
+          <p:sp>
+            <p:nvSpPr>
+              <p:cNvPr id="42" name="TextBox 41"/>
+              <p:cNvSpPr txBox="1">
+                <a:spLocks noRot="1" noChangeAspect="1" noMove="1" noResize="1" noEditPoints="1" noAdjustHandles="1" noChangeArrowheads="1" noChangeShapeType="1" noTextEdit="1"/>
+              </p:cNvSpPr>
+              <p:nvPr/>
+            </p:nvSpPr>
+            <p:spPr>
+              <a:xfrm>
+                <a:off x="451408" y="118040"/>
+                <a:ext cx="779892" cy="276999"/>
+              </a:xfrm>
+              <a:prstGeom prst="rect">
+                <a:avLst/>
+              </a:prstGeom>
+              <a:blipFill>
+                <a:blip r:embed="rId3"/>
+                <a:stretch>
+                  <a:fillRect l="-10156" t="-2174" r="-10938" b="-32609"/>
+                </a:stretch>
+              </a:blipFill>
+            </p:spPr>
+            <p:txBody>
+              <a:bodyPr/>
+              <a:lstStyle/>
+              <a:p>
+                <a:r>
+                  <a:rPr lang="en-US">
+                    <a:noFill/>
+                  </a:rPr>
+                  <a:t> </a:t>
+                </a:r>
+              </a:p>
+            </p:txBody>
+          </p:sp>
+        </mc:Fallback>
+      </mc:AlternateContent>
+      <mc:AlternateContent xmlns:mc="http://schemas.openxmlformats.org/markup-compatibility/2006" xmlns:a14="http://schemas.microsoft.com/office/drawing/2010/main">
+        <mc:Choice Requires="a14">
+          <p:sp>
+            <p:nvSpPr>
+              <p:cNvPr id="43" name="TextBox 42"/>
+              <p:cNvSpPr txBox="1"/>
+              <p:nvPr/>
+            </p:nvSpPr>
+            <p:spPr>
+              <a:xfrm>
+                <a:off x="451408" y="645089"/>
+                <a:ext cx="790536" cy="276999"/>
+              </a:xfrm>
+              <a:prstGeom prst="rect">
+                <a:avLst/>
+              </a:prstGeom>
+              <a:noFill/>
+            </p:spPr>
+            <p:txBody>
+              <a:bodyPr wrap="none" lIns="0" tIns="0" rIns="0" bIns="0" rtlCol="0">
+                <a:spAutoFit/>
+              </a:bodyPr>
+              <a:lstStyle/>
+              <a:p>
+                <a:pPr/>
+                <a14:m>
+                  <m:oMathPara xmlns:m="http://schemas.openxmlformats.org/officeDocument/2006/math">
+                    <m:oMathParaPr>
+                      <m:jc m:val="centerGroup"/>
+                    </m:oMathParaPr>
+                    <m:oMath xmlns:m="http://schemas.openxmlformats.org/officeDocument/2006/math">
+                      <m:r>
+                        <a:rPr lang="en-US" b="0" i="1" smtClean="0">
+                          <a:latin typeface="Cambria Math" panose="02040503050406030204" pitchFamily="18" charset="0"/>
+                        </a:rPr>
+                        <m:t>(</m:t>
+                      </m:r>
+                      <m:sSub>
+                        <m:sSubPr>
+                          <m:ctrlPr>
+                            <a:rPr lang="en-US" b="0" i="1" smtClean="0">
+                              <a:latin typeface="Cambria Math" panose="02040503050406030204" pitchFamily="18" charset="0"/>
+                            </a:rPr>
+                          </m:ctrlPr>
+                        </m:sSubPr>
+                        <m:e>
+                          <m:r>
+                            <a:rPr lang="en-US" b="0" i="1" smtClean="0">
+                              <a:latin typeface="Cambria Math" panose="02040503050406030204" pitchFamily="18" charset="0"/>
+                            </a:rPr>
+                            <m:t>𝑥</m:t>
+                          </m:r>
+                        </m:e>
+                        <m:sub>
+                          <m:r>
+                            <a:rPr lang="en-US" b="0" i="1" smtClean="0">
+                              <a:latin typeface="Cambria Math" panose="02040503050406030204" pitchFamily="18" charset="0"/>
+                            </a:rPr>
+                            <m:t>2</m:t>
+                          </m:r>
+                        </m:sub>
+                      </m:sSub>
+                      <m:r>
+                        <a:rPr lang="en-US" b="0" i="1" smtClean="0">
+                          <a:latin typeface="Cambria Math" panose="02040503050406030204" pitchFamily="18" charset="0"/>
+                        </a:rPr>
+                        <m:t>,</m:t>
+                      </m:r>
+                      <m:sSub>
+                        <m:sSubPr>
+                          <m:ctrlPr>
+                            <a:rPr lang="en-US" b="0" i="1" smtClean="0">
+                              <a:latin typeface="Cambria Math" panose="02040503050406030204" pitchFamily="18" charset="0"/>
+                            </a:rPr>
+                          </m:ctrlPr>
+                        </m:sSubPr>
+                        <m:e>
+                          <m:r>
+                            <a:rPr lang="en-US" b="0" i="1" smtClean="0">
+                              <a:latin typeface="Cambria Math" panose="02040503050406030204" pitchFamily="18" charset="0"/>
+                            </a:rPr>
+                            <m:t>𝑦</m:t>
+                          </m:r>
+                        </m:e>
+                        <m:sub>
+                          <m:r>
+                            <a:rPr lang="en-US" b="0" i="1" smtClean="0">
+                              <a:latin typeface="Cambria Math" panose="02040503050406030204" pitchFamily="18" charset="0"/>
+                            </a:rPr>
+                            <m:t>2</m:t>
+                          </m:r>
+                        </m:sub>
+                      </m:sSub>
+                      <m:r>
+                        <a:rPr lang="en-US" b="0" i="1" smtClean="0">
+                          <a:latin typeface="Cambria Math" panose="02040503050406030204" pitchFamily="18" charset="0"/>
+                        </a:rPr>
+                        <m:t>)</m:t>
+                      </m:r>
+                    </m:oMath>
+                  </m:oMathPara>
+                </a14:m>
+                <a:endParaRPr lang="en-US" dirty="0"/>
+              </a:p>
+            </p:txBody>
+          </p:sp>
+        </mc:Choice>
+        <mc:Fallback xmlns="">
+          <p:sp>
+            <p:nvSpPr>
+              <p:cNvPr id="43" name="TextBox 42"/>
+              <p:cNvSpPr txBox="1">
+                <a:spLocks noRot="1" noChangeAspect="1" noMove="1" noResize="1" noEditPoints="1" noAdjustHandles="1" noChangeArrowheads="1" noChangeShapeType="1" noTextEdit="1"/>
+              </p:cNvSpPr>
+              <p:nvPr/>
+            </p:nvSpPr>
+            <p:spPr>
+              <a:xfrm>
+                <a:off x="451408" y="645089"/>
+                <a:ext cx="790536" cy="276999"/>
+              </a:xfrm>
+              <a:prstGeom prst="rect">
+                <a:avLst/>
+              </a:prstGeom>
+              <a:blipFill>
+                <a:blip r:embed="rId4"/>
+                <a:stretch>
+                  <a:fillRect l="-10000" t="-2222" r="-10769" b="-35556"/>
+                </a:stretch>
+              </a:blipFill>
+            </p:spPr>
+            <p:txBody>
+              <a:bodyPr/>
+              <a:lstStyle/>
+              <a:p>
+                <a:r>
+                  <a:rPr lang="en-US">
+                    <a:noFill/>
+                  </a:rPr>
+                  <a:t> </a:t>
+                </a:r>
+              </a:p>
+            </p:txBody>
+          </p:sp>
+        </mc:Fallback>
+      </mc:AlternateContent>
+      <mc:AlternateContent xmlns:mc="http://schemas.openxmlformats.org/markup-compatibility/2006" xmlns:a14="http://schemas.microsoft.com/office/drawing/2010/main">
+        <mc:Choice Requires="a14">
+          <p:sp>
+            <p:nvSpPr>
+              <p:cNvPr id="44" name="TextBox 43"/>
+              <p:cNvSpPr txBox="1"/>
+              <p:nvPr/>
+            </p:nvSpPr>
+            <p:spPr>
+              <a:xfrm>
+                <a:off x="2816082" y="3505763"/>
+                <a:ext cx="804644" cy="276999"/>
+              </a:xfrm>
+              <a:prstGeom prst="rect">
+                <a:avLst/>
+              </a:prstGeom>
+              <a:noFill/>
+            </p:spPr>
+            <p:txBody>
+              <a:bodyPr wrap="none" lIns="0" tIns="0" rIns="0" bIns="0" rtlCol="0">
+                <a:spAutoFit/>
+              </a:bodyPr>
+              <a:lstStyle/>
+              <a:p>
+                <a:pPr/>
+                <a14:m>
+                  <m:oMathPara xmlns:m="http://schemas.openxmlformats.org/officeDocument/2006/math">
+                    <m:oMathParaPr>
+                      <m:jc m:val="centerGroup"/>
+                    </m:oMathParaPr>
+                    <m:oMath xmlns:m="http://schemas.openxmlformats.org/officeDocument/2006/math">
+                      <m:r>
+                        <a:rPr lang="en-US" b="0" i="1" smtClean="0">
+                          <a:latin typeface="Cambria Math" panose="02040503050406030204" pitchFamily="18" charset="0"/>
+                        </a:rPr>
+                        <m:t>(</m:t>
+                      </m:r>
+                      <m:sSub>
+                        <m:sSubPr>
+                          <m:ctrlPr>
+                            <a:rPr lang="en-US" b="0" i="1" smtClean="0">
+                              <a:latin typeface="Cambria Math" panose="02040503050406030204" pitchFamily="18" charset="0"/>
+                            </a:rPr>
+                          </m:ctrlPr>
+                        </m:sSubPr>
+                        <m:e>
+                          <m:r>
+                            <a:rPr lang="en-US" b="0" i="1" smtClean="0">
+                              <a:latin typeface="Cambria Math" panose="02040503050406030204" pitchFamily="18" charset="0"/>
+                            </a:rPr>
+                            <m:t>𝑥</m:t>
+                          </m:r>
+                        </m:e>
+                        <m:sub>
+                          <m:r>
+                            <a:rPr lang="en-US" b="0" i="1" smtClean="0">
+                              <a:latin typeface="Cambria Math" panose="02040503050406030204" pitchFamily="18" charset="0"/>
+                            </a:rPr>
+                            <m:t>𝑛</m:t>
+                          </m:r>
+                        </m:sub>
+                      </m:sSub>
+                      <m:r>
+                        <a:rPr lang="en-US" b="0" i="1" smtClean="0">
+                          <a:latin typeface="Cambria Math" panose="02040503050406030204" pitchFamily="18" charset="0"/>
+                        </a:rPr>
+                        <m:t>,</m:t>
+                      </m:r>
+                      <m:sSub>
+                        <m:sSubPr>
+                          <m:ctrlPr>
+                            <a:rPr lang="en-US" b="0" i="1" smtClean="0">
+                              <a:latin typeface="Cambria Math" panose="02040503050406030204" pitchFamily="18" charset="0"/>
+                            </a:rPr>
+                          </m:ctrlPr>
+                        </m:sSubPr>
+                        <m:e>
+                          <m:r>
+                            <a:rPr lang="en-US" b="0" i="1" smtClean="0">
+                              <a:latin typeface="Cambria Math" panose="02040503050406030204" pitchFamily="18" charset="0"/>
+                            </a:rPr>
+                            <m:t>𝑦</m:t>
+                          </m:r>
+                        </m:e>
+                        <m:sub>
+                          <m:r>
+                            <a:rPr lang="en-US" b="0" i="1" smtClean="0">
+                              <a:latin typeface="Cambria Math" panose="02040503050406030204" pitchFamily="18" charset="0"/>
+                            </a:rPr>
+                            <m:t>𝑛</m:t>
+                          </m:r>
+                        </m:sub>
+                      </m:sSub>
+                      <m:r>
+                        <a:rPr lang="en-US" b="0" i="1" smtClean="0">
+                          <a:latin typeface="Cambria Math" panose="02040503050406030204" pitchFamily="18" charset="0"/>
+                        </a:rPr>
+                        <m:t>)</m:t>
+                      </m:r>
+                    </m:oMath>
+                  </m:oMathPara>
+                </a14:m>
+                <a:endParaRPr lang="en-US" dirty="0"/>
+              </a:p>
+            </p:txBody>
+          </p:sp>
+        </mc:Choice>
+        <mc:Fallback xmlns="">
+          <p:sp>
+            <p:nvSpPr>
+              <p:cNvPr id="44" name="TextBox 43"/>
+              <p:cNvSpPr txBox="1">
+                <a:spLocks noRot="1" noChangeAspect="1" noMove="1" noResize="1" noEditPoints="1" noAdjustHandles="1" noChangeArrowheads="1" noChangeShapeType="1" noTextEdit="1"/>
+              </p:cNvSpPr>
+              <p:nvPr/>
+            </p:nvSpPr>
+            <p:spPr>
+              <a:xfrm>
+                <a:off x="2816082" y="3505763"/>
+                <a:ext cx="804644" cy="276999"/>
+              </a:xfrm>
+              <a:prstGeom prst="rect">
+                <a:avLst/>
+              </a:prstGeom>
+              <a:blipFill>
+                <a:blip r:embed="rId5"/>
+                <a:stretch>
+                  <a:fillRect l="-9848" t="-2174" r="-10606" b="-32609"/>
+                </a:stretch>
+              </a:blipFill>
+            </p:spPr>
+            <p:txBody>
+              <a:bodyPr/>
+              <a:lstStyle/>
+              <a:p>
+                <a:r>
+                  <a:rPr lang="en-US">
+                    <a:noFill/>
+                  </a:rPr>
+                  <a:t> </a:t>
+                </a:r>
+              </a:p>
+            </p:txBody>
+          </p:sp>
+        </mc:Fallback>
+      </mc:AlternateContent>
+      <p:sp>
+        <p:nvSpPr>
+          <p:cNvPr id="45" name="Rectangle 44"/>
           <p:cNvSpPr/>
           <p:nvPr/>
         </p:nvSpPr>
         <p:spPr>
           <a:xfrm>
-            <a:off x="1764030" y="918726"/>
-            <a:ext cx="2324100" cy="379214"/>
+            <a:off x="4802230" y="169883"/>
+            <a:ext cx="241959" cy="241959"/>
           </a:xfrm>
           <a:prstGeom prst="rect">
             <a:avLst/>
           </a:prstGeom>
-          <a:solidFill>
-            <a:schemeClr val="bg1"/>
-          </a:solidFill>
-          <a:ln w="19050">
+          <a:noFill/>
+          <a:ln>
             <a:solidFill>
-              <a:schemeClr val="tx1"/>
+              <a:srgbClr val="FF0000"/>
             </a:solidFill>
+            <a:prstDash val="sysDot"/>
           </a:ln>
         </p:spPr>
         <p:style>
@@ -3638,82 +4845,20 @@
       </p:sp>
       <p:sp>
         <p:nvSpPr>
-          <p:cNvPr id="13" name="TextBox 12"/>
-          <p:cNvSpPr txBox="1"/>
-          <p:nvPr/>
-        </p:nvSpPr>
-        <p:spPr>
-          <a:xfrm>
-            <a:off x="110051" y="936228"/>
-            <a:ext cx="1653979" cy="369332"/>
+          <p:cNvPr id="46" name="Rectangle 45"/>
+          <p:cNvSpPr/>
+          <p:nvPr/>
+        </p:nvSpPr>
+        <p:spPr>
+          <a:xfrm>
+            <a:off x="4827527" y="644862"/>
+            <a:ext cx="241959" cy="241959"/>
           </a:xfrm>
           <a:prstGeom prst="rect">
             <a:avLst/>
           </a:prstGeom>
-          <a:solidFill>
-            <a:schemeClr val="bg1"/>
-          </a:solidFill>
-        </p:spPr>
-        <p:txBody>
-          <a:bodyPr wrap="none" rtlCol="0">
-            <a:spAutoFit/>
-          </a:bodyPr>
-          <a:lstStyle/>
-          <a:p>
-            <a:r>
-              <a:rPr lang="en-US" dirty="0" smtClean="0"/>
-              <a:t>Sensitive field 2</a:t>
-            </a:r>
-            <a:endParaRPr lang="en-US" dirty="0"/>
-          </a:p>
-        </p:txBody>
-      </p:sp>
-      <p:pic>
-        <p:nvPicPr>
-          <p:cNvPr id="14" name="Picture 13"/>
-          <p:cNvPicPr>
-            <a:picLocks noChangeAspect="1"/>
-          </p:cNvPicPr>
-          <p:nvPr/>
-        </p:nvPicPr>
-        <p:blipFill>
-          <a:blip r:embed="rId2" cstate="print">
-            <a:extLst>
-              <a:ext uri="{28A0092B-C50C-407E-A947-70E740481C1C}">
-                <a14:useLocalDpi xmlns:a14="http://schemas.microsoft.com/office/drawing/2010/main" val="0"/>
-              </a:ext>
-            </a:extLst>
-          </a:blip>
-          <a:stretch>
-            <a:fillRect/>
-          </a:stretch>
-        </p:blipFill>
-        <p:spPr>
-          <a:xfrm>
-            <a:off x="989781" y="1694180"/>
-            <a:ext cx="172311" cy="172311"/>
-          </a:xfrm>
-          <a:prstGeom prst="rect">
-            <a:avLst/>
-          </a:prstGeom>
-        </p:spPr>
-      </p:pic>
-      <p:sp>
-        <p:nvSpPr>
-          <p:cNvPr id="15" name="Rectangle 14"/>
-          <p:cNvSpPr/>
-          <p:nvPr/>
-        </p:nvSpPr>
-        <p:spPr>
-          <a:xfrm>
-            <a:off x="954956" y="1656080"/>
-            <a:ext cx="241959" cy="241959"/>
-          </a:xfrm>
-          <a:prstGeom prst="rect">
-            <a:avLst/>
-          </a:prstGeom>
           <a:noFill/>
-          <a:ln w="28575">
+          <a:ln>
             <a:solidFill>
               <a:srgbClr val="FF0000"/>
             </a:solidFill>
@@ -3747,20 +4892,20 @@
       </p:sp>
       <p:sp>
         <p:nvSpPr>
-          <p:cNvPr id="16" name="Rectangle 15"/>
+          <p:cNvPr id="47" name="Rectangle 46"/>
           <p:cNvSpPr/>
           <p:nvPr/>
         </p:nvSpPr>
         <p:spPr>
           <a:xfrm>
-            <a:off x="798060" y="1462663"/>
-            <a:ext cx="959689" cy="521970"/>
+            <a:off x="4864851" y="1112993"/>
+            <a:ext cx="241959" cy="241959"/>
           </a:xfrm>
           <a:prstGeom prst="rect">
             <a:avLst/>
           </a:prstGeom>
           <a:noFill/>
-          <a:ln w="28575">
+          <a:ln>
             <a:solidFill>
               <a:srgbClr val="FF0000"/>
             </a:solidFill>
@@ -3792,10 +4937,1176 @@
           </a:p>
         </p:txBody>
       </p:sp>
+      <p:sp>
+        <p:nvSpPr>
+          <p:cNvPr id="48" name="Rectangle 47"/>
+          <p:cNvSpPr/>
+          <p:nvPr/>
+        </p:nvSpPr>
+        <p:spPr>
+          <a:xfrm>
+            <a:off x="5205219" y="1780209"/>
+            <a:ext cx="241959" cy="241959"/>
+          </a:xfrm>
+          <a:prstGeom prst="rect">
+            <a:avLst/>
+          </a:prstGeom>
+          <a:noFill/>
+          <a:ln>
+            <a:solidFill>
+              <a:srgbClr val="FF0000"/>
+            </a:solidFill>
+            <a:prstDash val="sysDot"/>
+          </a:ln>
+        </p:spPr>
+        <p:style>
+          <a:lnRef idx="2">
+            <a:schemeClr val="accent1">
+              <a:shade val="50000"/>
+            </a:schemeClr>
+          </a:lnRef>
+          <a:fillRef idx="1">
+            <a:schemeClr val="accent1"/>
+          </a:fillRef>
+          <a:effectRef idx="0">
+            <a:schemeClr val="accent1"/>
+          </a:effectRef>
+          <a:fontRef idx="minor">
+            <a:schemeClr val="lt1"/>
+          </a:fontRef>
+        </p:style>
+        <p:txBody>
+          <a:bodyPr rtlCol="0" anchor="ctr"/>
+          <a:lstStyle/>
+          <a:p>
+            <a:pPr algn="ctr"/>
+            <a:endParaRPr lang="en-US"/>
+          </a:p>
+        </p:txBody>
+      </p:sp>
+      <p:sp>
+        <p:nvSpPr>
+          <p:cNvPr id="49" name="Rectangle 48"/>
+          <p:cNvSpPr/>
+          <p:nvPr/>
+        </p:nvSpPr>
+        <p:spPr>
+          <a:xfrm>
+            <a:off x="5898850" y="2144574"/>
+            <a:ext cx="241959" cy="241959"/>
+          </a:xfrm>
+          <a:prstGeom prst="rect">
+            <a:avLst/>
+          </a:prstGeom>
+          <a:noFill/>
+          <a:ln>
+            <a:solidFill>
+              <a:srgbClr val="FF0000"/>
+            </a:solidFill>
+            <a:prstDash val="sysDot"/>
+          </a:ln>
+        </p:spPr>
+        <p:style>
+          <a:lnRef idx="2">
+            <a:schemeClr val="accent1">
+              <a:shade val="50000"/>
+            </a:schemeClr>
+          </a:lnRef>
+          <a:fillRef idx="1">
+            <a:schemeClr val="accent1"/>
+          </a:fillRef>
+          <a:effectRef idx="0">
+            <a:schemeClr val="accent1"/>
+          </a:effectRef>
+          <a:fontRef idx="minor">
+            <a:schemeClr val="lt1"/>
+          </a:fontRef>
+        </p:style>
+        <p:txBody>
+          <a:bodyPr rtlCol="0" anchor="ctr"/>
+          <a:lstStyle/>
+          <a:p>
+            <a:pPr algn="ctr"/>
+            <a:endParaRPr lang="en-US"/>
+          </a:p>
+        </p:txBody>
+      </p:sp>
+      <p:sp>
+        <p:nvSpPr>
+          <p:cNvPr id="50" name="Rectangle 49"/>
+          <p:cNvSpPr/>
+          <p:nvPr/>
+        </p:nvSpPr>
+        <p:spPr>
+          <a:xfrm>
+            <a:off x="6695287" y="2334577"/>
+            <a:ext cx="241959" cy="241959"/>
+          </a:xfrm>
+          <a:prstGeom prst="rect">
+            <a:avLst/>
+          </a:prstGeom>
+          <a:noFill/>
+          <a:ln>
+            <a:solidFill>
+              <a:srgbClr val="FF0000"/>
+            </a:solidFill>
+            <a:prstDash val="sysDot"/>
+          </a:ln>
+        </p:spPr>
+        <p:style>
+          <a:lnRef idx="2">
+            <a:schemeClr val="accent1">
+              <a:shade val="50000"/>
+            </a:schemeClr>
+          </a:lnRef>
+          <a:fillRef idx="1">
+            <a:schemeClr val="accent1"/>
+          </a:fillRef>
+          <a:effectRef idx="0">
+            <a:schemeClr val="accent1"/>
+          </a:effectRef>
+          <a:fontRef idx="minor">
+            <a:schemeClr val="lt1"/>
+          </a:fontRef>
+        </p:style>
+        <p:txBody>
+          <a:bodyPr rtlCol="0" anchor="ctr"/>
+          <a:lstStyle/>
+          <a:p>
+            <a:pPr algn="ctr"/>
+            <a:endParaRPr lang="en-US"/>
+          </a:p>
+        </p:txBody>
+      </p:sp>
+      <p:sp>
+        <p:nvSpPr>
+          <p:cNvPr id="51" name="Rectangle 50"/>
+          <p:cNvSpPr/>
+          <p:nvPr/>
+        </p:nvSpPr>
+        <p:spPr>
+          <a:xfrm>
+            <a:off x="7405937" y="2522728"/>
+            <a:ext cx="241959" cy="241959"/>
+          </a:xfrm>
+          <a:prstGeom prst="rect">
+            <a:avLst/>
+          </a:prstGeom>
+          <a:noFill/>
+          <a:ln>
+            <a:solidFill>
+              <a:srgbClr val="FF0000"/>
+            </a:solidFill>
+            <a:prstDash val="sysDot"/>
+          </a:ln>
+        </p:spPr>
+        <p:style>
+          <a:lnRef idx="2">
+            <a:schemeClr val="accent1">
+              <a:shade val="50000"/>
+            </a:schemeClr>
+          </a:lnRef>
+          <a:fillRef idx="1">
+            <a:schemeClr val="accent1"/>
+          </a:fillRef>
+          <a:effectRef idx="0">
+            <a:schemeClr val="accent1"/>
+          </a:effectRef>
+          <a:fontRef idx="minor">
+            <a:schemeClr val="lt1"/>
+          </a:fontRef>
+        </p:style>
+        <p:txBody>
+          <a:bodyPr rtlCol="0" anchor="ctr"/>
+          <a:lstStyle/>
+          <a:p>
+            <a:pPr algn="ctr"/>
+            <a:endParaRPr lang="en-US"/>
+          </a:p>
+        </p:txBody>
+      </p:sp>
+      <p:sp>
+        <p:nvSpPr>
+          <p:cNvPr id="54" name="Rectangle 53"/>
+          <p:cNvSpPr/>
+          <p:nvPr/>
+        </p:nvSpPr>
+        <p:spPr>
+          <a:xfrm>
+            <a:off x="8176381" y="2932732"/>
+            <a:ext cx="241959" cy="241959"/>
+          </a:xfrm>
+          <a:prstGeom prst="rect">
+            <a:avLst/>
+          </a:prstGeom>
+          <a:noFill/>
+          <a:ln>
+            <a:solidFill>
+              <a:srgbClr val="FF0000"/>
+            </a:solidFill>
+            <a:prstDash val="sysDot"/>
+          </a:ln>
+        </p:spPr>
+        <p:style>
+          <a:lnRef idx="2">
+            <a:schemeClr val="accent1">
+              <a:shade val="50000"/>
+            </a:schemeClr>
+          </a:lnRef>
+          <a:fillRef idx="1">
+            <a:schemeClr val="accent1"/>
+          </a:fillRef>
+          <a:effectRef idx="0">
+            <a:schemeClr val="accent1"/>
+          </a:effectRef>
+          <a:fontRef idx="minor">
+            <a:schemeClr val="lt1"/>
+          </a:fontRef>
+        </p:style>
+        <p:txBody>
+          <a:bodyPr rtlCol="0" anchor="ctr"/>
+          <a:lstStyle/>
+          <a:p>
+            <a:pPr algn="ctr"/>
+            <a:endParaRPr lang="en-US"/>
+          </a:p>
+        </p:txBody>
+      </p:sp>
+      <p:sp>
+        <p:nvSpPr>
+          <p:cNvPr id="55" name="Rectangle 54"/>
+          <p:cNvSpPr/>
+          <p:nvPr/>
+        </p:nvSpPr>
+        <p:spPr>
+          <a:xfrm>
+            <a:off x="8381890" y="3505763"/>
+            <a:ext cx="241959" cy="241959"/>
+          </a:xfrm>
+          <a:prstGeom prst="rect">
+            <a:avLst/>
+          </a:prstGeom>
+          <a:noFill/>
+          <a:ln>
+            <a:solidFill>
+              <a:srgbClr val="FF0000"/>
+            </a:solidFill>
+            <a:prstDash val="sysDot"/>
+          </a:ln>
+        </p:spPr>
+        <p:style>
+          <a:lnRef idx="2">
+            <a:schemeClr val="accent1">
+              <a:shade val="50000"/>
+            </a:schemeClr>
+          </a:lnRef>
+          <a:fillRef idx="1">
+            <a:schemeClr val="accent1"/>
+          </a:fillRef>
+          <a:effectRef idx="0">
+            <a:schemeClr val="accent1"/>
+          </a:effectRef>
+          <a:fontRef idx="minor">
+            <a:schemeClr val="lt1"/>
+          </a:fontRef>
+        </p:style>
+        <p:txBody>
+          <a:bodyPr rtlCol="0" anchor="ctr"/>
+          <a:lstStyle/>
+          <a:p>
+            <a:pPr algn="ctr"/>
+            <a:endParaRPr lang="en-US"/>
+          </a:p>
+        </p:txBody>
+      </p:sp>
+      <mc:AlternateContent xmlns:mc="http://schemas.openxmlformats.org/markup-compatibility/2006" xmlns:a14="http://schemas.microsoft.com/office/drawing/2010/main">
+        <mc:Choice Requires="a14">
+          <p:sp>
+            <p:nvSpPr>
+              <p:cNvPr id="56" name="TextBox 55"/>
+              <p:cNvSpPr txBox="1"/>
+              <p:nvPr/>
+            </p:nvSpPr>
+            <p:spPr>
+              <a:xfrm>
+                <a:off x="5153783" y="169883"/>
+                <a:ext cx="779892" cy="276999"/>
+              </a:xfrm>
+              <a:prstGeom prst="rect">
+                <a:avLst/>
+              </a:prstGeom>
+              <a:noFill/>
+            </p:spPr>
+            <p:txBody>
+              <a:bodyPr wrap="none" lIns="0" tIns="0" rIns="0" bIns="0" rtlCol="0">
+                <a:spAutoFit/>
+              </a:bodyPr>
+              <a:lstStyle/>
+              <a:p>
+                <a:pPr/>
+                <a14:m>
+                  <m:oMathPara xmlns:m="http://schemas.openxmlformats.org/officeDocument/2006/math">
+                    <m:oMathParaPr>
+                      <m:jc m:val="centerGroup"/>
+                    </m:oMathParaPr>
+                    <m:oMath xmlns:m="http://schemas.openxmlformats.org/officeDocument/2006/math">
+                      <m:r>
+                        <a:rPr lang="en-US" b="0" i="1" smtClean="0">
+                          <a:latin typeface="Cambria Math" panose="02040503050406030204" pitchFamily="18" charset="0"/>
+                        </a:rPr>
+                        <m:t>(</m:t>
+                      </m:r>
+                      <m:sSub>
+                        <m:sSubPr>
+                          <m:ctrlPr>
+                            <a:rPr lang="en-US" b="0" i="1" smtClean="0">
+                              <a:latin typeface="Cambria Math" panose="02040503050406030204" pitchFamily="18" charset="0"/>
+                            </a:rPr>
+                          </m:ctrlPr>
+                        </m:sSubPr>
+                        <m:e>
+                          <m:r>
+                            <a:rPr lang="en-US" b="0" i="1" smtClean="0">
+                              <a:latin typeface="Cambria Math" panose="02040503050406030204" pitchFamily="18" charset="0"/>
+                            </a:rPr>
+                            <m:t>𝑥</m:t>
+                          </m:r>
+                        </m:e>
+                        <m:sub>
+                          <m:r>
+                            <a:rPr lang="en-US" b="0" i="1" smtClean="0">
+                              <a:latin typeface="Cambria Math" panose="02040503050406030204" pitchFamily="18" charset="0"/>
+                            </a:rPr>
+                            <m:t>1</m:t>
+                          </m:r>
+                        </m:sub>
+                      </m:sSub>
+                      <m:r>
+                        <a:rPr lang="en-US" b="0" i="1" smtClean="0">
+                          <a:latin typeface="Cambria Math" panose="02040503050406030204" pitchFamily="18" charset="0"/>
+                        </a:rPr>
+                        <m:t>,</m:t>
+                      </m:r>
+                      <m:sSub>
+                        <m:sSubPr>
+                          <m:ctrlPr>
+                            <a:rPr lang="en-US" b="0" i="1" smtClean="0">
+                              <a:latin typeface="Cambria Math" panose="02040503050406030204" pitchFamily="18" charset="0"/>
+                            </a:rPr>
+                          </m:ctrlPr>
+                        </m:sSubPr>
+                        <m:e>
+                          <m:r>
+                            <a:rPr lang="en-US" b="0" i="1" smtClean="0">
+                              <a:latin typeface="Cambria Math" panose="02040503050406030204" pitchFamily="18" charset="0"/>
+                            </a:rPr>
+                            <m:t>𝑦</m:t>
+                          </m:r>
+                        </m:e>
+                        <m:sub>
+                          <m:r>
+                            <a:rPr lang="en-US" b="0" i="1" smtClean="0">
+                              <a:latin typeface="Cambria Math" panose="02040503050406030204" pitchFamily="18" charset="0"/>
+                            </a:rPr>
+                            <m:t>1</m:t>
+                          </m:r>
+                        </m:sub>
+                      </m:sSub>
+                      <m:r>
+                        <a:rPr lang="en-US" b="0" i="1" smtClean="0">
+                          <a:latin typeface="Cambria Math" panose="02040503050406030204" pitchFamily="18" charset="0"/>
+                        </a:rPr>
+                        <m:t>)</m:t>
+                      </m:r>
+                    </m:oMath>
+                  </m:oMathPara>
+                </a14:m>
+                <a:endParaRPr lang="en-US" dirty="0"/>
+              </a:p>
+            </p:txBody>
+          </p:sp>
+        </mc:Choice>
+        <mc:Fallback xmlns="">
+          <p:sp>
+            <p:nvSpPr>
+              <p:cNvPr id="56" name="TextBox 55"/>
+              <p:cNvSpPr txBox="1">
+                <a:spLocks noRot="1" noChangeAspect="1" noMove="1" noResize="1" noEditPoints="1" noAdjustHandles="1" noChangeArrowheads="1" noChangeShapeType="1" noTextEdit="1"/>
+              </p:cNvSpPr>
+              <p:nvPr/>
+            </p:nvSpPr>
+            <p:spPr>
+              <a:xfrm>
+                <a:off x="5153783" y="169883"/>
+                <a:ext cx="779892" cy="276999"/>
+              </a:xfrm>
+              <a:prstGeom prst="rect">
+                <a:avLst/>
+              </a:prstGeom>
+              <a:blipFill>
+                <a:blip r:embed="rId6"/>
+                <a:stretch>
+                  <a:fillRect l="-10156" t="-2222" r="-10938" b="-35556"/>
+                </a:stretch>
+              </a:blipFill>
+            </p:spPr>
+            <p:txBody>
+              <a:bodyPr/>
+              <a:lstStyle/>
+              <a:p>
+                <a:r>
+                  <a:rPr lang="en-US">
+                    <a:noFill/>
+                  </a:rPr>
+                  <a:t> </a:t>
+                </a:r>
+              </a:p>
+            </p:txBody>
+          </p:sp>
+        </mc:Fallback>
+      </mc:AlternateContent>
+      <mc:AlternateContent xmlns:mc="http://schemas.openxmlformats.org/markup-compatibility/2006" xmlns:a14="http://schemas.microsoft.com/office/drawing/2010/main">
+        <mc:Choice Requires="a14">
+          <p:sp>
+            <p:nvSpPr>
+              <p:cNvPr id="57" name="TextBox 56"/>
+              <p:cNvSpPr txBox="1"/>
+              <p:nvPr/>
+            </p:nvSpPr>
+            <p:spPr>
+              <a:xfrm>
+                <a:off x="5180761" y="587940"/>
+                <a:ext cx="790536" cy="276999"/>
+              </a:xfrm>
+              <a:prstGeom prst="rect">
+                <a:avLst/>
+              </a:prstGeom>
+              <a:noFill/>
+            </p:spPr>
+            <p:txBody>
+              <a:bodyPr wrap="none" lIns="0" tIns="0" rIns="0" bIns="0" rtlCol="0">
+                <a:spAutoFit/>
+              </a:bodyPr>
+              <a:lstStyle/>
+              <a:p>
+                <a:pPr/>
+                <a14:m>
+                  <m:oMathPara xmlns:m="http://schemas.openxmlformats.org/officeDocument/2006/math">
+                    <m:oMathParaPr>
+                      <m:jc m:val="centerGroup"/>
+                    </m:oMathParaPr>
+                    <m:oMath xmlns:m="http://schemas.openxmlformats.org/officeDocument/2006/math">
+                      <m:r>
+                        <a:rPr lang="en-US" b="0" i="1" smtClean="0">
+                          <a:latin typeface="Cambria Math" panose="02040503050406030204" pitchFamily="18" charset="0"/>
+                        </a:rPr>
+                        <m:t>(</m:t>
+                      </m:r>
+                      <m:sSub>
+                        <m:sSubPr>
+                          <m:ctrlPr>
+                            <a:rPr lang="en-US" b="0" i="1" smtClean="0">
+                              <a:latin typeface="Cambria Math" panose="02040503050406030204" pitchFamily="18" charset="0"/>
+                            </a:rPr>
+                          </m:ctrlPr>
+                        </m:sSubPr>
+                        <m:e>
+                          <m:r>
+                            <a:rPr lang="en-US" b="0" i="1" smtClean="0">
+                              <a:latin typeface="Cambria Math" panose="02040503050406030204" pitchFamily="18" charset="0"/>
+                            </a:rPr>
+                            <m:t>𝑥</m:t>
+                          </m:r>
+                        </m:e>
+                        <m:sub>
+                          <m:r>
+                            <a:rPr lang="en-US" b="0" i="1" smtClean="0">
+                              <a:latin typeface="Cambria Math" panose="02040503050406030204" pitchFamily="18" charset="0"/>
+                            </a:rPr>
+                            <m:t>2</m:t>
+                          </m:r>
+                        </m:sub>
+                      </m:sSub>
+                      <m:r>
+                        <a:rPr lang="en-US" b="0" i="1" smtClean="0">
+                          <a:latin typeface="Cambria Math" panose="02040503050406030204" pitchFamily="18" charset="0"/>
+                        </a:rPr>
+                        <m:t>,</m:t>
+                      </m:r>
+                      <m:sSub>
+                        <m:sSubPr>
+                          <m:ctrlPr>
+                            <a:rPr lang="en-US" b="0" i="1" smtClean="0">
+                              <a:latin typeface="Cambria Math" panose="02040503050406030204" pitchFamily="18" charset="0"/>
+                            </a:rPr>
+                          </m:ctrlPr>
+                        </m:sSubPr>
+                        <m:e>
+                          <m:r>
+                            <a:rPr lang="en-US" b="0" i="1" smtClean="0">
+                              <a:latin typeface="Cambria Math" panose="02040503050406030204" pitchFamily="18" charset="0"/>
+                            </a:rPr>
+                            <m:t>𝑦</m:t>
+                          </m:r>
+                        </m:e>
+                        <m:sub>
+                          <m:r>
+                            <a:rPr lang="en-US" b="0" i="1" smtClean="0">
+                              <a:latin typeface="Cambria Math" panose="02040503050406030204" pitchFamily="18" charset="0"/>
+                            </a:rPr>
+                            <m:t>2</m:t>
+                          </m:r>
+                        </m:sub>
+                      </m:sSub>
+                      <m:r>
+                        <a:rPr lang="en-US" b="0" i="1" smtClean="0">
+                          <a:latin typeface="Cambria Math" panose="02040503050406030204" pitchFamily="18" charset="0"/>
+                        </a:rPr>
+                        <m:t>)</m:t>
+                      </m:r>
+                    </m:oMath>
+                  </m:oMathPara>
+                </a14:m>
+                <a:endParaRPr lang="en-US" dirty="0"/>
+              </a:p>
+            </p:txBody>
+          </p:sp>
+        </mc:Choice>
+        <mc:Fallback xmlns="">
+          <p:sp>
+            <p:nvSpPr>
+              <p:cNvPr id="57" name="TextBox 56"/>
+              <p:cNvSpPr txBox="1">
+                <a:spLocks noRot="1" noChangeAspect="1" noMove="1" noResize="1" noEditPoints="1" noAdjustHandles="1" noChangeArrowheads="1" noChangeShapeType="1" noTextEdit="1"/>
+              </p:cNvSpPr>
+              <p:nvPr/>
+            </p:nvSpPr>
+            <p:spPr>
+              <a:xfrm>
+                <a:off x="5180761" y="587940"/>
+                <a:ext cx="790536" cy="276999"/>
+              </a:xfrm>
+              <a:prstGeom prst="rect">
+                <a:avLst/>
+              </a:prstGeom>
+              <a:blipFill>
+                <a:blip r:embed="rId7"/>
+                <a:stretch>
+                  <a:fillRect l="-10000" t="-2174" r="-10769" b="-32609"/>
+                </a:stretch>
+              </a:blipFill>
+            </p:spPr>
+            <p:txBody>
+              <a:bodyPr/>
+              <a:lstStyle/>
+              <a:p>
+                <a:r>
+                  <a:rPr lang="en-US">
+                    <a:noFill/>
+                  </a:rPr>
+                  <a:t> </a:t>
+                </a:r>
+              </a:p>
+            </p:txBody>
+          </p:sp>
+        </mc:Fallback>
+      </mc:AlternateContent>
+      <mc:AlternateContent xmlns:mc="http://schemas.openxmlformats.org/markup-compatibility/2006" xmlns:a14="http://schemas.microsoft.com/office/drawing/2010/main">
+        <mc:Choice Requires="a14">
+          <p:sp>
+            <p:nvSpPr>
+              <p:cNvPr id="58" name="TextBox 57"/>
+              <p:cNvSpPr txBox="1"/>
+              <p:nvPr/>
+            </p:nvSpPr>
+            <p:spPr>
+              <a:xfrm>
+                <a:off x="7418016" y="3488242"/>
+                <a:ext cx="804644" cy="276999"/>
+              </a:xfrm>
+              <a:prstGeom prst="rect">
+                <a:avLst/>
+              </a:prstGeom>
+              <a:noFill/>
+            </p:spPr>
+            <p:txBody>
+              <a:bodyPr wrap="none" lIns="0" tIns="0" rIns="0" bIns="0" rtlCol="0">
+                <a:spAutoFit/>
+              </a:bodyPr>
+              <a:lstStyle/>
+              <a:p>
+                <a:pPr/>
+                <a14:m>
+                  <m:oMathPara xmlns:m="http://schemas.openxmlformats.org/officeDocument/2006/math">
+                    <m:oMathParaPr>
+                      <m:jc m:val="centerGroup"/>
+                    </m:oMathParaPr>
+                    <m:oMath xmlns:m="http://schemas.openxmlformats.org/officeDocument/2006/math">
+                      <m:r>
+                        <a:rPr lang="en-US" b="0" i="1" smtClean="0">
+                          <a:latin typeface="Cambria Math" panose="02040503050406030204" pitchFamily="18" charset="0"/>
+                        </a:rPr>
+                        <m:t>(</m:t>
+                      </m:r>
+                      <m:sSub>
+                        <m:sSubPr>
+                          <m:ctrlPr>
+                            <a:rPr lang="en-US" b="0" i="1" smtClean="0">
+                              <a:latin typeface="Cambria Math" panose="02040503050406030204" pitchFamily="18" charset="0"/>
+                            </a:rPr>
+                          </m:ctrlPr>
+                        </m:sSubPr>
+                        <m:e>
+                          <m:r>
+                            <a:rPr lang="en-US" b="0" i="1" smtClean="0">
+                              <a:latin typeface="Cambria Math" panose="02040503050406030204" pitchFamily="18" charset="0"/>
+                            </a:rPr>
+                            <m:t>𝑥</m:t>
+                          </m:r>
+                        </m:e>
+                        <m:sub>
+                          <m:r>
+                            <a:rPr lang="en-US" b="0" i="1" smtClean="0">
+                              <a:latin typeface="Cambria Math" panose="02040503050406030204" pitchFamily="18" charset="0"/>
+                            </a:rPr>
+                            <m:t>𝑛</m:t>
+                          </m:r>
+                        </m:sub>
+                      </m:sSub>
+                      <m:r>
+                        <a:rPr lang="en-US" b="0" i="1" smtClean="0">
+                          <a:latin typeface="Cambria Math" panose="02040503050406030204" pitchFamily="18" charset="0"/>
+                        </a:rPr>
+                        <m:t>,</m:t>
+                      </m:r>
+                      <m:sSub>
+                        <m:sSubPr>
+                          <m:ctrlPr>
+                            <a:rPr lang="en-US" b="0" i="1" smtClean="0">
+                              <a:latin typeface="Cambria Math" panose="02040503050406030204" pitchFamily="18" charset="0"/>
+                            </a:rPr>
+                          </m:ctrlPr>
+                        </m:sSubPr>
+                        <m:e>
+                          <m:r>
+                            <a:rPr lang="en-US" b="0" i="1" smtClean="0">
+                              <a:latin typeface="Cambria Math" panose="02040503050406030204" pitchFamily="18" charset="0"/>
+                            </a:rPr>
+                            <m:t>𝑦</m:t>
+                          </m:r>
+                        </m:e>
+                        <m:sub>
+                          <m:r>
+                            <a:rPr lang="en-US" b="0" i="1" smtClean="0">
+                              <a:latin typeface="Cambria Math" panose="02040503050406030204" pitchFamily="18" charset="0"/>
+                            </a:rPr>
+                            <m:t>𝑛</m:t>
+                          </m:r>
+                        </m:sub>
+                      </m:sSub>
+                      <m:r>
+                        <a:rPr lang="en-US" b="0" i="1" smtClean="0">
+                          <a:latin typeface="Cambria Math" panose="02040503050406030204" pitchFamily="18" charset="0"/>
+                        </a:rPr>
+                        <m:t>)</m:t>
+                      </m:r>
+                    </m:oMath>
+                  </m:oMathPara>
+                </a14:m>
+                <a:endParaRPr lang="en-US" dirty="0"/>
+              </a:p>
+            </p:txBody>
+          </p:sp>
+        </mc:Choice>
+        <mc:Fallback xmlns="">
+          <p:sp>
+            <p:nvSpPr>
+              <p:cNvPr id="58" name="TextBox 57"/>
+              <p:cNvSpPr txBox="1">
+                <a:spLocks noRot="1" noChangeAspect="1" noMove="1" noResize="1" noEditPoints="1" noAdjustHandles="1" noChangeArrowheads="1" noChangeShapeType="1" noTextEdit="1"/>
+              </p:cNvSpPr>
+              <p:nvPr/>
+            </p:nvSpPr>
+            <p:spPr>
+              <a:xfrm>
+                <a:off x="7418016" y="3488242"/>
+                <a:ext cx="804644" cy="276999"/>
+              </a:xfrm>
+              <a:prstGeom prst="rect">
+                <a:avLst/>
+              </a:prstGeom>
+              <a:blipFill>
+                <a:blip r:embed="rId8"/>
+                <a:stretch>
+                  <a:fillRect l="-9848" t="-2174" r="-10606" b="-32609"/>
+                </a:stretch>
+              </a:blipFill>
+            </p:spPr>
+            <p:txBody>
+              <a:bodyPr/>
+              <a:lstStyle/>
+              <a:p>
+                <a:r>
+                  <a:rPr lang="en-US">
+                    <a:noFill/>
+                  </a:rPr>
+                  <a:t> </a:t>
+                </a:r>
+              </a:p>
+            </p:txBody>
+          </p:sp>
+        </mc:Fallback>
+      </mc:AlternateContent>
+      <p:sp>
+        <p:nvSpPr>
+          <p:cNvPr id="59" name="Rectangle 58"/>
+          <p:cNvSpPr/>
+          <p:nvPr/>
+        </p:nvSpPr>
+        <p:spPr>
+          <a:xfrm>
+            <a:off x="503196" y="4174882"/>
+            <a:ext cx="3178242" cy="461665"/>
+          </a:xfrm>
+          <a:prstGeom prst="rect">
+            <a:avLst/>
+          </a:prstGeom>
+        </p:spPr>
+        <p:txBody>
+          <a:bodyPr wrap="none">
+            <a:spAutoFit/>
+          </a:bodyPr>
+          <a:lstStyle/>
+          <a:p>
+            <a:r>
+              <a:rPr lang="en-US" sz="2400" dirty="0" smtClean="0"/>
+              <a:t>Bridge side mouse trace</a:t>
+            </a:r>
+            <a:endParaRPr lang="en-US" sz="2400" dirty="0"/>
+          </a:p>
+        </p:txBody>
+      </p:sp>
+      <p:sp>
+        <p:nvSpPr>
+          <p:cNvPr id="60" name="Rectangle 59"/>
+          <p:cNvSpPr/>
+          <p:nvPr/>
+        </p:nvSpPr>
+        <p:spPr>
+          <a:xfrm>
+            <a:off x="4484249" y="4174882"/>
+            <a:ext cx="4664034" cy="461665"/>
+          </a:xfrm>
+          <a:prstGeom prst="rect">
+            <a:avLst/>
+          </a:prstGeom>
+        </p:spPr>
+        <p:txBody>
+          <a:bodyPr wrap="none">
+            <a:spAutoFit/>
+          </a:bodyPr>
+          <a:lstStyle/>
+          <a:p>
+            <a:r>
+              <a:rPr lang="en-US" sz="2400" dirty="0" smtClean="0"/>
+              <a:t>Incoming frames + mouse detection</a:t>
+            </a:r>
+            <a:endParaRPr lang="en-US" sz="2400" dirty="0"/>
+          </a:p>
+        </p:txBody>
+      </p:sp>
+      <p:sp>
+        <p:nvSpPr>
+          <p:cNvPr id="62" name="Oval 61"/>
+          <p:cNvSpPr/>
+          <p:nvPr/>
+        </p:nvSpPr>
+        <p:spPr>
+          <a:xfrm>
+            <a:off x="7417" y="4081618"/>
+            <a:ext cx="202025" cy="198787"/>
+          </a:xfrm>
+          <a:prstGeom prst="ellipse">
+            <a:avLst/>
+          </a:prstGeom>
+          <a:ln w="19050"/>
+        </p:spPr>
+        <p:style>
+          <a:lnRef idx="2">
+            <a:schemeClr val="dk1"/>
+          </a:lnRef>
+          <a:fillRef idx="1">
+            <a:schemeClr val="lt1"/>
+          </a:fillRef>
+          <a:effectRef idx="0">
+            <a:schemeClr val="dk1"/>
+          </a:effectRef>
+          <a:fontRef idx="minor">
+            <a:schemeClr val="dk1"/>
+          </a:fontRef>
+        </p:style>
+        <p:txBody>
+          <a:bodyPr rtlCol="0" anchor="ctr"/>
+          <a:lstStyle/>
+          <a:p>
+            <a:pPr algn="ctr"/>
+            <a:r>
+              <a:rPr lang="en-US" b="1" dirty="0"/>
+              <a:t>1</a:t>
+            </a:r>
+          </a:p>
+        </p:txBody>
+      </p:sp>
+      <p:sp>
+        <p:nvSpPr>
+          <p:cNvPr id="63" name="Oval 62"/>
+          <p:cNvSpPr/>
+          <p:nvPr/>
+        </p:nvSpPr>
+        <p:spPr>
+          <a:xfrm>
+            <a:off x="4546003" y="4075488"/>
+            <a:ext cx="202025" cy="198787"/>
+          </a:xfrm>
+          <a:prstGeom prst="ellipse">
+            <a:avLst/>
+          </a:prstGeom>
+          <a:ln w="19050"/>
+        </p:spPr>
+        <p:style>
+          <a:lnRef idx="2">
+            <a:schemeClr val="dk1"/>
+          </a:lnRef>
+          <a:fillRef idx="1">
+            <a:schemeClr val="lt1"/>
+          </a:fillRef>
+          <a:effectRef idx="0">
+            <a:schemeClr val="dk1"/>
+          </a:effectRef>
+          <a:fontRef idx="minor">
+            <a:schemeClr val="dk1"/>
+          </a:fontRef>
+        </p:style>
+        <p:txBody>
+          <a:bodyPr rtlCol="0" anchor="ctr"/>
+          <a:lstStyle/>
+          <a:p>
+            <a:pPr algn="ctr"/>
+            <a:r>
+              <a:rPr lang="en-US" b="1" dirty="0" smtClean="0"/>
+              <a:t>2</a:t>
+            </a:r>
+            <a:endParaRPr lang="en-US" b="1" dirty="0"/>
+          </a:p>
+        </p:txBody>
+      </p:sp>
+      <p:cxnSp>
+        <p:nvCxnSpPr>
+          <p:cNvPr id="3" name="Curved Connector 2"/>
+          <p:cNvCxnSpPr>
+            <a:stCxn id="42" idx="3"/>
+            <a:endCxn id="43" idx="3"/>
+          </p:cNvCxnSpPr>
+          <p:nvPr/>
+        </p:nvCxnSpPr>
+        <p:spPr>
+          <a:xfrm>
+            <a:off x="1231300" y="256540"/>
+            <a:ext cx="10644" cy="527049"/>
+          </a:xfrm>
+          <a:prstGeom prst="curvedConnector3">
+            <a:avLst>
+              <a:gd name="adj1" fmla="val 2537909"/>
+            </a:avLst>
+          </a:prstGeom>
+          <a:ln w="19050">
+            <a:solidFill>
+              <a:srgbClr val="FF0000"/>
+            </a:solidFill>
+            <a:headEnd type="none" w="med" len="med"/>
+            <a:tailEnd type="triangle" w="med" len="med"/>
+          </a:ln>
+        </p:spPr>
+        <p:style>
+          <a:lnRef idx="1">
+            <a:schemeClr val="accent6"/>
+          </a:lnRef>
+          <a:fillRef idx="0">
+            <a:schemeClr val="accent6"/>
+          </a:fillRef>
+          <a:effectRef idx="0">
+            <a:schemeClr val="accent6"/>
+          </a:effectRef>
+          <a:fontRef idx="minor">
+            <a:schemeClr val="tx1"/>
+          </a:fontRef>
+        </p:style>
+      </p:cxnSp>
+      <mc:AlternateContent xmlns:mc="http://schemas.openxmlformats.org/markup-compatibility/2006" xmlns:a14="http://schemas.microsoft.com/office/drawing/2010/main">
+        <mc:Choice Requires="a14">
+          <p:sp>
+            <p:nvSpPr>
+              <p:cNvPr id="64" name="TextBox 63"/>
+              <p:cNvSpPr txBox="1"/>
+              <p:nvPr/>
+            </p:nvSpPr>
+            <p:spPr>
+              <a:xfrm>
+                <a:off x="1600463" y="243278"/>
+                <a:ext cx="2354491" cy="547650"/>
+              </a:xfrm>
+              <a:prstGeom prst="rect">
+                <a:avLst/>
+              </a:prstGeom>
+              <a:noFill/>
+            </p:spPr>
+            <p:txBody>
+              <a:bodyPr wrap="square" lIns="0" tIns="0" rIns="0" bIns="0" rtlCol="0">
+                <a:spAutoFit/>
+              </a:bodyPr>
+              <a:lstStyle/>
+              <a:p>
+                <a:pPr/>
+                <a14:m>
+                  <m:oMathPara xmlns:m="http://schemas.openxmlformats.org/officeDocument/2006/math">
+                    <m:oMathParaPr>
+                      <m:jc m:val="centerGroup"/>
+                    </m:oMathParaPr>
+                    <m:oMath xmlns:m="http://schemas.openxmlformats.org/officeDocument/2006/math">
+                      <m:d>
+                        <m:dPr>
+                          <m:ctrlPr>
+                            <a:rPr lang="en-US" b="1" i="1" smtClean="0">
+                              <a:latin typeface="Cambria Math" panose="02040503050406030204" pitchFamily="18" charset="0"/>
+                            </a:rPr>
+                          </m:ctrlPr>
+                        </m:dPr>
+                        <m:e>
+                          <m:r>
+                            <a:rPr lang="en-US" b="1" i="0" smtClean="0">
+                              <a:latin typeface="Cambria Math" panose="02040503050406030204" pitchFamily="18" charset="0"/>
+                            </a:rPr>
+                            <m:t>𝚫</m:t>
+                          </m:r>
+                          <m:r>
+                            <a:rPr lang="en-US" b="1" i="1" smtClean="0">
+                              <a:latin typeface="Cambria Math" panose="02040503050406030204" pitchFamily="18" charset="0"/>
+                            </a:rPr>
+                            <m:t>𝒙</m:t>
+                          </m:r>
+                          <m:r>
+                            <a:rPr lang="en-US" b="1" i="1" smtClean="0">
+                              <a:latin typeface="Cambria Math" panose="02040503050406030204" pitchFamily="18" charset="0"/>
+                            </a:rPr>
+                            <m:t>, </m:t>
+                          </m:r>
+                          <m:r>
+                            <a:rPr lang="en-US" b="1" i="0" smtClean="0">
+                              <a:latin typeface="Cambria Math" panose="02040503050406030204" pitchFamily="18" charset="0"/>
+                            </a:rPr>
+                            <m:t>𝚫</m:t>
+                          </m:r>
+                          <m:r>
+                            <a:rPr lang="en-US" b="1" i="1" smtClean="0">
+                              <a:latin typeface="Cambria Math" panose="02040503050406030204" pitchFamily="18" charset="0"/>
+                            </a:rPr>
+                            <m:t>𝒚</m:t>
+                          </m:r>
+                        </m:e>
+                      </m:d>
+                      <m:r>
+                        <a:rPr lang="en-US" b="0" i="1" smtClean="0">
+                          <a:latin typeface="Cambria Math" panose="02040503050406030204" pitchFamily="18" charset="0"/>
+                        </a:rPr>
+                        <m:t>=(</m:t>
+                      </m:r>
+                      <m:sSub>
+                        <m:sSubPr>
+                          <m:ctrlPr>
+                            <a:rPr lang="en-US" b="0" i="1" smtClean="0">
+                              <a:latin typeface="Cambria Math" panose="02040503050406030204" pitchFamily="18" charset="0"/>
+                            </a:rPr>
+                          </m:ctrlPr>
+                        </m:sSubPr>
+                        <m:e>
+                          <m:r>
+                            <a:rPr lang="en-US" b="0" i="1" smtClean="0">
+                              <a:latin typeface="Cambria Math" panose="02040503050406030204" pitchFamily="18" charset="0"/>
+                            </a:rPr>
+                            <m:t>𝑥</m:t>
+                          </m:r>
+                        </m:e>
+                        <m:sub>
+                          <m:r>
+                            <a:rPr lang="en-US" b="0" i="1" smtClean="0">
+                              <a:latin typeface="Cambria Math" panose="02040503050406030204" pitchFamily="18" charset="0"/>
+                            </a:rPr>
+                            <m:t>𝑖</m:t>
+                          </m:r>
+                        </m:sub>
+                      </m:sSub>
+                      <m:r>
+                        <a:rPr lang="en-US" b="0" i="1" smtClean="0">
+                          <a:latin typeface="Cambria Math" panose="02040503050406030204" pitchFamily="18" charset="0"/>
+                        </a:rPr>
+                        <m:t>−</m:t>
+                      </m:r>
+                      <m:sSub>
+                        <m:sSubPr>
+                          <m:ctrlPr>
+                            <a:rPr lang="en-US" b="0" i="1" smtClean="0">
+                              <a:latin typeface="Cambria Math" panose="02040503050406030204" pitchFamily="18" charset="0"/>
+                            </a:rPr>
+                          </m:ctrlPr>
+                        </m:sSubPr>
+                        <m:e>
+                          <m:r>
+                            <a:rPr lang="en-US" b="0" i="1" smtClean="0">
+                              <a:latin typeface="Cambria Math" panose="02040503050406030204" pitchFamily="18" charset="0"/>
+                            </a:rPr>
+                            <m:t>𝑥</m:t>
+                          </m:r>
+                        </m:e>
+                        <m:sub>
+                          <m:r>
+                            <a:rPr lang="en-US" b="0" i="1" smtClean="0">
+                              <a:latin typeface="Cambria Math" panose="02040503050406030204" pitchFamily="18" charset="0"/>
+                            </a:rPr>
+                            <m:t>𝑖</m:t>
+                          </m:r>
+                          <m:r>
+                            <a:rPr lang="en-US" b="0" i="1" smtClean="0">
+                              <a:latin typeface="Cambria Math" panose="02040503050406030204" pitchFamily="18" charset="0"/>
+                            </a:rPr>
+                            <m:t>−1</m:t>
+                          </m:r>
+                        </m:sub>
+                      </m:sSub>
+                      <m:r>
+                        <a:rPr lang="en-US" b="0" i="1" smtClean="0">
+                          <a:latin typeface="Cambria Math" panose="02040503050406030204" pitchFamily="18" charset="0"/>
+                        </a:rPr>
+                        <m:t>, </m:t>
+                      </m:r>
+                      <m:sSub>
+                        <m:sSubPr>
+                          <m:ctrlPr>
+                            <a:rPr lang="en-US" b="0" i="1" smtClean="0">
+                              <a:latin typeface="Cambria Math" panose="02040503050406030204" pitchFamily="18" charset="0"/>
+                            </a:rPr>
+                          </m:ctrlPr>
+                        </m:sSubPr>
+                        <m:e>
+                          <m:r>
+                            <a:rPr lang="en-US" b="0" i="1" smtClean="0">
+                              <a:latin typeface="Cambria Math" panose="02040503050406030204" pitchFamily="18" charset="0"/>
+                            </a:rPr>
+                            <m:t>𝑦</m:t>
+                          </m:r>
+                        </m:e>
+                        <m:sub>
+                          <m:r>
+                            <a:rPr lang="en-US" b="0" i="1" smtClean="0">
+                              <a:latin typeface="Cambria Math" panose="02040503050406030204" pitchFamily="18" charset="0"/>
+                            </a:rPr>
+                            <m:t>𝑖</m:t>
+                          </m:r>
+                        </m:sub>
+                      </m:sSub>
+                      <m:r>
+                        <a:rPr lang="en-US" b="0" i="1" smtClean="0">
+                          <a:latin typeface="Cambria Math" panose="02040503050406030204" pitchFamily="18" charset="0"/>
+                        </a:rPr>
+                        <m:t>−</m:t>
+                      </m:r>
+                      <m:sSub>
+                        <m:sSubPr>
+                          <m:ctrlPr>
+                            <a:rPr lang="en-US" b="0" i="1" smtClean="0">
+                              <a:latin typeface="Cambria Math" panose="02040503050406030204" pitchFamily="18" charset="0"/>
+                            </a:rPr>
+                          </m:ctrlPr>
+                        </m:sSubPr>
+                        <m:e>
+                          <m:r>
+                            <a:rPr lang="en-US" b="0" i="1" smtClean="0">
+                              <a:latin typeface="Cambria Math" panose="02040503050406030204" pitchFamily="18" charset="0"/>
+                            </a:rPr>
+                            <m:t>𝑦</m:t>
+                          </m:r>
+                        </m:e>
+                        <m:sub>
+                          <m:r>
+                            <a:rPr lang="en-US" b="0" i="1" smtClean="0">
+                              <a:latin typeface="Cambria Math" panose="02040503050406030204" pitchFamily="18" charset="0"/>
+                            </a:rPr>
+                            <m:t>𝑖</m:t>
+                          </m:r>
+                          <m:r>
+                            <a:rPr lang="en-US" b="0" i="1" smtClean="0">
+                              <a:latin typeface="Cambria Math" panose="02040503050406030204" pitchFamily="18" charset="0"/>
+                            </a:rPr>
+                            <m:t>−1</m:t>
+                          </m:r>
+                        </m:sub>
+                      </m:sSub>
+                      <m:r>
+                        <a:rPr lang="en-US" b="0" i="1" smtClean="0">
+                          <a:latin typeface="Cambria Math" panose="02040503050406030204" pitchFamily="18" charset="0"/>
+                        </a:rPr>
+                        <m:t>)</m:t>
+                      </m:r>
+                    </m:oMath>
+                  </m:oMathPara>
+                </a14:m>
+                <a:endParaRPr lang="en-US" dirty="0"/>
+              </a:p>
+            </p:txBody>
+          </p:sp>
+        </mc:Choice>
+        <mc:Fallback xmlns="">
+          <p:sp>
+            <p:nvSpPr>
+              <p:cNvPr id="64" name="TextBox 63"/>
+              <p:cNvSpPr txBox="1">
+                <a:spLocks noRot="1" noChangeAspect="1" noMove="1" noResize="1" noEditPoints="1" noAdjustHandles="1" noChangeArrowheads="1" noChangeShapeType="1" noTextEdit="1"/>
+              </p:cNvSpPr>
+              <p:nvPr/>
+            </p:nvSpPr>
+            <p:spPr>
+              <a:xfrm>
+                <a:off x="1600463" y="243278"/>
+                <a:ext cx="2354491" cy="547650"/>
+              </a:xfrm>
+              <a:prstGeom prst="rect">
+                <a:avLst/>
+              </a:prstGeom>
+              <a:blipFill>
+                <a:blip r:embed="rId9"/>
+                <a:stretch>
+                  <a:fillRect l="-518" r="-3109" b="-16667"/>
+                </a:stretch>
+              </a:blipFill>
+            </p:spPr>
+            <p:txBody>
+              <a:bodyPr/>
+              <a:lstStyle/>
+              <a:p>
+                <a:r>
+                  <a:rPr lang="en-US">
+                    <a:noFill/>
+                  </a:rPr>
+                  <a:t> </a:t>
+                </a:r>
+              </a:p>
+            </p:txBody>
+          </p:sp>
+        </mc:Fallback>
+      </mc:AlternateContent>
     </p:spTree>
     <p:extLst>
       <p:ext uri="{BB962C8B-B14F-4D97-AF65-F5344CB8AC3E}">
-        <p14:creationId xmlns:p14="http://schemas.microsoft.com/office/powerpoint/2010/main" val="1627880502"/>
+        <p14:creationId xmlns:p14="http://schemas.microsoft.com/office/powerpoint/2010/main" val="469201392"/>
       </p:ext>
     </p:extLst>
   </p:cSld>
@@ -3830,6 +6141,522 @@
         </p:nvSpPr>
         <p:spPr>
           <a:xfrm>
+            <a:off x="7620" y="77986"/>
+            <a:ext cx="4273996" cy="1985592"/>
+          </a:xfrm>
+          <a:prstGeom prst="roundRect">
+            <a:avLst>
+              <a:gd name="adj" fmla="val 4686"/>
+            </a:avLst>
+          </a:prstGeom>
+          <a:solidFill>
+            <a:schemeClr val="bg1"/>
+          </a:solidFill>
+          <a:ln w="19050">
+            <a:solidFill>
+              <a:schemeClr val="accent5"/>
+            </a:solidFill>
+          </a:ln>
+        </p:spPr>
+        <p:style>
+          <a:lnRef idx="2">
+            <a:schemeClr val="accent1">
+              <a:shade val="50000"/>
+            </a:schemeClr>
+          </a:lnRef>
+          <a:fillRef idx="1">
+            <a:schemeClr val="accent1"/>
+          </a:fillRef>
+          <a:effectRef idx="0">
+            <a:schemeClr val="accent1"/>
+          </a:effectRef>
+          <a:fontRef idx="minor">
+            <a:schemeClr val="lt1"/>
+          </a:fontRef>
+        </p:style>
+        <p:txBody>
+          <a:bodyPr rtlCol="0" anchor="ctr"/>
+          <a:lstStyle/>
+          <a:p>
+            <a:pPr algn="ctr"/>
+            <a:endParaRPr lang="en-US"/>
+          </a:p>
+        </p:txBody>
+      </p:sp>
+      <p:sp>
+        <p:nvSpPr>
+          <p:cNvPr id="7" name="TextBox 6"/>
+          <p:cNvSpPr txBox="1"/>
+          <p:nvPr/>
+        </p:nvSpPr>
+        <p:spPr>
+          <a:xfrm>
+            <a:off x="121920" y="-106680"/>
+            <a:ext cx="1522468" cy="369332"/>
+          </a:xfrm>
+          <a:prstGeom prst="rect">
+            <a:avLst/>
+          </a:prstGeom>
+          <a:solidFill>
+            <a:schemeClr val="bg1"/>
+          </a:solidFill>
+        </p:spPr>
+        <p:txBody>
+          <a:bodyPr wrap="none" rtlCol="0">
+            <a:spAutoFit/>
+          </a:bodyPr>
+          <a:lstStyle/>
+          <a:p>
+            <a:r>
+              <a:rPr lang="en-US" dirty="0" smtClean="0"/>
+              <a:t>Sensitive form</a:t>
+            </a:r>
+            <a:endParaRPr lang="en-US" dirty="0"/>
+          </a:p>
+        </p:txBody>
+      </p:sp>
+      <p:sp>
+        <p:nvSpPr>
+          <p:cNvPr id="8" name="Rectangle 7"/>
+          <p:cNvSpPr/>
+          <p:nvPr/>
+        </p:nvSpPr>
+        <p:spPr>
+          <a:xfrm>
+            <a:off x="854779" y="1519813"/>
+            <a:ext cx="819150" cy="411480"/>
+          </a:xfrm>
+          <a:prstGeom prst="rect">
+            <a:avLst/>
+          </a:prstGeom>
+          <a:solidFill>
+            <a:schemeClr val="bg2"/>
+          </a:solidFill>
+          <a:ln w="12700">
+            <a:solidFill>
+              <a:schemeClr val="tx1"/>
+            </a:solidFill>
+          </a:ln>
+        </p:spPr>
+        <p:style>
+          <a:lnRef idx="2">
+            <a:schemeClr val="accent1">
+              <a:shade val="50000"/>
+            </a:schemeClr>
+          </a:lnRef>
+          <a:fillRef idx="1">
+            <a:schemeClr val="accent1"/>
+          </a:fillRef>
+          <a:effectRef idx="0">
+            <a:schemeClr val="accent1"/>
+          </a:effectRef>
+          <a:fontRef idx="minor">
+            <a:schemeClr val="lt1"/>
+          </a:fontRef>
+        </p:style>
+        <p:txBody>
+          <a:bodyPr rtlCol="0" anchor="ctr"/>
+          <a:lstStyle/>
+          <a:p>
+            <a:pPr algn="ctr"/>
+            <a:r>
+              <a:rPr lang="en-US" b="1" dirty="0" smtClean="0">
+                <a:solidFill>
+                  <a:schemeClr val="tx1"/>
+                </a:solidFill>
+              </a:rPr>
+              <a:t>OK</a:t>
+            </a:r>
+            <a:endParaRPr lang="en-US" b="1" dirty="0">
+              <a:solidFill>
+                <a:schemeClr val="tx1"/>
+              </a:solidFill>
+            </a:endParaRPr>
+          </a:p>
+        </p:txBody>
+      </p:sp>
+      <p:sp>
+        <p:nvSpPr>
+          <p:cNvPr id="9" name="Rectangle 8"/>
+          <p:cNvSpPr/>
+          <p:nvPr/>
+        </p:nvSpPr>
+        <p:spPr>
+          <a:xfrm>
+            <a:off x="2285434" y="1519813"/>
+            <a:ext cx="819150" cy="411480"/>
+          </a:xfrm>
+          <a:prstGeom prst="rect">
+            <a:avLst/>
+          </a:prstGeom>
+          <a:solidFill>
+            <a:schemeClr val="bg2"/>
+          </a:solidFill>
+          <a:ln w="12700">
+            <a:solidFill>
+              <a:schemeClr val="tx1"/>
+            </a:solidFill>
+          </a:ln>
+        </p:spPr>
+        <p:style>
+          <a:lnRef idx="2">
+            <a:schemeClr val="accent1">
+              <a:shade val="50000"/>
+            </a:schemeClr>
+          </a:lnRef>
+          <a:fillRef idx="1">
+            <a:schemeClr val="accent1"/>
+          </a:fillRef>
+          <a:effectRef idx="0">
+            <a:schemeClr val="accent1"/>
+          </a:effectRef>
+          <a:fontRef idx="minor">
+            <a:schemeClr val="lt1"/>
+          </a:fontRef>
+        </p:style>
+        <p:txBody>
+          <a:bodyPr rtlCol="0" anchor="ctr"/>
+          <a:lstStyle/>
+          <a:p>
+            <a:pPr algn="ctr"/>
+            <a:r>
+              <a:rPr lang="en-US" b="1" dirty="0" smtClean="0">
+                <a:solidFill>
+                  <a:schemeClr val="tx1"/>
+                </a:solidFill>
+              </a:rPr>
+              <a:t>Cancel</a:t>
+            </a:r>
+            <a:endParaRPr lang="en-US" b="1" dirty="0">
+              <a:solidFill>
+                <a:schemeClr val="tx1"/>
+              </a:solidFill>
+            </a:endParaRPr>
+          </a:p>
+        </p:txBody>
+      </p:sp>
+      <p:sp>
+        <p:nvSpPr>
+          <p:cNvPr id="10" name="Rectangle 9"/>
+          <p:cNvSpPr/>
+          <p:nvPr/>
+        </p:nvSpPr>
+        <p:spPr>
+          <a:xfrm>
+            <a:off x="1764030" y="367169"/>
+            <a:ext cx="2324100" cy="379214"/>
+          </a:xfrm>
+          <a:prstGeom prst="rect">
+            <a:avLst/>
+          </a:prstGeom>
+          <a:solidFill>
+            <a:schemeClr val="bg1"/>
+          </a:solidFill>
+          <a:ln w="19050">
+            <a:solidFill>
+              <a:schemeClr val="tx1"/>
+            </a:solidFill>
+          </a:ln>
+        </p:spPr>
+        <p:style>
+          <a:lnRef idx="2">
+            <a:schemeClr val="accent1">
+              <a:shade val="50000"/>
+            </a:schemeClr>
+          </a:lnRef>
+          <a:fillRef idx="1">
+            <a:schemeClr val="accent1"/>
+          </a:fillRef>
+          <a:effectRef idx="0">
+            <a:schemeClr val="accent1"/>
+          </a:effectRef>
+          <a:fontRef idx="minor">
+            <a:schemeClr val="lt1"/>
+          </a:fontRef>
+        </p:style>
+        <p:txBody>
+          <a:bodyPr rtlCol="0" anchor="ctr"/>
+          <a:lstStyle/>
+          <a:p>
+            <a:pPr algn="ctr"/>
+            <a:endParaRPr lang="en-US"/>
+          </a:p>
+        </p:txBody>
+      </p:sp>
+      <p:sp>
+        <p:nvSpPr>
+          <p:cNvPr id="11" name="TextBox 10"/>
+          <p:cNvSpPr txBox="1"/>
+          <p:nvPr/>
+        </p:nvSpPr>
+        <p:spPr>
+          <a:xfrm>
+            <a:off x="110051" y="384671"/>
+            <a:ext cx="1653979" cy="369332"/>
+          </a:xfrm>
+          <a:prstGeom prst="rect">
+            <a:avLst/>
+          </a:prstGeom>
+          <a:solidFill>
+            <a:schemeClr val="bg1"/>
+          </a:solidFill>
+        </p:spPr>
+        <p:txBody>
+          <a:bodyPr wrap="none" rtlCol="0">
+            <a:spAutoFit/>
+          </a:bodyPr>
+          <a:lstStyle/>
+          <a:p>
+            <a:r>
+              <a:rPr lang="en-US" dirty="0" smtClean="0"/>
+              <a:t>Sensitive field 1</a:t>
+            </a:r>
+            <a:endParaRPr lang="en-US" dirty="0"/>
+          </a:p>
+        </p:txBody>
+      </p:sp>
+      <p:sp>
+        <p:nvSpPr>
+          <p:cNvPr id="12" name="Rectangle 11"/>
+          <p:cNvSpPr/>
+          <p:nvPr/>
+        </p:nvSpPr>
+        <p:spPr>
+          <a:xfrm>
+            <a:off x="1764030" y="918726"/>
+            <a:ext cx="2324100" cy="379214"/>
+          </a:xfrm>
+          <a:prstGeom prst="rect">
+            <a:avLst/>
+          </a:prstGeom>
+          <a:solidFill>
+            <a:schemeClr val="bg1"/>
+          </a:solidFill>
+          <a:ln w="19050">
+            <a:solidFill>
+              <a:schemeClr val="tx1"/>
+            </a:solidFill>
+          </a:ln>
+        </p:spPr>
+        <p:style>
+          <a:lnRef idx="2">
+            <a:schemeClr val="accent1">
+              <a:shade val="50000"/>
+            </a:schemeClr>
+          </a:lnRef>
+          <a:fillRef idx="1">
+            <a:schemeClr val="accent1"/>
+          </a:fillRef>
+          <a:effectRef idx="0">
+            <a:schemeClr val="accent1"/>
+          </a:effectRef>
+          <a:fontRef idx="minor">
+            <a:schemeClr val="lt1"/>
+          </a:fontRef>
+        </p:style>
+        <p:txBody>
+          <a:bodyPr rtlCol="0" anchor="ctr"/>
+          <a:lstStyle/>
+          <a:p>
+            <a:pPr algn="ctr"/>
+            <a:endParaRPr lang="en-US"/>
+          </a:p>
+        </p:txBody>
+      </p:sp>
+      <p:sp>
+        <p:nvSpPr>
+          <p:cNvPr id="13" name="TextBox 12"/>
+          <p:cNvSpPr txBox="1"/>
+          <p:nvPr/>
+        </p:nvSpPr>
+        <p:spPr>
+          <a:xfrm>
+            <a:off x="110051" y="936228"/>
+            <a:ext cx="1653979" cy="369332"/>
+          </a:xfrm>
+          <a:prstGeom prst="rect">
+            <a:avLst/>
+          </a:prstGeom>
+          <a:solidFill>
+            <a:schemeClr val="bg1"/>
+          </a:solidFill>
+        </p:spPr>
+        <p:txBody>
+          <a:bodyPr wrap="none" rtlCol="0">
+            <a:spAutoFit/>
+          </a:bodyPr>
+          <a:lstStyle/>
+          <a:p>
+            <a:r>
+              <a:rPr lang="en-US" dirty="0" smtClean="0"/>
+              <a:t>Sensitive field 2</a:t>
+            </a:r>
+            <a:endParaRPr lang="en-US" dirty="0"/>
+          </a:p>
+        </p:txBody>
+      </p:sp>
+      <p:pic>
+        <p:nvPicPr>
+          <p:cNvPr id="14" name="Picture 13"/>
+          <p:cNvPicPr>
+            <a:picLocks noChangeAspect="1"/>
+          </p:cNvPicPr>
+          <p:nvPr/>
+        </p:nvPicPr>
+        <p:blipFill>
+          <a:blip r:embed="rId2" cstate="print">
+            <a:extLst>
+              <a:ext uri="{28A0092B-C50C-407E-A947-70E740481C1C}">
+                <a14:useLocalDpi xmlns:a14="http://schemas.microsoft.com/office/drawing/2010/main" val="0"/>
+              </a:ext>
+            </a:extLst>
+          </a:blip>
+          <a:stretch>
+            <a:fillRect/>
+          </a:stretch>
+        </p:blipFill>
+        <p:spPr>
+          <a:xfrm>
+            <a:off x="989781" y="1694180"/>
+            <a:ext cx="172311" cy="172311"/>
+          </a:xfrm>
+          <a:prstGeom prst="rect">
+            <a:avLst/>
+          </a:prstGeom>
+        </p:spPr>
+      </p:pic>
+      <p:sp>
+        <p:nvSpPr>
+          <p:cNvPr id="15" name="Rectangle 14"/>
+          <p:cNvSpPr/>
+          <p:nvPr/>
+        </p:nvSpPr>
+        <p:spPr>
+          <a:xfrm>
+            <a:off x="954956" y="1656080"/>
+            <a:ext cx="241959" cy="241959"/>
+          </a:xfrm>
+          <a:prstGeom prst="rect">
+            <a:avLst/>
+          </a:prstGeom>
+          <a:noFill/>
+          <a:ln w="28575">
+            <a:solidFill>
+              <a:srgbClr val="FF0000"/>
+            </a:solidFill>
+            <a:prstDash val="sysDot"/>
+          </a:ln>
+        </p:spPr>
+        <p:style>
+          <a:lnRef idx="2">
+            <a:schemeClr val="accent1">
+              <a:shade val="50000"/>
+            </a:schemeClr>
+          </a:lnRef>
+          <a:fillRef idx="1">
+            <a:schemeClr val="accent1"/>
+          </a:fillRef>
+          <a:effectRef idx="0">
+            <a:schemeClr val="accent1"/>
+          </a:effectRef>
+          <a:fontRef idx="minor">
+            <a:schemeClr val="lt1"/>
+          </a:fontRef>
+        </p:style>
+        <p:txBody>
+          <a:bodyPr rtlCol="0" anchor="ctr"/>
+          <a:lstStyle/>
+          <a:p>
+            <a:pPr algn="ctr"/>
+            <a:endParaRPr lang="en-US"/>
+          </a:p>
+        </p:txBody>
+      </p:sp>
+      <p:sp>
+        <p:nvSpPr>
+          <p:cNvPr id="16" name="Rectangle 15"/>
+          <p:cNvSpPr/>
+          <p:nvPr/>
+        </p:nvSpPr>
+        <p:spPr>
+          <a:xfrm>
+            <a:off x="798060" y="1462663"/>
+            <a:ext cx="959689" cy="521970"/>
+          </a:xfrm>
+          <a:prstGeom prst="rect">
+            <a:avLst/>
+          </a:prstGeom>
+          <a:noFill/>
+          <a:ln w="28575">
+            <a:solidFill>
+              <a:srgbClr val="FF0000"/>
+            </a:solidFill>
+            <a:prstDash val="sysDot"/>
+          </a:ln>
+        </p:spPr>
+        <p:style>
+          <a:lnRef idx="2">
+            <a:schemeClr val="accent1">
+              <a:shade val="50000"/>
+            </a:schemeClr>
+          </a:lnRef>
+          <a:fillRef idx="1">
+            <a:schemeClr val="accent1"/>
+          </a:fillRef>
+          <a:effectRef idx="0">
+            <a:schemeClr val="accent1"/>
+          </a:effectRef>
+          <a:fontRef idx="minor">
+            <a:schemeClr val="lt1"/>
+          </a:fontRef>
+        </p:style>
+        <p:txBody>
+          <a:bodyPr rtlCol="0" anchor="ctr"/>
+          <a:lstStyle/>
+          <a:p>
+            <a:pPr algn="ctr"/>
+            <a:endParaRPr lang="en-US"/>
+          </a:p>
+        </p:txBody>
+      </p:sp>
+    </p:spTree>
+    <p:extLst>
+      <p:ext uri="{BB962C8B-B14F-4D97-AF65-F5344CB8AC3E}">
+        <p14:creationId xmlns:p14="http://schemas.microsoft.com/office/powerpoint/2010/main" val="1627880502"/>
+      </p:ext>
+    </p:extLst>
+  </p:cSld>
+  <p:clrMapOvr>
+    <a:masterClrMapping/>
+  </p:clrMapOvr>
+</p:sld>
+</file>
+
+<file path=ppt/slides/slide12.xml><?xml version="1.0" encoding="utf-8"?>
+<p:sld xmlns:a="http://schemas.openxmlformats.org/drawingml/2006/main" xmlns:r="http://schemas.openxmlformats.org/officeDocument/2006/relationships" xmlns:p="http://schemas.openxmlformats.org/presentationml/2006/main">
+  <p:cSld>
+    <p:spTree>
+      <p:nvGrpSpPr>
+        <p:cNvPr id="1" name=""/>
+        <p:cNvGrpSpPr/>
+        <p:nvPr/>
+      </p:nvGrpSpPr>
+      <p:grpSpPr>
+        <a:xfrm>
+          <a:off x="0" y="0"/>
+          <a:ext cx="0" cy="0"/>
+          <a:chOff x="0" y="0"/>
+          <a:chExt cx="0" cy="0"/>
+        </a:xfrm>
+      </p:grpSpPr>
+      <p:sp>
+        <p:nvSpPr>
+          <p:cNvPr id="4" name="Rounded Rectangle 3"/>
+          <p:cNvSpPr/>
+          <p:nvPr/>
+        </p:nvSpPr>
+        <p:spPr>
+          <a:xfrm>
             <a:off x="21196" y="115537"/>
             <a:ext cx="4273996" cy="1985592"/>
           </a:xfrm>
@@ -4474,7 +7301,7 @@
 </p:sld>
 </file>
 
-<file path=ppt/slides/slide12.xml><?xml version="1.0" encoding="utf-8"?>
+<file path=ppt/slides/slide13.xml><?xml version="1.0" encoding="utf-8"?>
 <p:sld xmlns:a="http://schemas.openxmlformats.org/drawingml/2006/main" xmlns:r="http://schemas.openxmlformats.org/officeDocument/2006/relationships" xmlns:p="http://schemas.openxmlformats.org/presentationml/2006/main">
   <p:cSld>
     <p:spTree>
@@ -5197,7 +8024,7 @@
 </p:sld>
 </file>
 
-<file path=ppt/slides/slide13.xml><?xml version="1.0" encoding="utf-8"?>
+<file path=ppt/slides/slide14.xml><?xml version="1.0" encoding="utf-8"?>
 <p:sld xmlns:a="http://schemas.openxmlformats.org/drawingml/2006/main" xmlns:r="http://schemas.openxmlformats.org/officeDocument/2006/relationships" xmlns:p="http://schemas.openxmlformats.org/presentationml/2006/main">
   <p:cSld>
     <p:spTree>
@@ -7848,7 +10675,7 @@
 </p:sld>
 </file>
 
-<file path=ppt/slides/slide14.xml><?xml version="1.0" encoding="utf-8"?>
+<file path=ppt/slides/slide15.xml><?xml version="1.0" encoding="utf-8"?>
 <p:sld xmlns:a="http://schemas.openxmlformats.org/drawingml/2006/main" xmlns:r="http://schemas.openxmlformats.org/officeDocument/2006/relationships" xmlns:p="http://schemas.openxmlformats.org/presentationml/2006/main">
   <p:cSld>
     <p:spTree>
@@ -9540,7 +12367,7 @@
 </p:sld>
 </file>
 
-<file path=ppt/slides/slide15.xml><?xml version="1.0" encoding="utf-8"?>
+<file path=ppt/slides/slide16.xml><?xml version="1.0" encoding="utf-8"?>
 <p:sld xmlns:a="http://schemas.openxmlformats.org/drawingml/2006/main" xmlns:r="http://schemas.openxmlformats.org/officeDocument/2006/relationships" xmlns:p="http://schemas.openxmlformats.org/presentationml/2006/main">
   <p:cSld>
     <p:spTree>
@@ -10638,7 +13465,7 @@
 </p:sld>
 </file>
 
-<file path=ppt/slides/slide16.xml><?xml version="1.0" encoding="utf-8"?>
+<file path=ppt/slides/slide17.xml><?xml version="1.0" encoding="utf-8"?>
 <p:sld xmlns:a="http://schemas.openxmlformats.org/drawingml/2006/main" xmlns:r="http://schemas.openxmlformats.org/officeDocument/2006/relationships" xmlns:p="http://schemas.openxmlformats.org/presentationml/2006/main">
   <p:cSld>
     <p:spTree>
@@ -11506,7 +14333,7 @@
 </p:sld>
 </file>
 
-<file path=ppt/slides/slide17.xml><?xml version="1.0" encoding="utf-8"?>
+<file path=ppt/slides/slide18.xml><?xml version="1.0" encoding="utf-8"?>
 <p:sld xmlns:a="http://schemas.openxmlformats.org/drawingml/2006/main" xmlns:r="http://schemas.openxmlformats.org/officeDocument/2006/relationships" xmlns:p="http://schemas.openxmlformats.org/presentationml/2006/main">
   <p:cSld>
     <p:spTree>
@@ -12281,7 +15108,7 @@
 </p:sld>
 </file>
 
-<file path=ppt/slides/slide18.xml><?xml version="1.0" encoding="utf-8"?>
+<file path=ppt/slides/slide19.xml><?xml version="1.0" encoding="utf-8"?>
 <p:sld xmlns:a="http://schemas.openxmlformats.org/drawingml/2006/main" xmlns:r="http://schemas.openxmlformats.org/officeDocument/2006/relationships" xmlns:p="http://schemas.openxmlformats.org/presentationml/2006/main">
   <p:cSld>
     <p:spTree>
@@ -13606,7 +16433,369 @@
 </p:sld>
 </file>
 
-<file path=ppt/slides/slide19.xml><?xml version="1.0" encoding="utf-8"?>
+<file path=ppt/slides/slide2.xml><?xml version="1.0" encoding="utf-8"?>
+<p:sld xmlns:a="http://schemas.openxmlformats.org/drawingml/2006/main" xmlns:r="http://schemas.openxmlformats.org/officeDocument/2006/relationships" xmlns:p="http://schemas.openxmlformats.org/presentationml/2006/main">
+  <p:cSld>
+    <p:spTree>
+      <p:nvGrpSpPr>
+        <p:cNvPr id="1" name=""/>
+        <p:cNvGrpSpPr/>
+        <p:nvPr/>
+      </p:nvGrpSpPr>
+      <p:grpSpPr>
+        <a:xfrm>
+          <a:off x="0" y="0"/>
+          <a:ext cx="0" cy="0"/>
+          <a:chOff x="0" y="0"/>
+          <a:chExt cx="0" cy="0"/>
+        </a:xfrm>
+      </p:grpSpPr>
+      <p:pic>
+        <p:nvPicPr>
+          <p:cNvPr id="4" name="Picture 3"/>
+          <p:cNvPicPr>
+            <a:picLocks noChangeAspect="1"/>
+          </p:cNvPicPr>
+          <p:nvPr/>
+        </p:nvPicPr>
+        <p:blipFill rotWithShape="1">
+          <a:blip r:embed="rId2">
+            <a:extLst>
+              <a:ext uri="{28A0092B-C50C-407E-A947-70E740481C1C}">
+                <a14:useLocalDpi xmlns:a14="http://schemas.microsoft.com/office/drawing/2010/main" val="0"/>
+              </a:ext>
+            </a:extLst>
+          </a:blip>
+          <a:srcRect l="13309" t="10456" r="11787" b="11439"/>
+          <a:stretch/>
+        </p:blipFill>
+        <p:spPr>
+          <a:xfrm>
+            <a:off x="593123" y="0"/>
+            <a:ext cx="3768811" cy="2508422"/>
+          </a:xfrm>
+          <a:prstGeom prst="rect">
+            <a:avLst/>
+          </a:prstGeom>
+        </p:spPr>
+      </p:pic>
+      <p:sp>
+        <p:nvSpPr>
+          <p:cNvPr id="6" name="TextBox 5"/>
+          <p:cNvSpPr txBox="1"/>
+          <p:nvPr/>
+        </p:nvSpPr>
+        <p:spPr>
+          <a:xfrm>
+            <a:off x="2018978" y="2589529"/>
+            <a:ext cx="1040670" cy="400110"/>
+          </a:xfrm>
+          <a:prstGeom prst="rect">
+            <a:avLst/>
+          </a:prstGeom>
+          <a:noFill/>
+        </p:spPr>
+        <p:txBody>
+          <a:bodyPr wrap="none" rtlCol="0">
+            <a:spAutoFit/>
+          </a:bodyPr>
+          <a:lstStyle/>
+          <a:p>
+            <a:r>
+              <a:rPr lang="en-US" sz="2000" dirty="0" smtClean="0"/>
+              <a:t>1) Slider</a:t>
+            </a:r>
+            <a:endParaRPr lang="en-US" sz="2000" dirty="0"/>
+          </a:p>
+        </p:txBody>
+      </p:sp>
+      <p:pic>
+        <p:nvPicPr>
+          <p:cNvPr id="7" name="Picture 6"/>
+          <p:cNvPicPr>
+            <a:picLocks noChangeAspect="1"/>
+          </p:cNvPicPr>
+          <p:nvPr/>
+        </p:nvPicPr>
+        <p:blipFill>
+          <a:blip r:embed="rId3">
+            <a:extLst>
+              <a:ext uri="{28A0092B-C50C-407E-A947-70E740481C1C}">
+                <a14:useLocalDpi xmlns:a14="http://schemas.microsoft.com/office/drawing/2010/main" val="0"/>
+              </a:ext>
+            </a:extLst>
+          </a:blip>
+          <a:stretch>
+            <a:fillRect/>
+          </a:stretch>
+        </p:blipFill>
+        <p:spPr>
+          <a:xfrm>
+            <a:off x="0" y="3081521"/>
+            <a:ext cx="5078628" cy="2917985"/>
+          </a:xfrm>
+          <a:prstGeom prst="rect">
+            <a:avLst/>
+          </a:prstGeom>
+        </p:spPr>
+      </p:pic>
+      <p:sp>
+        <p:nvSpPr>
+          <p:cNvPr id="8" name="TextBox 7"/>
+          <p:cNvSpPr txBox="1"/>
+          <p:nvPr/>
+        </p:nvSpPr>
+        <p:spPr>
+          <a:xfrm>
+            <a:off x="1608546" y="6062946"/>
+            <a:ext cx="1861535" cy="400110"/>
+          </a:xfrm>
+          <a:prstGeom prst="rect">
+            <a:avLst/>
+          </a:prstGeom>
+          <a:noFill/>
+        </p:spPr>
+        <p:txBody>
+          <a:bodyPr wrap="none" rtlCol="0">
+            <a:spAutoFit/>
+          </a:bodyPr>
+          <a:lstStyle/>
+          <a:p>
+            <a:r>
+              <a:rPr lang="en-US" sz="2000" dirty="0" smtClean="0"/>
+              <a:t>3) Bitcoin wallet</a:t>
+            </a:r>
+            <a:endParaRPr lang="en-US" sz="2000" dirty="0"/>
+          </a:p>
+        </p:txBody>
+      </p:sp>
+      <p:pic>
+        <p:nvPicPr>
+          <p:cNvPr id="17" name="Picture 16"/>
+          <p:cNvPicPr>
+            <a:picLocks noChangeAspect="1"/>
+          </p:cNvPicPr>
+          <p:nvPr/>
+        </p:nvPicPr>
+        <p:blipFill>
+          <a:blip r:embed="rId4" cstate="print">
+            <a:extLst>
+              <a:ext uri="{28A0092B-C50C-407E-A947-70E740481C1C}">
+                <a14:useLocalDpi xmlns:a14="http://schemas.microsoft.com/office/drawing/2010/main" val="0"/>
+              </a:ext>
+            </a:extLst>
+          </a:blip>
+          <a:stretch>
+            <a:fillRect/>
+          </a:stretch>
+        </p:blipFill>
+        <p:spPr>
+          <a:xfrm>
+            <a:off x="2670710" y="724737"/>
+            <a:ext cx="186381" cy="266258"/>
+          </a:xfrm>
+          <a:prstGeom prst="rect">
+            <a:avLst/>
+          </a:prstGeom>
+        </p:spPr>
+      </p:pic>
+      <p:sp>
+        <p:nvSpPr>
+          <p:cNvPr id="19" name="TextBox 18"/>
+          <p:cNvSpPr txBox="1"/>
+          <p:nvPr/>
+        </p:nvSpPr>
+        <p:spPr>
+          <a:xfrm>
+            <a:off x="6031342" y="2551837"/>
+            <a:ext cx="1302793" cy="400110"/>
+          </a:xfrm>
+          <a:prstGeom prst="rect">
+            <a:avLst/>
+          </a:prstGeom>
+          <a:noFill/>
+        </p:spPr>
+        <p:txBody>
+          <a:bodyPr wrap="none" rtlCol="0">
+            <a:spAutoFit/>
+          </a:bodyPr>
+          <a:lstStyle/>
+          <a:p>
+            <a:r>
+              <a:rPr lang="en-US" sz="2000" dirty="0" smtClean="0"/>
+              <a:t>2) E-voting</a:t>
+            </a:r>
+            <a:endParaRPr lang="en-US" sz="2000" dirty="0"/>
+          </a:p>
+        </p:txBody>
+      </p:sp>
+      <p:pic>
+        <p:nvPicPr>
+          <p:cNvPr id="1032" name="Picture 8" descr="Image result for password reveal"/>
+          <p:cNvPicPr>
+            <a:picLocks noChangeAspect="1" noChangeArrowheads="1"/>
+          </p:cNvPicPr>
+          <p:nvPr/>
+        </p:nvPicPr>
+        <p:blipFill>
+          <a:blip r:embed="rId5">
+            <a:extLst>
+              <a:ext uri="{28A0092B-C50C-407E-A947-70E740481C1C}">
+                <a14:useLocalDpi xmlns:a14="http://schemas.microsoft.com/office/drawing/2010/main" val="0"/>
+              </a:ext>
+            </a:extLst>
+          </a:blip>
+          <a:srcRect/>
+          <a:stretch>
+            <a:fillRect/>
+          </a:stretch>
+        </p:blipFill>
+        <p:spPr bwMode="auto">
+          <a:xfrm>
+            <a:off x="5179650" y="3081521"/>
+            <a:ext cx="3309436" cy="2801990"/>
+          </a:xfrm>
+          <a:prstGeom prst="rect">
+            <a:avLst/>
+          </a:prstGeom>
+          <a:noFill/>
+          <a:extLst>
+            <a:ext uri="{909E8E84-426E-40DD-AFC4-6F175D3DCCD1}">
+              <a14:hiddenFill xmlns:a14="http://schemas.microsoft.com/office/drawing/2010/main">
+                <a:solidFill>
+                  <a:srgbClr val="FFFFFF"/>
+                </a:solidFill>
+              </a14:hiddenFill>
+            </a:ext>
+          </a:extLst>
+        </p:spPr>
+      </p:pic>
+      <p:sp>
+        <p:nvSpPr>
+          <p:cNvPr id="22" name="TextBox 21"/>
+          <p:cNvSpPr txBox="1"/>
+          <p:nvPr/>
+        </p:nvSpPr>
+        <p:spPr>
+          <a:xfrm>
+            <a:off x="5936118" y="6062946"/>
+            <a:ext cx="2037033" cy="400110"/>
+          </a:xfrm>
+          <a:prstGeom prst="rect">
+            <a:avLst/>
+          </a:prstGeom>
+          <a:noFill/>
+        </p:spPr>
+        <p:txBody>
+          <a:bodyPr wrap="none" rtlCol="0">
+            <a:spAutoFit/>
+          </a:bodyPr>
+          <a:lstStyle/>
+          <a:p>
+            <a:r>
+              <a:rPr lang="en-US" sz="2000" dirty="0" smtClean="0"/>
+              <a:t>4) Web credential</a:t>
+            </a:r>
+            <a:endParaRPr lang="en-US" sz="2000" dirty="0"/>
+          </a:p>
+        </p:txBody>
+      </p:sp>
+      <p:pic>
+        <p:nvPicPr>
+          <p:cNvPr id="9" name="Picture 8"/>
+          <p:cNvPicPr>
+            <a:picLocks noChangeAspect="1"/>
+          </p:cNvPicPr>
+          <p:nvPr/>
+        </p:nvPicPr>
+        <p:blipFill rotWithShape="1">
+          <a:blip r:embed="rId6">
+            <a:extLst>
+              <a:ext uri="{28A0092B-C50C-407E-A947-70E740481C1C}">
+                <a14:useLocalDpi xmlns:a14="http://schemas.microsoft.com/office/drawing/2010/main" val="0"/>
+              </a:ext>
+            </a:extLst>
+          </a:blip>
+          <a:srcRect l="57257" t="22379" r="4803" b="8687"/>
+          <a:stretch/>
+        </p:blipFill>
+        <p:spPr>
+          <a:xfrm>
+            <a:off x="5179650" y="161601"/>
+            <a:ext cx="3192053" cy="2260662"/>
+          </a:xfrm>
+          <a:prstGeom prst="rect">
+            <a:avLst/>
+          </a:prstGeom>
+        </p:spPr>
+      </p:pic>
+      <p:sp>
+        <p:nvSpPr>
+          <p:cNvPr id="10" name="Rectangle 9"/>
+          <p:cNvSpPr/>
+          <p:nvPr/>
+        </p:nvSpPr>
+        <p:spPr>
+          <a:xfrm>
+            <a:off x="4158049" y="4831492"/>
+            <a:ext cx="852616" cy="846438"/>
+          </a:xfrm>
+          <a:prstGeom prst="rect">
+            <a:avLst/>
+          </a:prstGeom>
+          <a:noFill/>
+          <a:ln w="38100">
+            <a:solidFill>
+              <a:srgbClr val="FF0000"/>
+            </a:solidFill>
+          </a:ln>
+        </p:spPr>
+        <p:style>
+          <a:lnRef idx="2">
+            <a:schemeClr val="accent1">
+              <a:shade val="50000"/>
+            </a:schemeClr>
+          </a:lnRef>
+          <a:fillRef idx="1">
+            <a:schemeClr val="accent1"/>
+          </a:fillRef>
+          <a:effectRef idx="0">
+            <a:schemeClr val="accent1"/>
+          </a:effectRef>
+          <a:fontRef idx="minor">
+            <a:schemeClr val="lt1"/>
+          </a:fontRef>
+        </p:style>
+        <p:txBody>
+          <a:bodyPr rtlCol="0" anchor="ctr"/>
+          <a:lstStyle/>
+          <a:p>
+            <a:pPr algn="ctr"/>
+            <a:endParaRPr lang="en-US"/>
+          </a:p>
+        </p:txBody>
+      </p:sp>
+    </p:spTree>
+    <p:extLst>
+      <p:ext uri="{BB962C8B-B14F-4D97-AF65-F5344CB8AC3E}">
+        <p14:creationId xmlns:p14="http://schemas.microsoft.com/office/powerpoint/2010/main" val="1429768149"/>
+      </p:ext>
+    </p:extLst>
+  </p:cSld>
+  <p:clrMapOvr>
+    <a:masterClrMapping/>
+  </p:clrMapOvr>
+  <p:timing>
+    <p:tnLst>
+      <p:par>
+        <p:cTn id="1" dur="indefinite" restart="never" nodeType="tmRoot"/>
+      </p:par>
+    </p:tnLst>
+  </p:timing>
+</p:sld>
+</file>
+
+<file path=ppt/slides/slide20.xml><?xml version="1.0" encoding="utf-8"?>
 <p:sld xmlns:a="http://schemas.openxmlformats.org/drawingml/2006/main" xmlns:r="http://schemas.openxmlformats.org/officeDocument/2006/relationships" xmlns:p="http://schemas.openxmlformats.org/presentationml/2006/main">
   <p:cSld>
     <p:spTree>
@@ -15670,7 +18859,7 @@
 </p:sld>
 </file>
 
-<file path=ppt/slides/slide2.xml><?xml version="1.0" encoding="utf-8"?>
+<file path=ppt/slides/slide21.xml><?xml version="1.0" encoding="utf-8"?>
 <p:sld xmlns:a="http://schemas.openxmlformats.org/drawingml/2006/main" xmlns:r="http://schemas.openxmlformats.org/officeDocument/2006/relationships" xmlns:p="http://schemas.openxmlformats.org/presentationml/2006/main">
   <p:cSld>
     <p:spTree>
@@ -15695,67 +18884,8 @@
           </p:cNvPicPr>
           <p:nvPr/>
         </p:nvPicPr>
-        <p:blipFill rotWithShape="1">
+        <p:blipFill>
           <a:blip r:embed="rId2">
-            <a:extLst>
-              <a:ext uri="{28A0092B-C50C-407E-A947-70E740481C1C}">
-                <a14:useLocalDpi xmlns:a14="http://schemas.microsoft.com/office/drawing/2010/main" val="0"/>
-              </a:ext>
-            </a:extLst>
-          </a:blip>
-          <a:srcRect l="13309" t="10456" r="11787" b="11439"/>
-          <a:stretch/>
-        </p:blipFill>
-        <p:spPr>
-          <a:xfrm>
-            <a:off x="593123" y="0"/>
-            <a:ext cx="3768811" cy="2508422"/>
-          </a:xfrm>
-          <a:prstGeom prst="rect">
-            <a:avLst/>
-          </a:prstGeom>
-        </p:spPr>
-      </p:pic>
-      <p:sp>
-        <p:nvSpPr>
-          <p:cNvPr id="6" name="TextBox 5"/>
-          <p:cNvSpPr txBox="1"/>
-          <p:nvPr/>
-        </p:nvSpPr>
-        <p:spPr>
-          <a:xfrm>
-            <a:off x="2018978" y="2589529"/>
-            <a:ext cx="1040670" cy="400110"/>
-          </a:xfrm>
-          <a:prstGeom prst="rect">
-            <a:avLst/>
-          </a:prstGeom>
-          <a:noFill/>
-        </p:spPr>
-        <p:txBody>
-          <a:bodyPr wrap="none" rtlCol="0">
-            <a:spAutoFit/>
-          </a:bodyPr>
-          <a:lstStyle/>
-          <a:p>
-            <a:r>
-              <a:rPr lang="en-US" sz="2000" dirty="0" smtClean="0"/>
-              <a:t>1) Slider</a:t>
-            </a:r>
-            <a:endParaRPr lang="en-US" sz="2000" dirty="0"/>
-          </a:p>
-        </p:txBody>
-      </p:sp>
-      <p:pic>
-        <p:nvPicPr>
-          <p:cNvPr id="7" name="Picture 6"/>
-          <p:cNvPicPr>
-            <a:picLocks noChangeAspect="1"/>
-          </p:cNvPicPr>
-          <p:nvPr/>
-        </p:nvPicPr>
-        <p:blipFill>
-          <a:blip r:embed="rId3">
             <a:extLst>
               <a:ext uri="{28A0092B-C50C-407E-A947-70E740481C1C}">
                 <a14:useLocalDpi xmlns:a14="http://schemas.microsoft.com/office/drawing/2010/main" val="0"/>
@@ -15768,8 +18898,8 @@
         </p:blipFill>
         <p:spPr>
           <a:xfrm>
-            <a:off x="0" y="3081521"/>
-            <a:ext cx="5078628" cy="2917985"/>
+            <a:off x="0" y="0"/>
+            <a:ext cx="5067300" cy="3562350"/>
           </a:xfrm>
           <a:prstGeom prst="rect">
             <a:avLst/>
@@ -15778,204 +18908,14 @@
       </p:pic>
       <p:sp>
         <p:nvSpPr>
-          <p:cNvPr id="8" name="TextBox 7"/>
-          <p:cNvSpPr txBox="1"/>
-          <p:nvPr/>
-        </p:nvSpPr>
-        <p:spPr>
-          <a:xfrm>
-            <a:off x="1608546" y="6062946"/>
-            <a:ext cx="1861535" cy="400110"/>
-          </a:xfrm>
-          <a:prstGeom prst="rect">
-            <a:avLst/>
-          </a:prstGeom>
-          <a:noFill/>
-        </p:spPr>
-        <p:txBody>
-          <a:bodyPr wrap="none" rtlCol="0">
-            <a:spAutoFit/>
-          </a:bodyPr>
-          <a:lstStyle/>
-          <a:p>
-            <a:r>
-              <a:rPr lang="en-US" sz="2000" dirty="0" smtClean="0"/>
-              <a:t>3) Bitcoin wallet</a:t>
-            </a:r>
-            <a:endParaRPr lang="en-US" sz="2000" dirty="0"/>
-          </a:p>
-        </p:txBody>
-      </p:sp>
-      <p:pic>
-        <p:nvPicPr>
-          <p:cNvPr id="17" name="Picture 16"/>
-          <p:cNvPicPr>
-            <a:picLocks noChangeAspect="1"/>
-          </p:cNvPicPr>
-          <p:nvPr/>
-        </p:nvPicPr>
-        <p:blipFill>
-          <a:blip r:embed="rId4" cstate="print">
-            <a:extLst>
-              <a:ext uri="{28A0092B-C50C-407E-A947-70E740481C1C}">
-                <a14:useLocalDpi xmlns:a14="http://schemas.microsoft.com/office/drawing/2010/main" val="0"/>
-              </a:ext>
-            </a:extLst>
-          </a:blip>
-          <a:stretch>
-            <a:fillRect/>
-          </a:stretch>
-        </p:blipFill>
-        <p:spPr>
-          <a:xfrm>
-            <a:off x="2670710" y="724737"/>
-            <a:ext cx="186381" cy="266258"/>
-          </a:xfrm>
-          <a:prstGeom prst="rect">
-            <a:avLst/>
-          </a:prstGeom>
-        </p:spPr>
-      </p:pic>
-      <p:sp>
-        <p:nvSpPr>
-          <p:cNvPr id="19" name="TextBox 18"/>
-          <p:cNvSpPr txBox="1"/>
-          <p:nvPr/>
-        </p:nvSpPr>
-        <p:spPr>
-          <a:xfrm>
-            <a:off x="6031342" y="2551837"/>
-            <a:ext cx="1302793" cy="400110"/>
-          </a:xfrm>
-          <a:prstGeom prst="rect">
-            <a:avLst/>
-          </a:prstGeom>
-          <a:noFill/>
-        </p:spPr>
-        <p:txBody>
-          <a:bodyPr wrap="none" rtlCol="0">
-            <a:spAutoFit/>
-          </a:bodyPr>
-          <a:lstStyle/>
-          <a:p>
-            <a:r>
-              <a:rPr lang="en-US" sz="2000" dirty="0" smtClean="0"/>
-              <a:t>2) E-voting</a:t>
-            </a:r>
-            <a:endParaRPr lang="en-US" sz="2000" dirty="0"/>
-          </a:p>
-        </p:txBody>
-      </p:sp>
-      <p:pic>
-        <p:nvPicPr>
-          <p:cNvPr id="1032" name="Picture 8" descr="Image result for password reveal"/>
-          <p:cNvPicPr>
-            <a:picLocks noChangeAspect="1" noChangeArrowheads="1"/>
-          </p:cNvPicPr>
-          <p:nvPr/>
-        </p:nvPicPr>
-        <p:blipFill>
-          <a:blip r:embed="rId5">
-            <a:extLst>
-              <a:ext uri="{28A0092B-C50C-407E-A947-70E740481C1C}">
-                <a14:useLocalDpi xmlns:a14="http://schemas.microsoft.com/office/drawing/2010/main" val="0"/>
-              </a:ext>
-            </a:extLst>
-          </a:blip>
-          <a:srcRect/>
-          <a:stretch>
-            <a:fillRect/>
-          </a:stretch>
-        </p:blipFill>
-        <p:spPr bwMode="auto">
-          <a:xfrm>
-            <a:off x="5179650" y="3081521"/>
-            <a:ext cx="3309436" cy="2801990"/>
-          </a:xfrm>
-          <a:prstGeom prst="rect">
-            <a:avLst/>
-          </a:prstGeom>
-          <a:noFill/>
-          <a:extLst>
-            <a:ext uri="{909E8E84-426E-40DD-AFC4-6F175D3DCCD1}">
-              <a14:hiddenFill xmlns:a14="http://schemas.microsoft.com/office/drawing/2010/main">
-                <a:solidFill>
-                  <a:srgbClr val="FFFFFF"/>
-                </a:solidFill>
-              </a14:hiddenFill>
-            </a:ext>
-          </a:extLst>
-        </p:spPr>
-      </p:pic>
-      <p:sp>
-        <p:nvSpPr>
-          <p:cNvPr id="22" name="TextBox 21"/>
-          <p:cNvSpPr txBox="1"/>
-          <p:nvPr/>
-        </p:nvSpPr>
-        <p:spPr>
-          <a:xfrm>
-            <a:off x="5936118" y="6062946"/>
-            <a:ext cx="2037033" cy="400110"/>
-          </a:xfrm>
-          <a:prstGeom prst="rect">
-            <a:avLst/>
-          </a:prstGeom>
-          <a:noFill/>
-        </p:spPr>
-        <p:txBody>
-          <a:bodyPr wrap="none" rtlCol="0">
-            <a:spAutoFit/>
-          </a:bodyPr>
-          <a:lstStyle/>
-          <a:p>
-            <a:r>
-              <a:rPr lang="en-US" sz="2000" dirty="0" smtClean="0"/>
-              <a:t>4) Web credential</a:t>
-            </a:r>
-            <a:endParaRPr lang="en-US" sz="2000" dirty="0"/>
-          </a:p>
-        </p:txBody>
-      </p:sp>
-      <p:pic>
-        <p:nvPicPr>
-          <p:cNvPr id="9" name="Picture 8"/>
-          <p:cNvPicPr>
-            <a:picLocks noChangeAspect="1"/>
-          </p:cNvPicPr>
-          <p:nvPr/>
-        </p:nvPicPr>
-        <p:blipFill rotWithShape="1">
-          <a:blip r:embed="rId6">
-            <a:extLst>
-              <a:ext uri="{28A0092B-C50C-407E-A947-70E740481C1C}">
-                <a14:useLocalDpi xmlns:a14="http://schemas.microsoft.com/office/drawing/2010/main" val="0"/>
-              </a:ext>
-            </a:extLst>
-          </a:blip>
-          <a:srcRect l="57257" t="22379" r="4803" b="8687"/>
-          <a:stretch/>
-        </p:blipFill>
-        <p:spPr>
-          <a:xfrm>
-            <a:off x="5179650" y="161601"/>
-            <a:ext cx="3192053" cy="2260662"/>
-          </a:xfrm>
-          <a:prstGeom prst="rect">
-            <a:avLst/>
-          </a:prstGeom>
-        </p:spPr>
-      </p:pic>
-      <p:sp>
-        <p:nvSpPr>
-          <p:cNvPr id="10" name="Rectangle 9"/>
+          <p:cNvPr id="5" name="Rectangle 4"/>
           <p:cNvSpPr/>
           <p:nvPr/>
         </p:nvSpPr>
         <p:spPr>
           <a:xfrm>
-            <a:off x="4158049" y="4831492"/>
-            <a:ext cx="852616" cy="846438"/>
+            <a:off x="268014" y="1005052"/>
+            <a:ext cx="1608083" cy="1580493"/>
           </a:xfrm>
           <a:prstGeom prst="rect">
             <a:avLst/>
@@ -16012,83 +18952,16 @@
           </a:p>
         </p:txBody>
       </p:sp>
-    </p:spTree>
-    <p:extLst>
-      <p:ext uri="{BB962C8B-B14F-4D97-AF65-F5344CB8AC3E}">
-        <p14:creationId xmlns:p14="http://schemas.microsoft.com/office/powerpoint/2010/main" val="1429768149"/>
-      </p:ext>
-    </p:extLst>
-  </p:cSld>
-  <p:clrMapOvr>
-    <a:masterClrMapping/>
-  </p:clrMapOvr>
-  <p:timing>
-    <p:tnLst>
-      <p:par>
-        <p:cTn id="1" dur="indefinite" restart="never" nodeType="tmRoot"/>
-      </p:par>
-    </p:tnLst>
-  </p:timing>
-</p:sld>
-</file>
-
-<file path=ppt/slides/slide20.xml><?xml version="1.0" encoding="utf-8"?>
-<p:sld xmlns:a="http://schemas.openxmlformats.org/drawingml/2006/main" xmlns:r="http://schemas.openxmlformats.org/officeDocument/2006/relationships" xmlns:p="http://schemas.openxmlformats.org/presentationml/2006/main">
-  <p:cSld>
-    <p:spTree>
-      <p:nvGrpSpPr>
-        <p:cNvPr id="1" name=""/>
-        <p:cNvGrpSpPr/>
-        <p:nvPr/>
-      </p:nvGrpSpPr>
-      <p:grpSpPr>
-        <a:xfrm>
-          <a:off x="0" y="0"/>
-          <a:ext cx="0" cy="0"/>
-          <a:chOff x="0" y="0"/>
-          <a:chExt cx="0" cy="0"/>
-        </a:xfrm>
-      </p:grpSpPr>
-      <p:pic>
-        <p:nvPicPr>
-          <p:cNvPr id="4" name="Picture 3"/>
-          <p:cNvPicPr>
-            <a:picLocks noChangeAspect="1"/>
-          </p:cNvPicPr>
-          <p:nvPr/>
-        </p:nvPicPr>
-        <p:blipFill>
-          <a:blip r:embed="rId2">
-            <a:extLst>
-              <a:ext uri="{28A0092B-C50C-407E-A947-70E740481C1C}">
-                <a14:useLocalDpi xmlns:a14="http://schemas.microsoft.com/office/drawing/2010/main" val="0"/>
-              </a:ext>
-            </a:extLst>
-          </a:blip>
-          <a:stretch>
-            <a:fillRect/>
-          </a:stretch>
-        </p:blipFill>
-        <p:spPr>
-          <a:xfrm>
-            <a:off x="0" y="0"/>
-            <a:ext cx="5067300" cy="3562350"/>
-          </a:xfrm>
-          <a:prstGeom prst="rect">
-            <a:avLst/>
-          </a:prstGeom>
-        </p:spPr>
-      </p:pic>
-      <p:sp>
-        <p:nvSpPr>
-          <p:cNvPr id="5" name="Rectangle 4"/>
+      <p:sp>
+        <p:nvSpPr>
+          <p:cNvPr id="6" name="Rectangle 5"/>
           <p:cNvSpPr/>
           <p:nvPr/>
         </p:nvSpPr>
         <p:spPr>
           <a:xfrm>
-            <a:off x="268014" y="1005052"/>
-            <a:ext cx="1608083" cy="1580493"/>
+            <a:off x="74886" y="3256236"/>
+            <a:ext cx="5052848" cy="334361"/>
           </a:xfrm>
           <a:prstGeom prst="rect">
             <a:avLst/>
@@ -16127,52 +19000,6 @@
       </p:sp>
       <p:sp>
         <p:nvSpPr>
-          <p:cNvPr id="6" name="Rectangle 5"/>
-          <p:cNvSpPr/>
-          <p:nvPr/>
-        </p:nvSpPr>
-        <p:spPr>
-          <a:xfrm>
-            <a:off x="74886" y="3256236"/>
-            <a:ext cx="5052848" cy="334361"/>
-          </a:xfrm>
-          <a:prstGeom prst="rect">
-            <a:avLst/>
-          </a:prstGeom>
-          <a:noFill/>
-          <a:ln w="38100">
-            <a:solidFill>
-              <a:srgbClr val="FF0000"/>
-            </a:solidFill>
-          </a:ln>
-        </p:spPr>
-        <p:style>
-          <a:lnRef idx="2">
-            <a:schemeClr val="accent1">
-              <a:shade val="50000"/>
-            </a:schemeClr>
-          </a:lnRef>
-          <a:fillRef idx="1">
-            <a:schemeClr val="accent1"/>
-          </a:fillRef>
-          <a:effectRef idx="0">
-            <a:schemeClr val="accent1"/>
-          </a:effectRef>
-          <a:fontRef idx="minor">
-            <a:schemeClr val="lt1"/>
-          </a:fontRef>
-        </p:style>
-        <p:txBody>
-          <a:bodyPr rtlCol="0" anchor="ctr"/>
-          <a:lstStyle/>
-          <a:p>
-            <a:pPr algn="ctr"/>
-            <a:endParaRPr lang="en-US"/>
-          </a:p>
-        </p:txBody>
-      </p:sp>
-      <p:sp>
-        <p:nvSpPr>
           <p:cNvPr id="7" name="Rectangle 6"/>
           <p:cNvSpPr/>
           <p:nvPr/>
@@ -16278,7 +19105,7 @@
 </p:sld>
 </file>
 
-<file path=ppt/slides/slide21.xml><?xml version="1.0" encoding="utf-8"?>
+<file path=ppt/slides/slide22.xml><?xml version="1.0" encoding="utf-8"?>
 <p:sld xmlns:a="http://schemas.openxmlformats.org/drawingml/2006/main" xmlns:r="http://schemas.openxmlformats.org/officeDocument/2006/relationships" xmlns:p="http://schemas.openxmlformats.org/presentationml/2006/main">
   <p:cSld>
     <p:spTree>
@@ -17622,6 +20449,687 @@
 </file>
 
 <file path=ppt/slides/slide5.xml><?xml version="1.0" encoding="utf-8"?>
+<p:sld xmlns:a="http://schemas.openxmlformats.org/drawingml/2006/main" xmlns:r="http://schemas.openxmlformats.org/officeDocument/2006/relationships" xmlns:p="http://schemas.openxmlformats.org/presentationml/2006/main">
+  <p:cSld>
+    <p:spTree>
+      <p:nvGrpSpPr>
+        <p:cNvPr id="1" name=""/>
+        <p:cNvGrpSpPr/>
+        <p:nvPr/>
+      </p:nvGrpSpPr>
+      <p:grpSpPr>
+        <a:xfrm>
+          <a:off x="0" y="0"/>
+          <a:ext cx="0" cy="0"/>
+          <a:chOff x="0" y="0"/>
+          <a:chExt cx="0" cy="0"/>
+        </a:xfrm>
+      </p:grpSpPr>
+      <p:sp>
+        <p:nvSpPr>
+          <p:cNvPr id="10" name="Rounded Rectangle 9"/>
+          <p:cNvSpPr/>
+          <p:nvPr/>
+        </p:nvSpPr>
+        <p:spPr>
+          <a:xfrm>
+            <a:off x="933230" y="16830"/>
+            <a:ext cx="1704096" cy="1130643"/>
+          </a:xfrm>
+          <a:prstGeom prst="roundRect">
+            <a:avLst>
+              <a:gd name="adj" fmla="val 10215"/>
+            </a:avLst>
+          </a:prstGeom>
+          <a:solidFill>
+            <a:srgbClr val="F7F7F7"/>
+          </a:solidFill>
+          <a:ln w="9525">
+            <a:solidFill>
+              <a:schemeClr val="tx1"/>
+            </a:solidFill>
+          </a:ln>
+        </p:spPr>
+        <p:style>
+          <a:lnRef idx="2">
+            <a:schemeClr val="accent1">
+              <a:shade val="50000"/>
+            </a:schemeClr>
+          </a:lnRef>
+          <a:fillRef idx="1">
+            <a:schemeClr val="accent1"/>
+          </a:fillRef>
+          <a:effectRef idx="0">
+            <a:schemeClr val="accent1"/>
+          </a:effectRef>
+          <a:fontRef idx="minor">
+            <a:schemeClr val="lt1"/>
+          </a:fontRef>
+        </p:style>
+        <p:txBody>
+          <a:bodyPr rtlCol="0" anchor="ctr"/>
+          <a:lstStyle/>
+          <a:p>
+            <a:pPr algn="ctr"/>
+            <a:endParaRPr lang="en-US"/>
+          </a:p>
+        </p:txBody>
+      </p:sp>
+      <p:pic>
+        <p:nvPicPr>
+          <p:cNvPr id="4" name="Picture 3"/>
+          <p:cNvPicPr>
+            <a:picLocks noChangeAspect="1"/>
+          </p:cNvPicPr>
+          <p:nvPr/>
+        </p:nvPicPr>
+        <p:blipFill rotWithShape="1">
+          <a:blip r:embed="rId2"/>
+          <a:srcRect l="24261" t="14798" r="24188" b="14569"/>
+          <a:stretch/>
+        </p:blipFill>
+        <p:spPr>
+          <a:xfrm>
+            <a:off x="3089913" y="153175"/>
+            <a:ext cx="1218495" cy="857954"/>
+          </a:xfrm>
+          <a:prstGeom prst="rect">
+            <a:avLst/>
+          </a:prstGeom>
+        </p:spPr>
+      </p:pic>
+      <p:pic>
+        <p:nvPicPr>
+          <p:cNvPr id="5" name="Picture 4"/>
+          <p:cNvPicPr>
+            <a:picLocks noChangeAspect="1"/>
+          </p:cNvPicPr>
+          <p:nvPr/>
+        </p:nvPicPr>
+        <p:blipFill rotWithShape="1">
+          <a:blip r:embed="rId3" cstate="print">
+            <a:extLst>
+              <a:ext uri="{28A0092B-C50C-407E-A947-70E740481C1C}">
+                <a14:useLocalDpi xmlns:a14="http://schemas.microsoft.com/office/drawing/2010/main" val="0"/>
+              </a:ext>
+            </a:extLst>
+          </a:blip>
+          <a:srcRect t="12685" b="12552"/>
+          <a:stretch/>
+        </p:blipFill>
+        <p:spPr>
+          <a:xfrm flipH="1">
+            <a:off x="1106252" y="121797"/>
+            <a:ext cx="581657" cy="443554"/>
+          </a:xfrm>
+          <a:prstGeom prst="rect">
+            <a:avLst/>
+          </a:prstGeom>
+        </p:spPr>
+      </p:pic>
+      <p:pic>
+        <p:nvPicPr>
+          <p:cNvPr id="6" name="Picture 5"/>
+          <p:cNvPicPr>
+            <a:picLocks noChangeAspect="1"/>
+          </p:cNvPicPr>
+          <p:nvPr/>
+        </p:nvPicPr>
+        <p:blipFill rotWithShape="1">
+          <a:blip r:embed="rId4" cstate="print">
+            <a:grayscl/>
+            <a:extLst>
+              <a:ext uri="{28A0092B-C50C-407E-A947-70E740481C1C}">
+                <a14:useLocalDpi xmlns:a14="http://schemas.microsoft.com/office/drawing/2010/main" val="0"/>
+              </a:ext>
+            </a:extLst>
+          </a:blip>
+          <a:srcRect t="9232" b="8798"/>
+          <a:stretch/>
+        </p:blipFill>
+        <p:spPr>
+          <a:xfrm>
+            <a:off x="1935324" y="126736"/>
+            <a:ext cx="535093" cy="438616"/>
+          </a:xfrm>
+          <a:prstGeom prst="rect">
+            <a:avLst/>
+          </a:prstGeom>
+        </p:spPr>
+      </p:pic>
+      <p:pic>
+        <p:nvPicPr>
+          <p:cNvPr id="7" name="Picture 6"/>
+          <p:cNvPicPr>
+            <a:picLocks noChangeAspect="1"/>
+          </p:cNvPicPr>
+          <p:nvPr/>
+        </p:nvPicPr>
+        <p:blipFill rotWithShape="1">
+          <a:blip r:embed="rId5" cstate="print">
+            <a:extLst>
+              <a:ext uri="{28A0092B-C50C-407E-A947-70E740481C1C}">
+                <a14:useLocalDpi xmlns:a14="http://schemas.microsoft.com/office/drawing/2010/main" val="0"/>
+              </a:ext>
+            </a:extLst>
+          </a:blip>
+          <a:srcRect t="3275" b="3208"/>
+          <a:stretch/>
+        </p:blipFill>
+        <p:spPr>
+          <a:xfrm>
+            <a:off x="1547736" y="668851"/>
+            <a:ext cx="469016" cy="438616"/>
+          </a:xfrm>
+          <a:prstGeom prst="rect">
+            <a:avLst/>
+          </a:prstGeom>
+        </p:spPr>
+      </p:pic>
+      <p:pic>
+        <p:nvPicPr>
+          <p:cNvPr id="9" name="Picture 8"/>
+          <p:cNvPicPr>
+            <a:picLocks noChangeAspect="1"/>
+          </p:cNvPicPr>
+          <p:nvPr/>
+        </p:nvPicPr>
+        <p:blipFill rotWithShape="1">
+          <a:blip r:embed="rId6" cstate="print">
+            <a:extLst>
+              <a:ext uri="{28A0092B-C50C-407E-A947-70E740481C1C}">
+                <a14:useLocalDpi xmlns:a14="http://schemas.microsoft.com/office/drawing/2010/main" val="0"/>
+              </a:ext>
+            </a:extLst>
+          </a:blip>
+          <a:srcRect l="28761" r="28549"/>
+          <a:stretch/>
+        </p:blipFill>
+        <p:spPr>
+          <a:xfrm>
+            <a:off x="18712" y="121797"/>
+            <a:ext cx="389573" cy="912552"/>
+          </a:xfrm>
+          <a:prstGeom prst="rect">
+            <a:avLst/>
+          </a:prstGeom>
+        </p:spPr>
+      </p:pic>
+      <p:pic>
+        <p:nvPicPr>
+          <p:cNvPr id="11" name="Picture 10"/>
+          <p:cNvPicPr>
+            <a:picLocks noChangeAspect="1"/>
+          </p:cNvPicPr>
+          <p:nvPr/>
+        </p:nvPicPr>
+        <p:blipFill rotWithShape="1">
+          <a:blip r:embed="rId7" cstate="print">
+            <a:extLst>
+              <a:ext uri="{28A0092B-C50C-407E-A947-70E740481C1C}">
+                <a14:useLocalDpi xmlns:a14="http://schemas.microsoft.com/office/drawing/2010/main" val="0"/>
+              </a:ext>
+            </a:extLst>
+          </a:blip>
+          <a:srcRect l="1487" t="16443" r="6804" b="16551"/>
+          <a:stretch/>
+        </p:blipFill>
+        <p:spPr>
+          <a:xfrm>
+            <a:off x="4794009" y="164756"/>
+            <a:ext cx="1139451" cy="832525"/>
+          </a:xfrm>
+          <a:prstGeom prst="rect">
+            <a:avLst/>
+          </a:prstGeom>
+        </p:spPr>
+      </p:pic>
+      <p:cxnSp>
+        <p:nvCxnSpPr>
+          <p:cNvPr id="12" name="Straight Arrow Connector 11"/>
+          <p:cNvCxnSpPr>
+            <a:stCxn id="10" idx="1"/>
+            <a:endCxn id="9" idx="3"/>
+          </p:cNvCxnSpPr>
+          <p:nvPr/>
+        </p:nvCxnSpPr>
+        <p:spPr>
+          <a:xfrm flipH="1" flipV="1">
+            <a:off x="408285" y="578073"/>
+            <a:ext cx="524945" cy="4079"/>
+          </a:xfrm>
+          <a:prstGeom prst="straightConnector1">
+            <a:avLst/>
+          </a:prstGeom>
+          <a:ln w="19050">
+            <a:headEnd type="arrow" w="med" len="med"/>
+            <a:tailEnd type="arrow" w="med" len="med"/>
+          </a:ln>
+        </p:spPr>
+        <p:style>
+          <a:lnRef idx="1">
+            <a:schemeClr val="dk1"/>
+          </a:lnRef>
+          <a:fillRef idx="0">
+            <a:schemeClr val="dk1"/>
+          </a:fillRef>
+          <a:effectRef idx="0">
+            <a:schemeClr val="dk1"/>
+          </a:effectRef>
+          <a:fontRef idx="minor">
+            <a:schemeClr val="tx1"/>
+          </a:fontRef>
+        </p:style>
+      </p:cxnSp>
+      <p:pic>
+        <p:nvPicPr>
+          <p:cNvPr id="29" name="Picture 28"/>
+          <p:cNvPicPr>
+            <a:picLocks noChangeAspect="1"/>
+          </p:cNvPicPr>
+          <p:nvPr/>
+        </p:nvPicPr>
+        <p:blipFill>
+          <a:blip r:embed="rId8" cstate="print">
+            <a:extLst>
+              <a:ext uri="{28A0092B-C50C-407E-A947-70E740481C1C}">
+                <a14:useLocalDpi xmlns:a14="http://schemas.microsoft.com/office/drawing/2010/main" val="0"/>
+              </a:ext>
+            </a:extLst>
+          </a:blip>
+          <a:stretch>
+            <a:fillRect/>
+          </a:stretch>
+        </p:blipFill>
+        <p:spPr>
+          <a:xfrm>
+            <a:off x="3012130" y="32327"/>
+            <a:ext cx="460381" cy="460381"/>
+          </a:xfrm>
+          <a:prstGeom prst="rect">
+            <a:avLst/>
+          </a:prstGeom>
+        </p:spPr>
+      </p:pic>
+      <p:sp>
+        <p:nvSpPr>
+          <p:cNvPr id="31" name="Rectangle 30"/>
+          <p:cNvSpPr/>
+          <p:nvPr/>
+        </p:nvSpPr>
+        <p:spPr>
+          <a:xfrm>
+            <a:off x="3387696" y="1092109"/>
+            <a:ext cx="622927" cy="369332"/>
+          </a:xfrm>
+          <a:prstGeom prst="rect">
+            <a:avLst/>
+          </a:prstGeom>
+        </p:spPr>
+        <p:txBody>
+          <a:bodyPr wrap="none">
+            <a:spAutoFit/>
+          </a:bodyPr>
+          <a:lstStyle/>
+          <a:p>
+            <a:r>
+              <a:rPr lang="en-US" b="1" dirty="0" smtClean="0"/>
+              <a:t>Host</a:t>
+            </a:r>
+            <a:endParaRPr lang="en-US" b="1" dirty="0"/>
+          </a:p>
+        </p:txBody>
+      </p:sp>
+      <p:sp>
+        <p:nvSpPr>
+          <p:cNvPr id="32" name="Rectangle 31"/>
+          <p:cNvSpPr/>
+          <p:nvPr/>
+        </p:nvSpPr>
+        <p:spPr>
+          <a:xfrm>
+            <a:off x="4574832" y="1092109"/>
+            <a:ext cx="1577804" cy="369332"/>
+          </a:xfrm>
+          <a:prstGeom prst="rect">
+            <a:avLst/>
+          </a:prstGeom>
+        </p:spPr>
+        <p:txBody>
+          <a:bodyPr wrap="none">
+            <a:spAutoFit/>
+          </a:bodyPr>
+          <a:lstStyle/>
+          <a:p>
+            <a:r>
+              <a:rPr lang="en-US" b="1" dirty="0" smtClean="0"/>
+              <a:t>Remote server</a:t>
+            </a:r>
+            <a:endParaRPr lang="en-US" b="1" dirty="0"/>
+          </a:p>
+        </p:txBody>
+      </p:sp>
+      <p:sp>
+        <p:nvSpPr>
+          <p:cNvPr id="33" name="Rectangle 32"/>
+          <p:cNvSpPr/>
+          <p:nvPr/>
+        </p:nvSpPr>
+        <p:spPr>
+          <a:xfrm>
+            <a:off x="1467895" y="1092109"/>
+            <a:ext cx="628698" cy="369332"/>
+          </a:xfrm>
+          <a:prstGeom prst="rect">
+            <a:avLst/>
+          </a:prstGeom>
+        </p:spPr>
+        <p:txBody>
+          <a:bodyPr wrap="none">
+            <a:spAutoFit/>
+          </a:bodyPr>
+          <a:lstStyle/>
+          <a:p>
+            <a:r>
+              <a:rPr lang="en-US" b="1" dirty="0" smtClean="0"/>
+              <a:t>HIDs</a:t>
+            </a:r>
+            <a:endParaRPr lang="en-US" b="1" dirty="0"/>
+          </a:p>
+        </p:txBody>
+      </p:sp>
+      <p:sp>
+        <p:nvSpPr>
+          <p:cNvPr id="34" name="Rectangle 33"/>
+          <p:cNvSpPr/>
+          <p:nvPr/>
+        </p:nvSpPr>
+        <p:spPr>
+          <a:xfrm>
+            <a:off x="-98447" y="1092109"/>
+            <a:ext cx="623889" cy="369332"/>
+          </a:xfrm>
+          <a:prstGeom prst="rect">
+            <a:avLst/>
+          </a:prstGeom>
+        </p:spPr>
+        <p:txBody>
+          <a:bodyPr wrap="none">
+            <a:spAutoFit/>
+          </a:bodyPr>
+          <a:lstStyle/>
+          <a:p>
+            <a:r>
+              <a:rPr lang="en-US" b="1" dirty="0" smtClean="0"/>
+              <a:t>User</a:t>
+            </a:r>
+            <a:endParaRPr lang="en-US" b="1" dirty="0"/>
+          </a:p>
+        </p:txBody>
+      </p:sp>
+      <p:sp>
+        <p:nvSpPr>
+          <p:cNvPr id="3" name="Left-Right Arrow 2"/>
+          <p:cNvSpPr/>
+          <p:nvPr/>
+        </p:nvSpPr>
+        <p:spPr>
+          <a:xfrm>
+            <a:off x="2470417" y="279769"/>
+            <a:ext cx="2476551" cy="194226"/>
+          </a:xfrm>
+          <a:prstGeom prst="leftRightArrow">
+            <a:avLst/>
+          </a:prstGeom>
+          <a:solidFill>
+            <a:schemeClr val="bg2"/>
+          </a:solidFill>
+        </p:spPr>
+        <p:style>
+          <a:lnRef idx="2">
+            <a:schemeClr val="dk1"/>
+          </a:lnRef>
+          <a:fillRef idx="1">
+            <a:schemeClr val="lt1"/>
+          </a:fillRef>
+          <a:effectRef idx="0">
+            <a:schemeClr val="dk1"/>
+          </a:effectRef>
+          <a:fontRef idx="minor">
+            <a:schemeClr val="dk1"/>
+          </a:fontRef>
+        </p:style>
+        <p:txBody>
+          <a:bodyPr rtlCol="0" anchor="ctr"/>
+          <a:lstStyle/>
+          <a:p>
+            <a:pPr algn="ctr"/>
+            <a:endParaRPr lang="en-US"/>
+          </a:p>
+        </p:txBody>
+      </p:sp>
+      <p:pic>
+        <p:nvPicPr>
+          <p:cNvPr id="30" name="Picture 29"/>
+          <p:cNvPicPr>
+            <a:picLocks noChangeAspect="1"/>
+          </p:cNvPicPr>
+          <p:nvPr/>
+        </p:nvPicPr>
+        <p:blipFill>
+          <a:blip r:embed="rId9" cstate="print">
+            <a:extLst>
+              <a:ext uri="{28A0092B-C50C-407E-A947-70E740481C1C}">
+                <a14:useLocalDpi xmlns:a14="http://schemas.microsoft.com/office/drawing/2010/main" val="0"/>
+              </a:ext>
+            </a:extLst>
+          </a:blip>
+          <a:stretch>
+            <a:fillRect/>
+          </a:stretch>
+        </p:blipFill>
+        <p:spPr>
+          <a:xfrm>
+            <a:off x="4386191" y="226166"/>
+            <a:ext cx="301431" cy="301431"/>
+          </a:xfrm>
+          <a:prstGeom prst="rect">
+            <a:avLst/>
+          </a:prstGeom>
+        </p:spPr>
+      </p:pic>
+      <p:sp>
+        <p:nvSpPr>
+          <p:cNvPr id="2" name="Rectangle 1"/>
+          <p:cNvSpPr/>
+          <p:nvPr/>
+        </p:nvSpPr>
+        <p:spPr>
+          <a:xfrm>
+            <a:off x="3361662" y="474354"/>
+            <a:ext cx="583686" cy="488092"/>
+          </a:xfrm>
+          <a:prstGeom prst="rect">
+            <a:avLst/>
+          </a:prstGeom>
+        </p:spPr>
+        <p:style>
+          <a:lnRef idx="2">
+            <a:schemeClr val="accent6">
+              <a:shade val="50000"/>
+            </a:schemeClr>
+          </a:lnRef>
+          <a:fillRef idx="1">
+            <a:schemeClr val="accent6"/>
+          </a:fillRef>
+          <a:effectRef idx="0">
+            <a:schemeClr val="accent6"/>
+          </a:effectRef>
+          <a:fontRef idx="minor">
+            <a:schemeClr val="lt1"/>
+          </a:fontRef>
+        </p:style>
+        <p:txBody>
+          <a:bodyPr rtlCol="0" anchor="ctr"/>
+          <a:lstStyle/>
+          <a:p>
+            <a:pPr algn="ctr"/>
+            <a:r>
+              <a:rPr lang="en-US" dirty="0" smtClean="0"/>
+              <a:t>TEE</a:t>
+            </a:r>
+            <a:endParaRPr lang="en-US" dirty="0"/>
+          </a:p>
+        </p:txBody>
+      </p:sp>
+      <p:sp>
+        <p:nvSpPr>
+          <p:cNvPr id="19" name="Left-Right Arrow 18"/>
+          <p:cNvSpPr/>
+          <p:nvPr/>
+        </p:nvSpPr>
+        <p:spPr>
+          <a:xfrm>
+            <a:off x="2460884" y="650501"/>
+            <a:ext cx="1011628" cy="194226"/>
+          </a:xfrm>
+          <a:prstGeom prst="leftRightArrow">
+            <a:avLst/>
+          </a:prstGeom>
+          <a:solidFill>
+            <a:schemeClr val="bg2"/>
+          </a:solidFill>
+        </p:spPr>
+        <p:style>
+          <a:lnRef idx="2">
+            <a:schemeClr val="dk1"/>
+          </a:lnRef>
+          <a:fillRef idx="1">
+            <a:schemeClr val="lt1"/>
+          </a:fillRef>
+          <a:effectRef idx="0">
+            <a:schemeClr val="dk1"/>
+          </a:effectRef>
+          <a:fontRef idx="minor">
+            <a:schemeClr val="dk1"/>
+          </a:fontRef>
+        </p:style>
+        <p:txBody>
+          <a:bodyPr rtlCol="0" anchor="ctr"/>
+          <a:lstStyle/>
+          <a:p>
+            <a:pPr algn="ctr"/>
+            <a:endParaRPr lang="en-US"/>
+          </a:p>
+        </p:txBody>
+      </p:sp>
+      <p:sp>
+        <p:nvSpPr>
+          <p:cNvPr id="21" name="Oval 20"/>
+          <p:cNvSpPr/>
+          <p:nvPr/>
+        </p:nvSpPr>
+        <p:spPr>
+          <a:xfrm>
+            <a:off x="2703718" y="285312"/>
+            <a:ext cx="202025" cy="198787"/>
+          </a:xfrm>
+          <a:prstGeom prst="ellipse">
+            <a:avLst/>
+          </a:prstGeom>
+          <a:ln w="19050"/>
+        </p:spPr>
+        <p:style>
+          <a:lnRef idx="2">
+            <a:schemeClr val="dk1"/>
+          </a:lnRef>
+          <a:fillRef idx="1">
+            <a:schemeClr val="lt1"/>
+          </a:fillRef>
+          <a:effectRef idx="0">
+            <a:schemeClr val="dk1"/>
+          </a:effectRef>
+          <a:fontRef idx="minor">
+            <a:schemeClr val="dk1"/>
+          </a:fontRef>
+        </p:style>
+        <p:txBody>
+          <a:bodyPr rtlCol="0" anchor="ctr"/>
+          <a:lstStyle/>
+          <a:p>
+            <a:pPr algn="ctr"/>
+            <a:r>
+              <a:rPr lang="en-US" b="1" dirty="0" smtClean="0"/>
+              <a:t>1</a:t>
+            </a:r>
+            <a:endParaRPr lang="en-US" b="1" dirty="0"/>
+          </a:p>
+        </p:txBody>
+      </p:sp>
+      <p:sp>
+        <p:nvSpPr>
+          <p:cNvPr id="22" name="Oval 21"/>
+          <p:cNvSpPr/>
+          <p:nvPr/>
+        </p:nvSpPr>
+        <p:spPr>
+          <a:xfrm>
+            <a:off x="2703717" y="636114"/>
+            <a:ext cx="202025" cy="198787"/>
+          </a:xfrm>
+          <a:prstGeom prst="ellipse">
+            <a:avLst/>
+          </a:prstGeom>
+          <a:ln w="19050"/>
+        </p:spPr>
+        <p:style>
+          <a:lnRef idx="2">
+            <a:schemeClr val="dk1"/>
+          </a:lnRef>
+          <a:fillRef idx="1">
+            <a:schemeClr val="lt1"/>
+          </a:fillRef>
+          <a:effectRef idx="0">
+            <a:schemeClr val="dk1"/>
+          </a:effectRef>
+          <a:fontRef idx="minor">
+            <a:schemeClr val="dk1"/>
+          </a:fontRef>
+        </p:style>
+        <p:txBody>
+          <a:bodyPr rtlCol="0" anchor="ctr"/>
+          <a:lstStyle/>
+          <a:p>
+            <a:pPr algn="ctr"/>
+            <a:r>
+              <a:rPr lang="en-US" b="1" dirty="0" smtClean="0"/>
+              <a:t>2</a:t>
+            </a:r>
+            <a:endParaRPr lang="en-US" b="1" dirty="0"/>
+          </a:p>
+        </p:txBody>
+      </p:sp>
+    </p:spTree>
+    <p:extLst>
+      <p:ext uri="{BB962C8B-B14F-4D97-AF65-F5344CB8AC3E}">
+        <p14:creationId xmlns:p14="http://schemas.microsoft.com/office/powerpoint/2010/main" val="2622801106"/>
+      </p:ext>
+    </p:extLst>
+  </p:cSld>
+  <p:clrMapOvr>
+    <a:masterClrMapping/>
+  </p:clrMapOvr>
+  <p:timing>
+    <p:tnLst>
+      <p:par>
+        <p:cTn id="1" dur="indefinite" restart="never" nodeType="tmRoot"/>
+      </p:par>
+    </p:tnLst>
+  </p:timing>
+</p:sld>
+</file>
+
+<file path=ppt/slides/slide6.xml><?xml version="1.0" encoding="utf-8"?>
 <p:sld xmlns:a="http://schemas.openxmlformats.org/drawingml/2006/main" xmlns:r="http://schemas.openxmlformats.org/officeDocument/2006/relationships" xmlns:p="http://schemas.openxmlformats.org/presentationml/2006/main">
   <p:cSld>
     <p:spTree>
@@ -18675,7 +22183,7 @@
 </p:sld>
 </file>
 
-<file path=ppt/slides/slide6.xml><?xml version="1.0" encoding="utf-8"?>
+<file path=ppt/slides/slide7.xml><?xml version="1.0" encoding="utf-8"?>
 <p:sld xmlns:a="http://schemas.openxmlformats.org/drawingml/2006/main" xmlns:r="http://schemas.openxmlformats.org/officeDocument/2006/relationships" xmlns:p="http://schemas.openxmlformats.org/presentationml/2006/main">
   <p:cSld>
     <p:spTree>
@@ -20873,7 +24381,7 @@
 </p:sld>
 </file>
 
-<file path=ppt/slides/slide7.xml><?xml version="1.0" encoding="utf-8"?>
+<file path=ppt/slides/slide8.xml><?xml version="1.0" encoding="utf-8"?>
 <p:sld xmlns:a="http://schemas.openxmlformats.org/drawingml/2006/main" xmlns:r="http://schemas.openxmlformats.org/officeDocument/2006/relationships" xmlns:p="http://schemas.openxmlformats.org/presentationml/2006/main">
   <p:cSld>
     <p:spTree>
@@ -21380,7 +24888,7 @@
 </p:sld>
 </file>
 
-<file path=ppt/slides/slide8.xml><?xml version="1.0" encoding="utf-8"?>
+<file path=ppt/slides/slide9.xml><?xml version="1.0" encoding="utf-8"?>
 <p:sld xmlns:a="http://schemas.openxmlformats.org/drawingml/2006/main" xmlns:r="http://schemas.openxmlformats.org/officeDocument/2006/relationships" xmlns:p="http://schemas.openxmlformats.org/presentationml/2006/main">
   <p:cSld>
     <p:spTree>
@@ -23702,2832 +27210,6 @@
 </p:sld>
 </file>
 
-<file path=ppt/slides/slide9.xml><?xml version="1.0" encoding="utf-8"?>
-<p:sld xmlns:a="http://schemas.openxmlformats.org/drawingml/2006/main" xmlns:r="http://schemas.openxmlformats.org/officeDocument/2006/relationships" xmlns:p="http://schemas.openxmlformats.org/presentationml/2006/main">
-  <p:cSld>
-    <p:spTree>
-      <p:nvGrpSpPr>
-        <p:cNvPr id="1" name=""/>
-        <p:cNvGrpSpPr/>
-        <p:nvPr/>
-      </p:nvGrpSpPr>
-      <p:grpSpPr>
-        <a:xfrm>
-          <a:off x="0" y="0"/>
-          <a:ext cx="0" cy="0"/>
-          <a:chOff x="0" y="0"/>
-          <a:chExt cx="0" cy="0"/>
-        </a:xfrm>
-      </p:grpSpPr>
-      <p:sp>
-        <p:nvSpPr>
-          <p:cNvPr id="20" name="Freeform 19"/>
-          <p:cNvSpPr/>
-          <p:nvPr/>
-        </p:nvSpPr>
-        <p:spPr>
-          <a:xfrm>
-            <a:off x="4913505" y="256540"/>
-            <a:ext cx="3582529" cy="3632200"/>
-          </a:xfrm>
-          <a:custGeom>
-            <a:avLst/>
-            <a:gdLst>
-              <a:gd name="connsiteX0" fmla="*/ 3682 w 3582529"/>
-              <a:gd name="connsiteY0" fmla="*/ 0 h 3632200"/>
-              <a:gd name="connsiteX1" fmla="*/ 498982 w 3582529"/>
-              <a:gd name="connsiteY1" fmla="*/ 1714500 h 3632200"/>
-              <a:gd name="connsiteX2" fmla="*/ 3121532 w 3582529"/>
-              <a:gd name="connsiteY2" fmla="*/ 2590800 h 3632200"/>
-              <a:gd name="connsiteX3" fmla="*/ 3566032 w 3582529"/>
-              <a:gd name="connsiteY3" fmla="*/ 3632200 h 3632200"/>
-            </a:gdLst>
-            <a:ahLst/>
-            <a:cxnLst>
-              <a:cxn ang="0">
-                <a:pos x="connsiteX0" y="connsiteY0"/>
-              </a:cxn>
-              <a:cxn ang="0">
-                <a:pos x="connsiteX1" y="connsiteY1"/>
-              </a:cxn>
-              <a:cxn ang="0">
-                <a:pos x="connsiteX2" y="connsiteY2"/>
-              </a:cxn>
-              <a:cxn ang="0">
-                <a:pos x="connsiteX3" y="connsiteY3"/>
-              </a:cxn>
-            </a:cxnLst>
-            <a:rect l="l" t="t" r="r" b="b"/>
-            <a:pathLst>
-              <a:path w="3582529" h="3632200">
-                <a:moveTo>
-                  <a:pt x="3682" y="0"/>
-                </a:moveTo>
-                <a:cubicBezTo>
-                  <a:pt x="-8489" y="641350"/>
-                  <a:pt x="-20660" y="1282700"/>
-                  <a:pt x="498982" y="1714500"/>
-                </a:cubicBezTo>
-                <a:cubicBezTo>
-                  <a:pt x="1018624" y="2146300"/>
-                  <a:pt x="2610357" y="2271183"/>
-                  <a:pt x="3121532" y="2590800"/>
-                </a:cubicBezTo>
-                <a:cubicBezTo>
-                  <a:pt x="3632707" y="2910417"/>
-                  <a:pt x="3599369" y="3271308"/>
-                  <a:pt x="3566032" y="3632200"/>
-                </a:cubicBezTo>
-              </a:path>
-            </a:pathLst>
-          </a:custGeom>
-          <a:ln w="19050">
-            <a:prstDash val="dash"/>
-          </a:ln>
-        </p:spPr>
-        <p:style>
-          <a:lnRef idx="1">
-            <a:schemeClr val="dk1"/>
-          </a:lnRef>
-          <a:fillRef idx="0">
-            <a:schemeClr val="dk1"/>
-          </a:fillRef>
-          <a:effectRef idx="0">
-            <a:schemeClr val="dk1"/>
-          </a:effectRef>
-          <a:fontRef idx="minor">
-            <a:schemeClr val="tx1"/>
-          </a:fontRef>
-        </p:style>
-        <p:txBody>
-          <a:bodyPr rtlCol="0" anchor="ctr"/>
-          <a:lstStyle/>
-          <a:p>
-            <a:pPr algn="ctr"/>
-            <a:endParaRPr lang="en-US"/>
-          </a:p>
-        </p:txBody>
-      </p:sp>
-      <p:sp>
-        <p:nvSpPr>
-          <p:cNvPr id="8" name="Freeform 7"/>
-          <p:cNvSpPr/>
-          <p:nvPr/>
-        </p:nvSpPr>
-        <p:spPr>
-          <a:xfrm>
-            <a:off x="317628" y="256540"/>
-            <a:ext cx="3582529" cy="3632200"/>
-          </a:xfrm>
-          <a:custGeom>
-            <a:avLst/>
-            <a:gdLst>
-              <a:gd name="connsiteX0" fmla="*/ 3682 w 3582529"/>
-              <a:gd name="connsiteY0" fmla="*/ 0 h 3632200"/>
-              <a:gd name="connsiteX1" fmla="*/ 498982 w 3582529"/>
-              <a:gd name="connsiteY1" fmla="*/ 1714500 h 3632200"/>
-              <a:gd name="connsiteX2" fmla="*/ 3121532 w 3582529"/>
-              <a:gd name="connsiteY2" fmla="*/ 2590800 h 3632200"/>
-              <a:gd name="connsiteX3" fmla="*/ 3566032 w 3582529"/>
-              <a:gd name="connsiteY3" fmla="*/ 3632200 h 3632200"/>
-            </a:gdLst>
-            <a:ahLst/>
-            <a:cxnLst>
-              <a:cxn ang="0">
-                <a:pos x="connsiteX0" y="connsiteY0"/>
-              </a:cxn>
-              <a:cxn ang="0">
-                <a:pos x="connsiteX1" y="connsiteY1"/>
-              </a:cxn>
-              <a:cxn ang="0">
-                <a:pos x="connsiteX2" y="connsiteY2"/>
-              </a:cxn>
-              <a:cxn ang="0">
-                <a:pos x="connsiteX3" y="connsiteY3"/>
-              </a:cxn>
-            </a:cxnLst>
-            <a:rect l="l" t="t" r="r" b="b"/>
-            <a:pathLst>
-              <a:path w="3582529" h="3632200">
-                <a:moveTo>
-                  <a:pt x="3682" y="0"/>
-                </a:moveTo>
-                <a:cubicBezTo>
-                  <a:pt x="-8489" y="641350"/>
-                  <a:pt x="-20660" y="1282700"/>
-                  <a:pt x="498982" y="1714500"/>
-                </a:cubicBezTo>
-                <a:cubicBezTo>
-                  <a:pt x="1018624" y="2146300"/>
-                  <a:pt x="2610357" y="2271183"/>
-                  <a:pt x="3121532" y="2590800"/>
-                </a:cubicBezTo>
-                <a:cubicBezTo>
-                  <a:pt x="3632707" y="2910417"/>
-                  <a:pt x="3599369" y="3271308"/>
-                  <a:pt x="3566032" y="3632200"/>
-                </a:cubicBezTo>
-              </a:path>
-            </a:pathLst>
-          </a:custGeom>
-          <a:ln w="19050">
-            <a:prstDash val="dash"/>
-          </a:ln>
-        </p:spPr>
-        <p:style>
-          <a:lnRef idx="1">
-            <a:schemeClr val="dk1"/>
-          </a:lnRef>
-          <a:fillRef idx="0">
-            <a:schemeClr val="dk1"/>
-          </a:fillRef>
-          <a:effectRef idx="0">
-            <a:schemeClr val="dk1"/>
-          </a:effectRef>
-          <a:fontRef idx="minor">
-            <a:schemeClr val="tx1"/>
-          </a:fontRef>
-        </p:style>
-        <p:txBody>
-          <a:bodyPr rtlCol="0" anchor="ctr"/>
-          <a:lstStyle/>
-          <a:p>
-            <a:pPr algn="ctr"/>
-            <a:endParaRPr lang="en-US"/>
-          </a:p>
-        </p:txBody>
-      </p:sp>
-      <p:sp>
-        <p:nvSpPr>
-          <p:cNvPr id="61" name="Rectangle 60"/>
-          <p:cNvSpPr/>
-          <p:nvPr/>
-        </p:nvSpPr>
-        <p:spPr>
-          <a:xfrm>
-            <a:off x="3601085" y="3553720"/>
-            <a:ext cx="592758" cy="411480"/>
-          </a:xfrm>
-          <a:prstGeom prst="rect">
-            <a:avLst/>
-          </a:prstGeom>
-          <a:solidFill>
-            <a:schemeClr val="bg2"/>
-          </a:solidFill>
-          <a:ln w="12700">
-            <a:solidFill>
-              <a:schemeClr val="tx1"/>
-            </a:solidFill>
-          </a:ln>
-        </p:spPr>
-        <p:style>
-          <a:lnRef idx="2">
-            <a:schemeClr val="accent1">
-              <a:shade val="50000"/>
-            </a:schemeClr>
-          </a:lnRef>
-          <a:fillRef idx="1">
-            <a:schemeClr val="accent1"/>
-          </a:fillRef>
-          <a:effectRef idx="0">
-            <a:schemeClr val="accent1"/>
-          </a:effectRef>
-          <a:fontRef idx="minor">
-            <a:schemeClr val="lt1"/>
-          </a:fontRef>
-        </p:style>
-        <p:txBody>
-          <a:bodyPr rtlCol="0" anchor="ctr"/>
-          <a:lstStyle/>
-          <a:p>
-            <a:pPr algn="ctr"/>
-            <a:r>
-              <a:rPr lang="en-US" b="1" dirty="0" smtClean="0">
-                <a:solidFill>
-                  <a:schemeClr val="tx1"/>
-                </a:solidFill>
-              </a:rPr>
-              <a:t>OK</a:t>
-            </a:r>
-            <a:endParaRPr lang="en-US" b="1" dirty="0">
-              <a:solidFill>
-                <a:schemeClr val="tx1"/>
-              </a:solidFill>
-            </a:endParaRPr>
-          </a:p>
-        </p:txBody>
-      </p:sp>
-      <p:sp>
-        <p:nvSpPr>
-          <p:cNvPr id="52" name="Rectangle 51"/>
-          <p:cNvSpPr/>
-          <p:nvPr/>
-        </p:nvSpPr>
-        <p:spPr>
-          <a:xfrm>
-            <a:off x="8198044" y="3553155"/>
-            <a:ext cx="592758" cy="411480"/>
-          </a:xfrm>
-          <a:prstGeom prst="rect">
-            <a:avLst/>
-          </a:prstGeom>
-          <a:solidFill>
-            <a:schemeClr val="bg2"/>
-          </a:solidFill>
-          <a:ln w="12700">
-            <a:solidFill>
-              <a:schemeClr val="tx1"/>
-            </a:solidFill>
-          </a:ln>
-        </p:spPr>
-        <p:style>
-          <a:lnRef idx="2">
-            <a:schemeClr val="accent1">
-              <a:shade val="50000"/>
-            </a:schemeClr>
-          </a:lnRef>
-          <a:fillRef idx="1">
-            <a:schemeClr val="accent1"/>
-          </a:fillRef>
-          <a:effectRef idx="0">
-            <a:schemeClr val="accent1"/>
-          </a:effectRef>
-          <a:fontRef idx="minor">
-            <a:schemeClr val="lt1"/>
-          </a:fontRef>
-        </p:style>
-        <p:txBody>
-          <a:bodyPr rtlCol="0" anchor="ctr"/>
-          <a:lstStyle/>
-          <a:p>
-            <a:pPr algn="ctr"/>
-            <a:r>
-              <a:rPr lang="en-US" b="1" dirty="0" smtClean="0">
-                <a:solidFill>
-                  <a:schemeClr val="tx1"/>
-                </a:solidFill>
-              </a:rPr>
-              <a:t>OK</a:t>
-            </a:r>
-            <a:endParaRPr lang="en-US" b="1" dirty="0">
-              <a:solidFill>
-                <a:schemeClr val="tx1"/>
-              </a:solidFill>
-            </a:endParaRPr>
-          </a:p>
-        </p:txBody>
-      </p:sp>
-      <p:sp>
-        <p:nvSpPr>
-          <p:cNvPr id="4" name="Rounded Rectangle 3"/>
-          <p:cNvSpPr/>
-          <p:nvPr/>
-        </p:nvSpPr>
-        <p:spPr>
-          <a:xfrm>
-            <a:off x="22860" y="15240"/>
-            <a:ext cx="4222750" cy="4171950"/>
-          </a:xfrm>
-          <a:prstGeom prst="roundRect">
-            <a:avLst>
-              <a:gd name="adj" fmla="val 2512"/>
-            </a:avLst>
-          </a:prstGeom>
-          <a:noFill/>
-          <a:ln w="19050">
-            <a:solidFill>
-              <a:schemeClr val="tx1"/>
-            </a:solidFill>
-          </a:ln>
-        </p:spPr>
-        <p:style>
-          <a:lnRef idx="2">
-            <a:schemeClr val="accent1">
-              <a:shade val="50000"/>
-            </a:schemeClr>
-          </a:lnRef>
-          <a:fillRef idx="1">
-            <a:schemeClr val="accent1"/>
-          </a:fillRef>
-          <a:effectRef idx="0">
-            <a:schemeClr val="accent1"/>
-          </a:effectRef>
-          <a:fontRef idx="minor">
-            <a:schemeClr val="lt1"/>
-          </a:fontRef>
-        </p:style>
-        <p:txBody>
-          <a:bodyPr rtlCol="0" anchor="ctr"/>
-          <a:lstStyle/>
-          <a:p>
-            <a:pPr algn="ctr"/>
-            <a:endParaRPr lang="en-US"/>
-          </a:p>
-        </p:txBody>
-      </p:sp>
-      <p:sp>
-        <p:nvSpPr>
-          <p:cNvPr id="5" name="Oval 4"/>
-          <p:cNvSpPr/>
-          <p:nvPr/>
-        </p:nvSpPr>
-        <p:spPr>
-          <a:xfrm>
-            <a:off x="257810" y="224790"/>
-            <a:ext cx="114300" cy="114300"/>
-          </a:xfrm>
-          <a:prstGeom prst="ellipse">
-            <a:avLst/>
-          </a:prstGeom>
-          <a:solidFill>
-            <a:schemeClr val="accent1"/>
-          </a:solidFill>
-        </p:spPr>
-        <p:style>
-          <a:lnRef idx="2">
-            <a:schemeClr val="dk1">
-              <a:shade val="50000"/>
-            </a:schemeClr>
-          </a:lnRef>
-          <a:fillRef idx="1">
-            <a:schemeClr val="dk1"/>
-          </a:fillRef>
-          <a:effectRef idx="0">
-            <a:schemeClr val="dk1"/>
-          </a:effectRef>
-          <a:fontRef idx="minor">
-            <a:schemeClr val="lt1"/>
-          </a:fontRef>
-        </p:style>
-        <p:txBody>
-          <a:bodyPr rtlCol="0" anchor="ctr"/>
-          <a:lstStyle/>
-          <a:p>
-            <a:pPr algn="ctr"/>
-            <a:endParaRPr lang="en-US"/>
-          </a:p>
-        </p:txBody>
-      </p:sp>
-      <p:sp>
-        <p:nvSpPr>
-          <p:cNvPr id="11" name="Oval 10"/>
-          <p:cNvSpPr/>
-          <p:nvPr/>
-        </p:nvSpPr>
-        <p:spPr>
-          <a:xfrm>
-            <a:off x="262573" y="726440"/>
-            <a:ext cx="114300" cy="114300"/>
-          </a:xfrm>
-          <a:prstGeom prst="ellipse">
-            <a:avLst/>
-          </a:prstGeom>
-          <a:solidFill>
-            <a:schemeClr val="accent1"/>
-          </a:solidFill>
-        </p:spPr>
-        <p:style>
-          <a:lnRef idx="2">
-            <a:schemeClr val="dk1">
-              <a:shade val="50000"/>
-            </a:schemeClr>
-          </a:lnRef>
-          <a:fillRef idx="1">
-            <a:schemeClr val="dk1"/>
-          </a:fillRef>
-          <a:effectRef idx="0">
-            <a:schemeClr val="dk1"/>
-          </a:effectRef>
-          <a:fontRef idx="minor">
-            <a:schemeClr val="lt1"/>
-          </a:fontRef>
-        </p:style>
-        <p:txBody>
-          <a:bodyPr rtlCol="0" anchor="ctr"/>
-          <a:lstStyle/>
-          <a:p>
-            <a:pPr algn="ctr"/>
-            <a:endParaRPr lang="en-US"/>
-          </a:p>
-        </p:txBody>
-      </p:sp>
-      <p:sp>
-        <p:nvSpPr>
-          <p:cNvPr id="12" name="Oval 11"/>
-          <p:cNvSpPr/>
-          <p:nvPr/>
-        </p:nvSpPr>
-        <p:spPr>
-          <a:xfrm>
-            <a:off x="324486" y="1196340"/>
-            <a:ext cx="114300" cy="114300"/>
-          </a:xfrm>
-          <a:prstGeom prst="ellipse">
-            <a:avLst/>
-          </a:prstGeom>
-          <a:solidFill>
-            <a:schemeClr val="accent1"/>
-          </a:solidFill>
-        </p:spPr>
-        <p:style>
-          <a:lnRef idx="2">
-            <a:schemeClr val="dk1">
-              <a:shade val="50000"/>
-            </a:schemeClr>
-          </a:lnRef>
-          <a:fillRef idx="1">
-            <a:schemeClr val="dk1"/>
-          </a:fillRef>
-          <a:effectRef idx="0">
-            <a:schemeClr val="dk1"/>
-          </a:effectRef>
-          <a:fontRef idx="minor">
-            <a:schemeClr val="lt1"/>
-          </a:fontRef>
-        </p:style>
-        <p:txBody>
-          <a:bodyPr rtlCol="0" anchor="ctr"/>
-          <a:lstStyle/>
-          <a:p>
-            <a:pPr algn="ctr"/>
-            <a:endParaRPr lang="en-US"/>
-          </a:p>
-        </p:txBody>
-      </p:sp>
-      <p:sp>
-        <p:nvSpPr>
-          <p:cNvPr id="13" name="Oval 12"/>
-          <p:cNvSpPr/>
-          <p:nvPr/>
-        </p:nvSpPr>
-        <p:spPr>
-          <a:xfrm>
-            <a:off x="662624" y="1844040"/>
-            <a:ext cx="114300" cy="114300"/>
-          </a:xfrm>
-          <a:prstGeom prst="ellipse">
-            <a:avLst/>
-          </a:prstGeom>
-          <a:solidFill>
-            <a:schemeClr val="accent1"/>
-          </a:solidFill>
-        </p:spPr>
-        <p:style>
-          <a:lnRef idx="2">
-            <a:schemeClr val="dk1">
-              <a:shade val="50000"/>
-            </a:schemeClr>
-          </a:lnRef>
-          <a:fillRef idx="1">
-            <a:schemeClr val="dk1"/>
-          </a:fillRef>
-          <a:effectRef idx="0">
-            <a:schemeClr val="dk1"/>
-          </a:effectRef>
-          <a:fontRef idx="minor">
-            <a:schemeClr val="lt1"/>
-          </a:fontRef>
-        </p:style>
-        <p:txBody>
-          <a:bodyPr rtlCol="0" anchor="ctr"/>
-          <a:lstStyle/>
-          <a:p>
-            <a:pPr algn="ctr"/>
-            <a:endParaRPr lang="en-US"/>
-          </a:p>
-        </p:txBody>
-      </p:sp>
-      <p:sp>
-        <p:nvSpPr>
-          <p:cNvPr id="14" name="Oval 13"/>
-          <p:cNvSpPr/>
-          <p:nvPr/>
-        </p:nvSpPr>
-        <p:spPr>
-          <a:xfrm>
-            <a:off x="1434149" y="2220277"/>
-            <a:ext cx="114300" cy="114300"/>
-          </a:xfrm>
-          <a:prstGeom prst="ellipse">
-            <a:avLst/>
-          </a:prstGeom>
-          <a:solidFill>
-            <a:schemeClr val="accent1"/>
-          </a:solidFill>
-        </p:spPr>
-        <p:style>
-          <a:lnRef idx="2">
-            <a:schemeClr val="dk1">
-              <a:shade val="50000"/>
-            </a:schemeClr>
-          </a:lnRef>
-          <a:fillRef idx="1">
-            <a:schemeClr val="dk1"/>
-          </a:fillRef>
-          <a:effectRef idx="0">
-            <a:schemeClr val="dk1"/>
-          </a:effectRef>
-          <a:fontRef idx="minor">
-            <a:schemeClr val="lt1"/>
-          </a:fontRef>
-        </p:style>
-        <p:txBody>
-          <a:bodyPr rtlCol="0" anchor="ctr"/>
-          <a:lstStyle/>
-          <a:p>
-            <a:pPr algn="ctr"/>
-            <a:endParaRPr lang="en-US"/>
-          </a:p>
-        </p:txBody>
-      </p:sp>
-      <p:sp>
-        <p:nvSpPr>
-          <p:cNvPr id="15" name="Oval 14"/>
-          <p:cNvSpPr/>
-          <p:nvPr/>
-        </p:nvSpPr>
-        <p:spPr>
-          <a:xfrm>
-            <a:off x="2134235" y="2415539"/>
-            <a:ext cx="114300" cy="114300"/>
-          </a:xfrm>
-          <a:prstGeom prst="ellipse">
-            <a:avLst/>
-          </a:prstGeom>
-          <a:solidFill>
-            <a:schemeClr val="accent1"/>
-          </a:solidFill>
-        </p:spPr>
-        <p:style>
-          <a:lnRef idx="2">
-            <a:schemeClr val="dk1">
-              <a:shade val="50000"/>
-            </a:schemeClr>
-          </a:lnRef>
-          <a:fillRef idx="1">
-            <a:schemeClr val="dk1"/>
-          </a:fillRef>
-          <a:effectRef idx="0">
-            <a:schemeClr val="dk1"/>
-          </a:effectRef>
-          <a:fontRef idx="minor">
-            <a:schemeClr val="lt1"/>
-          </a:fontRef>
-        </p:style>
-        <p:txBody>
-          <a:bodyPr rtlCol="0" anchor="ctr"/>
-          <a:lstStyle/>
-          <a:p>
-            <a:pPr algn="ctr"/>
-            <a:endParaRPr lang="en-US"/>
-          </a:p>
-        </p:txBody>
-      </p:sp>
-      <p:sp>
-        <p:nvSpPr>
-          <p:cNvPr id="16" name="Oval 15"/>
-          <p:cNvSpPr/>
-          <p:nvPr/>
-        </p:nvSpPr>
-        <p:spPr>
-          <a:xfrm>
-            <a:off x="2934335" y="2615564"/>
-            <a:ext cx="114300" cy="114300"/>
-          </a:xfrm>
-          <a:prstGeom prst="ellipse">
-            <a:avLst/>
-          </a:prstGeom>
-          <a:solidFill>
-            <a:schemeClr val="accent1"/>
-          </a:solidFill>
-        </p:spPr>
-        <p:style>
-          <a:lnRef idx="2">
-            <a:schemeClr val="dk1">
-              <a:shade val="50000"/>
-            </a:schemeClr>
-          </a:lnRef>
-          <a:fillRef idx="1">
-            <a:schemeClr val="dk1"/>
-          </a:fillRef>
-          <a:effectRef idx="0">
-            <a:schemeClr val="dk1"/>
-          </a:effectRef>
-          <a:fontRef idx="minor">
-            <a:schemeClr val="lt1"/>
-          </a:fontRef>
-        </p:style>
-        <p:txBody>
-          <a:bodyPr rtlCol="0" anchor="ctr"/>
-          <a:lstStyle/>
-          <a:p>
-            <a:pPr algn="ctr"/>
-            <a:endParaRPr lang="en-US"/>
-          </a:p>
-        </p:txBody>
-      </p:sp>
-      <p:sp>
-        <p:nvSpPr>
-          <p:cNvPr id="17" name="Oval 16"/>
-          <p:cNvSpPr/>
-          <p:nvPr/>
-        </p:nvSpPr>
-        <p:spPr>
-          <a:xfrm>
-            <a:off x="3634422" y="2996564"/>
-            <a:ext cx="114300" cy="114300"/>
-          </a:xfrm>
-          <a:prstGeom prst="ellipse">
-            <a:avLst/>
-          </a:prstGeom>
-          <a:solidFill>
-            <a:schemeClr val="accent1"/>
-          </a:solidFill>
-        </p:spPr>
-        <p:style>
-          <a:lnRef idx="2">
-            <a:schemeClr val="dk1">
-              <a:shade val="50000"/>
-            </a:schemeClr>
-          </a:lnRef>
-          <a:fillRef idx="1">
-            <a:schemeClr val="dk1"/>
-          </a:fillRef>
-          <a:effectRef idx="0">
-            <a:schemeClr val="dk1"/>
-          </a:effectRef>
-          <a:fontRef idx="minor">
-            <a:schemeClr val="lt1"/>
-          </a:fontRef>
-        </p:style>
-        <p:txBody>
-          <a:bodyPr rtlCol="0" anchor="ctr"/>
-          <a:lstStyle/>
-          <a:p>
-            <a:pPr algn="ctr"/>
-            <a:endParaRPr lang="en-US"/>
-          </a:p>
-        </p:txBody>
-      </p:sp>
-      <p:sp>
-        <p:nvSpPr>
-          <p:cNvPr id="18" name="Oval 17"/>
-          <p:cNvSpPr/>
-          <p:nvPr/>
-        </p:nvSpPr>
-        <p:spPr>
-          <a:xfrm>
-            <a:off x="3843007" y="3587114"/>
-            <a:ext cx="114300" cy="114300"/>
-          </a:xfrm>
-          <a:prstGeom prst="ellipse">
-            <a:avLst/>
-          </a:prstGeom>
-          <a:solidFill>
-            <a:schemeClr val="accent1"/>
-          </a:solidFill>
-        </p:spPr>
-        <p:style>
-          <a:lnRef idx="2">
-            <a:schemeClr val="dk1">
-              <a:shade val="50000"/>
-            </a:schemeClr>
-          </a:lnRef>
-          <a:fillRef idx="1">
-            <a:schemeClr val="dk1"/>
-          </a:fillRef>
-          <a:effectRef idx="0">
-            <a:schemeClr val="dk1"/>
-          </a:effectRef>
-          <a:fontRef idx="minor">
-            <a:schemeClr val="lt1"/>
-          </a:fontRef>
-        </p:style>
-        <p:txBody>
-          <a:bodyPr rtlCol="0" anchor="ctr"/>
-          <a:lstStyle/>
-          <a:p>
-            <a:pPr algn="ctr"/>
-            <a:endParaRPr lang="en-US"/>
-          </a:p>
-        </p:txBody>
-      </p:sp>
-      <p:sp>
-        <p:nvSpPr>
-          <p:cNvPr id="19" name="Rounded Rectangle 18"/>
-          <p:cNvSpPr/>
-          <p:nvPr/>
-        </p:nvSpPr>
-        <p:spPr>
-          <a:xfrm>
-            <a:off x="4618737" y="15240"/>
-            <a:ext cx="4222750" cy="4171950"/>
-          </a:xfrm>
-          <a:prstGeom prst="roundRect">
-            <a:avLst>
-              <a:gd name="adj" fmla="val 2512"/>
-            </a:avLst>
-          </a:prstGeom>
-          <a:noFill/>
-          <a:ln w="19050">
-            <a:solidFill>
-              <a:schemeClr val="tx1"/>
-            </a:solidFill>
-          </a:ln>
-        </p:spPr>
-        <p:style>
-          <a:lnRef idx="2">
-            <a:schemeClr val="accent1">
-              <a:shade val="50000"/>
-            </a:schemeClr>
-          </a:lnRef>
-          <a:fillRef idx="1">
-            <a:schemeClr val="accent1"/>
-          </a:fillRef>
-          <a:effectRef idx="0">
-            <a:schemeClr val="accent1"/>
-          </a:effectRef>
-          <a:fontRef idx="minor">
-            <a:schemeClr val="lt1"/>
-          </a:fontRef>
-        </p:style>
-        <p:txBody>
-          <a:bodyPr rtlCol="0" anchor="ctr"/>
-          <a:lstStyle/>
-          <a:p>
-            <a:pPr algn="ctr"/>
-            <a:endParaRPr lang="en-US"/>
-          </a:p>
-        </p:txBody>
-      </p:sp>
-      <p:pic>
-        <p:nvPicPr>
-          <p:cNvPr id="30" name="Picture 29"/>
-          <p:cNvPicPr>
-            <a:picLocks noChangeAspect="1"/>
-          </p:cNvPicPr>
-          <p:nvPr/>
-        </p:nvPicPr>
-        <p:blipFill>
-          <a:blip r:embed="rId2" cstate="print">
-            <a:extLst>
-              <a:ext uri="{28A0092B-C50C-407E-A947-70E740481C1C}">
-                <a14:useLocalDpi xmlns:a14="http://schemas.microsoft.com/office/drawing/2010/main" val="0"/>
-              </a:ext>
-            </a:extLst>
-          </a:blip>
-          <a:stretch>
-            <a:fillRect/>
-          </a:stretch>
-        </p:blipFill>
-        <p:spPr>
-          <a:xfrm>
-            <a:off x="4834207" y="198529"/>
-            <a:ext cx="172311" cy="172311"/>
-          </a:xfrm>
-          <a:prstGeom prst="rect">
-            <a:avLst/>
-          </a:prstGeom>
-        </p:spPr>
-      </p:pic>
-      <p:pic>
-        <p:nvPicPr>
-          <p:cNvPr id="31" name="Picture 30"/>
-          <p:cNvPicPr>
-            <a:picLocks noChangeAspect="1"/>
-          </p:cNvPicPr>
-          <p:nvPr/>
-        </p:nvPicPr>
-        <p:blipFill>
-          <a:blip r:embed="rId2" cstate="print">
-            <a:extLst>
-              <a:ext uri="{28A0092B-C50C-407E-A947-70E740481C1C}">
-                <a14:useLocalDpi xmlns:a14="http://schemas.microsoft.com/office/drawing/2010/main" val="0"/>
-              </a:ext>
-            </a:extLst>
-          </a:blip>
-          <a:stretch>
-            <a:fillRect/>
-          </a:stretch>
-        </p:blipFill>
-        <p:spPr>
-          <a:xfrm>
-            <a:off x="4862352" y="697434"/>
-            <a:ext cx="172311" cy="172311"/>
-          </a:xfrm>
-          <a:prstGeom prst="rect">
-            <a:avLst/>
-          </a:prstGeom>
-        </p:spPr>
-      </p:pic>
-      <p:pic>
-        <p:nvPicPr>
-          <p:cNvPr id="32" name="Picture 31"/>
-          <p:cNvPicPr>
-            <a:picLocks noChangeAspect="1"/>
-          </p:cNvPicPr>
-          <p:nvPr/>
-        </p:nvPicPr>
-        <p:blipFill>
-          <a:blip r:embed="rId2" cstate="print">
-            <a:extLst>
-              <a:ext uri="{28A0092B-C50C-407E-A947-70E740481C1C}">
-                <a14:useLocalDpi xmlns:a14="http://schemas.microsoft.com/office/drawing/2010/main" val="0"/>
-              </a:ext>
-            </a:extLst>
-          </a:blip>
-          <a:stretch>
-            <a:fillRect/>
-          </a:stretch>
-        </p:blipFill>
-        <p:spPr>
-          <a:xfrm>
-            <a:off x="4906669" y="1167334"/>
-            <a:ext cx="172311" cy="172311"/>
-          </a:xfrm>
-          <a:prstGeom prst="rect">
-            <a:avLst/>
-          </a:prstGeom>
-        </p:spPr>
-      </p:pic>
-      <p:pic>
-        <p:nvPicPr>
-          <p:cNvPr id="33" name="Picture 32"/>
-          <p:cNvPicPr>
-            <a:picLocks noChangeAspect="1"/>
-          </p:cNvPicPr>
-          <p:nvPr/>
-        </p:nvPicPr>
-        <p:blipFill>
-          <a:blip r:embed="rId2" cstate="print">
-            <a:extLst>
-              <a:ext uri="{28A0092B-C50C-407E-A947-70E740481C1C}">
-                <a14:useLocalDpi xmlns:a14="http://schemas.microsoft.com/office/drawing/2010/main" val="0"/>
-              </a:ext>
-            </a:extLst>
-          </a:blip>
-          <a:stretch>
-            <a:fillRect/>
-          </a:stretch>
-        </p:blipFill>
-        <p:spPr>
-          <a:xfrm>
-            <a:off x="5240044" y="1815034"/>
-            <a:ext cx="172311" cy="172311"/>
-          </a:xfrm>
-          <a:prstGeom prst="rect">
-            <a:avLst/>
-          </a:prstGeom>
-        </p:spPr>
-      </p:pic>
-      <p:pic>
-        <p:nvPicPr>
-          <p:cNvPr id="34" name="Picture 33"/>
-          <p:cNvPicPr>
-            <a:picLocks noChangeAspect="1"/>
-          </p:cNvPicPr>
-          <p:nvPr/>
-        </p:nvPicPr>
-        <p:blipFill>
-          <a:blip r:embed="rId2" cstate="print">
-            <a:extLst>
-              <a:ext uri="{28A0092B-C50C-407E-A947-70E740481C1C}">
-                <a14:useLocalDpi xmlns:a14="http://schemas.microsoft.com/office/drawing/2010/main" val="0"/>
-              </a:ext>
-            </a:extLst>
-          </a:blip>
-          <a:stretch>
-            <a:fillRect/>
-          </a:stretch>
-        </p:blipFill>
-        <p:spPr>
-          <a:xfrm>
-            <a:off x="6730112" y="2386533"/>
-            <a:ext cx="172311" cy="172311"/>
-          </a:xfrm>
-          <a:prstGeom prst="rect">
-            <a:avLst/>
-          </a:prstGeom>
-        </p:spPr>
-      </p:pic>
-      <p:pic>
-        <p:nvPicPr>
-          <p:cNvPr id="36" name="Picture 35"/>
-          <p:cNvPicPr>
-            <a:picLocks noChangeAspect="1"/>
-          </p:cNvPicPr>
-          <p:nvPr/>
-        </p:nvPicPr>
-        <p:blipFill>
-          <a:blip r:embed="rId2" cstate="print">
-            <a:extLst>
-              <a:ext uri="{28A0092B-C50C-407E-A947-70E740481C1C}">
-                <a14:useLocalDpi xmlns:a14="http://schemas.microsoft.com/office/drawing/2010/main" val="0"/>
-              </a:ext>
-            </a:extLst>
-          </a:blip>
-          <a:stretch>
-            <a:fillRect/>
-          </a:stretch>
-        </p:blipFill>
-        <p:spPr>
-          <a:xfrm>
-            <a:off x="5933675" y="2191271"/>
-            <a:ext cx="172311" cy="172311"/>
-          </a:xfrm>
-          <a:prstGeom prst="rect">
-            <a:avLst/>
-          </a:prstGeom>
-        </p:spPr>
-      </p:pic>
-      <p:pic>
-        <p:nvPicPr>
-          <p:cNvPr id="39" name="Picture 38"/>
-          <p:cNvPicPr>
-            <a:picLocks noChangeAspect="1"/>
-          </p:cNvPicPr>
-          <p:nvPr/>
-        </p:nvPicPr>
-        <p:blipFill>
-          <a:blip r:embed="rId2" cstate="print">
-            <a:extLst>
-              <a:ext uri="{28A0092B-C50C-407E-A947-70E740481C1C}">
-                <a14:useLocalDpi xmlns:a14="http://schemas.microsoft.com/office/drawing/2010/main" val="0"/>
-              </a:ext>
-            </a:extLst>
-          </a:blip>
-          <a:stretch>
-            <a:fillRect/>
-          </a:stretch>
-        </p:blipFill>
-        <p:spPr>
-          <a:xfrm>
-            <a:off x="8207686" y="2967557"/>
-            <a:ext cx="172311" cy="172311"/>
-          </a:xfrm>
-          <a:prstGeom prst="rect">
-            <a:avLst/>
-          </a:prstGeom>
-        </p:spPr>
-      </p:pic>
-      <p:pic>
-        <p:nvPicPr>
-          <p:cNvPr id="40" name="Picture 39"/>
-          <p:cNvPicPr>
-            <a:picLocks noChangeAspect="1"/>
-          </p:cNvPicPr>
-          <p:nvPr/>
-        </p:nvPicPr>
-        <p:blipFill>
-          <a:blip r:embed="rId2" cstate="print">
-            <a:extLst>
-              <a:ext uri="{28A0092B-C50C-407E-A947-70E740481C1C}">
-                <a14:useLocalDpi xmlns:a14="http://schemas.microsoft.com/office/drawing/2010/main" val="0"/>
-              </a:ext>
-            </a:extLst>
-          </a:blip>
-          <a:stretch>
-            <a:fillRect/>
-          </a:stretch>
-        </p:blipFill>
-        <p:spPr>
-          <a:xfrm>
-            <a:off x="7440762" y="2557553"/>
-            <a:ext cx="172311" cy="172311"/>
-          </a:xfrm>
-          <a:prstGeom prst="rect">
-            <a:avLst/>
-          </a:prstGeom>
-        </p:spPr>
-      </p:pic>
-      <p:pic>
-        <p:nvPicPr>
-          <p:cNvPr id="41" name="Picture 40"/>
-          <p:cNvPicPr>
-            <a:picLocks noChangeAspect="1"/>
-          </p:cNvPicPr>
-          <p:nvPr/>
-        </p:nvPicPr>
-        <p:blipFill>
-          <a:blip r:embed="rId2" cstate="print">
-            <a:extLst>
-              <a:ext uri="{28A0092B-C50C-407E-A947-70E740481C1C}">
-                <a14:useLocalDpi xmlns:a14="http://schemas.microsoft.com/office/drawing/2010/main" val="0"/>
-              </a:ext>
-            </a:extLst>
-          </a:blip>
-          <a:stretch>
-            <a:fillRect/>
-          </a:stretch>
-        </p:blipFill>
-        <p:spPr>
-          <a:xfrm>
-            <a:off x="8410294" y="3558108"/>
-            <a:ext cx="172311" cy="172311"/>
-          </a:xfrm>
-          <a:prstGeom prst="rect">
-            <a:avLst/>
-          </a:prstGeom>
-        </p:spPr>
-      </p:pic>
-      <mc:AlternateContent xmlns:mc="http://schemas.openxmlformats.org/markup-compatibility/2006" xmlns:a14="http://schemas.microsoft.com/office/drawing/2010/main">
-        <mc:Choice Requires="a14">
-          <p:sp>
-            <p:nvSpPr>
-              <p:cNvPr id="42" name="TextBox 41"/>
-              <p:cNvSpPr txBox="1"/>
-              <p:nvPr/>
-            </p:nvSpPr>
-            <p:spPr>
-              <a:xfrm>
-                <a:off x="451408" y="118040"/>
-                <a:ext cx="779892" cy="276999"/>
-              </a:xfrm>
-              <a:prstGeom prst="rect">
-                <a:avLst/>
-              </a:prstGeom>
-              <a:noFill/>
-            </p:spPr>
-            <p:txBody>
-              <a:bodyPr wrap="none" lIns="0" tIns="0" rIns="0" bIns="0" rtlCol="0">
-                <a:spAutoFit/>
-              </a:bodyPr>
-              <a:lstStyle/>
-              <a:p>
-                <a:pPr/>
-                <a14:m>
-                  <m:oMathPara xmlns:m="http://schemas.openxmlformats.org/officeDocument/2006/math">
-                    <m:oMathParaPr>
-                      <m:jc m:val="centerGroup"/>
-                    </m:oMathParaPr>
-                    <m:oMath xmlns:m="http://schemas.openxmlformats.org/officeDocument/2006/math">
-                      <m:r>
-                        <a:rPr lang="en-US" b="0" i="1" smtClean="0">
-                          <a:latin typeface="Cambria Math" panose="02040503050406030204" pitchFamily="18" charset="0"/>
-                        </a:rPr>
-                        <m:t>(</m:t>
-                      </m:r>
-                      <m:sSub>
-                        <m:sSubPr>
-                          <m:ctrlPr>
-                            <a:rPr lang="en-US" b="0" i="1" smtClean="0">
-                              <a:latin typeface="Cambria Math" panose="02040503050406030204" pitchFamily="18" charset="0"/>
-                            </a:rPr>
-                          </m:ctrlPr>
-                        </m:sSubPr>
-                        <m:e>
-                          <m:r>
-                            <a:rPr lang="en-US" b="0" i="1" smtClean="0">
-                              <a:latin typeface="Cambria Math" panose="02040503050406030204" pitchFamily="18" charset="0"/>
-                            </a:rPr>
-                            <m:t>𝑥</m:t>
-                          </m:r>
-                        </m:e>
-                        <m:sub>
-                          <m:r>
-                            <a:rPr lang="en-US" b="0" i="1" smtClean="0">
-                              <a:latin typeface="Cambria Math" panose="02040503050406030204" pitchFamily="18" charset="0"/>
-                            </a:rPr>
-                            <m:t>1</m:t>
-                          </m:r>
-                        </m:sub>
-                      </m:sSub>
-                      <m:r>
-                        <a:rPr lang="en-US" b="0" i="1" smtClean="0">
-                          <a:latin typeface="Cambria Math" panose="02040503050406030204" pitchFamily="18" charset="0"/>
-                        </a:rPr>
-                        <m:t>,</m:t>
-                      </m:r>
-                      <m:sSub>
-                        <m:sSubPr>
-                          <m:ctrlPr>
-                            <a:rPr lang="en-US" b="0" i="1" smtClean="0">
-                              <a:latin typeface="Cambria Math" panose="02040503050406030204" pitchFamily="18" charset="0"/>
-                            </a:rPr>
-                          </m:ctrlPr>
-                        </m:sSubPr>
-                        <m:e>
-                          <m:r>
-                            <a:rPr lang="en-US" b="0" i="1" smtClean="0">
-                              <a:latin typeface="Cambria Math" panose="02040503050406030204" pitchFamily="18" charset="0"/>
-                            </a:rPr>
-                            <m:t>𝑦</m:t>
-                          </m:r>
-                        </m:e>
-                        <m:sub>
-                          <m:r>
-                            <a:rPr lang="en-US" b="0" i="1" smtClean="0">
-                              <a:latin typeface="Cambria Math" panose="02040503050406030204" pitchFamily="18" charset="0"/>
-                            </a:rPr>
-                            <m:t>1</m:t>
-                          </m:r>
-                        </m:sub>
-                      </m:sSub>
-                      <m:r>
-                        <a:rPr lang="en-US" b="0" i="1" smtClean="0">
-                          <a:latin typeface="Cambria Math" panose="02040503050406030204" pitchFamily="18" charset="0"/>
-                        </a:rPr>
-                        <m:t>)</m:t>
-                      </m:r>
-                    </m:oMath>
-                  </m:oMathPara>
-                </a14:m>
-                <a:endParaRPr lang="en-US" dirty="0"/>
-              </a:p>
-            </p:txBody>
-          </p:sp>
-        </mc:Choice>
-        <mc:Fallback xmlns="">
-          <p:sp>
-            <p:nvSpPr>
-              <p:cNvPr id="42" name="TextBox 41"/>
-              <p:cNvSpPr txBox="1">
-                <a:spLocks noRot="1" noChangeAspect="1" noMove="1" noResize="1" noEditPoints="1" noAdjustHandles="1" noChangeArrowheads="1" noChangeShapeType="1" noTextEdit="1"/>
-              </p:cNvSpPr>
-              <p:nvPr/>
-            </p:nvSpPr>
-            <p:spPr>
-              <a:xfrm>
-                <a:off x="451408" y="118040"/>
-                <a:ext cx="779892" cy="276999"/>
-              </a:xfrm>
-              <a:prstGeom prst="rect">
-                <a:avLst/>
-              </a:prstGeom>
-              <a:blipFill>
-                <a:blip r:embed="rId3"/>
-                <a:stretch>
-                  <a:fillRect l="-10156" t="-2174" r="-10938" b="-32609"/>
-                </a:stretch>
-              </a:blipFill>
-            </p:spPr>
-            <p:txBody>
-              <a:bodyPr/>
-              <a:lstStyle/>
-              <a:p>
-                <a:r>
-                  <a:rPr lang="en-US">
-                    <a:noFill/>
-                  </a:rPr>
-                  <a:t> </a:t>
-                </a:r>
-              </a:p>
-            </p:txBody>
-          </p:sp>
-        </mc:Fallback>
-      </mc:AlternateContent>
-      <mc:AlternateContent xmlns:mc="http://schemas.openxmlformats.org/markup-compatibility/2006" xmlns:a14="http://schemas.microsoft.com/office/drawing/2010/main">
-        <mc:Choice Requires="a14">
-          <p:sp>
-            <p:nvSpPr>
-              <p:cNvPr id="43" name="TextBox 42"/>
-              <p:cNvSpPr txBox="1"/>
-              <p:nvPr/>
-            </p:nvSpPr>
-            <p:spPr>
-              <a:xfrm>
-                <a:off x="451408" y="645089"/>
-                <a:ext cx="790536" cy="276999"/>
-              </a:xfrm>
-              <a:prstGeom prst="rect">
-                <a:avLst/>
-              </a:prstGeom>
-              <a:noFill/>
-            </p:spPr>
-            <p:txBody>
-              <a:bodyPr wrap="none" lIns="0" tIns="0" rIns="0" bIns="0" rtlCol="0">
-                <a:spAutoFit/>
-              </a:bodyPr>
-              <a:lstStyle/>
-              <a:p>
-                <a:pPr/>
-                <a14:m>
-                  <m:oMathPara xmlns:m="http://schemas.openxmlformats.org/officeDocument/2006/math">
-                    <m:oMathParaPr>
-                      <m:jc m:val="centerGroup"/>
-                    </m:oMathParaPr>
-                    <m:oMath xmlns:m="http://schemas.openxmlformats.org/officeDocument/2006/math">
-                      <m:r>
-                        <a:rPr lang="en-US" b="0" i="1" smtClean="0">
-                          <a:latin typeface="Cambria Math" panose="02040503050406030204" pitchFamily="18" charset="0"/>
-                        </a:rPr>
-                        <m:t>(</m:t>
-                      </m:r>
-                      <m:sSub>
-                        <m:sSubPr>
-                          <m:ctrlPr>
-                            <a:rPr lang="en-US" b="0" i="1" smtClean="0">
-                              <a:latin typeface="Cambria Math" panose="02040503050406030204" pitchFamily="18" charset="0"/>
-                            </a:rPr>
-                          </m:ctrlPr>
-                        </m:sSubPr>
-                        <m:e>
-                          <m:r>
-                            <a:rPr lang="en-US" b="0" i="1" smtClean="0">
-                              <a:latin typeface="Cambria Math" panose="02040503050406030204" pitchFamily="18" charset="0"/>
-                            </a:rPr>
-                            <m:t>𝑥</m:t>
-                          </m:r>
-                        </m:e>
-                        <m:sub>
-                          <m:r>
-                            <a:rPr lang="en-US" b="0" i="1" smtClean="0">
-                              <a:latin typeface="Cambria Math" panose="02040503050406030204" pitchFamily="18" charset="0"/>
-                            </a:rPr>
-                            <m:t>2</m:t>
-                          </m:r>
-                        </m:sub>
-                      </m:sSub>
-                      <m:r>
-                        <a:rPr lang="en-US" b="0" i="1" smtClean="0">
-                          <a:latin typeface="Cambria Math" panose="02040503050406030204" pitchFamily="18" charset="0"/>
-                        </a:rPr>
-                        <m:t>,</m:t>
-                      </m:r>
-                      <m:sSub>
-                        <m:sSubPr>
-                          <m:ctrlPr>
-                            <a:rPr lang="en-US" b="0" i="1" smtClean="0">
-                              <a:latin typeface="Cambria Math" panose="02040503050406030204" pitchFamily="18" charset="0"/>
-                            </a:rPr>
-                          </m:ctrlPr>
-                        </m:sSubPr>
-                        <m:e>
-                          <m:r>
-                            <a:rPr lang="en-US" b="0" i="1" smtClean="0">
-                              <a:latin typeface="Cambria Math" panose="02040503050406030204" pitchFamily="18" charset="0"/>
-                            </a:rPr>
-                            <m:t>𝑦</m:t>
-                          </m:r>
-                        </m:e>
-                        <m:sub>
-                          <m:r>
-                            <a:rPr lang="en-US" b="0" i="1" smtClean="0">
-                              <a:latin typeface="Cambria Math" panose="02040503050406030204" pitchFamily="18" charset="0"/>
-                            </a:rPr>
-                            <m:t>2</m:t>
-                          </m:r>
-                        </m:sub>
-                      </m:sSub>
-                      <m:r>
-                        <a:rPr lang="en-US" b="0" i="1" smtClean="0">
-                          <a:latin typeface="Cambria Math" panose="02040503050406030204" pitchFamily="18" charset="0"/>
-                        </a:rPr>
-                        <m:t>)</m:t>
-                      </m:r>
-                    </m:oMath>
-                  </m:oMathPara>
-                </a14:m>
-                <a:endParaRPr lang="en-US" dirty="0"/>
-              </a:p>
-            </p:txBody>
-          </p:sp>
-        </mc:Choice>
-        <mc:Fallback xmlns="">
-          <p:sp>
-            <p:nvSpPr>
-              <p:cNvPr id="43" name="TextBox 42"/>
-              <p:cNvSpPr txBox="1">
-                <a:spLocks noRot="1" noChangeAspect="1" noMove="1" noResize="1" noEditPoints="1" noAdjustHandles="1" noChangeArrowheads="1" noChangeShapeType="1" noTextEdit="1"/>
-              </p:cNvSpPr>
-              <p:nvPr/>
-            </p:nvSpPr>
-            <p:spPr>
-              <a:xfrm>
-                <a:off x="451408" y="645089"/>
-                <a:ext cx="790536" cy="276999"/>
-              </a:xfrm>
-              <a:prstGeom prst="rect">
-                <a:avLst/>
-              </a:prstGeom>
-              <a:blipFill>
-                <a:blip r:embed="rId4"/>
-                <a:stretch>
-                  <a:fillRect l="-10000" t="-2222" r="-10769" b="-35556"/>
-                </a:stretch>
-              </a:blipFill>
-            </p:spPr>
-            <p:txBody>
-              <a:bodyPr/>
-              <a:lstStyle/>
-              <a:p>
-                <a:r>
-                  <a:rPr lang="en-US">
-                    <a:noFill/>
-                  </a:rPr>
-                  <a:t> </a:t>
-                </a:r>
-              </a:p>
-            </p:txBody>
-          </p:sp>
-        </mc:Fallback>
-      </mc:AlternateContent>
-      <mc:AlternateContent xmlns:mc="http://schemas.openxmlformats.org/markup-compatibility/2006" xmlns:a14="http://schemas.microsoft.com/office/drawing/2010/main">
-        <mc:Choice Requires="a14">
-          <p:sp>
-            <p:nvSpPr>
-              <p:cNvPr id="44" name="TextBox 43"/>
-              <p:cNvSpPr txBox="1"/>
-              <p:nvPr/>
-            </p:nvSpPr>
-            <p:spPr>
-              <a:xfrm>
-                <a:off x="2816082" y="3505763"/>
-                <a:ext cx="804644" cy="276999"/>
-              </a:xfrm>
-              <a:prstGeom prst="rect">
-                <a:avLst/>
-              </a:prstGeom>
-              <a:noFill/>
-            </p:spPr>
-            <p:txBody>
-              <a:bodyPr wrap="none" lIns="0" tIns="0" rIns="0" bIns="0" rtlCol="0">
-                <a:spAutoFit/>
-              </a:bodyPr>
-              <a:lstStyle/>
-              <a:p>
-                <a:pPr/>
-                <a14:m>
-                  <m:oMathPara xmlns:m="http://schemas.openxmlformats.org/officeDocument/2006/math">
-                    <m:oMathParaPr>
-                      <m:jc m:val="centerGroup"/>
-                    </m:oMathParaPr>
-                    <m:oMath xmlns:m="http://schemas.openxmlformats.org/officeDocument/2006/math">
-                      <m:r>
-                        <a:rPr lang="en-US" b="0" i="1" smtClean="0">
-                          <a:latin typeface="Cambria Math" panose="02040503050406030204" pitchFamily="18" charset="0"/>
-                        </a:rPr>
-                        <m:t>(</m:t>
-                      </m:r>
-                      <m:sSub>
-                        <m:sSubPr>
-                          <m:ctrlPr>
-                            <a:rPr lang="en-US" b="0" i="1" smtClean="0">
-                              <a:latin typeface="Cambria Math" panose="02040503050406030204" pitchFamily="18" charset="0"/>
-                            </a:rPr>
-                          </m:ctrlPr>
-                        </m:sSubPr>
-                        <m:e>
-                          <m:r>
-                            <a:rPr lang="en-US" b="0" i="1" smtClean="0">
-                              <a:latin typeface="Cambria Math" panose="02040503050406030204" pitchFamily="18" charset="0"/>
-                            </a:rPr>
-                            <m:t>𝑥</m:t>
-                          </m:r>
-                        </m:e>
-                        <m:sub>
-                          <m:r>
-                            <a:rPr lang="en-US" b="0" i="1" smtClean="0">
-                              <a:latin typeface="Cambria Math" panose="02040503050406030204" pitchFamily="18" charset="0"/>
-                            </a:rPr>
-                            <m:t>𝑛</m:t>
-                          </m:r>
-                        </m:sub>
-                      </m:sSub>
-                      <m:r>
-                        <a:rPr lang="en-US" b="0" i="1" smtClean="0">
-                          <a:latin typeface="Cambria Math" panose="02040503050406030204" pitchFamily="18" charset="0"/>
-                        </a:rPr>
-                        <m:t>,</m:t>
-                      </m:r>
-                      <m:sSub>
-                        <m:sSubPr>
-                          <m:ctrlPr>
-                            <a:rPr lang="en-US" b="0" i="1" smtClean="0">
-                              <a:latin typeface="Cambria Math" panose="02040503050406030204" pitchFamily="18" charset="0"/>
-                            </a:rPr>
-                          </m:ctrlPr>
-                        </m:sSubPr>
-                        <m:e>
-                          <m:r>
-                            <a:rPr lang="en-US" b="0" i="1" smtClean="0">
-                              <a:latin typeface="Cambria Math" panose="02040503050406030204" pitchFamily="18" charset="0"/>
-                            </a:rPr>
-                            <m:t>𝑦</m:t>
-                          </m:r>
-                        </m:e>
-                        <m:sub>
-                          <m:r>
-                            <a:rPr lang="en-US" b="0" i="1" smtClean="0">
-                              <a:latin typeface="Cambria Math" panose="02040503050406030204" pitchFamily="18" charset="0"/>
-                            </a:rPr>
-                            <m:t>𝑛</m:t>
-                          </m:r>
-                        </m:sub>
-                      </m:sSub>
-                      <m:r>
-                        <a:rPr lang="en-US" b="0" i="1" smtClean="0">
-                          <a:latin typeface="Cambria Math" panose="02040503050406030204" pitchFamily="18" charset="0"/>
-                        </a:rPr>
-                        <m:t>)</m:t>
-                      </m:r>
-                    </m:oMath>
-                  </m:oMathPara>
-                </a14:m>
-                <a:endParaRPr lang="en-US" dirty="0"/>
-              </a:p>
-            </p:txBody>
-          </p:sp>
-        </mc:Choice>
-        <mc:Fallback xmlns="">
-          <p:sp>
-            <p:nvSpPr>
-              <p:cNvPr id="44" name="TextBox 43"/>
-              <p:cNvSpPr txBox="1">
-                <a:spLocks noRot="1" noChangeAspect="1" noMove="1" noResize="1" noEditPoints="1" noAdjustHandles="1" noChangeArrowheads="1" noChangeShapeType="1" noTextEdit="1"/>
-              </p:cNvSpPr>
-              <p:nvPr/>
-            </p:nvSpPr>
-            <p:spPr>
-              <a:xfrm>
-                <a:off x="2816082" y="3505763"/>
-                <a:ext cx="804644" cy="276999"/>
-              </a:xfrm>
-              <a:prstGeom prst="rect">
-                <a:avLst/>
-              </a:prstGeom>
-              <a:blipFill>
-                <a:blip r:embed="rId5"/>
-                <a:stretch>
-                  <a:fillRect l="-9848" t="-2174" r="-10606" b="-32609"/>
-                </a:stretch>
-              </a:blipFill>
-            </p:spPr>
-            <p:txBody>
-              <a:bodyPr/>
-              <a:lstStyle/>
-              <a:p>
-                <a:r>
-                  <a:rPr lang="en-US">
-                    <a:noFill/>
-                  </a:rPr>
-                  <a:t> </a:t>
-                </a:r>
-              </a:p>
-            </p:txBody>
-          </p:sp>
-        </mc:Fallback>
-      </mc:AlternateContent>
-      <p:sp>
-        <p:nvSpPr>
-          <p:cNvPr id="45" name="Rectangle 44"/>
-          <p:cNvSpPr/>
-          <p:nvPr/>
-        </p:nvSpPr>
-        <p:spPr>
-          <a:xfrm>
-            <a:off x="4802230" y="169883"/>
-            <a:ext cx="241959" cy="241959"/>
-          </a:xfrm>
-          <a:prstGeom prst="rect">
-            <a:avLst/>
-          </a:prstGeom>
-          <a:noFill/>
-          <a:ln>
-            <a:solidFill>
-              <a:srgbClr val="FF0000"/>
-            </a:solidFill>
-            <a:prstDash val="sysDot"/>
-          </a:ln>
-        </p:spPr>
-        <p:style>
-          <a:lnRef idx="2">
-            <a:schemeClr val="accent1">
-              <a:shade val="50000"/>
-            </a:schemeClr>
-          </a:lnRef>
-          <a:fillRef idx="1">
-            <a:schemeClr val="accent1"/>
-          </a:fillRef>
-          <a:effectRef idx="0">
-            <a:schemeClr val="accent1"/>
-          </a:effectRef>
-          <a:fontRef idx="minor">
-            <a:schemeClr val="lt1"/>
-          </a:fontRef>
-        </p:style>
-        <p:txBody>
-          <a:bodyPr rtlCol="0" anchor="ctr"/>
-          <a:lstStyle/>
-          <a:p>
-            <a:pPr algn="ctr"/>
-            <a:endParaRPr lang="en-US"/>
-          </a:p>
-        </p:txBody>
-      </p:sp>
-      <p:sp>
-        <p:nvSpPr>
-          <p:cNvPr id="46" name="Rectangle 45"/>
-          <p:cNvSpPr/>
-          <p:nvPr/>
-        </p:nvSpPr>
-        <p:spPr>
-          <a:xfrm>
-            <a:off x="4827527" y="644862"/>
-            <a:ext cx="241959" cy="241959"/>
-          </a:xfrm>
-          <a:prstGeom prst="rect">
-            <a:avLst/>
-          </a:prstGeom>
-          <a:noFill/>
-          <a:ln>
-            <a:solidFill>
-              <a:srgbClr val="FF0000"/>
-            </a:solidFill>
-            <a:prstDash val="sysDot"/>
-          </a:ln>
-        </p:spPr>
-        <p:style>
-          <a:lnRef idx="2">
-            <a:schemeClr val="accent1">
-              <a:shade val="50000"/>
-            </a:schemeClr>
-          </a:lnRef>
-          <a:fillRef idx="1">
-            <a:schemeClr val="accent1"/>
-          </a:fillRef>
-          <a:effectRef idx="0">
-            <a:schemeClr val="accent1"/>
-          </a:effectRef>
-          <a:fontRef idx="minor">
-            <a:schemeClr val="lt1"/>
-          </a:fontRef>
-        </p:style>
-        <p:txBody>
-          <a:bodyPr rtlCol="0" anchor="ctr"/>
-          <a:lstStyle/>
-          <a:p>
-            <a:pPr algn="ctr"/>
-            <a:endParaRPr lang="en-US"/>
-          </a:p>
-        </p:txBody>
-      </p:sp>
-      <p:sp>
-        <p:nvSpPr>
-          <p:cNvPr id="47" name="Rectangle 46"/>
-          <p:cNvSpPr/>
-          <p:nvPr/>
-        </p:nvSpPr>
-        <p:spPr>
-          <a:xfrm>
-            <a:off x="4864851" y="1112993"/>
-            <a:ext cx="241959" cy="241959"/>
-          </a:xfrm>
-          <a:prstGeom prst="rect">
-            <a:avLst/>
-          </a:prstGeom>
-          <a:noFill/>
-          <a:ln>
-            <a:solidFill>
-              <a:srgbClr val="FF0000"/>
-            </a:solidFill>
-            <a:prstDash val="sysDot"/>
-          </a:ln>
-        </p:spPr>
-        <p:style>
-          <a:lnRef idx="2">
-            <a:schemeClr val="accent1">
-              <a:shade val="50000"/>
-            </a:schemeClr>
-          </a:lnRef>
-          <a:fillRef idx="1">
-            <a:schemeClr val="accent1"/>
-          </a:fillRef>
-          <a:effectRef idx="0">
-            <a:schemeClr val="accent1"/>
-          </a:effectRef>
-          <a:fontRef idx="minor">
-            <a:schemeClr val="lt1"/>
-          </a:fontRef>
-        </p:style>
-        <p:txBody>
-          <a:bodyPr rtlCol="0" anchor="ctr"/>
-          <a:lstStyle/>
-          <a:p>
-            <a:pPr algn="ctr"/>
-            <a:endParaRPr lang="en-US"/>
-          </a:p>
-        </p:txBody>
-      </p:sp>
-      <p:sp>
-        <p:nvSpPr>
-          <p:cNvPr id="48" name="Rectangle 47"/>
-          <p:cNvSpPr/>
-          <p:nvPr/>
-        </p:nvSpPr>
-        <p:spPr>
-          <a:xfrm>
-            <a:off x="5205219" y="1780209"/>
-            <a:ext cx="241959" cy="241959"/>
-          </a:xfrm>
-          <a:prstGeom prst="rect">
-            <a:avLst/>
-          </a:prstGeom>
-          <a:noFill/>
-          <a:ln>
-            <a:solidFill>
-              <a:srgbClr val="FF0000"/>
-            </a:solidFill>
-            <a:prstDash val="sysDot"/>
-          </a:ln>
-        </p:spPr>
-        <p:style>
-          <a:lnRef idx="2">
-            <a:schemeClr val="accent1">
-              <a:shade val="50000"/>
-            </a:schemeClr>
-          </a:lnRef>
-          <a:fillRef idx="1">
-            <a:schemeClr val="accent1"/>
-          </a:fillRef>
-          <a:effectRef idx="0">
-            <a:schemeClr val="accent1"/>
-          </a:effectRef>
-          <a:fontRef idx="minor">
-            <a:schemeClr val="lt1"/>
-          </a:fontRef>
-        </p:style>
-        <p:txBody>
-          <a:bodyPr rtlCol="0" anchor="ctr"/>
-          <a:lstStyle/>
-          <a:p>
-            <a:pPr algn="ctr"/>
-            <a:endParaRPr lang="en-US"/>
-          </a:p>
-        </p:txBody>
-      </p:sp>
-      <p:sp>
-        <p:nvSpPr>
-          <p:cNvPr id="49" name="Rectangle 48"/>
-          <p:cNvSpPr/>
-          <p:nvPr/>
-        </p:nvSpPr>
-        <p:spPr>
-          <a:xfrm>
-            <a:off x="5898850" y="2144574"/>
-            <a:ext cx="241959" cy="241959"/>
-          </a:xfrm>
-          <a:prstGeom prst="rect">
-            <a:avLst/>
-          </a:prstGeom>
-          <a:noFill/>
-          <a:ln>
-            <a:solidFill>
-              <a:srgbClr val="FF0000"/>
-            </a:solidFill>
-            <a:prstDash val="sysDot"/>
-          </a:ln>
-        </p:spPr>
-        <p:style>
-          <a:lnRef idx="2">
-            <a:schemeClr val="accent1">
-              <a:shade val="50000"/>
-            </a:schemeClr>
-          </a:lnRef>
-          <a:fillRef idx="1">
-            <a:schemeClr val="accent1"/>
-          </a:fillRef>
-          <a:effectRef idx="0">
-            <a:schemeClr val="accent1"/>
-          </a:effectRef>
-          <a:fontRef idx="minor">
-            <a:schemeClr val="lt1"/>
-          </a:fontRef>
-        </p:style>
-        <p:txBody>
-          <a:bodyPr rtlCol="0" anchor="ctr"/>
-          <a:lstStyle/>
-          <a:p>
-            <a:pPr algn="ctr"/>
-            <a:endParaRPr lang="en-US"/>
-          </a:p>
-        </p:txBody>
-      </p:sp>
-      <p:sp>
-        <p:nvSpPr>
-          <p:cNvPr id="50" name="Rectangle 49"/>
-          <p:cNvSpPr/>
-          <p:nvPr/>
-        </p:nvSpPr>
-        <p:spPr>
-          <a:xfrm>
-            <a:off x="6695287" y="2334577"/>
-            <a:ext cx="241959" cy="241959"/>
-          </a:xfrm>
-          <a:prstGeom prst="rect">
-            <a:avLst/>
-          </a:prstGeom>
-          <a:noFill/>
-          <a:ln>
-            <a:solidFill>
-              <a:srgbClr val="FF0000"/>
-            </a:solidFill>
-            <a:prstDash val="sysDot"/>
-          </a:ln>
-        </p:spPr>
-        <p:style>
-          <a:lnRef idx="2">
-            <a:schemeClr val="accent1">
-              <a:shade val="50000"/>
-            </a:schemeClr>
-          </a:lnRef>
-          <a:fillRef idx="1">
-            <a:schemeClr val="accent1"/>
-          </a:fillRef>
-          <a:effectRef idx="0">
-            <a:schemeClr val="accent1"/>
-          </a:effectRef>
-          <a:fontRef idx="minor">
-            <a:schemeClr val="lt1"/>
-          </a:fontRef>
-        </p:style>
-        <p:txBody>
-          <a:bodyPr rtlCol="0" anchor="ctr"/>
-          <a:lstStyle/>
-          <a:p>
-            <a:pPr algn="ctr"/>
-            <a:endParaRPr lang="en-US"/>
-          </a:p>
-        </p:txBody>
-      </p:sp>
-      <p:sp>
-        <p:nvSpPr>
-          <p:cNvPr id="51" name="Rectangle 50"/>
-          <p:cNvSpPr/>
-          <p:nvPr/>
-        </p:nvSpPr>
-        <p:spPr>
-          <a:xfrm>
-            <a:off x="7405937" y="2522728"/>
-            <a:ext cx="241959" cy="241959"/>
-          </a:xfrm>
-          <a:prstGeom prst="rect">
-            <a:avLst/>
-          </a:prstGeom>
-          <a:noFill/>
-          <a:ln>
-            <a:solidFill>
-              <a:srgbClr val="FF0000"/>
-            </a:solidFill>
-            <a:prstDash val="sysDot"/>
-          </a:ln>
-        </p:spPr>
-        <p:style>
-          <a:lnRef idx="2">
-            <a:schemeClr val="accent1">
-              <a:shade val="50000"/>
-            </a:schemeClr>
-          </a:lnRef>
-          <a:fillRef idx="1">
-            <a:schemeClr val="accent1"/>
-          </a:fillRef>
-          <a:effectRef idx="0">
-            <a:schemeClr val="accent1"/>
-          </a:effectRef>
-          <a:fontRef idx="minor">
-            <a:schemeClr val="lt1"/>
-          </a:fontRef>
-        </p:style>
-        <p:txBody>
-          <a:bodyPr rtlCol="0" anchor="ctr"/>
-          <a:lstStyle/>
-          <a:p>
-            <a:pPr algn="ctr"/>
-            <a:endParaRPr lang="en-US"/>
-          </a:p>
-        </p:txBody>
-      </p:sp>
-      <p:sp>
-        <p:nvSpPr>
-          <p:cNvPr id="54" name="Rectangle 53"/>
-          <p:cNvSpPr/>
-          <p:nvPr/>
-        </p:nvSpPr>
-        <p:spPr>
-          <a:xfrm>
-            <a:off x="8176381" y="2932732"/>
-            <a:ext cx="241959" cy="241959"/>
-          </a:xfrm>
-          <a:prstGeom prst="rect">
-            <a:avLst/>
-          </a:prstGeom>
-          <a:noFill/>
-          <a:ln>
-            <a:solidFill>
-              <a:srgbClr val="FF0000"/>
-            </a:solidFill>
-            <a:prstDash val="sysDot"/>
-          </a:ln>
-        </p:spPr>
-        <p:style>
-          <a:lnRef idx="2">
-            <a:schemeClr val="accent1">
-              <a:shade val="50000"/>
-            </a:schemeClr>
-          </a:lnRef>
-          <a:fillRef idx="1">
-            <a:schemeClr val="accent1"/>
-          </a:fillRef>
-          <a:effectRef idx="0">
-            <a:schemeClr val="accent1"/>
-          </a:effectRef>
-          <a:fontRef idx="minor">
-            <a:schemeClr val="lt1"/>
-          </a:fontRef>
-        </p:style>
-        <p:txBody>
-          <a:bodyPr rtlCol="0" anchor="ctr"/>
-          <a:lstStyle/>
-          <a:p>
-            <a:pPr algn="ctr"/>
-            <a:endParaRPr lang="en-US"/>
-          </a:p>
-        </p:txBody>
-      </p:sp>
-      <p:sp>
-        <p:nvSpPr>
-          <p:cNvPr id="55" name="Rectangle 54"/>
-          <p:cNvSpPr/>
-          <p:nvPr/>
-        </p:nvSpPr>
-        <p:spPr>
-          <a:xfrm>
-            <a:off x="8381890" y="3505763"/>
-            <a:ext cx="241959" cy="241959"/>
-          </a:xfrm>
-          <a:prstGeom prst="rect">
-            <a:avLst/>
-          </a:prstGeom>
-          <a:noFill/>
-          <a:ln>
-            <a:solidFill>
-              <a:srgbClr val="FF0000"/>
-            </a:solidFill>
-            <a:prstDash val="sysDot"/>
-          </a:ln>
-        </p:spPr>
-        <p:style>
-          <a:lnRef idx="2">
-            <a:schemeClr val="accent1">
-              <a:shade val="50000"/>
-            </a:schemeClr>
-          </a:lnRef>
-          <a:fillRef idx="1">
-            <a:schemeClr val="accent1"/>
-          </a:fillRef>
-          <a:effectRef idx="0">
-            <a:schemeClr val="accent1"/>
-          </a:effectRef>
-          <a:fontRef idx="minor">
-            <a:schemeClr val="lt1"/>
-          </a:fontRef>
-        </p:style>
-        <p:txBody>
-          <a:bodyPr rtlCol="0" anchor="ctr"/>
-          <a:lstStyle/>
-          <a:p>
-            <a:pPr algn="ctr"/>
-            <a:endParaRPr lang="en-US"/>
-          </a:p>
-        </p:txBody>
-      </p:sp>
-      <mc:AlternateContent xmlns:mc="http://schemas.openxmlformats.org/markup-compatibility/2006" xmlns:a14="http://schemas.microsoft.com/office/drawing/2010/main">
-        <mc:Choice Requires="a14">
-          <p:sp>
-            <p:nvSpPr>
-              <p:cNvPr id="56" name="TextBox 55"/>
-              <p:cNvSpPr txBox="1"/>
-              <p:nvPr/>
-            </p:nvSpPr>
-            <p:spPr>
-              <a:xfrm>
-                <a:off x="5153783" y="169883"/>
-                <a:ext cx="779892" cy="276999"/>
-              </a:xfrm>
-              <a:prstGeom prst="rect">
-                <a:avLst/>
-              </a:prstGeom>
-              <a:noFill/>
-            </p:spPr>
-            <p:txBody>
-              <a:bodyPr wrap="none" lIns="0" tIns="0" rIns="0" bIns="0" rtlCol="0">
-                <a:spAutoFit/>
-              </a:bodyPr>
-              <a:lstStyle/>
-              <a:p>
-                <a:pPr/>
-                <a14:m>
-                  <m:oMathPara xmlns:m="http://schemas.openxmlformats.org/officeDocument/2006/math">
-                    <m:oMathParaPr>
-                      <m:jc m:val="centerGroup"/>
-                    </m:oMathParaPr>
-                    <m:oMath xmlns:m="http://schemas.openxmlformats.org/officeDocument/2006/math">
-                      <m:r>
-                        <a:rPr lang="en-US" b="0" i="1" smtClean="0">
-                          <a:latin typeface="Cambria Math" panose="02040503050406030204" pitchFamily="18" charset="0"/>
-                        </a:rPr>
-                        <m:t>(</m:t>
-                      </m:r>
-                      <m:sSub>
-                        <m:sSubPr>
-                          <m:ctrlPr>
-                            <a:rPr lang="en-US" b="0" i="1" smtClean="0">
-                              <a:latin typeface="Cambria Math" panose="02040503050406030204" pitchFamily="18" charset="0"/>
-                            </a:rPr>
-                          </m:ctrlPr>
-                        </m:sSubPr>
-                        <m:e>
-                          <m:r>
-                            <a:rPr lang="en-US" b="0" i="1" smtClean="0">
-                              <a:latin typeface="Cambria Math" panose="02040503050406030204" pitchFamily="18" charset="0"/>
-                            </a:rPr>
-                            <m:t>𝑥</m:t>
-                          </m:r>
-                        </m:e>
-                        <m:sub>
-                          <m:r>
-                            <a:rPr lang="en-US" b="0" i="1" smtClean="0">
-                              <a:latin typeface="Cambria Math" panose="02040503050406030204" pitchFamily="18" charset="0"/>
-                            </a:rPr>
-                            <m:t>1</m:t>
-                          </m:r>
-                        </m:sub>
-                      </m:sSub>
-                      <m:r>
-                        <a:rPr lang="en-US" b="0" i="1" smtClean="0">
-                          <a:latin typeface="Cambria Math" panose="02040503050406030204" pitchFamily="18" charset="0"/>
-                        </a:rPr>
-                        <m:t>,</m:t>
-                      </m:r>
-                      <m:sSub>
-                        <m:sSubPr>
-                          <m:ctrlPr>
-                            <a:rPr lang="en-US" b="0" i="1" smtClean="0">
-                              <a:latin typeface="Cambria Math" panose="02040503050406030204" pitchFamily="18" charset="0"/>
-                            </a:rPr>
-                          </m:ctrlPr>
-                        </m:sSubPr>
-                        <m:e>
-                          <m:r>
-                            <a:rPr lang="en-US" b="0" i="1" smtClean="0">
-                              <a:latin typeface="Cambria Math" panose="02040503050406030204" pitchFamily="18" charset="0"/>
-                            </a:rPr>
-                            <m:t>𝑦</m:t>
-                          </m:r>
-                        </m:e>
-                        <m:sub>
-                          <m:r>
-                            <a:rPr lang="en-US" b="0" i="1" smtClean="0">
-                              <a:latin typeface="Cambria Math" panose="02040503050406030204" pitchFamily="18" charset="0"/>
-                            </a:rPr>
-                            <m:t>1</m:t>
-                          </m:r>
-                        </m:sub>
-                      </m:sSub>
-                      <m:r>
-                        <a:rPr lang="en-US" b="0" i="1" smtClean="0">
-                          <a:latin typeface="Cambria Math" panose="02040503050406030204" pitchFamily="18" charset="0"/>
-                        </a:rPr>
-                        <m:t>)</m:t>
-                      </m:r>
-                    </m:oMath>
-                  </m:oMathPara>
-                </a14:m>
-                <a:endParaRPr lang="en-US" dirty="0"/>
-              </a:p>
-            </p:txBody>
-          </p:sp>
-        </mc:Choice>
-        <mc:Fallback xmlns="">
-          <p:sp>
-            <p:nvSpPr>
-              <p:cNvPr id="56" name="TextBox 55"/>
-              <p:cNvSpPr txBox="1">
-                <a:spLocks noRot="1" noChangeAspect="1" noMove="1" noResize="1" noEditPoints="1" noAdjustHandles="1" noChangeArrowheads="1" noChangeShapeType="1" noTextEdit="1"/>
-              </p:cNvSpPr>
-              <p:nvPr/>
-            </p:nvSpPr>
-            <p:spPr>
-              <a:xfrm>
-                <a:off x="5153783" y="169883"/>
-                <a:ext cx="779892" cy="276999"/>
-              </a:xfrm>
-              <a:prstGeom prst="rect">
-                <a:avLst/>
-              </a:prstGeom>
-              <a:blipFill>
-                <a:blip r:embed="rId6"/>
-                <a:stretch>
-                  <a:fillRect l="-10156" t="-2222" r="-10938" b="-35556"/>
-                </a:stretch>
-              </a:blipFill>
-            </p:spPr>
-            <p:txBody>
-              <a:bodyPr/>
-              <a:lstStyle/>
-              <a:p>
-                <a:r>
-                  <a:rPr lang="en-US">
-                    <a:noFill/>
-                  </a:rPr>
-                  <a:t> </a:t>
-                </a:r>
-              </a:p>
-            </p:txBody>
-          </p:sp>
-        </mc:Fallback>
-      </mc:AlternateContent>
-      <mc:AlternateContent xmlns:mc="http://schemas.openxmlformats.org/markup-compatibility/2006" xmlns:a14="http://schemas.microsoft.com/office/drawing/2010/main">
-        <mc:Choice Requires="a14">
-          <p:sp>
-            <p:nvSpPr>
-              <p:cNvPr id="57" name="TextBox 56"/>
-              <p:cNvSpPr txBox="1"/>
-              <p:nvPr/>
-            </p:nvSpPr>
-            <p:spPr>
-              <a:xfrm>
-                <a:off x="5180761" y="587940"/>
-                <a:ext cx="790536" cy="276999"/>
-              </a:xfrm>
-              <a:prstGeom prst="rect">
-                <a:avLst/>
-              </a:prstGeom>
-              <a:noFill/>
-            </p:spPr>
-            <p:txBody>
-              <a:bodyPr wrap="none" lIns="0" tIns="0" rIns="0" bIns="0" rtlCol="0">
-                <a:spAutoFit/>
-              </a:bodyPr>
-              <a:lstStyle/>
-              <a:p>
-                <a:pPr/>
-                <a14:m>
-                  <m:oMathPara xmlns:m="http://schemas.openxmlformats.org/officeDocument/2006/math">
-                    <m:oMathParaPr>
-                      <m:jc m:val="centerGroup"/>
-                    </m:oMathParaPr>
-                    <m:oMath xmlns:m="http://schemas.openxmlformats.org/officeDocument/2006/math">
-                      <m:r>
-                        <a:rPr lang="en-US" b="0" i="1" smtClean="0">
-                          <a:latin typeface="Cambria Math" panose="02040503050406030204" pitchFamily="18" charset="0"/>
-                        </a:rPr>
-                        <m:t>(</m:t>
-                      </m:r>
-                      <m:sSub>
-                        <m:sSubPr>
-                          <m:ctrlPr>
-                            <a:rPr lang="en-US" b="0" i="1" smtClean="0">
-                              <a:latin typeface="Cambria Math" panose="02040503050406030204" pitchFamily="18" charset="0"/>
-                            </a:rPr>
-                          </m:ctrlPr>
-                        </m:sSubPr>
-                        <m:e>
-                          <m:r>
-                            <a:rPr lang="en-US" b="0" i="1" smtClean="0">
-                              <a:latin typeface="Cambria Math" panose="02040503050406030204" pitchFamily="18" charset="0"/>
-                            </a:rPr>
-                            <m:t>𝑥</m:t>
-                          </m:r>
-                        </m:e>
-                        <m:sub>
-                          <m:r>
-                            <a:rPr lang="en-US" b="0" i="1" smtClean="0">
-                              <a:latin typeface="Cambria Math" panose="02040503050406030204" pitchFamily="18" charset="0"/>
-                            </a:rPr>
-                            <m:t>2</m:t>
-                          </m:r>
-                        </m:sub>
-                      </m:sSub>
-                      <m:r>
-                        <a:rPr lang="en-US" b="0" i="1" smtClean="0">
-                          <a:latin typeface="Cambria Math" panose="02040503050406030204" pitchFamily="18" charset="0"/>
-                        </a:rPr>
-                        <m:t>,</m:t>
-                      </m:r>
-                      <m:sSub>
-                        <m:sSubPr>
-                          <m:ctrlPr>
-                            <a:rPr lang="en-US" b="0" i="1" smtClean="0">
-                              <a:latin typeface="Cambria Math" panose="02040503050406030204" pitchFamily="18" charset="0"/>
-                            </a:rPr>
-                          </m:ctrlPr>
-                        </m:sSubPr>
-                        <m:e>
-                          <m:r>
-                            <a:rPr lang="en-US" b="0" i="1" smtClean="0">
-                              <a:latin typeface="Cambria Math" panose="02040503050406030204" pitchFamily="18" charset="0"/>
-                            </a:rPr>
-                            <m:t>𝑦</m:t>
-                          </m:r>
-                        </m:e>
-                        <m:sub>
-                          <m:r>
-                            <a:rPr lang="en-US" b="0" i="1" smtClean="0">
-                              <a:latin typeface="Cambria Math" panose="02040503050406030204" pitchFamily="18" charset="0"/>
-                            </a:rPr>
-                            <m:t>2</m:t>
-                          </m:r>
-                        </m:sub>
-                      </m:sSub>
-                      <m:r>
-                        <a:rPr lang="en-US" b="0" i="1" smtClean="0">
-                          <a:latin typeface="Cambria Math" panose="02040503050406030204" pitchFamily="18" charset="0"/>
-                        </a:rPr>
-                        <m:t>)</m:t>
-                      </m:r>
-                    </m:oMath>
-                  </m:oMathPara>
-                </a14:m>
-                <a:endParaRPr lang="en-US" dirty="0"/>
-              </a:p>
-            </p:txBody>
-          </p:sp>
-        </mc:Choice>
-        <mc:Fallback xmlns="">
-          <p:sp>
-            <p:nvSpPr>
-              <p:cNvPr id="57" name="TextBox 56"/>
-              <p:cNvSpPr txBox="1">
-                <a:spLocks noRot="1" noChangeAspect="1" noMove="1" noResize="1" noEditPoints="1" noAdjustHandles="1" noChangeArrowheads="1" noChangeShapeType="1" noTextEdit="1"/>
-              </p:cNvSpPr>
-              <p:nvPr/>
-            </p:nvSpPr>
-            <p:spPr>
-              <a:xfrm>
-                <a:off x="5180761" y="587940"/>
-                <a:ext cx="790536" cy="276999"/>
-              </a:xfrm>
-              <a:prstGeom prst="rect">
-                <a:avLst/>
-              </a:prstGeom>
-              <a:blipFill>
-                <a:blip r:embed="rId7"/>
-                <a:stretch>
-                  <a:fillRect l="-10000" t="-2174" r="-10769" b="-32609"/>
-                </a:stretch>
-              </a:blipFill>
-            </p:spPr>
-            <p:txBody>
-              <a:bodyPr/>
-              <a:lstStyle/>
-              <a:p>
-                <a:r>
-                  <a:rPr lang="en-US">
-                    <a:noFill/>
-                  </a:rPr>
-                  <a:t> </a:t>
-                </a:r>
-              </a:p>
-            </p:txBody>
-          </p:sp>
-        </mc:Fallback>
-      </mc:AlternateContent>
-      <mc:AlternateContent xmlns:mc="http://schemas.openxmlformats.org/markup-compatibility/2006" xmlns:a14="http://schemas.microsoft.com/office/drawing/2010/main">
-        <mc:Choice Requires="a14">
-          <p:sp>
-            <p:nvSpPr>
-              <p:cNvPr id="58" name="TextBox 57"/>
-              <p:cNvSpPr txBox="1"/>
-              <p:nvPr/>
-            </p:nvSpPr>
-            <p:spPr>
-              <a:xfrm>
-                <a:off x="7418016" y="3488242"/>
-                <a:ext cx="804644" cy="276999"/>
-              </a:xfrm>
-              <a:prstGeom prst="rect">
-                <a:avLst/>
-              </a:prstGeom>
-              <a:noFill/>
-            </p:spPr>
-            <p:txBody>
-              <a:bodyPr wrap="none" lIns="0" tIns="0" rIns="0" bIns="0" rtlCol="0">
-                <a:spAutoFit/>
-              </a:bodyPr>
-              <a:lstStyle/>
-              <a:p>
-                <a:pPr/>
-                <a14:m>
-                  <m:oMathPara xmlns:m="http://schemas.openxmlformats.org/officeDocument/2006/math">
-                    <m:oMathParaPr>
-                      <m:jc m:val="centerGroup"/>
-                    </m:oMathParaPr>
-                    <m:oMath xmlns:m="http://schemas.openxmlformats.org/officeDocument/2006/math">
-                      <m:r>
-                        <a:rPr lang="en-US" b="0" i="1" smtClean="0">
-                          <a:latin typeface="Cambria Math" panose="02040503050406030204" pitchFamily="18" charset="0"/>
-                        </a:rPr>
-                        <m:t>(</m:t>
-                      </m:r>
-                      <m:sSub>
-                        <m:sSubPr>
-                          <m:ctrlPr>
-                            <a:rPr lang="en-US" b="0" i="1" smtClean="0">
-                              <a:latin typeface="Cambria Math" panose="02040503050406030204" pitchFamily="18" charset="0"/>
-                            </a:rPr>
-                          </m:ctrlPr>
-                        </m:sSubPr>
-                        <m:e>
-                          <m:r>
-                            <a:rPr lang="en-US" b="0" i="1" smtClean="0">
-                              <a:latin typeface="Cambria Math" panose="02040503050406030204" pitchFamily="18" charset="0"/>
-                            </a:rPr>
-                            <m:t>𝑥</m:t>
-                          </m:r>
-                        </m:e>
-                        <m:sub>
-                          <m:r>
-                            <a:rPr lang="en-US" b="0" i="1" smtClean="0">
-                              <a:latin typeface="Cambria Math" panose="02040503050406030204" pitchFamily="18" charset="0"/>
-                            </a:rPr>
-                            <m:t>𝑛</m:t>
-                          </m:r>
-                        </m:sub>
-                      </m:sSub>
-                      <m:r>
-                        <a:rPr lang="en-US" b="0" i="1" smtClean="0">
-                          <a:latin typeface="Cambria Math" panose="02040503050406030204" pitchFamily="18" charset="0"/>
-                        </a:rPr>
-                        <m:t>,</m:t>
-                      </m:r>
-                      <m:sSub>
-                        <m:sSubPr>
-                          <m:ctrlPr>
-                            <a:rPr lang="en-US" b="0" i="1" smtClean="0">
-                              <a:latin typeface="Cambria Math" panose="02040503050406030204" pitchFamily="18" charset="0"/>
-                            </a:rPr>
-                          </m:ctrlPr>
-                        </m:sSubPr>
-                        <m:e>
-                          <m:r>
-                            <a:rPr lang="en-US" b="0" i="1" smtClean="0">
-                              <a:latin typeface="Cambria Math" panose="02040503050406030204" pitchFamily="18" charset="0"/>
-                            </a:rPr>
-                            <m:t>𝑦</m:t>
-                          </m:r>
-                        </m:e>
-                        <m:sub>
-                          <m:r>
-                            <a:rPr lang="en-US" b="0" i="1" smtClean="0">
-                              <a:latin typeface="Cambria Math" panose="02040503050406030204" pitchFamily="18" charset="0"/>
-                            </a:rPr>
-                            <m:t>𝑛</m:t>
-                          </m:r>
-                        </m:sub>
-                      </m:sSub>
-                      <m:r>
-                        <a:rPr lang="en-US" b="0" i="1" smtClean="0">
-                          <a:latin typeface="Cambria Math" panose="02040503050406030204" pitchFamily="18" charset="0"/>
-                        </a:rPr>
-                        <m:t>)</m:t>
-                      </m:r>
-                    </m:oMath>
-                  </m:oMathPara>
-                </a14:m>
-                <a:endParaRPr lang="en-US" dirty="0"/>
-              </a:p>
-            </p:txBody>
-          </p:sp>
-        </mc:Choice>
-        <mc:Fallback xmlns="">
-          <p:sp>
-            <p:nvSpPr>
-              <p:cNvPr id="58" name="TextBox 57"/>
-              <p:cNvSpPr txBox="1">
-                <a:spLocks noRot="1" noChangeAspect="1" noMove="1" noResize="1" noEditPoints="1" noAdjustHandles="1" noChangeArrowheads="1" noChangeShapeType="1" noTextEdit="1"/>
-              </p:cNvSpPr>
-              <p:nvPr/>
-            </p:nvSpPr>
-            <p:spPr>
-              <a:xfrm>
-                <a:off x="7418016" y="3488242"/>
-                <a:ext cx="804644" cy="276999"/>
-              </a:xfrm>
-              <a:prstGeom prst="rect">
-                <a:avLst/>
-              </a:prstGeom>
-              <a:blipFill>
-                <a:blip r:embed="rId8"/>
-                <a:stretch>
-                  <a:fillRect l="-9848" t="-2174" r="-10606" b="-32609"/>
-                </a:stretch>
-              </a:blipFill>
-            </p:spPr>
-            <p:txBody>
-              <a:bodyPr/>
-              <a:lstStyle/>
-              <a:p>
-                <a:r>
-                  <a:rPr lang="en-US">
-                    <a:noFill/>
-                  </a:rPr>
-                  <a:t> </a:t>
-                </a:r>
-              </a:p>
-            </p:txBody>
-          </p:sp>
-        </mc:Fallback>
-      </mc:AlternateContent>
-      <p:sp>
-        <p:nvSpPr>
-          <p:cNvPr id="59" name="Rectangle 58"/>
-          <p:cNvSpPr/>
-          <p:nvPr/>
-        </p:nvSpPr>
-        <p:spPr>
-          <a:xfrm>
-            <a:off x="503196" y="4174882"/>
-            <a:ext cx="3178242" cy="461665"/>
-          </a:xfrm>
-          <a:prstGeom prst="rect">
-            <a:avLst/>
-          </a:prstGeom>
-        </p:spPr>
-        <p:txBody>
-          <a:bodyPr wrap="none">
-            <a:spAutoFit/>
-          </a:bodyPr>
-          <a:lstStyle/>
-          <a:p>
-            <a:r>
-              <a:rPr lang="en-US" sz="2400" dirty="0" smtClean="0"/>
-              <a:t>Bridge side mouse trace</a:t>
-            </a:r>
-            <a:endParaRPr lang="en-US" sz="2400" dirty="0"/>
-          </a:p>
-        </p:txBody>
-      </p:sp>
-      <p:sp>
-        <p:nvSpPr>
-          <p:cNvPr id="60" name="Rectangle 59"/>
-          <p:cNvSpPr/>
-          <p:nvPr/>
-        </p:nvSpPr>
-        <p:spPr>
-          <a:xfrm>
-            <a:off x="4484249" y="4174882"/>
-            <a:ext cx="4664034" cy="461665"/>
-          </a:xfrm>
-          <a:prstGeom prst="rect">
-            <a:avLst/>
-          </a:prstGeom>
-        </p:spPr>
-        <p:txBody>
-          <a:bodyPr wrap="none">
-            <a:spAutoFit/>
-          </a:bodyPr>
-          <a:lstStyle/>
-          <a:p>
-            <a:r>
-              <a:rPr lang="en-US" sz="2400" dirty="0" smtClean="0"/>
-              <a:t>Incoming frames + mouse detection</a:t>
-            </a:r>
-            <a:endParaRPr lang="en-US" sz="2400" dirty="0"/>
-          </a:p>
-        </p:txBody>
-      </p:sp>
-      <p:sp>
-        <p:nvSpPr>
-          <p:cNvPr id="62" name="Oval 61"/>
-          <p:cNvSpPr/>
-          <p:nvPr/>
-        </p:nvSpPr>
-        <p:spPr>
-          <a:xfrm>
-            <a:off x="7417" y="4081618"/>
-            <a:ext cx="202025" cy="198787"/>
-          </a:xfrm>
-          <a:prstGeom prst="ellipse">
-            <a:avLst/>
-          </a:prstGeom>
-          <a:ln w="19050"/>
-        </p:spPr>
-        <p:style>
-          <a:lnRef idx="2">
-            <a:schemeClr val="dk1"/>
-          </a:lnRef>
-          <a:fillRef idx="1">
-            <a:schemeClr val="lt1"/>
-          </a:fillRef>
-          <a:effectRef idx="0">
-            <a:schemeClr val="dk1"/>
-          </a:effectRef>
-          <a:fontRef idx="minor">
-            <a:schemeClr val="dk1"/>
-          </a:fontRef>
-        </p:style>
-        <p:txBody>
-          <a:bodyPr rtlCol="0" anchor="ctr"/>
-          <a:lstStyle/>
-          <a:p>
-            <a:pPr algn="ctr"/>
-            <a:r>
-              <a:rPr lang="en-US" b="1" dirty="0"/>
-              <a:t>1</a:t>
-            </a:r>
-          </a:p>
-        </p:txBody>
-      </p:sp>
-      <p:sp>
-        <p:nvSpPr>
-          <p:cNvPr id="63" name="Oval 62"/>
-          <p:cNvSpPr/>
-          <p:nvPr/>
-        </p:nvSpPr>
-        <p:spPr>
-          <a:xfrm>
-            <a:off x="4546003" y="4075488"/>
-            <a:ext cx="202025" cy="198787"/>
-          </a:xfrm>
-          <a:prstGeom prst="ellipse">
-            <a:avLst/>
-          </a:prstGeom>
-          <a:ln w="19050"/>
-        </p:spPr>
-        <p:style>
-          <a:lnRef idx="2">
-            <a:schemeClr val="dk1"/>
-          </a:lnRef>
-          <a:fillRef idx="1">
-            <a:schemeClr val="lt1"/>
-          </a:fillRef>
-          <a:effectRef idx="0">
-            <a:schemeClr val="dk1"/>
-          </a:effectRef>
-          <a:fontRef idx="minor">
-            <a:schemeClr val="dk1"/>
-          </a:fontRef>
-        </p:style>
-        <p:txBody>
-          <a:bodyPr rtlCol="0" anchor="ctr"/>
-          <a:lstStyle/>
-          <a:p>
-            <a:pPr algn="ctr"/>
-            <a:r>
-              <a:rPr lang="en-US" b="1" dirty="0" smtClean="0"/>
-              <a:t>2</a:t>
-            </a:r>
-            <a:endParaRPr lang="en-US" b="1" dirty="0"/>
-          </a:p>
-        </p:txBody>
-      </p:sp>
-      <p:cxnSp>
-        <p:nvCxnSpPr>
-          <p:cNvPr id="3" name="Curved Connector 2"/>
-          <p:cNvCxnSpPr>
-            <a:stCxn id="42" idx="3"/>
-            <a:endCxn id="43" idx="3"/>
-          </p:cNvCxnSpPr>
-          <p:nvPr/>
-        </p:nvCxnSpPr>
-        <p:spPr>
-          <a:xfrm>
-            <a:off x="1231300" y="256540"/>
-            <a:ext cx="10644" cy="527049"/>
-          </a:xfrm>
-          <a:prstGeom prst="curvedConnector3">
-            <a:avLst>
-              <a:gd name="adj1" fmla="val 2537909"/>
-            </a:avLst>
-          </a:prstGeom>
-          <a:ln w="19050">
-            <a:solidFill>
-              <a:srgbClr val="FF0000"/>
-            </a:solidFill>
-            <a:headEnd type="none" w="med" len="med"/>
-            <a:tailEnd type="triangle" w="med" len="med"/>
-          </a:ln>
-        </p:spPr>
-        <p:style>
-          <a:lnRef idx="1">
-            <a:schemeClr val="accent6"/>
-          </a:lnRef>
-          <a:fillRef idx="0">
-            <a:schemeClr val="accent6"/>
-          </a:fillRef>
-          <a:effectRef idx="0">
-            <a:schemeClr val="accent6"/>
-          </a:effectRef>
-          <a:fontRef idx="minor">
-            <a:schemeClr val="tx1"/>
-          </a:fontRef>
-        </p:style>
-      </p:cxnSp>
-      <mc:AlternateContent xmlns:mc="http://schemas.openxmlformats.org/markup-compatibility/2006" xmlns:a14="http://schemas.microsoft.com/office/drawing/2010/main">
-        <mc:Choice Requires="a14">
-          <p:sp>
-            <p:nvSpPr>
-              <p:cNvPr id="64" name="TextBox 63"/>
-              <p:cNvSpPr txBox="1"/>
-              <p:nvPr/>
-            </p:nvSpPr>
-            <p:spPr>
-              <a:xfrm>
-                <a:off x="1600463" y="243278"/>
-                <a:ext cx="2354491" cy="547650"/>
-              </a:xfrm>
-              <a:prstGeom prst="rect">
-                <a:avLst/>
-              </a:prstGeom>
-              <a:noFill/>
-            </p:spPr>
-            <p:txBody>
-              <a:bodyPr wrap="square" lIns="0" tIns="0" rIns="0" bIns="0" rtlCol="0">
-                <a:spAutoFit/>
-              </a:bodyPr>
-              <a:lstStyle/>
-              <a:p>
-                <a:pPr/>
-                <a14:m>
-                  <m:oMathPara xmlns:m="http://schemas.openxmlformats.org/officeDocument/2006/math">
-                    <m:oMathParaPr>
-                      <m:jc m:val="centerGroup"/>
-                    </m:oMathParaPr>
-                    <m:oMath xmlns:m="http://schemas.openxmlformats.org/officeDocument/2006/math">
-                      <m:d>
-                        <m:dPr>
-                          <m:ctrlPr>
-                            <a:rPr lang="en-US" b="1" i="1" smtClean="0">
-                              <a:latin typeface="Cambria Math" panose="02040503050406030204" pitchFamily="18" charset="0"/>
-                            </a:rPr>
-                          </m:ctrlPr>
-                        </m:dPr>
-                        <m:e>
-                          <m:r>
-                            <a:rPr lang="en-US" b="1" i="0" smtClean="0">
-                              <a:latin typeface="Cambria Math" panose="02040503050406030204" pitchFamily="18" charset="0"/>
-                            </a:rPr>
-                            <m:t>𝚫</m:t>
-                          </m:r>
-                          <m:r>
-                            <a:rPr lang="en-US" b="1" i="1" smtClean="0">
-                              <a:latin typeface="Cambria Math" panose="02040503050406030204" pitchFamily="18" charset="0"/>
-                            </a:rPr>
-                            <m:t>𝒙</m:t>
-                          </m:r>
-                          <m:r>
-                            <a:rPr lang="en-US" b="1" i="1" smtClean="0">
-                              <a:latin typeface="Cambria Math" panose="02040503050406030204" pitchFamily="18" charset="0"/>
-                            </a:rPr>
-                            <m:t>, </m:t>
-                          </m:r>
-                          <m:r>
-                            <a:rPr lang="en-US" b="1" i="0" smtClean="0">
-                              <a:latin typeface="Cambria Math" panose="02040503050406030204" pitchFamily="18" charset="0"/>
-                            </a:rPr>
-                            <m:t>𝚫</m:t>
-                          </m:r>
-                          <m:r>
-                            <a:rPr lang="en-US" b="1" i="1" smtClean="0">
-                              <a:latin typeface="Cambria Math" panose="02040503050406030204" pitchFamily="18" charset="0"/>
-                            </a:rPr>
-                            <m:t>𝒚</m:t>
-                          </m:r>
-                        </m:e>
-                      </m:d>
-                      <m:r>
-                        <a:rPr lang="en-US" b="0" i="1" smtClean="0">
-                          <a:latin typeface="Cambria Math" panose="02040503050406030204" pitchFamily="18" charset="0"/>
-                        </a:rPr>
-                        <m:t>=(</m:t>
-                      </m:r>
-                      <m:sSub>
-                        <m:sSubPr>
-                          <m:ctrlPr>
-                            <a:rPr lang="en-US" b="0" i="1" smtClean="0">
-                              <a:latin typeface="Cambria Math" panose="02040503050406030204" pitchFamily="18" charset="0"/>
-                            </a:rPr>
-                          </m:ctrlPr>
-                        </m:sSubPr>
-                        <m:e>
-                          <m:r>
-                            <a:rPr lang="en-US" b="0" i="1" smtClean="0">
-                              <a:latin typeface="Cambria Math" panose="02040503050406030204" pitchFamily="18" charset="0"/>
-                            </a:rPr>
-                            <m:t>𝑥</m:t>
-                          </m:r>
-                        </m:e>
-                        <m:sub>
-                          <m:r>
-                            <a:rPr lang="en-US" b="0" i="1" smtClean="0">
-                              <a:latin typeface="Cambria Math" panose="02040503050406030204" pitchFamily="18" charset="0"/>
-                            </a:rPr>
-                            <m:t>𝑖</m:t>
-                          </m:r>
-                        </m:sub>
-                      </m:sSub>
-                      <m:r>
-                        <a:rPr lang="en-US" b="0" i="1" smtClean="0">
-                          <a:latin typeface="Cambria Math" panose="02040503050406030204" pitchFamily="18" charset="0"/>
-                        </a:rPr>
-                        <m:t>−</m:t>
-                      </m:r>
-                      <m:sSub>
-                        <m:sSubPr>
-                          <m:ctrlPr>
-                            <a:rPr lang="en-US" b="0" i="1" smtClean="0">
-                              <a:latin typeface="Cambria Math" panose="02040503050406030204" pitchFamily="18" charset="0"/>
-                            </a:rPr>
-                          </m:ctrlPr>
-                        </m:sSubPr>
-                        <m:e>
-                          <m:r>
-                            <a:rPr lang="en-US" b="0" i="1" smtClean="0">
-                              <a:latin typeface="Cambria Math" panose="02040503050406030204" pitchFamily="18" charset="0"/>
-                            </a:rPr>
-                            <m:t>𝑥</m:t>
-                          </m:r>
-                        </m:e>
-                        <m:sub>
-                          <m:r>
-                            <a:rPr lang="en-US" b="0" i="1" smtClean="0">
-                              <a:latin typeface="Cambria Math" panose="02040503050406030204" pitchFamily="18" charset="0"/>
-                            </a:rPr>
-                            <m:t>𝑖</m:t>
-                          </m:r>
-                          <m:r>
-                            <a:rPr lang="en-US" b="0" i="1" smtClean="0">
-                              <a:latin typeface="Cambria Math" panose="02040503050406030204" pitchFamily="18" charset="0"/>
-                            </a:rPr>
-                            <m:t>−1</m:t>
-                          </m:r>
-                        </m:sub>
-                      </m:sSub>
-                      <m:r>
-                        <a:rPr lang="en-US" b="0" i="1" smtClean="0">
-                          <a:latin typeface="Cambria Math" panose="02040503050406030204" pitchFamily="18" charset="0"/>
-                        </a:rPr>
-                        <m:t>, </m:t>
-                      </m:r>
-                      <m:sSub>
-                        <m:sSubPr>
-                          <m:ctrlPr>
-                            <a:rPr lang="en-US" b="0" i="1" smtClean="0">
-                              <a:latin typeface="Cambria Math" panose="02040503050406030204" pitchFamily="18" charset="0"/>
-                            </a:rPr>
-                          </m:ctrlPr>
-                        </m:sSubPr>
-                        <m:e>
-                          <m:r>
-                            <a:rPr lang="en-US" b="0" i="1" smtClean="0">
-                              <a:latin typeface="Cambria Math" panose="02040503050406030204" pitchFamily="18" charset="0"/>
-                            </a:rPr>
-                            <m:t>𝑦</m:t>
-                          </m:r>
-                        </m:e>
-                        <m:sub>
-                          <m:r>
-                            <a:rPr lang="en-US" b="0" i="1" smtClean="0">
-                              <a:latin typeface="Cambria Math" panose="02040503050406030204" pitchFamily="18" charset="0"/>
-                            </a:rPr>
-                            <m:t>𝑖</m:t>
-                          </m:r>
-                        </m:sub>
-                      </m:sSub>
-                      <m:r>
-                        <a:rPr lang="en-US" b="0" i="1" smtClean="0">
-                          <a:latin typeface="Cambria Math" panose="02040503050406030204" pitchFamily="18" charset="0"/>
-                        </a:rPr>
-                        <m:t>−</m:t>
-                      </m:r>
-                      <m:sSub>
-                        <m:sSubPr>
-                          <m:ctrlPr>
-                            <a:rPr lang="en-US" b="0" i="1" smtClean="0">
-                              <a:latin typeface="Cambria Math" panose="02040503050406030204" pitchFamily="18" charset="0"/>
-                            </a:rPr>
-                          </m:ctrlPr>
-                        </m:sSubPr>
-                        <m:e>
-                          <m:r>
-                            <a:rPr lang="en-US" b="0" i="1" smtClean="0">
-                              <a:latin typeface="Cambria Math" panose="02040503050406030204" pitchFamily="18" charset="0"/>
-                            </a:rPr>
-                            <m:t>𝑦</m:t>
-                          </m:r>
-                        </m:e>
-                        <m:sub>
-                          <m:r>
-                            <a:rPr lang="en-US" b="0" i="1" smtClean="0">
-                              <a:latin typeface="Cambria Math" panose="02040503050406030204" pitchFamily="18" charset="0"/>
-                            </a:rPr>
-                            <m:t>𝑖</m:t>
-                          </m:r>
-                          <m:r>
-                            <a:rPr lang="en-US" b="0" i="1" smtClean="0">
-                              <a:latin typeface="Cambria Math" panose="02040503050406030204" pitchFamily="18" charset="0"/>
-                            </a:rPr>
-                            <m:t>−1</m:t>
-                          </m:r>
-                        </m:sub>
-                      </m:sSub>
-                      <m:r>
-                        <a:rPr lang="en-US" b="0" i="1" smtClean="0">
-                          <a:latin typeface="Cambria Math" panose="02040503050406030204" pitchFamily="18" charset="0"/>
-                        </a:rPr>
-                        <m:t>)</m:t>
-                      </m:r>
-                    </m:oMath>
-                  </m:oMathPara>
-                </a14:m>
-                <a:endParaRPr lang="en-US" dirty="0"/>
-              </a:p>
-            </p:txBody>
-          </p:sp>
-        </mc:Choice>
-        <mc:Fallback xmlns="">
-          <p:sp>
-            <p:nvSpPr>
-              <p:cNvPr id="64" name="TextBox 63"/>
-              <p:cNvSpPr txBox="1">
-                <a:spLocks noRot="1" noChangeAspect="1" noMove="1" noResize="1" noEditPoints="1" noAdjustHandles="1" noChangeArrowheads="1" noChangeShapeType="1" noTextEdit="1"/>
-              </p:cNvSpPr>
-              <p:nvPr/>
-            </p:nvSpPr>
-            <p:spPr>
-              <a:xfrm>
-                <a:off x="1600463" y="243278"/>
-                <a:ext cx="2354491" cy="547650"/>
-              </a:xfrm>
-              <a:prstGeom prst="rect">
-                <a:avLst/>
-              </a:prstGeom>
-              <a:blipFill>
-                <a:blip r:embed="rId9"/>
-                <a:stretch>
-                  <a:fillRect l="-518" r="-3109" b="-16667"/>
-                </a:stretch>
-              </a:blipFill>
-            </p:spPr>
-            <p:txBody>
-              <a:bodyPr/>
-              <a:lstStyle/>
-              <a:p>
-                <a:r>
-                  <a:rPr lang="en-US">
-                    <a:noFill/>
-                  </a:rPr>
-                  <a:t> </a:t>
-                </a:r>
-              </a:p>
-            </p:txBody>
-          </p:sp>
-        </mc:Fallback>
-      </mc:AlternateContent>
-    </p:spTree>
-    <p:extLst>
-      <p:ext uri="{BB962C8B-B14F-4D97-AF65-F5344CB8AC3E}">
-        <p14:creationId xmlns:p14="http://schemas.microsoft.com/office/powerpoint/2010/main" val="469201392"/>
-      </p:ext>
-    </p:extLst>
-  </p:cSld>
-  <p:clrMapOvr>
-    <a:masterClrMapping/>
-  </p:clrMapOvr>
-</p:sld>
-</file>
-
 <file path=ppt/theme/theme1.xml><?xml version="1.0" encoding="utf-8"?>
 <a:theme xmlns:a="http://schemas.openxmlformats.org/drawingml/2006/main" name="Office Theme">
   <a:themeElements>

--- a/aritra/MouseTracking/images/systemDesign.pptx
+++ b/aritra/MouseTracking/images/systemDesign.pptx
@@ -264,7 +264,7 @@
           <a:p>
             <a:fld id="{AAB2D3D3-1E26-436C-8467-9F82561659A6}" type="datetimeFigureOut">
               <a:rPr lang="en-US" smtClean="0"/>
-              <a:t>4/15/2019</a:t>
+              <a:t>4/16/2019</a:t>
             </a:fld>
             <a:endParaRPr lang="en-US"/>
           </a:p>
@@ -434,7 +434,7 @@
           <a:p>
             <a:fld id="{AAB2D3D3-1E26-436C-8467-9F82561659A6}" type="datetimeFigureOut">
               <a:rPr lang="en-US" smtClean="0"/>
-              <a:t>4/15/2019</a:t>
+              <a:t>4/16/2019</a:t>
             </a:fld>
             <a:endParaRPr lang="en-US"/>
           </a:p>
@@ -614,7 +614,7 @@
           <a:p>
             <a:fld id="{AAB2D3D3-1E26-436C-8467-9F82561659A6}" type="datetimeFigureOut">
               <a:rPr lang="en-US" smtClean="0"/>
-              <a:t>4/15/2019</a:t>
+              <a:t>4/16/2019</a:t>
             </a:fld>
             <a:endParaRPr lang="en-US"/>
           </a:p>
@@ -784,7 +784,7 @@
           <a:p>
             <a:fld id="{AAB2D3D3-1E26-436C-8467-9F82561659A6}" type="datetimeFigureOut">
               <a:rPr lang="en-US" smtClean="0"/>
-              <a:t>4/15/2019</a:t>
+              <a:t>4/16/2019</a:t>
             </a:fld>
             <a:endParaRPr lang="en-US"/>
           </a:p>
@@ -1030,7 +1030,7 @@
           <a:p>
             <a:fld id="{AAB2D3D3-1E26-436C-8467-9F82561659A6}" type="datetimeFigureOut">
               <a:rPr lang="en-US" smtClean="0"/>
-              <a:t>4/15/2019</a:t>
+              <a:t>4/16/2019</a:t>
             </a:fld>
             <a:endParaRPr lang="en-US"/>
           </a:p>
@@ -1262,7 +1262,7 @@
           <a:p>
             <a:fld id="{AAB2D3D3-1E26-436C-8467-9F82561659A6}" type="datetimeFigureOut">
               <a:rPr lang="en-US" smtClean="0"/>
-              <a:t>4/15/2019</a:t>
+              <a:t>4/16/2019</a:t>
             </a:fld>
             <a:endParaRPr lang="en-US"/>
           </a:p>
@@ -1629,7 +1629,7 @@
           <a:p>
             <a:fld id="{AAB2D3D3-1E26-436C-8467-9F82561659A6}" type="datetimeFigureOut">
               <a:rPr lang="en-US" smtClean="0"/>
-              <a:t>4/15/2019</a:t>
+              <a:t>4/16/2019</a:t>
             </a:fld>
             <a:endParaRPr lang="en-US"/>
           </a:p>
@@ -1747,7 +1747,7 @@
           <a:p>
             <a:fld id="{AAB2D3D3-1E26-436C-8467-9F82561659A6}" type="datetimeFigureOut">
               <a:rPr lang="en-US" smtClean="0"/>
-              <a:t>4/15/2019</a:t>
+              <a:t>4/16/2019</a:t>
             </a:fld>
             <a:endParaRPr lang="en-US"/>
           </a:p>
@@ -1842,7 +1842,7 @@
           <a:p>
             <a:fld id="{AAB2D3D3-1E26-436C-8467-9F82561659A6}" type="datetimeFigureOut">
               <a:rPr lang="en-US" smtClean="0"/>
-              <a:t>4/15/2019</a:t>
+              <a:t>4/16/2019</a:t>
             </a:fld>
             <a:endParaRPr lang="en-US"/>
           </a:p>
@@ -2119,7 +2119,7 @@
           <a:p>
             <a:fld id="{AAB2D3D3-1E26-436C-8467-9F82561659A6}" type="datetimeFigureOut">
               <a:rPr lang="en-US" smtClean="0"/>
-              <a:t>4/15/2019</a:t>
+              <a:t>4/16/2019</a:t>
             </a:fld>
             <a:endParaRPr lang="en-US"/>
           </a:p>
@@ -2372,7 +2372,7 @@
           <a:p>
             <a:fld id="{AAB2D3D3-1E26-436C-8467-9F82561659A6}" type="datetimeFigureOut">
               <a:rPr lang="en-US" smtClean="0"/>
-              <a:t>4/15/2019</a:t>
+              <a:t>4/16/2019</a:t>
             </a:fld>
             <a:endParaRPr lang="en-US"/>
           </a:p>
@@ -2585,7 +2585,7 @@
           <a:p>
             <a:fld id="{AAB2D3D3-1E26-436C-8467-9F82561659A6}" type="datetimeFigureOut">
               <a:rPr lang="en-US" smtClean="0"/>
-              <a:t>4/15/2019</a:t>
+              <a:t>4/16/2019</a:t>
             </a:fld>
             <a:endParaRPr lang="en-US"/>
           </a:p>
@@ -24507,10 +24507,7 @@
               <a:avLst/>
             </a:prstGeom>
             <a:solidFill>
-              <a:schemeClr val="accent6">
-                <a:lumMod val="20000"/>
-                <a:lumOff val="80000"/>
-              </a:schemeClr>
+              <a:srgbClr val="B8DBA1"/>
             </a:solidFill>
             <a:ln>
               <a:solidFill>
@@ -24581,8 +24578,8 @@
         </p:nvSpPr>
         <p:spPr>
           <a:xfrm>
-            <a:off x="1289972" y="1623542"/>
-            <a:ext cx="855234" cy="369332"/>
+            <a:off x="1279488" y="1623542"/>
+            <a:ext cx="876202" cy="369332"/>
           </a:xfrm>
           <a:prstGeom prst="rect">
             <a:avLst/>
@@ -24595,10 +24592,10 @@
           <a:lstStyle/>
           <a:p>
             <a:r>
-              <a:rPr lang="en-US" dirty="0" smtClean="0"/>
+              <a:rPr lang="en-US" b="1" dirty="0" smtClean="0"/>
               <a:t>Display</a:t>
             </a:r>
-            <a:endParaRPr lang="en-US" dirty="0"/>
+            <a:endParaRPr lang="en-US" b="1" dirty="0"/>
           </a:p>
         </p:txBody>
       </p:sp>
@@ -24610,24 +24607,24 @@
         </p:nvSpPr>
         <p:spPr>
           <a:xfrm>
-            <a:off x="3435178" y="0"/>
-            <a:ext cx="897875" cy="369332"/>
+            <a:off x="3435178" y="-98848"/>
+            <a:ext cx="980278" cy="646331"/>
           </a:xfrm>
           <a:prstGeom prst="rect">
             <a:avLst/>
           </a:prstGeom>
         </p:spPr>
         <p:txBody>
-          <a:bodyPr wrap="none">
+          <a:bodyPr wrap="square">
             <a:spAutoFit/>
           </a:bodyPr>
           <a:lstStyle/>
           <a:p>
+            <a:pPr algn="ctr"/>
             <a:r>
               <a:rPr lang="en-US" dirty="0" smtClean="0"/>
-              <a:t>Overlay</a:t>
+              <a:t>Overlaid UI</a:t>
             </a:r>
-            <a:endParaRPr lang="en-US" dirty="0"/>
           </a:p>
         </p:txBody>
       </p:sp>
@@ -24642,8 +24639,8 @@
         </p:nvCxnSpPr>
         <p:spPr>
           <a:xfrm rot="5400000">
-            <a:off x="3358109" y="285765"/>
-            <a:ext cx="442440" cy="609575"/>
+            <a:off x="3467785" y="354239"/>
+            <a:ext cx="264289" cy="650776"/>
           </a:xfrm>
           <a:prstGeom prst="curvedConnector2">
             <a:avLst/>
@@ -24782,8 +24779,8 @@
         </p:nvCxnSpPr>
         <p:spPr>
           <a:xfrm rot="5400000">
-            <a:off x="3401970" y="946260"/>
-            <a:ext cx="65037" cy="899256"/>
+            <a:off x="3361540" y="905830"/>
+            <a:ext cx="145897" cy="899256"/>
           </a:xfrm>
           <a:prstGeom prst="curvedConnector2">
             <a:avLst/>

--- a/aritra/MouseTracking/images/systemDesign.pptx
+++ b/aritra/MouseTracking/images/systemDesign.pptx
@@ -17,16 +17,17 @@
     <p:sldId id="268" r:id="rId11"/>
     <p:sldId id="258" r:id="rId12"/>
     <p:sldId id="276" r:id="rId13"/>
-    <p:sldId id="275" r:id="rId14"/>
-    <p:sldId id="267" r:id="rId15"/>
-    <p:sldId id="259" r:id="rId16"/>
-    <p:sldId id="260" r:id="rId17"/>
-    <p:sldId id="261" r:id="rId18"/>
-    <p:sldId id="263" r:id="rId19"/>
-    <p:sldId id="265" r:id="rId20"/>
-    <p:sldId id="270" r:id="rId21"/>
-    <p:sldId id="269" r:id="rId22"/>
-    <p:sldId id="271" r:id="rId23"/>
+    <p:sldId id="278" r:id="rId14"/>
+    <p:sldId id="275" r:id="rId15"/>
+    <p:sldId id="267" r:id="rId16"/>
+    <p:sldId id="259" r:id="rId17"/>
+    <p:sldId id="260" r:id="rId18"/>
+    <p:sldId id="261" r:id="rId19"/>
+    <p:sldId id="263" r:id="rId20"/>
+    <p:sldId id="265" r:id="rId21"/>
+    <p:sldId id="270" r:id="rId22"/>
+    <p:sldId id="269" r:id="rId23"/>
+    <p:sldId id="271" r:id="rId24"/>
   </p:sldIdLst>
   <p:sldSz cx="12192000" cy="6858000"/>
   <p:notesSz cx="6858000" cy="9144000"/>
@@ -264,7 +265,7 @@
           <a:p>
             <a:fld id="{AAB2D3D3-1E26-436C-8467-9F82561659A6}" type="datetimeFigureOut">
               <a:rPr lang="en-US" smtClean="0"/>
-              <a:t>4/16/2019</a:t>
+              <a:t>4/17/2019</a:t>
             </a:fld>
             <a:endParaRPr lang="en-US"/>
           </a:p>
@@ -434,7 +435,7 @@
           <a:p>
             <a:fld id="{AAB2D3D3-1E26-436C-8467-9F82561659A6}" type="datetimeFigureOut">
               <a:rPr lang="en-US" smtClean="0"/>
-              <a:t>4/16/2019</a:t>
+              <a:t>4/17/2019</a:t>
             </a:fld>
             <a:endParaRPr lang="en-US"/>
           </a:p>
@@ -614,7 +615,7 @@
           <a:p>
             <a:fld id="{AAB2D3D3-1E26-436C-8467-9F82561659A6}" type="datetimeFigureOut">
               <a:rPr lang="en-US" smtClean="0"/>
-              <a:t>4/16/2019</a:t>
+              <a:t>4/17/2019</a:t>
             </a:fld>
             <a:endParaRPr lang="en-US"/>
           </a:p>
@@ -784,7 +785,7 @@
           <a:p>
             <a:fld id="{AAB2D3D3-1E26-436C-8467-9F82561659A6}" type="datetimeFigureOut">
               <a:rPr lang="en-US" smtClean="0"/>
-              <a:t>4/16/2019</a:t>
+              <a:t>4/17/2019</a:t>
             </a:fld>
             <a:endParaRPr lang="en-US"/>
           </a:p>
@@ -1030,7 +1031,7 @@
           <a:p>
             <a:fld id="{AAB2D3D3-1E26-436C-8467-9F82561659A6}" type="datetimeFigureOut">
               <a:rPr lang="en-US" smtClean="0"/>
-              <a:t>4/16/2019</a:t>
+              <a:t>4/17/2019</a:t>
             </a:fld>
             <a:endParaRPr lang="en-US"/>
           </a:p>
@@ -1262,7 +1263,7 @@
           <a:p>
             <a:fld id="{AAB2D3D3-1E26-436C-8467-9F82561659A6}" type="datetimeFigureOut">
               <a:rPr lang="en-US" smtClean="0"/>
-              <a:t>4/16/2019</a:t>
+              <a:t>4/17/2019</a:t>
             </a:fld>
             <a:endParaRPr lang="en-US"/>
           </a:p>
@@ -1629,7 +1630,7 @@
           <a:p>
             <a:fld id="{AAB2D3D3-1E26-436C-8467-9F82561659A6}" type="datetimeFigureOut">
               <a:rPr lang="en-US" smtClean="0"/>
-              <a:t>4/16/2019</a:t>
+              <a:t>4/17/2019</a:t>
             </a:fld>
             <a:endParaRPr lang="en-US"/>
           </a:p>
@@ -1747,7 +1748,7 @@
           <a:p>
             <a:fld id="{AAB2D3D3-1E26-436C-8467-9F82561659A6}" type="datetimeFigureOut">
               <a:rPr lang="en-US" smtClean="0"/>
-              <a:t>4/16/2019</a:t>
+              <a:t>4/17/2019</a:t>
             </a:fld>
             <a:endParaRPr lang="en-US"/>
           </a:p>
@@ -1842,7 +1843,7 @@
           <a:p>
             <a:fld id="{AAB2D3D3-1E26-436C-8467-9F82561659A6}" type="datetimeFigureOut">
               <a:rPr lang="en-US" smtClean="0"/>
-              <a:t>4/16/2019</a:t>
+              <a:t>4/17/2019</a:t>
             </a:fld>
             <a:endParaRPr lang="en-US"/>
           </a:p>
@@ -2119,7 +2120,7 @@
           <a:p>
             <a:fld id="{AAB2D3D3-1E26-436C-8467-9F82561659A6}" type="datetimeFigureOut">
               <a:rPr lang="en-US" smtClean="0"/>
-              <a:t>4/16/2019</a:t>
+              <a:t>4/17/2019</a:t>
             </a:fld>
             <a:endParaRPr lang="en-US"/>
           </a:p>
@@ -2372,7 +2373,7 @@
           <a:p>
             <a:fld id="{AAB2D3D3-1E26-436C-8467-9F82561659A6}" type="datetimeFigureOut">
               <a:rPr lang="en-US" smtClean="0"/>
-              <a:t>4/16/2019</a:t>
+              <a:t>4/17/2019</a:t>
             </a:fld>
             <a:endParaRPr lang="en-US"/>
           </a:p>
@@ -2585,7 +2586,7 @@
           <a:p>
             <a:fld id="{AAB2D3D3-1E26-436C-8467-9F82561659A6}" type="datetimeFigureOut">
               <a:rPr lang="en-US" smtClean="0"/>
-              <a:t>4/16/2019</a:t>
+              <a:t>4/17/2019</a:t>
             </a:fld>
             <a:endParaRPr lang="en-US"/>
           </a:p>
@@ -7326,6 +7327,832 @@
         </p:nvSpPr>
         <p:spPr>
           <a:xfrm>
+            <a:off x="21196" y="123568"/>
+            <a:ext cx="4273996" cy="1767016"/>
+          </a:xfrm>
+          <a:prstGeom prst="roundRect">
+            <a:avLst>
+              <a:gd name="adj" fmla="val 4686"/>
+            </a:avLst>
+          </a:prstGeom>
+          <a:solidFill>
+            <a:schemeClr val="bg1"/>
+          </a:solidFill>
+          <a:ln w="19050">
+            <a:solidFill>
+              <a:schemeClr val="tx1"/>
+            </a:solidFill>
+          </a:ln>
+        </p:spPr>
+        <p:style>
+          <a:lnRef idx="2">
+            <a:schemeClr val="accent1">
+              <a:shade val="50000"/>
+            </a:schemeClr>
+          </a:lnRef>
+          <a:fillRef idx="1">
+            <a:schemeClr val="accent1"/>
+          </a:fillRef>
+          <a:effectRef idx="0">
+            <a:schemeClr val="accent1"/>
+          </a:effectRef>
+          <a:fontRef idx="minor">
+            <a:schemeClr val="lt1"/>
+          </a:fontRef>
+        </p:style>
+        <p:txBody>
+          <a:bodyPr rtlCol="0" anchor="ctr"/>
+          <a:lstStyle/>
+          <a:p>
+            <a:pPr algn="ctr"/>
+            <a:endParaRPr lang="en-US"/>
+          </a:p>
+        </p:txBody>
+      </p:sp>
+      <p:sp>
+        <p:nvSpPr>
+          <p:cNvPr id="7" name="TextBox 6"/>
+          <p:cNvSpPr txBox="1"/>
+          <p:nvPr/>
+        </p:nvSpPr>
+        <p:spPr>
+          <a:xfrm>
+            <a:off x="113049" y="-75643"/>
+            <a:ext cx="1522468" cy="369332"/>
+          </a:xfrm>
+          <a:prstGeom prst="rect">
+            <a:avLst/>
+          </a:prstGeom>
+          <a:solidFill>
+            <a:schemeClr val="bg1"/>
+          </a:solidFill>
+        </p:spPr>
+        <p:txBody>
+          <a:bodyPr wrap="none" rtlCol="0">
+            <a:spAutoFit/>
+          </a:bodyPr>
+          <a:lstStyle/>
+          <a:p>
+            <a:r>
+              <a:rPr lang="en-US" dirty="0" smtClean="0"/>
+              <a:t>Sensitive form</a:t>
+            </a:r>
+            <a:endParaRPr lang="en-US" dirty="0"/>
+          </a:p>
+        </p:txBody>
+      </p:sp>
+      <p:sp>
+        <p:nvSpPr>
+          <p:cNvPr id="8" name="Rectangle 7"/>
+          <p:cNvSpPr/>
+          <p:nvPr/>
+        </p:nvSpPr>
+        <p:spPr>
+          <a:xfrm>
+            <a:off x="1680521" y="1408281"/>
+            <a:ext cx="819150" cy="411480"/>
+          </a:xfrm>
+          <a:prstGeom prst="rect">
+            <a:avLst/>
+          </a:prstGeom>
+          <a:solidFill>
+            <a:schemeClr val="bg2"/>
+          </a:solidFill>
+          <a:ln w="12700">
+            <a:solidFill>
+              <a:schemeClr val="tx1"/>
+            </a:solidFill>
+          </a:ln>
+        </p:spPr>
+        <p:style>
+          <a:lnRef idx="2">
+            <a:schemeClr val="accent1">
+              <a:shade val="50000"/>
+            </a:schemeClr>
+          </a:lnRef>
+          <a:fillRef idx="1">
+            <a:schemeClr val="accent1"/>
+          </a:fillRef>
+          <a:effectRef idx="0">
+            <a:schemeClr val="accent1"/>
+          </a:effectRef>
+          <a:fontRef idx="minor">
+            <a:schemeClr val="lt1"/>
+          </a:fontRef>
+        </p:style>
+        <p:txBody>
+          <a:bodyPr rtlCol="0" anchor="ctr"/>
+          <a:lstStyle/>
+          <a:p>
+            <a:pPr algn="ctr"/>
+            <a:r>
+              <a:rPr lang="en-US" b="1" dirty="0" smtClean="0">
+                <a:solidFill>
+                  <a:schemeClr val="tx1"/>
+                </a:solidFill>
+              </a:rPr>
+              <a:t>OK</a:t>
+            </a:r>
+            <a:endParaRPr lang="en-US" b="1" dirty="0">
+              <a:solidFill>
+                <a:schemeClr val="tx1"/>
+              </a:solidFill>
+            </a:endParaRPr>
+          </a:p>
+        </p:txBody>
+      </p:sp>
+      <p:sp>
+        <p:nvSpPr>
+          <p:cNvPr id="11" name="TextBox 10"/>
+          <p:cNvSpPr txBox="1"/>
+          <p:nvPr/>
+        </p:nvSpPr>
+        <p:spPr>
+          <a:xfrm>
+            <a:off x="15721" y="490143"/>
+            <a:ext cx="1583447" cy="369332"/>
+          </a:xfrm>
+          <a:prstGeom prst="rect">
+            <a:avLst/>
+          </a:prstGeom>
+          <a:noFill/>
+        </p:spPr>
+        <p:txBody>
+          <a:bodyPr wrap="none" rtlCol="0">
+            <a:spAutoFit/>
+          </a:bodyPr>
+          <a:lstStyle/>
+          <a:p>
+            <a:r>
+              <a:rPr lang="en-US" dirty="0" smtClean="0"/>
+              <a:t>Sensitive </a:t>
+            </a:r>
+            <a:r>
+              <a:rPr lang="en-US" dirty="0" smtClean="0"/>
+              <a:t>slider</a:t>
+            </a:r>
+            <a:endParaRPr lang="en-US" dirty="0"/>
+          </a:p>
+        </p:txBody>
+      </p:sp>
+      <p:sp>
+        <p:nvSpPr>
+          <p:cNvPr id="16" name="Rectangle 15"/>
+          <p:cNvSpPr/>
+          <p:nvPr/>
+        </p:nvSpPr>
+        <p:spPr>
+          <a:xfrm>
+            <a:off x="1584846" y="351543"/>
+            <a:ext cx="2675210" cy="643963"/>
+          </a:xfrm>
+          <a:prstGeom prst="rect">
+            <a:avLst/>
+          </a:prstGeom>
+          <a:noFill/>
+          <a:ln w="28575">
+            <a:solidFill>
+              <a:srgbClr val="FF0000"/>
+            </a:solidFill>
+            <a:prstDash val="solid"/>
+          </a:ln>
+        </p:spPr>
+        <p:style>
+          <a:lnRef idx="2">
+            <a:schemeClr val="accent1">
+              <a:shade val="50000"/>
+            </a:schemeClr>
+          </a:lnRef>
+          <a:fillRef idx="1">
+            <a:schemeClr val="accent1"/>
+          </a:fillRef>
+          <a:effectRef idx="0">
+            <a:schemeClr val="accent1"/>
+          </a:effectRef>
+          <a:fontRef idx="minor">
+            <a:schemeClr val="lt1"/>
+          </a:fontRef>
+        </p:style>
+        <p:txBody>
+          <a:bodyPr rtlCol="0" anchor="ctr"/>
+          <a:lstStyle/>
+          <a:p>
+            <a:pPr algn="ctr"/>
+            <a:endParaRPr lang="en-US"/>
+          </a:p>
+        </p:txBody>
+      </p:sp>
+      <p:sp>
+        <p:nvSpPr>
+          <p:cNvPr id="2" name="Rectangle 1"/>
+          <p:cNvSpPr/>
+          <p:nvPr/>
+        </p:nvSpPr>
+        <p:spPr>
+          <a:xfrm>
+            <a:off x="304775" y="756058"/>
+            <a:ext cx="989907" cy="646331"/>
+          </a:xfrm>
+          <a:prstGeom prst="rect">
+            <a:avLst/>
+          </a:prstGeom>
+        </p:spPr>
+        <p:txBody>
+          <a:bodyPr wrap="square">
+            <a:spAutoFit/>
+          </a:bodyPr>
+          <a:lstStyle/>
+          <a:p>
+            <a:r>
+              <a:rPr lang="en-US" dirty="0" smtClean="0">
+                <a:solidFill>
+                  <a:srgbClr val="FF0000"/>
+                </a:solidFill>
+              </a:rPr>
+              <a:t>Mouse pointer</a:t>
+            </a:r>
+            <a:endParaRPr lang="en-US" dirty="0">
+              <a:solidFill>
+                <a:srgbClr val="FF0000"/>
+              </a:solidFill>
+            </a:endParaRPr>
+          </a:p>
+        </p:txBody>
+      </p:sp>
+      <p:sp>
+        <p:nvSpPr>
+          <p:cNvPr id="17" name="Rectangle 16"/>
+          <p:cNvSpPr/>
+          <p:nvPr/>
+        </p:nvSpPr>
+        <p:spPr>
+          <a:xfrm>
+            <a:off x="1442098" y="1050021"/>
+            <a:ext cx="1295996" cy="369332"/>
+          </a:xfrm>
+          <a:prstGeom prst="rect">
+            <a:avLst/>
+          </a:prstGeom>
+        </p:spPr>
+        <p:txBody>
+          <a:bodyPr wrap="none">
+            <a:spAutoFit/>
+          </a:bodyPr>
+          <a:lstStyle/>
+          <a:p>
+            <a:r>
+              <a:rPr lang="en-US" dirty="0" smtClean="0">
+                <a:solidFill>
+                  <a:srgbClr val="FF0000"/>
+                </a:solidFill>
+              </a:rPr>
+              <a:t>UI snapshot</a:t>
+            </a:r>
+            <a:endParaRPr lang="en-US" dirty="0">
+              <a:solidFill>
+                <a:srgbClr val="FF0000"/>
+              </a:solidFill>
+            </a:endParaRPr>
+          </a:p>
+        </p:txBody>
+      </p:sp>
+      <p:sp>
+        <p:nvSpPr>
+          <p:cNvPr id="27" name="Rectangle 26"/>
+          <p:cNvSpPr/>
+          <p:nvPr/>
+        </p:nvSpPr>
+        <p:spPr>
+          <a:xfrm>
+            <a:off x="2954007" y="1408281"/>
+            <a:ext cx="819150" cy="411480"/>
+          </a:xfrm>
+          <a:prstGeom prst="rect">
+            <a:avLst/>
+          </a:prstGeom>
+          <a:solidFill>
+            <a:schemeClr val="bg2"/>
+          </a:solidFill>
+          <a:ln w="12700">
+            <a:solidFill>
+              <a:schemeClr val="tx1"/>
+            </a:solidFill>
+          </a:ln>
+        </p:spPr>
+        <p:style>
+          <a:lnRef idx="2">
+            <a:schemeClr val="accent1">
+              <a:shade val="50000"/>
+            </a:schemeClr>
+          </a:lnRef>
+          <a:fillRef idx="1">
+            <a:schemeClr val="accent1"/>
+          </a:fillRef>
+          <a:effectRef idx="0">
+            <a:schemeClr val="accent1"/>
+          </a:effectRef>
+          <a:fontRef idx="minor">
+            <a:schemeClr val="lt1"/>
+          </a:fontRef>
+        </p:style>
+        <p:txBody>
+          <a:bodyPr rtlCol="0" anchor="ctr"/>
+          <a:lstStyle/>
+          <a:p>
+            <a:pPr algn="ctr"/>
+            <a:r>
+              <a:rPr lang="en-US" b="1" dirty="0" smtClean="0">
+                <a:solidFill>
+                  <a:schemeClr val="tx1"/>
+                </a:solidFill>
+              </a:rPr>
+              <a:t>Cancel</a:t>
+            </a:r>
+            <a:endParaRPr lang="en-US" b="1" dirty="0">
+              <a:solidFill>
+                <a:schemeClr val="tx1"/>
+              </a:solidFill>
+            </a:endParaRPr>
+          </a:p>
+        </p:txBody>
+      </p:sp>
+      <p:cxnSp>
+        <p:nvCxnSpPr>
+          <p:cNvPr id="5" name="Straight Connector 4"/>
+          <p:cNvCxnSpPr/>
+          <p:nvPr/>
+        </p:nvCxnSpPr>
+        <p:spPr>
+          <a:xfrm>
+            <a:off x="1680521" y="674809"/>
+            <a:ext cx="1859692" cy="0"/>
+          </a:xfrm>
+          <a:prstGeom prst="line">
+            <a:avLst/>
+          </a:prstGeom>
+          <a:ln w="19050"/>
+        </p:spPr>
+        <p:style>
+          <a:lnRef idx="1">
+            <a:schemeClr val="dk1"/>
+          </a:lnRef>
+          <a:fillRef idx="0">
+            <a:schemeClr val="dk1"/>
+          </a:fillRef>
+          <a:effectRef idx="0">
+            <a:schemeClr val="dk1"/>
+          </a:effectRef>
+          <a:fontRef idx="minor">
+            <a:schemeClr val="tx1"/>
+          </a:fontRef>
+        </p:style>
+      </p:cxnSp>
+      <p:sp>
+        <p:nvSpPr>
+          <p:cNvPr id="9" name="Oval 8"/>
+          <p:cNvSpPr/>
+          <p:nvPr/>
+        </p:nvSpPr>
+        <p:spPr>
+          <a:xfrm>
+            <a:off x="2134375" y="574282"/>
+            <a:ext cx="201053" cy="201053"/>
+          </a:xfrm>
+          <a:prstGeom prst="ellipse">
+            <a:avLst/>
+          </a:prstGeom>
+        </p:spPr>
+        <p:style>
+          <a:lnRef idx="2">
+            <a:schemeClr val="accent1">
+              <a:shade val="50000"/>
+            </a:schemeClr>
+          </a:lnRef>
+          <a:fillRef idx="1">
+            <a:schemeClr val="accent1"/>
+          </a:fillRef>
+          <a:effectRef idx="0">
+            <a:schemeClr val="accent1"/>
+          </a:effectRef>
+          <a:fontRef idx="minor">
+            <a:schemeClr val="lt1"/>
+          </a:fontRef>
+        </p:style>
+        <p:txBody>
+          <a:bodyPr rtlCol="0" anchor="ctr"/>
+          <a:lstStyle/>
+          <a:p>
+            <a:pPr algn="ctr"/>
+            <a:endParaRPr lang="en-US"/>
+          </a:p>
+        </p:txBody>
+      </p:sp>
+      <p:sp>
+        <p:nvSpPr>
+          <p:cNvPr id="19" name="Rectangle 18"/>
+          <p:cNvSpPr/>
+          <p:nvPr/>
+        </p:nvSpPr>
+        <p:spPr>
+          <a:xfrm>
+            <a:off x="1529678" y="256843"/>
+            <a:ext cx="301686" cy="369332"/>
+          </a:xfrm>
+          <a:prstGeom prst="rect">
+            <a:avLst/>
+          </a:prstGeom>
+        </p:spPr>
+        <p:txBody>
+          <a:bodyPr wrap="none">
+            <a:spAutoFit/>
+          </a:bodyPr>
+          <a:lstStyle/>
+          <a:p>
+            <a:r>
+              <a:rPr lang="en-US" dirty="0" smtClean="0"/>
+              <a:t>0</a:t>
+            </a:r>
+            <a:endParaRPr lang="en-US" dirty="0"/>
+          </a:p>
+        </p:txBody>
+      </p:sp>
+      <p:sp>
+        <p:nvSpPr>
+          <p:cNvPr id="22" name="Rectangle 21"/>
+          <p:cNvSpPr/>
+          <p:nvPr/>
+        </p:nvSpPr>
+        <p:spPr>
+          <a:xfrm>
+            <a:off x="3240251" y="256843"/>
+            <a:ext cx="535724" cy="369332"/>
+          </a:xfrm>
+          <a:prstGeom prst="rect">
+            <a:avLst/>
+          </a:prstGeom>
+        </p:spPr>
+        <p:txBody>
+          <a:bodyPr wrap="none">
+            <a:spAutoFit/>
+          </a:bodyPr>
+          <a:lstStyle/>
+          <a:p>
+            <a:r>
+              <a:rPr lang="en-US" dirty="0" smtClean="0"/>
+              <a:t>100</a:t>
+            </a:r>
+            <a:endParaRPr lang="en-US" dirty="0"/>
+          </a:p>
+        </p:txBody>
+      </p:sp>
+      <p:sp>
+        <p:nvSpPr>
+          <p:cNvPr id="23" name="Rectangle 22"/>
+          <p:cNvSpPr/>
+          <p:nvPr/>
+        </p:nvSpPr>
+        <p:spPr>
+          <a:xfrm>
+            <a:off x="3751263" y="466704"/>
+            <a:ext cx="437238" cy="369332"/>
+          </a:xfrm>
+          <a:prstGeom prst="rect">
+            <a:avLst/>
+          </a:prstGeom>
+          <a:ln>
+            <a:solidFill>
+              <a:schemeClr val="tx1"/>
+            </a:solidFill>
+          </a:ln>
+        </p:spPr>
+        <p:txBody>
+          <a:bodyPr wrap="square">
+            <a:spAutoFit/>
+          </a:bodyPr>
+          <a:lstStyle/>
+          <a:p>
+            <a:r>
+              <a:rPr lang="en-US" dirty="0" smtClean="0"/>
+              <a:t>35</a:t>
+            </a:r>
+            <a:endParaRPr lang="en-US" dirty="0"/>
+          </a:p>
+        </p:txBody>
+      </p:sp>
+      <p:pic>
+        <p:nvPicPr>
+          <p:cNvPr id="14" name="Picture 13"/>
+          <p:cNvPicPr>
+            <a:picLocks noChangeAspect="1"/>
+          </p:cNvPicPr>
+          <p:nvPr/>
+        </p:nvPicPr>
+        <p:blipFill>
+          <a:blip r:embed="rId2" cstate="print">
+            <a:extLst>
+              <a:ext uri="{28A0092B-C50C-407E-A947-70E740481C1C}">
+                <a14:useLocalDpi xmlns:a14="http://schemas.microsoft.com/office/drawing/2010/main" val="0"/>
+              </a:ext>
+            </a:extLst>
+          </a:blip>
+          <a:stretch>
+            <a:fillRect/>
+          </a:stretch>
+        </p:blipFill>
+        <p:spPr>
+          <a:xfrm>
+            <a:off x="2217457" y="649601"/>
+            <a:ext cx="172311" cy="172311"/>
+          </a:xfrm>
+          <a:prstGeom prst="rect">
+            <a:avLst/>
+          </a:prstGeom>
+        </p:spPr>
+      </p:pic>
+      <p:sp>
+        <p:nvSpPr>
+          <p:cNvPr id="15" name="Rectangle 14"/>
+          <p:cNvSpPr/>
+          <p:nvPr/>
+        </p:nvSpPr>
+        <p:spPr>
+          <a:xfrm>
+            <a:off x="2182632" y="611501"/>
+            <a:ext cx="241959" cy="241959"/>
+          </a:xfrm>
+          <a:prstGeom prst="rect">
+            <a:avLst/>
+          </a:prstGeom>
+          <a:noFill/>
+          <a:ln w="28575">
+            <a:solidFill>
+              <a:srgbClr val="FF0000"/>
+            </a:solidFill>
+            <a:prstDash val="solid"/>
+          </a:ln>
+        </p:spPr>
+        <p:style>
+          <a:lnRef idx="2">
+            <a:schemeClr val="accent1">
+              <a:shade val="50000"/>
+            </a:schemeClr>
+          </a:lnRef>
+          <a:fillRef idx="1">
+            <a:schemeClr val="accent1"/>
+          </a:fillRef>
+          <a:effectRef idx="0">
+            <a:schemeClr val="accent1"/>
+          </a:effectRef>
+          <a:fontRef idx="minor">
+            <a:schemeClr val="lt1"/>
+          </a:fontRef>
+        </p:style>
+        <p:txBody>
+          <a:bodyPr rtlCol="0" anchor="ctr"/>
+          <a:lstStyle/>
+          <a:p>
+            <a:pPr algn="ctr"/>
+            <a:endParaRPr lang="en-US"/>
+          </a:p>
+        </p:txBody>
+      </p:sp>
+      <p:cxnSp>
+        <p:nvCxnSpPr>
+          <p:cNvPr id="37" name="Curved Connector 36"/>
+          <p:cNvCxnSpPr>
+            <a:endCxn id="15" idx="1"/>
+          </p:cNvCxnSpPr>
+          <p:nvPr/>
+        </p:nvCxnSpPr>
+        <p:spPr>
+          <a:xfrm flipV="1">
+            <a:off x="1088402" y="732481"/>
+            <a:ext cx="1094230" cy="353837"/>
+          </a:xfrm>
+          <a:prstGeom prst="curvedConnector3">
+            <a:avLst>
+              <a:gd name="adj1" fmla="val 50000"/>
+            </a:avLst>
+          </a:prstGeom>
+          <a:ln w="19050">
+            <a:solidFill>
+              <a:srgbClr val="FF0000"/>
+            </a:solidFill>
+            <a:headEnd type="none" w="med" len="med"/>
+            <a:tailEnd type="arrow" w="med" len="med"/>
+          </a:ln>
+        </p:spPr>
+        <p:style>
+          <a:lnRef idx="1">
+            <a:schemeClr val="accent1"/>
+          </a:lnRef>
+          <a:fillRef idx="0">
+            <a:schemeClr val="accent1"/>
+          </a:fillRef>
+          <a:effectRef idx="0">
+            <a:schemeClr val="accent1"/>
+          </a:effectRef>
+          <a:fontRef idx="minor">
+            <a:schemeClr val="tx1"/>
+          </a:fontRef>
+        </p:style>
+      </p:cxnSp>
+      <p:sp>
+        <p:nvSpPr>
+          <p:cNvPr id="42" name="Rectangle 41"/>
+          <p:cNvSpPr/>
+          <p:nvPr/>
+        </p:nvSpPr>
+        <p:spPr>
+          <a:xfrm>
+            <a:off x="3726294" y="437468"/>
+            <a:ext cx="490899" cy="436451"/>
+          </a:xfrm>
+          <a:prstGeom prst="rect">
+            <a:avLst/>
+          </a:prstGeom>
+          <a:noFill/>
+          <a:ln w="28575">
+            <a:solidFill>
+              <a:srgbClr val="FF0000"/>
+            </a:solidFill>
+            <a:prstDash val="solid"/>
+          </a:ln>
+        </p:spPr>
+        <p:style>
+          <a:lnRef idx="2">
+            <a:schemeClr val="accent1">
+              <a:shade val="50000"/>
+            </a:schemeClr>
+          </a:lnRef>
+          <a:fillRef idx="1">
+            <a:schemeClr val="accent1"/>
+          </a:fillRef>
+          <a:effectRef idx="0">
+            <a:schemeClr val="accent1"/>
+          </a:effectRef>
+          <a:fontRef idx="minor">
+            <a:schemeClr val="lt1"/>
+          </a:fontRef>
+        </p:style>
+        <p:txBody>
+          <a:bodyPr rtlCol="0" anchor="ctr"/>
+          <a:lstStyle/>
+          <a:p>
+            <a:pPr algn="ctr"/>
+            <a:endParaRPr lang="en-US"/>
+          </a:p>
+        </p:txBody>
+      </p:sp>
+      <p:sp>
+        <p:nvSpPr>
+          <p:cNvPr id="46" name="Rectangle 45"/>
+          <p:cNvSpPr/>
+          <p:nvPr/>
+        </p:nvSpPr>
+        <p:spPr>
+          <a:xfrm>
+            <a:off x="2745058" y="1064145"/>
+            <a:ext cx="1623842" cy="369332"/>
+          </a:xfrm>
+          <a:prstGeom prst="rect">
+            <a:avLst/>
+          </a:prstGeom>
+        </p:spPr>
+        <p:txBody>
+          <a:bodyPr wrap="none">
+            <a:spAutoFit/>
+          </a:bodyPr>
+          <a:lstStyle/>
+          <a:p>
+            <a:r>
+              <a:rPr lang="en-US" dirty="0" smtClean="0">
+                <a:solidFill>
+                  <a:srgbClr val="FF0000"/>
+                </a:solidFill>
+              </a:rPr>
+              <a:t>Extracted value</a:t>
+            </a:r>
+            <a:endParaRPr lang="en-US" dirty="0">
+              <a:solidFill>
+                <a:srgbClr val="FF0000"/>
+              </a:solidFill>
+            </a:endParaRPr>
+          </a:p>
+        </p:txBody>
+      </p:sp>
+      <p:cxnSp>
+        <p:nvCxnSpPr>
+          <p:cNvPr id="53" name="Straight Arrow Connector 52"/>
+          <p:cNvCxnSpPr/>
+          <p:nvPr/>
+        </p:nvCxnSpPr>
+        <p:spPr>
+          <a:xfrm flipV="1">
+            <a:off x="2182632" y="995507"/>
+            <a:ext cx="0" cy="166543"/>
+          </a:xfrm>
+          <a:prstGeom prst="straightConnector1">
+            <a:avLst/>
+          </a:prstGeom>
+          <a:ln w="19050">
+            <a:solidFill>
+              <a:srgbClr val="FF0000"/>
+            </a:solidFill>
+            <a:headEnd type="none" w="med" len="med"/>
+            <a:tailEnd type="arrow" w="med" len="med"/>
+          </a:ln>
+        </p:spPr>
+        <p:style>
+          <a:lnRef idx="1">
+            <a:schemeClr val="accent1"/>
+          </a:lnRef>
+          <a:fillRef idx="0">
+            <a:schemeClr val="accent1"/>
+          </a:fillRef>
+          <a:effectRef idx="0">
+            <a:schemeClr val="accent1"/>
+          </a:effectRef>
+          <a:fontRef idx="minor">
+            <a:schemeClr val="tx1"/>
+          </a:fontRef>
+        </p:style>
+      </p:cxnSp>
+      <p:cxnSp>
+        <p:nvCxnSpPr>
+          <p:cNvPr id="58" name="Straight Arrow Connector 57"/>
+          <p:cNvCxnSpPr/>
+          <p:nvPr/>
+        </p:nvCxnSpPr>
+        <p:spPr>
+          <a:xfrm flipV="1">
+            <a:off x="3969882" y="883479"/>
+            <a:ext cx="0" cy="278571"/>
+          </a:xfrm>
+          <a:prstGeom prst="straightConnector1">
+            <a:avLst/>
+          </a:prstGeom>
+          <a:ln w="19050">
+            <a:solidFill>
+              <a:srgbClr val="FF0000"/>
+            </a:solidFill>
+            <a:headEnd type="none" w="med" len="med"/>
+            <a:tailEnd type="arrow" w="med" len="med"/>
+          </a:ln>
+        </p:spPr>
+        <p:style>
+          <a:lnRef idx="1">
+            <a:schemeClr val="accent1"/>
+          </a:lnRef>
+          <a:fillRef idx="0">
+            <a:schemeClr val="accent1"/>
+          </a:fillRef>
+          <a:effectRef idx="0">
+            <a:schemeClr val="accent1"/>
+          </a:effectRef>
+          <a:fontRef idx="minor">
+            <a:schemeClr val="tx1"/>
+          </a:fontRef>
+        </p:style>
+      </p:cxnSp>
+    </p:spTree>
+    <p:extLst>
+      <p:ext uri="{BB962C8B-B14F-4D97-AF65-F5344CB8AC3E}">
+        <p14:creationId xmlns:p14="http://schemas.microsoft.com/office/powerpoint/2010/main" val="3595872784"/>
+      </p:ext>
+    </p:extLst>
+  </p:cSld>
+  <p:clrMapOvr>
+    <a:masterClrMapping/>
+  </p:clrMapOvr>
+</p:sld>
+</file>
+
+<file path=ppt/slides/slide14.xml><?xml version="1.0" encoding="utf-8"?>
+<p:sld xmlns:a="http://schemas.openxmlformats.org/drawingml/2006/main" xmlns:r="http://schemas.openxmlformats.org/officeDocument/2006/relationships" xmlns:p="http://schemas.openxmlformats.org/presentationml/2006/main">
+  <p:cSld>
+    <p:spTree>
+      <p:nvGrpSpPr>
+        <p:cNvPr id="1" name=""/>
+        <p:cNvGrpSpPr/>
+        <p:nvPr/>
+      </p:nvGrpSpPr>
+      <p:grpSpPr>
+        <a:xfrm>
+          <a:off x="0" y="0"/>
+          <a:ext cx="0" cy="0"/>
+          <a:chOff x="0" y="0"/>
+          <a:chExt cx="0" cy="0"/>
+        </a:xfrm>
+      </p:grpSpPr>
+      <p:sp>
+        <p:nvSpPr>
+          <p:cNvPr id="4" name="Rounded Rectangle 3"/>
+          <p:cNvSpPr/>
+          <p:nvPr/>
+        </p:nvSpPr>
+        <p:spPr>
+          <a:xfrm>
             <a:off x="7620" y="77986"/>
             <a:ext cx="5722620" cy="2103120"/>
           </a:xfrm>
@@ -8024,7 +8851,7 @@
 </p:sld>
 </file>
 
-<file path=ppt/slides/slide14.xml><?xml version="1.0" encoding="utf-8"?>
+<file path=ppt/slides/slide15.xml><?xml version="1.0" encoding="utf-8"?>
 <p:sld xmlns:a="http://schemas.openxmlformats.org/drawingml/2006/main" xmlns:r="http://schemas.openxmlformats.org/officeDocument/2006/relationships" xmlns:p="http://schemas.openxmlformats.org/presentationml/2006/main">
   <p:cSld>
     <p:spTree>
@@ -10675,7 +11502,7 @@
 </p:sld>
 </file>
 
-<file path=ppt/slides/slide15.xml><?xml version="1.0" encoding="utf-8"?>
+<file path=ppt/slides/slide16.xml><?xml version="1.0" encoding="utf-8"?>
 <p:sld xmlns:a="http://schemas.openxmlformats.org/drawingml/2006/main" xmlns:r="http://schemas.openxmlformats.org/officeDocument/2006/relationships" xmlns:p="http://schemas.openxmlformats.org/presentationml/2006/main">
   <p:cSld>
     <p:spTree>
@@ -12367,7 +13194,7 @@
 </p:sld>
 </file>
 
-<file path=ppt/slides/slide16.xml><?xml version="1.0" encoding="utf-8"?>
+<file path=ppt/slides/slide17.xml><?xml version="1.0" encoding="utf-8"?>
 <p:sld xmlns:a="http://schemas.openxmlformats.org/drawingml/2006/main" xmlns:r="http://schemas.openxmlformats.org/officeDocument/2006/relationships" xmlns:p="http://schemas.openxmlformats.org/presentationml/2006/main">
   <p:cSld>
     <p:spTree>
@@ -13465,7 +14292,7 @@
 </p:sld>
 </file>
 
-<file path=ppt/slides/slide17.xml><?xml version="1.0" encoding="utf-8"?>
+<file path=ppt/slides/slide18.xml><?xml version="1.0" encoding="utf-8"?>
 <p:sld xmlns:a="http://schemas.openxmlformats.org/drawingml/2006/main" xmlns:r="http://schemas.openxmlformats.org/officeDocument/2006/relationships" xmlns:p="http://schemas.openxmlformats.org/presentationml/2006/main">
   <p:cSld>
     <p:spTree>
@@ -14333,7 +15160,7 @@
 </p:sld>
 </file>
 
-<file path=ppt/slides/slide18.xml><?xml version="1.0" encoding="utf-8"?>
+<file path=ppt/slides/slide19.xml><?xml version="1.0" encoding="utf-8"?>
 <p:sld xmlns:a="http://schemas.openxmlformats.org/drawingml/2006/main" xmlns:r="http://schemas.openxmlformats.org/officeDocument/2006/relationships" xmlns:p="http://schemas.openxmlformats.org/presentationml/2006/main">
   <p:cSld>
     <p:spTree>
@@ -15108,7 +15935,369 @@
 </p:sld>
 </file>
 
-<file path=ppt/slides/slide19.xml><?xml version="1.0" encoding="utf-8"?>
+<file path=ppt/slides/slide2.xml><?xml version="1.0" encoding="utf-8"?>
+<p:sld xmlns:a="http://schemas.openxmlformats.org/drawingml/2006/main" xmlns:r="http://schemas.openxmlformats.org/officeDocument/2006/relationships" xmlns:p="http://schemas.openxmlformats.org/presentationml/2006/main">
+  <p:cSld>
+    <p:spTree>
+      <p:nvGrpSpPr>
+        <p:cNvPr id="1" name=""/>
+        <p:cNvGrpSpPr/>
+        <p:nvPr/>
+      </p:nvGrpSpPr>
+      <p:grpSpPr>
+        <a:xfrm>
+          <a:off x="0" y="0"/>
+          <a:ext cx="0" cy="0"/>
+          <a:chOff x="0" y="0"/>
+          <a:chExt cx="0" cy="0"/>
+        </a:xfrm>
+      </p:grpSpPr>
+      <p:pic>
+        <p:nvPicPr>
+          <p:cNvPr id="4" name="Picture 3"/>
+          <p:cNvPicPr>
+            <a:picLocks noChangeAspect="1"/>
+          </p:cNvPicPr>
+          <p:nvPr/>
+        </p:nvPicPr>
+        <p:blipFill rotWithShape="1">
+          <a:blip r:embed="rId2">
+            <a:extLst>
+              <a:ext uri="{28A0092B-C50C-407E-A947-70E740481C1C}">
+                <a14:useLocalDpi xmlns:a14="http://schemas.microsoft.com/office/drawing/2010/main" val="0"/>
+              </a:ext>
+            </a:extLst>
+          </a:blip>
+          <a:srcRect l="13309" t="10456" r="11787" b="11439"/>
+          <a:stretch/>
+        </p:blipFill>
+        <p:spPr>
+          <a:xfrm>
+            <a:off x="593123" y="0"/>
+            <a:ext cx="3768811" cy="2508422"/>
+          </a:xfrm>
+          <a:prstGeom prst="rect">
+            <a:avLst/>
+          </a:prstGeom>
+        </p:spPr>
+      </p:pic>
+      <p:sp>
+        <p:nvSpPr>
+          <p:cNvPr id="6" name="TextBox 5"/>
+          <p:cNvSpPr txBox="1"/>
+          <p:nvPr/>
+        </p:nvSpPr>
+        <p:spPr>
+          <a:xfrm>
+            <a:off x="2018978" y="2589529"/>
+            <a:ext cx="1040670" cy="400110"/>
+          </a:xfrm>
+          <a:prstGeom prst="rect">
+            <a:avLst/>
+          </a:prstGeom>
+          <a:noFill/>
+        </p:spPr>
+        <p:txBody>
+          <a:bodyPr wrap="none" rtlCol="0">
+            <a:spAutoFit/>
+          </a:bodyPr>
+          <a:lstStyle/>
+          <a:p>
+            <a:r>
+              <a:rPr lang="en-US" sz="2000" dirty="0" smtClean="0"/>
+              <a:t>1) Slider</a:t>
+            </a:r>
+            <a:endParaRPr lang="en-US" sz="2000" dirty="0"/>
+          </a:p>
+        </p:txBody>
+      </p:sp>
+      <p:pic>
+        <p:nvPicPr>
+          <p:cNvPr id="7" name="Picture 6"/>
+          <p:cNvPicPr>
+            <a:picLocks noChangeAspect="1"/>
+          </p:cNvPicPr>
+          <p:nvPr/>
+        </p:nvPicPr>
+        <p:blipFill>
+          <a:blip r:embed="rId3">
+            <a:extLst>
+              <a:ext uri="{28A0092B-C50C-407E-A947-70E740481C1C}">
+                <a14:useLocalDpi xmlns:a14="http://schemas.microsoft.com/office/drawing/2010/main" val="0"/>
+              </a:ext>
+            </a:extLst>
+          </a:blip>
+          <a:stretch>
+            <a:fillRect/>
+          </a:stretch>
+        </p:blipFill>
+        <p:spPr>
+          <a:xfrm>
+            <a:off x="0" y="3081521"/>
+            <a:ext cx="5078628" cy="2917985"/>
+          </a:xfrm>
+          <a:prstGeom prst="rect">
+            <a:avLst/>
+          </a:prstGeom>
+        </p:spPr>
+      </p:pic>
+      <p:sp>
+        <p:nvSpPr>
+          <p:cNvPr id="8" name="TextBox 7"/>
+          <p:cNvSpPr txBox="1"/>
+          <p:nvPr/>
+        </p:nvSpPr>
+        <p:spPr>
+          <a:xfrm>
+            <a:off x="1608546" y="6062946"/>
+            <a:ext cx="1861535" cy="400110"/>
+          </a:xfrm>
+          <a:prstGeom prst="rect">
+            <a:avLst/>
+          </a:prstGeom>
+          <a:noFill/>
+        </p:spPr>
+        <p:txBody>
+          <a:bodyPr wrap="none" rtlCol="0">
+            <a:spAutoFit/>
+          </a:bodyPr>
+          <a:lstStyle/>
+          <a:p>
+            <a:r>
+              <a:rPr lang="en-US" sz="2000" dirty="0" smtClean="0"/>
+              <a:t>3) Bitcoin wallet</a:t>
+            </a:r>
+            <a:endParaRPr lang="en-US" sz="2000" dirty="0"/>
+          </a:p>
+        </p:txBody>
+      </p:sp>
+      <p:pic>
+        <p:nvPicPr>
+          <p:cNvPr id="17" name="Picture 16"/>
+          <p:cNvPicPr>
+            <a:picLocks noChangeAspect="1"/>
+          </p:cNvPicPr>
+          <p:nvPr/>
+        </p:nvPicPr>
+        <p:blipFill>
+          <a:blip r:embed="rId4" cstate="print">
+            <a:extLst>
+              <a:ext uri="{28A0092B-C50C-407E-A947-70E740481C1C}">
+                <a14:useLocalDpi xmlns:a14="http://schemas.microsoft.com/office/drawing/2010/main" val="0"/>
+              </a:ext>
+            </a:extLst>
+          </a:blip>
+          <a:stretch>
+            <a:fillRect/>
+          </a:stretch>
+        </p:blipFill>
+        <p:spPr>
+          <a:xfrm>
+            <a:off x="2670710" y="724737"/>
+            <a:ext cx="186381" cy="266258"/>
+          </a:xfrm>
+          <a:prstGeom prst="rect">
+            <a:avLst/>
+          </a:prstGeom>
+        </p:spPr>
+      </p:pic>
+      <p:sp>
+        <p:nvSpPr>
+          <p:cNvPr id="19" name="TextBox 18"/>
+          <p:cNvSpPr txBox="1"/>
+          <p:nvPr/>
+        </p:nvSpPr>
+        <p:spPr>
+          <a:xfrm>
+            <a:off x="6031342" y="2551837"/>
+            <a:ext cx="1302793" cy="400110"/>
+          </a:xfrm>
+          <a:prstGeom prst="rect">
+            <a:avLst/>
+          </a:prstGeom>
+          <a:noFill/>
+        </p:spPr>
+        <p:txBody>
+          <a:bodyPr wrap="none" rtlCol="0">
+            <a:spAutoFit/>
+          </a:bodyPr>
+          <a:lstStyle/>
+          <a:p>
+            <a:r>
+              <a:rPr lang="en-US" sz="2000" dirty="0" smtClean="0"/>
+              <a:t>2) E-voting</a:t>
+            </a:r>
+            <a:endParaRPr lang="en-US" sz="2000" dirty="0"/>
+          </a:p>
+        </p:txBody>
+      </p:sp>
+      <p:pic>
+        <p:nvPicPr>
+          <p:cNvPr id="1032" name="Picture 8" descr="Image result for password reveal"/>
+          <p:cNvPicPr>
+            <a:picLocks noChangeAspect="1" noChangeArrowheads="1"/>
+          </p:cNvPicPr>
+          <p:nvPr/>
+        </p:nvPicPr>
+        <p:blipFill>
+          <a:blip r:embed="rId5">
+            <a:extLst>
+              <a:ext uri="{28A0092B-C50C-407E-A947-70E740481C1C}">
+                <a14:useLocalDpi xmlns:a14="http://schemas.microsoft.com/office/drawing/2010/main" val="0"/>
+              </a:ext>
+            </a:extLst>
+          </a:blip>
+          <a:srcRect/>
+          <a:stretch>
+            <a:fillRect/>
+          </a:stretch>
+        </p:blipFill>
+        <p:spPr bwMode="auto">
+          <a:xfrm>
+            <a:off x="5179650" y="3081521"/>
+            <a:ext cx="3309436" cy="2801990"/>
+          </a:xfrm>
+          <a:prstGeom prst="rect">
+            <a:avLst/>
+          </a:prstGeom>
+          <a:noFill/>
+          <a:extLst>
+            <a:ext uri="{909E8E84-426E-40DD-AFC4-6F175D3DCCD1}">
+              <a14:hiddenFill xmlns:a14="http://schemas.microsoft.com/office/drawing/2010/main">
+                <a:solidFill>
+                  <a:srgbClr val="FFFFFF"/>
+                </a:solidFill>
+              </a14:hiddenFill>
+            </a:ext>
+          </a:extLst>
+        </p:spPr>
+      </p:pic>
+      <p:sp>
+        <p:nvSpPr>
+          <p:cNvPr id="22" name="TextBox 21"/>
+          <p:cNvSpPr txBox="1"/>
+          <p:nvPr/>
+        </p:nvSpPr>
+        <p:spPr>
+          <a:xfrm>
+            <a:off x="5936118" y="6062946"/>
+            <a:ext cx="2037033" cy="400110"/>
+          </a:xfrm>
+          <a:prstGeom prst="rect">
+            <a:avLst/>
+          </a:prstGeom>
+          <a:noFill/>
+        </p:spPr>
+        <p:txBody>
+          <a:bodyPr wrap="none" rtlCol="0">
+            <a:spAutoFit/>
+          </a:bodyPr>
+          <a:lstStyle/>
+          <a:p>
+            <a:r>
+              <a:rPr lang="en-US" sz="2000" dirty="0" smtClean="0"/>
+              <a:t>4) Web credential</a:t>
+            </a:r>
+            <a:endParaRPr lang="en-US" sz="2000" dirty="0"/>
+          </a:p>
+        </p:txBody>
+      </p:sp>
+      <p:pic>
+        <p:nvPicPr>
+          <p:cNvPr id="9" name="Picture 8"/>
+          <p:cNvPicPr>
+            <a:picLocks noChangeAspect="1"/>
+          </p:cNvPicPr>
+          <p:nvPr/>
+        </p:nvPicPr>
+        <p:blipFill rotWithShape="1">
+          <a:blip r:embed="rId6">
+            <a:extLst>
+              <a:ext uri="{28A0092B-C50C-407E-A947-70E740481C1C}">
+                <a14:useLocalDpi xmlns:a14="http://schemas.microsoft.com/office/drawing/2010/main" val="0"/>
+              </a:ext>
+            </a:extLst>
+          </a:blip>
+          <a:srcRect l="57257" t="22379" r="4803" b="8687"/>
+          <a:stretch/>
+        </p:blipFill>
+        <p:spPr>
+          <a:xfrm>
+            <a:off x="5179650" y="161601"/>
+            <a:ext cx="3192053" cy="2260662"/>
+          </a:xfrm>
+          <a:prstGeom prst="rect">
+            <a:avLst/>
+          </a:prstGeom>
+        </p:spPr>
+      </p:pic>
+      <p:sp>
+        <p:nvSpPr>
+          <p:cNvPr id="10" name="Rectangle 9"/>
+          <p:cNvSpPr/>
+          <p:nvPr/>
+        </p:nvSpPr>
+        <p:spPr>
+          <a:xfrm>
+            <a:off x="4158049" y="4831492"/>
+            <a:ext cx="852616" cy="846438"/>
+          </a:xfrm>
+          <a:prstGeom prst="rect">
+            <a:avLst/>
+          </a:prstGeom>
+          <a:noFill/>
+          <a:ln w="38100">
+            <a:solidFill>
+              <a:srgbClr val="FF0000"/>
+            </a:solidFill>
+          </a:ln>
+        </p:spPr>
+        <p:style>
+          <a:lnRef idx="2">
+            <a:schemeClr val="accent1">
+              <a:shade val="50000"/>
+            </a:schemeClr>
+          </a:lnRef>
+          <a:fillRef idx="1">
+            <a:schemeClr val="accent1"/>
+          </a:fillRef>
+          <a:effectRef idx="0">
+            <a:schemeClr val="accent1"/>
+          </a:effectRef>
+          <a:fontRef idx="minor">
+            <a:schemeClr val="lt1"/>
+          </a:fontRef>
+        </p:style>
+        <p:txBody>
+          <a:bodyPr rtlCol="0" anchor="ctr"/>
+          <a:lstStyle/>
+          <a:p>
+            <a:pPr algn="ctr"/>
+            <a:endParaRPr lang="en-US"/>
+          </a:p>
+        </p:txBody>
+      </p:sp>
+    </p:spTree>
+    <p:extLst>
+      <p:ext uri="{BB962C8B-B14F-4D97-AF65-F5344CB8AC3E}">
+        <p14:creationId xmlns:p14="http://schemas.microsoft.com/office/powerpoint/2010/main" val="1429768149"/>
+      </p:ext>
+    </p:extLst>
+  </p:cSld>
+  <p:clrMapOvr>
+    <a:masterClrMapping/>
+  </p:clrMapOvr>
+  <p:timing>
+    <p:tnLst>
+      <p:par>
+        <p:cTn id="1" dur="indefinite" restart="never" nodeType="tmRoot"/>
+      </p:par>
+    </p:tnLst>
+  </p:timing>
+</p:sld>
+</file>
+
+<file path=ppt/slides/slide20.xml><?xml version="1.0" encoding="utf-8"?>
 <p:sld xmlns:a="http://schemas.openxmlformats.org/drawingml/2006/main" xmlns:r="http://schemas.openxmlformats.org/officeDocument/2006/relationships" xmlns:p="http://schemas.openxmlformats.org/presentationml/2006/main">
   <p:cSld>
     <p:spTree>
@@ -16433,369 +17622,7 @@
 </p:sld>
 </file>
 
-<file path=ppt/slides/slide2.xml><?xml version="1.0" encoding="utf-8"?>
-<p:sld xmlns:a="http://schemas.openxmlformats.org/drawingml/2006/main" xmlns:r="http://schemas.openxmlformats.org/officeDocument/2006/relationships" xmlns:p="http://schemas.openxmlformats.org/presentationml/2006/main">
-  <p:cSld>
-    <p:spTree>
-      <p:nvGrpSpPr>
-        <p:cNvPr id="1" name=""/>
-        <p:cNvGrpSpPr/>
-        <p:nvPr/>
-      </p:nvGrpSpPr>
-      <p:grpSpPr>
-        <a:xfrm>
-          <a:off x="0" y="0"/>
-          <a:ext cx="0" cy="0"/>
-          <a:chOff x="0" y="0"/>
-          <a:chExt cx="0" cy="0"/>
-        </a:xfrm>
-      </p:grpSpPr>
-      <p:pic>
-        <p:nvPicPr>
-          <p:cNvPr id="4" name="Picture 3"/>
-          <p:cNvPicPr>
-            <a:picLocks noChangeAspect="1"/>
-          </p:cNvPicPr>
-          <p:nvPr/>
-        </p:nvPicPr>
-        <p:blipFill rotWithShape="1">
-          <a:blip r:embed="rId2">
-            <a:extLst>
-              <a:ext uri="{28A0092B-C50C-407E-A947-70E740481C1C}">
-                <a14:useLocalDpi xmlns:a14="http://schemas.microsoft.com/office/drawing/2010/main" val="0"/>
-              </a:ext>
-            </a:extLst>
-          </a:blip>
-          <a:srcRect l="13309" t="10456" r="11787" b="11439"/>
-          <a:stretch/>
-        </p:blipFill>
-        <p:spPr>
-          <a:xfrm>
-            <a:off x="593123" y="0"/>
-            <a:ext cx="3768811" cy="2508422"/>
-          </a:xfrm>
-          <a:prstGeom prst="rect">
-            <a:avLst/>
-          </a:prstGeom>
-        </p:spPr>
-      </p:pic>
-      <p:sp>
-        <p:nvSpPr>
-          <p:cNvPr id="6" name="TextBox 5"/>
-          <p:cNvSpPr txBox="1"/>
-          <p:nvPr/>
-        </p:nvSpPr>
-        <p:spPr>
-          <a:xfrm>
-            <a:off x="2018978" y="2589529"/>
-            <a:ext cx="1040670" cy="400110"/>
-          </a:xfrm>
-          <a:prstGeom prst="rect">
-            <a:avLst/>
-          </a:prstGeom>
-          <a:noFill/>
-        </p:spPr>
-        <p:txBody>
-          <a:bodyPr wrap="none" rtlCol="0">
-            <a:spAutoFit/>
-          </a:bodyPr>
-          <a:lstStyle/>
-          <a:p>
-            <a:r>
-              <a:rPr lang="en-US" sz="2000" dirty="0" smtClean="0"/>
-              <a:t>1) Slider</a:t>
-            </a:r>
-            <a:endParaRPr lang="en-US" sz="2000" dirty="0"/>
-          </a:p>
-        </p:txBody>
-      </p:sp>
-      <p:pic>
-        <p:nvPicPr>
-          <p:cNvPr id="7" name="Picture 6"/>
-          <p:cNvPicPr>
-            <a:picLocks noChangeAspect="1"/>
-          </p:cNvPicPr>
-          <p:nvPr/>
-        </p:nvPicPr>
-        <p:blipFill>
-          <a:blip r:embed="rId3">
-            <a:extLst>
-              <a:ext uri="{28A0092B-C50C-407E-A947-70E740481C1C}">
-                <a14:useLocalDpi xmlns:a14="http://schemas.microsoft.com/office/drawing/2010/main" val="0"/>
-              </a:ext>
-            </a:extLst>
-          </a:blip>
-          <a:stretch>
-            <a:fillRect/>
-          </a:stretch>
-        </p:blipFill>
-        <p:spPr>
-          <a:xfrm>
-            <a:off x="0" y="3081521"/>
-            <a:ext cx="5078628" cy="2917985"/>
-          </a:xfrm>
-          <a:prstGeom prst="rect">
-            <a:avLst/>
-          </a:prstGeom>
-        </p:spPr>
-      </p:pic>
-      <p:sp>
-        <p:nvSpPr>
-          <p:cNvPr id="8" name="TextBox 7"/>
-          <p:cNvSpPr txBox="1"/>
-          <p:nvPr/>
-        </p:nvSpPr>
-        <p:spPr>
-          <a:xfrm>
-            <a:off x="1608546" y="6062946"/>
-            <a:ext cx="1861535" cy="400110"/>
-          </a:xfrm>
-          <a:prstGeom prst="rect">
-            <a:avLst/>
-          </a:prstGeom>
-          <a:noFill/>
-        </p:spPr>
-        <p:txBody>
-          <a:bodyPr wrap="none" rtlCol="0">
-            <a:spAutoFit/>
-          </a:bodyPr>
-          <a:lstStyle/>
-          <a:p>
-            <a:r>
-              <a:rPr lang="en-US" sz="2000" dirty="0" smtClean="0"/>
-              <a:t>3) Bitcoin wallet</a:t>
-            </a:r>
-            <a:endParaRPr lang="en-US" sz="2000" dirty="0"/>
-          </a:p>
-        </p:txBody>
-      </p:sp>
-      <p:pic>
-        <p:nvPicPr>
-          <p:cNvPr id="17" name="Picture 16"/>
-          <p:cNvPicPr>
-            <a:picLocks noChangeAspect="1"/>
-          </p:cNvPicPr>
-          <p:nvPr/>
-        </p:nvPicPr>
-        <p:blipFill>
-          <a:blip r:embed="rId4" cstate="print">
-            <a:extLst>
-              <a:ext uri="{28A0092B-C50C-407E-A947-70E740481C1C}">
-                <a14:useLocalDpi xmlns:a14="http://schemas.microsoft.com/office/drawing/2010/main" val="0"/>
-              </a:ext>
-            </a:extLst>
-          </a:blip>
-          <a:stretch>
-            <a:fillRect/>
-          </a:stretch>
-        </p:blipFill>
-        <p:spPr>
-          <a:xfrm>
-            <a:off x="2670710" y="724737"/>
-            <a:ext cx="186381" cy="266258"/>
-          </a:xfrm>
-          <a:prstGeom prst="rect">
-            <a:avLst/>
-          </a:prstGeom>
-        </p:spPr>
-      </p:pic>
-      <p:sp>
-        <p:nvSpPr>
-          <p:cNvPr id="19" name="TextBox 18"/>
-          <p:cNvSpPr txBox="1"/>
-          <p:nvPr/>
-        </p:nvSpPr>
-        <p:spPr>
-          <a:xfrm>
-            <a:off x="6031342" y="2551837"/>
-            <a:ext cx="1302793" cy="400110"/>
-          </a:xfrm>
-          <a:prstGeom prst="rect">
-            <a:avLst/>
-          </a:prstGeom>
-          <a:noFill/>
-        </p:spPr>
-        <p:txBody>
-          <a:bodyPr wrap="none" rtlCol="0">
-            <a:spAutoFit/>
-          </a:bodyPr>
-          <a:lstStyle/>
-          <a:p>
-            <a:r>
-              <a:rPr lang="en-US" sz="2000" dirty="0" smtClean="0"/>
-              <a:t>2) E-voting</a:t>
-            </a:r>
-            <a:endParaRPr lang="en-US" sz="2000" dirty="0"/>
-          </a:p>
-        </p:txBody>
-      </p:sp>
-      <p:pic>
-        <p:nvPicPr>
-          <p:cNvPr id="1032" name="Picture 8" descr="Image result for password reveal"/>
-          <p:cNvPicPr>
-            <a:picLocks noChangeAspect="1" noChangeArrowheads="1"/>
-          </p:cNvPicPr>
-          <p:nvPr/>
-        </p:nvPicPr>
-        <p:blipFill>
-          <a:blip r:embed="rId5">
-            <a:extLst>
-              <a:ext uri="{28A0092B-C50C-407E-A947-70E740481C1C}">
-                <a14:useLocalDpi xmlns:a14="http://schemas.microsoft.com/office/drawing/2010/main" val="0"/>
-              </a:ext>
-            </a:extLst>
-          </a:blip>
-          <a:srcRect/>
-          <a:stretch>
-            <a:fillRect/>
-          </a:stretch>
-        </p:blipFill>
-        <p:spPr bwMode="auto">
-          <a:xfrm>
-            <a:off x="5179650" y="3081521"/>
-            <a:ext cx="3309436" cy="2801990"/>
-          </a:xfrm>
-          <a:prstGeom prst="rect">
-            <a:avLst/>
-          </a:prstGeom>
-          <a:noFill/>
-          <a:extLst>
-            <a:ext uri="{909E8E84-426E-40DD-AFC4-6F175D3DCCD1}">
-              <a14:hiddenFill xmlns:a14="http://schemas.microsoft.com/office/drawing/2010/main">
-                <a:solidFill>
-                  <a:srgbClr val="FFFFFF"/>
-                </a:solidFill>
-              </a14:hiddenFill>
-            </a:ext>
-          </a:extLst>
-        </p:spPr>
-      </p:pic>
-      <p:sp>
-        <p:nvSpPr>
-          <p:cNvPr id="22" name="TextBox 21"/>
-          <p:cNvSpPr txBox="1"/>
-          <p:nvPr/>
-        </p:nvSpPr>
-        <p:spPr>
-          <a:xfrm>
-            <a:off x="5936118" y="6062946"/>
-            <a:ext cx="2037033" cy="400110"/>
-          </a:xfrm>
-          <a:prstGeom prst="rect">
-            <a:avLst/>
-          </a:prstGeom>
-          <a:noFill/>
-        </p:spPr>
-        <p:txBody>
-          <a:bodyPr wrap="none" rtlCol="0">
-            <a:spAutoFit/>
-          </a:bodyPr>
-          <a:lstStyle/>
-          <a:p>
-            <a:r>
-              <a:rPr lang="en-US" sz="2000" dirty="0" smtClean="0"/>
-              <a:t>4) Web credential</a:t>
-            </a:r>
-            <a:endParaRPr lang="en-US" sz="2000" dirty="0"/>
-          </a:p>
-        </p:txBody>
-      </p:sp>
-      <p:pic>
-        <p:nvPicPr>
-          <p:cNvPr id="9" name="Picture 8"/>
-          <p:cNvPicPr>
-            <a:picLocks noChangeAspect="1"/>
-          </p:cNvPicPr>
-          <p:nvPr/>
-        </p:nvPicPr>
-        <p:blipFill rotWithShape="1">
-          <a:blip r:embed="rId6">
-            <a:extLst>
-              <a:ext uri="{28A0092B-C50C-407E-A947-70E740481C1C}">
-                <a14:useLocalDpi xmlns:a14="http://schemas.microsoft.com/office/drawing/2010/main" val="0"/>
-              </a:ext>
-            </a:extLst>
-          </a:blip>
-          <a:srcRect l="57257" t="22379" r="4803" b="8687"/>
-          <a:stretch/>
-        </p:blipFill>
-        <p:spPr>
-          <a:xfrm>
-            <a:off x="5179650" y="161601"/>
-            <a:ext cx="3192053" cy="2260662"/>
-          </a:xfrm>
-          <a:prstGeom prst="rect">
-            <a:avLst/>
-          </a:prstGeom>
-        </p:spPr>
-      </p:pic>
-      <p:sp>
-        <p:nvSpPr>
-          <p:cNvPr id="10" name="Rectangle 9"/>
-          <p:cNvSpPr/>
-          <p:nvPr/>
-        </p:nvSpPr>
-        <p:spPr>
-          <a:xfrm>
-            <a:off x="4158049" y="4831492"/>
-            <a:ext cx="852616" cy="846438"/>
-          </a:xfrm>
-          <a:prstGeom prst="rect">
-            <a:avLst/>
-          </a:prstGeom>
-          <a:noFill/>
-          <a:ln w="38100">
-            <a:solidFill>
-              <a:srgbClr val="FF0000"/>
-            </a:solidFill>
-          </a:ln>
-        </p:spPr>
-        <p:style>
-          <a:lnRef idx="2">
-            <a:schemeClr val="accent1">
-              <a:shade val="50000"/>
-            </a:schemeClr>
-          </a:lnRef>
-          <a:fillRef idx="1">
-            <a:schemeClr val="accent1"/>
-          </a:fillRef>
-          <a:effectRef idx="0">
-            <a:schemeClr val="accent1"/>
-          </a:effectRef>
-          <a:fontRef idx="minor">
-            <a:schemeClr val="lt1"/>
-          </a:fontRef>
-        </p:style>
-        <p:txBody>
-          <a:bodyPr rtlCol="0" anchor="ctr"/>
-          <a:lstStyle/>
-          <a:p>
-            <a:pPr algn="ctr"/>
-            <a:endParaRPr lang="en-US"/>
-          </a:p>
-        </p:txBody>
-      </p:sp>
-    </p:spTree>
-    <p:extLst>
-      <p:ext uri="{BB962C8B-B14F-4D97-AF65-F5344CB8AC3E}">
-        <p14:creationId xmlns:p14="http://schemas.microsoft.com/office/powerpoint/2010/main" val="1429768149"/>
-      </p:ext>
-    </p:extLst>
-  </p:cSld>
-  <p:clrMapOvr>
-    <a:masterClrMapping/>
-  </p:clrMapOvr>
-  <p:timing>
-    <p:tnLst>
-      <p:par>
-        <p:cTn id="1" dur="indefinite" restart="never" nodeType="tmRoot"/>
-      </p:par>
-    </p:tnLst>
-  </p:timing>
-</p:sld>
-</file>
-
-<file path=ppt/slides/slide20.xml><?xml version="1.0" encoding="utf-8"?>
+<file path=ppt/slides/slide21.xml><?xml version="1.0" encoding="utf-8"?>
 <p:sld xmlns:a="http://schemas.openxmlformats.org/drawingml/2006/main" xmlns:r="http://schemas.openxmlformats.org/officeDocument/2006/relationships" xmlns:p="http://schemas.openxmlformats.org/presentationml/2006/main">
   <p:cSld>
     <p:spTree>
@@ -18859,7 +19686,7 @@
 </p:sld>
 </file>
 
-<file path=ppt/slides/slide21.xml><?xml version="1.0" encoding="utf-8"?>
+<file path=ppt/slides/slide22.xml><?xml version="1.0" encoding="utf-8"?>
 <p:sld xmlns:a="http://schemas.openxmlformats.org/drawingml/2006/main" xmlns:r="http://schemas.openxmlformats.org/officeDocument/2006/relationships" xmlns:p="http://schemas.openxmlformats.org/presentationml/2006/main">
   <p:cSld>
     <p:spTree>
@@ -19105,7 +19932,7 @@
 </p:sld>
 </file>
 
-<file path=ppt/slides/slide22.xml><?xml version="1.0" encoding="utf-8"?>
+<file path=ppt/slides/slide23.xml><?xml version="1.0" encoding="utf-8"?>
 <p:sld xmlns:a="http://schemas.openxmlformats.org/drawingml/2006/main" xmlns:r="http://schemas.openxmlformats.org/officeDocument/2006/relationships" xmlns:p="http://schemas.openxmlformats.org/presentationml/2006/main">
   <p:cSld>
     <p:spTree>

--- a/aritra/MouseTracking/images/systemDesign.pptx
+++ b/aritra/MouseTracking/images/systemDesign.pptx
@@ -7327,8 +7327,8 @@
         </p:nvSpPr>
         <p:spPr>
           <a:xfrm>
-            <a:off x="21196" y="123568"/>
-            <a:ext cx="4273996" cy="1767016"/>
+            <a:off x="19050" y="123568"/>
+            <a:ext cx="3902175" cy="1767016"/>
           </a:xfrm>
           <a:prstGeom prst="roundRect">
             <a:avLst>
@@ -7377,7 +7377,7 @@
         </p:nvSpPr>
         <p:spPr>
           <a:xfrm>
-            <a:off x="113049" y="-75643"/>
+            <a:off x="119953" y="-75643"/>
             <a:ext cx="1522468" cy="369332"/>
           </a:xfrm>
           <a:prstGeom prst="rect">
@@ -7409,7 +7409,7 @@
         </p:nvSpPr>
         <p:spPr>
           <a:xfrm>
-            <a:off x="1680521" y="1408281"/>
+            <a:off x="1232846" y="1408281"/>
             <a:ext cx="819150" cy="411480"/>
           </a:xfrm>
           <a:prstGeom prst="rect">
@@ -7469,8 +7469,8 @@
         </p:nvSpPr>
         <p:spPr>
           <a:xfrm>
-            <a:off x="15721" y="490143"/>
-            <a:ext cx="1583447" cy="369332"/>
+            <a:off x="214972" y="462050"/>
+            <a:ext cx="713657" cy="369332"/>
           </a:xfrm>
           <a:prstGeom prst="rect">
             <a:avLst/>
@@ -7484,12 +7484,12 @@
           <a:lstStyle/>
           <a:p>
             <a:r>
-              <a:rPr lang="en-US" dirty="0" smtClean="0"/>
-              <a:t>Sensitive </a:t>
+              <a:rPr lang="en-US" dirty="0"/>
+              <a:t>S</a:t>
             </a:r>
             <a:r>
               <a:rPr lang="en-US" dirty="0" smtClean="0"/>
-              <a:t>slider</a:t>
+              <a:t>lider</a:t>
             </a:r>
             <a:endParaRPr lang="en-US" dirty="0"/>
           </a:p>
@@ -7503,7 +7503,7 @@
         </p:nvSpPr>
         <p:spPr>
           <a:xfrm>
-            <a:off x="1584846" y="351543"/>
+            <a:off x="1137171" y="351543"/>
             <a:ext cx="2675210" cy="643963"/>
           </a:xfrm>
           <a:prstGeom prst="rect">
@@ -7550,7 +7550,7 @@
         </p:nvSpPr>
         <p:spPr>
           <a:xfrm>
-            <a:off x="304775" y="756058"/>
+            <a:off x="172786" y="922715"/>
             <a:ext cx="989907" cy="646331"/>
           </a:xfrm>
           <a:prstGeom prst="rect">
@@ -7587,7 +7587,7 @@
         </p:nvSpPr>
         <p:spPr>
           <a:xfrm>
-            <a:off x="1442098" y="1050021"/>
+            <a:off x="994423" y="1050021"/>
             <a:ext cx="1295996" cy="369332"/>
           </a:xfrm>
           <a:prstGeom prst="rect">
@@ -7624,7 +7624,7 @@
         </p:nvSpPr>
         <p:spPr>
           <a:xfrm>
-            <a:off x="2954007" y="1408281"/>
+            <a:off x="2506332" y="1408281"/>
             <a:ext cx="819150" cy="411480"/>
           </a:xfrm>
           <a:prstGeom prst="rect">
@@ -7684,7 +7684,7 @@
         </p:nvCxnSpPr>
         <p:spPr>
           <a:xfrm>
-            <a:off x="1680521" y="674809"/>
+            <a:off x="1232846" y="674809"/>
             <a:ext cx="1859692" cy="0"/>
           </a:xfrm>
           <a:prstGeom prst="line">
@@ -7715,7 +7715,7 @@
         </p:nvSpPr>
         <p:spPr>
           <a:xfrm>
-            <a:off x="2134375" y="574282"/>
+            <a:off x="1686700" y="574282"/>
             <a:ext cx="201053" cy="201053"/>
           </a:xfrm>
           <a:prstGeom prst="ellipse">
@@ -7755,7 +7755,7 @@
         </p:nvSpPr>
         <p:spPr>
           <a:xfrm>
-            <a:off x="1529678" y="256843"/>
+            <a:off x="1082003" y="256843"/>
             <a:ext cx="301686" cy="369332"/>
           </a:xfrm>
           <a:prstGeom prst="rect">
@@ -7784,7 +7784,7 @@
         </p:nvSpPr>
         <p:spPr>
           <a:xfrm>
-            <a:off x="3240251" y="256843"/>
+            <a:off x="2792576" y="256843"/>
             <a:ext cx="535724" cy="369332"/>
           </a:xfrm>
           <a:prstGeom prst="rect">
@@ -7813,7 +7813,7 @@
         </p:nvSpPr>
         <p:spPr>
           <a:xfrm>
-            <a:off x="3751263" y="466704"/>
+            <a:off x="3303588" y="466704"/>
             <a:ext cx="437238" cy="369332"/>
           </a:xfrm>
           <a:prstGeom prst="rect">
@@ -7861,7 +7861,7 @@
         </p:blipFill>
         <p:spPr>
           <a:xfrm>
-            <a:off x="2217457" y="649601"/>
+            <a:off x="1769782" y="649601"/>
             <a:ext cx="172311" cy="172311"/>
           </a:xfrm>
           <a:prstGeom prst="rect">
@@ -7877,7 +7877,7 @@
         </p:nvSpPr>
         <p:spPr>
           <a:xfrm>
-            <a:off x="2182632" y="611501"/>
+            <a:off x="1734957" y="611501"/>
             <a:ext cx="241959" cy="241959"/>
           </a:xfrm>
           <a:prstGeom prst="rect">
@@ -7926,8 +7926,8 @@
         </p:nvCxnSpPr>
         <p:spPr>
           <a:xfrm flipV="1">
-            <a:off x="1088402" y="732481"/>
-            <a:ext cx="1094230" cy="353837"/>
+            <a:off x="854118" y="732481"/>
+            <a:ext cx="880839" cy="399276"/>
           </a:xfrm>
           <a:prstGeom prst="curvedConnector3">
             <a:avLst>
@@ -7965,7 +7965,7 @@
         </p:nvSpPr>
         <p:spPr>
           <a:xfrm>
-            <a:off x="3726294" y="437468"/>
+            <a:off x="3278619" y="437468"/>
             <a:ext cx="490899" cy="436451"/>
           </a:xfrm>
           <a:prstGeom prst="rect">
@@ -8012,7 +8012,7 @@
         </p:nvSpPr>
         <p:spPr>
           <a:xfrm>
-            <a:off x="2745058" y="1064145"/>
+            <a:off x="2297383" y="1064145"/>
             <a:ext cx="1623842" cy="369332"/>
           </a:xfrm>
           <a:prstGeom prst="rect">
@@ -8049,7 +8049,7 @@
         </p:nvCxnSpPr>
         <p:spPr>
           <a:xfrm flipV="1">
-            <a:off x="2182632" y="995507"/>
+            <a:off x="1734957" y="995507"/>
             <a:ext cx="0" cy="166543"/>
           </a:xfrm>
           <a:prstGeom prst="straightConnector1">
@@ -8086,7 +8086,7 @@
         </p:nvCxnSpPr>
         <p:spPr>
           <a:xfrm flipV="1">
-            <a:off x="3969882" y="883479"/>
+            <a:off x="3522207" y="883479"/>
             <a:ext cx="0" cy="278571"/>
           </a:xfrm>
           <a:prstGeom prst="straightConnector1">
@@ -8115,6 +8115,782 @@
           </a:fontRef>
         </p:style>
       </p:cxnSp>
+      <p:sp>
+        <p:nvSpPr>
+          <p:cNvPr id="61" name="Rounded Rectangle 60"/>
+          <p:cNvSpPr/>
+          <p:nvPr/>
+        </p:nvSpPr>
+        <p:spPr>
+          <a:xfrm>
+            <a:off x="4141142" y="123568"/>
+            <a:ext cx="3902175" cy="1767016"/>
+          </a:xfrm>
+          <a:prstGeom prst="roundRect">
+            <a:avLst>
+              <a:gd name="adj" fmla="val 4686"/>
+            </a:avLst>
+          </a:prstGeom>
+          <a:solidFill>
+            <a:schemeClr val="bg1"/>
+          </a:solidFill>
+          <a:ln w="19050">
+            <a:solidFill>
+              <a:schemeClr val="tx1"/>
+            </a:solidFill>
+          </a:ln>
+        </p:spPr>
+        <p:style>
+          <a:lnRef idx="2">
+            <a:schemeClr val="accent1">
+              <a:shade val="50000"/>
+            </a:schemeClr>
+          </a:lnRef>
+          <a:fillRef idx="1">
+            <a:schemeClr val="accent1"/>
+          </a:fillRef>
+          <a:effectRef idx="0">
+            <a:schemeClr val="accent1"/>
+          </a:effectRef>
+          <a:fontRef idx="minor">
+            <a:schemeClr val="lt1"/>
+          </a:fontRef>
+        </p:style>
+        <p:txBody>
+          <a:bodyPr rtlCol="0" anchor="ctr"/>
+          <a:lstStyle/>
+          <a:p>
+            <a:pPr algn="ctr"/>
+            <a:endParaRPr lang="en-US"/>
+          </a:p>
+        </p:txBody>
+      </p:sp>
+      <p:sp>
+        <p:nvSpPr>
+          <p:cNvPr id="62" name="TextBox 61"/>
+          <p:cNvSpPr txBox="1"/>
+          <p:nvPr/>
+        </p:nvSpPr>
+        <p:spPr>
+          <a:xfrm>
+            <a:off x="4242045" y="-75643"/>
+            <a:ext cx="1522468" cy="369332"/>
+          </a:xfrm>
+          <a:prstGeom prst="rect">
+            <a:avLst/>
+          </a:prstGeom>
+          <a:solidFill>
+            <a:schemeClr val="bg1"/>
+          </a:solidFill>
+        </p:spPr>
+        <p:txBody>
+          <a:bodyPr wrap="none" rtlCol="0">
+            <a:spAutoFit/>
+          </a:bodyPr>
+          <a:lstStyle/>
+          <a:p>
+            <a:r>
+              <a:rPr lang="en-US" dirty="0" smtClean="0"/>
+              <a:t>Sensitive form</a:t>
+            </a:r>
+            <a:endParaRPr lang="en-US" dirty="0"/>
+          </a:p>
+        </p:txBody>
+      </p:sp>
+      <p:sp>
+        <p:nvSpPr>
+          <p:cNvPr id="63" name="Rectangle 62"/>
+          <p:cNvSpPr/>
+          <p:nvPr/>
+        </p:nvSpPr>
+        <p:spPr>
+          <a:xfrm>
+            <a:off x="5354938" y="1408281"/>
+            <a:ext cx="819150" cy="411480"/>
+          </a:xfrm>
+          <a:prstGeom prst="rect">
+            <a:avLst/>
+          </a:prstGeom>
+          <a:solidFill>
+            <a:schemeClr val="bg2"/>
+          </a:solidFill>
+          <a:ln w="12700">
+            <a:solidFill>
+              <a:schemeClr val="tx1"/>
+            </a:solidFill>
+          </a:ln>
+        </p:spPr>
+        <p:style>
+          <a:lnRef idx="2">
+            <a:schemeClr val="accent1">
+              <a:shade val="50000"/>
+            </a:schemeClr>
+          </a:lnRef>
+          <a:fillRef idx="1">
+            <a:schemeClr val="accent1"/>
+          </a:fillRef>
+          <a:effectRef idx="0">
+            <a:schemeClr val="accent1"/>
+          </a:effectRef>
+          <a:fontRef idx="minor">
+            <a:schemeClr val="lt1"/>
+          </a:fontRef>
+        </p:style>
+        <p:txBody>
+          <a:bodyPr rtlCol="0" anchor="ctr"/>
+          <a:lstStyle/>
+          <a:p>
+            <a:pPr algn="ctr"/>
+            <a:r>
+              <a:rPr lang="en-US" b="1" dirty="0" smtClean="0">
+                <a:solidFill>
+                  <a:schemeClr val="tx1"/>
+                </a:solidFill>
+              </a:rPr>
+              <a:t>OK</a:t>
+            </a:r>
+            <a:endParaRPr lang="en-US" b="1" dirty="0">
+              <a:solidFill>
+                <a:schemeClr val="tx1"/>
+              </a:solidFill>
+            </a:endParaRPr>
+          </a:p>
+        </p:txBody>
+      </p:sp>
+      <p:sp>
+        <p:nvSpPr>
+          <p:cNvPr id="64" name="TextBox 63"/>
+          <p:cNvSpPr txBox="1"/>
+          <p:nvPr/>
+        </p:nvSpPr>
+        <p:spPr>
+          <a:xfrm>
+            <a:off x="4337064" y="462050"/>
+            <a:ext cx="713657" cy="369332"/>
+          </a:xfrm>
+          <a:prstGeom prst="rect">
+            <a:avLst/>
+          </a:prstGeom>
+          <a:noFill/>
+        </p:spPr>
+        <p:txBody>
+          <a:bodyPr wrap="none" rtlCol="0">
+            <a:spAutoFit/>
+          </a:bodyPr>
+          <a:lstStyle/>
+          <a:p>
+            <a:r>
+              <a:rPr lang="en-US" dirty="0"/>
+              <a:t>S</a:t>
+            </a:r>
+            <a:r>
+              <a:rPr lang="en-US" dirty="0" smtClean="0"/>
+              <a:t>lider</a:t>
+            </a:r>
+            <a:endParaRPr lang="en-US" dirty="0"/>
+          </a:p>
+        </p:txBody>
+      </p:sp>
+      <p:sp>
+        <p:nvSpPr>
+          <p:cNvPr id="65" name="Rectangle 64"/>
+          <p:cNvSpPr/>
+          <p:nvPr/>
+        </p:nvSpPr>
+        <p:spPr>
+          <a:xfrm>
+            <a:off x="5290819" y="1372393"/>
+            <a:ext cx="1017305" cy="477517"/>
+          </a:xfrm>
+          <a:prstGeom prst="rect">
+            <a:avLst/>
+          </a:prstGeom>
+          <a:noFill/>
+          <a:ln w="28575">
+            <a:solidFill>
+              <a:srgbClr val="FF0000"/>
+            </a:solidFill>
+            <a:prstDash val="solid"/>
+          </a:ln>
+        </p:spPr>
+        <p:style>
+          <a:lnRef idx="2">
+            <a:schemeClr val="accent1">
+              <a:shade val="50000"/>
+            </a:schemeClr>
+          </a:lnRef>
+          <a:fillRef idx="1">
+            <a:schemeClr val="accent1"/>
+          </a:fillRef>
+          <a:effectRef idx="0">
+            <a:schemeClr val="accent1"/>
+          </a:effectRef>
+          <a:fontRef idx="minor">
+            <a:schemeClr val="lt1"/>
+          </a:fontRef>
+        </p:style>
+        <p:txBody>
+          <a:bodyPr rtlCol="0" anchor="ctr"/>
+          <a:lstStyle/>
+          <a:p>
+            <a:pPr algn="ctr"/>
+            <a:endParaRPr lang="en-US"/>
+          </a:p>
+        </p:txBody>
+      </p:sp>
+      <p:sp>
+        <p:nvSpPr>
+          <p:cNvPr id="66" name="Rectangle 65"/>
+          <p:cNvSpPr/>
+          <p:nvPr/>
+        </p:nvSpPr>
+        <p:spPr>
+          <a:xfrm>
+            <a:off x="4086275" y="1171744"/>
+            <a:ext cx="989907" cy="646331"/>
+          </a:xfrm>
+          <a:prstGeom prst="rect">
+            <a:avLst/>
+          </a:prstGeom>
+        </p:spPr>
+        <p:txBody>
+          <a:bodyPr wrap="square">
+            <a:spAutoFit/>
+          </a:bodyPr>
+          <a:lstStyle/>
+          <a:p>
+            <a:r>
+              <a:rPr lang="en-US" dirty="0" smtClean="0">
+                <a:solidFill>
+                  <a:srgbClr val="FF0000"/>
+                </a:solidFill>
+              </a:rPr>
+              <a:t>Mouse pointer</a:t>
+            </a:r>
+            <a:endParaRPr lang="en-US" dirty="0">
+              <a:solidFill>
+                <a:srgbClr val="FF0000"/>
+              </a:solidFill>
+            </a:endParaRPr>
+          </a:p>
+        </p:txBody>
+      </p:sp>
+      <p:sp>
+        <p:nvSpPr>
+          <p:cNvPr id="67" name="Rectangle 66"/>
+          <p:cNvSpPr/>
+          <p:nvPr/>
+        </p:nvSpPr>
+        <p:spPr>
+          <a:xfrm>
+            <a:off x="5050721" y="808084"/>
+            <a:ext cx="1295996" cy="369332"/>
+          </a:xfrm>
+          <a:prstGeom prst="rect">
+            <a:avLst/>
+          </a:prstGeom>
+        </p:spPr>
+        <p:txBody>
+          <a:bodyPr wrap="none">
+            <a:spAutoFit/>
+          </a:bodyPr>
+          <a:lstStyle/>
+          <a:p>
+            <a:r>
+              <a:rPr lang="en-US" dirty="0" smtClean="0">
+                <a:solidFill>
+                  <a:srgbClr val="FF0000"/>
+                </a:solidFill>
+              </a:rPr>
+              <a:t>UI snapshot</a:t>
+            </a:r>
+            <a:endParaRPr lang="en-US" dirty="0">
+              <a:solidFill>
+                <a:srgbClr val="FF0000"/>
+              </a:solidFill>
+            </a:endParaRPr>
+          </a:p>
+        </p:txBody>
+      </p:sp>
+      <p:sp>
+        <p:nvSpPr>
+          <p:cNvPr id="68" name="Rectangle 67"/>
+          <p:cNvSpPr/>
+          <p:nvPr/>
+        </p:nvSpPr>
+        <p:spPr>
+          <a:xfrm>
+            <a:off x="6628424" y="1408281"/>
+            <a:ext cx="819150" cy="411480"/>
+          </a:xfrm>
+          <a:prstGeom prst="rect">
+            <a:avLst/>
+          </a:prstGeom>
+          <a:solidFill>
+            <a:schemeClr val="bg2"/>
+          </a:solidFill>
+          <a:ln w="12700">
+            <a:solidFill>
+              <a:schemeClr val="tx1"/>
+            </a:solidFill>
+          </a:ln>
+        </p:spPr>
+        <p:style>
+          <a:lnRef idx="2">
+            <a:schemeClr val="accent1">
+              <a:shade val="50000"/>
+            </a:schemeClr>
+          </a:lnRef>
+          <a:fillRef idx="1">
+            <a:schemeClr val="accent1"/>
+          </a:fillRef>
+          <a:effectRef idx="0">
+            <a:schemeClr val="accent1"/>
+          </a:effectRef>
+          <a:fontRef idx="minor">
+            <a:schemeClr val="lt1"/>
+          </a:fontRef>
+        </p:style>
+        <p:txBody>
+          <a:bodyPr rtlCol="0" anchor="ctr"/>
+          <a:lstStyle/>
+          <a:p>
+            <a:pPr algn="ctr"/>
+            <a:r>
+              <a:rPr lang="en-US" b="1" dirty="0" smtClean="0">
+                <a:solidFill>
+                  <a:schemeClr val="tx1"/>
+                </a:solidFill>
+              </a:rPr>
+              <a:t>Cancel</a:t>
+            </a:r>
+            <a:endParaRPr lang="en-US" b="1" dirty="0">
+              <a:solidFill>
+                <a:schemeClr val="tx1"/>
+              </a:solidFill>
+            </a:endParaRPr>
+          </a:p>
+        </p:txBody>
+      </p:sp>
+      <p:cxnSp>
+        <p:nvCxnSpPr>
+          <p:cNvPr id="69" name="Straight Connector 68"/>
+          <p:cNvCxnSpPr/>
+          <p:nvPr/>
+        </p:nvCxnSpPr>
+        <p:spPr>
+          <a:xfrm>
+            <a:off x="5354938" y="674809"/>
+            <a:ext cx="1859692" cy="0"/>
+          </a:xfrm>
+          <a:prstGeom prst="line">
+            <a:avLst/>
+          </a:prstGeom>
+          <a:ln w="19050"/>
+        </p:spPr>
+        <p:style>
+          <a:lnRef idx="1">
+            <a:schemeClr val="dk1"/>
+          </a:lnRef>
+          <a:fillRef idx="0">
+            <a:schemeClr val="dk1"/>
+          </a:fillRef>
+          <a:effectRef idx="0">
+            <a:schemeClr val="dk1"/>
+          </a:effectRef>
+          <a:fontRef idx="minor">
+            <a:schemeClr val="tx1"/>
+          </a:fontRef>
+        </p:style>
+      </p:cxnSp>
+      <p:sp>
+        <p:nvSpPr>
+          <p:cNvPr id="70" name="Oval 69"/>
+          <p:cNvSpPr/>
+          <p:nvPr/>
+        </p:nvSpPr>
+        <p:spPr>
+          <a:xfrm>
+            <a:off x="5808792" y="574282"/>
+            <a:ext cx="201053" cy="201053"/>
+          </a:xfrm>
+          <a:prstGeom prst="ellipse">
+            <a:avLst/>
+          </a:prstGeom>
+        </p:spPr>
+        <p:style>
+          <a:lnRef idx="2">
+            <a:schemeClr val="accent1">
+              <a:shade val="50000"/>
+            </a:schemeClr>
+          </a:lnRef>
+          <a:fillRef idx="1">
+            <a:schemeClr val="accent1"/>
+          </a:fillRef>
+          <a:effectRef idx="0">
+            <a:schemeClr val="accent1"/>
+          </a:effectRef>
+          <a:fontRef idx="minor">
+            <a:schemeClr val="lt1"/>
+          </a:fontRef>
+        </p:style>
+        <p:txBody>
+          <a:bodyPr rtlCol="0" anchor="ctr"/>
+          <a:lstStyle/>
+          <a:p>
+            <a:pPr algn="ctr"/>
+            <a:endParaRPr lang="en-US"/>
+          </a:p>
+        </p:txBody>
+      </p:sp>
+      <p:sp>
+        <p:nvSpPr>
+          <p:cNvPr id="71" name="Rectangle 70"/>
+          <p:cNvSpPr/>
+          <p:nvPr/>
+        </p:nvSpPr>
+        <p:spPr>
+          <a:xfrm>
+            <a:off x="5204095" y="256843"/>
+            <a:ext cx="301686" cy="369332"/>
+          </a:xfrm>
+          <a:prstGeom prst="rect">
+            <a:avLst/>
+          </a:prstGeom>
+        </p:spPr>
+        <p:txBody>
+          <a:bodyPr wrap="none">
+            <a:spAutoFit/>
+          </a:bodyPr>
+          <a:lstStyle/>
+          <a:p>
+            <a:r>
+              <a:rPr lang="en-US" dirty="0" smtClean="0"/>
+              <a:t>0</a:t>
+            </a:r>
+            <a:endParaRPr lang="en-US" dirty="0"/>
+          </a:p>
+        </p:txBody>
+      </p:sp>
+      <p:sp>
+        <p:nvSpPr>
+          <p:cNvPr id="72" name="Rectangle 71"/>
+          <p:cNvSpPr/>
+          <p:nvPr/>
+        </p:nvSpPr>
+        <p:spPr>
+          <a:xfrm>
+            <a:off x="6914668" y="256843"/>
+            <a:ext cx="535724" cy="369332"/>
+          </a:xfrm>
+          <a:prstGeom prst="rect">
+            <a:avLst/>
+          </a:prstGeom>
+        </p:spPr>
+        <p:txBody>
+          <a:bodyPr wrap="none">
+            <a:spAutoFit/>
+          </a:bodyPr>
+          <a:lstStyle/>
+          <a:p>
+            <a:r>
+              <a:rPr lang="en-US" dirty="0" smtClean="0"/>
+              <a:t>100</a:t>
+            </a:r>
+            <a:endParaRPr lang="en-US" dirty="0"/>
+          </a:p>
+        </p:txBody>
+      </p:sp>
+      <p:sp>
+        <p:nvSpPr>
+          <p:cNvPr id="73" name="Rectangle 72"/>
+          <p:cNvSpPr/>
+          <p:nvPr/>
+        </p:nvSpPr>
+        <p:spPr>
+          <a:xfrm>
+            <a:off x="7425680" y="466704"/>
+            <a:ext cx="437238" cy="369332"/>
+          </a:xfrm>
+          <a:prstGeom prst="rect">
+            <a:avLst/>
+          </a:prstGeom>
+          <a:ln>
+            <a:solidFill>
+              <a:schemeClr val="tx1"/>
+            </a:solidFill>
+          </a:ln>
+        </p:spPr>
+        <p:txBody>
+          <a:bodyPr wrap="square">
+            <a:spAutoFit/>
+          </a:bodyPr>
+          <a:lstStyle/>
+          <a:p>
+            <a:r>
+              <a:rPr lang="en-US" dirty="0" smtClean="0"/>
+              <a:t>35</a:t>
+            </a:r>
+            <a:endParaRPr lang="en-US" dirty="0"/>
+          </a:p>
+        </p:txBody>
+      </p:sp>
+      <p:grpSp>
+        <p:nvGrpSpPr>
+          <p:cNvPr id="85" name="Group 84"/>
+          <p:cNvGrpSpPr/>
+          <p:nvPr/>
+        </p:nvGrpSpPr>
+        <p:grpSpPr>
+          <a:xfrm>
+            <a:off x="5428047" y="1513652"/>
+            <a:ext cx="241959" cy="241959"/>
+            <a:chOff x="6273299" y="2620750"/>
+            <a:chExt cx="241959" cy="241959"/>
+          </a:xfrm>
+        </p:grpSpPr>
+        <p:pic>
+          <p:nvPicPr>
+            <p:cNvPr id="74" name="Picture 73"/>
+            <p:cNvPicPr>
+              <a:picLocks noChangeAspect="1"/>
+            </p:cNvPicPr>
+            <p:nvPr/>
+          </p:nvPicPr>
+          <p:blipFill>
+            <a:blip r:embed="rId2" cstate="print">
+              <a:extLst>
+                <a:ext uri="{28A0092B-C50C-407E-A947-70E740481C1C}">
+                  <a14:useLocalDpi xmlns:a14="http://schemas.microsoft.com/office/drawing/2010/main" val="0"/>
+                </a:ext>
+              </a:extLst>
+            </a:blip>
+            <a:stretch>
+              <a:fillRect/>
+            </a:stretch>
+          </p:blipFill>
+          <p:spPr>
+            <a:xfrm>
+              <a:off x="6308124" y="2658850"/>
+              <a:ext cx="172311" cy="172311"/>
+            </a:xfrm>
+            <a:prstGeom prst="rect">
+              <a:avLst/>
+            </a:prstGeom>
+          </p:spPr>
+        </p:pic>
+        <p:sp>
+          <p:nvSpPr>
+            <p:cNvPr id="75" name="Rectangle 74"/>
+            <p:cNvSpPr/>
+            <p:nvPr/>
+          </p:nvSpPr>
+          <p:spPr>
+            <a:xfrm>
+              <a:off x="6273299" y="2620750"/>
+              <a:ext cx="241959" cy="241959"/>
+            </a:xfrm>
+            <a:prstGeom prst="rect">
+              <a:avLst/>
+            </a:prstGeom>
+            <a:noFill/>
+            <a:ln w="28575">
+              <a:solidFill>
+                <a:srgbClr val="FF0000"/>
+              </a:solidFill>
+              <a:prstDash val="solid"/>
+            </a:ln>
+          </p:spPr>
+          <p:style>
+            <a:lnRef idx="2">
+              <a:schemeClr val="accent1">
+                <a:shade val="50000"/>
+              </a:schemeClr>
+            </a:lnRef>
+            <a:fillRef idx="1">
+              <a:schemeClr val="accent1"/>
+            </a:fillRef>
+            <a:effectRef idx="0">
+              <a:schemeClr val="accent1"/>
+            </a:effectRef>
+            <a:fontRef idx="minor">
+              <a:schemeClr val="lt1"/>
+            </a:fontRef>
+          </p:style>
+          <p:txBody>
+            <a:bodyPr rtlCol="0" anchor="ctr"/>
+            <a:lstStyle/>
+            <a:p>
+              <a:pPr algn="ctr"/>
+              <a:endParaRPr lang="en-US"/>
+            </a:p>
+          </p:txBody>
+        </p:sp>
+      </p:grpSp>
+      <p:cxnSp>
+        <p:nvCxnSpPr>
+          <p:cNvPr id="76" name="Curved Connector 75"/>
+          <p:cNvCxnSpPr>
+            <a:endCxn id="75" idx="1"/>
+          </p:cNvCxnSpPr>
+          <p:nvPr/>
+        </p:nvCxnSpPr>
+        <p:spPr>
+          <a:xfrm>
+            <a:off x="4839484" y="1565329"/>
+            <a:ext cx="588563" cy="69303"/>
+          </a:xfrm>
+          <a:prstGeom prst="curvedConnector3">
+            <a:avLst>
+              <a:gd name="adj1" fmla="val 50000"/>
+            </a:avLst>
+          </a:prstGeom>
+          <a:ln w="19050">
+            <a:solidFill>
+              <a:srgbClr val="FF0000"/>
+            </a:solidFill>
+            <a:headEnd type="none" w="med" len="med"/>
+            <a:tailEnd type="arrow" w="med" len="med"/>
+          </a:ln>
+        </p:spPr>
+        <p:style>
+          <a:lnRef idx="1">
+            <a:schemeClr val="accent1"/>
+          </a:lnRef>
+          <a:fillRef idx="0">
+            <a:schemeClr val="accent1"/>
+          </a:fillRef>
+          <a:effectRef idx="0">
+            <a:schemeClr val="accent1"/>
+          </a:effectRef>
+          <a:fontRef idx="minor">
+            <a:schemeClr val="tx1"/>
+          </a:fontRef>
+        </p:style>
+      </p:cxnSp>
+      <p:cxnSp>
+        <p:nvCxnSpPr>
+          <p:cNvPr id="79" name="Straight Arrow Connector 78"/>
+          <p:cNvCxnSpPr/>
+          <p:nvPr/>
+        </p:nvCxnSpPr>
+        <p:spPr>
+          <a:xfrm>
+            <a:off x="5940156" y="1131757"/>
+            <a:ext cx="0" cy="240636"/>
+          </a:xfrm>
+          <a:prstGeom prst="straightConnector1">
+            <a:avLst/>
+          </a:prstGeom>
+          <a:ln w="19050">
+            <a:solidFill>
+              <a:srgbClr val="FF0000"/>
+            </a:solidFill>
+            <a:headEnd type="none" w="med" len="med"/>
+            <a:tailEnd type="arrow" w="med" len="med"/>
+          </a:ln>
+        </p:spPr>
+        <p:style>
+          <a:lnRef idx="1">
+            <a:schemeClr val="accent1"/>
+          </a:lnRef>
+          <a:fillRef idx="0">
+            <a:schemeClr val="accent1"/>
+          </a:fillRef>
+          <a:effectRef idx="0">
+            <a:schemeClr val="accent1"/>
+          </a:effectRef>
+          <a:fontRef idx="minor">
+            <a:schemeClr val="tx1"/>
+          </a:fontRef>
+        </p:style>
+      </p:cxnSp>
+      <p:sp>
+        <p:nvSpPr>
+          <p:cNvPr id="83" name="Oval 82"/>
+          <p:cNvSpPr/>
+          <p:nvPr/>
+        </p:nvSpPr>
+        <p:spPr>
+          <a:xfrm>
+            <a:off x="19050" y="1737463"/>
+            <a:ext cx="202025" cy="198787"/>
+          </a:xfrm>
+          <a:prstGeom prst="ellipse">
+            <a:avLst/>
+          </a:prstGeom>
+          <a:ln w="19050"/>
+        </p:spPr>
+        <p:style>
+          <a:lnRef idx="2">
+            <a:schemeClr val="dk1"/>
+          </a:lnRef>
+          <a:fillRef idx="1">
+            <a:schemeClr val="lt1"/>
+          </a:fillRef>
+          <a:effectRef idx="0">
+            <a:schemeClr val="dk1"/>
+          </a:effectRef>
+          <a:fontRef idx="minor">
+            <a:schemeClr val="dk1"/>
+          </a:fontRef>
+        </p:style>
+        <p:txBody>
+          <a:bodyPr rtlCol="0" anchor="ctr"/>
+          <a:lstStyle/>
+          <a:p>
+            <a:pPr algn="ctr"/>
+            <a:r>
+              <a:rPr lang="en-US" b="1" dirty="0" smtClean="0"/>
+              <a:t>1</a:t>
+            </a:r>
+            <a:endParaRPr lang="en-US" b="1" dirty="0"/>
+          </a:p>
+        </p:txBody>
+      </p:sp>
+      <p:sp>
+        <p:nvSpPr>
+          <p:cNvPr id="84" name="Oval 83"/>
+          <p:cNvSpPr/>
+          <p:nvPr/>
+        </p:nvSpPr>
+        <p:spPr>
+          <a:xfrm>
+            <a:off x="4090611" y="1737463"/>
+            <a:ext cx="202025" cy="198787"/>
+          </a:xfrm>
+          <a:prstGeom prst="ellipse">
+            <a:avLst/>
+          </a:prstGeom>
+          <a:ln w="19050"/>
+        </p:spPr>
+        <p:style>
+          <a:lnRef idx="2">
+            <a:schemeClr val="dk1"/>
+          </a:lnRef>
+          <a:fillRef idx="1">
+            <a:schemeClr val="lt1"/>
+          </a:fillRef>
+          <a:effectRef idx="0">
+            <a:schemeClr val="dk1"/>
+          </a:effectRef>
+          <a:fontRef idx="minor">
+            <a:schemeClr val="dk1"/>
+          </a:fontRef>
+        </p:style>
+        <p:txBody>
+          <a:bodyPr rtlCol="0" anchor="ctr"/>
+          <a:lstStyle/>
+          <a:p>
+            <a:pPr algn="ctr"/>
+            <a:r>
+              <a:rPr lang="en-US" b="1" dirty="0" smtClean="0"/>
+              <a:t>2</a:t>
+            </a:r>
+            <a:endParaRPr lang="en-US" b="1" dirty="0"/>
+          </a:p>
+        </p:txBody>
+      </p:sp>
     </p:spTree>
     <p:extLst>
       <p:ext uri="{BB962C8B-B14F-4D97-AF65-F5344CB8AC3E}">
